--- a/Java/Java #2/EN/Java #2.pptx
+++ b/Java/Java #2/EN/Java #2.pptx
@@ -4,10 +4,12 @@
   <p:sldMasterIdLst>
     <p:sldMasterId id="2147483648" r:id="rId2"/>
     <p:sldMasterId id="2147483661" r:id="rId3"/>
+    <p:sldMasterId id="2147483674" r:id="rId4"/>
   </p:sldMasterIdLst>
   <p:sldIdLst>
-    <p:sldId id="256" r:id="rId4"/>
-    <p:sldId id="257" r:id="rId5"/>
+    <p:sldId id="256" r:id="rId5"/>
+    <p:sldId id="257" r:id="rId6"/>
+    <p:sldId id="258" r:id="rId7"/>
   </p:sldIdLst>
   <p:sldSz cx="9144000" cy="6858000"/>
   <p:notesSz cx="7772400" cy="10058400"/>
@@ -65,7 +67,7 @@
         <p:txBody>
           <a:bodyPr/>
           <a:p>
-            <a:fld id="{099C8A4A-2DBD-4D69-AEE8-C7C2D58B7E94}" type="slidenum">
+            <a:fld id="{7EDAE2A0-2C73-4D4E-85D7-D9DC6ABE09CE}" type="slidenum">
               <a:t>&lt;#&gt;</a:t>
             </a:fld>
           </a:p>
@@ -274,7 +276,7 @@
         <p:txBody>
           <a:bodyPr/>
           <a:p>
-            <a:fld id="{7E0A161A-9B4E-42A9-A3C4-02B3DAE8B120}" type="slidenum">
+            <a:fld id="{1F24B582-EE2E-4C90-A3EC-896EC7B8CF39}" type="slidenum">
               <a:t>&lt;#&gt;</a:t>
             </a:fld>
           </a:p>
@@ -569,7 +571,7 @@
         <p:txBody>
           <a:bodyPr/>
           <a:p>
-            <a:fld id="{A97746C4-EC0E-4A81-87E0-A38520591D38}" type="slidenum">
+            <a:fld id="{88DC34DA-E640-4124-8BEE-2AEE3A8C11CC}" type="slidenum">
               <a:t>&lt;#&gt;</a:t>
             </a:fld>
           </a:p>
@@ -950,7 +952,7 @@
         <p:txBody>
           <a:bodyPr/>
           <a:p>
-            <a:fld id="{610D2731-6324-4EBB-B9EF-97B335E31168}" type="slidenum">
+            <a:fld id="{52FC641E-FE97-4849-B3A6-E401A8C9C0AE}" type="slidenum">
               <a:t>&lt;#&gt;</a:t>
             </a:fld>
           </a:p>
@@ -1033,7 +1035,7 @@
         <p:txBody>
           <a:bodyPr/>
           <a:p>
-            <a:fld id="{1CAA7BB6-8191-4480-B100-359447185C98}" type="slidenum">
+            <a:fld id="{1D0EA44A-19C2-4992-B023-799DABC516B1}" type="slidenum">
               <a:t>&lt;#&gt;</a:t>
             </a:fld>
           </a:p>
@@ -1196,7 +1198,7 @@
         <p:txBody>
           <a:bodyPr/>
           <a:p>
-            <a:fld id="{E1E53C0A-666A-443B-934E-F2B5E271EB20}" type="slidenum">
+            <a:fld id="{3031EDAD-7AC5-4937-B17B-432D27B534A9}" type="slidenum">
               <a:t>&lt;#&gt;</a:t>
             </a:fld>
           </a:p>
@@ -1362,7 +1364,7 @@
         <p:txBody>
           <a:bodyPr/>
           <a:p>
-            <a:fld id="{78B4B178-785A-417C-B5FB-A1C66865E56C}" type="slidenum">
+            <a:fld id="{47A4743C-9670-432A-A9B9-BF809F851A4F}" type="slidenum">
               <a:t>&lt;#&gt;</a:t>
             </a:fld>
           </a:p>
@@ -1571,7 +1573,7 @@
         <p:txBody>
           <a:bodyPr/>
           <a:p>
-            <a:fld id="{42BA3757-3FF4-48D5-887A-0B9929CF0CBB}" type="slidenum">
+            <a:fld id="{55438329-2DB6-4959-8BAC-556C15483022}" type="slidenum">
               <a:t>&lt;#&gt;</a:t>
             </a:fld>
           </a:p>
@@ -1694,7 +1696,7 @@
         <p:txBody>
           <a:bodyPr/>
           <a:p>
-            <a:fld id="{DD3047FA-5B31-4CF5-AE47-B808097A6311}" type="slidenum">
+            <a:fld id="{DE73D82B-654B-422A-8E25-7C69E35A0400}" type="slidenum">
               <a:t>&lt;#&gt;</a:t>
             </a:fld>
           </a:p>
@@ -1815,7 +1817,7 @@
         <p:txBody>
           <a:bodyPr/>
           <a:p>
-            <a:fld id="{B528DBE9-AA5A-4543-B5ED-3D14C720F7F2}" type="slidenum">
+            <a:fld id="{23610296-D02F-49DF-9496-52D5207FFB5F}" type="slidenum">
               <a:t>&lt;#&gt;</a:t>
             </a:fld>
           </a:p>
@@ -2067,7 +2069,7 @@
         <p:txBody>
           <a:bodyPr/>
           <a:p>
-            <a:fld id="{70114DBB-391B-4E4D-9CF6-8688E93D96F1}" type="slidenum">
+            <a:fld id="{ACE89225-17E6-4B6C-A790-B78C518A3E98}" type="slidenum">
               <a:t>&lt;#&gt;</a:t>
             </a:fld>
           </a:p>
@@ -2230,7 +2232,7 @@
         <p:txBody>
           <a:bodyPr/>
           <a:p>
-            <a:fld id="{D60E97E7-E060-49BE-B363-606017C5AFC3}" type="slidenum">
+            <a:fld id="{467B269E-0714-4265-AEF4-39436D8FAC5D}" type="slidenum">
               <a:t>&lt;#&gt;</a:t>
             </a:fld>
           </a:p>
@@ -2482,7 +2484,7 @@
         <p:txBody>
           <a:bodyPr/>
           <a:p>
-            <a:fld id="{8F5EABBD-A761-4ABE-B01D-56939C12138B}" type="slidenum">
+            <a:fld id="{5E5F0E6D-0F8F-4550-8237-E251530DEEBE}" type="slidenum">
               <a:t>&lt;#&gt;</a:t>
             </a:fld>
           </a:p>
@@ -2734,7 +2736,7 @@
         <p:txBody>
           <a:bodyPr/>
           <a:p>
-            <a:fld id="{6A2AABD9-B1F8-40DA-84E7-F334361FB327}" type="slidenum">
+            <a:fld id="{5CAF0B6E-7148-4844-AC9A-C623C4289298}" type="slidenum">
               <a:t>&lt;#&gt;</a:t>
             </a:fld>
           </a:p>
@@ -2943,7 +2945,7 @@
         <p:txBody>
           <a:bodyPr/>
           <a:p>
-            <a:fld id="{CE4446B7-2C8F-40A5-8F12-1816CD98C9C1}" type="slidenum">
+            <a:fld id="{A0F144F9-1002-4685-9325-1BAB9867CEDE}" type="slidenum">
               <a:t>&lt;#&gt;</a:t>
             </a:fld>
           </a:p>
@@ -3238,7 +3240,7 @@
         <p:txBody>
           <a:bodyPr/>
           <a:p>
-            <a:fld id="{4A9C8540-24E8-4995-A1EA-0C8E36C8D9D9}" type="slidenum">
+            <a:fld id="{E8955EC9-B0C7-4396-B497-9662E5C1DCED}" type="slidenum">
               <a:t>&lt;#&gt;</a:t>
             </a:fld>
           </a:p>
@@ -3619,7 +3621,7 @@
         <p:txBody>
           <a:bodyPr/>
           <a:p>
-            <a:fld id="{7B77A7EA-F073-4B0F-9841-565FE8E176A9}" type="slidenum">
+            <a:fld id="{BB5795DA-6E46-4109-9160-9957CB74EF3F}" type="slidenum">
               <a:t>&lt;#&gt;</a:t>
             </a:fld>
           </a:p>
@@ -3633,6 +3635,750 @@
           </p:cNvSpPr>
           <p:nvPr>
             <p:ph type="dt" idx="6"/>
+          </p:nvPr>
+        </p:nvSpPr>
+        <p:spPr/>
+        <p:txBody>
+          <a:bodyPr/>
+          <a:p>
+            <a:r>
+              <a:rPr lang="en-US"/>
+              <a:t/>
+            </a:r>
+          </a:p>
+        </p:txBody>
+      </p:sp>
+    </p:spTree>
+  </p:cSld>
+</p:sldLayout>
+</file>
+
+<file path=ppt/slideLayouts/slideLayout25.xml><?xml version="1.0" encoding="utf-8"?>
+<p:sldLayout xmlns:a="http://schemas.openxmlformats.org/drawingml/2006/main" xmlns:p="http://schemas.openxmlformats.org/presentationml/2006/main" xmlns:r="http://schemas.openxmlformats.org/officeDocument/2006/relationships" xmlns:p14="http://schemas.microsoft.com/office/powerpoint/2010/main" xmlns:p15="http://schemas.microsoft.com/office/powerpoint/2012/main" xmlns:mc="http://schemas.openxmlformats.org/markup-compatibility/2006" type="blank" preserve="1">
+  <p:cSld name="Blank Slide">
+    <p:spTree>
+      <p:nvGrpSpPr>
+        <p:cNvPr id="1" name=""/>
+        <p:cNvGrpSpPr/>
+        <p:nvPr/>
+      </p:nvGrpSpPr>
+      <p:grpSpPr>
+        <a:xfrm>
+          <a:off x="0" y="0"/>
+          <a:ext cx="0" cy="0"/>
+          <a:chOff x="0" y="0"/>
+          <a:chExt cx="0" cy="0"/>
+        </a:xfrm>
+      </p:grpSpPr>
+      <p:sp>
+        <p:nvSpPr>
+          <p:cNvPr id="2" name="PlaceHolder 1"/>
+          <p:cNvSpPr>
+            <a:spLocks noGrp="1"/>
+          </p:cNvSpPr>
+          <p:nvPr>
+            <p:ph type="ftr" idx="7"/>
+          </p:nvPr>
+        </p:nvSpPr>
+        <p:spPr/>
+        <p:txBody>
+          <a:bodyPr/>
+          <a:p>
+            <a:r>
+              <a:t>Footer</a:t>
+            </a:r>
+          </a:p>
+        </p:txBody>
+      </p:sp>
+      <p:sp>
+        <p:nvSpPr>
+          <p:cNvPr id="3" name="PlaceHolder 2"/>
+          <p:cNvSpPr>
+            <a:spLocks noGrp="1"/>
+          </p:cNvSpPr>
+          <p:nvPr>
+            <p:ph type="sldNum" idx="8"/>
+          </p:nvPr>
+        </p:nvSpPr>
+        <p:spPr/>
+        <p:txBody>
+          <a:bodyPr/>
+          <a:p>
+            <a:fld id="{5CE6DE62-C80A-4944-8BB0-0D4D2BE8E736}" type="slidenum">
+              <a:t>&lt;#&gt;</a:t>
+            </a:fld>
+          </a:p>
+        </p:txBody>
+      </p:sp>
+      <p:sp>
+        <p:nvSpPr>
+          <p:cNvPr id="4" name="PlaceHolder 3"/>
+          <p:cNvSpPr>
+            <a:spLocks noGrp="1"/>
+          </p:cNvSpPr>
+          <p:nvPr>
+            <p:ph type="dt" idx="9"/>
+          </p:nvPr>
+        </p:nvSpPr>
+        <p:spPr/>
+        <p:txBody>
+          <a:bodyPr/>
+          <a:p>
+            <a:r>
+              <a:rPr lang="en-US"/>
+              <a:t/>
+            </a:r>
+          </a:p>
+        </p:txBody>
+      </p:sp>
+    </p:spTree>
+  </p:cSld>
+</p:sldLayout>
+</file>
+
+<file path=ppt/slideLayouts/slideLayout26.xml><?xml version="1.0" encoding="utf-8"?>
+<p:sldLayout xmlns:a="http://schemas.openxmlformats.org/drawingml/2006/main" xmlns:p="http://schemas.openxmlformats.org/presentationml/2006/main" xmlns:r="http://schemas.openxmlformats.org/officeDocument/2006/relationships" xmlns:p14="http://schemas.microsoft.com/office/powerpoint/2010/main" xmlns:p15="http://schemas.microsoft.com/office/powerpoint/2012/main" xmlns:mc="http://schemas.openxmlformats.org/markup-compatibility/2006" type="tx" preserve="1">
+  <p:cSld name="Title Slide">
+    <p:spTree>
+      <p:nvGrpSpPr>
+        <p:cNvPr id="1" name=""/>
+        <p:cNvGrpSpPr/>
+        <p:nvPr/>
+      </p:nvGrpSpPr>
+      <p:grpSpPr>
+        <a:xfrm>
+          <a:off x="0" y="0"/>
+          <a:ext cx="0" cy="0"/>
+          <a:chOff x="0" y="0"/>
+          <a:chExt cx="0" cy="0"/>
+        </a:xfrm>
+      </p:grpSpPr>
+      <p:sp>
+        <p:nvSpPr>
+          <p:cNvPr id="87" name="PlaceHolder 1"/>
+          <p:cNvSpPr>
+            <a:spLocks noGrp="1"/>
+          </p:cNvSpPr>
+          <p:nvPr>
+            <p:ph type="title"/>
+          </p:nvPr>
+        </p:nvSpPr>
+        <p:spPr>
+          <a:xfrm>
+            <a:off x="457200" y="273600"/>
+            <a:ext cx="8229240" cy="1144800"/>
+          </a:xfrm>
+          <a:prstGeom prst="rect">
+            <a:avLst/>
+          </a:prstGeom>
+          <a:noFill/>
+          <a:ln w="0">
+            <a:noFill/>
+          </a:ln>
+        </p:spPr>
+        <p:txBody>
+          <a:bodyPr lIns="0" rIns="0" tIns="0" bIns="0" anchor="ctr">
+            <a:noAutofit/>
+          </a:bodyPr>
+          <a:p>
+            <a:pPr indent="0" algn="ctr">
+              <a:buNone/>
+            </a:pPr>
+            <a:endParaRPr b="0" lang="en-US" sz="4400" spc="-1" strike="noStrike">
+              <a:solidFill>
+                <a:srgbClr val="000000"/>
+              </a:solidFill>
+              <a:latin typeface="Arial"/>
+            </a:endParaRPr>
+          </a:p>
+        </p:txBody>
+      </p:sp>
+      <p:sp>
+        <p:nvSpPr>
+          <p:cNvPr id="88" name="PlaceHolder 2"/>
+          <p:cNvSpPr>
+            <a:spLocks noGrp="1"/>
+          </p:cNvSpPr>
+          <p:nvPr>
+            <p:ph type="subTitle"/>
+          </p:nvPr>
+        </p:nvSpPr>
+        <p:spPr>
+          <a:xfrm>
+            <a:off x="457200" y="1604520"/>
+            <a:ext cx="8229240" cy="3977280"/>
+          </a:xfrm>
+          <a:prstGeom prst="rect">
+            <a:avLst/>
+          </a:prstGeom>
+          <a:noFill/>
+          <a:ln w="0">
+            <a:noFill/>
+          </a:ln>
+        </p:spPr>
+        <p:txBody>
+          <a:bodyPr lIns="0" rIns="0" tIns="0" bIns="0" anchor="ctr">
+            <a:noAutofit/>
+          </a:bodyPr>
+          <a:p>
+            <a:pPr indent="0" algn="ctr">
+              <a:buNone/>
+            </a:pPr>
+            <a:endParaRPr b="0" lang="en-US" sz="3200" spc="-1" strike="noStrike">
+              <a:solidFill>
+                <a:srgbClr val="000000"/>
+              </a:solidFill>
+              <a:latin typeface="Arial"/>
+            </a:endParaRPr>
+          </a:p>
+        </p:txBody>
+      </p:sp>
+      <p:sp>
+        <p:nvSpPr>
+          <p:cNvPr id="4" name="PlaceHolder 3"/>
+          <p:cNvSpPr>
+            <a:spLocks noGrp="1"/>
+          </p:cNvSpPr>
+          <p:nvPr>
+            <p:ph type="ftr" idx="7"/>
+          </p:nvPr>
+        </p:nvSpPr>
+        <p:spPr/>
+        <p:txBody>
+          <a:bodyPr/>
+          <a:p>
+            <a:r>
+              <a:t>Footer</a:t>
+            </a:r>
+          </a:p>
+        </p:txBody>
+      </p:sp>
+      <p:sp>
+        <p:nvSpPr>
+          <p:cNvPr id="5" name="PlaceHolder 4"/>
+          <p:cNvSpPr>
+            <a:spLocks noGrp="1"/>
+          </p:cNvSpPr>
+          <p:nvPr>
+            <p:ph type="sldNum" idx="8"/>
+          </p:nvPr>
+        </p:nvSpPr>
+        <p:spPr/>
+        <p:txBody>
+          <a:bodyPr/>
+          <a:p>
+            <a:fld id="{D67E561E-C69F-4DAB-8CED-0CCB186DB59D}" type="slidenum">
+              <a:t>&lt;#&gt;</a:t>
+            </a:fld>
+          </a:p>
+        </p:txBody>
+      </p:sp>
+      <p:sp>
+        <p:nvSpPr>
+          <p:cNvPr id="6" name="PlaceHolder 5"/>
+          <p:cNvSpPr>
+            <a:spLocks noGrp="1"/>
+          </p:cNvSpPr>
+          <p:nvPr>
+            <p:ph type="dt" idx="9"/>
+          </p:nvPr>
+        </p:nvSpPr>
+        <p:spPr/>
+        <p:txBody>
+          <a:bodyPr/>
+          <a:p>
+            <a:r>
+              <a:rPr lang="en-US"/>
+              <a:t/>
+            </a:r>
+          </a:p>
+        </p:txBody>
+      </p:sp>
+    </p:spTree>
+  </p:cSld>
+</p:sldLayout>
+</file>
+
+<file path=ppt/slideLayouts/slideLayout27.xml><?xml version="1.0" encoding="utf-8"?>
+<p:sldLayout xmlns:a="http://schemas.openxmlformats.org/drawingml/2006/main" xmlns:p="http://schemas.openxmlformats.org/presentationml/2006/main" xmlns:r="http://schemas.openxmlformats.org/officeDocument/2006/relationships" xmlns:p14="http://schemas.microsoft.com/office/powerpoint/2010/main" xmlns:p15="http://schemas.microsoft.com/office/powerpoint/2012/main" xmlns:mc="http://schemas.openxmlformats.org/markup-compatibility/2006" type="obj" preserve="1">
+  <p:cSld name="Title, Content">
+    <p:spTree>
+      <p:nvGrpSpPr>
+        <p:cNvPr id="1" name=""/>
+        <p:cNvGrpSpPr/>
+        <p:nvPr/>
+      </p:nvGrpSpPr>
+      <p:grpSpPr>
+        <a:xfrm>
+          <a:off x="0" y="0"/>
+          <a:ext cx="0" cy="0"/>
+          <a:chOff x="0" y="0"/>
+          <a:chExt cx="0" cy="0"/>
+        </a:xfrm>
+      </p:grpSpPr>
+      <p:sp>
+        <p:nvSpPr>
+          <p:cNvPr id="89" name="PlaceHolder 1"/>
+          <p:cNvSpPr>
+            <a:spLocks noGrp="1"/>
+          </p:cNvSpPr>
+          <p:nvPr>
+            <p:ph type="title"/>
+          </p:nvPr>
+        </p:nvSpPr>
+        <p:spPr>
+          <a:xfrm>
+            <a:off x="457200" y="273600"/>
+            <a:ext cx="8229240" cy="1144800"/>
+          </a:xfrm>
+          <a:prstGeom prst="rect">
+            <a:avLst/>
+          </a:prstGeom>
+          <a:noFill/>
+          <a:ln w="0">
+            <a:noFill/>
+          </a:ln>
+        </p:spPr>
+        <p:txBody>
+          <a:bodyPr lIns="0" rIns="0" tIns="0" bIns="0" anchor="ctr">
+            <a:noAutofit/>
+          </a:bodyPr>
+          <a:p>
+            <a:pPr indent="0" algn="ctr">
+              <a:buNone/>
+            </a:pPr>
+            <a:endParaRPr b="0" lang="en-US" sz="4400" spc="-1" strike="noStrike">
+              <a:solidFill>
+                <a:srgbClr val="000000"/>
+              </a:solidFill>
+              <a:latin typeface="Arial"/>
+            </a:endParaRPr>
+          </a:p>
+        </p:txBody>
+      </p:sp>
+      <p:sp>
+        <p:nvSpPr>
+          <p:cNvPr id="90" name="PlaceHolder 2"/>
+          <p:cNvSpPr>
+            <a:spLocks noGrp="1"/>
+          </p:cNvSpPr>
+          <p:nvPr>
+            <p:ph/>
+          </p:nvPr>
+        </p:nvSpPr>
+        <p:spPr>
+          <a:xfrm>
+            <a:off x="457200" y="1604520"/>
+            <a:ext cx="8229240" cy="3977280"/>
+          </a:xfrm>
+          <a:prstGeom prst="rect">
+            <a:avLst/>
+          </a:prstGeom>
+          <a:noFill/>
+          <a:ln w="0">
+            <a:noFill/>
+          </a:ln>
+        </p:spPr>
+        <p:txBody>
+          <a:bodyPr lIns="0" rIns="0" tIns="0" bIns="0" anchor="t">
+            <a:normAutofit/>
+          </a:bodyPr>
+          <a:p>
+            <a:pPr indent="0">
+              <a:spcBef>
+                <a:spcPts val="1417"/>
+              </a:spcBef>
+              <a:buNone/>
+            </a:pPr>
+            <a:endParaRPr b="0" lang="en-US" sz="3200" spc="-1" strike="noStrike">
+              <a:solidFill>
+                <a:srgbClr val="000000"/>
+              </a:solidFill>
+              <a:latin typeface="Arial"/>
+            </a:endParaRPr>
+          </a:p>
+        </p:txBody>
+      </p:sp>
+      <p:sp>
+        <p:nvSpPr>
+          <p:cNvPr id="4" name="PlaceHolder 3"/>
+          <p:cNvSpPr>
+            <a:spLocks noGrp="1"/>
+          </p:cNvSpPr>
+          <p:nvPr>
+            <p:ph type="ftr" idx="7"/>
+          </p:nvPr>
+        </p:nvSpPr>
+        <p:spPr/>
+        <p:txBody>
+          <a:bodyPr/>
+          <a:p>
+            <a:r>
+              <a:t>Footer</a:t>
+            </a:r>
+          </a:p>
+        </p:txBody>
+      </p:sp>
+      <p:sp>
+        <p:nvSpPr>
+          <p:cNvPr id="5" name="PlaceHolder 4"/>
+          <p:cNvSpPr>
+            <a:spLocks noGrp="1"/>
+          </p:cNvSpPr>
+          <p:nvPr>
+            <p:ph type="sldNum" idx="8"/>
+          </p:nvPr>
+        </p:nvSpPr>
+        <p:spPr/>
+        <p:txBody>
+          <a:bodyPr/>
+          <a:p>
+            <a:fld id="{AE1DD049-E85C-422F-9F78-E19BB29762CD}" type="slidenum">
+              <a:t>&lt;#&gt;</a:t>
+            </a:fld>
+          </a:p>
+        </p:txBody>
+      </p:sp>
+      <p:sp>
+        <p:nvSpPr>
+          <p:cNvPr id="6" name="PlaceHolder 5"/>
+          <p:cNvSpPr>
+            <a:spLocks noGrp="1"/>
+          </p:cNvSpPr>
+          <p:nvPr>
+            <p:ph type="dt" idx="9"/>
+          </p:nvPr>
+        </p:nvSpPr>
+        <p:spPr/>
+        <p:txBody>
+          <a:bodyPr/>
+          <a:p>
+            <a:r>
+              <a:rPr lang="en-US"/>
+              <a:t/>
+            </a:r>
+          </a:p>
+        </p:txBody>
+      </p:sp>
+    </p:spTree>
+  </p:cSld>
+</p:sldLayout>
+</file>
+
+<file path=ppt/slideLayouts/slideLayout28.xml><?xml version="1.0" encoding="utf-8"?>
+<p:sldLayout xmlns:a="http://schemas.openxmlformats.org/drawingml/2006/main" xmlns:p="http://schemas.openxmlformats.org/presentationml/2006/main" xmlns:r="http://schemas.openxmlformats.org/officeDocument/2006/relationships" xmlns:p14="http://schemas.microsoft.com/office/powerpoint/2010/main" xmlns:p15="http://schemas.microsoft.com/office/powerpoint/2012/main" xmlns:mc="http://schemas.openxmlformats.org/markup-compatibility/2006" type="twoObj" preserve="1">
+  <p:cSld name="Title, 2 Content">
+    <p:spTree>
+      <p:nvGrpSpPr>
+        <p:cNvPr id="1" name=""/>
+        <p:cNvGrpSpPr/>
+        <p:nvPr/>
+      </p:nvGrpSpPr>
+      <p:grpSpPr>
+        <a:xfrm>
+          <a:off x="0" y="0"/>
+          <a:ext cx="0" cy="0"/>
+          <a:chOff x="0" y="0"/>
+          <a:chExt cx="0" cy="0"/>
+        </a:xfrm>
+      </p:grpSpPr>
+      <p:sp>
+        <p:nvSpPr>
+          <p:cNvPr id="91" name="PlaceHolder 1"/>
+          <p:cNvSpPr>
+            <a:spLocks noGrp="1"/>
+          </p:cNvSpPr>
+          <p:nvPr>
+            <p:ph type="title"/>
+          </p:nvPr>
+        </p:nvSpPr>
+        <p:spPr>
+          <a:xfrm>
+            <a:off x="457200" y="273600"/>
+            <a:ext cx="8229240" cy="1144800"/>
+          </a:xfrm>
+          <a:prstGeom prst="rect">
+            <a:avLst/>
+          </a:prstGeom>
+          <a:noFill/>
+          <a:ln w="0">
+            <a:noFill/>
+          </a:ln>
+        </p:spPr>
+        <p:txBody>
+          <a:bodyPr lIns="0" rIns="0" tIns="0" bIns="0" anchor="ctr">
+            <a:noAutofit/>
+          </a:bodyPr>
+          <a:p>
+            <a:pPr indent="0" algn="ctr">
+              <a:buNone/>
+            </a:pPr>
+            <a:endParaRPr b="0" lang="en-US" sz="4400" spc="-1" strike="noStrike">
+              <a:solidFill>
+                <a:srgbClr val="000000"/>
+              </a:solidFill>
+              <a:latin typeface="Arial"/>
+            </a:endParaRPr>
+          </a:p>
+        </p:txBody>
+      </p:sp>
+      <p:sp>
+        <p:nvSpPr>
+          <p:cNvPr id="92" name="PlaceHolder 2"/>
+          <p:cNvSpPr>
+            <a:spLocks noGrp="1"/>
+          </p:cNvSpPr>
+          <p:nvPr>
+            <p:ph/>
+          </p:nvPr>
+        </p:nvSpPr>
+        <p:spPr>
+          <a:xfrm>
+            <a:off x="457200" y="1604520"/>
+            <a:ext cx="4015800" cy="3977280"/>
+          </a:xfrm>
+          <a:prstGeom prst="rect">
+            <a:avLst/>
+          </a:prstGeom>
+          <a:noFill/>
+          <a:ln w="0">
+            <a:noFill/>
+          </a:ln>
+        </p:spPr>
+        <p:txBody>
+          <a:bodyPr lIns="0" rIns="0" tIns="0" bIns="0" anchor="t">
+            <a:normAutofit/>
+          </a:bodyPr>
+          <a:p>
+            <a:pPr indent="0">
+              <a:spcBef>
+                <a:spcPts val="1417"/>
+              </a:spcBef>
+              <a:buNone/>
+            </a:pPr>
+            <a:endParaRPr b="0" lang="en-US" sz="3200" spc="-1" strike="noStrike">
+              <a:solidFill>
+                <a:srgbClr val="000000"/>
+              </a:solidFill>
+              <a:latin typeface="Arial"/>
+            </a:endParaRPr>
+          </a:p>
+        </p:txBody>
+      </p:sp>
+      <p:sp>
+        <p:nvSpPr>
+          <p:cNvPr id="93" name="PlaceHolder 3"/>
+          <p:cNvSpPr>
+            <a:spLocks noGrp="1"/>
+          </p:cNvSpPr>
+          <p:nvPr>
+            <p:ph/>
+          </p:nvPr>
+        </p:nvSpPr>
+        <p:spPr>
+          <a:xfrm>
+            <a:off x="4674240" y="1604520"/>
+            <a:ext cx="4015800" cy="3977280"/>
+          </a:xfrm>
+          <a:prstGeom prst="rect">
+            <a:avLst/>
+          </a:prstGeom>
+          <a:noFill/>
+          <a:ln w="0">
+            <a:noFill/>
+          </a:ln>
+        </p:spPr>
+        <p:txBody>
+          <a:bodyPr lIns="0" rIns="0" tIns="0" bIns="0" anchor="t">
+            <a:normAutofit/>
+          </a:bodyPr>
+          <a:p>
+            <a:pPr indent="0">
+              <a:spcBef>
+                <a:spcPts val="1417"/>
+              </a:spcBef>
+              <a:buNone/>
+            </a:pPr>
+            <a:endParaRPr b="0" lang="en-US" sz="3200" spc="-1" strike="noStrike">
+              <a:solidFill>
+                <a:srgbClr val="000000"/>
+              </a:solidFill>
+              <a:latin typeface="Arial"/>
+            </a:endParaRPr>
+          </a:p>
+        </p:txBody>
+      </p:sp>
+      <p:sp>
+        <p:nvSpPr>
+          <p:cNvPr id="5" name="PlaceHolder 4"/>
+          <p:cNvSpPr>
+            <a:spLocks noGrp="1"/>
+          </p:cNvSpPr>
+          <p:nvPr>
+            <p:ph type="ftr" idx="7"/>
+          </p:nvPr>
+        </p:nvSpPr>
+        <p:spPr/>
+        <p:txBody>
+          <a:bodyPr/>
+          <a:p>
+            <a:r>
+              <a:t>Footer</a:t>
+            </a:r>
+          </a:p>
+        </p:txBody>
+      </p:sp>
+      <p:sp>
+        <p:nvSpPr>
+          <p:cNvPr id="6" name="PlaceHolder 5"/>
+          <p:cNvSpPr>
+            <a:spLocks noGrp="1"/>
+          </p:cNvSpPr>
+          <p:nvPr>
+            <p:ph type="sldNum" idx="8"/>
+          </p:nvPr>
+        </p:nvSpPr>
+        <p:spPr/>
+        <p:txBody>
+          <a:bodyPr/>
+          <a:p>
+            <a:fld id="{3043CE43-A3AF-4C6B-B126-F28FE694A836}" type="slidenum">
+              <a:t>&lt;#&gt;</a:t>
+            </a:fld>
+          </a:p>
+        </p:txBody>
+      </p:sp>
+      <p:sp>
+        <p:nvSpPr>
+          <p:cNvPr id="7" name="PlaceHolder 6"/>
+          <p:cNvSpPr>
+            <a:spLocks noGrp="1"/>
+          </p:cNvSpPr>
+          <p:nvPr>
+            <p:ph type="dt" idx="9"/>
+          </p:nvPr>
+        </p:nvSpPr>
+        <p:spPr/>
+        <p:txBody>
+          <a:bodyPr/>
+          <a:p>
+            <a:r>
+              <a:rPr lang="en-US"/>
+              <a:t/>
+            </a:r>
+          </a:p>
+        </p:txBody>
+      </p:sp>
+    </p:spTree>
+  </p:cSld>
+</p:sldLayout>
+</file>
+
+<file path=ppt/slideLayouts/slideLayout29.xml><?xml version="1.0" encoding="utf-8"?>
+<p:sldLayout xmlns:a="http://schemas.openxmlformats.org/drawingml/2006/main" xmlns:p="http://schemas.openxmlformats.org/presentationml/2006/main" xmlns:r="http://schemas.openxmlformats.org/officeDocument/2006/relationships" xmlns:p14="http://schemas.microsoft.com/office/powerpoint/2010/main" xmlns:p15="http://schemas.microsoft.com/office/powerpoint/2012/main" xmlns:mc="http://schemas.openxmlformats.org/markup-compatibility/2006" type="titleOnly" preserve="1">
+  <p:cSld name="Title Only">
+    <p:spTree>
+      <p:nvGrpSpPr>
+        <p:cNvPr id="1" name=""/>
+        <p:cNvGrpSpPr/>
+        <p:nvPr/>
+      </p:nvGrpSpPr>
+      <p:grpSpPr>
+        <a:xfrm>
+          <a:off x="0" y="0"/>
+          <a:ext cx="0" cy="0"/>
+          <a:chOff x="0" y="0"/>
+          <a:chExt cx="0" cy="0"/>
+        </a:xfrm>
+      </p:grpSpPr>
+      <p:sp>
+        <p:nvSpPr>
+          <p:cNvPr id="94" name="PlaceHolder 1"/>
+          <p:cNvSpPr>
+            <a:spLocks noGrp="1"/>
+          </p:cNvSpPr>
+          <p:nvPr>
+            <p:ph type="title"/>
+          </p:nvPr>
+        </p:nvSpPr>
+        <p:spPr>
+          <a:xfrm>
+            <a:off x="457200" y="273600"/>
+            <a:ext cx="8229240" cy="1144800"/>
+          </a:xfrm>
+          <a:prstGeom prst="rect">
+            <a:avLst/>
+          </a:prstGeom>
+          <a:noFill/>
+          <a:ln w="0">
+            <a:noFill/>
+          </a:ln>
+        </p:spPr>
+        <p:txBody>
+          <a:bodyPr lIns="0" rIns="0" tIns="0" bIns="0" anchor="ctr">
+            <a:noAutofit/>
+          </a:bodyPr>
+          <a:p>
+            <a:pPr indent="0" algn="ctr">
+              <a:buNone/>
+            </a:pPr>
+            <a:endParaRPr b="0" lang="en-US" sz="4400" spc="-1" strike="noStrike">
+              <a:solidFill>
+                <a:srgbClr val="000000"/>
+              </a:solidFill>
+              <a:latin typeface="Arial"/>
+            </a:endParaRPr>
+          </a:p>
+        </p:txBody>
+      </p:sp>
+      <p:sp>
+        <p:nvSpPr>
+          <p:cNvPr id="3" name="PlaceHolder 2"/>
+          <p:cNvSpPr>
+            <a:spLocks noGrp="1"/>
+          </p:cNvSpPr>
+          <p:nvPr>
+            <p:ph type="ftr" idx="7"/>
+          </p:nvPr>
+        </p:nvSpPr>
+        <p:spPr/>
+        <p:txBody>
+          <a:bodyPr/>
+          <a:p>
+            <a:r>
+              <a:t>Footer</a:t>
+            </a:r>
+          </a:p>
+        </p:txBody>
+      </p:sp>
+      <p:sp>
+        <p:nvSpPr>
+          <p:cNvPr id="4" name="PlaceHolder 3"/>
+          <p:cNvSpPr>
+            <a:spLocks noGrp="1"/>
+          </p:cNvSpPr>
+          <p:nvPr>
+            <p:ph type="sldNum" idx="8"/>
+          </p:nvPr>
+        </p:nvSpPr>
+        <p:spPr/>
+        <p:txBody>
+          <a:bodyPr/>
+          <a:p>
+            <a:fld id="{3D4B0869-6544-4EFD-B1E9-39CFB0300B38}" type="slidenum">
+              <a:t>&lt;#&gt;</a:t>
+            </a:fld>
+          </a:p>
+        </p:txBody>
+      </p:sp>
+      <p:sp>
+        <p:nvSpPr>
+          <p:cNvPr id="5" name="PlaceHolder 4"/>
+          <p:cNvSpPr>
+            <a:spLocks noGrp="1"/>
+          </p:cNvSpPr>
+          <p:nvPr>
+            <p:ph type="dt" idx="9"/>
           </p:nvPr>
         </p:nvSpPr>
         <p:spPr/>
@@ -3785,7 +4531,7 @@
         <p:txBody>
           <a:bodyPr/>
           <a:p>
-            <a:fld id="{410669DA-8DB7-4B71-8B43-D63FDDD5B287}" type="slidenum">
+            <a:fld id="{F8E4C167-AF66-4F66-BEF0-619DE302C1F1}" type="slidenum">
               <a:t>&lt;#&gt;</a:t>
             </a:fld>
           </a:p>
@@ -3799,6 +4545,1768 @@
           </p:cNvSpPr>
           <p:nvPr>
             <p:ph type="dt" idx="3"/>
+          </p:nvPr>
+        </p:nvSpPr>
+        <p:spPr/>
+        <p:txBody>
+          <a:bodyPr/>
+          <a:p>
+            <a:r>
+              <a:rPr lang="en-US"/>
+              <a:t/>
+            </a:r>
+          </a:p>
+        </p:txBody>
+      </p:sp>
+    </p:spTree>
+  </p:cSld>
+</p:sldLayout>
+</file>
+
+<file path=ppt/slideLayouts/slideLayout30.xml><?xml version="1.0" encoding="utf-8"?>
+<p:sldLayout xmlns:a="http://schemas.openxmlformats.org/drawingml/2006/main" xmlns:p="http://schemas.openxmlformats.org/presentationml/2006/main" xmlns:r="http://schemas.openxmlformats.org/officeDocument/2006/relationships" xmlns:p14="http://schemas.microsoft.com/office/powerpoint/2010/main" xmlns:p15="http://schemas.microsoft.com/office/powerpoint/2012/main" xmlns:mc="http://schemas.openxmlformats.org/markup-compatibility/2006" type="objOnly" preserve="1">
+  <p:cSld name="Centered Text">
+    <p:spTree>
+      <p:nvGrpSpPr>
+        <p:cNvPr id="1" name=""/>
+        <p:cNvGrpSpPr/>
+        <p:nvPr/>
+      </p:nvGrpSpPr>
+      <p:grpSpPr>
+        <a:xfrm>
+          <a:off x="0" y="0"/>
+          <a:ext cx="0" cy="0"/>
+          <a:chOff x="0" y="0"/>
+          <a:chExt cx="0" cy="0"/>
+        </a:xfrm>
+      </p:grpSpPr>
+      <p:sp>
+        <p:nvSpPr>
+          <p:cNvPr id="95" name="PlaceHolder 1"/>
+          <p:cNvSpPr>
+            <a:spLocks noGrp="1"/>
+          </p:cNvSpPr>
+          <p:nvPr>
+            <p:ph type="subTitle"/>
+          </p:nvPr>
+        </p:nvSpPr>
+        <p:spPr>
+          <a:xfrm>
+            <a:off x="457200" y="273600"/>
+            <a:ext cx="8229240" cy="5307840"/>
+          </a:xfrm>
+          <a:prstGeom prst="rect">
+            <a:avLst/>
+          </a:prstGeom>
+          <a:noFill/>
+          <a:ln w="0">
+            <a:noFill/>
+          </a:ln>
+        </p:spPr>
+        <p:txBody>
+          <a:bodyPr lIns="0" rIns="0" tIns="0" bIns="0" anchor="ctr">
+            <a:noAutofit/>
+          </a:bodyPr>
+          <a:p>
+            <a:pPr algn="ctr"/>
+            <a:endParaRPr b="0" lang="en-US" sz="3200" spc="-1" strike="noStrike">
+              <a:solidFill>
+                <a:srgbClr val="000000"/>
+              </a:solidFill>
+              <a:latin typeface="Arial"/>
+            </a:endParaRPr>
+          </a:p>
+        </p:txBody>
+      </p:sp>
+      <p:sp>
+        <p:nvSpPr>
+          <p:cNvPr id="3" name="PlaceHolder 2"/>
+          <p:cNvSpPr>
+            <a:spLocks noGrp="1"/>
+          </p:cNvSpPr>
+          <p:nvPr>
+            <p:ph type="ftr" idx="7"/>
+          </p:nvPr>
+        </p:nvSpPr>
+        <p:spPr/>
+        <p:txBody>
+          <a:bodyPr/>
+          <a:p>
+            <a:r>
+              <a:t>Footer</a:t>
+            </a:r>
+          </a:p>
+        </p:txBody>
+      </p:sp>
+      <p:sp>
+        <p:nvSpPr>
+          <p:cNvPr id="4" name="PlaceHolder 3"/>
+          <p:cNvSpPr>
+            <a:spLocks noGrp="1"/>
+          </p:cNvSpPr>
+          <p:nvPr>
+            <p:ph type="sldNum" idx="8"/>
+          </p:nvPr>
+        </p:nvSpPr>
+        <p:spPr/>
+        <p:txBody>
+          <a:bodyPr/>
+          <a:p>
+            <a:fld id="{38BD77DF-2090-4187-8AB8-6FF1FB89804D}" type="slidenum">
+              <a:t>&lt;#&gt;</a:t>
+            </a:fld>
+          </a:p>
+        </p:txBody>
+      </p:sp>
+      <p:sp>
+        <p:nvSpPr>
+          <p:cNvPr id="5" name="PlaceHolder 4"/>
+          <p:cNvSpPr>
+            <a:spLocks noGrp="1"/>
+          </p:cNvSpPr>
+          <p:nvPr>
+            <p:ph type="dt" idx="9"/>
+          </p:nvPr>
+        </p:nvSpPr>
+        <p:spPr/>
+        <p:txBody>
+          <a:bodyPr/>
+          <a:p>
+            <a:r>
+              <a:rPr lang="en-US"/>
+              <a:t/>
+            </a:r>
+          </a:p>
+        </p:txBody>
+      </p:sp>
+    </p:spTree>
+  </p:cSld>
+</p:sldLayout>
+</file>
+
+<file path=ppt/slideLayouts/slideLayout31.xml><?xml version="1.0" encoding="utf-8"?>
+<p:sldLayout xmlns:a="http://schemas.openxmlformats.org/drawingml/2006/main" xmlns:p="http://schemas.openxmlformats.org/presentationml/2006/main" xmlns:r="http://schemas.openxmlformats.org/officeDocument/2006/relationships" xmlns:p14="http://schemas.microsoft.com/office/powerpoint/2010/main" xmlns:p15="http://schemas.microsoft.com/office/powerpoint/2012/main" xmlns:mc="http://schemas.openxmlformats.org/markup-compatibility/2006" type="twoObjAndObj" preserve="1">
+  <p:cSld name="Title, 2 Content and Content">
+    <p:spTree>
+      <p:nvGrpSpPr>
+        <p:cNvPr id="1" name=""/>
+        <p:cNvGrpSpPr/>
+        <p:nvPr/>
+      </p:nvGrpSpPr>
+      <p:grpSpPr>
+        <a:xfrm>
+          <a:off x="0" y="0"/>
+          <a:ext cx="0" cy="0"/>
+          <a:chOff x="0" y="0"/>
+          <a:chExt cx="0" cy="0"/>
+        </a:xfrm>
+      </p:grpSpPr>
+      <p:sp>
+        <p:nvSpPr>
+          <p:cNvPr id="96" name="PlaceHolder 1"/>
+          <p:cNvSpPr>
+            <a:spLocks noGrp="1"/>
+          </p:cNvSpPr>
+          <p:nvPr>
+            <p:ph type="title"/>
+          </p:nvPr>
+        </p:nvSpPr>
+        <p:spPr>
+          <a:xfrm>
+            <a:off x="457200" y="273600"/>
+            <a:ext cx="8229240" cy="1144800"/>
+          </a:xfrm>
+          <a:prstGeom prst="rect">
+            <a:avLst/>
+          </a:prstGeom>
+          <a:noFill/>
+          <a:ln w="0">
+            <a:noFill/>
+          </a:ln>
+        </p:spPr>
+        <p:txBody>
+          <a:bodyPr lIns="0" rIns="0" tIns="0" bIns="0" anchor="ctr">
+            <a:noAutofit/>
+          </a:bodyPr>
+          <a:p>
+            <a:pPr indent="0" algn="ctr">
+              <a:buNone/>
+            </a:pPr>
+            <a:endParaRPr b="0" lang="en-US" sz="4400" spc="-1" strike="noStrike">
+              <a:solidFill>
+                <a:srgbClr val="000000"/>
+              </a:solidFill>
+              <a:latin typeface="Arial"/>
+            </a:endParaRPr>
+          </a:p>
+        </p:txBody>
+      </p:sp>
+      <p:sp>
+        <p:nvSpPr>
+          <p:cNvPr id="97" name="PlaceHolder 2"/>
+          <p:cNvSpPr>
+            <a:spLocks noGrp="1"/>
+          </p:cNvSpPr>
+          <p:nvPr>
+            <p:ph/>
+          </p:nvPr>
+        </p:nvSpPr>
+        <p:spPr>
+          <a:xfrm>
+            <a:off x="457200" y="1604520"/>
+            <a:ext cx="4015800" cy="1896840"/>
+          </a:xfrm>
+          <a:prstGeom prst="rect">
+            <a:avLst/>
+          </a:prstGeom>
+          <a:noFill/>
+          <a:ln w="0">
+            <a:noFill/>
+          </a:ln>
+        </p:spPr>
+        <p:txBody>
+          <a:bodyPr lIns="0" rIns="0" tIns="0" bIns="0" anchor="t">
+            <a:normAutofit/>
+          </a:bodyPr>
+          <a:p>
+            <a:pPr indent="0">
+              <a:spcBef>
+                <a:spcPts val="1417"/>
+              </a:spcBef>
+              <a:buNone/>
+            </a:pPr>
+            <a:endParaRPr b="0" lang="en-US" sz="3200" spc="-1" strike="noStrike">
+              <a:solidFill>
+                <a:srgbClr val="000000"/>
+              </a:solidFill>
+              <a:latin typeface="Arial"/>
+            </a:endParaRPr>
+          </a:p>
+        </p:txBody>
+      </p:sp>
+      <p:sp>
+        <p:nvSpPr>
+          <p:cNvPr id="98" name="PlaceHolder 3"/>
+          <p:cNvSpPr>
+            <a:spLocks noGrp="1"/>
+          </p:cNvSpPr>
+          <p:nvPr>
+            <p:ph/>
+          </p:nvPr>
+        </p:nvSpPr>
+        <p:spPr>
+          <a:xfrm>
+            <a:off x="4674240" y="1604520"/>
+            <a:ext cx="4015800" cy="3977280"/>
+          </a:xfrm>
+          <a:prstGeom prst="rect">
+            <a:avLst/>
+          </a:prstGeom>
+          <a:noFill/>
+          <a:ln w="0">
+            <a:noFill/>
+          </a:ln>
+        </p:spPr>
+        <p:txBody>
+          <a:bodyPr lIns="0" rIns="0" tIns="0" bIns="0" anchor="t">
+            <a:normAutofit/>
+          </a:bodyPr>
+          <a:p>
+            <a:pPr indent="0">
+              <a:spcBef>
+                <a:spcPts val="1417"/>
+              </a:spcBef>
+              <a:buNone/>
+            </a:pPr>
+            <a:endParaRPr b="0" lang="en-US" sz="3200" spc="-1" strike="noStrike">
+              <a:solidFill>
+                <a:srgbClr val="000000"/>
+              </a:solidFill>
+              <a:latin typeface="Arial"/>
+            </a:endParaRPr>
+          </a:p>
+        </p:txBody>
+      </p:sp>
+      <p:sp>
+        <p:nvSpPr>
+          <p:cNvPr id="99" name="PlaceHolder 4"/>
+          <p:cNvSpPr>
+            <a:spLocks noGrp="1"/>
+          </p:cNvSpPr>
+          <p:nvPr>
+            <p:ph/>
+          </p:nvPr>
+        </p:nvSpPr>
+        <p:spPr>
+          <a:xfrm>
+            <a:off x="457200" y="3682080"/>
+            <a:ext cx="4015800" cy="1896840"/>
+          </a:xfrm>
+          <a:prstGeom prst="rect">
+            <a:avLst/>
+          </a:prstGeom>
+          <a:noFill/>
+          <a:ln w="0">
+            <a:noFill/>
+          </a:ln>
+        </p:spPr>
+        <p:txBody>
+          <a:bodyPr lIns="0" rIns="0" tIns="0" bIns="0" anchor="t">
+            <a:normAutofit/>
+          </a:bodyPr>
+          <a:p>
+            <a:pPr indent="0">
+              <a:spcBef>
+                <a:spcPts val="1417"/>
+              </a:spcBef>
+              <a:buNone/>
+            </a:pPr>
+            <a:endParaRPr b="0" lang="en-US" sz="3200" spc="-1" strike="noStrike">
+              <a:solidFill>
+                <a:srgbClr val="000000"/>
+              </a:solidFill>
+              <a:latin typeface="Arial"/>
+            </a:endParaRPr>
+          </a:p>
+        </p:txBody>
+      </p:sp>
+      <p:sp>
+        <p:nvSpPr>
+          <p:cNvPr id="6" name="PlaceHolder 5"/>
+          <p:cNvSpPr>
+            <a:spLocks noGrp="1"/>
+          </p:cNvSpPr>
+          <p:nvPr>
+            <p:ph type="ftr" idx="7"/>
+          </p:nvPr>
+        </p:nvSpPr>
+        <p:spPr/>
+        <p:txBody>
+          <a:bodyPr/>
+          <a:p>
+            <a:r>
+              <a:t>Footer</a:t>
+            </a:r>
+          </a:p>
+        </p:txBody>
+      </p:sp>
+      <p:sp>
+        <p:nvSpPr>
+          <p:cNvPr id="7" name="PlaceHolder 6"/>
+          <p:cNvSpPr>
+            <a:spLocks noGrp="1"/>
+          </p:cNvSpPr>
+          <p:nvPr>
+            <p:ph type="sldNum" idx="8"/>
+          </p:nvPr>
+        </p:nvSpPr>
+        <p:spPr/>
+        <p:txBody>
+          <a:bodyPr/>
+          <a:p>
+            <a:fld id="{7EA8DCFD-786C-4C84-93CA-EEF8AAD44FB5}" type="slidenum">
+              <a:t>&lt;#&gt;</a:t>
+            </a:fld>
+          </a:p>
+        </p:txBody>
+      </p:sp>
+      <p:sp>
+        <p:nvSpPr>
+          <p:cNvPr id="8" name="PlaceHolder 7"/>
+          <p:cNvSpPr>
+            <a:spLocks noGrp="1"/>
+          </p:cNvSpPr>
+          <p:nvPr>
+            <p:ph type="dt" idx="9"/>
+          </p:nvPr>
+        </p:nvSpPr>
+        <p:spPr/>
+        <p:txBody>
+          <a:bodyPr/>
+          <a:p>
+            <a:r>
+              <a:rPr lang="en-US"/>
+              <a:t/>
+            </a:r>
+          </a:p>
+        </p:txBody>
+      </p:sp>
+    </p:spTree>
+  </p:cSld>
+</p:sldLayout>
+</file>
+
+<file path=ppt/slideLayouts/slideLayout32.xml><?xml version="1.0" encoding="utf-8"?>
+<p:sldLayout xmlns:a="http://schemas.openxmlformats.org/drawingml/2006/main" xmlns:p="http://schemas.openxmlformats.org/presentationml/2006/main" xmlns:r="http://schemas.openxmlformats.org/officeDocument/2006/relationships" xmlns:p14="http://schemas.microsoft.com/office/powerpoint/2010/main" xmlns:p15="http://schemas.microsoft.com/office/powerpoint/2012/main" xmlns:mc="http://schemas.openxmlformats.org/markup-compatibility/2006" type="objAndTwoObj" preserve="1">
+  <p:cSld name="Title Content and 2 Content">
+    <p:spTree>
+      <p:nvGrpSpPr>
+        <p:cNvPr id="1" name=""/>
+        <p:cNvGrpSpPr/>
+        <p:nvPr/>
+      </p:nvGrpSpPr>
+      <p:grpSpPr>
+        <a:xfrm>
+          <a:off x="0" y="0"/>
+          <a:ext cx="0" cy="0"/>
+          <a:chOff x="0" y="0"/>
+          <a:chExt cx="0" cy="0"/>
+        </a:xfrm>
+      </p:grpSpPr>
+      <p:sp>
+        <p:nvSpPr>
+          <p:cNvPr id="100" name="PlaceHolder 1"/>
+          <p:cNvSpPr>
+            <a:spLocks noGrp="1"/>
+          </p:cNvSpPr>
+          <p:nvPr>
+            <p:ph type="title"/>
+          </p:nvPr>
+        </p:nvSpPr>
+        <p:spPr>
+          <a:xfrm>
+            <a:off x="457200" y="273600"/>
+            <a:ext cx="8229240" cy="1144800"/>
+          </a:xfrm>
+          <a:prstGeom prst="rect">
+            <a:avLst/>
+          </a:prstGeom>
+          <a:noFill/>
+          <a:ln w="0">
+            <a:noFill/>
+          </a:ln>
+        </p:spPr>
+        <p:txBody>
+          <a:bodyPr lIns="0" rIns="0" tIns="0" bIns="0" anchor="ctr">
+            <a:noAutofit/>
+          </a:bodyPr>
+          <a:p>
+            <a:pPr indent="0" algn="ctr">
+              <a:buNone/>
+            </a:pPr>
+            <a:endParaRPr b="0" lang="en-US" sz="4400" spc="-1" strike="noStrike">
+              <a:solidFill>
+                <a:srgbClr val="000000"/>
+              </a:solidFill>
+              <a:latin typeface="Arial"/>
+            </a:endParaRPr>
+          </a:p>
+        </p:txBody>
+      </p:sp>
+      <p:sp>
+        <p:nvSpPr>
+          <p:cNvPr id="101" name="PlaceHolder 2"/>
+          <p:cNvSpPr>
+            <a:spLocks noGrp="1"/>
+          </p:cNvSpPr>
+          <p:nvPr>
+            <p:ph/>
+          </p:nvPr>
+        </p:nvSpPr>
+        <p:spPr>
+          <a:xfrm>
+            <a:off x="457200" y="1604520"/>
+            <a:ext cx="4015800" cy="3977280"/>
+          </a:xfrm>
+          <a:prstGeom prst="rect">
+            <a:avLst/>
+          </a:prstGeom>
+          <a:noFill/>
+          <a:ln w="0">
+            <a:noFill/>
+          </a:ln>
+        </p:spPr>
+        <p:txBody>
+          <a:bodyPr lIns="0" rIns="0" tIns="0" bIns="0" anchor="t">
+            <a:normAutofit/>
+          </a:bodyPr>
+          <a:p>
+            <a:pPr indent="0">
+              <a:spcBef>
+                <a:spcPts val="1417"/>
+              </a:spcBef>
+              <a:buNone/>
+            </a:pPr>
+            <a:endParaRPr b="0" lang="en-US" sz="3200" spc="-1" strike="noStrike">
+              <a:solidFill>
+                <a:srgbClr val="000000"/>
+              </a:solidFill>
+              <a:latin typeface="Arial"/>
+            </a:endParaRPr>
+          </a:p>
+        </p:txBody>
+      </p:sp>
+      <p:sp>
+        <p:nvSpPr>
+          <p:cNvPr id="102" name="PlaceHolder 3"/>
+          <p:cNvSpPr>
+            <a:spLocks noGrp="1"/>
+          </p:cNvSpPr>
+          <p:nvPr>
+            <p:ph/>
+          </p:nvPr>
+        </p:nvSpPr>
+        <p:spPr>
+          <a:xfrm>
+            <a:off x="4674240" y="1604520"/>
+            <a:ext cx="4015800" cy="1896840"/>
+          </a:xfrm>
+          <a:prstGeom prst="rect">
+            <a:avLst/>
+          </a:prstGeom>
+          <a:noFill/>
+          <a:ln w="0">
+            <a:noFill/>
+          </a:ln>
+        </p:spPr>
+        <p:txBody>
+          <a:bodyPr lIns="0" rIns="0" tIns="0" bIns="0" anchor="t">
+            <a:normAutofit/>
+          </a:bodyPr>
+          <a:p>
+            <a:pPr indent="0">
+              <a:spcBef>
+                <a:spcPts val="1417"/>
+              </a:spcBef>
+              <a:buNone/>
+            </a:pPr>
+            <a:endParaRPr b="0" lang="en-US" sz="3200" spc="-1" strike="noStrike">
+              <a:solidFill>
+                <a:srgbClr val="000000"/>
+              </a:solidFill>
+              <a:latin typeface="Arial"/>
+            </a:endParaRPr>
+          </a:p>
+        </p:txBody>
+      </p:sp>
+      <p:sp>
+        <p:nvSpPr>
+          <p:cNvPr id="103" name="PlaceHolder 4"/>
+          <p:cNvSpPr>
+            <a:spLocks noGrp="1"/>
+          </p:cNvSpPr>
+          <p:nvPr>
+            <p:ph/>
+          </p:nvPr>
+        </p:nvSpPr>
+        <p:spPr>
+          <a:xfrm>
+            <a:off x="4674240" y="3682080"/>
+            <a:ext cx="4015800" cy="1896840"/>
+          </a:xfrm>
+          <a:prstGeom prst="rect">
+            <a:avLst/>
+          </a:prstGeom>
+          <a:noFill/>
+          <a:ln w="0">
+            <a:noFill/>
+          </a:ln>
+        </p:spPr>
+        <p:txBody>
+          <a:bodyPr lIns="0" rIns="0" tIns="0" bIns="0" anchor="t">
+            <a:normAutofit/>
+          </a:bodyPr>
+          <a:p>
+            <a:pPr indent="0">
+              <a:spcBef>
+                <a:spcPts val="1417"/>
+              </a:spcBef>
+              <a:buNone/>
+            </a:pPr>
+            <a:endParaRPr b="0" lang="en-US" sz="3200" spc="-1" strike="noStrike">
+              <a:solidFill>
+                <a:srgbClr val="000000"/>
+              </a:solidFill>
+              <a:latin typeface="Arial"/>
+            </a:endParaRPr>
+          </a:p>
+        </p:txBody>
+      </p:sp>
+      <p:sp>
+        <p:nvSpPr>
+          <p:cNvPr id="6" name="PlaceHolder 5"/>
+          <p:cNvSpPr>
+            <a:spLocks noGrp="1"/>
+          </p:cNvSpPr>
+          <p:nvPr>
+            <p:ph type="ftr" idx="7"/>
+          </p:nvPr>
+        </p:nvSpPr>
+        <p:spPr/>
+        <p:txBody>
+          <a:bodyPr/>
+          <a:p>
+            <a:r>
+              <a:t>Footer</a:t>
+            </a:r>
+          </a:p>
+        </p:txBody>
+      </p:sp>
+      <p:sp>
+        <p:nvSpPr>
+          <p:cNvPr id="7" name="PlaceHolder 6"/>
+          <p:cNvSpPr>
+            <a:spLocks noGrp="1"/>
+          </p:cNvSpPr>
+          <p:nvPr>
+            <p:ph type="sldNum" idx="8"/>
+          </p:nvPr>
+        </p:nvSpPr>
+        <p:spPr/>
+        <p:txBody>
+          <a:bodyPr/>
+          <a:p>
+            <a:fld id="{9E4D828C-1AB6-4F2F-AC41-7FEFEC9A5112}" type="slidenum">
+              <a:t>&lt;#&gt;</a:t>
+            </a:fld>
+          </a:p>
+        </p:txBody>
+      </p:sp>
+      <p:sp>
+        <p:nvSpPr>
+          <p:cNvPr id="8" name="PlaceHolder 7"/>
+          <p:cNvSpPr>
+            <a:spLocks noGrp="1"/>
+          </p:cNvSpPr>
+          <p:nvPr>
+            <p:ph type="dt" idx="9"/>
+          </p:nvPr>
+        </p:nvSpPr>
+        <p:spPr/>
+        <p:txBody>
+          <a:bodyPr/>
+          <a:p>
+            <a:r>
+              <a:rPr lang="en-US"/>
+              <a:t/>
+            </a:r>
+          </a:p>
+        </p:txBody>
+      </p:sp>
+    </p:spTree>
+  </p:cSld>
+</p:sldLayout>
+</file>
+
+<file path=ppt/slideLayouts/slideLayout33.xml><?xml version="1.0" encoding="utf-8"?>
+<p:sldLayout xmlns:a="http://schemas.openxmlformats.org/drawingml/2006/main" xmlns:p="http://schemas.openxmlformats.org/presentationml/2006/main" xmlns:r="http://schemas.openxmlformats.org/officeDocument/2006/relationships" xmlns:p14="http://schemas.microsoft.com/office/powerpoint/2010/main" xmlns:p15="http://schemas.microsoft.com/office/powerpoint/2012/main" xmlns:mc="http://schemas.openxmlformats.org/markup-compatibility/2006" type="twoObjOverTx" preserve="1">
+  <p:cSld name="Title, 2 Content over Content">
+    <p:spTree>
+      <p:nvGrpSpPr>
+        <p:cNvPr id="1" name=""/>
+        <p:cNvGrpSpPr/>
+        <p:nvPr/>
+      </p:nvGrpSpPr>
+      <p:grpSpPr>
+        <a:xfrm>
+          <a:off x="0" y="0"/>
+          <a:ext cx="0" cy="0"/>
+          <a:chOff x="0" y="0"/>
+          <a:chExt cx="0" cy="0"/>
+        </a:xfrm>
+      </p:grpSpPr>
+      <p:sp>
+        <p:nvSpPr>
+          <p:cNvPr id="104" name="PlaceHolder 1"/>
+          <p:cNvSpPr>
+            <a:spLocks noGrp="1"/>
+          </p:cNvSpPr>
+          <p:nvPr>
+            <p:ph type="title"/>
+          </p:nvPr>
+        </p:nvSpPr>
+        <p:spPr>
+          <a:xfrm>
+            <a:off x="457200" y="273600"/>
+            <a:ext cx="8229240" cy="1144800"/>
+          </a:xfrm>
+          <a:prstGeom prst="rect">
+            <a:avLst/>
+          </a:prstGeom>
+          <a:noFill/>
+          <a:ln w="0">
+            <a:noFill/>
+          </a:ln>
+        </p:spPr>
+        <p:txBody>
+          <a:bodyPr lIns="0" rIns="0" tIns="0" bIns="0" anchor="ctr">
+            <a:noAutofit/>
+          </a:bodyPr>
+          <a:p>
+            <a:pPr indent="0" algn="ctr">
+              <a:buNone/>
+            </a:pPr>
+            <a:endParaRPr b="0" lang="en-US" sz="4400" spc="-1" strike="noStrike">
+              <a:solidFill>
+                <a:srgbClr val="000000"/>
+              </a:solidFill>
+              <a:latin typeface="Arial"/>
+            </a:endParaRPr>
+          </a:p>
+        </p:txBody>
+      </p:sp>
+      <p:sp>
+        <p:nvSpPr>
+          <p:cNvPr id="105" name="PlaceHolder 2"/>
+          <p:cNvSpPr>
+            <a:spLocks noGrp="1"/>
+          </p:cNvSpPr>
+          <p:nvPr>
+            <p:ph/>
+          </p:nvPr>
+        </p:nvSpPr>
+        <p:spPr>
+          <a:xfrm>
+            <a:off x="457200" y="1604520"/>
+            <a:ext cx="4015800" cy="1896840"/>
+          </a:xfrm>
+          <a:prstGeom prst="rect">
+            <a:avLst/>
+          </a:prstGeom>
+          <a:noFill/>
+          <a:ln w="0">
+            <a:noFill/>
+          </a:ln>
+        </p:spPr>
+        <p:txBody>
+          <a:bodyPr lIns="0" rIns="0" tIns="0" bIns="0" anchor="t">
+            <a:normAutofit/>
+          </a:bodyPr>
+          <a:p>
+            <a:pPr indent="0">
+              <a:spcBef>
+                <a:spcPts val="1417"/>
+              </a:spcBef>
+              <a:buNone/>
+            </a:pPr>
+            <a:endParaRPr b="0" lang="en-US" sz="3200" spc="-1" strike="noStrike">
+              <a:solidFill>
+                <a:srgbClr val="000000"/>
+              </a:solidFill>
+              <a:latin typeface="Arial"/>
+            </a:endParaRPr>
+          </a:p>
+        </p:txBody>
+      </p:sp>
+      <p:sp>
+        <p:nvSpPr>
+          <p:cNvPr id="106" name="PlaceHolder 3"/>
+          <p:cNvSpPr>
+            <a:spLocks noGrp="1"/>
+          </p:cNvSpPr>
+          <p:nvPr>
+            <p:ph/>
+          </p:nvPr>
+        </p:nvSpPr>
+        <p:spPr>
+          <a:xfrm>
+            <a:off x="4674240" y="1604520"/>
+            <a:ext cx="4015800" cy="1896840"/>
+          </a:xfrm>
+          <a:prstGeom prst="rect">
+            <a:avLst/>
+          </a:prstGeom>
+          <a:noFill/>
+          <a:ln w="0">
+            <a:noFill/>
+          </a:ln>
+        </p:spPr>
+        <p:txBody>
+          <a:bodyPr lIns="0" rIns="0" tIns="0" bIns="0" anchor="t">
+            <a:normAutofit/>
+          </a:bodyPr>
+          <a:p>
+            <a:pPr indent="0">
+              <a:spcBef>
+                <a:spcPts val="1417"/>
+              </a:spcBef>
+              <a:buNone/>
+            </a:pPr>
+            <a:endParaRPr b="0" lang="en-US" sz="3200" spc="-1" strike="noStrike">
+              <a:solidFill>
+                <a:srgbClr val="000000"/>
+              </a:solidFill>
+              <a:latin typeface="Arial"/>
+            </a:endParaRPr>
+          </a:p>
+        </p:txBody>
+      </p:sp>
+      <p:sp>
+        <p:nvSpPr>
+          <p:cNvPr id="107" name="PlaceHolder 4"/>
+          <p:cNvSpPr>
+            <a:spLocks noGrp="1"/>
+          </p:cNvSpPr>
+          <p:nvPr>
+            <p:ph/>
+          </p:nvPr>
+        </p:nvSpPr>
+        <p:spPr>
+          <a:xfrm>
+            <a:off x="457200" y="3682080"/>
+            <a:ext cx="8229240" cy="1896840"/>
+          </a:xfrm>
+          <a:prstGeom prst="rect">
+            <a:avLst/>
+          </a:prstGeom>
+          <a:noFill/>
+          <a:ln w="0">
+            <a:noFill/>
+          </a:ln>
+        </p:spPr>
+        <p:txBody>
+          <a:bodyPr lIns="0" rIns="0" tIns="0" bIns="0" anchor="t">
+            <a:normAutofit/>
+          </a:bodyPr>
+          <a:p>
+            <a:pPr indent="0">
+              <a:spcBef>
+                <a:spcPts val="1417"/>
+              </a:spcBef>
+              <a:buNone/>
+            </a:pPr>
+            <a:endParaRPr b="0" lang="en-US" sz="3200" spc="-1" strike="noStrike">
+              <a:solidFill>
+                <a:srgbClr val="000000"/>
+              </a:solidFill>
+              <a:latin typeface="Arial"/>
+            </a:endParaRPr>
+          </a:p>
+        </p:txBody>
+      </p:sp>
+      <p:sp>
+        <p:nvSpPr>
+          <p:cNvPr id="6" name="PlaceHolder 5"/>
+          <p:cNvSpPr>
+            <a:spLocks noGrp="1"/>
+          </p:cNvSpPr>
+          <p:nvPr>
+            <p:ph type="ftr" idx="7"/>
+          </p:nvPr>
+        </p:nvSpPr>
+        <p:spPr/>
+        <p:txBody>
+          <a:bodyPr/>
+          <a:p>
+            <a:r>
+              <a:t>Footer</a:t>
+            </a:r>
+          </a:p>
+        </p:txBody>
+      </p:sp>
+      <p:sp>
+        <p:nvSpPr>
+          <p:cNvPr id="7" name="PlaceHolder 6"/>
+          <p:cNvSpPr>
+            <a:spLocks noGrp="1"/>
+          </p:cNvSpPr>
+          <p:nvPr>
+            <p:ph type="sldNum" idx="8"/>
+          </p:nvPr>
+        </p:nvSpPr>
+        <p:spPr/>
+        <p:txBody>
+          <a:bodyPr/>
+          <a:p>
+            <a:fld id="{EF700064-FBA8-4EB1-9D44-4AEA27587871}" type="slidenum">
+              <a:t>&lt;#&gt;</a:t>
+            </a:fld>
+          </a:p>
+        </p:txBody>
+      </p:sp>
+      <p:sp>
+        <p:nvSpPr>
+          <p:cNvPr id="8" name="PlaceHolder 7"/>
+          <p:cNvSpPr>
+            <a:spLocks noGrp="1"/>
+          </p:cNvSpPr>
+          <p:nvPr>
+            <p:ph type="dt" idx="9"/>
+          </p:nvPr>
+        </p:nvSpPr>
+        <p:spPr/>
+        <p:txBody>
+          <a:bodyPr/>
+          <a:p>
+            <a:r>
+              <a:rPr lang="en-US"/>
+              <a:t/>
+            </a:r>
+          </a:p>
+        </p:txBody>
+      </p:sp>
+    </p:spTree>
+  </p:cSld>
+</p:sldLayout>
+</file>
+
+<file path=ppt/slideLayouts/slideLayout34.xml><?xml version="1.0" encoding="utf-8"?>
+<p:sldLayout xmlns:a="http://schemas.openxmlformats.org/drawingml/2006/main" xmlns:p="http://schemas.openxmlformats.org/presentationml/2006/main" xmlns:r="http://schemas.openxmlformats.org/officeDocument/2006/relationships" xmlns:p14="http://schemas.microsoft.com/office/powerpoint/2010/main" xmlns:p15="http://schemas.microsoft.com/office/powerpoint/2012/main" xmlns:mc="http://schemas.openxmlformats.org/markup-compatibility/2006" type="objOverTx" preserve="1">
+  <p:cSld name="Title, Content over Content">
+    <p:spTree>
+      <p:nvGrpSpPr>
+        <p:cNvPr id="1" name=""/>
+        <p:cNvGrpSpPr/>
+        <p:nvPr/>
+      </p:nvGrpSpPr>
+      <p:grpSpPr>
+        <a:xfrm>
+          <a:off x="0" y="0"/>
+          <a:ext cx="0" cy="0"/>
+          <a:chOff x="0" y="0"/>
+          <a:chExt cx="0" cy="0"/>
+        </a:xfrm>
+      </p:grpSpPr>
+      <p:sp>
+        <p:nvSpPr>
+          <p:cNvPr id="108" name="PlaceHolder 1"/>
+          <p:cNvSpPr>
+            <a:spLocks noGrp="1"/>
+          </p:cNvSpPr>
+          <p:nvPr>
+            <p:ph type="title"/>
+          </p:nvPr>
+        </p:nvSpPr>
+        <p:spPr>
+          <a:xfrm>
+            <a:off x="457200" y="273600"/>
+            <a:ext cx="8229240" cy="1144800"/>
+          </a:xfrm>
+          <a:prstGeom prst="rect">
+            <a:avLst/>
+          </a:prstGeom>
+          <a:noFill/>
+          <a:ln w="0">
+            <a:noFill/>
+          </a:ln>
+        </p:spPr>
+        <p:txBody>
+          <a:bodyPr lIns="0" rIns="0" tIns="0" bIns="0" anchor="ctr">
+            <a:noAutofit/>
+          </a:bodyPr>
+          <a:p>
+            <a:pPr indent="0" algn="ctr">
+              <a:buNone/>
+            </a:pPr>
+            <a:endParaRPr b="0" lang="en-US" sz="4400" spc="-1" strike="noStrike">
+              <a:solidFill>
+                <a:srgbClr val="000000"/>
+              </a:solidFill>
+              <a:latin typeface="Arial"/>
+            </a:endParaRPr>
+          </a:p>
+        </p:txBody>
+      </p:sp>
+      <p:sp>
+        <p:nvSpPr>
+          <p:cNvPr id="109" name="PlaceHolder 2"/>
+          <p:cNvSpPr>
+            <a:spLocks noGrp="1"/>
+          </p:cNvSpPr>
+          <p:nvPr>
+            <p:ph/>
+          </p:nvPr>
+        </p:nvSpPr>
+        <p:spPr>
+          <a:xfrm>
+            <a:off x="457200" y="1604520"/>
+            <a:ext cx="8229240" cy="1896840"/>
+          </a:xfrm>
+          <a:prstGeom prst="rect">
+            <a:avLst/>
+          </a:prstGeom>
+          <a:noFill/>
+          <a:ln w="0">
+            <a:noFill/>
+          </a:ln>
+        </p:spPr>
+        <p:txBody>
+          <a:bodyPr lIns="0" rIns="0" tIns="0" bIns="0" anchor="t">
+            <a:normAutofit/>
+          </a:bodyPr>
+          <a:p>
+            <a:pPr indent="0">
+              <a:spcBef>
+                <a:spcPts val="1417"/>
+              </a:spcBef>
+              <a:buNone/>
+            </a:pPr>
+            <a:endParaRPr b="0" lang="en-US" sz="3200" spc="-1" strike="noStrike">
+              <a:solidFill>
+                <a:srgbClr val="000000"/>
+              </a:solidFill>
+              <a:latin typeface="Arial"/>
+            </a:endParaRPr>
+          </a:p>
+        </p:txBody>
+      </p:sp>
+      <p:sp>
+        <p:nvSpPr>
+          <p:cNvPr id="110" name="PlaceHolder 3"/>
+          <p:cNvSpPr>
+            <a:spLocks noGrp="1"/>
+          </p:cNvSpPr>
+          <p:nvPr>
+            <p:ph/>
+          </p:nvPr>
+        </p:nvSpPr>
+        <p:spPr>
+          <a:xfrm>
+            <a:off x="457200" y="3682080"/>
+            <a:ext cx="8229240" cy="1896840"/>
+          </a:xfrm>
+          <a:prstGeom prst="rect">
+            <a:avLst/>
+          </a:prstGeom>
+          <a:noFill/>
+          <a:ln w="0">
+            <a:noFill/>
+          </a:ln>
+        </p:spPr>
+        <p:txBody>
+          <a:bodyPr lIns="0" rIns="0" tIns="0" bIns="0" anchor="t">
+            <a:normAutofit/>
+          </a:bodyPr>
+          <a:p>
+            <a:pPr indent="0">
+              <a:spcBef>
+                <a:spcPts val="1417"/>
+              </a:spcBef>
+              <a:buNone/>
+            </a:pPr>
+            <a:endParaRPr b="0" lang="en-US" sz="3200" spc="-1" strike="noStrike">
+              <a:solidFill>
+                <a:srgbClr val="000000"/>
+              </a:solidFill>
+              <a:latin typeface="Arial"/>
+            </a:endParaRPr>
+          </a:p>
+        </p:txBody>
+      </p:sp>
+      <p:sp>
+        <p:nvSpPr>
+          <p:cNvPr id="5" name="PlaceHolder 4"/>
+          <p:cNvSpPr>
+            <a:spLocks noGrp="1"/>
+          </p:cNvSpPr>
+          <p:nvPr>
+            <p:ph type="ftr" idx="7"/>
+          </p:nvPr>
+        </p:nvSpPr>
+        <p:spPr/>
+        <p:txBody>
+          <a:bodyPr/>
+          <a:p>
+            <a:r>
+              <a:t>Footer</a:t>
+            </a:r>
+          </a:p>
+        </p:txBody>
+      </p:sp>
+      <p:sp>
+        <p:nvSpPr>
+          <p:cNvPr id="6" name="PlaceHolder 5"/>
+          <p:cNvSpPr>
+            <a:spLocks noGrp="1"/>
+          </p:cNvSpPr>
+          <p:nvPr>
+            <p:ph type="sldNum" idx="8"/>
+          </p:nvPr>
+        </p:nvSpPr>
+        <p:spPr/>
+        <p:txBody>
+          <a:bodyPr/>
+          <a:p>
+            <a:fld id="{3155D546-384C-4BF9-A52B-A99749C7F886}" type="slidenum">
+              <a:t>&lt;#&gt;</a:t>
+            </a:fld>
+          </a:p>
+        </p:txBody>
+      </p:sp>
+      <p:sp>
+        <p:nvSpPr>
+          <p:cNvPr id="7" name="PlaceHolder 6"/>
+          <p:cNvSpPr>
+            <a:spLocks noGrp="1"/>
+          </p:cNvSpPr>
+          <p:nvPr>
+            <p:ph type="dt" idx="9"/>
+          </p:nvPr>
+        </p:nvSpPr>
+        <p:spPr/>
+        <p:txBody>
+          <a:bodyPr/>
+          <a:p>
+            <a:r>
+              <a:rPr lang="en-US"/>
+              <a:t/>
+            </a:r>
+          </a:p>
+        </p:txBody>
+      </p:sp>
+    </p:spTree>
+  </p:cSld>
+</p:sldLayout>
+</file>
+
+<file path=ppt/slideLayouts/slideLayout35.xml><?xml version="1.0" encoding="utf-8"?>
+<p:sldLayout xmlns:a="http://schemas.openxmlformats.org/drawingml/2006/main" xmlns:p="http://schemas.openxmlformats.org/presentationml/2006/main" xmlns:r="http://schemas.openxmlformats.org/officeDocument/2006/relationships" xmlns:p14="http://schemas.microsoft.com/office/powerpoint/2010/main" xmlns:p15="http://schemas.microsoft.com/office/powerpoint/2012/main" xmlns:mc="http://schemas.openxmlformats.org/markup-compatibility/2006" type="fourObj" preserve="1">
+  <p:cSld name="Title, 4 Content">
+    <p:spTree>
+      <p:nvGrpSpPr>
+        <p:cNvPr id="1" name=""/>
+        <p:cNvGrpSpPr/>
+        <p:nvPr/>
+      </p:nvGrpSpPr>
+      <p:grpSpPr>
+        <a:xfrm>
+          <a:off x="0" y="0"/>
+          <a:ext cx="0" cy="0"/>
+          <a:chOff x="0" y="0"/>
+          <a:chExt cx="0" cy="0"/>
+        </a:xfrm>
+      </p:grpSpPr>
+      <p:sp>
+        <p:nvSpPr>
+          <p:cNvPr id="111" name="PlaceHolder 1"/>
+          <p:cNvSpPr>
+            <a:spLocks noGrp="1"/>
+          </p:cNvSpPr>
+          <p:nvPr>
+            <p:ph type="title"/>
+          </p:nvPr>
+        </p:nvSpPr>
+        <p:spPr>
+          <a:xfrm>
+            <a:off x="457200" y="273600"/>
+            <a:ext cx="8229240" cy="1144800"/>
+          </a:xfrm>
+          <a:prstGeom prst="rect">
+            <a:avLst/>
+          </a:prstGeom>
+          <a:noFill/>
+          <a:ln w="0">
+            <a:noFill/>
+          </a:ln>
+        </p:spPr>
+        <p:txBody>
+          <a:bodyPr lIns="0" rIns="0" tIns="0" bIns="0" anchor="ctr">
+            <a:noAutofit/>
+          </a:bodyPr>
+          <a:p>
+            <a:pPr indent="0" algn="ctr">
+              <a:buNone/>
+            </a:pPr>
+            <a:endParaRPr b="0" lang="en-US" sz="4400" spc="-1" strike="noStrike">
+              <a:solidFill>
+                <a:srgbClr val="000000"/>
+              </a:solidFill>
+              <a:latin typeface="Arial"/>
+            </a:endParaRPr>
+          </a:p>
+        </p:txBody>
+      </p:sp>
+      <p:sp>
+        <p:nvSpPr>
+          <p:cNvPr id="112" name="PlaceHolder 2"/>
+          <p:cNvSpPr>
+            <a:spLocks noGrp="1"/>
+          </p:cNvSpPr>
+          <p:nvPr>
+            <p:ph/>
+          </p:nvPr>
+        </p:nvSpPr>
+        <p:spPr>
+          <a:xfrm>
+            <a:off x="457200" y="1604520"/>
+            <a:ext cx="4015800" cy="1896840"/>
+          </a:xfrm>
+          <a:prstGeom prst="rect">
+            <a:avLst/>
+          </a:prstGeom>
+          <a:noFill/>
+          <a:ln w="0">
+            <a:noFill/>
+          </a:ln>
+        </p:spPr>
+        <p:txBody>
+          <a:bodyPr lIns="0" rIns="0" tIns="0" bIns="0" anchor="t">
+            <a:normAutofit/>
+          </a:bodyPr>
+          <a:p>
+            <a:pPr indent="0">
+              <a:spcBef>
+                <a:spcPts val="1417"/>
+              </a:spcBef>
+              <a:buNone/>
+            </a:pPr>
+            <a:endParaRPr b="0" lang="en-US" sz="3200" spc="-1" strike="noStrike">
+              <a:solidFill>
+                <a:srgbClr val="000000"/>
+              </a:solidFill>
+              <a:latin typeface="Arial"/>
+            </a:endParaRPr>
+          </a:p>
+        </p:txBody>
+      </p:sp>
+      <p:sp>
+        <p:nvSpPr>
+          <p:cNvPr id="113" name="PlaceHolder 3"/>
+          <p:cNvSpPr>
+            <a:spLocks noGrp="1"/>
+          </p:cNvSpPr>
+          <p:nvPr>
+            <p:ph/>
+          </p:nvPr>
+        </p:nvSpPr>
+        <p:spPr>
+          <a:xfrm>
+            <a:off x="4674240" y="1604520"/>
+            <a:ext cx="4015800" cy="1896840"/>
+          </a:xfrm>
+          <a:prstGeom prst="rect">
+            <a:avLst/>
+          </a:prstGeom>
+          <a:noFill/>
+          <a:ln w="0">
+            <a:noFill/>
+          </a:ln>
+        </p:spPr>
+        <p:txBody>
+          <a:bodyPr lIns="0" rIns="0" tIns="0" bIns="0" anchor="t">
+            <a:normAutofit/>
+          </a:bodyPr>
+          <a:p>
+            <a:pPr indent="0">
+              <a:spcBef>
+                <a:spcPts val="1417"/>
+              </a:spcBef>
+              <a:buNone/>
+            </a:pPr>
+            <a:endParaRPr b="0" lang="en-US" sz="3200" spc="-1" strike="noStrike">
+              <a:solidFill>
+                <a:srgbClr val="000000"/>
+              </a:solidFill>
+              <a:latin typeface="Arial"/>
+            </a:endParaRPr>
+          </a:p>
+        </p:txBody>
+      </p:sp>
+      <p:sp>
+        <p:nvSpPr>
+          <p:cNvPr id="114" name="PlaceHolder 4"/>
+          <p:cNvSpPr>
+            <a:spLocks noGrp="1"/>
+          </p:cNvSpPr>
+          <p:nvPr>
+            <p:ph/>
+          </p:nvPr>
+        </p:nvSpPr>
+        <p:spPr>
+          <a:xfrm>
+            <a:off x="457200" y="3682080"/>
+            <a:ext cx="4015800" cy="1896840"/>
+          </a:xfrm>
+          <a:prstGeom prst="rect">
+            <a:avLst/>
+          </a:prstGeom>
+          <a:noFill/>
+          <a:ln w="0">
+            <a:noFill/>
+          </a:ln>
+        </p:spPr>
+        <p:txBody>
+          <a:bodyPr lIns="0" rIns="0" tIns="0" bIns="0" anchor="t">
+            <a:normAutofit/>
+          </a:bodyPr>
+          <a:p>
+            <a:pPr indent="0">
+              <a:spcBef>
+                <a:spcPts val="1417"/>
+              </a:spcBef>
+              <a:buNone/>
+            </a:pPr>
+            <a:endParaRPr b="0" lang="en-US" sz="3200" spc="-1" strike="noStrike">
+              <a:solidFill>
+                <a:srgbClr val="000000"/>
+              </a:solidFill>
+              <a:latin typeface="Arial"/>
+            </a:endParaRPr>
+          </a:p>
+        </p:txBody>
+      </p:sp>
+      <p:sp>
+        <p:nvSpPr>
+          <p:cNvPr id="115" name="PlaceHolder 5"/>
+          <p:cNvSpPr>
+            <a:spLocks noGrp="1"/>
+          </p:cNvSpPr>
+          <p:nvPr>
+            <p:ph/>
+          </p:nvPr>
+        </p:nvSpPr>
+        <p:spPr>
+          <a:xfrm>
+            <a:off x="4674240" y="3682080"/>
+            <a:ext cx="4015800" cy="1896840"/>
+          </a:xfrm>
+          <a:prstGeom prst="rect">
+            <a:avLst/>
+          </a:prstGeom>
+          <a:noFill/>
+          <a:ln w="0">
+            <a:noFill/>
+          </a:ln>
+        </p:spPr>
+        <p:txBody>
+          <a:bodyPr lIns="0" rIns="0" tIns="0" bIns="0" anchor="t">
+            <a:normAutofit/>
+          </a:bodyPr>
+          <a:p>
+            <a:pPr indent="0">
+              <a:spcBef>
+                <a:spcPts val="1417"/>
+              </a:spcBef>
+              <a:buNone/>
+            </a:pPr>
+            <a:endParaRPr b="0" lang="en-US" sz="3200" spc="-1" strike="noStrike">
+              <a:solidFill>
+                <a:srgbClr val="000000"/>
+              </a:solidFill>
+              <a:latin typeface="Arial"/>
+            </a:endParaRPr>
+          </a:p>
+        </p:txBody>
+      </p:sp>
+      <p:sp>
+        <p:nvSpPr>
+          <p:cNvPr id="7" name="PlaceHolder 6"/>
+          <p:cNvSpPr>
+            <a:spLocks noGrp="1"/>
+          </p:cNvSpPr>
+          <p:nvPr>
+            <p:ph type="ftr" idx="7"/>
+          </p:nvPr>
+        </p:nvSpPr>
+        <p:spPr/>
+        <p:txBody>
+          <a:bodyPr/>
+          <a:p>
+            <a:r>
+              <a:t>Footer</a:t>
+            </a:r>
+          </a:p>
+        </p:txBody>
+      </p:sp>
+      <p:sp>
+        <p:nvSpPr>
+          <p:cNvPr id="8" name="PlaceHolder 7"/>
+          <p:cNvSpPr>
+            <a:spLocks noGrp="1"/>
+          </p:cNvSpPr>
+          <p:nvPr>
+            <p:ph type="sldNum" idx="8"/>
+          </p:nvPr>
+        </p:nvSpPr>
+        <p:spPr/>
+        <p:txBody>
+          <a:bodyPr/>
+          <a:p>
+            <a:fld id="{8D61B898-AAD7-49FE-855B-511B9EBE8C35}" type="slidenum">
+              <a:t>&lt;#&gt;</a:t>
+            </a:fld>
+          </a:p>
+        </p:txBody>
+      </p:sp>
+      <p:sp>
+        <p:nvSpPr>
+          <p:cNvPr id="9" name="PlaceHolder 8"/>
+          <p:cNvSpPr>
+            <a:spLocks noGrp="1"/>
+          </p:cNvSpPr>
+          <p:nvPr>
+            <p:ph type="dt" idx="9"/>
+          </p:nvPr>
+        </p:nvSpPr>
+        <p:spPr/>
+        <p:txBody>
+          <a:bodyPr/>
+          <a:p>
+            <a:r>
+              <a:rPr lang="en-US"/>
+              <a:t/>
+            </a:r>
+          </a:p>
+        </p:txBody>
+      </p:sp>
+    </p:spTree>
+  </p:cSld>
+</p:sldLayout>
+</file>
+
+<file path=ppt/slideLayouts/slideLayout36.xml><?xml version="1.0" encoding="utf-8"?>
+<p:sldLayout xmlns:a="http://schemas.openxmlformats.org/drawingml/2006/main" xmlns:p="http://schemas.openxmlformats.org/presentationml/2006/main" xmlns:r="http://schemas.openxmlformats.org/officeDocument/2006/relationships" xmlns:p14="http://schemas.microsoft.com/office/powerpoint/2010/main" xmlns:p15="http://schemas.microsoft.com/office/powerpoint/2012/main" xmlns:mc="http://schemas.openxmlformats.org/markup-compatibility/2006" type="blank" preserve="1">
+  <p:cSld name="Title, 6 Content">
+    <p:spTree>
+      <p:nvGrpSpPr>
+        <p:cNvPr id="1" name=""/>
+        <p:cNvGrpSpPr/>
+        <p:nvPr/>
+      </p:nvGrpSpPr>
+      <p:grpSpPr>
+        <a:xfrm>
+          <a:off x="0" y="0"/>
+          <a:ext cx="0" cy="0"/>
+          <a:chOff x="0" y="0"/>
+          <a:chExt cx="0" cy="0"/>
+        </a:xfrm>
+      </p:grpSpPr>
+      <p:sp>
+        <p:nvSpPr>
+          <p:cNvPr id="116" name="PlaceHolder 1"/>
+          <p:cNvSpPr>
+            <a:spLocks noGrp="1"/>
+          </p:cNvSpPr>
+          <p:nvPr>
+            <p:ph type="title"/>
+          </p:nvPr>
+        </p:nvSpPr>
+        <p:spPr>
+          <a:xfrm>
+            <a:off x="457200" y="273600"/>
+            <a:ext cx="8229240" cy="1144800"/>
+          </a:xfrm>
+          <a:prstGeom prst="rect">
+            <a:avLst/>
+          </a:prstGeom>
+          <a:noFill/>
+          <a:ln w="0">
+            <a:noFill/>
+          </a:ln>
+        </p:spPr>
+        <p:txBody>
+          <a:bodyPr lIns="0" rIns="0" tIns="0" bIns="0" anchor="ctr">
+            <a:noAutofit/>
+          </a:bodyPr>
+          <a:p>
+            <a:pPr indent="0" algn="ctr">
+              <a:buNone/>
+            </a:pPr>
+            <a:endParaRPr b="0" lang="en-US" sz="4400" spc="-1" strike="noStrike">
+              <a:solidFill>
+                <a:srgbClr val="000000"/>
+              </a:solidFill>
+              <a:latin typeface="Arial"/>
+            </a:endParaRPr>
+          </a:p>
+        </p:txBody>
+      </p:sp>
+      <p:sp>
+        <p:nvSpPr>
+          <p:cNvPr id="117" name="PlaceHolder 2"/>
+          <p:cNvSpPr>
+            <a:spLocks noGrp="1"/>
+          </p:cNvSpPr>
+          <p:nvPr>
+            <p:ph/>
+          </p:nvPr>
+        </p:nvSpPr>
+        <p:spPr>
+          <a:xfrm>
+            <a:off x="457200" y="1604520"/>
+            <a:ext cx="2649600" cy="1896840"/>
+          </a:xfrm>
+          <a:prstGeom prst="rect">
+            <a:avLst/>
+          </a:prstGeom>
+          <a:noFill/>
+          <a:ln w="0">
+            <a:noFill/>
+          </a:ln>
+        </p:spPr>
+        <p:txBody>
+          <a:bodyPr lIns="0" rIns="0" tIns="0" bIns="0" anchor="t">
+            <a:normAutofit/>
+          </a:bodyPr>
+          <a:p>
+            <a:pPr indent="0">
+              <a:spcBef>
+                <a:spcPts val="1417"/>
+              </a:spcBef>
+              <a:buNone/>
+            </a:pPr>
+            <a:endParaRPr b="0" lang="en-US" sz="3200" spc="-1" strike="noStrike">
+              <a:solidFill>
+                <a:srgbClr val="000000"/>
+              </a:solidFill>
+              <a:latin typeface="Arial"/>
+            </a:endParaRPr>
+          </a:p>
+        </p:txBody>
+      </p:sp>
+      <p:sp>
+        <p:nvSpPr>
+          <p:cNvPr id="118" name="PlaceHolder 3"/>
+          <p:cNvSpPr>
+            <a:spLocks noGrp="1"/>
+          </p:cNvSpPr>
+          <p:nvPr>
+            <p:ph/>
+          </p:nvPr>
+        </p:nvSpPr>
+        <p:spPr>
+          <a:xfrm>
+            <a:off x="3239640" y="1604520"/>
+            <a:ext cx="2649600" cy="1896840"/>
+          </a:xfrm>
+          <a:prstGeom prst="rect">
+            <a:avLst/>
+          </a:prstGeom>
+          <a:noFill/>
+          <a:ln w="0">
+            <a:noFill/>
+          </a:ln>
+        </p:spPr>
+        <p:txBody>
+          <a:bodyPr lIns="0" rIns="0" tIns="0" bIns="0" anchor="t">
+            <a:normAutofit/>
+          </a:bodyPr>
+          <a:p>
+            <a:pPr indent="0">
+              <a:spcBef>
+                <a:spcPts val="1417"/>
+              </a:spcBef>
+              <a:buNone/>
+            </a:pPr>
+            <a:endParaRPr b="0" lang="en-US" sz="3200" spc="-1" strike="noStrike">
+              <a:solidFill>
+                <a:srgbClr val="000000"/>
+              </a:solidFill>
+              <a:latin typeface="Arial"/>
+            </a:endParaRPr>
+          </a:p>
+        </p:txBody>
+      </p:sp>
+      <p:sp>
+        <p:nvSpPr>
+          <p:cNvPr id="119" name="PlaceHolder 4"/>
+          <p:cNvSpPr>
+            <a:spLocks noGrp="1"/>
+          </p:cNvSpPr>
+          <p:nvPr>
+            <p:ph/>
+          </p:nvPr>
+        </p:nvSpPr>
+        <p:spPr>
+          <a:xfrm>
+            <a:off x="6022080" y="1604520"/>
+            <a:ext cx="2649600" cy="1896840"/>
+          </a:xfrm>
+          <a:prstGeom prst="rect">
+            <a:avLst/>
+          </a:prstGeom>
+          <a:noFill/>
+          <a:ln w="0">
+            <a:noFill/>
+          </a:ln>
+        </p:spPr>
+        <p:txBody>
+          <a:bodyPr lIns="0" rIns="0" tIns="0" bIns="0" anchor="t">
+            <a:normAutofit/>
+          </a:bodyPr>
+          <a:p>
+            <a:pPr indent="0">
+              <a:spcBef>
+                <a:spcPts val="1417"/>
+              </a:spcBef>
+              <a:buNone/>
+            </a:pPr>
+            <a:endParaRPr b="0" lang="en-US" sz="3200" spc="-1" strike="noStrike">
+              <a:solidFill>
+                <a:srgbClr val="000000"/>
+              </a:solidFill>
+              <a:latin typeface="Arial"/>
+            </a:endParaRPr>
+          </a:p>
+        </p:txBody>
+      </p:sp>
+      <p:sp>
+        <p:nvSpPr>
+          <p:cNvPr id="120" name="PlaceHolder 5"/>
+          <p:cNvSpPr>
+            <a:spLocks noGrp="1"/>
+          </p:cNvSpPr>
+          <p:nvPr>
+            <p:ph/>
+          </p:nvPr>
+        </p:nvSpPr>
+        <p:spPr>
+          <a:xfrm>
+            <a:off x="457200" y="3682080"/>
+            <a:ext cx="2649600" cy="1896840"/>
+          </a:xfrm>
+          <a:prstGeom prst="rect">
+            <a:avLst/>
+          </a:prstGeom>
+          <a:noFill/>
+          <a:ln w="0">
+            <a:noFill/>
+          </a:ln>
+        </p:spPr>
+        <p:txBody>
+          <a:bodyPr lIns="0" rIns="0" tIns="0" bIns="0" anchor="t">
+            <a:normAutofit/>
+          </a:bodyPr>
+          <a:p>
+            <a:pPr indent="0">
+              <a:spcBef>
+                <a:spcPts val="1417"/>
+              </a:spcBef>
+              <a:buNone/>
+            </a:pPr>
+            <a:endParaRPr b="0" lang="en-US" sz="3200" spc="-1" strike="noStrike">
+              <a:solidFill>
+                <a:srgbClr val="000000"/>
+              </a:solidFill>
+              <a:latin typeface="Arial"/>
+            </a:endParaRPr>
+          </a:p>
+        </p:txBody>
+      </p:sp>
+      <p:sp>
+        <p:nvSpPr>
+          <p:cNvPr id="121" name="PlaceHolder 6"/>
+          <p:cNvSpPr>
+            <a:spLocks noGrp="1"/>
+          </p:cNvSpPr>
+          <p:nvPr>
+            <p:ph/>
+          </p:nvPr>
+        </p:nvSpPr>
+        <p:spPr>
+          <a:xfrm>
+            <a:off x="3239640" y="3682080"/>
+            <a:ext cx="2649600" cy="1896840"/>
+          </a:xfrm>
+          <a:prstGeom prst="rect">
+            <a:avLst/>
+          </a:prstGeom>
+          <a:noFill/>
+          <a:ln w="0">
+            <a:noFill/>
+          </a:ln>
+        </p:spPr>
+        <p:txBody>
+          <a:bodyPr lIns="0" rIns="0" tIns="0" bIns="0" anchor="t">
+            <a:normAutofit/>
+          </a:bodyPr>
+          <a:p>
+            <a:pPr indent="0">
+              <a:spcBef>
+                <a:spcPts val="1417"/>
+              </a:spcBef>
+              <a:buNone/>
+            </a:pPr>
+            <a:endParaRPr b="0" lang="en-US" sz="3200" spc="-1" strike="noStrike">
+              <a:solidFill>
+                <a:srgbClr val="000000"/>
+              </a:solidFill>
+              <a:latin typeface="Arial"/>
+            </a:endParaRPr>
+          </a:p>
+        </p:txBody>
+      </p:sp>
+      <p:sp>
+        <p:nvSpPr>
+          <p:cNvPr id="122" name="PlaceHolder 7"/>
+          <p:cNvSpPr>
+            <a:spLocks noGrp="1"/>
+          </p:cNvSpPr>
+          <p:nvPr>
+            <p:ph/>
+          </p:nvPr>
+        </p:nvSpPr>
+        <p:spPr>
+          <a:xfrm>
+            <a:off x="6022080" y="3682080"/>
+            <a:ext cx="2649600" cy="1896840"/>
+          </a:xfrm>
+          <a:prstGeom prst="rect">
+            <a:avLst/>
+          </a:prstGeom>
+          <a:noFill/>
+          <a:ln w="0">
+            <a:noFill/>
+          </a:ln>
+        </p:spPr>
+        <p:txBody>
+          <a:bodyPr lIns="0" rIns="0" tIns="0" bIns="0" anchor="t">
+            <a:normAutofit/>
+          </a:bodyPr>
+          <a:p>
+            <a:pPr indent="0">
+              <a:spcBef>
+                <a:spcPts val="1417"/>
+              </a:spcBef>
+              <a:buNone/>
+            </a:pPr>
+            <a:endParaRPr b="0" lang="en-US" sz="3200" spc="-1" strike="noStrike">
+              <a:solidFill>
+                <a:srgbClr val="000000"/>
+              </a:solidFill>
+              <a:latin typeface="Arial"/>
+            </a:endParaRPr>
+          </a:p>
+        </p:txBody>
+      </p:sp>
+      <p:sp>
+        <p:nvSpPr>
+          <p:cNvPr id="9" name="PlaceHolder 8"/>
+          <p:cNvSpPr>
+            <a:spLocks noGrp="1"/>
+          </p:cNvSpPr>
+          <p:nvPr>
+            <p:ph type="ftr" idx="7"/>
+          </p:nvPr>
+        </p:nvSpPr>
+        <p:spPr/>
+        <p:txBody>
+          <a:bodyPr/>
+          <a:p>
+            <a:r>
+              <a:t>Footer</a:t>
+            </a:r>
+          </a:p>
+        </p:txBody>
+      </p:sp>
+      <p:sp>
+        <p:nvSpPr>
+          <p:cNvPr id="10" name="PlaceHolder 9"/>
+          <p:cNvSpPr>
+            <a:spLocks noGrp="1"/>
+          </p:cNvSpPr>
+          <p:nvPr>
+            <p:ph type="sldNum" idx="8"/>
+          </p:nvPr>
+        </p:nvSpPr>
+        <p:spPr/>
+        <p:txBody>
+          <a:bodyPr/>
+          <a:p>
+            <a:fld id="{2773998F-487A-458E-B5CD-236339A78913}" type="slidenum">
+              <a:t>&lt;#&gt;</a:t>
+            </a:fld>
+          </a:p>
+        </p:txBody>
+      </p:sp>
+      <p:sp>
+        <p:nvSpPr>
+          <p:cNvPr id="11" name="PlaceHolder 10"/>
+          <p:cNvSpPr>
+            <a:spLocks noGrp="1"/>
+          </p:cNvSpPr>
+          <p:nvPr>
+            <p:ph type="dt" idx="9"/>
           </p:nvPr>
         </p:nvSpPr>
         <p:spPr/>
@@ -3994,7 +6502,7 @@
         <p:txBody>
           <a:bodyPr/>
           <a:p>
-            <a:fld id="{5B35FC05-E5A3-4C83-862B-DF56FBE49002}" type="slidenum">
+            <a:fld id="{68E400AF-340C-4065-B168-631E9433EA0A}" type="slidenum">
               <a:t>&lt;#&gt;</a:t>
             </a:fld>
           </a:p>
@@ -4117,7 +6625,7 @@
         <p:txBody>
           <a:bodyPr/>
           <a:p>
-            <a:fld id="{49E67D93-8A17-4E24-AF04-7E8334889A32}" type="slidenum">
+            <a:fld id="{A5F2CB6E-D368-4D39-8E3A-02C33590268C}" type="slidenum">
               <a:t>&lt;#&gt;</a:t>
             </a:fld>
           </a:p>
@@ -4238,7 +6746,7 @@
         <p:txBody>
           <a:bodyPr/>
           <a:p>
-            <a:fld id="{E8255B0F-5F25-4891-B3A0-696BEE17471D}" type="slidenum">
+            <a:fld id="{F2B845F5-7A18-49CD-9973-0C2802601B50}" type="slidenum">
               <a:t>&lt;#&gt;</a:t>
             </a:fld>
           </a:p>
@@ -4490,7 +6998,7 @@
         <p:txBody>
           <a:bodyPr/>
           <a:p>
-            <a:fld id="{BD6BDB33-07E5-4E1C-8AE2-428F6DCD4C7C}" type="slidenum">
+            <a:fld id="{C3B4284D-F7C8-42AD-980D-816A5EAFF8BC}" type="slidenum">
               <a:t>&lt;#&gt;</a:t>
             </a:fld>
           </a:p>
@@ -4742,7 +7250,7 @@
         <p:txBody>
           <a:bodyPr/>
           <a:p>
-            <a:fld id="{F7F853B6-BA46-4228-BFEB-200AF2471138}" type="slidenum">
+            <a:fld id="{BA404A94-479E-4B5A-BD86-1B593C4DBACB}" type="slidenum">
               <a:t>&lt;#&gt;</a:t>
             </a:fld>
           </a:p>
@@ -4994,7 +7502,7 @@
         <p:txBody>
           <a:bodyPr/>
           <a:p>
-            <a:fld id="{5F38B2FC-78E5-4D00-8107-6DD9207E1DF6}" type="slidenum">
+            <a:fld id="{DEEC5A7A-0C38-4E2E-9212-6B67683F4E64}" type="slidenum">
               <a:t>&lt;#&gt;</a:t>
             </a:fld>
           </a:p>
@@ -5063,7 +7571,7 @@
         <p:spPr>
           <a:xfrm>
             <a:off x="3124080" y="6356520"/>
-            <a:ext cx="2894400" cy="363960"/>
+            <a:ext cx="2894040" cy="363600"/>
           </a:xfrm>
           <a:prstGeom prst="rect">
             <a:avLst/>
@@ -5111,7 +7619,7 @@
                 </a:solidFill>
                 <a:latin typeface="Times New Roman"/>
               </a:rPr>
-              <a:t> </a:t>
+              <a:t>&lt;footer&gt;</a:t>
             </a:r>
             <a:endParaRPr b="0" lang="en-US" sz="1400" spc="-1" strike="noStrike">
               <a:solidFill>
@@ -5135,7 +7643,7 @@
         <p:spPr>
           <a:xfrm>
             <a:off x="6553080" y="6356520"/>
-            <a:ext cx="2132640" cy="363960"/>
+            <a:ext cx="2132280" cy="363600"/>
           </a:xfrm>
           <a:prstGeom prst="rect">
             <a:avLst/>
@@ -5176,14 +7684,14 @@
                 <a:tab algn="l" pos="0"/>
               </a:tabLst>
             </a:pPr>
-            <a:fld id="{2296BE87-D92C-45F5-BAB4-C06FA8BAA167}" type="slidenum">
+            <a:fld id="{AB3AB247-76D5-4E26-802B-7848891F32D0}" type="slidenum">
               <a:rPr b="0" lang="en-US" sz="1200" spc="-1" strike="noStrike">
                 <a:solidFill>
                   <a:srgbClr val="8b8b8b"/>
                 </a:solidFill>
                 <a:latin typeface="Calibri"/>
               </a:rPr>
-              <a:t>1</a:t>
+              <a:t>&lt;number&gt;</a:t>
             </a:fld>
             <a:endParaRPr b="0" lang="en-US" sz="1200" spc="-1" strike="noStrike">
               <a:solidFill>
@@ -5207,7 +7715,7 @@
         <p:spPr>
           <a:xfrm>
             <a:off x="457200" y="6356520"/>
-            <a:ext cx="2132640" cy="363960"/>
+            <a:ext cx="2132280" cy="363600"/>
           </a:xfrm>
           <a:prstGeom prst="rect">
             <a:avLst/>
@@ -5243,7 +7751,7 @@
                 </a:solidFill>
                 <a:latin typeface="Times New Roman"/>
               </a:rPr>
-              <a:t> </a:t>
+              <a:t>&lt;date/time&gt;</a:t>
             </a:r>
             <a:endParaRPr b="0" lang="en-US" sz="1400" spc="-1" strike="noStrike">
               <a:solidFill>
@@ -5585,7 +8093,7 @@
         <p:spPr>
           <a:xfrm>
             <a:off x="3124080" y="6356520"/>
-            <a:ext cx="2894400" cy="363960"/>
+            <a:ext cx="2894040" cy="363600"/>
           </a:xfrm>
           <a:prstGeom prst="rect">
             <a:avLst/>
@@ -5657,7 +8165,7 @@
         <p:spPr>
           <a:xfrm>
             <a:off x="6553080" y="6356520"/>
-            <a:ext cx="2132640" cy="363960"/>
+            <a:ext cx="2132280" cy="363600"/>
           </a:xfrm>
           <a:prstGeom prst="rect">
             <a:avLst/>
@@ -5698,7 +8206,7 @@
                 <a:tab algn="l" pos="0"/>
               </a:tabLst>
             </a:pPr>
-            <a:fld id="{2756A3F9-5560-4132-B21E-5CC7FF9963EB}" type="slidenum">
+            <a:fld id="{3339E83F-BDE9-4B80-AA03-63110B595C2B}" type="slidenum">
               <a:rPr b="0" lang="en-US" sz="1200" spc="-1" strike="noStrike">
                 <a:solidFill>
                   <a:srgbClr val="8b8b8b"/>
@@ -5729,7 +8237,7 @@
         <p:spPr>
           <a:xfrm>
             <a:off x="457200" y="6356520"/>
-            <a:ext cx="2132640" cy="363960"/>
+            <a:ext cx="2132280" cy="363600"/>
           </a:xfrm>
           <a:prstGeom prst="rect">
             <a:avLst/>
@@ -6066,6 +8574,528 @@
     <p:sldLayoutId id="2147483671" r:id="rId11"/>
     <p:sldLayoutId id="2147483672" r:id="rId12"/>
     <p:sldLayoutId id="2147483673" r:id="rId13"/>
+  </p:sldLayoutIdLst>
+</p:sldMaster>
+</file>
+
+<file path=ppt/slideMasters/slideMaster3.xml><?xml version="1.0" encoding="utf-8"?>
+<p:sldMaster xmlns:a="http://schemas.openxmlformats.org/drawingml/2006/main" xmlns:p="http://schemas.openxmlformats.org/presentationml/2006/main" xmlns:r="http://schemas.openxmlformats.org/officeDocument/2006/relationships" xmlns:p14="http://schemas.microsoft.com/office/powerpoint/2010/main" xmlns:p15="http://schemas.microsoft.com/office/powerpoint/2012/main" xmlns:mc="http://schemas.openxmlformats.org/markup-compatibility/2006">
+  <p:cSld>
+    <p:bg>
+      <p:bgPr>
+        <a:solidFill>
+          <a:srgbClr val="ffffff"/>
+        </a:solidFill>
+      </p:bgPr>
+    </p:bg>
+    <p:spTree>
+      <p:nvGrpSpPr>
+        <p:cNvPr id="1" name=""/>
+        <p:cNvGrpSpPr/>
+        <p:nvPr/>
+      </p:nvGrpSpPr>
+      <p:grpSpPr>
+        <a:xfrm>
+          <a:off x="0" y="0"/>
+          <a:ext cx="0" cy="0"/>
+          <a:chOff x="0" y="0"/>
+          <a:chExt cx="0" cy="0"/>
+        </a:xfrm>
+      </p:grpSpPr>
+      <p:sp>
+        <p:nvSpPr>
+          <p:cNvPr id="82" name="PlaceHolder 1"/>
+          <p:cNvSpPr>
+            <a:spLocks noGrp="1"/>
+          </p:cNvSpPr>
+          <p:nvPr>
+            <p:ph type="ftr" idx="7"/>
+          </p:nvPr>
+        </p:nvSpPr>
+        <p:spPr>
+          <a:xfrm>
+            <a:off x="3124080" y="6356520"/>
+            <a:ext cx="2894400" cy="363960"/>
+          </a:xfrm>
+          <a:prstGeom prst="rect">
+            <a:avLst/>
+          </a:prstGeom>
+          <a:noFill/>
+          <a:ln w="0">
+            <a:noFill/>
+          </a:ln>
+        </p:spPr>
+        <p:txBody>
+          <a:bodyPr lIns="90000" rIns="90000" tIns="45000" bIns="45000" anchor="ctr">
+            <a:noAutofit/>
+          </a:bodyPr>
+          <a:lstStyle>
+            <a:lvl1pPr indent="0" algn="ctr">
+              <a:lnSpc>
+                <a:spcPct val="100000"/>
+              </a:lnSpc>
+              <a:buNone/>
+              <a:tabLst>
+                <a:tab algn="l" pos="0"/>
+              </a:tabLst>
+              <a:defRPr b="0" lang="en-US" sz="1400" spc="-1" strike="noStrike">
+                <a:solidFill>
+                  <a:srgbClr val="000000"/>
+                </a:solidFill>
+                <a:latin typeface="Times New Roman"/>
+              </a:defRPr>
+            </a:lvl1pPr>
+          </a:lstStyle>
+          <a:p>
+            <a:pPr indent="0" algn="ctr">
+              <a:lnSpc>
+                <a:spcPct val="100000"/>
+              </a:lnSpc>
+              <a:buNone/>
+              <a:tabLst>
+                <a:tab algn="l" pos="0"/>
+              </a:tabLst>
+            </a:pPr>
+            <a:r>
+              <a:rPr b="0" lang="en-US" sz="1400" spc="-1" strike="noStrike">
+                <a:solidFill>
+                  <a:srgbClr val="000000"/>
+                </a:solidFill>
+                <a:latin typeface="Times New Roman"/>
+              </a:rPr>
+              <a:t>&lt;footer&gt;</a:t>
+            </a:r>
+            <a:endParaRPr b="0" lang="en-US" sz="1400" spc="-1" strike="noStrike">
+              <a:solidFill>
+                <a:srgbClr val="000000"/>
+              </a:solidFill>
+              <a:latin typeface="Times New Roman"/>
+            </a:endParaRPr>
+          </a:p>
+        </p:txBody>
+      </p:sp>
+      <p:sp>
+        <p:nvSpPr>
+          <p:cNvPr id="83" name="PlaceHolder 2"/>
+          <p:cNvSpPr>
+            <a:spLocks noGrp="1"/>
+          </p:cNvSpPr>
+          <p:nvPr>
+            <p:ph type="sldNum" idx="8"/>
+          </p:nvPr>
+        </p:nvSpPr>
+        <p:spPr>
+          <a:xfrm>
+            <a:off x="6553080" y="6356520"/>
+            <a:ext cx="2132640" cy="363960"/>
+          </a:xfrm>
+          <a:prstGeom prst="rect">
+            <a:avLst/>
+          </a:prstGeom>
+          <a:noFill/>
+          <a:ln w="0">
+            <a:noFill/>
+          </a:ln>
+        </p:spPr>
+        <p:txBody>
+          <a:bodyPr lIns="90000" rIns="90000" tIns="45000" bIns="45000" anchor="ctr">
+            <a:noAutofit/>
+          </a:bodyPr>
+          <a:lstStyle>
+            <a:lvl1pPr indent="0" algn="r">
+              <a:lnSpc>
+                <a:spcPct val="100000"/>
+              </a:lnSpc>
+              <a:buNone/>
+              <a:tabLst>
+                <a:tab algn="l" pos="0"/>
+              </a:tabLst>
+              <a:defRPr b="0" lang="en-US" sz="1200" spc="-1" strike="noStrike">
+                <a:solidFill>
+                  <a:srgbClr val="8b8b8b"/>
+                </a:solidFill>
+                <a:latin typeface="Calibri"/>
+              </a:defRPr>
+            </a:lvl1pPr>
+          </a:lstStyle>
+          <a:p>
+            <a:pPr indent="0" algn="r">
+              <a:lnSpc>
+                <a:spcPct val="100000"/>
+              </a:lnSpc>
+              <a:buNone/>
+              <a:tabLst>
+                <a:tab algn="l" pos="0"/>
+              </a:tabLst>
+            </a:pPr>
+            <a:fld id="{04B6DA2A-1F5E-4802-8823-0AB500DD2D48}" type="slidenum">
+              <a:rPr b="0" lang="en-US" sz="1200" spc="-1" strike="noStrike">
+                <a:solidFill>
+                  <a:srgbClr val="8b8b8b"/>
+                </a:solidFill>
+                <a:latin typeface="Calibri"/>
+              </a:rPr>
+              <a:t>&lt;number&gt;</a:t>
+            </a:fld>
+            <a:endParaRPr b="0" lang="en-US" sz="1200" spc="-1" strike="noStrike">
+              <a:solidFill>
+                <a:srgbClr val="000000"/>
+              </a:solidFill>
+              <a:latin typeface="Times New Roman"/>
+            </a:endParaRPr>
+          </a:p>
+        </p:txBody>
+      </p:sp>
+      <p:sp>
+        <p:nvSpPr>
+          <p:cNvPr id="84" name="PlaceHolder 3"/>
+          <p:cNvSpPr>
+            <a:spLocks noGrp="1"/>
+          </p:cNvSpPr>
+          <p:nvPr>
+            <p:ph type="dt" idx="9"/>
+          </p:nvPr>
+        </p:nvSpPr>
+        <p:spPr>
+          <a:xfrm>
+            <a:off x="457200" y="6356520"/>
+            <a:ext cx="2132640" cy="363960"/>
+          </a:xfrm>
+          <a:prstGeom prst="rect">
+            <a:avLst/>
+          </a:prstGeom>
+          <a:noFill/>
+          <a:ln w="0">
+            <a:noFill/>
+          </a:ln>
+        </p:spPr>
+        <p:txBody>
+          <a:bodyPr lIns="90000" rIns="90000" tIns="45000" bIns="45000" anchor="ctr">
+            <a:noAutofit/>
+          </a:bodyPr>
+          <a:lstStyle>
+            <a:lvl1pPr indent="0">
+              <a:buNone/>
+              <a:defRPr b="0" lang="en-US" sz="1400" spc="-1" strike="noStrike">
+                <a:solidFill>
+                  <a:srgbClr val="000000"/>
+                </a:solidFill>
+                <a:latin typeface="Times New Roman"/>
+              </a:defRPr>
+            </a:lvl1pPr>
+          </a:lstStyle>
+          <a:p>
+            <a:pPr indent="0">
+              <a:buNone/>
+            </a:pPr>
+            <a:r>
+              <a:rPr b="0" lang="en-US" sz="1400" spc="-1" strike="noStrike">
+                <a:solidFill>
+                  <a:srgbClr val="000000"/>
+                </a:solidFill>
+                <a:latin typeface="Times New Roman"/>
+              </a:rPr>
+              <a:t>&lt;date/time&gt;</a:t>
+            </a:r>
+            <a:endParaRPr b="0" lang="en-US" sz="1400" spc="-1" strike="noStrike">
+              <a:solidFill>
+                <a:srgbClr val="000000"/>
+              </a:solidFill>
+              <a:latin typeface="Times New Roman"/>
+            </a:endParaRPr>
+          </a:p>
+        </p:txBody>
+      </p:sp>
+      <p:sp>
+        <p:nvSpPr>
+          <p:cNvPr id="85" name="PlaceHolder 4"/>
+          <p:cNvSpPr>
+            <a:spLocks noGrp="1"/>
+          </p:cNvSpPr>
+          <p:nvPr>
+            <p:ph type="title"/>
+          </p:nvPr>
+        </p:nvSpPr>
+        <p:spPr>
+          <a:xfrm>
+            <a:off x="457200" y="273600"/>
+            <a:ext cx="8229240" cy="1144800"/>
+          </a:xfrm>
+          <a:prstGeom prst="rect">
+            <a:avLst/>
+          </a:prstGeom>
+          <a:noFill/>
+          <a:ln w="0">
+            <a:noFill/>
+          </a:ln>
+        </p:spPr>
+        <p:txBody>
+          <a:bodyPr lIns="0" rIns="0" tIns="0" bIns="0" anchor="ctr">
+            <a:noAutofit/>
+          </a:bodyPr>
+          <a:p>
+            <a:pPr indent="0" algn="ctr">
+              <a:buNone/>
+            </a:pPr>
+            <a:r>
+              <a:rPr b="0" lang="en-US" sz="4400" spc="-1" strike="noStrike">
+                <a:solidFill>
+                  <a:srgbClr val="000000"/>
+                </a:solidFill>
+                <a:latin typeface="Arial"/>
+              </a:rPr>
+              <a:t>Click to edit the title text format</a:t>
+            </a:r>
+            <a:endParaRPr b="0" lang="en-US" sz="4400" spc="-1" strike="noStrike">
+              <a:solidFill>
+                <a:srgbClr val="000000"/>
+              </a:solidFill>
+              <a:latin typeface="Arial"/>
+            </a:endParaRPr>
+          </a:p>
+        </p:txBody>
+      </p:sp>
+      <p:sp>
+        <p:nvSpPr>
+          <p:cNvPr id="86" name="PlaceHolder 5"/>
+          <p:cNvSpPr>
+            <a:spLocks noGrp="1"/>
+          </p:cNvSpPr>
+          <p:nvPr>
+            <p:ph type="body"/>
+          </p:nvPr>
+        </p:nvSpPr>
+        <p:spPr>
+          <a:xfrm>
+            <a:off x="457200" y="1604520"/>
+            <a:ext cx="8229240" cy="3977280"/>
+          </a:xfrm>
+          <a:prstGeom prst="rect">
+            <a:avLst/>
+          </a:prstGeom>
+          <a:noFill/>
+          <a:ln w="0">
+            <a:noFill/>
+          </a:ln>
+        </p:spPr>
+        <p:txBody>
+          <a:bodyPr lIns="0" rIns="0" tIns="0" bIns="0" anchor="t">
+            <a:normAutofit/>
+          </a:bodyPr>
+          <a:p>
+            <a:pPr marL="432000" indent="-324000">
+              <a:spcBef>
+                <a:spcPts val="1417"/>
+              </a:spcBef>
+              <a:buClr>
+                <a:srgbClr val="000000"/>
+              </a:buClr>
+              <a:buSzPct val="45000"/>
+              <a:buFont typeface="Wingdings" charset="2"/>
+              <a:buChar char=""/>
+            </a:pPr>
+            <a:r>
+              <a:rPr b="0" lang="en-US" sz="3200" spc="-1" strike="noStrike">
+                <a:solidFill>
+                  <a:srgbClr val="000000"/>
+                </a:solidFill>
+                <a:latin typeface="Arial"/>
+              </a:rPr>
+              <a:t>Click to edit the outline text format</a:t>
+            </a:r>
+            <a:endParaRPr b="0" lang="en-US" sz="3200" spc="-1" strike="noStrike">
+              <a:solidFill>
+                <a:srgbClr val="000000"/>
+              </a:solidFill>
+              <a:latin typeface="Arial"/>
+            </a:endParaRPr>
+          </a:p>
+          <a:p>
+            <a:pPr lvl="1" marL="864000" indent="-324000">
+              <a:spcBef>
+                <a:spcPts val="1134"/>
+              </a:spcBef>
+              <a:buClr>
+                <a:srgbClr val="000000"/>
+              </a:buClr>
+              <a:buSzPct val="75000"/>
+              <a:buFont typeface="Symbol" charset="2"/>
+              <a:buChar char=""/>
+            </a:pPr>
+            <a:r>
+              <a:rPr b="0" lang="en-US" sz="2800" spc="-1" strike="noStrike">
+                <a:solidFill>
+                  <a:srgbClr val="000000"/>
+                </a:solidFill>
+                <a:latin typeface="Arial"/>
+              </a:rPr>
+              <a:t>Second Outline Level</a:t>
+            </a:r>
+            <a:endParaRPr b="0" lang="en-US" sz="2800" spc="-1" strike="noStrike">
+              <a:solidFill>
+                <a:srgbClr val="000000"/>
+              </a:solidFill>
+              <a:latin typeface="Arial"/>
+            </a:endParaRPr>
+          </a:p>
+          <a:p>
+            <a:pPr lvl="2" marL="1296000" indent="-288000">
+              <a:spcBef>
+                <a:spcPts val="850"/>
+              </a:spcBef>
+              <a:buClr>
+                <a:srgbClr val="000000"/>
+              </a:buClr>
+              <a:buSzPct val="45000"/>
+              <a:buFont typeface="Wingdings" charset="2"/>
+              <a:buChar char=""/>
+            </a:pPr>
+            <a:r>
+              <a:rPr b="0" lang="en-US" sz="2400" spc="-1" strike="noStrike">
+                <a:solidFill>
+                  <a:srgbClr val="000000"/>
+                </a:solidFill>
+                <a:latin typeface="Arial"/>
+              </a:rPr>
+              <a:t>Third Outline Level</a:t>
+            </a:r>
+            <a:endParaRPr b="0" lang="en-US" sz="2400" spc="-1" strike="noStrike">
+              <a:solidFill>
+                <a:srgbClr val="000000"/>
+              </a:solidFill>
+              <a:latin typeface="Arial"/>
+            </a:endParaRPr>
+          </a:p>
+          <a:p>
+            <a:pPr lvl="3" marL="1728000" indent="-216000">
+              <a:spcBef>
+                <a:spcPts val="567"/>
+              </a:spcBef>
+              <a:buClr>
+                <a:srgbClr val="000000"/>
+              </a:buClr>
+              <a:buSzPct val="75000"/>
+              <a:buFont typeface="Symbol" charset="2"/>
+              <a:buChar char=""/>
+            </a:pPr>
+            <a:r>
+              <a:rPr b="0" lang="en-US" sz="2000" spc="-1" strike="noStrike">
+                <a:solidFill>
+                  <a:srgbClr val="000000"/>
+                </a:solidFill>
+                <a:latin typeface="Arial"/>
+              </a:rPr>
+              <a:t>Fourth Outline Level</a:t>
+            </a:r>
+            <a:endParaRPr b="0" lang="en-US" sz="2000" spc="-1" strike="noStrike">
+              <a:solidFill>
+                <a:srgbClr val="000000"/>
+              </a:solidFill>
+              <a:latin typeface="Arial"/>
+            </a:endParaRPr>
+          </a:p>
+          <a:p>
+            <a:pPr lvl="4" marL="2160000" indent="-216000">
+              <a:spcBef>
+                <a:spcPts val="283"/>
+              </a:spcBef>
+              <a:buClr>
+                <a:srgbClr val="000000"/>
+              </a:buClr>
+              <a:buSzPct val="45000"/>
+              <a:buFont typeface="Wingdings" charset="2"/>
+              <a:buChar char=""/>
+            </a:pPr>
+            <a:r>
+              <a:rPr b="0" lang="en-US" sz="2000" spc="-1" strike="noStrike">
+                <a:solidFill>
+                  <a:srgbClr val="000000"/>
+                </a:solidFill>
+                <a:latin typeface="Arial"/>
+              </a:rPr>
+              <a:t>Fifth Outline Level</a:t>
+            </a:r>
+            <a:endParaRPr b="0" lang="en-US" sz="2000" spc="-1" strike="noStrike">
+              <a:solidFill>
+                <a:srgbClr val="000000"/>
+              </a:solidFill>
+              <a:latin typeface="Arial"/>
+            </a:endParaRPr>
+          </a:p>
+          <a:p>
+            <a:pPr lvl="5" marL="2592000" indent="-216000">
+              <a:spcBef>
+                <a:spcPts val="283"/>
+              </a:spcBef>
+              <a:buClr>
+                <a:srgbClr val="000000"/>
+              </a:buClr>
+              <a:buSzPct val="45000"/>
+              <a:buFont typeface="Wingdings" charset="2"/>
+              <a:buChar char=""/>
+            </a:pPr>
+            <a:r>
+              <a:rPr b="0" lang="en-US" sz="2000" spc="-1" strike="noStrike">
+                <a:solidFill>
+                  <a:srgbClr val="000000"/>
+                </a:solidFill>
+                <a:latin typeface="Arial"/>
+              </a:rPr>
+              <a:t>Sixth Outline Level</a:t>
+            </a:r>
+            <a:endParaRPr b="0" lang="en-US" sz="2000" spc="-1" strike="noStrike">
+              <a:solidFill>
+                <a:srgbClr val="000000"/>
+              </a:solidFill>
+              <a:latin typeface="Arial"/>
+            </a:endParaRPr>
+          </a:p>
+          <a:p>
+            <a:pPr lvl="6" marL="3024000" indent="-216000">
+              <a:spcBef>
+                <a:spcPts val="283"/>
+              </a:spcBef>
+              <a:buClr>
+                <a:srgbClr val="000000"/>
+              </a:buClr>
+              <a:buSzPct val="45000"/>
+              <a:buFont typeface="Wingdings" charset="2"/>
+              <a:buChar char=""/>
+            </a:pPr>
+            <a:r>
+              <a:rPr b="0" lang="en-US" sz="2000" spc="-1" strike="noStrike">
+                <a:solidFill>
+                  <a:srgbClr val="000000"/>
+                </a:solidFill>
+                <a:latin typeface="Arial"/>
+              </a:rPr>
+              <a:t>Seventh Outline Level</a:t>
+            </a:r>
+            <a:endParaRPr b="0" lang="en-US" sz="2000" spc="-1" strike="noStrike">
+              <a:solidFill>
+                <a:srgbClr val="000000"/>
+              </a:solidFill>
+              <a:latin typeface="Arial"/>
+            </a:endParaRPr>
+          </a:p>
+        </p:txBody>
+      </p:sp>
+    </p:spTree>
+  </p:cSld>
+  <p:clrMap bg1="lt1" bg2="lt2" tx1="dk1" tx2="dk2" accent1="accent1" accent2="accent2" accent3="accent3" accent4="accent4" accent5="accent5" accent6="accent6" hlink="hlink" folHlink="folHlink"/>
+  <p:sldLayoutIdLst>
+    <p:sldLayoutId id="2147483675" r:id="rId2"/>
+    <p:sldLayoutId id="2147483676" r:id="rId3"/>
+    <p:sldLayoutId id="2147483677" r:id="rId4"/>
+    <p:sldLayoutId id="2147483678" r:id="rId5"/>
+    <p:sldLayoutId id="2147483679" r:id="rId6"/>
+    <p:sldLayoutId id="2147483680" r:id="rId7"/>
+    <p:sldLayoutId id="2147483681" r:id="rId8"/>
+    <p:sldLayoutId id="2147483682" r:id="rId9"/>
+    <p:sldLayoutId id="2147483683" r:id="rId10"/>
+    <p:sldLayoutId id="2147483684" r:id="rId11"/>
+    <p:sldLayoutId id="2147483685" r:id="rId12"/>
+    <p:sldLayoutId id="2147483686" r:id="rId13"/>
   </p:sldLayoutIdLst>
 </p:sldMaster>
 </file>
@@ -6089,14 +9119,14 @@
       </p:grpSpPr>
       <p:sp>
         <p:nvSpPr>
-          <p:cNvPr id="82" name="Rectangle 1"/>
+          <p:cNvPr id="123" name="Rectangle 1"/>
           <p:cNvSpPr/>
           <p:nvPr/>
         </p:nvSpPr>
         <p:spPr>
           <a:xfrm>
             <a:off x="0" y="0"/>
-            <a:ext cx="12187800" cy="6856920"/>
+            <a:ext cx="12187440" cy="6856560"/>
           </a:xfrm>
           <a:prstGeom prst="rect">
             <a:avLst/>
@@ -6149,14 +9179,14 @@
       </p:sp>
       <p:sp>
         <p:nvSpPr>
-          <p:cNvPr id="83" name="Rectangle 2"/>
+          <p:cNvPr id="124" name="Rectangle 2"/>
           <p:cNvSpPr/>
           <p:nvPr/>
         </p:nvSpPr>
         <p:spPr>
           <a:xfrm>
             <a:off x="0" y="0"/>
-            <a:ext cx="17280" cy="6856920"/>
+            <a:ext cx="16920" cy="6856560"/>
           </a:xfrm>
           <a:prstGeom prst="rect">
             <a:avLst/>
@@ -6209,14 +9239,14 @@
       </p:sp>
       <p:sp>
         <p:nvSpPr>
-          <p:cNvPr id="84" name="Rectangle 3"/>
+          <p:cNvPr id="125" name="Rectangle 3"/>
           <p:cNvSpPr/>
           <p:nvPr/>
         </p:nvSpPr>
         <p:spPr>
           <a:xfrm>
             <a:off x="914400" y="0"/>
-            <a:ext cx="17280" cy="6856920"/>
+            <a:ext cx="16920" cy="6856560"/>
           </a:xfrm>
           <a:prstGeom prst="rect">
             <a:avLst/>
@@ -6269,14 +9299,14 @@
       </p:sp>
       <p:sp>
         <p:nvSpPr>
-          <p:cNvPr id="85" name="Rectangle 4"/>
+          <p:cNvPr id="126" name="Rectangle 4"/>
           <p:cNvSpPr/>
           <p:nvPr/>
         </p:nvSpPr>
         <p:spPr>
           <a:xfrm>
             <a:off x="1828800" y="0"/>
-            <a:ext cx="17280" cy="6856920"/>
+            <a:ext cx="16920" cy="6856560"/>
           </a:xfrm>
           <a:prstGeom prst="rect">
             <a:avLst/>
@@ -6329,14 +9359,14 @@
       </p:sp>
       <p:sp>
         <p:nvSpPr>
-          <p:cNvPr id="86" name="Rectangle 5"/>
+          <p:cNvPr id="127" name="Rectangle 5"/>
           <p:cNvSpPr/>
           <p:nvPr/>
         </p:nvSpPr>
         <p:spPr>
           <a:xfrm>
             <a:off x="2743200" y="0"/>
-            <a:ext cx="17280" cy="6856920"/>
+            <a:ext cx="16920" cy="6856560"/>
           </a:xfrm>
           <a:prstGeom prst="rect">
             <a:avLst/>
@@ -6389,14 +9419,14 @@
       </p:sp>
       <p:sp>
         <p:nvSpPr>
-          <p:cNvPr id="87" name="Rectangle 6"/>
+          <p:cNvPr id="128" name="Rectangle 6"/>
           <p:cNvSpPr/>
           <p:nvPr/>
         </p:nvSpPr>
         <p:spPr>
           <a:xfrm>
             <a:off x="3657600" y="0"/>
-            <a:ext cx="17280" cy="6856920"/>
+            <a:ext cx="16920" cy="6856560"/>
           </a:xfrm>
           <a:prstGeom prst="rect">
             <a:avLst/>
@@ -6449,14 +9479,14 @@
       </p:sp>
       <p:sp>
         <p:nvSpPr>
-          <p:cNvPr id="88" name="Rectangle 7"/>
+          <p:cNvPr id="129" name="Rectangle 7"/>
           <p:cNvSpPr/>
           <p:nvPr/>
         </p:nvSpPr>
         <p:spPr>
           <a:xfrm>
             <a:off x="4572000" y="0"/>
-            <a:ext cx="17280" cy="6856920"/>
+            <a:ext cx="16920" cy="6856560"/>
           </a:xfrm>
           <a:prstGeom prst="rect">
             <a:avLst/>
@@ -6509,14 +9539,14 @@
       </p:sp>
       <p:sp>
         <p:nvSpPr>
-          <p:cNvPr id="89" name="Rectangle 8"/>
+          <p:cNvPr id="130" name="Rectangle 8"/>
           <p:cNvSpPr/>
           <p:nvPr/>
         </p:nvSpPr>
         <p:spPr>
           <a:xfrm>
             <a:off x="5486400" y="0"/>
-            <a:ext cx="17280" cy="6856920"/>
+            <a:ext cx="16920" cy="6856560"/>
           </a:xfrm>
           <a:prstGeom prst="rect">
             <a:avLst/>
@@ -6569,14 +9599,14 @@
       </p:sp>
       <p:sp>
         <p:nvSpPr>
-          <p:cNvPr id="90" name="Rectangle 9"/>
+          <p:cNvPr id="131" name="Rectangle 9"/>
           <p:cNvSpPr/>
           <p:nvPr/>
         </p:nvSpPr>
         <p:spPr>
           <a:xfrm>
             <a:off x="6400800" y="0"/>
-            <a:ext cx="17280" cy="6856920"/>
+            <a:ext cx="16920" cy="6856560"/>
           </a:xfrm>
           <a:prstGeom prst="rect">
             <a:avLst/>
@@ -6629,14 +9659,14 @@
       </p:sp>
       <p:sp>
         <p:nvSpPr>
-          <p:cNvPr id="91" name="Rectangle 10"/>
+          <p:cNvPr id="132" name="Rectangle 10"/>
           <p:cNvSpPr/>
           <p:nvPr/>
         </p:nvSpPr>
         <p:spPr>
           <a:xfrm>
             <a:off x="7315200" y="0"/>
-            <a:ext cx="17280" cy="6856920"/>
+            <a:ext cx="16920" cy="6856560"/>
           </a:xfrm>
           <a:prstGeom prst="rect">
             <a:avLst/>
@@ -6689,14 +9719,14 @@
       </p:sp>
       <p:sp>
         <p:nvSpPr>
-          <p:cNvPr id="92" name="Rectangle 11"/>
+          <p:cNvPr id="133" name="Rectangle 11"/>
           <p:cNvSpPr/>
           <p:nvPr/>
         </p:nvSpPr>
         <p:spPr>
           <a:xfrm>
             <a:off x="8229600" y="0"/>
-            <a:ext cx="17280" cy="6856920"/>
+            <a:ext cx="16920" cy="6856560"/>
           </a:xfrm>
           <a:prstGeom prst="rect">
             <a:avLst/>
@@ -6749,14 +9779,14 @@
       </p:sp>
       <p:sp>
         <p:nvSpPr>
-          <p:cNvPr id="93" name="Rectangle 12"/>
+          <p:cNvPr id="134" name="Rectangle 12"/>
           <p:cNvSpPr/>
           <p:nvPr/>
         </p:nvSpPr>
         <p:spPr>
           <a:xfrm>
             <a:off x="9144000" y="0"/>
-            <a:ext cx="17280" cy="6856920"/>
+            <a:ext cx="16920" cy="6856560"/>
           </a:xfrm>
           <a:prstGeom prst="rect">
             <a:avLst/>
@@ -6809,14 +9839,14 @@
       </p:sp>
       <p:sp>
         <p:nvSpPr>
-          <p:cNvPr id="94" name="Rectangle 13"/>
+          <p:cNvPr id="135" name="Rectangle 13"/>
           <p:cNvSpPr/>
           <p:nvPr/>
         </p:nvSpPr>
         <p:spPr>
           <a:xfrm>
             <a:off x="10058400" y="0"/>
-            <a:ext cx="17280" cy="6856920"/>
+            <a:ext cx="16920" cy="6856560"/>
           </a:xfrm>
           <a:prstGeom prst="rect">
             <a:avLst/>
@@ -6869,14 +9899,14 @@
       </p:sp>
       <p:sp>
         <p:nvSpPr>
-          <p:cNvPr id="95" name="Rectangle 14"/>
+          <p:cNvPr id="136" name="Rectangle 14"/>
           <p:cNvSpPr/>
           <p:nvPr/>
         </p:nvSpPr>
         <p:spPr>
           <a:xfrm>
             <a:off x="10972800" y="0"/>
-            <a:ext cx="17280" cy="6856920"/>
+            <a:ext cx="16920" cy="6856560"/>
           </a:xfrm>
           <a:prstGeom prst="rect">
             <a:avLst/>
@@ -6929,14 +9959,14 @@
       </p:sp>
       <p:sp>
         <p:nvSpPr>
-          <p:cNvPr id="96" name="Rectangle 15"/>
+          <p:cNvPr id="137" name="Rectangle 15"/>
           <p:cNvSpPr/>
           <p:nvPr/>
         </p:nvSpPr>
         <p:spPr>
           <a:xfrm>
             <a:off x="11887200" y="0"/>
-            <a:ext cx="17280" cy="6856920"/>
+            <a:ext cx="16920" cy="6856560"/>
           </a:xfrm>
           <a:prstGeom prst="rect">
             <a:avLst/>
@@ -6989,14 +10019,14 @@
       </p:sp>
       <p:sp>
         <p:nvSpPr>
-          <p:cNvPr id="97" name="Rectangle 16"/>
+          <p:cNvPr id="138" name="Rectangle 16"/>
           <p:cNvSpPr/>
           <p:nvPr/>
         </p:nvSpPr>
         <p:spPr>
           <a:xfrm>
             <a:off x="0" y="0"/>
-            <a:ext cx="318960" cy="6856920"/>
+            <a:ext cx="318600" cy="6856560"/>
           </a:xfrm>
           <a:prstGeom prst="rect">
             <a:avLst/>
@@ -7049,14 +10079,14 @@
       </p:sp>
       <p:sp>
         <p:nvSpPr>
-          <p:cNvPr id="98" name="Rounded Rectangle 17"/>
+          <p:cNvPr id="139" name="Rounded Rectangle 17"/>
           <p:cNvSpPr/>
           <p:nvPr/>
         </p:nvSpPr>
         <p:spPr>
           <a:xfrm>
             <a:off x="9875520" y="365760"/>
-            <a:ext cx="2010600" cy="501840"/>
+            <a:ext cx="2010240" cy="501480"/>
           </a:xfrm>
           <a:prstGeom prst="roundRect">
             <a:avLst>
@@ -7123,7 +10153,7 @@
       </p:sp>
       <p:sp>
         <p:nvSpPr>
-          <p:cNvPr id="99" name="TextBox 18"/>
+          <p:cNvPr id="140" name="TextBox 18"/>
           <p:cNvSpPr/>
           <p:nvPr/>
         </p:nvSpPr>
@@ -7177,14 +10207,14 @@
       </p:sp>
       <p:sp>
         <p:nvSpPr>
-          <p:cNvPr id="100" name="TextBox 19"/>
+          <p:cNvPr id="141" name="TextBox 19"/>
           <p:cNvSpPr/>
           <p:nvPr/>
         </p:nvSpPr>
         <p:spPr>
           <a:xfrm>
             <a:off x="3661920" y="2057400"/>
-            <a:ext cx="3648240" cy="379800"/>
+            <a:ext cx="3648240" cy="379080"/>
           </a:xfrm>
           <a:prstGeom prst="rect">
             <a:avLst/>
@@ -7231,14 +10261,14 @@
       </p:sp>
       <p:sp>
         <p:nvSpPr>
-          <p:cNvPr id="101" name="Rounded Rectangle 20"/>
+          <p:cNvPr id="142" name="Rounded Rectangle 20"/>
           <p:cNvSpPr/>
           <p:nvPr/>
         </p:nvSpPr>
         <p:spPr>
           <a:xfrm>
             <a:off x="987480" y="3182040"/>
-            <a:ext cx="3290760" cy="2742120"/>
+            <a:ext cx="3290400" cy="2741760"/>
           </a:xfrm>
           <a:prstGeom prst="roundRect">
             <a:avLst>
@@ -7293,14 +10323,14 @@
       </p:sp>
       <p:sp>
         <p:nvSpPr>
-          <p:cNvPr id="102" name="Rounded Rectangle 21"/>
+          <p:cNvPr id="143" name="Rounded Rectangle 21"/>
           <p:cNvSpPr/>
           <p:nvPr/>
         </p:nvSpPr>
         <p:spPr>
           <a:xfrm>
             <a:off x="685800" y="2521440"/>
-            <a:ext cx="3429000" cy="3329640"/>
+            <a:ext cx="3428640" cy="3329280"/>
           </a:xfrm>
           <a:prstGeom prst="roundRect">
             <a:avLst>
@@ -7706,14 +10736,14 @@
       </p:sp>
       <p:sp>
         <p:nvSpPr>
-          <p:cNvPr id="103" name="Rounded Rectangle 22"/>
+          <p:cNvPr id="144" name="Rounded Rectangle 22"/>
           <p:cNvSpPr/>
           <p:nvPr/>
         </p:nvSpPr>
         <p:spPr>
           <a:xfrm>
             <a:off x="4507920" y="3182040"/>
-            <a:ext cx="3290760" cy="2742120"/>
+            <a:ext cx="3290400" cy="2741760"/>
           </a:xfrm>
           <a:prstGeom prst="roundRect">
             <a:avLst>
@@ -7768,14 +10798,14 @@
       </p:sp>
       <p:sp>
         <p:nvSpPr>
-          <p:cNvPr id="104" name="Rounded Rectangle 23"/>
+          <p:cNvPr id="145" name="Rounded Rectangle 23"/>
           <p:cNvSpPr/>
           <p:nvPr/>
         </p:nvSpPr>
         <p:spPr>
           <a:xfrm>
             <a:off x="4434840" y="3108960"/>
-            <a:ext cx="3290760" cy="2742120"/>
+            <a:ext cx="3290400" cy="2741760"/>
           </a:xfrm>
           <a:prstGeom prst="roundRect">
             <a:avLst>
@@ -8079,14 +11109,14 @@
       </p:sp>
       <p:sp>
         <p:nvSpPr>
-          <p:cNvPr id="105" name="Rounded Rectangle 24"/>
+          <p:cNvPr id="146" name="Rounded Rectangle 24"/>
           <p:cNvSpPr/>
           <p:nvPr/>
         </p:nvSpPr>
         <p:spPr>
           <a:xfrm>
             <a:off x="8028360" y="3182040"/>
-            <a:ext cx="3290760" cy="2742120"/>
+            <a:ext cx="3290400" cy="2741760"/>
           </a:xfrm>
           <a:prstGeom prst="roundRect">
             <a:avLst>
@@ -8141,14 +11171,14 @@
       </p:sp>
       <p:sp>
         <p:nvSpPr>
-          <p:cNvPr id="106" name="Rounded Rectangle 25"/>
+          <p:cNvPr id="147" name="Rounded Rectangle 25"/>
           <p:cNvSpPr/>
           <p:nvPr/>
         </p:nvSpPr>
         <p:spPr>
           <a:xfrm>
             <a:off x="7955280" y="3108960"/>
-            <a:ext cx="3290760" cy="2742120"/>
+            <a:ext cx="3290400" cy="2741760"/>
           </a:xfrm>
           <a:prstGeom prst="roundRect">
             <a:avLst>
@@ -8337,14 +11367,14 @@
       </p:sp>
       <p:sp>
         <p:nvSpPr>
-          <p:cNvPr id="107" name="TextBox 26"/>
+          <p:cNvPr id="148" name="TextBox 26"/>
           <p:cNvSpPr/>
           <p:nvPr/>
         </p:nvSpPr>
         <p:spPr>
           <a:xfrm>
             <a:off x="4600080" y="6446520"/>
-            <a:ext cx="3051720" cy="363960"/>
+            <a:ext cx="3051360" cy="363960"/>
           </a:xfrm>
           <a:prstGeom prst="rect">
             <a:avLst/>
@@ -8421,14 +11451,14 @@
       </p:grpSpPr>
       <p:sp>
         <p:nvSpPr>
-          <p:cNvPr id="108" name="Rectangle 32"/>
+          <p:cNvPr id="149" name="Rectangle 32"/>
           <p:cNvSpPr/>
           <p:nvPr/>
         </p:nvSpPr>
         <p:spPr>
           <a:xfrm>
             <a:off x="0" y="0"/>
-            <a:ext cx="12187800" cy="6856920"/>
+            <a:ext cx="12187440" cy="6856560"/>
           </a:xfrm>
           <a:prstGeom prst="rect">
             <a:avLst/>
@@ -8464,6 +11494,11 @@
             <a:noAutofit/>
           </a:bodyPr>
           <a:p>
+            <a:pPr>
+              <a:lnSpc>
+                <a:spcPct val="100000"/>
+              </a:lnSpc>
+            </a:pPr>
             <a:endParaRPr b="0" lang="en-US" sz="1800" spc="-1" strike="noStrike">
               <a:solidFill>
                 <a:schemeClr val="lt1"/>
@@ -8476,14 +11511,14 @@
       </p:sp>
       <p:sp>
         <p:nvSpPr>
-          <p:cNvPr id="109" name="Rectangle 33"/>
+          <p:cNvPr id="150" name="Rectangle 33"/>
           <p:cNvSpPr/>
           <p:nvPr/>
         </p:nvSpPr>
         <p:spPr>
           <a:xfrm>
             <a:off x="0" y="0"/>
-            <a:ext cx="17280" cy="6856920"/>
+            <a:ext cx="16920" cy="6856560"/>
           </a:xfrm>
           <a:prstGeom prst="rect">
             <a:avLst/>
@@ -8519,6 +11554,11 @@
             <a:noAutofit/>
           </a:bodyPr>
           <a:p>
+            <a:pPr>
+              <a:lnSpc>
+                <a:spcPct val="100000"/>
+              </a:lnSpc>
+            </a:pPr>
             <a:endParaRPr b="0" lang="en-US" sz="1800" spc="-1" strike="noStrike">
               <a:solidFill>
                 <a:schemeClr val="lt1"/>
@@ -8531,14 +11571,14 @@
       </p:sp>
       <p:sp>
         <p:nvSpPr>
-          <p:cNvPr id="110" name="Rectangle 34"/>
+          <p:cNvPr id="151" name="Rectangle 34"/>
           <p:cNvSpPr/>
           <p:nvPr/>
         </p:nvSpPr>
         <p:spPr>
           <a:xfrm>
             <a:off x="914400" y="0"/>
-            <a:ext cx="17280" cy="6856920"/>
+            <a:ext cx="16920" cy="6856560"/>
           </a:xfrm>
           <a:prstGeom prst="rect">
             <a:avLst/>
@@ -8574,6 +11614,11 @@
             <a:noAutofit/>
           </a:bodyPr>
           <a:p>
+            <a:pPr>
+              <a:lnSpc>
+                <a:spcPct val="100000"/>
+              </a:lnSpc>
+            </a:pPr>
             <a:endParaRPr b="0" lang="en-US" sz="1800" spc="-1" strike="noStrike">
               <a:solidFill>
                 <a:schemeClr val="lt1"/>
@@ -8586,14 +11631,14 @@
       </p:sp>
       <p:sp>
         <p:nvSpPr>
-          <p:cNvPr id="111" name="Rectangle 35"/>
+          <p:cNvPr id="152" name="Rectangle 35"/>
           <p:cNvSpPr/>
           <p:nvPr/>
         </p:nvSpPr>
         <p:spPr>
           <a:xfrm>
             <a:off x="1828800" y="0"/>
-            <a:ext cx="17280" cy="6856920"/>
+            <a:ext cx="16920" cy="6856560"/>
           </a:xfrm>
           <a:prstGeom prst="rect">
             <a:avLst/>
@@ -8629,6 +11674,11 @@
             <a:noAutofit/>
           </a:bodyPr>
           <a:p>
+            <a:pPr>
+              <a:lnSpc>
+                <a:spcPct val="100000"/>
+              </a:lnSpc>
+            </a:pPr>
             <a:endParaRPr b="0" lang="en-US" sz="1800" spc="-1" strike="noStrike">
               <a:solidFill>
                 <a:schemeClr val="lt1"/>
@@ -8641,14 +11691,14 @@
       </p:sp>
       <p:sp>
         <p:nvSpPr>
-          <p:cNvPr id="112" name="Rectangle 36"/>
+          <p:cNvPr id="153" name="Rectangle 36"/>
           <p:cNvSpPr/>
           <p:nvPr/>
         </p:nvSpPr>
         <p:spPr>
           <a:xfrm>
             <a:off x="2743200" y="0"/>
-            <a:ext cx="17280" cy="6856920"/>
+            <a:ext cx="16920" cy="6856560"/>
           </a:xfrm>
           <a:prstGeom prst="rect">
             <a:avLst/>
@@ -8684,6 +11734,11 @@
             <a:noAutofit/>
           </a:bodyPr>
           <a:p>
+            <a:pPr>
+              <a:lnSpc>
+                <a:spcPct val="100000"/>
+              </a:lnSpc>
+            </a:pPr>
             <a:endParaRPr b="0" lang="en-US" sz="1800" spc="-1" strike="noStrike">
               <a:solidFill>
                 <a:schemeClr val="lt1"/>
@@ -8696,14 +11751,14 @@
       </p:sp>
       <p:sp>
         <p:nvSpPr>
-          <p:cNvPr id="113" name="Rectangle 37"/>
+          <p:cNvPr id="154" name="Rectangle 37"/>
           <p:cNvSpPr/>
           <p:nvPr/>
         </p:nvSpPr>
         <p:spPr>
           <a:xfrm>
             <a:off x="3657600" y="0"/>
-            <a:ext cx="17280" cy="6856920"/>
+            <a:ext cx="16920" cy="6856560"/>
           </a:xfrm>
           <a:prstGeom prst="rect">
             <a:avLst/>
@@ -8739,6 +11794,11 @@
             <a:noAutofit/>
           </a:bodyPr>
           <a:p>
+            <a:pPr>
+              <a:lnSpc>
+                <a:spcPct val="100000"/>
+              </a:lnSpc>
+            </a:pPr>
             <a:endParaRPr b="0" lang="en-US" sz="1800" spc="-1" strike="noStrike">
               <a:solidFill>
                 <a:schemeClr val="lt1"/>
@@ -8751,14 +11811,14 @@
       </p:sp>
       <p:sp>
         <p:nvSpPr>
-          <p:cNvPr id="114" name="Rectangle 38"/>
+          <p:cNvPr id="155" name="Rectangle 38"/>
           <p:cNvSpPr/>
           <p:nvPr/>
         </p:nvSpPr>
         <p:spPr>
           <a:xfrm>
             <a:off x="4572000" y="0"/>
-            <a:ext cx="17280" cy="6856920"/>
+            <a:ext cx="16920" cy="6856560"/>
           </a:xfrm>
           <a:prstGeom prst="rect">
             <a:avLst/>
@@ -8794,6 +11854,11 @@
             <a:noAutofit/>
           </a:bodyPr>
           <a:p>
+            <a:pPr>
+              <a:lnSpc>
+                <a:spcPct val="100000"/>
+              </a:lnSpc>
+            </a:pPr>
             <a:endParaRPr b="0" lang="en-US" sz="1800" spc="-1" strike="noStrike">
               <a:solidFill>
                 <a:schemeClr val="lt1"/>
@@ -8806,14 +11871,14 @@
       </p:sp>
       <p:sp>
         <p:nvSpPr>
-          <p:cNvPr id="115" name="Rectangle 39"/>
+          <p:cNvPr id="156" name="Rectangle 39"/>
           <p:cNvSpPr/>
           <p:nvPr/>
         </p:nvSpPr>
         <p:spPr>
           <a:xfrm>
             <a:off x="5486400" y="0"/>
-            <a:ext cx="17280" cy="6856920"/>
+            <a:ext cx="16920" cy="6856560"/>
           </a:xfrm>
           <a:prstGeom prst="rect">
             <a:avLst/>
@@ -8849,6 +11914,11 @@
             <a:noAutofit/>
           </a:bodyPr>
           <a:p>
+            <a:pPr>
+              <a:lnSpc>
+                <a:spcPct val="100000"/>
+              </a:lnSpc>
+            </a:pPr>
             <a:endParaRPr b="0" lang="en-US" sz="1800" spc="-1" strike="noStrike">
               <a:solidFill>
                 <a:schemeClr val="lt1"/>
@@ -8861,14 +11931,14 @@
       </p:sp>
       <p:sp>
         <p:nvSpPr>
-          <p:cNvPr id="116" name="Rectangle 40"/>
+          <p:cNvPr id="157" name="Rectangle 40"/>
           <p:cNvSpPr/>
           <p:nvPr/>
         </p:nvSpPr>
         <p:spPr>
           <a:xfrm>
             <a:off x="6400800" y="0"/>
-            <a:ext cx="17280" cy="6856920"/>
+            <a:ext cx="16920" cy="6856560"/>
           </a:xfrm>
           <a:prstGeom prst="rect">
             <a:avLst/>
@@ -8904,6 +11974,11 @@
             <a:noAutofit/>
           </a:bodyPr>
           <a:p>
+            <a:pPr>
+              <a:lnSpc>
+                <a:spcPct val="100000"/>
+              </a:lnSpc>
+            </a:pPr>
             <a:endParaRPr b="0" lang="en-US" sz="1800" spc="-1" strike="noStrike">
               <a:solidFill>
                 <a:schemeClr val="lt1"/>
@@ -8916,14 +11991,14 @@
       </p:sp>
       <p:sp>
         <p:nvSpPr>
-          <p:cNvPr id="117" name="Rectangle 41"/>
+          <p:cNvPr id="158" name="Rectangle 41"/>
           <p:cNvSpPr/>
           <p:nvPr/>
         </p:nvSpPr>
         <p:spPr>
           <a:xfrm>
             <a:off x="7315200" y="0"/>
-            <a:ext cx="17280" cy="6856920"/>
+            <a:ext cx="16920" cy="6856560"/>
           </a:xfrm>
           <a:prstGeom prst="rect">
             <a:avLst/>
@@ -8959,6 +12034,11 @@
             <a:noAutofit/>
           </a:bodyPr>
           <a:p>
+            <a:pPr>
+              <a:lnSpc>
+                <a:spcPct val="100000"/>
+              </a:lnSpc>
+            </a:pPr>
             <a:endParaRPr b="0" lang="en-US" sz="1800" spc="-1" strike="noStrike">
               <a:solidFill>
                 <a:schemeClr val="lt1"/>
@@ -8971,14 +12051,14 @@
       </p:sp>
       <p:sp>
         <p:nvSpPr>
-          <p:cNvPr id="118" name="Rectangle 42"/>
+          <p:cNvPr id="159" name="Rectangle 42"/>
           <p:cNvSpPr/>
           <p:nvPr/>
         </p:nvSpPr>
         <p:spPr>
           <a:xfrm>
             <a:off x="8229600" y="0"/>
-            <a:ext cx="17280" cy="6856920"/>
+            <a:ext cx="16920" cy="6856560"/>
           </a:xfrm>
           <a:prstGeom prst="rect">
             <a:avLst/>
@@ -9014,6 +12094,11 @@
             <a:noAutofit/>
           </a:bodyPr>
           <a:p>
+            <a:pPr>
+              <a:lnSpc>
+                <a:spcPct val="100000"/>
+              </a:lnSpc>
+            </a:pPr>
             <a:endParaRPr b="0" lang="en-US" sz="1800" spc="-1" strike="noStrike">
               <a:solidFill>
                 <a:schemeClr val="lt1"/>
@@ -9026,14 +12111,14 @@
       </p:sp>
       <p:sp>
         <p:nvSpPr>
-          <p:cNvPr id="119" name="Rectangle 43"/>
+          <p:cNvPr id="160" name="Rectangle 43"/>
           <p:cNvSpPr/>
           <p:nvPr/>
         </p:nvSpPr>
         <p:spPr>
           <a:xfrm>
             <a:off x="9144000" y="0"/>
-            <a:ext cx="17280" cy="6856920"/>
+            <a:ext cx="16920" cy="6856560"/>
           </a:xfrm>
           <a:prstGeom prst="rect">
             <a:avLst/>
@@ -9069,6 +12154,11 @@
             <a:noAutofit/>
           </a:bodyPr>
           <a:p>
+            <a:pPr>
+              <a:lnSpc>
+                <a:spcPct val="100000"/>
+              </a:lnSpc>
+            </a:pPr>
             <a:endParaRPr b="0" lang="en-US" sz="1800" spc="-1" strike="noStrike">
               <a:solidFill>
                 <a:schemeClr val="lt1"/>
@@ -9081,14 +12171,14 @@
       </p:sp>
       <p:sp>
         <p:nvSpPr>
-          <p:cNvPr id="120" name="Rectangle 44"/>
+          <p:cNvPr id="161" name="Rectangle 44"/>
           <p:cNvSpPr/>
           <p:nvPr/>
         </p:nvSpPr>
         <p:spPr>
           <a:xfrm>
             <a:off x="10058400" y="0"/>
-            <a:ext cx="17280" cy="6856920"/>
+            <a:ext cx="16920" cy="6856560"/>
           </a:xfrm>
           <a:prstGeom prst="rect">
             <a:avLst/>
@@ -9124,6 +12214,11 @@
             <a:noAutofit/>
           </a:bodyPr>
           <a:p>
+            <a:pPr>
+              <a:lnSpc>
+                <a:spcPct val="100000"/>
+              </a:lnSpc>
+            </a:pPr>
             <a:endParaRPr b="0" lang="en-US" sz="1800" spc="-1" strike="noStrike">
               <a:solidFill>
                 <a:schemeClr val="lt1"/>
@@ -9136,14 +12231,14 @@
       </p:sp>
       <p:sp>
         <p:nvSpPr>
-          <p:cNvPr id="121" name="Rectangle 45"/>
+          <p:cNvPr id="162" name="Rectangle 45"/>
           <p:cNvSpPr/>
           <p:nvPr/>
         </p:nvSpPr>
         <p:spPr>
           <a:xfrm>
             <a:off x="10972800" y="0"/>
-            <a:ext cx="17280" cy="6856920"/>
+            <a:ext cx="16920" cy="6856560"/>
           </a:xfrm>
           <a:prstGeom prst="rect">
             <a:avLst/>
@@ -9179,6 +12274,11 @@
             <a:noAutofit/>
           </a:bodyPr>
           <a:p>
+            <a:pPr>
+              <a:lnSpc>
+                <a:spcPct val="100000"/>
+              </a:lnSpc>
+            </a:pPr>
             <a:endParaRPr b="0" lang="en-US" sz="1800" spc="-1" strike="noStrike">
               <a:solidFill>
                 <a:schemeClr val="lt1"/>
@@ -9191,14 +12291,14 @@
       </p:sp>
       <p:sp>
         <p:nvSpPr>
-          <p:cNvPr id="122" name="Rectangle 46"/>
+          <p:cNvPr id="163" name="Rectangle 46"/>
           <p:cNvSpPr/>
           <p:nvPr/>
         </p:nvSpPr>
         <p:spPr>
           <a:xfrm>
             <a:off x="11887200" y="0"/>
-            <a:ext cx="17280" cy="6856920"/>
+            <a:ext cx="16920" cy="6856560"/>
           </a:xfrm>
           <a:prstGeom prst="rect">
             <a:avLst/>
@@ -9234,6 +12334,11 @@
             <a:noAutofit/>
           </a:bodyPr>
           <a:p>
+            <a:pPr>
+              <a:lnSpc>
+                <a:spcPct val="100000"/>
+              </a:lnSpc>
+            </a:pPr>
             <a:endParaRPr b="0" lang="en-US" sz="1800" spc="-1" strike="noStrike">
               <a:solidFill>
                 <a:schemeClr val="lt1"/>
@@ -9246,14 +12351,14 @@
       </p:sp>
       <p:sp>
         <p:nvSpPr>
-          <p:cNvPr id="123" name="Rectangle 47"/>
+          <p:cNvPr id="164" name="Rectangle 47"/>
           <p:cNvSpPr/>
           <p:nvPr/>
         </p:nvSpPr>
         <p:spPr>
           <a:xfrm>
             <a:off x="0" y="0"/>
-            <a:ext cx="318960" cy="6856920"/>
+            <a:ext cx="318600" cy="6856560"/>
           </a:xfrm>
           <a:prstGeom prst="rect">
             <a:avLst/>
@@ -9289,6 +12394,11 @@
             <a:noAutofit/>
           </a:bodyPr>
           <a:p>
+            <a:pPr>
+              <a:lnSpc>
+                <a:spcPct val="100000"/>
+              </a:lnSpc>
+            </a:pPr>
             <a:endParaRPr b="0" lang="en-US" sz="1800" spc="-1" strike="noStrike">
               <a:solidFill>
                 <a:schemeClr val="lt1"/>
@@ -9301,14 +12411,14 @@
       </p:sp>
       <p:sp>
         <p:nvSpPr>
-          <p:cNvPr id="124" name="Rounded Rectangle 8"/>
+          <p:cNvPr id="165" name="Rounded Rectangle 8"/>
           <p:cNvSpPr/>
           <p:nvPr/>
         </p:nvSpPr>
         <p:spPr>
           <a:xfrm>
             <a:off x="9875520" y="365760"/>
-            <a:ext cx="2010600" cy="501840"/>
+            <a:ext cx="2010240" cy="501480"/>
           </a:xfrm>
           <a:prstGeom prst="roundRect">
             <a:avLst>
@@ -9375,7 +12485,7 @@
       </p:sp>
       <p:sp>
         <p:nvSpPr>
-          <p:cNvPr id="125" name="TextBox 4"/>
+          <p:cNvPr id="166" name="TextBox 4"/>
           <p:cNvSpPr/>
           <p:nvPr/>
         </p:nvSpPr>
@@ -9429,7 +12539,7 @@
       </p:sp>
       <p:sp>
         <p:nvSpPr>
-          <p:cNvPr id="126" name="TextBox 5"/>
+          <p:cNvPr id="167" name="TextBox 5"/>
           <p:cNvSpPr/>
           <p:nvPr/>
         </p:nvSpPr>
@@ -9483,14 +12593,14 @@
       </p:sp>
       <p:sp>
         <p:nvSpPr>
-          <p:cNvPr id="127" name="Rounded Rectangle 9"/>
+          <p:cNvPr id="168" name="Rounded Rectangle 9"/>
           <p:cNvSpPr/>
           <p:nvPr/>
         </p:nvSpPr>
         <p:spPr>
           <a:xfrm>
             <a:off x="987480" y="3182040"/>
-            <a:ext cx="3290760" cy="2742120"/>
+            <a:ext cx="3290400" cy="2741760"/>
           </a:xfrm>
           <a:prstGeom prst="roundRect">
             <a:avLst>
@@ -9528,6 +12638,11 @@
             <a:noAutofit/>
           </a:bodyPr>
           <a:p>
+            <a:pPr>
+              <a:lnSpc>
+                <a:spcPct val="100000"/>
+              </a:lnSpc>
+            </a:pPr>
             <a:endParaRPr b="0" lang="en-US" sz="1800" spc="-1" strike="noStrike">
               <a:solidFill>
                 <a:schemeClr val="lt1"/>
@@ -9540,14 +12655,14 @@
       </p:sp>
       <p:sp>
         <p:nvSpPr>
-          <p:cNvPr id="128" name="Rounded Rectangle 10"/>
+          <p:cNvPr id="169" name="Rounded Rectangle 10"/>
           <p:cNvSpPr/>
           <p:nvPr/>
         </p:nvSpPr>
         <p:spPr>
           <a:xfrm>
             <a:off x="914400" y="3108960"/>
-            <a:ext cx="3290760" cy="2742120"/>
+            <a:ext cx="3290400" cy="2741760"/>
           </a:xfrm>
           <a:prstGeom prst="roundRect">
             <a:avLst>
@@ -9603,7 +12718,7 @@
               </a:rPr>
               <a:t>The JVM architecture is built from core components that work together to execute Java programs.</a:t>
             </a:r>
-            <a:endParaRPr b="1" lang="en-US" sz="1200" spc="-1" strike="noStrike">
+            <a:endParaRPr b="0" lang="en-US" sz="1200" spc="-1" strike="noStrike">
               <a:solidFill>
                 <a:srgbClr val="ffffff"/>
               </a:solidFill>
@@ -9616,7 +12731,7 @@
                 <a:spcPct val="100000"/>
               </a:lnSpc>
             </a:pPr>
-            <a:endParaRPr b="1" lang="en-US" sz="1200" spc="-1" strike="noStrike">
+            <a:endParaRPr b="0" lang="en-US" sz="1200" spc="-1" strike="noStrike">
               <a:solidFill>
                 <a:srgbClr val="ffffff"/>
               </a:solidFill>
@@ -9649,7 +12764,7 @@
               </a:rPr>
               <a:t>Class Loader loads class files into memory</a:t>
             </a:r>
-            <a:endParaRPr b="1" lang="en-US" sz="1200" spc="-1" strike="noStrike">
+            <a:endParaRPr b="0" lang="en-US" sz="1200" spc="-1" strike="noStrike">
               <a:solidFill>
                 <a:srgbClr val="ffffff"/>
               </a:solidFill>
@@ -9682,7 +12797,7 @@
               </a:rPr>
               <a:t>Runtime Data Areas store data during execution</a:t>
             </a:r>
-            <a:endParaRPr b="1" lang="en-US" sz="1200" spc="-1" strike="noStrike">
+            <a:endParaRPr b="0" lang="en-US" sz="1200" spc="-1" strike="noStrike">
               <a:solidFill>
                 <a:srgbClr val="ffffff"/>
               </a:solidFill>
@@ -9715,7 +12830,7 @@
               </a:rPr>
               <a:t>Execution Engine runs bytecode (Interpreter + JIT)</a:t>
             </a:r>
-            <a:endParaRPr b="1" lang="en-US" sz="1200" spc="-1" strike="noStrike">
+            <a:endParaRPr b="0" lang="en-US" sz="1200" spc="-1" strike="noStrike">
               <a:solidFill>
                 <a:srgbClr val="ffffff"/>
               </a:solidFill>
@@ -9748,7 +12863,7 @@
               </a:rPr>
               <a:t>Garbage Collector removes unused objects automatically</a:t>
             </a:r>
-            <a:endParaRPr b="1" lang="en-US" sz="1200" spc="-1" strike="noStrike">
+            <a:endParaRPr b="0" lang="en-US" sz="1200" spc="-1" strike="noStrike">
               <a:solidFill>
                 <a:srgbClr val="ffffff"/>
               </a:solidFill>
@@ -9761,7 +12876,7 @@
                 <a:spcPct val="100000"/>
               </a:lnSpc>
             </a:pPr>
-            <a:endParaRPr b="1" lang="en-US" sz="1200" spc="-1" strike="noStrike">
+            <a:endParaRPr b="0" lang="en-US" sz="1200" spc="-1" strike="noStrike">
               <a:solidFill>
                 <a:srgbClr val="ffffff"/>
               </a:solidFill>
@@ -9784,7 +12899,7 @@
               </a:rPr>
               <a:t>These parts allow Java programs to run securely, efficiently, and independently of the operating system</a:t>
             </a:r>
-            <a:endParaRPr b="1" lang="en-US" sz="1200" spc="-1" strike="noStrike">
+            <a:endParaRPr b="0" lang="en-US" sz="1200" spc="-1" strike="noStrike">
               <a:solidFill>
                 <a:srgbClr val="ffffff"/>
               </a:solidFill>
@@ -9795,14 +12910,14 @@
       </p:sp>
       <p:sp>
         <p:nvSpPr>
-          <p:cNvPr id="129" name="Rounded Rectangle 11"/>
+          <p:cNvPr id="170" name="Rounded Rectangle 11"/>
           <p:cNvSpPr/>
           <p:nvPr/>
         </p:nvSpPr>
         <p:spPr>
           <a:xfrm>
             <a:off x="4507920" y="3182040"/>
-            <a:ext cx="3290760" cy="2742120"/>
+            <a:ext cx="3290400" cy="2741760"/>
           </a:xfrm>
           <a:prstGeom prst="roundRect">
             <a:avLst>
@@ -9840,6 +12955,11 @@
             <a:noAutofit/>
           </a:bodyPr>
           <a:p>
+            <a:pPr>
+              <a:lnSpc>
+                <a:spcPct val="100000"/>
+              </a:lnSpc>
+            </a:pPr>
             <a:endParaRPr b="0" lang="en-US" sz="1800" spc="-1" strike="noStrike">
               <a:solidFill>
                 <a:schemeClr val="lt1"/>
@@ -9852,14 +12972,14 @@
       </p:sp>
       <p:sp>
         <p:nvSpPr>
-          <p:cNvPr id="130" name="Rounded Rectangle 12"/>
+          <p:cNvPr id="171" name="Rounded Rectangle 12"/>
           <p:cNvSpPr/>
           <p:nvPr/>
         </p:nvSpPr>
         <p:spPr>
           <a:xfrm>
             <a:off x="4434840" y="3108960"/>
-            <a:ext cx="3290760" cy="2742120"/>
+            <a:ext cx="3290400" cy="2741760"/>
           </a:xfrm>
           <a:prstGeom prst="roundRect">
             <a:avLst>
@@ -10087,14 +13207,14 @@
       </p:sp>
       <p:sp>
         <p:nvSpPr>
-          <p:cNvPr id="131" name="Rounded Rectangle 13"/>
+          <p:cNvPr id="172" name="Rounded Rectangle 13"/>
           <p:cNvSpPr/>
           <p:nvPr/>
         </p:nvSpPr>
         <p:spPr>
           <a:xfrm>
             <a:off x="8028360" y="3182040"/>
-            <a:ext cx="3290760" cy="2742120"/>
+            <a:ext cx="3290400" cy="2741760"/>
           </a:xfrm>
           <a:prstGeom prst="roundRect">
             <a:avLst>
@@ -10132,6 +13252,11 @@
             <a:noAutofit/>
           </a:bodyPr>
           <a:p>
+            <a:pPr>
+              <a:lnSpc>
+                <a:spcPct val="100000"/>
+              </a:lnSpc>
+            </a:pPr>
             <a:endParaRPr b="0" lang="en-US" sz="1800" spc="-1" strike="noStrike">
               <a:solidFill>
                 <a:schemeClr val="lt1"/>
@@ -10144,14 +13269,14 @@
       </p:sp>
       <p:sp>
         <p:nvSpPr>
-          <p:cNvPr id="132" name="Rounded Rectangle 14"/>
+          <p:cNvPr id="173" name="Rounded Rectangle 14"/>
           <p:cNvSpPr/>
           <p:nvPr/>
         </p:nvSpPr>
         <p:spPr>
           <a:xfrm>
             <a:off x="7955280" y="3108960"/>
-            <a:ext cx="3290760" cy="2742120"/>
+            <a:ext cx="3290400" cy="2741760"/>
           </a:xfrm>
           <a:prstGeom prst="roundRect">
             <a:avLst>
@@ -10382,7 +13507,2575 @@
       </p:sp>
       <p:sp>
         <p:nvSpPr>
-          <p:cNvPr id="133" name="TextBox 6"/>
+          <p:cNvPr id="174" name="TextBox 6"/>
+          <p:cNvSpPr/>
+          <p:nvPr/>
+        </p:nvSpPr>
+        <p:spPr>
+          <a:xfrm>
+            <a:off x="4600080" y="6446520"/>
+            <a:ext cx="3051360" cy="363960"/>
+          </a:xfrm>
+          <a:prstGeom prst="rect">
+            <a:avLst/>
+          </a:prstGeom>
+          <a:noFill/>
+          <a:ln w="0">
+            <a:noFill/>
+          </a:ln>
+        </p:spPr>
+        <p:style>
+          <a:lnRef idx="0"/>
+          <a:fillRef idx="0"/>
+          <a:effectRef idx="0"/>
+          <a:fontRef idx="minor"/>
+        </p:style>
+        <p:txBody>
+          <a:bodyPr wrap="none" lIns="90000" rIns="90000" tIns="45000" bIns="45000" anchor="t">
+            <a:spAutoFit/>
+          </a:bodyPr>
+          <a:p>
+            <a:pPr>
+              <a:lnSpc>
+                <a:spcPct val="100000"/>
+              </a:lnSpc>
+            </a:pPr>
+            <a:r>
+              <a:rPr b="0" lang="en-US" sz="1800" spc="-1" strike="noStrike">
+                <a:solidFill>
+                  <a:srgbClr val="000000"/>
+                </a:solidFill>
+                <a:latin typeface="Calibri"/>
+                <a:ea typeface="DejaVu Sans"/>
+              </a:rPr>
+              <a:t>Java • Ultra Premium Template</a:t>
+            </a:r>
+            <a:endParaRPr b="0" lang="en-US" sz="1800" spc="-1" strike="noStrike">
+              <a:solidFill>
+                <a:srgbClr val="000000"/>
+              </a:solidFill>
+              <a:latin typeface="Arial"/>
+            </a:endParaRPr>
+          </a:p>
+        </p:txBody>
+      </p:sp>
+    </p:spTree>
+  </p:cSld>
+  <mc:AlternateContent>
+    <mc:Choice Requires="p14">
+      <p:transition spd="slow" p14:dur="2000"/>
+    </mc:Choice>
+    <mc:Fallback>
+      <p:transition spd="slow"/>
+    </mc:Fallback>
+  </mc:AlternateContent>
+</p:sld>
+</file>
+
+<file path=ppt/slides/slide3.xml><?xml version="1.0" encoding="utf-8"?>
+<p:sld xmlns:a="http://schemas.openxmlformats.org/drawingml/2006/main" xmlns:p="http://schemas.openxmlformats.org/presentationml/2006/main" xmlns:r="http://schemas.openxmlformats.org/officeDocument/2006/relationships" xmlns:p14="http://schemas.microsoft.com/office/powerpoint/2010/main" xmlns:p15="http://schemas.microsoft.com/office/powerpoint/2012/main" xmlns:mc="http://schemas.openxmlformats.org/markup-compatibility/2006">
+  <p:cSld>
+    <p:spTree>
+      <p:nvGrpSpPr>
+        <p:cNvPr id="1" name=""/>
+        <p:cNvGrpSpPr/>
+        <p:nvPr/>
+      </p:nvGrpSpPr>
+      <p:grpSpPr>
+        <a:xfrm>
+          <a:off x="0" y="0"/>
+          <a:ext cx="0" cy="0"/>
+          <a:chOff x="0" y="0"/>
+          <a:chExt cx="0" cy="0"/>
+        </a:xfrm>
+      </p:grpSpPr>
+      <p:sp>
+        <p:nvSpPr>
+          <p:cNvPr id="175" name="Rectangle 48"/>
+          <p:cNvSpPr/>
+          <p:nvPr/>
+        </p:nvSpPr>
+        <p:spPr>
+          <a:xfrm>
+            <a:off x="0" y="0"/>
+            <a:ext cx="12187800" cy="6856920"/>
+          </a:xfrm>
+          <a:prstGeom prst="rect">
+            <a:avLst/>
+          </a:prstGeom>
+          <a:solidFill>
+            <a:srgbClr val="0b0b0d"/>
+          </a:solidFill>
+          <a:ln>
+            <a:noFill/>
+          </a:ln>
+          <a:effectLst>
+            <a:outerShdw blurRad="39960" dir="5400000" dist="23040" rotWithShape="0">
+              <a:srgbClr val="000000">
+                <a:alpha val="35000"/>
+              </a:srgbClr>
+            </a:outerShdw>
+          </a:effectLst>
+        </p:spPr>
+        <p:style>
+          <a:lnRef idx="1">
+            <a:schemeClr val="accent1"/>
+          </a:lnRef>
+          <a:fillRef idx="3">
+            <a:schemeClr val="accent1"/>
+          </a:fillRef>
+          <a:effectRef idx="2">
+            <a:schemeClr val="accent1"/>
+          </a:effectRef>
+          <a:fontRef idx="minor"/>
+        </p:style>
+        <p:txBody>
+          <a:bodyPr lIns="90000" rIns="90000" tIns="45000" bIns="45000" anchor="ctr">
+            <a:noAutofit/>
+          </a:bodyPr>
+          <a:p>
+            <a:endParaRPr b="0" lang="en-US" sz="1800" spc="-1" strike="noStrike">
+              <a:solidFill>
+                <a:schemeClr val="lt1"/>
+              </a:solidFill>
+              <a:latin typeface="Calibri"/>
+              <a:ea typeface="DejaVu Sans"/>
+            </a:endParaRPr>
+          </a:p>
+        </p:txBody>
+      </p:sp>
+      <p:sp>
+        <p:nvSpPr>
+          <p:cNvPr id="176" name="Rectangle 49"/>
+          <p:cNvSpPr/>
+          <p:nvPr/>
+        </p:nvSpPr>
+        <p:spPr>
+          <a:xfrm>
+            <a:off x="0" y="0"/>
+            <a:ext cx="17280" cy="6856920"/>
+          </a:xfrm>
+          <a:prstGeom prst="rect">
+            <a:avLst/>
+          </a:prstGeom>
+          <a:solidFill>
+            <a:srgbClr val="121216"/>
+          </a:solidFill>
+          <a:ln>
+            <a:noFill/>
+          </a:ln>
+          <a:effectLst>
+            <a:outerShdw blurRad="39960" dir="5400000" dist="23040" rotWithShape="0">
+              <a:srgbClr val="000000">
+                <a:alpha val="35000"/>
+              </a:srgbClr>
+            </a:outerShdw>
+          </a:effectLst>
+        </p:spPr>
+        <p:style>
+          <a:lnRef idx="1">
+            <a:schemeClr val="accent1"/>
+          </a:lnRef>
+          <a:fillRef idx="3">
+            <a:schemeClr val="accent1"/>
+          </a:fillRef>
+          <a:effectRef idx="2">
+            <a:schemeClr val="accent1"/>
+          </a:effectRef>
+          <a:fontRef idx="minor"/>
+        </p:style>
+        <p:txBody>
+          <a:bodyPr lIns="90000" rIns="90000" tIns="45000" bIns="45000" anchor="ctr">
+            <a:noAutofit/>
+          </a:bodyPr>
+          <a:p>
+            <a:endParaRPr b="0" lang="en-US" sz="1800" spc="-1" strike="noStrike">
+              <a:solidFill>
+                <a:schemeClr val="lt1"/>
+              </a:solidFill>
+              <a:latin typeface="Calibri"/>
+              <a:ea typeface="DejaVu Sans"/>
+            </a:endParaRPr>
+          </a:p>
+        </p:txBody>
+      </p:sp>
+      <p:sp>
+        <p:nvSpPr>
+          <p:cNvPr id="177" name="Rectangle 50"/>
+          <p:cNvSpPr/>
+          <p:nvPr/>
+        </p:nvSpPr>
+        <p:spPr>
+          <a:xfrm>
+            <a:off x="914400" y="0"/>
+            <a:ext cx="17280" cy="6856920"/>
+          </a:xfrm>
+          <a:prstGeom prst="rect">
+            <a:avLst/>
+          </a:prstGeom>
+          <a:solidFill>
+            <a:srgbClr val="121216"/>
+          </a:solidFill>
+          <a:ln>
+            <a:noFill/>
+          </a:ln>
+          <a:effectLst>
+            <a:outerShdw blurRad="39960" dir="5400000" dist="23040" rotWithShape="0">
+              <a:srgbClr val="000000">
+                <a:alpha val="35000"/>
+              </a:srgbClr>
+            </a:outerShdw>
+          </a:effectLst>
+        </p:spPr>
+        <p:style>
+          <a:lnRef idx="1">
+            <a:schemeClr val="accent1"/>
+          </a:lnRef>
+          <a:fillRef idx="3">
+            <a:schemeClr val="accent1"/>
+          </a:fillRef>
+          <a:effectRef idx="2">
+            <a:schemeClr val="accent1"/>
+          </a:effectRef>
+          <a:fontRef idx="minor"/>
+        </p:style>
+        <p:txBody>
+          <a:bodyPr lIns="90000" rIns="90000" tIns="45000" bIns="45000" anchor="ctr">
+            <a:noAutofit/>
+          </a:bodyPr>
+          <a:p>
+            <a:endParaRPr b="0" lang="en-US" sz="1800" spc="-1" strike="noStrike">
+              <a:solidFill>
+                <a:schemeClr val="lt1"/>
+              </a:solidFill>
+              <a:latin typeface="Calibri"/>
+              <a:ea typeface="DejaVu Sans"/>
+            </a:endParaRPr>
+          </a:p>
+        </p:txBody>
+      </p:sp>
+      <p:sp>
+        <p:nvSpPr>
+          <p:cNvPr id="178" name="Rectangle 51"/>
+          <p:cNvSpPr/>
+          <p:nvPr/>
+        </p:nvSpPr>
+        <p:spPr>
+          <a:xfrm>
+            <a:off x="1828800" y="0"/>
+            <a:ext cx="17280" cy="6856920"/>
+          </a:xfrm>
+          <a:prstGeom prst="rect">
+            <a:avLst/>
+          </a:prstGeom>
+          <a:solidFill>
+            <a:srgbClr val="121216"/>
+          </a:solidFill>
+          <a:ln>
+            <a:noFill/>
+          </a:ln>
+          <a:effectLst>
+            <a:outerShdw blurRad="39960" dir="5400000" dist="23040" rotWithShape="0">
+              <a:srgbClr val="000000">
+                <a:alpha val="35000"/>
+              </a:srgbClr>
+            </a:outerShdw>
+          </a:effectLst>
+        </p:spPr>
+        <p:style>
+          <a:lnRef idx="1">
+            <a:schemeClr val="accent1"/>
+          </a:lnRef>
+          <a:fillRef idx="3">
+            <a:schemeClr val="accent1"/>
+          </a:fillRef>
+          <a:effectRef idx="2">
+            <a:schemeClr val="accent1"/>
+          </a:effectRef>
+          <a:fontRef idx="minor"/>
+        </p:style>
+        <p:txBody>
+          <a:bodyPr lIns="90000" rIns="90000" tIns="45000" bIns="45000" anchor="ctr">
+            <a:noAutofit/>
+          </a:bodyPr>
+          <a:p>
+            <a:endParaRPr b="0" lang="en-US" sz="1800" spc="-1" strike="noStrike">
+              <a:solidFill>
+                <a:schemeClr val="lt1"/>
+              </a:solidFill>
+              <a:latin typeface="Calibri"/>
+              <a:ea typeface="DejaVu Sans"/>
+            </a:endParaRPr>
+          </a:p>
+        </p:txBody>
+      </p:sp>
+      <p:sp>
+        <p:nvSpPr>
+          <p:cNvPr id="179" name="Rectangle 52"/>
+          <p:cNvSpPr/>
+          <p:nvPr/>
+        </p:nvSpPr>
+        <p:spPr>
+          <a:xfrm>
+            <a:off x="2743200" y="0"/>
+            <a:ext cx="17280" cy="6856920"/>
+          </a:xfrm>
+          <a:prstGeom prst="rect">
+            <a:avLst/>
+          </a:prstGeom>
+          <a:solidFill>
+            <a:srgbClr val="121216"/>
+          </a:solidFill>
+          <a:ln>
+            <a:noFill/>
+          </a:ln>
+          <a:effectLst>
+            <a:outerShdw blurRad="39960" dir="5400000" dist="23040" rotWithShape="0">
+              <a:srgbClr val="000000">
+                <a:alpha val="35000"/>
+              </a:srgbClr>
+            </a:outerShdw>
+          </a:effectLst>
+        </p:spPr>
+        <p:style>
+          <a:lnRef idx="1">
+            <a:schemeClr val="accent1"/>
+          </a:lnRef>
+          <a:fillRef idx="3">
+            <a:schemeClr val="accent1"/>
+          </a:fillRef>
+          <a:effectRef idx="2">
+            <a:schemeClr val="accent1"/>
+          </a:effectRef>
+          <a:fontRef idx="minor"/>
+        </p:style>
+        <p:txBody>
+          <a:bodyPr lIns="90000" rIns="90000" tIns="45000" bIns="45000" anchor="ctr">
+            <a:noAutofit/>
+          </a:bodyPr>
+          <a:p>
+            <a:endParaRPr b="0" lang="en-US" sz="1800" spc="-1" strike="noStrike">
+              <a:solidFill>
+                <a:schemeClr val="lt1"/>
+              </a:solidFill>
+              <a:latin typeface="Calibri"/>
+              <a:ea typeface="DejaVu Sans"/>
+            </a:endParaRPr>
+          </a:p>
+        </p:txBody>
+      </p:sp>
+      <p:sp>
+        <p:nvSpPr>
+          <p:cNvPr id="180" name="Rectangle 53"/>
+          <p:cNvSpPr/>
+          <p:nvPr/>
+        </p:nvSpPr>
+        <p:spPr>
+          <a:xfrm>
+            <a:off x="3657600" y="0"/>
+            <a:ext cx="17280" cy="6856920"/>
+          </a:xfrm>
+          <a:prstGeom prst="rect">
+            <a:avLst/>
+          </a:prstGeom>
+          <a:solidFill>
+            <a:srgbClr val="121216"/>
+          </a:solidFill>
+          <a:ln>
+            <a:noFill/>
+          </a:ln>
+          <a:effectLst>
+            <a:outerShdw blurRad="39960" dir="5400000" dist="23040" rotWithShape="0">
+              <a:srgbClr val="000000">
+                <a:alpha val="35000"/>
+              </a:srgbClr>
+            </a:outerShdw>
+          </a:effectLst>
+        </p:spPr>
+        <p:style>
+          <a:lnRef idx="1">
+            <a:schemeClr val="accent1"/>
+          </a:lnRef>
+          <a:fillRef idx="3">
+            <a:schemeClr val="accent1"/>
+          </a:fillRef>
+          <a:effectRef idx="2">
+            <a:schemeClr val="accent1"/>
+          </a:effectRef>
+          <a:fontRef idx="minor"/>
+        </p:style>
+        <p:txBody>
+          <a:bodyPr lIns="90000" rIns="90000" tIns="45000" bIns="45000" anchor="ctr">
+            <a:noAutofit/>
+          </a:bodyPr>
+          <a:p>
+            <a:endParaRPr b="0" lang="en-US" sz="1800" spc="-1" strike="noStrike">
+              <a:solidFill>
+                <a:schemeClr val="lt1"/>
+              </a:solidFill>
+              <a:latin typeface="Calibri"/>
+              <a:ea typeface="DejaVu Sans"/>
+            </a:endParaRPr>
+          </a:p>
+        </p:txBody>
+      </p:sp>
+      <p:sp>
+        <p:nvSpPr>
+          <p:cNvPr id="181" name="Rectangle 54"/>
+          <p:cNvSpPr/>
+          <p:nvPr/>
+        </p:nvSpPr>
+        <p:spPr>
+          <a:xfrm>
+            <a:off x="4572000" y="0"/>
+            <a:ext cx="17280" cy="6856920"/>
+          </a:xfrm>
+          <a:prstGeom prst="rect">
+            <a:avLst/>
+          </a:prstGeom>
+          <a:solidFill>
+            <a:srgbClr val="121216"/>
+          </a:solidFill>
+          <a:ln>
+            <a:noFill/>
+          </a:ln>
+          <a:effectLst>
+            <a:outerShdw blurRad="39960" dir="5400000" dist="23040" rotWithShape="0">
+              <a:srgbClr val="000000">
+                <a:alpha val="35000"/>
+              </a:srgbClr>
+            </a:outerShdw>
+          </a:effectLst>
+        </p:spPr>
+        <p:style>
+          <a:lnRef idx="1">
+            <a:schemeClr val="accent1"/>
+          </a:lnRef>
+          <a:fillRef idx="3">
+            <a:schemeClr val="accent1"/>
+          </a:fillRef>
+          <a:effectRef idx="2">
+            <a:schemeClr val="accent1"/>
+          </a:effectRef>
+          <a:fontRef idx="minor"/>
+        </p:style>
+        <p:txBody>
+          <a:bodyPr lIns="90000" rIns="90000" tIns="45000" bIns="45000" anchor="ctr">
+            <a:noAutofit/>
+          </a:bodyPr>
+          <a:p>
+            <a:endParaRPr b="0" lang="en-US" sz="1800" spc="-1" strike="noStrike">
+              <a:solidFill>
+                <a:schemeClr val="lt1"/>
+              </a:solidFill>
+              <a:latin typeface="Calibri"/>
+              <a:ea typeface="DejaVu Sans"/>
+            </a:endParaRPr>
+          </a:p>
+        </p:txBody>
+      </p:sp>
+      <p:sp>
+        <p:nvSpPr>
+          <p:cNvPr id="182" name="Rectangle 55"/>
+          <p:cNvSpPr/>
+          <p:nvPr/>
+        </p:nvSpPr>
+        <p:spPr>
+          <a:xfrm>
+            <a:off x="5486400" y="0"/>
+            <a:ext cx="17280" cy="6856920"/>
+          </a:xfrm>
+          <a:prstGeom prst="rect">
+            <a:avLst/>
+          </a:prstGeom>
+          <a:solidFill>
+            <a:srgbClr val="121216"/>
+          </a:solidFill>
+          <a:ln>
+            <a:noFill/>
+          </a:ln>
+          <a:effectLst>
+            <a:outerShdw blurRad="39960" dir="5400000" dist="23040" rotWithShape="0">
+              <a:srgbClr val="000000">
+                <a:alpha val="35000"/>
+              </a:srgbClr>
+            </a:outerShdw>
+          </a:effectLst>
+        </p:spPr>
+        <p:style>
+          <a:lnRef idx="1">
+            <a:schemeClr val="accent1"/>
+          </a:lnRef>
+          <a:fillRef idx="3">
+            <a:schemeClr val="accent1"/>
+          </a:fillRef>
+          <a:effectRef idx="2">
+            <a:schemeClr val="accent1"/>
+          </a:effectRef>
+          <a:fontRef idx="minor"/>
+        </p:style>
+        <p:txBody>
+          <a:bodyPr lIns="90000" rIns="90000" tIns="45000" bIns="45000" anchor="ctr">
+            <a:noAutofit/>
+          </a:bodyPr>
+          <a:p>
+            <a:endParaRPr b="0" lang="en-US" sz="1800" spc="-1" strike="noStrike">
+              <a:solidFill>
+                <a:schemeClr val="lt1"/>
+              </a:solidFill>
+              <a:latin typeface="Calibri"/>
+              <a:ea typeface="DejaVu Sans"/>
+            </a:endParaRPr>
+          </a:p>
+        </p:txBody>
+      </p:sp>
+      <p:sp>
+        <p:nvSpPr>
+          <p:cNvPr id="183" name="Rectangle 56"/>
+          <p:cNvSpPr/>
+          <p:nvPr/>
+        </p:nvSpPr>
+        <p:spPr>
+          <a:xfrm>
+            <a:off x="6400800" y="0"/>
+            <a:ext cx="17280" cy="6856920"/>
+          </a:xfrm>
+          <a:prstGeom prst="rect">
+            <a:avLst/>
+          </a:prstGeom>
+          <a:solidFill>
+            <a:srgbClr val="121216"/>
+          </a:solidFill>
+          <a:ln>
+            <a:noFill/>
+          </a:ln>
+          <a:effectLst>
+            <a:outerShdw blurRad="39960" dir="5400000" dist="23040" rotWithShape="0">
+              <a:srgbClr val="000000">
+                <a:alpha val="35000"/>
+              </a:srgbClr>
+            </a:outerShdw>
+          </a:effectLst>
+        </p:spPr>
+        <p:style>
+          <a:lnRef idx="1">
+            <a:schemeClr val="accent1"/>
+          </a:lnRef>
+          <a:fillRef idx="3">
+            <a:schemeClr val="accent1"/>
+          </a:fillRef>
+          <a:effectRef idx="2">
+            <a:schemeClr val="accent1"/>
+          </a:effectRef>
+          <a:fontRef idx="minor"/>
+        </p:style>
+        <p:txBody>
+          <a:bodyPr lIns="90000" rIns="90000" tIns="45000" bIns="45000" anchor="ctr">
+            <a:noAutofit/>
+          </a:bodyPr>
+          <a:p>
+            <a:endParaRPr b="0" lang="en-US" sz="1800" spc="-1" strike="noStrike">
+              <a:solidFill>
+                <a:schemeClr val="lt1"/>
+              </a:solidFill>
+              <a:latin typeface="Calibri"/>
+              <a:ea typeface="DejaVu Sans"/>
+            </a:endParaRPr>
+          </a:p>
+        </p:txBody>
+      </p:sp>
+      <p:sp>
+        <p:nvSpPr>
+          <p:cNvPr id="184" name="Rectangle 57"/>
+          <p:cNvSpPr/>
+          <p:nvPr/>
+        </p:nvSpPr>
+        <p:spPr>
+          <a:xfrm>
+            <a:off x="7315200" y="0"/>
+            <a:ext cx="17280" cy="6856920"/>
+          </a:xfrm>
+          <a:prstGeom prst="rect">
+            <a:avLst/>
+          </a:prstGeom>
+          <a:solidFill>
+            <a:srgbClr val="121216"/>
+          </a:solidFill>
+          <a:ln>
+            <a:noFill/>
+          </a:ln>
+          <a:effectLst>
+            <a:outerShdw blurRad="39960" dir="5400000" dist="23040" rotWithShape="0">
+              <a:srgbClr val="000000">
+                <a:alpha val="35000"/>
+              </a:srgbClr>
+            </a:outerShdw>
+          </a:effectLst>
+        </p:spPr>
+        <p:style>
+          <a:lnRef idx="1">
+            <a:schemeClr val="accent1"/>
+          </a:lnRef>
+          <a:fillRef idx="3">
+            <a:schemeClr val="accent1"/>
+          </a:fillRef>
+          <a:effectRef idx="2">
+            <a:schemeClr val="accent1"/>
+          </a:effectRef>
+          <a:fontRef idx="minor"/>
+        </p:style>
+        <p:txBody>
+          <a:bodyPr lIns="90000" rIns="90000" tIns="45000" bIns="45000" anchor="ctr">
+            <a:noAutofit/>
+          </a:bodyPr>
+          <a:p>
+            <a:endParaRPr b="0" lang="en-US" sz="1800" spc="-1" strike="noStrike">
+              <a:solidFill>
+                <a:schemeClr val="lt1"/>
+              </a:solidFill>
+              <a:latin typeface="Calibri"/>
+              <a:ea typeface="DejaVu Sans"/>
+            </a:endParaRPr>
+          </a:p>
+        </p:txBody>
+      </p:sp>
+      <p:sp>
+        <p:nvSpPr>
+          <p:cNvPr id="185" name="Rectangle 58"/>
+          <p:cNvSpPr/>
+          <p:nvPr/>
+        </p:nvSpPr>
+        <p:spPr>
+          <a:xfrm>
+            <a:off x="8229600" y="0"/>
+            <a:ext cx="17280" cy="6856920"/>
+          </a:xfrm>
+          <a:prstGeom prst="rect">
+            <a:avLst/>
+          </a:prstGeom>
+          <a:solidFill>
+            <a:srgbClr val="121216"/>
+          </a:solidFill>
+          <a:ln>
+            <a:noFill/>
+          </a:ln>
+          <a:effectLst>
+            <a:outerShdw blurRad="39960" dir="5400000" dist="23040" rotWithShape="0">
+              <a:srgbClr val="000000">
+                <a:alpha val="35000"/>
+              </a:srgbClr>
+            </a:outerShdw>
+          </a:effectLst>
+        </p:spPr>
+        <p:style>
+          <a:lnRef idx="1">
+            <a:schemeClr val="accent1"/>
+          </a:lnRef>
+          <a:fillRef idx="3">
+            <a:schemeClr val="accent1"/>
+          </a:fillRef>
+          <a:effectRef idx="2">
+            <a:schemeClr val="accent1"/>
+          </a:effectRef>
+          <a:fontRef idx="minor"/>
+        </p:style>
+        <p:txBody>
+          <a:bodyPr lIns="90000" rIns="90000" tIns="45000" bIns="45000" anchor="ctr">
+            <a:noAutofit/>
+          </a:bodyPr>
+          <a:p>
+            <a:endParaRPr b="0" lang="en-US" sz="1800" spc="-1" strike="noStrike">
+              <a:solidFill>
+                <a:schemeClr val="lt1"/>
+              </a:solidFill>
+              <a:latin typeface="Calibri"/>
+              <a:ea typeface="DejaVu Sans"/>
+            </a:endParaRPr>
+          </a:p>
+        </p:txBody>
+      </p:sp>
+      <p:sp>
+        <p:nvSpPr>
+          <p:cNvPr id="186" name="Rectangle 59"/>
+          <p:cNvSpPr/>
+          <p:nvPr/>
+        </p:nvSpPr>
+        <p:spPr>
+          <a:xfrm>
+            <a:off x="9144000" y="0"/>
+            <a:ext cx="17280" cy="6856920"/>
+          </a:xfrm>
+          <a:prstGeom prst="rect">
+            <a:avLst/>
+          </a:prstGeom>
+          <a:solidFill>
+            <a:srgbClr val="121216"/>
+          </a:solidFill>
+          <a:ln>
+            <a:noFill/>
+          </a:ln>
+          <a:effectLst>
+            <a:outerShdw blurRad="39960" dir="5400000" dist="23040" rotWithShape="0">
+              <a:srgbClr val="000000">
+                <a:alpha val="35000"/>
+              </a:srgbClr>
+            </a:outerShdw>
+          </a:effectLst>
+        </p:spPr>
+        <p:style>
+          <a:lnRef idx="1">
+            <a:schemeClr val="accent1"/>
+          </a:lnRef>
+          <a:fillRef idx="3">
+            <a:schemeClr val="accent1"/>
+          </a:fillRef>
+          <a:effectRef idx="2">
+            <a:schemeClr val="accent1"/>
+          </a:effectRef>
+          <a:fontRef idx="minor"/>
+        </p:style>
+        <p:txBody>
+          <a:bodyPr lIns="90000" rIns="90000" tIns="45000" bIns="45000" anchor="ctr">
+            <a:noAutofit/>
+          </a:bodyPr>
+          <a:p>
+            <a:endParaRPr b="0" lang="en-US" sz="1800" spc="-1" strike="noStrike">
+              <a:solidFill>
+                <a:schemeClr val="lt1"/>
+              </a:solidFill>
+              <a:latin typeface="Calibri"/>
+              <a:ea typeface="DejaVu Sans"/>
+            </a:endParaRPr>
+          </a:p>
+        </p:txBody>
+      </p:sp>
+      <p:sp>
+        <p:nvSpPr>
+          <p:cNvPr id="187" name="Rectangle 60"/>
+          <p:cNvSpPr/>
+          <p:nvPr/>
+        </p:nvSpPr>
+        <p:spPr>
+          <a:xfrm>
+            <a:off x="10058400" y="0"/>
+            <a:ext cx="17280" cy="6856920"/>
+          </a:xfrm>
+          <a:prstGeom prst="rect">
+            <a:avLst/>
+          </a:prstGeom>
+          <a:solidFill>
+            <a:srgbClr val="121216"/>
+          </a:solidFill>
+          <a:ln>
+            <a:noFill/>
+          </a:ln>
+          <a:effectLst>
+            <a:outerShdw blurRad="39960" dir="5400000" dist="23040" rotWithShape="0">
+              <a:srgbClr val="000000">
+                <a:alpha val="35000"/>
+              </a:srgbClr>
+            </a:outerShdw>
+          </a:effectLst>
+        </p:spPr>
+        <p:style>
+          <a:lnRef idx="1">
+            <a:schemeClr val="accent1"/>
+          </a:lnRef>
+          <a:fillRef idx="3">
+            <a:schemeClr val="accent1"/>
+          </a:fillRef>
+          <a:effectRef idx="2">
+            <a:schemeClr val="accent1"/>
+          </a:effectRef>
+          <a:fontRef idx="minor"/>
+        </p:style>
+        <p:txBody>
+          <a:bodyPr lIns="90000" rIns="90000" tIns="45000" bIns="45000" anchor="ctr">
+            <a:noAutofit/>
+          </a:bodyPr>
+          <a:p>
+            <a:endParaRPr b="0" lang="en-US" sz="1800" spc="-1" strike="noStrike">
+              <a:solidFill>
+                <a:schemeClr val="lt1"/>
+              </a:solidFill>
+              <a:latin typeface="Calibri"/>
+              <a:ea typeface="DejaVu Sans"/>
+            </a:endParaRPr>
+          </a:p>
+        </p:txBody>
+      </p:sp>
+      <p:sp>
+        <p:nvSpPr>
+          <p:cNvPr id="188" name="Rectangle 61"/>
+          <p:cNvSpPr/>
+          <p:nvPr/>
+        </p:nvSpPr>
+        <p:spPr>
+          <a:xfrm>
+            <a:off x="10972800" y="0"/>
+            <a:ext cx="17280" cy="6856920"/>
+          </a:xfrm>
+          <a:prstGeom prst="rect">
+            <a:avLst/>
+          </a:prstGeom>
+          <a:solidFill>
+            <a:srgbClr val="121216"/>
+          </a:solidFill>
+          <a:ln>
+            <a:noFill/>
+          </a:ln>
+          <a:effectLst>
+            <a:outerShdw blurRad="39960" dir="5400000" dist="23040" rotWithShape="0">
+              <a:srgbClr val="000000">
+                <a:alpha val="35000"/>
+              </a:srgbClr>
+            </a:outerShdw>
+          </a:effectLst>
+        </p:spPr>
+        <p:style>
+          <a:lnRef idx="1">
+            <a:schemeClr val="accent1"/>
+          </a:lnRef>
+          <a:fillRef idx="3">
+            <a:schemeClr val="accent1"/>
+          </a:fillRef>
+          <a:effectRef idx="2">
+            <a:schemeClr val="accent1"/>
+          </a:effectRef>
+          <a:fontRef idx="minor"/>
+        </p:style>
+        <p:txBody>
+          <a:bodyPr lIns="90000" rIns="90000" tIns="45000" bIns="45000" anchor="ctr">
+            <a:noAutofit/>
+          </a:bodyPr>
+          <a:p>
+            <a:endParaRPr b="0" lang="en-US" sz="1800" spc="-1" strike="noStrike">
+              <a:solidFill>
+                <a:schemeClr val="lt1"/>
+              </a:solidFill>
+              <a:latin typeface="Calibri"/>
+              <a:ea typeface="DejaVu Sans"/>
+            </a:endParaRPr>
+          </a:p>
+        </p:txBody>
+      </p:sp>
+      <p:sp>
+        <p:nvSpPr>
+          <p:cNvPr id="189" name="Rectangle 62"/>
+          <p:cNvSpPr/>
+          <p:nvPr/>
+        </p:nvSpPr>
+        <p:spPr>
+          <a:xfrm>
+            <a:off x="11887200" y="0"/>
+            <a:ext cx="17280" cy="6856920"/>
+          </a:xfrm>
+          <a:prstGeom prst="rect">
+            <a:avLst/>
+          </a:prstGeom>
+          <a:solidFill>
+            <a:srgbClr val="121216"/>
+          </a:solidFill>
+          <a:ln>
+            <a:noFill/>
+          </a:ln>
+          <a:effectLst>
+            <a:outerShdw blurRad="39960" dir="5400000" dist="23040" rotWithShape="0">
+              <a:srgbClr val="000000">
+                <a:alpha val="35000"/>
+              </a:srgbClr>
+            </a:outerShdw>
+          </a:effectLst>
+        </p:spPr>
+        <p:style>
+          <a:lnRef idx="1">
+            <a:schemeClr val="accent1"/>
+          </a:lnRef>
+          <a:fillRef idx="3">
+            <a:schemeClr val="accent1"/>
+          </a:fillRef>
+          <a:effectRef idx="2">
+            <a:schemeClr val="accent1"/>
+          </a:effectRef>
+          <a:fontRef idx="minor"/>
+        </p:style>
+        <p:txBody>
+          <a:bodyPr lIns="90000" rIns="90000" tIns="45000" bIns="45000" anchor="ctr">
+            <a:noAutofit/>
+          </a:bodyPr>
+          <a:p>
+            <a:endParaRPr b="0" lang="en-US" sz="1800" spc="-1" strike="noStrike">
+              <a:solidFill>
+                <a:schemeClr val="lt1"/>
+              </a:solidFill>
+              <a:latin typeface="Calibri"/>
+              <a:ea typeface="DejaVu Sans"/>
+            </a:endParaRPr>
+          </a:p>
+        </p:txBody>
+      </p:sp>
+      <p:sp>
+        <p:nvSpPr>
+          <p:cNvPr id="190" name="Rectangle 63"/>
+          <p:cNvSpPr/>
+          <p:nvPr/>
+        </p:nvSpPr>
+        <p:spPr>
+          <a:xfrm>
+            <a:off x="0" y="0"/>
+            <a:ext cx="318960" cy="6856920"/>
+          </a:xfrm>
+          <a:prstGeom prst="rect">
+            <a:avLst/>
+          </a:prstGeom>
+          <a:solidFill>
+            <a:srgbClr val="ff8c00"/>
+          </a:solidFill>
+          <a:ln>
+            <a:noFill/>
+          </a:ln>
+          <a:effectLst>
+            <a:outerShdw blurRad="39960" dir="5400000" dist="23040" rotWithShape="0">
+              <a:srgbClr val="000000">
+                <a:alpha val="35000"/>
+              </a:srgbClr>
+            </a:outerShdw>
+          </a:effectLst>
+        </p:spPr>
+        <p:style>
+          <a:lnRef idx="1">
+            <a:schemeClr val="accent1"/>
+          </a:lnRef>
+          <a:fillRef idx="3">
+            <a:schemeClr val="accent1"/>
+          </a:fillRef>
+          <a:effectRef idx="2">
+            <a:schemeClr val="accent1"/>
+          </a:effectRef>
+          <a:fontRef idx="minor"/>
+        </p:style>
+        <p:txBody>
+          <a:bodyPr lIns="90000" rIns="90000" tIns="45000" bIns="45000" anchor="ctr">
+            <a:noAutofit/>
+          </a:bodyPr>
+          <a:p>
+            <a:endParaRPr b="0" lang="en-US" sz="1800" spc="-1" strike="noStrike">
+              <a:solidFill>
+                <a:schemeClr val="lt1"/>
+              </a:solidFill>
+              <a:latin typeface="Calibri"/>
+              <a:ea typeface="DejaVu Sans"/>
+            </a:endParaRPr>
+          </a:p>
+        </p:txBody>
+      </p:sp>
+      <p:sp>
+        <p:nvSpPr>
+          <p:cNvPr id="191" name="Rounded Rectangle 15"/>
+          <p:cNvSpPr/>
+          <p:nvPr/>
+        </p:nvSpPr>
+        <p:spPr>
+          <a:xfrm>
+            <a:off x="9875520" y="365760"/>
+            <a:ext cx="2010600" cy="501840"/>
+          </a:xfrm>
+          <a:prstGeom prst="roundRect">
+            <a:avLst>
+              <a:gd name="adj" fmla="val 16667"/>
+            </a:avLst>
+          </a:prstGeom>
+          <a:solidFill>
+            <a:srgbClr val="1e1e24"/>
+          </a:solidFill>
+          <a:ln>
+            <a:solidFill>
+              <a:srgbClr val="ff8c00"/>
+            </a:solidFill>
+            <a:round/>
+          </a:ln>
+          <a:effectLst>
+            <a:outerShdw blurRad="39960" dir="5400000" dist="23040" rotWithShape="0">
+              <a:srgbClr val="000000">
+                <a:alpha val="35000"/>
+              </a:srgbClr>
+            </a:outerShdw>
+          </a:effectLst>
+        </p:spPr>
+        <p:style>
+          <a:lnRef idx="1">
+            <a:schemeClr val="accent1"/>
+          </a:lnRef>
+          <a:fillRef idx="3">
+            <a:schemeClr val="accent1"/>
+          </a:fillRef>
+          <a:effectRef idx="2">
+            <a:schemeClr val="accent1"/>
+          </a:effectRef>
+          <a:fontRef idx="minor"/>
+        </p:style>
+        <p:txBody>
+          <a:bodyPr lIns="90000" rIns="90000" tIns="45000" bIns="45000" anchor="ctr">
+            <a:noAutofit/>
+          </a:bodyPr>
+          <a:p>
+            <a:pPr algn="ctr">
+              <a:lnSpc>
+                <a:spcPct val="100000"/>
+              </a:lnSpc>
+            </a:pPr>
+            <a:r>
+              <a:rPr b="1" lang="en-US" sz="1400" spc="-1" strike="noStrike">
+                <a:solidFill>
+                  <a:srgbClr val="ffb45a"/>
+                </a:solidFill>
+                <a:latin typeface="Calibri"/>
+                <a:ea typeface="DejaVu Sans"/>
+              </a:rPr>
+              <a:t>JAVA CORE</a:t>
+            </a:r>
+            <a:endParaRPr b="0" lang="en-US" sz="1400" spc="-1" strike="noStrike">
+              <a:solidFill>
+                <a:srgbClr val="ffffff"/>
+              </a:solidFill>
+              <a:latin typeface="Arial"/>
+            </a:endParaRPr>
+          </a:p>
+        </p:txBody>
+      </p:sp>
+      <p:sp>
+        <p:nvSpPr>
+          <p:cNvPr id="192" name="TextBox 7"/>
+          <p:cNvSpPr/>
+          <p:nvPr/>
+        </p:nvSpPr>
+        <p:spPr>
+          <a:xfrm>
+            <a:off x="1896840" y="1005840"/>
+            <a:ext cx="7177680" cy="820800"/>
+          </a:xfrm>
+          <a:prstGeom prst="rect">
+            <a:avLst/>
+          </a:prstGeom>
+          <a:noFill/>
+          <a:ln w="0">
+            <a:noFill/>
+          </a:ln>
+        </p:spPr>
+        <p:style>
+          <a:lnRef idx="0"/>
+          <a:fillRef idx="0"/>
+          <a:effectRef idx="0"/>
+          <a:fontRef idx="minor"/>
+        </p:style>
+        <p:txBody>
+          <a:bodyPr wrap="none" lIns="90000" rIns="90000" tIns="45000" bIns="45000" anchor="t">
+            <a:spAutoFit/>
+          </a:bodyPr>
+          <a:p>
+            <a:pPr>
+              <a:lnSpc>
+                <a:spcPct val="100000"/>
+              </a:lnSpc>
+            </a:pPr>
+            <a:r>
+              <a:rPr b="1" lang="en-US" sz="4800" spc="-1" strike="noStrike">
+                <a:solidFill>
+                  <a:srgbClr val="f5f5f5"/>
+                </a:solidFill>
+                <a:latin typeface="Calibri"/>
+                <a:ea typeface="DejaVu Sans"/>
+              </a:rPr>
+              <a:t>JVM PROGRAM EXECUTION</a:t>
+            </a:r>
+            <a:endParaRPr b="0" lang="en-US" sz="4800" spc="-1" strike="noStrike">
+              <a:solidFill>
+                <a:srgbClr val="000000"/>
+              </a:solidFill>
+              <a:latin typeface="Arial"/>
+            </a:endParaRPr>
+          </a:p>
+        </p:txBody>
+      </p:sp>
+      <p:sp>
+        <p:nvSpPr>
+          <p:cNvPr id="193" name="TextBox 8"/>
+          <p:cNvSpPr/>
+          <p:nvPr/>
+        </p:nvSpPr>
+        <p:spPr>
+          <a:xfrm>
+            <a:off x="2177280" y="2194560"/>
+            <a:ext cx="6617160" cy="379080"/>
+          </a:xfrm>
+          <a:prstGeom prst="rect">
+            <a:avLst/>
+          </a:prstGeom>
+          <a:noFill/>
+          <a:ln w="0">
+            <a:noFill/>
+          </a:ln>
+        </p:spPr>
+        <p:style>
+          <a:lnRef idx="0"/>
+          <a:fillRef idx="0"/>
+          <a:effectRef idx="0"/>
+          <a:fontRef idx="minor"/>
+        </p:style>
+        <p:txBody>
+          <a:bodyPr wrap="none" lIns="90000" rIns="90000" tIns="45000" bIns="45000" anchor="t">
+            <a:spAutoFit/>
+          </a:bodyPr>
+          <a:p>
+            <a:pPr>
+              <a:lnSpc>
+                <a:spcPct val="100000"/>
+              </a:lnSpc>
+            </a:pPr>
+            <a:r>
+              <a:rPr b="0" lang="en-US" sz="1900" spc="-1" strike="noStrike">
+                <a:solidFill>
+                  <a:srgbClr val="aaaaaa"/>
+                </a:solidFill>
+                <a:latin typeface="Calibri"/>
+                <a:ea typeface="DejaVu Sans"/>
+              </a:rPr>
+              <a:t>How the JVM runs a Java program step by step behind the scenes.</a:t>
+            </a:r>
+            <a:endParaRPr b="0" lang="en-US" sz="1900" spc="-1" strike="noStrike">
+              <a:solidFill>
+                <a:srgbClr val="000000"/>
+              </a:solidFill>
+              <a:latin typeface="Arial"/>
+            </a:endParaRPr>
+          </a:p>
+        </p:txBody>
+      </p:sp>
+      <p:sp>
+        <p:nvSpPr>
+          <p:cNvPr id="194" name="Rounded Rectangle 16"/>
+          <p:cNvSpPr/>
+          <p:nvPr/>
+        </p:nvSpPr>
+        <p:spPr>
+          <a:xfrm>
+            <a:off x="987480" y="3182040"/>
+            <a:ext cx="3290760" cy="2742120"/>
+          </a:xfrm>
+          <a:prstGeom prst="roundRect">
+            <a:avLst>
+              <a:gd name="adj" fmla="val 16667"/>
+            </a:avLst>
+          </a:prstGeom>
+          <a:solidFill>
+            <a:srgbClr val="08080a"/>
+          </a:solidFill>
+          <a:ln>
+            <a:noFill/>
+          </a:ln>
+          <a:effectLst>
+            <a:outerShdw blurRad="39960" dir="5400000" dist="23040" rotWithShape="0">
+              <a:srgbClr val="000000">
+                <a:alpha val="35000"/>
+              </a:srgbClr>
+            </a:outerShdw>
+          </a:effectLst>
+        </p:spPr>
+        <p:style>
+          <a:lnRef idx="1">
+            <a:schemeClr val="accent1"/>
+          </a:lnRef>
+          <a:fillRef idx="3">
+            <a:schemeClr val="accent1"/>
+          </a:fillRef>
+          <a:effectRef idx="2">
+            <a:schemeClr val="accent1"/>
+          </a:effectRef>
+          <a:fontRef idx="minor"/>
+        </p:style>
+        <p:txBody>
+          <a:bodyPr lIns="90000" rIns="90000" tIns="45000" bIns="45000" anchor="ctr">
+            <a:noAutofit/>
+          </a:bodyPr>
+          <a:p>
+            <a:endParaRPr b="0" lang="en-US" sz="1800" spc="-1" strike="noStrike">
+              <a:solidFill>
+                <a:schemeClr val="lt1"/>
+              </a:solidFill>
+              <a:latin typeface="Calibri"/>
+              <a:ea typeface="DejaVu Sans"/>
+            </a:endParaRPr>
+          </a:p>
+        </p:txBody>
+      </p:sp>
+      <p:sp>
+        <p:nvSpPr>
+          <p:cNvPr id="195" name="Rounded Rectangle 18"/>
+          <p:cNvSpPr/>
+          <p:nvPr/>
+        </p:nvSpPr>
+        <p:spPr>
+          <a:xfrm>
+            <a:off x="475560" y="2743200"/>
+            <a:ext cx="3729600" cy="3107880"/>
+          </a:xfrm>
+          <a:prstGeom prst="roundRect">
+            <a:avLst>
+              <a:gd name="adj" fmla="val 16667"/>
+            </a:avLst>
+          </a:prstGeom>
+          <a:solidFill>
+            <a:srgbClr val="16161c"/>
+          </a:solidFill>
+          <a:ln>
+            <a:solidFill>
+              <a:srgbClr val="464655"/>
+            </a:solidFill>
+            <a:round/>
+          </a:ln>
+          <a:effectLst>
+            <a:outerShdw blurRad="39960" dir="5400000" dist="23040" rotWithShape="0">
+              <a:srgbClr val="000000">
+                <a:alpha val="35000"/>
+              </a:srgbClr>
+            </a:outerShdw>
+          </a:effectLst>
+        </p:spPr>
+        <p:style>
+          <a:lnRef idx="1">
+            <a:schemeClr val="accent1"/>
+          </a:lnRef>
+          <a:fillRef idx="3">
+            <a:schemeClr val="accent1"/>
+          </a:fillRef>
+          <a:effectRef idx="2">
+            <a:schemeClr val="accent1"/>
+          </a:effectRef>
+          <a:fontRef idx="minor"/>
+        </p:style>
+        <p:txBody>
+          <a:bodyPr lIns="90000" rIns="90000" tIns="45000" bIns="45000" anchor="ctr">
+            <a:noAutofit/>
+          </a:bodyPr>
+          <a:p>
+            <a:pPr>
+              <a:lnSpc>
+                <a:spcPct val="100000"/>
+              </a:lnSpc>
+            </a:pPr>
+            <a:r>
+              <a:rPr b="0" lang="en-US" sz="1050" spc="-1" strike="noStrike">
+                <a:solidFill>
+                  <a:schemeClr val="lt1"/>
+                </a:solidFill>
+                <a:latin typeface="Calibri"/>
+                <a:ea typeface="DejaVu Sans"/>
+              </a:rPr>
+              <a:t>When a Java program starts, the JVM follows a smart execution process.</a:t>
+            </a:r>
+            <a:endParaRPr b="0" lang="en-US" sz="1050" spc="-1" strike="noStrike">
+              <a:solidFill>
+                <a:srgbClr val="ffffff"/>
+              </a:solidFill>
+              <a:latin typeface="Arial"/>
+            </a:endParaRPr>
+          </a:p>
+          <a:p>
+            <a:pPr>
+              <a:lnSpc>
+                <a:spcPct val="100000"/>
+              </a:lnSpc>
+            </a:pPr>
+            <a:endParaRPr b="0" lang="en-US" sz="1050" spc="-1" strike="noStrike">
+              <a:solidFill>
+                <a:srgbClr val="ffffff"/>
+              </a:solidFill>
+              <a:latin typeface="Arial"/>
+            </a:endParaRPr>
+          </a:p>
+          <a:p>
+            <a:pPr>
+              <a:lnSpc>
+                <a:spcPct val="100000"/>
+              </a:lnSpc>
+            </a:pPr>
+            <a:r>
+              <a:rPr b="0" lang="en-US" sz="1050" spc="-1" strike="noStrike">
+                <a:solidFill>
+                  <a:schemeClr val="lt1"/>
+                </a:solidFill>
+                <a:latin typeface="Calibri"/>
+                <a:ea typeface="DejaVu Sans"/>
+              </a:rPr>
+              <a:t>First, the Class Loader loads compiled .class files into memory and checks them for security.</a:t>
+            </a:r>
+            <a:endParaRPr b="0" lang="en-US" sz="1050" spc="-1" strike="noStrike">
+              <a:solidFill>
+                <a:srgbClr val="ffffff"/>
+              </a:solidFill>
+              <a:latin typeface="Arial"/>
+            </a:endParaRPr>
+          </a:p>
+          <a:p>
+            <a:pPr>
+              <a:lnSpc>
+                <a:spcPct val="100000"/>
+              </a:lnSpc>
+            </a:pPr>
+            <a:endParaRPr b="0" lang="en-US" sz="1050" spc="-1" strike="noStrike">
+              <a:solidFill>
+                <a:srgbClr val="ffffff"/>
+              </a:solidFill>
+              <a:latin typeface="Arial"/>
+            </a:endParaRPr>
+          </a:p>
+          <a:p>
+            <a:pPr>
+              <a:lnSpc>
+                <a:spcPct val="100000"/>
+              </a:lnSpc>
+            </a:pPr>
+            <a:r>
+              <a:rPr b="0" lang="en-US" sz="1050" spc="-1" strike="noStrike">
+                <a:solidFill>
+                  <a:schemeClr val="lt1"/>
+                </a:solidFill>
+                <a:latin typeface="Calibri"/>
+                <a:ea typeface="DejaVu Sans"/>
+              </a:rPr>
+              <a:t>Next, memory is organized into areas like the Heap (for objects) and Stack (for method calls and variables).</a:t>
+            </a:r>
+            <a:endParaRPr b="0" lang="en-US" sz="1050" spc="-1" strike="noStrike">
+              <a:solidFill>
+                <a:srgbClr val="ffffff"/>
+              </a:solidFill>
+              <a:latin typeface="Arial"/>
+            </a:endParaRPr>
+          </a:p>
+          <a:p>
+            <a:pPr>
+              <a:lnSpc>
+                <a:spcPct val="100000"/>
+              </a:lnSpc>
+            </a:pPr>
+            <a:endParaRPr b="0" lang="en-US" sz="1050" spc="-1" strike="noStrike">
+              <a:solidFill>
+                <a:srgbClr val="ffffff"/>
+              </a:solidFill>
+              <a:latin typeface="Arial"/>
+            </a:endParaRPr>
+          </a:p>
+          <a:p>
+            <a:pPr>
+              <a:lnSpc>
+                <a:spcPct val="100000"/>
+              </a:lnSpc>
+            </a:pPr>
+            <a:r>
+              <a:rPr b="0" lang="en-US" sz="1050" spc="-1" strike="noStrike">
+                <a:solidFill>
+                  <a:schemeClr val="lt1"/>
+                </a:solidFill>
+                <a:latin typeface="Calibri"/>
+                <a:ea typeface="DejaVu Sans"/>
+              </a:rPr>
+              <a:t>Then, the Execution Engine runs the program.</a:t>
+            </a:r>
+            <a:endParaRPr b="0" lang="en-US" sz="1050" spc="-1" strike="noStrike">
+              <a:solidFill>
+                <a:srgbClr val="ffffff"/>
+              </a:solidFill>
+              <a:latin typeface="Arial"/>
+            </a:endParaRPr>
+          </a:p>
+          <a:p>
+            <a:pPr>
+              <a:lnSpc>
+                <a:spcPct val="100000"/>
+              </a:lnSpc>
+            </a:pPr>
+            <a:r>
+              <a:rPr b="0" lang="en-US" sz="1050" spc="-1" strike="noStrike">
+                <a:solidFill>
+                  <a:schemeClr val="lt1"/>
+                </a:solidFill>
+                <a:latin typeface="Calibri"/>
+                <a:ea typeface="DejaVu Sans"/>
+              </a:rPr>
+              <a:t>The Interpreter reads bytecode line by line, while the JIT Compiler converts frequently used code into faster machine code.</a:t>
+            </a:r>
+            <a:endParaRPr b="0" lang="en-US" sz="1050" spc="-1" strike="noStrike">
+              <a:solidFill>
+                <a:srgbClr val="ffffff"/>
+              </a:solidFill>
+              <a:latin typeface="Arial"/>
+            </a:endParaRPr>
+          </a:p>
+          <a:p>
+            <a:pPr>
+              <a:lnSpc>
+                <a:spcPct val="100000"/>
+              </a:lnSpc>
+            </a:pPr>
+            <a:endParaRPr b="0" lang="en-US" sz="1050" spc="-1" strike="noStrike">
+              <a:solidFill>
+                <a:srgbClr val="ffffff"/>
+              </a:solidFill>
+              <a:latin typeface="Arial"/>
+            </a:endParaRPr>
+          </a:p>
+          <a:p>
+            <a:pPr>
+              <a:lnSpc>
+                <a:spcPct val="100000"/>
+              </a:lnSpc>
+            </a:pPr>
+            <a:r>
+              <a:rPr b="0" lang="en-US" sz="1050" spc="-1" strike="noStrike">
+                <a:solidFill>
+                  <a:schemeClr val="lt1"/>
+                </a:solidFill>
+                <a:latin typeface="Calibri"/>
+                <a:ea typeface="DejaVu Sans"/>
+              </a:rPr>
+              <a:t>Finally, the Garbage Collector removes unused objects from memory automatically.</a:t>
+            </a:r>
+            <a:endParaRPr b="0" lang="en-US" sz="1050" spc="-1" strike="noStrike">
+              <a:solidFill>
+                <a:srgbClr val="ffffff"/>
+              </a:solidFill>
+              <a:latin typeface="Arial"/>
+            </a:endParaRPr>
+          </a:p>
+          <a:p>
+            <a:pPr>
+              <a:lnSpc>
+                <a:spcPct val="100000"/>
+              </a:lnSpc>
+            </a:pPr>
+            <a:endParaRPr b="0" lang="en-US" sz="1050" spc="-1" strike="noStrike">
+              <a:solidFill>
+                <a:srgbClr val="ffffff"/>
+              </a:solidFill>
+              <a:latin typeface="Arial"/>
+            </a:endParaRPr>
+          </a:p>
+          <a:p>
+            <a:pPr>
+              <a:lnSpc>
+                <a:spcPct val="100000"/>
+              </a:lnSpc>
+            </a:pPr>
+            <a:r>
+              <a:rPr b="0" lang="en-US" sz="1050" spc="-1" strike="noStrike">
+                <a:solidFill>
+                  <a:schemeClr val="lt1"/>
+                </a:solidFill>
+                <a:latin typeface="Calibri"/>
+                <a:ea typeface="DejaVu Sans"/>
+              </a:rPr>
+              <a:t>Thanks to this process, Java programs run safely, efficiently, and on any system with a JVM.</a:t>
+            </a:r>
+            <a:endParaRPr b="0" lang="en-US" sz="1050" spc="-1" strike="noStrike">
+              <a:solidFill>
+                <a:srgbClr val="ffffff"/>
+              </a:solidFill>
+              <a:latin typeface="Arial"/>
+            </a:endParaRPr>
+          </a:p>
+        </p:txBody>
+      </p:sp>
+      <p:sp>
+        <p:nvSpPr>
+          <p:cNvPr id="196" name="Rounded Rectangle 19"/>
+          <p:cNvSpPr/>
+          <p:nvPr/>
+        </p:nvSpPr>
+        <p:spPr>
+          <a:xfrm>
+            <a:off x="4507920" y="3182040"/>
+            <a:ext cx="3290760" cy="2742120"/>
+          </a:xfrm>
+          <a:prstGeom prst="roundRect">
+            <a:avLst>
+              <a:gd name="adj" fmla="val 16667"/>
+            </a:avLst>
+          </a:prstGeom>
+          <a:solidFill>
+            <a:srgbClr val="08080a"/>
+          </a:solidFill>
+          <a:ln>
+            <a:noFill/>
+          </a:ln>
+          <a:effectLst>
+            <a:outerShdw blurRad="39960" dir="5400000" dist="23040" rotWithShape="0">
+              <a:srgbClr val="000000">
+                <a:alpha val="35000"/>
+              </a:srgbClr>
+            </a:outerShdw>
+          </a:effectLst>
+        </p:spPr>
+        <p:style>
+          <a:lnRef idx="1">
+            <a:schemeClr val="accent1"/>
+          </a:lnRef>
+          <a:fillRef idx="3">
+            <a:schemeClr val="accent1"/>
+          </a:fillRef>
+          <a:effectRef idx="2">
+            <a:schemeClr val="accent1"/>
+          </a:effectRef>
+          <a:fontRef idx="minor"/>
+        </p:style>
+        <p:txBody>
+          <a:bodyPr lIns="90000" rIns="90000" tIns="45000" bIns="45000" anchor="ctr">
+            <a:noAutofit/>
+          </a:bodyPr>
+          <a:p>
+            <a:endParaRPr b="0" lang="en-US" sz="1800" spc="-1" strike="noStrike">
+              <a:solidFill>
+                <a:schemeClr val="lt1"/>
+              </a:solidFill>
+              <a:latin typeface="Calibri"/>
+              <a:ea typeface="DejaVu Sans"/>
+            </a:endParaRPr>
+          </a:p>
+        </p:txBody>
+      </p:sp>
+      <p:sp>
+        <p:nvSpPr>
+          <p:cNvPr id="197" name="Rounded Rectangle 26"/>
+          <p:cNvSpPr/>
+          <p:nvPr/>
+        </p:nvSpPr>
+        <p:spPr>
+          <a:xfrm>
+            <a:off x="4343400" y="2918520"/>
+            <a:ext cx="3519360" cy="2932560"/>
+          </a:xfrm>
+          <a:prstGeom prst="roundRect">
+            <a:avLst>
+              <a:gd name="adj" fmla="val 16667"/>
+            </a:avLst>
+          </a:prstGeom>
+          <a:solidFill>
+            <a:srgbClr val="16161c"/>
+          </a:solidFill>
+          <a:ln>
+            <a:solidFill>
+              <a:srgbClr val="464655"/>
+            </a:solidFill>
+            <a:round/>
+          </a:ln>
+          <a:effectLst>
+            <a:outerShdw blurRad="39960" dir="5400000" dist="23040" rotWithShape="0">
+              <a:srgbClr val="000000">
+                <a:alpha val="35000"/>
+              </a:srgbClr>
+            </a:outerShdw>
+          </a:effectLst>
+        </p:spPr>
+        <p:style>
+          <a:lnRef idx="1">
+            <a:schemeClr val="accent1"/>
+          </a:lnRef>
+          <a:fillRef idx="3">
+            <a:schemeClr val="accent1"/>
+          </a:fillRef>
+          <a:effectRef idx="2">
+            <a:schemeClr val="accent1"/>
+          </a:effectRef>
+          <a:fontRef idx="minor"/>
+        </p:style>
+        <p:txBody>
+          <a:bodyPr lIns="90000" rIns="90000" tIns="45000" bIns="45000" anchor="ctr">
+            <a:noAutofit/>
+          </a:bodyPr>
+          <a:p>
+            <a:pPr>
+              <a:lnSpc>
+                <a:spcPct val="100000"/>
+              </a:lnSpc>
+            </a:pPr>
+            <a:endParaRPr b="0" lang="en-US" sz="1200" spc="-1" strike="noStrike">
+              <a:solidFill>
+                <a:srgbClr val="ffffff"/>
+              </a:solidFill>
+              <a:latin typeface="Arial"/>
+            </a:endParaRPr>
+          </a:p>
+          <a:p>
+            <a:pPr>
+              <a:lnSpc>
+                <a:spcPct val="100000"/>
+              </a:lnSpc>
+            </a:pPr>
+            <a:r>
+              <a:rPr b="0" lang="en-US" sz="1200" spc="-1" strike="noStrike">
+                <a:solidFill>
+                  <a:schemeClr val="lt1"/>
+                </a:solidFill>
+                <a:latin typeface="Calibri"/>
+                <a:ea typeface="DejaVu Sans"/>
+              </a:rPr>
+              <a:t>  </a:t>
+            </a:r>
+            <a:r>
+              <a:rPr b="0" lang="en-US" sz="1200" spc="-1" strike="noStrike">
+                <a:solidFill>
+                  <a:schemeClr val="lt1"/>
+                </a:solidFill>
+                <a:latin typeface="Calibri"/>
+                <a:ea typeface="DejaVu Sans"/>
+              </a:rPr>
+              <a:t>Java Source Code (.java)</a:t>
+            </a:r>
+            <a:endParaRPr b="0" lang="en-US" sz="1200" spc="-1" strike="noStrike">
+              <a:solidFill>
+                <a:srgbClr val="ffffff"/>
+              </a:solidFill>
+              <a:latin typeface="Arial"/>
+            </a:endParaRPr>
+          </a:p>
+          <a:p>
+            <a:pPr>
+              <a:lnSpc>
+                <a:spcPct val="100000"/>
+              </a:lnSpc>
+            </a:pPr>
+            <a:r>
+              <a:rPr b="0" lang="en-US" sz="1200" spc="-1" strike="noStrike">
+                <a:solidFill>
+                  <a:schemeClr val="lt1"/>
+                </a:solidFill>
+                <a:latin typeface="Calibri"/>
+                <a:ea typeface="DejaVu Sans"/>
+              </a:rPr>
+              <a:t>            ↓</a:t>
+            </a:r>
+            <a:endParaRPr b="0" lang="en-US" sz="1200" spc="-1" strike="noStrike">
+              <a:solidFill>
+                <a:srgbClr val="ffffff"/>
+              </a:solidFill>
+              <a:latin typeface="Arial"/>
+            </a:endParaRPr>
+          </a:p>
+          <a:p>
+            <a:pPr>
+              <a:lnSpc>
+                <a:spcPct val="100000"/>
+              </a:lnSpc>
+            </a:pPr>
+            <a:r>
+              <a:rPr b="0" lang="en-US" sz="1200" spc="-1" strike="noStrike">
+                <a:solidFill>
+                  <a:schemeClr val="lt1"/>
+                </a:solidFill>
+                <a:latin typeface="Calibri"/>
+                <a:ea typeface="DejaVu Sans"/>
+              </a:rPr>
+              <a:t>      </a:t>
+            </a:r>
+            <a:r>
+              <a:rPr b="0" lang="en-US" sz="1200" spc="-1" strike="noStrike">
+                <a:solidFill>
+                  <a:schemeClr val="lt1"/>
+                </a:solidFill>
+                <a:latin typeface="Calibri"/>
+                <a:ea typeface="DejaVu Sans"/>
+              </a:rPr>
+              <a:t>Java Compiler</a:t>
+            </a:r>
+            <a:endParaRPr b="0" lang="en-US" sz="1200" spc="-1" strike="noStrike">
+              <a:solidFill>
+                <a:srgbClr val="ffffff"/>
+              </a:solidFill>
+              <a:latin typeface="Arial"/>
+            </a:endParaRPr>
+          </a:p>
+          <a:p>
+            <a:pPr>
+              <a:lnSpc>
+                <a:spcPct val="100000"/>
+              </a:lnSpc>
+            </a:pPr>
+            <a:r>
+              <a:rPr b="0" lang="en-US" sz="1200" spc="-1" strike="noStrike">
+                <a:solidFill>
+                  <a:schemeClr val="lt1"/>
+                </a:solidFill>
+                <a:latin typeface="Calibri"/>
+                <a:ea typeface="DejaVu Sans"/>
+              </a:rPr>
+              <a:t>            ↓</a:t>
+            </a:r>
+            <a:endParaRPr b="0" lang="en-US" sz="1200" spc="-1" strike="noStrike">
+              <a:solidFill>
+                <a:srgbClr val="ffffff"/>
+              </a:solidFill>
+              <a:latin typeface="Arial"/>
+            </a:endParaRPr>
+          </a:p>
+          <a:p>
+            <a:pPr>
+              <a:lnSpc>
+                <a:spcPct val="100000"/>
+              </a:lnSpc>
+            </a:pPr>
+            <a:r>
+              <a:rPr b="0" lang="en-US" sz="1200" spc="-1" strike="noStrike">
+                <a:solidFill>
+                  <a:schemeClr val="lt1"/>
+                </a:solidFill>
+                <a:latin typeface="Calibri"/>
+                <a:ea typeface="DejaVu Sans"/>
+              </a:rPr>
+              <a:t>     </a:t>
+            </a:r>
+            <a:r>
+              <a:rPr b="0" lang="en-US" sz="1200" spc="-1" strike="noStrike">
+                <a:solidFill>
+                  <a:schemeClr val="lt1"/>
+                </a:solidFill>
+                <a:latin typeface="Calibri"/>
+                <a:ea typeface="DejaVu Sans"/>
+              </a:rPr>
+              <a:t>Bytecode (.class)</a:t>
+            </a:r>
+            <a:endParaRPr b="0" lang="en-US" sz="1200" spc="-1" strike="noStrike">
+              <a:solidFill>
+                <a:srgbClr val="ffffff"/>
+              </a:solidFill>
+              <a:latin typeface="Arial"/>
+            </a:endParaRPr>
+          </a:p>
+          <a:p>
+            <a:pPr>
+              <a:lnSpc>
+                <a:spcPct val="100000"/>
+              </a:lnSpc>
+            </a:pPr>
+            <a:r>
+              <a:rPr b="0" lang="en-US" sz="1200" spc="-1" strike="noStrike">
+                <a:solidFill>
+                  <a:schemeClr val="lt1"/>
+                </a:solidFill>
+                <a:latin typeface="Calibri"/>
+                <a:ea typeface="DejaVu Sans"/>
+              </a:rPr>
+              <a:t>            ↓</a:t>
+            </a:r>
+            <a:endParaRPr b="0" lang="en-US" sz="1200" spc="-1" strike="noStrike">
+              <a:solidFill>
+                <a:srgbClr val="ffffff"/>
+              </a:solidFill>
+              <a:latin typeface="Arial"/>
+            </a:endParaRPr>
+          </a:p>
+          <a:p>
+            <a:pPr>
+              <a:lnSpc>
+                <a:spcPct val="100000"/>
+              </a:lnSpc>
+            </a:pPr>
+            <a:r>
+              <a:rPr b="0" lang="en-US" sz="1200" spc="-1" strike="noStrike">
+                <a:solidFill>
+                  <a:schemeClr val="lt1"/>
+                </a:solidFill>
+                <a:latin typeface="Calibri"/>
+                <a:ea typeface="DejaVu Sans"/>
+              </a:rPr>
+              <a:t>   </a:t>
+            </a:r>
+            <a:r>
+              <a:rPr b="0" lang="en-US" sz="1200" spc="-1" strike="noStrike">
+                <a:solidFill>
+                  <a:schemeClr val="lt1"/>
+                </a:solidFill>
+                <a:latin typeface="Calibri"/>
+                <a:ea typeface="DejaVu Sans"/>
+              </a:rPr>
+              <a:t>Class Loader loads classes</a:t>
+            </a:r>
+            <a:endParaRPr b="0" lang="en-US" sz="1200" spc="-1" strike="noStrike">
+              <a:solidFill>
+                <a:srgbClr val="ffffff"/>
+              </a:solidFill>
+              <a:latin typeface="Arial"/>
+            </a:endParaRPr>
+          </a:p>
+          <a:p>
+            <a:pPr>
+              <a:lnSpc>
+                <a:spcPct val="100000"/>
+              </a:lnSpc>
+            </a:pPr>
+            <a:r>
+              <a:rPr b="0" lang="en-US" sz="1200" spc="-1" strike="noStrike">
+                <a:solidFill>
+                  <a:schemeClr val="lt1"/>
+                </a:solidFill>
+                <a:latin typeface="Calibri"/>
+                <a:ea typeface="DejaVu Sans"/>
+              </a:rPr>
+              <a:t>            ↓</a:t>
+            </a:r>
+            <a:endParaRPr b="0" lang="en-US" sz="1200" spc="-1" strike="noStrike">
+              <a:solidFill>
+                <a:srgbClr val="ffffff"/>
+              </a:solidFill>
+              <a:latin typeface="Arial"/>
+            </a:endParaRPr>
+          </a:p>
+          <a:p>
+            <a:pPr>
+              <a:lnSpc>
+                <a:spcPct val="100000"/>
+              </a:lnSpc>
+            </a:pPr>
+            <a:r>
+              <a:rPr b="0" lang="en-US" sz="1200" spc="-1" strike="noStrike">
+                <a:solidFill>
+                  <a:schemeClr val="lt1"/>
+                </a:solidFill>
+                <a:latin typeface="Calibri"/>
+                <a:ea typeface="DejaVu Sans"/>
+              </a:rPr>
+              <a:t>   </a:t>
+            </a:r>
+            <a:r>
+              <a:rPr b="0" lang="en-US" sz="1200" spc="-1" strike="noStrike">
+                <a:solidFill>
+                  <a:schemeClr val="lt1"/>
+                </a:solidFill>
+                <a:latin typeface="Calibri"/>
+                <a:ea typeface="DejaVu Sans"/>
+              </a:rPr>
+              <a:t>Memory Allocation (Heap / Stack)</a:t>
+            </a:r>
+            <a:endParaRPr b="0" lang="en-US" sz="1200" spc="-1" strike="noStrike">
+              <a:solidFill>
+                <a:srgbClr val="ffffff"/>
+              </a:solidFill>
+              <a:latin typeface="Arial"/>
+            </a:endParaRPr>
+          </a:p>
+          <a:p>
+            <a:pPr>
+              <a:lnSpc>
+                <a:spcPct val="100000"/>
+              </a:lnSpc>
+            </a:pPr>
+            <a:r>
+              <a:rPr b="0" lang="en-US" sz="1200" spc="-1" strike="noStrike">
+                <a:solidFill>
+                  <a:schemeClr val="lt1"/>
+                </a:solidFill>
+                <a:latin typeface="Calibri"/>
+                <a:ea typeface="DejaVu Sans"/>
+              </a:rPr>
+              <a:t>            ↓</a:t>
+            </a:r>
+            <a:endParaRPr b="0" lang="en-US" sz="1200" spc="-1" strike="noStrike">
+              <a:solidFill>
+                <a:srgbClr val="ffffff"/>
+              </a:solidFill>
+              <a:latin typeface="Arial"/>
+            </a:endParaRPr>
+          </a:p>
+          <a:p>
+            <a:pPr>
+              <a:lnSpc>
+                <a:spcPct val="100000"/>
+              </a:lnSpc>
+            </a:pPr>
+            <a:r>
+              <a:rPr b="0" lang="en-US" sz="1200" spc="-1" strike="noStrike">
+                <a:solidFill>
+                  <a:schemeClr val="lt1"/>
+                </a:solidFill>
+                <a:latin typeface="Calibri"/>
+                <a:ea typeface="DejaVu Sans"/>
+              </a:rPr>
+              <a:t> </a:t>
+            </a:r>
+            <a:r>
+              <a:rPr b="0" lang="en-US" sz="1200" spc="-1" strike="noStrike">
+                <a:solidFill>
+                  <a:schemeClr val="lt1"/>
+                </a:solidFill>
+                <a:latin typeface="Calibri"/>
+                <a:ea typeface="DejaVu Sans"/>
+              </a:rPr>
+              <a:t>Execution Engine (Interpreter + JIT)</a:t>
+            </a:r>
+            <a:endParaRPr b="0" lang="en-US" sz="1200" spc="-1" strike="noStrike">
+              <a:solidFill>
+                <a:srgbClr val="ffffff"/>
+              </a:solidFill>
+              <a:latin typeface="Arial"/>
+            </a:endParaRPr>
+          </a:p>
+          <a:p>
+            <a:pPr>
+              <a:lnSpc>
+                <a:spcPct val="100000"/>
+              </a:lnSpc>
+            </a:pPr>
+            <a:r>
+              <a:rPr b="0" lang="en-US" sz="1200" spc="-1" strike="noStrike">
+                <a:solidFill>
+                  <a:schemeClr val="lt1"/>
+                </a:solidFill>
+                <a:latin typeface="Calibri"/>
+                <a:ea typeface="DejaVu Sans"/>
+              </a:rPr>
+              <a:t>            ↓</a:t>
+            </a:r>
+            <a:endParaRPr b="0" lang="en-US" sz="1200" spc="-1" strike="noStrike">
+              <a:solidFill>
+                <a:srgbClr val="ffffff"/>
+              </a:solidFill>
+              <a:latin typeface="Arial"/>
+            </a:endParaRPr>
+          </a:p>
+          <a:p>
+            <a:pPr>
+              <a:lnSpc>
+                <a:spcPct val="100000"/>
+              </a:lnSpc>
+            </a:pPr>
+            <a:r>
+              <a:rPr b="0" lang="en-US" sz="1200" spc="-1" strike="noStrike">
+                <a:solidFill>
+                  <a:schemeClr val="lt1"/>
+                </a:solidFill>
+                <a:latin typeface="Calibri"/>
+                <a:ea typeface="DejaVu Sans"/>
+              </a:rPr>
+              <a:t>  </a:t>
+            </a:r>
+            <a:r>
+              <a:rPr b="0" lang="en-US" sz="1200" spc="-1" strike="noStrike">
+                <a:solidFill>
+                  <a:schemeClr val="lt1"/>
+                </a:solidFill>
+                <a:latin typeface="Calibri"/>
+                <a:ea typeface="DejaVu Sans"/>
+              </a:rPr>
+              <a:t>Native Machine Code Execution</a:t>
+            </a:r>
+            <a:endParaRPr b="0" lang="en-US" sz="1200" spc="-1" strike="noStrike">
+              <a:solidFill>
+                <a:srgbClr val="ffffff"/>
+              </a:solidFill>
+              <a:latin typeface="Arial"/>
+            </a:endParaRPr>
+          </a:p>
+          <a:p>
+            <a:pPr>
+              <a:lnSpc>
+                <a:spcPct val="100000"/>
+              </a:lnSpc>
+            </a:pPr>
+            <a:r>
+              <a:rPr b="0" lang="en-US" sz="1200" spc="-1" strike="noStrike">
+                <a:solidFill>
+                  <a:schemeClr val="lt1"/>
+                </a:solidFill>
+                <a:latin typeface="Calibri"/>
+                <a:ea typeface="DejaVu Sans"/>
+              </a:rPr>
+              <a:t>            ↓</a:t>
+            </a:r>
+            <a:endParaRPr b="0" lang="en-US" sz="1200" spc="-1" strike="noStrike">
+              <a:solidFill>
+                <a:srgbClr val="ffffff"/>
+              </a:solidFill>
+              <a:latin typeface="Arial"/>
+            </a:endParaRPr>
+          </a:p>
+          <a:p>
+            <a:pPr>
+              <a:lnSpc>
+                <a:spcPct val="100000"/>
+              </a:lnSpc>
+            </a:pPr>
+            <a:r>
+              <a:rPr b="0" lang="en-US" sz="1200" spc="-1" strike="noStrike">
+                <a:solidFill>
+                  <a:schemeClr val="lt1"/>
+                </a:solidFill>
+                <a:latin typeface="Calibri"/>
+                <a:ea typeface="DejaVu Sans"/>
+              </a:rPr>
+              <a:t> </a:t>
+            </a:r>
+            <a:r>
+              <a:rPr b="0" lang="en-US" sz="1200" spc="-1" strike="noStrike">
+                <a:solidFill>
+                  <a:schemeClr val="lt1"/>
+                </a:solidFill>
+                <a:latin typeface="Calibri"/>
+                <a:ea typeface="DejaVu Sans"/>
+              </a:rPr>
+              <a:t>Garbage Collector frees memory</a:t>
+            </a:r>
+            <a:endParaRPr b="0" lang="en-US" sz="1200" spc="-1" strike="noStrike">
+              <a:solidFill>
+                <a:srgbClr val="ffffff"/>
+              </a:solidFill>
+              <a:latin typeface="Arial"/>
+            </a:endParaRPr>
+          </a:p>
+          <a:p>
+            <a:pPr>
+              <a:lnSpc>
+                <a:spcPct val="100000"/>
+              </a:lnSpc>
+            </a:pPr>
+            <a:endParaRPr b="0" lang="en-US" sz="1200" spc="-1" strike="noStrike">
+              <a:solidFill>
+                <a:srgbClr val="ffffff"/>
+              </a:solidFill>
+              <a:latin typeface="Arial"/>
+            </a:endParaRPr>
+          </a:p>
+        </p:txBody>
+      </p:sp>
+      <p:sp>
+        <p:nvSpPr>
+          <p:cNvPr id="198" name="Rounded Rectangle 27"/>
+          <p:cNvSpPr/>
+          <p:nvPr/>
+        </p:nvSpPr>
+        <p:spPr>
+          <a:xfrm>
+            <a:off x="8028360" y="3182040"/>
+            <a:ext cx="3290760" cy="2742120"/>
+          </a:xfrm>
+          <a:prstGeom prst="roundRect">
+            <a:avLst>
+              <a:gd name="adj" fmla="val 16667"/>
+            </a:avLst>
+          </a:prstGeom>
+          <a:solidFill>
+            <a:srgbClr val="08080a"/>
+          </a:solidFill>
+          <a:ln>
+            <a:noFill/>
+          </a:ln>
+          <a:effectLst>
+            <a:outerShdw blurRad="39960" dir="5400000" dist="23040" rotWithShape="0">
+              <a:srgbClr val="000000">
+                <a:alpha val="35000"/>
+              </a:srgbClr>
+            </a:outerShdw>
+          </a:effectLst>
+        </p:spPr>
+        <p:style>
+          <a:lnRef idx="1">
+            <a:schemeClr val="accent1"/>
+          </a:lnRef>
+          <a:fillRef idx="3">
+            <a:schemeClr val="accent1"/>
+          </a:fillRef>
+          <a:effectRef idx="2">
+            <a:schemeClr val="accent1"/>
+          </a:effectRef>
+          <a:fontRef idx="minor"/>
+        </p:style>
+        <p:txBody>
+          <a:bodyPr lIns="90000" rIns="90000" tIns="45000" bIns="45000" anchor="ctr">
+            <a:noAutofit/>
+          </a:bodyPr>
+          <a:p>
+            <a:endParaRPr b="0" lang="en-US" sz="1800" spc="-1" strike="noStrike">
+              <a:solidFill>
+                <a:schemeClr val="lt1"/>
+              </a:solidFill>
+              <a:latin typeface="Calibri"/>
+              <a:ea typeface="DejaVu Sans"/>
+            </a:endParaRPr>
+          </a:p>
+        </p:txBody>
+      </p:sp>
+      <p:sp>
+        <p:nvSpPr>
+          <p:cNvPr id="199" name="Rounded Rectangle 28"/>
+          <p:cNvSpPr/>
+          <p:nvPr/>
+        </p:nvSpPr>
+        <p:spPr>
+          <a:xfrm>
+            <a:off x="8023680" y="2743200"/>
+            <a:ext cx="3840840" cy="3200400"/>
+          </a:xfrm>
+          <a:prstGeom prst="roundRect">
+            <a:avLst>
+              <a:gd name="adj" fmla="val 16667"/>
+            </a:avLst>
+          </a:prstGeom>
+          <a:solidFill>
+            <a:srgbClr val="16161c"/>
+          </a:solidFill>
+          <a:ln>
+            <a:solidFill>
+              <a:srgbClr val="464655"/>
+            </a:solidFill>
+            <a:round/>
+          </a:ln>
+          <a:effectLst>
+            <a:outerShdw blurRad="39960" dir="5400000" dist="23040" rotWithShape="0">
+              <a:srgbClr val="000000">
+                <a:alpha val="35000"/>
+              </a:srgbClr>
+            </a:outerShdw>
+          </a:effectLst>
+        </p:spPr>
+        <p:style>
+          <a:lnRef idx="1">
+            <a:schemeClr val="accent1"/>
+          </a:lnRef>
+          <a:fillRef idx="3">
+            <a:schemeClr val="accent1"/>
+          </a:fillRef>
+          <a:effectRef idx="2">
+            <a:schemeClr val="accent1"/>
+          </a:effectRef>
+          <a:fontRef idx="minor"/>
+        </p:style>
+        <p:txBody>
+          <a:bodyPr lIns="90000" rIns="90000" tIns="45000" bIns="45000" anchor="ctr">
+            <a:noAutofit/>
+          </a:bodyPr>
+          <a:p>
+            <a:pPr algn="ctr">
+              <a:lnSpc>
+                <a:spcPct val="100000"/>
+              </a:lnSpc>
+            </a:pPr>
+            <a:endParaRPr b="0" lang="en-US" sz="1050" spc="-1" strike="noStrike">
+              <a:solidFill>
+                <a:srgbClr val="ffffff"/>
+              </a:solidFill>
+              <a:latin typeface="Arial"/>
+            </a:endParaRPr>
+          </a:p>
+          <a:p>
+            <a:pPr algn="ctr">
+              <a:lnSpc>
+                <a:spcPct val="100000"/>
+              </a:lnSpc>
+            </a:pPr>
+            <a:r>
+              <a:rPr b="0" lang="en-US" sz="1050" spc="-1" strike="noStrike">
+                <a:solidFill>
+                  <a:srgbClr val="78ffc8"/>
+                </a:solidFill>
+                <a:latin typeface="Consolas"/>
+                <a:ea typeface="DejaVu Sans"/>
+              </a:rPr>
+              <a:t>public class ExecutionDemo {</a:t>
+            </a:r>
+            <a:endParaRPr b="0" lang="en-US" sz="1050" spc="-1" strike="noStrike">
+              <a:solidFill>
+                <a:srgbClr val="ffffff"/>
+              </a:solidFill>
+              <a:latin typeface="Arial"/>
+            </a:endParaRPr>
+          </a:p>
+          <a:p>
+            <a:pPr algn="ctr">
+              <a:lnSpc>
+                <a:spcPct val="100000"/>
+              </a:lnSpc>
+            </a:pPr>
+            <a:endParaRPr b="0" lang="en-US" sz="1050" spc="-1" strike="noStrike">
+              <a:solidFill>
+                <a:srgbClr val="ffffff"/>
+              </a:solidFill>
+              <a:latin typeface="Arial"/>
+            </a:endParaRPr>
+          </a:p>
+          <a:p>
+            <a:pPr algn="ctr">
+              <a:lnSpc>
+                <a:spcPct val="100000"/>
+              </a:lnSpc>
+            </a:pPr>
+            <a:r>
+              <a:rPr b="0" lang="en-US" sz="1050" spc="-1" strike="noStrike">
+                <a:solidFill>
+                  <a:srgbClr val="78ffc8"/>
+                </a:solidFill>
+                <a:latin typeface="Consolas"/>
+                <a:ea typeface="DejaVu Sans"/>
+              </a:rPr>
+              <a:t>    </a:t>
+            </a:r>
+            <a:r>
+              <a:rPr b="0" lang="en-US" sz="1050" spc="-1" strike="noStrike">
+                <a:solidFill>
+                  <a:srgbClr val="78ffc8"/>
+                </a:solidFill>
+                <a:latin typeface="Consolas"/>
+                <a:ea typeface="DejaVu Sans"/>
+              </a:rPr>
+              <a:t>public static void main(String[] args) {</a:t>
+            </a:r>
+            <a:endParaRPr b="0" lang="en-US" sz="1050" spc="-1" strike="noStrike">
+              <a:solidFill>
+                <a:srgbClr val="ffffff"/>
+              </a:solidFill>
+              <a:latin typeface="Arial"/>
+            </a:endParaRPr>
+          </a:p>
+          <a:p>
+            <a:pPr algn="ctr">
+              <a:lnSpc>
+                <a:spcPct val="100000"/>
+              </a:lnSpc>
+            </a:pPr>
+            <a:endParaRPr b="0" lang="en-US" sz="1050" spc="-1" strike="noStrike">
+              <a:solidFill>
+                <a:srgbClr val="ffffff"/>
+              </a:solidFill>
+              <a:latin typeface="Arial"/>
+            </a:endParaRPr>
+          </a:p>
+          <a:p>
+            <a:pPr algn="ctr">
+              <a:lnSpc>
+                <a:spcPct val="100000"/>
+              </a:lnSpc>
+            </a:pPr>
+            <a:r>
+              <a:rPr b="0" lang="en-US" sz="1050" spc="-1" strike="noStrike">
+                <a:solidFill>
+                  <a:srgbClr val="78ffc8"/>
+                </a:solidFill>
+                <a:latin typeface="Consolas"/>
+                <a:ea typeface="DejaVu Sans"/>
+              </a:rPr>
+              <a:t>        </a:t>
+            </a:r>
+            <a:r>
+              <a:rPr b="0" lang="en-US" sz="1050" spc="-1" strike="noStrike">
+                <a:solidFill>
+                  <a:srgbClr val="78ffc8"/>
+                </a:solidFill>
+                <a:latin typeface="Consolas"/>
+                <a:ea typeface="DejaVu Sans"/>
+              </a:rPr>
+              <a:t>String message = "JVM Execution Started";</a:t>
+            </a:r>
+            <a:endParaRPr b="0" lang="en-US" sz="1050" spc="-1" strike="noStrike">
+              <a:solidFill>
+                <a:srgbClr val="ffffff"/>
+              </a:solidFill>
+              <a:latin typeface="Arial"/>
+            </a:endParaRPr>
+          </a:p>
+          <a:p>
+            <a:pPr algn="ctr">
+              <a:lnSpc>
+                <a:spcPct val="100000"/>
+              </a:lnSpc>
+            </a:pPr>
+            <a:r>
+              <a:rPr b="0" lang="en-US" sz="1050" spc="-1" strike="noStrike">
+                <a:solidFill>
+                  <a:srgbClr val="78ffc8"/>
+                </a:solidFill>
+                <a:latin typeface="Consolas"/>
+                <a:ea typeface="DejaVu Sans"/>
+              </a:rPr>
+              <a:t>        </a:t>
+            </a:r>
+            <a:r>
+              <a:rPr b="0" lang="en-US" sz="1050" spc="-1" strike="noStrike">
+                <a:solidFill>
+                  <a:srgbClr val="78ffc8"/>
+                </a:solidFill>
+                <a:latin typeface="Consolas"/>
+                <a:ea typeface="DejaVu Sans"/>
+              </a:rPr>
+              <a:t>System.out.println(message);</a:t>
+            </a:r>
+            <a:endParaRPr b="0" lang="en-US" sz="1050" spc="-1" strike="noStrike">
+              <a:solidFill>
+                <a:srgbClr val="ffffff"/>
+              </a:solidFill>
+              <a:latin typeface="Arial"/>
+            </a:endParaRPr>
+          </a:p>
+          <a:p>
+            <a:pPr algn="ctr">
+              <a:lnSpc>
+                <a:spcPct val="100000"/>
+              </a:lnSpc>
+            </a:pPr>
+            <a:endParaRPr b="0" lang="en-US" sz="1050" spc="-1" strike="noStrike">
+              <a:solidFill>
+                <a:srgbClr val="ffffff"/>
+              </a:solidFill>
+              <a:latin typeface="Arial"/>
+            </a:endParaRPr>
+          </a:p>
+          <a:p>
+            <a:pPr algn="ctr">
+              <a:lnSpc>
+                <a:spcPct val="100000"/>
+              </a:lnSpc>
+            </a:pPr>
+            <a:r>
+              <a:rPr b="0" lang="en-US" sz="1050" spc="-1" strike="noStrike">
+                <a:solidFill>
+                  <a:srgbClr val="78ffc8"/>
+                </a:solidFill>
+                <a:latin typeface="Consolas"/>
+                <a:ea typeface="DejaVu Sans"/>
+              </a:rPr>
+              <a:t>        </a:t>
+            </a:r>
+            <a:r>
+              <a:rPr b="0" lang="en-US" sz="1050" spc="-1" strike="noStrike">
+                <a:solidFill>
+                  <a:srgbClr val="78ffc8"/>
+                </a:solidFill>
+                <a:latin typeface="Consolas"/>
+                <a:ea typeface="DejaVu Sans"/>
+              </a:rPr>
+              <a:t>int result = addNumbers(5, 7);</a:t>
+            </a:r>
+            <a:endParaRPr b="0" lang="en-US" sz="1050" spc="-1" strike="noStrike">
+              <a:solidFill>
+                <a:srgbClr val="ffffff"/>
+              </a:solidFill>
+              <a:latin typeface="Arial"/>
+            </a:endParaRPr>
+          </a:p>
+          <a:p>
+            <a:pPr algn="ctr">
+              <a:lnSpc>
+                <a:spcPct val="100000"/>
+              </a:lnSpc>
+            </a:pPr>
+            <a:r>
+              <a:rPr b="0" lang="en-US" sz="1050" spc="-1" strike="noStrike">
+                <a:solidFill>
+                  <a:srgbClr val="78ffc8"/>
+                </a:solidFill>
+                <a:latin typeface="Consolas"/>
+                <a:ea typeface="DejaVu Sans"/>
+              </a:rPr>
+              <a:t>        </a:t>
+            </a:r>
+            <a:r>
+              <a:rPr b="0" lang="en-US" sz="1050" spc="-1" strike="noStrike">
+                <a:solidFill>
+                  <a:srgbClr val="78ffc8"/>
+                </a:solidFill>
+                <a:latin typeface="Consolas"/>
+                <a:ea typeface="DejaVu Sans"/>
+              </a:rPr>
+              <a:t>System.out.println("Result: " + result);</a:t>
+            </a:r>
+            <a:endParaRPr b="0" lang="en-US" sz="1050" spc="-1" strike="noStrike">
+              <a:solidFill>
+                <a:srgbClr val="ffffff"/>
+              </a:solidFill>
+              <a:latin typeface="Arial"/>
+            </a:endParaRPr>
+          </a:p>
+          <a:p>
+            <a:pPr algn="ctr">
+              <a:lnSpc>
+                <a:spcPct val="100000"/>
+              </a:lnSpc>
+            </a:pPr>
+            <a:r>
+              <a:rPr b="0" lang="en-US" sz="1050" spc="-1" strike="noStrike">
+                <a:solidFill>
+                  <a:srgbClr val="78ffc8"/>
+                </a:solidFill>
+                <a:latin typeface="Consolas"/>
+                <a:ea typeface="DejaVu Sans"/>
+              </a:rPr>
+              <a:t>    </a:t>
+            </a:r>
+            <a:r>
+              <a:rPr b="0" lang="en-US" sz="1050" spc="-1" strike="noStrike">
+                <a:solidFill>
+                  <a:srgbClr val="78ffc8"/>
+                </a:solidFill>
+                <a:latin typeface="Consolas"/>
+                <a:ea typeface="DejaVu Sans"/>
+              </a:rPr>
+              <a:t>}</a:t>
+            </a:r>
+            <a:endParaRPr b="0" lang="en-US" sz="1050" spc="-1" strike="noStrike">
+              <a:solidFill>
+                <a:srgbClr val="ffffff"/>
+              </a:solidFill>
+              <a:latin typeface="Arial"/>
+            </a:endParaRPr>
+          </a:p>
+          <a:p>
+            <a:pPr algn="ctr">
+              <a:lnSpc>
+                <a:spcPct val="100000"/>
+              </a:lnSpc>
+            </a:pPr>
+            <a:endParaRPr b="0" lang="en-US" sz="1050" spc="-1" strike="noStrike">
+              <a:solidFill>
+                <a:srgbClr val="ffffff"/>
+              </a:solidFill>
+              <a:latin typeface="Arial"/>
+            </a:endParaRPr>
+          </a:p>
+          <a:p>
+            <a:pPr algn="ctr">
+              <a:lnSpc>
+                <a:spcPct val="100000"/>
+              </a:lnSpc>
+            </a:pPr>
+            <a:r>
+              <a:rPr b="0" lang="en-US" sz="1050" spc="-1" strike="noStrike">
+                <a:solidFill>
+                  <a:srgbClr val="78ffc8"/>
+                </a:solidFill>
+                <a:latin typeface="Consolas"/>
+                <a:ea typeface="DejaVu Sans"/>
+              </a:rPr>
+              <a:t>    </a:t>
+            </a:r>
+            <a:r>
+              <a:rPr b="0" lang="en-US" sz="1050" spc="-1" strike="noStrike">
+                <a:solidFill>
+                  <a:srgbClr val="78ffc8"/>
+                </a:solidFill>
+                <a:latin typeface="Consolas"/>
+                <a:ea typeface="DejaVu Sans"/>
+              </a:rPr>
+              <a:t>public static int addNumbers(int a, int b) {</a:t>
+            </a:r>
+            <a:endParaRPr b="0" lang="en-US" sz="1050" spc="-1" strike="noStrike">
+              <a:solidFill>
+                <a:srgbClr val="ffffff"/>
+              </a:solidFill>
+              <a:latin typeface="Arial"/>
+            </a:endParaRPr>
+          </a:p>
+          <a:p>
+            <a:pPr algn="ctr">
+              <a:lnSpc>
+                <a:spcPct val="100000"/>
+              </a:lnSpc>
+            </a:pPr>
+            <a:r>
+              <a:rPr b="0" lang="en-US" sz="1050" spc="-1" strike="noStrike">
+                <a:solidFill>
+                  <a:srgbClr val="78ffc8"/>
+                </a:solidFill>
+                <a:latin typeface="Consolas"/>
+                <a:ea typeface="DejaVu Sans"/>
+              </a:rPr>
+              <a:t>        </a:t>
+            </a:r>
+            <a:r>
+              <a:rPr b="0" lang="en-US" sz="1050" spc="-1" strike="noStrike">
+                <a:solidFill>
+                  <a:srgbClr val="78ffc8"/>
+                </a:solidFill>
+                <a:latin typeface="Consolas"/>
+                <a:ea typeface="DejaVu Sans"/>
+              </a:rPr>
+              <a:t>return a + b;</a:t>
+            </a:r>
+            <a:endParaRPr b="0" lang="en-US" sz="1050" spc="-1" strike="noStrike">
+              <a:solidFill>
+                <a:srgbClr val="ffffff"/>
+              </a:solidFill>
+              <a:latin typeface="Arial"/>
+            </a:endParaRPr>
+          </a:p>
+          <a:p>
+            <a:pPr algn="ctr">
+              <a:lnSpc>
+                <a:spcPct val="100000"/>
+              </a:lnSpc>
+            </a:pPr>
+            <a:r>
+              <a:rPr b="0" lang="en-US" sz="1050" spc="-1" strike="noStrike">
+                <a:solidFill>
+                  <a:srgbClr val="78ffc8"/>
+                </a:solidFill>
+                <a:latin typeface="Consolas"/>
+                <a:ea typeface="DejaVu Sans"/>
+              </a:rPr>
+              <a:t>    </a:t>
+            </a:r>
+            <a:r>
+              <a:rPr b="0" lang="en-US" sz="1050" spc="-1" strike="noStrike">
+                <a:solidFill>
+                  <a:srgbClr val="78ffc8"/>
+                </a:solidFill>
+                <a:latin typeface="Consolas"/>
+                <a:ea typeface="DejaVu Sans"/>
+              </a:rPr>
+              <a:t>}</a:t>
+            </a:r>
+            <a:endParaRPr b="0" lang="en-US" sz="1050" spc="-1" strike="noStrike">
+              <a:solidFill>
+                <a:srgbClr val="ffffff"/>
+              </a:solidFill>
+              <a:latin typeface="Arial"/>
+            </a:endParaRPr>
+          </a:p>
+          <a:p>
+            <a:pPr algn="ctr">
+              <a:lnSpc>
+                <a:spcPct val="100000"/>
+              </a:lnSpc>
+            </a:pPr>
+            <a:r>
+              <a:rPr b="0" lang="en-US" sz="1050" spc="-1" strike="noStrike">
+                <a:solidFill>
+                  <a:srgbClr val="78ffc8"/>
+                </a:solidFill>
+                <a:latin typeface="Consolas"/>
+                <a:ea typeface="DejaVu Sans"/>
+              </a:rPr>
+              <a:t>}</a:t>
+            </a:r>
+            <a:endParaRPr b="0" lang="en-US" sz="1050" spc="-1" strike="noStrike">
+              <a:solidFill>
+                <a:srgbClr val="ffffff"/>
+              </a:solidFill>
+              <a:latin typeface="Arial"/>
+            </a:endParaRPr>
+          </a:p>
+          <a:p>
+            <a:pPr algn="ctr">
+              <a:lnSpc>
+                <a:spcPct val="100000"/>
+              </a:lnSpc>
+            </a:pPr>
+            <a:endParaRPr b="0" lang="en-US" sz="1050" spc="-1" strike="noStrike">
+              <a:solidFill>
+                <a:srgbClr val="ffffff"/>
+              </a:solidFill>
+              <a:latin typeface="Arial"/>
+            </a:endParaRPr>
+          </a:p>
+        </p:txBody>
+      </p:sp>
+      <p:sp>
+        <p:nvSpPr>
+          <p:cNvPr id="200" name="TextBox 9"/>
           <p:cNvSpPr/>
           <p:nvPr/>
         </p:nvSpPr>
@@ -10678,6 +16371,232 @@
   <a:themeElements>
     <a:clrScheme name="Office">
       <a:dk1>
+        <a:srgbClr val="000000"/>
+      </a:dk1>
+      <a:lt1>
+        <a:srgbClr val="ffffff"/>
+      </a:lt1>
+      <a:dk2>
+        <a:srgbClr val="1f497d"/>
+      </a:dk2>
+      <a:lt2>
+        <a:srgbClr val="eeece1"/>
+      </a:lt2>
+      <a:accent1>
+        <a:srgbClr val="4f81bd"/>
+      </a:accent1>
+      <a:accent2>
+        <a:srgbClr val="c0504d"/>
+      </a:accent2>
+      <a:accent3>
+        <a:srgbClr val="9bbb59"/>
+      </a:accent3>
+      <a:accent4>
+        <a:srgbClr val="8064a2"/>
+      </a:accent4>
+      <a:accent5>
+        <a:srgbClr val="4bacc6"/>
+      </a:accent5>
+      <a:accent6>
+        <a:srgbClr val="f79646"/>
+      </a:accent6>
+      <a:hlink>
+        <a:srgbClr val="0000ff"/>
+      </a:hlink>
+      <a:folHlink>
+        <a:srgbClr val="800080"/>
+      </a:folHlink>
+    </a:clrScheme>
+    <a:fontScheme name="Office">
+      <a:majorFont>
+        <a:latin typeface="Arial"/>
+        <a:ea typeface="DejaVu Sans"/>
+        <a:cs typeface="DejaVu Sans"/>
+      </a:majorFont>
+      <a:minorFont>
+        <a:latin typeface="Arial"/>
+        <a:ea typeface="DejaVu Sans"/>
+        <a:cs typeface="DejaVu Sans"/>
+      </a:minorFont>
+    </a:fontScheme>
+    <a:fmtScheme name="Office">
+      <a:fillStyleLst>
+        <a:solidFill>
+          <a:schemeClr val="phClr"/>
+        </a:solidFill>
+        <a:gradFill rotWithShape="1">
+          <a:gsLst>
+            <a:gs pos="0">
+              <a:schemeClr val="phClr">
+                <a:tint val="50000"/>
+                <a:satMod val="300000"/>
+              </a:schemeClr>
+            </a:gs>
+            <a:gs pos="35000">
+              <a:schemeClr val="phClr">
+                <a:tint val="37000"/>
+                <a:satMod val="300000"/>
+              </a:schemeClr>
+            </a:gs>
+            <a:gs pos="100000">
+              <a:schemeClr val="phClr">
+                <a:tint val="15000"/>
+                <a:satMod val="350000"/>
+              </a:schemeClr>
+            </a:gs>
+          </a:gsLst>
+          <a:lin ang="16200000" scaled="1"/>
+        </a:gradFill>
+        <a:gradFill rotWithShape="1">
+          <a:gsLst>
+            <a:gs pos="0">
+              <a:schemeClr val="phClr">
+                <a:shade val="51000"/>
+                <a:satMod val="130000"/>
+              </a:schemeClr>
+            </a:gs>
+            <a:gs pos="80000">
+              <a:schemeClr val="phClr">
+                <a:shade val="93000"/>
+                <a:satMod val="130000"/>
+              </a:schemeClr>
+            </a:gs>
+            <a:gs pos="100000">
+              <a:schemeClr val="phClr">
+                <a:shade val="94000"/>
+                <a:satMod val="135000"/>
+              </a:schemeClr>
+            </a:gs>
+          </a:gsLst>
+          <a:lin ang="16200000" scaled="0"/>
+        </a:gradFill>
+      </a:fillStyleLst>
+      <a:lnStyleLst>
+        <a:ln w="9525" cap="flat" cmpd="sng" algn="ctr">
+          <a:solidFill>
+            <a:schemeClr val="phClr">
+              <a:shade val="95000"/>
+              <a:satMod val="105000"/>
+            </a:schemeClr>
+          </a:solidFill>
+          <a:prstDash val="solid"/>
+          <a:miter/>
+        </a:ln>
+        <a:ln w="25400" cap="flat" cmpd="sng" algn="ctr">
+          <a:solidFill>
+            <a:schemeClr val="phClr"/>
+          </a:solidFill>
+          <a:prstDash val="solid"/>
+          <a:miter/>
+        </a:ln>
+        <a:ln w="38100" cap="flat" cmpd="sng" algn="ctr">
+          <a:solidFill>
+            <a:schemeClr val="phClr"/>
+          </a:solidFill>
+          <a:prstDash val="solid"/>
+          <a:miter/>
+        </a:ln>
+      </a:lnStyleLst>
+      <a:effectStyleLst>
+        <a:effectStyle>
+          <a:effectLst>
+            <a:outerShdw blurRad="40000" dist="20000" dir="5400000" rotWithShape="0">
+              <a:srgbClr val="000000">
+                <a:alpha val="38000"/>
+              </a:srgbClr>
+            </a:outerShdw>
+          </a:effectLst>
+        </a:effectStyle>
+        <a:effectStyle>
+          <a:effectLst>
+            <a:outerShdw blurRad="40000" dist="23000" dir="5400000" rotWithShape="0">
+              <a:srgbClr val="000000">
+                <a:alpha val="35000"/>
+              </a:srgbClr>
+            </a:outerShdw>
+          </a:effectLst>
+        </a:effectStyle>
+        <a:effectStyle>
+          <a:effectLst>
+            <a:outerShdw blurRad="40000" dist="23000" dir="5400000" rotWithShape="0">
+              <a:srgbClr val="000000">
+                <a:alpha val="35000"/>
+              </a:srgbClr>
+            </a:outerShdw>
+          </a:effectLst>
+          <a:scene3d>
+            <a:camera prst="orthographicFront">
+              <a:rot lat="0" lon="0" rev="0"/>
+            </a:camera>
+            <a:lightRig rig="threePt" dir="t">
+              <a:rot lat="0" lon="0" rev="1200000"/>
+            </a:lightRig>
+          </a:scene3d>
+          <a:sp3d>
+            <a:bevelT w="63500" h="25400"/>
+          </a:sp3d>
+        </a:effectStyle>
+      </a:effectStyleLst>
+      <a:bgFillStyleLst>
+        <a:solidFill>
+          <a:schemeClr val="phClr"/>
+        </a:solidFill>
+        <a:gradFill rotWithShape="1">
+          <a:gsLst>
+            <a:gs pos="0">
+              <a:schemeClr val="phClr">
+                <a:tint val="40000"/>
+                <a:satMod val="350000"/>
+              </a:schemeClr>
+            </a:gs>
+            <a:gs pos="40000">
+              <a:schemeClr val="phClr">
+                <a:tint val="45000"/>
+                <a:shade val="99000"/>
+                <a:satMod val="350000"/>
+              </a:schemeClr>
+            </a:gs>
+            <a:gs pos="100000">
+              <a:schemeClr val="phClr">
+                <a:shade val="20000"/>
+                <a:satMod val="255000"/>
+              </a:schemeClr>
+            </a:gs>
+          </a:gsLst>
+          <a:path path="circle">
+            <a:fillToRect l="50000" t="-80000" r="50000" b="180000"/>
+          </a:path>
+        </a:gradFill>
+        <a:gradFill rotWithShape="1">
+          <a:gsLst>
+            <a:gs pos="0">
+              <a:schemeClr val="phClr">
+                <a:tint val="80000"/>
+                <a:satMod val="300000"/>
+              </a:schemeClr>
+            </a:gs>
+            <a:gs pos="100000">
+              <a:schemeClr val="phClr">
+                <a:shade val="30000"/>
+                <a:satMod val="200000"/>
+              </a:schemeClr>
+            </a:gs>
+          </a:gsLst>
+          <a:path path="circle">
+            <a:fillToRect l="50000" t="50000" r="50000" b="50000"/>
+          </a:path>
+        </a:gradFill>
+      </a:bgFillStyleLst>
+    </a:fmtScheme>
+  </a:themeElements>
+</a:theme>
+</file>
+
+<file path=ppt/theme/theme3.xml><?xml version="1.0" encoding="utf-8"?>
+<a:theme xmlns:a="http://schemas.openxmlformats.org/drawingml/2006/main" name="Office Theme">
+  <a:themeElements>
+    <a:clrScheme name="Office">
+      <a:dk1>
         <a:sysClr val="windowText" lastClr="000000"/>
       </a:dk1>
       <a:lt1>

--- a/Java/Java #2/EN/Java #2.pptx
+++ b/Java/Java #2/EN/Java #2.pptx
@@ -5,11 +5,13 @@
     <p:sldMasterId id="2147483648" r:id="rId2"/>
     <p:sldMasterId id="2147483661" r:id="rId3"/>
     <p:sldMasterId id="2147483674" r:id="rId4"/>
+    <p:sldMasterId id="2147483687" r:id="rId5"/>
   </p:sldMasterIdLst>
   <p:sldIdLst>
-    <p:sldId id="256" r:id="rId5"/>
-    <p:sldId id="257" r:id="rId6"/>
-    <p:sldId id="258" r:id="rId7"/>
+    <p:sldId id="256" r:id="rId6"/>
+    <p:sldId id="257" r:id="rId7"/>
+    <p:sldId id="258" r:id="rId8"/>
+    <p:sldId id="259" r:id="rId9"/>
   </p:sldIdLst>
   <p:sldSz cx="9144000" cy="6858000"/>
   <p:notesSz cx="7772400" cy="10058400"/>
@@ -67,7 +69,7 @@
         <p:txBody>
           <a:bodyPr/>
           <a:p>
-            <a:fld id="{7EDAE2A0-2C73-4D4E-85D7-D9DC6ABE09CE}" type="slidenum">
+            <a:fld id="{13CC0489-BDAF-41B9-BCF3-1D274D9BC90F}" type="slidenum">
               <a:t>&lt;#&gt;</a:t>
             </a:fld>
           </a:p>
@@ -276,7 +278,7 @@
         <p:txBody>
           <a:bodyPr/>
           <a:p>
-            <a:fld id="{1F24B582-EE2E-4C90-A3EC-896EC7B8CF39}" type="slidenum">
+            <a:fld id="{4F27EFB6-C148-40E9-B21A-4F96E1FE6191}" type="slidenum">
               <a:t>&lt;#&gt;</a:t>
             </a:fld>
           </a:p>
@@ -571,7 +573,7 @@
         <p:txBody>
           <a:bodyPr/>
           <a:p>
-            <a:fld id="{88DC34DA-E640-4124-8BEE-2AEE3A8C11CC}" type="slidenum">
+            <a:fld id="{07C3CE29-4863-4975-B47B-D63B4F1A3750}" type="slidenum">
               <a:t>&lt;#&gt;</a:t>
             </a:fld>
           </a:p>
@@ -952,7 +954,7 @@
         <p:txBody>
           <a:bodyPr/>
           <a:p>
-            <a:fld id="{52FC641E-FE97-4849-B3A6-E401A8C9C0AE}" type="slidenum">
+            <a:fld id="{2BFA0FFC-64C1-48C2-AC6F-6F1E276E7828}" type="slidenum">
               <a:t>&lt;#&gt;</a:t>
             </a:fld>
           </a:p>
@@ -1035,7 +1037,7 @@
         <p:txBody>
           <a:bodyPr/>
           <a:p>
-            <a:fld id="{1D0EA44A-19C2-4992-B023-799DABC516B1}" type="slidenum">
+            <a:fld id="{079956B0-63BF-4F77-8F62-E00D66217462}" type="slidenum">
               <a:t>&lt;#&gt;</a:t>
             </a:fld>
           </a:p>
@@ -1198,7 +1200,7 @@
         <p:txBody>
           <a:bodyPr/>
           <a:p>
-            <a:fld id="{3031EDAD-7AC5-4937-B17B-432D27B534A9}" type="slidenum">
+            <a:fld id="{315E9054-3113-475B-A9CC-EBF7C51CF137}" type="slidenum">
               <a:t>&lt;#&gt;</a:t>
             </a:fld>
           </a:p>
@@ -1364,7 +1366,7 @@
         <p:txBody>
           <a:bodyPr/>
           <a:p>
-            <a:fld id="{47A4743C-9670-432A-A9B9-BF809F851A4F}" type="slidenum">
+            <a:fld id="{D4F1338F-D2FB-4FA6-B8AF-E5E9C2C6F2F8}" type="slidenum">
               <a:t>&lt;#&gt;</a:t>
             </a:fld>
           </a:p>
@@ -1573,7 +1575,7 @@
         <p:txBody>
           <a:bodyPr/>
           <a:p>
-            <a:fld id="{55438329-2DB6-4959-8BAC-556C15483022}" type="slidenum">
+            <a:fld id="{6E675270-0814-4B4B-86C4-A6A748CB5068}" type="slidenum">
               <a:t>&lt;#&gt;</a:t>
             </a:fld>
           </a:p>
@@ -1696,7 +1698,7 @@
         <p:txBody>
           <a:bodyPr/>
           <a:p>
-            <a:fld id="{DE73D82B-654B-422A-8E25-7C69E35A0400}" type="slidenum">
+            <a:fld id="{344C4AF5-E2DE-4F93-A549-767D88D11D68}" type="slidenum">
               <a:t>&lt;#&gt;</a:t>
             </a:fld>
           </a:p>
@@ -1817,7 +1819,7 @@
         <p:txBody>
           <a:bodyPr/>
           <a:p>
-            <a:fld id="{23610296-D02F-49DF-9496-52D5207FFB5F}" type="slidenum">
+            <a:fld id="{FE834254-8486-40E7-B015-E86621DED776}" type="slidenum">
               <a:t>&lt;#&gt;</a:t>
             </a:fld>
           </a:p>
@@ -2069,7 +2071,7 @@
         <p:txBody>
           <a:bodyPr/>
           <a:p>
-            <a:fld id="{ACE89225-17E6-4B6C-A790-B78C518A3E98}" type="slidenum">
+            <a:fld id="{BBF6F04D-0EA3-4E76-8386-9EAA4C563582}" type="slidenum">
               <a:t>&lt;#&gt;</a:t>
             </a:fld>
           </a:p>
@@ -2232,7 +2234,7 @@
         <p:txBody>
           <a:bodyPr/>
           <a:p>
-            <a:fld id="{467B269E-0714-4265-AEF4-39436D8FAC5D}" type="slidenum">
+            <a:fld id="{DDA7A3EF-2D3D-4372-9885-717A9809BD86}" type="slidenum">
               <a:t>&lt;#&gt;</a:t>
             </a:fld>
           </a:p>
@@ -2484,7 +2486,7 @@
         <p:txBody>
           <a:bodyPr/>
           <a:p>
-            <a:fld id="{5E5F0E6D-0F8F-4550-8237-E251530DEEBE}" type="slidenum">
+            <a:fld id="{1661215F-752D-452B-A7BD-7ADA6696EDD0}" type="slidenum">
               <a:t>&lt;#&gt;</a:t>
             </a:fld>
           </a:p>
@@ -2736,7 +2738,7 @@
         <p:txBody>
           <a:bodyPr/>
           <a:p>
-            <a:fld id="{5CAF0B6E-7148-4844-AC9A-C623C4289298}" type="slidenum">
+            <a:fld id="{D181C8E2-924B-45A4-A7AF-E948D7BB5568}" type="slidenum">
               <a:t>&lt;#&gt;</a:t>
             </a:fld>
           </a:p>
@@ -2945,7 +2947,7 @@
         <p:txBody>
           <a:bodyPr/>
           <a:p>
-            <a:fld id="{A0F144F9-1002-4685-9325-1BAB9867CEDE}" type="slidenum">
+            <a:fld id="{07158B6A-A18A-41C5-8568-01EAD4F0767A}" type="slidenum">
               <a:t>&lt;#&gt;</a:t>
             </a:fld>
           </a:p>
@@ -3240,7 +3242,7 @@
         <p:txBody>
           <a:bodyPr/>
           <a:p>
-            <a:fld id="{E8955EC9-B0C7-4396-B497-9662E5C1DCED}" type="slidenum">
+            <a:fld id="{6E7AF82E-DF59-4B6B-B9B5-688FD60E0F8A}" type="slidenum">
               <a:t>&lt;#&gt;</a:t>
             </a:fld>
           </a:p>
@@ -3621,7 +3623,7 @@
         <p:txBody>
           <a:bodyPr/>
           <a:p>
-            <a:fld id="{BB5795DA-6E46-4109-9160-9957CB74EF3F}" type="slidenum">
+            <a:fld id="{25EC9210-111A-4A6A-99D7-CBFD49981669}" type="slidenum">
               <a:t>&lt;#&gt;</a:t>
             </a:fld>
           </a:p>
@@ -3704,7 +3706,7 @@
         <p:txBody>
           <a:bodyPr/>
           <a:p>
-            <a:fld id="{5CE6DE62-C80A-4944-8BB0-0D4D2BE8E736}" type="slidenum">
+            <a:fld id="{8F3FCE90-32BA-48E1-A4A6-DDE030B425D1}" type="slidenum">
               <a:t>&lt;#&gt;</a:t>
             </a:fld>
           </a:p>
@@ -3755,7 +3757,7 @@
       </p:grpSpPr>
       <p:sp>
         <p:nvSpPr>
-          <p:cNvPr id="87" name="PlaceHolder 1"/>
+          <p:cNvPr id="85" name="PlaceHolder 1"/>
           <p:cNvSpPr>
             <a:spLocks noGrp="1"/>
           </p:cNvSpPr>
@@ -3795,7 +3797,7 @@
       </p:sp>
       <p:sp>
         <p:nvSpPr>
-          <p:cNvPr id="88" name="PlaceHolder 2"/>
+          <p:cNvPr id="86" name="PlaceHolder 2"/>
           <p:cNvSpPr>
             <a:spLocks noGrp="1"/>
           </p:cNvSpPr>
@@ -3867,7 +3869,7 @@
         <p:txBody>
           <a:bodyPr/>
           <a:p>
-            <a:fld id="{D67E561E-C69F-4DAB-8CED-0CCB186DB59D}" type="slidenum">
+            <a:fld id="{B8F0EEDD-FCEE-4AD0-87D5-D85F8BF18BEC}" type="slidenum">
               <a:t>&lt;#&gt;</a:t>
             </a:fld>
           </a:p>
@@ -3918,7 +3920,7 @@
       </p:grpSpPr>
       <p:sp>
         <p:nvSpPr>
-          <p:cNvPr id="89" name="PlaceHolder 1"/>
+          <p:cNvPr id="87" name="PlaceHolder 1"/>
           <p:cNvSpPr>
             <a:spLocks noGrp="1"/>
           </p:cNvSpPr>
@@ -3958,7 +3960,7 @@
       </p:sp>
       <p:sp>
         <p:nvSpPr>
-          <p:cNvPr id="90" name="PlaceHolder 2"/>
+          <p:cNvPr id="88" name="PlaceHolder 2"/>
           <p:cNvSpPr>
             <a:spLocks noGrp="1"/>
           </p:cNvSpPr>
@@ -4033,7 +4035,7 @@
         <p:txBody>
           <a:bodyPr/>
           <a:p>
-            <a:fld id="{AE1DD049-E85C-422F-9F78-E19BB29762CD}" type="slidenum">
+            <a:fld id="{F3243B36-84D1-4580-87D5-62F2B3806E3A}" type="slidenum">
               <a:t>&lt;#&gt;</a:t>
             </a:fld>
           </a:p>
@@ -4084,7 +4086,7 @@
       </p:grpSpPr>
       <p:sp>
         <p:nvSpPr>
-          <p:cNvPr id="91" name="PlaceHolder 1"/>
+          <p:cNvPr id="89" name="PlaceHolder 1"/>
           <p:cNvSpPr>
             <a:spLocks noGrp="1"/>
           </p:cNvSpPr>
@@ -4124,7 +4126,7 @@
       </p:sp>
       <p:sp>
         <p:nvSpPr>
-          <p:cNvPr id="92" name="PlaceHolder 2"/>
+          <p:cNvPr id="90" name="PlaceHolder 2"/>
           <p:cNvSpPr>
             <a:spLocks noGrp="1"/>
           </p:cNvSpPr>
@@ -4167,7 +4169,7 @@
       </p:sp>
       <p:sp>
         <p:nvSpPr>
-          <p:cNvPr id="93" name="PlaceHolder 3"/>
+          <p:cNvPr id="91" name="PlaceHolder 3"/>
           <p:cNvSpPr>
             <a:spLocks noGrp="1"/>
           </p:cNvSpPr>
@@ -4242,7 +4244,7 @@
         <p:txBody>
           <a:bodyPr/>
           <a:p>
-            <a:fld id="{3043CE43-A3AF-4C6B-B126-F28FE694A836}" type="slidenum">
+            <a:fld id="{0A7EF5D6-0486-4AFE-85ED-69AA1B111CFF}" type="slidenum">
               <a:t>&lt;#&gt;</a:t>
             </a:fld>
           </a:p>
@@ -4293,7 +4295,7 @@
       </p:grpSpPr>
       <p:sp>
         <p:nvSpPr>
-          <p:cNvPr id="94" name="PlaceHolder 1"/>
+          <p:cNvPr id="92" name="PlaceHolder 1"/>
           <p:cNvSpPr>
             <a:spLocks noGrp="1"/>
           </p:cNvSpPr>
@@ -4365,7 +4367,7 @@
         <p:txBody>
           <a:bodyPr/>
           <a:p>
-            <a:fld id="{3D4B0869-6544-4EFD-B1E9-39CFB0300B38}" type="slidenum">
+            <a:fld id="{D86D7906-BE19-43F8-992C-ABFFDDF59C53}" type="slidenum">
               <a:t>&lt;#&gt;</a:t>
             </a:fld>
           </a:p>
@@ -4531,7 +4533,7 @@
         <p:txBody>
           <a:bodyPr/>
           <a:p>
-            <a:fld id="{F8E4C167-AF66-4F66-BEF0-619DE302C1F1}" type="slidenum">
+            <a:fld id="{1FFA3CF9-8D8B-4845-9808-96AC054806B6}" type="slidenum">
               <a:t>&lt;#&gt;</a:t>
             </a:fld>
           </a:p>
@@ -4582,7 +4584,7 @@
       </p:grpSpPr>
       <p:sp>
         <p:nvSpPr>
-          <p:cNvPr id="95" name="PlaceHolder 1"/>
+          <p:cNvPr id="93" name="PlaceHolder 1"/>
           <p:cNvSpPr>
             <a:spLocks noGrp="1"/>
           </p:cNvSpPr>
@@ -4652,7 +4654,7 @@
         <p:txBody>
           <a:bodyPr/>
           <a:p>
-            <a:fld id="{38BD77DF-2090-4187-8AB8-6FF1FB89804D}" type="slidenum">
+            <a:fld id="{B7A9F104-EBEE-4647-9589-580D125F3CB5}" type="slidenum">
               <a:t>&lt;#&gt;</a:t>
             </a:fld>
           </a:p>
@@ -4703,7 +4705,7 @@
       </p:grpSpPr>
       <p:sp>
         <p:nvSpPr>
-          <p:cNvPr id="96" name="PlaceHolder 1"/>
+          <p:cNvPr id="94" name="PlaceHolder 1"/>
           <p:cNvSpPr>
             <a:spLocks noGrp="1"/>
           </p:cNvSpPr>
@@ -4743,7 +4745,7 @@
       </p:sp>
       <p:sp>
         <p:nvSpPr>
-          <p:cNvPr id="97" name="PlaceHolder 2"/>
+          <p:cNvPr id="95" name="PlaceHolder 2"/>
           <p:cNvSpPr>
             <a:spLocks noGrp="1"/>
           </p:cNvSpPr>
@@ -4786,7 +4788,7 @@
       </p:sp>
       <p:sp>
         <p:nvSpPr>
-          <p:cNvPr id="98" name="PlaceHolder 3"/>
+          <p:cNvPr id="96" name="PlaceHolder 3"/>
           <p:cNvSpPr>
             <a:spLocks noGrp="1"/>
           </p:cNvSpPr>
@@ -4829,7 +4831,7 @@
       </p:sp>
       <p:sp>
         <p:nvSpPr>
-          <p:cNvPr id="99" name="PlaceHolder 4"/>
+          <p:cNvPr id="97" name="PlaceHolder 4"/>
           <p:cNvSpPr>
             <a:spLocks noGrp="1"/>
           </p:cNvSpPr>
@@ -4904,7 +4906,7 @@
         <p:txBody>
           <a:bodyPr/>
           <a:p>
-            <a:fld id="{7EA8DCFD-786C-4C84-93CA-EEF8AAD44FB5}" type="slidenum">
+            <a:fld id="{E82E213E-AF3B-4999-9D76-637C64532558}" type="slidenum">
               <a:t>&lt;#&gt;</a:t>
             </a:fld>
           </a:p>
@@ -4955,7 +4957,7 @@
       </p:grpSpPr>
       <p:sp>
         <p:nvSpPr>
-          <p:cNvPr id="100" name="PlaceHolder 1"/>
+          <p:cNvPr id="98" name="PlaceHolder 1"/>
           <p:cNvSpPr>
             <a:spLocks noGrp="1"/>
           </p:cNvSpPr>
@@ -4995,7 +4997,7 @@
       </p:sp>
       <p:sp>
         <p:nvSpPr>
-          <p:cNvPr id="101" name="PlaceHolder 2"/>
+          <p:cNvPr id="99" name="PlaceHolder 2"/>
           <p:cNvSpPr>
             <a:spLocks noGrp="1"/>
           </p:cNvSpPr>
@@ -5038,7 +5040,7 @@
       </p:sp>
       <p:sp>
         <p:nvSpPr>
-          <p:cNvPr id="102" name="PlaceHolder 3"/>
+          <p:cNvPr id="100" name="PlaceHolder 3"/>
           <p:cNvSpPr>
             <a:spLocks noGrp="1"/>
           </p:cNvSpPr>
@@ -5081,7 +5083,7 @@
       </p:sp>
       <p:sp>
         <p:nvSpPr>
-          <p:cNvPr id="103" name="PlaceHolder 4"/>
+          <p:cNvPr id="101" name="PlaceHolder 4"/>
           <p:cNvSpPr>
             <a:spLocks noGrp="1"/>
           </p:cNvSpPr>
@@ -5156,7 +5158,7 @@
         <p:txBody>
           <a:bodyPr/>
           <a:p>
-            <a:fld id="{9E4D828C-1AB6-4F2F-AC41-7FEFEC9A5112}" type="slidenum">
+            <a:fld id="{1A4CBC71-28BC-46B7-8AE4-1B132A3DF442}" type="slidenum">
               <a:t>&lt;#&gt;</a:t>
             </a:fld>
           </a:p>
@@ -5207,7 +5209,7 @@
       </p:grpSpPr>
       <p:sp>
         <p:nvSpPr>
-          <p:cNvPr id="104" name="PlaceHolder 1"/>
+          <p:cNvPr id="102" name="PlaceHolder 1"/>
           <p:cNvSpPr>
             <a:spLocks noGrp="1"/>
           </p:cNvSpPr>
@@ -5247,7 +5249,7 @@
       </p:sp>
       <p:sp>
         <p:nvSpPr>
-          <p:cNvPr id="105" name="PlaceHolder 2"/>
+          <p:cNvPr id="103" name="PlaceHolder 2"/>
           <p:cNvSpPr>
             <a:spLocks noGrp="1"/>
           </p:cNvSpPr>
@@ -5290,7 +5292,7 @@
       </p:sp>
       <p:sp>
         <p:nvSpPr>
-          <p:cNvPr id="106" name="PlaceHolder 3"/>
+          <p:cNvPr id="104" name="PlaceHolder 3"/>
           <p:cNvSpPr>
             <a:spLocks noGrp="1"/>
           </p:cNvSpPr>
@@ -5333,7 +5335,7 @@
       </p:sp>
       <p:sp>
         <p:nvSpPr>
-          <p:cNvPr id="107" name="PlaceHolder 4"/>
+          <p:cNvPr id="105" name="PlaceHolder 4"/>
           <p:cNvSpPr>
             <a:spLocks noGrp="1"/>
           </p:cNvSpPr>
@@ -5408,7 +5410,7 @@
         <p:txBody>
           <a:bodyPr/>
           <a:p>
-            <a:fld id="{EF700064-FBA8-4EB1-9D44-4AEA27587871}" type="slidenum">
+            <a:fld id="{A25C1BAB-1DD8-43F0-89C6-C62F9E3356FA}" type="slidenum">
               <a:t>&lt;#&gt;</a:t>
             </a:fld>
           </a:p>
@@ -5459,7 +5461,7 @@
       </p:grpSpPr>
       <p:sp>
         <p:nvSpPr>
-          <p:cNvPr id="108" name="PlaceHolder 1"/>
+          <p:cNvPr id="106" name="PlaceHolder 1"/>
           <p:cNvSpPr>
             <a:spLocks noGrp="1"/>
           </p:cNvSpPr>
@@ -5499,7 +5501,7 @@
       </p:sp>
       <p:sp>
         <p:nvSpPr>
-          <p:cNvPr id="109" name="PlaceHolder 2"/>
+          <p:cNvPr id="107" name="PlaceHolder 2"/>
           <p:cNvSpPr>
             <a:spLocks noGrp="1"/>
           </p:cNvSpPr>
@@ -5542,7 +5544,7 @@
       </p:sp>
       <p:sp>
         <p:nvSpPr>
-          <p:cNvPr id="110" name="PlaceHolder 3"/>
+          <p:cNvPr id="108" name="PlaceHolder 3"/>
           <p:cNvSpPr>
             <a:spLocks noGrp="1"/>
           </p:cNvSpPr>
@@ -5617,7 +5619,7 @@
         <p:txBody>
           <a:bodyPr/>
           <a:p>
-            <a:fld id="{3155D546-384C-4BF9-A52B-A99749C7F886}" type="slidenum">
+            <a:fld id="{CE411C71-A829-40A6-8278-A9A42B5E8FF8}" type="slidenum">
               <a:t>&lt;#&gt;</a:t>
             </a:fld>
           </a:p>
@@ -5668,7 +5670,7 @@
       </p:grpSpPr>
       <p:sp>
         <p:nvSpPr>
-          <p:cNvPr id="111" name="PlaceHolder 1"/>
+          <p:cNvPr id="109" name="PlaceHolder 1"/>
           <p:cNvSpPr>
             <a:spLocks noGrp="1"/>
           </p:cNvSpPr>
@@ -5708,7 +5710,7 @@
       </p:sp>
       <p:sp>
         <p:nvSpPr>
-          <p:cNvPr id="112" name="PlaceHolder 2"/>
+          <p:cNvPr id="110" name="PlaceHolder 2"/>
           <p:cNvSpPr>
             <a:spLocks noGrp="1"/>
           </p:cNvSpPr>
@@ -5751,7 +5753,7 @@
       </p:sp>
       <p:sp>
         <p:nvSpPr>
-          <p:cNvPr id="113" name="PlaceHolder 3"/>
+          <p:cNvPr id="111" name="PlaceHolder 3"/>
           <p:cNvSpPr>
             <a:spLocks noGrp="1"/>
           </p:cNvSpPr>
@@ -5794,7 +5796,7 @@
       </p:sp>
       <p:sp>
         <p:nvSpPr>
-          <p:cNvPr id="114" name="PlaceHolder 4"/>
+          <p:cNvPr id="112" name="PlaceHolder 4"/>
           <p:cNvSpPr>
             <a:spLocks noGrp="1"/>
           </p:cNvSpPr>
@@ -5837,7 +5839,7 @@
       </p:sp>
       <p:sp>
         <p:nvSpPr>
-          <p:cNvPr id="115" name="PlaceHolder 5"/>
+          <p:cNvPr id="113" name="PlaceHolder 5"/>
           <p:cNvSpPr>
             <a:spLocks noGrp="1"/>
           </p:cNvSpPr>
@@ -5912,7 +5914,7 @@
         <p:txBody>
           <a:bodyPr/>
           <a:p>
-            <a:fld id="{8D61B898-AAD7-49FE-855B-511B9EBE8C35}" type="slidenum">
+            <a:fld id="{8AD37A8A-B775-4829-A6B6-C2266E653C11}" type="slidenum">
               <a:t>&lt;#&gt;</a:t>
             </a:fld>
           </a:p>
@@ -5963,7 +5965,7 @@
       </p:grpSpPr>
       <p:sp>
         <p:nvSpPr>
-          <p:cNvPr id="116" name="PlaceHolder 1"/>
+          <p:cNvPr id="114" name="PlaceHolder 1"/>
           <p:cNvSpPr>
             <a:spLocks noGrp="1"/>
           </p:cNvSpPr>
@@ -6003,7 +6005,7 @@
       </p:sp>
       <p:sp>
         <p:nvSpPr>
-          <p:cNvPr id="117" name="PlaceHolder 2"/>
+          <p:cNvPr id="115" name="PlaceHolder 2"/>
           <p:cNvSpPr>
             <a:spLocks noGrp="1"/>
           </p:cNvSpPr>
@@ -6046,7 +6048,7 @@
       </p:sp>
       <p:sp>
         <p:nvSpPr>
-          <p:cNvPr id="118" name="PlaceHolder 3"/>
+          <p:cNvPr id="116" name="PlaceHolder 3"/>
           <p:cNvSpPr>
             <a:spLocks noGrp="1"/>
           </p:cNvSpPr>
@@ -6089,7 +6091,7 @@
       </p:sp>
       <p:sp>
         <p:nvSpPr>
-          <p:cNvPr id="119" name="PlaceHolder 4"/>
+          <p:cNvPr id="117" name="PlaceHolder 4"/>
           <p:cNvSpPr>
             <a:spLocks noGrp="1"/>
           </p:cNvSpPr>
@@ -6132,7 +6134,7 @@
       </p:sp>
       <p:sp>
         <p:nvSpPr>
-          <p:cNvPr id="120" name="PlaceHolder 5"/>
+          <p:cNvPr id="118" name="PlaceHolder 5"/>
           <p:cNvSpPr>
             <a:spLocks noGrp="1"/>
           </p:cNvSpPr>
@@ -6175,7 +6177,7 @@
       </p:sp>
       <p:sp>
         <p:nvSpPr>
-          <p:cNvPr id="121" name="PlaceHolder 6"/>
+          <p:cNvPr id="119" name="PlaceHolder 6"/>
           <p:cNvSpPr>
             <a:spLocks noGrp="1"/>
           </p:cNvSpPr>
@@ -6218,7 +6220,7 @@
       </p:sp>
       <p:sp>
         <p:nvSpPr>
-          <p:cNvPr id="122" name="PlaceHolder 7"/>
+          <p:cNvPr id="120" name="PlaceHolder 7"/>
           <p:cNvSpPr>
             <a:spLocks noGrp="1"/>
           </p:cNvSpPr>
@@ -6293,7 +6295,7 @@
         <p:txBody>
           <a:bodyPr/>
           <a:p>
-            <a:fld id="{2773998F-487A-458E-B5CD-236339A78913}" type="slidenum">
+            <a:fld id="{196EAB13-5CE3-43AA-9C67-2952B7CEFBDD}" type="slidenum">
               <a:t>&lt;#&gt;</a:t>
             </a:fld>
           </a:p>
@@ -6307,6 +6309,418 @@
           </p:cNvSpPr>
           <p:nvPr>
             <p:ph type="dt" idx="9"/>
+          </p:nvPr>
+        </p:nvSpPr>
+        <p:spPr/>
+        <p:txBody>
+          <a:bodyPr/>
+          <a:p>
+            <a:r>
+              <a:rPr lang="en-US"/>
+              <a:t/>
+            </a:r>
+          </a:p>
+        </p:txBody>
+      </p:sp>
+    </p:spTree>
+  </p:cSld>
+</p:sldLayout>
+</file>
+
+<file path=ppt/slideLayouts/slideLayout37.xml><?xml version="1.0" encoding="utf-8"?>
+<p:sldLayout xmlns:a="http://schemas.openxmlformats.org/drawingml/2006/main" xmlns:p="http://schemas.openxmlformats.org/presentationml/2006/main" xmlns:r="http://schemas.openxmlformats.org/officeDocument/2006/relationships" xmlns:p14="http://schemas.microsoft.com/office/powerpoint/2010/main" xmlns:p15="http://schemas.microsoft.com/office/powerpoint/2012/main" xmlns:mc="http://schemas.openxmlformats.org/markup-compatibility/2006" type="blank" preserve="1">
+  <p:cSld name="Blank Slide">
+    <p:spTree>
+      <p:nvGrpSpPr>
+        <p:cNvPr id="1" name=""/>
+        <p:cNvGrpSpPr/>
+        <p:nvPr/>
+      </p:nvGrpSpPr>
+      <p:grpSpPr>
+        <a:xfrm>
+          <a:off x="0" y="0"/>
+          <a:ext cx="0" cy="0"/>
+          <a:chOff x="0" y="0"/>
+          <a:chExt cx="0" cy="0"/>
+        </a:xfrm>
+      </p:grpSpPr>
+      <p:sp>
+        <p:nvSpPr>
+          <p:cNvPr id="2" name="PlaceHolder 1"/>
+          <p:cNvSpPr>
+            <a:spLocks noGrp="1"/>
+          </p:cNvSpPr>
+          <p:nvPr>
+            <p:ph type="ftr" idx="10"/>
+          </p:nvPr>
+        </p:nvSpPr>
+        <p:spPr/>
+        <p:txBody>
+          <a:bodyPr/>
+          <a:p>
+            <a:r>
+              <a:t>Footer</a:t>
+            </a:r>
+          </a:p>
+        </p:txBody>
+      </p:sp>
+      <p:sp>
+        <p:nvSpPr>
+          <p:cNvPr id="3" name="PlaceHolder 2"/>
+          <p:cNvSpPr>
+            <a:spLocks noGrp="1"/>
+          </p:cNvSpPr>
+          <p:nvPr>
+            <p:ph type="sldNum" idx="11"/>
+          </p:nvPr>
+        </p:nvSpPr>
+        <p:spPr/>
+        <p:txBody>
+          <a:bodyPr/>
+          <a:p>
+            <a:fld id="{D0EEEC99-4C0E-437C-AF65-C3178DAA8046}" type="slidenum">
+              <a:t>&lt;#&gt;</a:t>
+            </a:fld>
+          </a:p>
+        </p:txBody>
+      </p:sp>
+      <p:sp>
+        <p:nvSpPr>
+          <p:cNvPr id="4" name="PlaceHolder 3"/>
+          <p:cNvSpPr>
+            <a:spLocks noGrp="1"/>
+          </p:cNvSpPr>
+          <p:nvPr>
+            <p:ph type="dt" idx="12"/>
+          </p:nvPr>
+        </p:nvSpPr>
+        <p:spPr/>
+        <p:txBody>
+          <a:bodyPr/>
+          <a:p>
+            <a:r>
+              <a:rPr lang="en-US"/>
+              <a:t/>
+            </a:r>
+          </a:p>
+        </p:txBody>
+      </p:sp>
+    </p:spTree>
+  </p:cSld>
+</p:sldLayout>
+</file>
+
+<file path=ppt/slideLayouts/slideLayout38.xml><?xml version="1.0" encoding="utf-8"?>
+<p:sldLayout xmlns:a="http://schemas.openxmlformats.org/drawingml/2006/main" xmlns:p="http://schemas.openxmlformats.org/presentationml/2006/main" xmlns:r="http://schemas.openxmlformats.org/officeDocument/2006/relationships" xmlns:p14="http://schemas.microsoft.com/office/powerpoint/2010/main" xmlns:p15="http://schemas.microsoft.com/office/powerpoint/2012/main" xmlns:mc="http://schemas.openxmlformats.org/markup-compatibility/2006" type="tx" preserve="1">
+  <p:cSld name="Title Slide">
+    <p:spTree>
+      <p:nvGrpSpPr>
+        <p:cNvPr id="1" name=""/>
+        <p:cNvGrpSpPr/>
+        <p:nvPr/>
+      </p:nvGrpSpPr>
+      <p:grpSpPr>
+        <a:xfrm>
+          <a:off x="0" y="0"/>
+          <a:ext cx="0" cy="0"/>
+          <a:chOff x="0" y="0"/>
+          <a:chExt cx="0" cy="0"/>
+        </a:xfrm>
+      </p:grpSpPr>
+      <p:sp>
+        <p:nvSpPr>
+          <p:cNvPr id="126" name="PlaceHolder 1"/>
+          <p:cNvSpPr>
+            <a:spLocks noGrp="1"/>
+          </p:cNvSpPr>
+          <p:nvPr>
+            <p:ph type="title"/>
+          </p:nvPr>
+        </p:nvSpPr>
+        <p:spPr>
+          <a:xfrm>
+            <a:off x="457200" y="273600"/>
+            <a:ext cx="8229240" cy="1144800"/>
+          </a:xfrm>
+          <a:prstGeom prst="rect">
+            <a:avLst/>
+          </a:prstGeom>
+          <a:noFill/>
+          <a:ln w="0">
+            <a:noFill/>
+          </a:ln>
+        </p:spPr>
+        <p:txBody>
+          <a:bodyPr lIns="0" rIns="0" tIns="0" bIns="0" anchor="ctr">
+            <a:noAutofit/>
+          </a:bodyPr>
+          <a:p>
+            <a:pPr indent="0" algn="ctr">
+              <a:buNone/>
+            </a:pPr>
+            <a:endParaRPr b="0" lang="en-US" sz="4400" spc="-1" strike="noStrike">
+              <a:solidFill>
+                <a:srgbClr val="000000"/>
+              </a:solidFill>
+              <a:latin typeface="Arial"/>
+            </a:endParaRPr>
+          </a:p>
+        </p:txBody>
+      </p:sp>
+      <p:sp>
+        <p:nvSpPr>
+          <p:cNvPr id="127" name="PlaceHolder 2"/>
+          <p:cNvSpPr>
+            <a:spLocks noGrp="1"/>
+          </p:cNvSpPr>
+          <p:nvPr>
+            <p:ph type="subTitle"/>
+          </p:nvPr>
+        </p:nvSpPr>
+        <p:spPr>
+          <a:xfrm>
+            <a:off x="457200" y="1604520"/>
+            <a:ext cx="8229240" cy="3977280"/>
+          </a:xfrm>
+          <a:prstGeom prst="rect">
+            <a:avLst/>
+          </a:prstGeom>
+          <a:noFill/>
+          <a:ln w="0">
+            <a:noFill/>
+          </a:ln>
+        </p:spPr>
+        <p:txBody>
+          <a:bodyPr lIns="0" rIns="0" tIns="0" bIns="0" anchor="ctr">
+            <a:noAutofit/>
+          </a:bodyPr>
+          <a:p>
+            <a:pPr indent="0" algn="ctr">
+              <a:buNone/>
+            </a:pPr>
+            <a:endParaRPr b="0" lang="en-US" sz="3200" spc="-1" strike="noStrike">
+              <a:solidFill>
+                <a:srgbClr val="000000"/>
+              </a:solidFill>
+              <a:latin typeface="Arial"/>
+            </a:endParaRPr>
+          </a:p>
+        </p:txBody>
+      </p:sp>
+      <p:sp>
+        <p:nvSpPr>
+          <p:cNvPr id="4" name="PlaceHolder 3"/>
+          <p:cNvSpPr>
+            <a:spLocks noGrp="1"/>
+          </p:cNvSpPr>
+          <p:nvPr>
+            <p:ph type="ftr" idx="10"/>
+          </p:nvPr>
+        </p:nvSpPr>
+        <p:spPr/>
+        <p:txBody>
+          <a:bodyPr/>
+          <a:p>
+            <a:r>
+              <a:t>Footer</a:t>
+            </a:r>
+          </a:p>
+        </p:txBody>
+      </p:sp>
+      <p:sp>
+        <p:nvSpPr>
+          <p:cNvPr id="5" name="PlaceHolder 4"/>
+          <p:cNvSpPr>
+            <a:spLocks noGrp="1"/>
+          </p:cNvSpPr>
+          <p:nvPr>
+            <p:ph type="sldNum" idx="11"/>
+          </p:nvPr>
+        </p:nvSpPr>
+        <p:spPr/>
+        <p:txBody>
+          <a:bodyPr/>
+          <a:p>
+            <a:fld id="{62887CCD-AD14-4B62-9951-46736BE4CB3E}" type="slidenum">
+              <a:t>&lt;#&gt;</a:t>
+            </a:fld>
+          </a:p>
+        </p:txBody>
+      </p:sp>
+      <p:sp>
+        <p:nvSpPr>
+          <p:cNvPr id="6" name="PlaceHolder 5"/>
+          <p:cNvSpPr>
+            <a:spLocks noGrp="1"/>
+          </p:cNvSpPr>
+          <p:nvPr>
+            <p:ph type="dt" idx="12"/>
+          </p:nvPr>
+        </p:nvSpPr>
+        <p:spPr/>
+        <p:txBody>
+          <a:bodyPr/>
+          <a:p>
+            <a:r>
+              <a:rPr lang="en-US"/>
+              <a:t/>
+            </a:r>
+          </a:p>
+        </p:txBody>
+      </p:sp>
+    </p:spTree>
+  </p:cSld>
+</p:sldLayout>
+</file>
+
+<file path=ppt/slideLayouts/slideLayout39.xml><?xml version="1.0" encoding="utf-8"?>
+<p:sldLayout xmlns:a="http://schemas.openxmlformats.org/drawingml/2006/main" xmlns:p="http://schemas.openxmlformats.org/presentationml/2006/main" xmlns:r="http://schemas.openxmlformats.org/officeDocument/2006/relationships" xmlns:p14="http://schemas.microsoft.com/office/powerpoint/2010/main" xmlns:p15="http://schemas.microsoft.com/office/powerpoint/2012/main" xmlns:mc="http://schemas.openxmlformats.org/markup-compatibility/2006" type="obj" preserve="1">
+  <p:cSld name="Title, Content">
+    <p:spTree>
+      <p:nvGrpSpPr>
+        <p:cNvPr id="1" name=""/>
+        <p:cNvGrpSpPr/>
+        <p:nvPr/>
+      </p:nvGrpSpPr>
+      <p:grpSpPr>
+        <a:xfrm>
+          <a:off x="0" y="0"/>
+          <a:ext cx="0" cy="0"/>
+          <a:chOff x="0" y="0"/>
+          <a:chExt cx="0" cy="0"/>
+        </a:xfrm>
+      </p:grpSpPr>
+      <p:sp>
+        <p:nvSpPr>
+          <p:cNvPr id="128" name="PlaceHolder 1"/>
+          <p:cNvSpPr>
+            <a:spLocks noGrp="1"/>
+          </p:cNvSpPr>
+          <p:nvPr>
+            <p:ph type="title"/>
+          </p:nvPr>
+        </p:nvSpPr>
+        <p:spPr>
+          <a:xfrm>
+            <a:off x="457200" y="273600"/>
+            <a:ext cx="8229240" cy="1144800"/>
+          </a:xfrm>
+          <a:prstGeom prst="rect">
+            <a:avLst/>
+          </a:prstGeom>
+          <a:noFill/>
+          <a:ln w="0">
+            <a:noFill/>
+          </a:ln>
+        </p:spPr>
+        <p:txBody>
+          <a:bodyPr lIns="0" rIns="0" tIns="0" bIns="0" anchor="ctr">
+            <a:noAutofit/>
+          </a:bodyPr>
+          <a:p>
+            <a:pPr indent="0" algn="ctr">
+              <a:buNone/>
+            </a:pPr>
+            <a:endParaRPr b="0" lang="en-US" sz="4400" spc="-1" strike="noStrike">
+              <a:solidFill>
+                <a:srgbClr val="000000"/>
+              </a:solidFill>
+              <a:latin typeface="Arial"/>
+            </a:endParaRPr>
+          </a:p>
+        </p:txBody>
+      </p:sp>
+      <p:sp>
+        <p:nvSpPr>
+          <p:cNvPr id="129" name="PlaceHolder 2"/>
+          <p:cNvSpPr>
+            <a:spLocks noGrp="1"/>
+          </p:cNvSpPr>
+          <p:nvPr>
+            <p:ph/>
+          </p:nvPr>
+        </p:nvSpPr>
+        <p:spPr>
+          <a:xfrm>
+            <a:off x="457200" y="1604520"/>
+            <a:ext cx="8229240" cy="3977280"/>
+          </a:xfrm>
+          <a:prstGeom prst="rect">
+            <a:avLst/>
+          </a:prstGeom>
+          <a:noFill/>
+          <a:ln w="0">
+            <a:noFill/>
+          </a:ln>
+        </p:spPr>
+        <p:txBody>
+          <a:bodyPr lIns="0" rIns="0" tIns="0" bIns="0" anchor="t">
+            <a:normAutofit/>
+          </a:bodyPr>
+          <a:p>
+            <a:pPr indent="0">
+              <a:spcBef>
+                <a:spcPts val="1417"/>
+              </a:spcBef>
+              <a:buNone/>
+            </a:pPr>
+            <a:endParaRPr b="0" lang="en-US" sz="3200" spc="-1" strike="noStrike">
+              <a:solidFill>
+                <a:srgbClr val="000000"/>
+              </a:solidFill>
+              <a:latin typeface="Arial"/>
+            </a:endParaRPr>
+          </a:p>
+        </p:txBody>
+      </p:sp>
+      <p:sp>
+        <p:nvSpPr>
+          <p:cNvPr id="4" name="PlaceHolder 3"/>
+          <p:cNvSpPr>
+            <a:spLocks noGrp="1"/>
+          </p:cNvSpPr>
+          <p:nvPr>
+            <p:ph type="ftr" idx="10"/>
+          </p:nvPr>
+        </p:nvSpPr>
+        <p:spPr/>
+        <p:txBody>
+          <a:bodyPr/>
+          <a:p>
+            <a:r>
+              <a:t>Footer</a:t>
+            </a:r>
+          </a:p>
+        </p:txBody>
+      </p:sp>
+      <p:sp>
+        <p:nvSpPr>
+          <p:cNvPr id="5" name="PlaceHolder 4"/>
+          <p:cNvSpPr>
+            <a:spLocks noGrp="1"/>
+          </p:cNvSpPr>
+          <p:nvPr>
+            <p:ph type="sldNum" idx="11"/>
+          </p:nvPr>
+        </p:nvSpPr>
+        <p:spPr/>
+        <p:txBody>
+          <a:bodyPr/>
+          <a:p>
+            <a:fld id="{BE1EDD98-8292-434D-A306-789A4511169E}" type="slidenum">
+              <a:t>&lt;#&gt;</a:t>
+            </a:fld>
+          </a:p>
+        </p:txBody>
+      </p:sp>
+      <p:sp>
+        <p:nvSpPr>
+          <p:cNvPr id="6" name="PlaceHolder 5"/>
+          <p:cNvSpPr>
+            <a:spLocks noGrp="1"/>
+          </p:cNvSpPr>
+          <p:nvPr>
+            <p:ph type="dt" idx="12"/>
           </p:nvPr>
         </p:nvSpPr>
         <p:spPr/>
@@ -6502,7 +6916,7 @@
         <p:txBody>
           <a:bodyPr/>
           <a:p>
-            <a:fld id="{68E400AF-340C-4065-B168-631E9433EA0A}" type="slidenum">
+            <a:fld id="{34114FA4-657B-430F-B399-82F6F5662040}" type="slidenum">
               <a:t>&lt;#&gt;</a:t>
             </a:fld>
           </a:p>
@@ -6516,6 +6930,2100 @@
           </p:cNvSpPr>
           <p:nvPr>
             <p:ph type="dt" idx="3"/>
+          </p:nvPr>
+        </p:nvSpPr>
+        <p:spPr/>
+        <p:txBody>
+          <a:bodyPr/>
+          <a:p>
+            <a:r>
+              <a:rPr lang="en-US"/>
+              <a:t/>
+            </a:r>
+          </a:p>
+        </p:txBody>
+      </p:sp>
+    </p:spTree>
+  </p:cSld>
+</p:sldLayout>
+</file>
+
+<file path=ppt/slideLayouts/slideLayout40.xml><?xml version="1.0" encoding="utf-8"?>
+<p:sldLayout xmlns:a="http://schemas.openxmlformats.org/drawingml/2006/main" xmlns:p="http://schemas.openxmlformats.org/presentationml/2006/main" xmlns:r="http://schemas.openxmlformats.org/officeDocument/2006/relationships" xmlns:p14="http://schemas.microsoft.com/office/powerpoint/2010/main" xmlns:p15="http://schemas.microsoft.com/office/powerpoint/2012/main" xmlns:mc="http://schemas.openxmlformats.org/markup-compatibility/2006" type="twoObj" preserve="1">
+  <p:cSld name="Title, 2 Content">
+    <p:spTree>
+      <p:nvGrpSpPr>
+        <p:cNvPr id="1" name=""/>
+        <p:cNvGrpSpPr/>
+        <p:nvPr/>
+      </p:nvGrpSpPr>
+      <p:grpSpPr>
+        <a:xfrm>
+          <a:off x="0" y="0"/>
+          <a:ext cx="0" cy="0"/>
+          <a:chOff x="0" y="0"/>
+          <a:chExt cx="0" cy="0"/>
+        </a:xfrm>
+      </p:grpSpPr>
+      <p:sp>
+        <p:nvSpPr>
+          <p:cNvPr id="130" name="PlaceHolder 1"/>
+          <p:cNvSpPr>
+            <a:spLocks noGrp="1"/>
+          </p:cNvSpPr>
+          <p:nvPr>
+            <p:ph type="title"/>
+          </p:nvPr>
+        </p:nvSpPr>
+        <p:spPr>
+          <a:xfrm>
+            <a:off x="457200" y="273600"/>
+            <a:ext cx="8229240" cy="1144800"/>
+          </a:xfrm>
+          <a:prstGeom prst="rect">
+            <a:avLst/>
+          </a:prstGeom>
+          <a:noFill/>
+          <a:ln w="0">
+            <a:noFill/>
+          </a:ln>
+        </p:spPr>
+        <p:txBody>
+          <a:bodyPr lIns="0" rIns="0" tIns="0" bIns="0" anchor="ctr">
+            <a:noAutofit/>
+          </a:bodyPr>
+          <a:p>
+            <a:pPr indent="0" algn="ctr">
+              <a:buNone/>
+            </a:pPr>
+            <a:endParaRPr b="0" lang="en-US" sz="4400" spc="-1" strike="noStrike">
+              <a:solidFill>
+                <a:srgbClr val="000000"/>
+              </a:solidFill>
+              <a:latin typeface="Arial"/>
+            </a:endParaRPr>
+          </a:p>
+        </p:txBody>
+      </p:sp>
+      <p:sp>
+        <p:nvSpPr>
+          <p:cNvPr id="131" name="PlaceHolder 2"/>
+          <p:cNvSpPr>
+            <a:spLocks noGrp="1"/>
+          </p:cNvSpPr>
+          <p:nvPr>
+            <p:ph/>
+          </p:nvPr>
+        </p:nvSpPr>
+        <p:spPr>
+          <a:xfrm>
+            <a:off x="457200" y="1604520"/>
+            <a:ext cx="4015800" cy="3977280"/>
+          </a:xfrm>
+          <a:prstGeom prst="rect">
+            <a:avLst/>
+          </a:prstGeom>
+          <a:noFill/>
+          <a:ln w="0">
+            <a:noFill/>
+          </a:ln>
+        </p:spPr>
+        <p:txBody>
+          <a:bodyPr lIns="0" rIns="0" tIns="0" bIns="0" anchor="t">
+            <a:normAutofit/>
+          </a:bodyPr>
+          <a:p>
+            <a:pPr indent="0">
+              <a:spcBef>
+                <a:spcPts val="1417"/>
+              </a:spcBef>
+              <a:buNone/>
+            </a:pPr>
+            <a:endParaRPr b="0" lang="en-US" sz="3200" spc="-1" strike="noStrike">
+              <a:solidFill>
+                <a:srgbClr val="000000"/>
+              </a:solidFill>
+              <a:latin typeface="Arial"/>
+            </a:endParaRPr>
+          </a:p>
+        </p:txBody>
+      </p:sp>
+      <p:sp>
+        <p:nvSpPr>
+          <p:cNvPr id="132" name="PlaceHolder 3"/>
+          <p:cNvSpPr>
+            <a:spLocks noGrp="1"/>
+          </p:cNvSpPr>
+          <p:nvPr>
+            <p:ph/>
+          </p:nvPr>
+        </p:nvSpPr>
+        <p:spPr>
+          <a:xfrm>
+            <a:off x="4674240" y="1604520"/>
+            <a:ext cx="4015800" cy="3977280"/>
+          </a:xfrm>
+          <a:prstGeom prst="rect">
+            <a:avLst/>
+          </a:prstGeom>
+          <a:noFill/>
+          <a:ln w="0">
+            <a:noFill/>
+          </a:ln>
+        </p:spPr>
+        <p:txBody>
+          <a:bodyPr lIns="0" rIns="0" tIns="0" bIns="0" anchor="t">
+            <a:normAutofit/>
+          </a:bodyPr>
+          <a:p>
+            <a:pPr indent="0">
+              <a:spcBef>
+                <a:spcPts val="1417"/>
+              </a:spcBef>
+              <a:buNone/>
+            </a:pPr>
+            <a:endParaRPr b="0" lang="en-US" sz="3200" spc="-1" strike="noStrike">
+              <a:solidFill>
+                <a:srgbClr val="000000"/>
+              </a:solidFill>
+              <a:latin typeface="Arial"/>
+            </a:endParaRPr>
+          </a:p>
+        </p:txBody>
+      </p:sp>
+      <p:sp>
+        <p:nvSpPr>
+          <p:cNvPr id="5" name="PlaceHolder 4"/>
+          <p:cNvSpPr>
+            <a:spLocks noGrp="1"/>
+          </p:cNvSpPr>
+          <p:nvPr>
+            <p:ph type="ftr" idx="10"/>
+          </p:nvPr>
+        </p:nvSpPr>
+        <p:spPr/>
+        <p:txBody>
+          <a:bodyPr/>
+          <a:p>
+            <a:r>
+              <a:t>Footer</a:t>
+            </a:r>
+          </a:p>
+        </p:txBody>
+      </p:sp>
+      <p:sp>
+        <p:nvSpPr>
+          <p:cNvPr id="6" name="PlaceHolder 5"/>
+          <p:cNvSpPr>
+            <a:spLocks noGrp="1"/>
+          </p:cNvSpPr>
+          <p:nvPr>
+            <p:ph type="sldNum" idx="11"/>
+          </p:nvPr>
+        </p:nvSpPr>
+        <p:spPr/>
+        <p:txBody>
+          <a:bodyPr/>
+          <a:p>
+            <a:fld id="{D5BF6CFD-72DA-48F4-9098-0550526B49E7}" type="slidenum">
+              <a:t>&lt;#&gt;</a:t>
+            </a:fld>
+          </a:p>
+        </p:txBody>
+      </p:sp>
+      <p:sp>
+        <p:nvSpPr>
+          <p:cNvPr id="7" name="PlaceHolder 6"/>
+          <p:cNvSpPr>
+            <a:spLocks noGrp="1"/>
+          </p:cNvSpPr>
+          <p:nvPr>
+            <p:ph type="dt" idx="12"/>
+          </p:nvPr>
+        </p:nvSpPr>
+        <p:spPr/>
+        <p:txBody>
+          <a:bodyPr/>
+          <a:p>
+            <a:r>
+              <a:rPr lang="en-US"/>
+              <a:t/>
+            </a:r>
+          </a:p>
+        </p:txBody>
+      </p:sp>
+    </p:spTree>
+  </p:cSld>
+</p:sldLayout>
+</file>
+
+<file path=ppt/slideLayouts/slideLayout41.xml><?xml version="1.0" encoding="utf-8"?>
+<p:sldLayout xmlns:a="http://schemas.openxmlformats.org/drawingml/2006/main" xmlns:p="http://schemas.openxmlformats.org/presentationml/2006/main" xmlns:r="http://schemas.openxmlformats.org/officeDocument/2006/relationships" xmlns:p14="http://schemas.microsoft.com/office/powerpoint/2010/main" xmlns:p15="http://schemas.microsoft.com/office/powerpoint/2012/main" xmlns:mc="http://schemas.openxmlformats.org/markup-compatibility/2006" type="titleOnly" preserve="1">
+  <p:cSld name="Title Only">
+    <p:spTree>
+      <p:nvGrpSpPr>
+        <p:cNvPr id="1" name=""/>
+        <p:cNvGrpSpPr/>
+        <p:nvPr/>
+      </p:nvGrpSpPr>
+      <p:grpSpPr>
+        <a:xfrm>
+          <a:off x="0" y="0"/>
+          <a:ext cx="0" cy="0"/>
+          <a:chOff x="0" y="0"/>
+          <a:chExt cx="0" cy="0"/>
+        </a:xfrm>
+      </p:grpSpPr>
+      <p:sp>
+        <p:nvSpPr>
+          <p:cNvPr id="133" name="PlaceHolder 1"/>
+          <p:cNvSpPr>
+            <a:spLocks noGrp="1"/>
+          </p:cNvSpPr>
+          <p:nvPr>
+            <p:ph type="title"/>
+          </p:nvPr>
+        </p:nvSpPr>
+        <p:spPr>
+          <a:xfrm>
+            <a:off x="457200" y="273600"/>
+            <a:ext cx="8229240" cy="1144800"/>
+          </a:xfrm>
+          <a:prstGeom prst="rect">
+            <a:avLst/>
+          </a:prstGeom>
+          <a:noFill/>
+          <a:ln w="0">
+            <a:noFill/>
+          </a:ln>
+        </p:spPr>
+        <p:txBody>
+          <a:bodyPr lIns="0" rIns="0" tIns="0" bIns="0" anchor="ctr">
+            <a:noAutofit/>
+          </a:bodyPr>
+          <a:p>
+            <a:pPr indent="0" algn="ctr">
+              <a:buNone/>
+            </a:pPr>
+            <a:endParaRPr b="0" lang="en-US" sz="4400" spc="-1" strike="noStrike">
+              <a:solidFill>
+                <a:srgbClr val="000000"/>
+              </a:solidFill>
+              <a:latin typeface="Arial"/>
+            </a:endParaRPr>
+          </a:p>
+        </p:txBody>
+      </p:sp>
+      <p:sp>
+        <p:nvSpPr>
+          <p:cNvPr id="3" name="PlaceHolder 2"/>
+          <p:cNvSpPr>
+            <a:spLocks noGrp="1"/>
+          </p:cNvSpPr>
+          <p:nvPr>
+            <p:ph type="ftr" idx="10"/>
+          </p:nvPr>
+        </p:nvSpPr>
+        <p:spPr/>
+        <p:txBody>
+          <a:bodyPr/>
+          <a:p>
+            <a:r>
+              <a:t>Footer</a:t>
+            </a:r>
+          </a:p>
+        </p:txBody>
+      </p:sp>
+      <p:sp>
+        <p:nvSpPr>
+          <p:cNvPr id="4" name="PlaceHolder 3"/>
+          <p:cNvSpPr>
+            <a:spLocks noGrp="1"/>
+          </p:cNvSpPr>
+          <p:nvPr>
+            <p:ph type="sldNum" idx="11"/>
+          </p:nvPr>
+        </p:nvSpPr>
+        <p:spPr/>
+        <p:txBody>
+          <a:bodyPr/>
+          <a:p>
+            <a:fld id="{DC2D5EE0-D068-4F3E-80E1-1C123876032F}" type="slidenum">
+              <a:t>&lt;#&gt;</a:t>
+            </a:fld>
+          </a:p>
+        </p:txBody>
+      </p:sp>
+      <p:sp>
+        <p:nvSpPr>
+          <p:cNvPr id="5" name="PlaceHolder 4"/>
+          <p:cNvSpPr>
+            <a:spLocks noGrp="1"/>
+          </p:cNvSpPr>
+          <p:nvPr>
+            <p:ph type="dt" idx="12"/>
+          </p:nvPr>
+        </p:nvSpPr>
+        <p:spPr/>
+        <p:txBody>
+          <a:bodyPr/>
+          <a:p>
+            <a:r>
+              <a:rPr lang="en-US"/>
+              <a:t/>
+            </a:r>
+          </a:p>
+        </p:txBody>
+      </p:sp>
+    </p:spTree>
+  </p:cSld>
+</p:sldLayout>
+</file>
+
+<file path=ppt/slideLayouts/slideLayout42.xml><?xml version="1.0" encoding="utf-8"?>
+<p:sldLayout xmlns:a="http://schemas.openxmlformats.org/drawingml/2006/main" xmlns:p="http://schemas.openxmlformats.org/presentationml/2006/main" xmlns:r="http://schemas.openxmlformats.org/officeDocument/2006/relationships" xmlns:p14="http://schemas.microsoft.com/office/powerpoint/2010/main" xmlns:p15="http://schemas.microsoft.com/office/powerpoint/2012/main" xmlns:mc="http://schemas.openxmlformats.org/markup-compatibility/2006" type="objOnly" preserve="1">
+  <p:cSld name="Centered Text">
+    <p:spTree>
+      <p:nvGrpSpPr>
+        <p:cNvPr id="1" name=""/>
+        <p:cNvGrpSpPr/>
+        <p:nvPr/>
+      </p:nvGrpSpPr>
+      <p:grpSpPr>
+        <a:xfrm>
+          <a:off x="0" y="0"/>
+          <a:ext cx="0" cy="0"/>
+          <a:chOff x="0" y="0"/>
+          <a:chExt cx="0" cy="0"/>
+        </a:xfrm>
+      </p:grpSpPr>
+      <p:sp>
+        <p:nvSpPr>
+          <p:cNvPr id="134" name="PlaceHolder 1"/>
+          <p:cNvSpPr>
+            <a:spLocks noGrp="1"/>
+          </p:cNvSpPr>
+          <p:nvPr>
+            <p:ph type="subTitle"/>
+          </p:nvPr>
+        </p:nvSpPr>
+        <p:spPr>
+          <a:xfrm>
+            <a:off x="457200" y="273600"/>
+            <a:ext cx="8229240" cy="5307840"/>
+          </a:xfrm>
+          <a:prstGeom prst="rect">
+            <a:avLst/>
+          </a:prstGeom>
+          <a:noFill/>
+          <a:ln w="0">
+            <a:noFill/>
+          </a:ln>
+        </p:spPr>
+        <p:txBody>
+          <a:bodyPr lIns="0" rIns="0" tIns="0" bIns="0" anchor="ctr">
+            <a:noAutofit/>
+          </a:bodyPr>
+          <a:p>
+            <a:pPr algn="ctr"/>
+            <a:endParaRPr b="0" lang="en-US" sz="3200" spc="-1" strike="noStrike">
+              <a:solidFill>
+                <a:srgbClr val="000000"/>
+              </a:solidFill>
+              <a:latin typeface="Arial"/>
+            </a:endParaRPr>
+          </a:p>
+        </p:txBody>
+      </p:sp>
+      <p:sp>
+        <p:nvSpPr>
+          <p:cNvPr id="3" name="PlaceHolder 2"/>
+          <p:cNvSpPr>
+            <a:spLocks noGrp="1"/>
+          </p:cNvSpPr>
+          <p:nvPr>
+            <p:ph type="ftr" idx="10"/>
+          </p:nvPr>
+        </p:nvSpPr>
+        <p:spPr/>
+        <p:txBody>
+          <a:bodyPr/>
+          <a:p>
+            <a:r>
+              <a:t>Footer</a:t>
+            </a:r>
+          </a:p>
+        </p:txBody>
+      </p:sp>
+      <p:sp>
+        <p:nvSpPr>
+          <p:cNvPr id="4" name="PlaceHolder 3"/>
+          <p:cNvSpPr>
+            <a:spLocks noGrp="1"/>
+          </p:cNvSpPr>
+          <p:nvPr>
+            <p:ph type="sldNum" idx="11"/>
+          </p:nvPr>
+        </p:nvSpPr>
+        <p:spPr/>
+        <p:txBody>
+          <a:bodyPr/>
+          <a:p>
+            <a:fld id="{CF9E9A25-4595-47BA-B0DA-0EBE3E25516C}" type="slidenum">
+              <a:t>&lt;#&gt;</a:t>
+            </a:fld>
+          </a:p>
+        </p:txBody>
+      </p:sp>
+      <p:sp>
+        <p:nvSpPr>
+          <p:cNvPr id="5" name="PlaceHolder 4"/>
+          <p:cNvSpPr>
+            <a:spLocks noGrp="1"/>
+          </p:cNvSpPr>
+          <p:nvPr>
+            <p:ph type="dt" idx="12"/>
+          </p:nvPr>
+        </p:nvSpPr>
+        <p:spPr/>
+        <p:txBody>
+          <a:bodyPr/>
+          <a:p>
+            <a:r>
+              <a:rPr lang="en-US"/>
+              <a:t/>
+            </a:r>
+          </a:p>
+        </p:txBody>
+      </p:sp>
+    </p:spTree>
+  </p:cSld>
+</p:sldLayout>
+</file>
+
+<file path=ppt/slideLayouts/slideLayout43.xml><?xml version="1.0" encoding="utf-8"?>
+<p:sldLayout xmlns:a="http://schemas.openxmlformats.org/drawingml/2006/main" xmlns:p="http://schemas.openxmlformats.org/presentationml/2006/main" xmlns:r="http://schemas.openxmlformats.org/officeDocument/2006/relationships" xmlns:p14="http://schemas.microsoft.com/office/powerpoint/2010/main" xmlns:p15="http://schemas.microsoft.com/office/powerpoint/2012/main" xmlns:mc="http://schemas.openxmlformats.org/markup-compatibility/2006" type="twoObjAndObj" preserve="1">
+  <p:cSld name="Title, 2 Content and Content">
+    <p:spTree>
+      <p:nvGrpSpPr>
+        <p:cNvPr id="1" name=""/>
+        <p:cNvGrpSpPr/>
+        <p:nvPr/>
+      </p:nvGrpSpPr>
+      <p:grpSpPr>
+        <a:xfrm>
+          <a:off x="0" y="0"/>
+          <a:ext cx="0" cy="0"/>
+          <a:chOff x="0" y="0"/>
+          <a:chExt cx="0" cy="0"/>
+        </a:xfrm>
+      </p:grpSpPr>
+      <p:sp>
+        <p:nvSpPr>
+          <p:cNvPr id="135" name="PlaceHolder 1"/>
+          <p:cNvSpPr>
+            <a:spLocks noGrp="1"/>
+          </p:cNvSpPr>
+          <p:nvPr>
+            <p:ph type="title"/>
+          </p:nvPr>
+        </p:nvSpPr>
+        <p:spPr>
+          <a:xfrm>
+            <a:off x="457200" y="273600"/>
+            <a:ext cx="8229240" cy="1144800"/>
+          </a:xfrm>
+          <a:prstGeom prst="rect">
+            <a:avLst/>
+          </a:prstGeom>
+          <a:noFill/>
+          <a:ln w="0">
+            <a:noFill/>
+          </a:ln>
+        </p:spPr>
+        <p:txBody>
+          <a:bodyPr lIns="0" rIns="0" tIns="0" bIns="0" anchor="ctr">
+            <a:noAutofit/>
+          </a:bodyPr>
+          <a:p>
+            <a:pPr indent="0" algn="ctr">
+              <a:buNone/>
+            </a:pPr>
+            <a:endParaRPr b="0" lang="en-US" sz="4400" spc="-1" strike="noStrike">
+              <a:solidFill>
+                <a:srgbClr val="000000"/>
+              </a:solidFill>
+              <a:latin typeface="Arial"/>
+            </a:endParaRPr>
+          </a:p>
+        </p:txBody>
+      </p:sp>
+      <p:sp>
+        <p:nvSpPr>
+          <p:cNvPr id="136" name="PlaceHolder 2"/>
+          <p:cNvSpPr>
+            <a:spLocks noGrp="1"/>
+          </p:cNvSpPr>
+          <p:nvPr>
+            <p:ph/>
+          </p:nvPr>
+        </p:nvSpPr>
+        <p:spPr>
+          <a:xfrm>
+            <a:off x="457200" y="1604520"/>
+            <a:ext cx="4015800" cy="1896840"/>
+          </a:xfrm>
+          <a:prstGeom prst="rect">
+            <a:avLst/>
+          </a:prstGeom>
+          <a:noFill/>
+          <a:ln w="0">
+            <a:noFill/>
+          </a:ln>
+        </p:spPr>
+        <p:txBody>
+          <a:bodyPr lIns="0" rIns="0" tIns="0" bIns="0" anchor="t">
+            <a:normAutofit/>
+          </a:bodyPr>
+          <a:p>
+            <a:pPr indent="0">
+              <a:spcBef>
+                <a:spcPts val="1417"/>
+              </a:spcBef>
+              <a:buNone/>
+            </a:pPr>
+            <a:endParaRPr b="0" lang="en-US" sz="3200" spc="-1" strike="noStrike">
+              <a:solidFill>
+                <a:srgbClr val="000000"/>
+              </a:solidFill>
+              <a:latin typeface="Arial"/>
+            </a:endParaRPr>
+          </a:p>
+        </p:txBody>
+      </p:sp>
+      <p:sp>
+        <p:nvSpPr>
+          <p:cNvPr id="137" name="PlaceHolder 3"/>
+          <p:cNvSpPr>
+            <a:spLocks noGrp="1"/>
+          </p:cNvSpPr>
+          <p:nvPr>
+            <p:ph/>
+          </p:nvPr>
+        </p:nvSpPr>
+        <p:spPr>
+          <a:xfrm>
+            <a:off x="4674240" y="1604520"/>
+            <a:ext cx="4015800" cy="3977280"/>
+          </a:xfrm>
+          <a:prstGeom prst="rect">
+            <a:avLst/>
+          </a:prstGeom>
+          <a:noFill/>
+          <a:ln w="0">
+            <a:noFill/>
+          </a:ln>
+        </p:spPr>
+        <p:txBody>
+          <a:bodyPr lIns="0" rIns="0" tIns="0" bIns="0" anchor="t">
+            <a:normAutofit/>
+          </a:bodyPr>
+          <a:p>
+            <a:pPr indent="0">
+              <a:spcBef>
+                <a:spcPts val="1417"/>
+              </a:spcBef>
+              <a:buNone/>
+            </a:pPr>
+            <a:endParaRPr b="0" lang="en-US" sz="3200" spc="-1" strike="noStrike">
+              <a:solidFill>
+                <a:srgbClr val="000000"/>
+              </a:solidFill>
+              <a:latin typeface="Arial"/>
+            </a:endParaRPr>
+          </a:p>
+        </p:txBody>
+      </p:sp>
+      <p:sp>
+        <p:nvSpPr>
+          <p:cNvPr id="138" name="PlaceHolder 4"/>
+          <p:cNvSpPr>
+            <a:spLocks noGrp="1"/>
+          </p:cNvSpPr>
+          <p:nvPr>
+            <p:ph/>
+          </p:nvPr>
+        </p:nvSpPr>
+        <p:spPr>
+          <a:xfrm>
+            <a:off x="457200" y="3682080"/>
+            <a:ext cx="4015800" cy="1896840"/>
+          </a:xfrm>
+          <a:prstGeom prst="rect">
+            <a:avLst/>
+          </a:prstGeom>
+          <a:noFill/>
+          <a:ln w="0">
+            <a:noFill/>
+          </a:ln>
+        </p:spPr>
+        <p:txBody>
+          <a:bodyPr lIns="0" rIns="0" tIns="0" bIns="0" anchor="t">
+            <a:normAutofit/>
+          </a:bodyPr>
+          <a:p>
+            <a:pPr indent="0">
+              <a:spcBef>
+                <a:spcPts val="1417"/>
+              </a:spcBef>
+              <a:buNone/>
+            </a:pPr>
+            <a:endParaRPr b="0" lang="en-US" sz="3200" spc="-1" strike="noStrike">
+              <a:solidFill>
+                <a:srgbClr val="000000"/>
+              </a:solidFill>
+              <a:latin typeface="Arial"/>
+            </a:endParaRPr>
+          </a:p>
+        </p:txBody>
+      </p:sp>
+      <p:sp>
+        <p:nvSpPr>
+          <p:cNvPr id="6" name="PlaceHolder 5"/>
+          <p:cNvSpPr>
+            <a:spLocks noGrp="1"/>
+          </p:cNvSpPr>
+          <p:nvPr>
+            <p:ph type="ftr" idx="10"/>
+          </p:nvPr>
+        </p:nvSpPr>
+        <p:spPr/>
+        <p:txBody>
+          <a:bodyPr/>
+          <a:p>
+            <a:r>
+              <a:t>Footer</a:t>
+            </a:r>
+          </a:p>
+        </p:txBody>
+      </p:sp>
+      <p:sp>
+        <p:nvSpPr>
+          <p:cNvPr id="7" name="PlaceHolder 6"/>
+          <p:cNvSpPr>
+            <a:spLocks noGrp="1"/>
+          </p:cNvSpPr>
+          <p:nvPr>
+            <p:ph type="sldNum" idx="11"/>
+          </p:nvPr>
+        </p:nvSpPr>
+        <p:spPr/>
+        <p:txBody>
+          <a:bodyPr/>
+          <a:p>
+            <a:fld id="{0E8662E8-1D87-405A-94E8-573902072587}" type="slidenum">
+              <a:t>&lt;#&gt;</a:t>
+            </a:fld>
+          </a:p>
+        </p:txBody>
+      </p:sp>
+      <p:sp>
+        <p:nvSpPr>
+          <p:cNvPr id="8" name="PlaceHolder 7"/>
+          <p:cNvSpPr>
+            <a:spLocks noGrp="1"/>
+          </p:cNvSpPr>
+          <p:nvPr>
+            <p:ph type="dt" idx="12"/>
+          </p:nvPr>
+        </p:nvSpPr>
+        <p:spPr/>
+        <p:txBody>
+          <a:bodyPr/>
+          <a:p>
+            <a:r>
+              <a:rPr lang="en-US"/>
+              <a:t/>
+            </a:r>
+          </a:p>
+        </p:txBody>
+      </p:sp>
+    </p:spTree>
+  </p:cSld>
+</p:sldLayout>
+</file>
+
+<file path=ppt/slideLayouts/slideLayout44.xml><?xml version="1.0" encoding="utf-8"?>
+<p:sldLayout xmlns:a="http://schemas.openxmlformats.org/drawingml/2006/main" xmlns:p="http://schemas.openxmlformats.org/presentationml/2006/main" xmlns:r="http://schemas.openxmlformats.org/officeDocument/2006/relationships" xmlns:p14="http://schemas.microsoft.com/office/powerpoint/2010/main" xmlns:p15="http://schemas.microsoft.com/office/powerpoint/2012/main" xmlns:mc="http://schemas.openxmlformats.org/markup-compatibility/2006" type="objAndTwoObj" preserve="1">
+  <p:cSld name="Title Content and 2 Content">
+    <p:spTree>
+      <p:nvGrpSpPr>
+        <p:cNvPr id="1" name=""/>
+        <p:cNvGrpSpPr/>
+        <p:nvPr/>
+      </p:nvGrpSpPr>
+      <p:grpSpPr>
+        <a:xfrm>
+          <a:off x="0" y="0"/>
+          <a:ext cx="0" cy="0"/>
+          <a:chOff x="0" y="0"/>
+          <a:chExt cx="0" cy="0"/>
+        </a:xfrm>
+      </p:grpSpPr>
+      <p:sp>
+        <p:nvSpPr>
+          <p:cNvPr id="139" name="PlaceHolder 1"/>
+          <p:cNvSpPr>
+            <a:spLocks noGrp="1"/>
+          </p:cNvSpPr>
+          <p:nvPr>
+            <p:ph type="title"/>
+          </p:nvPr>
+        </p:nvSpPr>
+        <p:spPr>
+          <a:xfrm>
+            <a:off x="457200" y="273600"/>
+            <a:ext cx="8229240" cy="1144800"/>
+          </a:xfrm>
+          <a:prstGeom prst="rect">
+            <a:avLst/>
+          </a:prstGeom>
+          <a:noFill/>
+          <a:ln w="0">
+            <a:noFill/>
+          </a:ln>
+        </p:spPr>
+        <p:txBody>
+          <a:bodyPr lIns="0" rIns="0" tIns="0" bIns="0" anchor="ctr">
+            <a:noAutofit/>
+          </a:bodyPr>
+          <a:p>
+            <a:pPr indent="0" algn="ctr">
+              <a:buNone/>
+            </a:pPr>
+            <a:endParaRPr b="0" lang="en-US" sz="4400" spc="-1" strike="noStrike">
+              <a:solidFill>
+                <a:srgbClr val="000000"/>
+              </a:solidFill>
+              <a:latin typeface="Arial"/>
+            </a:endParaRPr>
+          </a:p>
+        </p:txBody>
+      </p:sp>
+      <p:sp>
+        <p:nvSpPr>
+          <p:cNvPr id="140" name="PlaceHolder 2"/>
+          <p:cNvSpPr>
+            <a:spLocks noGrp="1"/>
+          </p:cNvSpPr>
+          <p:nvPr>
+            <p:ph/>
+          </p:nvPr>
+        </p:nvSpPr>
+        <p:spPr>
+          <a:xfrm>
+            <a:off x="457200" y="1604520"/>
+            <a:ext cx="4015800" cy="3977280"/>
+          </a:xfrm>
+          <a:prstGeom prst="rect">
+            <a:avLst/>
+          </a:prstGeom>
+          <a:noFill/>
+          <a:ln w="0">
+            <a:noFill/>
+          </a:ln>
+        </p:spPr>
+        <p:txBody>
+          <a:bodyPr lIns="0" rIns="0" tIns="0" bIns="0" anchor="t">
+            <a:normAutofit/>
+          </a:bodyPr>
+          <a:p>
+            <a:pPr indent="0">
+              <a:spcBef>
+                <a:spcPts val="1417"/>
+              </a:spcBef>
+              <a:buNone/>
+            </a:pPr>
+            <a:endParaRPr b="0" lang="en-US" sz="3200" spc="-1" strike="noStrike">
+              <a:solidFill>
+                <a:srgbClr val="000000"/>
+              </a:solidFill>
+              <a:latin typeface="Arial"/>
+            </a:endParaRPr>
+          </a:p>
+        </p:txBody>
+      </p:sp>
+      <p:sp>
+        <p:nvSpPr>
+          <p:cNvPr id="141" name="PlaceHolder 3"/>
+          <p:cNvSpPr>
+            <a:spLocks noGrp="1"/>
+          </p:cNvSpPr>
+          <p:nvPr>
+            <p:ph/>
+          </p:nvPr>
+        </p:nvSpPr>
+        <p:spPr>
+          <a:xfrm>
+            <a:off x="4674240" y="1604520"/>
+            <a:ext cx="4015800" cy="1896840"/>
+          </a:xfrm>
+          <a:prstGeom prst="rect">
+            <a:avLst/>
+          </a:prstGeom>
+          <a:noFill/>
+          <a:ln w="0">
+            <a:noFill/>
+          </a:ln>
+        </p:spPr>
+        <p:txBody>
+          <a:bodyPr lIns="0" rIns="0" tIns="0" bIns="0" anchor="t">
+            <a:normAutofit/>
+          </a:bodyPr>
+          <a:p>
+            <a:pPr indent="0">
+              <a:spcBef>
+                <a:spcPts val="1417"/>
+              </a:spcBef>
+              <a:buNone/>
+            </a:pPr>
+            <a:endParaRPr b="0" lang="en-US" sz="3200" spc="-1" strike="noStrike">
+              <a:solidFill>
+                <a:srgbClr val="000000"/>
+              </a:solidFill>
+              <a:latin typeface="Arial"/>
+            </a:endParaRPr>
+          </a:p>
+        </p:txBody>
+      </p:sp>
+      <p:sp>
+        <p:nvSpPr>
+          <p:cNvPr id="142" name="PlaceHolder 4"/>
+          <p:cNvSpPr>
+            <a:spLocks noGrp="1"/>
+          </p:cNvSpPr>
+          <p:nvPr>
+            <p:ph/>
+          </p:nvPr>
+        </p:nvSpPr>
+        <p:spPr>
+          <a:xfrm>
+            <a:off x="4674240" y="3682080"/>
+            <a:ext cx="4015800" cy="1896840"/>
+          </a:xfrm>
+          <a:prstGeom prst="rect">
+            <a:avLst/>
+          </a:prstGeom>
+          <a:noFill/>
+          <a:ln w="0">
+            <a:noFill/>
+          </a:ln>
+        </p:spPr>
+        <p:txBody>
+          <a:bodyPr lIns="0" rIns="0" tIns="0" bIns="0" anchor="t">
+            <a:normAutofit/>
+          </a:bodyPr>
+          <a:p>
+            <a:pPr indent="0">
+              <a:spcBef>
+                <a:spcPts val="1417"/>
+              </a:spcBef>
+              <a:buNone/>
+            </a:pPr>
+            <a:endParaRPr b="0" lang="en-US" sz="3200" spc="-1" strike="noStrike">
+              <a:solidFill>
+                <a:srgbClr val="000000"/>
+              </a:solidFill>
+              <a:latin typeface="Arial"/>
+            </a:endParaRPr>
+          </a:p>
+        </p:txBody>
+      </p:sp>
+      <p:sp>
+        <p:nvSpPr>
+          <p:cNvPr id="6" name="PlaceHolder 5"/>
+          <p:cNvSpPr>
+            <a:spLocks noGrp="1"/>
+          </p:cNvSpPr>
+          <p:nvPr>
+            <p:ph type="ftr" idx="10"/>
+          </p:nvPr>
+        </p:nvSpPr>
+        <p:spPr/>
+        <p:txBody>
+          <a:bodyPr/>
+          <a:p>
+            <a:r>
+              <a:t>Footer</a:t>
+            </a:r>
+          </a:p>
+        </p:txBody>
+      </p:sp>
+      <p:sp>
+        <p:nvSpPr>
+          <p:cNvPr id="7" name="PlaceHolder 6"/>
+          <p:cNvSpPr>
+            <a:spLocks noGrp="1"/>
+          </p:cNvSpPr>
+          <p:nvPr>
+            <p:ph type="sldNum" idx="11"/>
+          </p:nvPr>
+        </p:nvSpPr>
+        <p:spPr/>
+        <p:txBody>
+          <a:bodyPr/>
+          <a:p>
+            <a:fld id="{CFD9DEA9-E5EF-4D63-8C99-71475612DB35}" type="slidenum">
+              <a:t>&lt;#&gt;</a:t>
+            </a:fld>
+          </a:p>
+        </p:txBody>
+      </p:sp>
+      <p:sp>
+        <p:nvSpPr>
+          <p:cNvPr id="8" name="PlaceHolder 7"/>
+          <p:cNvSpPr>
+            <a:spLocks noGrp="1"/>
+          </p:cNvSpPr>
+          <p:nvPr>
+            <p:ph type="dt" idx="12"/>
+          </p:nvPr>
+        </p:nvSpPr>
+        <p:spPr/>
+        <p:txBody>
+          <a:bodyPr/>
+          <a:p>
+            <a:r>
+              <a:rPr lang="en-US"/>
+              <a:t/>
+            </a:r>
+          </a:p>
+        </p:txBody>
+      </p:sp>
+    </p:spTree>
+  </p:cSld>
+</p:sldLayout>
+</file>
+
+<file path=ppt/slideLayouts/slideLayout45.xml><?xml version="1.0" encoding="utf-8"?>
+<p:sldLayout xmlns:a="http://schemas.openxmlformats.org/drawingml/2006/main" xmlns:p="http://schemas.openxmlformats.org/presentationml/2006/main" xmlns:r="http://schemas.openxmlformats.org/officeDocument/2006/relationships" xmlns:p14="http://schemas.microsoft.com/office/powerpoint/2010/main" xmlns:p15="http://schemas.microsoft.com/office/powerpoint/2012/main" xmlns:mc="http://schemas.openxmlformats.org/markup-compatibility/2006" type="twoObjOverTx" preserve="1">
+  <p:cSld name="Title, 2 Content over Content">
+    <p:spTree>
+      <p:nvGrpSpPr>
+        <p:cNvPr id="1" name=""/>
+        <p:cNvGrpSpPr/>
+        <p:nvPr/>
+      </p:nvGrpSpPr>
+      <p:grpSpPr>
+        <a:xfrm>
+          <a:off x="0" y="0"/>
+          <a:ext cx="0" cy="0"/>
+          <a:chOff x="0" y="0"/>
+          <a:chExt cx="0" cy="0"/>
+        </a:xfrm>
+      </p:grpSpPr>
+      <p:sp>
+        <p:nvSpPr>
+          <p:cNvPr id="143" name="PlaceHolder 1"/>
+          <p:cNvSpPr>
+            <a:spLocks noGrp="1"/>
+          </p:cNvSpPr>
+          <p:nvPr>
+            <p:ph type="title"/>
+          </p:nvPr>
+        </p:nvSpPr>
+        <p:spPr>
+          <a:xfrm>
+            <a:off x="457200" y="273600"/>
+            <a:ext cx="8229240" cy="1144800"/>
+          </a:xfrm>
+          <a:prstGeom prst="rect">
+            <a:avLst/>
+          </a:prstGeom>
+          <a:noFill/>
+          <a:ln w="0">
+            <a:noFill/>
+          </a:ln>
+        </p:spPr>
+        <p:txBody>
+          <a:bodyPr lIns="0" rIns="0" tIns="0" bIns="0" anchor="ctr">
+            <a:noAutofit/>
+          </a:bodyPr>
+          <a:p>
+            <a:pPr indent="0" algn="ctr">
+              <a:buNone/>
+            </a:pPr>
+            <a:endParaRPr b="0" lang="en-US" sz="4400" spc="-1" strike="noStrike">
+              <a:solidFill>
+                <a:srgbClr val="000000"/>
+              </a:solidFill>
+              <a:latin typeface="Arial"/>
+            </a:endParaRPr>
+          </a:p>
+        </p:txBody>
+      </p:sp>
+      <p:sp>
+        <p:nvSpPr>
+          <p:cNvPr id="144" name="PlaceHolder 2"/>
+          <p:cNvSpPr>
+            <a:spLocks noGrp="1"/>
+          </p:cNvSpPr>
+          <p:nvPr>
+            <p:ph/>
+          </p:nvPr>
+        </p:nvSpPr>
+        <p:spPr>
+          <a:xfrm>
+            <a:off x="457200" y="1604520"/>
+            <a:ext cx="4015800" cy="1896840"/>
+          </a:xfrm>
+          <a:prstGeom prst="rect">
+            <a:avLst/>
+          </a:prstGeom>
+          <a:noFill/>
+          <a:ln w="0">
+            <a:noFill/>
+          </a:ln>
+        </p:spPr>
+        <p:txBody>
+          <a:bodyPr lIns="0" rIns="0" tIns="0" bIns="0" anchor="t">
+            <a:normAutofit/>
+          </a:bodyPr>
+          <a:p>
+            <a:pPr indent="0">
+              <a:spcBef>
+                <a:spcPts val="1417"/>
+              </a:spcBef>
+              <a:buNone/>
+            </a:pPr>
+            <a:endParaRPr b="0" lang="en-US" sz="3200" spc="-1" strike="noStrike">
+              <a:solidFill>
+                <a:srgbClr val="000000"/>
+              </a:solidFill>
+              <a:latin typeface="Arial"/>
+            </a:endParaRPr>
+          </a:p>
+        </p:txBody>
+      </p:sp>
+      <p:sp>
+        <p:nvSpPr>
+          <p:cNvPr id="145" name="PlaceHolder 3"/>
+          <p:cNvSpPr>
+            <a:spLocks noGrp="1"/>
+          </p:cNvSpPr>
+          <p:nvPr>
+            <p:ph/>
+          </p:nvPr>
+        </p:nvSpPr>
+        <p:spPr>
+          <a:xfrm>
+            <a:off x="4674240" y="1604520"/>
+            <a:ext cx="4015800" cy="1896840"/>
+          </a:xfrm>
+          <a:prstGeom prst="rect">
+            <a:avLst/>
+          </a:prstGeom>
+          <a:noFill/>
+          <a:ln w="0">
+            <a:noFill/>
+          </a:ln>
+        </p:spPr>
+        <p:txBody>
+          <a:bodyPr lIns="0" rIns="0" tIns="0" bIns="0" anchor="t">
+            <a:normAutofit/>
+          </a:bodyPr>
+          <a:p>
+            <a:pPr indent="0">
+              <a:spcBef>
+                <a:spcPts val="1417"/>
+              </a:spcBef>
+              <a:buNone/>
+            </a:pPr>
+            <a:endParaRPr b="0" lang="en-US" sz="3200" spc="-1" strike="noStrike">
+              <a:solidFill>
+                <a:srgbClr val="000000"/>
+              </a:solidFill>
+              <a:latin typeface="Arial"/>
+            </a:endParaRPr>
+          </a:p>
+        </p:txBody>
+      </p:sp>
+      <p:sp>
+        <p:nvSpPr>
+          <p:cNvPr id="146" name="PlaceHolder 4"/>
+          <p:cNvSpPr>
+            <a:spLocks noGrp="1"/>
+          </p:cNvSpPr>
+          <p:nvPr>
+            <p:ph/>
+          </p:nvPr>
+        </p:nvSpPr>
+        <p:spPr>
+          <a:xfrm>
+            <a:off x="457200" y="3682080"/>
+            <a:ext cx="8229240" cy="1896840"/>
+          </a:xfrm>
+          <a:prstGeom prst="rect">
+            <a:avLst/>
+          </a:prstGeom>
+          <a:noFill/>
+          <a:ln w="0">
+            <a:noFill/>
+          </a:ln>
+        </p:spPr>
+        <p:txBody>
+          <a:bodyPr lIns="0" rIns="0" tIns="0" bIns="0" anchor="t">
+            <a:normAutofit/>
+          </a:bodyPr>
+          <a:p>
+            <a:pPr indent="0">
+              <a:spcBef>
+                <a:spcPts val="1417"/>
+              </a:spcBef>
+              <a:buNone/>
+            </a:pPr>
+            <a:endParaRPr b="0" lang="en-US" sz="3200" spc="-1" strike="noStrike">
+              <a:solidFill>
+                <a:srgbClr val="000000"/>
+              </a:solidFill>
+              <a:latin typeface="Arial"/>
+            </a:endParaRPr>
+          </a:p>
+        </p:txBody>
+      </p:sp>
+      <p:sp>
+        <p:nvSpPr>
+          <p:cNvPr id="6" name="PlaceHolder 5"/>
+          <p:cNvSpPr>
+            <a:spLocks noGrp="1"/>
+          </p:cNvSpPr>
+          <p:nvPr>
+            <p:ph type="ftr" idx="10"/>
+          </p:nvPr>
+        </p:nvSpPr>
+        <p:spPr/>
+        <p:txBody>
+          <a:bodyPr/>
+          <a:p>
+            <a:r>
+              <a:t>Footer</a:t>
+            </a:r>
+          </a:p>
+        </p:txBody>
+      </p:sp>
+      <p:sp>
+        <p:nvSpPr>
+          <p:cNvPr id="7" name="PlaceHolder 6"/>
+          <p:cNvSpPr>
+            <a:spLocks noGrp="1"/>
+          </p:cNvSpPr>
+          <p:nvPr>
+            <p:ph type="sldNum" idx="11"/>
+          </p:nvPr>
+        </p:nvSpPr>
+        <p:spPr/>
+        <p:txBody>
+          <a:bodyPr/>
+          <a:p>
+            <a:fld id="{B19B3EE2-39A4-4984-8D6C-CF9E67AF0C9A}" type="slidenum">
+              <a:t>&lt;#&gt;</a:t>
+            </a:fld>
+          </a:p>
+        </p:txBody>
+      </p:sp>
+      <p:sp>
+        <p:nvSpPr>
+          <p:cNvPr id="8" name="PlaceHolder 7"/>
+          <p:cNvSpPr>
+            <a:spLocks noGrp="1"/>
+          </p:cNvSpPr>
+          <p:nvPr>
+            <p:ph type="dt" idx="12"/>
+          </p:nvPr>
+        </p:nvSpPr>
+        <p:spPr/>
+        <p:txBody>
+          <a:bodyPr/>
+          <a:p>
+            <a:r>
+              <a:rPr lang="en-US"/>
+              <a:t/>
+            </a:r>
+          </a:p>
+        </p:txBody>
+      </p:sp>
+    </p:spTree>
+  </p:cSld>
+</p:sldLayout>
+</file>
+
+<file path=ppt/slideLayouts/slideLayout46.xml><?xml version="1.0" encoding="utf-8"?>
+<p:sldLayout xmlns:a="http://schemas.openxmlformats.org/drawingml/2006/main" xmlns:p="http://schemas.openxmlformats.org/presentationml/2006/main" xmlns:r="http://schemas.openxmlformats.org/officeDocument/2006/relationships" xmlns:p14="http://schemas.microsoft.com/office/powerpoint/2010/main" xmlns:p15="http://schemas.microsoft.com/office/powerpoint/2012/main" xmlns:mc="http://schemas.openxmlformats.org/markup-compatibility/2006" type="objOverTx" preserve="1">
+  <p:cSld name="Title, Content over Content">
+    <p:spTree>
+      <p:nvGrpSpPr>
+        <p:cNvPr id="1" name=""/>
+        <p:cNvGrpSpPr/>
+        <p:nvPr/>
+      </p:nvGrpSpPr>
+      <p:grpSpPr>
+        <a:xfrm>
+          <a:off x="0" y="0"/>
+          <a:ext cx="0" cy="0"/>
+          <a:chOff x="0" y="0"/>
+          <a:chExt cx="0" cy="0"/>
+        </a:xfrm>
+      </p:grpSpPr>
+      <p:sp>
+        <p:nvSpPr>
+          <p:cNvPr id="147" name="PlaceHolder 1"/>
+          <p:cNvSpPr>
+            <a:spLocks noGrp="1"/>
+          </p:cNvSpPr>
+          <p:nvPr>
+            <p:ph type="title"/>
+          </p:nvPr>
+        </p:nvSpPr>
+        <p:spPr>
+          <a:xfrm>
+            <a:off x="457200" y="273600"/>
+            <a:ext cx="8229240" cy="1144800"/>
+          </a:xfrm>
+          <a:prstGeom prst="rect">
+            <a:avLst/>
+          </a:prstGeom>
+          <a:noFill/>
+          <a:ln w="0">
+            <a:noFill/>
+          </a:ln>
+        </p:spPr>
+        <p:txBody>
+          <a:bodyPr lIns="0" rIns="0" tIns="0" bIns="0" anchor="ctr">
+            <a:noAutofit/>
+          </a:bodyPr>
+          <a:p>
+            <a:pPr indent="0" algn="ctr">
+              <a:buNone/>
+            </a:pPr>
+            <a:endParaRPr b="0" lang="en-US" sz="4400" spc="-1" strike="noStrike">
+              <a:solidFill>
+                <a:srgbClr val="000000"/>
+              </a:solidFill>
+              <a:latin typeface="Arial"/>
+            </a:endParaRPr>
+          </a:p>
+        </p:txBody>
+      </p:sp>
+      <p:sp>
+        <p:nvSpPr>
+          <p:cNvPr id="148" name="PlaceHolder 2"/>
+          <p:cNvSpPr>
+            <a:spLocks noGrp="1"/>
+          </p:cNvSpPr>
+          <p:nvPr>
+            <p:ph/>
+          </p:nvPr>
+        </p:nvSpPr>
+        <p:spPr>
+          <a:xfrm>
+            <a:off x="457200" y="1604520"/>
+            <a:ext cx="8229240" cy="1896840"/>
+          </a:xfrm>
+          <a:prstGeom prst="rect">
+            <a:avLst/>
+          </a:prstGeom>
+          <a:noFill/>
+          <a:ln w="0">
+            <a:noFill/>
+          </a:ln>
+        </p:spPr>
+        <p:txBody>
+          <a:bodyPr lIns="0" rIns="0" tIns="0" bIns="0" anchor="t">
+            <a:normAutofit/>
+          </a:bodyPr>
+          <a:p>
+            <a:pPr indent="0">
+              <a:spcBef>
+                <a:spcPts val="1417"/>
+              </a:spcBef>
+              <a:buNone/>
+            </a:pPr>
+            <a:endParaRPr b="0" lang="en-US" sz="3200" spc="-1" strike="noStrike">
+              <a:solidFill>
+                <a:srgbClr val="000000"/>
+              </a:solidFill>
+              <a:latin typeface="Arial"/>
+            </a:endParaRPr>
+          </a:p>
+        </p:txBody>
+      </p:sp>
+      <p:sp>
+        <p:nvSpPr>
+          <p:cNvPr id="149" name="PlaceHolder 3"/>
+          <p:cNvSpPr>
+            <a:spLocks noGrp="1"/>
+          </p:cNvSpPr>
+          <p:nvPr>
+            <p:ph/>
+          </p:nvPr>
+        </p:nvSpPr>
+        <p:spPr>
+          <a:xfrm>
+            <a:off x="457200" y="3682080"/>
+            <a:ext cx="8229240" cy="1896840"/>
+          </a:xfrm>
+          <a:prstGeom prst="rect">
+            <a:avLst/>
+          </a:prstGeom>
+          <a:noFill/>
+          <a:ln w="0">
+            <a:noFill/>
+          </a:ln>
+        </p:spPr>
+        <p:txBody>
+          <a:bodyPr lIns="0" rIns="0" tIns="0" bIns="0" anchor="t">
+            <a:normAutofit/>
+          </a:bodyPr>
+          <a:p>
+            <a:pPr indent="0">
+              <a:spcBef>
+                <a:spcPts val="1417"/>
+              </a:spcBef>
+              <a:buNone/>
+            </a:pPr>
+            <a:endParaRPr b="0" lang="en-US" sz="3200" spc="-1" strike="noStrike">
+              <a:solidFill>
+                <a:srgbClr val="000000"/>
+              </a:solidFill>
+              <a:latin typeface="Arial"/>
+            </a:endParaRPr>
+          </a:p>
+        </p:txBody>
+      </p:sp>
+      <p:sp>
+        <p:nvSpPr>
+          <p:cNvPr id="5" name="PlaceHolder 4"/>
+          <p:cNvSpPr>
+            <a:spLocks noGrp="1"/>
+          </p:cNvSpPr>
+          <p:nvPr>
+            <p:ph type="ftr" idx="10"/>
+          </p:nvPr>
+        </p:nvSpPr>
+        <p:spPr/>
+        <p:txBody>
+          <a:bodyPr/>
+          <a:p>
+            <a:r>
+              <a:t>Footer</a:t>
+            </a:r>
+          </a:p>
+        </p:txBody>
+      </p:sp>
+      <p:sp>
+        <p:nvSpPr>
+          <p:cNvPr id="6" name="PlaceHolder 5"/>
+          <p:cNvSpPr>
+            <a:spLocks noGrp="1"/>
+          </p:cNvSpPr>
+          <p:nvPr>
+            <p:ph type="sldNum" idx="11"/>
+          </p:nvPr>
+        </p:nvSpPr>
+        <p:spPr/>
+        <p:txBody>
+          <a:bodyPr/>
+          <a:p>
+            <a:fld id="{C694DB51-442E-454B-BAA9-9D83DF058E06}" type="slidenum">
+              <a:t>&lt;#&gt;</a:t>
+            </a:fld>
+          </a:p>
+        </p:txBody>
+      </p:sp>
+      <p:sp>
+        <p:nvSpPr>
+          <p:cNvPr id="7" name="PlaceHolder 6"/>
+          <p:cNvSpPr>
+            <a:spLocks noGrp="1"/>
+          </p:cNvSpPr>
+          <p:nvPr>
+            <p:ph type="dt" idx="12"/>
+          </p:nvPr>
+        </p:nvSpPr>
+        <p:spPr/>
+        <p:txBody>
+          <a:bodyPr/>
+          <a:p>
+            <a:r>
+              <a:rPr lang="en-US"/>
+              <a:t/>
+            </a:r>
+          </a:p>
+        </p:txBody>
+      </p:sp>
+    </p:spTree>
+  </p:cSld>
+</p:sldLayout>
+</file>
+
+<file path=ppt/slideLayouts/slideLayout47.xml><?xml version="1.0" encoding="utf-8"?>
+<p:sldLayout xmlns:a="http://schemas.openxmlformats.org/drawingml/2006/main" xmlns:p="http://schemas.openxmlformats.org/presentationml/2006/main" xmlns:r="http://schemas.openxmlformats.org/officeDocument/2006/relationships" xmlns:p14="http://schemas.microsoft.com/office/powerpoint/2010/main" xmlns:p15="http://schemas.microsoft.com/office/powerpoint/2012/main" xmlns:mc="http://schemas.openxmlformats.org/markup-compatibility/2006" type="fourObj" preserve="1">
+  <p:cSld name="Title, 4 Content">
+    <p:spTree>
+      <p:nvGrpSpPr>
+        <p:cNvPr id="1" name=""/>
+        <p:cNvGrpSpPr/>
+        <p:nvPr/>
+      </p:nvGrpSpPr>
+      <p:grpSpPr>
+        <a:xfrm>
+          <a:off x="0" y="0"/>
+          <a:ext cx="0" cy="0"/>
+          <a:chOff x="0" y="0"/>
+          <a:chExt cx="0" cy="0"/>
+        </a:xfrm>
+      </p:grpSpPr>
+      <p:sp>
+        <p:nvSpPr>
+          <p:cNvPr id="150" name="PlaceHolder 1"/>
+          <p:cNvSpPr>
+            <a:spLocks noGrp="1"/>
+          </p:cNvSpPr>
+          <p:nvPr>
+            <p:ph type="title"/>
+          </p:nvPr>
+        </p:nvSpPr>
+        <p:spPr>
+          <a:xfrm>
+            <a:off x="457200" y="273600"/>
+            <a:ext cx="8229240" cy="1144800"/>
+          </a:xfrm>
+          <a:prstGeom prst="rect">
+            <a:avLst/>
+          </a:prstGeom>
+          <a:noFill/>
+          <a:ln w="0">
+            <a:noFill/>
+          </a:ln>
+        </p:spPr>
+        <p:txBody>
+          <a:bodyPr lIns="0" rIns="0" tIns="0" bIns="0" anchor="ctr">
+            <a:noAutofit/>
+          </a:bodyPr>
+          <a:p>
+            <a:pPr indent="0" algn="ctr">
+              <a:buNone/>
+            </a:pPr>
+            <a:endParaRPr b="0" lang="en-US" sz="4400" spc="-1" strike="noStrike">
+              <a:solidFill>
+                <a:srgbClr val="000000"/>
+              </a:solidFill>
+              <a:latin typeface="Arial"/>
+            </a:endParaRPr>
+          </a:p>
+        </p:txBody>
+      </p:sp>
+      <p:sp>
+        <p:nvSpPr>
+          <p:cNvPr id="151" name="PlaceHolder 2"/>
+          <p:cNvSpPr>
+            <a:spLocks noGrp="1"/>
+          </p:cNvSpPr>
+          <p:nvPr>
+            <p:ph/>
+          </p:nvPr>
+        </p:nvSpPr>
+        <p:spPr>
+          <a:xfrm>
+            <a:off x="457200" y="1604520"/>
+            <a:ext cx="4015800" cy="1896840"/>
+          </a:xfrm>
+          <a:prstGeom prst="rect">
+            <a:avLst/>
+          </a:prstGeom>
+          <a:noFill/>
+          <a:ln w="0">
+            <a:noFill/>
+          </a:ln>
+        </p:spPr>
+        <p:txBody>
+          <a:bodyPr lIns="0" rIns="0" tIns="0" bIns="0" anchor="t">
+            <a:normAutofit/>
+          </a:bodyPr>
+          <a:p>
+            <a:pPr indent="0">
+              <a:spcBef>
+                <a:spcPts val="1417"/>
+              </a:spcBef>
+              <a:buNone/>
+            </a:pPr>
+            <a:endParaRPr b="0" lang="en-US" sz="3200" spc="-1" strike="noStrike">
+              <a:solidFill>
+                <a:srgbClr val="000000"/>
+              </a:solidFill>
+              <a:latin typeface="Arial"/>
+            </a:endParaRPr>
+          </a:p>
+        </p:txBody>
+      </p:sp>
+      <p:sp>
+        <p:nvSpPr>
+          <p:cNvPr id="152" name="PlaceHolder 3"/>
+          <p:cNvSpPr>
+            <a:spLocks noGrp="1"/>
+          </p:cNvSpPr>
+          <p:nvPr>
+            <p:ph/>
+          </p:nvPr>
+        </p:nvSpPr>
+        <p:spPr>
+          <a:xfrm>
+            <a:off x="4674240" y="1604520"/>
+            <a:ext cx="4015800" cy="1896840"/>
+          </a:xfrm>
+          <a:prstGeom prst="rect">
+            <a:avLst/>
+          </a:prstGeom>
+          <a:noFill/>
+          <a:ln w="0">
+            <a:noFill/>
+          </a:ln>
+        </p:spPr>
+        <p:txBody>
+          <a:bodyPr lIns="0" rIns="0" tIns="0" bIns="0" anchor="t">
+            <a:normAutofit/>
+          </a:bodyPr>
+          <a:p>
+            <a:pPr indent="0">
+              <a:spcBef>
+                <a:spcPts val="1417"/>
+              </a:spcBef>
+              <a:buNone/>
+            </a:pPr>
+            <a:endParaRPr b="0" lang="en-US" sz="3200" spc="-1" strike="noStrike">
+              <a:solidFill>
+                <a:srgbClr val="000000"/>
+              </a:solidFill>
+              <a:latin typeface="Arial"/>
+            </a:endParaRPr>
+          </a:p>
+        </p:txBody>
+      </p:sp>
+      <p:sp>
+        <p:nvSpPr>
+          <p:cNvPr id="153" name="PlaceHolder 4"/>
+          <p:cNvSpPr>
+            <a:spLocks noGrp="1"/>
+          </p:cNvSpPr>
+          <p:nvPr>
+            <p:ph/>
+          </p:nvPr>
+        </p:nvSpPr>
+        <p:spPr>
+          <a:xfrm>
+            <a:off x="457200" y="3682080"/>
+            <a:ext cx="4015800" cy="1896840"/>
+          </a:xfrm>
+          <a:prstGeom prst="rect">
+            <a:avLst/>
+          </a:prstGeom>
+          <a:noFill/>
+          <a:ln w="0">
+            <a:noFill/>
+          </a:ln>
+        </p:spPr>
+        <p:txBody>
+          <a:bodyPr lIns="0" rIns="0" tIns="0" bIns="0" anchor="t">
+            <a:normAutofit/>
+          </a:bodyPr>
+          <a:p>
+            <a:pPr indent="0">
+              <a:spcBef>
+                <a:spcPts val="1417"/>
+              </a:spcBef>
+              <a:buNone/>
+            </a:pPr>
+            <a:endParaRPr b="0" lang="en-US" sz="3200" spc="-1" strike="noStrike">
+              <a:solidFill>
+                <a:srgbClr val="000000"/>
+              </a:solidFill>
+              <a:latin typeface="Arial"/>
+            </a:endParaRPr>
+          </a:p>
+        </p:txBody>
+      </p:sp>
+      <p:sp>
+        <p:nvSpPr>
+          <p:cNvPr id="154" name="PlaceHolder 5"/>
+          <p:cNvSpPr>
+            <a:spLocks noGrp="1"/>
+          </p:cNvSpPr>
+          <p:nvPr>
+            <p:ph/>
+          </p:nvPr>
+        </p:nvSpPr>
+        <p:spPr>
+          <a:xfrm>
+            <a:off x="4674240" y="3682080"/>
+            <a:ext cx="4015800" cy="1896840"/>
+          </a:xfrm>
+          <a:prstGeom prst="rect">
+            <a:avLst/>
+          </a:prstGeom>
+          <a:noFill/>
+          <a:ln w="0">
+            <a:noFill/>
+          </a:ln>
+        </p:spPr>
+        <p:txBody>
+          <a:bodyPr lIns="0" rIns="0" tIns="0" bIns="0" anchor="t">
+            <a:normAutofit/>
+          </a:bodyPr>
+          <a:p>
+            <a:pPr indent="0">
+              <a:spcBef>
+                <a:spcPts val="1417"/>
+              </a:spcBef>
+              <a:buNone/>
+            </a:pPr>
+            <a:endParaRPr b="0" lang="en-US" sz="3200" spc="-1" strike="noStrike">
+              <a:solidFill>
+                <a:srgbClr val="000000"/>
+              </a:solidFill>
+              <a:latin typeface="Arial"/>
+            </a:endParaRPr>
+          </a:p>
+        </p:txBody>
+      </p:sp>
+      <p:sp>
+        <p:nvSpPr>
+          <p:cNvPr id="7" name="PlaceHolder 6"/>
+          <p:cNvSpPr>
+            <a:spLocks noGrp="1"/>
+          </p:cNvSpPr>
+          <p:nvPr>
+            <p:ph type="ftr" idx="10"/>
+          </p:nvPr>
+        </p:nvSpPr>
+        <p:spPr/>
+        <p:txBody>
+          <a:bodyPr/>
+          <a:p>
+            <a:r>
+              <a:t>Footer</a:t>
+            </a:r>
+          </a:p>
+        </p:txBody>
+      </p:sp>
+      <p:sp>
+        <p:nvSpPr>
+          <p:cNvPr id="8" name="PlaceHolder 7"/>
+          <p:cNvSpPr>
+            <a:spLocks noGrp="1"/>
+          </p:cNvSpPr>
+          <p:nvPr>
+            <p:ph type="sldNum" idx="11"/>
+          </p:nvPr>
+        </p:nvSpPr>
+        <p:spPr/>
+        <p:txBody>
+          <a:bodyPr/>
+          <a:p>
+            <a:fld id="{BD7D78D5-A1CF-4F4D-9789-8F3E55BAF256}" type="slidenum">
+              <a:t>&lt;#&gt;</a:t>
+            </a:fld>
+          </a:p>
+        </p:txBody>
+      </p:sp>
+      <p:sp>
+        <p:nvSpPr>
+          <p:cNvPr id="9" name="PlaceHolder 8"/>
+          <p:cNvSpPr>
+            <a:spLocks noGrp="1"/>
+          </p:cNvSpPr>
+          <p:nvPr>
+            <p:ph type="dt" idx="12"/>
+          </p:nvPr>
+        </p:nvSpPr>
+        <p:spPr/>
+        <p:txBody>
+          <a:bodyPr/>
+          <a:p>
+            <a:r>
+              <a:rPr lang="en-US"/>
+              <a:t/>
+            </a:r>
+          </a:p>
+        </p:txBody>
+      </p:sp>
+    </p:spTree>
+  </p:cSld>
+</p:sldLayout>
+</file>
+
+<file path=ppt/slideLayouts/slideLayout48.xml><?xml version="1.0" encoding="utf-8"?>
+<p:sldLayout xmlns:a="http://schemas.openxmlformats.org/drawingml/2006/main" xmlns:p="http://schemas.openxmlformats.org/presentationml/2006/main" xmlns:r="http://schemas.openxmlformats.org/officeDocument/2006/relationships" xmlns:p14="http://schemas.microsoft.com/office/powerpoint/2010/main" xmlns:p15="http://schemas.microsoft.com/office/powerpoint/2012/main" xmlns:mc="http://schemas.openxmlformats.org/markup-compatibility/2006" type="blank" preserve="1">
+  <p:cSld name="Title, 6 Content">
+    <p:spTree>
+      <p:nvGrpSpPr>
+        <p:cNvPr id="1" name=""/>
+        <p:cNvGrpSpPr/>
+        <p:nvPr/>
+      </p:nvGrpSpPr>
+      <p:grpSpPr>
+        <a:xfrm>
+          <a:off x="0" y="0"/>
+          <a:ext cx="0" cy="0"/>
+          <a:chOff x="0" y="0"/>
+          <a:chExt cx="0" cy="0"/>
+        </a:xfrm>
+      </p:grpSpPr>
+      <p:sp>
+        <p:nvSpPr>
+          <p:cNvPr id="155" name="PlaceHolder 1"/>
+          <p:cNvSpPr>
+            <a:spLocks noGrp="1"/>
+          </p:cNvSpPr>
+          <p:nvPr>
+            <p:ph type="title"/>
+          </p:nvPr>
+        </p:nvSpPr>
+        <p:spPr>
+          <a:xfrm>
+            <a:off x="457200" y="273600"/>
+            <a:ext cx="8229240" cy="1144800"/>
+          </a:xfrm>
+          <a:prstGeom prst="rect">
+            <a:avLst/>
+          </a:prstGeom>
+          <a:noFill/>
+          <a:ln w="0">
+            <a:noFill/>
+          </a:ln>
+        </p:spPr>
+        <p:txBody>
+          <a:bodyPr lIns="0" rIns="0" tIns="0" bIns="0" anchor="ctr">
+            <a:noAutofit/>
+          </a:bodyPr>
+          <a:p>
+            <a:pPr indent="0" algn="ctr">
+              <a:buNone/>
+            </a:pPr>
+            <a:endParaRPr b="0" lang="en-US" sz="4400" spc="-1" strike="noStrike">
+              <a:solidFill>
+                <a:srgbClr val="000000"/>
+              </a:solidFill>
+              <a:latin typeface="Arial"/>
+            </a:endParaRPr>
+          </a:p>
+        </p:txBody>
+      </p:sp>
+      <p:sp>
+        <p:nvSpPr>
+          <p:cNvPr id="156" name="PlaceHolder 2"/>
+          <p:cNvSpPr>
+            <a:spLocks noGrp="1"/>
+          </p:cNvSpPr>
+          <p:nvPr>
+            <p:ph/>
+          </p:nvPr>
+        </p:nvSpPr>
+        <p:spPr>
+          <a:xfrm>
+            <a:off x="457200" y="1604520"/>
+            <a:ext cx="2649600" cy="1896840"/>
+          </a:xfrm>
+          <a:prstGeom prst="rect">
+            <a:avLst/>
+          </a:prstGeom>
+          <a:noFill/>
+          <a:ln w="0">
+            <a:noFill/>
+          </a:ln>
+        </p:spPr>
+        <p:txBody>
+          <a:bodyPr lIns="0" rIns="0" tIns="0" bIns="0" anchor="t">
+            <a:normAutofit/>
+          </a:bodyPr>
+          <a:p>
+            <a:pPr indent="0">
+              <a:spcBef>
+                <a:spcPts val="1417"/>
+              </a:spcBef>
+              <a:buNone/>
+            </a:pPr>
+            <a:endParaRPr b="0" lang="en-US" sz="3200" spc="-1" strike="noStrike">
+              <a:solidFill>
+                <a:srgbClr val="000000"/>
+              </a:solidFill>
+              <a:latin typeface="Arial"/>
+            </a:endParaRPr>
+          </a:p>
+        </p:txBody>
+      </p:sp>
+      <p:sp>
+        <p:nvSpPr>
+          <p:cNvPr id="157" name="PlaceHolder 3"/>
+          <p:cNvSpPr>
+            <a:spLocks noGrp="1"/>
+          </p:cNvSpPr>
+          <p:nvPr>
+            <p:ph/>
+          </p:nvPr>
+        </p:nvSpPr>
+        <p:spPr>
+          <a:xfrm>
+            <a:off x="3239640" y="1604520"/>
+            <a:ext cx="2649600" cy="1896840"/>
+          </a:xfrm>
+          <a:prstGeom prst="rect">
+            <a:avLst/>
+          </a:prstGeom>
+          <a:noFill/>
+          <a:ln w="0">
+            <a:noFill/>
+          </a:ln>
+        </p:spPr>
+        <p:txBody>
+          <a:bodyPr lIns="0" rIns="0" tIns="0" bIns="0" anchor="t">
+            <a:normAutofit/>
+          </a:bodyPr>
+          <a:p>
+            <a:pPr indent="0">
+              <a:spcBef>
+                <a:spcPts val="1417"/>
+              </a:spcBef>
+              <a:buNone/>
+            </a:pPr>
+            <a:endParaRPr b="0" lang="en-US" sz="3200" spc="-1" strike="noStrike">
+              <a:solidFill>
+                <a:srgbClr val="000000"/>
+              </a:solidFill>
+              <a:latin typeface="Arial"/>
+            </a:endParaRPr>
+          </a:p>
+        </p:txBody>
+      </p:sp>
+      <p:sp>
+        <p:nvSpPr>
+          <p:cNvPr id="158" name="PlaceHolder 4"/>
+          <p:cNvSpPr>
+            <a:spLocks noGrp="1"/>
+          </p:cNvSpPr>
+          <p:nvPr>
+            <p:ph/>
+          </p:nvPr>
+        </p:nvSpPr>
+        <p:spPr>
+          <a:xfrm>
+            <a:off x="6022080" y="1604520"/>
+            <a:ext cx="2649600" cy="1896840"/>
+          </a:xfrm>
+          <a:prstGeom prst="rect">
+            <a:avLst/>
+          </a:prstGeom>
+          <a:noFill/>
+          <a:ln w="0">
+            <a:noFill/>
+          </a:ln>
+        </p:spPr>
+        <p:txBody>
+          <a:bodyPr lIns="0" rIns="0" tIns="0" bIns="0" anchor="t">
+            <a:normAutofit/>
+          </a:bodyPr>
+          <a:p>
+            <a:pPr indent="0">
+              <a:spcBef>
+                <a:spcPts val="1417"/>
+              </a:spcBef>
+              <a:buNone/>
+            </a:pPr>
+            <a:endParaRPr b="0" lang="en-US" sz="3200" spc="-1" strike="noStrike">
+              <a:solidFill>
+                <a:srgbClr val="000000"/>
+              </a:solidFill>
+              <a:latin typeface="Arial"/>
+            </a:endParaRPr>
+          </a:p>
+        </p:txBody>
+      </p:sp>
+      <p:sp>
+        <p:nvSpPr>
+          <p:cNvPr id="159" name="PlaceHolder 5"/>
+          <p:cNvSpPr>
+            <a:spLocks noGrp="1"/>
+          </p:cNvSpPr>
+          <p:nvPr>
+            <p:ph/>
+          </p:nvPr>
+        </p:nvSpPr>
+        <p:spPr>
+          <a:xfrm>
+            <a:off x="457200" y="3682080"/>
+            <a:ext cx="2649600" cy="1896840"/>
+          </a:xfrm>
+          <a:prstGeom prst="rect">
+            <a:avLst/>
+          </a:prstGeom>
+          <a:noFill/>
+          <a:ln w="0">
+            <a:noFill/>
+          </a:ln>
+        </p:spPr>
+        <p:txBody>
+          <a:bodyPr lIns="0" rIns="0" tIns="0" bIns="0" anchor="t">
+            <a:normAutofit/>
+          </a:bodyPr>
+          <a:p>
+            <a:pPr indent="0">
+              <a:spcBef>
+                <a:spcPts val="1417"/>
+              </a:spcBef>
+              <a:buNone/>
+            </a:pPr>
+            <a:endParaRPr b="0" lang="en-US" sz="3200" spc="-1" strike="noStrike">
+              <a:solidFill>
+                <a:srgbClr val="000000"/>
+              </a:solidFill>
+              <a:latin typeface="Arial"/>
+            </a:endParaRPr>
+          </a:p>
+        </p:txBody>
+      </p:sp>
+      <p:sp>
+        <p:nvSpPr>
+          <p:cNvPr id="160" name="PlaceHolder 6"/>
+          <p:cNvSpPr>
+            <a:spLocks noGrp="1"/>
+          </p:cNvSpPr>
+          <p:nvPr>
+            <p:ph/>
+          </p:nvPr>
+        </p:nvSpPr>
+        <p:spPr>
+          <a:xfrm>
+            <a:off x="3239640" y="3682080"/>
+            <a:ext cx="2649600" cy="1896840"/>
+          </a:xfrm>
+          <a:prstGeom prst="rect">
+            <a:avLst/>
+          </a:prstGeom>
+          <a:noFill/>
+          <a:ln w="0">
+            <a:noFill/>
+          </a:ln>
+        </p:spPr>
+        <p:txBody>
+          <a:bodyPr lIns="0" rIns="0" tIns="0" bIns="0" anchor="t">
+            <a:normAutofit/>
+          </a:bodyPr>
+          <a:p>
+            <a:pPr indent="0">
+              <a:spcBef>
+                <a:spcPts val="1417"/>
+              </a:spcBef>
+              <a:buNone/>
+            </a:pPr>
+            <a:endParaRPr b="0" lang="en-US" sz="3200" spc="-1" strike="noStrike">
+              <a:solidFill>
+                <a:srgbClr val="000000"/>
+              </a:solidFill>
+              <a:latin typeface="Arial"/>
+            </a:endParaRPr>
+          </a:p>
+        </p:txBody>
+      </p:sp>
+      <p:sp>
+        <p:nvSpPr>
+          <p:cNvPr id="161" name="PlaceHolder 7"/>
+          <p:cNvSpPr>
+            <a:spLocks noGrp="1"/>
+          </p:cNvSpPr>
+          <p:nvPr>
+            <p:ph/>
+          </p:nvPr>
+        </p:nvSpPr>
+        <p:spPr>
+          <a:xfrm>
+            <a:off x="6022080" y="3682080"/>
+            <a:ext cx="2649600" cy="1896840"/>
+          </a:xfrm>
+          <a:prstGeom prst="rect">
+            <a:avLst/>
+          </a:prstGeom>
+          <a:noFill/>
+          <a:ln w="0">
+            <a:noFill/>
+          </a:ln>
+        </p:spPr>
+        <p:txBody>
+          <a:bodyPr lIns="0" rIns="0" tIns="0" bIns="0" anchor="t">
+            <a:normAutofit/>
+          </a:bodyPr>
+          <a:p>
+            <a:pPr indent="0">
+              <a:spcBef>
+                <a:spcPts val="1417"/>
+              </a:spcBef>
+              <a:buNone/>
+            </a:pPr>
+            <a:endParaRPr b="0" lang="en-US" sz="3200" spc="-1" strike="noStrike">
+              <a:solidFill>
+                <a:srgbClr val="000000"/>
+              </a:solidFill>
+              <a:latin typeface="Arial"/>
+            </a:endParaRPr>
+          </a:p>
+        </p:txBody>
+      </p:sp>
+      <p:sp>
+        <p:nvSpPr>
+          <p:cNvPr id="9" name="PlaceHolder 8"/>
+          <p:cNvSpPr>
+            <a:spLocks noGrp="1"/>
+          </p:cNvSpPr>
+          <p:nvPr>
+            <p:ph type="ftr" idx="10"/>
+          </p:nvPr>
+        </p:nvSpPr>
+        <p:spPr/>
+        <p:txBody>
+          <a:bodyPr/>
+          <a:p>
+            <a:r>
+              <a:t>Footer</a:t>
+            </a:r>
+          </a:p>
+        </p:txBody>
+      </p:sp>
+      <p:sp>
+        <p:nvSpPr>
+          <p:cNvPr id="10" name="PlaceHolder 9"/>
+          <p:cNvSpPr>
+            <a:spLocks noGrp="1"/>
+          </p:cNvSpPr>
+          <p:nvPr>
+            <p:ph type="sldNum" idx="11"/>
+          </p:nvPr>
+        </p:nvSpPr>
+        <p:spPr/>
+        <p:txBody>
+          <a:bodyPr/>
+          <a:p>
+            <a:fld id="{A656E712-DBF9-4D13-BCD6-62F4755B3A67}" type="slidenum">
+              <a:t>&lt;#&gt;</a:t>
+            </a:fld>
+          </a:p>
+        </p:txBody>
+      </p:sp>
+      <p:sp>
+        <p:nvSpPr>
+          <p:cNvPr id="11" name="PlaceHolder 10"/>
+          <p:cNvSpPr>
+            <a:spLocks noGrp="1"/>
+          </p:cNvSpPr>
+          <p:nvPr>
+            <p:ph type="dt" idx="12"/>
           </p:nvPr>
         </p:nvSpPr>
         <p:spPr/>
@@ -6625,7 +9133,7 @@
         <p:txBody>
           <a:bodyPr/>
           <a:p>
-            <a:fld id="{A5F2CB6E-D368-4D39-8E3A-02C33590268C}" type="slidenum">
+            <a:fld id="{2E678303-5668-4F8B-938A-AD72E35B2405}" type="slidenum">
               <a:t>&lt;#&gt;</a:t>
             </a:fld>
           </a:p>
@@ -6746,7 +9254,7 @@
         <p:txBody>
           <a:bodyPr/>
           <a:p>
-            <a:fld id="{F2B845F5-7A18-49CD-9973-0C2802601B50}" type="slidenum">
+            <a:fld id="{E9DEA695-153F-49A4-B42D-891E6DA3F971}" type="slidenum">
               <a:t>&lt;#&gt;</a:t>
             </a:fld>
           </a:p>
@@ -6998,7 +9506,7 @@
         <p:txBody>
           <a:bodyPr/>
           <a:p>
-            <a:fld id="{C3B4284D-F7C8-42AD-980D-816A5EAFF8BC}" type="slidenum">
+            <a:fld id="{2F01CA52-BF7F-4394-8ADA-7A0FC726CF60}" type="slidenum">
               <a:t>&lt;#&gt;</a:t>
             </a:fld>
           </a:p>
@@ -7250,7 +9758,7 @@
         <p:txBody>
           <a:bodyPr/>
           <a:p>
-            <a:fld id="{BA404A94-479E-4B5A-BD86-1B593C4DBACB}" type="slidenum">
+            <a:fld id="{A7C72CAD-1C69-46A8-BD4E-6E71E8F7FDE8}" type="slidenum">
               <a:t>&lt;#&gt;</a:t>
             </a:fld>
           </a:p>
@@ -7502,7 +10010,7 @@
         <p:txBody>
           <a:bodyPr/>
           <a:p>
-            <a:fld id="{DEEC5A7A-0C38-4E2E-9212-6B67683F4E64}" type="slidenum">
+            <a:fld id="{01B4A596-F9F3-4846-AF7C-FFE7D7A3FCD3}" type="slidenum">
               <a:t>&lt;#&gt;</a:t>
             </a:fld>
           </a:p>
@@ -7571,7 +10079,7 @@
         <p:spPr>
           <a:xfrm>
             <a:off x="3124080" y="6356520"/>
-            <a:ext cx="2894040" cy="363600"/>
+            <a:ext cx="2893680" cy="363240"/>
           </a:xfrm>
           <a:prstGeom prst="rect">
             <a:avLst/>
@@ -7643,7 +10151,7 @@
         <p:spPr>
           <a:xfrm>
             <a:off x="6553080" y="6356520"/>
-            <a:ext cx="2132280" cy="363600"/>
+            <a:ext cx="2131920" cy="363240"/>
           </a:xfrm>
           <a:prstGeom prst="rect">
             <a:avLst/>
@@ -7684,7 +10192,7 @@
                 <a:tab algn="l" pos="0"/>
               </a:tabLst>
             </a:pPr>
-            <a:fld id="{AB3AB247-76D5-4E26-802B-7848891F32D0}" type="slidenum">
+            <a:fld id="{B1B9D502-5A45-4C91-8C45-C45DEDC0E4B6}" type="slidenum">
               <a:rPr b="0" lang="en-US" sz="1200" spc="-1" strike="noStrike">
                 <a:solidFill>
                   <a:srgbClr val="8b8b8b"/>
@@ -7715,7 +10223,7 @@
         <p:spPr>
           <a:xfrm>
             <a:off x="457200" y="6356520"/>
-            <a:ext cx="2132280" cy="363600"/>
+            <a:ext cx="2131920" cy="363240"/>
           </a:xfrm>
           <a:prstGeom prst="rect">
             <a:avLst/>
@@ -8093,7 +10601,7 @@
         <p:spPr>
           <a:xfrm>
             <a:off x="3124080" y="6356520"/>
-            <a:ext cx="2894040" cy="363600"/>
+            <a:ext cx="2893680" cy="363240"/>
           </a:xfrm>
           <a:prstGeom prst="rect">
             <a:avLst/>
@@ -8165,7 +10673,7 @@
         <p:spPr>
           <a:xfrm>
             <a:off x="6553080" y="6356520"/>
-            <a:ext cx="2132280" cy="363600"/>
+            <a:ext cx="2131920" cy="363240"/>
           </a:xfrm>
           <a:prstGeom prst="rect">
             <a:avLst/>
@@ -8206,7 +10714,7 @@
                 <a:tab algn="l" pos="0"/>
               </a:tabLst>
             </a:pPr>
-            <a:fld id="{3339E83F-BDE9-4B80-AA03-63110B595C2B}" type="slidenum">
+            <a:fld id="{1B4188F0-128C-4DED-BBD1-FAF71D2546FC}" type="slidenum">
               <a:rPr b="0" lang="en-US" sz="1200" spc="-1" strike="noStrike">
                 <a:solidFill>
                   <a:srgbClr val="8b8b8b"/>
@@ -8237,7 +10745,7 @@
         <p:spPr>
           <a:xfrm>
             <a:off x="457200" y="6356520"/>
-            <a:ext cx="2132280" cy="363600"/>
+            <a:ext cx="2131920" cy="363240"/>
           </a:xfrm>
           <a:prstGeom prst="rect">
             <a:avLst/>
@@ -8615,7 +11123,7 @@
         <p:spPr>
           <a:xfrm>
             <a:off x="3124080" y="6356520"/>
-            <a:ext cx="2894400" cy="363960"/>
+            <a:ext cx="2894040" cy="363600"/>
           </a:xfrm>
           <a:prstGeom prst="rect">
             <a:avLst/>
@@ -8687,7 +11195,7 @@
         <p:spPr>
           <a:xfrm>
             <a:off x="6553080" y="6356520"/>
-            <a:ext cx="2132640" cy="363960"/>
+            <a:ext cx="2132280" cy="363600"/>
           </a:xfrm>
           <a:prstGeom prst="rect">
             <a:avLst/>
@@ -8728,7 +11236,7 @@
                 <a:tab algn="l" pos="0"/>
               </a:tabLst>
             </a:pPr>
-            <a:fld id="{04B6DA2A-1F5E-4802-8823-0AB500DD2D48}" type="slidenum">
+            <a:fld id="{188E19F1-E23A-419C-9B8A-ED2FA99DFC20}" type="slidenum">
               <a:rPr b="0" lang="en-US" sz="1200" spc="-1" strike="noStrike">
                 <a:solidFill>
                   <a:srgbClr val="8b8b8b"/>
@@ -8759,7 +11267,7 @@
         <p:spPr>
           <a:xfrm>
             <a:off x="457200" y="6356520"/>
-            <a:ext cx="2132640" cy="363960"/>
+            <a:ext cx="2132280" cy="363600"/>
           </a:xfrm>
           <a:prstGeom prst="rect">
             <a:avLst/>
@@ -8802,280 +11310,6 @@
                 <a:srgbClr val="000000"/>
               </a:solidFill>
               <a:latin typeface="Times New Roman"/>
-            </a:endParaRPr>
-          </a:p>
-        </p:txBody>
-      </p:sp>
-      <p:sp>
-        <p:nvSpPr>
-          <p:cNvPr id="85" name="PlaceHolder 4"/>
-          <p:cNvSpPr>
-            <a:spLocks noGrp="1"/>
-          </p:cNvSpPr>
-          <p:nvPr>
-            <p:ph type="title"/>
-          </p:nvPr>
-        </p:nvSpPr>
-        <p:spPr>
-          <a:xfrm>
-            <a:off x="457200" y="273600"/>
-            <a:ext cx="8229240" cy="1144800"/>
-          </a:xfrm>
-          <a:prstGeom prst="rect">
-            <a:avLst/>
-          </a:prstGeom>
-          <a:noFill/>
-          <a:ln w="0">
-            <a:noFill/>
-          </a:ln>
-        </p:spPr>
-        <p:txBody>
-          <a:bodyPr lIns="0" rIns="0" tIns="0" bIns="0" anchor="ctr">
-            <a:noAutofit/>
-          </a:bodyPr>
-          <a:p>
-            <a:pPr indent="0" algn="ctr">
-              <a:buNone/>
-            </a:pPr>
-            <a:r>
-              <a:rPr b="0" lang="en-US" sz="4400" spc="-1" strike="noStrike">
-                <a:solidFill>
-                  <a:srgbClr val="000000"/>
-                </a:solidFill>
-                <a:latin typeface="Arial"/>
-              </a:rPr>
-              <a:t>Click to edit the title text format</a:t>
-            </a:r>
-            <a:endParaRPr b="0" lang="en-US" sz="4400" spc="-1" strike="noStrike">
-              <a:solidFill>
-                <a:srgbClr val="000000"/>
-              </a:solidFill>
-              <a:latin typeface="Arial"/>
-            </a:endParaRPr>
-          </a:p>
-        </p:txBody>
-      </p:sp>
-      <p:sp>
-        <p:nvSpPr>
-          <p:cNvPr id="86" name="PlaceHolder 5"/>
-          <p:cNvSpPr>
-            <a:spLocks noGrp="1"/>
-          </p:cNvSpPr>
-          <p:nvPr>
-            <p:ph type="body"/>
-          </p:nvPr>
-        </p:nvSpPr>
-        <p:spPr>
-          <a:xfrm>
-            <a:off x="457200" y="1604520"/>
-            <a:ext cx="8229240" cy="3977280"/>
-          </a:xfrm>
-          <a:prstGeom prst="rect">
-            <a:avLst/>
-          </a:prstGeom>
-          <a:noFill/>
-          <a:ln w="0">
-            <a:noFill/>
-          </a:ln>
-        </p:spPr>
-        <p:txBody>
-          <a:bodyPr lIns="0" rIns="0" tIns="0" bIns="0" anchor="t">
-            <a:normAutofit/>
-          </a:bodyPr>
-          <a:p>
-            <a:pPr marL="432000" indent="-324000">
-              <a:spcBef>
-                <a:spcPts val="1417"/>
-              </a:spcBef>
-              <a:buClr>
-                <a:srgbClr val="000000"/>
-              </a:buClr>
-              <a:buSzPct val="45000"/>
-              <a:buFont typeface="Wingdings" charset="2"/>
-              <a:buChar char=""/>
-            </a:pPr>
-            <a:r>
-              <a:rPr b="0" lang="en-US" sz="3200" spc="-1" strike="noStrike">
-                <a:solidFill>
-                  <a:srgbClr val="000000"/>
-                </a:solidFill>
-                <a:latin typeface="Arial"/>
-              </a:rPr>
-              <a:t>Click to edit the outline text format</a:t>
-            </a:r>
-            <a:endParaRPr b="0" lang="en-US" sz="3200" spc="-1" strike="noStrike">
-              <a:solidFill>
-                <a:srgbClr val="000000"/>
-              </a:solidFill>
-              <a:latin typeface="Arial"/>
-            </a:endParaRPr>
-          </a:p>
-          <a:p>
-            <a:pPr lvl="1" marL="864000" indent="-324000">
-              <a:spcBef>
-                <a:spcPts val="1134"/>
-              </a:spcBef>
-              <a:buClr>
-                <a:srgbClr val="000000"/>
-              </a:buClr>
-              <a:buSzPct val="75000"/>
-              <a:buFont typeface="Symbol" charset="2"/>
-              <a:buChar char=""/>
-            </a:pPr>
-            <a:r>
-              <a:rPr b="0" lang="en-US" sz="2800" spc="-1" strike="noStrike">
-                <a:solidFill>
-                  <a:srgbClr val="000000"/>
-                </a:solidFill>
-                <a:latin typeface="Arial"/>
-              </a:rPr>
-              <a:t>Second Outline Level</a:t>
-            </a:r>
-            <a:endParaRPr b="0" lang="en-US" sz="2800" spc="-1" strike="noStrike">
-              <a:solidFill>
-                <a:srgbClr val="000000"/>
-              </a:solidFill>
-              <a:latin typeface="Arial"/>
-            </a:endParaRPr>
-          </a:p>
-          <a:p>
-            <a:pPr lvl="2" marL="1296000" indent="-288000">
-              <a:spcBef>
-                <a:spcPts val="850"/>
-              </a:spcBef>
-              <a:buClr>
-                <a:srgbClr val="000000"/>
-              </a:buClr>
-              <a:buSzPct val="45000"/>
-              <a:buFont typeface="Wingdings" charset="2"/>
-              <a:buChar char=""/>
-            </a:pPr>
-            <a:r>
-              <a:rPr b="0" lang="en-US" sz="2400" spc="-1" strike="noStrike">
-                <a:solidFill>
-                  <a:srgbClr val="000000"/>
-                </a:solidFill>
-                <a:latin typeface="Arial"/>
-              </a:rPr>
-              <a:t>Third Outline Level</a:t>
-            </a:r>
-            <a:endParaRPr b="0" lang="en-US" sz="2400" spc="-1" strike="noStrike">
-              <a:solidFill>
-                <a:srgbClr val="000000"/>
-              </a:solidFill>
-              <a:latin typeface="Arial"/>
-            </a:endParaRPr>
-          </a:p>
-          <a:p>
-            <a:pPr lvl="3" marL="1728000" indent="-216000">
-              <a:spcBef>
-                <a:spcPts val="567"/>
-              </a:spcBef>
-              <a:buClr>
-                <a:srgbClr val="000000"/>
-              </a:buClr>
-              <a:buSzPct val="75000"/>
-              <a:buFont typeface="Symbol" charset="2"/>
-              <a:buChar char=""/>
-            </a:pPr>
-            <a:r>
-              <a:rPr b="0" lang="en-US" sz="2000" spc="-1" strike="noStrike">
-                <a:solidFill>
-                  <a:srgbClr val="000000"/>
-                </a:solidFill>
-                <a:latin typeface="Arial"/>
-              </a:rPr>
-              <a:t>Fourth Outline Level</a:t>
-            </a:r>
-            <a:endParaRPr b="0" lang="en-US" sz="2000" spc="-1" strike="noStrike">
-              <a:solidFill>
-                <a:srgbClr val="000000"/>
-              </a:solidFill>
-              <a:latin typeface="Arial"/>
-            </a:endParaRPr>
-          </a:p>
-          <a:p>
-            <a:pPr lvl="4" marL="2160000" indent="-216000">
-              <a:spcBef>
-                <a:spcPts val="283"/>
-              </a:spcBef>
-              <a:buClr>
-                <a:srgbClr val="000000"/>
-              </a:buClr>
-              <a:buSzPct val="45000"/>
-              <a:buFont typeface="Wingdings" charset="2"/>
-              <a:buChar char=""/>
-            </a:pPr>
-            <a:r>
-              <a:rPr b="0" lang="en-US" sz="2000" spc="-1" strike="noStrike">
-                <a:solidFill>
-                  <a:srgbClr val="000000"/>
-                </a:solidFill>
-                <a:latin typeface="Arial"/>
-              </a:rPr>
-              <a:t>Fifth Outline Level</a:t>
-            </a:r>
-            <a:endParaRPr b="0" lang="en-US" sz="2000" spc="-1" strike="noStrike">
-              <a:solidFill>
-                <a:srgbClr val="000000"/>
-              </a:solidFill>
-              <a:latin typeface="Arial"/>
-            </a:endParaRPr>
-          </a:p>
-          <a:p>
-            <a:pPr lvl="5" marL="2592000" indent="-216000">
-              <a:spcBef>
-                <a:spcPts val="283"/>
-              </a:spcBef>
-              <a:buClr>
-                <a:srgbClr val="000000"/>
-              </a:buClr>
-              <a:buSzPct val="45000"/>
-              <a:buFont typeface="Wingdings" charset="2"/>
-              <a:buChar char=""/>
-            </a:pPr>
-            <a:r>
-              <a:rPr b="0" lang="en-US" sz="2000" spc="-1" strike="noStrike">
-                <a:solidFill>
-                  <a:srgbClr val="000000"/>
-                </a:solidFill>
-                <a:latin typeface="Arial"/>
-              </a:rPr>
-              <a:t>Sixth Outline Level</a:t>
-            </a:r>
-            <a:endParaRPr b="0" lang="en-US" sz="2000" spc="-1" strike="noStrike">
-              <a:solidFill>
-                <a:srgbClr val="000000"/>
-              </a:solidFill>
-              <a:latin typeface="Arial"/>
-            </a:endParaRPr>
-          </a:p>
-          <a:p>
-            <a:pPr lvl="6" marL="3024000" indent="-216000">
-              <a:spcBef>
-                <a:spcPts val="283"/>
-              </a:spcBef>
-              <a:buClr>
-                <a:srgbClr val="000000"/>
-              </a:buClr>
-              <a:buSzPct val="45000"/>
-              <a:buFont typeface="Wingdings" charset="2"/>
-              <a:buChar char=""/>
-            </a:pPr>
-            <a:r>
-              <a:rPr b="0" lang="en-US" sz="2000" spc="-1" strike="noStrike">
-                <a:solidFill>
-                  <a:srgbClr val="000000"/>
-                </a:solidFill>
-                <a:latin typeface="Arial"/>
-              </a:rPr>
-              <a:t>Seventh Outline Level</a:t>
-            </a:r>
-            <a:endParaRPr b="0" lang="en-US" sz="2000" spc="-1" strike="noStrike">
-              <a:solidFill>
-                <a:srgbClr val="000000"/>
-              </a:solidFill>
-              <a:latin typeface="Arial"/>
             </a:endParaRPr>
           </a:p>
         </p:txBody>
@@ -9096,6 +11330,528 @@
     <p:sldLayoutId id="2147483684" r:id="rId11"/>
     <p:sldLayoutId id="2147483685" r:id="rId12"/>
     <p:sldLayoutId id="2147483686" r:id="rId13"/>
+  </p:sldLayoutIdLst>
+</p:sldMaster>
+</file>
+
+<file path=ppt/slideMasters/slideMaster4.xml><?xml version="1.0" encoding="utf-8"?>
+<p:sldMaster xmlns:a="http://schemas.openxmlformats.org/drawingml/2006/main" xmlns:p="http://schemas.openxmlformats.org/presentationml/2006/main" xmlns:r="http://schemas.openxmlformats.org/officeDocument/2006/relationships" xmlns:p14="http://schemas.microsoft.com/office/powerpoint/2010/main" xmlns:p15="http://schemas.microsoft.com/office/powerpoint/2012/main" xmlns:mc="http://schemas.openxmlformats.org/markup-compatibility/2006">
+  <p:cSld>
+    <p:bg>
+      <p:bgPr>
+        <a:solidFill>
+          <a:srgbClr val="ffffff"/>
+        </a:solidFill>
+      </p:bgPr>
+    </p:bg>
+    <p:spTree>
+      <p:nvGrpSpPr>
+        <p:cNvPr id="1" name=""/>
+        <p:cNvGrpSpPr/>
+        <p:nvPr/>
+      </p:nvGrpSpPr>
+      <p:grpSpPr>
+        <a:xfrm>
+          <a:off x="0" y="0"/>
+          <a:ext cx="0" cy="0"/>
+          <a:chOff x="0" y="0"/>
+          <a:chExt cx="0" cy="0"/>
+        </a:xfrm>
+      </p:grpSpPr>
+      <p:sp>
+        <p:nvSpPr>
+          <p:cNvPr id="121" name="PlaceHolder 1"/>
+          <p:cNvSpPr>
+            <a:spLocks noGrp="1"/>
+          </p:cNvSpPr>
+          <p:nvPr>
+            <p:ph type="ftr" idx="10"/>
+          </p:nvPr>
+        </p:nvSpPr>
+        <p:spPr>
+          <a:xfrm>
+            <a:off x="3124080" y="6356520"/>
+            <a:ext cx="2894400" cy="363960"/>
+          </a:xfrm>
+          <a:prstGeom prst="rect">
+            <a:avLst/>
+          </a:prstGeom>
+          <a:noFill/>
+          <a:ln w="0">
+            <a:noFill/>
+          </a:ln>
+        </p:spPr>
+        <p:txBody>
+          <a:bodyPr lIns="90000" rIns="90000" tIns="45000" bIns="45000" anchor="ctr">
+            <a:noAutofit/>
+          </a:bodyPr>
+          <a:lstStyle>
+            <a:lvl1pPr indent="0" algn="ctr">
+              <a:lnSpc>
+                <a:spcPct val="100000"/>
+              </a:lnSpc>
+              <a:buNone/>
+              <a:tabLst>
+                <a:tab algn="l" pos="0"/>
+              </a:tabLst>
+              <a:defRPr b="0" lang="en-US" sz="1400" spc="-1" strike="noStrike">
+                <a:solidFill>
+                  <a:srgbClr val="000000"/>
+                </a:solidFill>
+                <a:latin typeface="Times New Roman"/>
+              </a:defRPr>
+            </a:lvl1pPr>
+          </a:lstStyle>
+          <a:p>
+            <a:pPr indent="0" algn="ctr">
+              <a:lnSpc>
+                <a:spcPct val="100000"/>
+              </a:lnSpc>
+              <a:buNone/>
+              <a:tabLst>
+                <a:tab algn="l" pos="0"/>
+              </a:tabLst>
+            </a:pPr>
+            <a:r>
+              <a:rPr b="0" lang="en-US" sz="1400" spc="-1" strike="noStrike">
+                <a:solidFill>
+                  <a:srgbClr val="000000"/>
+                </a:solidFill>
+                <a:latin typeface="Times New Roman"/>
+              </a:rPr>
+              <a:t>&lt;footer&gt;</a:t>
+            </a:r>
+            <a:endParaRPr b="0" lang="en-US" sz="1400" spc="-1" strike="noStrike">
+              <a:solidFill>
+                <a:srgbClr val="000000"/>
+              </a:solidFill>
+              <a:latin typeface="Times New Roman"/>
+            </a:endParaRPr>
+          </a:p>
+        </p:txBody>
+      </p:sp>
+      <p:sp>
+        <p:nvSpPr>
+          <p:cNvPr id="122" name="PlaceHolder 2"/>
+          <p:cNvSpPr>
+            <a:spLocks noGrp="1"/>
+          </p:cNvSpPr>
+          <p:nvPr>
+            <p:ph type="sldNum" idx="11"/>
+          </p:nvPr>
+        </p:nvSpPr>
+        <p:spPr>
+          <a:xfrm>
+            <a:off x="6553080" y="6356520"/>
+            <a:ext cx="2132640" cy="363960"/>
+          </a:xfrm>
+          <a:prstGeom prst="rect">
+            <a:avLst/>
+          </a:prstGeom>
+          <a:noFill/>
+          <a:ln w="0">
+            <a:noFill/>
+          </a:ln>
+        </p:spPr>
+        <p:txBody>
+          <a:bodyPr lIns="90000" rIns="90000" tIns="45000" bIns="45000" anchor="ctr">
+            <a:noAutofit/>
+          </a:bodyPr>
+          <a:lstStyle>
+            <a:lvl1pPr indent="0" algn="r">
+              <a:lnSpc>
+                <a:spcPct val="100000"/>
+              </a:lnSpc>
+              <a:buNone/>
+              <a:tabLst>
+                <a:tab algn="l" pos="0"/>
+              </a:tabLst>
+              <a:defRPr b="0" lang="en-US" sz="1200" spc="-1" strike="noStrike">
+                <a:solidFill>
+                  <a:srgbClr val="8b8b8b"/>
+                </a:solidFill>
+                <a:latin typeface="Calibri"/>
+              </a:defRPr>
+            </a:lvl1pPr>
+          </a:lstStyle>
+          <a:p>
+            <a:pPr indent="0" algn="r">
+              <a:lnSpc>
+                <a:spcPct val="100000"/>
+              </a:lnSpc>
+              <a:buNone/>
+              <a:tabLst>
+                <a:tab algn="l" pos="0"/>
+              </a:tabLst>
+            </a:pPr>
+            <a:fld id="{82EFB6DA-4754-455D-A9E8-3C2E1BAE9217}" type="slidenum">
+              <a:rPr b="0" lang="en-US" sz="1200" spc="-1" strike="noStrike">
+                <a:solidFill>
+                  <a:srgbClr val="8b8b8b"/>
+                </a:solidFill>
+                <a:latin typeface="Calibri"/>
+              </a:rPr>
+              <a:t>&lt;number&gt;</a:t>
+            </a:fld>
+            <a:endParaRPr b="0" lang="en-US" sz="1200" spc="-1" strike="noStrike">
+              <a:solidFill>
+                <a:srgbClr val="000000"/>
+              </a:solidFill>
+              <a:latin typeface="Times New Roman"/>
+            </a:endParaRPr>
+          </a:p>
+        </p:txBody>
+      </p:sp>
+      <p:sp>
+        <p:nvSpPr>
+          <p:cNvPr id="123" name="PlaceHolder 3"/>
+          <p:cNvSpPr>
+            <a:spLocks noGrp="1"/>
+          </p:cNvSpPr>
+          <p:nvPr>
+            <p:ph type="dt" idx="12"/>
+          </p:nvPr>
+        </p:nvSpPr>
+        <p:spPr>
+          <a:xfrm>
+            <a:off x="457200" y="6356520"/>
+            <a:ext cx="2132640" cy="363960"/>
+          </a:xfrm>
+          <a:prstGeom prst="rect">
+            <a:avLst/>
+          </a:prstGeom>
+          <a:noFill/>
+          <a:ln w="0">
+            <a:noFill/>
+          </a:ln>
+        </p:spPr>
+        <p:txBody>
+          <a:bodyPr lIns="90000" rIns="90000" tIns="45000" bIns="45000" anchor="ctr">
+            <a:noAutofit/>
+          </a:bodyPr>
+          <a:lstStyle>
+            <a:lvl1pPr indent="0">
+              <a:buNone/>
+              <a:defRPr b="0" lang="en-US" sz="1400" spc="-1" strike="noStrike">
+                <a:solidFill>
+                  <a:srgbClr val="000000"/>
+                </a:solidFill>
+                <a:latin typeface="Times New Roman"/>
+              </a:defRPr>
+            </a:lvl1pPr>
+          </a:lstStyle>
+          <a:p>
+            <a:pPr indent="0">
+              <a:buNone/>
+            </a:pPr>
+            <a:r>
+              <a:rPr b="0" lang="en-US" sz="1400" spc="-1" strike="noStrike">
+                <a:solidFill>
+                  <a:srgbClr val="000000"/>
+                </a:solidFill>
+                <a:latin typeface="Times New Roman"/>
+              </a:rPr>
+              <a:t>&lt;date/time&gt;</a:t>
+            </a:r>
+            <a:endParaRPr b="0" lang="en-US" sz="1400" spc="-1" strike="noStrike">
+              <a:solidFill>
+                <a:srgbClr val="000000"/>
+              </a:solidFill>
+              <a:latin typeface="Times New Roman"/>
+            </a:endParaRPr>
+          </a:p>
+        </p:txBody>
+      </p:sp>
+      <p:sp>
+        <p:nvSpPr>
+          <p:cNvPr id="124" name="PlaceHolder 4"/>
+          <p:cNvSpPr>
+            <a:spLocks noGrp="1"/>
+          </p:cNvSpPr>
+          <p:nvPr>
+            <p:ph type="title"/>
+          </p:nvPr>
+        </p:nvSpPr>
+        <p:spPr>
+          <a:xfrm>
+            <a:off x="457200" y="273600"/>
+            <a:ext cx="8229240" cy="1144800"/>
+          </a:xfrm>
+          <a:prstGeom prst="rect">
+            <a:avLst/>
+          </a:prstGeom>
+          <a:noFill/>
+          <a:ln w="0">
+            <a:noFill/>
+          </a:ln>
+        </p:spPr>
+        <p:txBody>
+          <a:bodyPr lIns="0" rIns="0" tIns="0" bIns="0" anchor="ctr">
+            <a:noAutofit/>
+          </a:bodyPr>
+          <a:p>
+            <a:pPr indent="0" algn="ctr">
+              <a:buNone/>
+            </a:pPr>
+            <a:r>
+              <a:rPr b="0" lang="en-US" sz="4400" spc="-1" strike="noStrike">
+                <a:solidFill>
+                  <a:srgbClr val="000000"/>
+                </a:solidFill>
+                <a:latin typeface="Arial"/>
+              </a:rPr>
+              <a:t>Click to edit the title text format</a:t>
+            </a:r>
+            <a:endParaRPr b="0" lang="en-US" sz="4400" spc="-1" strike="noStrike">
+              <a:solidFill>
+                <a:srgbClr val="000000"/>
+              </a:solidFill>
+              <a:latin typeface="Arial"/>
+            </a:endParaRPr>
+          </a:p>
+        </p:txBody>
+      </p:sp>
+      <p:sp>
+        <p:nvSpPr>
+          <p:cNvPr id="125" name="PlaceHolder 5"/>
+          <p:cNvSpPr>
+            <a:spLocks noGrp="1"/>
+          </p:cNvSpPr>
+          <p:nvPr>
+            <p:ph type="body"/>
+          </p:nvPr>
+        </p:nvSpPr>
+        <p:spPr>
+          <a:xfrm>
+            <a:off x="457200" y="1604520"/>
+            <a:ext cx="8229240" cy="3977280"/>
+          </a:xfrm>
+          <a:prstGeom prst="rect">
+            <a:avLst/>
+          </a:prstGeom>
+          <a:noFill/>
+          <a:ln w="0">
+            <a:noFill/>
+          </a:ln>
+        </p:spPr>
+        <p:txBody>
+          <a:bodyPr lIns="0" rIns="0" tIns="0" bIns="0" anchor="t">
+            <a:normAutofit/>
+          </a:bodyPr>
+          <a:p>
+            <a:pPr marL="432000" indent="-324000">
+              <a:spcBef>
+                <a:spcPts val="1417"/>
+              </a:spcBef>
+              <a:buClr>
+                <a:srgbClr val="000000"/>
+              </a:buClr>
+              <a:buSzPct val="45000"/>
+              <a:buFont typeface="Wingdings" charset="2"/>
+              <a:buChar char=""/>
+            </a:pPr>
+            <a:r>
+              <a:rPr b="0" lang="en-US" sz="3200" spc="-1" strike="noStrike">
+                <a:solidFill>
+                  <a:srgbClr val="000000"/>
+                </a:solidFill>
+                <a:latin typeface="Arial"/>
+              </a:rPr>
+              <a:t>Click to edit the outline text format</a:t>
+            </a:r>
+            <a:endParaRPr b="0" lang="en-US" sz="3200" spc="-1" strike="noStrike">
+              <a:solidFill>
+                <a:srgbClr val="000000"/>
+              </a:solidFill>
+              <a:latin typeface="Arial"/>
+            </a:endParaRPr>
+          </a:p>
+          <a:p>
+            <a:pPr lvl="1" marL="864000" indent="-324000">
+              <a:spcBef>
+                <a:spcPts val="1134"/>
+              </a:spcBef>
+              <a:buClr>
+                <a:srgbClr val="000000"/>
+              </a:buClr>
+              <a:buSzPct val="75000"/>
+              <a:buFont typeface="Symbol" charset="2"/>
+              <a:buChar char=""/>
+            </a:pPr>
+            <a:r>
+              <a:rPr b="0" lang="en-US" sz="2800" spc="-1" strike="noStrike">
+                <a:solidFill>
+                  <a:srgbClr val="000000"/>
+                </a:solidFill>
+                <a:latin typeface="Arial"/>
+              </a:rPr>
+              <a:t>Second Outline Level</a:t>
+            </a:r>
+            <a:endParaRPr b="0" lang="en-US" sz="2800" spc="-1" strike="noStrike">
+              <a:solidFill>
+                <a:srgbClr val="000000"/>
+              </a:solidFill>
+              <a:latin typeface="Arial"/>
+            </a:endParaRPr>
+          </a:p>
+          <a:p>
+            <a:pPr lvl="2" marL="1296000" indent="-288000">
+              <a:spcBef>
+                <a:spcPts val="850"/>
+              </a:spcBef>
+              <a:buClr>
+                <a:srgbClr val="000000"/>
+              </a:buClr>
+              <a:buSzPct val="45000"/>
+              <a:buFont typeface="Wingdings" charset="2"/>
+              <a:buChar char=""/>
+            </a:pPr>
+            <a:r>
+              <a:rPr b="0" lang="en-US" sz="2400" spc="-1" strike="noStrike">
+                <a:solidFill>
+                  <a:srgbClr val="000000"/>
+                </a:solidFill>
+                <a:latin typeface="Arial"/>
+              </a:rPr>
+              <a:t>Third Outline Level</a:t>
+            </a:r>
+            <a:endParaRPr b="0" lang="en-US" sz="2400" spc="-1" strike="noStrike">
+              <a:solidFill>
+                <a:srgbClr val="000000"/>
+              </a:solidFill>
+              <a:latin typeface="Arial"/>
+            </a:endParaRPr>
+          </a:p>
+          <a:p>
+            <a:pPr lvl="3" marL="1728000" indent="-216000">
+              <a:spcBef>
+                <a:spcPts val="567"/>
+              </a:spcBef>
+              <a:buClr>
+                <a:srgbClr val="000000"/>
+              </a:buClr>
+              <a:buSzPct val="75000"/>
+              <a:buFont typeface="Symbol" charset="2"/>
+              <a:buChar char=""/>
+            </a:pPr>
+            <a:r>
+              <a:rPr b="0" lang="en-US" sz="2000" spc="-1" strike="noStrike">
+                <a:solidFill>
+                  <a:srgbClr val="000000"/>
+                </a:solidFill>
+                <a:latin typeface="Arial"/>
+              </a:rPr>
+              <a:t>Fourth Outline Level</a:t>
+            </a:r>
+            <a:endParaRPr b="0" lang="en-US" sz="2000" spc="-1" strike="noStrike">
+              <a:solidFill>
+                <a:srgbClr val="000000"/>
+              </a:solidFill>
+              <a:latin typeface="Arial"/>
+            </a:endParaRPr>
+          </a:p>
+          <a:p>
+            <a:pPr lvl="4" marL="2160000" indent="-216000">
+              <a:spcBef>
+                <a:spcPts val="283"/>
+              </a:spcBef>
+              <a:buClr>
+                <a:srgbClr val="000000"/>
+              </a:buClr>
+              <a:buSzPct val="45000"/>
+              <a:buFont typeface="Wingdings" charset="2"/>
+              <a:buChar char=""/>
+            </a:pPr>
+            <a:r>
+              <a:rPr b="0" lang="en-US" sz="2000" spc="-1" strike="noStrike">
+                <a:solidFill>
+                  <a:srgbClr val="000000"/>
+                </a:solidFill>
+                <a:latin typeface="Arial"/>
+              </a:rPr>
+              <a:t>Fifth Outline Level</a:t>
+            </a:r>
+            <a:endParaRPr b="0" lang="en-US" sz="2000" spc="-1" strike="noStrike">
+              <a:solidFill>
+                <a:srgbClr val="000000"/>
+              </a:solidFill>
+              <a:latin typeface="Arial"/>
+            </a:endParaRPr>
+          </a:p>
+          <a:p>
+            <a:pPr lvl="5" marL="2592000" indent="-216000">
+              <a:spcBef>
+                <a:spcPts val="283"/>
+              </a:spcBef>
+              <a:buClr>
+                <a:srgbClr val="000000"/>
+              </a:buClr>
+              <a:buSzPct val="45000"/>
+              <a:buFont typeface="Wingdings" charset="2"/>
+              <a:buChar char=""/>
+            </a:pPr>
+            <a:r>
+              <a:rPr b="0" lang="en-US" sz="2000" spc="-1" strike="noStrike">
+                <a:solidFill>
+                  <a:srgbClr val="000000"/>
+                </a:solidFill>
+                <a:latin typeface="Arial"/>
+              </a:rPr>
+              <a:t>Sixth Outline Level</a:t>
+            </a:r>
+            <a:endParaRPr b="0" lang="en-US" sz="2000" spc="-1" strike="noStrike">
+              <a:solidFill>
+                <a:srgbClr val="000000"/>
+              </a:solidFill>
+              <a:latin typeface="Arial"/>
+            </a:endParaRPr>
+          </a:p>
+          <a:p>
+            <a:pPr lvl="6" marL="3024000" indent="-216000">
+              <a:spcBef>
+                <a:spcPts val="283"/>
+              </a:spcBef>
+              <a:buClr>
+                <a:srgbClr val="000000"/>
+              </a:buClr>
+              <a:buSzPct val="45000"/>
+              <a:buFont typeface="Wingdings" charset="2"/>
+              <a:buChar char=""/>
+            </a:pPr>
+            <a:r>
+              <a:rPr b="0" lang="en-US" sz="2000" spc="-1" strike="noStrike">
+                <a:solidFill>
+                  <a:srgbClr val="000000"/>
+                </a:solidFill>
+                <a:latin typeface="Arial"/>
+              </a:rPr>
+              <a:t>Seventh Outline Level</a:t>
+            </a:r>
+            <a:endParaRPr b="0" lang="en-US" sz="2000" spc="-1" strike="noStrike">
+              <a:solidFill>
+                <a:srgbClr val="000000"/>
+              </a:solidFill>
+              <a:latin typeface="Arial"/>
+            </a:endParaRPr>
+          </a:p>
+        </p:txBody>
+      </p:sp>
+    </p:spTree>
+  </p:cSld>
+  <p:clrMap bg1="lt1" bg2="lt2" tx1="dk1" tx2="dk2" accent1="accent1" accent2="accent2" accent3="accent3" accent4="accent4" accent5="accent5" accent6="accent6" hlink="hlink" folHlink="folHlink"/>
+  <p:sldLayoutIdLst>
+    <p:sldLayoutId id="2147483688" r:id="rId2"/>
+    <p:sldLayoutId id="2147483689" r:id="rId3"/>
+    <p:sldLayoutId id="2147483690" r:id="rId4"/>
+    <p:sldLayoutId id="2147483691" r:id="rId5"/>
+    <p:sldLayoutId id="2147483692" r:id="rId6"/>
+    <p:sldLayoutId id="2147483693" r:id="rId7"/>
+    <p:sldLayoutId id="2147483694" r:id="rId8"/>
+    <p:sldLayoutId id="2147483695" r:id="rId9"/>
+    <p:sldLayoutId id="2147483696" r:id="rId10"/>
+    <p:sldLayoutId id="2147483697" r:id="rId11"/>
+    <p:sldLayoutId id="2147483698" r:id="rId12"/>
+    <p:sldLayoutId id="2147483699" r:id="rId13"/>
   </p:sldLayoutIdLst>
 </p:sldMaster>
 </file>
@@ -9119,14 +11875,14 @@
       </p:grpSpPr>
       <p:sp>
         <p:nvSpPr>
-          <p:cNvPr id="123" name="Rectangle 1"/>
+          <p:cNvPr id="162" name="Rectangle 1"/>
           <p:cNvSpPr/>
           <p:nvPr/>
         </p:nvSpPr>
         <p:spPr>
           <a:xfrm>
             <a:off x="0" y="0"/>
-            <a:ext cx="12187440" cy="6856560"/>
+            <a:ext cx="12187080" cy="6856200"/>
           </a:xfrm>
           <a:prstGeom prst="rect">
             <a:avLst/>
@@ -9179,14 +11935,14 @@
       </p:sp>
       <p:sp>
         <p:nvSpPr>
-          <p:cNvPr id="124" name="Rectangle 2"/>
+          <p:cNvPr id="163" name="Rectangle 2"/>
           <p:cNvSpPr/>
           <p:nvPr/>
         </p:nvSpPr>
         <p:spPr>
           <a:xfrm>
             <a:off x="0" y="0"/>
-            <a:ext cx="16920" cy="6856560"/>
+            <a:ext cx="16560" cy="6856200"/>
           </a:xfrm>
           <a:prstGeom prst="rect">
             <a:avLst/>
@@ -9239,14 +11995,14 @@
       </p:sp>
       <p:sp>
         <p:nvSpPr>
-          <p:cNvPr id="125" name="Rectangle 3"/>
+          <p:cNvPr id="164" name="Rectangle 3"/>
           <p:cNvSpPr/>
           <p:nvPr/>
         </p:nvSpPr>
         <p:spPr>
           <a:xfrm>
             <a:off x="914400" y="0"/>
-            <a:ext cx="16920" cy="6856560"/>
+            <a:ext cx="16560" cy="6856200"/>
           </a:xfrm>
           <a:prstGeom prst="rect">
             <a:avLst/>
@@ -9299,14 +12055,14 @@
       </p:sp>
       <p:sp>
         <p:nvSpPr>
-          <p:cNvPr id="126" name="Rectangle 4"/>
+          <p:cNvPr id="165" name="Rectangle 4"/>
           <p:cNvSpPr/>
           <p:nvPr/>
         </p:nvSpPr>
         <p:spPr>
           <a:xfrm>
             <a:off x="1828800" y="0"/>
-            <a:ext cx="16920" cy="6856560"/>
+            <a:ext cx="16560" cy="6856200"/>
           </a:xfrm>
           <a:prstGeom prst="rect">
             <a:avLst/>
@@ -9359,14 +12115,14 @@
       </p:sp>
       <p:sp>
         <p:nvSpPr>
-          <p:cNvPr id="127" name="Rectangle 5"/>
+          <p:cNvPr id="166" name="Rectangle 5"/>
           <p:cNvSpPr/>
           <p:nvPr/>
         </p:nvSpPr>
         <p:spPr>
           <a:xfrm>
             <a:off x="2743200" y="0"/>
-            <a:ext cx="16920" cy="6856560"/>
+            <a:ext cx="16560" cy="6856200"/>
           </a:xfrm>
           <a:prstGeom prst="rect">
             <a:avLst/>
@@ -9419,14 +12175,14 @@
       </p:sp>
       <p:sp>
         <p:nvSpPr>
-          <p:cNvPr id="128" name="Rectangle 6"/>
+          <p:cNvPr id="167" name="Rectangle 6"/>
           <p:cNvSpPr/>
           <p:nvPr/>
         </p:nvSpPr>
         <p:spPr>
           <a:xfrm>
             <a:off x="3657600" y="0"/>
-            <a:ext cx="16920" cy="6856560"/>
+            <a:ext cx="16560" cy="6856200"/>
           </a:xfrm>
           <a:prstGeom prst="rect">
             <a:avLst/>
@@ -9479,14 +12235,14 @@
       </p:sp>
       <p:sp>
         <p:nvSpPr>
-          <p:cNvPr id="129" name="Rectangle 7"/>
+          <p:cNvPr id="168" name="Rectangle 7"/>
           <p:cNvSpPr/>
           <p:nvPr/>
         </p:nvSpPr>
         <p:spPr>
           <a:xfrm>
             <a:off x="4572000" y="0"/>
-            <a:ext cx="16920" cy="6856560"/>
+            <a:ext cx="16560" cy="6856200"/>
           </a:xfrm>
           <a:prstGeom prst="rect">
             <a:avLst/>
@@ -9539,14 +12295,14 @@
       </p:sp>
       <p:sp>
         <p:nvSpPr>
-          <p:cNvPr id="130" name="Rectangle 8"/>
+          <p:cNvPr id="169" name="Rectangle 8"/>
           <p:cNvSpPr/>
           <p:nvPr/>
         </p:nvSpPr>
         <p:spPr>
           <a:xfrm>
             <a:off x="5486400" y="0"/>
-            <a:ext cx="16920" cy="6856560"/>
+            <a:ext cx="16560" cy="6856200"/>
           </a:xfrm>
           <a:prstGeom prst="rect">
             <a:avLst/>
@@ -9599,14 +12355,14 @@
       </p:sp>
       <p:sp>
         <p:nvSpPr>
-          <p:cNvPr id="131" name="Rectangle 9"/>
+          <p:cNvPr id="170" name="Rectangle 9"/>
           <p:cNvSpPr/>
           <p:nvPr/>
         </p:nvSpPr>
         <p:spPr>
           <a:xfrm>
             <a:off x="6400800" y="0"/>
-            <a:ext cx="16920" cy="6856560"/>
+            <a:ext cx="16560" cy="6856200"/>
           </a:xfrm>
           <a:prstGeom prst="rect">
             <a:avLst/>
@@ -9659,14 +12415,14 @@
       </p:sp>
       <p:sp>
         <p:nvSpPr>
-          <p:cNvPr id="132" name="Rectangle 10"/>
+          <p:cNvPr id="171" name="Rectangle 10"/>
           <p:cNvSpPr/>
           <p:nvPr/>
         </p:nvSpPr>
         <p:spPr>
           <a:xfrm>
             <a:off x="7315200" y="0"/>
-            <a:ext cx="16920" cy="6856560"/>
+            <a:ext cx="16560" cy="6856200"/>
           </a:xfrm>
           <a:prstGeom prst="rect">
             <a:avLst/>
@@ -9719,14 +12475,14 @@
       </p:sp>
       <p:sp>
         <p:nvSpPr>
-          <p:cNvPr id="133" name="Rectangle 11"/>
+          <p:cNvPr id="172" name="Rectangle 11"/>
           <p:cNvSpPr/>
           <p:nvPr/>
         </p:nvSpPr>
         <p:spPr>
           <a:xfrm>
             <a:off x="8229600" y="0"/>
-            <a:ext cx="16920" cy="6856560"/>
+            <a:ext cx="16560" cy="6856200"/>
           </a:xfrm>
           <a:prstGeom prst="rect">
             <a:avLst/>
@@ -9779,14 +12535,14 @@
       </p:sp>
       <p:sp>
         <p:nvSpPr>
-          <p:cNvPr id="134" name="Rectangle 12"/>
+          <p:cNvPr id="173" name="Rectangle 12"/>
           <p:cNvSpPr/>
           <p:nvPr/>
         </p:nvSpPr>
         <p:spPr>
           <a:xfrm>
             <a:off x="9144000" y="0"/>
-            <a:ext cx="16920" cy="6856560"/>
+            <a:ext cx="16560" cy="6856200"/>
           </a:xfrm>
           <a:prstGeom prst="rect">
             <a:avLst/>
@@ -9839,14 +12595,14 @@
       </p:sp>
       <p:sp>
         <p:nvSpPr>
-          <p:cNvPr id="135" name="Rectangle 13"/>
+          <p:cNvPr id="174" name="Rectangle 13"/>
           <p:cNvSpPr/>
           <p:nvPr/>
         </p:nvSpPr>
         <p:spPr>
           <a:xfrm>
             <a:off x="10058400" y="0"/>
-            <a:ext cx="16920" cy="6856560"/>
+            <a:ext cx="16560" cy="6856200"/>
           </a:xfrm>
           <a:prstGeom prst="rect">
             <a:avLst/>
@@ -9899,14 +12655,14 @@
       </p:sp>
       <p:sp>
         <p:nvSpPr>
-          <p:cNvPr id="136" name="Rectangle 14"/>
+          <p:cNvPr id="175" name="Rectangle 14"/>
           <p:cNvSpPr/>
           <p:nvPr/>
         </p:nvSpPr>
         <p:spPr>
           <a:xfrm>
             <a:off x="10972800" y="0"/>
-            <a:ext cx="16920" cy="6856560"/>
+            <a:ext cx="16560" cy="6856200"/>
           </a:xfrm>
           <a:prstGeom prst="rect">
             <a:avLst/>
@@ -9959,14 +12715,14 @@
       </p:sp>
       <p:sp>
         <p:nvSpPr>
-          <p:cNvPr id="137" name="Rectangle 15"/>
+          <p:cNvPr id="176" name="Rectangle 15"/>
           <p:cNvSpPr/>
           <p:nvPr/>
         </p:nvSpPr>
         <p:spPr>
           <a:xfrm>
             <a:off x="11887200" y="0"/>
-            <a:ext cx="16920" cy="6856560"/>
+            <a:ext cx="16560" cy="6856200"/>
           </a:xfrm>
           <a:prstGeom prst="rect">
             <a:avLst/>
@@ -10019,14 +12775,14 @@
       </p:sp>
       <p:sp>
         <p:nvSpPr>
-          <p:cNvPr id="138" name="Rectangle 16"/>
+          <p:cNvPr id="177" name="Rectangle 16"/>
           <p:cNvSpPr/>
           <p:nvPr/>
         </p:nvSpPr>
         <p:spPr>
           <a:xfrm>
             <a:off x="0" y="0"/>
-            <a:ext cx="318600" cy="6856560"/>
+            <a:ext cx="318240" cy="6856200"/>
           </a:xfrm>
           <a:prstGeom prst="rect">
             <a:avLst/>
@@ -10079,14 +12835,14 @@
       </p:sp>
       <p:sp>
         <p:nvSpPr>
-          <p:cNvPr id="139" name="Rounded Rectangle 17"/>
+          <p:cNvPr id="178" name="Rounded Rectangle 17"/>
           <p:cNvSpPr/>
           <p:nvPr/>
         </p:nvSpPr>
         <p:spPr>
           <a:xfrm>
             <a:off x="9875520" y="365760"/>
-            <a:ext cx="2010240" cy="501480"/>
+            <a:ext cx="2009880" cy="501120"/>
           </a:xfrm>
           <a:prstGeom prst="roundRect">
             <a:avLst>
@@ -10153,7 +12909,7 @@
       </p:sp>
       <p:sp>
         <p:nvSpPr>
-          <p:cNvPr id="140" name="TextBox 18"/>
+          <p:cNvPr id="179" name="TextBox 18"/>
           <p:cNvSpPr/>
           <p:nvPr/>
         </p:nvSpPr>
@@ -10207,7 +12963,7 @@
       </p:sp>
       <p:sp>
         <p:nvSpPr>
-          <p:cNvPr id="141" name="TextBox 19"/>
+          <p:cNvPr id="180" name="TextBox 19"/>
           <p:cNvSpPr/>
           <p:nvPr/>
         </p:nvSpPr>
@@ -10261,14 +13017,14 @@
       </p:sp>
       <p:sp>
         <p:nvSpPr>
-          <p:cNvPr id="142" name="Rounded Rectangle 20"/>
+          <p:cNvPr id="181" name="Rounded Rectangle 20"/>
           <p:cNvSpPr/>
           <p:nvPr/>
         </p:nvSpPr>
         <p:spPr>
           <a:xfrm>
             <a:off x="987480" y="3182040"/>
-            <a:ext cx="3290400" cy="2741760"/>
+            <a:ext cx="3290040" cy="2741400"/>
           </a:xfrm>
           <a:prstGeom prst="roundRect">
             <a:avLst>
@@ -10323,14 +13079,14 @@
       </p:sp>
       <p:sp>
         <p:nvSpPr>
-          <p:cNvPr id="143" name="Rounded Rectangle 21"/>
+          <p:cNvPr id="182" name="Rounded Rectangle 21"/>
           <p:cNvSpPr/>
           <p:nvPr/>
         </p:nvSpPr>
         <p:spPr>
           <a:xfrm>
             <a:off x="685800" y="2521440"/>
-            <a:ext cx="3428640" cy="3329280"/>
+            <a:ext cx="3428280" cy="3328920"/>
           </a:xfrm>
           <a:prstGeom prst="roundRect">
             <a:avLst>
@@ -10736,14 +13492,14 @@
       </p:sp>
       <p:sp>
         <p:nvSpPr>
-          <p:cNvPr id="144" name="Rounded Rectangle 22"/>
+          <p:cNvPr id="183" name="Rounded Rectangle 22"/>
           <p:cNvSpPr/>
           <p:nvPr/>
         </p:nvSpPr>
         <p:spPr>
           <a:xfrm>
             <a:off x="4507920" y="3182040"/>
-            <a:ext cx="3290400" cy="2741760"/>
+            <a:ext cx="3290040" cy="2741400"/>
           </a:xfrm>
           <a:prstGeom prst="roundRect">
             <a:avLst>
@@ -10798,14 +13554,14 @@
       </p:sp>
       <p:sp>
         <p:nvSpPr>
-          <p:cNvPr id="145" name="Rounded Rectangle 23"/>
+          <p:cNvPr id="184" name="Rounded Rectangle 23"/>
           <p:cNvSpPr/>
           <p:nvPr/>
         </p:nvSpPr>
         <p:spPr>
           <a:xfrm>
             <a:off x="4434840" y="3108960"/>
-            <a:ext cx="3290400" cy="2741760"/>
+            <a:ext cx="3290040" cy="2741400"/>
           </a:xfrm>
           <a:prstGeom prst="roundRect">
             <a:avLst>
@@ -11109,14 +13865,14 @@
       </p:sp>
       <p:sp>
         <p:nvSpPr>
-          <p:cNvPr id="146" name="Rounded Rectangle 24"/>
+          <p:cNvPr id="185" name="Rounded Rectangle 24"/>
           <p:cNvSpPr/>
           <p:nvPr/>
         </p:nvSpPr>
         <p:spPr>
           <a:xfrm>
             <a:off x="8028360" y="3182040"/>
-            <a:ext cx="3290400" cy="2741760"/>
+            <a:ext cx="3290040" cy="2741400"/>
           </a:xfrm>
           <a:prstGeom prst="roundRect">
             <a:avLst>
@@ -11171,14 +13927,14 @@
       </p:sp>
       <p:sp>
         <p:nvSpPr>
-          <p:cNvPr id="147" name="Rounded Rectangle 25"/>
+          <p:cNvPr id="186" name="Rounded Rectangle 25"/>
           <p:cNvSpPr/>
           <p:nvPr/>
         </p:nvSpPr>
         <p:spPr>
           <a:xfrm>
             <a:off x="7955280" y="3108960"/>
-            <a:ext cx="3290400" cy="2741760"/>
+            <a:ext cx="3290040" cy="2741400"/>
           </a:xfrm>
           <a:prstGeom prst="roundRect">
             <a:avLst>
@@ -11367,14 +14123,14 @@
       </p:sp>
       <p:sp>
         <p:nvSpPr>
-          <p:cNvPr id="148" name="TextBox 26"/>
+          <p:cNvPr id="187" name="TextBox 26"/>
           <p:cNvSpPr/>
           <p:nvPr/>
         </p:nvSpPr>
         <p:spPr>
           <a:xfrm>
             <a:off x="4600080" y="6446520"/>
-            <a:ext cx="3051360" cy="363960"/>
+            <a:ext cx="3051000" cy="363960"/>
           </a:xfrm>
           <a:prstGeom prst="rect">
             <a:avLst/>
@@ -11451,14 +14207,14 @@
       </p:grpSpPr>
       <p:sp>
         <p:nvSpPr>
-          <p:cNvPr id="149" name="Rectangle 32"/>
+          <p:cNvPr id="188" name="Rectangle 32"/>
           <p:cNvSpPr/>
           <p:nvPr/>
         </p:nvSpPr>
         <p:spPr>
           <a:xfrm>
             <a:off x="0" y="0"/>
-            <a:ext cx="12187440" cy="6856560"/>
+            <a:ext cx="12187080" cy="6856200"/>
           </a:xfrm>
           <a:prstGeom prst="rect">
             <a:avLst/>
@@ -11511,14 +14267,14 @@
       </p:sp>
       <p:sp>
         <p:nvSpPr>
-          <p:cNvPr id="150" name="Rectangle 33"/>
+          <p:cNvPr id="189" name="Rectangle 33"/>
           <p:cNvSpPr/>
           <p:nvPr/>
         </p:nvSpPr>
         <p:spPr>
           <a:xfrm>
             <a:off x="0" y="0"/>
-            <a:ext cx="16920" cy="6856560"/>
+            <a:ext cx="16560" cy="6856200"/>
           </a:xfrm>
           <a:prstGeom prst="rect">
             <a:avLst/>
@@ -11571,14 +14327,14 @@
       </p:sp>
       <p:sp>
         <p:nvSpPr>
-          <p:cNvPr id="151" name="Rectangle 34"/>
+          <p:cNvPr id="190" name="Rectangle 34"/>
           <p:cNvSpPr/>
           <p:nvPr/>
         </p:nvSpPr>
         <p:spPr>
           <a:xfrm>
             <a:off x="914400" y="0"/>
-            <a:ext cx="16920" cy="6856560"/>
+            <a:ext cx="16560" cy="6856200"/>
           </a:xfrm>
           <a:prstGeom prst="rect">
             <a:avLst/>
@@ -11631,14 +14387,14 @@
       </p:sp>
       <p:sp>
         <p:nvSpPr>
-          <p:cNvPr id="152" name="Rectangle 35"/>
+          <p:cNvPr id="191" name="Rectangle 35"/>
           <p:cNvSpPr/>
           <p:nvPr/>
         </p:nvSpPr>
         <p:spPr>
           <a:xfrm>
             <a:off x="1828800" y="0"/>
-            <a:ext cx="16920" cy="6856560"/>
+            <a:ext cx="16560" cy="6856200"/>
           </a:xfrm>
           <a:prstGeom prst="rect">
             <a:avLst/>
@@ -11691,14 +14447,14 @@
       </p:sp>
       <p:sp>
         <p:nvSpPr>
-          <p:cNvPr id="153" name="Rectangle 36"/>
+          <p:cNvPr id="192" name="Rectangle 36"/>
           <p:cNvSpPr/>
           <p:nvPr/>
         </p:nvSpPr>
         <p:spPr>
           <a:xfrm>
             <a:off x="2743200" y="0"/>
-            <a:ext cx="16920" cy="6856560"/>
+            <a:ext cx="16560" cy="6856200"/>
           </a:xfrm>
           <a:prstGeom prst="rect">
             <a:avLst/>
@@ -11751,14 +14507,14 @@
       </p:sp>
       <p:sp>
         <p:nvSpPr>
-          <p:cNvPr id="154" name="Rectangle 37"/>
+          <p:cNvPr id="193" name="Rectangle 37"/>
           <p:cNvSpPr/>
           <p:nvPr/>
         </p:nvSpPr>
         <p:spPr>
           <a:xfrm>
             <a:off x="3657600" y="0"/>
-            <a:ext cx="16920" cy="6856560"/>
+            <a:ext cx="16560" cy="6856200"/>
           </a:xfrm>
           <a:prstGeom prst="rect">
             <a:avLst/>
@@ -11811,14 +14567,14 @@
       </p:sp>
       <p:sp>
         <p:nvSpPr>
-          <p:cNvPr id="155" name="Rectangle 38"/>
+          <p:cNvPr id="194" name="Rectangle 38"/>
           <p:cNvSpPr/>
           <p:nvPr/>
         </p:nvSpPr>
         <p:spPr>
           <a:xfrm>
             <a:off x="4572000" y="0"/>
-            <a:ext cx="16920" cy="6856560"/>
+            <a:ext cx="16560" cy="6856200"/>
           </a:xfrm>
           <a:prstGeom prst="rect">
             <a:avLst/>
@@ -11871,14 +14627,14 @@
       </p:sp>
       <p:sp>
         <p:nvSpPr>
-          <p:cNvPr id="156" name="Rectangle 39"/>
+          <p:cNvPr id="195" name="Rectangle 39"/>
           <p:cNvSpPr/>
           <p:nvPr/>
         </p:nvSpPr>
         <p:spPr>
           <a:xfrm>
             <a:off x="5486400" y="0"/>
-            <a:ext cx="16920" cy="6856560"/>
+            <a:ext cx="16560" cy="6856200"/>
           </a:xfrm>
           <a:prstGeom prst="rect">
             <a:avLst/>
@@ -11931,14 +14687,14 @@
       </p:sp>
       <p:sp>
         <p:nvSpPr>
-          <p:cNvPr id="157" name="Rectangle 40"/>
+          <p:cNvPr id="196" name="Rectangle 40"/>
           <p:cNvSpPr/>
           <p:nvPr/>
         </p:nvSpPr>
         <p:spPr>
           <a:xfrm>
             <a:off x="6400800" y="0"/>
-            <a:ext cx="16920" cy="6856560"/>
+            <a:ext cx="16560" cy="6856200"/>
           </a:xfrm>
           <a:prstGeom prst="rect">
             <a:avLst/>
@@ -11991,14 +14747,14 @@
       </p:sp>
       <p:sp>
         <p:nvSpPr>
-          <p:cNvPr id="158" name="Rectangle 41"/>
+          <p:cNvPr id="197" name="Rectangle 41"/>
           <p:cNvSpPr/>
           <p:nvPr/>
         </p:nvSpPr>
         <p:spPr>
           <a:xfrm>
             <a:off x="7315200" y="0"/>
-            <a:ext cx="16920" cy="6856560"/>
+            <a:ext cx="16560" cy="6856200"/>
           </a:xfrm>
           <a:prstGeom prst="rect">
             <a:avLst/>
@@ -12051,14 +14807,14 @@
       </p:sp>
       <p:sp>
         <p:nvSpPr>
-          <p:cNvPr id="159" name="Rectangle 42"/>
+          <p:cNvPr id="198" name="Rectangle 42"/>
           <p:cNvSpPr/>
           <p:nvPr/>
         </p:nvSpPr>
         <p:spPr>
           <a:xfrm>
             <a:off x="8229600" y="0"/>
-            <a:ext cx="16920" cy="6856560"/>
+            <a:ext cx="16560" cy="6856200"/>
           </a:xfrm>
           <a:prstGeom prst="rect">
             <a:avLst/>
@@ -12111,14 +14867,14 @@
       </p:sp>
       <p:sp>
         <p:nvSpPr>
-          <p:cNvPr id="160" name="Rectangle 43"/>
+          <p:cNvPr id="199" name="Rectangle 43"/>
           <p:cNvSpPr/>
           <p:nvPr/>
         </p:nvSpPr>
         <p:spPr>
           <a:xfrm>
             <a:off x="9144000" y="0"/>
-            <a:ext cx="16920" cy="6856560"/>
+            <a:ext cx="16560" cy="6856200"/>
           </a:xfrm>
           <a:prstGeom prst="rect">
             <a:avLst/>
@@ -12171,14 +14927,14 @@
       </p:sp>
       <p:sp>
         <p:nvSpPr>
-          <p:cNvPr id="161" name="Rectangle 44"/>
+          <p:cNvPr id="200" name="Rectangle 44"/>
           <p:cNvSpPr/>
           <p:nvPr/>
         </p:nvSpPr>
         <p:spPr>
           <a:xfrm>
             <a:off x="10058400" y="0"/>
-            <a:ext cx="16920" cy="6856560"/>
+            <a:ext cx="16560" cy="6856200"/>
           </a:xfrm>
           <a:prstGeom prst="rect">
             <a:avLst/>
@@ -12231,14 +14987,14 @@
       </p:sp>
       <p:sp>
         <p:nvSpPr>
-          <p:cNvPr id="162" name="Rectangle 45"/>
+          <p:cNvPr id="201" name="Rectangle 45"/>
           <p:cNvSpPr/>
           <p:nvPr/>
         </p:nvSpPr>
         <p:spPr>
           <a:xfrm>
             <a:off x="10972800" y="0"/>
-            <a:ext cx="16920" cy="6856560"/>
+            <a:ext cx="16560" cy="6856200"/>
           </a:xfrm>
           <a:prstGeom prst="rect">
             <a:avLst/>
@@ -12291,14 +15047,14 @@
       </p:sp>
       <p:sp>
         <p:nvSpPr>
-          <p:cNvPr id="163" name="Rectangle 46"/>
+          <p:cNvPr id="202" name="Rectangle 46"/>
           <p:cNvSpPr/>
           <p:nvPr/>
         </p:nvSpPr>
         <p:spPr>
           <a:xfrm>
             <a:off x="11887200" y="0"/>
-            <a:ext cx="16920" cy="6856560"/>
+            <a:ext cx="16560" cy="6856200"/>
           </a:xfrm>
           <a:prstGeom prst="rect">
             <a:avLst/>
@@ -12351,14 +15107,14 @@
       </p:sp>
       <p:sp>
         <p:nvSpPr>
-          <p:cNvPr id="164" name="Rectangle 47"/>
+          <p:cNvPr id="203" name="Rectangle 47"/>
           <p:cNvSpPr/>
           <p:nvPr/>
         </p:nvSpPr>
         <p:spPr>
           <a:xfrm>
             <a:off x="0" y="0"/>
-            <a:ext cx="318600" cy="6856560"/>
+            <a:ext cx="318240" cy="6856200"/>
           </a:xfrm>
           <a:prstGeom prst="rect">
             <a:avLst/>
@@ -12411,14 +15167,14 @@
       </p:sp>
       <p:sp>
         <p:nvSpPr>
-          <p:cNvPr id="165" name="Rounded Rectangle 8"/>
+          <p:cNvPr id="204" name="Rounded Rectangle 8"/>
           <p:cNvSpPr/>
           <p:nvPr/>
         </p:nvSpPr>
         <p:spPr>
           <a:xfrm>
             <a:off x="9875520" y="365760"/>
-            <a:ext cx="2010240" cy="501480"/>
+            <a:ext cx="2009880" cy="501120"/>
           </a:xfrm>
           <a:prstGeom prst="roundRect">
             <a:avLst>
@@ -12485,7 +15241,7 @@
       </p:sp>
       <p:sp>
         <p:nvSpPr>
-          <p:cNvPr id="166" name="TextBox 4"/>
+          <p:cNvPr id="205" name="TextBox 4"/>
           <p:cNvSpPr/>
           <p:nvPr/>
         </p:nvSpPr>
@@ -12539,7 +15295,7 @@
       </p:sp>
       <p:sp>
         <p:nvSpPr>
-          <p:cNvPr id="167" name="TextBox 5"/>
+          <p:cNvPr id="206" name="TextBox 5"/>
           <p:cNvSpPr/>
           <p:nvPr/>
         </p:nvSpPr>
@@ -12593,14 +15349,14 @@
       </p:sp>
       <p:sp>
         <p:nvSpPr>
-          <p:cNvPr id="168" name="Rounded Rectangle 9"/>
+          <p:cNvPr id="207" name="Rounded Rectangle 9"/>
           <p:cNvSpPr/>
           <p:nvPr/>
         </p:nvSpPr>
         <p:spPr>
           <a:xfrm>
             <a:off x="987480" y="3182040"/>
-            <a:ext cx="3290400" cy="2741760"/>
+            <a:ext cx="3290040" cy="2741400"/>
           </a:xfrm>
           <a:prstGeom prst="roundRect">
             <a:avLst>
@@ -12655,14 +15411,14 @@
       </p:sp>
       <p:sp>
         <p:nvSpPr>
-          <p:cNvPr id="169" name="Rounded Rectangle 10"/>
+          <p:cNvPr id="208" name="Rounded Rectangle 10"/>
           <p:cNvSpPr/>
           <p:nvPr/>
         </p:nvSpPr>
         <p:spPr>
           <a:xfrm>
             <a:off x="914400" y="3108960"/>
-            <a:ext cx="3290400" cy="2741760"/>
+            <a:ext cx="3290040" cy="2741400"/>
           </a:xfrm>
           <a:prstGeom prst="roundRect">
             <a:avLst>
@@ -12910,14 +15666,14 @@
       </p:sp>
       <p:sp>
         <p:nvSpPr>
-          <p:cNvPr id="170" name="Rounded Rectangle 11"/>
+          <p:cNvPr id="209" name="Rounded Rectangle 11"/>
           <p:cNvSpPr/>
           <p:nvPr/>
         </p:nvSpPr>
         <p:spPr>
           <a:xfrm>
             <a:off x="4507920" y="3182040"/>
-            <a:ext cx="3290400" cy="2741760"/>
+            <a:ext cx="3290040" cy="2741400"/>
           </a:xfrm>
           <a:prstGeom prst="roundRect">
             <a:avLst>
@@ -12972,14 +15728,14 @@
       </p:sp>
       <p:sp>
         <p:nvSpPr>
-          <p:cNvPr id="171" name="Rounded Rectangle 12"/>
+          <p:cNvPr id="210" name="Rounded Rectangle 12"/>
           <p:cNvSpPr/>
           <p:nvPr/>
         </p:nvSpPr>
         <p:spPr>
           <a:xfrm>
             <a:off x="4434840" y="3108960"/>
-            <a:ext cx="3290400" cy="2741760"/>
+            <a:ext cx="3290040" cy="2741400"/>
           </a:xfrm>
           <a:prstGeom prst="roundRect">
             <a:avLst>
@@ -13207,14 +15963,14 @@
       </p:sp>
       <p:sp>
         <p:nvSpPr>
-          <p:cNvPr id="172" name="Rounded Rectangle 13"/>
+          <p:cNvPr id="211" name="Rounded Rectangle 13"/>
           <p:cNvSpPr/>
           <p:nvPr/>
         </p:nvSpPr>
         <p:spPr>
           <a:xfrm>
             <a:off x="8028360" y="3182040"/>
-            <a:ext cx="3290400" cy="2741760"/>
+            <a:ext cx="3290040" cy="2741400"/>
           </a:xfrm>
           <a:prstGeom prst="roundRect">
             <a:avLst>
@@ -13269,14 +16025,14 @@
       </p:sp>
       <p:sp>
         <p:nvSpPr>
-          <p:cNvPr id="173" name="Rounded Rectangle 14"/>
+          <p:cNvPr id="212" name="Rounded Rectangle 14"/>
           <p:cNvSpPr/>
           <p:nvPr/>
         </p:nvSpPr>
         <p:spPr>
           <a:xfrm>
             <a:off x="7955280" y="3108960"/>
-            <a:ext cx="3290400" cy="2741760"/>
+            <a:ext cx="3290040" cy="2741400"/>
           </a:xfrm>
           <a:prstGeom prst="roundRect">
             <a:avLst>
@@ -13507,14 +16263,14 @@
       </p:sp>
       <p:sp>
         <p:nvSpPr>
-          <p:cNvPr id="174" name="TextBox 6"/>
+          <p:cNvPr id="213" name="TextBox 6"/>
           <p:cNvSpPr/>
           <p:nvPr/>
         </p:nvSpPr>
         <p:spPr>
           <a:xfrm>
             <a:off x="4600080" y="6446520"/>
-            <a:ext cx="3051360" cy="363960"/>
+            <a:ext cx="3051000" cy="363960"/>
           </a:xfrm>
           <a:prstGeom prst="rect">
             <a:avLst/>
@@ -13591,14 +16347,14 @@
       </p:grpSpPr>
       <p:sp>
         <p:nvSpPr>
-          <p:cNvPr id="175" name="Rectangle 48"/>
+          <p:cNvPr id="214" name="Rectangle 48"/>
           <p:cNvSpPr/>
           <p:nvPr/>
         </p:nvSpPr>
         <p:spPr>
           <a:xfrm>
             <a:off x="0" y="0"/>
-            <a:ext cx="12187800" cy="6856920"/>
+            <a:ext cx="12187440" cy="6856560"/>
           </a:xfrm>
           <a:prstGeom prst="rect">
             <a:avLst/>
@@ -13634,6 +16390,11 @@
             <a:noAutofit/>
           </a:bodyPr>
           <a:p>
+            <a:pPr>
+              <a:lnSpc>
+                <a:spcPct val="100000"/>
+              </a:lnSpc>
+            </a:pPr>
             <a:endParaRPr b="0" lang="en-US" sz="1800" spc="-1" strike="noStrike">
               <a:solidFill>
                 <a:schemeClr val="lt1"/>
@@ -13646,14 +16407,14 @@
       </p:sp>
       <p:sp>
         <p:nvSpPr>
-          <p:cNvPr id="176" name="Rectangle 49"/>
+          <p:cNvPr id="215" name="Rectangle 49"/>
           <p:cNvSpPr/>
           <p:nvPr/>
         </p:nvSpPr>
         <p:spPr>
           <a:xfrm>
             <a:off x="0" y="0"/>
-            <a:ext cx="17280" cy="6856920"/>
+            <a:ext cx="16920" cy="6856560"/>
           </a:xfrm>
           <a:prstGeom prst="rect">
             <a:avLst/>
@@ -13689,6 +16450,11 @@
             <a:noAutofit/>
           </a:bodyPr>
           <a:p>
+            <a:pPr>
+              <a:lnSpc>
+                <a:spcPct val="100000"/>
+              </a:lnSpc>
+            </a:pPr>
             <a:endParaRPr b="0" lang="en-US" sz="1800" spc="-1" strike="noStrike">
               <a:solidFill>
                 <a:schemeClr val="lt1"/>
@@ -13701,14 +16467,14 @@
       </p:sp>
       <p:sp>
         <p:nvSpPr>
-          <p:cNvPr id="177" name="Rectangle 50"/>
+          <p:cNvPr id="216" name="Rectangle 50"/>
           <p:cNvSpPr/>
           <p:nvPr/>
         </p:nvSpPr>
         <p:spPr>
           <a:xfrm>
             <a:off x="914400" y="0"/>
-            <a:ext cx="17280" cy="6856920"/>
+            <a:ext cx="16920" cy="6856560"/>
           </a:xfrm>
           <a:prstGeom prst="rect">
             <a:avLst/>
@@ -13744,6 +16510,11 @@
             <a:noAutofit/>
           </a:bodyPr>
           <a:p>
+            <a:pPr>
+              <a:lnSpc>
+                <a:spcPct val="100000"/>
+              </a:lnSpc>
+            </a:pPr>
             <a:endParaRPr b="0" lang="en-US" sz="1800" spc="-1" strike="noStrike">
               <a:solidFill>
                 <a:schemeClr val="lt1"/>
@@ -13756,14 +16527,14 @@
       </p:sp>
       <p:sp>
         <p:nvSpPr>
-          <p:cNvPr id="178" name="Rectangle 51"/>
+          <p:cNvPr id="217" name="Rectangle 51"/>
           <p:cNvSpPr/>
           <p:nvPr/>
         </p:nvSpPr>
         <p:spPr>
           <a:xfrm>
             <a:off x="1828800" y="0"/>
-            <a:ext cx="17280" cy="6856920"/>
+            <a:ext cx="16920" cy="6856560"/>
           </a:xfrm>
           <a:prstGeom prst="rect">
             <a:avLst/>
@@ -13799,6 +16570,11 @@
             <a:noAutofit/>
           </a:bodyPr>
           <a:p>
+            <a:pPr>
+              <a:lnSpc>
+                <a:spcPct val="100000"/>
+              </a:lnSpc>
+            </a:pPr>
             <a:endParaRPr b="0" lang="en-US" sz="1800" spc="-1" strike="noStrike">
               <a:solidFill>
                 <a:schemeClr val="lt1"/>
@@ -13811,14 +16587,14 @@
       </p:sp>
       <p:sp>
         <p:nvSpPr>
-          <p:cNvPr id="179" name="Rectangle 52"/>
+          <p:cNvPr id="218" name="Rectangle 52"/>
           <p:cNvSpPr/>
           <p:nvPr/>
         </p:nvSpPr>
         <p:spPr>
           <a:xfrm>
             <a:off x="2743200" y="0"/>
-            <a:ext cx="17280" cy="6856920"/>
+            <a:ext cx="16920" cy="6856560"/>
           </a:xfrm>
           <a:prstGeom prst="rect">
             <a:avLst/>
@@ -13854,6 +16630,11 @@
             <a:noAutofit/>
           </a:bodyPr>
           <a:p>
+            <a:pPr>
+              <a:lnSpc>
+                <a:spcPct val="100000"/>
+              </a:lnSpc>
+            </a:pPr>
             <a:endParaRPr b="0" lang="en-US" sz="1800" spc="-1" strike="noStrike">
               <a:solidFill>
                 <a:schemeClr val="lt1"/>
@@ -13866,14 +16647,14 @@
       </p:sp>
       <p:sp>
         <p:nvSpPr>
-          <p:cNvPr id="180" name="Rectangle 53"/>
+          <p:cNvPr id="219" name="Rectangle 53"/>
           <p:cNvSpPr/>
           <p:nvPr/>
         </p:nvSpPr>
         <p:spPr>
           <a:xfrm>
             <a:off x="3657600" y="0"/>
-            <a:ext cx="17280" cy="6856920"/>
+            <a:ext cx="16920" cy="6856560"/>
           </a:xfrm>
           <a:prstGeom prst="rect">
             <a:avLst/>
@@ -13909,6 +16690,11 @@
             <a:noAutofit/>
           </a:bodyPr>
           <a:p>
+            <a:pPr>
+              <a:lnSpc>
+                <a:spcPct val="100000"/>
+              </a:lnSpc>
+            </a:pPr>
             <a:endParaRPr b="0" lang="en-US" sz="1800" spc="-1" strike="noStrike">
               <a:solidFill>
                 <a:schemeClr val="lt1"/>
@@ -13921,14 +16707,14 @@
       </p:sp>
       <p:sp>
         <p:nvSpPr>
-          <p:cNvPr id="181" name="Rectangle 54"/>
+          <p:cNvPr id="220" name="Rectangle 54"/>
           <p:cNvSpPr/>
           <p:nvPr/>
         </p:nvSpPr>
         <p:spPr>
           <a:xfrm>
             <a:off x="4572000" y="0"/>
-            <a:ext cx="17280" cy="6856920"/>
+            <a:ext cx="16920" cy="6856560"/>
           </a:xfrm>
           <a:prstGeom prst="rect">
             <a:avLst/>
@@ -13964,6 +16750,11 @@
             <a:noAutofit/>
           </a:bodyPr>
           <a:p>
+            <a:pPr>
+              <a:lnSpc>
+                <a:spcPct val="100000"/>
+              </a:lnSpc>
+            </a:pPr>
             <a:endParaRPr b="0" lang="en-US" sz="1800" spc="-1" strike="noStrike">
               <a:solidFill>
                 <a:schemeClr val="lt1"/>
@@ -13976,14 +16767,14 @@
       </p:sp>
       <p:sp>
         <p:nvSpPr>
-          <p:cNvPr id="182" name="Rectangle 55"/>
+          <p:cNvPr id="221" name="Rectangle 55"/>
           <p:cNvSpPr/>
           <p:nvPr/>
         </p:nvSpPr>
         <p:spPr>
           <a:xfrm>
             <a:off x="5486400" y="0"/>
-            <a:ext cx="17280" cy="6856920"/>
+            <a:ext cx="16920" cy="6856560"/>
           </a:xfrm>
           <a:prstGeom prst="rect">
             <a:avLst/>
@@ -14019,6 +16810,11 @@
             <a:noAutofit/>
           </a:bodyPr>
           <a:p>
+            <a:pPr>
+              <a:lnSpc>
+                <a:spcPct val="100000"/>
+              </a:lnSpc>
+            </a:pPr>
             <a:endParaRPr b="0" lang="en-US" sz="1800" spc="-1" strike="noStrike">
               <a:solidFill>
                 <a:schemeClr val="lt1"/>
@@ -14031,14 +16827,14 @@
       </p:sp>
       <p:sp>
         <p:nvSpPr>
-          <p:cNvPr id="183" name="Rectangle 56"/>
+          <p:cNvPr id="222" name="Rectangle 56"/>
           <p:cNvSpPr/>
           <p:nvPr/>
         </p:nvSpPr>
         <p:spPr>
           <a:xfrm>
             <a:off x="6400800" y="0"/>
-            <a:ext cx="17280" cy="6856920"/>
+            <a:ext cx="16920" cy="6856560"/>
           </a:xfrm>
           <a:prstGeom prst="rect">
             <a:avLst/>
@@ -14074,6 +16870,11 @@
             <a:noAutofit/>
           </a:bodyPr>
           <a:p>
+            <a:pPr>
+              <a:lnSpc>
+                <a:spcPct val="100000"/>
+              </a:lnSpc>
+            </a:pPr>
             <a:endParaRPr b="0" lang="en-US" sz="1800" spc="-1" strike="noStrike">
               <a:solidFill>
                 <a:schemeClr val="lt1"/>
@@ -14086,14 +16887,14 @@
       </p:sp>
       <p:sp>
         <p:nvSpPr>
-          <p:cNvPr id="184" name="Rectangle 57"/>
+          <p:cNvPr id="223" name="Rectangle 57"/>
           <p:cNvSpPr/>
           <p:nvPr/>
         </p:nvSpPr>
         <p:spPr>
           <a:xfrm>
             <a:off x="7315200" y="0"/>
-            <a:ext cx="17280" cy="6856920"/>
+            <a:ext cx="16920" cy="6856560"/>
           </a:xfrm>
           <a:prstGeom prst="rect">
             <a:avLst/>
@@ -14129,6 +16930,11 @@
             <a:noAutofit/>
           </a:bodyPr>
           <a:p>
+            <a:pPr>
+              <a:lnSpc>
+                <a:spcPct val="100000"/>
+              </a:lnSpc>
+            </a:pPr>
             <a:endParaRPr b="0" lang="en-US" sz="1800" spc="-1" strike="noStrike">
               <a:solidFill>
                 <a:schemeClr val="lt1"/>
@@ -14141,14 +16947,14 @@
       </p:sp>
       <p:sp>
         <p:nvSpPr>
-          <p:cNvPr id="185" name="Rectangle 58"/>
+          <p:cNvPr id="224" name="Rectangle 58"/>
           <p:cNvSpPr/>
           <p:nvPr/>
         </p:nvSpPr>
         <p:spPr>
           <a:xfrm>
             <a:off x="8229600" y="0"/>
-            <a:ext cx="17280" cy="6856920"/>
+            <a:ext cx="16920" cy="6856560"/>
           </a:xfrm>
           <a:prstGeom prst="rect">
             <a:avLst/>
@@ -14184,6 +16990,11 @@
             <a:noAutofit/>
           </a:bodyPr>
           <a:p>
+            <a:pPr>
+              <a:lnSpc>
+                <a:spcPct val="100000"/>
+              </a:lnSpc>
+            </a:pPr>
             <a:endParaRPr b="0" lang="en-US" sz="1800" spc="-1" strike="noStrike">
               <a:solidFill>
                 <a:schemeClr val="lt1"/>
@@ -14196,14 +17007,14 @@
       </p:sp>
       <p:sp>
         <p:nvSpPr>
-          <p:cNvPr id="186" name="Rectangle 59"/>
+          <p:cNvPr id="225" name="Rectangle 59"/>
           <p:cNvSpPr/>
           <p:nvPr/>
         </p:nvSpPr>
         <p:spPr>
           <a:xfrm>
             <a:off x="9144000" y="0"/>
-            <a:ext cx="17280" cy="6856920"/>
+            <a:ext cx="16920" cy="6856560"/>
           </a:xfrm>
           <a:prstGeom prst="rect">
             <a:avLst/>
@@ -14239,6 +17050,11 @@
             <a:noAutofit/>
           </a:bodyPr>
           <a:p>
+            <a:pPr>
+              <a:lnSpc>
+                <a:spcPct val="100000"/>
+              </a:lnSpc>
+            </a:pPr>
             <a:endParaRPr b="0" lang="en-US" sz="1800" spc="-1" strike="noStrike">
               <a:solidFill>
                 <a:schemeClr val="lt1"/>
@@ -14251,14 +17067,14 @@
       </p:sp>
       <p:sp>
         <p:nvSpPr>
-          <p:cNvPr id="187" name="Rectangle 60"/>
+          <p:cNvPr id="226" name="Rectangle 60"/>
           <p:cNvSpPr/>
           <p:nvPr/>
         </p:nvSpPr>
         <p:spPr>
           <a:xfrm>
             <a:off x="10058400" y="0"/>
-            <a:ext cx="17280" cy="6856920"/>
+            <a:ext cx="16920" cy="6856560"/>
           </a:xfrm>
           <a:prstGeom prst="rect">
             <a:avLst/>
@@ -14294,6 +17110,11 @@
             <a:noAutofit/>
           </a:bodyPr>
           <a:p>
+            <a:pPr>
+              <a:lnSpc>
+                <a:spcPct val="100000"/>
+              </a:lnSpc>
+            </a:pPr>
             <a:endParaRPr b="0" lang="en-US" sz="1800" spc="-1" strike="noStrike">
               <a:solidFill>
                 <a:schemeClr val="lt1"/>
@@ -14306,14 +17127,14 @@
       </p:sp>
       <p:sp>
         <p:nvSpPr>
-          <p:cNvPr id="188" name="Rectangle 61"/>
+          <p:cNvPr id="227" name="Rectangle 61"/>
           <p:cNvSpPr/>
           <p:nvPr/>
         </p:nvSpPr>
         <p:spPr>
           <a:xfrm>
             <a:off x="10972800" y="0"/>
-            <a:ext cx="17280" cy="6856920"/>
+            <a:ext cx="16920" cy="6856560"/>
           </a:xfrm>
           <a:prstGeom prst="rect">
             <a:avLst/>
@@ -14349,6 +17170,11 @@
             <a:noAutofit/>
           </a:bodyPr>
           <a:p>
+            <a:pPr>
+              <a:lnSpc>
+                <a:spcPct val="100000"/>
+              </a:lnSpc>
+            </a:pPr>
             <a:endParaRPr b="0" lang="en-US" sz="1800" spc="-1" strike="noStrike">
               <a:solidFill>
                 <a:schemeClr val="lt1"/>
@@ -14361,14 +17187,14 @@
       </p:sp>
       <p:sp>
         <p:nvSpPr>
-          <p:cNvPr id="189" name="Rectangle 62"/>
+          <p:cNvPr id="228" name="Rectangle 62"/>
           <p:cNvSpPr/>
           <p:nvPr/>
         </p:nvSpPr>
         <p:spPr>
           <a:xfrm>
             <a:off x="11887200" y="0"/>
-            <a:ext cx="17280" cy="6856920"/>
+            <a:ext cx="16920" cy="6856560"/>
           </a:xfrm>
           <a:prstGeom prst="rect">
             <a:avLst/>
@@ -14404,6 +17230,11 @@
             <a:noAutofit/>
           </a:bodyPr>
           <a:p>
+            <a:pPr>
+              <a:lnSpc>
+                <a:spcPct val="100000"/>
+              </a:lnSpc>
+            </a:pPr>
             <a:endParaRPr b="0" lang="en-US" sz="1800" spc="-1" strike="noStrike">
               <a:solidFill>
                 <a:schemeClr val="lt1"/>
@@ -14416,14 +17247,14 @@
       </p:sp>
       <p:sp>
         <p:nvSpPr>
-          <p:cNvPr id="190" name="Rectangle 63"/>
+          <p:cNvPr id="229" name="Rectangle 63"/>
           <p:cNvSpPr/>
           <p:nvPr/>
         </p:nvSpPr>
         <p:spPr>
           <a:xfrm>
             <a:off x="0" y="0"/>
-            <a:ext cx="318960" cy="6856920"/>
+            <a:ext cx="318600" cy="6856560"/>
           </a:xfrm>
           <a:prstGeom prst="rect">
             <a:avLst/>
@@ -14459,6 +17290,11 @@
             <a:noAutofit/>
           </a:bodyPr>
           <a:p>
+            <a:pPr>
+              <a:lnSpc>
+                <a:spcPct val="100000"/>
+              </a:lnSpc>
+            </a:pPr>
             <a:endParaRPr b="0" lang="en-US" sz="1800" spc="-1" strike="noStrike">
               <a:solidFill>
                 <a:schemeClr val="lt1"/>
@@ -14471,14 +17307,14 @@
       </p:sp>
       <p:sp>
         <p:nvSpPr>
-          <p:cNvPr id="191" name="Rounded Rectangle 15"/>
+          <p:cNvPr id="230" name="Rounded Rectangle 15"/>
           <p:cNvSpPr/>
           <p:nvPr/>
         </p:nvSpPr>
         <p:spPr>
           <a:xfrm>
             <a:off x="9875520" y="365760"/>
-            <a:ext cx="2010600" cy="501840"/>
+            <a:ext cx="2010240" cy="501480"/>
           </a:xfrm>
           <a:prstGeom prst="roundRect">
             <a:avLst>
@@ -14545,7 +17381,7 @@
       </p:sp>
       <p:sp>
         <p:nvSpPr>
-          <p:cNvPr id="192" name="TextBox 7"/>
+          <p:cNvPr id="231" name="TextBox 7"/>
           <p:cNvSpPr/>
           <p:nvPr/>
         </p:nvSpPr>
@@ -14599,7 +17435,7 @@
       </p:sp>
       <p:sp>
         <p:nvSpPr>
-          <p:cNvPr id="193" name="TextBox 8"/>
+          <p:cNvPr id="232" name="TextBox 8"/>
           <p:cNvSpPr/>
           <p:nvPr/>
         </p:nvSpPr>
@@ -14653,14 +17489,14 @@
       </p:sp>
       <p:sp>
         <p:nvSpPr>
-          <p:cNvPr id="194" name="Rounded Rectangle 16"/>
+          <p:cNvPr id="233" name="Rounded Rectangle 16"/>
           <p:cNvSpPr/>
           <p:nvPr/>
         </p:nvSpPr>
         <p:spPr>
           <a:xfrm>
             <a:off x="987480" y="3182040"/>
-            <a:ext cx="3290760" cy="2742120"/>
+            <a:ext cx="3290400" cy="2741760"/>
           </a:xfrm>
           <a:prstGeom prst="roundRect">
             <a:avLst>
@@ -14698,6 +17534,11 @@
             <a:noAutofit/>
           </a:bodyPr>
           <a:p>
+            <a:pPr>
+              <a:lnSpc>
+                <a:spcPct val="100000"/>
+              </a:lnSpc>
+            </a:pPr>
             <a:endParaRPr b="0" lang="en-US" sz="1800" spc="-1" strike="noStrike">
               <a:solidFill>
                 <a:schemeClr val="lt1"/>
@@ -14710,14 +17551,14 @@
       </p:sp>
       <p:sp>
         <p:nvSpPr>
-          <p:cNvPr id="195" name="Rounded Rectangle 18"/>
+          <p:cNvPr id="234" name="Rounded Rectangle 18"/>
           <p:cNvSpPr/>
           <p:nvPr/>
         </p:nvSpPr>
         <p:spPr>
           <a:xfrm>
             <a:off x="475560" y="2743200"/>
-            <a:ext cx="3729600" cy="3107880"/>
+            <a:ext cx="3729240" cy="3107520"/>
           </a:xfrm>
           <a:prstGeom prst="roundRect">
             <a:avLst>
@@ -14987,14 +17828,14 @@
       </p:sp>
       <p:sp>
         <p:nvSpPr>
-          <p:cNvPr id="196" name="Rounded Rectangle 19"/>
+          <p:cNvPr id="235" name="Rounded Rectangle 19"/>
           <p:cNvSpPr/>
           <p:nvPr/>
         </p:nvSpPr>
         <p:spPr>
           <a:xfrm>
             <a:off x="4507920" y="3182040"/>
-            <a:ext cx="3290760" cy="2742120"/>
+            <a:ext cx="3290400" cy="2741760"/>
           </a:xfrm>
           <a:prstGeom prst="roundRect">
             <a:avLst>
@@ -15032,6 +17873,11 @@
             <a:noAutofit/>
           </a:bodyPr>
           <a:p>
+            <a:pPr>
+              <a:lnSpc>
+                <a:spcPct val="100000"/>
+              </a:lnSpc>
+            </a:pPr>
             <a:endParaRPr b="0" lang="en-US" sz="1800" spc="-1" strike="noStrike">
               <a:solidFill>
                 <a:schemeClr val="lt1"/>
@@ -15044,14 +17890,14 @@
       </p:sp>
       <p:sp>
         <p:nvSpPr>
-          <p:cNvPr id="197" name="Rounded Rectangle 26"/>
+          <p:cNvPr id="236" name="Rounded Rectangle 26"/>
           <p:cNvSpPr/>
           <p:nvPr/>
         </p:nvSpPr>
         <p:spPr>
           <a:xfrm>
             <a:off x="4343400" y="2918520"/>
-            <a:ext cx="3519360" cy="2932560"/>
+            <a:ext cx="3519000" cy="2932200"/>
           </a:xfrm>
           <a:prstGeom prst="roundRect">
             <a:avLst>
@@ -15546,14 +18392,14 @@
       </p:sp>
       <p:sp>
         <p:nvSpPr>
-          <p:cNvPr id="198" name="Rounded Rectangle 27"/>
+          <p:cNvPr id="237" name="Rounded Rectangle 27"/>
           <p:cNvSpPr/>
           <p:nvPr/>
         </p:nvSpPr>
         <p:spPr>
           <a:xfrm>
             <a:off x="8028360" y="3182040"/>
-            <a:ext cx="3290760" cy="2742120"/>
+            <a:ext cx="3290400" cy="2741760"/>
           </a:xfrm>
           <a:prstGeom prst="roundRect">
             <a:avLst>
@@ -15591,6 +18437,11 @@
             <a:noAutofit/>
           </a:bodyPr>
           <a:p>
+            <a:pPr>
+              <a:lnSpc>
+                <a:spcPct val="100000"/>
+              </a:lnSpc>
+            </a:pPr>
             <a:endParaRPr b="0" lang="en-US" sz="1800" spc="-1" strike="noStrike">
               <a:solidFill>
                 <a:schemeClr val="lt1"/>
@@ -15603,14 +18454,14 @@
       </p:sp>
       <p:sp>
         <p:nvSpPr>
-          <p:cNvPr id="199" name="Rounded Rectangle 28"/>
+          <p:cNvPr id="238" name="Rounded Rectangle 28"/>
           <p:cNvSpPr/>
           <p:nvPr/>
         </p:nvSpPr>
         <p:spPr>
           <a:xfrm>
             <a:off x="8023680" y="2743200"/>
-            <a:ext cx="3840840" cy="3200400"/>
+            <a:ext cx="3840480" cy="3200040"/>
           </a:xfrm>
           <a:prstGeom prst="roundRect">
             <a:avLst>
@@ -16075,7 +18926,2545 @@
       </p:sp>
       <p:sp>
         <p:nvSpPr>
-          <p:cNvPr id="200" name="TextBox 9"/>
+          <p:cNvPr id="239" name="TextBox 9"/>
+          <p:cNvSpPr/>
+          <p:nvPr/>
+        </p:nvSpPr>
+        <p:spPr>
+          <a:xfrm>
+            <a:off x="4600080" y="6446520"/>
+            <a:ext cx="3051360" cy="363960"/>
+          </a:xfrm>
+          <a:prstGeom prst="rect">
+            <a:avLst/>
+          </a:prstGeom>
+          <a:noFill/>
+          <a:ln w="0">
+            <a:noFill/>
+          </a:ln>
+        </p:spPr>
+        <p:style>
+          <a:lnRef idx="0"/>
+          <a:fillRef idx="0"/>
+          <a:effectRef idx="0"/>
+          <a:fontRef idx="minor"/>
+        </p:style>
+        <p:txBody>
+          <a:bodyPr wrap="none" lIns="90000" rIns="90000" tIns="45000" bIns="45000" anchor="t">
+            <a:spAutoFit/>
+          </a:bodyPr>
+          <a:p>
+            <a:pPr>
+              <a:lnSpc>
+                <a:spcPct val="100000"/>
+              </a:lnSpc>
+            </a:pPr>
+            <a:r>
+              <a:rPr b="0" lang="en-US" sz="1800" spc="-1" strike="noStrike">
+                <a:solidFill>
+                  <a:srgbClr val="000000"/>
+                </a:solidFill>
+                <a:latin typeface="Calibri"/>
+                <a:ea typeface="DejaVu Sans"/>
+              </a:rPr>
+              <a:t>Java • Ultra Premium Template</a:t>
+            </a:r>
+            <a:endParaRPr b="0" lang="en-US" sz="1800" spc="-1" strike="noStrike">
+              <a:solidFill>
+                <a:srgbClr val="000000"/>
+              </a:solidFill>
+              <a:latin typeface="Arial"/>
+            </a:endParaRPr>
+          </a:p>
+        </p:txBody>
+      </p:sp>
+    </p:spTree>
+  </p:cSld>
+  <mc:AlternateContent>
+    <mc:Choice Requires="p14">
+      <p:transition spd="slow" p14:dur="2000"/>
+    </mc:Choice>
+    <mc:Fallback>
+      <p:transition spd="slow"/>
+    </mc:Fallback>
+  </mc:AlternateContent>
+</p:sld>
+</file>
+
+<file path=ppt/slides/slide4.xml><?xml version="1.0" encoding="utf-8"?>
+<p:sld xmlns:a="http://schemas.openxmlformats.org/drawingml/2006/main" xmlns:p="http://schemas.openxmlformats.org/presentationml/2006/main" xmlns:r="http://schemas.openxmlformats.org/officeDocument/2006/relationships" xmlns:p14="http://schemas.microsoft.com/office/powerpoint/2010/main" xmlns:p15="http://schemas.microsoft.com/office/powerpoint/2012/main" xmlns:mc="http://schemas.openxmlformats.org/markup-compatibility/2006">
+  <p:cSld>
+    <p:spTree>
+      <p:nvGrpSpPr>
+        <p:cNvPr id="1" name=""/>
+        <p:cNvGrpSpPr/>
+        <p:nvPr/>
+      </p:nvGrpSpPr>
+      <p:grpSpPr>
+        <a:xfrm>
+          <a:off x="0" y="0"/>
+          <a:ext cx="0" cy="0"/>
+          <a:chOff x="0" y="0"/>
+          <a:chExt cx="0" cy="0"/>
+        </a:xfrm>
+      </p:grpSpPr>
+      <p:sp>
+        <p:nvSpPr>
+          <p:cNvPr id="240" name="Rectangle 64"/>
+          <p:cNvSpPr/>
+          <p:nvPr/>
+        </p:nvSpPr>
+        <p:spPr>
+          <a:xfrm>
+            <a:off x="0" y="0"/>
+            <a:ext cx="12187800" cy="6856920"/>
+          </a:xfrm>
+          <a:prstGeom prst="rect">
+            <a:avLst/>
+          </a:prstGeom>
+          <a:solidFill>
+            <a:srgbClr val="0b0b0d"/>
+          </a:solidFill>
+          <a:ln>
+            <a:noFill/>
+          </a:ln>
+          <a:effectLst>
+            <a:outerShdw blurRad="39960" dir="5400000" dist="23040" rotWithShape="0">
+              <a:srgbClr val="000000">
+                <a:alpha val="35000"/>
+              </a:srgbClr>
+            </a:outerShdw>
+          </a:effectLst>
+        </p:spPr>
+        <p:style>
+          <a:lnRef idx="1">
+            <a:schemeClr val="accent1"/>
+          </a:lnRef>
+          <a:fillRef idx="3">
+            <a:schemeClr val="accent1"/>
+          </a:fillRef>
+          <a:effectRef idx="2">
+            <a:schemeClr val="accent1"/>
+          </a:effectRef>
+          <a:fontRef idx="minor"/>
+        </p:style>
+        <p:txBody>
+          <a:bodyPr lIns="90000" rIns="90000" tIns="45000" bIns="45000" anchor="ctr">
+            <a:noAutofit/>
+          </a:bodyPr>
+          <a:p>
+            <a:endParaRPr b="0" lang="en-US" sz="1800" spc="-1" strike="noStrike">
+              <a:solidFill>
+                <a:schemeClr val="lt1"/>
+              </a:solidFill>
+              <a:latin typeface="Calibri"/>
+              <a:ea typeface="DejaVu Sans"/>
+            </a:endParaRPr>
+          </a:p>
+        </p:txBody>
+      </p:sp>
+      <p:sp>
+        <p:nvSpPr>
+          <p:cNvPr id="241" name="Rectangle 65"/>
+          <p:cNvSpPr/>
+          <p:nvPr/>
+        </p:nvSpPr>
+        <p:spPr>
+          <a:xfrm>
+            <a:off x="0" y="0"/>
+            <a:ext cx="17280" cy="6856920"/>
+          </a:xfrm>
+          <a:prstGeom prst="rect">
+            <a:avLst/>
+          </a:prstGeom>
+          <a:solidFill>
+            <a:srgbClr val="121216"/>
+          </a:solidFill>
+          <a:ln>
+            <a:noFill/>
+          </a:ln>
+          <a:effectLst>
+            <a:outerShdw blurRad="39960" dir="5400000" dist="23040" rotWithShape="0">
+              <a:srgbClr val="000000">
+                <a:alpha val="35000"/>
+              </a:srgbClr>
+            </a:outerShdw>
+          </a:effectLst>
+        </p:spPr>
+        <p:style>
+          <a:lnRef idx="1">
+            <a:schemeClr val="accent1"/>
+          </a:lnRef>
+          <a:fillRef idx="3">
+            <a:schemeClr val="accent1"/>
+          </a:fillRef>
+          <a:effectRef idx="2">
+            <a:schemeClr val="accent1"/>
+          </a:effectRef>
+          <a:fontRef idx="minor"/>
+        </p:style>
+        <p:txBody>
+          <a:bodyPr lIns="90000" rIns="90000" tIns="45000" bIns="45000" anchor="ctr">
+            <a:noAutofit/>
+          </a:bodyPr>
+          <a:p>
+            <a:endParaRPr b="0" lang="en-US" sz="1800" spc="-1" strike="noStrike">
+              <a:solidFill>
+                <a:schemeClr val="lt1"/>
+              </a:solidFill>
+              <a:latin typeface="Calibri"/>
+              <a:ea typeface="DejaVu Sans"/>
+            </a:endParaRPr>
+          </a:p>
+        </p:txBody>
+      </p:sp>
+      <p:sp>
+        <p:nvSpPr>
+          <p:cNvPr id="242" name="Rectangle 66"/>
+          <p:cNvSpPr/>
+          <p:nvPr/>
+        </p:nvSpPr>
+        <p:spPr>
+          <a:xfrm>
+            <a:off x="914400" y="0"/>
+            <a:ext cx="17280" cy="6856920"/>
+          </a:xfrm>
+          <a:prstGeom prst="rect">
+            <a:avLst/>
+          </a:prstGeom>
+          <a:solidFill>
+            <a:srgbClr val="121216"/>
+          </a:solidFill>
+          <a:ln>
+            <a:noFill/>
+          </a:ln>
+          <a:effectLst>
+            <a:outerShdw blurRad="39960" dir="5400000" dist="23040" rotWithShape="0">
+              <a:srgbClr val="000000">
+                <a:alpha val="35000"/>
+              </a:srgbClr>
+            </a:outerShdw>
+          </a:effectLst>
+        </p:spPr>
+        <p:style>
+          <a:lnRef idx="1">
+            <a:schemeClr val="accent1"/>
+          </a:lnRef>
+          <a:fillRef idx="3">
+            <a:schemeClr val="accent1"/>
+          </a:fillRef>
+          <a:effectRef idx="2">
+            <a:schemeClr val="accent1"/>
+          </a:effectRef>
+          <a:fontRef idx="minor"/>
+        </p:style>
+        <p:txBody>
+          <a:bodyPr lIns="90000" rIns="90000" tIns="45000" bIns="45000" anchor="ctr">
+            <a:noAutofit/>
+          </a:bodyPr>
+          <a:p>
+            <a:endParaRPr b="0" lang="en-US" sz="1800" spc="-1" strike="noStrike">
+              <a:solidFill>
+                <a:schemeClr val="lt1"/>
+              </a:solidFill>
+              <a:latin typeface="Calibri"/>
+              <a:ea typeface="DejaVu Sans"/>
+            </a:endParaRPr>
+          </a:p>
+        </p:txBody>
+      </p:sp>
+      <p:sp>
+        <p:nvSpPr>
+          <p:cNvPr id="243" name="Rectangle 67"/>
+          <p:cNvSpPr/>
+          <p:nvPr/>
+        </p:nvSpPr>
+        <p:spPr>
+          <a:xfrm>
+            <a:off x="1828800" y="0"/>
+            <a:ext cx="17280" cy="6856920"/>
+          </a:xfrm>
+          <a:prstGeom prst="rect">
+            <a:avLst/>
+          </a:prstGeom>
+          <a:solidFill>
+            <a:srgbClr val="121216"/>
+          </a:solidFill>
+          <a:ln>
+            <a:noFill/>
+          </a:ln>
+          <a:effectLst>
+            <a:outerShdw blurRad="39960" dir="5400000" dist="23040" rotWithShape="0">
+              <a:srgbClr val="000000">
+                <a:alpha val="35000"/>
+              </a:srgbClr>
+            </a:outerShdw>
+          </a:effectLst>
+        </p:spPr>
+        <p:style>
+          <a:lnRef idx="1">
+            <a:schemeClr val="accent1"/>
+          </a:lnRef>
+          <a:fillRef idx="3">
+            <a:schemeClr val="accent1"/>
+          </a:fillRef>
+          <a:effectRef idx="2">
+            <a:schemeClr val="accent1"/>
+          </a:effectRef>
+          <a:fontRef idx="minor"/>
+        </p:style>
+        <p:txBody>
+          <a:bodyPr lIns="90000" rIns="90000" tIns="45000" bIns="45000" anchor="ctr">
+            <a:noAutofit/>
+          </a:bodyPr>
+          <a:p>
+            <a:endParaRPr b="0" lang="en-US" sz="1800" spc="-1" strike="noStrike">
+              <a:solidFill>
+                <a:schemeClr val="lt1"/>
+              </a:solidFill>
+              <a:latin typeface="Calibri"/>
+              <a:ea typeface="DejaVu Sans"/>
+            </a:endParaRPr>
+          </a:p>
+        </p:txBody>
+      </p:sp>
+      <p:sp>
+        <p:nvSpPr>
+          <p:cNvPr id="244" name="Rectangle 68"/>
+          <p:cNvSpPr/>
+          <p:nvPr/>
+        </p:nvSpPr>
+        <p:spPr>
+          <a:xfrm>
+            <a:off x="2743200" y="0"/>
+            <a:ext cx="17280" cy="6856920"/>
+          </a:xfrm>
+          <a:prstGeom prst="rect">
+            <a:avLst/>
+          </a:prstGeom>
+          <a:solidFill>
+            <a:srgbClr val="121216"/>
+          </a:solidFill>
+          <a:ln>
+            <a:noFill/>
+          </a:ln>
+          <a:effectLst>
+            <a:outerShdw blurRad="39960" dir="5400000" dist="23040" rotWithShape="0">
+              <a:srgbClr val="000000">
+                <a:alpha val="35000"/>
+              </a:srgbClr>
+            </a:outerShdw>
+          </a:effectLst>
+        </p:spPr>
+        <p:style>
+          <a:lnRef idx="1">
+            <a:schemeClr val="accent1"/>
+          </a:lnRef>
+          <a:fillRef idx="3">
+            <a:schemeClr val="accent1"/>
+          </a:fillRef>
+          <a:effectRef idx="2">
+            <a:schemeClr val="accent1"/>
+          </a:effectRef>
+          <a:fontRef idx="minor"/>
+        </p:style>
+        <p:txBody>
+          <a:bodyPr lIns="90000" rIns="90000" tIns="45000" bIns="45000" anchor="ctr">
+            <a:noAutofit/>
+          </a:bodyPr>
+          <a:p>
+            <a:endParaRPr b="0" lang="en-US" sz="1800" spc="-1" strike="noStrike">
+              <a:solidFill>
+                <a:schemeClr val="lt1"/>
+              </a:solidFill>
+              <a:latin typeface="Calibri"/>
+              <a:ea typeface="DejaVu Sans"/>
+            </a:endParaRPr>
+          </a:p>
+        </p:txBody>
+      </p:sp>
+      <p:sp>
+        <p:nvSpPr>
+          <p:cNvPr id="245" name="Rectangle 69"/>
+          <p:cNvSpPr/>
+          <p:nvPr/>
+        </p:nvSpPr>
+        <p:spPr>
+          <a:xfrm>
+            <a:off x="3657600" y="0"/>
+            <a:ext cx="17280" cy="6856920"/>
+          </a:xfrm>
+          <a:prstGeom prst="rect">
+            <a:avLst/>
+          </a:prstGeom>
+          <a:solidFill>
+            <a:srgbClr val="121216"/>
+          </a:solidFill>
+          <a:ln>
+            <a:noFill/>
+          </a:ln>
+          <a:effectLst>
+            <a:outerShdw blurRad="39960" dir="5400000" dist="23040" rotWithShape="0">
+              <a:srgbClr val="000000">
+                <a:alpha val="35000"/>
+              </a:srgbClr>
+            </a:outerShdw>
+          </a:effectLst>
+        </p:spPr>
+        <p:style>
+          <a:lnRef idx="1">
+            <a:schemeClr val="accent1"/>
+          </a:lnRef>
+          <a:fillRef idx="3">
+            <a:schemeClr val="accent1"/>
+          </a:fillRef>
+          <a:effectRef idx="2">
+            <a:schemeClr val="accent1"/>
+          </a:effectRef>
+          <a:fontRef idx="minor"/>
+        </p:style>
+        <p:txBody>
+          <a:bodyPr lIns="90000" rIns="90000" tIns="45000" bIns="45000" anchor="ctr">
+            <a:noAutofit/>
+          </a:bodyPr>
+          <a:p>
+            <a:endParaRPr b="0" lang="en-US" sz="1800" spc="-1" strike="noStrike">
+              <a:solidFill>
+                <a:schemeClr val="lt1"/>
+              </a:solidFill>
+              <a:latin typeface="Calibri"/>
+              <a:ea typeface="DejaVu Sans"/>
+            </a:endParaRPr>
+          </a:p>
+        </p:txBody>
+      </p:sp>
+      <p:sp>
+        <p:nvSpPr>
+          <p:cNvPr id="246" name="Rectangle 70"/>
+          <p:cNvSpPr/>
+          <p:nvPr/>
+        </p:nvSpPr>
+        <p:spPr>
+          <a:xfrm>
+            <a:off x="4572000" y="0"/>
+            <a:ext cx="17280" cy="6856920"/>
+          </a:xfrm>
+          <a:prstGeom prst="rect">
+            <a:avLst/>
+          </a:prstGeom>
+          <a:solidFill>
+            <a:srgbClr val="121216"/>
+          </a:solidFill>
+          <a:ln>
+            <a:noFill/>
+          </a:ln>
+          <a:effectLst>
+            <a:outerShdw blurRad="39960" dir="5400000" dist="23040" rotWithShape="0">
+              <a:srgbClr val="000000">
+                <a:alpha val="35000"/>
+              </a:srgbClr>
+            </a:outerShdw>
+          </a:effectLst>
+        </p:spPr>
+        <p:style>
+          <a:lnRef idx="1">
+            <a:schemeClr val="accent1"/>
+          </a:lnRef>
+          <a:fillRef idx="3">
+            <a:schemeClr val="accent1"/>
+          </a:fillRef>
+          <a:effectRef idx="2">
+            <a:schemeClr val="accent1"/>
+          </a:effectRef>
+          <a:fontRef idx="minor"/>
+        </p:style>
+        <p:txBody>
+          <a:bodyPr lIns="90000" rIns="90000" tIns="45000" bIns="45000" anchor="ctr">
+            <a:noAutofit/>
+          </a:bodyPr>
+          <a:p>
+            <a:endParaRPr b="0" lang="en-US" sz="1800" spc="-1" strike="noStrike">
+              <a:solidFill>
+                <a:schemeClr val="lt1"/>
+              </a:solidFill>
+              <a:latin typeface="Calibri"/>
+              <a:ea typeface="DejaVu Sans"/>
+            </a:endParaRPr>
+          </a:p>
+        </p:txBody>
+      </p:sp>
+      <p:sp>
+        <p:nvSpPr>
+          <p:cNvPr id="247" name="Rectangle 71"/>
+          <p:cNvSpPr/>
+          <p:nvPr/>
+        </p:nvSpPr>
+        <p:spPr>
+          <a:xfrm>
+            <a:off x="5486400" y="0"/>
+            <a:ext cx="17280" cy="6856920"/>
+          </a:xfrm>
+          <a:prstGeom prst="rect">
+            <a:avLst/>
+          </a:prstGeom>
+          <a:solidFill>
+            <a:srgbClr val="121216"/>
+          </a:solidFill>
+          <a:ln>
+            <a:noFill/>
+          </a:ln>
+          <a:effectLst>
+            <a:outerShdw blurRad="39960" dir="5400000" dist="23040" rotWithShape="0">
+              <a:srgbClr val="000000">
+                <a:alpha val="35000"/>
+              </a:srgbClr>
+            </a:outerShdw>
+          </a:effectLst>
+        </p:spPr>
+        <p:style>
+          <a:lnRef idx="1">
+            <a:schemeClr val="accent1"/>
+          </a:lnRef>
+          <a:fillRef idx="3">
+            <a:schemeClr val="accent1"/>
+          </a:fillRef>
+          <a:effectRef idx="2">
+            <a:schemeClr val="accent1"/>
+          </a:effectRef>
+          <a:fontRef idx="minor"/>
+        </p:style>
+        <p:txBody>
+          <a:bodyPr lIns="90000" rIns="90000" tIns="45000" bIns="45000" anchor="ctr">
+            <a:noAutofit/>
+          </a:bodyPr>
+          <a:p>
+            <a:endParaRPr b="0" lang="en-US" sz="1800" spc="-1" strike="noStrike">
+              <a:solidFill>
+                <a:schemeClr val="lt1"/>
+              </a:solidFill>
+              <a:latin typeface="Calibri"/>
+              <a:ea typeface="DejaVu Sans"/>
+            </a:endParaRPr>
+          </a:p>
+        </p:txBody>
+      </p:sp>
+      <p:sp>
+        <p:nvSpPr>
+          <p:cNvPr id="248" name="Rectangle 72"/>
+          <p:cNvSpPr/>
+          <p:nvPr/>
+        </p:nvSpPr>
+        <p:spPr>
+          <a:xfrm>
+            <a:off x="6400800" y="0"/>
+            <a:ext cx="17280" cy="6856920"/>
+          </a:xfrm>
+          <a:prstGeom prst="rect">
+            <a:avLst/>
+          </a:prstGeom>
+          <a:solidFill>
+            <a:srgbClr val="121216"/>
+          </a:solidFill>
+          <a:ln>
+            <a:noFill/>
+          </a:ln>
+          <a:effectLst>
+            <a:outerShdw blurRad="39960" dir="5400000" dist="23040" rotWithShape="0">
+              <a:srgbClr val="000000">
+                <a:alpha val="35000"/>
+              </a:srgbClr>
+            </a:outerShdw>
+          </a:effectLst>
+        </p:spPr>
+        <p:style>
+          <a:lnRef idx="1">
+            <a:schemeClr val="accent1"/>
+          </a:lnRef>
+          <a:fillRef idx="3">
+            <a:schemeClr val="accent1"/>
+          </a:fillRef>
+          <a:effectRef idx="2">
+            <a:schemeClr val="accent1"/>
+          </a:effectRef>
+          <a:fontRef idx="minor"/>
+        </p:style>
+        <p:txBody>
+          <a:bodyPr lIns="90000" rIns="90000" tIns="45000" bIns="45000" anchor="ctr">
+            <a:noAutofit/>
+          </a:bodyPr>
+          <a:p>
+            <a:endParaRPr b="0" lang="en-US" sz="1800" spc="-1" strike="noStrike">
+              <a:solidFill>
+                <a:schemeClr val="lt1"/>
+              </a:solidFill>
+              <a:latin typeface="Calibri"/>
+              <a:ea typeface="DejaVu Sans"/>
+            </a:endParaRPr>
+          </a:p>
+        </p:txBody>
+      </p:sp>
+      <p:sp>
+        <p:nvSpPr>
+          <p:cNvPr id="249" name="Rectangle 73"/>
+          <p:cNvSpPr/>
+          <p:nvPr/>
+        </p:nvSpPr>
+        <p:spPr>
+          <a:xfrm>
+            <a:off x="7315200" y="0"/>
+            <a:ext cx="17280" cy="6856920"/>
+          </a:xfrm>
+          <a:prstGeom prst="rect">
+            <a:avLst/>
+          </a:prstGeom>
+          <a:solidFill>
+            <a:srgbClr val="121216"/>
+          </a:solidFill>
+          <a:ln>
+            <a:noFill/>
+          </a:ln>
+          <a:effectLst>
+            <a:outerShdw blurRad="39960" dir="5400000" dist="23040" rotWithShape="0">
+              <a:srgbClr val="000000">
+                <a:alpha val="35000"/>
+              </a:srgbClr>
+            </a:outerShdw>
+          </a:effectLst>
+        </p:spPr>
+        <p:style>
+          <a:lnRef idx="1">
+            <a:schemeClr val="accent1"/>
+          </a:lnRef>
+          <a:fillRef idx="3">
+            <a:schemeClr val="accent1"/>
+          </a:fillRef>
+          <a:effectRef idx="2">
+            <a:schemeClr val="accent1"/>
+          </a:effectRef>
+          <a:fontRef idx="minor"/>
+        </p:style>
+        <p:txBody>
+          <a:bodyPr lIns="90000" rIns="90000" tIns="45000" bIns="45000" anchor="ctr">
+            <a:noAutofit/>
+          </a:bodyPr>
+          <a:p>
+            <a:endParaRPr b="0" lang="en-US" sz="1800" spc="-1" strike="noStrike">
+              <a:solidFill>
+                <a:schemeClr val="lt1"/>
+              </a:solidFill>
+              <a:latin typeface="Calibri"/>
+              <a:ea typeface="DejaVu Sans"/>
+            </a:endParaRPr>
+          </a:p>
+        </p:txBody>
+      </p:sp>
+      <p:sp>
+        <p:nvSpPr>
+          <p:cNvPr id="250" name="Rectangle 74"/>
+          <p:cNvSpPr/>
+          <p:nvPr/>
+        </p:nvSpPr>
+        <p:spPr>
+          <a:xfrm>
+            <a:off x="8229600" y="0"/>
+            <a:ext cx="17280" cy="6856920"/>
+          </a:xfrm>
+          <a:prstGeom prst="rect">
+            <a:avLst/>
+          </a:prstGeom>
+          <a:solidFill>
+            <a:srgbClr val="121216"/>
+          </a:solidFill>
+          <a:ln>
+            <a:noFill/>
+          </a:ln>
+          <a:effectLst>
+            <a:outerShdw blurRad="39960" dir="5400000" dist="23040" rotWithShape="0">
+              <a:srgbClr val="000000">
+                <a:alpha val="35000"/>
+              </a:srgbClr>
+            </a:outerShdw>
+          </a:effectLst>
+        </p:spPr>
+        <p:style>
+          <a:lnRef idx="1">
+            <a:schemeClr val="accent1"/>
+          </a:lnRef>
+          <a:fillRef idx="3">
+            <a:schemeClr val="accent1"/>
+          </a:fillRef>
+          <a:effectRef idx="2">
+            <a:schemeClr val="accent1"/>
+          </a:effectRef>
+          <a:fontRef idx="minor"/>
+        </p:style>
+        <p:txBody>
+          <a:bodyPr lIns="90000" rIns="90000" tIns="45000" bIns="45000" anchor="ctr">
+            <a:noAutofit/>
+          </a:bodyPr>
+          <a:p>
+            <a:endParaRPr b="0" lang="en-US" sz="1800" spc="-1" strike="noStrike">
+              <a:solidFill>
+                <a:schemeClr val="lt1"/>
+              </a:solidFill>
+              <a:latin typeface="Calibri"/>
+              <a:ea typeface="DejaVu Sans"/>
+            </a:endParaRPr>
+          </a:p>
+        </p:txBody>
+      </p:sp>
+      <p:sp>
+        <p:nvSpPr>
+          <p:cNvPr id="251" name="Rectangle 75"/>
+          <p:cNvSpPr/>
+          <p:nvPr/>
+        </p:nvSpPr>
+        <p:spPr>
+          <a:xfrm>
+            <a:off x="9144000" y="0"/>
+            <a:ext cx="17280" cy="6856920"/>
+          </a:xfrm>
+          <a:prstGeom prst="rect">
+            <a:avLst/>
+          </a:prstGeom>
+          <a:solidFill>
+            <a:srgbClr val="121216"/>
+          </a:solidFill>
+          <a:ln>
+            <a:noFill/>
+          </a:ln>
+          <a:effectLst>
+            <a:outerShdw blurRad="39960" dir="5400000" dist="23040" rotWithShape="0">
+              <a:srgbClr val="000000">
+                <a:alpha val="35000"/>
+              </a:srgbClr>
+            </a:outerShdw>
+          </a:effectLst>
+        </p:spPr>
+        <p:style>
+          <a:lnRef idx="1">
+            <a:schemeClr val="accent1"/>
+          </a:lnRef>
+          <a:fillRef idx="3">
+            <a:schemeClr val="accent1"/>
+          </a:fillRef>
+          <a:effectRef idx="2">
+            <a:schemeClr val="accent1"/>
+          </a:effectRef>
+          <a:fontRef idx="minor"/>
+        </p:style>
+        <p:txBody>
+          <a:bodyPr lIns="90000" rIns="90000" tIns="45000" bIns="45000" anchor="ctr">
+            <a:noAutofit/>
+          </a:bodyPr>
+          <a:p>
+            <a:endParaRPr b="0" lang="en-US" sz="1800" spc="-1" strike="noStrike">
+              <a:solidFill>
+                <a:schemeClr val="lt1"/>
+              </a:solidFill>
+              <a:latin typeface="Calibri"/>
+              <a:ea typeface="DejaVu Sans"/>
+            </a:endParaRPr>
+          </a:p>
+        </p:txBody>
+      </p:sp>
+      <p:sp>
+        <p:nvSpPr>
+          <p:cNvPr id="252" name="Rectangle 76"/>
+          <p:cNvSpPr/>
+          <p:nvPr/>
+        </p:nvSpPr>
+        <p:spPr>
+          <a:xfrm>
+            <a:off x="10058400" y="0"/>
+            <a:ext cx="17280" cy="6856920"/>
+          </a:xfrm>
+          <a:prstGeom prst="rect">
+            <a:avLst/>
+          </a:prstGeom>
+          <a:solidFill>
+            <a:srgbClr val="121216"/>
+          </a:solidFill>
+          <a:ln>
+            <a:noFill/>
+          </a:ln>
+          <a:effectLst>
+            <a:outerShdw blurRad="39960" dir="5400000" dist="23040" rotWithShape="0">
+              <a:srgbClr val="000000">
+                <a:alpha val="35000"/>
+              </a:srgbClr>
+            </a:outerShdw>
+          </a:effectLst>
+        </p:spPr>
+        <p:style>
+          <a:lnRef idx="1">
+            <a:schemeClr val="accent1"/>
+          </a:lnRef>
+          <a:fillRef idx="3">
+            <a:schemeClr val="accent1"/>
+          </a:fillRef>
+          <a:effectRef idx="2">
+            <a:schemeClr val="accent1"/>
+          </a:effectRef>
+          <a:fontRef idx="minor"/>
+        </p:style>
+        <p:txBody>
+          <a:bodyPr lIns="90000" rIns="90000" tIns="45000" bIns="45000" anchor="ctr">
+            <a:noAutofit/>
+          </a:bodyPr>
+          <a:p>
+            <a:endParaRPr b="0" lang="en-US" sz="1800" spc="-1" strike="noStrike">
+              <a:solidFill>
+                <a:schemeClr val="lt1"/>
+              </a:solidFill>
+              <a:latin typeface="Calibri"/>
+              <a:ea typeface="DejaVu Sans"/>
+            </a:endParaRPr>
+          </a:p>
+        </p:txBody>
+      </p:sp>
+      <p:sp>
+        <p:nvSpPr>
+          <p:cNvPr id="253" name="Rectangle 77"/>
+          <p:cNvSpPr/>
+          <p:nvPr/>
+        </p:nvSpPr>
+        <p:spPr>
+          <a:xfrm>
+            <a:off x="10972800" y="0"/>
+            <a:ext cx="17280" cy="6856920"/>
+          </a:xfrm>
+          <a:prstGeom prst="rect">
+            <a:avLst/>
+          </a:prstGeom>
+          <a:solidFill>
+            <a:srgbClr val="121216"/>
+          </a:solidFill>
+          <a:ln>
+            <a:noFill/>
+          </a:ln>
+          <a:effectLst>
+            <a:outerShdw blurRad="39960" dir="5400000" dist="23040" rotWithShape="0">
+              <a:srgbClr val="000000">
+                <a:alpha val="35000"/>
+              </a:srgbClr>
+            </a:outerShdw>
+          </a:effectLst>
+        </p:spPr>
+        <p:style>
+          <a:lnRef idx="1">
+            <a:schemeClr val="accent1"/>
+          </a:lnRef>
+          <a:fillRef idx="3">
+            <a:schemeClr val="accent1"/>
+          </a:fillRef>
+          <a:effectRef idx="2">
+            <a:schemeClr val="accent1"/>
+          </a:effectRef>
+          <a:fontRef idx="minor"/>
+        </p:style>
+        <p:txBody>
+          <a:bodyPr lIns="90000" rIns="90000" tIns="45000" bIns="45000" anchor="ctr">
+            <a:noAutofit/>
+          </a:bodyPr>
+          <a:p>
+            <a:endParaRPr b="0" lang="en-US" sz="1800" spc="-1" strike="noStrike">
+              <a:solidFill>
+                <a:schemeClr val="lt1"/>
+              </a:solidFill>
+              <a:latin typeface="Calibri"/>
+              <a:ea typeface="DejaVu Sans"/>
+            </a:endParaRPr>
+          </a:p>
+        </p:txBody>
+      </p:sp>
+      <p:sp>
+        <p:nvSpPr>
+          <p:cNvPr id="254" name="Rectangle 78"/>
+          <p:cNvSpPr/>
+          <p:nvPr/>
+        </p:nvSpPr>
+        <p:spPr>
+          <a:xfrm>
+            <a:off x="11887200" y="0"/>
+            <a:ext cx="17280" cy="6856920"/>
+          </a:xfrm>
+          <a:prstGeom prst="rect">
+            <a:avLst/>
+          </a:prstGeom>
+          <a:solidFill>
+            <a:srgbClr val="121216"/>
+          </a:solidFill>
+          <a:ln>
+            <a:noFill/>
+          </a:ln>
+          <a:effectLst>
+            <a:outerShdw blurRad="39960" dir="5400000" dist="23040" rotWithShape="0">
+              <a:srgbClr val="000000">
+                <a:alpha val="35000"/>
+              </a:srgbClr>
+            </a:outerShdw>
+          </a:effectLst>
+        </p:spPr>
+        <p:style>
+          <a:lnRef idx="1">
+            <a:schemeClr val="accent1"/>
+          </a:lnRef>
+          <a:fillRef idx="3">
+            <a:schemeClr val="accent1"/>
+          </a:fillRef>
+          <a:effectRef idx="2">
+            <a:schemeClr val="accent1"/>
+          </a:effectRef>
+          <a:fontRef idx="minor"/>
+        </p:style>
+        <p:txBody>
+          <a:bodyPr lIns="90000" rIns="90000" tIns="45000" bIns="45000" anchor="ctr">
+            <a:noAutofit/>
+          </a:bodyPr>
+          <a:p>
+            <a:endParaRPr b="0" lang="en-US" sz="1800" spc="-1" strike="noStrike">
+              <a:solidFill>
+                <a:schemeClr val="lt1"/>
+              </a:solidFill>
+              <a:latin typeface="Calibri"/>
+              <a:ea typeface="DejaVu Sans"/>
+            </a:endParaRPr>
+          </a:p>
+        </p:txBody>
+      </p:sp>
+      <p:sp>
+        <p:nvSpPr>
+          <p:cNvPr id="255" name="Rectangle 79"/>
+          <p:cNvSpPr/>
+          <p:nvPr/>
+        </p:nvSpPr>
+        <p:spPr>
+          <a:xfrm>
+            <a:off x="0" y="0"/>
+            <a:ext cx="318960" cy="6856920"/>
+          </a:xfrm>
+          <a:prstGeom prst="rect">
+            <a:avLst/>
+          </a:prstGeom>
+          <a:solidFill>
+            <a:srgbClr val="ff8c00"/>
+          </a:solidFill>
+          <a:ln>
+            <a:noFill/>
+          </a:ln>
+          <a:effectLst>
+            <a:outerShdw blurRad="39960" dir="5400000" dist="23040" rotWithShape="0">
+              <a:srgbClr val="000000">
+                <a:alpha val="35000"/>
+              </a:srgbClr>
+            </a:outerShdw>
+          </a:effectLst>
+        </p:spPr>
+        <p:style>
+          <a:lnRef idx="1">
+            <a:schemeClr val="accent1"/>
+          </a:lnRef>
+          <a:fillRef idx="3">
+            <a:schemeClr val="accent1"/>
+          </a:fillRef>
+          <a:effectRef idx="2">
+            <a:schemeClr val="accent1"/>
+          </a:effectRef>
+          <a:fontRef idx="minor"/>
+        </p:style>
+        <p:txBody>
+          <a:bodyPr lIns="90000" rIns="90000" tIns="45000" bIns="45000" anchor="ctr">
+            <a:noAutofit/>
+          </a:bodyPr>
+          <a:p>
+            <a:endParaRPr b="0" lang="en-US" sz="1800" spc="-1" strike="noStrike">
+              <a:solidFill>
+                <a:schemeClr val="lt1"/>
+              </a:solidFill>
+              <a:latin typeface="Calibri"/>
+              <a:ea typeface="DejaVu Sans"/>
+            </a:endParaRPr>
+          </a:p>
+        </p:txBody>
+      </p:sp>
+      <p:sp>
+        <p:nvSpPr>
+          <p:cNvPr id="256" name="Rounded Rectangle 29"/>
+          <p:cNvSpPr/>
+          <p:nvPr/>
+        </p:nvSpPr>
+        <p:spPr>
+          <a:xfrm>
+            <a:off x="9875520" y="365760"/>
+            <a:ext cx="2010600" cy="501840"/>
+          </a:xfrm>
+          <a:prstGeom prst="roundRect">
+            <a:avLst>
+              <a:gd name="adj" fmla="val 16667"/>
+            </a:avLst>
+          </a:prstGeom>
+          <a:solidFill>
+            <a:srgbClr val="1e1e24"/>
+          </a:solidFill>
+          <a:ln>
+            <a:solidFill>
+              <a:srgbClr val="ff8c00"/>
+            </a:solidFill>
+            <a:round/>
+          </a:ln>
+          <a:effectLst>
+            <a:outerShdw blurRad="39960" dir="5400000" dist="23040" rotWithShape="0">
+              <a:srgbClr val="000000">
+                <a:alpha val="35000"/>
+              </a:srgbClr>
+            </a:outerShdw>
+          </a:effectLst>
+        </p:spPr>
+        <p:style>
+          <a:lnRef idx="1">
+            <a:schemeClr val="accent1"/>
+          </a:lnRef>
+          <a:fillRef idx="3">
+            <a:schemeClr val="accent1"/>
+          </a:fillRef>
+          <a:effectRef idx="2">
+            <a:schemeClr val="accent1"/>
+          </a:effectRef>
+          <a:fontRef idx="minor"/>
+        </p:style>
+        <p:txBody>
+          <a:bodyPr lIns="90000" rIns="90000" tIns="45000" bIns="45000" anchor="ctr">
+            <a:noAutofit/>
+          </a:bodyPr>
+          <a:p>
+            <a:pPr algn="ctr">
+              <a:lnSpc>
+                <a:spcPct val="100000"/>
+              </a:lnSpc>
+            </a:pPr>
+            <a:r>
+              <a:rPr b="1" lang="en-US" sz="1400" spc="-1" strike="noStrike">
+                <a:solidFill>
+                  <a:srgbClr val="ffb45a"/>
+                </a:solidFill>
+                <a:latin typeface="Calibri"/>
+                <a:ea typeface="DejaVu Sans"/>
+              </a:rPr>
+              <a:t>JAVA CORE</a:t>
+            </a:r>
+            <a:endParaRPr b="0" lang="en-US" sz="1400" spc="-1" strike="noStrike">
+              <a:solidFill>
+                <a:srgbClr val="ffffff"/>
+              </a:solidFill>
+              <a:latin typeface="Arial"/>
+            </a:endParaRPr>
+          </a:p>
+        </p:txBody>
+      </p:sp>
+      <p:sp>
+        <p:nvSpPr>
+          <p:cNvPr id="257" name="TextBox 10"/>
+          <p:cNvSpPr/>
+          <p:nvPr/>
+        </p:nvSpPr>
+        <p:spPr>
+          <a:xfrm>
+            <a:off x="3163320" y="1005840"/>
+            <a:ext cx="4645080" cy="820800"/>
+          </a:xfrm>
+          <a:prstGeom prst="rect">
+            <a:avLst/>
+          </a:prstGeom>
+          <a:noFill/>
+          <a:ln w="0">
+            <a:noFill/>
+          </a:ln>
+        </p:spPr>
+        <p:style>
+          <a:lnRef idx="0"/>
+          <a:fillRef idx="0"/>
+          <a:effectRef idx="0"/>
+          <a:fontRef idx="minor"/>
+        </p:style>
+        <p:txBody>
+          <a:bodyPr wrap="none" lIns="90000" rIns="90000" tIns="45000" bIns="45000" anchor="t">
+            <a:spAutoFit/>
+          </a:bodyPr>
+          <a:p>
+            <a:pPr>
+              <a:lnSpc>
+                <a:spcPct val="100000"/>
+              </a:lnSpc>
+            </a:pPr>
+            <a:r>
+              <a:rPr b="1" lang="en-US" sz="4800" spc="-1" strike="noStrike">
+                <a:solidFill>
+                  <a:srgbClr val="f5f5f5"/>
+                </a:solidFill>
+                <a:latin typeface="Calibri"/>
+                <a:ea typeface="DejaVu Sans"/>
+              </a:rPr>
+              <a:t>JRE vs JDK vs JVM</a:t>
+            </a:r>
+            <a:endParaRPr b="0" lang="en-US" sz="4800" spc="-1" strike="noStrike">
+              <a:solidFill>
+                <a:srgbClr val="000000"/>
+              </a:solidFill>
+              <a:latin typeface="Arial"/>
+            </a:endParaRPr>
+          </a:p>
+        </p:txBody>
+      </p:sp>
+      <p:sp>
+        <p:nvSpPr>
+          <p:cNvPr id="258" name="TextBox 11"/>
+          <p:cNvSpPr/>
+          <p:nvPr/>
+        </p:nvSpPr>
+        <p:spPr>
+          <a:xfrm>
+            <a:off x="3468960" y="2194560"/>
+            <a:ext cx="4033800" cy="379080"/>
+          </a:xfrm>
+          <a:prstGeom prst="rect">
+            <a:avLst/>
+          </a:prstGeom>
+          <a:noFill/>
+          <a:ln w="0">
+            <a:noFill/>
+          </a:ln>
+        </p:spPr>
+        <p:style>
+          <a:lnRef idx="0"/>
+          <a:fillRef idx="0"/>
+          <a:effectRef idx="0"/>
+          <a:fontRef idx="minor"/>
+        </p:style>
+        <p:txBody>
+          <a:bodyPr wrap="none" lIns="90000" rIns="90000" tIns="45000" bIns="45000" anchor="t">
+            <a:spAutoFit/>
+          </a:bodyPr>
+          <a:p>
+            <a:pPr>
+              <a:lnSpc>
+                <a:spcPct val="100000"/>
+              </a:lnSpc>
+            </a:pPr>
+            <a:r>
+              <a:rPr b="0" lang="en-US" sz="1900" spc="-1" strike="noStrike">
+                <a:solidFill>
+                  <a:srgbClr val="aaaaaa"/>
+                </a:solidFill>
+                <a:latin typeface="Calibri"/>
+                <a:ea typeface="DejaVu Sans"/>
+              </a:rPr>
+              <a:t>Understanding Java’s Core Components</a:t>
+            </a:r>
+            <a:endParaRPr b="0" lang="en-US" sz="1900" spc="-1" strike="noStrike">
+              <a:solidFill>
+                <a:srgbClr val="000000"/>
+              </a:solidFill>
+              <a:latin typeface="Arial"/>
+            </a:endParaRPr>
+          </a:p>
+        </p:txBody>
+      </p:sp>
+      <p:sp>
+        <p:nvSpPr>
+          <p:cNvPr id="259" name="Rounded Rectangle 30"/>
+          <p:cNvSpPr/>
+          <p:nvPr/>
+        </p:nvSpPr>
+        <p:spPr>
+          <a:xfrm>
+            <a:off x="987480" y="3182040"/>
+            <a:ext cx="3290760" cy="2742120"/>
+          </a:xfrm>
+          <a:prstGeom prst="roundRect">
+            <a:avLst>
+              <a:gd name="adj" fmla="val 16667"/>
+            </a:avLst>
+          </a:prstGeom>
+          <a:solidFill>
+            <a:srgbClr val="08080a"/>
+          </a:solidFill>
+          <a:ln>
+            <a:noFill/>
+          </a:ln>
+          <a:effectLst>
+            <a:outerShdw blurRad="39960" dir="5400000" dist="23040" rotWithShape="0">
+              <a:srgbClr val="000000">
+                <a:alpha val="35000"/>
+              </a:srgbClr>
+            </a:outerShdw>
+          </a:effectLst>
+        </p:spPr>
+        <p:style>
+          <a:lnRef idx="1">
+            <a:schemeClr val="accent1"/>
+          </a:lnRef>
+          <a:fillRef idx="3">
+            <a:schemeClr val="accent1"/>
+          </a:fillRef>
+          <a:effectRef idx="2">
+            <a:schemeClr val="accent1"/>
+          </a:effectRef>
+          <a:fontRef idx="minor"/>
+        </p:style>
+        <p:txBody>
+          <a:bodyPr lIns="90000" rIns="90000" tIns="45000" bIns="45000" anchor="ctr">
+            <a:noAutofit/>
+          </a:bodyPr>
+          <a:p>
+            <a:endParaRPr b="0" lang="en-US" sz="1800" spc="-1" strike="noStrike">
+              <a:solidFill>
+                <a:schemeClr val="lt1"/>
+              </a:solidFill>
+              <a:latin typeface="Calibri"/>
+              <a:ea typeface="DejaVu Sans"/>
+            </a:endParaRPr>
+          </a:p>
+        </p:txBody>
+      </p:sp>
+      <p:sp>
+        <p:nvSpPr>
+          <p:cNvPr id="260" name="Rounded Rectangle 31"/>
+          <p:cNvSpPr/>
+          <p:nvPr/>
+        </p:nvSpPr>
+        <p:spPr>
+          <a:xfrm>
+            <a:off x="685800" y="3108960"/>
+            <a:ext cx="3519360" cy="3063240"/>
+          </a:xfrm>
+          <a:prstGeom prst="roundRect">
+            <a:avLst>
+              <a:gd name="adj" fmla="val 16667"/>
+            </a:avLst>
+          </a:prstGeom>
+          <a:solidFill>
+            <a:srgbClr val="16161c"/>
+          </a:solidFill>
+          <a:ln>
+            <a:solidFill>
+              <a:srgbClr val="464655"/>
+            </a:solidFill>
+            <a:round/>
+          </a:ln>
+          <a:effectLst>
+            <a:outerShdw blurRad="39960" dir="5400000" dist="23040" rotWithShape="0">
+              <a:srgbClr val="000000">
+                <a:alpha val="35000"/>
+              </a:srgbClr>
+            </a:outerShdw>
+          </a:effectLst>
+        </p:spPr>
+        <p:style>
+          <a:lnRef idx="1">
+            <a:schemeClr val="accent1"/>
+          </a:lnRef>
+          <a:fillRef idx="3">
+            <a:schemeClr val="accent1"/>
+          </a:fillRef>
+          <a:effectRef idx="2">
+            <a:schemeClr val="accent1"/>
+          </a:effectRef>
+          <a:fontRef idx="minor"/>
+        </p:style>
+        <p:txBody>
+          <a:bodyPr lIns="90000" rIns="90000" tIns="45000" bIns="45000" anchor="ctr">
+            <a:noAutofit/>
+          </a:bodyPr>
+          <a:p>
+            <a:pPr>
+              <a:lnSpc>
+                <a:spcPct val="100000"/>
+              </a:lnSpc>
+            </a:pPr>
+            <a:r>
+              <a:rPr b="0" lang="en-US" sz="1100" spc="-1" strike="noStrike">
+                <a:solidFill>
+                  <a:schemeClr val="lt1"/>
+                </a:solidFill>
+                <a:latin typeface="Calibri"/>
+                <a:ea typeface="DejaVu Sans"/>
+              </a:rPr>
+              <a:t>Java is built on three key layers that work together to develop and run applications.</a:t>
+            </a:r>
+            <a:endParaRPr b="0" lang="en-US" sz="1100" spc="-1" strike="noStrike">
+              <a:solidFill>
+                <a:srgbClr val="ffffff"/>
+              </a:solidFill>
+              <a:latin typeface="Calibri"/>
+            </a:endParaRPr>
+          </a:p>
+          <a:p>
+            <a:pPr>
+              <a:lnSpc>
+                <a:spcPct val="100000"/>
+              </a:lnSpc>
+            </a:pPr>
+            <a:endParaRPr b="0" lang="en-US" sz="1100" spc="-1" strike="noStrike">
+              <a:solidFill>
+                <a:srgbClr val="ffffff"/>
+              </a:solidFill>
+              <a:latin typeface="Calibri"/>
+            </a:endParaRPr>
+          </a:p>
+          <a:p>
+            <a:pPr>
+              <a:lnSpc>
+                <a:spcPct val="100000"/>
+              </a:lnSpc>
+            </a:pPr>
+            <a:r>
+              <a:rPr b="0" lang="en-US" sz="1100" spc="-1" strike="noStrike">
+                <a:solidFill>
+                  <a:schemeClr val="lt1"/>
+                </a:solidFill>
+                <a:latin typeface="Calibri"/>
+                <a:ea typeface="DejaVu Sans"/>
+              </a:rPr>
+              <a:t>✔ </a:t>
+            </a:r>
+            <a:r>
+              <a:rPr b="0" lang="en-US" sz="1100" spc="-1" strike="noStrike">
+                <a:solidFill>
+                  <a:schemeClr val="lt1"/>
+                </a:solidFill>
+                <a:latin typeface="Calibri"/>
+                <a:ea typeface="DejaVu Sans"/>
+              </a:rPr>
+              <a:t>JVM (Java Virtual Machine)</a:t>
+            </a:r>
+            <a:endParaRPr b="0" lang="en-US" sz="1100" spc="-1" strike="noStrike">
+              <a:solidFill>
+                <a:srgbClr val="ffffff"/>
+              </a:solidFill>
+              <a:latin typeface="Calibri"/>
+            </a:endParaRPr>
+          </a:p>
+          <a:p>
+            <a:pPr>
+              <a:lnSpc>
+                <a:spcPct val="100000"/>
+              </a:lnSpc>
+            </a:pPr>
+            <a:r>
+              <a:rPr b="0" lang="en-US" sz="1100" spc="-1" strike="noStrike">
+                <a:solidFill>
+                  <a:schemeClr val="lt1"/>
+                </a:solidFill>
+                <a:latin typeface="Calibri"/>
+                <a:ea typeface="DejaVu Sans"/>
+              </a:rPr>
+              <a:t>Runs Java bytecode and makes Java platform-independent.</a:t>
+            </a:r>
+            <a:endParaRPr b="0" lang="en-US" sz="1100" spc="-1" strike="noStrike">
+              <a:solidFill>
+                <a:srgbClr val="ffffff"/>
+              </a:solidFill>
+              <a:latin typeface="Calibri"/>
+            </a:endParaRPr>
+          </a:p>
+          <a:p>
+            <a:pPr>
+              <a:lnSpc>
+                <a:spcPct val="100000"/>
+              </a:lnSpc>
+            </a:pPr>
+            <a:endParaRPr b="0" lang="en-US" sz="1100" spc="-1" strike="noStrike">
+              <a:solidFill>
+                <a:srgbClr val="ffffff"/>
+              </a:solidFill>
+              <a:latin typeface="Calibri"/>
+            </a:endParaRPr>
+          </a:p>
+          <a:p>
+            <a:pPr>
+              <a:lnSpc>
+                <a:spcPct val="100000"/>
+              </a:lnSpc>
+            </a:pPr>
+            <a:r>
+              <a:rPr b="0" lang="en-US" sz="1100" spc="-1" strike="noStrike">
+                <a:solidFill>
+                  <a:schemeClr val="lt1"/>
+                </a:solidFill>
+                <a:latin typeface="Calibri"/>
+                <a:ea typeface="DejaVu Sans"/>
+              </a:rPr>
+              <a:t>✔ </a:t>
+            </a:r>
+            <a:r>
+              <a:rPr b="0" lang="en-US" sz="1100" spc="-1" strike="noStrike">
+                <a:solidFill>
+                  <a:schemeClr val="lt1"/>
+                </a:solidFill>
+                <a:latin typeface="Calibri"/>
+                <a:ea typeface="DejaVu Sans"/>
+              </a:rPr>
+              <a:t>JRE (Java Runtime Environment)</a:t>
+            </a:r>
+            <a:endParaRPr b="0" lang="en-US" sz="1100" spc="-1" strike="noStrike">
+              <a:solidFill>
+                <a:srgbClr val="ffffff"/>
+              </a:solidFill>
+              <a:latin typeface="Calibri"/>
+            </a:endParaRPr>
+          </a:p>
+          <a:p>
+            <a:pPr>
+              <a:lnSpc>
+                <a:spcPct val="100000"/>
+              </a:lnSpc>
+            </a:pPr>
+            <a:r>
+              <a:rPr b="0" lang="en-US" sz="1100" spc="-1" strike="noStrike">
+                <a:solidFill>
+                  <a:schemeClr val="lt1"/>
+                </a:solidFill>
+                <a:latin typeface="Calibri"/>
+                <a:ea typeface="DejaVu Sans"/>
+              </a:rPr>
+              <a:t>Provides everything needed to run Java applications.</a:t>
+            </a:r>
+            <a:endParaRPr b="0" lang="en-US" sz="1100" spc="-1" strike="noStrike">
+              <a:solidFill>
+                <a:srgbClr val="ffffff"/>
+              </a:solidFill>
+              <a:latin typeface="Calibri"/>
+            </a:endParaRPr>
+          </a:p>
+          <a:p>
+            <a:pPr>
+              <a:lnSpc>
+                <a:spcPct val="100000"/>
+              </a:lnSpc>
+            </a:pPr>
+            <a:endParaRPr b="0" lang="en-US" sz="1100" spc="-1" strike="noStrike">
+              <a:solidFill>
+                <a:srgbClr val="ffffff"/>
+              </a:solidFill>
+              <a:latin typeface="Calibri"/>
+            </a:endParaRPr>
+          </a:p>
+          <a:p>
+            <a:pPr>
+              <a:lnSpc>
+                <a:spcPct val="100000"/>
+              </a:lnSpc>
+            </a:pPr>
+            <a:r>
+              <a:rPr b="0" lang="en-US" sz="1100" spc="-1" strike="noStrike">
+                <a:solidFill>
+                  <a:schemeClr val="lt1"/>
+                </a:solidFill>
+                <a:latin typeface="Calibri"/>
+                <a:ea typeface="DejaVu Sans"/>
+              </a:rPr>
+              <a:t>✔ </a:t>
+            </a:r>
+            <a:r>
+              <a:rPr b="0" lang="en-US" sz="1100" spc="-1" strike="noStrike">
+                <a:solidFill>
+                  <a:schemeClr val="lt1"/>
+                </a:solidFill>
+                <a:latin typeface="Calibri"/>
+                <a:ea typeface="DejaVu Sans"/>
+              </a:rPr>
+              <a:t>JDK (Java Development Kit)</a:t>
+            </a:r>
+            <a:endParaRPr b="0" lang="en-US" sz="1100" spc="-1" strike="noStrike">
+              <a:solidFill>
+                <a:srgbClr val="ffffff"/>
+              </a:solidFill>
+              <a:latin typeface="Calibri"/>
+            </a:endParaRPr>
+          </a:p>
+          <a:p>
+            <a:pPr>
+              <a:lnSpc>
+                <a:spcPct val="100000"/>
+              </a:lnSpc>
+            </a:pPr>
+            <a:r>
+              <a:rPr b="0" lang="en-US" sz="1100" spc="-1" strike="noStrike">
+                <a:solidFill>
+                  <a:schemeClr val="lt1"/>
+                </a:solidFill>
+                <a:latin typeface="Calibri"/>
+                <a:ea typeface="DejaVu Sans"/>
+              </a:rPr>
+              <a:t>Provides tools needed to develop Java applications.</a:t>
+            </a:r>
+            <a:endParaRPr b="0" lang="en-US" sz="1100" spc="-1" strike="noStrike">
+              <a:solidFill>
+                <a:srgbClr val="ffffff"/>
+              </a:solidFill>
+              <a:latin typeface="Calibri"/>
+            </a:endParaRPr>
+          </a:p>
+          <a:p>
+            <a:pPr>
+              <a:lnSpc>
+                <a:spcPct val="100000"/>
+              </a:lnSpc>
+            </a:pPr>
+            <a:endParaRPr b="0" lang="en-US" sz="1100" spc="-1" strike="noStrike">
+              <a:solidFill>
+                <a:srgbClr val="ffffff"/>
+              </a:solidFill>
+              <a:latin typeface="Calibri"/>
+            </a:endParaRPr>
+          </a:p>
+          <a:p>
+            <a:pPr>
+              <a:lnSpc>
+                <a:spcPct val="100000"/>
+              </a:lnSpc>
+            </a:pPr>
+            <a:r>
+              <a:rPr b="1" lang="en-US" sz="1100" spc="-1" strike="noStrike">
+                <a:solidFill>
+                  <a:schemeClr val="lt1"/>
+                </a:solidFill>
+                <a:latin typeface="Calibri"/>
+                <a:ea typeface="DejaVu Sans"/>
+              </a:rPr>
+              <a:t>Think of it like this:</a:t>
+            </a:r>
+            <a:endParaRPr b="0" lang="en-US" sz="1100" spc="-1" strike="noStrike">
+              <a:solidFill>
+                <a:srgbClr val="ffffff"/>
+              </a:solidFill>
+              <a:latin typeface="Calibri"/>
+            </a:endParaRPr>
+          </a:p>
+          <a:p>
+            <a:pPr>
+              <a:lnSpc>
+                <a:spcPct val="100000"/>
+              </a:lnSpc>
+            </a:pPr>
+            <a:r>
+              <a:rPr b="0" lang="en-US" sz="1100" spc="-1" strike="noStrike">
+                <a:solidFill>
+                  <a:schemeClr val="lt1"/>
+                </a:solidFill>
+                <a:latin typeface="Calibri"/>
+                <a:ea typeface="DejaVu Sans"/>
+              </a:rPr>
+              <a:t>JVM = Engine</a:t>
+            </a:r>
+            <a:endParaRPr b="0" lang="en-US" sz="1100" spc="-1" strike="noStrike">
+              <a:solidFill>
+                <a:srgbClr val="ffffff"/>
+              </a:solidFill>
+              <a:latin typeface="Calibri"/>
+            </a:endParaRPr>
+          </a:p>
+          <a:p>
+            <a:pPr>
+              <a:lnSpc>
+                <a:spcPct val="100000"/>
+              </a:lnSpc>
+            </a:pPr>
+            <a:r>
+              <a:rPr b="0" lang="en-US" sz="1100" spc="-1" strike="noStrike">
+                <a:solidFill>
+                  <a:schemeClr val="lt1"/>
+                </a:solidFill>
+                <a:latin typeface="Calibri"/>
+                <a:ea typeface="DejaVu Sans"/>
+              </a:rPr>
+              <a:t>JRE = Engine + Fuel System</a:t>
+            </a:r>
+            <a:endParaRPr b="0" lang="en-US" sz="1100" spc="-1" strike="noStrike">
+              <a:solidFill>
+                <a:srgbClr val="ffffff"/>
+              </a:solidFill>
+              <a:latin typeface="Calibri"/>
+            </a:endParaRPr>
+          </a:p>
+          <a:p>
+            <a:pPr>
+              <a:lnSpc>
+                <a:spcPct val="100000"/>
+              </a:lnSpc>
+            </a:pPr>
+            <a:r>
+              <a:rPr b="0" lang="en-US" sz="1100" spc="-1" strike="noStrike">
+                <a:solidFill>
+                  <a:schemeClr val="lt1"/>
+                </a:solidFill>
+                <a:latin typeface="Calibri"/>
+                <a:ea typeface="DejaVu Sans"/>
+              </a:rPr>
+              <a:t>JDK = Full Car Factory</a:t>
+            </a:r>
+            <a:endParaRPr b="0" lang="en-US" sz="1100" spc="-1" strike="noStrike">
+              <a:solidFill>
+                <a:srgbClr val="ffffff"/>
+              </a:solidFill>
+              <a:latin typeface="Calibri"/>
+            </a:endParaRPr>
+          </a:p>
+        </p:txBody>
+      </p:sp>
+      <p:sp>
+        <p:nvSpPr>
+          <p:cNvPr id="261" name="Rounded Rectangle 32"/>
+          <p:cNvSpPr/>
+          <p:nvPr/>
+        </p:nvSpPr>
+        <p:spPr>
+          <a:xfrm>
+            <a:off x="4507920" y="3182040"/>
+            <a:ext cx="3290760" cy="2742120"/>
+          </a:xfrm>
+          <a:prstGeom prst="roundRect">
+            <a:avLst>
+              <a:gd name="adj" fmla="val 16667"/>
+            </a:avLst>
+          </a:prstGeom>
+          <a:solidFill>
+            <a:srgbClr val="08080a"/>
+          </a:solidFill>
+          <a:ln>
+            <a:noFill/>
+          </a:ln>
+          <a:effectLst>
+            <a:outerShdw blurRad="39960" dir="5400000" dist="23040" rotWithShape="0">
+              <a:srgbClr val="000000">
+                <a:alpha val="35000"/>
+              </a:srgbClr>
+            </a:outerShdw>
+          </a:effectLst>
+        </p:spPr>
+        <p:style>
+          <a:lnRef idx="1">
+            <a:schemeClr val="accent1"/>
+          </a:lnRef>
+          <a:fillRef idx="3">
+            <a:schemeClr val="accent1"/>
+          </a:fillRef>
+          <a:effectRef idx="2">
+            <a:schemeClr val="accent1"/>
+          </a:effectRef>
+          <a:fontRef idx="minor"/>
+        </p:style>
+        <p:txBody>
+          <a:bodyPr lIns="90000" rIns="90000" tIns="45000" bIns="45000" anchor="ctr">
+            <a:noAutofit/>
+          </a:bodyPr>
+          <a:p>
+            <a:endParaRPr b="0" lang="en-US" sz="1800" spc="-1" strike="noStrike">
+              <a:solidFill>
+                <a:schemeClr val="lt1"/>
+              </a:solidFill>
+              <a:latin typeface="Calibri"/>
+              <a:ea typeface="DejaVu Sans"/>
+            </a:endParaRPr>
+          </a:p>
+        </p:txBody>
+      </p:sp>
+      <p:sp>
+        <p:nvSpPr>
+          <p:cNvPr id="262" name="Rounded Rectangle 33"/>
+          <p:cNvSpPr/>
+          <p:nvPr/>
+        </p:nvSpPr>
+        <p:spPr>
+          <a:xfrm>
+            <a:off x="4434840" y="3108960"/>
+            <a:ext cx="3290760" cy="2742120"/>
+          </a:xfrm>
+          <a:prstGeom prst="roundRect">
+            <a:avLst>
+              <a:gd name="adj" fmla="val 16667"/>
+            </a:avLst>
+          </a:prstGeom>
+          <a:solidFill>
+            <a:srgbClr val="16161c"/>
+          </a:solidFill>
+          <a:ln>
+            <a:solidFill>
+              <a:srgbClr val="464655"/>
+            </a:solidFill>
+            <a:round/>
+          </a:ln>
+          <a:effectLst>
+            <a:outerShdw blurRad="39960" dir="5400000" dist="23040" rotWithShape="0">
+              <a:srgbClr val="000000">
+                <a:alpha val="35000"/>
+              </a:srgbClr>
+            </a:outerShdw>
+          </a:effectLst>
+        </p:spPr>
+        <p:style>
+          <a:lnRef idx="1">
+            <a:schemeClr val="accent1"/>
+          </a:lnRef>
+          <a:fillRef idx="3">
+            <a:schemeClr val="accent1"/>
+          </a:fillRef>
+          <a:effectRef idx="2">
+            <a:schemeClr val="accent1"/>
+          </a:effectRef>
+          <a:fontRef idx="minor"/>
+        </p:style>
+        <p:txBody>
+          <a:bodyPr lIns="90000" rIns="90000" tIns="45000" bIns="45000" anchor="ctr">
+            <a:noAutofit/>
+          </a:bodyPr>
+          <a:p>
+            <a:pPr>
+              <a:lnSpc>
+                <a:spcPct val="100000"/>
+              </a:lnSpc>
+            </a:pPr>
+            <a:endParaRPr b="0" lang="en-US" sz="1200" spc="-1" strike="noStrike">
+              <a:solidFill>
+                <a:srgbClr val="ffffff"/>
+              </a:solidFill>
+              <a:latin typeface="Arial"/>
+            </a:endParaRPr>
+          </a:p>
+          <a:p>
+            <a:pPr>
+              <a:lnSpc>
+                <a:spcPct val="100000"/>
+              </a:lnSpc>
+            </a:pPr>
+            <a:r>
+              <a:rPr b="0" lang="en-US" sz="1200" spc="-1" strike="noStrike">
+                <a:solidFill>
+                  <a:schemeClr val="lt1"/>
+                </a:solidFill>
+                <a:latin typeface="Calibri"/>
+                <a:ea typeface="DejaVu Sans"/>
+              </a:rPr>
+              <a:t>Java Source Code (.java)</a:t>
+            </a:r>
+            <a:endParaRPr b="0" lang="en-US" sz="1200" spc="-1" strike="noStrike">
+              <a:solidFill>
+                <a:srgbClr val="ffffff"/>
+              </a:solidFill>
+              <a:latin typeface="Arial"/>
+            </a:endParaRPr>
+          </a:p>
+          <a:p>
+            <a:pPr>
+              <a:lnSpc>
+                <a:spcPct val="100000"/>
+              </a:lnSpc>
+            </a:pPr>
+            <a:r>
+              <a:rPr b="0" lang="en-US" sz="1200" spc="-1" strike="noStrike">
+                <a:solidFill>
+                  <a:schemeClr val="lt1"/>
+                </a:solidFill>
+                <a:latin typeface="Calibri"/>
+                <a:ea typeface="DejaVu Sans"/>
+              </a:rPr>
+              <a:t>          ↓</a:t>
+            </a:r>
+            <a:endParaRPr b="0" lang="en-US" sz="1200" spc="-1" strike="noStrike">
+              <a:solidFill>
+                <a:srgbClr val="ffffff"/>
+              </a:solidFill>
+              <a:latin typeface="Arial"/>
+            </a:endParaRPr>
+          </a:p>
+          <a:p>
+            <a:pPr>
+              <a:lnSpc>
+                <a:spcPct val="100000"/>
+              </a:lnSpc>
+            </a:pPr>
+            <a:r>
+              <a:rPr b="0" lang="en-US" sz="1200" spc="-1" strike="noStrike">
+                <a:solidFill>
+                  <a:schemeClr val="lt1"/>
+                </a:solidFill>
+                <a:latin typeface="Calibri"/>
+                <a:ea typeface="DejaVu Sans"/>
+              </a:rPr>
+              <a:t>        </a:t>
+            </a:r>
+            <a:r>
+              <a:rPr b="0" lang="en-US" sz="1200" spc="-1" strike="noStrike">
+                <a:solidFill>
+                  <a:schemeClr val="lt1"/>
+                </a:solidFill>
+                <a:latin typeface="Calibri"/>
+                <a:ea typeface="DejaVu Sans"/>
+              </a:rPr>
+              <a:t>JDK</a:t>
+            </a:r>
+            <a:endParaRPr b="0" lang="en-US" sz="1200" spc="-1" strike="noStrike">
+              <a:solidFill>
+                <a:srgbClr val="ffffff"/>
+              </a:solidFill>
+              <a:latin typeface="Arial"/>
+            </a:endParaRPr>
+          </a:p>
+          <a:p>
+            <a:pPr>
+              <a:lnSpc>
+                <a:spcPct val="100000"/>
+              </a:lnSpc>
+            </a:pPr>
+            <a:r>
+              <a:rPr b="0" lang="en-US" sz="1200" spc="-1" strike="noStrike">
+                <a:solidFill>
+                  <a:schemeClr val="lt1"/>
+                </a:solidFill>
+                <a:latin typeface="Calibri"/>
+                <a:ea typeface="DejaVu Sans"/>
+              </a:rPr>
+              <a:t> </a:t>
+            </a:r>
+            <a:r>
+              <a:rPr b="0" lang="en-US" sz="1200" spc="-1" strike="noStrike">
+                <a:solidFill>
+                  <a:schemeClr val="lt1"/>
+                </a:solidFill>
+                <a:latin typeface="Calibri"/>
+                <a:ea typeface="DejaVu Sans"/>
+              </a:rPr>
+              <a:t>(Compiler + Dev Tools)</a:t>
+            </a:r>
+            <a:endParaRPr b="0" lang="en-US" sz="1200" spc="-1" strike="noStrike">
+              <a:solidFill>
+                <a:srgbClr val="ffffff"/>
+              </a:solidFill>
+              <a:latin typeface="Arial"/>
+            </a:endParaRPr>
+          </a:p>
+          <a:p>
+            <a:pPr>
+              <a:lnSpc>
+                <a:spcPct val="100000"/>
+              </a:lnSpc>
+            </a:pPr>
+            <a:r>
+              <a:rPr b="0" lang="en-US" sz="1200" spc="-1" strike="noStrike">
+                <a:solidFill>
+                  <a:schemeClr val="lt1"/>
+                </a:solidFill>
+                <a:latin typeface="Calibri"/>
+                <a:ea typeface="DejaVu Sans"/>
+              </a:rPr>
+              <a:t>          ↓</a:t>
+            </a:r>
+            <a:endParaRPr b="0" lang="en-US" sz="1200" spc="-1" strike="noStrike">
+              <a:solidFill>
+                <a:srgbClr val="ffffff"/>
+              </a:solidFill>
+              <a:latin typeface="Arial"/>
+            </a:endParaRPr>
+          </a:p>
+          <a:p>
+            <a:pPr>
+              <a:lnSpc>
+                <a:spcPct val="100000"/>
+              </a:lnSpc>
+            </a:pPr>
+            <a:r>
+              <a:rPr b="0" lang="en-US" sz="1200" spc="-1" strike="noStrike">
+                <a:solidFill>
+                  <a:schemeClr val="lt1"/>
+                </a:solidFill>
+                <a:latin typeface="Calibri"/>
+                <a:ea typeface="DejaVu Sans"/>
+              </a:rPr>
+              <a:t>Bytecode (.class files)</a:t>
+            </a:r>
+            <a:endParaRPr b="0" lang="en-US" sz="1200" spc="-1" strike="noStrike">
+              <a:solidFill>
+                <a:srgbClr val="ffffff"/>
+              </a:solidFill>
+              <a:latin typeface="Arial"/>
+            </a:endParaRPr>
+          </a:p>
+          <a:p>
+            <a:pPr>
+              <a:lnSpc>
+                <a:spcPct val="100000"/>
+              </a:lnSpc>
+            </a:pPr>
+            <a:r>
+              <a:rPr b="0" lang="en-US" sz="1200" spc="-1" strike="noStrike">
+                <a:solidFill>
+                  <a:schemeClr val="lt1"/>
+                </a:solidFill>
+                <a:latin typeface="Calibri"/>
+                <a:ea typeface="DejaVu Sans"/>
+              </a:rPr>
+              <a:t>          ↓</a:t>
+            </a:r>
+            <a:endParaRPr b="0" lang="en-US" sz="1200" spc="-1" strike="noStrike">
+              <a:solidFill>
+                <a:srgbClr val="ffffff"/>
+              </a:solidFill>
+              <a:latin typeface="Arial"/>
+            </a:endParaRPr>
+          </a:p>
+          <a:p>
+            <a:pPr>
+              <a:lnSpc>
+                <a:spcPct val="100000"/>
+              </a:lnSpc>
+            </a:pPr>
+            <a:r>
+              <a:rPr b="0" lang="en-US" sz="1200" spc="-1" strike="noStrike">
+                <a:solidFill>
+                  <a:schemeClr val="lt1"/>
+                </a:solidFill>
+                <a:latin typeface="Calibri"/>
+                <a:ea typeface="DejaVu Sans"/>
+              </a:rPr>
+              <a:t>        </a:t>
+            </a:r>
+            <a:r>
+              <a:rPr b="0" lang="en-US" sz="1200" spc="-1" strike="noStrike">
+                <a:solidFill>
+                  <a:schemeClr val="lt1"/>
+                </a:solidFill>
+                <a:latin typeface="Calibri"/>
+                <a:ea typeface="DejaVu Sans"/>
+              </a:rPr>
+              <a:t>JRE</a:t>
+            </a:r>
+            <a:endParaRPr b="0" lang="en-US" sz="1200" spc="-1" strike="noStrike">
+              <a:solidFill>
+                <a:srgbClr val="ffffff"/>
+              </a:solidFill>
+              <a:latin typeface="Arial"/>
+            </a:endParaRPr>
+          </a:p>
+          <a:p>
+            <a:pPr>
+              <a:lnSpc>
+                <a:spcPct val="100000"/>
+              </a:lnSpc>
+            </a:pPr>
+            <a:r>
+              <a:rPr b="0" lang="en-US" sz="1200" spc="-1" strike="noStrike">
+                <a:solidFill>
+                  <a:schemeClr val="lt1"/>
+                </a:solidFill>
+                <a:latin typeface="Calibri"/>
+                <a:ea typeface="DejaVu Sans"/>
+              </a:rPr>
+              <a:t> </a:t>
+            </a:r>
+            <a:r>
+              <a:rPr b="0" lang="en-US" sz="1200" spc="-1" strike="noStrike">
+                <a:solidFill>
+                  <a:schemeClr val="lt1"/>
+                </a:solidFill>
+                <a:latin typeface="Calibri"/>
+                <a:ea typeface="DejaVu Sans"/>
+              </a:rPr>
+              <a:t>(Libraries + JVM)</a:t>
+            </a:r>
+            <a:endParaRPr b="0" lang="en-US" sz="1200" spc="-1" strike="noStrike">
+              <a:solidFill>
+                <a:srgbClr val="ffffff"/>
+              </a:solidFill>
+              <a:latin typeface="Arial"/>
+            </a:endParaRPr>
+          </a:p>
+          <a:p>
+            <a:pPr>
+              <a:lnSpc>
+                <a:spcPct val="100000"/>
+              </a:lnSpc>
+            </a:pPr>
+            <a:r>
+              <a:rPr b="0" lang="en-US" sz="1200" spc="-1" strike="noStrike">
+                <a:solidFill>
+                  <a:schemeClr val="lt1"/>
+                </a:solidFill>
+                <a:latin typeface="Calibri"/>
+                <a:ea typeface="DejaVu Sans"/>
+              </a:rPr>
+              <a:t>          ↓</a:t>
+            </a:r>
+            <a:endParaRPr b="0" lang="en-US" sz="1200" spc="-1" strike="noStrike">
+              <a:solidFill>
+                <a:srgbClr val="ffffff"/>
+              </a:solidFill>
+              <a:latin typeface="Arial"/>
+            </a:endParaRPr>
+          </a:p>
+          <a:p>
+            <a:pPr>
+              <a:lnSpc>
+                <a:spcPct val="100000"/>
+              </a:lnSpc>
+            </a:pPr>
+            <a:r>
+              <a:rPr b="0" lang="en-US" sz="1200" spc="-1" strike="noStrike">
+                <a:solidFill>
+                  <a:schemeClr val="lt1"/>
+                </a:solidFill>
+                <a:latin typeface="Calibri"/>
+                <a:ea typeface="DejaVu Sans"/>
+              </a:rPr>
+              <a:t>        </a:t>
+            </a:r>
+            <a:r>
+              <a:rPr b="0" lang="en-US" sz="1200" spc="-1" strike="noStrike">
+                <a:solidFill>
+                  <a:schemeClr val="lt1"/>
+                </a:solidFill>
+                <a:latin typeface="Calibri"/>
+                <a:ea typeface="DejaVu Sans"/>
+              </a:rPr>
+              <a:t>JVM</a:t>
+            </a:r>
+            <a:endParaRPr b="0" lang="en-US" sz="1200" spc="-1" strike="noStrike">
+              <a:solidFill>
+                <a:srgbClr val="ffffff"/>
+              </a:solidFill>
+              <a:latin typeface="Arial"/>
+            </a:endParaRPr>
+          </a:p>
+          <a:p>
+            <a:pPr>
+              <a:lnSpc>
+                <a:spcPct val="100000"/>
+              </a:lnSpc>
+            </a:pPr>
+            <a:r>
+              <a:rPr b="0" lang="en-US" sz="1200" spc="-1" strike="noStrike">
+                <a:solidFill>
+                  <a:schemeClr val="lt1"/>
+                </a:solidFill>
+                <a:latin typeface="Calibri"/>
+                <a:ea typeface="DejaVu Sans"/>
+              </a:rPr>
+              <a:t> </a:t>
+            </a:r>
+            <a:r>
+              <a:rPr b="0" lang="en-US" sz="1200" spc="-1" strike="noStrike">
+                <a:solidFill>
+                  <a:schemeClr val="lt1"/>
+                </a:solidFill>
+                <a:latin typeface="Calibri"/>
+                <a:ea typeface="DejaVu Sans"/>
+              </a:rPr>
+              <a:t>(Execution Engine)</a:t>
+            </a:r>
+            <a:endParaRPr b="0" lang="en-US" sz="1200" spc="-1" strike="noStrike">
+              <a:solidFill>
+                <a:srgbClr val="ffffff"/>
+              </a:solidFill>
+              <a:latin typeface="Arial"/>
+            </a:endParaRPr>
+          </a:p>
+          <a:p>
+            <a:pPr>
+              <a:lnSpc>
+                <a:spcPct val="100000"/>
+              </a:lnSpc>
+            </a:pPr>
+            <a:r>
+              <a:rPr b="0" lang="en-US" sz="1200" spc="-1" strike="noStrike">
+                <a:solidFill>
+                  <a:schemeClr val="lt1"/>
+                </a:solidFill>
+                <a:latin typeface="Calibri"/>
+                <a:ea typeface="DejaVu Sans"/>
+              </a:rPr>
+              <a:t>          ↓</a:t>
+            </a:r>
+            <a:endParaRPr b="0" lang="en-US" sz="1200" spc="-1" strike="noStrike">
+              <a:solidFill>
+                <a:srgbClr val="ffffff"/>
+              </a:solidFill>
+              <a:latin typeface="Arial"/>
+            </a:endParaRPr>
+          </a:p>
+          <a:p>
+            <a:pPr>
+              <a:lnSpc>
+                <a:spcPct val="100000"/>
+              </a:lnSpc>
+            </a:pPr>
+            <a:r>
+              <a:rPr b="0" lang="en-US" sz="1200" spc="-1" strike="noStrike">
+                <a:solidFill>
+                  <a:schemeClr val="lt1"/>
+                </a:solidFill>
+                <a:latin typeface="Calibri"/>
+                <a:ea typeface="DejaVu Sans"/>
+              </a:rPr>
+              <a:t>   </a:t>
+            </a:r>
+            <a:r>
+              <a:rPr b="0" lang="en-US" sz="1200" spc="-1" strike="noStrike">
+                <a:solidFill>
+                  <a:schemeClr val="lt1"/>
+                </a:solidFill>
+                <a:latin typeface="Calibri"/>
+                <a:ea typeface="DejaVu Sans"/>
+              </a:rPr>
+              <a:t>Machine Code (OS/CPU)</a:t>
+            </a:r>
+            <a:endParaRPr b="0" lang="en-US" sz="1200" spc="-1" strike="noStrike">
+              <a:solidFill>
+                <a:srgbClr val="ffffff"/>
+              </a:solidFill>
+              <a:latin typeface="Arial"/>
+            </a:endParaRPr>
+          </a:p>
+          <a:p>
+            <a:pPr>
+              <a:lnSpc>
+                <a:spcPct val="100000"/>
+              </a:lnSpc>
+            </a:pPr>
+            <a:endParaRPr b="0" lang="en-US" sz="1200" spc="-1" strike="noStrike">
+              <a:solidFill>
+                <a:srgbClr val="ffffff"/>
+              </a:solidFill>
+              <a:latin typeface="Arial"/>
+            </a:endParaRPr>
+          </a:p>
+        </p:txBody>
+      </p:sp>
+      <p:sp>
+        <p:nvSpPr>
+          <p:cNvPr id="263" name="Rounded Rectangle 34"/>
+          <p:cNvSpPr/>
+          <p:nvPr/>
+        </p:nvSpPr>
+        <p:spPr>
+          <a:xfrm>
+            <a:off x="8028360" y="3182040"/>
+            <a:ext cx="3290760" cy="2742120"/>
+          </a:xfrm>
+          <a:prstGeom prst="roundRect">
+            <a:avLst>
+              <a:gd name="adj" fmla="val 16667"/>
+            </a:avLst>
+          </a:prstGeom>
+          <a:solidFill>
+            <a:srgbClr val="08080a"/>
+          </a:solidFill>
+          <a:ln>
+            <a:noFill/>
+          </a:ln>
+          <a:effectLst>
+            <a:outerShdw blurRad="39960" dir="5400000" dist="23040" rotWithShape="0">
+              <a:srgbClr val="000000">
+                <a:alpha val="35000"/>
+              </a:srgbClr>
+            </a:outerShdw>
+          </a:effectLst>
+        </p:spPr>
+        <p:style>
+          <a:lnRef idx="1">
+            <a:schemeClr val="accent1"/>
+          </a:lnRef>
+          <a:fillRef idx="3">
+            <a:schemeClr val="accent1"/>
+          </a:fillRef>
+          <a:effectRef idx="2">
+            <a:schemeClr val="accent1"/>
+          </a:effectRef>
+          <a:fontRef idx="minor"/>
+        </p:style>
+        <p:txBody>
+          <a:bodyPr lIns="90000" rIns="90000" tIns="45000" bIns="45000" anchor="ctr">
+            <a:noAutofit/>
+          </a:bodyPr>
+          <a:p>
+            <a:endParaRPr b="0" lang="en-US" sz="1800" spc="-1" strike="noStrike">
+              <a:solidFill>
+                <a:schemeClr val="lt1"/>
+              </a:solidFill>
+              <a:latin typeface="Calibri"/>
+              <a:ea typeface="DejaVu Sans"/>
+            </a:endParaRPr>
+          </a:p>
+        </p:txBody>
+      </p:sp>
+      <p:sp>
+        <p:nvSpPr>
+          <p:cNvPr id="264" name="Rounded Rectangle 35"/>
+          <p:cNvSpPr/>
+          <p:nvPr/>
+        </p:nvSpPr>
+        <p:spPr>
+          <a:xfrm>
+            <a:off x="7955280" y="3108960"/>
+            <a:ext cx="3290760" cy="2742120"/>
+          </a:xfrm>
+          <a:prstGeom prst="roundRect">
+            <a:avLst>
+              <a:gd name="adj" fmla="val 16667"/>
+            </a:avLst>
+          </a:prstGeom>
+          <a:solidFill>
+            <a:srgbClr val="16161c"/>
+          </a:solidFill>
+          <a:ln>
+            <a:solidFill>
+              <a:srgbClr val="464655"/>
+            </a:solidFill>
+            <a:round/>
+          </a:ln>
+          <a:effectLst>
+            <a:outerShdw blurRad="39960" dir="5400000" dist="23040" rotWithShape="0">
+              <a:srgbClr val="000000">
+                <a:alpha val="35000"/>
+              </a:srgbClr>
+            </a:outerShdw>
+          </a:effectLst>
+        </p:spPr>
+        <p:style>
+          <a:lnRef idx="1">
+            <a:schemeClr val="accent1"/>
+          </a:lnRef>
+          <a:fillRef idx="3">
+            <a:schemeClr val="accent1"/>
+          </a:fillRef>
+          <a:effectRef idx="2">
+            <a:schemeClr val="accent1"/>
+          </a:effectRef>
+          <a:fontRef idx="minor"/>
+        </p:style>
+        <p:txBody>
+          <a:bodyPr lIns="90000" rIns="90000" tIns="45000" bIns="45000" anchor="ctr">
+            <a:noAutofit/>
+          </a:bodyPr>
+          <a:p>
+            <a:pPr algn="ctr">
+              <a:lnSpc>
+                <a:spcPct val="100000"/>
+              </a:lnSpc>
+            </a:pPr>
+            <a:endParaRPr b="0" lang="en-US" sz="1200" spc="-1" strike="noStrike">
+              <a:solidFill>
+                <a:srgbClr val="ffffff"/>
+              </a:solidFill>
+              <a:latin typeface="Arial"/>
+            </a:endParaRPr>
+          </a:p>
+          <a:p>
+            <a:pPr algn="ctr">
+              <a:lnSpc>
+                <a:spcPct val="100000"/>
+              </a:lnSpc>
+            </a:pPr>
+            <a:endParaRPr b="0" lang="en-US" sz="1200" spc="-1" strike="noStrike">
+              <a:solidFill>
+                <a:srgbClr val="ffffff"/>
+              </a:solidFill>
+              <a:latin typeface="Arial"/>
+            </a:endParaRPr>
+          </a:p>
+          <a:p>
+            <a:pPr algn="ctr">
+              <a:lnSpc>
+                <a:spcPct val="100000"/>
+              </a:lnSpc>
+            </a:pPr>
+            <a:r>
+              <a:rPr b="0" lang="en-US" sz="1200" spc="-1" strike="noStrike">
+                <a:solidFill>
+                  <a:srgbClr val="78ffc8"/>
+                </a:solidFill>
+                <a:latin typeface="Consolas"/>
+                <a:ea typeface="DejaVu Sans"/>
+              </a:rPr>
+              <a:t># Compile using JDK</a:t>
+            </a:r>
+            <a:endParaRPr b="0" lang="en-US" sz="1200" spc="-1" strike="noStrike">
+              <a:solidFill>
+                <a:srgbClr val="ffffff"/>
+              </a:solidFill>
+              <a:latin typeface="Arial"/>
+            </a:endParaRPr>
+          </a:p>
+          <a:p>
+            <a:pPr algn="ctr">
+              <a:lnSpc>
+                <a:spcPct val="100000"/>
+              </a:lnSpc>
+            </a:pPr>
+            <a:r>
+              <a:rPr b="0" lang="en-US" sz="1200" spc="-1" strike="noStrike">
+                <a:solidFill>
+                  <a:srgbClr val="78ffc8"/>
+                </a:solidFill>
+                <a:latin typeface="Consolas"/>
+                <a:ea typeface="DejaVu Sans"/>
+              </a:rPr>
+              <a:t>javac Main.java</a:t>
+            </a:r>
+            <a:endParaRPr b="0" lang="en-US" sz="1200" spc="-1" strike="noStrike">
+              <a:solidFill>
+                <a:srgbClr val="ffffff"/>
+              </a:solidFill>
+              <a:latin typeface="Arial"/>
+            </a:endParaRPr>
+          </a:p>
+          <a:p>
+            <a:pPr algn="ctr">
+              <a:lnSpc>
+                <a:spcPct val="100000"/>
+              </a:lnSpc>
+            </a:pPr>
+            <a:endParaRPr b="0" lang="en-US" sz="1200" spc="-1" strike="noStrike">
+              <a:solidFill>
+                <a:srgbClr val="ffffff"/>
+              </a:solidFill>
+              <a:latin typeface="Arial"/>
+            </a:endParaRPr>
+          </a:p>
+          <a:p>
+            <a:pPr algn="ctr">
+              <a:lnSpc>
+                <a:spcPct val="100000"/>
+              </a:lnSpc>
+            </a:pPr>
+            <a:r>
+              <a:rPr b="0" lang="en-US" sz="1200" spc="-1" strike="noStrike">
+                <a:solidFill>
+                  <a:srgbClr val="78ffc8"/>
+                </a:solidFill>
+                <a:latin typeface="Consolas"/>
+                <a:ea typeface="DejaVu Sans"/>
+              </a:rPr>
+              <a:t># Run using JRE (which uses JVM internally)</a:t>
+            </a:r>
+            <a:endParaRPr b="0" lang="en-US" sz="1200" spc="-1" strike="noStrike">
+              <a:solidFill>
+                <a:srgbClr val="ffffff"/>
+              </a:solidFill>
+              <a:latin typeface="Arial"/>
+            </a:endParaRPr>
+          </a:p>
+          <a:p>
+            <a:pPr algn="ctr">
+              <a:lnSpc>
+                <a:spcPct val="100000"/>
+              </a:lnSpc>
+            </a:pPr>
+            <a:r>
+              <a:rPr b="0" lang="en-US" sz="1200" spc="-1" strike="noStrike">
+                <a:solidFill>
+                  <a:srgbClr val="78ffc8"/>
+                </a:solidFill>
+                <a:latin typeface="Consolas"/>
+                <a:ea typeface="DejaVu Sans"/>
+              </a:rPr>
+              <a:t>java Main</a:t>
+            </a:r>
+            <a:endParaRPr b="0" lang="en-US" sz="1200" spc="-1" strike="noStrike">
+              <a:solidFill>
+                <a:srgbClr val="ffffff"/>
+              </a:solidFill>
+              <a:latin typeface="Arial"/>
+            </a:endParaRPr>
+          </a:p>
+          <a:p>
+            <a:pPr algn="ctr">
+              <a:lnSpc>
+                <a:spcPct val="100000"/>
+              </a:lnSpc>
+            </a:pPr>
+            <a:endParaRPr b="0" lang="en-US" sz="1200" spc="-1" strike="noStrike">
+              <a:solidFill>
+                <a:srgbClr val="ffffff"/>
+              </a:solidFill>
+              <a:latin typeface="Arial"/>
+            </a:endParaRPr>
+          </a:p>
+          <a:p>
+            <a:pPr algn="ctr">
+              <a:lnSpc>
+                <a:spcPct val="100000"/>
+              </a:lnSpc>
+            </a:pPr>
+            <a:r>
+              <a:rPr b="0" lang="en-US" sz="1200" spc="-1" strike="noStrike">
+                <a:solidFill>
+                  <a:srgbClr val="78ffc8"/>
+                </a:solidFill>
+                <a:latin typeface="Consolas"/>
+                <a:ea typeface="DejaVu Sans"/>
+              </a:rPr>
+              <a:t>public class Main {</a:t>
+            </a:r>
+            <a:endParaRPr b="0" lang="en-US" sz="1200" spc="-1" strike="noStrike">
+              <a:solidFill>
+                <a:srgbClr val="ffffff"/>
+              </a:solidFill>
+              <a:latin typeface="Arial"/>
+            </a:endParaRPr>
+          </a:p>
+          <a:p>
+            <a:pPr algn="ctr">
+              <a:lnSpc>
+                <a:spcPct val="100000"/>
+              </a:lnSpc>
+            </a:pPr>
+            <a:r>
+              <a:rPr b="0" lang="en-US" sz="1200" spc="-1" strike="noStrike">
+                <a:solidFill>
+                  <a:srgbClr val="78ffc8"/>
+                </a:solidFill>
+                <a:latin typeface="Consolas"/>
+                <a:ea typeface="DejaVu Sans"/>
+              </a:rPr>
+              <a:t>    </a:t>
+            </a:r>
+            <a:r>
+              <a:rPr b="0" lang="en-US" sz="1200" spc="-1" strike="noStrike">
+                <a:solidFill>
+                  <a:srgbClr val="78ffc8"/>
+                </a:solidFill>
+                <a:latin typeface="Consolas"/>
+                <a:ea typeface="DejaVu Sans"/>
+              </a:rPr>
+              <a:t>public static void main(String[] args) {</a:t>
+            </a:r>
+            <a:endParaRPr b="0" lang="en-US" sz="1200" spc="-1" strike="noStrike">
+              <a:solidFill>
+                <a:srgbClr val="ffffff"/>
+              </a:solidFill>
+              <a:latin typeface="Arial"/>
+            </a:endParaRPr>
+          </a:p>
+          <a:p>
+            <a:pPr algn="ctr">
+              <a:lnSpc>
+                <a:spcPct val="100000"/>
+              </a:lnSpc>
+            </a:pPr>
+            <a:r>
+              <a:rPr b="0" lang="en-US" sz="1200" spc="-1" strike="noStrike">
+                <a:solidFill>
+                  <a:srgbClr val="78ffc8"/>
+                </a:solidFill>
+                <a:latin typeface="Consolas"/>
+                <a:ea typeface="DejaVu Sans"/>
+              </a:rPr>
+              <a:t>        </a:t>
+            </a:r>
+            <a:r>
+              <a:rPr b="0" lang="en-US" sz="1200" spc="-1" strike="noStrike">
+                <a:solidFill>
+                  <a:srgbClr val="78ffc8"/>
+                </a:solidFill>
+                <a:latin typeface="Consolas"/>
+                <a:ea typeface="DejaVu Sans"/>
+              </a:rPr>
+              <a:t>System.out.println("Understanding JDK, JRE, and JVM!");</a:t>
+            </a:r>
+            <a:endParaRPr b="0" lang="en-US" sz="1200" spc="-1" strike="noStrike">
+              <a:solidFill>
+                <a:srgbClr val="ffffff"/>
+              </a:solidFill>
+              <a:latin typeface="Arial"/>
+            </a:endParaRPr>
+          </a:p>
+          <a:p>
+            <a:pPr algn="ctr">
+              <a:lnSpc>
+                <a:spcPct val="100000"/>
+              </a:lnSpc>
+            </a:pPr>
+            <a:r>
+              <a:rPr b="0" lang="en-US" sz="1200" spc="-1" strike="noStrike">
+                <a:solidFill>
+                  <a:srgbClr val="78ffc8"/>
+                </a:solidFill>
+                <a:latin typeface="Consolas"/>
+                <a:ea typeface="DejaVu Sans"/>
+              </a:rPr>
+              <a:t>    </a:t>
+            </a:r>
+            <a:r>
+              <a:rPr b="0" lang="en-US" sz="1200" spc="-1" strike="noStrike">
+                <a:solidFill>
+                  <a:srgbClr val="78ffc8"/>
+                </a:solidFill>
+                <a:latin typeface="Consolas"/>
+                <a:ea typeface="DejaVu Sans"/>
+              </a:rPr>
+              <a:t>}</a:t>
+            </a:r>
+            <a:endParaRPr b="0" lang="en-US" sz="1200" spc="-1" strike="noStrike">
+              <a:solidFill>
+                <a:srgbClr val="ffffff"/>
+              </a:solidFill>
+              <a:latin typeface="Arial"/>
+            </a:endParaRPr>
+          </a:p>
+          <a:p>
+            <a:pPr algn="ctr">
+              <a:lnSpc>
+                <a:spcPct val="100000"/>
+              </a:lnSpc>
+            </a:pPr>
+            <a:r>
+              <a:rPr b="0" lang="en-US" sz="1200" spc="-1" strike="noStrike">
+                <a:solidFill>
+                  <a:srgbClr val="78ffc8"/>
+                </a:solidFill>
+                <a:latin typeface="Consolas"/>
+                <a:ea typeface="DejaVu Sans"/>
+              </a:rPr>
+              <a:t>}</a:t>
+            </a:r>
+            <a:endParaRPr b="0" lang="en-US" sz="1200" spc="-1" strike="noStrike">
+              <a:solidFill>
+                <a:srgbClr val="ffffff"/>
+              </a:solidFill>
+              <a:latin typeface="Arial"/>
+            </a:endParaRPr>
+          </a:p>
+          <a:p>
+            <a:pPr algn="ctr">
+              <a:lnSpc>
+                <a:spcPct val="100000"/>
+              </a:lnSpc>
+            </a:pPr>
+            <a:endParaRPr b="0" lang="en-US" sz="1200" spc="-1" strike="noStrike">
+              <a:solidFill>
+                <a:srgbClr val="ffffff"/>
+              </a:solidFill>
+              <a:latin typeface="Arial"/>
+            </a:endParaRPr>
+          </a:p>
+          <a:p>
+            <a:pPr algn="ctr">
+              <a:lnSpc>
+                <a:spcPct val="100000"/>
+              </a:lnSpc>
+            </a:pPr>
+            <a:endParaRPr b="0" lang="en-US" sz="1200" spc="-1" strike="noStrike">
+              <a:solidFill>
+                <a:srgbClr val="ffffff"/>
+              </a:solidFill>
+              <a:latin typeface="Arial"/>
+            </a:endParaRPr>
+          </a:p>
+        </p:txBody>
+      </p:sp>
+      <p:sp>
+        <p:nvSpPr>
+          <p:cNvPr id="265" name="TextBox 12"/>
           <p:cNvSpPr/>
           <p:nvPr/>
         </p:nvSpPr>
@@ -16597,6 +21986,232 @@
   <a:themeElements>
     <a:clrScheme name="Office">
       <a:dk1>
+        <a:srgbClr val="000000"/>
+      </a:dk1>
+      <a:lt1>
+        <a:srgbClr val="ffffff"/>
+      </a:lt1>
+      <a:dk2>
+        <a:srgbClr val="1f497d"/>
+      </a:dk2>
+      <a:lt2>
+        <a:srgbClr val="eeece1"/>
+      </a:lt2>
+      <a:accent1>
+        <a:srgbClr val="4f81bd"/>
+      </a:accent1>
+      <a:accent2>
+        <a:srgbClr val="c0504d"/>
+      </a:accent2>
+      <a:accent3>
+        <a:srgbClr val="9bbb59"/>
+      </a:accent3>
+      <a:accent4>
+        <a:srgbClr val="8064a2"/>
+      </a:accent4>
+      <a:accent5>
+        <a:srgbClr val="4bacc6"/>
+      </a:accent5>
+      <a:accent6>
+        <a:srgbClr val="f79646"/>
+      </a:accent6>
+      <a:hlink>
+        <a:srgbClr val="0000ff"/>
+      </a:hlink>
+      <a:folHlink>
+        <a:srgbClr val="800080"/>
+      </a:folHlink>
+    </a:clrScheme>
+    <a:fontScheme name="Office">
+      <a:majorFont>
+        <a:latin typeface="Arial"/>
+        <a:ea typeface="DejaVu Sans"/>
+        <a:cs typeface="DejaVu Sans"/>
+      </a:majorFont>
+      <a:minorFont>
+        <a:latin typeface="Arial"/>
+        <a:ea typeface="DejaVu Sans"/>
+        <a:cs typeface="DejaVu Sans"/>
+      </a:minorFont>
+    </a:fontScheme>
+    <a:fmtScheme name="Office">
+      <a:fillStyleLst>
+        <a:solidFill>
+          <a:schemeClr val="phClr"/>
+        </a:solidFill>
+        <a:gradFill rotWithShape="1">
+          <a:gsLst>
+            <a:gs pos="0">
+              <a:schemeClr val="phClr">
+                <a:tint val="50000"/>
+                <a:satMod val="300000"/>
+              </a:schemeClr>
+            </a:gs>
+            <a:gs pos="35000">
+              <a:schemeClr val="phClr">
+                <a:tint val="37000"/>
+                <a:satMod val="300000"/>
+              </a:schemeClr>
+            </a:gs>
+            <a:gs pos="100000">
+              <a:schemeClr val="phClr">
+                <a:tint val="15000"/>
+                <a:satMod val="350000"/>
+              </a:schemeClr>
+            </a:gs>
+          </a:gsLst>
+          <a:lin ang="16200000" scaled="1"/>
+        </a:gradFill>
+        <a:gradFill rotWithShape="1">
+          <a:gsLst>
+            <a:gs pos="0">
+              <a:schemeClr val="phClr">
+                <a:shade val="51000"/>
+                <a:satMod val="130000"/>
+              </a:schemeClr>
+            </a:gs>
+            <a:gs pos="80000">
+              <a:schemeClr val="phClr">
+                <a:shade val="93000"/>
+                <a:satMod val="130000"/>
+              </a:schemeClr>
+            </a:gs>
+            <a:gs pos="100000">
+              <a:schemeClr val="phClr">
+                <a:shade val="94000"/>
+                <a:satMod val="135000"/>
+              </a:schemeClr>
+            </a:gs>
+          </a:gsLst>
+          <a:lin ang="16200000" scaled="0"/>
+        </a:gradFill>
+      </a:fillStyleLst>
+      <a:lnStyleLst>
+        <a:ln w="9525" cap="flat" cmpd="sng" algn="ctr">
+          <a:solidFill>
+            <a:schemeClr val="phClr">
+              <a:shade val="95000"/>
+              <a:satMod val="105000"/>
+            </a:schemeClr>
+          </a:solidFill>
+          <a:prstDash val="solid"/>
+          <a:miter/>
+        </a:ln>
+        <a:ln w="25400" cap="flat" cmpd="sng" algn="ctr">
+          <a:solidFill>
+            <a:schemeClr val="phClr"/>
+          </a:solidFill>
+          <a:prstDash val="solid"/>
+          <a:miter/>
+        </a:ln>
+        <a:ln w="38100" cap="flat" cmpd="sng" algn="ctr">
+          <a:solidFill>
+            <a:schemeClr val="phClr"/>
+          </a:solidFill>
+          <a:prstDash val="solid"/>
+          <a:miter/>
+        </a:ln>
+      </a:lnStyleLst>
+      <a:effectStyleLst>
+        <a:effectStyle>
+          <a:effectLst>
+            <a:outerShdw blurRad="40000" dist="20000" dir="5400000" rotWithShape="0">
+              <a:srgbClr val="000000">
+                <a:alpha val="38000"/>
+              </a:srgbClr>
+            </a:outerShdw>
+          </a:effectLst>
+        </a:effectStyle>
+        <a:effectStyle>
+          <a:effectLst>
+            <a:outerShdw blurRad="40000" dist="23000" dir="5400000" rotWithShape="0">
+              <a:srgbClr val="000000">
+                <a:alpha val="35000"/>
+              </a:srgbClr>
+            </a:outerShdw>
+          </a:effectLst>
+        </a:effectStyle>
+        <a:effectStyle>
+          <a:effectLst>
+            <a:outerShdw blurRad="40000" dist="23000" dir="5400000" rotWithShape="0">
+              <a:srgbClr val="000000">
+                <a:alpha val="35000"/>
+              </a:srgbClr>
+            </a:outerShdw>
+          </a:effectLst>
+          <a:scene3d>
+            <a:camera prst="orthographicFront">
+              <a:rot lat="0" lon="0" rev="0"/>
+            </a:camera>
+            <a:lightRig rig="threePt" dir="t">
+              <a:rot lat="0" lon="0" rev="1200000"/>
+            </a:lightRig>
+          </a:scene3d>
+          <a:sp3d>
+            <a:bevelT w="63500" h="25400"/>
+          </a:sp3d>
+        </a:effectStyle>
+      </a:effectStyleLst>
+      <a:bgFillStyleLst>
+        <a:solidFill>
+          <a:schemeClr val="phClr"/>
+        </a:solidFill>
+        <a:gradFill rotWithShape="1">
+          <a:gsLst>
+            <a:gs pos="0">
+              <a:schemeClr val="phClr">
+                <a:tint val="40000"/>
+                <a:satMod val="350000"/>
+              </a:schemeClr>
+            </a:gs>
+            <a:gs pos="40000">
+              <a:schemeClr val="phClr">
+                <a:tint val="45000"/>
+                <a:shade val="99000"/>
+                <a:satMod val="350000"/>
+              </a:schemeClr>
+            </a:gs>
+            <a:gs pos="100000">
+              <a:schemeClr val="phClr">
+                <a:shade val="20000"/>
+                <a:satMod val="255000"/>
+              </a:schemeClr>
+            </a:gs>
+          </a:gsLst>
+          <a:path path="circle">
+            <a:fillToRect l="50000" t="-80000" r="50000" b="180000"/>
+          </a:path>
+        </a:gradFill>
+        <a:gradFill rotWithShape="1">
+          <a:gsLst>
+            <a:gs pos="0">
+              <a:schemeClr val="phClr">
+                <a:tint val="80000"/>
+                <a:satMod val="300000"/>
+              </a:schemeClr>
+            </a:gs>
+            <a:gs pos="100000">
+              <a:schemeClr val="phClr">
+                <a:shade val="30000"/>
+                <a:satMod val="200000"/>
+              </a:schemeClr>
+            </a:gs>
+          </a:gsLst>
+          <a:path path="circle">
+            <a:fillToRect l="50000" t="50000" r="50000" b="50000"/>
+          </a:path>
+        </a:gradFill>
+      </a:bgFillStyleLst>
+    </a:fmtScheme>
+  </a:themeElements>
+</a:theme>
+</file>
+
+<file path=ppt/theme/theme4.xml><?xml version="1.0" encoding="utf-8"?>
+<a:theme xmlns:a="http://schemas.openxmlformats.org/drawingml/2006/main" name="Office Theme">
+  <a:themeElements>
+    <a:clrScheme name="Office">
+      <a:dk1>
         <a:sysClr val="windowText" lastClr="000000"/>
       </a:dk1>
       <a:lt1>

--- a/Java/Java #2/EN/Java #2.pptx
+++ b/Java/Java #2/EN/Java #2.pptx
@@ -69,7 +69,7 @@
         <p:txBody>
           <a:bodyPr/>
           <a:p>
-            <a:fld id="{13CC0489-BDAF-41B9-BCF3-1D274D9BC90F}" type="slidenum">
+            <a:fld id="{000EFABC-0826-4893-8ADF-6A205CAFC26C}" type="slidenum">
               <a:t>&lt;#&gt;</a:t>
             </a:fld>
           </a:p>
@@ -278,7 +278,7 @@
         <p:txBody>
           <a:bodyPr/>
           <a:p>
-            <a:fld id="{4F27EFB6-C148-40E9-B21A-4F96E1FE6191}" type="slidenum">
+            <a:fld id="{6A330070-C7F5-400A-905E-9C9E07B21E5F}" type="slidenum">
               <a:t>&lt;#&gt;</a:t>
             </a:fld>
           </a:p>
@@ -573,7 +573,7 @@
         <p:txBody>
           <a:bodyPr/>
           <a:p>
-            <a:fld id="{07C3CE29-4863-4975-B47B-D63B4F1A3750}" type="slidenum">
+            <a:fld id="{895EA6E4-79FA-4C2A-BA40-49ED1E9D689F}" type="slidenum">
               <a:t>&lt;#&gt;</a:t>
             </a:fld>
           </a:p>
@@ -954,7 +954,7 @@
         <p:txBody>
           <a:bodyPr/>
           <a:p>
-            <a:fld id="{2BFA0FFC-64C1-48C2-AC6F-6F1E276E7828}" type="slidenum">
+            <a:fld id="{C2612F98-EC78-4DA0-B989-65B295A1D1E7}" type="slidenum">
               <a:t>&lt;#&gt;</a:t>
             </a:fld>
           </a:p>
@@ -1037,7 +1037,7 @@
         <p:txBody>
           <a:bodyPr/>
           <a:p>
-            <a:fld id="{079956B0-63BF-4F77-8F62-E00D66217462}" type="slidenum">
+            <a:fld id="{85D85CAB-8752-44FA-A45B-B50C1DDC773C}" type="slidenum">
               <a:t>&lt;#&gt;</a:t>
             </a:fld>
           </a:p>
@@ -1200,7 +1200,7 @@
         <p:txBody>
           <a:bodyPr/>
           <a:p>
-            <a:fld id="{315E9054-3113-475B-A9CC-EBF7C51CF137}" type="slidenum">
+            <a:fld id="{86F4FC6B-CA3E-493D-A239-EEA8501E9B5E}" type="slidenum">
               <a:t>&lt;#&gt;</a:t>
             </a:fld>
           </a:p>
@@ -1366,7 +1366,7 @@
         <p:txBody>
           <a:bodyPr/>
           <a:p>
-            <a:fld id="{D4F1338F-D2FB-4FA6-B8AF-E5E9C2C6F2F8}" type="slidenum">
+            <a:fld id="{CC0FA3BF-ABFB-4113-B9F5-AC2D1DD24AB9}" type="slidenum">
               <a:t>&lt;#&gt;</a:t>
             </a:fld>
           </a:p>
@@ -1575,7 +1575,7 @@
         <p:txBody>
           <a:bodyPr/>
           <a:p>
-            <a:fld id="{6E675270-0814-4B4B-86C4-A6A748CB5068}" type="slidenum">
+            <a:fld id="{AB82AF6E-4FBC-4D6B-9280-B13122D97BDD}" type="slidenum">
               <a:t>&lt;#&gt;</a:t>
             </a:fld>
           </a:p>
@@ -1698,7 +1698,7 @@
         <p:txBody>
           <a:bodyPr/>
           <a:p>
-            <a:fld id="{344C4AF5-E2DE-4F93-A549-767D88D11D68}" type="slidenum">
+            <a:fld id="{CE1B671B-C0B0-4714-9ADA-2C38B6625D80}" type="slidenum">
               <a:t>&lt;#&gt;</a:t>
             </a:fld>
           </a:p>
@@ -1819,7 +1819,7 @@
         <p:txBody>
           <a:bodyPr/>
           <a:p>
-            <a:fld id="{FE834254-8486-40E7-B015-E86621DED776}" type="slidenum">
+            <a:fld id="{FD6E7C9D-0872-40CD-8204-4A41EAB8C8E2}" type="slidenum">
               <a:t>&lt;#&gt;</a:t>
             </a:fld>
           </a:p>
@@ -2071,7 +2071,7 @@
         <p:txBody>
           <a:bodyPr/>
           <a:p>
-            <a:fld id="{BBF6F04D-0EA3-4E76-8386-9EAA4C563582}" type="slidenum">
+            <a:fld id="{5D842D4F-4EE1-49FF-8BD8-2CB5AC03A534}" type="slidenum">
               <a:t>&lt;#&gt;</a:t>
             </a:fld>
           </a:p>
@@ -2234,7 +2234,7 @@
         <p:txBody>
           <a:bodyPr/>
           <a:p>
-            <a:fld id="{DDA7A3EF-2D3D-4372-9885-717A9809BD86}" type="slidenum">
+            <a:fld id="{DD927B76-89B3-4EE8-8583-43214D61D7EA}" type="slidenum">
               <a:t>&lt;#&gt;</a:t>
             </a:fld>
           </a:p>
@@ -2486,7 +2486,7 @@
         <p:txBody>
           <a:bodyPr/>
           <a:p>
-            <a:fld id="{1661215F-752D-452B-A7BD-7ADA6696EDD0}" type="slidenum">
+            <a:fld id="{3AFB4F79-870A-4FC9-AA17-3FF2B11F27A4}" type="slidenum">
               <a:t>&lt;#&gt;</a:t>
             </a:fld>
           </a:p>
@@ -2738,7 +2738,7 @@
         <p:txBody>
           <a:bodyPr/>
           <a:p>
-            <a:fld id="{D181C8E2-924B-45A4-A7AF-E948D7BB5568}" type="slidenum">
+            <a:fld id="{7CA7C072-96D9-47DF-B2A6-C388CD67542F}" type="slidenum">
               <a:t>&lt;#&gt;</a:t>
             </a:fld>
           </a:p>
@@ -2947,7 +2947,7 @@
         <p:txBody>
           <a:bodyPr/>
           <a:p>
-            <a:fld id="{07158B6A-A18A-41C5-8568-01EAD4F0767A}" type="slidenum">
+            <a:fld id="{E01EF672-9348-494B-A8A8-3C33F5EC58D2}" type="slidenum">
               <a:t>&lt;#&gt;</a:t>
             </a:fld>
           </a:p>
@@ -3242,7 +3242,7 @@
         <p:txBody>
           <a:bodyPr/>
           <a:p>
-            <a:fld id="{6E7AF82E-DF59-4B6B-B9B5-688FD60E0F8A}" type="slidenum">
+            <a:fld id="{99FB6DA3-56D4-410B-ADB6-C6C6EA978BDE}" type="slidenum">
               <a:t>&lt;#&gt;</a:t>
             </a:fld>
           </a:p>
@@ -3623,7 +3623,7 @@
         <p:txBody>
           <a:bodyPr/>
           <a:p>
-            <a:fld id="{25EC9210-111A-4A6A-99D7-CBFD49981669}" type="slidenum">
+            <a:fld id="{A49CA3D7-C3DD-457F-965A-4EE50101C43A}" type="slidenum">
               <a:t>&lt;#&gt;</a:t>
             </a:fld>
           </a:p>
@@ -3706,7 +3706,7 @@
         <p:txBody>
           <a:bodyPr/>
           <a:p>
-            <a:fld id="{8F3FCE90-32BA-48E1-A4A6-DDE030B425D1}" type="slidenum">
+            <a:fld id="{38AE9631-FF82-4463-9864-868A09673266}" type="slidenum">
               <a:t>&lt;#&gt;</a:t>
             </a:fld>
           </a:p>
@@ -3757,7 +3757,7 @@
       </p:grpSpPr>
       <p:sp>
         <p:nvSpPr>
-          <p:cNvPr id="85" name="PlaceHolder 1"/>
+          <p:cNvPr id="87" name="PlaceHolder 1"/>
           <p:cNvSpPr>
             <a:spLocks noGrp="1"/>
           </p:cNvSpPr>
@@ -3797,7 +3797,7 @@
       </p:sp>
       <p:sp>
         <p:nvSpPr>
-          <p:cNvPr id="86" name="PlaceHolder 2"/>
+          <p:cNvPr id="88" name="PlaceHolder 2"/>
           <p:cNvSpPr>
             <a:spLocks noGrp="1"/>
           </p:cNvSpPr>
@@ -3869,7 +3869,7 @@
         <p:txBody>
           <a:bodyPr/>
           <a:p>
-            <a:fld id="{B8F0EEDD-FCEE-4AD0-87D5-D85F8BF18BEC}" type="slidenum">
+            <a:fld id="{C565BC38-0C4B-46E5-9B82-EB2D1C582B16}" type="slidenum">
               <a:t>&lt;#&gt;</a:t>
             </a:fld>
           </a:p>
@@ -3920,7 +3920,7 @@
       </p:grpSpPr>
       <p:sp>
         <p:nvSpPr>
-          <p:cNvPr id="87" name="PlaceHolder 1"/>
+          <p:cNvPr id="89" name="PlaceHolder 1"/>
           <p:cNvSpPr>
             <a:spLocks noGrp="1"/>
           </p:cNvSpPr>
@@ -3960,7 +3960,7 @@
       </p:sp>
       <p:sp>
         <p:nvSpPr>
-          <p:cNvPr id="88" name="PlaceHolder 2"/>
+          <p:cNvPr id="90" name="PlaceHolder 2"/>
           <p:cNvSpPr>
             <a:spLocks noGrp="1"/>
           </p:cNvSpPr>
@@ -4035,7 +4035,7 @@
         <p:txBody>
           <a:bodyPr/>
           <a:p>
-            <a:fld id="{F3243B36-84D1-4580-87D5-62F2B3806E3A}" type="slidenum">
+            <a:fld id="{6F47CAAC-FF14-4700-B1EA-08B3AD5FDF69}" type="slidenum">
               <a:t>&lt;#&gt;</a:t>
             </a:fld>
           </a:p>
@@ -4086,7 +4086,7 @@
       </p:grpSpPr>
       <p:sp>
         <p:nvSpPr>
-          <p:cNvPr id="89" name="PlaceHolder 1"/>
+          <p:cNvPr id="91" name="PlaceHolder 1"/>
           <p:cNvSpPr>
             <a:spLocks noGrp="1"/>
           </p:cNvSpPr>
@@ -4126,7 +4126,7 @@
       </p:sp>
       <p:sp>
         <p:nvSpPr>
-          <p:cNvPr id="90" name="PlaceHolder 2"/>
+          <p:cNvPr id="92" name="PlaceHolder 2"/>
           <p:cNvSpPr>
             <a:spLocks noGrp="1"/>
           </p:cNvSpPr>
@@ -4169,7 +4169,7 @@
       </p:sp>
       <p:sp>
         <p:nvSpPr>
-          <p:cNvPr id="91" name="PlaceHolder 3"/>
+          <p:cNvPr id="93" name="PlaceHolder 3"/>
           <p:cNvSpPr>
             <a:spLocks noGrp="1"/>
           </p:cNvSpPr>
@@ -4244,7 +4244,7 @@
         <p:txBody>
           <a:bodyPr/>
           <a:p>
-            <a:fld id="{0A7EF5D6-0486-4AFE-85ED-69AA1B111CFF}" type="slidenum">
+            <a:fld id="{B4DF6592-8C8D-4132-A7D1-21AEF6FC8C06}" type="slidenum">
               <a:t>&lt;#&gt;</a:t>
             </a:fld>
           </a:p>
@@ -4295,7 +4295,7 @@
       </p:grpSpPr>
       <p:sp>
         <p:nvSpPr>
-          <p:cNvPr id="92" name="PlaceHolder 1"/>
+          <p:cNvPr id="94" name="PlaceHolder 1"/>
           <p:cNvSpPr>
             <a:spLocks noGrp="1"/>
           </p:cNvSpPr>
@@ -4367,7 +4367,7 @@
         <p:txBody>
           <a:bodyPr/>
           <a:p>
-            <a:fld id="{D86D7906-BE19-43F8-992C-ABFFDDF59C53}" type="slidenum">
+            <a:fld id="{ADF6F165-2E68-4D07-BC2D-1551C72FB415}" type="slidenum">
               <a:t>&lt;#&gt;</a:t>
             </a:fld>
           </a:p>
@@ -4533,7 +4533,7 @@
         <p:txBody>
           <a:bodyPr/>
           <a:p>
-            <a:fld id="{1FFA3CF9-8D8B-4845-9808-96AC054806B6}" type="slidenum">
+            <a:fld id="{E351B0C6-5285-4CF8-8362-B2EBF3ADFE70}" type="slidenum">
               <a:t>&lt;#&gt;</a:t>
             </a:fld>
           </a:p>
@@ -4584,7 +4584,7 @@
       </p:grpSpPr>
       <p:sp>
         <p:nvSpPr>
-          <p:cNvPr id="93" name="PlaceHolder 1"/>
+          <p:cNvPr id="95" name="PlaceHolder 1"/>
           <p:cNvSpPr>
             <a:spLocks noGrp="1"/>
           </p:cNvSpPr>
@@ -4654,7 +4654,7 @@
         <p:txBody>
           <a:bodyPr/>
           <a:p>
-            <a:fld id="{B7A9F104-EBEE-4647-9589-580D125F3CB5}" type="slidenum">
+            <a:fld id="{95D1CB66-5EDC-4868-8BFE-992A201873E0}" type="slidenum">
               <a:t>&lt;#&gt;</a:t>
             </a:fld>
           </a:p>
@@ -4705,7 +4705,7 @@
       </p:grpSpPr>
       <p:sp>
         <p:nvSpPr>
-          <p:cNvPr id="94" name="PlaceHolder 1"/>
+          <p:cNvPr id="96" name="PlaceHolder 1"/>
           <p:cNvSpPr>
             <a:spLocks noGrp="1"/>
           </p:cNvSpPr>
@@ -4745,7 +4745,7 @@
       </p:sp>
       <p:sp>
         <p:nvSpPr>
-          <p:cNvPr id="95" name="PlaceHolder 2"/>
+          <p:cNvPr id="97" name="PlaceHolder 2"/>
           <p:cNvSpPr>
             <a:spLocks noGrp="1"/>
           </p:cNvSpPr>
@@ -4788,7 +4788,7 @@
       </p:sp>
       <p:sp>
         <p:nvSpPr>
-          <p:cNvPr id="96" name="PlaceHolder 3"/>
+          <p:cNvPr id="98" name="PlaceHolder 3"/>
           <p:cNvSpPr>
             <a:spLocks noGrp="1"/>
           </p:cNvSpPr>
@@ -4831,7 +4831,7 @@
       </p:sp>
       <p:sp>
         <p:nvSpPr>
-          <p:cNvPr id="97" name="PlaceHolder 4"/>
+          <p:cNvPr id="99" name="PlaceHolder 4"/>
           <p:cNvSpPr>
             <a:spLocks noGrp="1"/>
           </p:cNvSpPr>
@@ -4906,7 +4906,7 @@
         <p:txBody>
           <a:bodyPr/>
           <a:p>
-            <a:fld id="{E82E213E-AF3B-4999-9D76-637C64532558}" type="slidenum">
+            <a:fld id="{85BF4386-513A-4D5E-9BBD-A83AE7335392}" type="slidenum">
               <a:t>&lt;#&gt;</a:t>
             </a:fld>
           </a:p>
@@ -4957,7 +4957,7 @@
       </p:grpSpPr>
       <p:sp>
         <p:nvSpPr>
-          <p:cNvPr id="98" name="PlaceHolder 1"/>
+          <p:cNvPr id="100" name="PlaceHolder 1"/>
           <p:cNvSpPr>
             <a:spLocks noGrp="1"/>
           </p:cNvSpPr>
@@ -4997,7 +4997,7 @@
       </p:sp>
       <p:sp>
         <p:nvSpPr>
-          <p:cNvPr id="99" name="PlaceHolder 2"/>
+          <p:cNvPr id="101" name="PlaceHolder 2"/>
           <p:cNvSpPr>
             <a:spLocks noGrp="1"/>
           </p:cNvSpPr>
@@ -5040,7 +5040,7 @@
       </p:sp>
       <p:sp>
         <p:nvSpPr>
-          <p:cNvPr id="100" name="PlaceHolder 3"/>
+          <p:cNvPr id="102" name="PlaceHolder 3"/>
           <p:cNvSpPr>
             <a:spLocks noGrp="1"/>
           </p:cNvSpPr>
@@ -5083,7 +5083,7 @@
       </p:sp>
       <p:sp>
         <p:nvSpPr>
-          <p:cNvPr id="101" name="PlaceHolder 4"/>
+          <p:cNvPr id="103" name="PlaceHolder 4"/>
           <p:cNvSpPr>
             <a:spLocks noGrp="1"/>
           </p:cNvSpPr>
@@ -5158,7 +5158,7 @@
         <p:txBody>
           <a:bodyPr/>
           <a:p>
-            <a:fld id="{1A4CBC71-28BC-46B7-8AE4-1B132A3DF442}" type="slidenum">
+            <a:fld id="{FEE28798-AF4F-4C04-986C-594B9130D794}" type="slidenum">
               <a:t>&lt;#&gt;</a:t>
             </a:fld>
           </a:p>
@@ -5209,7 +5209,7 @@
       </p:grpSpPr>
       <p:sp>
         <p:nvSpPr>
-          <p:cNvPr id="102" name="PlaceHolder 1"/>
+          <p:cNvPr id="104" name="PlaceHolder 1"/>
           <p:cNvSpPr>
             <a:spLocks noGrp="1"/>
           </p:cNvSpPr>
@@ -5249,7 +5249,7 @@
       </p:sp>
       <p:sp>
         <p:nvSpPr>
-          <p:cNvPr id="103" name="PlaceHolder 2"/>
+          <p:cNvPr id="105" name="PlaceHolder 2"/>
           <p:cNvSpPr>
             <a:spLocks noGrp="1"/>
           </p:cNvSpPr>
@@ -5292,7 +5292,7 @@
       </p:sp>
       <p:sp>
         <p:nvSpPr>
-          <p:cNvPr id="104" name="PlaceHolder 3"/>
+          <p:cNvPr id="106" name="PlaceHolder 3"/>
           <p:cNvSpPr>
             <a:spLocks noGrp="1"/>
           </p:cNvSpPr>
@@ -5335,7 +5335,7 @@
       </p:sp>
       <p:sp>
         <p:nvSpPr>
-          <p:cNvPr id="105" name="PlaceHolder 4"/>
+          <p:cNvPr id="107" name="PlaceHolder 4"/>
           <p:cNvSpPr>
             <a:spLocks noGrp="1"/>
           </p:cNvSpPr>
@@ -5410,7 +5410,7 @@
         <p:txBody>
           <a:bodyPr/>
           <a:p>
-            <a:fld id="{A25C1BAB-1DD8-43F0-89C6-C62F9E3356FA}" type="slidenum">
+            <a:fld id="{A34EED23-7939-4CA5-895A-BD031E8529D6}" type="slidenum">
               <a:t>&lt;#&gt;</a:t>
             </a:fld>
           </a:p>
@@ -5461,7 +5461,7 @@
       </p:grpSpPr>
       <p:sp>
         <p:nvSpPr>
-          <p:cNvPr id="106" name="PlaceHolder 1"/>
+          <p:cNvPr id="108" name="PlaceHolder 1"/>
           <p:cNvSpPr>
             <a:spLocks noGrp="1"/>
           </p:cNvSpPr>
@@ -5501,7 +5501,7 @@
       </p:sp>
       <p:sp>
         <p:nvSpPr>
-          <p:cNvPr id="107" name="PlaceHolder 2"/>
+          <p:cNvPr id="109" name="PlaceHolder 2"/>
           <p:cNvSpPr>
             <a:spLocks noGrp="1"/>
           </p:cNvSpPr>
@@ -5544,7 +5544,7 @@
       </p:sp>
       <p:sp>
         <p:nvSpPr>
-          <p:cNvPr id="108" name="PlaceHolder 3"/>
+          <p:cNvPr id="110" name="PlaceHolder 3"/>
           <p:cNvSpPr>
             <a:spLocks noGrp="1"/>
           </p:cNvSpPr>
@@ -5619,7 +5619,7 @@
         <p:txBody>
           <a:bodyPr/>
           <a:p>
-            <a:fld id="{CE411C71-A829-40A6-8278-A9A42B5E8FF8}" type="slidenum">
+            <a:fld id="{51876836-7FB9-4D99-A103-BA5B7C60DEED}" type="slidenum">
               <a:t>&lt;#&gt;</a:t>
             </a:fld>
           </a:p>
@@ -5670,7 +5670,7 @@
       </p:grpSpPr>
       <p:sp>
         <p:nvSpPr>
-          <p:cNvPr id="109" name="PlaceHolder 1"/>
+          <p:cNvPr id="111" name="PlaceHolder 1"/>
           <p:cNvSpPr>
             <a:spLocks noGrp="1"/>
           </p:cNvSpPr>
@@ -5710,7 +5710,7 @@
       </p:sp>
       <p:sp>
         <p:nvSpPr>
-          <p:cNvPr id="110" name="PlaceHolder 2"/>
+          <p:cNvPr id="112" name="PlaceHolder 2"/>
           <p:cNvSpPr>
             <a:spLocks noGrp="1"/>
           </p:cNvSpPr>
@@ -5753,7 +5753,7 @@
       </p:sp>
       <p:sp>
         <p:nvSpPr>
-          <p:cNvPr id="111" name="PlaceHolder 3"/>
+          <p:cNvPr id="113" name="PlaceHolder 3"/>
           <p:cNvSpPr>
             <a:spLocks noGrp="1"/>
           </p:cNvSpPr>
@@ -5796,7 +5796,7 @@
       </p:sp>
       <p:sp>
         <p:nvSpPr>
-          <p:cNvPr id="112" name="PlaceHolder 4"/>
+          <p:cNvPr id="114" name="PlaceHolder 4"/>
           <p:cNvSpPr>
             <a:spLocks noGrp="1"/>
           </p:cNvSpPr>
@@ -5839,7 +5839,7 @@
       </p:sp>
       <p:sp>
         <p:nvSpPr>
-          <p:cNvPr id="113" name="PlaceHolder 5"/>
+          <p:cNvPr id="115" name="PlaceHolder 5"/>
           <p:cNvSpPr>
             <a:spLocks noGrp="1"/>
           </p:cNvSpPr>
@@ -5914,7 +5914,7 @@
         <p:txBody>
           <a:bodyPr/>
           <a:p>
-            <a:fld id="{8AD37A8A-B775-4829-A6B6-C2266E653C11}" type="slidenum">
+            <a:fld id="{379C17BD-8FE7-4BBD-A2D6-3A5709A9D94D}" type="slidenum">
               <a:t>&lt;#&gt;</a:t>
             </a:fld>
           </a:p>
@@ -5965,7 +5965,7 @@
       </p:grpSpPr>
       <p:sp>
         <p:nvSpPr>
-          <p:cNvPr id="114" name="PlaceHolder 1"/>
+          <p:cNvPr id="116" name="PlaceHolder 1"/>
           <p:cNvSpPr>
             <a:spLocks noGrp="1"/>
           </p:cNvSpPr>
@@ -6005,7 +6005,7 @@
       </p:sp>
       <p:sp>
         <p:nvSpPr>
-          <p:cNvPr id="115" name="PlaceHolder 2"/>
+          <p:cNvPr id="117" name="PlaceHolder 2"/>
           <p:cNvSpPr>
             <a:spLocks noGrp="1"/>
           </p:cNvSpPr>
@@ -6048,7 +6048,7 @@
       </p:sp>
       <p:sp>
         <p:nvSpPr>
-          <p:cNvPr id="116" name="PlaceHolder 3"/>
+          <p:cNvPr id="118" name="PlaceHolder 3"/>
           <p:cNvSpPr>
             <a:spLocks noGrp="1"/>
           </p:cNvSpPr>
@@ -6091,7 +6091,7 @@
       </p:sp>
       <p:sp>
         <p:nvSpPr>
-          <p:cNvPr id="117" name="PlaceHolder 4"/>
+          <p:cNvPr id="119" name="PlaceHolder 4"/>
           <p:cNvSpPr>
             <a:spLocks noGrp="1"/>
           </p:cNvSpPr>
@@ -6134,7 +6134,7 @@
       </p:sp>
       <p:sp>
         <p:nvSpPr>
-          <p:cNvPr id="118" name="PlaceHolder 5"/>
+          <p:cNvPr id="120" name="PlaceHolder 5"/>
           <p:cNvSpPr>
             <a:spLocks noGrp="1"/>
           </p:cNvSpPr>
@@ -6177,7 +6177,7 @@
       </p:sp>
       <p:sp>
         <p:nvSpPr>
-          <p:cNvPr id="119" name="PlaceHolder 6"/>
+          <p:cNvPr id="121" name="PlaceHolder 6"/>
           <p:cNvSpPr>
             <a:spLocks noGrp="1"/>
           </p:cNvSpPr>
@@ -6220,7 +6220,7 @@
       </p:sp>
       <p:sp>
         <p:nvSpPr>
-          <p:cNvPr id="120" name="PlaceHolder 7"/>
+          <p:cNvPr id="122" name="PlaceHolder 7"/>
           <p:cNvSpPr>
             <a:spLocks noGrp="1"/>
           </p:cNvSpPr>
@@ -6295,7 +6295,7 @@
         <p:txBody>
           <a:bodyPr/>
           <a:p>
-            <a:fld id="{196EAB13-5CE3-43AA-9C67-2952B7CEFBDD}" type="slidenum">
+            <a:fld id="{B8A5E983-CA28-4CCE-91FD-1728A97F5D5B}" type="slidenum">
               <a:t>&lt;#&gt;</a:t>
             </a:fld>
           </a:p>
@@ -6378,7 +6378,7 @@
         <p:txBody>
           <a:bodyPr/>
           <a:p>
-            <a:fld id="{D0EEEC99-4C0E-437C-AF65-C3178DAA8046}" type="slidenum">
+            <a:fld id="{141C8D1B-07E1-424B-B9EF-4BE98A76FA5C}" type="slidenum">
               <a:t>&lt;#&gt;</a:t>
             </a:fld>
           </a:p>
@@ -6429,7 +6429,7 @@
       </p:grpSpPr>
       <p:sp>
         <p:nvSpPr>
-          <p:cNvPr id="126" name="PlaceHolder 1"/>
+          <p:cNvPr id="128" name="PlaceHolder 1"/>
           <p:cNvSpPr>
             <a:spLocks noGrp="1"/>
           </p:cNvSpPr>
@@ -6469,7 +6469,7 @@
       </p:sp>
       <p:sp>
         <p:nvSpPr>
-          <p:cNvPr id="127" name="PlaceHolder 2"/>
+          <p:cNvPr id="129" name="PlaceHolder 2"/>
           <p:cNvSpPr>
             <a:spLocks noGrp="1"/>
           </p:cNvSpPr>
@@ -6541,7 +6541,7 @@
         <p:txBody>
           <a:bodyPr/>
           <a:p>
-            <a:fld id="{62887CCD-AD14-4B62-9951-46736BE4CB3E}" type="slidenum">
+            <a:fld id="{23FC1441-6C8B-400A-9CD7-82550AEFBC20}" type="slidenum">
               <a:t>&lt;#&gt;</a:t>
             </a:fld>
           </a:p>
@@ -6592,7 +6592,7 @@
       </p:grpSpPr>
       <p:sp>
         <p:nvSpPr>
-          <p:cNvPr id="128" name="PlaceHolder 1"/>
+          <p:cNvPr id="130" name="PlaceHolder 1"/>
           <p:cNvSpPr>
             <a:spLocks noGrp="1"/>
           </p:cNvSpPr>
@@ -6632,7 +6632,7 @@
       </p:sp>
       <p:sp>
         <p:nvSpPr>
-          <p:cNvPr id="129" name="PlaceHolder 2"/>
+          <p:cNvPr id="131" name="PlaceHolder 2"/>
           <p:cNvSpPr>
             <a:spLocks noGrp="1"/>
           </p:cNvSpPr>
@@ -6707,7 +6707,7 @@
         <p:txBody>
           <a:bodyPr/>
           <a:p>
-            <a:fld id="{BE1EDD98-8292-434D-A306-789A4511169E}" type="slidenum">
+            <a:fld id="{19185ED7-25FC-4F6B-B029-73F87C15949C}" type="slidenum">
               <a:t>&lt;#&gt;</a:t>
             </a:fld>
           </a:p>
@@ -6916,7 +6916,7 @@
         <p:txBody>
           <a:bodyPr/>
           <a:p>
-            <a:fld id="{34114FA4-657B-430F-B399-82F6F5662040}" type="slidenum">
+            <a:fld id="{97EDD068-3647-4EC8-B4C8-1EF37BF8AF07}" type="slidenum">
               <a:t>&lt;#&gt;</a:t>
             </a:fld>
           </a:p>
@@ -6967,7 +6967,7 @@
       </p:grpSpPr>
       <p:sp>
         <p:nvSpPr>
-          <p:cNvPr id="130" name="PlaceHolder 1"/>
+          <p:cNvPr id="132" name="PlaceHolder 1"/>
           <p:cNvSpPr>
             <a:spLocks noGrp="1"/>
           </p:cNvSpPr>
@@ -7007,7 +7007,7 @@
       </p:sp>
       <p:sp>
         <p:nvSpPr>
-          <p:cNvPr id="131" name="PlaceHolder 2"/>
+          <p:cNvPr id="133" name="PlaceHolder 2"/>
           <p:cNvSpPr>
             <a:spLocks noGrp="1"/>
           </p:cNvSpPr>
@@ -7050,7 +7050,7 @@
       </p:sp>
       <p:sp>
         <p:nvSpPr>
-          <p:cNvPr id="132" name="PlaceHolder 3"/>
+          <p:cNvPr id="134" name="PlaceHolder 3"/>
           <p:cNvSpPr>
             <a:spLocks noGrp="1"/>
           </p:cNvSpPr>
@@ -7125,7 +7125,7 @@
         <p:txBody>
           <a:bodyPr/>
           <a:p>
-            <a:fld id="{D5BF6CFD-72DA-48F4-9098-0550526B49E7}" type="slidenum">
+            <a:fld id="{A6C2F98E-2237-48F7-819A-9BA338C389F5}" type="slidenum">
               <a:t>&lt;#&gt;</a:t>
             </a:fld>
           </a:p>
@@ -7176,7 +7176,7 @@
       </p:grpSpPr>
       <p:sp>
         <p:nvSpPr>
-          <p:cNvPr id="133" name="PlaceHolder 1"/>
+          <p:cNvPr id="135" name="PlaceHolder 1"/>
           <p:cNvSpPr>
             <a:spLocks noGrp="1"/>
           </p:cNvSpPr>
@@ -7248,7 +7248,7 @@
         <p:txBody>
           <a:bodyPr/>
           <a:p>
-            <a:fld id="{DC2D5EE0-D068-4F3E-80E1-1C123876032F}" type="slidenum">
+            <a:fld id="{9D426226-A900-4533-9DE5-3C2776566625}" type="slidenum">
               <a:t>&lt;#&gt;</a:t>
             </a:fld>
           </a:p>
@@ -7299,7 +7299,7 @@
       </p:grpSpPr>
       <p:sp>
         <p:nvSpPr>
-          <p:cNvPr id="134" name="PlaceHolder 1"/>
+          <p:cNvPr id="136" name="PlaceHolder 1"/>
           <p:cNvSpPr>
             <a:spLocks noGrp="1"/>
           </p:cNvSpPr>
@@ -7369,7 +7369,7 @@
         <p:txBody>
           <a:bodyPr/>
           <a:p>
-            <a:fld id="{CF9E9A25-4595-47BA-B0DA-0EBE3E25516C}" type="slidenum">
+            <a:fld id="{26276816-3741-4875-AB79-575E5F3EADC9}" type="slidenum">
               <a:t>&lt;#&gt;</a:t>
             </a:fld>
           </a:p>
@@ -7420,7 +7420,7 @@
       </p:grpSpPr>
       <p:sp>
         <p:nvSpPr>
-          <p:cNvPr id="135" name="PlaceHolder 1"/>
+          <p:cNvPr id="137" name="PlaceHolder 1"/>
           <p:cNvSpPr>
             <a:spLocks noGrp="1"/>
           </p:cNvSpPr>
@@ -7460,7 +7460,7 @@
       </p:sp>
       <p:sp>
         <p:nvSpPr>
-          <p:cNvPr id="136" name="PlaceHolder 2"/>
+          <p:cNvPr id="138" name="PlaceHolder 2"/>
           <p:cNvSpPr>
             <a:spLocks noGrp="1"/>
           </p:cNvSpPr>
@@ -7503,7 +7503,7 @@
       </p:sp>
       <p:sp>
         <p:nvSpPr>
-          <p:cNvPr id="137" name="PlaceHolder 3"/>
+          <p:cNvPr id="139" name="PlaceHolder 3"/>
           <p:cNvSpPr>
             <a:spLocks noGrp="1"/>
           </p:cNvSpPr>
@@ -7546,7 +7546,7 @@
       </p:sp>
       <p:sp>
         <p:nvSpPr>
-          <p:cNvPr id="138" name="PlaceHolder 4"/>
+          <p:cNvPr id="140" name="PlaceHolder 4"/>
           <p:cNvSpPr>
             <a:spLocks noGrp="1"/>
           </p:cNvSpPr>
@@ -7621,7 +7621,7 @@
         <p:txBody>
           <a:bodyPr/>
           <a:p>
-            <a:fld id="{0E8662E8-1D87-405A-94E8-573902072587}" type="slidenum">
+            <a:fld id="{D11104B4-7F50-4687-8E5B-41C1F48C8A09}" type="slidenum">
               <a:t>&lt;#&gt;</a:t>
             </a:fld>
           </a:p>
@@ -7672,7 +7672,7 @@
       </p:grpSpPr>
       <p:sp>
         <p:nvSpPr>
-          <p:cNvPr id="139" name="PlaceHolder 1"/>
+          <p:cNvPr id="141" name="PlaceHolder 1"/>
           <p:cNvSpPr>
             <a:spLocks noGrp="1"/>
           </p:cNvSpPr>
@@ -7712,7 +7712,7 @@
       </p:sp>
       <p:sp>
         <p:nvSpPr>
-          <p:cNvPr id="140" name="PlaceHolder 2"/>
+          <p:cNvPr id="142" name="PlaceHolder 2"/>
           <p:cNvSpPr>
             <a:spLocks noGrp="1"/>
           </p:cNvSpPr>
@@ -7755,7 +7755,7 @@
       </p:sp>
       <p:sp>
         <p:nvSpPr>
-          <p:cNvPr id="141" name="PlaceHolder 3"/>
+          <p:cNvPr id="143" name="PlaceHolder 3"/>
           <p:cNvSpPr>
             <a:spLocks noGrp="1"/>
           </p:cNvSpPr>
@@ -7798,7 +7798,7 @@
       </p:sp>
       <p:sp>
         <p:nvSpPr>
-          <p:cNvPr id="142" name="PlaceHolder 4"/>
+          <p:cNvPr id="144" name="PlaceHolder 4"/>
           <p:cNvSpPr>
             <a:spLocks noGrp="1"/>
           </p:cNvSpPr>
@@ -7873,7 +7873,7 @@
         <p:txBody>
           <a:bodyPr/>
           <a:p>
-            <a:fld id="{CFD9DEA9-E5EF-4D63-8C99-71475612DB35}" type="slidenum">
+            <a:fld id="{F6E4EB41-7198-4B41-92AF-F17CFBCAAA69}" type="slidenum">
               <a:t>&lt;#&gt;</a:t>
             </a:fld>
           </a:p>
@@ -7924,7 +7924,7 @@
       </p:grpSpPr>
       <p:sp>
         <p:nvSpPr>
-          <p:cNvPr id="143" name="PlaceHolder 1"/>
+          <p:cNvPr id="145" name="PlaceHolder 1"/>
           <p:cNvSpPr>
             <a:spLocks noGrp="1"/>
           </p:cNvSpPr>
@@ -7964,7 +7964,7 @@
       </p:sp>
       <p:sp>
         <p:nvSpPr>
-          <p:cNvPr id="144" name="PlaceHolder 2"/>
+          <p:cNvPr id="146" name="PlaceHolder 2"/>
           <p:cNvSpPr>
             <a:spLocks noGrp="1"/>
           </p:cNvSpPr>
@@ -8007,7 +8007,7 @@
       </p:sp>
       <p:sp>
         <p:nvSpPr>
-          <p:cNvPr id="145" name="PlaceHolder 3"/>
+          <p:cNvPr id="147" name="PlaceHolder 3"/>
           <p:cNvSpPr>
             <a:spLocks noGrp="1"/>
           </p:cNvSpPr>
@@ -8050,7 +8050,7 @@
       </p:sp>
       <p:sp>
         <p:nvSpPr>
-          <p:cNvPr id="146" name="PlaceHolder 4"/>
+          <p:cNvPr id="148" name="PlaceHolder 4"/>
           <p:cNvSpPr>
             <a:spLocks noGrp="1"/>
           </p:cNvSpPr>
@@ -8125,7 +8125,7 @@
         <p:txBody>
           <a:bodyPr/>
           <a:p>
-            <a:fld id="{B19B3EE2-39A4-4984-8D6C-CF9E67AF0C9A}" type="slidenum">
+            <a:fld id="{6EBE2139-D094-4092-B269-22E200597EC7}" type="slidenum">
               <a:t>&lt;#&gt;</a:t>
             </a:fld>
           </a:p>
@@ -8176,7 +8176,7 @@
       </p:grpSpPr>
       <p:sp>
         <p:nvSpPr>
-          <p:cNvPr id="147" name="PlaceHolder 1"/>
+          <p:cNvPr id="149" name="PlaceHolder 1"/>
           <p:cNvSpPr>
             <a:spLocks noGrp="1"/>
           </p:cNvSpPr>
@@ -8216,7 +8216,7 @@
       </p:sp>
       <p:sp>
         <p:nvSpPr>
-          <p:cNvPr id="148" name="PlaceHolder 2"/>
+          <p:cNvPr id="150" name="PlaceHolder 2"/>
           <p:cNvSpPr>
             <a:spLocks noGrp="1"/>
           </p:cNvSpPr>
@@ -8259,7 +8259,7 @@
       </p:sp>
       <p:sp>
         <p:nvSpPr>
-          <p:cNvPr id="149" name="PlaceHolder 3"/>
+          <p:cNvPr id="151" name="PlaceHolder 3"/>
           <p:cNvSpPr>
             <a:spLocks noGrp="1"/>
           </p:cNvSpPr>
@@ -8334,7 +8334,7 @@
         <p:txBody>
           <a:bodyPr/>
           <a:p>
-            <a:fld id="{C694DB51-442E-454B-BAA9-9D83DF058E06}" type="slidenum">
+            <a:fld id="{12BB5FC0-9BEB-4657-8EA2-97909A2E37BA}" type="slidenum">
               <a:t>&lt;#&gt;</a:t>
             </a:fld>
           </a:p>
@@ -8385,7 +8385,7 @@
       </p:grpSpPr>
       <p:sp>
         <p:nvSpPr>
-          <p:cNvPr id="150" name="PlaceHolder 1"/>
+          <p:cNvPr id="152" name="PlaceHolder 1"/>
           <p:cNvSpPr>
             <a:spLocks noGrp="1"/>
           </p:cNvSpPr>
@@ -8425,7 +8425,7 @@
       </p:sp>
       <p:sp>
         <p:nvSpPr>
-          <p:cNvPr id="151" name="PlaceHolder 2"/>
+          <p:cNvPr id="153" name="PlaceHolder 2"/>
           <p:cNvSpPr>
             <a:spLocks noGrp="1"/>
           </p:cNvSpPr>
@@ -8468,7 +8468,7 @@
       </p:sp>
       <p:sp>
         <p:nvSpPr>
-          <p:cNvPr id="152" name="PlaceHolder 3"/>
+          <p:cNvPr id="154" name="PlaceHolder 3"/>
           <p:cNvSpPr>
             <a:spLocks noGrp="1"/>
           </p:cNvSpPr>
@@ -8511,7 +8511,7 @@
       </p:sp>
       <p:sp>
         <p:nvSpPr>
-          <p:cNvPr id="153" name="PlaceHolder 4"/>
+          <p:cNvPr id="155" name="PlaceHolder 4"/>
           <p:cNvSpPr>
             <a:spLocks noGrp="1"/>
           </p:cNvSpPr>
@@ -8554,7 +8554,7 @@
       </p:sp>
       <p:sp>
         <p:nvSpPr>
-          <p:cNvPr id="154" name="PlaceHolder 5"/>
+          <p:cNvPr id="156" name="PlaceHolder 5"/>
           <p:cNvSpPr>
             <a:spLocks noGrp="1"/>
           </p:cNvSpPr>
@@ -8629,7 +8629,7 @@
         <p:txBody>
           <a:bodyPr/>
           <a:p>
-            <a:fld id="{BD7D78D5-A1CF-4F4D-9789-8F3E55BAF256}" type="slidenum">
+            <a:fld id="{4A79FE56-55E8-4B5C-989D-46E9FD5AB853}" type="slidenum">
               <a:t>&lt;#&gt;</a:t>
             </a:fld>
           </a:p>
@@ -8680,7 +8680,7 @@
       </p:grpSpPr>
       <p:sp>
         <p:nvSpPr>
-          <p:cNvPr id="155" name="PlaceHolder 1"/>
+          <p:cNvPr id="157" name="PlaceHolder 1"/>
           <p:cNvSpPr>
             <a:spLocks noGrp="1"/>
           </p:cNvSpPr>
@@ -8720,7 +8720,7 @@
       </p:sp>
       <p:sp>
         <p:nvSpPr>
-          <p:cNvPr id="156" name="PlaceHolder 2"/>
+          <p:cNvPr id="158" name="PlaceHolder 2"/>
           <p:cNvSpPr>
             <a:spLocks noGrp="1"/>
           </p:cNvSpPr>
@@ -8763,7 +8763,7 @@
       </p:sp>
       <p:sp>
         <p:nvSpPr>
-          <p:cNvPr id="157" name="PlaceHolder 3"/>
+          <p:cNvPr id="159" name="PlaceHolder 3"/>
           <p:cNvSpPr>
             <a:spLocks noGrp="1"/>
           </p:cNvSpPr>
@@ -8806,7 +8806,7 @@
       </p:sp>
       <p:sp>
         <p:nvSpPr>
-          <p:cNvPr id="158" name="PlaceHolder 4"/>
+          <p:cNvPr id="160" name="PlaceHolder 4"/>
           <p:cNvSpPr>
             <a:spLocks noGrp="1"/>
           </p:cNvSpPr>
@@ -8849,7 +8849,7 @@
       </p:sp>
       <p:sp>
         <p:nvSpPr>
-          <p:cNvPr id="159" name="PlaceHolder 5"/>
+          <p:cNvPr id="161" name="PlaceHolder 5"/>
           <p:cNvSpPr>
             <a:spLocks noGrp="1"/>
           </p:cNvSpPr>
@@ -8892,7 +8892,7 @@
       </p:sp>
       <p:sp>
         <p:nvSpPr>
-          <p:cNvPr id="160" name="PlaceHolder 6"/>
+          <p:cNvPr id="162" name="PlaceHolder 6"/>
           <p:cNvSpPr>
             <a:spLocks noGrp="1"/>
           </p:cNvSpPr>
@@ -8935,7 +8935,7 @@
       </p:sp>
       <p:sp>
         <p:nvSpPr>
-          <p:cNvPr id="161" name="PlaceHolder 7"/>
+          <p:cNvPr id="163" name="PlaceHolder 7"/>
           <p:cNvSpPr>
             <a:spLocks noGrp="1"/>
           </p:cNvSpPr>
@@ -9010,7 +9010,7 @@
         <p:txBody>
           <a:bodyPr/>
           <a:p>
-            <a:fld id="{A656E712-DBF9-4D13-BCD6-62F4755B3A67}" type="slidenum">
+            <a:fld id="{0B1147DD-B349-4759-AEFF-66144A0BA9F6}" type="slidenum">
               <a:t>&lt;#&gt;</a:t>
             </a:fld>
           </a:p>
@@ -9133,7 +9133,7 @@
         <p:txBody>
           <a:bodyPr/>
           <a:p>
-            <a:fld id="{2E678303-5668-4F8B-938A-AD72E35B2405}" type="slidenum">
+            <a:fld id="{8DA47A07-CF44-4234-A241-C6E8A9E86EBF}" type="slidenum">
               <a:t>&lt;#&gt;</a:t>
             </a:fld>
           </a:p>
@@ -9254,7 +9254,7 @@
         <p:txBody>
           <a:bodyPr/>
           <a:p>
-            <a:fld id="{E9DEA695-153F-49A4-B42D-891E6DA3F971}" type="slidenum">
+            <a:fld id="{50E237FB-9519-4072-8372-6A3824650725}" type="slidenum">
               <a:t>&lt;#&gt;</a:t>
             </a:fld>
           </a:p>
@@ -9506,7 +9506,7 @@
         <p:txBody>
           <a:bodyPr/>
           <a:p>
-            <a:fld id="{2F01CA52-BF7F-4394-8ADA-7A0FC726CF60}" type="slidenum">
+            <a:fld id="{A1DA99CA-0CD1-49F3-B706-8345AA6CC679}" type="slidenum">
               <a:t>&lt;#&gt;</a:t>
             </a:fld>
           </a:p>
@@ -9758,7 +9758,7 @@
         <p:txBody>
           <a:bodyPr/>
           <a:p>
-            <a:fld id="{A7C72CAD-1C69-46A8-BD4E-6E71E8F7FDE8}" type="slidenum">
+            <a:fld id="{BD24AF62-22CB-4606-A5EE-97CE73AF427E}" type="slidenum">
               <a:t>&lt;#&gt;</a:t>
             </a:fld>
           </a:p>
@@ -10010,7 +10010,7 @@
         <p:txBody>
           <a:bodyPr/>
           <a:p>
-            <a:fld id="{01B4A596-F9F3-4846-AF7C-FFE7D7A3FCD3}" type="slidenum">
+            <a:fld id="{40EF8DCD-904E-4B88-BBE4-9A9721EA2D70}" type="slidenum">
               <a:t>&lt;#&gt;</a:t>
             </a:fld>
           </a:p>
@@ -10079,7 +10079,7 @@
         <p:spPr>
           <a:xfrm>
             <a:off x="3124080" y="6356520"/>
-            <a:ext cx="2893680" cy="363240"/>
+            <a:ext cx="2893320" cy="362880"/>
           </a:xfrm>
           <a:prstGeom prst="rect">
             <a:avLst/>
@@ -10127,7 +10127,7 @@
                 </a:solidFill>
                 <a:latin typeface="Times New Roman"/>
               </a:rPr>
-              <a:t>&lt;footer&gt;</a:t>
+              <a:t> </a:t>
             </a:r>
             <a:endParaRPr b="0" lang="en-US" sz="1400" spc="-1" strike="noStrike">
               <a:solidFill>
@@ -10151,7 +10151,7 @@
         <p:spPr>
           <a:xfrm>
             <a:off x="6553080" y="6356520"/>
-            <a:ext cx="2131920" cy="363240"/>
+            <a:ext cx="2131560" cy="362880"/>
           </a:xfrm>
           <a:prstGeom prst="rect">
             <a:avLst/>
@@ -10192,14 +10192,14 @@
                 <a:tab algn="l" pos="0"/>
               </a:tabLst>
             </a:pPr>
-            <a:fld id="{B1B9D502-5A45-4C91-8C45-C45DEDC0E4B6}" type="slidenum">
+            <a:fld id="{7D3BCCEC-0A9A-41DE-9EB4-964537EE2595}" type="slidenum">
               <a:rPr b="0" lang="en-US" sz="1200" spc="-1" strike="noStrike">
                 <a:solidFill>
                   <a:srgbClr val="8b8b8b"/>
                 </a:solidFill>
                 <a:latin typeface="Calibri"/>
               </a:rPr>
-              <a:t>&lt;number&gt;</a:t>
+              <a:t>4</a:t>
             </a:fld>
             <a:endParaRPr b="0" lang="en-US" sz="1200" spc="-1" strike="noStrike">
               <a:solidFill>
@@ -10223,7 +10223,7 @@
         <p:spPr>
           <a:xfrm>
             <a:off x="457200" y="6356520"/>
-            <a:ext cx="2131920" cy="363240"/>
+            <a:ext cx="2131560" cy="362880"/>
           </a:xfrm>
           <a:prstGeom prst="rect">
             <a:avLst/>
@@ -10259,7 +10259,7 @@
                 </a:solidFill>
                 <a:latin typeface="Times New Roman"/>
               </a:rPr>
-              <a:t>&lt;date/time&gt;</a:t>
+              <a:t> </a:t>
             </a:r>
             <a:endParaRPr b="0" lang="en-US" sz="1400" spc="-1" strike="noStrike">
               <a:solidFill>
@@ -10601,7 +10601,7 @@
         <p:spPr>
           <a:xfrm>
             <a:off x="3124080" y="6356520"/>
-            <a:ext cx="2893680" cy="363240"/>
+            <a:ext cx="2893320" cy="362880"/>
           </a:xfrm>
           <a:prstGeom prst="rect">
             <a:avLst/>
@@ -10673,7 +10673,7 @@
         <p:spPr>
           <a:xfrm>
             <a:off x="6553080" y="6356520"/>
-            <a:ext cx="2131920" cy="363240"/>
+            <a:ext cx="2131560" cy="362880"/>
           </a:xfrm>
           <a:prstGeom prst="rect">
             <a:avLst/>
@@ -10714,7 +10714,7 @@
                 <a:tab algn="l" pos="0"/>
               </a:tabLst>
             </a:pPr>
-            <a:fld id="{1B4188F0-128C-4DED-BBD1-FAF71D2546FC}" type="slidenum">
+            <a:fld id="{844AAFFF-A937-4048-AF1C-31AC497717BE}" type="slidenum">
               <a:rPr b="0" lang="en-US" sz="1200" spc="-1" strike="noStrike">
                 <a:solidFill>
                   <a:srgbClr val="8b8b8b"/>
@@ -10745,7 +10745,7 @@
         <p:spPr>
           <a:xfrm>
             <a:off x="457200" y="6356520"/>
-            <a:ext cx="2131920" cy="363240"/>
+            <a:ext cx="2131560" cy="362880"/>
           </a:xfrm>
           <a:prstGeom prst="rect">
             <a:avLst/>
@@ -11123,7 +11123,7 @@
         <p:spPr>
           <a:xfrm>
             <a:off x="3124080" y="6356520"/>
-            <a:ext cx="2894040" cy="363600"/>
+            <a:ext cx="2893680" cy="363240"/>
           </a:xfrm>
           <a:prstGeom prst="rect">
             <a:avLst/>
@@ -11195,7 +11195,7 @@
         <p:spPr>
           <a:xfrm>
             <a:off x="6553080" y="6356520"/>
-            <a:ext cx="2132280" cy="363600"/>
+            <a:ext cx="2131920" cy="363240"/>
           </a:xfrm>
           <a:prstGeom prst="rect">
             <a:avLst/>
@@ -11236,7 +11236,7 @@
                 <a:tab algn="l" pos="0"/>
               </a:tabLst>
             </a:pPr>
-            <a:fld id="{188E19F1-E23A-419C-9B8A-ED2FA99DFC20}" type="slidenum">
+            <a:fld id="{3D2B9E9E-EC43-41FA-A5E0-B810B7184D5F}" type="slidenum">
               <a:rPr b="0" lang="en-US" sz="1200" spc="-1" strike="noStrike">
                 <a:solidFill>
                   <a:srgbClr val="8b8b8b"/>
@@ -11267,7 +11267,7 @@
         <p:spPr>
           <a:xfrm>
             <a:off x="457200" y="6356520"/>
-            <a:ext cx="2132280" cy="363600"/>
+            <a:ext cx="2131920" cy="363240"/>
           </a:xfrm>
           <a:prstGeom prst="rect">
             <a:avLst/>
@@ -11310,6 +11310,280 @@
                 <a:srgbClr val="000000"/>
               </a:solidFill>
               <a:latin typeface="Times New Roman"/>
+            </a:endParaRPr>
+          </a:p>
+        </p:txBody>
+      </p:sp>
+      <p:sp>
+        <p:nvSpPr>
+          <p:cNvPr id="85" name="PlaceHolder 4"/>
+          <p:cNvSpPr>
+            <a:spLocks noGrp="1"/>
+          </p:cNvSpPr>
+          <p:nvPr>
+            <p:ph type="title"/>
+          </p:nvPr>
+        </p:nvSpPr>
+        <p:spPr>
+          <a:xfrm>
+            <a:off x="457200" y="273600"/>
+            <a:ext cx="8229240" cy="1144800"/>
+          </a:xfrm>
+          <a:prstGeom prst="rect">
+            <a:avLst/>
+          </a:prstGeom>
+          <a:noFill/>
+          <a:ln w="0">
+            <a:noFill/>
+          </a:ln>
+        </p:spPr>
+        <p:txBody>
+          <a:bodyPr lIns="0" rIns="0" tIns="0" bIns="0" anchor="ctr">
+            <a:noAutofit/>
+          </a:bodyPr>
+          <a:p>
+            <a:pPr indent="0" algn="ctr">
+              <a:buNone/>
+            </a:pPr>
+            <a:r>
+              <a:rPr b="0" lang="en-US" sz="4400" spc="-1" strike="noStrike">
+                <a:solidFill>
+                  <a:srgbClr val="000000"/>
+                </a:solidFill>
+                <a:latin typeface="Arial"/>
+              </a:rPr>
+              <a:t>Click to edit the title text format</a:t>
+            </a:r>
+            <a:endParaRPr b="0" lang="en-US" sz="4400" spc="-1" strike="noStrike">
+              <a:solidFill>
+                <a:srgbClr val="000000"/>
+              </a:solidFill>
+              <a:latin typeface="Arial"/>
+            </a:endParaRPr>
+          </a:p>
+        </p:txBody>
+      </p:sp>
+      <p:sp>
+        <p:nvSpPr>
+          <p:cNvPr id="86" name="PlaceHolder 5"/>
+          <p:cNvSpPr>
+            <a:spLocks noGrp="1"/>
+          </p:cNvSpPr>
+          <p:nvPr>
+            <p:ph type="body"/>
+          </p:nvPr>
+        </p:nvSpPr>
+        <p:spPr>
+          <a:xfrm>
+            <a:off x="457200" y="1604520"/>
+            <a:ext cx="8229240" cy="3977280"/>
+          </a:xfrm>
+          <a:prstGeom prst="rect">
+            <a:avLst/>
+          </a:prstGeom>
+          <a:noFill/>
+          <a:ln w="0">
+            <a:noFill/>
+          </a:ln>
+        </p:spPr>
+        <p:txBody>
+          <a:bodyPr lIns="0" rIns="0" tIns="0" bIns="0" anchor="t">
+            <a:normAutofit/>
+          </a:bodyPr>
+          <a:p>
+            <a:pPr marL="432000" indent="-324000">
+              <a:spcBef>
+                <a:spcPts val="1417"/>
+              </a:spcBef>
+              <a:buClr>
+                <a:srgbClr val="000000"/>
+              </a:buClr>
+              <a:buSzPct val="45000"/>
+              <a:buFont typeface="Wingdings" charset="2"/>
+              <a:buChar char=""/>
+            </a:pPr>
+            <a:r>
+              <a:rPr b="0" lang="en-US" sz="3200" spc="-1" strike="noStrike">
+                <a:solidFill>
+                  <a:srgbClr val="000000"/>
+                </a:solidFill>
+                <a:latin typeface="Arial"/>
+              </a:rPr>
+              <a:t>Click to edit the outline text format</a:t>
+            </a:r>
+            <a:endParaRPr b="0" lang="en-US" sz="3200" spc="-1" strike="noStrike">
+              <a:solidFill>
+                <a:srgbClr val="000000"/>
+              </a:solidFill>
+              <a:latin typeface="Arial"/>
+            </a:endParaRPr>
+          </a:p>
+          <a:p>
+            <a:pPr lvl="1" marL="864000" indent="-324000">
+              <a:spcBef>
+                <a:spcPts val="1134"/>
+              </a:spcBef>
+              <a:buClr>
+                <a:srgbClr val="000000"/>
+              </a:buClr>
+              <a:buSzPct val="75000"/>
+              <a:buFont typeface="Symbol" charset="2"/>
+              <a:buChar char=""/>
+            </a:pPr>
+            <a:r>
+              <a:rPr b="0" lang="en-US" sz="2800" spc="-1" strike="noStrike">
+                <a:solidFill>
+                  <a:srgbClr val="000000"/>
+                </a:solidFill>
+                <a:latin typeface="Arial"/>
+              </a:rPr>
+              <a:t>Second Outline Level</a:t>
+            </a:r>
+            <a:endParaRPr b="0" lang="en-US" sz="2800" spc="-1" strike="noStrike">
+              <a:solidFill>
+                <a:srgbClr val="000000"/>
+              </a:solidFill>
+              <a:latin typeface="Arial"/>
+            </a:endParaRPr>
+          </a:p>
+          <a:p>
+            <a:pPr lvl="2" marL="1296000" indent="-288000">
+              <a:spcBef>
+                <a:spcPts val="850"/>
+              </a:spcBef>
+              <a:buClr>
+                <a:srgbClr val="000000"/>
+              </a:buClr>
+              <a:buSzPct val="45000"/>
+              <a:buFont typeface="Wingdings" charset="2"/>
+              <a:buChar char=""/>
+            </a:pPr>
+            <a:r>
+              <a:rPr b="0" lang="en-US" sz="2400" spc="-1" strike="noStrike">
+                <a:solidFill>
+                  <a:srgbClr val="000000"/>
+                </a:solidFill>
+                <a:latin typeface="Arial"/>
+              </a:rPr>
+              <a:t>Third Outline Level</a:t>
+            </a:r>
+            <a:endParaRPr b="0" lang="en-US" sz="2400" spc="-1" strike="noStrike">
+              <a:solidFill>
+                <a:srgbClr val="000000"/>
+              </a:solidFill>
+              <a:latin typeface="Arial"/>
+            </a:endParaRPr>
+          </a:p>
+          <a:p>
+            <a:pPr lvl="3" marL="1728000" indent="-216000">
+              <a:spcBef>
+                <a:spcPts val="567"/>
+              </a:spcBef>
+              <a:buClr>
+                <a:srgbClr val="000000"/>
+              </a:buClr>
+              <a:buSzPct val="75000"/>
+              <a:buFont typeface="Symbol" charset="2"/>
+              <a:buChar char=""/>
+            </a:pPr>
+            <a:r>
+              <a:rPr b="0" lang="en-US" sz="2000" spc="-1" strike="noStrike">
+                <a:solidFill>
+                  <a:srgbClr val="000000"/>
+                </a:solidFill>
+                <a:latin typeface="Arial"/>
+              </a:rPr>
+              <a:t>Fourth Outline Level</a:t>
+            </a:r>
+            <a:endParaRPr b="0" lang="en-US" sz="2000" spc="-1" strike="noStrike">
+              <a:solidFill>
+                <a:srgbClr val="000000"/>
+              </a:solidFill>
+              <a:latin typeface="Arial"/>
+            </a:endParaRPr>
+          </a:p>
+          <a:p>
+            <a:pPr lvl="4" marL="2160000" indent="-216000">
+              <a:spcBef>
+                <a:spcPts val="283"/>
+              </a:spcBef>
+              <a:buClr>
+                <a:srgbClr val="000000"/>
+              </a:buClr>
+              <a:buSzPct val="45000"/>
+              <a:buFont typeface="Wingdings" charset="2"/>
+              <a:buChar char=""/>
+            </a:pPr>
+            <a:r>
+              <a:rPr b="0" lang="en-US" sz="2000" spc="-1" strike="noStrike">
+                <a:solidFill>
+                  <a:srgbClr val="000000"/>
+                </a:solidFill>
+                <a:latin typeface="Arial"/>
+              </a:rPr>
+              <a:t>Fifth Outline Level</a:t>
+            </a:r>
+            <a:endParaRPr b="0" lang="en-US" sz="2000" spc="-1" strike="noStrike">
+              <a:solidFill>
+                <a:srgbClr val="000000"/>
+              </a:solidFill>
+              <a:latin typeface="Arial"/>
+            </a:endParaRPr>
+          </a:p>
+          <a:p>
+            <a:pPr lvl="5" marL="2592000" indent="-216000">
+              <a:spcBef>
+                <a:spcPts val="283"/>
+              </a:spcBef>
+              <a:buClr>
+                <a:srgbClr val="000000"/>
+              </a:buClr>
+              <a:buSzPct val="45000"/>
+              <a:buFont typeface="Wingdings" charset="2"/>
+              <a:buChar char=""/>
+            </a:pPr>
+            <a:r>
+              <a:rPr b="0" lang="en-US" sz="2000" spc="-1" strike="noStrike">
+                <a:solidFill>
+                  <a:srgbClr val="000000"/>
+                </a:solidFill>
+                <a:latin typeface="Arial"/>
+              </a:rPr>
+              <a:t>Sixth Outline Level</a:t>
+            </a:r>
+            <a:endParaRPr b="0" lang="en-US" sz="2000" spc="-1" strike="noStrike">
+              <a:solidFill>
+                <a:srgbClr val="000000"/>
+              </a:solidFill>
+              <a:latin typeface="Arial"/>
+            </a:endParaRPr>
+          </a:p>
+          <a:p>
+            <a:pPr lvl="6" marL="3024000" indent="-216000">
+              <a:spcBef>
+                <a:spcPts val="283"/>
+              </a:spcBef>
+              <a:buClr>
+                <a:srgbClr val="000000"/>
+              </a:buClr>
+              <a:buSzPct val="45000"/>
+              <a:buFont typeface="Wingdings" charset="2"/>
+              <a:buChar char=""/>
+            </a:pPr>
+            <a:r>
+              <a:rPr b="0" lang="en-US" sz="2000" spc="-1" strike="noStrike">
+                <a:solidFill>
+                  <a:srgbClr val="000000"/>
+                </a:solidFill>
+                <a:latin typeface="Arial"/>
+              </a:rPr>
+              <a:t>Seventh Outline Level</a:t>
+            </a:r>
+            <a:endParaRPr b="0" lang="en-US" sz="2000" spc="-1" strike="noStrike">
+              <a:solidFill>
+                <a:srgbClr val="000000"/>
+              </a:solidFill>
+              <a:latin typeface="Arial"/>
             </a:endParaRPr>
           </a:p>
         </p:txBody>
@@ -11360,7 +11634,7 @@
       </p:grpSpPr>
       <p:sp>
         <p:nvSpPr>
-          <p:cNvPr id="121" name="PlaceHolder 1"/>
+          <p:cNvPr id="123" name="PlaceHolder 1"/>
           <p:cNvSpPr>
             <a:spLocks noGrp="1"/>
           </p:cNvSpPr>
@@ -11371,7 +11645,7 @@
         <p:spPr>
           <a:xfrm>
             <a:off x="3124080" y="6356520"/>
-            <a:ext cx="2894400" cy="363960"/>
+            <a:ext cx="2894040" cy="363600"/>
           </a:xfrm>
           <a:prstGeom prst="rect">
             <a:avLst/>
@@ -11432,7 +11706,7 @@
       </p:sp>
       <p:sp>
         <p:nvSpPr>
-          <p:cNvPr id="122" name="PlaceHolder 2"/>
+          <p:cNvPr id="124" name="PlaceHolder 2"/>
           <p:cNvSpPr>
             <a:spLocks noGrp="1"/>
           </p:cNvSpPr>
@@ -11443,7 +11717,7 @@
         <p:spPr>
           <a:xfrm>
             <a:off x="6553080" y="6356520"/>
-            <a:ext cx="2132640" cy="363960"/>
+            <a:ext cx="2132280" cy="363600"/>
           </a:xfrm>
           <a:prstGeom prst="rect">
             <a:avLst/>
@@ -11484,7 +11758,7 @@
                 <a:tab algn="l" pos="0"/>
               </a:tabLst>
             </a:pPr>
-            <a:fld id="{82EFB6DA-4754-455D-A9E8-3C2E1BAE9217}" type="slidenum">
+            <a:fld id="{15E0874C-BE12-4C14-9D83-B6A243EFF53C}" type="slidenum">
               <a:rPr b="0" lang="en-US" sz="1200" spc="-1" strike="noStrike">
                 <a:solidFill>
                   <a:srgbClr val="8b8b8b"/>
@@ -11504,7 +11778,7 @@
       </p:sp>
       <p:sp>
         <p:nvSpPr>
-          <p:cNvPr id="123" name="PlaceHolder 3"/>
+          <p:cNvPr id="125" name="PlaceHolder 3"/>
           <p:cNvSpPr>
             <a:spLocks noGrp="1"/>
           </p:cNvSpPr>
@@ -11515,7 +11789,7 @@
         <p:spPr>
           <a:xfrm>
             <a:off x="457200" y="6356520"/>
-            <a:ext cx="2132640" cy="363960"/>
+            <a:ext cx="2132280" cy="363600"/>
           </a:xfrm>
           <a:prstGeom prst="rect">
             <a:avLst/>
@@ -11564,7 +11838,7 @@
       </p:sp>
       <p:sp>
         <p:nvSpPr>
-          <p:cNvPr id="124" name="PlaceHolder 4"/>
+          <p:cNvPr id="126" name="PlaceHolder 4"/>
           <p:cNvSpPr>
             <a:spLocks noGrp="1"/>
           </p:cNvSpPr>
@@ -11613,7 +11887,7 @@
       </p:sp>
       <p:sp>
         <p:nvSpPr>
-          <p:cNvPr id="125" name="PlaceHolder 5"/>
+          <p:cNvPr id="127" name="PlaceHolder 5"/>
           <p:cNvSpPr>
             <a:spLocks noGrp="1"/>
           </p:cNvSpPr>
@@ -11875,14 +12149,14 @@
       </p:grpSpPr>
       <p:sp>
         <p:nvSpPr>
-          <p:cNvPr id="162" name="Rectangle 1"/>
+          <p:cNvPr id="164" name="Rectangle 1"/>
           <p:cNvSpPr/>
           <p:nvPr/>
         </p:nvSpPr>
         <p:spPr>
           <a:xfrm>
             <a:off x="0" y="0"/>
-            <a:ext cx="12187080" cy="6856200"/>
+            <a:ext cx="12186720" cy="6855840"/>
           </a:xfrm>
           <a:prstGeom prst="rect">
             <a:avLst/>
@@ -11935,14 +12209,14 @@
       </p:sp>
       <p:sp>
         <p:nvSpPr>
-          <p:cNvPr id="163" name="Rectangle 2"/>
+          <p:cNvPr id="165" name="Rectangle 2"/>
           <p:cNvSpPr/>
           <p:nvPr/>
         </p:nvSpPr>
         <p:spPr>
           <a:xfrm>
             <a:off x="0" y="0"/>
-            <a:ext cx="16560" cy="6856200"/>
+            <a:ext cx="16200" cy="6855840"/>
           </a:xfrm>
           <a:prstGeom prst="rect">
             <a:avLst/>
@@ -11995,14 +12269,14 @@
       </p:sp>
       <p:sp>
         <p:nvSpPr>
-          <p:cNvPr id="164" name="Rectangle 3"/>
+          <p:cNvPr id="166" name="Rectangle 3"/>
           <p:cNvSpPr/>
           <p:nvPr/>
         </p:nvSpPr>
         <p:spPr>
           <a:xfrm>
             <a:off x="914400" y="0"/>
-            <a:ext cx="16560" cy="6856200"/>
+            <a:ext cx="16200" cy="6855840"/>
           </a:xfrm>
           <a:prstGeom prst="rect">
             <a:avLst/>
@@ -12055,14 +12329,14 @@
       </p:sp>
       <p:sp>
         <p:nvSpPr>
-          <p:cNvPr id="165" name="Rectangle 4"/>
+          <p:cNvPr id="167" name="Rectangle 4"/>
           <p:cNvSpPr/>
           <p:nvPr/>
         </p:nvSpPr>
         <p:spPr>
           <a:xfrm>
             <a:off x="1828800" y="0"/>
-            <a:ext cx="16560" cy="6856200"/>
+            <a:ext cx="16200" cy="6855840"/>
           </a:xfrm>
           <a:prstGeom prst="rect">
             <a:avLst/>
@@ -12115,14 +12389,14 @@
       </p:sp>
       <p:sp>
         <p:nvSpPr>
-          <p:cNvPr id="166" name="Rectangle 5"/>
+          <p:cNvPr id="168" name="Rectangle 5"/>
           <p:cNvSpPr/>
           <p:nvPr/>
         </p:nvSpPr>
         <p:spPr>
           <a:xfrm>
             <a:off x="2743200" y="0"/>
-            <a:ext cx="16560" cy="6856200"/>
+            <a:ext cx="16200" cy="6855840"/>
           </a:xfrm>
           <a:prstGeom prst="rect">
             <a:avLst/>
@@ -12175,14 +12449,14 @@
       </p:sp>
       <p:sp>
         <p:nvSpPr>
-          <p:cNvPr id="167" name="Rectangle 6"/>
+          <p:cNvPr id="169" name="Rectangle 6"/>
           <p:cNvSpPr/>
           <p:nvPr/>
         </p:nvSpPr>
         <p:spPr>
           <a:xfrm>
             <a:off x="3657600" y="0"/>
-            <a:ext cx="16560" cy="6856200"/>
+            <a:ext cx="16200" cy="6855840"/>
           </a:xfrm>
           <a:prstGeom prst="rect">
             <a:avLst/>
@@ -12235,14 +12509,14 @@
       </p:sp>
       <p:sp>
         <p:nvSpPr>
-          <p:cNvPr id="168" name="Rectangle 7"/>
+          <p:cNvPr id="170" name="Rectangle 7"/>
           <p:cNvSpPr/>
           <p:nvPr/>
         </p:nvSpPr>
         <p:spPr>
           <a:xfrm>
             <a:off x="4572000" y="0"/>
-            <a:ext cx="16560" cy="6856200"/>
+            <a:ext cx="16200" cy="6855840"/>
           </a:xfrm>
           <a:prstGeom prst="rect">
             <a:avLst/>
@@ -12295,14 +12569,14 @@
       </p:sp>
       <p:sp>
         <p:nvSpPr>
-          <p:cNvPr id="169" name="Rectangle 8"/>
+          <p:cNvPr id="171" name="Rectangle 8"/>
           <p:cNvSpPr/>
           <p:nvPr/>
         </p:nvSpPr>
         <p:spPr>
           <a:xfrm>
             <a:off x="5486400" y="0"/>
-            <a:ext cx="16560" cy="6856200"/>
+            <a:ext cx="16200" cy="6855840"/>
           </a:xfrm>
           <a:prstGeom prst="rect">
             <a:avLst/>
@@ -12355,14 +12629,14 @@
       </p:sp>
       <p:sp>
         <p:nvSpPr>
-          <p:cNvPr id="170" name="Rectangle 9"/>
+          <p:cNvPr id="172" name="Rectangle 9"/>
           <p:cNvSpPr/>
           <p:nvPr/>
         </p:nvSpPr>
         <p:spPr>
           <a:xfrm>
             <a:off x="6400800" y="0"/>
-            <a:ext cx="16560" cy="6856200"/>
+            <a:ext cx="16200" cy="6855840"/>
           </a:xfrm>
           <a:prstGeom prst="rect">
             <a:avLst/>
@@ -12415,14 +12689,14 @@
       </p:sp>
       <p:sp>
         <p:nvSpPr>
-          <p:cNvPr id="171" name="Rectangle 10"/>
+          <p:cNvPr id="173" name="Rectangle 10"/>
           <p:cNvSpPr/>
           <p:nvPr/>
         </p:nvSpPr>
         <p:spPr>
           <a:xfrm>
             <a:off x="7315200" y="0"/>
-            <a:ext cx="16560" cy="6856200"/>
+            <a:ext cx="16200" cy="6855840"/>
           </a:xfrm>
           <a:prstGeom prst="rect">
             <a:avLst/>
@@ -12475,14 +12749,14 @@
       </p:sp>
       <p:sp>
         <p:nvSpPr>
-          <p:cNvPr id="172" name="Rectangle 11"/>
+          <p:cNvPr id="174" name="Rectangle 11"/>
           <p:cNvSpPr/>
           <p:nvPr/>
         </p:nvSpPr>
         <p:spPr>
           <a:xfrm>
             <a:off x="8229600" y="0"/>
-            <a:ext cx="16560" cy="6856200"/>
+            <a:ext cx="16200" cy="6855840"/>
           </a:xfrm>
           <a:prstGeom prst="rect">
             <a:avLst/>
@@ -12535,14 +12809,14 @@
       </p:sp>
       <p:sp>
         <p:nvSpPr>
-          <p:cNvPr id="173" name="Rectangle 12"/>
+          <p:cNvPr id="175" name="Rectangle 12"/>
           <p:cNvSpPr/>
           <p:nvPr/>
         </p:nvSpPr>
         <p:spPr>
           <a:xfrm>
             <a:off x="9144000" y="0"/>
-            <a:ext cx="16560" cy="6856200"/>
+            <a:ext cx="16200" cy="6855840"/>
           </a:xfrm>
           <a:prstGeom prst="rect">
             <a:avLst/>
@@ -12595,14 +12869,14 @@
       </p:sp>
       <p:sp>
         <p:nvSpPr>
-          <p:cNvPr id="174" name="Rectangle 13"/>
+          <p:cNvPr id="176" name="Rectangle 13"/>
           <p:cNvSpPr/>
           <p:nvPr/>
         </p:nvSpPr>
         <p:spPr>
           <a:xfrm>
             <a:off x="10058400" y="0"/>
-            <a:ext cx="16560" cy="6856200"/>
+            <a:ext cx="16200" cy="6855840"/>
           </a:xfrm>
           <a:prstGeom prst="rect">
             <a:avLst/>
@@ -12655,14 +12929,14 @@
       </p:sp>
       <p:sp>
         <p:nvSpPr>
-          <p:cNvPr id="175" name="Rectangle 14"/>
+          <p:cNvPr id="177" name="Rectangle 14"/>
           <p:cNvSpPr/>
           <p:nvPr/>
         </p:nvSpPr>
         <p:spPr>
           <a:xfrm>
             <a:off x="10972800" y="0"/>
-            <a:ext cx="16560" cy="6856200"/>
+            <a:ext cx="16200" cy="6855840"/>
           </a:xfrm>
           <a:prstGeom prst="rect">
             <a:avLst/>
@@ -12715,14 +12989,14 @@
       </p:sp>
       <p:sp>
         <p:nvSpPr>
-          <p:cNvPr id="176" name="Rectangle 15"/>
+          <p:cNvPr id="178" name="Rectangle 15"/>
           <p:cNvSpPr/>
           <p:nvPr/>
         </p:nvSpPr>
         <p:spPr>
           <a:xfrm>
             <a:off x="11887200" y="0"/>
-            <a:ext cx="16560" cy="6856200"/>
+            <a:ext cx="16200" cy="6855840"/>
           </a:xfrm>
           <a:prstGeom prst="rect">
             <a:avLst/>
@@ -12775,14 +13049,14 @@
       </p:sp>
       <p:sp>
         <p:nvSpPr>
-          <p:cNvPr id="177" name="Rectangle 16"/>
+          <p:cNvPr id="179" name="Rectangle 16"/>
           <p:cNvSpPr/>
           <p:nvPr/>
         </p:nvSpPr>
         <p:spPr>
           <a:xfrm>
             <a:off x="0" y="0"/>
-            <a:ext cx="318240" cy="6856200"/>
+            <a:ext cx="317880" cy="6855840"/>
           </a:xfrm>
           <a:prstGeom prst="rect">
             <a:avLst/>
@@ -12835,14 +13109,14 @@
       </p:sp>
       <p:sp>
         <p:nvSpPr>
-          <p:cNvPr id="178" name="Rounded Rectangle 17"/>
+          <p:cNvPr id="180" name="Rounded Rectangle 17"/>
           <p:cNvSpPr/>
           <p:nvPr/>
         </p:nvSpPr>
         <p:spPr>
           <a:xfrm>
             <a:off x="9875520" y="365760"/>
-            <a:ext cx="2009880" cy="501120"/>
+            <a:ext cx="2009520" cy="500760"/>
           </a:xfrm>
           <a:prstGeom prst="roundRect">
             <a:avLst>
@@ -12909,7 +13183,7 @@
       </p:sp>
       <p:sp>
         <p:nvSpPr>
-          <p:cNvPr id="179" name="TextBox 18"/>
+          <p:cNvPr id="181" name="TextBox 18"/>
           <p:cNvSpPr/>
           <p:nvPr/>
         </p:nvSpPr>
@@ -12963,7 +13237,7 @@
       </p:sp>
       <p:sp>
         <p:nvSpPr>
-          <p:cNvPr id="180" name="TextBox 19"/>
+          <p:cNvPr id="182" name="TextBox 19"/>
           <p:cNvSpPr/>
           <p:nvPr/>
         </p:nvSpPr>
@@ -13017,14 +13291,14 @@
       </p:sp>
       <p:sp>
         <p:nvSpPr>
-          <p:cNvPr id="181" name="Rounded Rectangle 20"/>
+          <p:cNvPr id="183" name="Rounded Rectangle 20"/>
           <p:cNvSpPr/>
           <p:nvPr/>
         </p:nvSpPr>
         <p:spPr>
           <a:xfrm>
             <a:off x="987480" y="3182040"/>
-            <a:ext cx="3290040" cy="2741400"/>
+            <a:ext cx="3289680" cy="2741040"/>
           </a:xfrm>
           <a:prstGeom prst="roundRect">
             <a:avLst>
@@ -13079,14 +13353,14 @@
       </p:sp>
       <p:sp>
         <p:nvSpPr>
-          <p:cNvPr id="182" name="Rounded Rectangle 21"/>
+          <p:cNvPr id="184" name="Rounded Rectangle 21"/>
           <p:cNvSpPr/>
           <p:nvPr/>
         </p:nvSpPr>
         <p:spPr>
           <a:xfrm>
             <a:off x="685800" y="2521440"/>
-            <a:ext cx="3428280" cy="3328920"/>
+            <a:ext cx="3427920" cy="3328560"/>
           </a:xfrm>
           <a:prstGeom prst="roundRect">
             <a:avLst>
@@ -13492,14 +13766,14 @@
       </p:sp>
       <p:sp>
         <p:nvSpPr>
-          <p:cNvPr id="183" name="Rounded Rectangle 22"/>
+          <p:cNvPr id="185" name="Rounded Rectangle 22"/>
           <p:cNvSpPr/>
           <p:nvPr/>
         </p:nvSpPr>
         <p:spPr>
           <a:xfrm>
             <a:off x="4507920" y="3182040"/>
-            <a:ext cx="3290040" cy="2741400"/>
+            <a:ext cx="3289680" cy="2741040"/>
           </a:xfrm>
           <a:prstGeom prst="roundRect">
             <a:avLst>
@@ -13554,14 +13828,14 @@
       </p:sp>
       <p:sp>
         <p:nvSpPr>
-          <p:cNvPr id="184" name="Rounded Rectangle 23"/>
+          <p:cNvPr id="186" name="Rounded Rectangle 23"/>
           <p:cNvSpPr/>
           <p:nvPr/>
         </p:nvSpPr>
         <p:spPr>
           <a:xfrm>
             <a:off x="4434840" y="3108960"/>
-            <a:ext cx="3290040" cy="2741400"/>
+            <a:ext cx="3289680" cy="2741040"/>
           </a:xfrm>
           <a:prstGeom prst="roundRect">
             <a:avLst>
@@ -13865,14 +14139,14 @@
       </p:sp>
       <p:sp>
         <p:nvSpPr>
-          <p:cNvPr id="185" name="Rounded Rectangle 24"/>
+          <p:cNvPr id="187" name="Rounded Rectangle 24"/>
           <p:cNvSpPr/>
           <p:nvPr/>
         </p:nvSpPr>
         <p:spPr>
           <a:xfrm>
             <a:off x="8028360" y="3182040"/>
-            <a:ext cx="3290040" cy="2741400"/>
+            <a:ext cx="3289680" cy="2741040"/>
           </a:xfrm>
           <a:prstGeom prst="roundRect">
             <a:avLst>
@@ -13927,14 +14201,14 @@
       </p:sp>
       <p:sp>
         <p:nvSpPr>
-          <p:cNvPr id="186" name="Rounded Rectangle 25"/>
+          <p:cNvPr id="188" name="Rounded Rectangle 25"/>
           <p:cNvSpPr/>
           <p:nvPr/>
         </p:nvSpPr>
         <p:spPr>
           <a:xfrm>
             <a:off x="7955280" y="3108960"/>
-            <a:ext cx="3290040" cy="2741400"/>
+            <a:ext cx="3289680" cy="2741040"/>
           </a:xfrm>
           <a:prstGeom prst="roundRect">
             <a:avLst>
@@ -14123,7 +14397,7 @@
       </p:sp>
       <p:sp>
         <p:nvSpPr>
-          <p:cNvPr id="187" name="TextBox 26"/>
+          <p:cNvPr id="189" name="TextBox 26"/>
           <p:cNvSpPr/>
           <p:nvPr/>
         </p:nvSpPr>
@@ -14207,14 +14481,14 @@
       </p:grpSpPr>
       <p:sp>
         <p:nvSpPr>
-          <p:cNvPr id="188" name="Rectangle 32"/>
+          <p:cNvPr id="190" name="Rectangle 32"/>
           <p:cNvSpPr/>
           <p:nvPr/>
         </p:nvSpPr>
         <p:spPr>
           <a:xfrm>
             <a:off x="0" y="0"/>
-            <a:ext cx="12187080" cy="6856200"/>
+            <a:ext cx="12186720" cy="6855840"/>
           </a:xfrm>
           <a:prstGeom prst="rect">
             <a:avLst/>
@@ -14267,14 +14541,14 @@
       </p:sp>
       <p:sp>
         <p:nvSpPr>
-          <p:cNvPr id="189" name="Rectangle 33"/>
+          <p:cNvPr id="191" name="Rectangle 33"/>
           <p:cNvSpPr/>
           <p:nvPr/>
         </p:nvSpPr>
         <p:spPr>
           <a:xfrm>
             <a:off x="0" y="0"/>
-            <a:ext cx="16560" cy="6856200"/>
+            <a:ext cx="16200" cy="6855840"/>
           </a:xfrm>
           <a:prstGeom prst="rect">
             <a:avLst/>
@@ -14327,14 +14601,14 @@
       </p:sp>
       <p:sp>
         <p:nvSpPr>
-          <p:cNvPr id="190" name="Rectangle 34"/>
+          <p:cNvPr id="192" name="Rectangle 34"/>
           <p:cNvSpPr/>
           <p:nvPr/>
         </p:nvSpPr>
         <p:spPr>
           <a:xfrm>
             <a:off x="914400" y="0"/>
-            <a:ext cx="16560" cy="6856200"/>
+            <a:ext cx="16200" cy="6855840"/>
           </a:xfrm>
           <a:prstGeom prst="rect">
             <a:avLst/>
@@ -14387,14 +14661,14 @@
       </p:sp>
       <p:sp>
         <p:nvSpPr>
-          <p:cNvPr id="191" name="Rectangle 35"/>
+          <p:cNvPr id="193" name="Rectangle 35"/>
           <p:cNvSpPr/>
           <p:nvPr/>
         </p:nvSpPr>
         <p:spPr>
           <a:xfrm>
             <a:off x="1828800" y="0"/>
-            <a:ext cx="16560" cy="6856200"/>
+            <a:ext cx="16200" cy="6855840"/>
           </a:xfrm>
           <a:prstGeom prst="rect">
             <a:avLst/>
@@ -14447,14 +14721,14 @@
       </p:sp>
       <p:sp>
         <p:nvSpPr>
-          <p:cNvPr id="192" name="Rectangle 36"/>
+          <p:cNvPr id="194" name="Rectangle 36"/>
           <p:cNvSpPr/>
           <p:nvPr/>
         </p:nvSpPr>
         <p:spPr>
           <a:xfrm>
             <a:off x="2743200" y="0"/>
-            <a:ext cx="16560" cy="6856200"/>
+            <a:ext cx="16200" cy="6855840"/>
           </a:xfrm>
           <a:prstGeom prst="rect">
             <a:avLst/>
@@ -14507,14 +14781,14 @@
       </p:sp>
       <p:sp>
         <p:nvSpPr>
-          <p:cNvPr id="193" name="Rectangle 37"/>
+          <p:cNvPr id="195" name="Rectangle 37"/>
           <p:cNvSpPr/>
           <p:nvPr/>
         </p:nvSpPr>
         <p:spPr>
           <a:xfrm>
             <a:off x="3657600" y="0"/>
-            <a:ext cx="16560" cy="6856200"/>
+            <a:ext cx="16200" cy="6855840"/>
           </a:xfrm>
           <a:prstGeom prst="rect">
             <a:avLst/>
@@ -14567,14 +14841,14 @@
       </p:sp>
       <p:sp>
         <p:nvSpPr>
-          <p:cNvPr id="194" name="Rectangle 38"/>
+          <p:cNvPr id="196" name="Rectangle 38"/>
           <p:cNvSpPr/>
           <p:nvPr/>
         </p:nvSpPr>
         <p:spPr>
           <a:xfrm>
             <a:off x="4572000" y="0"/>
-            <a:ext cx="16560" cy="6856200"/>
+            <a:ext cx="16200" cy="6855840"/>
           </a:xfrm>
           <a:prstGeom prst="rect">
             <a:avLst/>
@@ -14627,14 +14901,14 @@
       </p:sp>
       <p:sp>
         <p:nvSpPr>
-          <p:cNvPr id="195" name="Rectangle 39"/>
+          <p:cNvPr id="197" name="Rectangle 39"/>
           <p:cNvSpPr/>
           <p:nvPr/>
         </p:nvSpPr>
         <p:spPr>
           <a:xfrm>
             <a:off x="5486400" y="0"/>
-            <a:ext cx="16560" cy="6856200"/>
+            <a:ext cx="16200" cy="6855840"/>
           </a:xfrm>
           <a:prstGeom prst="rect">
             <a:avLst/>
@@ -14687,14 +14961,14 @@
       </p:sp>
       <p:sp>
         <p:nvSpPr>
-          <p:cNvPr id="196" name="Rectangle 40"/>
+          <p:cNvPr id="198" name="Rectangle 40"/>
           <p:cNvSpPr/>
           <p:nvPr/>
         </p:nvSpPr>
         <p:spPr>
           <a:xfrm>
             <a:off x="6400800" y="0"/>
-            <a:ext cx="16560" cy="6856200"/>
+            <a:ext cx="16200" cy="6855840"/>
           </a:xfrm>
           <a:prstGeom prst="rect">
             <a:avLst/>
@@ -14747,14 +15021,14 @@
       </p:sp>
       <p:sp>
         <p:nvSpPr>
-          <p:cNvPr id="197" name="Rectangle 41"/>
+          <p:cNvPr id="199" name="Rectangle 41"/>
           <p:cNvSpPr/>
           <p:nvPr/>
         </p:nvSpPr>
         <p:spPr>
           <a:xfrm>
             <a:off x="7315200" y="0"/>
-            <a:ext cx="16560" cy="6856200"/>
+            <a:ext cx="16200" cy="6855840"/>
           </a:xfrm>
           <a:prstGeom prst="rect">
             <a:avLst/>
@@ -14807,14 +15081,14 @@
       </p:sp>
       <p:sp>
         <p:nvSpPr>
-          <p:cNvPr id="198" name="Rectangle 42"/>
+          <p:cNvPr id="200" name="Rectangle 42"/>
           <p:cNvSpPr/>
           <p:nvPr/>
         </p:nvSpPr>
         <p:spPr>
           <a:xfrm>
             <a:off x="8229600" y="0"/>
-            <a:ext cx="16560" cy="6856200"/>
+            <a:ext cx="16200" cy="6855840"/>
           </a:xfrm>
           <a:prstGeom prst="rect">
             <a:avLst/>
@@ -14867,14 +15141,14 @@
       </p:sp>
       <p:sp>
         <p:nvSpPr>
-          <p:cNvPr id="199" name="Rectangle 43"/>
+          <p:cNvPr id="201" name="Rectangle 43"/>
           <p:cNvSpPr/>
           <p:nvPr/>
         </p:nvSpPr>
         <p:spPr>
           <a:xfrm>
             <a:off x="9144000" y="0"/>
-            <a:ext cx="16560" cy="6856200"/>
+            <a:ext cx="16200" cy="6855840"/>
           </a:xfrm>
           <a:prstGeom prst="rect">
             <a:avLst/>
@@ -14927,14 +15201,14 @@
       </p:sp>
       <p:sp>
         <p:nvSpPr>
-          <p:cNvPr id="200" name="Rectangle 44"/>
+          <p:cNvPr id="202" name="Rectangle 44"/>
           <p:cNvSpPr/>
           <p:nvPr/>
         </p:nvSpPr>
         <p:spPr>
           <a:xfrm>
             <a:off x="10058400" y="0"/>
-            <a:ext cx="16560" cy="6856200"/>
+            <a:ext cx="16200" cy="6855840"/>
           </a:xfrm>
           <a:prstGeom prst="rect">
             <a:avLst/>
@@ -14987,14 +15261,14 @@
       </p:sp>
       <p:sp>
         <p:nvSpPr>
-          <p:cNvPr id="201" name="Rectangle 45"/>
+          <p:cNvPr id="203" name="Rectangle 45"/>
           <p:cNvSpPr/>
           <p:nvPr/>
         </p:nvSpPr>
         <p:spPr>
           <a:xfrm>
             <a:off x="10972800" y="0"/>
-            <a:ext cx="16560" cy="6856200"/>
+            <a:ext cx="16200" cy="6855840"/>
           </a:xfrm>
           <a:prstGeom prst="rect">
             <a:avLst/>
@@ -15047,14 +15321,14 @@
       </p:sp>
       <p:sp>
         <p:nvSpPr>
-          <p:cNvPr id="202" name="Rectangle 46"/>
+          <p:cNvPr id="204" name="Rectangle 46"/>
           <p:cNvSpPr/>
           <p:nvPr/>
         </p:nvSpPr>
         <p:spPr>
           <a:xfrm>
             <a:off x="11887200" y="0"/>
-            <a:ext cx="16560" cy="6856200"/>
+            <a:ext cx="16200" cy="6855840"/>
           </a:xfrm>
           <a:prstGeom prst="rect">
             <a:avLst/>
@@ -15107,14 +15381,14 @@
       </p:sp>
       <p:sp>
         <p:nvSpPr>
-          <p:cNvPr id="203" name="Rectangle 47"/>
+          <p:cNvPr id="205" name="Rectangle 47"/>
           <p:cNvSpPr/>
           <p:nvPr/>
         </p:nvSpPr>
         <p:spPr>
           <a:xfrm>
             <a:off x="0" y="0"/>
-            <a:ext cx="318240" cy="6856200"/>
+            <a:ext cx="317880" cy="6855840"/>
           </a:xfrm>
           <a:prstGeom prst="rect">
             <a:avLst/>
@@ -15167,14 +15441,14 @@
       </p:sp>
       <p:sp>
         <p:nvSpPr>
-          <p:cNvPr id="204" name="Rounded Rectangle 8"/>
+          <p:cNvPr id="206" name="Rounded Rectangle 8"/>
           <p:cNvSpPr/>
           <p:nvPr/>
         </p:nvSpPr>
         <p:spPr>
           <a:xfrm>
             <a:off x="9875520" y="365760"/>
-            <a:ext cx="2009880" cy="501120"/>
+            <a:ext cx="2009520" cy="500760"/>
           </a:xfrm>
           <a:prstGeom prst="roundRect">
             <a:avLst>
@@ -15241,7 +15515,7 @@
       </p:sp>
       <p:sp>
         <p:nvSpPr>
-          <p:cNvPr id="205" name="TextBox 4"/>
+          <p:cNvPr id="207" name="TextBox 4"/>
           <p:cNvSpPr/>
           <p:nvPr/>
         </p:nvSpPr>
@@ -15295,7 +15569,7 @@
       </p:sp>
       <p:sp>
         <p:nvSpPr>
-          <p:cNvPr id="206" name="TextBox 5"/>
+          <p:cNvPr id="208" name="TextBox 5"/>
           <p:cNvSpPr/>
           <p:nvPr/>
         </p:nvSpPr>
@@ -15349,14 +15623,14 @@
       </p:sp>
       <p:sp>
         <p:nvSpPr>
-          <p:cNvPr id="207" name="Rounded Rectangle 9"/>
+          <p:cNvPr id="209" name="Rounded Rectangle 9"/>
           <p:cNvSpPr/>
           <p:nvPr/>
         </p:nvSpPr>
         <p:spPr>
           <a:xfrm>
             <a:off x="987480" y="3182040"/>
-            <a:ext cx="3290040" cy="2741400"/>
+            <a:ext cx="3289680" cy="2741040"/>
           </a:xfrm>
           <a:prstGeom prst="roundRect">
             <a:avLst>
@@ -15411,14 +15685,14 @@
       </p:sp>
       <p:sp>
         <p:nvSpPr>
-          <p:cNvPr id="208" name="Rounded Rectangle 10"/>
+          <p:cNvPr id="210" name="Rounded Rectangle 10"/>
           <p:cNvSpPr/>
           <p:nvPr/>
         </p:nvSpPr>
         <p:spPr>
           <a:xfrm>
             <a:off x="914400" y="3108960"/>
-            <a:ext cx="3290040" cy="2741400"/>
+            <a:ext cx="3289680" cy="2741040"/>
           </a:xfrm>
           <a:prstGeom prst="roundRect">
             <a:avLst>
@@ -15666,14 +15940,14 @@
       </p:sp>
       <p:sp>
         <p:nvSpPr>
-          <p:cNvPr id="209" name="Rounded Rectangle 11"/>
+          <p:cNvPr id="211" name="Rounded Rectangle 11"/>
           <p:cNvSpPr/>
           <p:nvPr/>
         </p:nvSpPr>
         <p:spPr>
           <a:xfrm>
             <a:off x="4507920" y="3182040"/>
-            <a:ext cx="3290040" cy="2741400"/>
+            <a:ext cx="3289680" cy="2741040"/>
           </a:xfrm>
           <a:prstGeom prst="roundRect">
             <a:avLst>
@@ -15728,14 +16002,14 @@
       </p:sp>
       <p:sp>
         <p:nvSpPr>
-          <p:cNvPr id="210" name="Rounded Rectangle 12"/>
+          <p:cNvPr id="212" name="Rounded Rectangle 12"/>
           <p:cNvSpPr/>
           <p:nvPr/>
         </p:nvSpPr>
         <p:spPr>
           <a:xfrm>
             <a:off x="4434840" y="3108960"/>
-            <a:ext cx="3290040" cy="2741400"/>
+            <a:ext cx="3289680" cy="2741040"/>
           </a:xfrm>
           <a:prstGeom prst="roundRect">
             <a:avLst>
@@ -15963,14 +16237,14 @@
       </p:sp>
       <p:sp>
         <p:nvSpPr>
-          <p:cNvPr id="211" name="Rounded Rectangle 13"/>
+          <p:cNvPr id="213" name="Rounded Rectangle 13"/>
           <p:cNvSpPr/>
           <p:nvPr/>
         </p:nvSpPr>
         <p:spPr>
           <a:xfrm>
             <a:off x="8028360" y="3182040"/>
-            <a:ext cx="3290040" cy="2741400"/>
+            <a:ext cx="3289680" cy="2741040"/>
           </a:xfrm>
           <a:prstGeom prst="roundRect">
             <a:avLst>
@@ -16025,14 +16299,14 @@
       </p:sp>
       <p:sp>
         <p:nvSpPr>
-          <p:cNvPr id="212" name="Rounded Rectangle 14"/>
+          <p:cNvPr id="214" name="Rounded Rectangle 14"/>
           <p:cNvSpPr/>
           <p:nvPr/>
         </p:nvSpPr>
         <p:spPr>
           <a:xfrm>
             <a:off x="7955280" y="3108960"/>
-            <a:ext cx="3290040" cy="2741400"/>
+            <a:ext cx="3289680" cy="2741040"/>
           </a:xfrm>
           <a:prstGeom prst="roundRect">
             <a:avLst>
@@ -16263,7 +16537,7 @@
       </p:sp>
       <p:sp>
         <p:nvSpPr>
-          <p:cNvPr id="213" name="TextBox 6"/>
+          <p:cNvPr id="215" name="TextBox 6"/>
           <p:cNvSpPr/>
           <p:nvPr/>
         </p:nvSpPr>
@@ -16347,14 +16621,14 @@
       </p:grpSpPr>
       <p:sp>
         <p:nvSpPr>
-          <p:cNvPr id="214" name="Rectangle 48"/>
+          <p:cNvPr id="216" name="Rectangle 48"/>
           <p:cNvSpPr/>
           <p:nvPr/>
         </p:nvSpPr>
         <p:spPr>
           <a:xfrm>
             <a:off x="0" y="0"/>
-            <a:ext cx="12187440" cy="6856560"/>
+            <a:ext cx="12187080" cy="6856200"/>
           </a:xfrm>
           <a:prstGeom prst="rect">
             <a:avLst/>
@@ -16407,14 +16681,14 @@
       </p:sp>
       <p:sp>
         <p:nvSpPr>
-          <p:cNvPr id="215" name="Rectangle 49"/>
+          <p:cNvPr id="217" name="Rectangle 49"/>
           <p:cNvSpPr/>
           <p:nvPr/>
         </p:nvSpPr>
         <p:spPr>
           <a:xfrm>
             <a:off x="0" y="0"/>
-            <a:ext cx="16920" cy="6856560"/>
+            <a:ext cx="16560" cy="6856200"/>
           </a:xfrm>
           <a:prstGeom prst="rect">
             <a:avLst/>
@@ -16467,14 +16741,14 @@
       </p:sp>
       <p:sp>
         <p:nvSpPr>
-          <p:cNvPr id="216" name="Rectangle 50"/>
+          <p:cNvPr id="218" name="Rectangle 50"/>
           <p:cNvSpPr/>
           <p:nvPr/>
         </p:nvSpPr>
         <p:spPr>
           <a:xfrm>
             <a:off x="914400" y="0"/>
-            <a:ext cx="16920" cy="6856560"/>
+            <a:ext cx="16560" cy="6856200"/>
           </a:xfrm>
           <a:prstGeom prst="rect">
             <a:avLst/>
@@ -16527,14 +16801,14 @@
       </p:sp>
       <p:sp>
         <p:nvSpPr>
-          <p:cNvPr id="217" name="Rectangle 51"/>
+          <p:cNvPr id="219" name="Rectangle 51"/>
           <p:cNvSpPr/>
           <p:nvPr/>
         </p:nvSpPr>
         <p:spPr>
           <a:xfrm>
             <a:off x="1828800" y="0"/>
-            <a:ext cx="16920" cy="6856560"/>
+            <a:ext cx="16560" cy="6856200"/>
           </a:xfrm>
           <a:prstGeom prst="rect">
             <a:avLst/>
@@ -16587,14 +16861,14 @@
       </p:sp>
       <p:sp>
         <p:nvSpPr>
-          <p:cNvPr id="218" name="Rectangle 52"/>
+          <p:cNvPr id="220" name="Rectangle 52"/>
           <p:cNvSpPr/>
           <p:nvPr/>
         </p:nvSpPr>
         <p:spPr>
           <a:xfrm>
             <a:off x="2743200" y="0"/>
-            <a:ext cx="16920" cy="6856560"/>
+            <a:ext cx="16560" cy="6856200"/>
           </a:xfrm>
           <a:prstGeom prst="rect">
             <a:avLst/>
@@ -16647,14 +16921,14 @@
       </p:sp>
       <p:sp>
         <p:nvSpPr>
-          <p:cNvPr id="219" name="Rectangle 53"/>
+          <p:cNvPr id="221" name="Rectangle 53"/>
           <p:cNvSpPr/>
           <p:nvPr/>
         </p:nvSpPr>
         <p:spPr>
           <a:xfrm>
             <a:off x="3657600" y="0"/>
-            <a:ext cx="16920" cy="6856560"/>
+            <a:ext cx="16560" cy="6856200"/>
           </a:xfrm>
           <a:prstGeom prst="rect">
             <a:avLst/>
@@ -16707,14 +16981,14 @@
       </p:sp>
       <p:sp>
         <p:nvSpPr>
-          <p:cNvPr id="220" name="Rectangle 54"/>
+          <p:cNvPr id="222" name="Rectangle 54"/>
           <p:cNvSpPr/>
           <p:nvPr/>
         </p:nvSpPr>
         <p:spPr>
           <a:xfrm>
             <a:off x="4572000" y="0"/>
-            <a:ext cx="16920" cy="6856560"/>
+            <a:ext cx="16560" cy="6856200"/>
           </a:xfrm>
           <a:prstGeom prst="rect">
             <a:avLst/>
@@ -16767,14 +17041,14 @@
       </p:sp>
       <p:sp>
         <p:nvSpPr>
-          <p:cNvPr id="221" name="Rectangle 55"/>
+          <p:cNvPr id="223" name="Rectangle 55"/>
           <p:cNvSpPr/>
           <p:nvPr/>
         </p:nvSpPr>
         <p:spPr>
           <a:xfrm>
             <a:off x="5486400" y="0"/>
-            <a:ext cx="16920" cy="6856560"/>
+            <a:ext cx="16560" cy="6856200"/>
           </a:xfrm>
           <a:prstGeom prst="rect">
             <a:avLst/>
@@ -16827,14 +17101,14 @@
       </p:sp>
       <p:sp>
         <p:nvSpPr>
-          <p:cNvPr id="222" name="Rectangle 56"/>
+          <p:cNvPr id="224" name="Rectangle 56"/>
           <p:cNvSpPr/>
           <p:nvPr/>
         </p:nvSpPr>
         <p:spPr>
           <a:xfrm>
             <a:off x="6400800" y="0"/>
-            <a:ext cx="16920" cy="6856560"/>
+            <a:ext cx="16560" cy="6856200"/>
           </a:xfrm>
           <a:prstGeom prst="rect">
             <a:avLst/>
@@ -16887,14 +17161,14 @@
       </p:sp>
       <p:sp>
         <p:nvSpPr>
-          <p:cNvPr id="223" name="Rectangle 57"/>
+          <p:cNvPr id="225" name="Rectangle 57"/>
           <p:cNvSpPr/>
           <p:nvPr/>
         </p:nvSpPr>
         <p:spPr>
           <a:xfrm>
             <a:off x="7315200" y="0"/>
-            <a:ext cx="16920" cy="6856560"/>
+            <a:ext cx="16560" cy="6856200"/>
           </a:xfrm>
           <a:prstGeom prst="rect">
             <a:avLst/>
@@ -16947,14 +17221,14 @@
       </p:sp>
       <p:sp>
         <p:nvSpPr>
-          <p:cNvPr id="224" name="Rectangle 58"/>
+          <p:cNvPr id="226" name="Rectangle 58"/>
           <p:cNvSpPr/>
           <p:nvPr/>
         </p:nvSpPr>
         <p:spPr>
           <a:xfrm>
             <a:off x="8229600" y="0"/>
-            <a:ext cx="16920" cy="6856560"/>
+            <a:ext cx="16560" cy="6856200"/>
           </a:xfrm>
           <a:prstGeom prst="rect">
             <a:avLst/>
@@ -17007,14 +17281,14 @@
       </p:sp>
       <p:sp>
         <p:nvSpPr>
-          <p:cNvPr id="225" name="Rectangle 59"/>
+          <p:cNvPr id="227" name="Rectangle 59"/>
           <p:cNvSpPr/>
           <p:nvPr/>
         </p:nvSpPr>
         <p:spPr>
           <a:xfrm>
             <a:off x="9144000" y="0"/>
-            <a:ext cx="16920" cy="6856560"/>
+            <a:ext cx="16560" cy="6856200"/>
           </a:xfrm>
           <a:prstGeom prst="rect">
             <a:avLst/>
@@ -17067,14 +17341,14 @@
       </p:sp>
       <p:sp>
         <p:nvSpPr>
-          <p:cNvPr id="226" name="Rectangle 60"/>
+          <p:cNvPr id="228" name="Rectangle 60"/>
           <p:cNvSpPr/>
           <p:nvPr/>
         </p:nvSpPr>
         <p:spPr>
           <a:xfrm>
             <a:off x="10058400" y="0"/>
-            <a:ext cx="16920" cy="6856560"/>
+            <a:ext cx="16560" cy="6856200"/>
           </a:xfrm>
           <a:prstGeom prst="rect">
             <a:avLst/>
@@ -17127,14 +17401,14 @@
       </p:sp>
       <p:sp>
         <p:nvSpPr>
-          <p:cNvPr id="227" name="Rectangle 61"/>
+          <p:cNvPr id="229" name="Rectangle 61"/>
           <p:cNvSpPr/>
           <p:nvPr/>
         </p:nvSpPr>
         <p:spPr>
           <a:xfrm>
             <a:off x="10972800" y="0"/>
-            <a:ext cx="16920" cy="6856560"/>
+            <a:ext cx="16560" cy="6856200"/>
           </a:xfrm>
           <a:prstGeom prst="rect">
             <a:avLst/>
@@ -17187,14 +17461,14 @@
       </p:sp>
       <p:sp>
         <p:nvSpPr>
-          <p:cNvPr id="228" name="Rectangle 62"/>
+          <p:cNvPr id="230" name="Rectangle 62"/>
           <p:cNvSpPr/>
           <p:nvPr/>
         </p:nvSpPr>
         <p:spPr>
           <a:xfrm>
             <a:off x="11887200" y="0"/>
-            <a:ext cx="16920" cy="6856560"/>
+            <a:ext cx="16560" cy="6856200"/>
           </a:xfrm>
           <a:prstGeom prst="rect">
             <a:avLst/>
@@ -17247,14 +17521,14 @@
       </p:sp>
       <p:sp>
         <p:nvSpPr>
-          <p:cNvPr id="229" name="Rectangle 63"/>
+          <p:cNvPr id="231" name="Rectangle 63"/>
           <p:cNvSpPr/>
           <p:nvPr/>
         </p:nvSpPr>
         <p:spPr>
           <a:xfrm>
             <a:off x="0" y="0"/>
-            <a:ext cx="318600" cy="6856560"/>
+            <a:ext cx="318240" cy="6856200"/>
           </a:xfrm>
           <a:prstGeom prst="rect">
             <a:avLst/>
@@ -17307,14 +17581,14 @@
       </p:sp>
       <p:sp>
         <p:nvSpPr>
-          <p:cNvPr id="230" name="Rounded Rectangle 15"/>
+          <p:cNvPr id="232" name="Rounded Rectangle 15"/>
           <p:cNvSpPr/>
           <p:nvPr/>
         </p:nvSpPr>
         <p:spPr>
           <a:xfrm>
             <a:off x="9875520" y="365760"/>
-            <a:ext cx="2010240" cy="501480"/>
+            <a:ext cx="2009880" cy="501120"/>
           </a:xfrm>
           <a:prstGeom prst="roundRect">
             <a:avLst>
@@ -17381,7 +17655,7 @@
       </p:sp>
       <p:sp>
         <p:nvSpPr>
-          <p:cNvPr id="231" name="TextBox 7"/>
+          <p:cNvPr id="233" name="TextBox 7"/>
           <p:cNvSpPr/>
           <p:nvPr/>
         </p:nvSpPr>
@@ -17435,7 +17709,7 @@
       </p:sp>
       <p:sp>
         <p:nvSpPr>
-          <p:cNvPr id="232" name="TextBox 8"/>
+          <p:cNvPr id="234" name="TextBox 8"/>
           <p:cNvSpPr/>
           <p:nvPr/>
         </p:nvSpPr>
@@ -17489,14 +17763,14 @@
       </p:sp>
       <p:sp>
         <p:nvSpPr>
-          <p:cNvPr id="233" name="Rounded Rectangle 16"/>
+          <p:cNvPr id="235" name="Rounded Rectangle 16"/>
           <p:cNvSpPr/>
           <p:nvPr/>
         </p:nvSpPr>
         <p:spPr>
           <a:xfrm>
             <a:off x="987480" y="3182040"/>
-            <a:ext cx="3290400" cy="2741760"/>
+            <a:ext cx="3290040" cy="2741400"/>
           </a:xfrm>
           <a:prstGeom prst="roundRect">
             <a:avLst>
@@ -17551,14 +17825,14 @@
       </p:sp>
       <p:sp>
         <p:nvSpPr>
-          <p:cNvPr id="234" name="Rounded Rectangle 18"/>
+          <p:cNvPr id="236" name="Rounded Rectangle 18"/>
           <p:cNvSpPr/>
           <p:nvPr/>
         </p:nvSpPr>
         <p:spPr>
           <a:xfrm>
             <a:off x="475560" y="2743200"/>
-            <a:ext cx="3729240" cy="3107520"/>
+            <a:ext cx="3728880" cy="3107160"/>
           </a:xfrm>
           <a:prstGeom prst="roundRect">
             <a:avLst>
@@ -17828,14 +18102,14 @@
       </p:sp>
       <p:sp>
         <p:nvSpPr>
-          <p:cNvPr id="235" name="Rounded Rectangle 19"/>
+          <p:cNvPr id="237" name="Rounded Rectangle 19"/>
           <p:cNvSpPr/>
           <p:nvPr/>
         </p:nvSpPr>
         <p:spPr>
           <a:xfrm>
             <a:off x="4507920" y="3182040"/>
-            <a:ext cx="3290400" cy="2741760"/>
+            <a:ext cx="3290040" cy="2741400"/>
           </a:xfrm>
           <a:prstGeom prst="roundRect">
             <a:avLst>
@@ -17890,14 +18164,14 @@
       </p:sp>
       <p:sp>
         <p:nvSpPr>
-          <p:cNvPr id="236" name="Rounded Rectangle 26"/>
+          <p:cNvPr id="238" name="Rounded Rectangle 26"/>
           <p:cNvSpPr/>
           <p:nvPr/>
         </p:nvSpPr>
         <p:spPr>
           <a:xfrm>
             <a:off x="4343400" y="2918520"/>
-            <a:ext cx="3519000" cy="2932200"/>
+            <a:ext cx="3518640" cy="2931840"/>
           </a:xfrm>
           <a:prstGeom prst="roundRect">
             <a:avLst>
@@ -18392,14 +18666,14 @@
       </p:sp>
       <p:sp>
         <p:nvSpPr>
-          <p:cNvPr id="237" name="Rounded Rectangle 27"/>
+          <p:cNvPr id="239" name="Rounded Rectangle 27"/>
           <p:cNvSpPr/>
           <p:nvPr/>
         </p:nvSpPr>
         <p:spPr>
           <a:xfrm>
             <a:off x="8028360" y="3182040"/>
-            <a:ext cx="3290400" cy="2741760"/>
+            <a:ext cx="3290040" cy="2741400"/>
           </a:xfrm>
           <a:prstGeom prst="roundRect">
             <a:avLst>
@@ -18454,14 +18728,14 @@
       </p:sp>
       <p:sp>
         <p:nvSpPr>
-          <p:cNvPr id="238" name="Rounded Rectangle 28"/>
+          <p:cNvPr id="240" name="Rounded Rectangle 28"/>
           <p:cNvSpPr/>
           <p:nvPr/>
         </p:nvSpPr>
         <p:spPr>
           <a:xfrm>
             <a:off x="8023680" y="2743200"/>
-            <a:ext cx="3840480" cy="3200040"/>
+            <a:ext cx="3840120" cy="3199680"/>
           </a:xfrm>
           <a:prstGeom prst="roundRect">
             <a:avLst>
@@ -18926,14 +19200,14 @@
       </p:sp>
       <p:sp>
         <p:nvSpPr>
-          <p:cNvPr id="239" name="TextBox 9"/>
+          <p:cNvPr id="241" name="TextBox 9"/>
           <p:cNvSpPr/>
           <p:nvPr/>
         </p:nvSpPr>
         <p:spPr>
           <a:xfrm>
             <a:off x="4600080" y="6446520"/>
-            <a:ext cx="3051360" cy="363960"/>
+            <a:ext cx="3051000" cy="363960"/>
           </a:xfrm>
           <a:prstGeom prst="rect">
             <a:avLst/>
@@ -19010,14 +19284,14 @@
       </p:grpSpPr>
       <p:sp>
         <p:nvSpPr>
-          <p:cNvPr id="240" name="Rectangle 64"/>
+          <p:cNvPr id="242" name="Rectangle 64"/>
           <p:cNvSpPr/>
           <p:nvPr/>
         </p:nvSpPr>
         <p:spPr>
           <a:xfrm>
             <a:off x="0" y="0"/>
-            <a:ext cx="12187800" cy="6856920"/>
+            <a:ext cx="12187440" cy="6856560"/>
           </a:xfrm>
           <a:prstGeom prst="rect">
             <a:avLst/>
@@ -19053,6 +19327,11 @@
             <a:noAutofit/>
           </a:bodyPr>
           <a:p>
+            <a:pPr>
+              <a:lnSpc>
+                <a:spcPct val="100000"/>
+              </a:lnSpc>
+            </a:pPr>
             <a:endParaRPr b="0" lang="en-US" sz="1800" spc="-1" strike="noStrike">
               <a:solidFill>
                 <a:schemeClr val="lt1"/>
@@ -19065,14 +19344,14 @@
       </p:sp>
       <p:sp>
         <p:nvSpPr>
-          <p:cNvPr id="241" name="Rectangle 65"/>
+          <p:cNvPr id="243" name="Rectangle 65"/>
           <p:cNvSpPr/>
           <p:nvPr/>
         </p:nvSpPr>
         <p:spPr>
           <a:xfrm>
             <a:off x="0" y="0"/>
-            <a:ext cx="17280" cy="6856920"/>
+            <a:ext cx="16920" cy="6856560"/>
           </a:xfrm>
           <a:prstGeom prst="rect">
             <a:avLst/>
@@ -19108,6 +19387,11 @@
             <a:noAutofit/>
           </a:bodyPr>
           <a:p>
+            <a:pPr>
+              <a:lnSpc>
+                <a:spcPct val="100000"/>
+              </a:lnSpc>
+            </a:pPr>
             <a:endParaRPr b="0" lang="en-US" sz="1800" spc="-1" strike="noStrike">
               <a:solidFill>
                 <a:schemeClr val="lt1"/>
@@ -19120,14 +19404,14 @@
       </p:sp>
       <p:sp>
         <p:nvSpPr>
-          <p:cNvPr id="242" name="Rectangle 66"/>
+          <p:cNvPr id="244" name="Rectangle 66"/>
           <p:cNvSpPr/>
           <p:nvPr/>
         </p:nvSpPr>
         <p:spPr>
           <a:xfrm>
             <a:off x="914400" y="0"/>
-            <a:ext cx="17280" cy="6856920"/>
+            <a:ext cx="16920" cy="6856560"/>
           </a:xfrm>
           <a:prstGeom prst="rect">
             <a:avLst/>
@@ -19163,6 +19447,11 @@
             <a:noAutofit/>
           </a:bodyPr>
           <a:p>
+            <a:pPr>
+              <a:lnSpc>
+                <a:spcPct val="100000"/>
+              </a:lnSpc>
+            </a:pPr>
             <a:endParaRPr b="0" lang="en-US" sz="1800" spc="-1" strike="noStrike">
               <a:solidFill>
                 <a:schemeClr val="lt1"/>
@@ -19175,14 +19464,14 @@
       </p:sp>
       <p:sp>
         <p:nvSpPr>
-          <p:cNvPr id="243" name="Rectangle 67"/>
+          <p:cNvPr id="245" name="Rectangle 67"/>
           <p:cNvSpPr/>
           <p:nvPr/>
         </p:nvSpPr>
         <p:spPr>
           <a:xfrm>
             <a:off x="1828800" y="0"/>
-            <a:ext cx="17280" cy="6856920"/>
+            <a:ext cx="16920" cy="6856560"/>
           </a:xfrm>
           <a:prstGeom prst="rect">
             <a:avLst/>
@@ -19218,6 +19507,11 @@
             <a:noAutofit/>
           </a:bodyPr>
           <a:p>
+            <a:pPr>
+              <a:lnSpc>
+                <a:spcPct val="100000"/>
+              </a:lnSpc>
+            </a:pPr>
             <a:endParaRPr b="0" lang="en-US" sz="1800" spc="-1" strike="noStrike">
               <a:solidFill>
                 <a:schemeClr val="lt1"/>
@@ -19230,14 +19524,14 @@
       </p:sp>
       <p:sp>
         <p:nvSpPr>
-          <p:cNvPr id="244" name="Rectangle 68"/>
+          <p:cNvPr id="246" name="Rectangle 68"/>
           <p:cNvSpPr/>
           <p:nvPr/>
         </p:nvSpPr>
         <p:spPr>
           <a:xfrm>
             <a:off x="2743200" y="0"/>
-            <a:ext cx="17280" cy="6856920"/>
+            <a:ext cx="16920" cy="6856560"/>
           </a:xfrm>
           <a:prstGeom prst="rect">
             <a:avLst/>
@@ -19273,6 +19567,11 @@
             <a:noAutofit/>
           </a:bodyPr>
           <a:p>
+            <a:pPr>
+              <a:lnSpc>
+                <a:spcPct val="100000"/>
+              </a:lnSpc>
+            </a:pPr>
             <a:endParaRPr b="0" lang="en-US" sz="1800" spc="-1" strike="noStrike">
               <a:solidFill>
                 <a:schemeClr val="lt1"/>
@@ -19285,14 +19584,14 @@
       </p:sp>
       <p:sp>
         <p:nvSpPr>
-          <p:cNvPr id="245" name="Rectangle 69"/>
+          <p:cNvPr id="247" name="Rectangle 69"/>
           <p:cNvSpPr/>
           <p:nvPr/>
         </p:nvSpPr>
         <p:spPr>
           <a:xfrm>
             <a:off x="3657600" y="0"/>
-            <a:ext cx="17280" cy="6856920"/>
+            <a:ext cx="16920" cy="6856560"/>
           </a:xfrm>
           <a:prstGeom prst="rect">
             <a:avLst/>
@@ -19328,6 +19627,11 @@
             <a:noAutofit/>
           </a:bodyPr>
           <a:p>
+            <a:pPr>
+              <a:lnSpc>
+                <a:spcPct val="100000"/>
+              </a:lnSpc>
+            </a:pPr>
             <a:endParaRPr b="0" lang="en-US" sz="1800" spc="-1" strike="noStrike">
               <a:solidFill>
                 <a:schemeClr val="lt1"/>
@@ -19340,14 +19644,14 @@
       </p:sp>
       <p:sp>
         <p:nvSpPr>
-          <p:cNvPr id="246" name="Rectangle 70"/>
+          <p:cNvPr id="248" name="Rectangle 70"/>
           <p:cNvSpPr/>
           <p:nvPr/>
         </p:nvSpPr>
         <p:spPr>
           <a:xfrm>
             <a:off x="4572000" y="0"/>
-            <a:ext cx="17280" cy="6856920"/>
+            <a:ext cx="16920" cy="6856560"/>
           </a:xfrm>
           <a:prstGeom prst="rect">
             <a:avLst/>
@@ -19383,6 +19687,11 @@
             <a:noAutofit/>
           </a:bodyPr>
           <a:p>
+            <a:pPr>
+              <a:lnSpc>
+                <a:spcPct val="100000"/>
+              </a:lnSpc>
+            </a:pPr>
             <a:endParaRPr b="0" lang="en-US" sz="1800" spc="-1" strike="noStrike">
               <a:solidFill>
                 <a:schemeClr val="lt1"/>
@@ -19395,14 +19704,14 @@
       </p:sp>
       <p:sp>
         <p:nvSpPr>
-          <p:cNvPr id="247" name="Rectangle 71"/>
+          <p:cNvPr id="249" name="Rectangle 71"/>
           <p:cNvSpPr/>
           <p:nvPr/>
         </p:nvSpPr>
         <p:spPr>
           <a:xfrm>
             <a:off x="5486400" y="0"/>
-            <a:ext cx="17280" cy="6856920"/>
+            <a:ext cx="16920" cy="6856560"/>
           </a:xfrm>
           <a:prstGeom prst="rect">
             <a:avLst/>
@@ -19438,6 +19747,11 @@
             <a:noAutofit/>
           </a:bodyPr>
           <a:p>
+            <a:pPr>
+              <a:lnSpc>
+                <a:spcPct val="100000"/>
+              </a:lnSpc>
+            </a:pPr>
             <a:endParaRPr b="0" lang="en-US" sz="1800" spc="-1" strike="noStrike">
               <a:solidFill>
                 <a:schemeClr val="lt1"/>
@@ -19450,14 +19764,14 @@
       </p:sp>
       <p:sp>
         <p:nvSpPr>
-          <p:cNvPr id="248" name="Rectangle 72"/>
+          <p:cNvPr id="250" name="Rectangle 72"/>
           <p:cNvSpPr/>
           <p:nvPr/>
         </p:nvSpPr>
         <p:spPr>
           <a:xfrm>
             <a:off x="6400800" y="0"/>
-            <a:ext cx="17280" cy="6856920"/>
+            <a:ext cx="16920" cy="6856560"/>
           </a:xfrm>
           <a:prstGeom prst="rect">
             <a:avLst/>
@@ -19493,6 +19807,11 @@
             <a:noAutofit/>
           </a:bodyPr>
           <a:p>
+            <a:pPr>
+              <a:lnSpc>
+                <a:spcPct val="100000"/>
+              </a:lnSpc>
+            </a:pPr>
             <a:endParaRPr b="0" lang="en-US" sz="1800" spc="-1" strike="noStrike">
               <a:solidFill>
                 <a:schemeClr val="lt1"/>
@@ -19505,14 +19824,14 @@
       </p:sp>
       <p:sp>
         <p:nvSpPr>
-          <p:cNvPr id="249" name="Rectangle 73"/>
+          <p:cNvPr id="251" name="Rectangle 73"/>
           <p:cNvSpPr/>
           <p:nvPr/>
         </p:nvSpPr>
         <p:spPr>
           <a:xfrm>
             <a:off x="7315200" y="0"/>
-            <a:ext cx="17280" cy="6856920"/>
+            <a:ext cx="16920" cy="6856560"/>
           </a:xfrm>
           <a:prstGeom prst="rect">
             <a:avLst/>
@@ -19548,6 +19867,11 @@
             <a:noAutofit/>
           </a:bodyPr>
           <a:p>
+            <a:pPr>
+              <a:lnSpc>
+                <a:spcPct val="100000"/>
+              </a:lnSpc>
+            </a:pPr>
             <a:endParaRPr b="0" lang="en-US" sz="1800" spc="-1" strike="noStrike">
               <a:solidFill>
                 <a:schemeClr val="lt1"/>
@@ -19560,14 +19884,14 @@
       </p:sp>
       <p:sp>
         <p:nvSpPr>
-          <p:cNvPr id="250" name="Rectangle 74"/>
+          <p:cNvPr id="252" name="Rectangle 74"/>
           <p:cNvSpPr/>
           <p:nvPr/>
         </p:nvSpPr>
         <p:spPr>
           <a:xfrm>
             <a:off x="8229600" y="0"/>
-            <a:ext cx="17280" cy="6856920"/>
+            <a:ext cx="16920" cy="6856560"/>
           </a:xfrm>
           <a:prstGeom prst="rect">
             <a:avLst/>
@@ -19603,6 +19927,11 @@
             <a:noAutofit/>
           </a:bodyPr>
           <a:p>
+            <a:pPr>
+              <a:lnSpc>
+                <a:spcPct val="100000"/>
+              </a:lnSpc>
+            </a:pPr>
             <a:endParaRPr b="0" lang="en-US" sz="1800" spc="-1" strike="noStrike">
               <a:solidFill>
                 <a:schemeClr val="lt1"/>
@@ -19615,14 +19944,14 @@
       </p:sp>
       <p:sp>
         <p:nvSpPr>
-          <p:cNvPr id="251" name="Rectangle 75"/>
+          <p:cNvPr id="253" name="Rectangle 75"/>
           <p:cNvSpPr/>
           <p:nvPr/>
         </p:nvSpPr>
         <p:spPr>
           <a:xfrm>
             <a:off x="9144000" y="0"/>
-            <a:ext cx="17280" cy="6856920"/>
+            <a:ext cx="16920" cy="6856560"/>
           </a:xfrm>
           <a:prstGeom prst="rect">
             <a:avLst/>
@@ -19658,6 +19987,11 @@
             <a:noAutofit/>
           </a:bodyPr>
           <a:p>
+            <a:pPr>
+              <a:lnSpc>
+                <a:spcPct val="100000"/>
+              </a:lnSpc>
+            </a:pPr>
             <a:endParaRPr b="0" lang="en-US" sz="1800" spc="-1" strike="noStrike">
               <a:solidFill>
                 <a:schemeClr val="lt1"/>
@@ -19670,14 +20004,14 @@
       </p:sp>
       <p:sp>
         <p:nvSpPr>
-          <p:cNvPr id="252" name="Rectangle 76"/>
+          <p:cNvPr id="254" name="Rectangle 76"/>
           <p:cNvSpPr/>
           <p:nvPr/>
         </p:nvSpPr>
         <p:spPr>
           <a:xfrm>
             <a:off x="10058400" y="0"/>
-            <a:ext cx="17280" cy="6856920"/>
+            <a:ext cx="16920" cy="6856560"/>
           </a:xfrm>
           <a:prstGeom prst="rect">
             <a:avLst/>
@@ -19713,6 +20047,11 @@
             <a:noAutofit/>
           </a:bodyPr>
           <a:p>
+            <a:pPr>
+              <a:lnSpc>
+                <a:spcPct val="100000"/>
+              </a:lnSpc>
+            </a:pPr>
             <a:endParaRPr b="0" lang="en-US" sz="1800" spc="-1" strike="noStrike">
               <a:solidFill>
                 <a:schemeClr val="lt1"/>
@@ -19725,14 +20064,14 @@
       </p:sp>
       <p:sp>
         <p:nvSpPr>
-          <p:cNvPr id="253" name="Rectangle 77"/>
+          <p:cNvPr id="255" name="Rectangle 77"/>
           <p:cNvSpPr/>
           <p:nvPr/>
         </p:nvSpPr>
         <p:spPr>
           <a:xfrm>
             <a:off x="10972800" y="0"/>
-            <a:ext cx="17280" cy="6856920"/>
+            <a:ext cx="16920" cy="6856560"/>
           </a:xfrm>
           <a:prstGeom prst="rect">
             <a:avLst/>
@@ -19768,6 +20107,11 @@
             <a:noAutofit/>
           </a:bodyPr>
           <a:p>
+            <a:pPr>
+              <a:lnSpc>
+                <a:spcPct val="100000"/>
+              </a:lnSpc>
+            </a:pPr>
             <a:endParaRPr b="0" lang="en-US" sz="1800" spc="-1" strike="noStrike">
               <a:solidFill>
                 <a:schemeClr val="lt1"/>
@@ -19780,14 +20124,14 @@
       </p:sp>
       <p:sp>
         <p:nvSpPr>
-          <p:cNvPr id="254" name="Rectangle 78"/>
+          <p:cNvPr id="256" name="Rectangle 78"/>
           <p:cNvSpPr/>
           <p:nvPr/>
         </p:nvSpPr>
         <p:spPr>
           <a:xfrm>
             <a:off x="11887200" y="0"/>
-            <a:ext cx="17280" cy="6856920"/>
+            <a:ext cx="16920" cy="6856560"/>
           </a:xfrm>
           <a:prstGeom prst="rect">
             <a:avLst/>
@@ -19823,6 +20167,11 @@
             <a:noAutofit/>
           </a:bodyPr>
           <a:p>
+            <a:pPr>
+              <a:lnSpc>
+                <a:spcPct val="100000"/>
+              </a:lnSpc>
+            </a:pPr>
             <a:endParaRPr b="0" lang="en-US" sz="1800" spc="-1" strike="noStrike">
               <a:solidFill>
                 <a:schemeClr val="lt1"/>
@@ -19835,14 +20184,14 @@
       </p:sp>
       <p:sp>
         <p:nvSpPr>
-          <p:cNvPr id="255" name="Rectangle 79"/>
+          <p:cNvPr id="257" name="Rectangle 79"/>
           <p:cNvSpPr/>
           <p:nvPr/>
         </p:nvSpPr>
         <p:spPr>
           <a:xfrm>
             <a:off x="0" y="0"/>
-            <a:ext cx="318960" cy="6856920"/>
+            <a:ext cx="318600" cy="6856560"/>
           </a:xfrm>
           <a:prstGeom prst="rect">
             <a:avLst/>
@@ -19878,6 +20227,11 @@
             <a:noAutofit/>
           </a:bodyPr>
           <a:p>
+            <a:pPr>
+              <a:lnSpc>
+                <a:spcPct val="100000"/>
+              </a:lnSpc>
+            </a:pPr>
             <a:endParaRPr b="0" lang="en-US" sz="1800" spc="-1" strike="noStrike">
               <a:solidFill>
                 <a:schemeClr val="lt1"/>
@@ -19890,14 +20244,14 @@
       </p:sp>
       <p:sp>
         <p:nvSpPr>
-          <p:cNvPr id="256" name="Rounded Rectangle 29"/>
+          <p:cNvPr id="258" name="Rounded Rectangle 29"/>
           <p:cNvSpPr/>
           <p:nvPr/>
         </p:nvSpPr>
         <p:spPr>
           <a:xfrm>
             <a:off x="9875520" y="365760"/>
-            <a:ext cx="2010600" cy="501840"/>
+            <a:ext cx="2010240" cy="501480"/>
           </a:xfrm>
           <a:prstGeom prst="roundRect">
             <a:avLst>
@@ -19964,7 +20318,7 @@
       </p:sp>
       <p:sp>
         <p:nvSpPr>
-          <p:cNvPr id="257" name="TextBox 10"/>
+          <p:cNvPr id="259" name="TextBox 10"/>
           <p:cNvSpPr/>
           <p:nvPr/>
         </p:nvSpPr>
@@ -20018,7 +20372,7 @@
       </p:sp>
       <p:sp>
         <p:nvSpPr>
-          <p:cNvPr id="258" name="TextBox 11"/>
+          <p:cNvPr id="260" name="TextBox 11"/>
           <p:cNvSpPr/>
           <p:nvPr/>
         </p:nvSpPr>
@@ -20072,14 +20426,14 @@
       </p:sp>
       <p:sp>
         <p:nvSpPr>
-          <p:cNvPr id="259" name="Rounded Rectangle 30"/>
+          <p:cNvPr id="261" name="Rounded Rectangle 30"/>
           <p:cNvSpPr/>
           <p:nvPr/>
         </p:nvSpPr>
         <p:spPr>
           <a:xfrm>
             <a:off x="987480" y="3182040"/>
-            <a:ext cx="3290760" cy="2742120"/>
+            <a:ext cx="3290400" cy="2741760"/>
           </a:xfrm>
           <a:prstGeom prst="roundRect">
             <a:avLst>
@@ -20117,6 +20471,11 @@
             <a:noAutofit/>
           </a:bodyPr>
           <a:p>
+            <a:pPr>
+              <a:lnSpc>
+                <a:spcPct val="100000"/>
+              </a:lnSpc>
+            </a:pPr>
             <a:endParaRPr b="0" lang="en-US" sz="1800" spc="-1" strike="noStrike">
               <a:solidFill>
                 <a:schemeClr val="lt1"/>
@@ -20129,14 +20488,14 @@
       </p:sp>
       <p:sp>
         <p:nvSpPr>
-          <p:cNvPr id="260" name="Rounded Rectangle 31"/>
+          <p:cNvPr id="262" name="Rounded Rectangle 31"/>
           <p:cNvSpPr/>
           <p:nvPr/>
         </p:nvSpPr>
         <p:spPr>
           <a:xfrm>
             <a:off x="685800" y="3108960"/>
-            <a:ext cx="3519360" cy="3063240"/>
+            <a:ext cx="3519000" cy="3062880"/>
           </a:xfrm>
           <a:prstGeom prst="roundRect">
             <a:avLst>
@@ -20196,7 +20555,7 @@
               <a:solidFill>
                 <a:srgbClr val="ffffff"/>
               </a:solidFill>
-              <a:latin typeface="Calibri"/>
+              <a:latin typeface="Arial"/>
             </a:endParaRPr>
           </a:p>
           <a:p>
@@ -20209,7 +20568,7 @@
               <a:solidFill>
                 <a:srgbClr val="ffffff"/>
               </a:solidFill>
-              <a:latin typeface="Calibri"/>
+              <a:latin typeface="Arial"/>
             </a:endParaRPr>
           </a:p>
           <a:p>
@@ -20242,7 +20601,7 @@
               <a:solidFill>
                 <a:srgbClr val="ffffff"/>
               </a:solidFill>
-              <a:latin typeface="Calibri"/>
+              <a:latin typeface="Arial"/>
             </a:endParaRPr>
           </a:p>
           <a:p>
@@ -20265,7 +20624,7 @@
               <a:solidFill>
                 <a:srgbClr val="ffffff"/>
               </a:solidFill>
-              <a:latin typeface="Calibri"/>
+              <a:latin typeface="Arial"/>
             </a:endParaRPr>
           </a:p>
           <a:p>
@@ -20278,7 +20637,7 @@
               <a:solidFill>
                 <a:srgbClr val="ffffff"/>
               </a:solidFill>
-              <a:latin typeface="Calibri"/>
+              <a:latin typeface="Arial"/>
             </a:endParaRPr>
           </a:p>
           <a:p>
@@ -20311,7 +20670,7 @@
               <a:solidFill>
                 <a:srgbClr val="ffffff"/>
               </a:solidFill>
-              <a:latin typeface="Calibri"/>
+              <a:latin typeface="Arial"/>
             </a:endParaRPr>
           </a:p>
           <a:p>
@@ -20334,7 +20693,7 @@
               <a:solidFill>
                 <a:srgbClr val="ffffff"/>
               </a:solidFill>
-              <a:latin typeface="Calibri"/>
+              <a:latin typeface="Arial"/>
             </a:endParaRPr>
           </a:p>
           <a:p>
@@ -20347,7 +20706,7 @@
               <a:solidFill>
                 <a:srgbClr val="ffffff"/>
               </a:solidFill>
-              <a:latin typeface="Calibri"/>
+              <a:latin typeface="Arial"/>
             </a:endParaRPr>
           </a:p>
           <a:p>
@@ -20380,7 +20739,7 @@
               <a:solidFill>
                 <a:srgbClr val="ffffff"/>
               </a:solidFill>
-              <a:latin typeface="Calibri"/>
+              <a:latin typeface="Arial"/>
             </a:endParaRPr>
           </a:p>
           <a:p>
@@ -20403,7 +20762,7 @@
               <a:solidFill>
                 <a:srgbClr val="ffffff"/>
               </a:solidFill>
-              <a:latin typeface="Calibri"/>
+              <a:latin typeface="Arial"/>
             </a:endParaRPr>
           </a:p>
           <a:p>
@@ -20416,7 +20775,7 @@
               <a:solidFill>
                 <a:srgbClr val="ffffff"/>
               </a:solidFill>
-              <a:latin typeface="Calibri"/>
+              <a:latin typeface="Arial"/>
             </a:endParaRPr>
           </a:p>
           <a:p>
@@ -20439,7 +20798,7 @@
               <a:solidFill>
                 <a:srgbClr val="ffffff"/>
               </a:solidFill>
-              <a:latin typeface="Calibri"/>
+              <a:latin typeface="Arial"/>
             </a:endParaRPr>
           </a:p>
           <a:p>
@@ -20462,7 +20821,7 @@
               <a:solidFill>
                 <a:srgbClr val="ffffff"/>
               </a:solidFill>
-              <a:latin typeface="Calibri"/>
+              <a:latin typeface="Arial"/>
             </a:endParaRPr>
           </a:p>
           <a:p>
@@ -20485,7 +20844,7 @@
               <a:solidFill>
                 <a:srgbClr val="ffffff"/>
               </a:solidFill>
-              <a:latin typeface="Calibri"/>
+              <a:latin typeface="Arial"/>
             </a:endParaRPr>
           </a:p>
           <a:p>
@@ -20508,21 +20867,21 @@
               <a:solidFill>
                 <a:srgbClr val="ffffff"/>
               </a:solidFill>
-              <a:latin typeface="Calibri"/>
-            </a:endParaRPr>
-          </a:p>
-        </p:txBody>
-      </p:sp>
-      <p:sp>
-        <p:nvSpPr>
-          <p:cNvPr id="261" name="Rounded Rectangle 32"/>
+              <a:latin typeface="Arial"/>
+            </a:endParaRPr>
+          </a:p>
+        </p:txBody>
+      </p:sp>
+      <p:sp>
+        <p:nvSpPr>
+          <p:cNvPr id="263" name="Rounded Rectangle 32"/>
           <p:cNvSpPr/>
           <p:nvPr/>
         </p:nvSpPr>
         <p:spPr>
           <a:xfrm>
             <a:off x="4507920" y="3182040"/>
-            <a:ext cx="3290760" cy="2742120"/>
+            <a:ext cx="3290400" cy="2741760"/>
           </a:xfrm>
           <a:prstGeom prst="roundRect">
             <a:avLst>
@@ -20560,6 +20919,11 @@
             <a:noAutofit/>
           </a:bodyPr>
           <a:p>
+            <a:pPr>
+              <a:lnSpc>
+                <a:spcPct val="100000"/>
+              </a:lnSpc>
+            </a:pPr>
             <a:endParaRPr b="0" lang="en-US" sz="1800" spc="-1" strike="noStrike">
               <a:solidFill>
                 <a:schemeClr val="lt1"/>
@@ -20572,14 +20936,14 @@
       </p:sp>
       <p:sp>
         <p:nvSpPr>
-          <p:cNvPr id="262" name="Rounded Rectangle 33"/>
+          <p:cNvPr id="264" name="Rounded Rectangle 33"/>
           <p:cNvSpPr/>
           <p:nvPr/>
         </p:nvSpPr>
         <p:spPr>
           <a:xfrm>
             <a:off x="4434840" y="3108960"/>
-            <a:ext cx="3290760" cy="2742120"/>
+            <a:ext cx="3290400" cy="2741760"/>
           </a:xfrm>
           <a:prstGeom prst="roundRect">
             <a:avLst>
@@ -21041,14 +21405,14 @@
       </p:sp>
       <p:sp>
         <p:nvSpPr>
-          <p:cNvPr id="263" name="Rounded Rectangle 34"/>
+          <p:cNvPr id="265" name="Rounded Rectangle 34"/>
           <p:cNvSpPr/>
           <p:nvPr/>
         </p:nvSpPr>
         <p:spPr>
           <a:xfrm>
             <a:off x="8028360" y="3182040"/>
-            <a:ext cx="3290760" cy="2742120"/>
+            <a:ext cx="3290400" cy="2741760"/>
           </a:xfrm>
           <a:prstGeom prst="roundRect">
             <a:avLst>
@@ -21086,6 +21450,11 @@
             <a:noAutofit/>
           </a:bodyPr>
           <a:p>
+            <a:pPr>
+              <a:lnSpc>
+                <a:spcPct val="100000"/>
+              </a:lnSpc>
+            </a:pPr>
             <a:endParaRPr b="0" lang="en-US" sz="1800" spc="-1" strike="noStrike">
               <a:solidFill>
                 <a:schemeClr val="lt1"/>
@@ -21098,14 +21467,14 @@
       </p:sp>
       <p:sp>
         <p:nvSpPr>
-          <p:cNvPr id="264" name="Rounded Rectangle 35"/>
+          <p:cNvPr id="266" name="Rounded Rectangle 35"/>
           <p:cNvSpPr/>
           <p:nvPr/>
         </p:nvSpPr>
         <p:spPr>
           <a:xfrm>
             <a:off x="7955280" y="3108960"/>
-            <a:ext cx="3290760" cy="2742120"/>
+            <a:ext cx="3290400" cy="2741760"/>
           </a:xfrm>
           <a:prstGeom prst="roundRect">
             <a:avLst>
@@ -21464,14 +21833,14 @@
       </p:sp>
       <p:sp>
         <p:nvSpPr>
-          <p:cNvPr id="265" name="TextBox 12"/>
+          <p:cNvPr id="267" name="TextBox 12"/>
           <p:cNvSpPr/>
           <p:nvPr/>
         </p:nvSpPr>
         <p:spPr>
           <a:xfrm>
             <a:off x="4600080" y="6446520"/>
-            <a:ext cx="3051720" cy="363960"/>
+            <a:ext cx="3051360" cy="363960"/>
           </a:xfrm>
           <a:prstGeom prst="rect">
             <a:avLst/>
@@ -22212,10 +22581,10 @@
   <a:themeElements>
     <a:clrScheme name="Office">
       <a:dk1>
-        <a:sysClr val="windowText" lastClr="000000"/>
+        <a:srgbClr val="000000"/>
       </a:dk1>
       <a:lt1>
-        <a:sysClr val="window" lastClr="FFFFFF"/>
+        <a:srgbClr val="ffffff"/>
       </a:lt1>
       <a:dk2>
         <a:srgbClr val="1f497d"/>

--- a/Java/Java #2/EN/Java #2.pptx
+++ b/Java/Java #2/EN/Java #2.pptx
@@ -6,12 +6,15 @@
     <p:sldMasterId id="2147483661" r:id="rId3"/>
     <p:sldMasterId id="2147483674" r:id="rId4"/>
     <p:sldMasterId id="2147483687" r:id="rId5"/>
+    <p:sldMasterId id="2147483700" r:id="rId6"/>
   </p:sldMasterIdLst>
   <p:sldIdLst>
-    <p:sldId id="256" r:id="rId6"/>
-    <p:sldId id="257" r:id="rId7"/>
-    <p:sldId id="258" r:id="rId8"/>
-    <p:sldId id="259" r:id="rId9"/>
+    <p:sldId id="256" r:id="rId7"/>
+    <p:sldId id="257" r:id="rId8"/>
+    <p:sldId id="258" r:id="rId9"/>
+    <p:sldId id="259" r:id="rId10"/>
+    <p:sldId id="260" r:id="rId11"/>
+    <p:sldId id="261" r:id="rId12"/>
   </p:sldIdLst>
   <p:sldSz cx="9144000" cy="6858000"/>
   <p:notesSz cx="7772400" cy="10058400"/>
@@ -69,7 +72,7 @@
         <p:txBody>
           <a:bodyPr/>
           <a:p>
-            <a:fld id="{000EFABC-0826-4893-8ADF-6A205CAFC26C}" type="slidenum">
+            <a:fld id="{6DA8CC0A-E412-474D-B022-7575A9753948}" type="slidenum">
               <a:t>&lt;#&gt;</a:t>
             </a:fld>
           </a:p>
@@ -278,7 +281,7 @@
         <p:txBody>
           <a:bodyPr/>
           <a:p>
-            <a:fld id="{6A330070-C7F5-400A-905E-9C9E07B21E5F}" type="slidenum">
+            <a:fld id="{F5E22A53-EB41-41AE-ACF7-C0E496A0F16F}" type="slidenum">
               <a:t>&lt;#&gt;</a:t>
             </a:fld>
           </a:p>
@@ -573,7 +576,7 @@
         <p:txBody>
           <a:bodyPr/>
           <a:p>
-            <a:fld id="{895EA6E4-79FA-4C2A-BA40-49ED1E9D689F}" type="slidenum">
+            <a:fld id="{735C2A46-6512-4229-B3BB-12A647C195D0}" type="slidenum">
               <a:t>&lt;#&gt;</a:t>
             </a:fld>
           </a:p>
@@ -954,7 +957,7 @@
         <p:txBody>
           <a:bodyPr/>
           <a:p>
-            <a:fld id="{C2612F98-EC78-4DA0-B989-65B295A1D1E7}" type="slidenum">
+            <a:fld id="{E35E1C70-0482-4995-9094-D57853156C00}" type="slidenum">
               <a:t>&lt;#&gt;</a:t>
             </a:fld>
           </a:p>
@@ -1037,7 +1040,7 @@
         <p:txBody>
           <a:bodyPr/>
           <a:p>
-            <a:fld id="{85D85CAB-8752-44FA-A45B-B50C1DDC773C}" type="slidenum">
+            <a:fld id="{9D2B0E96-1542-4981-870F-07A2C7881C7C}" type="slidenum">
               <a:t>&lt;#&gt;</a:t>
             </a:fld>
           </a:p>
@@ -1200,7 +1203,7 @@
         <p:txBody>
           <a:bodyPr/>
           <a:p>
-            <a:fld id="{86F4FC6B-CA3E-493D-A239-EEA8501E9B5E}" type="slidenum">
+            <a:fld id="{8E5EED53-03A9-43F5-949B-EFF3FAA68F2E}" type="slidenum">
               <a:t>&lt;#&gt;</a:t>
             </a:fld>
           </a:p>
@@ -1366,7 +1369,7 @@
         <p:txBody>
           <a:bodyPr/>
           <a:p>
-            <a:fld id="{CC0FA3BF-ABFB-4113-B9F5-AC2D1DD24AB9}" type="slidenum">
+            <a:fld id="{A4657F02-4CB3-48F2-A656-3CB3833A4A09}" type="slidenum">
               <a:t>&lt;#&gt;</a:t>
             </a:fld>
           </a:p>
@@ -1575,7 +1578,7 @@
         <p:txBody>
           <a:bodyPr/>
           <a:p>
-            <a:fld id="{AB82AF6E-4FBC-4D6B-9280-B13122D97BDD}" type="slidenum">
+            <a:fld id="{9CE8A480-CB46-4F95-909D-0EEDD607C995}" type="slidenum">
               <a:t>&lt;#&gt;</a:t>
             </a:fld>
           </a:p>
@@ -1698,7 +1701,7 @@
         <p:txBody>
           <a:bodyPr/>
           <a:p>
-            <a:fld id="{CE1B671B-C0B0-4714-9ADA-2C38B6625D80}" type="slidenum">
+            <a:fld id="{3111DB13-3DD4-40DD-9D92-BB5D1134D79D}" type="slidenum">
               <a:t>&lt;#&gt;</a:t>
             </a:fld>
           </a:p>
@@ -1819,7 +1822,7 @@
         <p:txBody>
           <a:bodyPr/>
           <a:p>
-            <a:fld id="{FD6E7C9D-0872-40CD-8204-4A41EAB8C8E2}" type="slidenum">
+            <a:fld id="{10B26C93-C1BB-4C28-9C6F-AC8177F1D512}" type="slidenum">
               <a:t>&lt;#&gt;</a:t>
             </a:fld>
           </a:p>
@@ -2071,7 +2074,7 @@
         <p:txBody>
           <a:bodyPr/>
           <a:p>
-            <a:fld id="{5D842D4F-4EE1-49FF-8BD8-2CB5AC03A534}" type="slidenum">
+            <a:fld id="{7F83FEA3-899F-44A1-81F4-651F4A647E82}" type="slidenum">
               <a:t>&lt;#&gt;</a:t>
             </a:fld>
           </a:p>
@@ -2234,7 +2237,7 @@
         <p:txBody>
           <a:bodyPr/>
           <a:p>
-            <a:fld id="{DD927B76-89B3-4EE8-8583-43214D61D7EA}" type="slidenum">
+            <a:fld id="{0BFC5530-4C1B-4639-B032-6B734B09A526}" type="slidenum">
               <a:t>&lt;#&gt;</a:t>
             </a:fld>
           </a:p>
@@ -2486,7 +2489,7 @@
         <p:txBody>
           <a:bodyPr/>
           <a:p>
-            <a:fld id="{3AFB4F79-870A-4FC9-AA17-3FF2B11F27A4}" type="slidenum">
+            <a:fld id="{DD3D5F5D-7D0B-40CB-8C55-236B41999477}" type="slidenum">
               <a:t>&lt;#&gt;</a:t>
             </a:fld>
           </a:p>
@@ -2738,7 +2741,7 @@
         <p:txBody>
           <a:bodyPr/>
           <a:p>
-            <a:fld id="{7CA7C072-96D9-47DF-B2A6-C388CD67542F}" type="slidenum">
+            <a:fld id="{E112F5A6-2747-432D-96EC-BC087F7A7458}" type="slidenum">
               <a:t>&lt;#&gt;</a:t>
             </a:fld>
           </a:p>
@@ -2947,7 +2950,7 @@
         <p:txBody>
           <a:bodyPr/>
           <a:p>
-            <a:fld id="{E01EF672-9348-494B-A8A8-3C33F5EC58D2}" type="slidenum">
+            <a:fld id="{7B3751E4-5358-4975-B2F6-E47763905C7E}" type="slidenum">
               <a:t>&lt;#&gt;</a:t>
             </a:fld>
           </a:p>
@@ -3242,7 +3245,7 @@
         <p:txBody>
           <a:bodyPr/>
           <a:p>
-            <a:fld id="{99FB6DA3-56D4-410B-ADB6-C6C6EA978BDE}" type="slidenum">
+            <a:fld id="{12DDEB9B-DCA1-4B01-9928-BA07C3E50A58}" type="slidenum">
               <a:t>&lt;#&gt;</a:t>
             </a:fld>
           </a:p>
@@ -3623,7 +3626,7 @@
         <p:txBody>
           <a:bodyPr/>
           <a:p>
-            <a:fld id="{A49CA3D7-C3DD-457F-965A-4EE50101C43A}" type="slidenum">
+            <a:fld id="{67488D41-AB89-47B1-B7C6-5B56E4D75617}" type="slidenum">
               <a:t>&lt;#&gt;</a:t>
             </a:fld>
           </a:p>
@@ -3706,7 +3709,7 @@
         <p:txBody>
           <a:bodyPr/>
           <a:p>
-            <a:fld id="{38AE9631-FF82-4463-9864-868A09673266}" type="slidenum">
+            <a:fld id="{50A6C6D9-5BCA-4262-8FC4-E27080E693D5}" type="slidenum">
               <a:t>&lt;#&gt;</a:t>
             </a:fld>
           </a:p>
@@ -3869,7 +3872,7 @@
         <p:txBody>
           <a:bodyPr/>
           <a:p>
-            <a:fld id="{C565BC38-0C4B-46E5-9B82-EB2D1C582B16}" type="slidenum">
+            <a:fld id="{24B19B95-4093-4794-81BE-B9F15BEAB243}" type="slidenum">
               <a:t>&lt;#&gt;</a:t>
             </a:fld>
           </a:p>
@@ -4035,7 +4038,7 @@
         <p:txBody>
           <a:bodyPr/>
           <a:p>
-            <a:fld id="{6F47CAAC-FF14-4700-B1EA-08B3AD5FDF69}" type="slidenum">
+            <a:fld id="{C3800CDD-5AA5-4317-9F63-E346C797F3A7}" type="slidenum">
               <a:t>&lt;#&gt;</a:t>
             </a:fld>
           </a:p>
@@ -4244,7 +4247,7 @@
         <p:txBody>
           <a:bodyPr/>
           <a:p>
-            <a:fld id="{B4DF6592-8C8D-4132-A7D1-21AEF6FC8C06}" type="slidenum">
+            <a:fld id="{0599DE2E-FBD7-4069-AA15-965C9B407D18}" type="slidenum">
               <a:t>&lt;#&gt;</a:t>
             </a:fld>
           </a:p>
@@ -4367,7 +4370,7 @@
         <p:txBody>
           <a:bodyPr/>
           <a:p>
-            <a:fld id="{ADF6F165-2E68-4D07-BC2D-1551C72FB415}" type="slidenum">
+            <a:fld id="{32668940-9600-4329-8141-B4C26D673CB7}" type="slidenum">
               <a:t>&lt;#&gt;</a:t>
             </a:fld>
           </a:p>
@@ -4533,7 +4536,7 @@
         <p:txBody>
           <a:bodyPr/>
           <a:p>
-            <a:fld id="{E351B0C6-5285-4CF8-8362-B2EBF3ADFE70}" type="slidenum">
+            <a:fld id="{5574992E-7640-4612-8C96-87EA919F5048}" type="slidenum">
               <a:t>&lt;#&gt;</a:t>
             </a:fld>
           </a:p>
@@ -4654,7 +4657,7 @@
         <p:txBody>
           <a:bodyPr/>
           <a:p>
-            <a:fld id="{95D1CB66-5EDC-4868-8BFE-992A201873E0}" type="slidenum">
+            <a:fld id="{D593125F-3B36-48BD-BE1B-E65E6AE9046B}" type="slidenum">
               <a:t>&lt;#&gt;</a:t>
             </a:fld>
           </a:p>
@@ -4906,7 +4909,7 @@
         <p:txBody>
           <a:bodyPr/>
           <a:p>
-            <a:fld id="{85BF4386-513A-4D5E-9BBD-A83AE7335392}" type="slidenum">
+            <a:fld id="{3AB00611-1268-43E6-A917-B2035786B222}" type="slidenum">
               <a:t>&lt;#&gt;</a:t>
             </a:fld>
           </a:p>
@@ -5158,7 +5161,7 @@
         <p:txBody>
           <a:bodyPr/>
           <a:p>
-            <a:fld id="{FEE28798-AF4F-4C04-986C-594B9130D794}" type="slidenum">
+            <a:fld id="{43DF04CE-6B88-4F64-9045-B9F4ECCBC6F2}" type="slidenum">
               <a:t>&lt;#&gt;</a:t>
             </a:fld>
           </a:p>
@@ -5410,7 +5413,7 @@
         <p:txBody>
           <a:bodyPr/>
           <a:p>
-            <a:fld id="{A34EED23-7939-4CA5-895A-BD031E8529D6}" type="slidenum">
+            <a:fld id="{D52A1FE3-1E6E-432B-91EB-E0C19ABF5916}" type="slidenum">
               <a:t>&lt;#&gt;</a:t>
             </a:fld>
           </a:p>
@@ -5619,7 +5622,7 @@
         <p:txBody>
           <a:bodyPr/>
           <a:p>
-            <a:fld id="{51876836-7FB9-4D99-A103-BA5B7C60DEED}" type="slidenum">
+            <a:fld id="{C0A90EF7-5703-48D0-99B8-58AD28DD046B}" type="slidenum">
               <a:t>&lt;#&gt;</a:t>
             </a:fld>
           </a:p>
@@ -5914,7 +5917,7 @@
         <p:txBody>
           <a:bodyPr/>
           <a:p>
-            <a:fld id="{379C17BD-8FE7-4BBD-A2D6-3A5709A9D94D}" type="slidenum">
+            <a:fld id="{68673A61-D109-4E27-BBD6-DC3A1A587ACD}" type="slidenum">
               <a:t>&lt;#&gt;</a:t>
             </a:fld>
           </a:p>
@@ -6295,7 +6298,7 @@
         <p:txBody>
           <a:bodyPr/>
           <a:p>
-            <a:fld id="{B8A5E983-CA28-4CCE-91FD-1728A97F5D5B}" type="slidenum">
+            <a:fld id="{81F8BE33-CE4C-4865-948D-04362759E252}" type="slidenum">
               <a:t>&lt;#&gt;</a:t>
             </a:fld>
           </a:p>
@@ -6378,7 +6381,7 @@
         <p:txBody>
           <a:bodyPr/>
           <a:p>
-            <a:fld id="{141C8D1B-07E1-424B-B9EF-4BE98A76FA5C}" type="slidenum">
+            <a:fld id="{B8F6342E-7F06-48A0-9A07-1BA6C4EC2F44}" type="slidenum">
               <a:t>&lt;#&gt;</a:t>
             </a:fld>
           </a:p>
@@ -6429,7 +6432,7 @@
       </p:grpSpPr>
       <p:sp>
         <p:nvSpPr>
-          <p:cNvPr id="128" name="PlaceHolder 1"/>
+          <p:cNvPr id="126" name="PlaceHolder 1"/>
           <p:cNvSpPr>
             <a:spLocks noGrp="1"/>
           </p:cNvSpPr>
@@ -6469,7 +6472,7 @@
       </p:sp>
       <p:sp>
         <p:nvSpPr>
-          <p:cNvPr id="129" name="PlaceHolder 2"/>
+          <p:cNvPr id="127" name="PlaceHolder 2"/>
           <p:cNvSpPr>
             <a:spLocks noGrp="1"/>
           </p:cNvSpPr>
@@ -6541,7 +6544,7 @@
         <p:txBody>
           <a:bodyPr/>
           <a:p>
-            <a:fld id="{23FC1441-6C8B-400A-9CD7-82550AEFBC20}" type="slidenum">
+            <a:fld id="{F21D4630-BF4E-4390-A9B7-AAC3FC28CF8F}" type="slidenum">
               <a:t>&lt;#&gt;</a:t>
             </a:fld>
           </a:p>
@@ -6592,7 +6595,7 @@
       </p:grpSpPr>
       <p:sp>
         <p:nvSpPr>
-          <p:cNvPr id="130" name="PlaceHolder 1"/>
+          <p:cNvPr id="128" name="PlaceHolder 1"/>
           <p:cNvSpPr>
             <a:spLocks noGrp="1"/>
           </p:cNvSpPr>
@@ -6632,7 +6635,7 @@
       </p:sp>
       <p:sp>
         <p:nvSpPr>
-          <p:cNvPr id="131" name="PlaceHolder 2"/>
+          <p:cNvPr id="129" name="PlaceHolder 2"/>
           <p:cNvSpPr>
             <a:spLocks noGrp="1"/>
           </p:cNvSpPr>
@@ -6707,7 +6710,7 @@
         <p:txBody>
           <a:bodyPr/>
           <a:p>
-            <a:fld id="{19185ED7-25FC-4F6B-B029-73F87C15949C}" type="slidenum">
+            <a:fld id="{4BFAFE9B-CD04-4324-BA58-F23DD2B293F6}" type="slidenum">
               <a:t>&lt;#&gt;</a:t>
             </a:fld>
           </a:p>
@@ -6916,7 +6919,7 @@
         <p:txBody>
           <a:bodyPr/>
           <a:p>
-            <a:fld id="{97EDD068-3647-4EC8-B4C8-1EF37BF8AF07}" type="slidenum">
+            <a:fld id="{A1530B4A-7048-46FC-924D-FD7E4E06EB2F}" type="slidenum">
               <a:t>&lt;#&gt;</a:t>
             </a:fld>
           </a:p>
@@ -6967,7 +6970,7 @@
       </p:grpSpPr>
       <p:sp>
         <p:nvSpPr>
-          <p:cNvPr id="132" name="PlaceHolder 1"/>
+          <p:cNvPr id="130" name="PlaceHolder 1"/>
           <p:cNvSpPr>
             <a:spLocks noGrp="1"/>
           </p:cNvSpPr>
@@ -7007,7 +7010,7 @@
       </p:sp>
       <p:sp>
         <p:nvSpPr>
-          <p:cNvPr id="133" name="PlaceHolder 2"/>
+          <p:cNvPr id="131" name="PlaceHolder 2"/>
           <p:cNvSpPr>
             <a:spLocks noGrp="1"/>
           </p:cNvSpPr>
@@ -7050,7 +7053,7 @@
       </p:sp>
       <p:sp>
         <p:nvSpPr>
-          <p:cNvPr id="134" name="PlaceHolder 3"/>
+          <p:cNvPr id="132" name="PlaceHolder 3"/>
           <p:cNvSpPr>
             <a:spLocks noGrp="1"/>
           </p:cNvSpPr>
@@ -7125,7 +7128,7 @@
         <p:txBody>
           <a:bodyPr/>
           <a:p>
-            <a:fld id="{A6C2F98E-2237-48F7-819A-9BA338C389F5}" type="slidenum">
+            <a:fld id="{3F3D8E0C-D053-4129-A9B8-0E1BB2F70F14}" type="slidenum">
               <a:t>&lt;#&gt;</a:t>
             </a:fld>
           </a:p>
@@ -7176,7 +7179,7 @@
       </p:grpSpPr>
       <p:sp>
         <p:nvSpPr>
-          <p:cNvPr id="135" name="PlaceHolder 1"/>
+          <p:cNvPr id="133" name="PlaceHolder 1"/>
           <p:cNvSpPr>
             <a:spLocks noGrp="1"/>
           </p:cNvSpPr>
@@ -7248,7 +7251,7 @@
         <p:txBody>
           <a:bodyPr/>
           <a:p>
-            <a:fld id="{9D426226-A900-4533-9DE5-3C2776566625}" type="slidenum">
+            <a:fld id="{2A77D188-7487-4787-8CD7-92F8BF0AF8EC}" type="slidenum">
               <a:t>&lt;#&gt;</a:t>
             </a:fld>
           </a:p>
@@ -7299,7 +7302,7 @@
       </p:grpSpPr>
       <p:sp>
         <p:nvSpPr>
-          <p:cNvPr id="136" name="PlaceHolder 1"/>
+          <p:cNvPr id="134" name="PlaceHolder 1"/>
           <p:cNvSpPr>
             <a:spLocks noGrp="1"/>
           </p:cNvSpPr>
@@ -7369,7 +7372,7 @@
         <p:txBody>
           <a:bodyPr/>
           <a:p>
-            <a:fld id="{26276816-3741-4875-AB79-575E5F3EADC9}" type="slidenum">
+            <a:fld id="{98FEBDDD-2B06-4ECA-B86F-71F871151ECD}" type="slidenum">
               <a:t>&lt;#&gt;</a:t>
             </a:fld>
           </a:p>
@@ -7420,7 +7423,7 @@
       </p:grpSpPr>
       <p:sp>
         <p:nvSpPr>
-          <p:cNvPr id="137" name="PlaceHolder 1"/>
+          <p:cNvPr id="135" name="PlaceHolder 1"/>
           <p:cNvSpPr>
             <a:spLocks noGrp="1"/>
           </p:cNvSpPr>
@@ -7460,7 +7463,7 @@
       </p:sp>
       <p:sp>
         <p:nvSpPr>
-          <p:cNvPr id="138" name="PlaceHolder 2"/>
+          <p:cNvPr id="136" name="PlaceHolder 2"/>
           <p:cNvSpPr>
             <a:spLocks noGrp="1"/>
           </p:cNvSpPr>
@@ -7503,7 +7506,7 @@
       </p:sp>
       <p:sp>
         <p:nvSpPr>
-          <p:cNvPr id="139" name="PlaceHolder 3"/>
+          <p:cNvPr id="137" name="PlaceHolder 3"/>
           <p:cNvSpPr>
             <a:spLocks noGrp="1"/>
           </p:cNvSpPr>
@@ -7546,7 +7549,7 @@
       </p:sp>
       <p:sp>
         <p:nvSpPr>
-          <p:cNvPr id="140" name="PlaceHolder 4"/>
+          <p:cNvPr id="138" name="PlaceHolder 4"/>
           <p:cNvSpPr>
             <a:spLocks noGrp="1"/>
           </p:cNvSpPr>
@@ -7621,7 +7624,7 @@
         <p:txBody>
           <a:bodyPr/>
           <a:p>
-            <a:fld id="{D11104B4-7F50-4687-8E5B-41C1F48C8A09}" type="slidenum">
+            <a:fld id="{7C97947D-5AE7-4C8E-9D7F-4286D961BF0D}" type="slidenum">
               <a:t>&lt;#&gt;</a:t>
             </a:fld>
           </a:p>
@@ -7672,7 +7675,7 @@
       </p:grpSpPr>
       <p:sp>
         <p:nvSpPr>
-          <p:cNvPr id="141" name="PlaceHolder 1"/>
+          <p:cNvPr id="139" name="PlaceHolder 1"/>
           <p:cNvSpPr>
             <a:spLocks noGrp="1"/>
           </p:cNvSpPr>
@@ -7712,7 +7715,7 @@
       </p:sp>
       <p:sp>
         <p:nvSpPr>
-          <p:cNvPr id="142" name="PlaceHolder 2"/>
+          <p:cNvPr id="140" name="PlaceHolder 2"/>
           <p:cNvSpPr>
             <a:spLocks noGrp="1"/>
           </p:cNvSpPr>
@@ -7755,7 +7758,7 @@
       </p:sp>
       <p:sp>
         <p:nvSpPr>
-          <p:cNvPr id="143" name="PlaceHolder 3"/>
+          <p:cNvPr id="141" name="PlaceHolder 3"/>
           <p:cNvSpPr>
             <a:spLocks noGrp="1"/>
           </p:cNvSpPr>
@@ -7798,7 +7801,7 @@
       </p:sp>
       <p:sp>
         <p:nvSpPr>
-          <p:cNvPr id="144" name="PlaceHolder 4"/>
+          <p:cNvPr id="142" name="PlaceHolder 4"/>
           <p:cNvSpPr>
             <a:spLocks noGrp="1"/>
           </p:cNvSpPr>
@@ -7873,7 +7876,7 @@
         <p:txBody>
           <a:bodyPr/>
           <a:p>
-            <a:fld id="{F6E4EB41-7198-4B41-92AF-F17CFBCAAA69}" type="slidenum">
+            <a:fld id="{2F0D5371-9F74-4DED-A9D6-9F19C7A26ABB}" type="slidenum">
               <a:t>&lt;#&gt;</a:t>
             </a:fld>
           </a:p>
@@ -7924,7 +7927,7 @@
       </p:grpSpPr>
       <p:sp>
         <p:nvSpPr>
-          <p:cNvPr id="145" name="PlaceHolder 1"/>
+          <p:cNvPr id="143" name="PlaceHolder 1"/>
           <p:cNvSpPr>
             <a:spLocks noGrp="1"/>
           </p:cNvSpPr>
@@ -7964,7 +7967,7 @@
       </p:sp>
       <p:sp>
         <p:nvSpPr>
-          <p:cNvPr id="146" name="PlaceHolder 2"/>
+          <p:cNvPr id="144" name="PlaceHolder 2"/>
           <p:cNvSpPr>
             <a:spLocks noGrp="1"/>
           </p:cNvSpPr>
@@ -8007,7 +8010,7 @@
       </p:sp>
       <p:sp>
         <p:nvSpPr>
-          <p:cNvPr id="147" name="PlaceHolder 3"/>
+          <p:cNvPr id="145" name="PlaceHolder 3"/>
           <p:cNvSpPr>
             <a:spLocks noGrp="1"/>
           </p:cNvSpPr>
@@ -8050,7 +8053,7 @@
       </p:sp>
       <p:sp>
         <p:nvSpPr>
-          <p:cNvPr id="148" name="PlaceHolder 4"/>
+          <p:cNvPr id="146" name="PlaceHolder 4"/>
           <p:cNvSpPr>
             <a:spLocks noGrp="1"/>
           </p:cNvSpPr>
@@ -8125,7 +8128,7 @@
         <p:txBody>
           <a:bodyPr/>
           <a:p>
-            <a:fld id="{6EBE2139-D094-4092-B269-22E200597EC7}" type="slidenum">
+            <a:fld id="{A9C17C4C-BEDA-4780-91EA-198C09141E28}" type="slidenum">
               <a:t>&lt;#&gt;</a:t>
             </a:fld>
           </a:p>
@@ -8176,7 +8179,7 @@
       </p:grpSpPr>
       <p:sp>
         <p:nvSpPr>
-          <p:cNvPr id="149" name="PlaceHolder 1"/>
+          <p:cNvPr id="147" name="PlaceHolder 1"/>
           <p:cNvSpPr>
             <a:spLocks noGrp="1"/>
           </p:cNvSpPr>
@@ -8216,7 +8219,7 @@
       </p:sp>
       <p:sp>
         <p:nvSpPr>
-          <p:cNvPr id="150" name="PlaceHolder 2"/>
+          <p:cNvPr id="148" name="PlaceHolder 2"/>
           <p:cNvSpPr>
             <a:spLocks noGrp="1"/>
           </p:cNvSpPr>
@@ -8259,7 +8262,7 @@
       </p:sp>
       <p:sp>
         <p:nvSpPr>
-          <p:cNvPr id="151" name="PlaceHolder 3"/>
+          <p:cNvPr id="149" name="PlaceHolder 3"/>
           <p:cNvSpPr>
             <a:spLocks noGrp="1"/>
           </p:cNvSpPr>
@@ -8334,7 +8337,7 @@
         <p:txBody>
           <a:bodyPr/>
           <a:p>
-            <a:fld id="{12BB5FC0-9BEB-4657-8EA2-97909A2E37BA}" type="slidenum">
+            <a:fld id="{04FD62A4-F5A4-412F-967C-C81D45724C37}" type="slidenum">
               <a:t>&lt;#&gt;</a:t>
             </a:fld>
           </a:p>
@@ -8385,7 +8388,7 @@
       </p:grpSpPr>
       <p:sp>
         <p:nvSpPr>
-          <p:cNvPr id="152" name="PlaceHolder 1"/>
+          <p:cNvPr id="150" name="PlaceHolder 1"/>
           <p:cNvSpPr>
             <a:spLocks noGrp="1"/>
           </p:cNvSpPr>
@@ -8425,7 +8428,7 @@
       </p:sp>
       <p:sp>
         <p:nvSpPr>
-          <p:cNvPr id="153" name="PlaceHolder 2"/>
+          <p:cNvPr id="151" name="PlaceHolder 2"/>
           <p:cNvSpPr>
             <a:spLocks noGrp="1"/>
           </p:cNvSpPr>
@@ -8468,7 +8471,7 @@
       </p:sp>
       <p:sp>
         <p:nvSpPr>
-          <p:cNvPr id="154" name="PlaceHolder 3"/>
+          <p:cNvPr id="152" name="PlaceHolder 3"/>
           <p:cNvSpPr>
             <a:spLocks noGrp="1"/>
           </p:cNvSpPr>
@@ -8511,7 +8514,7 @@
       </p:sp>
       <p:sp>
         <p:nvSpPr>
-          <p:cNvPr id="155" name="PlaceHolder 4"/>
+          <p:cNvPr id="153" name="PlaceHolder 4"/>
           <p:cNvSpPr>
             <a:spLocks noGrp="1"/>
           </p:cNvSpPr>
@@ -8554,7 +8557,7 @@
       </p:sp>
       <p:sp>
         <p:nvSpPr>
-          <p:cNvPr id="156" name="PlaceHolder 5"/>
+          <p:cNvPr id="154" name="PlaceHolder 5"/>
           <p:cNvSpPr>
             <a:spLocks noGrp="1"/>
           </p:cNvSpPr>
@@ -8629,7 +8632,7 @@
         <p:txBody>
           <a:bodyPr/>
           <a:p>
-            <a:fld id="{4A79FE56-55E8-4B5C-989D-46E9FD5AB853}" type="slidenum">
+            <a:fld id="{8866CBE2-5A49-4704-AC97-46B13F6C5AE3}" type="slidenum">
               <a:t>&lt;#&gt;</a:t>
             </a:fld>
           </a:p>
@@ -8680,7 +8683,7 @@
       </p:grpSpPr>
       <p:sp>
         <p:nvSpPr>
-          <p:cNvPr id="157" name="PlaceHolder 1"/>
+          <p:cNvPr id="155" name="PlaceHolder 1"/>
           <p:cNvSpPr>
             <a:spLocks noGrp="1"/>
           </p:cNvSpPr>
@@ -8720,7 +8723,7 @@
       </p:sp>
       <p:sp>
         <p:nvSpPr>
-          <p:cNvPr id="158" name="PlaceHolder 2"/>
+          <p:cNvPr id="156" name="PlaceHolder 2"/>
           <p:cNvSpPr>
             <a:spLocks noGrp="1"/>
           </p:cNvSpPr>
@@ -8763,7 +8766,7 @@
       </p:sp>
       <p:sp>
         <p:nvSpPr>
-          <p:cNvPr id="159" name="PlaceHolder 3"/>
+          <p:cNvPr id="157" name="PlaceHolder 3"/>
           <p:cNvSpPr>
             <a:spLocks noGrp="1"/>
           </p:cNvSpPr>
@@ -8806,7 +8809,7 @@
       </p:sp>
       <p:sp>
         <p:nvSpPr>
-          <p:cNvPr id="160" name="PlaceHolder 4"/>
+          <p:cNvPr id="158" name="PlaceHolder 4"/>
           <p:cNvSpPr>
             <a:spLocks noGrp="1"/>
           </p:cNvSpPr>
@@ -8849,7 +8852,7 @@
       </p:sp>
       <p:sp>
         <p:nvSpPr>
-          <p:cNvPr id="161" name="PlaceHolder 5"/>
+          <p:cNvPr id="159" name="PlaceHolder 5"/>
           <p:cNvSpPr>
             <a:spLocks noGrp="1"/>
           </p:cNvSpPr>
@@ -8892,7 +8895,7 @@
       </p:sp>
       <p:sp>
         <p:nvSpPr>
-          <p:cNvPr id="162" name="PlaceHolder 6"/>
+          <p:cNvPr id="160" name="PlaceHolder 6"/>
           <p:cNvSpPr>
             <a:spLocks noGrp="1"/>
           </p:cNvSpPr>
@@ -8935,7 +8938,7 @@
       </p:sp>
       <p:sp>
         <p:nvSpPr>
-          <p:cNvPr id="163" name="PlaceHolder 7"/>
+          <p:cNvPr id="161" name="PlaceHolder 7"/>
           <p:cNvSpPr>
             <a:spLocks noGrp="1"/>
           </p:cNvSpPr>
@@ -9010,7 +9013,7 @@
         <p:txBody>
           <a:bodyPr/>
           <a:p>
-            <a:fld id="{0B1147DD-B349-4759-AEFF-66144A0BA9F6}" type="slidenum">
+            <a:fld id="{AB841414-7DBE-4D40-8159-60D8C97B2B5C}" type="slidenum">
               <a:t>&lt;#&gt;</a:t>
             </a:fld>
           </a:p>
@@ -9024,6 +9027,89 @@
           </p:cNvSpPr>
           <p:nvPr>
             <p:ph type="dt" idx="12"/>
+          </p:nvPr>
+        </p:nvSpPr>
+        <p:spPr/>
+        <p:txBody>
+          <a:bodyPr/>
+          <a:p>
+            <a:r>
+              <a:rPr lang="en-US"/>
+              <a:t/>
+            </a:r>
+          </a:p>
+        </p:txBody>
+      </p:sp>
+    </p:spTree>
+  </p:cSld>
+</p:sldLayout>
+</file>
+
+<file path=ppt/slideLayouts/slideLayout49.xml><?xml version="1.0" encoding="utf-8"?>
+<p:sldLayout xmlns:a="http://schemas.openxmlformats.org/drawingml/2006/main" xmlns:p="http://schemas.openxmlformats.org/presentationml/2006/main" xmlns:r="http://schemas.openxmlformats.org/officeDocument/2006/relationships" xmlns:p14="http://schemas.microsoft.com/office/powerpoint/2010/main" xmlns:p15="http://schemas.microsoft.com/office/powerpoint/2012/main" xmlns:mc="http://schemas.openxmlformats.org/markup-compatibility/2006" type="blank" preserve="1">
+  <p:cSld name="Blank Slide">
+    <p:spTree>
+      <p:nvGrpSpPr>
+        <p:cNvPr id="1" name=""/>
+        <p:cNvGrpSpPr/>
+        <p:nvPr/>
+      </p:nvGrpSpPr>
+      <p:grpSpPr>
+        <a:xfrm>
+          <a:off x="0" y="0"/>
+          <a:ext cx="0" cy="0"/>
+          <a:chOff x="0" y="0"/>
+          <a:chExt cx="0" cy="0"/>
+        </a:xfrm>
+      </p:grpSpPr>
+      <p:sp>
+        <p:nvSpPr>
+          <p:cNvPr id="2" name="PlaceHolder 1"/>
+          <p:cNvSpPr>
+            <a:spLocks noGrp="1"/>
+          </p:cNvSpPr>
+          <p:nvPr>
+            <p:ph type="ftr" idx="13"/>
+          </p:nvPr>
+        </p:nvSpPr>
+        <p:spPr/>
+        <p:txBody>
+          <a:bodyPr/>
+          <a:p>
+            <a:r>
+              <a:t>Footer</a:t>
+            </a:r>
+          </a:p>
+        </p:txBody>
+      </p:sp>
+      <p:sp>
+        <p:nvSpPr>
+          <p:cNvPr id="3" name="PlaceHolder 2"/>
+          <p:cNvSpPr>
+            <a:spLocks noGrp="1"/>
+          </p:cNvSpPr>
+          <p:nvPr>
+            <p:ph type="sldNum" idx="14"/>
+          </p:nvPr>
+        </p:nvSpPr>
+        <p:spPr/>
+        <p:txBody>
+          <a:bodyPr/>
+          <a:p>
+            <a:fld id="{7EB81ED8-4E20-474A-9E69-A0571A06D227}" type="slidenum">
+              <a:t>&lt;#&gt;</a:t>
+            </a:fld>
+          </a:p>
+        </p:txBody>
+      </p:sp>
+      <p:sp>
+        <p:nvSpPr>
+          <p:cNvPr id="4" name="PlaceHolder 3"/>
+          <p:cNvSpPr>
+            <a:spLocks noGrp="1"/>
+          </p:cNvSpPr>
+          <p:nvPr>
+            <p:ph type="dt" idx="15"/>
           </p:nvPr>
         </p:nvSpPr>
         <p:spPr/>
@@ -9133,7 +9219,7 @@
         <p:txBody>
           <a:bodyPr/>
           <a:p>
-            <a:fld id="{8DA47A07-CF44-4234-A241-C6E8A9E86EBF}" type="slidenum">
+            <a:fld id="{78BFB775-AD9E-4AFE-8119-EA4A575F0522}" type="slidenum">
               <a:t>&lt;#&gt;</a:t>
             </a:fld>
           </a:p>
@@ -9147,6 +9233,2048 @@
           </p:cNvSpPr>
           <p:nvPr>
             <p:ph type="dt" idx="3"/>
+          </p:nvPr>
+        </p:nvSpPr>
+        <p:spPr/>
+        <p:txBody>
+          <a:bodyPr/>
+          <a:p>
+            <a:r>
+              <a:rPr lang="en-US"/>
+              <a:t/>
+            </a:r>
+          </a:p>
+        </p:txBody>
+      </p:sp>
+    </p:spTree>
+  </p:cSld>
+</p:sldLayout>
+</file>
+
+<file path=ppt/slideLayouts/slideLayout50.xml><?xml version="1.0" encoding="utf-8"?>
+<p:sldLayout xmlns:a="http://schemas.openxmlformats.org/drawingml/2006/main" xmlns:p="http://schemas.openxmlformats.org/presentationml/2006/main" xmlns:r="http://schemas.openxmlformats.org/officeDocument/2006/relationships" xmlns:p14="http://schemas.microsoft.com/office/powerpoint/2010/main" xmlns:p15="http://schemas.microsoft.com/office/powerpoint/2012/main" xmlns:mc="http://schemas.openxmlformats.org/markup-compatibility/2006" type="tx" preserve="1">
+  <p:cSld name="Title Slide">
+    <p:spTree>
+      <p:nvGrpSpPr>
+        <p:cNvPr id="1" name=""/>
+        <p:cNvGrpSpPr/>
+        <p:nvPr/>
+      </p:nvGrpSpPr>
+      <p:grpSpPr>
+        <a:xfrm>
+          <a:off x="0" y="0"/>
+          <a:ext cx="0" cy="0"/>
+          <a:chOff x="0" y="0"/>
+          <a:chExt cx="0" cy="0"/>
+        </a:xfrm>
+      </p:grpSpPr>
+      <p:sp>
+        <p:nvSpPr>
+          <p:cNvPr id="167" name="PlaceHolder 1"/>
+          <p:cNvSpPr>
+            <a:spLocks noGrp="1"/>
+          </p:cNvSpPr>
+          <p:nvPr>
+            <p:ph type="title"/>
+          </p:nvPr>
+        </p:nvSpPr>
+        <p:spPr>
+          <a:xfrm>
+            <a:off x="457200" y="273600"/>
+            <a:ext cx="8229240" cy="1144800"/>
+          </a:xfrm>
+          <a:prstGeom prst="rect">
+            <a:avLst/>
+          </a:prstGeom>
+          <a:noFill/>
+          <a:ln w="0">
+            <a:noFill/>
+          </a:ln>
+        </p:spPr>
+        <p:txBody>
+          <a:bodyPr lIns="0" rIns="0" tIns="0" bIns="0" anchor="ctr">
+            <a:noAutofit/>
+          </a:bodyPr>
+          <a:p>
+            <a:pPr indent="0" algn="ctr">
+              <a:buNone/>
+            </a:pPr>
+            <a:endParaRPr b="0" lang="en-US" sz="4400" spc="-1" strike="noStrike">
+              <a:solidFill>
+                <a:srgbClr val="000000"/>
+              </a:solidFill>
+              <a:latin typeface="Arial"/>
+            </a:endParaRPr>
+          </a:p>
+        </p:txBody>
+      </p:sp>
+      <p:sp>
+        <p:nvSpPr>
+          <p:cNvPr id="168" name="PlaceHolder 2"/>
+          <p:cNvSpPr>
+            <a:spLocks noGrp="1"/>
+          </p:cNvSpPr>
+          <p:nvPr>
+            <p:ph type="subTitle"/>
+          </p:nvPr>
+        </p:nvSpPr>
+        <p:spPr>
+          <a:xfrm>
+            <a:off x="457200" y="1604520"/>
+            <a:ext cx="8229240" cy="3977280"/>
+          </a:xfrm>
+          <a:prstGeom prst="rect">
+            <a:avLst/>
+          </a:prstGeom>
+          <a:noFill/>
+          <a:ln w="0">
+            <a:noFill/>
+          </a:ln>
+        </p:spPr>
+        <p:txBody>
+          <a:bodyPr lIns="0" rIns="0" tIns="0" bIns="0" anchor="ctr">
+            <a:noAutofit/>
+          </a:bodyPr>
+          <a:p>
+            <a:pPr indent="0" algn="ctr">
+              <a:buNone/>
+            </a:pPr>
+            <a:endParaRPr b="0" lang="en-US" sz="3200" spc="-1" strike="noStrike">
+              <a:solidFill>
+                <a:srgbClr val="000000"/>
+              </a:solidFill>
+              <a:latin typeface="Arial"/>
+            </a:endParaRPr>
+          </a:p>
+        </p:txBody>
+      </p:sp>
+      <p:sp>
+        <p:nvSpPr>
+          <p:cNvPr id="4" name="PlaceHolder 3"/>
+          <p:cNvSpPr>
+            <a:spLocks noGrp="1"/>
+          </p:cNvSpPr>
+          <p:nvPr>
+            <p:ph type="ftr" idx="13"/>
+          </p:nvPr>
+        </p:nvSpPr>
+        <p:spPr/>
+        <p:txBody>
+          <a:bodyPr/>
+          <a:p>
+            <a:r>
+              <a:t>Footer</a:t>
+            </a:r>
+          </a:p>
+        </p:txBody>
+      </p:sp>
+      <p:sp>
+        <p:nvSpPr>
+          <p:cNvPr id="5" name="PlaceHolder 4"/>
+          <p:cNvSpPr>
+            <a:spLocks noGrp="1"/>
+          </p:cNvSpPr>
+          <p:nvPr>
+            <p:ph type="sldNum" idx="14"/>
+          </p:nvPr>
+        </p:nvSpPr>
+        <p:spPr/>
+        <p:txBody>
+          <a:bodyPr/>
+          <a:p>
+            <a:fld id="{E792499C-9CD6-49C6-96F1-FA8A8B8A6627}" type="slidenum">
+              <a:t>&lt;#&gt;</a:t>
+            </a:fld>
+          </a:p>
+        </p:txBody>
+      </p:sp>
+      <p:sp>
+        <p:nvSpPr>
+          <p:cNvPr id="6" name="PlaceHolder 5"/>
+          <p:cNvSpPr>
+            <a:spLocks noGrp="1"/>
+          </p:cNvSpPr>
+          <p:nvPr>
+            <p:ph type="dt" idx="15"/>
+          </p:nvPr>
+        </p:nvSpPr>
+        <p:spPr/>
+        <p:txBody>
+          <a:bodyPr/>
+          <a:p>
+            <a:r>
+              <a:rPr lang="en-US"/>
+              <a:t/>
+            </a:r>
+          </a:p>
+        </p:txBody>
+      </p:sp>
+    </p:spTree>
+  </p:cSld>
+</p:sldLayout>
+</file>
+
+<file path=ppt/slideLayouts/slideLayout51.xml><?xml version="1.0" encoding="utf-8"?>
+<p:sldLayout xmlns:a="http://schemas.openxmlformats.org/drawingml/2006/main" xmlns:p="http://schemas.openxmlformats.org/presentationml/2006/main" xmlns:r="http://schemas.openxmlformats.org/officeDocument/2006/relationships" xmlns:p14="http://schemas.microsoft.com/office/powerpoint/2010/main" xmlns:p15="http://schemas.microsoft.com/office/powerpoint/2012/main" xmlns:mc="http://schemas.openxmlformats.org/markup-compatibility/2006" type="obj" preserve="1">
+  <p:cSld name="Title, Content">
+    <p:spTree>
+      <p:nvGrpSpPr>
+        <p:cNvPr id="1" name=""/>
+        <p:cNvGrpSpPr/>
+        <p:nvPr/>
+      </p:nvGrpSpPr>
+      <p:grpSpPr>
+        <a:xfrm>
+          <a:off x="0" y="0"/>
+          <a:ext cx="0" cy="0"/>
+          <a:chOff x="0" y="0"/>
+          <a:chExt cx="0" cy="0"/>
+        </a:xfrm>
+      </p:grpSpPr>
+      <p:sp>
+        <p:nvSpPr>
+          <p:cNvPr id="169" name="PlaceHolder 1"/>
+          <p:cNvSpPr>
+            <a:spLocks noGrp="1"/>
+          </p:cNvSpPr>
+          <p:nvPr>
+            <p:ph type="title"/>
+          </p:nvPr>
+        </p:nvSpPr>
+        <p:spPr>
+          <a:xfrm>
+            <a:off x="457200" y="273600"/>
+            <a:ext cx="8229240" cy="1144800"/>
+          </a:xfrm>
+          <a:prstGeom prst="rect">
+            <a:avLst/>
+          </a:prstGeom>
+          <a:noFill/>
+          <a:ln w="0">
+            <a:noFill/>
+          </a:ln>
+        </p:spPr>
+        <p:txBody>
+          <a:bodyPr lIns="0" rIns="0" tIns="0" bIns="0" anchor="ctr">
+            <a:noAutofit/>
+          </a:bodyPr>
+          <a:p>
+            <a:pPr indent="0" algn="ctr">
+              <a:buNone/>
+            </a:pPr>
+            <a:endParaRPr b="0" lang="en-US" sz="4400" spc="-1" strike="noStrike">
+              <a:solidFill>
+                <a:srgbClr val="000000"/>
+              </a:solidFill>
+              <a:latin typeface="Arial"/>
+            </a:endParaRPr>
+          </a:p>
+        </p:txBody>
+      </p:sp>
+      <p:sp>
+        <p:nvSpPr>
+          <p:cNvPr id="170" name="PlaceHolder 2"/>
+          <p:cNvSpPr>
+            <a:spLocks noGrp="1"/>
+          </p:cNvSpPr>
+          <p:nvPr>
+            <p:ph/>
+          </p:nvPr>
+        </p:nvSpPr>
+        <p:spPr>
+          <a:xfrm>
+            <a:off x="457200" y="1604520"/>
+            <a:ext cx="8229240" cy="3977280"/>
+          </a:xfrm>
+          <a:prstGeom prst="rect">
+            <a:avLst/>
+          </a:prstGeom>
+          <a:noFill/>
+          <a:ln w="0">
+            <a:noFill/>
+          </a:ln>
+        </p:spPr>
+        <p:txBody>
+          <a:bodyPr lIns="0" rIns="0" tIns="0" bIns="0" anchor="t">
+            <a:normAutofit/>
+          </a:bodyPr>
+          <a:p>
+            <a:pPr indent="0">
+              <a:spcBef>
+                <a:spcPts val="1417"/>
+              </a:spcBef>
+              <a:buNone/>
+            </a:pPr>
+            <a:endParaRPr b="0" lang="en-US" sz="3200" spc="-1" strike="noStrike">
+              <a:solidFill>
+                <a:srgbClr val="000000"/>
+              </a:solidFill>
+              <a:latin typeface="Arial"/>
+            </a:endParaRPr>
+          </a:p>
+        </p:txBody>
+      </p:sp>
+      <p:sp>
+        <p:nvSpPr>
+          <p:cNvPr id="4" name="PlaceHolder 3"/>
+          <p:cNvSpPr>
+            <a:spLocks noGrp="1"/>
+          </p:cNvSpPr>
+          <p:nvPr>
+            <p:ph type="ftr" idx="13"/>
+          </p:nvPr>
+        </p:nvSpPr>
+        <p:spPr/>
+        <p:txBody>
+          <a:bodyPr/>
+          <a:p>
+            <a:r>
+              <a:t>Footer</a:t>
+            </a:r>
+          </a:p>
+        </p:txBody>
+      </p:sp>
+      <p:sp>
+        <p:nvSpPr>
+          <p:cNvPr id="5" name="PlaceHolder 4"/>
+          <p:cNvSpPr>
+            <a:spLocks noGrp="1"/>
+          </p:cNvSpPr>
+          <p:nvPr>
+            <p:ph type="sldNum" idx="14"/>
+          </p:nvPr>
+        </p:nvSpPr>
+        <p:spPr/>
+        <p:txBody>
+          <a:bodyPr/>
+          <a:p>
+            <a:fld id="{B34FAC6B-94F7-424C-8B91-18179BC03939}" type="slidenum">
+              <a:t>&lt;#&gt;</a:t>
+            </a:fld>
+          </a:p>
+        </p:txBody>
+      </p:sp>
+      <p:sp>
+        <p:nvSpPr>
+          <p:cNvPr id="6" name="PlaceHolder 5"/>
+          <p:cNvSpPr>
+            <a:spLocks noGrp="1"/>
+          </p:cNvSpPr>
+          <p:nvPr>
+            <p:ph type="dt" idx="15"/>
+          </p:nvPr>
+        </p:nvSpPr>
+        <p:spPr/>
+        <p:txBody>
+          <a:bodyPr/>
+          <a:p>
+            <a:r>
+              <a:rPr lang="en-US"/>
+              <a:t/>
+            </a:r>
+          </a:p>
+        </p:txBody>
+      </p:sp>
+    </p:spTree>
+  </p:cSld>
+</p:sldLayout>
+</file>
+
+<file path=ppt/slideLayouts/slideLayout52.xml><?xml version="1.0" encoding="utf-8"?>
+<p:sldLayout xmlns:a="http://schemas.openxmlformats.org/drawingml/2006/main" xmlns:p="http://schemas.openxmlformats.org/presentationml/2006/main" xmlns:r="http://schemas.openxmlformats.org/officeDocument/2006/relationships" xmlns:p14="http://schemas.microsoft.com/office/powerpoint/2010/main" xmlns:p15="http://schemas.microsoft.com/office/powerpoint/2012/main" xmlns:mc="http://schemas.openxmlformats.org/markup-compatibility/2006" type="twoObj" preserve="1">
+  <p:cSld name="Title, 2 Content">
+    <p:spTree>
+      <p:nvGrpSpPr>
+        <p:cNvPr id="1" name=""/>
+        <p:cNvGrpSpPr/>
+        <p:nvPr/>
+      </p:nvGrpSpPr>
+      <p:grpSpPr>
+        <a:xfrm>
+          <a:off x="0" y="0"/>
+          <a:ext cx="0" cy="0"/>
+          <a:chOff x="0" y="0"/>
+          <a:chExt cx="0" cy="0"/>
+        </a:xfrm>
+      </p:grpSpPr>
+      <p:sp>
+        <p:nvSpPr>
+          <p:cNvPr id="171" name="PlaceHolder 1"/>
+          <p:cNvSpPr>
+            <a:spLocks noGrp="1"/>
+          </p:cNvSpPr>
+          <p:nvPr>
+            <p:ph type="title"/>
+          </p:nvPr>
+        </p:nvSpPr>
+        <p:spPr>
+          <a:xfrm>
+            <a:off x="457200" y="273600"/>
+            <a:ext cx="8229240" cy="1144800"/>
+          </a:xfrm>
+          <a:prstGeom prst="rect">
+            <a:avLst/>
+          </a:prstGeom>
+          <a:noFill/>
+          <a:ln w="0">
+            <a:noFill/>
+          </a:ln>
+        </p:spPr>
+        <p:txBody>
+          <a:bodyPr lIns="0" rIns="0" tIns="0" bIns="0" anchor="ctr">
+            <a:noAutofit/>
+          </a:bodyPr>
+          <a:p>
+            <a:pPr indent="0" algn="ctr">
+              <a:buNone/>
+            </a:pPr>
+            <a:endParaRPr b="0" lang="en-US" sz="4400" spc="-1" strike="noStrike">
+              <a:solidFill>
+                <a:srgbClr val="000000"/>
+              </a:solidFill>
+              <a:latin typeface="Arial"/>
+            </a:endParaRPr>
+          </a:p>
+        </p:txBody>
+      </p:sp>
+      <p:sp>
+        <p:nvSpPr>
+          <p:cNvPr id="172" name="PlaceHolder 2"/>
+          <p:cNvSpPr>
+            <a:spLocks noGrp="1"/>
+          </p:cNvSpPr>
+          <p:nvPr>
+            <p:ph/>
+          </p:nvPr>
+        </p:nvSpPr>
+        <p:spPr>
+          <a:xfrm>
+            <a:off x="457200" y="1604520"/>
+            <a:ext cx="4015800" cy="3977280"/>
+          </a:xfrm>
+          <a:prstGeom prst="rect">
+            <a:avLst/>
+          </a:prstGeom>
+          <a:noFill/>
+          <a:ln w="0">
+            <a:noFill/>
+          </a:ln>
+        </p:spPr>
+        <p:txBody>
+          <a:bodyPr lIns="0" rIns="0" tIns="0" bIns="0" anchor="t">
+            <a:normAutofit/>
+          </a:bodyPr>
+          <a:p>
+            <a:pPr indent="0">
+              <a:spcBef>
+                <a:spcPts val="1417"/>
+              </a:spcBef>
+              <a:buNone/>
+            </a:pPr>
+            <a:endParaRPr b="0" lang="en-US" sz="3200" spc="-1" strike="noStrike">
+              <a:solidFill>
+                <a:srgbClr val="000000"/>
+              </a:solidFill>
+              <a:latin typeface="Arial"/>
+            </a:endParaRPr>
+          </a:p>
+        </p:txBody>
+      </p:sp>
+      <p:sp>
+        <p:nvSpPr>
+          <p:cNvPr id="173" name="PlaceHolder 3"/>
+          <p:cNvSpPr>
+            <a:spLocks noGrp="1"/>
+          </p:cNvSpPr>
+          <p:nvPr>
+            <p:ph/>
+          </p:nvPr>
+        </p:nvSpPr>
+        <p:spPr>
+          <a:xfrm>
+            <a:off x="4674240" y="1604520"/>
+            <a:ext cx="4015800" cy="3977280"/>
+          </a:xfrm>
+          <a:prstGeom prst="rect">
+            <a:avLst/>
+          </a:prstGeom>
+          <a:noFill/>
+          <a:ln w="0">
+            <a:noFill/>
+          </a:ln>
+        </p:spPr>
+        <p:txBody>
+          <a:bodyPr lIns="0" rIns="0" tIns="0" bIns="0" anchor="t">
+            <a:normAutofit/>
+          </a:bodyPr>
+          <a:p>
+            <a:pPr indent="0">
+              <a:spcBef>
+                <a:spcPts val="1417"/>
+              </a:spcBef>
+              <a:buNone/>
+            </a:pPr>
+            <a:endParaRPr b="0" lang="en-US" sz="3200" spc="-1" strike="noStrike">
+              <a:solidFill>
+                <a:srgbClr val="000000"/>
+              </a:solidFill>
+              <a:latin typeface="Arial"/>
+            </a:endParaRPr>
+          </a:p>
+        </p:txBody>
+      </p:sp>
+      <p:sp>
+        <p:nvSpPr>
+          <p:cNvPr id="5" name="PlaceHolder 4"/>
+          <p:cNvSpPr>
+            <a:spLocks noGrp="1"/>
+          </p:cNvSpPr>
+          <p:nvPr>
+            <p:ph type="ftr" idx="13"/>
+          </p:nvPr>
+        </p:nvSpPr>
+        <p:spPr/>
+        <p:txBody>
+          <a:bodyPr/>
+          <a:p>
+            <a:r>
+              <a:t>Footer</a:t>
+            </a:r>
+          </a:p>
+        </p:txBody>
+      </p:sp>
+      <p:sp>
+        <p:nvSpPr>
+          <p:cNvPr id="6" name="PlaceHolder 5"/>
+          <p:cNvSpPr>
+            <a:spLocks noGrp="1"/>
+          </p:cNvSpPr>
+          <p:nvPr>
+            <p:ph type="sldNum" idx="14"/>
+          </p:nvPr>
+        </p:nvSpPr>
+        <p:spPr/>
+        <p:txBody>
+          <a:bodyPr/>
+          <a:p>
+            <a:fld id="{30E09AD7-AC9D-43E7-8850-1E2D78CC2AA5}" type="slidenum">
+              <a:t>&lt;#&gt;</a:t>
+            </a:fld>
+          </a:p>
+        </p:txBody>
+      </p:sp>
+      <p:sp>
+        <p:nvSpPr>
+          <p:cNvPr id="7" name="PlaceHolder 6"/>
+          <p:cNvSpPr>
+            <a:spLocks noGrp="1"/>
+          </p:cNvSpPr>
+          <p:nvPr>
+            <p:ph type="dt" idx="15"/>
+          </p:nvPr>
+        </p:nvSpPr>
+        <p:spPr/>
+        <p:txBody>
+          <a:bodyPr/>
+          <a:p>
+            <a:r>
+              <a:rPr lang="en-US"/>
+              <a:t/>
+            </a:r>
+          </a:p>
+        </p:txBody>
+      </p:sp>
+    </p:spTree>
+  </p:cSld>
+</p:sldLayout>
+</file>
+
+<file path=ppt/slideLayouts/slideLayout53.xml><?xml version="1.0" encoding="utf-8"?>
+<p:sldLayout xmlns:a="http://schemas.openxmlformats.org/drawingml/2006/main" xmlns:p="http://schemas.openxmlformats.org/presentationml/2006/main" xmlns:r="http://schemas.openxmlformats.org/officeDocument/2006/relationships" xmlns:p14="http://schemas.microsoft.com/office/powerpoint/2010/main" xmlns:p15="http://schemas.microsoft.com/office/powerpoint/2012/main" xmlns:mc="http://schemas.openxmlformats.org/markup-compatibility/2006" type="titleOnly" preserve="1">
+  <p:cSld name="Title Only">
+    <p:spTree>
+      <p:nvGrpSpPr>
+        <p:cNvPr id="1" name=""/>
+        <p:cNvGrpSpPr/>
+        <p:nvPr/>
+      </p:nvGrpSpPr>
+      <p:grpSpPr>
+        <a:xfrm>
+          <a:off x="0" y="0"/>
+          <a:ext cx="0" cy="0"/>
+          <a:chOff x="0" y="0"/>
+          <a:chExt cx="0" cy="0"/>
+        </a:xfrm>
+      </p:grpSpPr>
+      <p:sp>
+        <p:nvSpPr>
+          <p:cNvPr id="174" name="PlaceHolder 1"/>
+          <p:cNvSpPr>
+            <a:spLocks noGrp="1"/>
+          </p:cNvSpPr>
+          <p:nvPr>
+            <p:ph type="title"/>
+          </p:nvPr>
+        </p:nvSpPr>
+        <p:spPr>
+          <a:xfrm>
+            <a:off x="457200" y="273600"/>
+            <a:ext cx="8229240" cy="1144800"/>
+          </a:xfrm>
+          <a:prstGeom prst="rect">
+            <a:avLst/>
+          </a:prstGeom>
+          <a:noFill/>
+          <a:ln w="0">
+            <a:noFill/>
+          </a:ln>
+        </p:spPr>
+        <p:txBody>
+          <a:bodyPr lIns="0" rIns="0" tIns="0" bIns="0" anchor="ctr">
+            <a:noAutofit/>
+          </a:bodyPr>
+          <a:p>
+            <a:pPr indent="0" algn="ctr">
+              <a:buNone/>
+            </a:pPr>
+            <a:endParaRPr b="0" lang="en-US" sz="4400" spc="-1" strike="noStrike">
+              <a:solidFill>
+                <a:srgbClr val="000000"/>
+              </a:solidFill>
+              <a:latin typeface="Arial"/>
+            </a:endParaRPr>
+          </a:p>
+        </p:txBody>
+      </p:sp>
+      <p:sp>
+        <p:nvSpPr>
+          <p:cNvPr id="3" name="PlaceHolder 2"/>
+          <p:cNvSpPr>
+            <a:spLocks noGrp="1"/>
+          </p:cNvSpPr>
+          <p:nvPr>
+            <p:ph type="ftr" idx="13"/>
+          </p:nvPr>
+        </p:nvSpPr>
+        <p:spPr/>
+        <p:txBody>
+          <a:bodyPr/>
+          <a:p>
+            <a:r>
+              <a:t>Footer</a:t>
+            </a:r>
+          </a:p>
+        </p:txBody>
+      </p:sp>
+      <p:sp>
+        <p:nvSpPr>
+          <p:cNvPr id="4" name="PlaceHolder 3"/>
+          <p:cNvSpPr>
+            <a:spLocks noGrp="1"/>
+          </p:cNvSpPr>
+          <p:nvPr>
+            <p:ph type="sldNum" idx="14"/>
+          </p:nvPr>
+        </p:nvSpPr>
+        <p:spPr/>
+        <p:txBody>
+          <a:bodyPr/>
+          <a:p>
+            <a:fld id="{047C5D86-42A7-40AD-84A6-40CE824DF65E}" type="slidenum">
+              <a:t>&lt;#&gt;</a:t>
+            </a:fld>
+          </a:p>
+        </p:txBody>
+      </p:sp>
+      <p:sp>
+        <p:nvSpPr>
+          <p:cNvPr id="5" name="PlaceHolder 4"/>
+          <p:cNvSpPr>
+            <a:spLocks noGrp="1"/>
+          </p:cNvSpPr>
+          <p:nvPr>
+            <p:ph type="dt" idx="15"/>
+          </p:nvPr>
+        </p:nvSpPr>
+        <p:spPr/>
+        <p:txBody>
+          <a:bodyPr/>
+          <a:p>
+            <a:r>
+              <a:rPr lang="en-US"/>
+              <a:t/>
+            </a:r>
+          </a:p>
+        </p:txBody>
+      </p:sp>
+    </p:spTree>
+  </p:cSld>
+</p:sldLayout>
+</file>
+
+<file path=ppt/slideLayouts/slideLayout54.xml><?xml version="1.0" encoding="utf-8"?>
+<p:sldLayout xmlns:a="http://schemas.openxmlformats.org/drawingml/2006/main" xmlns:p="http://schemas.openxmlformats.org/presentationml/2006/main" xmlns:r="http://schemas.openxmlformats.org/officeDocument/2006/relationships" xmlns:p14="http://schemas.microsoft.com/office/powerpoint/2010/main" xmlns:p15="http://schemas.microsoft.com/office/powerpoint/2012/main" xmlns:mc="http://schemas.openxmlformats.org/markup-compatibility/2006" type="objOnly" preserve="1">
+  <p:cSld name="Centered Text">
+    <p:spTree>
+      <p:nvGrpSpPr>
+        <p:cNvPr id="1" name=""/>
+        <p:cNvGrpSpPr/>
+        <p:nvPr/>
+      </p:nvGrpSpPr>
+      <p:grpSpPr>
+        <a:xfrm>
+          <a:off x="0" y="0"/>
+          <a:ext cx="0" cy="0"/>
+          <a:chOff x="0" y="0"/>
+          <a:chExt cx="0" cy="0"/>
+        </a:xfrm>
+      </p:grpSpPr>
+      <p:sp>
+        <p:nvSpPr>
+          <p:cNvPr id="175" name="PlaceHolder 1"/>
+          <p:cNvSpPr>
+            <a:spLocks noGrp="1"/>
+          </p:cNvSpPr>
+          <p:nvPr>
+            <p:ph type="subTitle"/>
+          </p:nvPr>
+        </p:nvSpPr>
+        <p:spPr>
+          <a:xfrm>
+            <a:off x="457200" y="273600"/>
+            <a:ext cx="8229240" cy="5307840"/>
+          </a:xfrm>
+          <a:prstGeom prst="rect">
+            <a:avLst/>
+          </a:prstGeom>
+          <a:noFill/>
+          <a:ln w="0">
+            <a:noFill/>
+          </a:ln>
+        </p:spPr>
+        <p:txBody>
+          <a:bodyPr lIns="0" rIns="0" tIns="0" bIns="0" anchor="ctr">
+            <a:noAutofit/>
+          </a:bodyPr>
+          <a:p>
+            <a:pPr algn="ctr"/>
+            <a:endParaRPr b="0" lang="en-US" sz="3200" spc="-1" strike="noStrike">
+              <a:solidFill>
+                <a:srgbClr val="000000"/>
+              </a:solidFill>
+              <a:latin typeface="Arial"/>
+            </a:endParaRPr>
+          </a:p>
+        </p:txBody>
+      </p:sp>
+      <p:sp>
+        <p:nvSpPr>
+          <p:cNvPr id="3" name="PlaceHolder 2"/>
+          <p:cNvSpPr>
+            <a:spLocks noGrp="1"/>
+          </p:cNvSpPr>
+          <p:nvPr>
+            <p:ph type="ftr" idx="13"/>
+          </p:nvPr>
+        </p:nvSpPr>
+        <p:spPr/>
+        <p:txBody>
+          <a:bodyPr/>
+          <a:p>
+            <a:r>
+              <a:t>Footer</a:t>
+            </a:r>
+          </a:p>
+        </p:txBody>
+      </p:sp>
+      <p:sp>
+        <p:nvSpPr>
+          <p:cNvPr id="4" name="PlaceHolder 3"/>
+          <p:cNvSpPr>
+            <a:spLocks noGrp="1"/>
+          </p:cNvSpPr>
+          <p:nvPr>
+            <p:ph type="sldNum" idx="14"/>
+          </p:nvPr>
+        </p:nvSpPr>
+        <p:spPr/>
+        <p:txBody>
+          <a:bodyPr/>
+          <a:p>
+            <a:fld id="{78FA616A-9C3B-43E1-8A39-88ADD1686574}" type="slidenum">
+              <a:t>&lt;#&gt;</a:t>
+            </a:fld>
+          </a:p>
+        </p:txBody>
+      </p:sp>
+      <p:sp>
+        <p:nvSpPr>
+          <p:cNvPr id="5" name="PlaceHolder 4"/>
+          <p:cNvSpPr>
+            <a:spLocks noGrp="1"/>
+          </p:cNvSpPr>
+          <p:nvPr>
+            <p:ph type="dt" idx="15"/>
+          </p:nvPr>
+        </p:nvSpPr>
+        <p:spPr/>
+        <p:txBody>
+          <a:bodyPr/>
+          <a:p>
+            <a:r>
+              <a:rPr lang="en-US"/>
+              <a:t/>
+            </a:r>
+          </a:p>
+        </p:txBody>
+      </p:sp>
+    </p:spTree>
+  </p:cSld>
+</p:sldLayout>
+</file>
+
+<file path=ppt/slideLayouts/slideLayout55.xml><?xml version="1.0" encoding="utf-8"?>
+<p:sldLayout xmlns:a="http://schemas.openxmlformats.org/drawingml/2006/main" xmlns:p="http://schemas.openxmlformats.org/presentationml/2006/main" xmlns:r="http://schemas.openxmlformats.org/officeDocument/2006/relationships" xmlns:p14="http://schemas.microsoft.com/office/powerpoint/2010/main" xmlns:p15="http://schemas.microsoft.com/office/powerpoint/2012/main" xmlns:mc="http://schemas.openxmlformats.org/markup-compatibility/2006" type="twoObjAndObj" preserve="1">
+  <p:cSld name="Title, 2 Content and Content">
+    <p:spTree>
+      <p:nvGrpSpPr>
+        <p:cNvPr id="1" name=""/>
+        <p:cNvGrpSpPr/>
+        <p:nvPr/>
+      </p:nvGrpSpPr>
+      <p:grpSpPr>
+        <a:xfrm>
+          <a:off x="0" y="0"/>
+          <a:ext cx="0" cy="0"/>
+          <a:chOff x="0" y="0"/>
+          <a:chExt cx="0" cy="0"/>
+        </a:xfrm>
+      </p:grpSpPr>
+      <p:sp>
+        <p:nvSpPr>
+          <p:cNvPr id="176" name="PlaceHolder 1"/>
+          <p:cNvSpPr>
+            <a:spLocks noGrp="1"/>
+          </p:cNvSpPr>
+          <p:nvPr>
+            <p:ph type="title"/>
+          </p:nvPr>
+        </p:nvSpPr>
+        <p:spPr>
+          <a:xfrm>
+            <a:off x="457200" y="273600"/>
+            <a:ext cx="8229240" cy="1144800"/>
+          </a:xfrm>
+          <a:prstGeom prst="rect">
+            <a:avLst/>
+          </a:prstGeom>
+          <a:noFill/>
+          <a:ln w="0">
+            <a:noFill/>
+          </a:ln>
+        </p:spPr>
+        <p:txBody>
+          <a:bodyPr lIns="0" rIns="0" tIns="0" bIns="0" anchor="ctr">
+            <a:noAutofit/>
+          </a:bodyPr>
+          <a:p>
+            <a:pPr indent="0" algn="ctr">
+              <a:buNone/>
+            </a:pPr>
+            <a:endParaRPr b="0" lang="en-US" sz="4400" spc="-1" strike="noStrike">
+              <a:solidFill>
+                <a:srgbClr val="000000"/>
+              </a:solidFill>
+              <a:latin typeface="Arial"/>
+            </a:endParaRPr>
+          </a:p>
+        </p:txBody>
+      </p:sp>
+      <p:sp>
+        <p:nvSpPr>
+          <p:cNvPr id="177" name="PlaceHolder 2"/>
+          <p:cNvSpPr>
+            <a:spLocks noGrp="1"/>
+          </p:cNvSpPr>
+          <p:nvPr>
+            <p:ph/>
+          </p:nvPr>
+        </p:nvSpPr>
+        <p:spPr>
+          <a:xfrm>
+            <a:off x="457200" y="1604520"/>
+            <a:ext cx="4015800" cy="1896840"/>
+          </a:xfrm>
+          <a:prstGeom prst="rect">
+            <a:avLst/>
+          </a:prstGeom>
+          <a:noFill/>
+          <a:ln w="0">
+            <a:noFill/>
+          </a:ln>
+        </p:spPr>
+        <p:txBody>
+          <a:bodyPr lIns="0" rIns="0" tIns="0" bIns="0" anchor="t">
+            <a:normAutofit/>
+          </a:bodyPr>
+          <a:p>
+            <a:pPr indent="0">
+              <a:spcBef>
+                <a:spcPts val="1417"/>
+              </a:spcBef>
+              <a:buNone/>
+            </a:pPr>
+            <a:endParaRPr b="0" lang="en-US" sz="3200" spc="-1" strike="noStrike">
+              <a:solidFill>
+                <a:srgbClr val="000000"/>
+              </a:solidFill>
+              <a:latin typeface="Arial"/>
+            </a:endParaRPr>
+          </a:p>
+        </p:txBody>
+      </p:sp>
+      <p:sp>
+        <p:nvSpPr>
+          <p:cNvPr id="178" name="PlaceHolder 3"/>
+          <p:cNvSpPr>
+            <a:spLocks noGrp="1"/>
+          </p:cNvSpPr>
+          <p:nvPr>
+            <p:ph/>
+          </p:nvPr>
+        </p:nvSpPr>
+        <p:spPr>
+          <a:xfrm>
+            <a:off x="4674240" y="1604520"/>
+            <a:ext cx="4015800" cy="3977280"/>
+          </a:xfrm>
+          <a:prstGeom prst="rect">
+            <a:avLst/>
+          </a:prstGeom>
+          <a:noFill/>
+          <a:ln w="0">
+            <a:noFill/>
+          </a:ln>
+        </p:spPr>
+        <p:txBody>
+          <a:bodyPr lIns="0" rIns="0" tIns="0" bIns="0" anchor="t">
+            <a:normAutofit/>
+          </a:bodyPr>
+          <a:p>
+            <a:pPr indent="0">
+              <a:spcBef>
+                <a:spcPts val="1417"/>
+              </a:spcBef>
+              <a:buNone/>
+            </a:pPr>
+            <a:endParaRPr b="0" lang="en-US" sz="3200" spc="-1" strike="noStrike">
+              <a:solidFill>
+                <a:srgbClr val="000000"/>
+              </a:solidFill>
+              <a:latin typeface="Arial"/>
+            </a:endParaRPr>
+          </a:p>
+        </p:txBody>
+      </p:sp>
+      <p:sp>
+        <p:nvSpPr>
+          <p:cNvPr id="179" name="PlaceHolder 4"/>
+          <p:cNvSpPr>
+            <a:spLocks noGrp="1"/>
+          </p:cNvSpPr>
+          <p:nvPr>
+            <p:ph/>
+          </p:nvPr>
+        </p:nvSpPr>
+        <p:spPr>
+          <a:xfrm>
+            <a:off x="457200" y="3682080"/>
+            <a:ext cx="4015800" cy="1896840"/>
+          </a:xfrm>
+          <a:prstGeom prst="rect">
+            <a:avLst/>
+          </a:prstGeom>
+          <a:noFill/>
+          <a:ln w="0">
+            <a:noFill/>
+          </a:ln>
+        </p:spPr>
+        <p:txBody>
+          <a:bodyPr lIns="0" rIns="0" tIns="0" bIns="0" anchor="t">
+            <a:normAutofit/>
+          </a:bodyPr>
+          <a:p>
+            <a:pPr indent="0">
+              <a:spcBef>
+                <a:spcPts val="1417"/>
+              </a:spcBef>
+              <a:buNone/>
+            </a:pPr>
+            <a:endParaRPr b="0" lang="en-US" sz="3200" spc="-1" strike="noStrike">
+              <a:solidFill>
+                <a:srgbClr val="000000"/>
+              </a:solidFill>
+              <a:latin typeface="Arial"/>
+            </a:endParaRPr>
+          </a:p>
+        </p:txBody>
+      </p:sp>
+      <p:sp>
+        <p:nvSpPr>
+          <p:cNvPr id="6" name="PlaceHolder 5"/>
+          <p:cNvSpPr>
+            <a:spLocks noGrp="1"/>
+          </p:cNvSpPr>
+          <p:nvPr>
+            <p:ph type="ftr" idx="13"/>
+          </p:nvPr>
+        </p:nvSpPr>
+        <p:spPr/>
+        <p:txBody>
+          <a:bodyPr/>
+          <a:p>
+            <a:r>
+              <a:t>Footer</a:t>
+            </a:r>
+          </a:p>
+        </p:txBody>
+      </p:sp>
+      <p:sp>
+        <p:nvSpPr>
+          <p:cNvPr id="7" name="PlaceHolder 6"/>
+          <p:cNvSpPr>
+            <a:spLocks noGrp="1"/>
+          </p:cNvSpPr>
+          <p:nvPr>
+            <p:ph type="sldNum" idx="14"/>
+          </p:nvPr>
+        </p:nvSpPr>
+        <p:spPr/>
+        <p:txBody>
+          <a:bodyPr/>
+          <a:p>
+            <a:fld id="{74C0704B-1F53-48C1-8D1D-A31A048E8AB8}" type="slidenum">
+              <a:t>&lt;#&gt;</a:t>
+            </a:fld>
+          </a:p>
+        </p:txBody>
+      </p:sp>
+      <p:sp>
+        <p:nvSpPr>
+          <p:cNvPr id="8" name="PlaceHolder 7"/>
+          <p:cNvSpPr>
+            <a:spLocks noGrp="1"/>
+          </p:cNvSpPr>
+          <p:nvPr>
+            <p:ph type="dt" idx="15"/>
+          </p:nvPr>
+        </p:nvSpPr>
+        <p:spPr/>
+        <p:txBody>
+          <a:bodyPr/>
+          <a:p>
+            <a:r>
+              <a:rPr lang="en-US"/>
+              <a:t/>
+            </a:r>
+          </a:p>
+        </p:txBody>
+      </p:sp>
+    </p:spTree>
+  </p:cSld>
+</p:sldLayout>
+</file>
+
+<file path=ppt/slideLayouts/slideLayout56.xml><?xml version="1.0" encoding="utf-8"?>
+<p:sldLayout xmlns:a="http://schemas.openxmlformats.org/drawingml/2006/main" xmlns:p="http://schemas.openxmlformats.org/presentationml/2006/main" xmlns:r="http://schemas.openxmlformats.org/officeDocument/2006/relationships" xmlns:p14="http://schemas.microsoft.com/office/powerpoint/2010/main" xmlns:p15="http://schemas.microsoft.com/office/powerpoint/2012/main" xmlns:mc="http://schemas.openxmlformats.org/markup-compatibility/2006" type="objAndTwoObj" preserve="1">
+  <p:cSld name="Title Content and 2 Content">
+    <p:spTree>
+      <p:nvGrpSpPr>
+        <p:cNvPr id="1" name=""/>
+        <p:cNvGrpSpPr/>
+        <p:nvPr/>
+      </p:nvGrpSpPr>
+      <p:grpSpPr>
+        <a:xfrm>
+          <a:off x="0" y="0"/>
+          <a:ext cx="0" cy="0"/>
+          <a:chOff x="0" y="0"/>
+          <a:chExt cx="0" cy="0"/>
+        </a:xfrm>
+      </p:grpSpPr>
+      <p:sp>
+        <p:nvSpPr>
+          <p:cNvPr id="180" name="PlaceHolder 1"/>
+          <p:cNvSpPr>
+            <a:spLocks noGrp="1"/>
+          </p:cNvSpPr>
+          <p:nvPr>
+            <p:ph type="title"/>
+          </p:nvPr>
+        </p:nvSpPr>
+        <p:spPr>
+          <a:xfrm>
+            <a:off x="457200" y="273600"/>
+            <a:ext cx="8229240" cy="1144800"/>
+          </a:xfrm>
+          <a:prstGeom prst="rect">
+            <a:avLst/>
+          </a:prstGeom>
+          <a:noFill/>
+          <a:ln w="0">
+            <a:noFill/>
+          </a:ln>
+        </p:spPr>
+        <p:txBody>
+          <a:bodyPr lIns="0" rIns="0" tIns="0" bIns="0" anchor="ctr">
+            <a:noAutofit/>
+          </a:bodyPr>
+          <a:p>
+            <a:pPr indent="0" algn="ctr">
+              <a:buNone/>
+            </a:pPr>
+            <a:endParaRPr b="0" lang="en-US" sz="4400" spc="-1" strike="noStrike">
+              <a:solidFill>
+                <a:srgbClr val="000000"/>
+              </a:solidFill>
+              <a:latin typeface="Arial"/>
+            </a:endParaRPr>
+          </a:p>
+        </p:txBody>
+      </p:sp>
+      <p:sp>
+        <p:nvSpPr>
+          <p:cNvPr id="181" name="PlaceHolder 2"/>
+          <p:cNvSpPr>
+            <a:spLocks noGrp="1"/>
+          </p:cNvSpPr>
+          <p:nvPr>
+            <p:ph/>
+          </p:nvPr>
+        </p:nvSpPr>
+        <p:spPr>
+          <a:xfrm>
+            <a:off x="457200" y="1604520"/>
+            <a:ext cx="4015800" cy="3977280"/>
+          </a:xfrm>
+          <a:prstGeom prst="rect">
+            <a:avLst/>
+          </a:prstGeom>
+          <a:noFill/>
+          <a:ln w="0">
+            <a:noFill/>
+          </a:ln>
+        </p:spPr>
+        <p:txBody>
+          <a:bodyPr lIns="0" rIns="0" tIns="0" bIns="0" anchor="t">
+            <a:normAutofit/>
+          </a:bodyPr>
+          <a:p>
+            <a:pPr indent="0">
+              <a:spcBef>
+                <a:spcPts val="1417"/>
+              </a:spcBef>
+              <a:buNone/>
+            </a:pPr>
+            <a:endParaRPr b="0" lang="en-US" sz="3200" spc="-1" strike="noStrike">
+              <a:solidFill>
+                <a:srgbClr val="000000"/>
+              </a:solidFill>
+              <a:latin typeface="Arial"/>
+            </a:endParaRPr>
+          </a:p>
+        </p:txBody>
+      </p:sp>
+      <p:sp>
+        <p:nvSpPr>
+          <p:cNvPr id="182" name="PlaceHolder 3"/>
+          <p:cNvSpPr>
+            <a:spLocks noGrp="1"/>
+          </p:cNvSpPr>
+          <p:nvPr>
+            <p:ph/>
+          </p:nvPr>
+        </p:nvSpPr>
+        <p:spPr>
+          <a:xfrm>
+            <a:off x="4674240" y="1604520"/>
+            <a:ext cx="4015800" cy="1896840"/>
+          </a:xfrm>
+          <a:prstGeom prst="rect">
+            <a:avLst/>
+          </a:prstGeom>
+          <a:noFill/>
+          <a:ln w="0">
+            <a:noFill/>
+          </a:ln>
+        </p:spPr>
+        <p:txBody>
+          <a:bodyPr lIns="0" rIns="0" tIns="0" bIns="0" anchor="t">
+            <a:normAutofit/>
+          </a:bodyPr>
+          <a:p>
+            <a:pPr indent="0">
+              <a:spcBef>
+                <a:spcPts val="1417"/>
+              </a:spcBef>
+              <a:buNone/>
+            </a:pPr>
+            <a:endParaRPr b="0" lang="en-US" sz="3200" spc="-1" strike="noStrike">
+              <a:solidFill>
+                <a:srgbClr val="000000"/>
+              </a:solidFill>
+              <a:latin typeface="Arial"/>
+            </a:endParaRPr>
+          </a:p>
+        </p:txBody>
+      </p:sp>
+      <p:sp>
+        <p:nvSpPr>
+          <p:cNvPr id="183" name="PlaceHolder 4"/>
+          <p:cNvSpPr>
+            <a:spLocks noGrp="1"/>
+          </p:cNvSpPr>
+          <p:nvPr>
+            <p:ph/>
+          </p:nvPr>
+        </p:nvSpPr>
+        <p:spPr>
+          <a:xfrm>
+            <a:off x="4674240" y="3682080"/>
+            <a:ext cx="4015800" cy="1896840"/>
+          </a:xfrm>
+          <a:prstGeom prst="rect">
+            <a:avLst/>
+          </a:prstGeom>
+          <a:noFill/>
+          <a:ln w="0">
+            <a:noFill/>
+          </a:ln>
+        </p:spPr>
+        <p:txBody>
+          <a:bodyPr lIns="0" rIns="0" tIns="0" bIns="0" anchor="t">
+            <a:normAutofit/>
+          </a:bodyPr>
+          <a:p>
+            <a:pPr indent="0">
+              <a:spcBef>
+                <a:spcPts val="1417"/>
+              </a:spcBef>
+              <a:buNone/>
+            </a:pPr>
+            <a:endParaRPr b="0" lang="en-US" sz="3200" spc="-1" strike="noStrike">
+              <a:solidFill>
+                <a:srgbClr val="000000"/>
+              </a:solidFill>
+              <a:latin typeface="Arial"/>
+            </a:endParaRPr>
+          </a:p>
+        </p:txBody>
+      </p:sp>
+      <p:sp>
+        <p:nvSpPr>
+          <p:cNvPr id="6" name="PlaceHolder 5"/>
+          <p:cNvSpPr>
+            <a:spLocks noGrp="1"/>
+          </p:cNvSpPr>
+          <p:nvPr>
+            <p:ph type="ftr" idx="13"/>
+          </p:nvPr>
+        </p:nvSpPr>
+        <p:spPr/>
+        <p:txBody>
+          <a:bodyPr/>
+          <a:p>
+            <a:r>
+              <a:t>Footer</a:t>
+            </a:r>
+          </a:p>
+        </p:txBody>
+      </p:sp>
+      <p:sp>
+        <p:nvSpPr>
+          <p:cNvPr id="7" name="PlaceHolder 6"/>
+          <p:cNvSpPr>
+            <a:spLocks noGrp="1"/>
+          </p:cNvSpPr>
+          <p:nvPr>
+            <p:ph type="sldNum" idx="14"/>
+          </p:nvPr>
+        </p:nvSpPr>
+        <p:spPr/>
+        <p:txBody>
+          <a:bodyPr/>
+          <a:p>
+            <a:fld id="{994ACC00-1036-4786-87AE-A58FA0D8152B}" type="slidenum">
+              <a:t>&lt;#&gt;</a:t>
+            </a:fld>
+          </a:p>
+        </p:txBody>
+      </p:sp>
+      <p:sp>
+        <p:nvSpPr>
+          <p:cNvPr id="8" name="PlaceHolder 7"/>
+          <p:cNvSpPr>
+            <a:spLocks noGrp="1"/>
+          </p:cNvSpPr>
+          <p:nvPr>
+            <p:ph type="dt" idx="15"/>
+          </p:nvPr>
+        </p:nvSpPr>
+        <p:spPr/>
+        <p:txBody>
+          <a:bodyPr/>
+          <a:p>
+            <a:r>
+              <a:rPr lang="en-US"/>
+              <a:t/>
+            </a:r>
+          </a:p>
+        </p:txBody>
+      </p:sp>
+    </p:spTree>
+  </p:cSld>
+</p:sldLayout>
+</file>
+
+<file path=ppt/slideLayouts/slideLayout57.xml><?xml version="1.0" encoding="utf-8"?>
+<p:sldLayout xmlns:a="http://schemas.openxmlformats.org/drawingml/2006/main" xmlns:p="http://schemas.openxmlformats.org/presentationml/2006/main" xmlns:r="http://schemas.openxmlformats.org/officeDocument/2006/relationships" xmlns:p14="http://schemas.microsoft.com/office/powerpoint/2010/main" xmlns:p15="http://schemas.microsoft.com/office/powerpoint/2012/main" xmlns:mc="http://schemas.openxmlformats.org/markup-compatibility/2006" type="twoObjOverTx" preserve="1">
+  <p:cSld name="Title, 2 Content over Content">
+    <p:spTree>
+      <p:nvGrpSpPr>
+        <p:cNvPr id="1" name=""/>
+        <p:cNvGrpSpPr/>
+        <p:nvPr/>
+      </p:nvGrpSpPr>
+      <p:grpSpPr>
+        <a:xfrm>
+          <a:off x="0" y="0"/>
+          <a:ext cx="0" cy="0"/>
+          <a:chOff x="0" y="0"/>
+          <a:chExt cx="0" cy="0"/>
+        </a:xfrm>
+      </p:grpSpPr>
+      <p:sp>
+        <p:nvSpPr>
+          <p:cNvPr id="184" name="PlaceHolder 1"/>
+          <p:cNvSpPr>
+            <a:spLocks noGrp="1"/>
+          </p:cNvSpPr>
+          <p:nvPr>
+            <p:ph type="title"/>
+          </p:nvPr>
+        </p:nvSpPr>
+        <p:spPr>
+          <a:xfrm>
+            <a:off x="457200" y="273600"/>
+            <a:ext cx="8229240" cy="1144800"/>
+          </a:xfrm>
+          <a:prstGeom prst="rect">
+            <a:avLst/>
+          </a:prstGeom>
+          <a:noFill/>
+          <a:ln w="0">
+            <a:noFill/>
+          </a:ln>
+        </p:spPr>
+        <p:txBody>
+          <a:bodyPr lIns="0" rIns="0" tIns="0" bIns="0" anchor="ctr">
+            <a:noAutofit/>
+          </a:bodyPr>
+          <a:p>
+            <a:pPr indent="0" algn="ctr">
+              <a:buNone/>
+            </a:pPr>
+            <a:endParaRPr b="0" lang="en-US" sz="4400" spc="-1" strike="noStrike">
+              <a:solidFill>
+                <a:srgbClr val="000000"/>
+              </a:solidFill>
+              <a:latin typeface="Arial"/>
+            </a:endParaRPr>
+          </a:p>
+        </p:txBody>
+      </p:sp>
+      <p:sp>
+        <p:nvSpPr>
+          <p:cNvPr id="185" name="PlaceHolder 2"/>
+          <p:cNvSpPr>
+            <a:spLocks noGrp="1"/>
+          </p:cNvSpPr>
+          <p:nvPr>
+            <p:ph/>
+          </p:nvPr>
+        </p:nvSpPr>
+        <p:spPr>
+          <a:xfrm>
+            <a:off x="457200" y="1604520"/>
+            <a:ext cx="4015800" cy="1896840"/>
+          </a:xfrm>
+          <a:prstGeom prst="rect">
+            <a:avLst/>
+          </a:prstGeom>
+          <a:noFill/>
+          <a:ln w="0">
+            <a:noFill/>
+          </a:ln>
+        </p:spPr>
+        <p:txBody>
+          <a:bodyPr lIns="0" rIns="0" tIns="0" bIns="0" anchor="t">
+            <a:normAutofit/>
+          </a:bodyPr>
+          <a:p>
+            <a:pPr indent="0">
+              <a:spcBef>
+                <a:spcPts val="1417"/>
+              </a:spcBef>
+              <a:buNone/>
+            </a:pPr>
+            <a:endParaRPr b="0" lang="en-US" sz="3200" spc="-1" strike="noStrike">
+              <a:solidFill>
+                <a:srgbClr val="000000"/>
+              </a:solidFill>
+              <a:latin typeface="Arial"/>
+            </a:endParaRPr>
+          </a:p>
+        </p:txBody>
+      </p:sp>
+      <p:sp>
+        <p:nvSpPr>
+          <p:cNvPr id="186" name="PlaceHolder 3"/>
+          <p:cNvSpPr>
+            <a:spLocks noGrp="1"/>
+          </p:cNvSpPr>
+          <p:nvPr>
+            <p:ph/>
+          </p:nvPr>
+        </p:nvSpPr>
+        <p:spPr>
+          <a:xfrm>
+            <a:off x="4674240" y="1604520"/>
+            <a:ext cx="4015800" cy="1896840"/>
+          </a:xfrm>
+          <a:prstGeom prst="rect">
+            <a:avLst/>
+          </a:prstGeom>
+          <a:noFill/>
+          <a:ln w="0">
+            <a:noFill/>
+          </a:ln>
+        </p:spPr>
+        <p:txBody>
+          <a:bodyPr lIns="0" rIns="0" tIns="0" bIns="0" anchor="t">
+            <a:normAutofit/>
+          </a:bodyPr>
+          <a:p>
+            <a:pPr indent="0">
+              <a:spcBef>
+                <a:spcPts val="1417"/>
+              </a:spcBef>
+              <a:buNone/>
+            </a:pPr>
+            <a:endParaRPr b="0" lang="en-US" sz="3200" spc="-1" strike="noStrike">
+              <a:solidFill>
+                <a:srgbClr val="000000"/>
+              </a:solidFill>
+              <a:latin typeface="Arial"/>
+            </a:endParaRPr>
+          </a:p>
+        </p:txBody>
+      </p:sp>
+      <p:sp>
+        <p:nvSpPr>
+          <p:cNvPr id="187" name="PlaceHolder 4"/>
+          <p:cNvSpPr>
+            <a:spLocks noGrp="1"/>
+          </p:cNvSpPr>
+          <p:nvPr>
+            <p:ph/>
+          </p:nvPr>
+        </p:nvSpPr>
+        <p:spPr>
+          <a:xfrm>
+            <a:off x="457200" y="3682080"/>
+            <a:ext cx="8229240" cy="1896840"/>
+          </a:xfrm>
+          <a:prstGeom prst="rect">
+            <a:avLst/>
+          </a:prstGeom>
+          <a:noFill/>
+          <a:ln w="0">
+            <a:noFill/>
+          </a:ln>
+        </p:spPr>
+        <p:txBody>
+          <a:bodyPr lIns="0" rIns="0" tIns="0" bIns="0" anchor="t">
+            <a:normAutofit/>
+          </a:bodyPr>
+          <a:p>
+            <a:pPr indent="0">
+              <a:spcBef>
+                <a:spcPts val="1417"/>
+              </a:spcBef>
+              <a:buNone/>
+            </a:pPr>
+            <a:endParaRPr b="0" lang="en-US" sz="3200" spc="-1" strike="noStrike">
+              <a:solidFill>
+                <a:srgbClr val="000000"/>
+              </a:solidFill>
+              <a:latin typeface="Arial"/>
+            </a:endParaRPr>
+          </a:p>
+        </p:txBody>
+      </p:sp>
+      <p:sp>
+        <p:nvSpPr>
+          <p:cNvPr id="6" name="PlaceHolder 5"/>
+          <p:cNvSpPr>
+            <a:spLocks noGrp="1"/>
+          </p:cNvSpPr>
+          <p:nvPr>
+            <p:ph type="ftr" idx="13"/>
+          </p:nvPr>
+        </p:nvSpPr>
+        <p:spPr/>
+        <p:txBody>
+          <a:bodyPr/>
+          <a:p>
+            <a:r>
+              <a:t>Footer</a:t>
+            </a:r>
+          </a:p>
+        </p:txBody>
+      </p:sp>
+      <p:sp>
+        <p:nvSpPr>
+          <p:cNvPr id="7" name="PlaceHolder 6"/>
+          <p:cNvSpPr>
+            <a:spLocks noGrp="1"/>
+          </p:cNvSpPr>
+          <p:nvPr>
+            <p:ph type="sldNum" idx="14"/>
+          </p:nvPr>
+        </p:nvSpPr>
+        <p:spPr/>
+        <p:txBody>
+          <a:bodyPr/>
+          <a:p>
+            <a:fld id="{3D07F224-43A9-4F8A-9596-5520206161B7}" type="slidenum">
+              <a:t>&lt;#&gt;</a:t>
+            </a:fld>
+          </a:p>
+        </p:txBody>
+      </p:sp>
+      <p:sp>
+        <p:nvSpPr>
+          <p:cNvPr id="8" name="PlaceHolder 7"/>
+          <p:cNvSpPr>
+            <a:spLocks noGrp="1"/>
+          </p:cNvSpPr>
+          <p:nvPr>
+            <p:ph type="dt" idx="15"/>
+          </p:nvPr>
+        </p:nvSpPr>
+        <p:spPr/>
+        <p:txBody>
+          <a:bodyPr/>
+          <a:p>
+            <a:r>
+              <a:rPr lang="en-US"/>
+              <a:t/>
+            </a:r>
+          </a:p>
+        </p:txBody>
+      </p:sp>
+    </p:spTree>
+  </p:cSld>
+</p:sldLayout>
+</file>
+
+<file path=ppt/slideLayouts/slideLayout58.xml><?xml version="1.0" encoding="utf-8"?>
+<p:sldLayout xmlns:a="http://schemas.openxmlformats.org/drawingml/2006/main" xmlns:p="http://schemas.openxmlformats.org/presentationml/2006/main" xmlns:r="http://schemas.openxmlformats.org/officeDocument/2006/relationships" xmlns:p14="http://schemas.microsoft.com/office/powerpoint/2010/main" xmlns:p15="http://schemas.microsoft.com/office/powerpoint/2012/main" xmlns:mc="http://schemas.openxmlformats.org/markup-compatibility/2006" type="objOverTx" preserve="1">
+  <p:cSld name="Title, Content over Content">
+    <p:spTree>
+      <p:nvGrpSpPr>
+        <p:cNvPr id="1" name=""/>
+        <p:cNvGrpSpPr/>
+        <p:nvPr/>
+      </p:nvGrpSpPr>
+      <p:grpSpPr>
+        <a:xfrm>
+          <a:off x="0" y="0"/>
+          <a:ext cx="0" cy="0"/>
+          <a:chOff x="0" y="0"/>
+          <a:chExt cx="0" cy="0"/>
+        </a:xfrm>
+      </p:grpSpPr>
+      <p:sp>
+        <p:nvSpPr>
+          <p:cNvPr id="188" name="PlaceHolder 1"/>
+          <p:cNvSpPr>
+            <a:spLocks noGrp="1"/>
+          </p:cNvSpPr>
+          <p:nvPr>
+            <p:ph type="title"/>
+          </p:nvPr>
+        </p:nvSpPr>
+        <p:spPr>
+          <a:xfrm>
+            <a:off x="457200" y="273600"/>
+            <a:ext cx="8229240" cy="1144800"/>
+          </a:xfrm>
+          <a:prstGeom prst="rect">
+            <a:avLst/>
+          </a:prstGeom>
+          <a:noFill/>
+          <a:ln w="0">
+            <a:noFill/>
+          </a:ln>
+        </p:spPr>
+        <p:txBody>
+          <a:bodyPr lIns="0" rIns="0" tIns="0" bIns="0" anchor="ctr">
+            <a:noAutofit/>
+          </a:bodyPr>
+          <a:p>
+            <a:pPr indent="0" algn="ctr">
+              <a:buNone/>
+            </a:pPr>
+            <a:endParaRPr b="0" lang="en-US" sz="4400" spc="-1" strike="noStrike">
+              <a:solidFill>
+                <a:srgbClr val="000000"/>
+              </a:solidFill>
+              <a:latin typeface="Arial"/>
+            </a:endParaRPr>
+          </a:p>
+        </p:txBody>
+      </p:sp>
+      <p:sp>
+        <p:nvSpPr>
+          <p:cNvPr id="189" name="PlaceHolder 2"/>
+          <p:cNvSpPr>
+            <a:spLocks noGrp="1"/>
+          </p:cNvSpPr>
+          <p:nvPr>
+            <p:ph/>
+          </p:nvPr>
+        </p:nvSpPr>
+        <p:spPr>
+          <a:xfrm>
+            <a:off x="457200" y="1604520"/>
+            <a:ext cx="8229240" cy="1896840"/>
+          </a:xfrm>
+          <a:prstGeom prst="rect">
+            <a:avLst/>
+          </a:prstGeom>
+          <a:noFill/>
+          <a:ln w="0">
+            <a:noFill/>
+          </a:ln>
+        </p:spPr>
+        <p:txBody>
+          <a:bodyPr lIns="0" rIns="0" tIns="0" bIns="0" anchor="t">
+            <a:normAutofit/>
+          </a:bodyPr>
+          <a:p>
+            <a:pPr indent="0">
+              <a:spcBef>
+                <a:spcPts val="1417"/>
+              </a:spcBef>
+              <a:buNone/>
+            </a:pPr>
+            <a:endParaRPr b="0" lang="en-US" sz="3200" spc="-1" strike="noStrike">
+              <a:solidFill>
+                <a:srgbClr val="000000"/>
+              </a:solidFill>
+              <a:latin typeface="Arial"/>
+            </a:endParaRPr>
+          </a:p>
+        </p:txBody>
+      </p:sp>
+      <p:sp>
+        <p:nvSpPr>
+          <p:cNvPr id="190" name="PlaceHolder 3"/>
+          <p:cNvSpPr>
+            <a:spLocks noGrp="1"/>
+          </p:cNvSpPr>
+          <p:nvPr>
+            <p:ph/>
+          </p:nvPr>
+        </p:nvSpPr>
+        <p:spPr>
+          <a:xfrm>
+            <a:off x="457200" y="3682080"/>
+            <a:ext cx="8229240" cy="1896840"/>
+          </a:xfrm>
+          <a:prstGeom prst="rect">
+            <a:avLst/>
+          </a:prstGeom>
+          <a:noFill/>
+          <a:ln w="0">
+            <a:noFill/>
+          </a:ln>
+        </p:spPr>
+        <p:txBody>
+          <a:bodyPr lIns="0" rIns="0" tIns="0" bIns="0" anchor="t">
+            <a:normAutofit/>
+          </a:bodyPr>
+          <a:p>
+            <a:pPr indent="0">
+              <a:spcBef>
+                <a:spcPts val="1417"/>
+              </a:spcBef>
+              <a:buNone/>
+            </a:pPr>
+            <a:endParaRPr b="0" lang="en-US" sz="3200" spc="-1" strike="noStrike">
+              <a:solidFill>
+                <a:srgbClr val="000000"/>
+              </a:solidFill>
+              <a:latin typeface="Arial"/>
+            </a:endParaRPr>
+          </a:p>
+        </p:txBody>
+      </p:sp>
+      <p:sp>
+        <p:nvSpPr>
+          <p:cNvPr id="5" name="PlaceHolder 4"/>
+          <p:cNvSpPr>
+            <a:spLocks noGrp="1"/>
+          </p:cNvSpPr>
+          <p:nvPr>
+            <p:ph type="ftr" idx="13"/>
+          </p:nvPr>
+        </p:nvSpPr>
+        <p:spPr/>
+        <p:txBody>
+          <a:bodyPr/>
+          <a:p>
+            <a:r>
+              <a:t>Footer</a:t>
+            </a:r>
+          </a:p>
+        </p:txBody>
+      </p:sp>
+      <p:sp>
+        <p:nvSpPr>
+          <p:cNvPr id="6" name="PlaceHolder 5"/>
+          <p:cNvSpPr>
+            <a:spLocks noGrp="1"/>
+          </p:cNvSpPr>
+          <p:nvPr>
+            <p:ph type="sldNum" idx="14"/>
+          </p:nvPr>
+        </p:nvSpPr>
+        <p:spPr/>
+        <p:txBody>
+          <a:bodyPr/>
+          <a:p>
+            <a:fld id="{5E5470B3-E095-4BAE-804B-C04E67EA5C80}" type="slidenum">
+              <a:t>&lt;#&gt;</a:t>
+            </a:fld>
+          </a:p>
+        </p:txBody>
+      </p:sp>
+      <p:sp>
+        <p:nvSpPr>
+          <p:cNvPr id="7" name="PlaceHolder 6"/>
+          <p:cNvSpPr>
+            <a:spLocks noGrp="1"/>
+          </p:cNvSpPr>
+          <p:nvPr>
+            <p:ph type="dt" idx="15"/>
+          </p:nvPr>
+        </p:nvSpPr>
+        <p:spPr/>
+        <p:txBody>
+          <a:bodyPr/>
+          <a:p>
+            <a:r>
+              <a:rPr lang="en-US"/>
+              <a:t/>
+            </a:r>
+          </a:p>
+        </p:txBody>
+      </p:sp>
+    </p:spTree>
+  </p:cSld>
+</p:sldLayout>
+</file>
+
+<file path=ppt/slideLayouts/slideLayout59.xml><?xml version="1.0" encoding="utf-8"?>
+<p:sldLayout xmlns:a="http://schemas.openxmlformats.org/drawingml/2006/main" xmlns:p="http://schemas.openxmlformats.org/presentationml/2006/main" xmlns:r="http://schemas.openxmlformats.org/officeDocument/2006/relationships" xmlns:p14="http://schemas.microsoft.com/office/powerpoint/2010/main" xmlns:p15="http://schemas.microsoft.com/office/powerpoint/2012/main" xmlns:mc="http://schemas.openxmlformats.org/markup-compatibility/2006" type="fourObj" preserve="1">
+  <p:cSld name="Title, 4 Content">
+    <p:spTree>
+      <p:nvGrpSpPr>
+        <p:cNvPr id="1" name=""/>
+        <p:cNvGrpSpPr/>
+        <p:nvPr/>
+      </p:nvGrpSpPr>
+      <p:grpSpPr>
+        <a:xfrm>
+          <a:off x="0" y="0"/>
+          <a:ext cx="0" cy="0"/>
+          <a:chOff x="0" y="0"/>
+          <a:chExt cx="0" cy="0"/>
+        </a:xfrm>
+      </p:grpSpPr>
+      <p:sp>
+        <p:nvSpPr>
+          <p:cNvPr id="191" name="PlaceHolder 1"/>
+          <p:cNvSpPr>
+            <a:spLocks noGrp="1"/>
+          </p:cNvSpPr>
+          <p:nvPr>
+            <p:ph type="title"/>
+          </p:nvPr>
+        </p:nvSpPr>
+        <p:spPr>
+          <a:xfrm>
+            <a:off x="457200" y="273600"/>
+            <a:ext cx="8229240" cy="1144800"/>
+          </a:xfrm>
+          <a:prstGeom prst="rect">
+            <a:avLst/>
+          </a:prstGeom>
+          <a:noFill/>
+          <a:ln w="0">
+            <a:noFill/>
+          </a:ln>
+        </p:spPr>
+        <p:txBody>
+          <a:bodyPr lIns="0" rIns="0" tIns="0" bIns="0" anchor="ctr">
+            <a:noAutofit/>
+          </a:bodyPr>
+          <a:p>
+            <a:pPr indent="0" algn="ctr">
+              <a:buNone/>
+            </a:pPr>
+            <a:endParaRPr b="0" lang="en-US" sz="4400" spc="-1" strike="noStrike">
+              <a:solidFill>
+                <a:srgbClr val="000000"/>
+              </a:solidFill>
+              <a:latin typeface="Arial"/>
+            </a:endParaRPr>
+          </a:p>
+        </p:txBody>
+      </p:sp>
+      <p:sp>
+        <p:nvSpPr>
+          <p:cNvPr id="192" name="PlaceHolder 2"/>
+          <p:cNvSpPr>
+            <a:spLocks noGrp="1"/>
+          </p:cNvSpPr>
+          <p:nvPr>
+            <p:ph/>
+          </p:nvPr>
+        </p:nvSpPr>
+        <p:spPr>
+          <a:xfrm>
+            <a:off x="457200" y="1604520"/>
+            <a:ext cx="4015800" cy="1896840"/>
+          </a:xfrm>
+          <a:prstGeom prst="rect">
+            <a:avLst/>
+          </a:prstGeom>
+          <a:noFill/>
+          <a:ln w="0">
+            <a:noFill/>
+          </a:ln>
+        </p:spPr>
+        <p:txBody>
+          <a:bodyPr lIns="0" rIns="0" tIns="0" bIns="0" anchor="t">
+            <a:normAutofit/>
+          </a:bodyPr>
+          <a:p>
+            <a:pPr indent="0">
+              <a:spcBef>
+                <a:spcPts val="1417"/>
+              </a:spcBef>
+              <a:buNone/>
+            </a:pPr>
+            <a:endParaRPr b="0" lang="en-US" sz="3200" spc="-1" strike="noStrike">
+              <a:solidFill>
+                <a:srgbClr val="000000"/>
+              </a:solidFill>
+              <a:latin typeface="Arial"/>
+            </a:endParaRPr>
+          </a:p>
+        </p:txBody>
+      </p:sp>
+      <p:sp>
+        <p:nvSpPr>
+          <p:cNvPr id="193" name="PlaceHolder 3"/>
+          <p:cNvSpPr>
+            <a:spLocks noGrp="1"/>
+          </p:cNvSpPr>
+          <p:nvPr>
+            <p:ph/>
+          </p:nvPr>
+        </p:nvSpPr>
+        <p:spPr>
+          <a:xfrm>
+            <a:off x="4674240" y="1604520"/>
+            <a:ext cx="4015800" cy="1896840"/>
+          </a:xfrm>
+          <a:prstGeom prst="rect">
+            <a:avLst/>
+          </a:prstGeom>
+          <a:noFill/>
+          <a:ln w="0">
+            <a:noFill/>
+          </a:ln>
+        </p:spPr>
+        <p:txBody>
+          <a:bodyPr lIns="0" rIns="0" tIns="0" bIns="0" anchor="t">
+            <a:normAutofit/>
+          </a:bodyPr>
+          <a:p>
+            <a:pPr indent="0">
+              <a:spcBef>
+                <a:spcPts val="1417"/>
+              </a:spcBef>
+              <a:buNone/>
+            </a:pPr>
+            <a:endParaRPr b="0" lang="en-US" sz="3200" spc="-1" strike="noStrike">
+              <a:solidFill>
+                <a:srgbClr val="000000"/>
+              </a:solidFill>
+              <a:latin typeface="Arial"/>
+            </a:endParaRPr>
+          </a:p>
+        </p:txBody>
+      </p:sp>
+      <p:sp>
+        <p:nvSpPr>
+          <p:cNvPr id="194" name="PlaceHolder 4"/>
+          <p:cNvSpPr>
+            <a:spLocks noGrp="1"/>
+          </p:cNvSpPr>
+          <p:nvPr>
+            <p:ph/>
+          </p:nvPr>
+        </p:nvSpPr>
+        <p:spPr>
+          <a:xfrm>
+            <a:off x="457200" y="3682080"/>
+            <a:ext cx="4015800" cy="1896840"/>
+          </a:xfrm>
+          <a:prstGeom prst="rect">
+            <a:avLst/>
+          </a:prstGeom>
+          <a:noFill/>
+          <a:ln w="0">
+            <a:noFill/>
+          </a:ln>
+        </p:spPr>
+        <p:txBody>
+          <a:bodyPr lIns="0" rIns="0" tIns="0" bIns="0" anchor="t">
+            <a:normAutofit/>
+          </a:bodyPr>
+          <a:p>
+            <a:pPr indent="0">
+              <a:spcBef>
+                <a:spcPts val="1417"/>
+              </a:spcBef>
+              <a:buNone/>
+            </a:pPr>
+            <a:endParaRPr b="0" lang="en-US" sz="3200" spc="-1" strike="noStrike">
+              <a:solidFill>
+                <a:srgbClr val="000000"/>
+              </a:solidFill>
+              <a:latin typeface="Arial"/>
+            </a:endParaRPr>
+          </a:p>
+        </p:txBody>
+      </p:sp>
+      <p:sp>
+        <p:nvSpPr>
+          <p:cNvPr id="195" name="PlaceHolder 5"/>
+          <p:cNvSpPr>
+            <a:spLocks noGrp="1"/>
+          </p:cNvSpPr>
+          <p:nvPr>
+            <p:ph/>
+          </p:nvPr>
+        </p:nvSpPr>
+        <p:spPr>
+          <a:xfrm>
+            <a:off x="4674240" y="3682080"/>
+            <a:ext cx="4015800" cy="1896840"/>
+          </a:xfrm>
+          <a:prstGeom prst="rect">
+            <a:avLst/>
+          </a:prstGeom>
+          <a:noFill/>
+          <a:ln w="0">
+            <a:noFill/>
+          </a:ln>
+        </p:spPr>
+        <p:txBody>
+          <a:bodyPr lIns="0" rIns="0" tIns="0" bIns="0" anchor="t">
+            <a:normAutofit/>
+          </a:bodyPr>
+          <a:p>
+            <a:pPr indent="0">
+              <a:spcBef>
+                <a:spcPts val="1417"/>
+              </a:spcBef>
+              <a:buNone/>
+            </a:pPr>
+            <a:endParaRPr b="0" lang="en-US" sz="3200" spc="-1" strike="noStrike">
+              <a:solidFill>
+                <a:srgbClr val="000000"/>
+              </a:solidFill>
+              <a:latin typeface="Arial"/>
+            </a:endParaRPr>
+          </a:p>
+        </p:txBody>
+      </p:sp>
+      <p:sp>
+        <p:nvSpPr>
+          <p:cNvPr id="7" name="PlaceHolder 6"/>
+          <p:cNvSpPr>
+            <a:spLocks noGrp="1"/>
+          </p:cNvSpPr>
+          <p:nvPr>
+            <p:ph type="ftr" idx="13"/>
+          </p:nvPr>
+        </p:nvSpPr>
+        <p:spPr/>
+        <p:txBody>
+          <a:bodyPr/>
+          <a:p>
+            <a:r>
+              <a:t>Footer</a:t>
+            </a:r>
+          </a:p>
+        </p:txBody>
+      </p:sp>
+      <p:sp>
+        <p:nvSpPr>
+          <p:cNvPr id="8" name="PlaceHolder 7"/>
+          <p:cNvSpPr>
+            <a:spLocks noGrp="1"/>
+          </p:cNvSpPr>
+          <p:nvPr>
+            <p:ph type="sldNum" idx="14"/>
+          </p:nvPr>
+        </p:nvSpPr>
+        <p:spPr/>
+        <p:txBody>
+          <a:bodyPr/>
+          <a:p>
+            <a:fld id="{017D83F5-2EA0-499E-9454-38080C93478B}" type="slidenum">
+              <a:t>&lt;#&gt;</a:t>
+            </a:fld>
+          </a:p>
+        </p:txBody>
+      </p:sp>
+      <p:sp>
+        <p:nvSpPr>
+          <p:cNvPr id="9" name="PlaceHolder 8"/>
+          <p:cNvSpPr>
+            <a:spLocks noGrp="1"/>
+          </p:cNvSpPr>
+          <p:nvPr>
+            <p:ph type="dt" idx="15"/>
           </p:nvPr>
         </p:nvSpPr>
         <p:spPr/>
@@ -9254,7 +11382,7 @@
         <p:txBody>
           <a:bodyPr/>
           <a:p>
-            <a:fld id="{50E237FB-9519-4072-8372-6A3824650725}" type="slidenum">
+            <a:fld id="{EB903BC7-1E42-44E0-A166-BD10871D1E7A}" type="slidenum">
               <a:t>&lt;#&gt;</a:t>
             </a:fld>
           </a:p>
@@ -9268,6 +11396,387 @@
           </p:cNvSpPr>
           <p:nvPr>
             <p:ph type="dt" idx="3"/>
+          </p:nvPr>
+        </p:nvSpPr>
+        <p:spPr/>
+        <p:txBody>
+          <a:bodyPr/>
+          <a:p>
+            <a:r>
+              <a:rPr lang="en-US"/>
+              <a:t/>
+            </a:r>
+          </a:p>
+        </p:txBody>
+      </p:sp>
+    </p:spTree>
+  </p:cSld>
+</p:sldLayout>
+</file>
+
+<file path=ppt/slideLayouts/slideLayout60.xml><?xml version="1.0" encoding="utf-8"?>
+<p:sldLayout xmlns:a="http://schemas.openxmlformats.org/drawingml/2006/main" xmlns:p="http://schemas.openxmlformats.org/presentationml/2006/main" xmlns:r="http://schemas.openxmlformats.org/officeDocument/2006/relationships" xmlns:p14="http://schemas.microsoft.com/office/powerpoint/2010/main" xmlns:p15="http://schemas.microsoft.com/office/powerpoint/2012/main" xmlns:mc="http://schemas.openxmlformats.org/markup-compatibility/2006" type="blank" preserve="1">
+  <p:cSld name="Title, 6 Content">
+    <p:spTree>
+      <p:nvGrpSpPr>
+        <p:cNvPr id="1" name=""/>
+        <p:cNvGrpSpPr/>
+        <p:nvPr/>
+      </p:nvGrpSpPr>
+      <p:grpSpPr>
+        <a:xfrm>
+          <a:off x="0" y="0"/>
+          <a:ext cx="0" cy="0"/>
+          <a:chOff x="0" y="0"/>
+          <a:chExt cx="0" cy="0"/>
+        </a:xfrm>
+      </p:grpSpPr>
+      <p:sp>
+        <p:nvSpPr>
+          <p:cNvPr id="196" name="PlaceHolder 1"/>
+          <p:cNvSpPr>
+            <a:spLocks noGrp="1"/>
+          </p:cNvSpPr>
+          <p:nvPr>
+            <p:ph type="title"/>
+          </p:nvPr>
+        </p:nvSpPr>
+        <p:spPr>
+          <a:xfrm>
+            <a:off x="457200" y="273600"/>
+            <a:ext cx="8229240" cy="1144800"/>
+          </a:xfrm>
+          <a:prstGeom prst="rect">
+            <a:avLst/>
+          </a:prstGeom>
+          <a:noFill/>
+          <a:ln w="0">
+            <a:noFill/>
+          </a:ln>
+        </p:spPr>
+        <p:txBody>
+          <a:bodyPr lIns="0" rIns="0" tIns="0" bIns="0" anchor="ctr">
+            <a:noAutofit/>
+          </a:bodyPr>
+          <a:p>
+            <a:pPr indent="0" algn="ctr">
+              <a:buNone/>
+            </a:pPr>
+            <a:endParaRPr b="0" lang="en-US" sz="4400" spc="-1" strike="noStrike">
+              <a:solidFill>
+                <a:srgbClr val="000000"/>
+              </a:solidFill>
+              <a:latin typeface="Arial"/>
+            </a:endParaRPr>
+          </a:p>
+        </p:txBody>
+      </p:sp>
+      <p:sp>
+        <p:nvSpPr>
+          <p:cNvPr id="197" name="PlaceHolder 2"/>
+          <p:cNvSpPr>
+            <a:spLocks noGrp="1"/>
+          </p:cNvSpPr>
+          <p:nvPr>
+            <p:ph/>
+          </p:nvPr>
+        </p:nvSpPr>
+        <p:spPr>
+          <a:xfrm>
+            <a:off x="457200" y="1604520"/>
+            <a:ext cx="2649600" cy="1896840"/>
+          </a:xfrm>
+          <a:prstGeom prst="rect">
+            <a:avLst/>
+          </a:prstGeom>
+          <a:noFill/>
+          <a:ln w="0">
+            <a:noFill/>
+          </a:ln>
+        </p:spPr>
+        <p:txBody>
+          <a:bodyPr lIns="0" rIns="0" tIns="0" bIns="0" anchor="t">
+            <a:normAutofit/>
+          </a:bodyPr>
+          <a:p>
+            <a:pPr indent="0">
+              <a:spcBef>
+                <a:spcPts val="1417"/>
+              </a:spcBef>
+              <a:buNone/>
+            </a:pPr>
+            <a:endParaRPr b="0" lang="en-US" sz="3200" spc="-1" strike="noStrike">
+              <a:solidFill>
+                <a:srgbClr val="000000"/>
+              </a:solidFill>
+              <a:latin typeface="Arial"/>
+            </a:endParaRPr>
+          </a:p>
+        </p:txBody>
+      </p:sp>
+      <p:sp>
+        <p:nvSpPr>
+          <p:cNvPr id="198" name="PlaceHolder 3"/>
+          <p:cNvSpPr>
+            <a:spLocks noGrp="1"/>
+          </p:cNvSpPr>
+          <p:nvPr>
+            <p:ph/>
+          </p:nvPr>
+        </p:nvSpPr>
+        <p:spPr>
+          <a:xfrm>
+            <a:off x="3239640" y="1604520"/>
+            <a:ext cx="2649600" cy="1896840"/>
+          </a:xfrm>
+          <a:prstGeom prst="rect">
+            <a:avLst/>
+          </a:prstGeom>
+          <a:noFill/>
+          <a:ln w="0">
+            <a:noFill/>
+          </a:ln>
+        </p:spPr>
+        <p:txBody>
+          <a:bodyPr lIns="0" rIns="0" tIns="0" bIns="0" anchor="t">
+            <a:normAutofit/>
+          </a:bodyPr>
+          <a:p>
+            <a:pPr indent="0">
+              <a:spcBef>
+                <a:spcPts val="1417"/>
+              </a:spcBef>
+              <a:buNone/>
+            </a:pPr>
+            <a:endParaRPr b="0" lang="en-US" sz="3200" spc="-1" strike="noStrike">
+              <a:solidFill>
+                <a:srgbClr val="000000"/>
+              </a:solidFill>
+              <a:latin typeface="Arial"/>
+            </a:endParaRPr>
+          </a:p>
+        </p:txBody>
+      </p:sp>
+      <p:sp>
+        <p:nvSpPr>
+          <p:cNvPr id="199" name="PlaceHolder 4"/>
+          <p:cNvSpPr>
+            <a:spLocks noGrp="1"/>
+          </p:cNvSpPr>
+          <p:nvPr>
+            <p:ph/>
+          </p:nvPr>
+        </p:nvSpPr>
+        <p:spPr>
+          <a:xfrm>
+            <a:off x="6022080" y="1604520"/>
+            <a:ext cx="2649600" cy="1896840"/>
+          </a:xfrm>
+          <a:prstGeom prst="rect">
+            <a:avLst/>
+          </a:prstGeom>
+          <a:noFill/>
+          <a:ln w="0">
+            <a:noFill/>
+          </a:ln>
+        </p:spPr>
+        <p:txBody>
+          <a:bodyPr lIns="0" rIns="0" tIns="0" bIns="0" anchor="t">
+            <a:normAutofit/>
+          </a:bodyPr>
+          <a:p>
+            <a:pPr indent="0">
+              <a:spcBef>
+                <a:spcPts val="1417"/>
+              </a:spcBef>
+              <a:buNone/>
+            </a:pPr>
+            <a:endParaRPr b="0" lang="en-US" sz="3200" spc="-1" strike="noStrike">
+              <a:solidFill>
+                <a:srgbClr val="000000"/>
+              </a:solidFill>
+              <a:latin typeface="Arial"/>
+            </a:endParaRPr>
+          </a:p>
+        </p:txBody>
+      </p:sp>
+      <p:sp>
+        <p:nvSpPr>
+          <p:cNvPr id="200" name="PlaceHolder 5"/>
+          <p:cNvSpPr>
+            <a:spLocks noGrp="1"/>
+          </p:cNvSpPr>
+          <p:nvPr>
+            <p:ph/>
+          </p:nvPr>
+        </p:nvSpPr>
+        <p:spPr>
+          <a:xfrm>
+            <a:off x="457200" y="3682080"/>
+            <a:ext cx="2649600" cy="1896840"/>
+          </a:xfrm>
+          <a:prstGeom prst="rect">
+            <a:avLst/>
+          </a:prstGeom>
+          <a:noFill/>
+          <a:ln w="0">
+            <a:noFill/>
+          </a:ln>
+        </p:spPr>
+        <p:txBody>
+          <a:bodyPr lIns="0" rIns="0" tIns="0" bIns="0" anchor="t">
+            <a:normAutofit/>
+          </a:bodyPr>
+          <a:p>
+            <a:pPr indent="0">
+              <a:spcBef>
+                <a:spcPts val="1417"/>
+              </a:spcBef>
+              <a:buNone/>
+            </a:pPr>
+            <a:endParaRPr b="0" lang="en-US" sz="3200" spc="-1" strike="noStrike">
+              <a:solidFill>
+                <a:srgbClr val="000000"/>
+              </a:solidFill>
+              <a:latin typeface="Arial"/>
+            </a:endParaRPr>
+          </a:p>
+        </p:txBody>
+      </p:sp>
+      <p:sp>
+        <p:nvSpPr>
+          <p:cNvPr id="201" name="PlaceHolder 6"/>
+          <p:cNvSpPr>
+            <a:spLocks noGrp="1"/>
+          </p:cNvSpPr>
+          <p:nvPr>
+            <p:ph/>
+          </p:nvPr>
+        </p:nvSpPr>
+        <p:spPr>
+          <a:xfrm>
+            <a:off x="3239640" y="3682080"/>
+            <a:ext cx="2649600" cy="1896840"/>
+          </a:xfrm>
+          <a:prstGeom prst="rect">
+            <a:avLst/>
+          </a:prstGeom>
+          <a:noFill/>
+          <a:ln w="0">
+            <a:noFill/>
+          </a:ln>
+        </p:spPr>
+        <p:txBody>
+          <a:bodyPr lIns="0" rIns="0" tIns="0" bIns="0" anchor="t">
+            <a:normAutofit/>
+          </a:bodyPr>
+          <a:p>
+            <a:pPr indent="0">
+              <a:spcBef>
+                <a:spcPts val="1417"/>
+              </a:spcBef>
+              <a:buNone/>
+            </a:pPr>
+            <a:endParaRPr b="0" lang="en-US" sz="3200" spc="-1" strike="noStrike">
+              <a:solidFill>
+                <a:srgbClr val="000000"/>
+              </a:solidFill>
+              <a:latin typeface="Arial"/>
+            </a:endParaRPr>
+          </a:p>
+        </p:txBody>
+      </p:sp>
+      <p:sp>
+        <p:nvSpPr>
+          <p:cNvPr id="202" name="PlaceHolder 7"/>
+          <p:cNvSpPr>
+            <a:spLocks noGrp="1"/>
+          </p:cNvSpPr>
+          <p:nvPr>
+            <p:ph/>
+          </p:nvPr>
+        </p:nvSpPr>
+        <p:spPr>
+          <a:xfrm>
+            <a:off x="6022080" y="3682080"/>
+            <a:ext cx="2649600" cy="1896840"/>
+          </a:xfrm>
+          <a:prstGeom prst="rect">
+            <a:avLst/>
+          </a:prstGeom>
+          <a:noFill/>
+          <a:ln w="0">
+            <a:noFill/>
+          </a:ln>
+        </p:spPr>
+        <p:txBody>
+          <a:bodyPr lIns="0" rIns="0" tIns="0" bIns="0" anchor="t">
+            <a:normAutofit/>
+          </a:bodyPr>
+          <a:p>
+            <a:pPr indent="0">
+              <a:spcBef>
+                <a:spcPts val="1417"/>
+              </a:spcBef>
+              <a:buNone/>
+            </a:pPr>
+            <a:endParaRPr b="0" lang="en-US" sz="3200" spc="-1" strike="noStrike">
+              <a:solidFill>
+                <a:srgbClr val="000000"/>
+              </a:solidFill>
+              <a:latin typeface="Arial"/>
+            </a:endParaRPr>
+          </a:p>
+        </p:txBody>
+      </p:sp>
+      <p:sp>
+        <p:nvSpPr>
+          <p:cNvPr id="9" name="PlaceHolder 8"/>
+          <p:cNvSpPr>
+            <a:spLocks noGrp="1"/>
+          </p:cNvSpPr>
+          <p:nvPr>
+            <p:ph type="ftr" idx="13"/>
+          </p:nvPr>
+        </p:nvSpPr>
+        <p:spPr/>
+        <p:txBody>
+          <a:bodyPr/>
+          <a:p>
+            <a:r>
+              <a:t>Footer</a:t>
+            </a:r>
+          </a:p>
+        </p:txBody>
+      </p:sp>
+      <p:sp>
+        <p:nvSpPr>
+          <p:cNvPr id="10" name="PlaceHolder 9"/>
+          <p:cNvSpPr>
+            <a:spLocks noGrp="1"/>
+          </p:cNvSpPr>
+          <p:nvPr>
+            <p:ph type="sldNum" idx="14"/>
+          </p:nvPr>
+        </p:nvSpPr>
+        <p:spPr/>
+        <p:txBody>
+          <a:bodyPr/>
+          <a:p>
+            <a:fld id="{AD1261E1-031A-4C52-B3A5-2613A8A04093}" type="slidenum">
+              <a:t>&lt;#&gt;</a:t>
+            </a:fld>
+          </a:p>
+        </p:txBody>
+      </p:sp>
+      <p:sp>
+        <p:nvSpPr>
+          <p:cNvPr id="11" name="PlaceHolder 10"/>
+          <p:cNvSpPr>
+            <a:spLocks noGrp="1"/>
+          </p:cNvSpPr>
+          <p:nvPr>
+            <p:ph type="dt" idx="15"/>
           </p:nvPr>
         </p:nvSpPr>
         <p:spPr/>
@@ -9506,7 +12015,7 @@
         <p:txBody>
           <a:bodyPr/>
           <a:p>
-            <a:fld id="{A1DA99CA-0CD1-49F3-B706-8345AA6CC679}" type="slidenum">
+            <a:fld id="{A3FFA670-7AE0-44EC-A7F4-F91F59F02E78}" type="slidenum">
               <a:t>&lt;#&gt;</a:t>
             </a:fld>
           </a:p>
@@ -9758,7 +12267,7 @@
         <p:txBody>
           <a:bodyPr/>
           <a:p>
-            <a:fld id="{BD24AF62-22CB-4606-A5EE-97CE73AF427E}" type="slidenum">
+            <a:fld id="{04EE2975-CE9B-4F57-B1C6-B5F349BD5CBF}" type="slidenum">
               <a:t>&lt;#&gt;</a:t>
             </a:fld>
           </a:p>
@@ -10010,7 +12519,7 @@
         <p:txBody>
           <a:bodyPr/>
           <a:p>
-            <a:fld id="{40EF8DCD-904E-4B88-BBE4-9A9721EA2D70}" type="slidenum">
+            <a:fld id="{4CA951B2-5C77-45B2-8716-38276734EF19}" type="slidenum">
               <a:t>&lt;#&gt;</a:t>
             </a:fld>
           </a:p>
@@ -10079,7 +12588,7 @@
         <p:spPr>
           <a:xfrm>
             <a:off x="3124080" y="6356520"/>
-            <a:ext cx="2893320" cy="362880"/>
+            <a:ext cx="2892960" cy="362520"/>
           </a:xfrm>
           <a:prstGeom prst="rect">
             <a:avLst/>
@@ -10127,7 +12636,7 @@
                 </a:solidFill>
                 <a:latin typeface="Times New Roman"/>
               </a:rPr>
-              <a:t> </a:t>
+              <a:t>&lt;footer&gt;</a:t>
             </a:r>
             <a:endParaRPr b="0" lang="en-US" sz="1400" spc="-1" strike="noStrike">
               <a:solidFill>
@@ -10151,7 +12660,7 @@
         <p:spPr>
           <a:xfrm>
             <a:off x="6553080" y="6356520"/>
-            <a:ext cx="2131560" cy="362880"/>
+            <a:ext cx="2131200" cy="362520"/>
           </a:xfrm>
           <a:prstGeom prst="rect">
             <a:avLst/>
@@ -10192,14 +12701,14 @@
                 <a:tab algn="l" pos="0"/>
               </a:tabLst>
             </a:pPr>
-            <a:fld id="{7D3BCCEC-0A9A-41DE-9EB4-964537EE2595}" type="slidenum">
+            <a:fld id="{45F501E2-9F25-473E-98A1-A0D0E5BBCA28}" type="slidenum">
               <a:rPr b="0" lang="en-US" sz="1200" spc="-1" strike="noStrike">
                 <a:solidFill>
                   <a:srgbClr val="8b8b8b"/>
                 </a:solidFill>
                 <a:latin typeface="Calibri"/>
               </a:rPr>
-              <a:t>4</a:t>
+              <a:t>&lt;number&gt;</a:t>
             </a:fld>
             <a:endParaRPr b="0" lang="en-US" sz="1200" spc="-1" strike="noStrike">
               <a:solidFill>
@@ -10223,7 +12732,7 @@
         <p:spPr>
           <a:xfrm>
             <a:off x="457200" y="6356520"/>
-            <a:ext cx="2131560" cy="362880"/>
+            <a:ext cx="2131200" cy="362520"/>
           </a:xfrm>
           <a:prstGeom prst="rect">
             <a:avLst/>
@@ -10259,7 +12768,7 @@
                 </a:solidFill>
                 <a:latin typeface="Times New Roman"/>
               </a:rPr>
-              <a:t> </a:t>
+              <a:t>&lt;date/time&gt;</a:t>
             </a:r>
             <a:endParaRPr b="0" lang="en-US" sz="1400" spc="-1" strike="noStrike">
               <a:solidFill>
@@ -10601,7 +13110,7 @@
         <p:spPr>
           <a:xfrm>
             <a:off x="3124080" y="6356520"/>
-            <a:ext cx="2893320" cy="362880"/>
+            <a:ext cx="2892960" cy="362520"/>
           </a:xfrm>
           <a:prstGeom prst="rect">
             <a:avLst/>
@@ -10673,7 +13182,7 @@
         <p:spPr>
           <a:xfrm>
             <a:off x="6553080" y="6356520"/>
-            <a:ext cx="2131560" cy="362880"/>
+            <a:ext cx="2131200" cy="362520"/>
           </a:xfrm>
           <a:prstGeom prst="rect">
             <a:avLst/>
@@ -10714,7 +13223,7 @@
                 <a:tab algn="l" pos="0"/>
               </a:tabLst>
             </a:pPr>
-            <a:fld id="{844AAFFF-A937-4048-AF1C-31AC497717BE}" type="slidenum">
+            <a:fld id="{46C49F46-0008-45F9-8135-064BE01AC086}" type="slidenum">
               <a:rPr b="0" lang="en-US" sz="1200" spc="-1" strike="noStrike">
                 <a:solidFill>
                   <a:srgbClr val="8b8b8b"/>
@@ -10745,7 +13254,7 @@
         <p:spPr>
           <a:xfrm>
             <a:off x="457200" y="6356520"/>
-            <a:ext cx="2131560" cy="362880"/>
+            <a:ext cx="2131200" cy="362520"/>
           </a:xfrm>
           <a:prstGeom prst="rect">
             <a:avLst/>
@@ -11123,7 +13632,7 @@
         <p:spPr>
           <a:xfrm>
             <a:off x="3124080" y="6356520"/>
-            <a:ext cx="2893680" cy="363240"/>
+            <a:ext cx="2893320" cy="362880"/>
           </a:xfrm>
           <a:prstGeom prst="rect">
             <a:avLst/>
@@ -11195,7 +13704,7 @@
         <p:spPr>
           <a:xfrm>
             <a:off x="6553080" y="6356520"/>
-            <a:ext cx="2131920" cy="363240"/>
+            <a:ext cx="2131560" cy="362880"/>
           </a:xfrm>
           <a:prstGeom prst="rect">
             <a:avLst/>
@@ -11236,7 +13745,7 @@
                 <a:tab algn="l" pos="0"/>
               </a:tabLst>
             </a:pPr>
-            <a:fld id="{3D2B9E9E-EC43-41FA-A5E0-B810B7184D5F}" type="slidenum">
+            <a:fld id="{5D418595-422C-455D-ACA2-17893CF2AF3E}" type="slidenum">
               <a:rPr b="0" lang="en-US" sz="1200" spc="-1" strike="noStrike">
                 <a:solidFill>
                   <a:srgbClr val="8b8b8b"/>
@@ -11267,7 +13776,7 @@
         <p:spPr>
           <a:xfrm>
             <a:off x="457200" y="6356520"/>
-            <a:ext cx="2131920" cy="363240"/>
+            <a:ext cx="2131560" cy="362880"/>
           </a:xfrm>
           <a:prstGeom prst="rect">
             <a:avLst/>
@@ -11645,7 +14154,7 @@
         <p:spPr>
           <a:xfrm>
             <a:off x="3124080" y="6356520"/>
-            <a:ext cx="2894040" cy="363600"/>
+            <a:ext cx="2893680" cy="363240"/>
           </a:xfrm>
           <a:prstGeom prst="rect">
             <a:avLst/>
@@ -11717,7 +14226,7 @@
         <p:spPr>
           <a:xfrm>
             <a:off x="6553080" y="6356520"/>
-            <a:ext cx="2132280" cy="363600"/>
+            <a:ext cx="2131920" cy="363240"/>
           </a:xfrm>
           <a:prstGeom prst="rect">
             <a:avLst/>
@@ -11758,7 +14267,7 @@
                 <a:tab algn="l" pos="0"/>
               </a:tabLst>
             </a:pPr>
-            <a:fld id="{15E0874C-BE12-4C14-9D83-B6A243EFF53C}" type="slidenum">
+            <a:fld id="{DE34F01E-4870-4591-8487-511351D323EA}" type="slidenum">
               <a:rPr b="0" lang="en-US" sz="1200" spc="-1" strike="noStrike">
                 <a:solidFill>
                   <a:srgbClr val="8b8b8b"/>
@@ -11789,7 +14298,7 @@
         <p:spPr>
           <a:xfrm>
             <a:off x="457200" y="6356520"/>
-            <a:ext cx="2132280" cy="363600"/>
+            <a:ext cx="2131920" cy="363240"/>
           </a:xfrm>
           <a:prstGeom prst="rect">
             <a:avLst/>
@@ -11832,280 +14341,6 @@
                 <a:srgbClr val="000000"/>
               </a:solidFill>
               <a:latin typeface="Times New Roman"/>
-            </a:endParaRPr>
-          </a:p>
-        </p:txBody>
-      </p:sp>
-      <p:sp>
-        <p:nvSpPr>
-          <p:cNvPr id="126" name="PlaceHolder 4"/>
-          <p:cNvSpPr>
-            <a:spLocks noGrp="1"/>
-          </p:cNvSpPr>
-          <p:nvPr>
-            <p:ph type="title"/>
-          </p:nvPr>
-        </p:nvSpPr>
-        <p:spPr>
-          <a:xfrm>
-            <a:off x="457200" y="273600"/>
-            <a:ext cx="8229240" cy="1144800"/>
-          </a:xfrm>
-          <a:prstGeom prst="rect">
-            <a:avLst/>
-          </a:prstGeom>
-          <a:noFill/>
-          <a:ln w="0">
-            <a:noFill/>
-          </a:ln>
-        </p:spPr>
-        <p:txBody>
-          <a:bodyPr lIns="0" rIns="0" tIns="0" bIns="0" anchor="ctr">
-            <a:noAutofit/>
-          </a:bodyPr>
-          <a:p>
-            <a:pPr indent="0" algn="ctr">
-              <a:buNone/>
-            </a:pPr>
-            <a:r>
-              <a:rPr b="0" lang="en-US" sz="4400" spc="-1" strike="noStrike">
-                <a:solidFill>
-                  <a:srgbClr val="000000"/>
-                </a:solidFill>
-                <a:latin typeface="Arial"/>
-              </a:rPr>
-              <a:t>Click to edit the title text format</a:t>
-            </a:r>
-            <a:endParaRPr b="0" lang="en-US" sz="4400" spc="-1" strike="noStrike">
-              <a:solidFill>
-                <a:srgbClr val="000000"/>
-              </a:solidFill>
-              <a:latin typeface="Arial"/>
-            </a:endParaRPr>
-          </a:p>
-        </p:txBody>
-      </p:sp>
-      <p:sp>
-        <p:nvSpPr>
-          <p:cNvPr id="127" name="PlaceHolder 5"/>
-          <p:cNvSpPr>
-            <a:spLocks noGrp="1"/>
-          </p:cNvSpPr>
-          <p:nvPr>
-            <p:ph type="body"/>
-          </p:nvPr>
-        </p:nvSpPr>
-        <p:spPr>
-          <a:xfrm>
-            <a:off x="457200" y="1604520"/>
-            <a:ext cx="8229240" cy="3977280"/>
-          </a:xfrm>
-          <a:prstGeom prst="rect">
-            <a:avLst/>
-          </a:prstGeom>
-          <a:noFill/>
-          <a:ln w="0">
-            <a:noFill/>
-          </a:ln>
-        </p:spPr>
-        <p:txBody>
-          <a:bodyPr lIns="0" rIns="0" tIns="0" bIns="0" anchor="t">
-            <a:normAutofit/>
-          </a:bodyPr>
-          <a:p>
-            <a:pPr marL="432000" indent="-324000">
-              <a:spcBef>
-                <a:spcPts val="1417"/>
-              </a:spcBef>
-              <a:buClr>
-                <a:srgbClr val="000000"/>
-              </a:buClr>
-              <a:buSzPct val="45000"/>
-              <a:buFont typeface="Wingdings" charset="2"/>
-              <a:buChar char=""/>
-            </a:pPr>
-            <a:r>
-              <a:rPr b="0" lang="en-US" sz="3200" spc="-1" strike="noStrike">
-                <a:solidFill>
-                  <a:srgbClr val="000000"/>
-                </a:solidFill>
-                <a:latin typeface="Arial"/>
-              </a:rPr>
-              <a:t>Click to edit the outline text format</a:t>
-            </a:r>
-            <a:endParaRPr b="0" lang="en-US" sz="3200" spc="-1" strike="noStrike">
-              <a:solidFill>
-                <a:srgbClr val="000000"/>
-              </a:solidFill>
-              <a:latin typeface="Arial"/>
-            </a:endParaRPr>
-          </a:p>
-          <a:p>
-            <a:pPr lvl="1" marL="864000" indent="-324000">
-              <a:spcBef>
-                <a:spcPts val="1134"/>
-              </a:spcBef>
-              <a:buClr>
-                <a:srgbClr val="000000"/>
-              </a:buClr>
-              <a:buSzPct val="75000"/>
-              <a:buFont typeface="Symbol" charset="2"/>
-              <a:buChar char=""/>
-            </a:pPr>
-            <a:r>
-              <a:rPr b="0" lang="en-US" sz="2800" spc="-1" strike="noStrike">
-                <a:solidFill>
-                  <a:srgbClr val="000000"/>
-                </a:solidFill>
-                <a:latin typeface="Arial"/>
-              </a:rPr>
-              <a:t>Second Outline Level</a:t>
-            </a:r>
-            <a:endParaRPr b="0" lang="en-US" sz="2800" spc="-1" strike="noStrike">
-              <a:solidFill>
-                <a:srgbClr val="000000"/>
-              </a:solidFill>
-              <a:latin typeface="Arial"/>
-            </a:endParaRPr>
-          </a:p>
-          <a:p>
-            <a:pPr lvl="2" marL="1296000" indent="-288000">
-              <a:spcBef>
-                <a:spcPts val="850"/>
-              </a:spcBef>
-              <a:buClr>
-                <a:srgbClr val="000000"/>
-              </a:buClr>
-              <a:buSzPct val="45000"/>
-              <a:buFont typeface="Wingdings" charset="2"/>
-              <a:buChar char=""/>
-            </a:pPr>
-            <a:r>
-              <a:rPr b="0" lang="en-US" sz="2400" spc="-1" strike="noStrike">
-                <a:solidFill>
-                  <a:srgbClr val="000000"/>
-                </a:solidFill>
-                <a:latin typeface="Arial"/>
-              </a:rPr>
-              <a:t>Third Outline Level</a:t>
-            </a:r>
-            <a:endParaRPr b="0" lang="en-US" sz="2400" spc="-1" strike="noStrike">
-              <a:solidFill>
-                <a:srgbClr val="000000"/>
-              </a:solidFill>
-              <a:latin typeface="Arial"/>
-            </a:endParaRPr>
-          </a:p>
-          <a:p>
-            <a:pPr lvl="3" marL="1728000" indent="-216000">
-              <a:spcBef>
-                <a:spcPts val="567"/>
-              </a:spcBef>
-              <a:buClr>
-                <a:srgbClr val="000000"/>
-              </a:buClr>
-              <a:buSzPct val="75000"/>
-              <a:buFont typeface="Symbol" charset="2"/>
-              <a:buChar char=""/>
-            </a:pPr>
-            <a:r>
-              <a:rPr b="0" lang="en-US" sz="2000" spc="-1" strike="noStrike">
-                <a:solidFill>
-                  <a:srgbClr val="000000"/>
-                </a:solidFill>
-                <a:latin typeface="Arial"/>
-              </a:rPr>
-              <a:t>Fourth Outline Level</a:t>
-            </a:r>
-            <a:endParaRPr b="0" lang="en-US" sz="2000" spc="-1" strike="noStrike">
-              <a:solidFill>
-                <a:srgbClr val="000000"/>
-              </a:solidFill>
-              <a:latin typeface="Arial"/>
-            </a:endParaRPr>
-          </a:p>
-          <a:p>
-            <a:pPr lvl="4" marL="2160000" indent="-216000">
-              <a:spcBef>
-                <a:spcPts val="283"/>
-              </a:spcBef>
-              <a:buClr>
-                <a:srgbClr val="000000"/>
-              </a:buClr>
-              <a:buSzPct val="45000"/>
-              <a:buFont typeface="Wingdings" charset="2"/>
-              <a:buChar char=""/>
-            </a:pPr>
-            <a:r>
-              <a:rPr b="0" lang="en-US" sz="2000" spc="-1" strike="noStrike">
-                <a:solidFill>
-                  <a:srgbClr val="000000"/>
-                </a:solidFill>
-                <a:latin typeface="Arial"/>
-              </a:rPr>
-              <a:t>Fifth Outline Level</a:t>
-            </a:r>
-            <a:endParaRPr b="0" lang="en-US" sz="2000" spc="-1" strike="noStrike">
-              <a:solidFill>
-                <a:srgbClr val="000000"/>
-              </a:solidFill>
-              <a:latin typeface="Arial"/>
-            </a:endParaRPr>
-          </a:p>
-          <a:p>
-            <a:pPr lvl="5" marL="2592000" indent="-216000">
-              <a:spcBef>
-                <a:spcPts val="283"/>
-              </a:spcBef>
-              <a:buClr>
-                <a:srgbClr val="000000"/>
-              </a:buClr>
-              <a:buSzPct val="45000"/>
-              <a:buFont typeface="Wingdings" charset="2"/>
-              <a:buChar char=""/>
-            </a:pPr>
-            <a:r>
-              <a:rPr b="0" lang="en-US" sz="2000" spc="-1" strike="noStrike">
-                <a:solidFill>
-                  <a:srgbClr val="000000"/>
-                </a:solidFill>
-                <a:latin typeface="Arial"/>
-              </a:rPr>
-              <a:t>Sixth Outline Level</a:t>
-            </a:r>
-            <a:endParaRPr b="0" lang="en-US" sz="2000" spc="-1" strike="noStrike">
-              <a:solidFill>
-                <a:srgbClr val="000000"/>
-              </a:solidFill>
-              <a:latin typeface="Arial"/>
-            </a:endParaRPr>
-          </a:p>
-          <a:p>
-            <a:pPr lvl="6" marL="3024000" indent="-216000">
-              <a:spcBef>
-                <a:spcPts val="283"/>
-              </a:spcBef>
-              <a:buClr>
-                <a:srgbClr val="000000"/>
-              </a:buClr>
-              <a:buSzPct val="45000"/>
-              <a:buFont typeface="Wingdings" charset="2"/>
-              <a:buChar char=""/>
-            </a:pPr>
-            <a:r>
-              <a:rPr b="0" lang="en-US" sz="2000" spc="-1" strike="noStrike">
-                <a:solidFill>
-                  <a:srgbClr val="000000"/>
-                </a:solidFill>
-                <a:latin typeface="Arial"/>
-              </a:rPr>
-              <a:t>Seventh Outline Level</a:t>
-            </a:r>
-            <a:endParaRPr b="0" lang="en-US" sz="2000" spc="-1" strike="noStrike">
-              <a:solidFill>
-                <a:srgbClr val="000000"/>
-              </a:solidFill>
-              <a:latin typeface="Arial"/>
             </a:endParaRPr>
           </a:p>
         </p:txBody>
@@ -12126,6 +14361,528 @@
     <p:sldLayoutId id="2147483697" r:id="rId11"/>
     <p:sldLayoutId id="2147483698" r:id="rId12"/>
     <p:sldLayoutId id="2147483699" r:id="rId13"/>
+  </p:sldLayoutIdLst>
+</p:sldMaster>
+</file>
+
+<file path=ppt/slideMasters/slideMaster5.xml><?xml version="1.0" encoding="utf-8"?>
+<p:sldMaster xmlns:a="http://schemas.openxmlformats.org/drawingml/2006/main" xmlns:p="http://schemas.openxmlformats.org/presentationml/2006/main" xmlns:r="http://schemas.openxmlformats.org/officeDocument/2006/relationships" xmlns:p14="http://schemas.microsoft.com/office/powerpoint/2010/main" xmlns:p15="http://schemas.microsoft.com/office/powerpoint/2012/main" xmlns:mc="http://schemas.openxmlformats.org/markup-compatibility/2006">
+  <p:cSld>
+    <p:bg>
+      <p:bgPr>
+        <a:solidFill>
+          <a:srgbClr val="ffffff"/>
+        </a:solidFill>
+      </p:bgPr>
+    </p:bg>
+    <p:spTree>
+      <p:nvGrpSpPr>
+        <p:cNvPr id="1" name=""/>
+        <p:cNvGrpSpPr/>
+        <p:nvPr/>
+      </p:nvGrpSpPr>
+      <p:grpSpPr>
+        <a:xfrm>
+          <a:off x="0" y="0"/>
+          <a:ext cx="0" cy="0"/>
+          <a:chOff x="0" y="0"/>
+          <a:chExt cx="0" cy="0"/>
+        </a:xfrm>
+      </p:grpSpPr>
+      <p:sp>
+        <p:nvSpPr>
+          <p:cNvPr id="162" name="PlaceHolder 1"/>
+          <p:cNvSpPr>
+            <a:spLocks noGrp="1"/>
+          </p:cNvSpPr>
+          <p:nvPr>
+            <p:ph type="ftr" idx="13"/>
+          </p:nvPr>
+        </p:nvSpPr>
+        <p:spPr>
+          <a:xfrm>
+            <a:off x="3124080" y="6356520"/>
+            <a:ext cx="2894400" cy="363960"/>
+          </a:xfrm>
+          <a:prstGeom prst="rect">
+            <a:avLst/>
+          </a:prstGeom>
+          <a:noFill/>
+          <a:ln w="0">
+            <a:noFill/>
+          </a:ln>
+        </p:spPr>
+        <p:txBody>
+          <a:bodyPr lIns="90000" rIns="90000" tIns="45000" bIns="45000" anchor="ctr">
+            <a:noAutofit/>
+          </a:bodyPr>
+          <a:lstStyle>
+            <a:lvl1pPr indent="0" algn="ctr">
+              <a:lnSpc>
+                <a:spcPct val="100000"/>
+              </a:lnSpc>
+              <a:buNone/>
+              <a:tabLst>
+                <a:tab algn="l" pos="0"/>
+              </a:tabLst>
+              <a:defRPr b="0" lang="en-US" sz="1400" spc="-1" strike="noStrike">
+                <a:solidFill>
+                  <a:srgbClr val="000000"/>
+                </a:solidFill>
+                <a:latin typeface="Times New Roman"/>
+              </a:defRPr>
+            </a:lvl1pPr>
+          </a:lstStyle>
+          <a:p>
+            <a:pPr indent="0" algn="ctr">
+              <a:lnSpc>
+                <a:spcPct val="100000"/>
+              </a:lnSpc>
+              <a:buNone/>
+              <a:tabLst>
+                <a:tab algn="l" pos="0"/>
+              </a:tabLst>
+            </a:pPr>
+            <a:r>
+              <a:rPr b="0" lang="en-US" sz="1400" spc="-1" strike="noStrike">
+                <a:solidFill>
+                  <a:srgbClr val="000000"/>
+                </a:solidFill>
+                <a:latin typeface="Times New Roman"/>
+              </a:rPr>
+              <a:t>&lt;footer&gt;</a:t>
+            </a:r>
+            <a:endParaRPr b="0" lang="en-US" sz="1400" spc="-1" strike="noStrike">
+              <a:solidFill>
+                <a:srgbClr val="000000"/>
+              </a:solidFill>
+              <a:latin typeface="Times New Roman"/>
+            </a:endParaRPr>
+          </a:p>
+        </p:txBody>
+      </p:sp>
+      <p:sp>
+        <p:nvSpPr>
+          <p:cNvPr id="163" name="PlaceHolder 2"/>
+          <p:cNvSpPr>
+            <a:spLocks noGrp="1"/>
+          </p:cNvSpPr>
+          <p:nvPr>
+            <p:ph type="sldNum" idx="14"/>
+          </p:nvPr>
+        </p:nvSpPr>
+        <p:spPr>
+          <a:xfrm>
+            <a:off x="6553080" y="6356520"/>
+            <a:ext cx="2132640" cy="363960"/>
+          </a:xfrm>
+          <a:prstGeom prst="rect">
+            <a:avLst/>
+          </a:prstGeom>
+          <a:noFill/>
+          <a:ln w="0">
+            <a:noFill/>
+          </a:ln>
+        </p:spPr>
+        <p:txBody>
+          <a:bodyPr lIns="90000" rIns="90000" tIns="45000" bIns="45000" anchor="ctr">
+            <a:noAutofit/>
+          </a:bodyPr>
+          <a:lstStyle>
+            <a:lvl1pPr indent="0" algn="r">
+              <a:lnSpc>
+                <a:spcPct val="100000"/>
+              </a:lnSpc>
+              <a:buNone/>
+              <a:tabLst>
+                <a:tab algn="l" pos="0"/>
+              </a:tabLst>
+              <a:defRPr b="0" lang="en-US" sz="1200" spc="-1" strike="noStrike">
+                <a:solidFill>
+                  <a:srgbClr val="8b8b8b"/>
+                </a:solidFill>
+                <a:latin typeface="Calibri"/>
+              </a:defRPr>
+            </a:lvl1pPr>
+          </a:lstStyle>
+          <a:p>
+            <a:pPr indent="0" algn="r">
+              <a:lnSpc>
+                <a:spcPct val="100000"/>
+              </a:lnSpc>
+              <a:buNone/>
+              <a:tabLst>
+                <a:tab algn="l" pos="0"/>
+              </a:tabLst>
+            </a:pPr>
+            <a:fld id="{23832C8E-BC78-4A0E-973B-0D531C0DF1BB}" type="slidenum">
+              <a:rPr b="0" lang="en-US" sz="1200" spc="-1" strike="noStrike">
+                <a:solidFill>
+                  <a:srgbClr val="8b8b8b"/>
+                </a:solidFill>
+                <a:latin typeface="Calibri"/>
+              </a:rPr>
+              <a:t>&lt;number&gt;</a:t>
+            </a:fld>
+            <a:endParaRPr b="0" lang="en-US" sz="1200" spc="-1" strike="noStrike">
+              <a:solidFill>
+                <a:srgbClr val="000000"/>
+              </a:solidFill>
+              <a:latin typeface="Times New Roman"/>
+            </a:endParaRPr>
+          </a:p>
+        </p:txBody>
+      </p:sp>
+      <p:sp>
+        <p:nvSpPr>
+          <p:cNvPr id="164" name="PlaceHolder 3"/>
+          <p:cNvSpPr>
+            <a:spLocks noGrp="1"/>
+          </p:cNvSpPr>
+          <p:nvPr>
+            <p:ph type="dt" idx="15"/>
+          </p:nvPr>
+        </p:nvSpPr>
+        <p:spPr>
+          <a:xfrm>
+            <a:off x="457200" y="6356520"/>
+            <a:ext cx="2132640" cy="363960"/>
+          </a:xfrm>
+          <a:prstGeom prst="rect">
+            <a:avLst/>
+          </a:prstGeom>
+          <a:noFill/>
+          <a:ln w="0">
+            <a:noFill/>
+          </a:ln>
+        </p:spPr>
+        <p:txBody>
+          <a:bodyPr lIns="90000" rIns="90000" tIns="45000" bIns="45000" anchor="ctr">
+            <a:noAutofit/>
+          </a:bodyPr>
+          <a:lstStyle>
+            <a:lvl1pPr indent="0">
+              <a:buNone/>
+              <a:defRPr b="0" lang="en-US" sz="1400" spc="-1" strike="noStrike">
+                <a:solidFill>
+                  <a:srgbClr val="000000"/>
+                </a:solidFill>
+                <a:latin typeface="Times New Roman"/>
+              </a:defRPr>
+            </a:lvl1pPr>
+          </a:lstStyle>
+          <a:p>
+            <a:pPr indent="0">
+              <a:buNone/>
+            </a:pPr>
+            <a:r>
+              <a:rPr b="0" lang="en-US" sz="1400" spc="-1" strike="noStrike">
+                <a:solidFill>
+                  <a:srgbClr val="000000"/>
+                </a:solidFill>
+                <a:latin typeface="Times New Roman"/>
+              </a:rPr>
+              <a:t>&lt;date/time&gt;</a:t>
+            </a:r>
+            <a:endParaRPr b="0" lang="en-US" sz="1400" spc="-1" strike="noStrike">
+              <a:solidFill>
+                <a:srgbClr val="000000"/>
+              </a:solidFill>
+              <a:latin typeface="Times New Roman"/>
+            </a:endParaRPr>
+          </a:p>
+        </p:txBody>
+      </p:sp>
+      <p:sp>
+        <p:nvSpPr>
+          <p:cNvPr id="165" name="PlaceHolder 4"/>
+          <p:cNvSpPr>
+            <a:spLocks noGrp="1"/>
+          </p:cNvSpPr>
+          <p:nvPr>
+            <p:ph type="title"/>
+          </p:nvPr>
+        </p:nvSpPr>
+        <p:spPr>
+          <a:xfrm>
+            <a:off x="457200" y="273600"/>
+            <a:ext cx="8229240" cy="1144800"/>
+          </a:xfrm>
+          <a:prstGeom prst="rect">
+            <a:avLst/>
+          </a:prstGeom>
+          <a:noFill/>
+          <a:ln w="0">
+            <a:noFill/>
+          </a:ln>
+        </p:spPr>
+        <p:txBody>
+          <a:bodyPr lIns="0" rIns="0" tIns="0" bIns="0" anchor="ctr">
+            <a:noAutofit/>
+          </a:bodyPr>
+          <a:p>
+            <a:pPr indent="0" algn="ctr">
+              <a:buNone/>
+            </a:pPr>
+            <a:r>
+              <a:rPr b="0" lang="en-US" sz="4400" spc="-1" strike="noStrike">
+                <a:solidFill>
+                  <a:srgbClr val="000000"/>
+                </a:solidFill>
+                <a:latin typeface="Arial"/>
+              </a:rPr>
+              <a:t>Click to edit the title text format</a:t>
+            </a:r>
+            <a:endParaRPr b="0" lang="en-US" sz="4400" spc="-1" strike="noStrike">
+              <a:solidFill>
+                <a:srgbClr val="000000"/>
+              </a:solidFill>
+              <a:latin typeface="Arial"/>
+            </a:endParaRPr>
+          </a:p>
+        </p:txBody>
+      </p:sp>
+      <p:sp>
+        <p:nvSpPr>
+          <p:cNvPr id="166" name="PlaceHolder 5"/>
+          <p:cNvSpPr>
+            <a:spLocks noGrp="1"/>
+          </p:cNvSpPr>
+          <p:nvPr>
+            <p:ph type="body"/>
+          </p:nvPr>
+        </p:nvSpPr>
+        <p:spPr>
+          <a:xfrm>
+            <a:off x="457200" y="1604520"/>
+            <a:ext cx="8229240" cy="3977280"/>
+          </a:xfrm>
+          <a:prstGeom prst="rect">
+            <a:avLst/>
+          </a:prstGeom>
+          <a:noFill/>
+          <a:ln w="0">
+            <a:noFill/>
+          </a:ln>
+        </p:spPr>
+        <p:txBody>
+          <a:bodyPr lIns="0" rIns="0" tIns="0" bIns="0" anchor="t">
+            <a:normAutofit/>
+          </a:bodyPr>
+          <a:p>
+            <a:pPr marL="432000" indent="-324000">
+              <a:spcBef>
+                <a:spcPts val="1417"/>
+              </a:spcBef>
+              <a:buClr>
+                <a:srgbClr val="000000"/>
+              </a:buClr>
+              <a:buSzPct val="45000"/>
+              <a:buFont typeface="Wingdings" charset="2"/>
+              <a:buChar char=""/>
+            </a:pPr>
+            <a:r>
+              <a:rPr b="0" lang="en-US" sz="3200" spc="-1" strike="noStrike">
+                <a:solidFill>
+                  <a:srgbClr val="000000"/>
+                </a:solidFill>
+                <a:latin typeface="Arial"/>
+              </a:rPr>
+              <a:t>Click to edit the outline text format</a:t>
+            </a:r>
+            <a:endParaRPr b="0" lang="en-US" sz="3200" spc="-1" strike="noStrike">
+              <a:solidFill>
+                <a:srgbClr val="000000"/>
+              </a:solidFill>
+              <a:latin typeface="Arial"/>
+            </a:endParaRPr>
+          </a:p>
+          <a:p>
+            <a:pPr lvl="1" marL="864000" indent="-324000">
+              <a:spcBef>
+                <a:spcPts val="1134"/>
+              </a:spcBef>
+              <a:buClr>
+                <a:srgbClr val="000000"/>
+              </a:buClr>
+              <a:buSzPct val="75000"/>
+              <a:buFont typeface="Symbol" charset="2"/>
+              <a:buChar char=""/>
+            </a:pPr>
+            <a:r>
+              <a:rPr b="0" lang="en-US" sz="2800" spc="-1" strike="noStrike">
+                <a:solidFill>
+                  <a:srgbClr val="000000"/>
+                </a:solidFill>
+                <a:latin typeface="Arial"/>
+              </a:rPr>
+              <a:t>Second Outline Level</a:t>
+            </a:r>
+            <a:endParaRPr b="0" lang="en-US" sz="2800" spc="-1" strike="noStrike">
+              <a:solidFill>
+                <a:srgbClr val="000000"/>
+              </a:solidFill>
+              <a:latin typeface="Arial"/>
+            </a:endParaRPr>
+          </a:p>
+          <a:p>
+            <a:pPr lvl="2" marL="1296000" indent="-288000">
+              <a:spcBef>
+                <a:spcPts val="850"/>
+              </a:spcBef>
+              <a:buClr>
+                <a:srgbClr val="000000"/>
+              </a:buClr>
+              <a:buSzPct val="45000"/>
+              <a:buFont typeface="Wingdings" charset="2"/>
+              <a:buChar char=""/>
+            </a:pPr>
+            <a:r>
+              <a:rPr b="0" lang="en-US" sz="2400" spc="-1" strike="noStrike">
+                <a:solidFill>
+                  <a:srgbClr val="000000"/>
+                </a:solidFill>
+                <a:latin typeface="Arial"/>
+              </a:rPr>
+              <a:t>Third Outline Level</a:t>
+            </a:r>
+            <a:endParaRPr b="0" lang="en-US" sz="2400" spc="-1" strike="noStrike">
+              <a:solidFill>
+                <a:srgbClr val="000000"/>
+              </a:solidFill>
+              <a:latin typeface="Arial"/>
+            </a:endParaRPr>
+          </a:p>
+          <a:p>
+            <a:pPr lvl="3" marL="1728000" indent="-216000">
+              <a:spcBef>
+                <a:spcPts val="567"/>
+              </a:spcBef>
+              <a:buClr>
+                <a:srgbClr val="000000"/>
+              </a:buClr>
+              <a:buSzPct val="75000"/>
+              <a:buFont typeface="Symbol" charset="2"/>
+              <a:buChar char=""/>
+            </a:pPr>
+            <a:r>
+              <a:rPr b="0" lang="en-US" sz="2000" spc="-1" strike="noStrike">
+                <a:solidFill>
+                  <a:srgbClr val="000000"/>
+                </a:solidFill>
+                <a:latin typeface="Arial"/>
+              </a:rPr>
+              <a:t>Fourth Outline Level</a:t>
+            </a:r>
+            <a:endParaRPr b="0" lang="en-US" sz="2000" spc="-1" strike="noStrike">
+              <a:solidFill>
+                <a:srgbClr val="000000"/>
+              </a:solidFill>
+              <a:latin typeface="Arial"/>
+            </a:endParaRPr>
+          </a:p>
+          <a:p>
+            <a:pPr lvl="4" marL="2160000" indent="-216000">
+              <a:spcBef>
+                <a:spcPts val="283"/>
+              </a:spcBef>
+              <a:buClr>
+                <a:srgbClr val="000000"/>
+              </a:buClr>
+              <a:buSzPct val="45000"/>
+              <a:buFont typeface="Wingdings" charset="2"/>
+              <a:buChar char=""/>
+            </a:pPr>
+            <a:r>
+              <a:rPr b="0" lang="en-US" sz="2000" spc="-1" strike="noStrike">
+                <a:solidFill>
+                  <a:srgbClr val="000000"/>
+                </a:solidFill>
+                <a:latin typeface="Arial"/>
+              </a:rPr>
+              <a:t>Fifth Outline Level</a:t>
+            </a:r>
+            <a:endParaRPr b="0" lang="en-US" sz="2000" spc="-1" strike="noStrike">
+              <a:solidFill>
+                <a:srgbClr val="000000"/>
+              </a:solidFill>
+              <a:latin typeface="Arial"/>
+            </a:endParaRPr>
+          </a:p>
+          <a:p>
+            <a:pPr lvl="5" marL="2592000" indent="-216000">
+              <a:spcBef>
+                <a:spcPts val="283"/>
+              </a:spcBef>
+              <a:buClr>
+                <a:srgbClr val="000000"/>
+              </a:buClr>
+              <a:buSzPct val="45000"/>
+              <a:buFont typeface="Wingdings" charset="2"/>
+              <a:buChar char=""/>
+            </a:pPr>
+            <a:r>
+              <a:rPr b="0" lang="en-US" sz="2000" spc="-1" strike="noStrike">
+                <a:solidFill>
+                  <a:srgbClr val="000000"/>
+                </a:solidFill>
+                <a:latin typeface="Arial"/>
+              </a:rPr>
+              <a:t>Sixth Outline Level</a:t>
+            </a:r>
+            <a:endParaRPr b="0" lang="en-US" sz="2000" spc="-1" strike="noStrike">
+              <a:solidFill>
+                <a:srgbClr val="000000"/>
+              </a:solidFill>
+              <a:latin typeface="Arial"/>
+            </a:endParaRPr>
+          </a:p>
+          <a:p>
+            <a:pPr lvl="6" marL="3024000" indent="-216000">
+              <a:spcBef>
+                <a:spcPts val="283"/>
+              </a:spcBef>
+              <a:buClr>
+                <a:srgbClr val="000000"/>
+              </a:buClr>
+              <a:buSzPct val="45000"/>
+              <a:buFont typeface="Wingdings" charset="2"/>
+              <a:buChar char=""/>
+            </a:pPr>
+            <a:r>
+              <a:rPr b="0" lang="en-US" sz="2000" spc="-1" strike="noStrike">
+                <a:solidFill>
+                  <a:srgbClr val="000000"/>
+                </a:solidFill>
+                <a:latin typeface="Arial"/>
+              </a:rPr>
+              <a:t>Seventh Outline Level</a:t>
+            </a:r>
+            <a:endParaRPr b="0" lang="en-US" sz="2000" spc="-1" strike="noStrike">
+              <a:solidFill>
+                <a:srgbClr val="000000"/>
+              </a:solidFill>
+              <a:latin typeface="Arial"/>
+            </a:endParaRPr>
+          </a:p>
+        </p:txBody>
+      </p:sp>
+    </p:spTree>
+  </p:cSld>
+  <p:clrMap bg1="lt1" bg2="lt2" tx1="dk1" tx2="dk2" accent1="accent1" accent2="accent2" accent3="accent3" accent4="accent4" accent5="accent5" accent6="accent6" hlink="hlink" folHlink="folHlink"/>
+  <p:sldLayoutIdLst>
+    <p:sldLayoutId id="2147483701" r:id="rId2"/>
+    <p:sldLayoutId id="2147483702" r:id="rId3"/>
+    <p:sldLayoutId id="2147483703" r:id="rId4"/>
+    <p:sldLayoutId id="2147483704" r:id="rId5"/>
+    <p:sldLayoutId id="2147483705" r:id="rId6"/>
+    <p:sldLayoutId id="2147483706" r:id="rId7"/>
+    <p:sldLayoutId id="2147483707" r:id="rId8"/>
+    <p:sldLayoutId id="2147483708" r:id="rId9"/>
+    <p:sldLayoutId id="2147483709" r:id="rId10"/>
+    <p:sldLayoutId id="2147483710" r:id="rId11"/>
+    <p:sldLayoutId id="2147483711" r:id="rId12"/>
+    <p:sldLayoutId id="2147483712" r:id="rId13"/>
   </p:sldLayoutIdLst>
 </p:sldMaster>
 </file>
@@ -12149,14 +14906,14 @@
       </p:grpSpPr>
       <p:sp>
         <p:nvSpPr>
-          <p:cNvPr id="164" name="Rectangle 1"/>
+          <p:cNvPr id="203" name="Rectangle 1"/>
           <p:cNvSpPr/>
           <p:nvPr/>
         </p:nvSpPr>
         <p:spPr>
           <a:xfrm>
             <a:off x="0" y="0"/>
-            <a:ext cx="12186720" cy="6855840"/>
+            <a:ext cx="12186360" cy="6855480"/>
           </a:xfrm>
           <a:prstGeom prst="rect">
             <a:avLst/>
@@ -12209,14 +14966,14 @@
       </p:sp>
       <p:sp>
         <p:nvSpPr>
-          <p:cNvPr id="165" name="Rectangle 2"/>
+          <p:cNvPr id="204" name="Rectangle 2"/>
           <p:cNvSpPr/>
           <p:nvPr/>
         </p:nvSpPr>
         <p:spPr>
           <a:xfrm>
             <a:off x="0" y="0"/>
-            <a:ext cx="16200" cy="6855840"/>
+            <a:ext cx="15840" cy="6855480"/>
           </a:xfrm>
           <a:prstGeom prst="rect">
             <a:avLst/>
@@ -12269,14 +15026,14 @@
       </p:sp>
       <p:sp>
         <p:nvSpPr>
-          <p:cNvPr id="166" name="Rectangle 3"/>
+          <p:cNvPr id="205" name="Rectangle 3"/>
           <p:cNvSpPr/>
           <p:nvPr/>
         </p:nvSpPr>
         <p:spPr>
           <a:xfrm>
             <a:off x="914400" y="0"/>
-            <a:ext cx="16200" cy="6855840"/>
+            <a:ext cx="15840" cy="6855480"/>
           </a:xfrm>
           <a:prstGeom prst="rect">
             <a:avLst/>
@@ -12329,14 +15086,14 @@
       </p:sp>
       <p:sp>
         <p:nvSpPr>
-          <p:cNvPr id="167" name="Rectangle 4"/>
+          <p:cNvPr id="206" name="Rectangle 4"/>
           <p:cNvSpPr/>
           <p:nvPr/>
         </p:nvSpPr>
         <p:spPr>
           <a:xfrm>
             <a:off x="1828800" y="0"/>
-            <a:ext cx="16200" cy="6855840"/>
+            <a:ext cx="15840" cy="6855480"/>
           </a:xfrm>
           <a:prstGeom prst="rect">
             <a:avLst/>
@@ -12389,14 +15146,14 @@
       </p:sp>
       <p:sp>
         <p:nvSpPr>
-          <p:cNvPr id="168" name="Rectangle 5"/>
+          <p:cNvPr id="207" name="Rectangle 5"/>
           <p:cNvSpPr/>
           <p:nvPr/>
         </p:nvSpPr>
         <p:spPr>
           <a:xfrm>
             <a:off x="2743200" y="0"/>
-            <a:ext cx="16200" cy="6855840"/>
+            <a:ext cx="15840" cy="6855480"/>
           </a:xfrm>
           <a:prstGeom prst="rect">
             <a:avLst/>
@@ -12449,14 +15206,14 @@
       </p:sp>
       <p:sp>
         <p:nvSpPr>
-          <p:cNvPr id="169" name="Rectangle 6"/>
+          <p:cNvPr id="208" name="Rectangle 6"/>
           <p:cNvSpPr/>
           <p:nvPr/>
         </p:nvSpPr>
         <p:spPr>
           <a:xfrm>
             <a:off x="3657600" y="0"/>
-            <a:ext cx="16200" cy="6855840"/>
+            <a:ext cx="15840" cy="6855480"/>
           </a:xfrm>
           <a:prstGeom prst="rect">
             <a:avLst/>
@@ -12509,14 +15266,14 @@
       </p:sp>
       <p:sp>
         <p:nvSpPr>
-          <p:cNvPr id="170" name="Rectangle 7"/>
+          <p:cNvPr id="209" name="Rectangle 7"/>
           <p:cNvSpPr/>
           <p:nvPr/>
         </p:nvSpPr>
         <p:spPr>
           <a:xfrm>
             <a:off x="4572000" y="0"/>
-            <a:ext cx="16200" cy="6855840"/>
+            <a:ext cx="15840" cy="6855480"/>
           </a:xfrm>
           <a:prstGeom prst="rect">
             <a:avLst/>
@@ -12569,14 +15326,14 @@
       </p:sp>
       <p:sp>
         <p:nvSpPr>
-          <p:cNvPr id="171" name="Rectangle 8"/>
+          <p:cNvPr id="210" name="Rectangle 8"/>
           <p:cNvSpPr/>
           <p:nvPr/>
         </p:nvSpPr>
         <p:spPr>
           <a:xfrm>
             <a:off x="5486400" y="0"/>
-            <a:ext cx="16200" cy="6855840"/>
+            <a:ext cx="15840" cy="6855480"/>
           </a:xfrm>
           <a:prstGeom prst="rect">
             <a:avLst/>
@@ -12629,14 +15386,14 @@
       </p:sp>
       <p:sp>
         <p:nvSpPr>
-          <p:cNvPr id="172" name="Rectangle 9"/>
+          <p:cNvPr id="211" name="Rectangle 9"/>
           <p:cNvSpPr/>
           <p:nvPr/>
         </p:nvSpPr>
         <p:spPr>
           <a:xfrm>
             <a:off x="6400800" y="0"/>
-            <a:ext cx="16200" cy="6855840"/>
+            <a:ext cx="15840" cy="6855480"/>
           </a:xfrm>
           <a:prstGeom prst="rect">
             <a:avLst/>
@@ -12689,14 +15446,14 @@
       </p:sp>
       <p:sp>
         <p:nvSpPr>
-          <p:cNvPr id="173" name="Rectangle 10"/>
+          <p:cNvPr id="212" name="Rectangle 10"/>
           <p:cNvSpPr/>
           <p:nvPr/>
         </p:nvSpPr>
         <p:spPr>
           <a:xfrm>
             <a:off x="7315200" y="0"/>
-            <a:ext cx="16200" cy="6855840"/>
+            <a:ext cx="15840" cy="6855480"/>
           </a:xfrm>
           <a:prstGeom prst="rect">
             <a:avLst/>
@@ -12749,14 +15506,14 @@
       </p:sp>
       <p:sp>
         <p:nvSpPr>
-          <p:cNvPr id="174" name="Rectangle 11"/>
+          <p:cNvPr id="213" name="Rectangle 11"/>
           <p:cNvSpPr/>
           <p:nvPr/>
         </p:nvSpPr>
         <p:spPr>
           <a:xfrm>
             <a:off x="8229600" y="0"/>
-            <a:ext cx="16200" cy="6855840"/>
+            <a:ext cx="15840" cy="6855480"/>
           </a:xfrm>
           <a:prstGeom prst="rect">
             <a:avLst/>
@@ -12809,14 +15566,14 @@
       </p:sp>
       <p:sp>
         <p:nvSpPr>
-          <p:cNvPr id="175" name="Rectangle 12"/>
+          <p:cNvPr id="214" name="Rectangle 12"/>
           <p:cNvSpPr/>
           <p:nvPr/>
         </p:nvSpPr>
         <p:spPr>
           <a:xfrm>
             <a:off x="9144000" y="0"/>
-            <a:ext cx="16200" cy="6855840"/>
+            <a:ext cx="15840" cy="6855480"/>
           </a:xfrm>
           <a:prstGeom prst="rect">
             <a:avLst/>
@@ -12869,14 +15626,14 @@
       </p:sp>
       <p:sp>
         <p:nvSpPr>
-          <p:cNvPr id="176" name="Rectangle 13"/>
+          <p:cNvPr id="215" name="Rectangle 13"/>
           <p:cNvSpPr/>
           <p:nvPr/>
         </p:nvSpPr>
         <p:spPr>
           <a:xfrm>
             <a:off x="10058400" y="0"/>
-            <a:ext cx="16200" cy="6855840"/>
+            <a:ext cx="15840" cy="6855480"/>
           </a:xfrm>
           <a:prstGeom prst="rect">
             <a:avLst/>
@@ -12929,14 +15686,14 @@
       </p:sp>
       <p:sp>
         <p:nvSpPr>
-          <p:cNvPr id="177" name="Rectangle 14"/>
+          <p:cNvPr id="216" name="Rectangle 14"/>
           <p:cNvSpPr/>
           <p:nvPr/>
         </p:nvSpPr>
         <p:spPr>
           <a:xfrm>
             <a:off x="10972800" y="0"/>
-            <a:ext cx="16200" cy="6855840"/>
+            <a:ext cx="15840" cy="6855480"/>
           </a:xfrm>
           <a:prstGeom prst="rect">
             <a:avLst/>
@@ -12989,14 +15746,14 @@
       </p:sp>
       <p:sp>
         <p:nvSpPr>
-          <p:cNvPr id="178" name="Rectangle 15"/>
+          <p:cNvPr id="217" name="Rectangle 15"/>
           <p:cNvSpPr/>
           <p:nvPr/>
         </p:nvSpPr>
         <p:spPr>
           <a:xfrm>
             <a:off x="11887200" y="0"/>
-            <a:ext cx="16200" cy="6855840"/>
+            <a:ext cx="15840" cy="6855480"/>
           </a:xfrm>
           <a:prstGeom prst="rect">
             <a:avLst/>
@@ -13049,14 +15806,14 @@
       </p:sp>
       <p:sp>
         <p:nvSpPr>
-          <p:cNvPr id="179" name="Rectangle 16"/>
+          <p:cNvPr id="218" name="Rectangle 16"/>
           <p:cNvSpPr/>
           <p:nvPr/>
         </p:nvSpPr>
         <p:spPr>
           <a:xfrm>
             <a:off x="0" y="0"/>
-            <a:ext cx="317880" cy="6855840"/>
+            <a:ext cx="317520" cy="6855480"/>
           </a:xfrm>
           <a:prstGeom prst="rect">
             <a:avLst/>
@@ -13109,14 +15866,14 @@
       </p:sp>
       <p:sp>
         <p:nvSpPr>
-          <p:cNvPr id="180" name="Rounded Rectangle 17"/>
+          <p:cNvPr id="219" name="Rounded Rectangle 17"/>
           <p:cNvSpPr/>
           <p:nvPr/>
         </p:nvSpPr>
         <p:spPr>
           <a:xfrm>
             <a:off x="9875520" y="365760"/>
-            <a:ext cx="2009520" cy="500760"/>
+            <a:ext cx="2009160" cy="500400"/>
           </a:xfrm>
           <a:prstGeom prst="roundRect">
             <a:avLst>
@@ -13183,7 +15940,7 @@
       </p:sp>
       <p:sp>
         <p:nvSpPr>
-          <p:cNvPr id="181" name="TextBox 18"/>
+          <p:cNvPr id="220" name="TextBox 18"/>
           <p:cNvSpPr/>
           <p:nvPr/>
         </p:nvSpPr>
@@ -13237,7 +15994,7 @@
       </p:sp>
       <p:sp>
         <p:nvSpPr>
-          <p:cNvPr id="182" name="TextBox 19"/>
+          <p:cNvPr id="221" name="TextBox 19"/>
           <p:cNvSpPr/>
           <p:nvPr/>
         </p:nvSpPr>
@@ -13291,14 +16048,14 @@
       </p:sp>
       <p:sp>
         <p:nvSpPr>
-          <p:cNvPr id="183" name="Rounded Rectangle 20"/>
+          <p:cNvPr id="222" name="Rounded Rectangle 20"/>
           <p:cNvSpPr/>
           <p:nvPr/>
         </p:nvSpPr>
         <p:spPr>
           <a:xfrm>
             <a:off x="987480" y="3182040"/>
-            <a:ext cx="3289680" cy="2741040"/>
+            <a:ext cx="3289320" cy="2740680"/>
           </a:xfrm>
           <a:prstGeom prst="roundRect">
             <a:avLst>
@@ -13353,14 +16110,14 @@
       </p:sp>
       <p:sp>
         <p:nvSpPr>
-          <p:cNvPr id="184" name="Rounded Rectangle 21"/>
+          <p:cNvPr id="223" name="Rounded Rectangle 21"/>
           <p:cNvSpPr/>
           <p:nvPr/>
         </p:nvSpPr>
         <p:spPr>
           <a:xfrm>
             <a:off x="685800" y="2521440"/>
-            <a:ext cx="3427920" cy="3328560"/>
+            <a:ext cx="3427560" cy="3328200"/>
           </a:xfrm>
           <a:prstGeom prst="roundRect">
             <a:avLst>
@@ -13766,14 +16523,14 @@
       </p:sp>
       <p:sp>
         <p:nvSpPr>
-          <p:cNvPr id="185" name="Rounded Rectangle 22"/>
+          <p:cNvPr id="224" name="Rounded Rectangle 22"/>
           <p:cNvSpPr/>
           <p:nvPr/>
         </p:nvSpPr>
         <p:spPr>
           <a:xfrm>
             <a:off x="4507920" y="3182040"/>
-            <a:ext cx="3289680" cy="2741040"/>
+            <a:ext cx="3289320" cy="2740680"/>
           </a:xfrm>
           <a:prstGeom prst="roundRect">
             <a:avLst>
@@ -13828,14 +16585,14 @@
       </p:sp>
       <p:sp>
         <p:nvSpPr>
-          <p:cNvPr id="186" name="Rounded Rectangle 23"/>
+          <p:cNvPr id="225" name="Rounded Rectangle 23"/>
           <p:cNvSpPr/>
           <p:nvPr/>
         </p:nvSpPr>
         <p:spPr>
           <a:xfrm>
             <a:off x="4434840" y="3108960"/>
-            <a:ext cx="3289680" cy="2741040"/>
+            <a:ext cx="3289320" cy="2740680"/>
           </a:xfrm>
           <a:prstGeom prst="roundRect">
             <a:avLst>
@@ -14139,14 +16896,14 @@
       </p:sp>
       <p:sp>
         <p:nvSpPr>
-          <p:cNvPr id="187" name="Rounded Rectangle 24"/>
+          <p:cNvPr id="226" name="Rounded Rectangle 24"/>
           <p:cNvSpPr/>
           <p:nvPr/>
         </p:nvSpPr>
         <p:spPr>
           <a:xfrm>
             <a:off x="8028360" y="3182040"/>
-            <a:ext cx="3289680" cy="2741040"/>
+            <a:ext cx="3289320" cy="2740680"/>
           </a:xfrm>
           <a:prstGeom prst="roundRect">
             <a:avLst>
@@ -14201,14 +16958,14 @@
       </p:sp>
       <p:sp>
         <p:nvSpPr>
-          <p:cNvPr id="188" name="Rounded Rectangle 25"/>
+          <p:cNvPr id="227" name="Rounded Rectangle 25"/>
           <p:cNvSpPr/>
           <p:nvPr/>
         </p:nvSpPr>
         <p:spPr>
           <a:xfrm>
             <a:off x="7955280" y="3108960"/>
-            <a:ext cx="3289680" cy="2741040"/>
+            <a:ext cx="3289320" cy="2740680"/>
           </a:xfrm>
           <a:prstGeom prst="roundRect">
             <a:avLst>
@@ -14397,7 +17154,7 @@
       </p:sp>
       <p:sp>
         <p:nvSpPr>
-          <p:cNvPr id="189" name="TextBox 26"/>
+          <p:cNvPr id="228" name="TextBox 26"/>
           <p:cNvSpPr/>
           <p:nvPr/>
         </p:nvSpPr>
@@ -14481,14 +17238,14 @@
       </p:grpSpPr>
       <p:sp>
         <p:nvSpPr>
-          <p:cNvPr id="190" name="Rectangle 32"/>
+          <p:cNvPr id="229" name="Rectangle 32"/>
           <p:cNvSpPr/>
           <p:nvPr/>
         </p:nvSpPr>
         <p:spPr>
           <a:xfrm>
             <a:off x="0" y="0"/>
-            <a:ext cx="12186720" cy="6855840"/>
+            <a:ext cx="12186360" cy="6855480"/>
           </a:xfrm>
           <a:prstGeom prst="rect">
             <a:avLst/>
@@ -14541,14 +17298,14 @@
       </p:sp>
       <p:sp>
         <p:nvSpPr>
-          <p:cNvPr id="191" name="Rectangle 33"/>
+          <p:cNvPr id="230" name="Rectangle 33"/>
           <p:cNvSpPr/>
           <p:nvPr/>
         </p:nvSpPr>
         <p:spPr>
           <a:xfrm>
             <a:off x="0" y="0"/>
-            <a:ext cx="16200" cy="6855840"/>
+            <a:ext cx="15840" cy="6855480"/>
           </a:xfrm>
           <a:prstGeom prst="rect">
             <a:avLst/>
@@ -14601,14 +17358,14 @@
       </p:sp>
       <p:sp>
         <p:nvSpPr>
-          <p:cNvPr id="192" name="Rectangle 34"/>
+          <p:cNvPr id="231" name="Rectangle 34"/>
           <p:cNvSpPr/>
           <p:nvPr/>
         </p:nvSpPr>
         <p:spPr>
           <a:xfrm>
             <a:off x="914400" y="0"/>
-            <a:ext cx="16200" cy="6855840"/>
+            <a:ext cx="15840" cy="6855480"/>
           </a:xfrm>
           <a:prstGeom prst="rect">
             <a:avLst/>
@@ -14661,14 +17418,14 @@
       </p:sp>
       <p:sp>
         <p:nvSpPr>
-          <p:cNvPr id="193" name="Rectangle 35"/>
+          <p:cNvPr id="232" name="Rectangle 35"/>
           <p:cNvSpPr/>
           <p:nvPr/>
         </p:nvSpPr>
         <p:spPr>
           <a:xfrm>
             <a:off x="1828800" y="0"/>
-            <a:ext cx="16200" cy="6855840"/>
+            <a:ext cx="15840" cy="6855480"/>
           </a:xfrm>
           <a:prstGeom prst="rect">
             <a:avLst/>
@@ -14721,14 +17478,14 @@
       </p:sp>
       <p:sp>
         <p:nvSpPr>
-          <p:cNvPr id="194" name="Rectangle 36"/>
+          <p:cNvPr id="233" name="Rectangle 36"/>
           <p:cNvSpPr/>
           <p:nvPr/>
         </p:nvSpPr>
         <p:spPr>
           <a:xfrm>
             <a:off x="2743200" y="0"/>
-            <a:ext cx="16200" cy="6855840"/>
+            <a:ext cx="15840" cy="6855480"/>
           </a:xfrm>
           <a:prstGeom prst="rect">
             <a:avLst/>
@@ -14781,14 +17538,14 @@
       </p:sp>
       <p:sp>
         <p:nvSpPr>
-          <p:cNvPr id="195" name="Rectangle 37"/>
+          <p:cNvPr id="234" name="Rectangle 37"/>
           <p:cNvSpPr/>
           <p:nvPr/>
         </p:nvSpPr>
         <p:spPr>
           <a:xfrm>
             <a:off x="3657600" y="0"/>
-            <a:ext cx="16200" cy="6855840"/>
+            <a:ext cx="15840" cy="6855480"/>
           </a:xfrm>
           <a:prstGeom prst="rect">
             <a:avLst/>
@@ -14841,14 +17598,14 @@
       </p:sp>
       <p:sp>
         <p:nvSpPr>
-          <p:cNvPr id="196" name="Rectangle 38"/>
+          <p:cNvPr id="235" name="Rectangle 38"/>
           <p:cNvSpPr/>
           <p:nvPr/>
         </p:nvSpPr>
         <p:spPr>
           <a:xfrm>
             <a:off x="4572000" y="0"/>
-            <a:ext cx="16200" cy="6855840"/>
+            <a:ext cx="15840" cy="6855480"/>
           </a:xfrm>
           <a:prstGeom prst="rect">
             <a:avLst/>
@@ -14901,14 +17658,14 @@
       </p:sp>
       <p:sp>
         <p:nvSpPr>
-          <p:cNvPr id="197" name="Rectangle 39"/>
+          <p:cNvPr id="236" name="Rectangle 39"/>
           <p:cNvSpPr/>
           <p:nvPr/>
         </p:nvSpPr>
         <p:spPr>
           <a:xfrm>
             <a:off x="5486400" y="0"/>
-            <a:ext cx="16200" cy="6855840"/>
+            <a:ext cx="15840" cy="6855480"/>
           </a:xfrm>
           <a:prstGeom prst="rect">
             <a:avLst/>
@@ -14961,14 +17718,14 @@
       </p:sp>
       <p:sp>
         <p:nvSpPr>
-          <p:cNvPr id="198" name="Rectangle 40"/>
+          <p:cNvPr id="237" name="Rectangle 40"/>
           <p:cNvSpPr/>
           <p:nvPr/>
         </p:nvSpPr>
         <p:spPr>
           <a:xfrm>
             <a:off x="6400800" y="0"/>
-            <a:ext cx="16200" cy="6855840"/>
+            <a:ext cx="15840" cy="6855480"/>
           </a:xfrm>
           <a:prstGeom prst="rect">
             <a:avLst/>
@@ -15021,14 +17778,14 @@
       </p:sp>
       <p:sp>
         <p:nvSpPr>
-          <p:cNvPr id="199" name="Rectangle 41"/>
+          <p:cNvPr id="238" name="Rectangle 41"/>
           <p:cNvSpPr/>
           <p:nvPr/>
         </p:nvSpPr>
         <p:spPr>
           <a:xfrm>
             <a:off x="7315200" y="0"/>
-            <a:ext cx="16200" cy="6855840"/>
+            <a:ext cx="15840" cy="6855480"/>
           </a:xfrm>
           <a:prstGeom prst="rect">
             <a:avLst/>
@@ -15081,14 +17838,14 @@
       </p:sp>
       <p:sp>
         <p:nvSpPr>
-          <p:cNvPr id="200" name="Rectangle 42"/>
+          <p:cNvPr id="239" name="Rectangle 42"/>
           <p:cNvSpPr/>
           <p:nvPr/>
         </p:nvSpPr>
         <p:spPr>
           <a:xfrm>
             <a:off x="8229600" y="0"/>
-            <a:ext cx="16200" cy="6855840"/>
+            <a:ext cx="15840" cy="6855480"/>
           </a:xfrm>
           <a:prstGeom prst="rect">
             <a:avLst/>
@@ -15141,14 +17898,14 @@
       </p:sp>
       <p:sp>
         <p:nvSpPr>
-          <p:cNvPr id="201" name="Rectangle 43"/>
+          <p:cNvPr id="240" name="Rectangle 43"/>
           <p:cNvSpPr/>
           <p:nvPr/>
         </p:nvSpPr>
         <p:spPr>
           <a:xfrm>
             <a:off x="9144000" y="0"/>
-            <a:ext cx="16200" cy="6855840"/>
+            <a:ext cx="15840" cy="6855480"/>
           </a:xfrm>
           <a:prstGeom prst="rect">
             <a:avLst/>
@@ -15201,14 +17958,14 @@
       </p:sp>
       <p:sp>
         <p:nvSpPr>
-          <p:cNvPr id="202" name="Rectangle 44"/>
+          <p:cNvPr id="241" name="Rectangle 44"/>
           <p:cNvSpPr/>
           <p:nvPr/>
         </p:nvSpPr>
         <p:spPr>
           <a:xfrm>
             <a:off x="10058400" y="0"/>
-            <a:ext cx="16200" cy="6855840"/>
+            <a:ext cx="15840" cy="6855480"/>
           </a:xfrm>
           <a:prstGeom prst="rect">
             <a:avLst/>
@@ -15261,14 +18018,14 @@
       </p:sp>
       <p:sp>
         <p:nvSpPr>
-          <p:cNvPr id="203" name="Rectangle 45"/>
+          <p:cNvPr id="242" name="Rectangle 45"/>
           <p:cNvSpPr/>
           <p:nvPr/>
         </p:nvSpPr>
         <p:spPr>
           <a:xfrm>
             <a:off x="10972800" y="0"/>
-            <a:ext cx="16200" cy="6855840"/>
+            <a:ext cx="15840" cy="6855480"/>
           </a:xfrm>
           <a:prstGeom prst="rect">
             <a:avLst/>
@@ -15321,14 +18078,14 @@
       </p:sp>
       <p:sp>
         <p:nvSpPr>
-          <p:cNvPr id="204" name="Rectangle 46"/>
+          <p:cNvPr id="243" name="Rectangle 46"/>
           <p:cNvSpPr/>
           <p:nvPr/>
         </p:nvSpPr>
         <p:spPr>
           <a:xfrm>
             <a:off x="11887200" y="0"/>
-            <a:ext cx="16200" cy="6855840"/>
+            <a:ext cx="15840" cy="6855480"/>
           </a:xfrm>
           <a:prstGeom prst="rect">
             <a:avLst/>
@@ -15381,14 +18138,14 @@
       </p:sp>
       <p:sp>
         <p:nvSpPr>
-          <p:cNvPr id="205" name="Rectangle 47"/>
+          <p:cNvPr id="244" name="Rectangle 47"/>
           <p:cNvSpPr/>
           <p:nvPr/>
         </p:nvSpPr>
         <p:spPr>
           <a:xfrm>
             <a:off x="0" y="0"/>
-            <a:ext cx="317880" cy="6855840"/>
+            <a:ext cx="317520" cy="6855480"/>
           </a:xfrm>
           <a:prstGeom prst="rect">
             <a:avLst/>
@@ -15441,14 +18198,14 @@
       </p:sp>
       <p:sp>
         <p:nvSpPr>
-          <p:cNvPr id="206" name="Rounded Rectangle 8"/>
+          <p:cNvPr id="245" name="Rounded Rectangle 8"/>
           <p:cNvSpPr/>
           <p:nvPr/>
         </p:nvSpPr>
         <p:spPr>
           <a:xfrm>
             <a:off x="9875520" y="365760"/>
-            <a:ext cx="2009520" cy="500760"/>
+            <a:ext cx="2009160" cy="500400"/>
           </a:xfrm>
           <a:prstGeom prst="roundRect">
             <a:avLst>
@@ -15515,7 +18272,7 @@
       </p:sp>
       <p:sp>
         <p:nvSpPr>
-          <p:cNvPr id="207" name="TextBox 4"/>
+          <p:cNvPr id="246" name="TextBox 4"/>
           <p:cNvSpPr/>
           <p:nvPr/>
         </p:nvSpPr>
@@ -15569,7 +18326,7 @@
       </p:sp>
       <p:sp>
         <p:nvSpPr>
-          <p:cNvPr id="208" name="TextBox 5"/>
+          <p:cNvPr id="247" name="TextBox 5"/>
           <p:cNvSpPr/>
           <p:nvPr/>
         </p:nvSpPr>
@@ -15623,14 +18380,14 @@
       </p:sp>
       <p:sp>
         <p:nvSpPr>
-          <p:cNvPr id="209" name="Rounded Rectangle 9"/>
+          <p:cNvPr id="248" name="Rounded Rectangle 9"/>
           <p:cNvSpPr/>
           <p:nvPr/>
         </p:nvSpPr>
         <p:spPr>
           <a:xfrm>
             <a:off x="987480" y="3182040"/>
-            <a:ext cx="3289680" cy="2741040"/>
+            <a:ext cx="3289320" cy="2740680"/>
           </a:xfrm>
           <a:prstGeom prst="roundRect">
             <a:avLst>
@@ -15685,14 +18442,14 @@
       </p:sp>
       <p:sp>
         <p:nvSpPr>
-          <p:cNvPr id="210" name="Rounded Rectangle 10"/>
+          <p:cNvPr id="249" name="Rounded Rectangle 10"/>
           <p:cNvSpPr/>
           <p:nvPr/>
         </p:nvSpPr>
         <p:spPr>
           <a:xfrm>
             <a:off x="914400" y="3108960"/>
-            <a:ext cx="3289680" cy="2741040"/>
+            <a:ext cx="3289320" cy="2740680"/>
           </a:xfrm>
           <a:prstGeom prst="roundRect">
             <a:avLst>
@@ -15940,14 +18697,14 @@
       </p:sp>
       <p:sp>
         <p:nvSpPr>
-          <p:cNvPr id="211" name="Rounded Rectangle 11"/>
+          <p:cNvPr id="250" name="Rounded Rectangle 11"/>
           <p:cNvSpPr/>
           <p:nvPr/>
         </p:nvSpPr>
         <p:spPr>
           <a:xfrm>
             <a:off x="4507920" y="3182040"/>
-            <a:ext cx="3289680" cy="2741040"/>
+            <a:ext cx="3289320" cy="2740680"/>
           </a:xfrm>
           <a:prstGeom prst="roundRect">
             <a:avLst>
@@ -16002,14 +18759,14 @@
       </p:sp>
       <p:sp>
         <p:nvSpPr>
-          <p:cNvPr id="212" name="Rounded Rectangle 12"/>
+          <p:cNvPr id="251" name="Rounded Rectangle 12"/>
           <p:cNvSpPr/>
           <p:nvPr/>
         </p:nvSpPr>
         <p:spPr>
           <a:xfrm>
             <a:off x="4434840" y="3108960"/>
-            <a:ext cx="3289680" cy="2741040"/>
+            <a:ext cx="3289320" cy="2740680"/>
           </a:xfrm>
           <a:prstGeom prst="roundRect">
             <a:avLst>
@@ -16237,14 +18994,14 @@
       </p:sp>
       <p:sp>
         <p:nvSpPr>
-          <p:cNvPr id="213" name="Rounded Rectangle 13"/>
+          <p:cNvPr id="252" name="Rounded Rectangle 13"/>
           <p:cNvSpPr/>
           <p:nvPr/>
         </p:nvSpPr>
         <p:spPr>
           <a:xfrm>
             <a:off x="8028360" y="3182040"/>
-            <a:ext cx="3289680" cy="2741040"/>
+            <a:ext cx="3289320" cy="2740680"/>
           </a:xfrm>
           <a:prstGeom prst="roundRect">
             <a:avLst>
@@ -16299,14 +19056,14 @@
       </p:sp>
       <p:sp>
         <p:nvSpPr>
-          <p:cNvPr id="214" name="Rounded Rectangle 14"/>
+          <p:cNvPr id="253" name="Rounded Rectangle 14"/>
           <p:cNvSpPr/>
           <p:nvPr/>
         </p:nvSpPr>
         <p:spPr>
           <a:xfrm>
             <a:off x="7955280" y="3108960"/>
-            <a:ext cx="3289680" cy="2741040"/>
+            <a:ext cx="3289320" cy="2740680"/>
           </a:xfrm>
           <a:prstGeom prst="roundRect">
             <a:avLst>
@@ -16537,7 +19294,7 @@
       </p:sp>
       <p:sp>
         <p:nvSpPr>
-          <p:cNvPr id="215" name="TextBox 6"/>
+          <p:cNvPr id="254" name="TextBox 6"/>
           <p:cNvSpPr/>
           <p:nvPr/>
         </p:nvSpPr>
@@ -16621,14 +19378,14 @@
       </p:grpSpPr>
       <p:sp>
         <p:nvSpPr>
-          <p:cNvPr id="216" name="Rectangle 48"/>
+          <p:cNvPr id="255" name="Rectangle 48"/>
           <p:cNvSpPr/>
           <p:nvPr/>
         </p:nvSpPr>
         <p:spPr>
           <a:xfrm>
             <a:off x="0" y="0"/>
-            <a:ext cx="12187080" cy="6856200"/>
+            <a:ext cx="12186720" cy="6855840"/>
           </a:xfrm>
           <a:prstGeom prst="rect">
             <a:avLst/>
@@ -16681,14 +19438,14 @@
       </p:sp>
       <p:sp>
         <p:nvSpPr>
-          <p:cNvPr id="217" name="Rectangle 49"/>
+          <p:cNvPr id="256" name="Rectangle 49"/>
           <p:cNvSpPr/>
           <p:nvPr/>
         </p:nvSpPr>
         <p:spPr>
           <a:xfrm>
             <a:off x="0" y="0"/>
-            <a:ext cx="16560" cy="6856200"/>
+            <a:ext cx="16200" cy="6855840"/>
           </a:xfrm>
           <a:prstGeom prst="rect">
             <a:avLst/>
@@ -16741,14 +19498,14 @@
       </p:sp>
       <p:sp>
         <p:nvSpPr>
-          <p:cNvPr id="218" name="Rectangle 50"/>
+          <p:cNvPr id="257" name="Rectangle 50"/>
           <p:cNvSpPr/>
           <p:nvPr/>
         </p:nvSpPr>
         <p:spPr>
           <a:xfrm>
             <a:off x="914400" y="0"/>
-            <a:ext cx="16560" cy="6856200"/>
+            <a:ext cx="16200" cy="6855840"/>
           </a:xfrm>
           <a:prstGeom prst="rect">
             <a:avLst/>
@@ -16801,14 +19558,14 @@
       </p:sp>
       <p:sp>
         <p:nvSpPr>
-          <p:cNvPr id="219" name="Rectangle 51"/>
+          <p:cNvPr id="258" name="Rectangle 51"/>
           <p:cNvSpPr/>
           <p:nvPr/>
         </p:nvSpPr>
         <p:spPr>
           <a:xfrm>
             <a:off x="1828800" y="0"/>
-            <a:ext cx="16560" cy="6856200"/>
+            <a:ext cx="16200" cy="6855840"/>
           </a:xfrm>
           <a:prstGeom prst="rect">
             <a:avLst/>
@@ -16861,14 +19618,14 @@
       </p:sp>
       <p:sp>
         <p:nvSpPr>
-          <p:cNvPr id="220" name="Rectangle 52"/>
+          <p:cNvPr id="259" name="Rectangle 52"/>
           <p:cNvSpPr/>
           <p:nvPr/>
         </p:nvSpPr>
         <p:spPr>
           <a:xfrm>
             <a:off x="2743200" y="0"/>
-            <a:ext cx="16560" cy="6856200"/>
+            <a:ext cx="16200" cy="6855840"/>
           </a:xfrm>
           <a:prstGeom prst="rect">
             <a:avLst/>
@@ -16921,14 +19678,14 @@
       </p:sp>
       <p:sp>
         <p:nvSpPr>
-          <p:cNvPr id="221" name="Rectangle 53"/>
+          <p:cNvPr id="260" name="Rectangle 53"/>
           <p:cNvSpPr/>
           <p:nvPr/>
         </p:nvSpPr>
         <p:spPr>
           <a:xfrm>
             <a:off x="3657600" y="0"/>
-            <a:ext cx="16560" cy="6856200"/>
+            <a:ext cx="16200" cy="6855840"/>
           </a:xfrm>
           <a:prstGeom prst="rect">
             <a:avLst/>
@@ -16981,14 +19738,14 @@
       </p:sp>
       <p:sp>
         <p:nvSpPr>
-          <p:cNvPr id="222" name="Rectangle 54"/>
+          <p:cNvPr id="261" name="Rectangle 54"/>
           <p:cNvSpPr/>
           <p:nvPr/>
         </p:nvSpPr>
         <p:spPr>
           <a:xfrm>
             <a:off x="4572000" y="0"/>
-            <a:ext cx="16560" cy="6856200"/>
+            <a:ext cx="16200" cy="6855840"/>
           </a:xfrm>
           <a:prstGeom prst="rect">
             <a:avLst/>
@@ -17041,14 +19798,14 @@
       </p:sp>
       <p:sp>
         <p:nvSpPr>
-          <p:cNvPr id="223" name="Rectangle 55"/>
+          <p:cNvPr id="262" name="Rectangle 55"/>
           <p:cNvSpPr/>
           <p:nvPr/>
         </p:nvSpPr>
         <p:spPr>
           <a:xfrm>
             <a:off x="5486400" y="0"/>
-            <a:ext cx="16560" cy="6856200"/>
+            <a:ext cx="16200" cy="6855840"/>
           </a:xfrm>
           <a:prstGeom prst="rect">
             <a:avLst/>
@@ -17101,14 +19858,14 @@
       </p:sp>
       <p:sp>
         <p:nvSpPr>
-          <p:cNvPr id="224" name="Rectangle 56"/>
+          <p:cNvPr id="263" name="Rectangle 56"/>
           <p:cNvSpPr/>
           <p:nvPr/>
         </p:nvSpPr>
         <p:spPr>
           <a:xfrm>
             <a:off x="6400800" y="0"/>
-            <a:ext cx="16560" cy="6856200"/>
+            <a:ext cx="16200" cy="6855840"/>
           </a:xfrm>
           <a:prstGeom prst="rect">
             <a:avLst/>
@@ -17161,14 +19918,14 @@
       </p:sp>
       <p:sp>
         <p:nvSpPr>
-          <p:cNvPr id="225" name="Rectangle 57"/>
+          <p:cNvPr id="264" name="Rectangle 57"/>
           <p:cNvSpPr/>
           <p:nvPr/>
         </p:nvSpPr>
         <p:spPr>
           <a:xfrm>
             <a:off x="7315200" y="0"/>
-            <a:ext cx="16560" cy="6856200"/>
+            <a:ext cx="16200" cy="6855840"/>
           </a:xfrm>
           <a:prstGeom prst="rect">
             <a:avLst/>
@@ -17221,14 +19978,14 @@
       </p:sp>
       <p:sp>
         <p:nvSpPr>
-          <p:cNvPr id="226" name="Rectangle 58"/>
+          <p:cNvPr id="265" name="Rectangle 58"/>
           <p:cNvSpPr/>
           <p:nvPr/>
         </p:nvSpPr>
         <p:spPr>
           <a:xfrm>
             <a:off x="8229600" y="0"/>
-            <a:ext cx="16560" cy="6856200"/>
+            <a:ext cx="16200" cy="6855840"/>
           </a:xfrm>
           <a:prstGeom prst="rect">
             <a:avLst/>
@@ -17281,14 +20038,14 @@
       </p:sp>
       <p:sp>
         <p:nvSpPr>
-          <p:cNvPr id="227" name="Rectangle 59"/>
+          <p:cNvPr id="266" name="Rectangle 59"/>
           <p:cNvSpPr/>
           <p:nvPr/>
         </p:nvSpPr>
         <p:spPr>
           <a:xfrm>
             <a:off x="9144000" y="0"/>
-            <a:ext cx="16560" cy="6856200"/>
+            <a:ext cx="16200" cy="6855840"/>
           </a:xfrm>
           <a:prstGeom prst="rect">
             <a:avLst/>
@@ -17341,14 +20098,14 @@
       </p:sp>
       <p:sp>
         <p:nvSpPr>
-          <p:cNvPr id="228" name="Rectangle 60"/>
+          <p:cNvPr id="267" name="Rectangle 60"/>
           <p:cNvSpPr/>
           <p:nvPr/>
         </p:nvSpPr>
         <p:spPr>
           <a:xfrm>
             <a:off x="10058400" y="0"/>
-            <a:ext cx="16560" cy="6856200"/>
+            <a:ext cx="16200" cy="6855840"/>
           </a:xfrm>
           <a:prstGeom prst="rect">
             <a:avLst/>
@@ -17401,14 +20158,14 @@
       </p:sp>
       <p:sp>
         <p:nvSpPr>
-          <p:cNvPr id="229" name="Rectangle 61"/>
+          <p:cNvPr id="268" name="Rectangle 61"/>
           <p:cNvSpPr/>
           <p:nvPr/>
         </p:nvSpPr>
         <p:spPr>
           <a:xfrm>
             <a:off x="10972800" y="0"/>
-            <a:ext cx="16560" cy="6856200"/>
+            <a:ext cx="16200" cy="6855840"/>
           </a:xfrm>
           <a:prstGeom prst="rect">
             <a:avLst/>
@@ -17461,14 +20218,14 @@
       </p:sp>
       <p:sp>
         <p:nvSpPr>
-          <p:cNvPr id="230" name="Rectangle 62"/>
+          <p:cNvPr id="269" name="Rectangle 62"/>
           <p:cNvSpPr/>
           <p:nvPr/>
         </p:nvSpPr>
         <p:spPr>
           <a:xfrm>
             <a:off x="11887200" y="0"/>
-            <a:ext cx="16560" cy="6856200"/>
+            <a:ext cx="16200" cy="6855840"/>
           </a:xfrm>
           <a:prstGeom prst="rect">
             <a:avLst/>
@@ -17521,14 +20278,14 @@
       </p:sp>
       <p:sp>
         <p:nvSpPr>
-          <p:cNvPr id="231" name="Rectangle 63"/>
+          <p:cNvPr id="270" name="Rectangle 63"/>
           <p:cNvSpPr/>
           <p:nvPr/>
         </p:nvSpPr>
         <p:spPr>
           <a:xfrm>
             <a:off x="0" y="0"/>
-            <a:ext cx="318240" cy="6856200"/>
+            <a:ext cx="317880" cy="6855840"/>
           </a:xfrm>
           <a:prstGeom prst="rect">
             <a:avLst/>
@@ -17581,14 +20338,14 @@
       </p:sp>
       <p:sp>
         <p:nvSpPr>
-          <p:cNvPr id="232" name="Rounded Rectangle 15"/>
+          <p:cNvPr id="271" name="Rounded Rectangle 15"/>
           <p:cNvSpPr/>
           <p:nvPr/>
         </p:nvSpPr>
         <p:spPr>
           <a:xfrm>
             <a:off x="9875520" y="365760"/>
-            <a:ext cx="2009880" cy="501120"/>
+            <a:ext cx="2009520" cy="500760"/>
           </a:xfrm>
           <a:prstGeom prst="roundRect">
             <a:avLst>
@@ -17655,7 +20412,7 @@
       </p:sp>
       <p:sp>
         <p:nvSpPr>
-          <p:cNvPr id="233" name="TextBox 7"/>
+          <p:cNvPr id="272" name="TextBox 7"/>
           <p:cNvSpPr/>
           <p:nvPr/>
         </p:nvSpPr>
@@ -17709,7 +20466,7 @@
       </p:sp>
       <p:sp>
         <p:nvSpPr>
-          <p:cNvPr id="234" name="TextBox 8"/>
+          <p:cNvPr id="273" name="TextBox 8"/>
           <p:cNvSpPr/>
           <p:nvPr/>
         </p:nvSpPr>
@@ -17763,14 +20520,14 @@
       </p:sp>
       <p:sp>
         <p:nvSpPr>
-          <p:cNvPr id="235" name="Rounded Rectangle 16"/>
+          <p:cNvPr id="274" name="Rounded Rectangle 16"/>
           <p:cNvSpPr/>
           <p:nvPr/>
         </p:nvSpPr>
         <p:spPr>
           <a:xfrm>
             <a:off x="987480" y="3182040"/>
-            <a:ext cx="3290040" cy="2741400"/>
+            <a:ext cx="3289680" cy="2741040"/>
           </a:xfrm>
           <a:prstGeom prst="roundRect">
             <a:avLst>
@@ -17825,14 +20582,14 @@
       </p:sp>
       <p:sp>
         <p:nvSpPr>
-          <p:cNvPr id="236" name="Rounded Rectangle 18"/>
+          <p:cNvPr id="275" name="Rounded Rectangle 18"/>
           <p:cNvSpPr/>
           <p:nvPr/>
         </p:nvSpPr>
         <p:spPr>
           <a:xfrm>
             <a:off x="475560" y="2743200"/>
-            <a:ext cx="3728880" cy="3107160"/>
+            <a:ext cx="3728520" cy="3106800"/>
           </a:xfrm>
           <a:prstGeom prst="roundRect">
             <a:avLst>
@@ -18102,14 +20859,14 @@
       </p:sp>
       <p:sp>
         <p:nvSpPr>
-          <p:cNvPr id="237" name="Rounded Rectangle 19"/>
+          <p:cNvPr id="276" name="Rounded Rectangle 19"/>
           <p:cNvSpPr/>
           <p:nvPr/>
         </p:nvSpPr>
         <p:spPr>
           <a:xfrm>
             <a:off x="4507920" y="3182040"/>
-            <a:ext cx="3290040" cy="2741400"/>
+            <a:ext cx="3289680" cy="2741040"/>
           </a:xfrm>
           <a:prstGeom prst="roundRect">
             <a:avLst>
@@ -18164,14 +20921,14 @@
       </p:sp>
       <p:sp>
         <p:nvSpPr>
-          <p:cNvPr id="238" name="Rounded Rectangle 26"/>
+          <p:cNvPr id="277" name="Rounded Rectangle 26"/>
           <p:cNvSpPr/>
           <p:nvPr/>
         </p:nvSpPr>
         <p:spPr>
           <a:xfrm>
             <a:off x="4343400" y="2918520"/>
-            <a:ext cx="3518640" cy="2931840"/>
+            <a:ext cx="3518280" cy="2931480"/>
           </a:xfrm>
           <a:prstGeom prst="roundRect">
             <a:avLst>
@@ -18666,14 +21423,14 @@
       </p:sp>
       <p:sp>
         <p:nvSpPr>
-          <p:cNvPr id="239" name="Rounded Rectangle 27"/>
+          <p:cNvPr id="278" name="Rounded Rectangle 27"/>
           <p:cNvSpPr/>
           <p:nvPr/>
         </p:nvSpPr>
         <p:spPr>
           <a:xfrm>
             <a:off x="8028360" y="3182040"/>
-            <a:ext cx="3290040" cy="2741400"/>
+            <a:ext cx="3289680" cy="2741040"/>
           </a:xfrm>
           <a:prstGeom prst="roundRect">
             <a:avLst>
@@ -18728,14 +21485,14 @@
       </p:sp>
       <p:sp>
         <p:nvSpPr>
-          <p:cNvPr id="240" name="Rounded Rectangle 28"/>
+          <p:cNvPr id="279" name="Rounded Rectangle 28"/>
           <p:cNvSpPr/>
           <p:nvPr/>
         </p:nvSpPr>
         <p:spPr>
           <a:xfrm>
             <a:off x="8023680" y="2743200"/>
-            <a:ext cx="3840120" cy="3199680"/>
+            <a:ext cx="3839760" cy="3199320"/>
           </a:xfrm>
           <a:prstGeom prst="roundRect">
             <a:avLst>
@@ -19200,7 +21957,7 @@
       </p:sp>
       <p:sp>
         <p:nvSpPr>
-          <p:cNvPr id="241" name="TextBox 9"/>
+          <p:cNvPr id="280" name="TextBox 9"/>
           <p:cNvSpPr/>
           <p:nvPr/>
         </p:nvSpPr>
@@ -19284,14 +22041,14 @@
       </p:grpSpPr>
       <p:sp>
         <p:nvSpPr>
-          <p:cNvPr id="242" name="Rectangle 64"/>
+          <p:cNvPr id="281" name="Rectangle 64"/>
           <p:cNvSpPr/>
           <p:nvPr/>
         </p:nvSpPr>
         <p:spPr>
           <a:xfrm>
             <a:off x="0" y="0"/>
-            <a:ext cx="12187440" cy="6856560"/>
+            <a:ext cx="12187080" cy="6856200"/>
           </a:xfrm>
           <a:prstGeom prst="rect">
             <a:avLst/>
@@ -19344,14 +22101,14 @@
       </p:sp>
       <p:sp>
         <p:nvSpPr>
-          <p:cNvPr id="243" name="Rectangle 65"/>
+          <p:cNvPr id="282" name="Rectangle 65"/>
           <p:cNvSpPr/>
           <p:nvPr/>
         </p:nvSpPr>
         <p:spPr>
           <a:xfrm>
             <a:off x="0" y="0"/>
-            <a:ext cx="16920" cy="6856560"/>
+            <a:ext cx="16560" cy="6856200"/>
           </a:xfrm>
           <a:prstGeom prst="rect">
             <a:avLst/>
@@ -19404,14 +22161,14 @@
       </p:sp>
       <p:sp>
         <p:nvSpPr>
-          <p:cNvPr id="244" name="Rectangle 66"/>
+          <p:cNvPr id="283" name="Rectangle 66"/>
           <p:cNvSpPr/>
           <p:nvPr/>
         </p:nvSpPr>
         <p:spPr>
           <a:xfrm>
             <a:off x="914400" y="0"/>
-            <a:ext cx="16920" cy="6856560"/>
+            <a:ext cx="16560" cy="6856200"/>
           </a:xfrm>
           <a:prstGeom prst="rect">
             <a:avLst/>
@@ -19464,14 +22221,14 @@
       </p:sp>
       <p:sp>
         <p:nvSpPr>
-          <p:cNvPr id="245" name="Rectangle 67"/>
+          <p:cNvPr id="284" name="Rectangle 67"/>
           <p:cNvSpPr/>
           <p:nvPr/>
         </p:nvSpPr>
         <p:spPr>
           <a:xfrm>
             <a:off x="1828800" y="0"/>
-            <a:ext cx="16920" cy="6856560"/>
+            <a:ext cx="16560" cy="6856200"/>
           </a:xfrm>
           <a:prstGeom prst="rect">
             <a:avLst/>
@@ -19524,14 +22281,14 @@
       </p:sp>
       <p:sp>
         <p:nvSpPr>
-          <p:cNvPr id="246" name="Rectangle 68"/>
+          <p:cNvPr id="285" name="Rectangle 68"/>
           <p:cNvSpPr/>
           <p:nvPr/>
         </p:nvSpPr>
         <p:spPr>
           <a:xfrm>
             <a:off x="2743200" y="0"/>
-            <a:ext cx="16920" cy="6856560"/>
+            <a:ext cx="16560" cy="6856200"/>
           </a:xfrm>
           <a:prstGeom prst="rect">
             <a:avLst/>
@@ -19584,14 +22341,14 @@
       </p:sp>
       <p:sp>
         <p:nvSpPr>
-          <p:cNvPr id="247" name="Rectangle 69"/>
+          <p:cNvPr id="286" name="Rectangle 69"/>
           <p:cNvSpPr/>
           <p:nvPr/>
         </p:nvSpPr>
         <p:spPr>
           <a:xfrm>
             <a:off x="3657600" y="0"/>
-            <a:ext cx="16920" cy="6856560"/>
+            <a:ext cx="16560" cy="6856200"/>
           </a:xfrm>
           <a:prstGeom prst="rect">
             <a:avLst/>
@@ -19644,14 +22401,14 @@
       </p:sp>
       <p:sp>
         <p:nvSpPr>
-          <p:cNvPr id="248" name="Rectangle 70"/>
+          <p:cNvPr id="287" name="Rectangle 70"/>
           <p:cNvSpPr/>
           <p:nvPr/>
         </p:nvSpPr>
         <p:spPr>
           <a:xfrm>
             <a:off x="4572000" y="0"/>
-            <a:ext cx="16920" cy="6856560"/>
+            <a:ext cx="16560" cy="6856200"/>
           </a:xfrm>
           <a:prstGeom prst="rect">
             <a:avLst/>
@@ -19704,14 +22461,14 @@
       </p:sp>
       <p:sp>
         <p:nvSpPr>
-          <p:cNvPr id="249" name="Rectangle 71"/>
+          <p:cNvPr id="288" name="Rectangle 71"/>
           <p:cNvSpPr/>
           <p:nvPr/>
         </p:nvSpPr>
         <p:spPr>
           <a:xfrm>
             <a:off x="5486400" y="0"/>
-            <a:ext cx="16920" cy="6856560"/>
+            <a:ext cx="16560" cy="6856200"/>
           </a:xfrm>
           <a:prstGeom prst="rect">
             <a:avLst/>
@@ -19764,14 +22521,14 @@
       </p:sp>
       <p:sp>
         <p:nvSpPr>
-          <p:cNvPr id="250" name="Rectangle 72"/>
+          <p:cNvPr id="289" name="Rectangle 72"/>
           <p:cNvSpPr/>
           <p:nvPr/>
         </p:nvSpPr>
         <p:spPr>
           <a:xfrm>
             <a:off x="6400800" y="0"/>
-            <a:ext cx="16920" cy="6856560"/>
+            <a:ext cx="16560" cy="6856200"/>
           </a:xfrm>
           <a:prstGeom prst="rect">
             <a:avLst/>
@@ -19824,14 +22581,14 @@
       </p:sp>
       <p:sp>
         <p:nvSpPr>
-          <p:cNvPr id="251" name="Rectangle 73"/>
+          <p:cNvPr id="290" name="Rectangle 73"/>
           <p:cNvSpPr/>
           <p:nvPr/>
         </p:nvSpPr>
         <p:spPr>
           <a:xfrm>
             <a:off x="7315200" y="0"/>
-            <a:ext cx="16920" cy="6856560"/>
+            <a:ext cx="16560" cy="6856200"/>
           </a:xfrm>
           <a:prstGeom prst="rect">
             <a:avLst/>
@@ -19884,14 +22641,14 @@
       </p:sp>
       <p:sp>
         <p:nvSpPr>
-          <p:cNvPr id="252" name="Rectangle 74"/>
+          <p:cNvPr id="291" name="Rectangle 74"/>
           <p:cNvSpPr/>
           <p:nvPr/>
         </p:nvSpPr>
         <p:spPr>
           <a:xfrm>
             <a:off x="8229600" y="0"/>
-            <a:ext cx="16920" cy="6856560"/>
+            <a:ext cx="16560" cy="6856200"/>
           </a:xfrm>
           <a:prstGeom prst="rect">
             <a:avLst/>
@@ -19944,14 +22701,14 @@
       </p:sp>
       <p:sp>
         <p:nvSpPr>
-          <p:cNvPr id="253" name="Rectangle 75"/>
+          <p:cNvPr id="292" name="Rectangle 75"/>
           <p:cNvSpPr/>
           <p:nvPr/>
         </p:nvSpPr>
         <p:spPr>
           <a:xfrm>
             <a:off x="9144000" y="0"/>
-            <a:ext cx="16920" cy="6856560"/>
+            <a:ext cx="16560" cy="6856200"/>
           </a:xfrm>
           <a:prstGeom prst="rect">
             <a:avLst/>
@@ -20004,14 +22761,14 @@
       </p:sp>
       <p:sp>
         <p:nvSpPr>
-          <p:cNvPr id="254" name="Rectangle 76"/>
+          <p:cNvPr id="293" name="Rectangle 76"/>
           <p:cNvSpPr/>
           <p:nvPr/>
         </p:nvSpPr>
         <p:spPr>
           <a:xfrm>
             <a:off x="10058400" y="0"/>
-            <a:ext cx="16920" cy="6856560"/>
+            <a:ext cx="16560" cy="6856200"/>
           </a:xfrm>
           <a:prstGeom prst="rect">
             <a:avLst/>
@@ -20064,14 +22821,14 @@
       </p:sp>
       <p:sp>
         <p:nvSpPr>
-          <p:cNvPr id="255" name="Rectangle 77"/>
+          <p:cNvPr id="294" name="Rectangle 77"/>
           <p:cNvSpPr/>
           <p:nvPr/>
         </p:nvSpPr>
         <p:spPr>
           <a:xfrm>
             <a:off x="10972800" y="0"/>
-            <a:ext cx="16920" cy="6856560"/>
+            <a:ext cx="16560" cy="6856200"/>
           </a:xfrm>
           <a:prstGeom prst="rect">
             <a:avLst/>
@@ -20124,14 +22881,14 @@
       </p:sp>
       <p:sp>
         <p:nvSpPr>
-          <p:cNvPr id="256" name="Rectangle 78"/>
+          <p:cNvPr id="295" name="Rectangle 78"/>
           <p:cNvSpPr/>
           <p:nvPr/>
         </p:nvSpPr>
         <p:spPr>
           <a:xfrm>
             <a:off x="11887200" y="0"/>
-            <a:ext cx="16920" cy="6856560"/>
+            <a:ext cx="16560" cy="6856200"/>
           </a:xfrm>
           <a:prstGeom prst="rect">
             <a:avLst/>
@@ -20184,14 +22941,14 @@
       </p:sp>
       <p:sp>
         <p:nvSpPr>
-          <p:cNvPr id="257" name="Rectangle 79"/>
+          <p:cNvPr id="296" name="Rectangle 79"/>
           <p:cNvSpPr/>
           <p:nvPr/>
         </p:nvSpPr>
         <p:spPr>
           <a:xfrm>
             <a:off x="0" y="0"/>
-            <a:ext cx="318600" cy="6856560"/>
+            <a:ext cx="318240" cy="6856200"/>
           </a:xfrm>
           <a:prstGeom prst="rect">
             <a:avLst/>
@@ -20244,14 +23001,14 @@
       </p:sp>
       <p:sp>
         <p:nvSpPr>
-          <p:cNvPr id="258" name="Rounded Rectangle 29"/>
+          <p:cNvPr id="297" name="Rounded Rectangle 29"/>
           <p:cNvSpPr/>
           <p:nvPr/>
         </p:nvSpPr>
         <p:spPr>
           <a:xfrm>
             <a:off x="9875520" y="365760"/>
-            <a:ext cx="2010240" cy="501480"/>
+            <a:ext cx="2009880" cy="501120"/>
           </a:xfrm>
           <a:prstGeom prst="roundRect">
             <a:avLst>
@@ -20318,7 +23075,7 @@
       </p:sp>
       <p:sp>
         <p:nvSpPr>
-          <p:cNvPr id="259" name="TextBox 10"/>
+          <p:cNvPr id="298" name="TextBox 10"/>
           <p:cNvSpPr/>
           <p:nvPr/>
         </p:nvSpPr>
@@ -20372,7 +23129,7 @@
       </p:sp>
       <p:sp>
         <p:nvSpPr>
-          <p:cNvPr id="260" name="TextBox 11"/>
+          <p:cNvPr id="299" name="TextBox 11"/>
           <p:cNvSpPr/>
           <p:nvPr/>
         </p:nvSpPr>
@@ -20426,14 +23183,14 @@
       </p:sp>
       <p:sp>
         <p:nvSpPr>
-          <p:cNvPr id="261" name="Rounded Rectangle 30"/>
+          <p:cNvPr id="300" name="Rounded Rectangle 30"/>
           <p:cNvSpPr/>
           <p:nvPr/>
         </p:nvSpPr>
         <p:spPr>
           <a:xfrm>
             <a:off x="987480" y="3182040"/>
-            <a:ext cx="3290400" cy="2741760"/>
+            <a:ext cx="3290040" cy="2741400"/>
           </a:xfrm>
           <a:prstGeom prst="roundRect">
             <a:avLst>
@@ -20488,14 +23245,14 @@
       </p:sp>
       <p:sp>
         <p:nvSpPr>
-          <p:cNvPr id="262" name="Rounded Rectangle 31"/>
+          <p:cNvPr id="301" name="Rounded Rectangle 31"/>
           <p:cNvSpPr/>
           <p:nvPr/>
         </p:nvSpPr>
         <p:spPr>
           <a:xfrm>
             <a:off x="685800" y="3108960"/>
-            <a:ext cx="3519000" cy="3062880"/>
+            <a:ext cx="3518640" cy="3062520"/>
           </a:xfrm>
           <a:prstGeom prst="roundRect">
             <a:avLst>
@@ -20874,14 +23631,14 @@
       </p:sp>
       <p:sp>
         <p:nvSpPr>
-          <p:cNvPr id="263" name="Rounded Rectangle 32"/>
+          <p:cNvPr id="302" name="Rounded Rectangle 32"/>
           <p:cNvSpPr/>
           <p:nvPr/>
         </p:nvSpPr>
         <p:spPr>
           <a:xfrm>
             <a:off x="4507920" y="3182040"/>
-            <a:ext cx="3290400" cy="2741760"/>
+            <a:ext cx="3290040" cy="2741400"/>
           </a:xfrm>
           <a:prstGeom prst="roundRect">
             <a:avLst>
@@ -20936,14 +23693,14 @@
       </p:sp>
       <p:sp>
         <p:nvSpPr>
-          <p:cNvPr id="264" name="Rounded Rectangle 33"/>
+          <p:cNvPr id="303" name="Rounded Rectangle 33"/>
           <p:cNvSpPr/>
           <p:nvPr/>
         </p:nvSpPr>
         <p:spPr>
           <a:xfrm>
             <a:off x="4434840" y="3108960"/>
-            <a:ext cx="3290400" cy="2741760"/>
+            <a:ext cx="3290040" cy="2741400"/>
           </a:xfrm>
           <a:prstGeom prst="roundRect">
             <a:avLst>
@@ -21405,14 +24162,14 @@
       </p:sp>
       <p:sp>
         <p:nvSpPr>
-          <p:cNvPr id="265" name="Rounded Rectangle 34"/>
+          <p:cNvPr id="304" name="Rounded Rectangle 34"/>
           <p:cNvSpPr/>
           <p:nvPr/>
         </p:nvSpPr>
         <p:spPr>
           <a:xfrm>
             <a:off x="8028360" y="3182040"/>
-            <a:ext cx="3290400" cy="2741760"/>
+            <a:ext cx="3290040" cy="2741400"/>
           </a:xfrm>
           <a:prstGeom prst="roundRect">
             <a:avLst>
@@ -21467,14 +24224,14 @@
       </p:sp>
       <p:sp>
         <p:nvSpPr>
-          <p:cNvPr id="266" name="Rounded Rectangle 35"/>
+          <p:cNvPr id="305" name="Rounded Rectangle 35"/>
           <p:cNvSpPr/>
           <p:nvPr/>
         </p:nvSpPr>
         <p:spPr>
           <a:xfrm>
             <a:off x="7955280" y="3108960"/>
-            <a:ext cx="3290400" cy="2741760"/>
+            <a:ext cx="3290040" cy="2741400"/>
           </a:xfrm>
           <a:prstGeom prst="roundRect">
             <a:avLst>
@@ -21833,14 +24590,3788 @@
       </p:sp>
       <p:sp>
         <p:nvSpPr>
-          <p:cNvPr id="267" name="TextBox 12"/>
+          <p:cNvPr id="306" name="TextBox 12"/>
           <p:cNvSpPr/>
           <p:nvPr/>
         </p:nvSpPr>
         <p:spPr>
           <a:xfrm>
             <a:off x="4600080" y="6446520"/>
-            <a:ext cx="3051360" cy="363960"/>
+            <a:ext cx="3051000" cy="363960"/>
+          </a:xfrm>
+          <a:prstGeom prst="rect">
+            <a:avLst/>
+          </a:prstGeom>
+          <a:noFill/>
+          <a:ln w="0">
+            <a:noFill/>
+          </a:ln>
+        </p:spPr>
+        <p:style>
+          <a:lnRef idx="0"/>
+          <a:fillRef idx="0"/>
+          <a:effectRef idx="0"/>
+          <a:fontRef idx="minor"/>
+        </p:style>
+        <p:txBody>
+          <a:bodyPr wrap="none" lIns="90000" rIns="90000" tIns="45000" bIns="45000" anchor="t">
+            <a:spAutoFit/>
+          </a:bodyPr>
+          <a:p>
+            <a:pPr>
+              <a:lnSpc>
+                <a:spcPct val="100000"/>
+              </a:lnSpc>
+            </a:pPr>
+            <a:r>
+              <a:rPr b="0" lang="en-US" sz="1800" spc="-1" strike="noStrike">
+                <a:solidFill>
+                  <a:srgbClr val="000000"/>
+                </a:solidFill>
+                <a:latin typeface="Calibri"/>
+                <a:ea typeface="DejaVu Sans"/>
+              </a:rPr>
+              <a:t>Java • Ultra Premium Template</a:t>
+            </a:r>
+            <a:endParaRPr b="0" lang="en-US" sz="1800" spc="-1" strike="noStrike">
+              <a:solidFill>
+                <a:srgbClr val="000000"/>
+              </a:solidFill>
+              <a:latin typeface="Arial"/>
+            </a:endParaRPr>
+          </a:p>
+        </p:txBody>
+      </p:sp>
+    </p:spTree>
+  </p:cSld>
+  <mc:AlternateContent>
+    <mc:Choice Requires="p14">
+      <p:transition spd="slow" p14:dur="2000"/>
+    </mc:Choice>
+    <mc:Fallback>
+      <p:transition spd="slow"/>
+    </mc:Fallback>
+  </mc:AlternateContent>
+</p:sld>
+</file>
+
+<file path=ppt/slides/slide5.xml><?xml version="1.0" encoding="utf-8"?>
+<p:sld xmlns:a="http://schemas.openxmlformats.org/drawingml/2006/main" xmlns:p="http://schemas.openxmlformats.org/presentationml/2006/main" xmlns:r="http://schemas.openxmlformats.org/officeDocument/2006/relationships" xmlns:p14="http://schemas.microsoft.com/office/powerpoint/2010/main" xmlns:p15="http://schemas.microsoft.com/office/powerpoint/2012/main" xmlns:mc="http://schemas.openxmlformats.org/markup-compatibility/2006">
+  <p:cSld>
+    <p:spTree>
+      <p:nvGrpSpPr>
+        <p:cNvPr id="1" name=""/>
+        <p:cNvGrpSpPr/>
+        <p:nvPr/>
+      </p:nvGrpSpPr>
+      <p:grpSpPr>
+        <a:xfrm>
+          <a:off x="0" y="0"/>
+          <a:ext cx="0" cy="0"/>
+          <a:chOff x="0" y="0"/>
+          <a:chExt cx="0" cy="0"/>
+        </a:xfrm>
+      </p:grpSpPr>
+      <p:sp>
+        <p:nvSpPr>
+          <p:cNvPr id="307" name="Rectangle 80"/>
+          <p:cNvSpPr/>
+          <p:nvPr/>
+        </p:nvSpPr>
+        <p:spPr>
+          <a:xfrm>
+            <a:off x="0" y="0"/>
+            <a:ext cx="12187800" cy="6856920"/>
+          </a:xfrm>
+          <a:prstGeom prst="rect">
+            <a:avLst/>
+          </a:prstGeom>
+          <a:solidFill>
+            <a:srgbClr val="0b0b0d"/>
+          </a:solidFill>
+          <a:ln>
+            <a:noFill/>
+          </a:ln>
+          <a:effectLst>
+            <a:outerShdw blurRad="39960" dir="5400000" dist="23040" rotWithShape="0">
+              <a:srgbClr val="000000">
+                <a:alpha val="35000"/>
+              </a:srgbClr>
+            </a:outerShdw>
+          </a:effectLst>
+        </p:spPr>
+        <p:style>
+          <a:lnRef idx="1">
+            <a:schemeClr val="accent1"/>
+          </a:lnRef>
+          <a:fillRef idx="3">
+            <a:schemeClr val="accent1"/>
+          </a:fillRef>
+          <a:effectRef idx="2">
+            <a:schemeClr val="accent1"/>
+          </a:effectRef>
+          <a:fontRef idx="minor"/>
+        </p:style>
+        <p:txBody>
+          <a:bodyPr lIns="90000" rIns="90000" tIns="45000" bIns="45000" anchor="ctr">
+            <a:noAutofit/>
+          </a:bodyPr>
+          <a:p>
+            <a:endParaRPr b="0" lang="en-US" sz="1800" spc="-1" strike="noStrike">
+              <a:solidFill>
+                <a:schemeClr val="lt1"/>
+              </a:solidFill>
+              <a:latin typeface="Calibri"/>
+              <a:ea typeface="DejaVu Sans"/>
+            </a:endParaRPr>
+          </a:p>
+        </p:txBody>
+      </p:sp>
+      <p:sp>
+        <p:nvSpPr>
+          <p:cNvPr id="308" name="Rectangle 81"/>
+          <p:cNvSpPr/>
+          <p:nvPr/>
+        </p:nvSpPr>
+        <p:spPr>
+          <a:xfrm>
+            <a:off x="0" y="0"/>
+            <a:ext cx="17280" cy="6856920"/>
+          </a:xfrm>
+          <a:prstGeom prst="rect">
+            <a:avLst/>
+          </a:prstGeom>
+          <a:solidFill>
+            <a:srgbClr val="121216"/>
+          </a:solidFill>
+          <a:ln>
+            <a:noFill/>
+          </a:ln>
+          <a:effectLst>
+            <a:outerShdw blurRad="39960" dir="5400000" dist="23040" rotWithShape="0">
+              <a:srgbClr val="000000">
+                <a:alpha val="35000"/>
+              </a:srgbClr>
+            </a:outerShdw>
+          </a:effectLst>
+        </p:spPr>
+        <p:style>
+          <a:lnRef idx="1">
+            <a:schemeClr val="accent1"/>
+          </a:lnRef>
+          <a:fillRef idx="3">
+            <a:schemeClr val="accent1"/>
+          </a:fillRef>
+          <a:effectRef idx="2">
+            <a:schemeClr val="accent1"/>
+          </a:effectRef>
+          <a:fontRef idx="minor"/>
+        </p:style>
+        <p:txBody>
+          <a:bodyPr lIns="90000" rIns="90000" tIns="45000" bIns="45000" anchor="ctr">
+            <a:noAutofit/>
+          </a:bodyPr>
+          <a:p>
+            <a:endParaRPr b="0" lang="en-US" sz="1800" spc="-1" strike="noStrike">
+              <a:solidFill>
+                <a:schemeClr val="lt1"/>
+              </a:solidFill>
+              <a:latin typeface="Calibri"/>
+              <a:ea typeface="DejaVu Sans"/>
+            </a:endParaRPr>
+          </a:p>
+        </p:txBody>
+      </p:sp>
+      <p:sp>
+        <p:nvSpPr>
+          <p:cNvPr id="309" name="Rectangle 82"/>
+          <p:cNvSpPr/>
+          <p:nvPr/>
+        </p:nvSpPr>
+        <p:spPr>
+          <a:xfrm>
+            <a:off x="914400" y="0"/>
+            <a:ext cx="17280" cy="6856920"/>
+          </a:xfrm>
+          <a:prstGeom prst="rect">
+            <a:avLst/>
+          </a:prstGeom>
+          <a:solidFill>
+            <a:srgbClr val="121216"/>
+          </a:solidFill>
+          <a:ln>
+            <a:noFill/>
+          </a:ln>
+          <a:effectLst>
+            <a:outerShdw blurRad="39960" dir="5400000" dist="23040" rotWithShape="0">
+              <a:srgbClr val="000000">
+                <a:alpha val="35000"/>
+              </a:srgbClr>
+            </a:outerShdw>
+          </a:effectLst>
+        </p:spPr>
+        <p:style>
+          <a:lnRef idx="1">
+            <a:schemeClr val="accent1"/>
+          </a:lnRef>
+          <a:fillRef idx="3">
+            <a:schemeClr val="accent1"/>
+          </a:fillRef>
+          <a:effectRef idx="2">
+            <a:schemeClr val="accent1"/>
+          </a:effectRef>
+          <a:fontRef idx="minor"/>
+        </p:style>
+        <p:txBody>
+          <a:bodyPr lIns="90000" rIns="90000" tIns="45000" bIns="45000" anchor="ctr">
+            <a:noAutofit/>
+          </a:bodyPr>
+          <a:p>
+            <a:endParaRPr b="0" lang="en-US" sz="1800" spc="-1" strike="noStrike">
+              <a:solidFill>
+                <a:schemeClr val="lt1"/>
+              </a:solidFill>
+              <a:latin typeface="Calibri"/>
+              <a:ea typeface="DejaVu Sans"/>
+            </a:endParaRPr>
+          </a:p>
+        </p:txBody>
+      </p:sp>
+      <p:sp>
+        <p:nvSpPr>
+          <p:cNvPr id="310" name="Rectangle 83"/>
+          <p:cNvSpPr/>
+          <p:nvPr/>
+        </p:nvSpPr>
+        <p:spPr>
+          <a:xfrm>
+            <a:off x="1828800" y="0"/>
+            <a:ext cx="17280" cy="6856920"/>
+          </a:xfrm>
+          <a:prstGeom prst="rect">
+            <a:avLst/>
+          </a:prstGeom>
+          <a:solidFill>
+            <a:srgbClr val="121216"/>
+          </a:solidFill>
+          <a:ln>
+            <a:noFill/>
+          </a:ln>
+          <a:effectLst>
+            <a:outerShdw blurRad="39960" dir="5400000" dist="23040" rotWithShape="0">
+              <a:srgbClr val="000000">
+                <a:alpha val="35000"/>
+              </a:srgbClr>
+            </a:outerShdw>
+          </a:effectLst>
+        </p:spPr>
+        <p:style>
+          <a:lnRef idx="1">
+            <a:schemeClr val="accent1"/>
+          </a:lnRef>
+          <a:fillRef idx="3">
+            <a:schemeClr val="accent1"/>
+          </a:fillRef>
+          <a:effectRef idx="2">
+            <a:schemeClr val="accent1"/>
+          </a:effectRef>
+          <a:fontRef idx="minor"/>
+        </p:style>
+        <p:txBody>
+          <a:bodyPr lIns="90000" rIns="90000" tIns="45000" bIns="45000" anchor="ctr">
+            <a:noAutofit/>
+          </a:bodyPr>
+          <a:p>
+            <a:endParaRPr b="0" lang="en-US" sz="1800" spc="-1" strike="noStrike">
+              <a:solidFill>
+                <a:schemeClr val="lt1"/>
+              </a:solidFill>
+              <a:latin typeface="Calibri"/>
+              <a:ea typeface="DejaVu Sans"/>
+            </a:endParaRPr>
+          </a:p>
+        </p:txBody>
+      </p:sp>
+      <p:sp>
+        <p:nvSpPr>
+          <p:cNvPr id="311" name="Rectangle 84"/>
+          <p:cNvSpPr/>
+          <p:nvPr/>
+        </p:nvSpPr>
+        <p:spPr>
+          <a:xfrm>
+            <a:off x="2743200" y="0"/>
+            <a:ext cx="17280" cy="6856920"/>
+          </a:xfrm>
+          <a:prstGeom prst="rect">
+            <a:avLst/>
+          </a:prstGeom>
+          <a:solidFill>
+            <a:srgbClr val="121216"/>
+          </a:solidFill>
+          <a:ln>
+            <a:noFill/>
+          </a:ln>
+          <a:effectLst>
+            <a:outerShdw blurRad="39960" dir="5400000" dist="23040" rotWithShape="0">
+              <a:srgbClr val="000000">
+                <a:alpha val="35000"/>
+              </a:srgbClr>
+            </a:outerShdw>
+          </a:effectLst>
+        </p:spPr>
+        <p:style>
+          <a:lnRef idx="1">
+            <a:schemeClr val="accent1"/>
+          </a:lnRef>
+          <a:fillRef idx="3">
+            <a:schemeClr val="accent1"/>
+          </a:fillRef>
+          <a:effectRef idx="2">
+            <a:schemeClr val="accent1"/>
+          </a:effectRef>
+          <a:fontRef idx="minor"/>
+        </p:style>
+        <p:txBody>
+          <a:bodyPr lIns="90000" rIns="90000" tIns="45000" bIns="45000" anchor="ctr">
+            <a:noAutofit/>
+          </a:bodyPr>
+          <a:p>
+            <a:endParaRPr b="0" lang="en-US" sz="1800" spc="-1" strike="noStrike">
+              <a:solidFill>
+                <a:schemeClr val="lt1"/>
+              </a:solidFill>
+              <a:latin typeface="Calibri"/>
+              <a:ea typeface="DejaVu Sans"/>
+            </a:endParaRPr>
+          </a:p>
+        </p:txBody>
+      </p:sp>
+      <p:sp>
+        <p:nvSpPr>
+          <p:cNvPr id="312" name="Rectangle 85"/>
+          <p:cNvSpPr/>
+          <p:nvPr/>
+        </p:nvSpPr>
+        <p:spPr>
+          <a:xfrm>
+            <a:off x="3657600" y="0"/>
+            <a:ext cx="17280" cy="6856920"/>
+          </a:xfrm>
+          <a:prstGeom prst="rect">
+            <a:avLst/>
+          </a:prstGeom>
+          <a:solidFill>
+            <a:srgbClr val="121216"/>
+          </a:solidFill>
+          <a:ln>
+            <a:noFill/>
+          </a:ln>
+          <a:effectLst>
+            <a:outerShdw blurRad="39960" dir="5400000" dist="23040" rotWithShape="0">
+              <a:srgbClr val="000000">
+                <a:alpha val="35000"/>
+              </a:srgbClr>
+            </a:outerShdw>
+          </a:effectLst>
+        </p:spPr>
+        <p:style>
+          <a:lnRef idx="1">
+            <a:schemeClr val="accent1"/>
+          </a:lnRef>
+          <a:fillRef idx="3">
+            <a:schemeClr val="accent1"/>
+          </a:fillRef>
+          <a:effectRef idx="2">
+            <a:schemeClr val="accent1"/>
+          </a:effectRef>
+          <a:fontRef idx="minor"/>
+        </p:style>
+        <p:txBody>
+          <a:bodyPr lIns="90000" rIns="90000" tIns="45000" bIns="45000" anchor="ctr">
+            <a:noAutofit/>
+          </a:bodyPr>
+          <a:p>
+            <a:endParaRPr b="0" lang="en-US" sz="1800" spc="-1" strike="noStrike">
+              <a:solidFill>
+                <a:schemeClr val="lt1"/>
+              </a:solidFill>
+              <a:latin typeface="Calibri"/>
+              <a:ea typeface="DejaVu Sans"/>
+            </a:endParaRPr>
+          </a:p>
+        </p:txBody>
+      </p:sp>
+      <p:sp>
+        <p:nvSpPr>
+          <p:cNvPr id="313" name="Rectangle 86"/>
+          <p:cNvSpPr/>
+          <p:nvPr/>
+        </p:nvSpPr>
+        <p:spPr>
+          <a:xfrm>
+            <a:off x="4572000" y="0"/>
+            <a:ext cx="17280" cy="6856920"/>
+          </a:xfrm>
+          <a:prstGeom prst="rect">
+            <a:avLst/>
+          </a:prstGeom>
+          <a:solidFill>
+            <a:srgbClr val="121216"/>
+          </a:solidFill>
+          <a:ln>
+            <a:noFill/>
+          </a:ln>
+          <a:effectLst>
+            <a:outerShdw blurRad="39960" dir="5400000" dist="23040" rotWithShape="0">
+              <a:srgbClr val="000000">
+                <a:alpha val="35000"/>
+              </a:srgbClr>
+            </a:outerShdw>
+          </a:effectLst>
+        </p:spPr>
+        <p:style>
+          <a:lnRef idx="1">
+            <a:schemeClr val="accent1"/>
+          </a:lnRef>
+          <a:fillRef idx="3">
+            <a:schemeClr val="accent1"/>
+          </a:fillRef>
+          <a:effectRef idx="2">
+            <a:schemeClr val="accent1"/>
+          </a:effectRef>
+          <a:fontRef idx="minor"/>
+        </p:style>
+        <p:txBody>
+          <a:bodyPr lIns="90000" rIns="90000" tIns="45000" bIns="45000" anchor="ctr">
+            <a:noAutofit/>
+          </a:bodyPr>
+          <a:p>
+            <a:endParaRPr b="0" lang="en-US" sz="1800" spc="-1" strike="noStrike">
+              <a:solidFill>
+                <a:schemeClr val="lt1"/>
+              </a:solidFill>
+              <a:latin typeface="Calibri"/>
+              <a:ea typeface="DejaVu Sans"/>
+            </a:endParaRPr>
+          </a:p>
+        </p:txBody>
+      </p:sp>
+      <p:sp>
+        <p:nvSpPr>
+          <p:cNvPr id="314" name="Rectangle 87"/>
+          <p:cNvSpPr/>
+          <p:nvPr/>
+        </p:nvSpPr>
+        <p:spPr>
+          <a:xfrm>
+            <a:off x="5486400" y="0"/>
+            <a:ext cx="17280" cy="6856920"/>
+          </a:xfrm>
+          <a:prstGeom prst="rect">
+            <a:avLst/>
+          </a:prstGeom>
+          <a:solidFill>
+            <a:srgbClr val="121216"/>
+          </a:solidFill>
+          <a:ln>
+            <a:noFill/>
+          </a:ln>
+          <a:effectLst>
+            <a:outerShdw blurRad="39960" dir="5400000" dist="23040" rotWithShape="0">
+              <a:srgbClr val="000000">
+                <a:alpha val="35000"/>
+              </a:srgbClr>
+            </a:outerShdw>
+          </a:effectLst>
+        </p:spPr>
+        <p:style>
+          <a:lnRef idx="1">
+            <a:schemeClr val="accent1"/>
+          </a:lnRef>
+          <a:fillRef idx="3">
+            <a:schemeClr val="accent1"/>
+          </a:fillRef>
+          <a:effectRef idx="2">
+            <a:schemeClr val="accent1"/>
+          </a:effectRef>
+          <a:fontRef idx="minor"/>
+        </p:style>
+        <p:txBody>
+          <a:bodyPr lIns="90000" rIns="90000" tIns="45000" bIns="45000" anchor="ctr">
+            <a:noAutofit/>
+          </a:bodyPr>
+          <a:p>
+            <a:endParaRPr b="0" lang="en-US" sz="1800" spc="-1" strike="noStrike">
+              <a:solidFill>
+                <a:schemeClr val="lt1"/>
+              </a:solidFill>
+              <a:latin typeface="Calibri"/>
+              <a:ea typeface="DejaVu Sans"/>
+            </a:endParaRPr>
+          </a:p>
+        </p:txBody>
+      </p:sp>
+      <p:sp>
+        <p:nvSpPr>
+          <p:cNvPr id="315" name="Rectangle 88"/>
+          <p:cNvSpPr/>
+          <p:nvPr/>
+        </p:nvSpPr>
+        <p:spPr>
+          <a:xfrm>
+            <a:off x="6400800" y="0"/>
+            <a:ext cx="17280" cy="6856920"/>
+          </a:xfrm>
+          <a:prstGeom prst="rect">
+            <a:avLst/>
+          </a:prstGeom>
+          <a:solidFill>
+            <a:srgbClr val="121216"/>
+          </a:solidFill>
+          <a:ln>
+            <a:noFill/>
+          </a:ln>
+          <a:effectLst>
+            <a:outerShdw blurRad="39960" dir="5400000" dist="23040" rotWithShape="0">
+              <a:srgbClr val="000000">
+                <a:alpha val="35000"/>
+              </a:srgbClr>
+            </a:outerShdw>
+          </a:effectLst>
+        </p:spPr>
+        <p:style>
+          <a:lnRef idx="1">
+            <a:schemeClr val="accent1"/>
+          </a:lnRef>
+          <a:fillRef idx="3">
+            <a:schemeClr val="accent1"/>
+          </a:fillRef>
+          <a:effectRef idx="2">
+            <a:schemeClr val="accent1"/>
+          </a:effectRef>
+          <a:fontRef idx="minor"/>
+        </p:style>
+        <p:txBody>
+          <a:bodyPr lIns="90000" rIns="90000" tIns="45000" bIns="45000" anchor="ctr">
+            <a:noAutofit/>
+          </a:bodyPr>
+          <a:p>
+            <a:endParaRPr b="0" lang="en-US" sz="1800" spc="-1" strike="noStrike">
+              <a:solidFill>
+                <a:schemeClr val="lt1"/>
+              </a:solidFill>
+              <a:latin typeface="Calibri"/>
+              <a:ea typeface="DejaVu Sans"/>
+            </a:endParaRPr>
+          </a:p>
+        </p:txBody>
+      </p:sp>
+      <p:sp>
+        <p:nvSpPr>
+          <p:cNvPr id="316" name="Rectangle 89"/>
+          <p:cNvSpPr/>
+          <p:nvPr/>
+        </p:nvSpPr>
+        <p:spPr>
+          <a:xfrm>
+            <a:off x="7315200" y="0"/>
+            <a:ext cx="17280" cy="6856920"/>
+          </a:xfrm>
+          <a:prstGeom prst="rect">
+            <a:avLst/>
+          </a:prstGeom>
+          <a:solidFill>
+            <a:srgbClr val="121216"/>
+          </a:solidFill>
+          <a:ln>
+            <a:noFill/>
+          </a:ln>
+          <a:effectLst>
+            <a:outerShdw blurRad="39960" dir="5400000" dist="23040" rotWithShape="0">
+              <a:srgbClr val="000000">
+                <a:alpha val="35000"/>
+              </a:srgbClr>
+            </a:outerShdw>
+          </a:effectLst>
+        </p:spPr>
+        <p:style>
+          <a:lnRef idx="1">
+            <a:schemeClr val="accent1"/>
+          </a:lnRef>
+          <a:fillRef idx="3">
+            <a:schemeClr val="accent1"/>
+          </a:fillRef>
+          <a:effectRef idx="2">
+            <a:schemeClr val="accent1"/>
+          </a:effectRef>
+          <a:fontRef idx="minor"/>
+        </p:style>
+        <p:txBody>
+          <a:bodyPr lIns="90000" rIns="90000" tIns="45000" bIns="45000" anchor="ctr">
+            <a:noAutofit/>
+          </a:bodyPr>
+          <a:p>
+            <a:endParaRPr b="0" lang="en-US" sz="1800" spc="-1" strike="noStrike">
+              <a:solidFill>
+                <a:schemeClr val="lt1"/>
+              </a:solidFill>
+              <a:latin typeface="Calibri"/>
+              <a:ea typeface="DejaVu Sans"/>
+            </a:endParaRPr>
+          </a:p>
+        </p:txBody>
+      </p:sp>
+      <p:sp>
+        <p:nvSpPr>
+          <p:cNvPr id="317" name="Rectangle 90"/>
+          <p:cNvSpPr/>
+          <p:nvPr/>
+        </p:nvSpPr>
+        <p:spPr>
+          <a:xfrm>
+            <a:off x="8229600" y="0"/>
+            <a:ext cx="17280" cy="6856920"/>
+          </a:xfrm>
+          <a:prstGeom prst="rect">
+            <a:avLst/>
+          </a:prstGeom>
+          <a:solidFill>
+            <a:srgbClr val="121216"/>
+          </a:solidFill>
+          <a:ln>
+            <a:noFill/>
+          </a:ln>
+          <a:effectLst>
+            <a:outerShdw blurRad="39960" dir="5400000" dist="23040" rotWithShape="0">
+              <a:srgbClr val="000000">
+                <a:alpha val="35000"/>
+              </a:srgbClr>
+            </a:outerShdw>
+          </a:effectLst>
+        </p:spPr>
+        <p:style>
+          <a:lnRef idx="1">
+            <a:schemeClr val="accent1"/>
+          </a:lnRef>
+          <a:fillRef idx="3">
+            <a:schemeClr val="accent1"/>
+          </a:fillRef>
+          <a:effectRef idx="2">
+            <a:schemeClr val="accent1"/>
+          </a:effectRef>
+          <a:fontRef idx="minor"/>
+        </p:style>
+        <p:txBody>
+          <a:bodyPr lIns="90000" rIns="90000" tIns="45000" bIns="45000" anchor="ctr">
+            <a:noAutofit/>
+          </a:bodyPr>
+          <a:p>
+            <a:endParaRPr b="0" lang="en-US" sz="1800" spc="-1" strike="noStrike">
+              <a:solidFill>
+                <a:schemeClr val="lt1"/>
+              </a:solidFill>
+              <a:latin typeface="Calibri"/>
+              <a:ea typeface="DejaVu Sans"/>
+            </a:endParaRPr>
+          </a:p>
+        </p:txBody>
+      </p:sp>
+      <p:sp>
+        <p:nvSpPr>
+          <p:cNvPr id="318" name="Rectangle 91"/>
+          <p:cNvSpPr/>
+          <p:nvPr/>
+        </p:nvSpPr>
+        <p:spPr>
+          <a:xfrm>
+            <a:off x="9144000" y="0"/>
+            <a:ext cx="17280" cy="6856920"/>
+          </a:xfrm>
+          <a:prstGeom prst="rect">
+            <a:avLst/>
+          </a:prstGeom>
+          <a:solidFill>
+            <a:srgbClr val="121216"/>
+          </a:solidFill>
+          <a:ln>
+            <a:noFill/>
+          </a:ln>
+          <a:effectLst>
+            <a:outerShdw blurRad="39960" dir="5400000" dist="23040" rotWithShape="0">
+              <a:srgbClr val="000000">
+                <a:alpha val="35000"/>
+              </a:srgbClr>
+            </a:outerShdw>
+          </a:effectLst>
+        </p:spPr>
+        <p:style>
+          <a:lnRef idx="1">
+            <a:schemeClr val="accent1"/>
+          </a:lnRef>
+          <a:fillRef idx="3">
+            <a:schemeClr val="accent1"/>
+          </a:fillRef>
+          <a:effectRef idx="2">
+            <a:schemeClr val="accent1"/>
+          </a:effectRef>
+          <a:fontRef idx="minor"/>
+        </p:style>
+        <p:txBody>
+          <a:bodyPr lIns="90000" rIns="90000" tIns="45000" bIns="45000" anchor="ctr">
+            <a:noAutofit/>
+          </a:bodyPr>
+          <a:p>
+            <a:endParaRPr b="0" lang="en-US" sz="1800" spc="-1" strike="noStrike">
+              <a:solidFill>
+                <a:schemeClr val="lt1"/>
+              </a:solidFill>
+              <a:latin typeface="Calibri"/>
+              <a:ea typeface="DejaVu Sans"/>
+            </a:endParaRPr>
+          </a:p>
+        </p:txBody>
+      </p:sp>
+      <p:sp>
+        <p:nvSpPr>
+          <p:cNvPr id="319" name="Rectangle 92"/>
+          <p:cNvSpPr/>
+          <p:nvPr/>
+        </p:nvSpPr>
+        <p:spPr>
+          <a:xfrm>
+            <a:off x="10058400" y="0"/>
+            <a:ext cx="17280" cy="6856920"/>
+          </a:xfrm>
+          <a:prstGeom prst="rect">
+            <a:avLst/>
+          </a:prstGeom>
+          <a:solidFill>
+            <a:srgbClr val="121216"/>
+          </a:solidFill>
+          <a:ln>
+            <a:noFill/>
+          </a:ln>
+          <a:effectLst>
+            <a:outerShdw blurRad="39960" dir="5400000" dist="23040" rotWithShape="0">
+              <a:srgbClr val="000000">
+                <a:alpha val="35000"/>
+              </a:srgbClr>
+            </a:outerShdw>
+          </a:effectLst>
+        </p:spPr>
+        <p:style>
+          <a:lnRef idx="1">
+            <a:schemeClr val="accent1"/>
+          </a:lnRef>
+          <a:fillRef idx="3">
+            <a:schemeClr val="accent1"/>
+          </a:fillRef>
+          <a:effectRef idx="2">
+            <a:schemeClr val="accent1"/>
+          </a:effectRef>
+          <a:fontRef idx="minor"/>
+        </p:style>
+        <p:txBody>
+          <a:bodyPr lIns="90000" rIns="90000" tIns="45000" bIns="45000" anchor="ctr">
+            <a:noAutofit/>
+          </a:bodyPr>
+          <a:p>
+            <a:endParaRPr b="0" lang="en-US" sz="1800" spc="-1" strike="noStrike">
+              <a:solidFill>
+                <a:schemeClr val="lt1"/>
+              </a:solidFill>
+              <a:latin typeface="Calibri"/>
+              <a:ea typeface="DejaVu Sans"/>
+            </a:endParaRPr>
+          </a:p>
+        </p:txBody>
+      </p:sp>
+      <p:sp>
+        <p:nvSpPr>
+          <p:cNvPr id="320" name="Rectangle 93"/>
+          <p:cNvSpPr/>
+          <p:nvPr/>
+        </p:nvSpPr>
+        <p:spPr>
+          <a:xfrm>
+            <a:off x="10972800" y="0"/>
+            <a:ext cx="17280" cy="6856920"/>
+          </a:xfrm>
+          <a:prstGeom prst="rect">
+            <a:avLst/>
+          </a:prstGeom>
+          <a:solidFill>
+            <a:srgbClr val="121216"/>
+          </a:solidFill>
+          <a:ln>
+            <a:noFill/>
+          </a:ln>
+          <a:effectLst>
+            <a:outerShdw blurRad="39960" dir="5400000" dist="23040" rotWithShape="0">
+              <a:srgbClr val="000000">
+                <a:alpha val="35000"/>
+              </a:srgbClr>
+            </a:outerShdw>
+          </a:effectLst>
+        </p:spPr>
+        <p:style>
+          <a:lnRef idx="1">
+            <a:schemeClr val="accent1"/>
+          </a:lnRef>
+          <a:fillRef idx="3">
+            <a:schemeClr val="accent1"/>
+          </a:fillRef>
+          <a:effectRef idx="2">
+            <a:schemeClr val="accent1"/>
+          </a:effectRef>
+          <a:fontRef idx="minor"/>
+        </p:style>
+        <p:txBody>
+          <a:bodyPr lIns="90000" rIns="90000" tIns="45000" bIns="45000" anchor="ctr">
+            <a:noAutofit/>
+          </a:bodyPr>
+          <a:p>
+            <a:endParaRPr b="0" lang="en-US" sz="1800" spc="-1" strike="noStrike">
+              <a:solidFill>
+                <a:schemeClr val="lt1"/>
+              </a:solidFill>
+              <a:latin typeface="Calibri"/>
+              <a:ea typeface="DejaVu Sans"/>
+            </a:endParaRPr>
+          </a:p>
+        </p:txBody>
+      </p:sp>
+      <p:sp>
+        <p:nvSpPr>
+          <p:cNvPr id="321" name="Rectangle 94"/>
+          <p:cNvSpPr/>
+          <p:nvPr/>
+        </p:nvSpPr>
+        <p:spPr>
+          <a:xfrm>
+            <a:off x="11887200" y="0"/>
+            <a:ext cx="17280" cy="6856920"/>
+          </a:xfrm>
+          <a:prstGeom prst="rect">
+            <a:avLst/>
+          </a:prstGeom>
+          <a:solidFill>
+            <a:srgbClr val="121216"/>
+          </a:solidFill>
+          <a:ln>
+            <a:noFill/>
+          </a:ln>
+          <a:effectLst>
+            <a:outerShdw blurRad="39960" dir="5400000" dist="23040" rotWithShape="0">
+              <a:srgbClr val="000000">
+                <a:alpha val="35000"/>
+              </a:srgbClr>
+            </a:outerShdw>
+          </a:effectLst>
+        </p:spPr>
+        <p:style>
+          <a:lnRef idx="1">
+            <a:schemeClr val="accent1"/>
+          </a:lnRef>
+          <a:fillRef idx="3">
+            <a:schemeClr val="accent1"/>
+          </a:fillRef>
+          <a:effectRef idx="2">
+            <a:schemeClr val="accent1"/>
+          </a:effectRef>
+          <a:fontRef idx="minor"/>
+        </p:style>
+        <p:txBody>
+          <a:bodyPr lIns="90000" rIns="90000" tIns="45000" bIns="45000" anchor="ctr">
+            <a:noAutofit/>
+          </a:bodyPr>
+          <a:p>
+            <a:endParaRPr b="0" lang="en-US" sz="1800" spc="-1" strike="noStrike">
+              <a:solidFill>
+                <a:schemeClr val="lt1"/>
+              </a:solidFill>
+              <a:latin typeface="Calibri"/>
+              <a:ea typeface="DejaVu Sans"/>
+            </a:endParaRPr>
+          </a:p>
+        </p:txBody>
+      </p:sp>
+      <p:sp>
+        <p:nvSpPr>
+          <p:cNvPr id="322" name="Rectangle 95"/>
+          <p:cNvSpPr/>
+          <p:nvPr/>
+        </p:nvSpPr>
+        <p:spPr>
+          <a:xfrm>
+            <a:off x="0" y="0"/>
+            <a:ext cx="318960" cy="6856920"/>
+          </a:xfrm>
+          <a:prstGeom prst="rect">
+            <a:avLst/>
+          </a:prstGeom>
+          <a:solidFill>
+            <a:srgbClr val="ff8c00"/>
+          </a:solidFill>
+          <a:ln>
+            <a:noFill/>
+          </a:ln>
+          <a:effectLst>
+            <a:outerShdw blurRad="39960" dir="5400000" dist="23040" rotWithShape="0">
+              <a:srgbClr val="000000">
+                <a:alpha val="35000"/>
+              </a:srgbClr>
+            </a:outerShdw>
+          </a:effectLst>
+        </p:spPr>
+        <p:style>
+          <a:lnRef idx="1">
+            <a:schemeClr val="accent1"/>
+          </a:lnRef>
+          <a:fillRef idx="3">
+            <a:schemeClr val="accent1"/>
+          </a:fillRef>
+          <a:effectRef idx="2">
+            <a:schemeClr val="accent1"/>
+          </a:effectRef>
+          <a:fontRef idx="minor"/>
+        </p:style>
+        <p:txBody>
+          <a:bodyPr lIns="90000" rIns="90000" tIns="45000" bIns="45000" anchor="ctr">
+            <a:noAutofit/>
+          </a:bodyPr>
+          <a:p>
+            <a:endParaRPr b="0" lang="en-US" sz="1800" spc="-1" strike="noStrike">
+              <a:solidFill>
+                <a:schemeClr val="lt1"/>
+              </a:solidFill>
+              <a:latin typeface="Calibri"/>
+              <a:ea typeface="DejaVu Sans"/>
+            </a:endParaRPr>
+          </a:p>
+        </p:txBody>
+      </p:sp>
+      <p:sp>
+        <p:nvSpPr>
+          <p:cNvPr id="323" name="Rounded Rectangle 36"/>
+          <p:cNvSpPr/>
+          <p:nvPr/>
+        </p:nvSpPr>
+        <p:spPr>
+          <a:xfrm>
+            <a:off x="9875520" y="365760"/>
+            <a:ext cx="2010600" cy="501840"/>
+          </a:xfrm>
+          <a:prstGeom prst="roundRect">
+            <a:avLst>
+              <a:gd name="adj" fmla="val 16667"/>
+            </a:avLst>
+          </a:prstGeom>
+          <a:solidFill>
+            <a:srgbClr val="1e1e24"/>
+          </a:solidFill>
+          <a:ln>
+            <a:solidFill>
+              <a:srgbClr val="ff8c00"/>
+            </a:solidFill>
+            <a:round/>
+          </a:ln>
+          <a:effectLst>
+            <a:outerShdw blurRad="39960" dir="5400000" dist="23040" rotWithShape="0">
+              <a:srgbClr val="000000">
+                <a:alpha val="35000"/>
+              </a:srgbClr>
+            </a:outerShdw>
+          </a:effectLst>
+        </p:spPr>
+        <p:style>
+          <a:lnRef idx="1">
+            <a:schemeClr val="accent1"/>
+          </a:lnRef>
+          <a:fillRef idx="3">
+            <a:schemeClr val="accent1"/>
+          </a:fillRef>
+          <a:effectRef idx="2">
+            <a:schemeClr val="accent1"/>
+          </a:effectRef>
+          <a:fontRef idx="minor"/>
+        </p:style>
+        <p:txBody>
+          <a:bodyPr lIns="90000" rIns="90000" tIns="45000" bIns="45000" anchor="ctr">
+            <a:noAutofit/>
+          </a:bodyPr>
+          <a:p>
+            <a:pPr algn="ctr">
+              <a:lnSpc>
+                <a:spcPct val="100000"/>
+              </a:lnSpc>
+            </a:pPr>
+            <a:r>
+              <a:rPr b="1" lang="en-US" sz="1400" spc="-1" strike="noStrike">
+                <a:solidFill>
+                  <a:srgbClr val="ffb45a"/>
+                </a:solidFill>
+                <a:latin typeface="Calibri"/>
+                <a:ea typeface="DejaVu Sans"/>
+              </a:rPr>
+              <a:t>JAVA CORE</a:t>
+            </a:r>
+            <a:endParaRPr b="0" lang="en-US" sz="1400" spc="-1" strike="noStrike">
+              <a:solidFill>
+                <a:srgbClr val="ffffff"/>
+              </a:solidFill>
+              <a:latin typeface="Arial"/>
+            </a:endParaRPr>
+          </a:p>
+        </p:txBody>
+      </p:sp>
+      <p:sp>
+        <p:nvSpPr>
+          <p:cNvPr id="324" name="TextBox 13"/>
+          <p:cNvSpPr/>
+          <p:nvPr/>
+        </p:nvSpPr>
+        <p:spPr>
+          <a:xfrm>
+            <a:off x="1889280" y="1005840"/>
+            <a:ext cx="7193160" cy="820800"/>
+          </a:xfrm>
+          <a:prstGeom prst="rect">
+            <a:avLst/>
+          </a:prstGeom>
+          <a:noFill/>
+          <a:ln w="0">
+            <a:noFill/>
+          </a:ln>
+        </p:spPr>
+        <p:style>
+          <a:lnRef idx="0"/>
+          <a:fillRef idx="0"/>
+          <a:effectRef idx="0"/>
+          <a:fontRef idx="minor"/>
+        </p:style>
+        <p:txBody>
+          <a:bodyPr wrap="none" lIns="90000" rIns="90000" tIns="45000" bIns="45000" anchor="t">
+            <a:spAutoFit/>
+          </a:bodyPr>
+          <a:p>
+            <a:pPr>
+              <a:lnSpc>
+                <a:spcPct val="100000"/>
+              </a:lnSpc>
+            </a:pPr>
+            <a:r>
+              <a:rPr b="1" lang="en-US" sz="4800" spc="-1" strike="noStrike">
+                <a:solidFill>
+                  <a:srgbClr val="f5f5f5"/>
+                </a:solidFill>
+                <a:latin typeface="Calibri"/>
+                <a:ea typeface="DejaVu Sans"/>
+              </a:rPr>
+              <a:t>JAVA ENVIRONMENT SETUP</a:t>
+            </a:r>
+            <a:endParaRPr b="0" lang="en-US" sz="4800" spc="-1" strike="noStrike">
+              <a:solidFill>
+                <a:srgbClr val="000000"/>
+              </a:solidFill>
+              <a:latin typeface="Arial"/>
+            </a:endParaRPr>
+          </a:p>
+        </p:txBody>
+      </p:sp>
+      <p:sp>
+        <p:nvSpPr>
+          <p:cNvPr id="325" name="TextBox 14"/>
+          <p:cNvSpPr/>
+          <p:nvPr/>
+        </p:nvSpPr>
+        <p:spPr>
+          <a:xfrm>
+            <a:off x="591840" y="2194560"/>
+            <a:ext cx="9788400" cy="379080"/>
+          </a:xfrm>
+          <a:prstGeom prst="rect">
+            <a:avLst/>
+          </a:prstGeom>
+          <a:noFill/>
+          <a:ln w="0">
+            <a:noFill/>
+          </a:ln>
+        </p:spPr>
+        <p:style>
+          <a:lnRef idx="0"/>
+          <a:fillRef idx="0"/>
+          <a:effectRef idx="0"/>
+          <a:fontRef idx="minor"/>
+        </p:style>
+        <p:txBody>
+          <a:bodyPr wrap="none" lIns="90000" rIns="90000" tIns="45000" bIns="45000" anchor="t">
+            <a:spAutoFit/>
+          </a:bodyPr>
+          <a:p>
+            <a:pPr>
+              <a:lnSpc>
+                <a:spcPct val="100000"/>
+              </a:lnSpc>
+            </a:pPr>
+            <a:r>
+              <a:rPr b="0" lang="en-US" sz="1900" spc="-1" strike="noStrike">
+                <a:solidFill>
+                  <a:srgbClr val="aaaaaa"/>
+                </a:solidFill>
+                <a:latin typeface="Calibri"/>
+                <a:ea typeface="DejaVu Sans"/>
+              </a:rPr>
+              <a:t>Sets up your system to compile and run Java by installing the JDK and configuring system variables.</a:t>
+            </a:r>
+            <a:endParaRPr b="0" lang="en-US" sz="1900" spc="-1" strike="noStrike">
+              <a:solidFill>
+                <a:srgbClr val="000000"/>
+              </a:solidFill>
+              <a:latin typeface="Arial"/>
+            </a:endParaRPr>
+          </a:p>
+        </p:txBody>
+      </p:sp>
+      <p:sp>
+        <p:nvSpPr>
+          <p:cNvPr id="326" name="Rounded Rectangle 37"/>
+          <p:cNvSpPr/>
+          <p:nvPr/>
+        </p:nvSpPr>
+        <p:spPr>
+          <a:xfrm>
+            <a:off x="987480" y="3182040"/>
+            <a:ext cx="3290760" cy="2742120"/>
+          </a:xfrm>
+          <a:prstGeom prst="roundRect">
+            <a:avLst>
+              <a:gd name="adj" fmla="val 16667"/>
+            </a:avLst>
+          </a:prstGeom>
+          <a:solidFill>
+            <a:srgbClr val="08080a"/>
+          </a:solidFill>
+          <a:ln>
+            <a:noFill/>
+          </a:ln>
+          <a:effectLst>
+            <a:outerShdw blurRad="39960" dir="5400000" dist="23040" rotWithShape="0">
+              <a:srgbClr val="000000">
+                <a:alpha val="35000"/>
+              </a:srgbClr>
+            </a:outerShdw>
+          </a:effectLst>
+        </p:spPr>
+        <p:style>
+          <a:lnRef idx="1">
+            <a:schemeClr val="accent1"/>
+          </a:lnRef>
+          <a:fillRef idx="3">
+            <a:schemeClr val="accent1"/>
+          </a:fillRef>
+          <a:effectRef idx="2">
+            <a:schemeClr val="accent1"/>
+          </a:effectRef>
+          <a:fontRef idx="minor"/>
+        </p:style>
+        <p:txBody>
+          <a:bodyPr lIns="90000" rIns="90000" tIns="45000" bIns="45000" anchor="ctr">
+            <a:noAutofit/>
+          </a:bodyPr>
+          <a:p>
+            <a:endParaRPr b="0" lang="en-US" sz="1800" spc="-1" strike="noStrike">
+              <a:solidFill>
+                <a:schemeClr val="lt1"/>
+              </a:solidFill>
+              <a:latin typeface="Calibri"/>
+              <a:ea typeface="DejaVu Sans"/>
+            </a:endParaRPr>
+          </a:p>
+        </p:txBody>
+      </p:sp>
+      <p:sp>
+        <p:nvSpPr>
+          <p:cNvPr id="327" name="Rounded Rectangle 38"/>
+          <p:cNvSpPr/>
+          <p:nvPr/>
+        </p:nvSpPr>
+        <p:spPr>
+          <a:xfrm>
+            <a:off x="914400" y="3108960"/>
+            <a:ext cx="3290760" cy="2742120"/>
+          </a:xfrm>
+          <a:prstGeom prst="roundRect">
+            <a:avLst>
+              <a:gd name="adj" fmla="val 16667"/>
+            </a:avLst>
+          </a:prstGeom>
+          <a:solidFill>
+            <a:srgbClr val="16161c"/>
+          </a:solidFill>
+          <a:ln>
+            <a:solidFill>
+              <a:srgbClr val="464655"/>
+            </a:solidFill>
+            <a:round/>
+          </a:ln>
+          <a:effectLst>
+            <a:outerShdw blurRad="39960" dir="5400000" dist="23040" rotWithShape="0">
+              <a:srgbClr val="000000">
+                <a:alpha val="35000"/>
+              </a:srgbClr>
+            </a:outerShdw>
+          </a:effectLst>
+        </p:spPr>
+        <p:style>
+          <a:lnRef idx="1">
+            <a:schemeClr val="accent1"/>
+          </a:lnRef>
+          <a:fillRef idx="3">
+            <a:schemeClr val="accent1"/>
+          </a:fillRef>
+          <a:effectRef idx="2">
+            <a:schemeClr val="accent1"/>
+          </a:effectRef>
+          <a:fontRef idx="minor"/>
+        </p:style>
+        <p:txBody>
+          <a:bodyPr lIns="90000" rIns="90000" tIns="45000" bIns="45000" anchor="ctr">
+            <a:noAutofit/>
+          </a:bodyPr>
+          <a:p>
+            <a:pPr>
+              <a:lnSpc>
+                <a:spcPct val="100000"/>
+              </a:lnSpc>
+            </a:pPr>
+            <a:r>
+              <a:rPr b="1" lang="en-US" sz="1400" spc="-1" strike="noStrike">
+                <a:solidFill>
+                  <a:schemeClr val="lt1"/>
+                </a:solidFill>
+                <a:latin typeface="Calibri"/>
+                <a:ea typeface="DejaVu Sans"/>
+              </a:rPr>
+              <a:t>JDK (Java Development Kit) includes compiler (javac) and runtime (java).</a:t>
+            </a:r>
+            <a:endParaRPr b="1" lang="en-US" sz="1400" spc="-1" strike="noStrike">
+              <a:solidFill>
+                <a:srgbClr val="ffffff"/>
+              </a:solidFill>
+              <a:latin typeface="Arial"/>
+            </a:endParaRPr>
+          </a:p>
+          <a:p>
+            <a:pPr>
+              <a:lnSpc>
+                <a:spcPct val="100000"/>
+              </a:lnSpc>
+            </a:pPr>
+            <a:endParaRPr b="1" lang="en-US" sz="1400" spc="-1" strike="noStrike">
+              <a:solidFill>
+                <a:srgbClr val="ffffff"/>
+              </a:solidFill>
+              <a:latin typeface="Arial"/>
+            </a:endParaRPr>
+          </a:p>
+          <a:p>
+            <a:pPr>
+              <a:lnSpc>
+                <a:spcPct val="100000"/>
+              </a:lnSpc>
+            </a:pPr>
+            <a:r>
+              <a:rPr b="1" lang="en-US" sz="1400" spc="-1" strike="noStrike">
+                <a:solidFill>
+                  <a:schemeClr val="lt1"/>
+                </a:solidFill>
+                <a:latin typeface="Calibri"/>
+                <a:ea typeface="DejaVu Sans"/>
+              </a:rPr>
+              <a:t>System variables like PATH and JAVA_HOME allow the command line to find Java.</a:t>
+            </a:r>
+            <a:endParaRPr b="1" lang="en-US" sz="1400" spc="-1" strike="noStrike">
+              <a:solidFill>
+                <a:srgbClr val="ffffff"/>
+              </a:solidFill>
+              <a:latin typeface="Arial"/>
+            </a:endParaRPr>
+          </a:p>
+          <a:p>
+            <a:pPr>
+              <a:lnSpc>
+                <a:spcPct val="100000"/>
+              </a:lnSpc>
+            </a:pPr>
+            <a:endParaRPr b="1" lang="en-US" sz="1400" spc="-1" strike="noStrike">
+              <a:solidFill>
+                <a:srgbClr val="ffffff"/>
+              </a:solidFill>
+              <a:latin typeface="Arial"/>
+            </a:endParaRPr>
+          </a:p>
+          <a:p>
+            <a:pPr>
+              <a:lnSpc>
+                <a:spcPct val="100000"/>
+              </a:lnSpc>
+            </a:pPr>
+            <a:r>
+              <a:rPr b="1" lang="en-US" sz="1400" spc="-1" strike="noStrike">
+                <a:solidFill>
+                  <a:schemeClr val="lt1"/>
+                </a:solidFill>
+                <a:latin typeface="Calibri"/>
+                <a:ea typeface="DejaVu Sans"/>
+              </a:rPr>
+              <a:t>Proper setup ensures Java programs can be compiled and executed anywhere on the system.</a:t>
+            </a:r>
+            <a:endParaRPr b="1" lang="en-US" sz="1400" spc="-1" strike="noStrike">
+              <a:solidFill>
+                <a:srgbClr val="ffffff"/>
+              </a:solidFill>
+              <a:latin typeface="Arial"/>
+            </a:endParaRPr>
+          </a:p>
+        </p:txBody>
+      </p:sp>
+      <p:sp>
+        <p:nvSpPr>
+          <p:cNvPr id="328" name="Rounded Rectangle 39"/>
+          <p:cNvSpPr/>
+          <p:nvPr/>
+        </p:nvSpPr>
+        <p:spPr>
+          <a:xfrm>
+            <a:off x="4507920" y="3182040"/>
+            <a:ext cx="3290760" cy="2742120"/>
+          </a:xfrm>
+          <a:prstGeom prst="roundRect">
+            <a:avLst>
+              <a:gd name="adj" fmla="val 16667"/>
+            </a:avLst>
+          </a:prstGeom>
+          <a:solidFill>
+            <a:srgbClr val="08080a"/>
+          </a:solidFill>
+          <a:ln>
+            <a:noFill/>
+          </a:ln>
+          <a:effectLst>
+            <a:outerShdw blurRad="39960" dir="5400000" dist="23040" rotWithShape="0">
+              <a:srgbClr val="000000">
+                <a:alpha val="35000"/>
+              </a:srgbClr>
+            </a:outerShdw>
+          </a:effectLst>
+        </p:spPr>
+        <p:style>
+          <a:lnRef idx="1">
+            <a:schemeClr val="accent1"/>
+          </a:lnRef>
+          <a:fillRef idx="3">
+            <a:schemeClr val="accent1"/>
+          </a:fillRef>
+          <a:effectRef idx="2">
+            <a:schemeClr val="accent1"/>
+          </a:effectRef>
+          <a:fontRef idx="minor"/>
+        </p:style>
+        <p:txBody>
+          <a:bodyPr lIns="90000" rIns="90000" tIns="45000" bIns="45000" anchor="ctr">
+            <a:noAutofit/>
+          </a:bodyPr>
+          <a:p>
+            <a:endParaRPr b="0" lang="en-US" sz="1800" spc="-1" strike="noStrike">
+              <a:solidFill>
+                <a:schemeClr val="lt1"/>
+              </a:solidFill>
+              <a:latin typeface="Calibri"/>
+              <a:ea typeface="DejaVu Sans"/>
+            </a:endParaRPr>
+          </a:p>
+        </p:txBody>
+      </p:sp>
+      <p:sp>
+        <p:nvSpPr>
+          <p:cNvPr id="329" name="Rounded Rectangle 40"/>
+          <p:cNvSpPr/>
+          <p:nvPr/>
+        </p:nvSpPr>
+        <p:spPr>
+          <a:xfrm>
+            <a:off x="4434840" y="3108960"/>
+            <a:ext cx="3290760" cy="2742120"/>
+          </a:xfrm>
+          <a:prstGeom prst="roundRect">
+            <a:avLst>
+              <a:gd name="adj" fmla="val 16667"/>
+            </a:avLst>
+          </a:prstGeom>
+          <a:solidFill>
+            <a:srgbClr val="16161c"/>
+          </a:solidFill>
+          <a:ln>
+            <a:solidFill>
+              <a:srgbClr val="464655"/>
+            </a:solidFill>
+            <a:round/>
+          </a:ln>
+          <a:effectLst>
+            <a:outerShdw blurRad="39960" dir="5400000" dist="23040" rotWithShape="0">
+              <a:srgbClr val="000000">
+                <a:alpha val="35000"/>
+              </a:srgbClr>
+            </a:outerShdw>
+          </a:effectLst>
+        </p:spPr>
+        <p:style>
+          <a:lnRef idx="1">
+            <a:schemeClr val="accent1"/>
+          </a:lnRef>
+          <a:fillRef idx="3">
+            <a:schemeClr val="accent1"/>
+          </a:fillRef>
+          <a:effectRef idx="2">
+            <a:schemeClr val="accent1"/>
+          </a:effectRef>
+          <a:fontRef idx="minor"/>
+        </p:style>
+        <p:txBody>
+          <a:bodyPr lIns="90000" rIns="90000" tIns="45000" bIns="45000" anchor="ctr">
+            <a:noAutofit/>
+          </a:bodyPr>
+          <a:p>
+            <a:pPr>
+              <a:lnSpc>
+                <a:spcPct val="100000"/>
+              </a:lnSpc>
+            </a:pPr>
+            <a:r>
+              <a:rPr b="0" lang="en-US" sz="1800" spc="-1" strike="noStrike">
+                <a:solidFill>
+                  <a:schemeClr val="lt1"/>
+                </a:solidFill>
+                <a:latin typeface="Calibri"/>
+                <a:ea typeface="DejaVu Sans"/>
+              </a:rPr>
+              <a:t>Download JDK →</a:t>
+            </a:r>
+            <a:endParaRPr b="0" lang="en-US" sz="1800" spc="-1" strike="noStrike">
+              <a:solidFill>
+                <a:srgbClr val="ffffff"/>
+              </a:solidFill>
+              <a:latin typeface="Arial"/>
+            </a:endParaRPr>
+          </a:p>
+          <a:p>
+            <a:pPr>
+              <a:lnSpc>
+                <a:spcPct val="100000"/>
+              </a:lnSpc>
+            </a:pPr>
+            <a:endParaRPr b="0" lang="en-US" sz="1800" spc="-1" strike="noStrike">
+              <a:solidFill>
+                <a:srgbClr val="ffffff"/>
+              </a:solidFill>
+              <a:latin typeface="Arial"/>
+            </a:endParaRPr>
+          </a:p>
+          <a:p>
+            <a:pPr>
+              <a:lnSpc>
+                <a:spcPct val="100000"/>
+              </a:lnSpc>
+            </a:pPr>
+            <a:r>
+              <a:rPr b="0" lang="en-US" sz="1800" spc="-1" strike="noStrike">
+                <a:solidFill>
+                  <a:schemeClr val="lt1"/>
+                </a:solidFill>
+                <a:latin typeface="Calibri"/>
+                <a:ea typeface="DejaVu Sans"/>
+              </a:rPr>
+              <a:t>Install on your computer →</a:t>
+            </a:r>
+            <a:endParaRPr b="0" lang="en-US" sz="1800" spc="-1" strike="noStrike">
+              <a:solidFill>
+                <a:srgbClr val="ffffff"/>
+              </a:solidFill>
+              <a:latin typeface="Arial"/>
+            </a:endParaRPr>
+          </a:p>
+          <a:p>
+            <a:pPr>
+              <a:lnSpc>
+                <a:spcPct val="100000"/>
+              </a:lnSpc>
+            </a:pPr>
+            <a:endParaRPr b="0" lang="en-US" sz="1800" spc="-1" strike="noStrike">
+              <a:solidFill>
+                <a:srgbClr val="ffffff"/>
+              </a:solidFill>
+              <a:latin typeface="Arial"/>
+            </a:endParaRPr>
+          </a:p>
+          <a:p>
+            <a:pPr>
+              <a:lnSpc>
+                <a:spcPct val="100000"/>
+              </a:lnSpc>
+            </a:pPr>
+            <a:r>
+              <a:rPr b="0" lang="en-US" sz="1800" spc="-1" strike="noStrike">
+                <a:solidFill>
+                  <a:schemeClr val="lt1"/>
+                </a:solidFill>
+                <a:latin typeface="Calibri"/>
+                <a:ea typeface="DejaVu Sans"/>
+              </a:rPr>
+              <a:t>Set JAVA_HOME →</a:t>
+            </a:r>
+            <a:endParaRPr b="0" lang="en-US" sz="1800" spc="-1" strike="noStrike">
+              <a:solidFill>
+                <a:srgbClr val="ffffff"/>
+              </a:solidFill>
+              <a:latin typeface="Arial"/>
+            </a:endParaRPr>
+          </a:p>
+          <a:p>
+            <a:pPr>
+              <a:lnSpc>
+                <a:spcPct val="100000"/>
+              </a:lnSpc>
+            </a:pPr>
+            <a:endParaRPr b="0" lang="en-US" sz="1800" spc="-1" strike="noStrike">
+              <a:solidFill>
+                <a:srgbClr val="ffffff"/>
+              </a:solidFill>
+              <a:latin typeface="Arial"/>
+            </a:endParaRPr>
+          </a:p>
+          <a:p>
+            <a:pPr>
+              <a:lnSpc>
+                <a:spcPct val="100000"/>
+              </a:lnSpc>
+            </a:pPr>
+            <a:r>
+              <a:rPr b="0" lang="en-US" sz="1800" spc="-1" strike="noStrike">
+                <a:solidFill>
+                  <a:schemeClr val="lt1"/>
+                </a:solidFill>
+                <a:latin typeface="Calibri"/>
+                <a:ea typeface="DejaVu Sans"/>
+              </a:rPr>
+              <a:t>Add JDK bin to PATH →</a:t>
+            </a:r>
+            <a:endParaRPr b="0" lang="en-US" sz="1800" spc="-1" strike="noStrike">
+              <a:solidFill>
+                <a:srgbClr val="ffffff"/>
+              </a:solidFill>
+              <a:latin typeface="Arial"/>
+            </a:endParaRPr>
+          </a:p>
+          <a:p>
+            <a:pPr>
+              <a:lnSpc>
+                <a:spcPct val="100000"/>
+              </a:lnSpc>
+            </a:pPr>
+            <a:endParaRPr b="0" lang="en-US" sz="1800" spc="-1" strike="noStrike">
+              <a:solidFill>
+                <a:srgbClr val="ffffff"/>
+              </a:solidFill>
+              <a:latin typeface="Arial"/>
+            </a:endParaRPr>
+          </a:p>
+          <a:p>
+            <a:pPr>
+              <a:lnSpc>
+                <a:spcPct val="100000"/>
+              </a:lnSpc>
+            </a:pPr>
+            <a:r>
+              <a:rPr b="0" lang="en-US" sz="1800" spc="-1" strike="noStrike">
+                <a:solidFill>
+                  <a:schemeClr val="lt1"/>
+                </a:solidFill>
+                <a:latin typeface="Calibri"/>
+                <a:ea typeface="DejaVu Sans"/>
+              </a:rPr>
+              <a:t>Verify with terminal</a:t>
+            </a:r>
+            <a:endParaRPr b="0" lang="en-US" sz="1800" spc="-1" strike="noStrike">
+              <a:solidFill>
+                <a:srgbClr val="ffffff"/>
+              </a:solidFill>
+              <a:latin typeface="Arial"/>
+            </a:endParaRPr>
+          </a:p>
+        </p:txBody>
+      </p:sp>
+      <p:sp>
+        <p:nvSpPr>
+          <p:cNvPr id="330" name="Rounded Rectangle 41"/>
+          <p:cNvSpPr/>
+          <p:nvPr/>
+        </p:nvSpPr>
+        <p:spPr>
+          <a:xfrm>
+            <a:off x="8028360" y="3182040"/>
+            <a:ext cx="3290760" cy="2742120"/>
+          </a:xfrm>
+          <a:prstGeom prst="roundRect">
+            <a:avLst>
+              <a:gd name="adj" fmla="val 16667"/>
+            </a:avLst>
+          </a:prstGeom>
+          <a:solidFill>
+            <a:srgbClr val="08080a"/>
+          </a:solidFill>
+          <a:ln>
+            <a:noFill/>
+          </a:ln>
+          <a:effectLst>
+            <a:outerShdw blurRad="39960" dir="5400000" dist="23040" rotWithShape="0">
+              <a:srgbClr val="000000">
+                <a:alpha val="35000"/>
+              </a:srgbClr>
+            </a:outerShdw>
+          </a:effectLst>
+        </p:spPr>
+        <p:style>
+          <a:lnRef idx="1">
+            <a:schemeClr val="accent1"/>
+          </a:lnRef>
+          <a:fillRef idx="3">
+            <a:schemeClr val="accent1"/>
+          </a:fillRef>
+          <a:effectRef idx="2">
+            <a:schemeClr val="accent1"/>
+          </a:effectRef>
+          <a:fontRef idx="minor"/>
+        </p:style>
+        <p:txBody>
+          <a:bodyPr lIns="90000" rIns="90000" tIns="45000" bIns="45000" anchor="ctr">
+            <a:noAutofit/>
+          </a:bodyPr>
+          <a:p>
+            <a:endParaRPr b="0" lang="en-US" sz="1800" spc="-1" strike="noStrike">
+              <a:solidFill>
+                <a:schemeClr val="lt1"/>
+              </a:solidFill>
+              <a:latin typeface="Calibri"/>
+              <a:ea typeface="DejaVu Sans"/>
+            </a:endParaRPr>
+          </a:p>
+        </p:txBody>
+      </p:sp>
+      <p:sp>
+        <p:nvSpPr>
+          <p:cNvPr id="331" name="Rounded Rectangle 42"/>
+          <p:cNvSpPr/>
+          <p:nvPr/>
+        </p:nvSpPr>
+        <p:spPr>
+          <a:xfrm>
+            <a:off x="7955280" y="3108960"/>
+            <a:ext cx="3290760" cy="2742120"/>
+          </a:xfrm>
+          <a:prstGeom prst="roundRect">
+            <a:avLst>
+              <a:gd name="adj" fmla="val 16667"/>
+            </a:avLst>
+          </a:prstGeom>
+          <a:solidFill>
+            <a:srgbClr val="16161c"/>
+          </a:solidFill>
+          <a:ln>
+            <a:solidFill>
+              <a:srgbClr val="464655"/>
+            </a:solidFill>
+            <a:round/>
+          </a:ln>
+          <a:effectLst>
+            <a:outerShdw blurRad="39960" dir="5400000" dist="23040" rotWithShape="0">
+              <a:srgbClr val="000000">
+                <a:alpha val="35000"/>
+              </a:srgbClr>
+            </a:outerShdw>
+          </a:effectLst>
+        </p:spPr>
+        <p:style>
+          <a:lnRef idx="1">
+            <a:schemeClr val="accent1"/>
+          </a:lnRef>
+          <a:fillRef idx="3">
+            <a:schemeClr val="accent1"/>
+          </a:fillRef>
+          <a:effectRef idx="2">
+            <a:schemeClr val="accent1"/>
+          </a:effectRef>
+          <a:fontRef idx="minor"/>
+        </p:style>
+        <p:txBody>
+          <a:bodyPr lIns="90000" rIns="90000" tIns="45000" bIns="45000" anchor="ctr">
+            <a:noAutofit/>
+          </a:bodyPr>
+          <a:p>
+            <a:pPr algn="ctr">
+              <a:lnSpc>
+                <a:spcPct val="100000"/>
+              </a:lnSpc>
+            </a:pPr>
+            <a:r>
+              <a:rPr b="0" lang="en-US" sz="1800" spc="-1" strike="noStrike">
+                <a:solidFill>
+                  <a:srgbClr val="78ffc8"/>
+                </a:solidFill>
+                <a:latin typeface="Consolas"/>
+                <a:ea typeface="DejaVu Sans"/>
+              </a:rPr>
+              <a:t>verify installation:</a:t>
+            </a:r>
+            <a:br>
+              <a:rPr sz="1800"/>
+            </a:br>
+            <a:r>
+              <a:rPr b="0" lang="en-US" sz="1800" spc="-1" strike="noStrike">
+                <a:solidFill>
+                  <a:srgbClr val="78ffc8"/>
+                </a:solidFill>
+                <a:latin typeface="Consolas"/>
+                <a:ea typeface="DejaVu Sans"/>
+              </a:rPr>
+              <a:t>Write the Command Prompt</a:t>
+            </a:r>
+            <a:endParaRPr b="0" lang="en-US" sz="1800" spc="-1" strike="noStrike">
+              <a:solidFill>
+                <a:srgbClr val="ffffff"/>
+              </a:solidFill>
+              <a:latin typeface="Arial"/>
+            </a:endParaRPr>
+          </a:p>
+          <a:p>
+            <a:pPr algn="ctr">
+              <a:lnSpc>
+                <a:spcPct val="100000"/>
+              </a:lnSpc>
+            </a:pPr>
+            <a:r>
+              <a:rPr b="0" lang="en-US" sz="1800" spc="-1" strike="noStrike">
+                <a:solidFill>
+                  <a:srgbClr val="78ffc8"/>
+                </a:solidFill>
+                <a:latin typeface="Consolas"/>
+                <a:ea typeface="DejaVu Sans"/>
+              </a:rPr>
+              <a:t>java -version</a:t>
+            </a:r>
+            <a:endParaRPr b="0" lang="en-US" sz="1800" spc="-1" strike="noStrike">
+              <a:solidFill>
+                <a:srgbClr val="ffffff"/>
+              </a:solidFill>
+              <a:latin typeface="Arial"/>
+            </a:endParaRPr>
+          </a:p>
+          <a:p>
+            <a:pPr algn="ctr">
+              <a:lnSpc>
+                <a:spcPct val="100000"/>
+              </a:lnSpc>
+            </a:pPr>
+            <a:r>
+              <a:rPr b="0" lang="en-US" sz="1800" spc="-1" strike="noStrike">
+                <a:solidFill>
+                  <a:srgbClr val="78ffc8"/>
+                </a:solidFill>
+                <a:latin typeface="Consolas"/>
+                <a:ea typeface="DejaVu Sans"/>
+              </a:rPr>
+              <a:t>javac -version</a:t>
+            </a:r>
+            <a:endParaRPr b="0" lang="en-US" sz="1800" spc="-1" strike="noStrike">
+              <a:solidFill>
+                <a:srgbClr val="ffffff"/>
+              </a:solidFill>
+              <a:latin typeface="Arial"/>
+            </a:endParaRPr>
+          </a:p>
+        </p:txBody>
+      </p:sp>
+      <p:sp>
+        <p:nvSpPr>
+          <p:cNvPr id="332" name="TextBox 15"/>
+          <p:cNvSpPr/>
+          <p:nvPr/>
+        </p:nvSpPr>
+        <p:spPr>
+          <a:xfrm>
+            <a:off x="4600080" y="6446520"/>
+            <a:ext cx="3051720" cy="363960"/>
+          </a:xfrm>
+          <a:prstGeom prst="rect">
+            <a:avLst/>
+          </a:prstGeom>
+          <a:noFill/>
+          <a:ln w="0">
+            <a:noFill/>
+          </a:ln>
+        </p:spPr>
+        <p:style>
+          <a:lnRef idx="0"/>
+          <a:fillRef idx="0"/>
+          <a:effectRef idx="0"/>
+          <a:fontRef idx="minor"/>
+        </p:style>
+        <p:txBody>
+          <a:bodyPr wrap="none" lIns="90000" rIns="90000" tIns="45000" bIns="45000" anchor="t">
+            <a:spAutoFit/>
+          </a:bodyPr>
+          <a:p>
+            <a:pPr>
+              <a:lnSpc>
+                <a:spcPct val="100000"/>
+              </a:lnSpc>
+            </a:pPr>
+            <a:r>
+              <a:rPr b="0" lang="en-US" sz="1800" spc="-1" strike="noStrike">
+                <a:solidFill>
+                  <a:srgbClr val="000000"/>
+                </a:solidFill>
+                <a:latin typeface="Calibri"/>
+                <a:ea typeface="DejaVu Sans"/>
+              </a:rPr>
+              <a:t>Java • Ultra Premium Template</a:t>
+            </a:r>
+            <a:endParaRPr b="0" lang="en-US" sz="1800" spc="-1" strike="noStrike">
+              <a:solidFill>
+                <a:srgbClr val="000000"/>
+              </a:solidFill>
+              <a:latin typeface="Arial"/>
+            </a:endParaRPr>
+          </a:p>
+        </p:txBody>
+      </p:sp>
+    </p:spTree>
+  </p:cSld>
+  <mc:AlternateContent>
+    <mc:Choice Requires="p14">
+      <p:transition spd="slow" p14:dur="2000"/>
+    </mc:Choice>
+    <mc:Fallback>
+      <p:transition spd="slow"/>
+    </mc:Fallback>
+  </mc:AlternateContent>
+</p:sld>
+</file>
+
+<file path=ppt/slides/slide6.xml><?xml version="1.0" encoding="utf-8"?>
+<p:sld xmlns:a="http://schemas.openxmlformats.org/drawingml/2006/main" xmlns:p="http://schemas.openxmlformats.org/presentationml/2006/main" xmlns:r="http://schemas.openxmlformats.org/officeDocument/2006/relationships" xmlns:p14="http://schemas.microsoft.com/office/powerpoint/2010/main" xmlns:p15="http://schemas.microsoft.com/office/powerpoint/2012/main" xmlns:mc="http://schemas.openxmlformats.org/markup-compatibility/2006">
+  <p:cSld>
+    <p:spTree>
+      <p:nvGrpSpPr>
+        <p:cNvPr id="1" name=""/>
+        <p:cNvGrpSpPr/>
+        <p:nvPr/>
+      </p:nvGrpSpPr>
+      <p:grpSpPr>
+        <a:xfrm>
+          <a:off x="0" y="0"/>
+          <a:ext cx="0" cy="0"/>
+          <a:chOff x="0" y="0"/>
+          <a:chExt cx="0" cy="0"/>
+        </a:xfrm>
+      </p:grpSpPr>
+      <p:sp>
+        <p:nvSpPr>
+          <p:cNvPr id="333" name="Rectangle 17"/>
+          <p:cNvSpPr/>
+          <p:nvPr/>
+        </p:nvSpPr>
+        <p:spPr>
+          <a:xfrm>
+            <a:off x="0" y="0"/>
+            <a:ext cx="12187800" cy="6856920"/>
+          </a:xfrm>
+          <a:prstGeom prst="rect">
+            <a:avLst/>
+          </a:prstGeom>
+          <a:solidFill>
+            <a:srgbClr val="0b0b0d"/>
+          </a:solidFill>
+          <a:ln>
+            <a:noFill/>
+          </a:ln>
+          <a:effectLst>
+            <a:outerShdw blurRad="39960" dir="5400000" dist="23040" rotWithShape="0">
+              <a:srgbClr val="000000">
+                <a:alpha val="35000"/>
+              </a:srgbClr>
+            </a:outerShdw>
+          </a:effectLst>
+        </p:spPr>
+        <p:style>
+          <a:lnRef idx="1">
+            <a:schemeClr val="accent1"/>
+          </a:lnRef>
+          <a:fillRef idx="3">
+            <a:schemeClr val="accent1"/>
+          </a:fillRef>
+          <a:effectRef idx="2">
+            <a:schemeClr val="accent1"/>
+          </a:effectRef>
+          <a:fontRef idx="minor"/>
+        </p:style>
+        <p:txBody>
+          <a:bodyPr lIns="90000" rIns="90000" tIns="45000" bIns="45000" anchor="ctr">
+            <a:noAutofit/>
+          </a:bodyPr>
+          <a:p>
+            <a:endParaRPr b="0" lang="en-US" sz="1800" spc="-1" strike="noStrike">
+              <a:solidFill>
+                <a:schemeClr val="lt1"/>
+              </a:solidFill>
+              <a:latin typeface="Calibri"/>
+              <a:ea typeface="DejaVu Sans"/>
+            </a:endParaRPr>
+          </a:p>
+        </p:txBody>
+      </p:sp>
+      <p:sp>
+        <p:nvSpPr>
+          <p:cNvPr id="334" name="Rectangle 18"/>
+          <p:cNvSpPr/>
+          <p:nvPr/>
+        </p:nvSpPr>
+        <p:spPr>
+          <a:xfrm>
+            <a:off x="0" y="0"/>
+            <a:ext cx="17280" cy="6856920"/>
+          </a:xfrm>
+          <a:prstGeom prst="rect">
+            <a:avLst/>
+          </a:prstGeom>
+          <a:solidFill>
+            <a:srgbClr val="121216"/>
+          </a:solidFill>
+          <a:ln>
+            <a:noFill/>
+          </a:ln>
+          <a:effectLst>
+            <a:outerShdw blurRad="39960" dir="5400000" dist="23040" rotWithShape="0">
+              <a:srgbClr val="000000">
+                <a:alpha val="35000"/>
+              </a:srgbClr>
+            </a:outerShdw>
+          </a:effectLst>
+        </p:spPr>
+        <p:style>
+          <a:lnRef idx="1">
+            <a:schemeClr val="accent1"/>
+          </a:lnRef>
+          <a:fillRef idx="3">
+            <a:schemeClr val="accent1"/>
+          </a:fillRef>
+          <a:effectRef idx="2">
+            <a:schemeClr val="accent1"/>
+          </a:effectRef>
+          <a:fontRef idx="minor"/>
+        </p:style>
+        <p:txBody>
+          <a:bodyPr lIns="90000" rIns="90000" tIns="45000" bIns="45000" anchor="ctr">
+            <a:noAutofit/>
+          </a:bodyPr>
+          <a:p>
+            <a:endParaRPr b="0" lang="en-US" sz="1800" spc="-1" strike="noStrike">
+              <a:solidFill>
+                <a:schemeClr val="lt1"/>
+              </a:solidFill>
+              <a:latin typeface="Calibri"/>
+              <a:ea typeface="DejaVu Sans"/>
+            </a:endParaRPr>
+          </a:p>
+        </p:txBody>
+      </p:sp>
+      <p:sp>
+        <p:nvSpPr>
+          <p:cNvPr id="335" name="Rectangle 19"/>
+          <p:cNvSpPr/>
+          <p:nvPr/>
+        </p:nvSpPr>
+        <p:spPr>
+          <a:xfrm>
+            <a:off x="914400" y="0"/>
+            <a:ext cx="17280" cy="6856920"/>
+          </a:xfrm>
+          <a:prstGeom prst="rect">
+            <a:avLst/>
+          </a:prstGeom>
+          <a:solidFill>
+            <a:srgbClr val="121216"/>
+          </a:solidFill>
+          <a:ln>
+            <a:noFill/>
+          </a:ln>
+          <a:effectLst>
+            <a:outerShdw blurRad="39960" dir="5400000" dist="23040" rotWithShape="0">
+              <a:srgbClr val="000000">
+                <a:alpha val="35000"/>
+              </a:srgbClr>
+            </a:outerShdw>
+          </a:effectLst>
+        </p:spPr>
+        <p:style>
+          <a:lnRef idx="1">
+            <a:schemeClr val="accent1"/>
+          </a:lnRef>
+          <a:fillRef idx="3">
+            <a:schemeClr val="accent1"/>
+          </a:fillRef>
+          <a:effectRef idx="2">
+            <a:schemeClr val="accent1"/>
+          </a:effectRef>
+          <a:fontRef idx="minor"/>
+        </p:style>
+        <p:txBody>
+          <a:bodyPr lIns="90000" rIns="90000" tIns="45000" bIns="45000" anchor="ctr">
+            <a:noAutofit/>
+          </a:bodyPr>
+          <a:p>
+            <a:endParaRPr b="0" lang="en-US" sz="1800" spc="-1" strike="noStrike">
+              <a:solidFill>
+                <a:schemeClr val="lt1"/>
+              </a:solidFill>
+              <a:latin typeface="Calibri"/>
+              <a:ea typeface="DejaVu Sans"/>
+            </a:endParaRPr>
+          </a:p>
+        </p:txBody>
+      </p:sp>
+      <p:sp>
+        <p:nvSpPr>
+          <p:cNvPr id="336" name="Rectangle 20"/>
+          <p:cNvSpPr/>
+          <p:nvPr/>
+        </p:nvSpPr>
+        <p:spPr>
+          <a:xfrm>
+            <a:off x="1828800" y="0"/>
+            <a:ext cx="17280" cy="6856920"/>
+          </a:xfrm>
+          <a:prstGeom prst="rect">
+            <a:avLst/>
+          </a:prstGeom>
+          <a:solidFill>
+            <a:srgbClr val="121216"/>
+          </a:solidFill>
+          <a:ln>
+            <a:noFill/>
+          </a:ln>
+          <a:effectLst>
+            <a:outerShdw blurRad="39960" dir="5400000" dist="23040" rotWithShape="0">
+              <a:srgbClr val="000000">
+                <a:alpha val="35000"/>
+              </a:srgbClr>
+            </a:outerShdw>
+          </a:effectLst>
+        </p:spPr>
+        <p:style>
+          <a:lnRef idx="1">
+            <a:schemeClr val="accent1"/>
+          </a:lnRef>
+          <a:fillRef idx="3">
+            <a:schemeClr val="accent1"/>
+          </a:fillRef>
+          <a:effectRef idx="2">
+            <a:schemeClr val="accent1"/>
+          </a:effectRef>
+          <a:fontRef idx="minor"/>
+        </p:style>
+        <p:txBody>
+          <a:bodyPr lIns="90000" rIns="90000" tIns="45000" bIns="45000" anchor="ctr">
+            <a:noAutofit/>
+          </a:bodyPr>
+          <a:p>
+            <a:endParaRPr b="0" lang="en-US" sz="1800" spc="-1" strike="noStrike">
+              <a:solidFill>
+                <a:schemeClr val="lt1"/>
+              </a:solidFill>
+              <a:latin typeface="Calibri"/>
+              <a:ea typeface="DejaVu Sans"/>
+            </a:endParaRPr>
+          </a:p>
+        </p:txBody>
+      </p:sp>
+      <p:sp>
+        <p:nvSpPr>
+          <p:cNvPr id="337" name="Rectangle 21"/>
+          <p:cNvSpPr/>
+          <p:nvPr/>
+        </p:nvSpPr>
+        <p:spPr>
+          <a:xfrm>
+            <a:off x="2743200" y="0"/>
+            <a:ext cx="17280" cy="6856920"/>
+          </a:xfrm>
+          <a:prstGeom prst="rect">
+            <a:avLst/>
+          </a:prstGeom>
+          <a:solidFill>
+            <a:srgbClr val="121216"/>
+          </a:solidFill>
+          <a:ln>
+            <a:noFill/>
+          </a:ln>
+          <a:effectLst>
+            <a:outerShdw blurRad="39960" dir="5400000" dist="23040" rotWithShape="0">
+              <a:srgbClr val="000000">
+                <a:alpha val="35000"/>
+              </a:srgbClr>
+            </a:outerShdw>
+          </a:effectLst>
+        </p:spPr>
+        <p:style>
+          <a:lnRef idx="1">
+            <a:schemeClr val="accent1"/>
+          </a:lnRef>
+          <a:fillRef idx="3">
+            <a:schemeClr val="accent1"/>
+          </a:fillRef>
+          <a:effectRef idx="2">
+            <a:schemeClr val="accent1"/>
+          </a:effectRef>
+          <a:fontRef idx="minor"/>
+        </p:style>
+        <p:txBody>
+          <a:bodyPr lIns="90000" rIns="90000" tIns="45000" bIns="45000" anchor="ctr">
+            <a:noAutofit/>
+          </a:bodyPr>
+          <a:p>
+            <a:endParaRPr b="0" lang="en-US" sz="1800" spc="-1" strike="noStrike">
+              <a:solidFill>
+                <a:schemeClr val="lt1"/>
+              </a:solidFill>
+              <a:latin typeface="Calibri"/>
+              <a:ea typeface="DejaVu Sans"/>
+            </a:endParaRPr>
+          </a:p>
+        </p:txBody>
+      </p:sp>
+      <p:sp>
+        <p:nvSpPr>
+          <p:cNvPr id="338" name="Rectangle 22"/>
+          <p:cNvSpPr/>
+          <p:nvPr/>
+        </p:nvSpPr>
+        <p:spPr>
+          <a:xfrm>
+            <a:off x="3657600" y="0"/>
+            <a:ext cx="17280" cy="6856920"/>
+          </a:xfrm>
+          <a:prstGeom prst="rect">
+            <a:avLst/>
+          </a:prstGeom>
+          <a:solidFill>
+            <a:srgbClr val="121216"/>
+          </a:solidFill>
+          <a:ln>
+            <a:noFill/>
+          </a:ln>
+          <a:effectLst>
+            <a:outerShdw blurRad="39960" dir="5400000" dist="23040" rotWithShape="0">
+              <a:srgbClr val="000000">
+                <a:alpha val="35000"/>
+              </a:srgbClr>
+            </a:outerShdw>
+          </a:effectLst>
+        </p:spPr>
+        <p:style>
+          <a:lnRef idx="1">
+            <a:schemeClr val="accent1"/>
+          </a:lnRef>
+          <a:fillRef idx="3">
+            <a:schemeClr val="accent1"/>
+          </a:fillRef>
+          <a:effectRef idx="2">
+            <a:schemeClr val="accent1"/>
+          </a:effectRef>
+          <a:fontRef idx="minor"/>
+        </p:style>
+        <p:txBody>
+          <a:bodyPr lIns="90000" rIns="90000" tIns="45000" bIns="45000" anchor="ctr">
+            <a:noAutofit/>
+          </a:bodyPr>
+          <a:p>
+            <a:endParaRPr b="0" lang="en-US" sz="1800" spc="-1" strike="noStrike">
+              <a:solidFill>
+                <a:schemeClr val="lt1"/>
+              </a:solidFill>
+              <a:latin typeface="Calibri"/>
+              <a:ea typeface="DejaVu Sans"/>
+            </a:endParaRPr>
+          </a:p>
+        </p:txBody>
+      </p:sp>
+      <p:sp>
+        <p:nvSpPr>
+          <p:cNvPr id="339" name="Rectangle 23"/>
+          <p:cNvSpPr/>
+          <p:nvPr/>
+        </p:nvSpPr>
+        <p:spPr>
+          <a:xfrm>
+            <a:off x="4572000" y="0"/>
+            <a:ext cx="17280" cy="6856920"/>
+          </a:xfrm>
+          <a:prstGeom prst="rect">
+            <a:avLst/>
+          </a:prstGeom>
+          <a:solidFill>
+            <a:srgbClr val="121216"/>
+          </a:solidFill>
+          <a:ln>
+            <a:noFill/>
+          </a:ln>
+          <a:effectLst>
+            <a:outerShdw blurRad="39960" dir="5400000" dist="23040" rotWithShape="0">
+              <a:srgbClr val="000000">
+                <a:alpha val="35000"/>
+              </a:srgbClr>
+            </a:outerShdw>
+          </a:effectLst>
+        </p:spPr>
+        <p:style>
+          <a:lnRef idx="1">
+            <a:schemeClr val="accent1"/>
+          </a:lnRef>
+          <a:fillRef idx="3">
+            <a:schemeClr val="accent1"/>
+          </a:fillRef>
+          <a:effectRef idx="2">
+            <a:schemeClr val="accent1"/>
+          </a:effectRef>
+          <a:fontRef idx="minor"/>
+        </p:style>
+        <p:txBody>
+          <a:bodyPr lIns="90000" rIns="90000" tIns="45000" bIns="45000" anchor="ctr">
+            <a:noAutofit/>
+          </a:bodyPr>
+          <a:p>
+            <a:endParaRPr b="0" lang="en-US" sz="1800" spc="-1" strike="noStrike">
+              <a:solidFill>
+                <a:schemeClr val="lt1"/>
+              </a:solidFill>
+              <a:latin typeface="Calibri"/>
+              <a:ea typeface="DejaVu Sans"/>
+            </a:endParaRPr>
+          </a:p>
+        </p:txBody>
+      </p:sp>
+      <p:sp>
+        <p:nvSpPr>
+          <p:cNvPr id="340" name="Rectangle 24"/>
+          <p:cNvSpPr/>
+          <p:nvPr/>
+        </p:nvSpPr>
+        <p:spPr>
+          <a:xfrm>
+            <a:off x="5486400" y="0"/>
+            <a:ext cx="17280" cy="6856920"/>
+          </a:xfrm>
+          <a:prstGeom prst="rect">
+            <a:avLst/>
+          </a:prstGeom>
+          <a:solidFill>
+            <a:srgbClr val="121216"/>
+          </a:solidFill>
+          <a:ln>
+            <a:noFill/>
+          </a:ln>
+          <a:effectLst>
+            <a:outerShdw blurRad="39960" dir="5400000" dist="23040" rotWithShape="0">
+              <a:srgbClr val="000000">
+                <a:alpha val="35000"/>
+              </a:srgbClr>
+            </a:outerShdw>
+          </a:effectLst>
+        </p:spPr>
+        <p:style>
+          <a:lnRef idx="1">
+            <a:schemeClr val="accent1"/>
+          </a:lnRef>
+          <a:fillRef idx="3">
+            <a:schemeClr val="accent1"/>
+          </a:fillRef>
+          <a:effectRef idx="2">
+            <a:schemeClr val="accent1"/>
+          </a:effectRef>
+          <a:fontRef idx="minor"/>
+        </p:style>
+        <p:txBody>
+          <a:bodyPr lIns="90000" rIns="90000" tIns="45000" bIns="45000" anchor="ctr">
+            <a:noAutofit/>
+          </a:bodyPr>
+          <a:p>
+            <a:endParaRPr b="0" lang="en-US" sz="1800" spc="-1" strike="noStrike">
+              <a:solidFill>
+                <a:schemeClr val="lt1"/>
+              </a:solidFill>
+              <a:latin typeface="Calibri"/>
+              <a:ea typeface="DejaVu Sans"/>
+            </a:endParaRPr>
+          </a:p>
+        </p:txBody>
+      </p:sp>
+      <p:sp>
+        <p:nvSpPr>
+          <p:cNvPr id="341" name="Rectangle 25"/>
+          <p:cNvSpPr/>
+          <p:nvPr/>
+        </p:nvSpPr>
+        <p:spPr>
+          <a:xfrm>
+            <a:off x="6400800" y="0"/>
+            <a:ext cx="17280" cy="6856920"/>
+          </a:xfrm>
+          <a:prstGeom prst="rect">
+            <a:avLst/>
+          </a:prstGeom>
+          <a:solidFill>
+            <a:srgbClr val="121216"/>
+          </a:solidFill>
+          <a:ln>
+            <a:noFill/>
+          </a:ln>
+          <a:effectLst>
+            <a:outerShdw blurRad="39960" dir="5400000" dist="23040" rotWithShape="0">
+              <a:srgbClr val="000000">
+                <a:alpha val="35000"/>
+              </a:srgbClr>
+            </a:outerShdw>
+          </a:effectLst>
+        </p:spPr>
+        <p:style>
+          <a:lnRef idx="1">
+            <a:schemeClr val="accent1"/>
+          </a:lnRef>
+          <a:fillRef idx="3">
+            <a:schemeClr val="accent1"/>
+          </a:fillRef>
+          <a:effectRef idx="2">
+            <a:schemeClr val="accent1"/>
+          </a:effectRef>
+          <a:fontRef idx="minor"/>
+        </p:style>
+        <p:txBody>
+          <a:bodyPr lIns="90000" rIns="90000" tIns="45000" bIns="45000" anchor="ctr">
+            <a:noAutofit/>
+          </a:bodyPr>
+          <a:p>
+            <a:endParaRPr b="0" lang="en-US" sz="1800" spc="-1" strike="noStrike">
+              <a:solidFill>
+                <a:schemeClr val="lt1"/>
+              </a:solidFill>
+              <a:latin typeface="Calibri"/>
+              <a:ea typeface="DejaVu Sans"/>
+            </a:endParaRPr>
+          </a:p>
+        </p:txBody>
+      </p:sp>
+      <p:sp>
+        <p:nvSpPr>
+          <p:cNvPr id="342" name="Rectangle 26"/>
+          <p:cNvSpPr/>
+          <p:nvPr/>
+        </p:nvSpPr>
+        <p:spPr>
+          <a:xfrm>
+            <a:off x="7315200" y="0"/>
+            <a:ext cx="17280" cy="6856920"/>
+          </a:xfrm>
+          <a:prstGeom prst="rect">
+            <a:avLst/>
+          </a:prstGeom>
+          <a:solidFill>
+            <a:srgbClr val="121216"/>
+          </a:solidFill>
+          <a:ln>
+            <a:noFill/>
+          </a:ln>
+          <a:effectLst>
+            <a:outerShdw blurRad="39960" dir="5400000" dist="23040" rotWithShape="0">
+              <a:srgbClr val="000000">
+                <a:alpha val="35000"/>
+              </a:srgbClr>
+            </a:outerShdw>
+          </a:effectLst>
+        </p:spPr>
+        <p:style>
+          <a:lnRef idx="1">
+            <a:schemeClr val="accent1"/>
+          </a:lnRef>
+          <a:fillRef idx="3">
+            <a:schemeClr val="accent1"/>
+          </a:fillRef>
+          <a:effectRef idx="2">
+            <a:schemeClr val="accent1"/>
+          </a:effectRef>
+          <a:fontRef idx="minor"/>
+        </p:style>
+        <p:txBody>
+          <a:bodyPr lIns="90000" rIns="90000" tIns="45000" bIns="45000" anchor="ctr">
+            <a:noAutofit/>
+          </a:bodyPr>
+          <a:p>
+            <a:endParaRPr b="0" lang="en-US" sz="1800" spc="-1" strike="noStrike">
+              <a:solidFill>
+                <a:schemeClr val="lt1"/>
+              </a:solidFill>
+              <a:latin typeface="Calibri"/>
+              <a:ea typeface="DejaVu Sans"/>
+            </a:endParaRPr>
+          </a:p>
+        </p:txBody>
+      </p:sp>
+      <p:sp>
+        <p:nvSpPr>
+          <p:cNvPr id="343" name="Rectangle 27"/>
+          <p:cNvSpPr/>
+          <p:nvPr/>
+        </p:nvSpPr>
+        <p:spPr>
+          <a:xfrm>
+            <a:off x="8229600" y="0"/>
+            <a:ext cx="17280" cy="6856920"/>
+          </a:xfrm>
+          <a:prstGeom prst="rect">
+            <a:avLst/>
+          </a:prstGeom>
+          <a:solidFill>
+            <a:srgbClr val="121216"/>
+          </a:solidFill>
+          <a:ln>
+            <a:noFill/>
+          </a:ln>
+          <a:effectLst>
+            <a:outerShdw blurRad="39960" dir="5400000" dist="23040" rotWithShape="0">
+              <a:srgbClr val="000000">
+                <a:alpha val="35000"/>
+              </a:srgbClr>
+            </a:outerShdw>
+          </a:effectLst>
+        </p:spPr>
+        <p:style>
+          <a:lnRef idx="1">
+            <a:schemeClr val="accent1"/>
+          </a:lnRef>
+          <a:fillRef idx="3">
+            <a:schemeClr val="accent1"/>
+          </a:fillRef>
+          <a:effectRef idx="2">
+            <a:schemeClr val="accent1"/>
+          </a:effectRef>
+          <a:fontRef idx="minor"/>
+        </p:style>
+        <p:txBody>
+          <a:bodyPr lIns="90000" rIns="90000" tIns="45000" bIns="45000" anchor="ctr">
+            <a:noAutofit/>
+          </a:bodyPr>
+          <a:p>
+            <a:endParaRPr b="0" lang="en-US" sz="1800" spc="-1" strike="noStrike">
+              <a:solidFill>
+                <a:schemeClr val="lt1"/>
+              </a:solidFill>
+              <a:latin typeface="Calibri"/>
+              <a:ea typeface="DejaVu Sans"/>
+            </a:endParaRPr>
+          </a:p>
+        </p:txBody>
+      </p:sp>
+      <p:sp>
+        <p:nvSpPr>
+          <p:cNvPr id="344" name="Rectangle 28"/>
+          <p:cNvSpPr/>
+          <p:nvPr/>
+        </p:nvSpPr>
+        <p:spPr>
+          <a:xfrm>
+            <a:off x="9144000" y="0"/>
+            <a:ext cx="17280" cy="6856920"/>
+          </a:xfrm>
+          <a:prstGeom prst="rect">
+            <a:avLst/>
+          </a:prstGeom>
+          <a:solidFill>
+            <a:srgbClr val="121216"/>
+          </a:solidFill>
+          <a:ln>
+            <a:noFill/>
+          </a:ln>
+          <a:effectLst>
+            <a:outerShdw blurRad="39960" dir="5400000" dist="23040" rotWithShape="0">
+              <a:srgbClr val="000000">
+                <a:alpha val="35000"/>
+              </a:srgbClr>
+            </a:outerShdw>
+          </a:effectLst>
+        </p:spPr>
+        <p:style>
+          <a:lnRef idx="1">
+            <a:schemeClr val="accent1"/>
+          </a:lnRef>
+          <a:fillRef idx="3">
+            <a:schemeClr val="accent1"/>
+          </a:fillRef>
+          <a:effectRef idx="2">
+            <a:schemeClr val="accent1"/>
+          </a:effectRef>
+          <a:fontRef idx="minor"/>
+        </p:style>
+        <p:txBody>
+          <a:bodyPr lIns="90000" rIns="90000" tIns="45000" bIns="45000" anchor="ctr">
+            <a:noAutofit/>
+          </a:bodyPr>
+          <a:p>
+            <a:endParaRPr b="0" lang="en-US" sz="1800" spc="-1" strike="noStrike">
+              <a:solidFill>
+                <a:schemeClr val="lt1"/>
+              </a:solidFill>
+              <a:latin typeface="Calibri"/>
+              <a:ea typeface="DejaVu Sans"/>
+            </a:endParaRPr>
+          </a:p>
+        </p:txBody>
+      </p:sp>
+      <p:sp>
+        <p:nvSpPr>
+          <p:cNvPr id="345" name="Rectangle 29"/>
+          <p:cNvSpPr/>
+          <p:nvPr/>
+        </p:nvSpPr>
+        <p:spPr>
+          <a:xfrm>
+            <a:off x="10058400" y="0"/>
+            <a:ext cx="17280" cy="6856920"/>
+          </a:xfrm>
+          <a:prstGeom prst="rect">
+            <a:avLst/>
+          </a:prstGeom>
+          <a:solidFill>
+            <a:srgbClr val="121216"/>
+          </a:solidFill>
+          <a:ln>
+            <a:noFill/>
+          </a:ln>
+          <a:effectLst>
+            <a:outerShdw blurRad="39960" dir="5400000" dist="23040" rotWithShape="0">
+              <a:srgbClr val="000000">
+                <a:alpha val="35000"/>
+              </a:srgbClr>
+            </a:outerShdw>
+          </a:effectLst>
+        </p:spPr>
+        <p:style>
+          <a:lnRef idx="1">
+            <a:schemeClr val="accent1"/>
+          </a:lnRef>
+          <a:fillRef idx="3">
+            <a:schemeClr val="accent1"/>
+          </a:fillRef>
+          <a:effectRef idx="2">
+            <a:schemeClr val="accent1"/>
+          </a:effectRef>
+          <a:fontRef idx="minor"/>
+        </p:style>
+        <p:txBody>
+          <a:bodyPr lIns="90000" rIns="90000" tIns="45000" bIns="45000" anchor="ctr">
+            <a:noAutofit/>
+          </a:bodyPr>
+          <a:p>
+            <a:endParaRPr b="0" lang="en-US" sz="1800" spc="-1" strike="noStrike">
+              <a:solidFill>
+                <a:schemeClr val="lt1"/>
+              </a:solidFill>
+              <a:latin typeface="Calibri"/>
+              <a:ea typeface="DejaVu Sans"/>
+            </a:endParaRPr>
+          </a:p>
+        </p:txBody>
+      </p:sp>
+      <p:sp>
+        <p:nvSpPr>
+          <p:cNvPr id="346" name="Rectangle 30"/>
+          <p:cNvSpPr/>
+          <p:nvPr/>
+        </p:nvSpPr>
+        <p:spPr>
+          <a:xfrm>
+            <a:off x="10972800" y="0"/>
+            <a:ext cx="17280" cy="6856920"/>
+          </a:xfrm>
+          <a:prstGeom prst="rect">
+            <a:avLst/>
+          </a:prstGeom>
+          <a:solidFill>
+            <a:srgbClr val="121216"/>
+          </a:solidFill>
+          <a:ln>
+            <a:noFill/>
+          </a:ln>
+          <a:effectLst>
+            <a:outerShdw blurRad="39960" dir="5400000" dist="23040" rotWithShape="0">
+              <a:srgbClr val="000000">
+                <a:alpha val="35000"/>
+              </a:srgbClr>
+            </a:outerShdw>
+          </a:effectLst>
+        </p:spPr>
+        <p:style>
+          <a:lnRef idx="1">
+            <a:schemeClr val="accent1"/>
+          </a:lnRef>
+          <a:fillRef idx="3">
+            <a:schemeClr val="accent1"/>
+          </a:fillRef>
+          <a:effectRef idx="2">
+            <a:schemeClr val="accent1"/>
+          </a:effectRef>
+          <a:fontRef idx="minor"/>
+        </p:style>
+        <p:txBody>
+          <a:bodyPr lIns="90000" rIns="90000" tIns="45000" bIns="45000" anchor="ctr">
+            <a:noAutofit/>
+          </a:bodyPr>
+          <a:p>
+            <a:endParaRPr b="0" lang="en-US" sz="1800" spc="-1" strike="noStrike">
+              <a:solidFill>
+                <a:schemeClr val="lt1"/>
+              </a:solidFill>
+              <a:latin typeface="Calibri"/>
+              <a:ea typeface="DejaVu Sans"/>
+            </a:endParaRPr>
+          </a:p>
+        </p:txBody>
+      </p:sp>
+      <p:sp>
+        <p:nvSpPr>
+          <p:cNvPr id="347" name="Rectangle 31"/>
+          <p:cNvSpPr/>
+          <p:nvPr/>
+        </p:nvSpPr>
+        <p:spPr>
+          <a:xfrm>
+            <a:off x="11887200" y="0"/>
+            <a:ext cx="17280" cy="6856920"/>
+          </a:xfrm>
+          <a:prstGeom prst="rect">
+            <a:avLst/>
+          </a:prstGeom>
+          <a:solidFill>
+            <a:srgbClr val="121216"/>
+          </a:solidFill>
+          <a:ln>
+            <a:noFill/>
+          </a:ln>
+          <a:effectLst>
+            <a:outerShdw blurRad="39960" dir="5400000" dist="23040" rotWithShape="0">
+              <a:srgbClr val="000000">
+                <a:alpha val="35000"/>
+              </a:srgbClr>
+            </a:outerShdw>
+          </a:effectLst>
+        </p:spPr>
+        <p:style>
+          <a:lnRef idx="1">
+            <a:schemeClr val="accent1"/>
+          </a:lnRef>
+          <a:fillRef idx="3">
+            <a:schemeClr val="accent1"/>
+          </a:fillRef>
+          <a:effectRef idx="2">
+            <a:schemeClr val="accent1"/>
+          </a:effectRef>
+          <a:fontRef idx="minor"/>
+        </p:style>
+        <p:txBody>
+          <a:bodyPr lIns="90000" rIns="90000" tIns="45000" bIns="45000" anchor="ctr">
+            <a:noAutofit/>
+          </a:bodyPr>
+          <a:p>
+            <a:endParaRPr b="0" lang="en-US" sz="1800" spc="-1" strike="noStrike">
+              <a:solidFill>
+                <a:schemeClr val="lt1"/>
+              </a:solidFill>
+              <a:latin typeface="Calibri"/>
+              <a:ea typeface="DejaVu Sans"/>
+            </a:endParaRPr>
+          </a:p>
+        </p:txBody>
+      </p:sp>
+      <p:sp>
+        <p:nvSpPr>
+          <p:cNvPr id="348" name="Rectangle 96"/>
+          <p:cNvSpPr/>
+          <p:nvPr/>
+        </p:nvSpPr>
+        <p:spPr>
+          <a:xfrm>
+            <a:off x="0" y="0"/>
+            <a:ext cx="318960" cy="6856920"/>
+          </a:xfrm>
+          <a:prstGeom prst="rect">
+            <a:avLst/>
+          </a:prstGeom>
+          <a:solidFill>
+            <a:srgbClr val="ff8c00"/>
+          </a:solidFill>
+          <a:ln>
+            <a:noFill/>
+          </a:ln>
+          <a:effectLst>
+            <a:outerShdw blurRad="39960" dir="5400000" dist="23040" rotWithShape="0">
+              <a:srgbClr val="000000">
+                <a:alpha val="35000"/>
+              </a:srgbClr>
+            </a:outerShdw>
+          </a:effectLst>
+        </p:spPr>
+        <p:style>
+          <a:lnRef idx="1">
+            <a:schemeClr val="accent1"/>
+          </a:lnRef>
+          <a:fillRef idx="3">
+            <a:schemeClr val="accent1"/>
+          </a:fillRef>
+          <a:effectRef idx="2">
+            <a:schemeClr val="accent1"/>
+          </a:effectRef>
+          <a:fontRef idx="minor"/>
+        </p:style>
+        <p:txBody>
+          <a:bodyPr lIns="90000" rIns="90000" tIns="45000" bIns="45000" anchor="ctr">
+            <a:noAutofit/>
+          </a:bodyPr>
+          <a:p>
+            <a:endParaRPr b="0" lang="en-US" sz="1800" spc="-1" strike="noStrike">
+              <a:solidFill>
+                <a:schemeClr val="lt1"/>
+              </a:solidFill>
+              <a:latin typeface="Calibri"/>
+              <a:ea typeface="DejaVu Sans"/>
+            </a:endParaRPr>
+          </a:p>
+        </p:txBody>
+      </p:sp>
+      <p:sp>
+        <p:nvSpPr>
+          <p:cNvPr id="349" name="Rounded Rectangle 43"/>
+          <p:cNvSpPr/>
+          <p:nvPr/>
+        </p:nvSpPr>
+        <p:spPr>
+          <a:xfrm>
+            <a:off x="9875520" y="365760"/>
+            <a:ext cx="2010600" cy="501840"/>
+          </a:xfrm>
+          <a:prstGeom prst="roundRect">
+            <a:avLst>
+              <a:gd name="adj" fmla="val 16667"/>
+            </a:avLst>
+          </a:prstGeom>
+          <a:solidFill>
+            <a:srgbClr val="1e1e24"/>
+          </a:solidFill>
+          <a:ln>
+            <a:solidFill>
+              <a:srgbClr val="ff8c00"/>
+            </a:solidFill>
+            <a:round/>
+          </a:ln>
+          <a:effectLst>
+            <a:outerShdw blurRad="39960" dir="5400000" dist="23040" rotWithShape="0">
+              <a:srgbClr val="000000">
+                <a:alpha val="35000"/>
+              </a:srgbClr>
+            </a:outerShdw>
+          </a:effectLst>
+        </p:spPr>
+        <p:style>
+          <a:lnRef idx="1">
+            <a:schemeClr val="accent1"/>
+          </a:lnRef>
+          <a:fillRef idx="3">
+            <a:schemeClr val="accent1"/>
+          </a:fillRef>
+          <a:effectRef idx="2">
+            <a:schemeClr val="accent1"/>
+          </a:effectRef>
+          <a:fontRef idx="minor"/>
+        </p:style>
+        <p:txBody>
+          <a:bodyPr lIns="90000" rIns="90000" tIns="45000" bIns="45000" anchor="ctr">
+            <a:noAutofit/>
+          </a:bodyPr>
+          <a:p>
+            <a:pPr algn="ctr">
+              <a:lnSpc>
+                <a:spcPct val="100000"/>
+              </a:lnSpc>
+            </a:pPr>
+            <a:r>
+              <a:rPr b="1" lang="en-US" sz="1400" spc="-1" strike="noStrike">
+                <a:solidFill>
+                  <a:srgbClr val="ffb45a"/>
+                </a:solidFill>
+                <a:latin typeface="Calibri"/>
+                <a:ea typeface="DejaVu Sans"/>
+              </a:rPr>
+              <a:t>JAVA CORE</a:t>
+            </a:r>
+            <a:endParaRPr b="0" lang="en-US" sz="1400" spc="-1" strike="noStrike">
+              <a:solidFill>
+                <a:srgbClr val="ffffff"/>
+              </a:solidFill>
+              <a:latin typeface="Arial"/>
+            </a:endParaRPr>
+          </a:p>
+        </p:txBody>
+      </p:sp>
+      <p:sp>
+        <p:nvSpPr>
+          <p:cNvPr id="350" name="TextBox 16"/>
+          <p:cNvSpPr/>
+          <p:nvPr/>
+        </p:nvSpPr>
+        <p:spPr>
+          <a:xfrm>
+            <a:off x="911880" y="1005840"/>
+            <a:ext cx="9148320" cy="639000"/>
+          </a:xfrm>
+          <a:prstGeom prst="rect">
+            <a:avLst/>
+          </a:prstGeom>
+          <a:noFill/>
+          <a:ln w="0">
+            <a:noFill/>
+          </a:ln>
+        </p:spPr>
+        <p:style>
+          <a:lnRef idx="0"/>
+          <a:fillRef idx="0"/>
+          <a:effectRef idx="0"/>
+          <a:fontRef idx="minor"/>
+        </p:style>
+        <p:txBody>
+          <a:bodyPr wrap="none" lIns="90000" rIns="90000" tIns="45000" bIns="45000" anchor="t">
+            <a:spAutoFit/>
+          </a:bodyPr>
+          <a:p>
+            <a:pPr>
+              <a:lnSpc>
+                <a:spcPct val="100000"/>
+              </a:lnSpc>
+            </a:pPr>
+            <a:r>
+              <a:rPr b="1" lang="en-US" sz="3600" spc="-1" strike="noStrike">
+                <a:solidFill>
+                  <a:srgbClr val="f5f5f5"/>
+                </a:solidFill>
+                <a:latin typeface="Calibri"/>
+                <a:ea typeface="DejaVu Sans"/>
+              </a:rPr>
+              <a:t>CONFIGURING JAVA ENVIRONMENT VARIABLES</a:t>
+            </a:r>
+            <a:endParaRPr b="0" lang="en-US" sz="3600" spc="-1" strike="noStrike">
+              <a:solidFill>
+                <a:srgbClr val="000000"/>
+              </a:solidFill>
+              <a:latin typeface="Arial"/>
+            </a:endParaRPr>
+          </a:p>
+        </p:txBody>
+      </p:sp>
+      <p:sp>
+        <p:nvSpPr>
+          <p:cNvPr id="351" name="TextBox 17"/>
+          <p:cNvSpPr/>
+          <p:nvPr/>
+        </p:nvSpPr>
+        <p:spPr>
+          <a:xfrm>
+            <a:off x="-310680" y="2194560"/>
+            <a:ext cx="11600280" cy="333720"/>
+          </a:xfrm>
+          <a:prstGeom prst="rect">
+            <a:avLst/>
+          </a:prstGeom>
+          <a:noFill/>
+          <a:ln w="0">
+            <a:noFill/>
+          </a:ln>
+        </p:spPr>
+        <p:style>
+          <a:lnRef idx="0"/>
+          <a:fillRef idx="0"/>
+          <a:effectRef idx="0"/>
+          <a:fontRef idx="minor"/>
+        </p:style>
+        <p:txBody>
+          <a:bodyPr wrap="none" lIns="90000" rIns="90000" tIns="45000" bIns="45000" anchor="t">
+            <a:spAutoFit/>
+          </a:bodyPr>
+          <a:p>
+            <a:pPr>
+              <a:lnSpc>
+                <a:spcPct val="100000"/>
+              </a:lnSpc>
+            </a:pPr>
+            <a:r>
+              <a:rPr b="0" lang="en-US" sz="1600" spc="-1" strike="noStrike">
+                <a:solidFill>
+                  <a:srgbClr val="aaaaaa"/>
+                </a:solidFill>
+                <a:latin typeface="Calibri"/>
+                <a:ea typeface="DejaVu Sans"/>
+              </a:rPr>
+              <a:t>                   </a:t>
+            </a:r>
+            <a:r>
+              <a:rPr b="0" lang="en-US" sz="1600" spc="-1" strike="noStrike">
+                <a:solidFill>
+                  <a:srgbClr val="aaaaaa"/>
+                </a:solidFill>
+                <a:latin typeface="Calibri"/>
+                <a:ea typeface="DejaVu Sans"/>
+              </a:rPr>
+              <a:t>Environment variables tell the system where Java is installed, allowing tools and commands to work correctly from any directory.</a:t>
+            </a:r>
+            <a:endParaRPr b="0" lang="en-US" sz="1600" spc="-1" strike="noStrike">
+              <a:solidFill>
+                <a:srgbClr val="000000"/>
+              </a:solidFill>
+              <a:latin typeface="Arial"/>
+            </a:endParaRPr>
+          </a:p>
+        </p:txBody>
+      </p:sp>
+      <p:sp>
+        <p:nvSpPr>
+          <p:cNvPr id="352" name="Rounded Rectangle 44"/>
+          <p:cNvSpPr/>
+          <p:nvPr/>
+        </p:nvSpPr>
+        <p:spPr>
+          <a:xfrm>
+            <a:off x="987480" y="3182040"/>
+            <a:ext cx="3290760" cy="2742120"/>
+          </a:xfrm>
+          <a:prstGeom prst="roundRect">
+            <a:avLst>
+              <a:gd name="adj" fmla="val 16667"/>
+            </a:avLst>
+          </a:prstGeom>
+          <a:solidFill>
+            <a:srgbClr val="08080a"/>
+          </a:solidFill>
+          <a:ln>
+            <a:noFill/>
+          </a:ln>
+          <a:effectLst>
+            <a:outerShdw blurRad="39960" dir="5400000" dist="23040" rotWithShape="0">
+              <a:srgbClr val="000000">
+                <a:alpha val="35000"/>
+              </a:srgbClr>
+            </a:outerShdw>
+          </a:effectLst>
+        </p:spPr>
+        <p:style>
+          <a:lnRef idx="1">
+            <a:schemeClr val="accent1"/>
+          </a:lnRef>
+          <a:fillRef idx="3">
+            <a:schemeClr val="accent1"/>
+          </a:fillRef>
+          <a:effectRef idx="2">
+            <a:schemeClr val="accent1"/>
+          </a:effectRef>
+          <a:fontRef idx="minor"/>
+        </p:style>
+        <p:txBody>
+          <a:bodyPr lIns="90000" rIns="90000" tIns="45000" bIns="45000" anchor="ctr">
+            <a:noAutofit/>
+          </a:bodyPr>
+          <a:p>
+            <a:endParaRPr b="0" lang="en-US" sz="1800" spc="-1" strike="noStrike">
+              <a:solidFill>
+                <a:schemeClr val="lt1"/>
+              </a:solidFill>
+              <a:latin typeface="Calibri"/>
+              <a:ea typeface="DejaVu Sans"/>
+            </a:endParaRPr>
+          </a:p>
+        </p:txBody>
+      </p:sp>
+      <p:sp>
+        <p:nvSpPr>
+          <p:cNvPr id="353" name="Rounded Rectangle 45"/>
+          <p:cNvSpPr/>
+          <p:nvPr/>
+        </p:nvSpPr>
+        <p:spPr>
+          <a:xfrm>
+            <a:off x="914400" y="3108960"/>
+            <a:ext cx="3290760" cy="2742120"/>
+          </a:xfrm>
+          <a:prstGeom prst="roundRect">
+            <a:avLst>
+              <a:gd name="adj" fmla="val 16667"/>
+            </a:avLst>
+          </a:prstGeom>
+          <a:solidFill>
+            <a:srgbClr val="16161c"/>
+          </a:solidFill>
+          <a:ln>
+            <a:solidFill>
+              <a:srgbClr val="464655"/>
+            </a:solidFill>
+            <a:round/>
+          </a:ln>
+          <a:effectLst>
+            <a:outerShdw blurRad="39960" dir="5400000" dist="23040" rotWithShape="0">
+              <a:srgbClr val="000000">
+                <a:alpha val="35000"/>
+              </a:srgbClr>
+            </a:outerShdw>
+          </a:effectLst>
+        </p:spPr>
+        <p:style>
+          <a:lnRef idx="1">
+            <a:schemeClr val="accent1"/>
+          </a:lnRef>
+          <a:fillRef idx="3">
+            <a:schemeClr val="accent1"/>
+          </a:fillRef>
+          <a:effectRef idx="2">
+            <a:schemeClr val="accent1"/>
+          </a:effectRef>
+          <a:fontRef idx="minor"/>
+        </p:style>
+        <p:txBody>
+          <a:bodyPr lIns="90000" rIns="90000" tIns="45000" bIns="45000" anchor="ctr">
+            <a:noAutofit/>
+          </a:bodyPr>
+          <a:p>
+            <a:pPr>
+              <a:lnSpc>
+                <a:spcPct val="100000"/>
+              </a:lnSpc>
+            </a:pPr>
+            <a:r>
+              <a:rPr b="1" lang="en-US" sz="1400" spc="-1" strike="noStrike">
+                <a:solidFill>
+                  <a:schemeClr val="lt1"/>
+                </a:solidFill>
+                <a:latin typeface="Calibri"/>
+                <a:ea typeface="DejaVu Sans"/>
+              </a:rPr>
+              <a:t>JAVA_HOME points to the JDK installation folder.</a:t>
+            </a:r>
+            <a:endParaRPr b="1" lang="en-US" sz="1400" spc="-1" strike="noStrike">
+              <a:solidFill>
+                <a:srgbClr val="ffffff"/>
+              </a:solidFill>
+              <a:latin typeface="Arial"/>
+            </a:endParaRPr>
+          </a:p>
+          <a:p>
+            <a:pPr>
+              <a:lnSpc>
+                <a:spcPct val="100000"/>
+              </a:lnSpc>
+            </a:pPr>
+            <a:endParaRPr b="1" lang="en-US" sz="1400" spc="-1" strike="noStrike">
+              <a:solidFill>
+                <a:srgbClr val="ffffff"/>
+              </a:solidFill>
+              <a:latin typeface="Arial"/>
+            </a:endParaRPr>
+          </a:p>
+          <a:p>
+            <a:pPr>
+              <a:lnSpc>
+                <a:spcPct val="100000"/>
+              </a:lnSpc>
+            </a:pPr>
+            <a:r>
+              <a:rPr b="1" lang="en-US" sz="1400" spc="-1" strike="noStrike">
+                <a:solidFill>
+                  <a:schemeClr val="lt1"/>
+                </a:solidFill>
+                <a:latin typeface="Calibri"/>
+                <a:ea typeface="DejaVu Sans"/>
+              </a:rPr>
+              <a:t>PATH includes the Java bin folder so Java tools run from terminal/command prompt.</a:t>
+            </a:r>
+            <a:endParaRPr b="1" lang="en-US" sz="1400" spc="-1" strike="noStrike">
+              <a:solidFill>
+                <a:srgbClr val="ffffff"/>
+              </a:solidFill>
+              <a:latin typeface="Arial"/>
+            </a:endParaRPr>
+          </a:p>
+          <a:p>
+            <a:pPr>
+              <a:lnSpc>
+                <a:spcPct val="100000"/>
+              </a:lnSpc>
+            </a:pPr>
+            <a:endParaRPr b="1" lang="en-US" sz="1400" spc="-1" strike="noStrike">
+              <a:solidFill>
+                <a:srgbClr val="ffffff"/>
+              </a:solidFill>
+              <a:latin typeface="Arial"/>
+            </a:endParaRPr>
+          </a:p>
+          <a:p>
+            <a:pPr>
+              <a:lnSpc>
+                <a:spcPct val="100000"/>
+              </a:lnSpc>
+            </a:pPr>
+            <a:r>
+              <a:rPr b="1" lang="en-US" sz="1400" spc="-1" strike="noStrike">
+                <a:solidFill>
+                  <a:schemeClr val="lt1"/>
+                </a:solidFill>
+                <a:latin typeface="Calibri"/>
+                <a:ea typeface="DejaVu Sans"/>
+              </a:rPr>
+              <a:t>Without these, Java commands may fail.</a:t>
+            </a:r>
+            <a:endParaRPr b="1" lang="en-US" sz="1400" spc="-1" strike="noStrike">
+              <a:solidFill>
+                <a:srgbClr val="ffffff"/>
+              </a:solidFill>
+              <a:latin typeface="Arial"/>
+            </a:endParaRPr>
+          </a:p>
+        </p:txBody>
+      </p:sp>
+      <p:sp>
+        <p:nvSpPr>
+          <p:cNvPr id="354" name="Rounded Rectangle 46"/>
+          <p:cNvSpPr/>
+          <p:nvPr/>
+        </p:nvSpPr>
+        <p:spPr>
+          <a:xfrm>
+            <a:off x="4507920" y="3182040"/>
+            <a:ext cx="3290760" cy="2742120"/>
+          </a:xfrm>
+          <a:prstGeom prst="roundRect">
+            <a:avLst>
+              <a:gd name="adj" fmla="val 16667"/>
+            </a:avLst>
+          </a:prstGeom>
+          <a:solidFill>
+            <a:srgbClr val="08080a"/>
+          </a:solidFill>
+          <a:ln>
+            <a:noFill/>
+          </a:ln>
+          <a:effectLst>
+            <a:outerShdw blurRad="39960" dir="5400000" dist="23040" rotWithShape="0">
+              <a:srgbClr val="000000">
+                <a:alpha val="35000"/>
+              </a:srgbClr>
+            </a:outerShdw>
+          </a:effectLst>
+        </p:spPr>
+        <p:style>
+          <a:lnRef idx="1">
+            <a:schemeClr val="accent1"/>
+          </a:lnRef>
+          <a:fillRef idx="3">
+            <a:schemeClr val="accent1"/>
+          </a:fillRef>
+          <a:effectRef idx="2">
+            <a:schemeClr val="accent1"/>
+          </a:effectRef>
+          <a:fontRef idx="minor"/>
+        </p:style>
+        <p:txBody>
+          <a:bodyPr lIns="90000" rIns="90000" tIns="45000" bIns="45000" anchor="ctr">
+            <a:noAutofit/>
+          </a:bodyPr>
+          <a:p>
+            <a:endParaRPr b="0" lang="en-US" sz="1800" spc="-1" strike="noStrike">
+              <a:solidFill>
+                <a:schemeClr val="lt1"/>
+              </a:solidFill>
+              <a:latin typeface="Calibri"/>
+              <a:ea typeface="DejaVu Sans"/>
+            </a:endParaRPr>
+          </a:p>
+        </p:txBody>
+      </p:sp>
+      <p:sp>
+        <p:nvSpPr>
+          <p:cNvPr id="355" name="Rounded Rectangle 47"/>
+          <p:cNvSpPr/>
+          <p:nvPr/>
+        </p:nvSpPr>
+        <p:spPr>
+          <a:xfrm>
+            <a:off x="4434840" y="3108960"/>
+            <a:ext cx="3290760" cy="2742120"/>
+          </a:xfrm>
+          <a:prstGeom prst="roundRect">
+            <a:avLst>
+              <a:gd name="adj" fmla="val 16667"/>
+            </a:avLst>
+          </a:prstGeom>
+          <a:solidFill>
+            <a:srgbClr val="16161c"/>
+          </a:solidFill>
+          <a:ln>
+            <a:solidFill>
+              <a:srgbClr val="464655"/>
+            </a:solidFill>
+            <a:round/>
+          </a:ln>
+          <a:effectLst>
+            <a:outerShdw blurRad="39960" dir="5400000" dist="23040" rotWithShape="0">
+              <a:srgbClr val="000000">
+                <a:alpha val="35000"/>
+              </a:srgbClr>
+            </a:outerShdw>
+          </a:effectLst>
+        </p:spPr>
+        <p:style>
+          <a:lnRef idx="1">
+            <a:schemeClr val="accent1"/>
+          </a:lnRef>
+          <a:fillRef idx="3">
+            <a:schemeClr val="accent1"/>
+          </a:fillRef>
+          <a:effectRef idx="2">
+            <a:schemeClr val="accent1"/>
+          </a:effectRef>
+          <a:fontRef idx="minor"/>
+        </p:style>
+        <p:txBody>
+          <a:bodyPr lIns="90000" rIns="90000" tIns="45000" bIns="45000" anchor="ctr">
+            <a:noAutofit/>
+          </a:bodyPr>
+          <a:p>
+            <a:pPr>
+              <a:lnSpc>
+                <a:spcPct val="100000"/>
+              </a:lnSpc>
+            </a:pPr>
+            <a:r>
+              <a:rPr b="0" lang="en-US" sz="1800" spc="-1" strike="noStrike">
+                <a:solidFill>
+                  <a:schemeClr val="lt1"/>
+                </a:solidFill>
+                <a:latin typeface="Calibri"/>
+                <a:ea typeface="DejaVu Sans"/>
+              </a:rPr>
+              <a:t>          </a:t>
+            </a:r>
+            <a:r>
+              <a:rPr b="0" lang="en-US" sz="1800" spc="-1" strike="noStrike">
+                <a:solidFill>
+                  <a:schemeClr val="lt1"/>
+                </a:solidFill>
+                <a:latin typeface="Calibri"/>
+                <a:ea typeface="DejaVu Sans"/>
+              </a:rPr>
+              <a:t>JDK Installed</a:t>
+            </a:r>
+            <a:endParaRPr b="0" lang="en-US" sz="1800" spc="-1" strike="noStrike">
+              <a:solidFill>
+                <a:srgbClr val="ffffff"/>
+              </a:solidFill>
+              <a:latin typeface="Arial"/>
+            </a:endParaRPr>
+          </a:p>
+          <a:p>
+            <a:pPr>
+              <a:lnSpc>
+                <a:spcPct val="100000"/>
+              </a:lnSpc>
+            </a:pPr>
+            <a:r>
+              <a:rPr b="0" lang="en-US" sz="1800" spc="-1" strike="noStrike">
+                <a:solidFill>
+                  <a:schemeClr val="lt1"/>
+                </a:solidFill>
+                <a:latin typeface="Calibri"/>
+                <a:ea typeface="DejaVu Sans"/>
+              </a:rPr>
+              <a:t>                   ↓</a:t>
+            </a:r>
+            <a:endParaRPr b="0" lang="en-US" sz="1800" spc="-1" strike="noStrike">
+              <a:solidFill>
+                <a:srgbClr val="ffffff"/>
+              </a:solidFill>
+              <a:latin typeface="Arial"/>
+            </a:endParaRPr>
+          </a:p>
+          <a:p>
+            <a:pPr>
+              <a:lnSpc>
+                <a:spcPct val="100000"/>
+              </a:lnSpc>
+            </a:pPr>
+            <a:r>
+              <a:rPr b="1" lang="en-US" sz="1800" spc="-1" strike="noStrike">
+                <a:solidFill>
+                  <a:schemeClr val="lt1"/>
+                </a:solidFill>
+                <a:latin typeface="Calibri"/>
+                <a:ea typeface="DejaVu Sans"/>
+              </a:rPr>
+              <a:t>    </a:t>
+            </a:r>
+            <a:r>
+              <a:rPr b="1" lang="en-US" sz="1800" spc="-1" strike="noStrike">
+                <a:solidFill>
+                  <a:schemeClr val="lt1"/>
+                </a:solidFill>
+                <a:latin typeface="Calibri"/>
+                <a:ea typeface="DejaVu Sans"/>
+              </a:rPr>
+              <a:t>Set JAVA_HOME</a:t>
+            </a:r>
+            <a:r>
+              <a:rPr b="0" lang="en-US" sz="1800" spc="-1" strike="noStrike">
+                <a:solidFill>
+                  <a:schemeClr val="lt1"/>
+                </a:solidFill>
+                <a:latin typeface="Calibri"/>
+                <a:ea typeface="DejaVu Sans"/>
+              </a:rPr>
+              <a:t> →  C:\              Program Files\Java\jdk-xx</a:t>
+            </a:r>
+            <a:endParaRPr b="0" lang="en-US" sz="1800" spc="-1" strike="noStrike">
+              <a:solidFill>
+                <a:srgbClr val="ffffff"/>
+              </a:solidFill>
+              <a:latin typeface="Arial"/>
+            </a:endParaRPr>
+          </a:p>
+          <a:p>
+            <a:pPr>
+              <a:lnSpc>
+                <a:spcPct val="100000"/>
+              </a:lnSpc>
+            </a:pPr>
+            <a:r>
+              <a:rPr b="0" lang="en-US" sz="1800" spc="-1" strike="noStrike">
+                <a:solidFill>
+                  <a:schemeClr val="lt1"/>
+                </a:solidFill>
+                <a:latin typeface="Calibri"/>
+                <a:ea typeface="DejaVu Sans"/>
+              </a:rPr>
+              <a:t>                      ↓</a:t>
+            </a:r>
+            <a:endParaRPr b="0" lang="en-US" sz="1800" spc="-1" strike="noStrike">
+              <a:solidFill>
+                <a:srgbClr val="ffffff"/>
+              </a:solidFill>
+              <a:latin typeface="Arial"/>
+            </a:endParaRPr>
+          </a:p>
+          <a:p>
+            <a:pPr>
+              <a:lnSpc>
+                <a:spcPct val="100000"/>
+              </a:lnSpc>
+            </a:pPr>
+            <a:r>
+              <a:rPr b="1" lang="en-US" sz="1800" spc="-1" strike="noStrike">
+                <a:solidFill>
+                  <a:schemeClr val="lt1"/>
+                </a:solidFill>
+                <a:latin typeface="Calibri"/>
+                <a:ea typeface="DejaVu Sans"/>
+              </a:rPr>
+              <a:t>            </a:t>
+            </a:r>
+            <a:r>
+              <a:rPr b="1" lang="en-US" sz="1800" spc="-1" strike="noStrike">
+                <a:solidFill>
+                  <a:schemeClr val="lt1"/>
+                </a:solidFill>
+                <a:latin typeface="Calibri"/>
+                <a:ea typeface="DejaVu Sans"/>
+              </a:rPr>
+              <a:t>Append PATH →</a:t>
+            </a:r>
+            <a:r>
+              <a:rPr b="0" lang="en-US" sz="1800" spc="-1" strike="noStrike">
+                <a:solidFill>
+                  <a:schemeClr val="lt1"/>
+                </a:solidFill>
+                <a:latin typeface="Calibri"/>
+                <a:ea typeface="DejaVu Sans"/>
+              </a:rPr>
+              <a:t>                      %JAVA_HOME%\bin</a:t>
+            </a:r>
+            <a:endParaRPr b="0" lang="en-US" sz="1800" spc="-1" strike="noStrike">
+              <a:solidFill>
+                <a:srgbClr val="ffffff"/>
+              </a:solidFill>
+              <a:latin typeface="Arial"/>
+            </a:endParaRPr>
+          </a:p>
+          <a:p>
+            <a:pPr>
+              <a:lnSpc>
+                <a:spcPct val="100000"/>
+              </a:lnSpc>
+            </a:pPr>
+            <a:r>
+              <a:rPr b="0" lang="en-US" sz="1800" spc="-1" strike="noStrike">
+                <a:solidFill>
+                  <a:schemeClr val="lt1"/>
+                </a:solidFill>
+                <a:latin typeface="Calibri"/>
+                <a:ea typeface="DejaVu Sans"/>
+              </a:rPr>
+              <a:t>                        ↓</a:t>
+            </a:r>
+            <a:endParaRPr b="0" lang="en-US" sz="1800" spc="-1" strike="noStrike">
+              <a:solidFill>
+                <a:srgbClr val="ffffff"/>
+              </a:solidFill>
+              <a:latin typeface="Arial"/>
+            </a:endParaRPr>
+          </a:p>
+          <a:p>
+            <a:pPr>
+              <a:lnSpc>
+                <a:spcPct val="100000"/>
+              </a:lnSpc>
+            </a:pPr>
+            <a:r>
+              <a:rPr b="0" lang="en-US" sz="1800" spc="-1" strike="noStrike">
+                <a:solidFill>
+                  <a:schemeClr val="lt1"/>
+                </a:solidFill>
+                <a:latin typeface="Calibri"/>
+                <a:ea typeface="DejaVu Sans"/>
+              </a:rPr>
+              <a:t>    </a:t>
+            </a:r>
+            <a:r>
+              <a:rPr b="0" lang="en-US" sz="1800" spc="-1" strike="noStrike">
+                <a:solidFill>
+                  <a:schemeClr val="lt1"/>
+                </a:solidFill>
+                <a:latin typeface="Calibri"/>
+                <a:ea typeface="DejaVu Sans"/>
+              </a:rPr>
+              <a:t>Run java &amp; javac commands</a:t>
+            </a:r>
+            <a:endParaRPr b="0" lang="en-US" sz="1800" spc="-1" strike="noStrike">
+              <a:solidFill>
+                <a:srgbClr val="ffffff"/>
+              </a:solidFill>
+              <a:latin typeface="Arial"/>
+            </a:endParaRPr>
+          </a:p>
+          <a:p>
+            <a:pPr>
+              <a:lnSpc>
+                <a:spcPct val="100000"/>
+              </a:lnSpc>
+            </a:pPr>
+            <a:endParaRPr b="0" lang="en-US" sz="1800" spc="-1" strike="noStrike">
+              <a:solidFill>
+                <a:srgbClr val="ffffff"/>
+              </a:solidFill>
+              <a:latin typeface="Arial"/>
+            </a:endParaRPr>
+          </a:p>
+        </p:txBody>
+      </p:sp>
+      <p:sp>
+        <p:nvSpPr>
+          <p:cNvPr id="356" name="Rounded Rectangle 48"/>
+          <p:cNvSpPr/>
+          <p:nvPr/>
+        </p:nvSpPr>
+        <p:spPr>
+          <a:xfrm>
+            <a:off x="8028360" y="3182040"/>
+            <a:ext cx="3290760" cy="2742120"/>
+          </a:xfrm>
+          <a:prstGeom prst="roundRect">
+            <a:avLst>
+              <a:gd name="adj" fmla="val 16667"/>
+            </a:avLst>
+          </a:prstGeom>
+          <a:solidFill>
+            <a:srgbClr val="08080a"/>
+          </a:solidFill>
+          <a:ln>
+            <a:noFill/>
+          </a:ln>
+          <a:effectLst>
+            <a:outerShdw blurRad="39960" dir="5400000" dist="23040" rotWithShape="0">
+              <a:srgbClr val="000000">
+                <a:alpha val="35000"/>
+              </a:srgbClr>
+            </a:outerShdw>
+          </a:effectLst>
+        </p:spPr>
+        <p:style>
+          <a:lnRef idx="1">
+            <a:schemeClr val="accent1"/>
+          </a:lnRef>
+          <a:fillRef idx="3">
+            <a:schemeClr val="accent1"/>
+          </a:fillRef>
+          <a:effectRef idx="2">
+            <a:schemeClr val="accent1"/>
+          </a:effectRef>
+          <a:fontRef idx="minor"/>
+        </p:style>
+        <p:txBody>
+          <a:bodyPr lIns="90000" rIns="90000" tIns="45000" bIns="45000" anchor="ctr">
+            <a:noAutofit/>
+          </a:bodyPr>
+          <a:p>
+            <a:endParaRPr b="0" lang="en-US" sz="1800" spc="-1" strike="noStrike">
+              <a:solidFill>
+                <a:schemeClr val="lt1"/>
+              </a:solidFill>
+              <a:latin typeface="Calibri"/>
+              <a:ea typeface="DejaVu Sans"/>
+            </a:endParaRPr>
+          </a:p>
+        </p:txBody>
+      </p:sp>
+      <p:sp>
+        <p:nvSpPr>
+          <p:cNvPr id="357" name="Rounded Rectangle 49"/>
+          <p:cNvSpPr/>
+          <p:nvPr/>
+        </p:nvSpPr>
+        <p:spPr>
+          <a:xfrm>
+            <a:off x="7955280" y="3108960"/>
+            <a:ext cx="3290760" cy="2742120"/>
+          </a:xfrm>
+          <a:prstGeom prst="roundRect">
+            <a:avLst>
+              <a:gd name="adj" fmla="val 16667"/>
+            </a:avLst>
+          </a:prstGeom>
+          <a:solidFill>
+            <a:srgbClr val="16161c"/>
+          </a:solidFill>
+          <a:ln>
+            <a:solidFill>
+              <a:srgbClr val="464655"/>
+            </a:solidFill>
+            <a:round/>
+          </a:ln>
+          <a:effectLst>
+            <a:outerShdw blurRad="39960" dir="5400000" dist="23040" rotWithShape="0">
+              <a:srgbClr val="000000">
+                <a:alpha val="35000"/>
+              </a:srgbClr>
+            </a:outerShdw>
+          </a:effectLst>
+        </p:spPr>
+        <p:style>
+          <a:lnRef idx="1">
+            <a:schemeClr val="accent1"/>
+          </a:lnRef>
+          <a:fillRef idx="3">
+            <a:schemeClr val="accent1"/>
+          </a:fillRef>
+          <a:effectRef idx="2">
+            <a:schemeClr val="accent1"/>
+          </a:effectRef>
+          <a:fontRef idx="minor"/>
+        </p:style>
+        <p:txBody>
+          <a:bodyPr lIns="90000" rIns="90000" tIns="45000" bIns="45000" anchor="ctr">
+            <a:noAutofit/>
+          </a:bodyPr>
+          <a:p>
+            <a:pPr algn="ctr">
+              <a:lnSpc>
+                <a:spcPct val="100000"/>
+              </a:lnSpc>
+            </a:pPr>
+            <a:r>
+              <a:rPr b="0" lang="en-US" sz="1500" spc="-1" strike="noStrike">
+                <a:solidFill>
+                  <a:srgbClr val="78ffc8"/>
+                </a:solidFill>
+                <a:latin typeface="Consolas"/>
+                <a:ea typeface="DejaVu Sans"/>
+              </a:rPr>
+              <a:t># Windows</a:t>
+            </a:r>
+            <a:endParaRPr b="0" lang="en-US" sz="1500" spc="-1" strike="noStrike">
+              <a:solidFill>
+                <a:srgbClr val="ffffff"/>
+              </a:solidFill>
+              <a:latin typeface="Arial"/>
+            </a:endParaRPr>
+          </a:p>
+          <a:p>
+            <a:pPr algn="ctr">
+              <a:lnSpc>
+                <a:spcPct val="100000"/>
+              </a:lnSpc>
+            </a:pPr>
+            <a:r>
+              <a:rPr b="0" lang="en-US" sz="1500" spc="-1" strike="noStrike">
+                <a:solidFill>
+                  <a:srgbClr val="78ffc8"/>
+                </a:solidFill>
+                <a:latin typeface="Consolas"/>
+                <a:ea typeface="DejaVu Sans"/>
+              </a:rPr>
+              <a:t>setx JAVA_HOME "C:\Program Files\Java\jdk-xx"</a:t>
+            </a:r>
+            <a:endParaRPr b="0" lang="en-US" sz="1500" spc="-1" strike="noStrike">
+              <a:solidFill>
+                <a:srgbClr val="ffffff"/>
+              </a:solidFill>
+              <a:latin typeface="Arial"/>
+            </a:endParaRPr>
+          </a:p>
+          <a:p>
+            <a:pPr algn="ctr">
+              <a:lnSpc>
+                <a:spcPct val="100000"/>
+              </a:lnSpc>
+            </a:pPr>
+            <a:r>
+              <a:rPr b="0" lang="en-US" sz="1500" spc="-1" strike="noStrike">
+                <a:solidFill>
+                  <a:srgbClr val="78ffc8"/>
+                </a:solidFill>
+                <a:latin typeface="Consolas"/>
+                <a:ea typeface="DejaVu Sans"/>
+              </a:rPr>
+              <a:t>setx PATH "%JAVA_HOME%\bin;%PATH%"</a:t>
+            </a:r>
+            <a:endParaRPr b="0" lang="en-US" sz="1500" spc="-1" strike="noStrike">
+              <a:solidFill>
+                <a:srgbClr val="ffffff"/>
+              </a:solidFill>
+              <a:latin typeface="Arial"/>
+            </a:endParaRPr>
+          </a:p>
+          <a:p>
+            <a:pPr algn="ctr">
+              <a:lnSpc>
+                <a:spcPct val="100000"/>
+              </a:lnSpc>
+            </a:pPr>
+            <a:endParaRPr b="0" lang="en-US" sz="1500" spc="-1" strike="noStrike">
+              <a:solidFill>
+                <a:srgbClr val="ffffff"/>
+              </a:solidFill>
+              <a:latin typeface="Arial"/>
+            </a:endParaRPr>
+          </a:p>
+          <a:p>
+            <a:pPr algn="ctr">
+              <a:lnSpc>
+                <a:spcPct val="100000"/>
+              </a:lnSpc>
+            </a:pPr>
+            <a:r>
+              <a:rPr b="0" lang="en-US" sz="1500" spc="-1" strike="noStrike">
+                <a:solidFill>
+                  <a:srgbClr val="78ffc8"/>
+                </a:solidFill>
+                <a:latin typeface="Consolas"/>
+                <a:ea typeface="DejaVu Sans"/>
+              </a:rPr>
+              <a:t># Linux/Mac</a:t>
+            </a:r>
+            <a:endParaRPr b="0" lang="en-US" sz="1500" spc="-1" strike="noStrike">
+              <a:solidFill>
+                <a:srgbClr val="ffffff"/>
+              </a:solidFill>
+              <a:latin typeface="Arial"/>
+            </a:endParaRPr>
+          </a:p>
+          <a:p>
+            <a:pPr algn="ctr">
+              <a:lnSpc>
+                <a:spcPct val="100000"/>
+              </a:lnSpc>
+            </a:pPr>
+            <a:r>
+              <a:rPr b="0" lang="en-US" sz="1500" spc="-1" strike="noStrike">
+                <a:solidFill>
+                  <a:srgbClr val="78ffc8"/>
+                </a:solidFill>
+                <a:latin typeface="Consolas"/>
+                <a:ea typeface="DejaVu Sans"/>
+              </a:rPr>
+              <a:t>export JAVA_HOME=/usr/lib/jvm/jdk-xx</a:t>
+            </a:r>
+            <a:endParaRPr b="0" lang="en-US" sz="1500" spc="-1" strike="noStrike">
+              <a:solidFill>
+                <a:srgbClr val="ffffff"/>
+              </a:solidFill>
+              <a:latin typeface="Arial"/>
+            </a:endParaRPr>
+          </a:p>
+          <a:p>
+            <a:pPr algn="ctr">
+              <a:lnSpc>
+                <a:spcPct val="100000"/>
+              </a:lnSpc>
+            </a:pPr>
+            <a:r>
+              <a:rPr b="0" lang="en-US" sz="1500" spc="-1" strike="noStrike">
+                <a:solidFill>
+                  <a:srgbClr val="78ffc8"/>
+                </a:solidFill>
+                <a:latin typeface="Consolas"/>
+                <a:ea typeface="DejaVu Sans"/>
+              </a:rPr>
+              <a:t>export PATH=$JAVA_HOME/bin:$PATH</a:t>
+            </a:r>
+            <a:endParaRPr b="0" lang="en-US" sz="1500" spc="-1" strike="noStrike">
+              <a:solidFill>
+                <a:srgbClr val="ffffff"/>
+              </a:solidFill>
+              <a:latin typeface="Arial"/>
+            </a:endParaRPr>
+          </a:p>
+        </p:txBody>
+      </p:sp>
+      <p:sp>
+        <p:nvSpPr>
+          <p:cNvPr id="358" name="TextBox 20"/>
+          <p:cNvSpPr/>
+          <p:nvPr/>
+        </p:nvSpPr>
+        <p:spPr>
+          <a:xfrm>
+            <a:off x="4600080" y="6446520"/>
+            <a:ext cx="3051720" cy="363960"/>
           </a:xfrm>
           <a:prstGeom prst="rect">
             <a:avLst/>
@@ -22800,4 +29331,230 @@
     </a:fmtScheme>
   </a:themeElements>
 </a:theme>
+</file>
+
+<file path=ppt/theme/theme5.xml><?xml version="1.0" encoding="utf-8"?>
+<a:theme xmlns:a="http://schemas.openxmlformats.org/drawingml/2006/main" name="Office Theme">
+  <a:themeElements>
+    <a:clrScheme name="Office">
+      <a:dk1>
+        <a:sysClr val="windowText" lastClr="000000"/>
+      </a:dk1>
+      <a:lt1>
+        <a:sysClr val="window" lastClr="FFFFFF"/>
+      </a:lt1>
+      <a:dk2>
+        <a:srgbClr val="1f497d"/>
+      </a:dk2>
+      <a:lt2>
+        <a:srgbClr val="eeece1"/>
+      </a:lt2>
+      <a:accent1>
+        <a:srgbClr val="4f81bd"/>
+      </a:accent1>
+      <a:accent2>
+        <a:srgbClr val="c0504d"/>
+      </a:accent2>
+      <a:accent3>
+        <a:srgbClr val="9bbb59"/>
+      </a:accent3>
+      <a:accent4>
+        <a:srgbClr val="8064a2"/>
+      </a:accent4>
+      <a:accent5>
+        <a:srgbClr val="4bacc6"/>
+      </a:accent5>
+      <a:accent6>
+        <a:srgbClr val="f79646"/>
+      </a:accent6>
+      <a:hlink>
+        <a:srgbClr val="0000ff"/>
+      </a:hlink>
+      <a:folHlink>
+        <a:srgbClr val="800080"/>
+      </a:folHlink>
+    </a:clrScheme>
+    <a:fontScheme name="Office">
+      <a:majorFont>
+        <a:latin typeface="Arial"/>
+        <a:ea typeface="DejaVu Sans"/>
+        <a:cs typeface="DejaVu Sans"/>
+      </a:majorFont>
+      <a:minorFont>
+        <a:latin typeface="Arial"/>
+        <a:ea typeface="DejaVu Sans"/>
+        <a:cs typeface="DejaVu Sans"/>
+      </a:minorFont>
+    </a:fontScheme>
+    <a:fmtScheme name="Office">
+      <a:fillStyleLst>
+        <a:solidFill>
+          <a:schemeClr val="phClr"/>
+        </a:solidFill>
+        <a:gradFill rotWithShape="1">
+          <a:gsLst>
+            <a:gs pos="0">
+              <a:schemeClr val="phClr">
+                <a:tint val="50000"/>
+                <a:satMod val="300000"/>
+              </a:schemeClr>
+            </a:gs>
+            <a:gs pos="35000">
+              <a:schemeClr val="phClr">
+                <a:tint val="37000"/>
+                <a:satMod val="300000"/>
+              </a:schemeClr>
+            </a:gs>
+            <a:gs pos="100000">
+              <a:schemeClr val="phClr">
+                <a:tint val="15000"/>
+                <a:satMod val="350000"/>
+              </a:schemeClr>
+            </a:gs>
+          </a:gsLst>
+          <a:lin ang="16200000" scaled="1"/>
+        </a:gradFill>
+        <a:gradFill rotWithShape="1">
+          <a:gsLst>
+            <a:gs pos="0">
+              <a:schemeClr val="phClr">
+                <a:shade val="51000"/>
+                <a:satMod val="130000"/>
+              </a:schemeClr>
+            </a:gs>
+            <a:gs pos="80000">
+              <a:schemeClr val="phClr">
+                <a:shade val="93000"/>
+                <a:satMod val="130000"/>
+              </a:schemeClr>
+            </a:gs>
+            <a:gs pos="100000">
+              <a:schemeClr val="phClr">
+                <a:shade val="94000"/>
+                <a:satMod val="135000"/>
+              </a:schemeClr>
+            </a:gs>
+          </a:gsLst>
+          <a:lin ang="16200000" scaled="0"/>
+        </a:gradFill>
+      </a:fillStyleLst>
+      <a:lnStyleLst>
+        <a:ln w="9525" cap="flat" cmpd="sng" algn="ctr">
+          <a:solidFill>
+            <a:schemeClr val="phClr">
+              <a:shade val="95000"/>
+              <a:satMod val="105000"/>
+            </a:schemeClr>
+          </a:solidFill>
+          <a:prstDash val="solid"/>
+          <a:miter/>
+        </a:ln>
+        <a:ln w="25400" cap="flat" cmpd="sng" algn="ctr">
+          <a:solidFill>
+            <a:schemeClr val="phClr"/>
+          </a:solidFill>
+          <a:prstDash val="solid"/>
+          <a:miter/>
+        </a:ln>
+        <a:ln w="38100" cap="flat" cmpd="sng" algn="ctr">
+          <a:solidFill>
+            <a:schemeClr val="phClr"/>
+          </a:solidFill>
+          <a:prstDash val="solid"/>
+          <a:miter/>
+        </a:ln>
+      </a:lnStyleLst>
+      <a:effectStyleLst>
+        <a:effectStyle>
+          <a:effectLst>
+            <a:outerShdw blurRad="40000" dist="20000" dir="5400000" rotWithShape="0">
+              <a:srgbClr val="000000">
+                <a:alpha val="38000"/>
+              </a:srgbClr>
+            </a:outerShdw>
+          </a:effectLst>
+        </a:effectStyle>
+        <a:effectStyle>
+          <a:effectLst>
+            <a:outerShdw blurRad="40000" dist="23000" dir="5400000" rotWithShape="0">
+              <a:srgbClr val="000000">
+                <a:alpha val="35000"/>
+              </a:srgbClr>
+            </a:outerShdw>
+          </a:effectLst>
+        </a:effectStyle>
+        <a:effectStyle>
+          <a:effectLst>
+            <a:outerShdw blurRad="40000" dist="23000" dir="5400000" rotWithShape="0">
+              <a:srgbClr val="000000">
+                <a:alpha val="35000"/>
+              </a:srgbClr>
+            </a:outerShdw>
+          </a:effectLst>
+          <a:scene3d>
+            <a:camera prst="orthographicFront">
+              <a:rot lat="0" lon="0" rev="0"/>
+            </a:camera>
+            <a:lightRig rig="threePt" dir="t">
+              <a:rot lat="0" lon="0" rev="1200000"/>
+            </a:lightRig>
+          </a:scene3d>
+          <a:sp3d>
+            <a:bevelT w="63500" h="25400"/>
+          </a:sp3d>
+        </a:effectStyle>
+      </a:effectStyleLst>
+      <a:bgFillStyleLst>
+        <a:solidFill>
+          <a:schemeClr val="phClr"/>
+        </a:solidFill>
+        <a:gradFill rotWithShape="1">
+          <a:gsLst>
+            <a:gs pos="0">
+              <a:schemeClr val="phClr">
+                <a:tint val="40000"/>
+                <a:satMod val="350000"/>
+              </a:schemeClr>
+            </a:gs>
+            <a:gs pos="40000">
+              <a:schemeClr val="phClr">
+                <a:tint val="45000"/>
+                <a:shade val="99000"/>
+                <a:satMod val="350000"/>
+              </a:schemeClr>
+            </a:gs>
+            <a:gs pos="100000">
+              <a:schemeClr val="phClr">
+                <a:shade val="20000"/>
+                <a:satMod val="255000"/>
+              </a:schemeClr>
+            </a:gs>
+          </a:gsLst>
+          <a:path path="circle">
+            <a:fillToRect l="50000" t="-80000" r="50000" b="180000"/>
+          </a:path>
+        </a:gradFill>
+        <a:gradFill rotWithShape="1">
+          <a:gsLst>
+            <a:gs pos="0">
+              <a:schemeClr val="phClr">
+                <a:tint val="80000"/>
+                <a:satMod val="300000"/>
+              </a:schemeClr>
+            </a:gs>
+            <a:gs pos="100000">
+              <a:schemeClr val="phClr">
+                <a:shade val="30000"/>
+                <a:satMod val="200000"/>
+              </a:schemeClr>
+            </a:gs>
+          </a:gsLst>
+          <a:path path="circle">
+            <a:fillToRect l="50000" t="50000" r="50000" b="50000"/>
+          </a:path>
+        </a:gradFill>
+      </a:bgFillStyleLst>
+    </a:fmtScheme>
+  </a:themeElements>
+</a:theme>
 </file>
--- a/Java/Java #2/EN/Java #2.pptx
+++ b/Java/Java #2/EN/Java #2.pptx
@@ -15,6 +15,8 @@
     <p:sldId id="259" r:id="rId10"/>
     <p:sldId id="260" r:id="rId11"/>
     <p:sldId id="261" r:id="rId12"/>
+    <p:sldId id="262" r:id="rId13"/>
+    <p:sldId id="263" r:id="rId14"/>
   </p:sldIdLst>
   <p:sldSz cx="9144000" cy="6858000"/>
   <p:notesSz cx="7772400" cy="10058400"/>
@@ -72,7 +74,7 @@
         <p:txBody>
           <a:bodyPr/>
           <a:p>
-            <a:fld id="{6DA8CC0A-E412-474D-B022-7575A9753948}" type="slidenum">
+            <a:fld id="{6FB9358B-4FBC-4A27-BE5C-8180CE2ACF9A}" type="slidenum">
               <a:t>&lt;#&gt;</a:t>
             </a:fld>
           </a:p>
@@ -281,7 +283,7 @@
         <p:txBody>
           <a:bodyPr/>
           <a:p>
-            <a:fld id="{F5E22A53-EB41-41AE-ACF7-C0E496A0F16F}" type="slidenum">
+            <a:fld id="{04DDC449-4ACC-4BE8-AA0B-205CE25858FD}" type="slidenum">
               <a:t>&lt;#&gt;</a:t>
             </a:fld>
           </a:p>
@@ -576,7 +578,7 @@
         <p:txBody>
           <a:bodyPr/>
           <a:p>
-            <a:fld id="{735C2A46-6512-4229-B3BB-12A647C195D0}" type="slidenum">
+            <a:fld id="{CFB62FD5-7A29-4CD5-B142-725EC5D12CEF}" type="slidenum">
               <a:t>&lt;#&gt;</a:t>
             </a:fld>
           </a:p>
@@ -957,7 +959,7 @@
         <p:txBody>
           <a:bodyPr/>
           <a:p>
-            <a:fld id="{E35E1C70-0482-4995-9094-D57853156C00}" type="slidenum">
+            <a:fld id="{3C569EB0-80D3-4E3A-9792-1ABFDA16527C}" type="slidenum">
               <a:t>&lt;#&gt;</a:t>
             </a:fld>
           </a:p>
@@ -1040,7 +1042,7 @@
         <p:txBody>
           <a:bodyPr/>
           <a:p>
-            <a:fld id="{9D2B0E96-1542-4981-870F-07A2C7881C7C}" type="slidenum">
+            <a:fld id="{4875EEAD-03B2-47F0-B70E-95BB6C2B2080}" type="slidenum">
               <a:t>&lt;#&gt;</a:t>
             </a:fld>
           </a:p>
@@ -1203,7 +1205,7 @@
         <p:txBody>
           <a:bodyPr/>
           <a:p>
-            <a:fld id="{8E5EED53-03A9-43F5-949B-EFF3FAA68F2E}" type="slidenum">
+            <a:fld id="{9AAB7AC8-9806-4A0A-868C-21C6A34331C4}" type="slidenum">
               <a:t>&lt;#&gt;</a:t>
             </a:fld>
           </a:p>
@@ -1369,7 +1371,7 @@
         <p:txBody>
           <a:bodyPr/>
           <a:p>
-            <a:fld id="{A4657F02-4CB3-48F2-A656-3CB3833A4A09}" type="slidenum">
+            <a:fld id="{060620D1-B823-4502-BBD3-CB7DC6B4CB2F}" type="slidenum">
               <a:t>&lt;#&gt;</a:t>
             </a:fld>
           </a:p>
@@ -1578,7 +1580,7 @@
         <p:txBody>
           <a:bodyPr/>
           <a:p>
-            <a:fld id="{9CE8A480-CB46-4F95-909D-0EEDD607C995}" type="slidenum">
+            <a:fld id="{AD9CF064-F595-4555-87A0-62CB6787FA38}" type="slidenum">
               <a:t>&lt;#&gt;</a:t>
             </a:fld>
           </a:p>
@@ -1701,7 +1703,7 @@
         <p:txBody>
           <a:bodyPr/>
           <a:p>
-            <a:fld id="{3111DB13-3DD4-40DD-9D92-BB5D1134D79D}" type="slidenum">
+            <a:fld id="{524BC74A-53F8-431D-94A0-A4448E016F92}" type="slidenum">
               <a:t>&lt;#&gt;</a:t>
             </a:fld>
           </a:p>
@@ -1822,7 +1824,7 @@
         <p:txBody>
           <a:bodyPr/>
           <a:p>
-            <a:fld id="{10B26C93-C1BB-4C28-9C6F-AC8177F1D512}" type="slidenum">
+            <a:fld id="{DDA90728-F67D-4D4E-A574-3222460CD54F}" type="slidenum">
               <a:t>&lt;#&gt;</a:t>
             </a:fld>
           </a:p>
@@ -2074,7 +2076,7 @@
         <p:txBody>
           <a:bodyPr/>
           <a:p>
-            <a:fld id="{7F83FEA3-899F-44A1-81F4-651F4A647E82}" type="slidenum">
+            <a:fld id="{E6E783FF-03A2-4FB8-BBD2-0F760FB84347}" type="slidenum">
               <a:t>&lt;#&gt;</a:t>
             </a:fld>
           </a:p>
@@ -2237,7 +2239,7 @@
         <p:txBody>
           <a:bodyPr/>
           <a:p>
-            <a:fld id="{0BFC5530-4C1B-4639-B032-6B734B09A526}" type="slidenum">
+            <a:fld id="{CD7625FE-AAEE-4159-BF2B-6336C47D4759}" type="slidenum">
               <a:t>&lt;#&gt;</a:t>
             </a:fld>
           </a:p>
@@ -2489,7 +2491,7 @@
         <p:txBody>
           <a:bodyPr/>
           <a:p>
-            <a:fld id="{DD3D5F5D-7D0B-40CB-8C55-236B41999477}" type="slidenum">
+            <a:fld id="{342F7F23-4F2A-4B20-9639-35C1C4639FA0}" type="slidenum">
               <a:t>&lt;#&gt;</a:t>
             </a:fld>
           </a:p>
@@ -2741,7 +2743,7 @@
         <p:txBody>
           <a:bodyPr/>
           <a:p>
-            <a:fld id="{E112F5A6-2747-432D-96EC-BC087F7A7458}" type="slidenum">
+            <a:fld id="{992C6C2F-EDA5-48A1-880D-EBF2CD2D848A}" type="slidenum">
               <a:t>&lt;#&gt;</a:t>
             </a:fld>
           </a:p>
@@ -2950,7 +2952,7 @@
         <p:txBody>
           <a:bodyPr/>
           <a:p>
-            <a:fld id="{7B3751E4-5358-4975-B2F6-E47763905C7E}" type="slidenum">
+            <a:fld id="{9F4AEA09-F1A8-4057-AC69-3AF37063E10B}" type="slidenum">
               <a:t>&lt;#&gt;</a:t>
             </a:fld>
           </a:p>
@@ -3245,7 +3247,7 @@
         <p:txBody>
           <a:bodyPr/>
           <a:p>
-            <a:fld id="{12DDEB9B-DCA1-4B01-9928-BA07C3E50A58}" type="slidenum">
+            <a:fld id="{51EE18D2-B2B5-412F-907D-262CC44CAFE8}" type="slidenum">
               <a:t>&lt;#&gt;</a:t>
             </a:fld>
           </a:p>
@@ -3626,7 +3628,7 @@
         <p:txBody>
           <a:bodyPr/>
           <a:p>
-            <a:fld id="{67488D41-AB89-47B1-B7C6-5B56E4D75617}" type="slidenum">
+            <a:fld id="{E8CBB8CC-5932-4C74-9548-AE3EA58B4DA7}" type="slidenum">
               <a:t>&lt;#&gt;</a:t>
             </a:fld>
           </a:p>
@@ -3709,7 +3711,7 @@
         <p:txBody>
           <a:bodyPr/>
           <a:p>
-            <a:fld id="{50A6C6D9-5BCA-4262-8FC4-E27080E693D5}" type="slidenum">
+            <a:fld id="{4BB5E7D3-4DBA-401A-88E5-CD6DB6BC189D}" type="slidenum">
               <a:t>&lt;#&gt;</a:t>
             </a:fld>
           </a:p>
@@ -3872,7 +3874,7 @@
         <p:txBody>
           <a:bodyPr/>
           <a:p>
-            <a:fld id="{24B19B95-4093-4794-81BE-B9F15BEAB243}" type="slidenum">
+            <a:fld id="{B129223D-3F8C-414B-8E94-40685B3A0E22}" type="slidenum">
               <a:t>&lt;#&gt;</a:t>
             </a:fld>
           </a:p>
@@ -4038,7 +4040,7 @@
         <p:txBody>
           <a:bodyPr/>
           <a:p>
-            <a:fld id="{C3800CDD-5AA5-4317-9F63-E346C797F3A7}" type="slidenum">
+            <a:fld id="{E619F921-E66A-4B8C-8CFC-83C2C90581BB}" type="slidenum">
               <a:t>&lt;#&gt;</a:t>
             </a:fld>
           </a:p>
@@ -4247,7 +4249,7 @@
         <p:txBody>
           <a:bodyPr/>
           <a:p>
-            <a:fld id="{0599DE2E-FBD7-4069-AA15-965C9B407D18}" type="slidenum">
+            <a:fld id="{69390ADE-FBC3-412D-AD27-9CD85D4347E2}" type="slidenum">
               <a:t>&lt;#&gt;</a:t>
             </a:fld>
           </a:p>
@@ -4370,7 +4372,7 @@
         <p:txBody>
           <a:bodyPr/>
           <a:p>
-            <a:fld id="{32668940-9600-4329-8141-B4C26D673CB7}" type="slidenum">
+            <a:fld id="{FE94566E-1693-4160-805D-D20120269A9F}" type="slidenum">
               <a:t>&lt;#&gt;</a:t>
             </a:fld>
           </a:p>
@@ -4536,7 +4538,7 @@
         <p:txBody>
           <a:bodyPr/>
           <a:p>
-            <a:fld id="{5574992E-7640-4612-8C96-87EA919F5048}" type="slidenum">
+            <a:fld id="{DA7B4C13-E72C-4D28-8D09-08F0652BE931}" type="slidenum">
               <a:t>&lt;#&gt;</a:t>
             </a:fld>
           </a:p>
@@ -4657,7 +4659,7 @@
         <p:txBody>
           <a:bodyPr/>
           <a:p>
-            <a:fld id="{D593125F-3B36-48BD-BE1B-E65E6AE9046B}" type="slidenum">
+            <a:fld id="{490467A2-AEAA-46C9-A9B5-6B5DFE9655CE}" type="slidenum">
               <a:t>&lt;#&gt;</a:t>
             </a:fld>
           </a:p>
@@ -4909,7 +4911,7 @@
         <p:txBody>
           <a:bodyPr/>
           <a:p>
-            <a:fld id="{3AB00611-1268-43E6-A917-B2035786B222}" type="slidenum">
+            <a:fld id="{71B226BE-4516-4D64-8FA8-120985B8C5DD}" type="slidenum">
               <a:t>&lt;#&gt;</a:t>
             </a:fld>
           </a:p>
@@ -5161,7 +5163,7 @@
         <p:txBody>
           <a:bodyPr/>
           <a:p>
-            <a:fld id="{43DF04CE-6B88-4F64-9045-B9F4ECCBC6F2}" type="slidenum">
+            <a:fld id="{C191CBC0-FADA-44E9-B5C3-4C321A0B6718}" type="slidenum">
               <a:t>&lt;#&gt;</a:t>
             </a:fld>
           </a:p>
@@ -5413,7 +5415,7 @@
         <p:txBody>
           <a:bodyPr/>
           <a:p>
-            <a:fld id="{D52A1FE3-1E6E-432B-91EB-E0C19ABF5916}" type="slidenum">
+            <a:fld id="{82950E65-4401-4F73-91C9-F2FC72F29A1E}" type="slidenum">
               <a:t>&lt;#&gt;</a:t>
             </a:fld>
           </a:p>
@@ -5622,7 +5624,7 @@
         <p:txBody>
           <a:bodyPr/>
           <a:p>
-            <a:fld id="{C0A90EF7-5703-48D0-99B8-58AD28DD046B}" type="slidenum">
+            <a:fld id="{FC0FFFC9-D5B5-4329-92E0-7467C49F7318}" type="slidenum">
               <a:t>&lt;#&gt;</a:t>
             </a:fld>
           </a:p>
@@ -5917,7 +5919,7 @@
         <p:txBody>
           <a:bodyPr/>
           <a:p>
-            <a:fld id="{68673A61-D109-4E27-BBD6-DC3A1A587ACD}" type="slidenum">
+            <a:fld id="{D005D6B4-22B7-46CE-8D80-02FE5655ADD1}" type="slidenum">
               <a:t>&lt;#&gt;</a:t>
             </a:fld>
           </a:p>
@@ -6298,7 +6300,7 @@
         <p:txBody>
           <a:bodyPr/>
           <a:p>
-            <a:fld id="{81F8BE33-CE4C-4865-948D-04362759E252}" type="slidenum">
+            <a:fld id="{9CAAAD76-CF68-4788-8CF1-C91F6C2DC0FB}" type="slidenum">
               <a:t>&lt;#&gt;</a:t>
             </a:fld>
           </a:p>
@@ -6381,7 +6383,7 @@
         <p:txBody>
           <a:bodyPr/>
           <a:p>
-            <a:fld id="{B8F6342E-7F06-48A0-9A07-1BA6C4EC2F44}" type="slidenum">
+            <a:fld id="{CA2240AB-84D7-4B32-806B-655BFE391E4F}" type="slidenum">
               <a:t>&lt;#&gt;</a:t>
             </a:fld>
           </a:p>
@@ -6432,7 +6434,7 @@
       </p:grpSpPr>
       <p:sp>
         <p:nvSpPr>
-          <p:cNvPr id="126" name="PlaceHolder 1"/>
+          <p:cNvPr id="128" name="PlaceHolder 1"/>
           <p:cNvSpPr>
             <a:spLocks noGrp="1"/>
           </p:cNvSpPr>
@@ -6472,7 +6474,7 @@
       </p:sp>
       <p:sp>
         <p:nvSpPr>
-          <p:cNvPr id="127" name="PlaceHolder 2"/>
+          <p:cNvPr id="129" name="PlaceHolder 2"/>
           <p:cNvSpPr>
             <a:spLocks noGrp="1"/>
           </p:cNvSpPr>
@@ -6544,7 +6546,7 @@
         <p:txBody>
           <a:bodyPr/>
           <a:p>
-            <a:fld id="{F21D4630-BF4E-4390-A9B7-AAC3FC28CF8F}" type="slidenum">
+            <a:fld id="{97062EA2-E39E-4C19-BF76-A9F9C658B8E1}" type="slidenum">
               <a:t>&lt;#&gt;</a:t>
             </a:fld>
           </a:p>
@@ -6595,7 +6597,7 @@
       </p:grpSpPr>
       <p:sp>
         <p:nvSpPr>
-          <p:cNvPr id="128" name="PlaceHolder 1"/>
+          <p:cNvPr id="130" name="PlaceHolder 1"/>
           <p:cNvSpPr>
             <a:spLocks noGrp="1"/>
           </p:cNvSpPr>
@@ -6635,7 +6637,7 @@
       </p:sp>
       <p:sp>
         <p:nvSpPr>
-          <p:cNvPr id="129" name="PlaceHolder 2"/>
+          <p:cNvPr id="131" name="PlaceHolder 2"/>
           <p:cNvSpPr>
             <a:spLocks noGrp="1"/>
           </p:cNvSpPr>
@@ -6710,7 +6712,7 @@
         <p:txBody>
           <a:bodyPr/>
           <a:p>
-            <a:fld id="{4BFAFE9B-CD04-4324-BA58-F23DD2B293F6}" type="slidenum">
+            <a:fld id="{74D4C0D6-6B64-4136-8AFA-F10D68FE6AF2}" type="slidenum">
               <a:t>&lt;#&gt;</a:t>
             </a:fld>
           </a:p>
@@ -6919,7 +6921,7 @@
         <p:txBody>
           <a:bodyPr/>
           <a:p>
-            <a:fld id="{A1530B4A-7048-46FC-924D-FD7E4E06EB2F}" type="slidenum">
+            <a:fld id="{78D3559B-04A4-47C9-BC64-04C812D1AC73}" type="slidenum">
               <a:t>&lt;#&gt;</a:t>
             </a:fld>
           </a:p>
@@ -6970,7 +6972,7 @@
       </p:grpSpPr>
       <p:sp>
         <p:nvSpPr>
-          <p:cNvPr id="130" name="PlaceHolder 1"/>
+          <p:cNvPr id="132" name="PlaceHolder 1"/>
           <p:cNvSpPr>
             <a:spLocks noGrp="1"/>
           </p:cNvSpPr>
@@ -7010,7 +7012,7 @@
       </p:sp>
       <p:sp>
         <p:nvSpPr>
-          <p:cNvPr id="131" name="PlaceHolder 2"/>
+          <p:cNvPr id="133" name="PlaceHolder 2"/>
           <p:cNvSpPr>
             <a:spLocks noGrp="1"/>
           </p:cNvSpPr>
@@ -7053,7 +7055,7 @@
       </p:sp>
       <p:sp>
         <p:nvSpPr>
-          <p:cNvPr id="132" name="PlaceHolder 3"/>
+          <p:cNvPr id="134" name="PlaceHolder 3"/>
           <p:cNvSpPr>
             <a:spLocks noGrp="1"/>
           </p:cNvSpPr>
@@ -7128,7 +7130,7 @@
         <p:txBody>
           <a:bodyPr/>
           <a:p>
-            <a:fld id="{3F3D8E0C-D053-4129-A9B8-0E1BB2F70F14}" type="slidenum">
+            <a:fld id="{DDEB0088-2530-4D05-9567-1043C629EB99}" type="slidenum">
               <a:t>&lt;#&gt;</a:t>
             </a:fld>
           </a:p>
@@ -7179,7 +7181,7 @@
       </p:grpSpPr>
       <p:sp>
         <p:nvSpPr>
-          <p:cNvPr id="133" name="PlaceHolder 1"/>
+          <p:cNvPr id="135" name="PlaceHolder 1"/>
           <p:cNvSpPr>
             <a:spLocks noGrp="1"/>
           </p:cNvSpPr>
@@ -7251,7 +7253,7 @@
         <p:txBody>
           <a:bodyPr/>
           <a:p>
-            <a:fld id="{2A77D188-7487-4787-8CD7-92F8BF0AF8EC}" type="slidenum">
+            <a:fld id="{82D13F61-D175-419A-9C00-ECEF850978A6}" type="slidenum">
               <a:t>&lt;#&gt;</a:t>
             </a:fld>
           </a:p>
@@ -7302,7 +7304,7 @@
       </p:grpSpPr>
       <p:sp>
         <p:nvSpPr>
-          <p:cNvPr id="134" name="PlaceHolder 1"/>
+          <p:cNvPr id="136" name="PlaceHolder 1"/>
           <p:cNvSpPr>
             <a:spLocks noGrp="1"/>
           </p:cNvSpPr>
@@ -7372,7 +7374,7 @@
         <p:txBody>
           <a:bodyPr/>
           <a:p>
-            <a:fld id="{98FEBDDD-2B06-4ECA-B86F-71F871151ECD}" type="slidenum">
+            <a:fld id="{FE466E97-5C87-41E5-AC77-F7FF586961B3}" type="slidenum">
               <a:t>&lt;#&gt;</a:t>
             </a:fld>
           </a:p>
@@ -7423,7 +7425,7 @@
       </p:grpSpPr>
       <p:sp>
         <p:nvSpPr>
-          <p:cNvPr id="135" name="PlaceHolder 1"/>
+          <p:cNvPr id="137" name="PlaceHolder 1"/>
           <p:cNvSpPr>
             <a:spLocks noGrp="1"/>
           </p:cNvSpPr>
@@ -7463,7 +7465,7 @@
       </p:sp>
       <p:sp>
         <p:nvSpPr>
-          <p:cNvPr id="136" name="PlaceHolder 2"/>
+          <p:cNvPr id="138" name="PlaceHolder 2"/>
           <p:cNvSpPr>
             <a:spLocks noGrp="1"/>
           </p:cNvSpPr>
@@ -7506,7 +7508,7 @@
       </p:sp>
       <p:sp>
         <p:nvSpPr>
-          <p:cNvPr id="137" name="PlaceHolder 3"/>
+          <p:cNvPr id="139" name="PlaceHolder 3"/>
           <p:cNvSpPr>
             <a:spLocks noGrp="1"/>
           </p:cNvSpPr>
@@ -7549,7 +7551,7 @@
       </p:sp>
       <p:sp>
         <p:nvSpPr>
-          <p:cNvPr id="138" name="PlaceHolder 4"/>
+          <p:cNvPr id="140" name="PlaceHolder 4"/>
           <p:cNvSpPr>
             <a:spLocks noGrp="1"/>
           </p:cNvSpPr>
@@ -7624,7 +7626,7 @@
         <p:txBody>
           <a:bodyPr/>
           <a:p>
-            <a:fld id="{7C97947D-5AE7-4C8E-9D7F-4286D961BF0D}" type="slidenum">
+            <a:fld id="{A2B98709-F69C-4291-903B-4F6C79F94D36}" type="slidenum">
               <a:t>&lt;#&gt;</a:t>
             </a:fld>
           </a:p>
@@ -7675,7 +7677,7 @@
       </p:grpSpPr>
       <p:sp>
         <p:nvSpPr>
-          <p:cNvPr id="139" name="PlaceHolder 1"/>
+          <p:cNvPr id="141" name="PlaceHolder 1"/>
           <p:cNvSpPr>
             <a:spLocks noGrp="1"/>
           </p:cNvSpPr>
@@ -7715,7 +7717,7 @@
       </p:sp>
       <p:sp>
         <p:nvSpPr>
-          <p:cNvPr id="140" name="PlaceHolder 2"/>
+          <p:cNvPr id="142" name="PlaceHolder 2"/>
           <p:cNvSpPr>
             <a:spLocks noGrp="1"/>
           </p:cNvSpPr>
@@ -7758,7 +7760,7 @@
       </p:sp>
       <p:sp>
         <p:nvSpPr>
-          <p:cNvPr id="141" name="PlaceHolder 3"/>
+          <p:cNvPr id="143" name="PlaceHolder 3"/>
           <p:cNvSpPr>
             <a:spLocks noGrp="1"/>
           </p:cNvSpPr>
@@ -7801,7 +7803,7 @@
       </p:sp>
       <p:sp>
         <p:nvSpPr>
-          <p:cNvPr id="142" name="PlaceHolder 4"/>
+          <p:cNvPr id="144" name="PlaceHolder 4"/>
           <p:cNvSpPr>
             <a:spLocks noGrp="1"/>
           </p:cNvSpPr>
@@ -7876,7 +7878,7 @@
         <p:txBody>
           <a:bodyPr/>
           <a:p>
-            <a:fld id="{2F0D5371-9F74-4DED-A9D6-9F19C7A26ABB}" type="slidenum">
+            <a:fld id="{7210D76C-14DC-4573-BA5A-3BED0DABC857}" type="slidenum">
               <a:t>&lt;#&gt;</a:t>
             </a:fld>
           </a:p>
@@ -7927,7 +7929,7 @@
       </p:grpSpPr>
       <p:sp>
         <p:nvSpPr>
-          <p:cNvPr id="143" name="PlaceHolder 1"/>
+          <p:cNvPr id="145" name="PlaceHolder 1"/>
           <p:cNvSpPr>
             <a:spLocks noGrp="1"/>
           </p:cNvSpPr>
@@ -7967,7 +7969,7 @@
       </p:sp>
       <p:sp>
         <p:nvSpPr>
-          <p:cNvPr id="144" name="PlaceHolder 2"/>
+          <p:cNvPr id="146" name="PlaceHolder 2"/>
           <p:cNvSpPr>
             <a:spLocks noGrp="1"/>
           </p:cNvSpPr>
@@ -8010,7 +8012,7 @@
       </p:sp>
       <p:sp>
         <p:nvSpPr>
-          <p:cNvPr id="145" name="PlaceHolder 3"/>
+          <p:cNvPr id="147" name="PlaceHolder 3"/>
           <p:cNvSpPr>
             <a:spLocks noGrp="1"/>
           </p:cNvSpPr>
@@ -8053,7 +8055,7 @@
       </p:sp>
       <p:sp>
         <p:nvSpPr>
-          <p:cNvPr id="146" name="PlaceHolder 4"/>
+          <p:cNvPr id="148" name="PlaceHolder 4"/>
           <p:cNvSpPr>
             <a:spLocks noGrp="1"/>
           </p:cNvSpPr>
@@ -8128,7 +8130,7 @@
         <p:txBody>
           <a:bodyPr/>
           <a:p>
-            <a:fld id="{A9C17C4C-BEDA-4780-91EA-198C09141E28}" type="slidenum">
+            <a:fld id="{A8566070-E9FA-480D-8B01-56CCCEFDB549}" type="slidenum">
               <a:t>&lt;#&gt;</a:t>
             </a:fld>
           </a:p>
@@ -8179,7 +8181,7 @@
       </p:grpSpPr>
       <p:sp>
         <p:nvSpPr>
-          <p:cNvPr id="147" name="PlaceHolder 1"/>
+          <p:cNvPr id="149" name="PlaceHolder 1"/>
           <p:cNvSpPr>
             <a:spLocks noGrp="1"/>
           </p:cNvSpPr>
@@ -8219,7 +8221,7 @@
       </p:sp>
       <p:sp>
         <p:nvSpPr>
-          <p:cNvPr id="148" name="PlaceHolder 2"/>
+          <p:cNvPr id="150" name="PlaceHolder 2"/>
           <p:cNvSpPr>
             <a:spLocks noGrp="1"/>
           </p:cNvSpPr>
@@ -8262,7 +8264,7 @@
       </p:sp>
       <p:sp>
         <p:nvSpPr>
-          <p:cNvPr id="149" name="PlaceHolder 3"/>
+          <p:cNvPr id="151" name="PlaceHolder 3"/>
           <p:cNvSpPr>
             <a:spLocks noGrp="1"/>
           </p:cNvSpPr>
@@ -8337,7 +8339,7 @@
         <p:txBody>
           <a:bodyPr/>
           <a:p>
-            <a:fld id="{04FD62A4-F5A4-412F-967C-C81D45724C37}" type="slidenum">
+            <a:fld id="{DAFC09C5-FC24-4063-AF13-E34C79145299}" type="slidenum">
               <a:t>&lt;#&gt;</a:t>
             </a:fld>
           </a:p>
@@ -8388,7 +8390,7 @@
       </p:grpSpPr>
       <p:sp>
         <p:nvSpPr>
-          <p:cNvPr id="150" name="PlaceHolder 1"/>
+          <p:cNvPr id="152" name="PlaceHolder 1"/>
           <p:cNvSpPr>
             <a:spLocks noGrp="1"/>
           </p:cNvSpPr>
@@ -8428,7 +8430,7 @@
       </p:sp>
       <p:sp>
         <p:nvSpPr>
-          <p:cNvPr id="151" name="PlaceHolder 2"/>
+          <p:cNvPr id="153" name="PlaceHolder 2"/>
           <p:cNvSpPr>
             <a:spLocks noGrp="1"/>
           </p:cNvSpPr>
@@ -8471,7 +8473,7 @@
       </p:sp>
       <p:sp>
         <p:nvSpPr>
-          <p:cNvPr id="152" name="PlaceHolder 3"/>
+          <p:cNvPr id="154" name="PlaceHolder 3"/>
           <p:cNvSpPr>
             <a:spLocks noGrp="1"/>
           </p:cNvSpPr>
@@ -8514,7 +8516,7 @@
       </p:sp>
       <p:sp>
         <p:nvSpPr>
-          <p:cNvPr id="153" name="PlaceHolder 4"/>
+          <p:cNvPr id="155" name="PlaceHolder 4"/>
           <p:cNvSpPr>
             <a:spLocks noGrp="1"/>
           </p:cNvSpPr>
@@ -8557,7 +8559,7 @@
       </p:sp>
       <p:sp>
         <p:nvSpPr>
-          <p:cNvPr id="154" name="PlaceHolder 5"/>
+          <p:cNvPr id="156" name="PlaceHolder 5"/>
           <p:cNvSpPr>
             <a:spLocks noGrp="1"/>
           </p:cNvSpPr>
@@ -8632,7 +8634,7 @@
         <p:txBody>
           <a:bodyPr/>
           <a:p>
-            <a:fld id="{8866CBE2-5A49-4704-AC97-46B13F6C5AE3}" type="slidenum">
+            <a:fld id="{F7A3303A-66E9-47BB-951C-93C84171366D}" type="slidenum">
               <a:t>&lt;#&gt;</a:t>
             </a:fld>
           </a:p>
@@ -8683,7 +8685,7 @@
       </p:grpSpPr>
       <p:sp>
         <p:nvSpPr>
-          <p:cNvPr id="155" name="PlaceHolder 1"/>
+          <p:cNvPr id="157" name="PlaceHolder 1"/>
           <p:cNvSpPr>
             <a:spLocks noGrp="1"/>
           </p:cNvSpPr>
@@ -8723,7 +8725,7 @@
       </p:sp>
       <p:sp>
         <p:nvSpPr>
-          <p:cNvPr id="156" name="PlaceHolder 2"/>
+          <p:cNvPr id="158" name="PlaceHolder 2"/>
           <p:cNvSpPr>
             <a:spLocks noGrp="1"/>
           </p:cNvSpPr>
@@ -8766,7 +8768,7 @@
       </p:sp>
       <p:sp>
         <p:nvSpPr>
-          <p:cNvPr id="157" name="PlaceHolder 3"/>
+          <p:cNvPr id="159" name="PlaceHolder 3"/>
           <p:cNvSpPr>
             <a:spLocks noGrp="1"/>
           </p:cNvSpPr>
@@ -8809,7 +8811,7 @@
       </p:sp>
       <p:sp>
         <p:nvSpPr>
-          <p:cNvPr id="158" name="PlaceHolder 4"/>
+          <p:cNvPr id="160" name="PlaceHolder 4"/>
           <p:cNvSpPr>
             <a:spLocks noGrp="1"/>
           </p:cNvSpPr>
@@ -8852,7 +8854,7 @@
       </p:sp>
       <p:sp>
         <p:nvSpPr>
-          <p:cNvPr id="159" name="PlaceHolder 5"/>
+          <p:cNvPr id="161" name="PlaceHolder 5"/>
           <p:cNvSpPr>
             <a:spLocks noGrp="1"/>
           </p:cNvSpPr>
@@ -8895,7 +8897,7 @@
       </p:sp>
       <p:sp>
         <p:nvSpPr>
-          <p:cNvPr id="160" name="PlaceHolder 6"/>
+          <p:cNvPr id="162" name="PlaceHolder 6"/>
           <p:cNvSpPr>
             <a:spLocks noGrp="1"/>
           </p:cNvSpPr>
@@ -8938,7 +8940,7 @@
       </p:sp>
       <p:sp>
         <p:nvSpPr>
-          <p:cNvPr id="161" name="PlaceHolder 7"/>
+          <p:cNvPr id="163" name="PlaceHolder 7"/>
           <p:cNvSpPr>
             <a:spLocks noGrp="1"/>
           </p:cNvSpPr>
@@ -9013,7 +9015,7 @@
         <p:txBody>
           <a:bodyPr/>
           <a:p>
-            <a:fld id="{AB841414-7DBE-4D40-8159-60D8C97B2B5C}" type="slidenum">
+            <a:fld id="{A19E36D9-8558-4A78-BD69-4F89F50F0F91}" type="slidenum">
               <a:t>&lt;#&gt;</a:t>
             </a:fld>
           </a:p>
@@ -9096,7 +9098,7 @@
         <p:txBody>
           <a:bodyPr/>
           <a:p>
-            <a:fld id="{7EB81ED8-4E20-474A-9E69-A0571A06D227}" type="slidenum">
+            <a:fld id="{3835813C-11A5-48ED-9260-D33E55545E03}" type="slidenum">
               <a:t>&lt;#&gt;</a:t>
             </a:fld>
           </a:p>
@@ -9219,7 +9221,7 @@
         <p:txBody>
           <a:bodyPr/>
           <a:p>
-            <a:fld id="{78BFB775-AD9E-4AFE-8119-EA4A575F0522}" type="slidenum">
+            <a:fld id="{F64B341F-8708-4495-8727-0469A20F9910}" type="slidenum">
               <a:t>&lt;#&gt;</a:t>
             </a:fld>
           </a:p>
@@ -9270,7 +9272,7 @@
       </p:grpSpPr>
       <p:sp>
         <p:nvSpPr>
-          <p:cNvPr id="167" name="PlaceHolder 1"/>
+          <p:cNvPr id="169" name="PlaceHolder 1"/>
           <p:cNvSpPr>
             <a:spLocks noGrp="1"/>
           </p:cNvSpPr>
@@ -9310,7 +9312,7 @@
       </p:sp>
       <p:sp>
         <p:nvSpPr>
-          <p:cNvPr id="168" name="PlaceHolder 2"/>
+          <p:cNvPr id="170" name="PlaceHolder 2"/>
           <p:cNvSpPr>
             <a:spLocks noGrp="1"/>
           </p:cNvSpPr>
@@ -9382,7 +9384,7 @@
         <p:txBody>
           <a:bodyPr/>
           <a:p>
-            <a:fld id="{E792499C-9CD6-49C6-96F1-FA8A8B8A6627}" type="slidenum">
+            <a:fld id="{0BC1A9C6-6361-4438-8B37-7AAA1A91BAD3}" type="slidenum">
               <a:t>&lt;#&gt;</a:t>
             </a:fld>
           </a:p>
@@ -9433,7 +9435,7 @@
       </p:grpSpPr>
       <p:sp>
         <p:nvSpPr>
-          <p:cNvPr id="169" name="PlaceHolder 1"/>
+          <p:cNvPr id="171" name="PlaceHolder 1"/>
           <p:cNvSpPr>
             <a:spLocks noGrp="1"/>
           </p:cNvSpPr>
@@ -9473,7 +9475,7 @@
       </p:sp>
       <p:sp>
         <p:nvSpPr>
-          <p:cNvPr id="170" name="PlaceHolder 2"/>
+          <p:cNvPr id="172" name="PlaceHolder 2"/>
           <p:cNvSpPr>
             <a:spLocks noGrp="1"/>
           </p:cNvSpPr>
@@ -9548,7 +9550,7 @@
         <p:txBody>
           <a:bodyPr/>
           <a:p>
-            <a:fld id="{B34FAC6B-94F7-424C-8B91-18179BC03939}" type="slidenum">
+            <a:fld id="{86F40F17-F587-4FE3-856F-B0E536377E09}" type="slidenum">
               <a:t>&lt;#&gt;</a:t>
             </a:fld>
           </a:p>
@@ -9599,7 +9601,7 @@
       </p:grpSpPr>
       <p:sp>
         <p:nvSpPr>
-          <p:cNvPr id="171" name="PlaceHolder 1"/>
+          <p:cNvPr id="173" name="PlaceHolder 1"/>
           <p:cNvSpPr>
             <a:spLocks noGrp="1"/>
           </p:cNvSpPr>
@@ -9639,7 +9641,7 @@
       </p:sp>
       <p:sp>
         <p:nvSpPr>
-          <p:cNvPr id="172" name="PlaceHolder 2"/>
+          <p:cNvPr id="174" name="PlaceHolder 2"/>
           <p:cNvSpPr>
             <a:spLocks noGrp="1"/>
           </p:cNvSpPr>
@@ -9682,7 +9684,7 @@
       </p:sp>
       <p:sp>
         <p:nvSpPr>
-          <p:cNvPr id="173" name="PlaceHolder 3"/>
+          <p:cNvPr id="175" name="PlaceHolder 3"/>
           <p:cNvSpPr>
             <a:spLocks noGrp="1"/>
           </p:cNvSpPr>
@@ -9757,7 +9759,7 @@
         <p:txBody>
           <a:bodyPr/>
           <a:p>
-            <a:fld id="{30E09AD7-AC9D-43E7-8850-1E2D78CC2AA5}" type="slidenum">
+            <a:fld id="{CDE8E496-1D7C-4C65-999B-2E3036BD70EB}" type="slidenum">
               <a:t>&lt;#&gt;</a:t>
             </a:fld>
           </a:p>
@@ -9808,7 +9810,7 @@
       </p:grpSpPr>
       <p:sp>
         <p:nvSpPr>
-          <p:cNvPr id="174" name="PlaceHolder 1"/>
+          <p:cNvPr id="176" name="PlaceHolder 1"/>
           <p:cNvSpPr>
             <a:spLocks noGrp="1"/>
           </p:cNvSpPr>
@@ -9880,7 +9882,7 @@
         <p:txBody>
           <a:bodyPr/>
           <a:p>
-            <a:fld id="{047C5D86-42A7-40AD-84A6-40CE824DF65E}" type="slidenum">
+            <a:fld id="{AEBBC1CE-58C7-430F-96D9-8ACF3FD84410}" type="slidenum">
               <a:t>&lt;#&gt;</a:t>
             </a:fld>
           </a:p>
@@ -9931,7 +9933,7 @@
       </p:grpSpPr>
       <p:sp>
         <p:nvSpPr>
-          <p:cNvPr id="175" name="PlaceHolder 1"/>
+          <p:cNvPr id="177" name="PlaceHolder 1"/>
           <p:cNvSpPr>
             <a:spLocks noGrp="1"/>
           </p:cNvSpPr>
@@ -10001,7 +10003,7 @@
         <p:txBody>
           <a:bodyPr/>
           <a:p>
-            <a:fld id="{78FA616A-9C3B-43E1-8A39-88ADD1686574}" type="slidenum">
+            <a:fld id="{8C1E6428-70B7-4C38-8F7E-42F7BE01C622}" type="slidenum">
               <a:t>&lt;#&gt;</a:t>
             </a:fld>
           </a:p>
@@ -10052,7 +10054,7 @@
       </p:grpSpPr>
       <p:sp>
         <p:nvSpPr>
-          <p:cNvPr id="176" name="PlaceHolder 1"/>
+          <p:cNvPr id="178" name="PlaceHolder 1"/>
           <p:cNvSpPr>
             <a:spLocks noGrp="1"/>
           </p:cNvSpPr>
@@ -10092,7 +10094,7 @@
       </p:sp>
       <p:sp>
         <p:nvSpPr>
-          <p:cNvPr id="177" name="PlaceHolder 2"/>
+          <p:cNvPr id="179" name="PlaceHolder 2"/>
           <p:cNvSpPr>
             <a:spLocks noGrp="1"/>
           </p:cNvSpPr>
@@ -10135,7 +10137,7 @@
       </p:sp>
       <p:sp>
         <p:nvSpPr>
-          <p:cNvPr id="178" name="PlaceHolder 3"/>
+          <p:cNvPr id="180" name="PlaceHolder 3"/>
           <p:cNvSpPr>
             <a:spLocks noGrp="1"/>
           </p:cNvSpPr>
@@ -10178,7 +10180,7 @@
       </p:sp>
       <p:sp>
         <p:nvSpPr>
-          <p:cNvPr id="179" name="PlaceHolder 4"/>
+          <p:cNvPr id="181" name="PlaceHolder 4"/>
           <p:cNvSpPr>
             <a:spLocks noGrp="1"/>
           </p:cNvSpPr>
@@ -10253,7 +10255,7 @@
         <p:txBody>
           <a:bodyPr/>
           <a:p>
-            <a:fld id="{74C0704B-1F53-48C1-8D1D-A31A048E8AB8}" type="slidenum">
+            <a:fld id="{907A7DC8-EF9E-48EA-9E1F-0351FE7F18AB}" type="slidenum">
               <a:t>&lt;#&gt;</a:t>
             </a:fld>
           </a:p>
@@ -10304,7 +10306,7 @@
       </p:grpSpPr>
       <p:sp>
         <p:nvSpPr>
-          <p:cNvPr id="180" name="PlaceHolder 1"/>
+          <p:cNvPr id="182" name="PlaceHolder 1"/>
           <p:cNvSpPr>
             <a:spLocks noGrp="1"/>
           </p:cNvSpPr>
@@ -10344,7 +10346,7 @@
       </p:sp>
       <p:sp>
         <p:nvSpPr>
-          <p:cNvPr id="181" name="PlaceHolder 2"/>
+          <p:cNvPr id="183" name="PlaceHolder 2"/>
           <p:cNvSpPr>
             <a:spLocks noGrp="1"/>
           </p:cNvSpPr>
@@ -10387,7 +10389,7 @@
       </p:sp>
       <p:sp>
         <p:nvSpPr>
-          <p:cNvPr id="182" name="PlaceHolder 3"/>
+          <p:cNvPr id="184" name="PlaceHolder 3"/>
           <p:cNvSpPr>
             <a:spLocks noGrp="1"/>
           </p:cNvSpPr>
@@ -10430,7 +10432,7 @@
       </p:sp>
       <p:sp>
         <p:nvSpPr>
-          <p:cNvPr id="183" name="PlaceHolder 4"/>
+          <p:cNvPr id="185" name="PlaceHolder 4"/>
           <p:cNvSpPr>
             <a:spLocks noGrp="1"/>
           </p:cNvSpPr>
@@ -10505,7 +10507,7 @@
         <p:txBody>
           <a:bodyPr/>
           <a:p>
-            <a:fld id="{994ACC00-1036-4786-87AE-A58FA0D8152B}" type="slidenum">
+            <a:fld id="{195CB587-5534-4223-B18F-B744AA21CF05}" type="slidenum">
               <a:t>&lt;#&gt;</a:t>
             </a:fld>
           </a:p>
@@ -10556,7 +10558,7 @@
       </p:grpSpPr>
       <p:sp>
         <p:nvSpPr>
-          <p:cNvPr id="184" name="PlaceHolder 1"/>
+          <p:cNvPr id="186" name="PlaceHolder 1"/>
           <p:cNvSpPr>
             <a:spLocks noGrp="1"/>
           </p:cNvSpPr>
@@ -10596,7 +10598,7 @@
       </p:sp>
       <p:sp>
         <p:nvSpPr>
-          <p:cNvPr id="185" name="PlaceHolder 2"/>
+          <p:cNvPr id="187" name="PlaceHolder 2"/>
           <p:cNvSpPr>
             <a:spLocks noGrp="1"/>
           </p:cNvSpPr>
@@ -10639,7 +10641,7 @@
       </p:sp>
       <p:sp>
         <p:nvSpPr>
-          <p:cNvPr id="186" name="PlaceHolder 3"/>
+          <p:cNvPr id="188" name="PlaceHolder 3"/>
           <p:cNvSpPr>
             <a:spLocks noGrp="1"/>
           </p:cNvSpPr>
@@ -10682,7 +10684,7 @@
       </p:sp>
       <p:sp>
         <p:nvSpPr>
-          <p:cNvPr id="187" name="PlaceHolder 4"/>
+          <p:cNvPr id="189" name="PlaceHolder 4"/>
           <p:cNvSpPr>
             <a:spLocks noGrp="1"/>
           </p:cNvSpPr>
@@ -10757,7 +10759,7 @@
         <p:txBody>
           <a:bodyPr/>
           <a:p>
-            <a:fld id="{3D07F224-43A9-4F8A-9596-5520206161B7}" type="slidenum">
+            <a:fld id="{056A288B-2231-48CF-83AE-D2849D26487E}" type="slidenum">
               <a:t>&lt;#&gt;</a:t>
             </a:fld>
           </a:p>
@@ -10808,7 +10810,7 @@
       </p:grpSpPr>
       <p:sp>
         <p:nvSpPr>
-          <p:cNvPr id="188" name="PlaceHolder 1"/>
+          <p:cNvPr id="190" name="PlaceHolder 1"/>
           <p:cNvSpPr>
             <a:spLocks noGrp="1"/>
           </p:cNvSpPr>
@@ -10848,7 +10850,7 @@
       </p:sp>
       <p:sp>
         <p:nvSpPr>
-          <p:cNvPr id="189" name="PlaceHolder 2"/>
+          <p:cNvPr id="191" name="PlaceHolder 2"/>
           <p:cNvSpPr>
             <a:spLocks noGrp="1"/>
           </p:cNvSpPr>
@@ -10891,7 +10893,7 @@
       </p:sp>
       <p:sp>
         <p:nvSpPr>
-          <p:cNvPr id="190" name="PlaceHolder 3"/>
+          <p:cNvPr id="192" name="PlaceHolder 3"/>
           <p:cNvSpPr>
             <a:spLocks noGrp="1"/>
           </p:cNvSpPr>
@@ -10966,7 +10968,7 @@
         <p:txBody>
           <a:bodyPr/>
           <a:p>
-            <a:fld id="{5E5470B3-E095-4BAE-804B-C04E67EA5C80}" type="slidenum">
+            <a:fld id="{36D9A44C-2FE3-4514-A2C3-4188237502C3}" type="slidenum">
               <a:t>&lt;#&gt;</a:t>
             </a:fld>
           </a:p>
@@ -11017,7 +11019,7 @@
       </p:grpSpPr>
       <p:sp>
         <p:nvSpPr>
-          <p:cNvPr id="191" name="PlaceHolder 1"/>
+          <p:cNvPr id="193" name="PlaceHolder 1"/>
           <p:cNvSpPr>
             <a:spLocks noGrp="1"/>
           </p:cNvSpPr>
@@ -11057,7 +11059,7 @@
       </p:sp>
       <p:sp>
         <p:nvSpPr>
-          <p:cNvPr id="192" name="PlaceHolder 2"/>
+          <p:cNvPr id="194" name="PlaceHolder 2"/>
           <p:cNvSpPr>
             <a:spLocks noGrp="1"/>
           </p:cNvSpPr>
@@ -11100,7 +11102,7 @@
       </p:sp>
       <p:sp>
         <p:nvSpPr>
-          <p:cNvPr id="193" name="PlaceHolder 3"/>
+          <p:cNvPr id="195" name="PlaceHolder 3"/>
           <p:cNvSpPr>
             <a:spLocks noGrp="1"/>
           </p:cNvSpPr>
@@ -11143,7 +11145,7 @@
       </p:sp>
       <p:sp>
         <p:nvSpPr>
-          <p:cNvPr id="194" name="PlaceHolder 4"/>
+          <p:cNvPr id="196" name="PlaceHolder 4"/>
           <p:cNvSpPr>
             <a:spLocks noGrp="1"/>
           </p:cNvSpPr>
@@ -11186,7 +11188,7 @@
       </p:sp>
       <p:sp>
         <p:nvSpPr>
-          <p:cNvPr id="195" name="PlaceHolder 5"/>
+          <p:cNvPr id="197" name="PlaceHolder 5"/>
           <p:cNvSpPr>
             <a:spLocks noGrp="1"/>
           </p:cNvSpPr>
@@ -11261,7 +11263,7 @@
         <p:txBody>
           <a:bodyPr/>
           <a:p>
-            <a:fld id="{017D83F5-2EA0-499E-9454-38080C93478B}" type="slidenum">
+            <a:fld id="{4C860EC8-1A94-4E29-BBA7-25CA10E9D0F1}" type="slidenum">
               <a:t>&lt;#&gt;</a:t>
             </a:fld>
           </a:p>
@@ -11382,7 +11384,7 @@
         <p:txBody>
           <a:bodyPr/>
           <a:p>
-            <a:fld id="{EB903BC7-1E42-44E0-A166-BD10871D1E7A}" type="slidenum">
+            <a:fld id="{BF01F085-9A39-47F8-A659-DEE28B528983}" type="slidenum">
               <a:t>&lt;#&gt;</a:t>
             </a:fld>
           </a:p>
@@ -11433,7 +11435,7 @@
       </p:grpSpPr>
       <p:sp>
         <p:nvSpPr>
-          <p:cNvPr id="196" name="PlaceHolder 1"/>
+          <p:cNvPr id="198" name="PlaceHolder 1"/>
           <p:cNvSpPr>
             <a:spLocks noGrp="1"/>
           </p:cNvSpPr>
@@ -11473,7 +11475,7 @@
       </p:sp>
       <p:sp>
         <p:nvSpPr>
-          <p:cNvPr id="197" name="PlaceHolder 2"/>
+          <p:cNvPr id="199" name="PlaceHolder 2"/>
           <p:cNvSpPr>
             <a:spLocks noGrp="1"/>
           </p:cNvSpPr>
@@ -11516,7 +11518,7 @@
       </p:sp>
       <p:sp>
         <p:nvSpPr>
-          <p:cNvPr id="198" name="PlaceHolder 3"/>
+          <p:cNvPr id="200" name="PlaceHolder 3"/>
           <p:cNvSpPr>
             <a:spLocks noGrp="1"/>
           </p:cNvSpPr>
@@ -11559,7 +11561,7 @@
       </p:sp>
       <p:sp>
         <p:nvSpPr>
-          <p:cNvPr id="199" name="PlaceHolder 4"/>
+          <p:cNvPr id="201" name="PlaceHolder 4"/>
           <p:cNvSpPr>
             <a:spLocks noGrp="1"/>
           </p:cNvSpPr>
@@ -11602,7 +11604,7 @@
       </p:sp>
       <p:sp>
         <p:nvSpPr>
-          <p:cNvPr id="200" name="PlaceHolder 5"/>
+          <p:cNvPr id="202" name="PlaceHolder 5"/>
           <p:cNvSpPr>
             <a:spLocks noGrp="1"/>
           </p:cNvSpPr>
@@ -11645,7 +11647,7 @@
       </p:sp>
       <p:sp>
         <p:nvSpPr>
-          <p:cNvPr id="201" name="PlaceHolder 6"/>
+          <p:cNvPr id="203" name="PlaceHolder 6"/>
           <p:cNvSpPr>
             <a:spLocks noGrp="1"/>
           </p:cNvSpPr>
@@ -11688,7 +11690,7 @@
       </p:sp>
       <p:sp>
         <p:nvSpPr>
-          <p:cNvPr id="202" name="PlaceHolder 7"/>
+          <p:cNvPr id="204" name="PlaceHolder 7"/>
           <p:cNvSpPr>
             <a:spLocks noGrp="1"/>
           </p:cNvSpPr>
@@ -11763,7 +11765,7 @@
         <p:txBody>
           <a:bodyPr/>
           <a:p>
-            <a:fld id="{AD1261E1-031A-4C52-B3A5-2613A8A04093}" type="slidenum">
+            <a:fld id="{0463B86E-1CD3-48BF-A0EB-E62E8EA23CEB}" type="slidenum">
               <a:t>&lt;#&gt;</a:t>
             </a:fld>
           </a:p>
@@ -12015,7 +12017,7 @@
         <p:txBody>
           <a:bodyPr/>
           <a:p>
-            <a:fld id="{A3FFA670-7AE0-44EC-A7F4-F91F59F02E78}" type="slidenum">
+            <a:fld id="{ECCF49A4-E222-479F-A034-9FF252A6861E}" type="slidenum">
               <a:t>&lt;#&gt;</a:t>
             </a:fld>
           </a:p>
@@ -12267,7 +12269,7 @@
         <p:txBody>
           <a:bodyPr/>
           <a:p>
-            <a:fld id="{04EE2975-CE9B-4F57-B1C6-B5F349BD5CBF}" type="slidenum">
+            <a:fld id="{CAE0358C-1C23-4E24-803F-CF5370CAF163}" type="slidenum">
               <a:t>&lt;#&gt;</a:t>
             </a:fld>
           </a:p>
@@ -12519,7 +12521,7 @@
         <p:txBody>
           <a:bodyPr/>
           <a:p>
-            <a:fld id="{4CA951B2-5C77-45B2-8716-38276734EF19}" type="slidenum">
+            <a:fld id="{2FD82FB8-48C0-43F0-89D6-0B22994A0258}" type="slidenum">
               <a:t>&lt;#&gt;</a:t>
             </a:fld>
           </a:p>
@@ -12588,7 +12590,7 @@
         <p:spPr>
           <a:xfrm>
             <a:off x="3124080" y="6356520"/>
-            <a:ext cx="2892960" cy="362520"/>
+            <a:ext cx="2892600" cy="362160"/>
           </a:xfrm>
           <a:prstGeom prst="rect">
             <a:avLst/>
@@ -12660,7 +12662,7 @@
         <p:spPr>
           <a:xfrm>
             <a:off x="6553080" y="6356520"/>
-            <a:ext cx="2131200" cy="362520"/>
+            <a:ext cx="2130840" cy="362160"/>
           </a:xfrm>
           <a:prstGeom prst="rect">
             <a:avLst/>
@@ -12701,7 +12703,7 @@
                 <a:tab algn="l" pos="0"/>
               </a:tabLst>
             </a:pPr>
-            <a:fld id="{45F501E2-9F25-473E-98A1-A0D0E5BBCA28}" type="slidenum">
+            <a:fld id="{FFC54657-6F82-4D5A-AD48-DDAB4F0FA90B}" type="slidenum">
               <a:rPr b="0" lang="en-US" sz="1200" spc="-1" strike="noStrike">
                 <a:solidFill>
                   <a:srgbClr val="8b8b8b"/>
@@ -12732,7 +12734,7 @@
         <p:spPr>
           <a:xfrm>
             <a:off x="457200" y="6356520"/>
-            <a:ext cx="2131200" cy="362520"/>
+            <a:ext cx="2130840" cy="362160"/>
           </a:xfrm>
           <a:prstGeom prst="rect">
             <a:avLst/>
@@ -13110,7 +13112,7 @@
         <p:spPr>
           <a:xfrm>
             <a:off x="3124080" y="6356520"/>
-            <a:ext cx="2892960" cy="362520"/>
+            <a:ext cx="2892600" cy="362160"/>
           </a:xfrm>
           <a:prstGeom prst="rect">
             <a:avLst/>
@@ -13182,7 +13184,7 @@
         <p:spPr>
           <a:xfrm>
             <a:off x="6553080" y="6356520"/>
-            <a:ext cx="2131200" cy="362520"/>
+            <a:ext cx="2130840" cy="362160"/>
           </a:xfrm>
           <a:prstGeom prst="rect">
             <a:avLst/>
@@ -13223,7 +13225,7 @@
                 <a:tab algn="l" pos="0"/>
               </a:tabLst>
             </a:pPr>
-            <a:fld id="{46C49F46-0008-45F9-8135-064BE01AC086}" type="slidenum">
+            <a:fld id="{9DF03982-BDD9-4756-B6F3-8E446478C21D}" type="slidenum">
               <a:rPr b="0" lang="en-US" sz="1200" spc="-1" strike="noStrike">
                 <a:solidFill>
                   <a:srgbClr val="8b8b8b"/>
@@ -13254,7 +13256,7 @@
         <p:spPr>
           <a:xfrm>
             <a:off x="457200" y="6356520"/>
-            <a:ext cx="2131200" cy="362520"/>
+            <a:ext cx="2130840" cy="362160"/>
           </a:xfrm>
           <a:prstGeom prst="rect">
             <a:avLst/>
@@ -13632,7 +13634,7 @@
         <p:spPr>
           <a:xfrm>
             <a:off x="3124080" y="6356520"/>
-            <a:ext cx="2893320" cy="362880"/>
+            <a:ext cx="2892960" cy="362520"/>
           </a:xfrm>
           <a:prstGeom prst="rect">
             <a:avLst/>
@@ -13704,7 +13706,7 @@
         <p:spPr>
           <a:xfrm>
             <a:off x="6553080" y="6356520"/>
-            <a:ext cx="2131560" cy="362880"/>
+            <a:ext cx="2131200" cy="362520"/>
           </a:xfrm>
           <a:prstGeom prst="rect">
             <a:avLst/>
@@ -13745,7 +13747,7 @@
                 <a:tab algn="l" pos="0"/>
               </a:tabLst>
             </a:pPr>
-            <a:fld id="{5D418595-422C-455D-ACA2-17893CF2AF3E}" type="slidenum">
+            <a:fld id="{0B310FAA-9AF4-4EC6-BA36-E5665A3FDD79}" type="slidenum">
               <a:rPr b="0" lang="en-US" sz="1200" spc="-1" strike="noStrike">
                 <a:solidFill>
                   <a:srgbClr val="8b8b8b"/>
@@ -13776,7 +13778,7 @@
         <p:spPr>
           <a:xfrm>
             <a:off x="457200" y="6356520"/>
-            <a:ext cx="2131560" cy="362880"/>
+            <a:ext cx="2131200" cy="362520"/>
           </a:xfrm>
           <a:prstGeom prst="rect">
             <a:avLst/>
@@ -14154,7 +14156,7 @@
         <p:spPr>
           <a:xfrm>
             <a:off x="3124080" y="6356520"/>
-            <a:ext cx="2893680" cy="363240"/>
+            <a:ext cx="2893320" cy="362880"/>
           </a:xfrm>
           <a:prstGeom prst="rect">
             <a:avLst/>
@@ -14226,7 +14228,7 @@
         <p:spPr>
           <a:xfrm>
             <a:off x="6553080" y="6356520"/>
-            <a:ext cx="2131920" cy="363240"/>
+            <a:ext cx="2131560" cy="362880"/>
           </a:xfrm>
           <a:prstGeom prst="rect">
             <a:avLst/>
@@ -14267,7 +14269,7 @@
                 <a:tab algn="l" pos="0"/>
               </a:tabLst>
             </a:pPr>
-            <a:fld id="{DE34F01E-4870-4591-8487-511351D323EA}" type="slidenum">
+            <a:fld id="{07E132E3-9F89-4AE9-9188-9374E5EA0279}" type="slidenum">
               <a:rPr b="0" lang="en-US" sz="1200" spc="-1" strike="noStrike">
                 <a:solidFill>
                   <a:srgbClr val="8b8b8b"/>
@@ -14298,7 +14300,7 @@
         <p:spPr>
           <a:xfrm>
             <a:off x="457200" y="6356520"/>
-            <a:ext cx="2131920" cy="363240"/>
+            <a:ext cx="2131560" cy="362880"/>
           </a:xfrm>
           <a:prstGeom prst="rect">
             <a:avLst/>
@@ -14341,6 +14343,280 @@
                 <a:srgbClr val="000000"/>
               </a:solidFill>
               <a:latin typeface="Times New Roman"/>
+            </a:endParaRPr>
+          </a:p>
+        </p:txBody>
+      </p:sp>
+      <p:sp>
+        <p:nvSpPr>
+          <p:cNvPr id="126" name="PlaceHolder 4"/>
+          <p:cNvSpPr>
+            <a:spLocks noGrp="1"/>
+          </p:cNvSpPr>
+          <p:nvPr>
+            <p:ph type="title"/>
+          </p:nvPr>
+        </p:nvSpPr>
+        <p:spPr>
+          <a:xfrm>
+            <a:off x="457200" y="273600"/>
+            <a:ext cx="8229240" cy="1144800"/>
+          </a:xfrm>
+          <a:prstGeom prst="rect">
+            <a:avLst/>
+          </a:prstGeom>
+          <a:noFill/>
+          <a:ln w="0">
+            <a:noFill/>
+          </a:ln>
+        </p:spPr>
+        <p:txBody>
+          <a:bodyPr lIns="0" rIns="0" tIns="0" bIns="0" anchor="ctr">
+            <a:noAutofit/>
+          </a:bodyPr>
+          <a:p>
+            <a:pPr indent="0" algn="ctr">
+              <a:buNone/>
+            </a:pPr>
+            <a:r>
+              <a:rPr b="0" lang="en-US" sz="4400" spc="-1" strike="noStrike">
+                <a:solidFill>
+                  <a:srgbClr val="000000"/>
+                </a:solidFill>
+                <a:latin typeface="Arial"/>
+              </a:rPr>
+              <a:t>Click to edit the title text format</a:t>
+            </a:r>
+            <a:endParaRPr b="0" lang="en-US" sz="4400" spc="-1" strike="noStrike">
+              <a:solidFill>
+                <a:srgbClr val="000000"/>
+              </a:solidFill>
+              <a:latin typeface="Arial"/>
+            </a:endParaRPr>
+          </a:p>
+        </p:txBody>
+      </p:sp>
+      <p:sp>
+        <p:nvSpPr>
+          <p:cNvPr id="127" name="PlaceHolder 5"/>
+          <p:cNvSpPr>
+            <a:spLocks noGrp="1"/>
+          </p:cNvSpPr>
+          <p:nvPr>
+            <p:ph type="body"/>
+          </p:nvPr>
+        </p:nvSpPr>
+        <p:spPr>
+          <a:xfrm>
+            <a:off x="457200" y="1604520"/>
+            <a:ext cx="8229240" cy="3977280"/>
+          </a:xfrm>
+          <a:prstGeom prst="rect">
+            <a:avLst/>
+          </a:prstGeom>
+          <a:noFill/>
+          <a:ln w="0">
+            <a:noFill/>
+          </a:ln>
+        </p:spPr>
+        <p:txBody>
+          <a:bodyPr lIns="0" rIns="0" tIns="0" bIns="0" anchor="t">
+            <a:normAutofit/>
+          </a:bodyPr>
+          <a:p>
+            <a:pPr marL="432000" indent="-324000">
+              <a:spcBef>
+                <a:spcPts val="1417"/>
+              </a:spcBef>
+              <a:buClr>
+                <a:srgbClr val="000000"/>
+              </a:buClr>
+              <a:buSzPct val="45000"/>
+              <a:buFont typeface="Wingdings" charset="2"/>
+              <a:buChar char=""/>
+            </a:pPr>
+            <a:r>
+              <a:rPr b="0" lang="en-US" sz="3200" spc="-1" strike="noStrike">
+                <a:solidFill>
+                  <a:srgbClr val="000000"/>
+                </a:solidFill>
+                <a:latin typeface="Arial"/>
+              </a:rPr>
+              <a:t>Click to edit the outline text format</a:t>
+            </a:r>
+            <a:endParaRPr b="0" lang="en-US" sz="3200" spc="-1" strike="noStrike">
+              <a:solidFill>
+                <a:srgbClr val="000000"/>
+              </a:solidFill>
+              <a:latin typeface="Arial"/>
+            </a:endParaRPr>
+          </a:p>
+          <a:p>
+            <a:pPr lvl="1" marL="864000" indent="-324000">
+              <a:spcBef>
+                <a:spcPts val="1134"/>
+              </a:spcBef>
+              <a:buClr>
+                <a:srgbClr val="000000"/>
+              </a:buClr>
+              <a:buSzPct val="75000"/>
+              <a:buFont typeface="Symbol" charset="2"/>
+              <a:buChar char=""/>
+            </a:pPr>
+            <a:r>
+              <a:rPr b="0" lang="en-US" sz="2800" spc="-1" strike="noStrike">
+                <a:solidFill>
+                  <a:srgbClr val="000000"/>
+                </a:solidFill>
+                <a:latin typeface="Arial"/>
+              </a:rPr>
+              <a:t>Second Outline Level</a:t>
+            </a:r>
+            <a:endParaRPr b="0" lang="en-US" sz="2800" spc="-1" strike="noStrike">
+              <a:solidFill>
+                <a:srgbClr val="000000"/>
+              </a:solidFill>
+              <a:latin typeface="Arial"/>
+            </a:endParaRPr>
+          </a:p>
+          <a:p>
+            <a:pPr lvl="2" marL="1296000" indent="-288000">
+              <a:spcBef>
+                <a:spcPts val="850"/>
+              </a:spcBef>
+              <a:buClr>
+                <a:srgbClr val="000000"/>
+              </a:buClr>
+              <a:buSzPct val="45000"/>
+              <a:buFont typeface="Wingdings" charset="2"/>
+              <a:buChar char=""/>
+            </a:pPr>
+            <a:r>
+              <a:rPr b="0" lang="en-US" sz="2400" spc="-1" strike="noStrike">
+                <a:solidFill>
+                  <a:srgbClr val="000000"/>
+                </a:solidFill>
+                <a:latin typeface="Arial"/>
+              </a:rPr>
+              <a:t>Third Outline Level</a:t>
+            </a:r>
+            <a:endParaRPr b="0" lang="en-US" sz="2400" spc="-1" strike="noStrike">
+              <a:solidFill>
+                <a:srgbClr val="000000"/>
+              </a:solidFill>
+              <a:latin typeface="Arial"/>
+            </a:endParaRPr>
+          </a:p>
+          <a:p>
+            <a:pPr lvl="3" marL="1728000" indent="-216000">
+              <a:spcBef>
+                <a:spcPts val="567"/>
+              </a:spcBef>
+              <a:buClr>
+                <a:srgbClr val="000000"/>
+              </a:buClr>
+              <a:buSzPct val="75000"/>
+              <a:buFont typeface="Symbol" charset="2"/>
+              <a:buChar char=""/>
+            </a:pPr>
+            <a:r>
+              <a:rPr b="0" lang="en-US" sz="2000" spc="-1" strike="noStrike">
+                <a:solidFill>
+                  <a:srgbClr val="000000"/>
+                </a:solidFill>
+                <a:latin typeface="Arial"/>
+              </a:rPr>
+              <a:t>Fourth Outline Level</a:t>
+            </a:r>
+            <a:endParaRPr b="0" lang="en-US" sz="2000" spc="-1" strike="noStrike">
+              <a:solidFill>
+                <a:srgbClr val="000000"/>
+              </a:solidFill>
+              <a:latin typeface="Arial"/>
+            </a:endParaRPr>
+          </a:p>
+          <a:p>
+            <a:pPr lvl="4" marL="2160000" indent="-216000">
+              <a:spcBef>
+                <a:spcPts val="283"/>
+              </a:spcBef>
+              <a:buClr>
+                <a:srgbClr val="000000"/>
+              </a:buClr>
+              <a:buSzPct val="45000"/>
+              <a:buFont typeface="Wingdings" charset="2"/>
+              <a:buChar char=""/>
+            </a:pPr>
+            <a:r>
+              <a:rPr b="0" lang="en-US" sz="2000" spc="-1" strike="noStrike">
+                <a:solidFill>
+                  <a:srgbClr val="000000"/>
+                </a:solidFill>
+                <a:latin typeface="Arial"/>
+              </a:rPr>
+              <a:t>Fifth Outline Level</a:t>
+            </a:r>
+            <a:endParaRPr b="0" lang="en-US" sz="2000" spc="-1" strike="noStrike">
+              <a:solidFill>
+                <a:srgbClr val="000000"/>
+              </a:solidFill>
+              <a:latin typeface="Arial"/>
+            </a:endParaRPr>
+          </a:p>
+          <a:p>
+            <a:pPr lvl="5" marL="2592000" indent="-216000">
+              <a:spcBef>
+                <a:spcPts val="283"/>
+              </a:spcBef>
+              <a:buClr>
+                <a:srgbClr val="000000"/>
+              </a:buClr>
+              <a:buSzPct val="45000"/>
+              <a:buFont typeface="Wingdings" charset="2"/>
+              <a:buChar char=""/>
+            </a:pPr>
+            <a:r>
+              <a:rPr b="0" lang="en-US" sz="2000" spc="-1" strike="noStrike">
+                <a:solidFill>
+                  <a:srgbClr val="000000"/>
+                </a:solidFill>
+                <a:latin typeface="Arial"/>
+              </a:rPr>
+              <a:t>Sixth Outline Level</a:t>
+            </a:r>
+            <a:endParaRPr b="0" lang="en-US" sz="2000" spc="-1" strike="noStrike">
+              <a:solidFill>
+                <a:srgbClr val="000000"/>
+              </a:solidFill>
+              <a:latin typeface="Arial"/>
+            </a:endParaRPr>
+          </a:p>
+          <a:p>
+            <a:pPr lvl="6" marL="3024000" indent="-216000">
+              <a:spcBef>
+                <a:spcPts val="283"/>
+              </a:spcBef>
+              <a:buClr>
+                <a:srgbClr val="000000"/>
+              </a:buClr>
+              <a:buSzPct val="45000"/>
+              <a:buFont typeface="Wingdings" charset="2"/>
+              <a:buChar char=""/>
+            </a:pPr>
+            <a:r>
+              <a:rPr b="0" lang="en-US" sz="2000" spc="-1" strike="noStrike">
+                <a:solidFill>
+                  <a:srgbClr val="000000"/>
+                </a:solidFill>
+                <a:latin typeface="Arial"/>
+              </a:rPr>
+              <a:t>Seventh Outline Level</a:t>
+            </a:r>
+            <a:endParaRPr b="0" lang="en-US" sz="2000" spc="-1" strike="noStrike">
+              <a:solidFill>
+                <a:srgbClr val="000000"/>
+              </a:solidFill>
+              <a:latin typeface="Arial"/>
             </a:endParaRPr>
           </a:p>
         </p:txBody>
@@ -14391,7 +14667,7 @@
       </p:grpSpPr>
       <p:sp>
         <p:nvSpPr>
-          <p:cNvPr id="162" name="PlaceHolder 1"/>
+          <p:cNvPr id="164" name="PlaceHolder 1"/>
           <p:cNvSpPr>
             <a:spLocks noGrp="1"/>
           </p:cNvSpPr>
@@ -14402,7 +14678,7 @@
         <p:spPr>
           <a:xfrm>
             <a:off x="3124080" y="6356520"/>
-            <a:ext cx="2894400" cy="363960"/>
+            <a:ext cx="2894040" cy="363600"/>
           </a:xfrm>
           <a:prstGeom prst="rect">
             <a:avLst/>
@@ -14463,7 +14739,7 @@
       </p:sp>
       <p:sp>
         <p:nvSpPr>
-          <p:cNvPr id="163" name="PlaceHolder 2"/>
+          <p:cNvPr id="165" name="PlaceHolder 2"/>
           <p:cNvSpPr>
             <a:spLocks noGrp="1"/>
           </p:cNvSpPr>
@@ -14474,7 +14750,7 @@
         <p:spPr>
           <a:xfrm>
             <a:off x="6553080" y="6356520"/>
-            <a:ext cx="2132640" cy="363960"/>
+            <a:ext cx="2132280" cy="363600"/>
           </a:xfrm>
           <a:prstGeom prst="rect">
             <a:avLst/>
@@ -14515,7 +14791,7 @@
                 <a:tab algn="l" pos="0"/>
               </a:tabLst>
             </a:pPr>
-            <a:fld id="{23832C8E-BC78-4A0E-973B-0D531C0DF1BB}" type="slidenum">
+            <a:fld id="{30488AEB-C481-408E-AA62-B7BA0424A29F}" type="slidenum">
               <a:rPr b="0" lang="en-US" sz="1200" spc="-1" strike="noStrike">
                 <a:solidFill>
                   <a:srgbClr val="8b8b8b"/>
@@ -14535,7 +14811,7 @@
       </p:sp>
       <p:sp>
         <p:nvSpPr>
-          <p:cNvPr id="164" name="PlaceHolder 3"/>
+          <p:cNvPr id="166" name="PlaceHolder 3"/>
           <p:cNvSpPr>
             <a:spLocks noGrp="1"/>
           </p:cNvSpPr>
@@ -14546,7 +14822,7 @@
         <p:spPr>
           <a:xfrm>
             <a:off x="457200" y="6356520"/>
-            <a:ext cx="2132640" cy="363960"/>
+            <a:ext cx="2132280" cy="363600"/>
           </a:xfrm>
           <a:prstGeom prst="rect">
             <a:avLst/>
@@ -14595,7 +14871,7 @@
       </p:sp>
       <p:sp>
         <p:nvSpPr>
-          <p:cNvPr id="165" name="PlaceHolder 4"/>
+          <p:cNvPr id="167" name="PlaceHolder 4"/>
           <p:cNvSpPr>
             <a:spLocks noGrp="1"/>
           </p:cNvSpPr>
@@ -14644,7 +14920,7 @@
       </p:sp>
       <p:sp>
         <p:nvSpPr>
-          <p:cNvPr id="166" name="PlaceHolder 5"/>
+          <p:cNvPr id="168" name="PlaceHolder 5"/>
           <p:cNvSpPr>
             <a:spLocks noGrp="1"/>
           </p:cNvSpPr>
@@ -14906,14 +15182,14 @@
       </p:grpSpPr>
       <p:sp>
         <p:nvSpPr>
-          <p:cNvPr id="203" name="Rectangle 1"/>
+          <p:cNvPr id="205" name="Rectangle 1"/>
           <p:cNvSpPr/>
           <p:nvPr/>
         </p:nvSpPr>
         <p:spPr>
           <a:xfrm>
             <a:off x="0" y="0"/>
-            <a:ext cx="12186360" cy="6855480"/>
+            <a:ext cx="12186000" cy="6855120"/>
           </a:xfrm>
           <a:prstGeom prst="rect">
             <a:avLst/>
@@ -14966,14 +15242,14 @@
       </p:sp>
       <p:sp>
         <p:nvSpPr>
-          <p:cNvPr id="204" name="Rectangle 2"/>
+          <p:cNvPr id="206" name="Rectangle 2"/>
           <p:cNvSpPr/>
           <p:nvPr/>
         </p:nvSpPr>
         <p:spPr>
           <a:xfrm>
             <a:off x="0" y="0"/>
-            <a:ext cx="15840" cy="6855480"/>
+            <a:ext cx="15480" cy="6855120"/>
           </a:xfrm>
           <a:prstGeom prst="rect">
             <a:avLst/>
@@ -15026,14 +15302,14 @@
       </p:sp>
       <p:sp>
         <p:nvSpPr>
-          <p:cNvPr id="205" name="Rectangle 3"/>
+          <p:cNvPr id="207" name="Rectangle 3"/>
           <p:cNvSpPr/>
           <p:nvPr/>
         </p:nvSpPr>
         <p:spPr>
           <a:xfrm>
             <a:off x="914400" y="0"/>
-            <a:ext cx="15840" cy="6855480"/>
+            <a:ext cx="15480" cy="6855120"/>
           </a:xfrm>
           <a:prstGeom prst="rect">
             <a:avLst/>
@@ -15086,14 +15362,14 @@
       </p:sp>
       <p:sp>
         <p:nvSpPr>
-          <p:cNvPr id="206" name="Rectangle 4"/>
+          <p:cNvPr id="208" name="Rectangle 4"/>
           <p:cNvSpPr/>
           <p:nvPr/>
         </p:nvSpPr>
         <p:spPr>
           <a:xfrm>
             <a:off x="1828800" y="0"/>
-            <a:ext cx="15840" cy="6855480"/>
+            <a:ext cx="15480" cy="6855120"/>
           </a:xfrm>
           <a:prstGeom prst="rect">
             <a:avLst/>
@@ -15146,14 +15422,14 @@
       </p:sp>
       <p:sp>
         <p:nvSpPr>
-          <p:cNvPr id="207" name="Rectangle 5"/>
+          <p:cNvPr id="209" name="Rectangle 5"/>
           <p:cNvSpPr/>
           <p:nvPr/>
         </p:nvSpPr>
         <p:spPr>
           <a:xfrm>
             <a:off x="2743200" y="0"/>
-            <a:ext cx="15840" cy="6855480"/>
+            <a:ext cx="15480" cy="6855120"/>
           </a:xfrm>
           <a:prstGeom prst="rect">
             <a:avLst/>
@@ -15206,14 +15482,14 @@
       </p:sp>
       <p:sp>
         <p:nvSpPr>
-          <p:cNvPr id="208" name="Rectangle 6"/>
+          <p:cNvPr id="210" name="Rectangle 6"/>
           <p:cNvSpPr/>
           <p:nvPr/>
         </p:nvSpPr>
         <p:spPr>
           <a:xfrm>
             <a:off x="3657600" y="0"/>
-            <a:ext cx="15840" cy="6855480"/>
+            <a:ext cx="15480" cy="6855120"/>
           </a:xfrm>
           <a:prstGeom prst="rect">
             <a:avLst/>
@@ -15266,14 +15542,14 @@
       </p:sp>
       <p:sp>
         <p:nvSpPr>
-          <p:cNvPr id="209" name="Rectangle 7"/>
+          <p:cNvPr id="211" name="Rectangle 7"/>
           <p:cNvSpPr/>
           <p:nvPr/>
         </p:nvSpPr>
         <p:spPr>
           <a:xfrm>
             <a:off x="4572000" y="0"/>
-            <a:ext cx="15840" cy="6855480"/>
+            <a:ext cx="15480" cy="6855120"/>
           </a:xfrm>
           <a:prstGeom prst="rect">
             <a:avLst/>
@@ -15326,14 +15602,14 @@
       </p:sp>
       <p:sp>
         <p:nvSpPr>
-          <p:cNvPr id="210" name="Rectangle 8"/>
+          <p:cNvPr id="212" name="Rectangle 8"/>
           <p:cNvSpPr/>
           <p:nvPr/>
         </p:nvSpPr>
         <p:spPr>
           <a:xfrm>
             <a:off x="5486400" y="0"/>
-            <a:ext cx="15840" cy="6855480"/>
+            <a:ext cx="15480" cy="6855120"/>
           </a:xfrm>
           <a:prstGeom prst="rect">
             <a:avLst/>
@@ -15386,14 +15662,14 @@
       </p:sp>
       <p:sp>
         <p:nvSpPr>
-          <p:cNvPr id="211" name="Rectangle 9"/>
+          <p:cNvPr id="213" name="Rectangle 9"/>
           <p:cNvSpPr/>
           <p:nvPr/>
         </p:nvSpPr>
         <p:spPr>
           <a:xfrm>
             <a:off x="6400800" y="0"/>
-            <a:ext cx="15840" cy="6855480"/>
+            <a:ext cx="15480" cy="6855120"/>
           </a:xfrm>
           <a:prstGeom prst="rect">
             <a:avLst/>
@@ -15446,14 +15722,14 @@
       </p:sp>
       <p:sp>
         <p:nvSpPr>
-          <p:cNvPr id="212" name="Rectangle 10"/>
+          <p:cNvPr id="214" name="Rectangle 10"/>
           <p:cNvSpPr/>
           <p:nvPr/>
         </p:nvSpPr>
         <p:spPr>
           <a:xfrm>
             <a:off x="7315200" y="0"/>
-            <a:ext cx="15840" cy="6855480"/>
+            <a:ext cx="15480" cy="6855120"/>
           </a:xfrm>
           <a:prstGeom prst="rect">
             <a:avLst/>
@@ -15506,14 +15782,14 @@
       </p:sp>
       <p:sp>
         <p:nvSpPr>
-          <p:cNvPr id="213" name="Rectangle 11"/>
+          <p:cNvPr id="215" name="Rectangle 11"/>
           <p:cNvSpPr/>
           <p:nvPr/>
         </p:nvSpPr>
         <p:spPr>
           <a:xfrm>
             <a:off x="8229600" y="0"/>
-            <a:ext cx="15840" cy="6855480"/>
+            <a:ext cx="15480" cy="6855120"/>
           </a:xfrm>
           <a:prstGeom prst="rect">
             <a:avLst/>
@@ -15566,14 +15842,14 @@
       </p:sp>
       <p:sp>
         <p:nvSpPr>
-          <p:cNvPr id="214" name="Rectangle 12"/>
+          <p:cNvPr id="216" name="Rectangle 12"/>
           <p:cNvSpPr/>
           <p:nvPr/>
         </p:nvSpPr>
         <p:spPr>
           <a:xfrm>
             <a:off x="9144000" y="0"/>
-            <a:ext cx="15840" cy="6855480"/>
+            <a:ext cx="15480" cy="6855120"/>
           </a:xfrm>
           <a:prstGeom prst="rect">
             <a:avLst/>
@@ -15626,14 +15902,14 @@
       </p:sp>
       <p:sp>
         <p:nvSpPr>
-          <p:cNvPr id="215" name="Rectangle 13"/>
+          <p:cNvPr id="217" name="Rectangle 13"/>
           <p:cNvSpPr/>
           <p:nvPr/>
         </p:nvSpPr>
         <p:spPr>
           <a:xfrm>
             <a:off x="10058400" y="0"/>
-            <a:ext cx="15840" cy="6855480"/>
+            <a:ext cx="15480" cy="6855120"/>
           </a:xfrm>
           <a:prstGeom prst="rect">
             <a:avLst/>
@@ -15686,14 +15962,14 @@
       </p:sp>
       <p:sp>
         <p:nvSpPr>
-          <p:cNvPr id="216" name="Rectangle 14"/>
+          <p:cNvPr id="218" name="Rectangle 14"/>
           <p:cNvSpPr/>
           <p:nvPr/>
         </p:nvSpPr>
         <p:spPr>
           <a:xfrm>
             <a:off x="10972800" y="0"/>
-            <a:ext cx="15840" cy="6855480"/>
+            <a:ext cx="15480" cy="6855120"/>
           </a:xfrm>
           <a:prstGeom prst="rect">
             <a:avLst/>
@@ -15746,14 +16022,14 @@
       </p:sp>
       <p:sp>
         <p:nvSpPr>
-          <p:cNvPr id="217" name="Rectangle 15"/>
+          <p:cNvPr id="219" name="Rectangle 15"/>
           <p:cNvSpPr/>
           <p:nvPr/>
         </p:nvSpPr>
         <p:spPr>
           <a:xfrm>
             <a:off x="11887200" y="0"/>
-            <a:ext cx="15840" cy="6855480"/>
+            <a:ext cx="15480" cy="6855120"/>
           </a:xfrm>
           <a:prstGeom prst="rect">
             <a:avLst/>
@@ -15806,14 +16082,14 @@
       </p:sp>
       <p:sp>
         <p:nvSpPr>
-          <p:cNvPr id="218" name="Rectangle 16"/>
+          <p:cNvPr id="220" name="Rectangle 16"/>
           <p:cNvSpPr/>
           <p:nvPr/>
         </p:nvSpPr>
         <p:spPr>
           <a:xfrm>
             <a:off x="0" y="0"/>
-            <a:ext cx="317520" cy="6855480"/>
+            <a:ext cx="317160" cy="6855120"/>
           </a:xfrm>
           <a:prstGeom prst="rect">
             <a:avLst/>
@@ -15866,14 +16142,14 @@
       </p:sp>
       <p:sp>
         <p:nvSpPr>
-          <p:cNvPr id="219" name="Rounded Rectangle 17"/>
+          <p:cNvPr id="221" name="Rounded Rectangle 17"/>
           <p:cNvSpPr/>
           <p:nvPr/>
         </p:nvSpPr>
         <p:spPr>
           <a:xfrm>
             <a:off x="9875520" y="365760"/>
-            <a:ext cx="2009160" cy="500400"/>
+            <a:ext cx="2008800" cy="500040"/>
           </a:xfrm>
           <a:prstGeom prst="roundRect">
             <a:avLst>
@@ -15940,7 +16216,7 @@
       </p:sp>
       <p:sp>
         <p:nvSpPr>
-          <p:cNvPr id="220" name="TextBox 18"/>
+          <p:cNvPr id="222" name="TextBox 18"/>
           <p:cNvSpPr/>
           <p:nvPr/>
         </p:nvSpPr>
@@ -15994,7 +16270,7 @@
       </p:sp>
       <p:sp>
         <p:nvSpPr>
-          <p:cNvPr id="221" name="TextBox 19"/>
+          <p:cNvPr id="223" name="TextBox 19"/>
           <p:cNvSpPr/>
           <p:nvPr/>
         </p:nvSpPr>
@@ -16048,14 +16324,14 @@
       </p:sp>
       <p:sp>
         <p:nvSpPr>
-          <p:cNvPr id="222" name="Rounded Rectangle 20"/>
+          <p:cNvPr id="224" name="Rounded Rectangle 20"/>
           <p:cNvSpPr/>
           <p:nvPr/>
         </p:nvSpPr>
         <p:spPr>
           <a:xfrm>
             <a:off x="987480" y="3182040"/>
-            <a:ext cx="3289320" cy="2740680"/>
+            <a:ext cx="3288960" cy="2740320"/>
           </a:xfrm>
           <a:prstGeom prst="roundRect">
             <a:avLst>
@@ -16110,14 +16386,14 @@
       </p:sp>
       <p:sp>
         <p:nvSpPr>
-          <p:cNvPr id="223" name="Rounded Rectangle 21"/>
+          <p:cNvPr id="225" name="Rounded Rectangle 21"/>
           <p:cNvSpPr/>
           <p:nvPr/>
         </p:nvSpPr>
         <p:spPr>
           <a:xfrm>
             <a:off x="685800" y="2521440"/>
-            <a:ext cx="3427560" cy="3328200"/>
+            <a:ext cx="3427200" cy="3327840"/>
           </a:xfrm>
           <a:prstGeom prst="roundRect">
             <a:avLst>
@@ -16523,14 +16799,14 @@
       </p:sp>
       <p:sp>
         <p:nvSpPr>
-          <p:cNvPr id="224" name="Rounded Rectangle 22"/>
+          <p:cNvPr id="226" name="Rounded Rectangle 22"/>
           <p:cNvSpPr/>
           <p:nvPr/>
         </p:nvSpPr>
         <p:spPr>
           <a:xfrm>
             <a:off x="4507920" y="3182040"/>
-            <a:ext cx="3289320" cy="2740680"/>
+            <a:ext cx="3288960" cy="2740320"/>
           </a:xfrm>
           <a:prstGeom prst="roundRect">
             <a:avLst>
@@ -16585,14 +16861,14 @@
       </p:sp>
       <p:sp>
         <p:nvSpPr>
-          <p:cNvPr id="225" name="Rounded Rectangle 23"/>
+          <p:cNvPr id="227" name="Rounded Rectangle 23"/>
           <p:cNvSpPr/>
           <p:nvPr/>
         </p:nvSpPr>
         <p:spPr>
           <a:xfrm>
             <a:off x="4434840" y="3108960"/>
-            <a:ext cx="3289320" cy="2740680"/>
+            <a:ext cx="3288960" cy="2740320"/>
           </a:xfrm>
           <a:prstGeom prst="roundRect">
             <a:avLst>
@@ -16896,14 +17172,14 @@
       </p:sp>
       <p:sp>
         <p:nvSpPr>
-          <p:cNvPr id="226" name="Rounded Rectangle 24"/>
+          <p:cNvPr id="228" name="Rounded Rectangle 24"/>
           <p:cNvSpPr/>
           <p:nvPr/>
         </p:nvSpPr>
         <p:spPr>
           <a:xfrm>
             <a:off x="8028360" y="3182040"/>
-            <a:ext cx="3289320" cy="2740680"/>
+            <a:ext cx="3288960" cy="2740320"/>
           </a:xfrm>
           <a:prstGeom prst="roundRect">
             <a:avLst>
@@ -16958,14 +17234,14 @@
       </p:sp>
       <p:sp>
         <p:nvSpPr>
-          <p:cNvPr id="227" name="Rounded Rectangle 25"/>
+          <p:cNvPr id="229" name="Rounded Rectangle 25"/>
           <p:cNvSpPr/>
           <p:nvPr/>
         </p:nvSpPr>
         <p:spPr>
           <a:xfrm>
             <a:off x="7955280" y="3108960"/>
-            <a:ext cx="3289320" cy="2740680"/>
+            <a:ext cx="3288960" cy="2740320"/>
           </a:xfrm>
           <a:prstGeom prst="roundRect">
             <a:avLst>
@@ -17154,7 +17430,7 @@
       </p:sp>
       <p:sp>
         <p:nvSpPr>
-          <p:cNvPr id="228" name="TextBox 26"/>
+          <p:cNvPr id="230" name="TextBox 26"/>
           <p:cNvSpPr/>
           <p:nvPr/>
         </p:nvSpPr>
@@ -17238,14 +17514,14 @@
       </p:grpSpPr>
       <p:sp>
         <p:nvSpPr>
-          <p:cNvPr id="229" name="Rectangle 32"/>
+          <p:cNvPr id="231" name="Rectangle 32"/>
           <p:cNvSpPr/>
           <p:nvPr/>
         </p:nvSpPr>
         <p:spPr>
           <a:xfrm>
             <a:off x="0" y="0"/>
-            <a:ext cx="12186360" cy="6855480"/>
+            <a:ext cx="12186000" cy="6855120"/>
           </a:xfrm>
           <a:prstGeom prst="rect">
             <a:avLst/>
@@ -17298,14 +17574,14 @@
       </p:sp>
       <p:sp>
         <p:nvSpPr>
-          <p:cNvPr id="230" name="Rectangle 33"/>
+          <p:cNvPr id="232" name="Rectangle 33"/>
           <p:cNvSpPr/>
           <p:nvPr/>
         </p:nvSpPr>
         <p:spPr>
           <a:xfrm>
             <a:off x="0" y="0"/>
-            <a:ext cx="15840" cy="6855480"/>
+            <a:ext cx="15480" cy="6855120"/>
           </a:xfrm>
           <a:prstGeom prst="rect">
             <a:avLst/>
@@ -17358,14 +17634,14 @@
       </p:sp>
       <p:sp>
         <p:nvSpPr>
-          <p:cNvPr id="231" name="Rectangle 34"/>
+          <p:cNvPr id="233" name="Rectangle 34"/>
           <p:cNvSpPr/>
           <p:nvPr/>
         </p:nvSpPr>
         <p:spPr>
           <a:xfrm>
             <a:off x="914400" y="0"/>
-            <a:ext cx="15840" cy="6855480"/>
+            <a:ext cx="15480" cy="6855120"/>
           </a:xfrm>
           <a:prstGeom prst="rect">
             <a:avLst/>
@@ -17418,14 +17694,14 @@
       </p:sp>
       <p:sp>
         <p:nvSpPr>
-          <p:cNvPr id="232" name="Rectangle 35"/>
+          <p:cNvPr id="234" name="Rectangle 35"/>
           <p:cNvSpPr/>
           <p:nvPr/>
         </p:nvSpPr>
         <p:spPr>
           <a:xfrm>
             <a:off x="1828800" y="0"/>
-            <a:ext cx="15840" cy="6855480"/>
+            <a:ext cx="15480" cy="6855120"/>
           </a:xfrm>
           <a:prstGeom prst="rect">
             <a:avLst/>
@@ -17478,14 +17754,14 @@
       </p:sp>
       <p:sp>
         <p:nvSpPr>
-          <p:cNvPr id="233" name="Rectangle 36"/>
+          <p:cNvPr id="235" name="Rectangle 36"/>
           <p:cNvSpPr/>
           <p:nvPr/>
         </p:nvSpPr>
         <p:spPr>
           <a:xfrm>
             <a:off x="2743200" y="0"/>
-            <a:ext cx="15840" cy="6855480"/>
+            <a:ext cx="15480" cy="6855120"/>
           </a:xfrm>
           <a:prstGeom prst="rect">
             <a:avLst/>
@@ -17538,14 +17814,14 @@
       </p:sp>
       <p:sp>
         <p:nvSpPr>
-          <p:cNvPr id="234" name="Rectangle 37"/>
+          <p:cNvPr id="236" name="Rectangle 37"/>
           <p:cNvSpPr/>
           <p:nvPr/>
         </p:nvSpPr>
         <p:spPr>
           <a:xfrm>
             <a:off x="3657600" y="0"/>
-            <a:ext cx="15840" cy="6855480"/>
+            <a:ext cx="15480" cy="6855120"/>
           </a:xfrm>
           <a:prstGeom prst="rect">
             <a:avLst/>
@@ -17598,14 +17874,14 @@
       </p:sp>
       <p:sp>
         <p:nvSpPr>
-          <p:cNvPr id="235" name="Rectangle 38"/>
+          <p:cNvPr id="237" name="Rectangle 38"/>
           <p:cNvSpPr/>
           <p:nvPr/>
         </p:nvSpPr>
         <p:spPr>
           <a:xfrm>
             <a:off x="4572000" y="0"/>
-            <a:ext cx="15840" cy="6855480"/>
+            <a:ext cx="15480" cy="6855120"/>
           </a:xfrm>
           <a:prstGeom prst="rect">
             <a:avLst/>
@@ -17658,14 +17934,14 @@
       </p:sp>
       <p:sp>
         <p:nvSpPr>
-          <p:cNvPr id="236" name="Rectangle 39"/>
+          <p:cNvPr id="238" name="Rectangle 39"/>
           <p:cNvSpPr/>
           <p:nvPr/>
         </p:nvSpPr>
         <p:spPr>
           <a:xfrm>
             <a:off x="5486400" y="0"/>
-            <a:ext cx="15840" cy="6855480"/>
+            <a:ext cx="15480" cy="6855120"/>
           </a:xfrm>
           <a:prstGeom prst="rect">
             <a:avLst/>
@@ -17718,14 +17994,14 @@
       </p:sp>
       <p:sp>
         <p:nvSpPr>
-          <p:cNvPr id="237" name="Rectangle 40"/>
+          <p:cNvPr id="239" name="Rectangle 40"/>
           <p:cNvSpPr/>
           <p:nvPr/>
         </p:nvSpPr>
         <p:spPr>
           <a:xfrm>
             <a:off x="6400800" y="0"/>
-            <a:ext cx="15840" cy="6855480"/>
+            <a:ext cx="15480" cy="6855120"/>
           </a:xfrm>
           <a:prstGeom prst="rect">
             <a:avLst/>
@@ -17778,14 +18054,14 @@
       </p:sp>
       <p:sp>
         <p:nvSpPr>
-          <p:cNvPr id="238" name="Rectangle 41"/>
+          <p:cNvPr id="240" name="Rectangle 41"/>
           <p:cNvSpPr/>
           <p:nvPr/>
         </p:nvSpPr>
         <p:spPr>
           <a:xfrm>
             <a:off x="7315200" y="0"/>
-            <a:ext cx="15840" cy="6855480"/>
+            <a:ext cx="15480" cy="6855120"/>
           </a:xfrm>
           <a:prstGeom prst="rect">
             <a:avLst/>
@@ -17838,14 +18114,14 @@
       </p:sp>
       <p:sp>
         <p:nvSpPr>
-          <p:cNvPr id="239" name="Rectangle 42"/>
+          <p:cNvPr id="241" name="Rectangle 42"/>
           <p:cNvSpPr/>
           <p:nvPr/>
         </p:nvSpPr>
         <p:spPr>
           <a:xfrm>
             <a:off x="8229600" y="0"/>
-            <a:ext cx="15840" cy="6855480"/>
+            <a:ext cx="15480" cy="6855120"/>
           </a:xfrm>
           <a:prstGeom prst="rect">
             <a:avLst/>
@@ -17898,14 +18174,14 @@
       </p:sp>
       <p:sp>
         <p:nvSpPr>
-          <p:cNvPr id="240" name="Rectangle 43"/>
+          <p:cNvPr id="242" name="Rectangle 43"/>
           <p:cNvSpPr/>
           <p:nvPr/>
         </p:nvSpPr>
         <p:spPr>
           <a:xfrm>
             <a:off x="9144000" y="0"/>
-            <a:ext cx="15840" cy="6855480"/>
+            <a:ext cx="15480" cy="6855120"/>
           </a:xfrm>
           <a:prstGeom prst="rect">
             <a:avLst/>
@@ -17958,14 +18234,14 @@
       </p:sp>
       <p:sp>
         <p:nvSpPr>
-          <p:cNvPr id="241" name="Rectangle 44"/>
+          <p:cNvPr id="243" name="Rectangle 44"/>
           <p:cNvSpPr/>
           <p:nvPr/>
         </p:nvSpPr>
         <p:spPr>
           <a:xfrm>
             <a:off x="10058400" y="0"/>
-            <a:ext cx="15840" cy="6855480"/>
+            <a:ext cx="15480" cy="6855120"/>
           </a:xfrm>
           <a:prstGeom prst="rect">
             <a:avLst/>
@@ -18018,14 +18294,14 @@
       </p:sp>
       <p:sp>
         <p:nvSpPr>
-          <p:cNvPr id="242" name="Rectangle 45"/>
+          <p:cNvPr id="244" name="Rectangle 45"/>
           <p:cNvSpPr/>
           <p:nvPr/>
         </p:nvSpPr>
         <p:spPr>
           <a:xfrm>
             <a:off x="10972800" y="0"/>
-            <a:ext cx="15840" cy="6855480"/>
+            <a:ext cx="15480" cy="6855120"/>
           </a:xfrm>
           <a:prstGeom prst="rect">
             <a:avLst/>
@@ -18078,14 +18354,14 @@
       </p:sp>
       <p:sp>
         <p:nvSpPr>
-          <p:cNvPr id="243" name="Rectangle 46"/>
+          <p:cNvPr id="245" name="Rectangle 46"/>
           <p:cNvSpPr/>
           <p:nvPr/>
         </p:nvSpPr>
         <p:spPr>
           <a:xfrm>
             <a:off x="11887200" y="0"/>
-            <a:ext cx="15840" cy="6855480"/>
+            <a:ext cx="15480" cy="6855120"/>
           </a:xfrm>
           <a:prstGeom prst="rect">
             <a:avLst/>
@@ -18138,14 +18414,14 @@
       </p:sp>
       <p:sp>
         <p:nvSpPr>
-          <p:cNvPr id="244" name="Rectangle 47"/>
+          <p:cNvPr id="246" name="Rectangle 47"/>
           <p:cNvSpPr/>
           <p:nvPr/>
         </p:nvSpPr>
         <p:spPr>
           <a:xfrm>
             <a:off x="0" y="0"/>
-            <a:ext cx="317520" cy="6855480"/>
+            <a:ext cx="317160" cy="6855120"/>
           </a:xfrm>
           <a:prstGeom prst="rect">
             <a:avLst/>
@@ -18198,14 +18474,14 @@
       </p:sp>
       <p:sp>
         <p:nvSpPr>
-          <p:cNvPr id="245" name="Rounded Rectangle 8"/>
+          <p:cNvPr id="247" name="Rounded Rectangle 8"/>
           <p:cNvSpPr/>
           <p:nvPr/>
         </p:nvSpPr>
         <p:spPr>
           <a:xfrm>
             <a:off x="9875520" y="365760"/>
-            <a:ext cx="2009160" cy="500400"/>
+            <a:ext cx="2008800" cy="500040"/>
           </a:xfrm>
           <a:prstGeom prst="roundRect">
             <a:avLst>
@@ -18272,7 +18548,7 @@
       </p:sp>
       <p:sp>
         <p:nvSpPr>
-          <p:cNvPr id="246" name="TextBox 4"/>
+          <p:cNvPr id="248" name="TextBox 4"/>
           <p:cNvSpPr/>
           <p:nvPr/>
         </p:nvSpPr>
@@ -18326,7 +18602,7 @@
       </p:sp>
       <p:sp>
         <p:nvSpPr>
-          <p:cNvPr id="247" name="TextBox 5"/>
+          <p:cNvPr id="249" name="TextBox 5"/>
           <p:cNvSpPr/>
           <p:nvPr/>
         </p:nvSpPr>
@@ -18380,14 +18656,14 @@
       </p:sp>
       <p:sp>
         <p:nvSpPr>
-          <p:cNvPr id="248" name="Rounded Rectangle 9"/>
+          <p:cNvPr id="250" name="Rounded Rectangle 9"/>
           <p:cNvSpPr/>
           <p:nvPr/>
         </p:nvSpPr>
         <p:spPr>
           <a:xfrm>
             <a:off x="987480" y="3182040"/>
-            <a:ext cx="3289320" cy="2740680"/>
+            <a:ext cx="3288960" cy="2740320"/>
           </a:xfrm>
           <a:prstGeom prst="roundRect">
             <a:avLst>
@@ -18442,14 +18718,14 @@
       </p:sp>
       <p:sp>
         <p:nvSpPr>
-          <p:cNvPr id="249" name="Rounded Rectangle 10"/>
+          <p:cNvPr id="251" name="Rounded Rectangle 10"/>
           <p:cNvSpPr/>
           <p:nvPr/>
         </p:nvSpPr>
         <p:spPr>
           <a:xfrm>
             <a:off x="914400" y="3108960"/>
-            <a:ext cx="3289320" cy="2740680"/>
+            <a:ext cx="3288960" cy="2740320"/>
           </a:xfrm>
           <a:prstGeom prst="roundRect">
             <a:avLst>
@@ -18697,14 +18973,14 @@
       </p:sp>
       <p:sp>
         <p:nvSpPr>
-          <p:cNvPr id="250" name="Rounded Rectangle 11"/>
+          <p:cNvPr id="252" name="Rounded Rectangle 11"/>
           <p:cNvSpPr/>
           <p:nvPr/>
         </p:nvSpPr>
         <p:spPr>
           <a:xfrm>
             <a:off x="4507920" y="3182040"/>
-            <a:ext cx="3289320" cy="2740680"/>
+            <a:ext cx="3288960" cy="2740320"/>
           </a:xfrm>
           <a:prstGeom prst="roundRect">
             <a:avLst>
@@ -18759,14 +19035,14 @@
       </p:sp>
       <p:sp>
         <p:nvSpPr>
-          <p:cNvPr id="251" name="Rounded Rectangle 12"/>
+          <p:cNvPr id="253" name="Rounded Rectangle 12"/>
           <p:cNvSpPr/>
           <p:nvPr/>
         </p:nvSpPr>
         <p:spPr>
           <a:xfrm>
             <a:off x="4434840" y="3108960"/>
-            <a:ext cx="3289320" cy="2740680"/>
+            <a:ext cx="3288960" cy="2740320"/>
           </a:xfrm>
           <a:prstGeom prst="roundRect">
             <a:avLst>
@@ -18994,14 +19270,14 @@
       </p:sp>
       <p:sp>
         <p:nvSpPr>
-          <p:cNvPr id="252" name="Rounded Rectangle 13"/>
+          <p:cNvPr id="254" name="Rounded Rectangle 13"/>
           <p:cNvSpPr/>
           <p:nvPr/>
         </p:nvSpPr>
         <p:spPr>
           <a:xfrm>
             <a:off x="8028360" y="3182040"/>
-            <a:ext cx="3289320" cy="2740680"/>
+            <a:ext cx="3288960" cy="2740320"/>
           </a:xfrm>
           <a:prstGeom prst="roundRect">
             <a:avLst>
@@ -19056,14 +19332,14 @@
       </p:sp>
       <p:sp>
         <p:nvSpPr>
-          <p:cNvPr id="253" name="Rounded Rectangle 14"/>
+          <p:cNvPr id="255" name="Rounded Rectangle 14"/>
           <p:cNvSpPr/>
           <p:nvPr/>
         </p:nvSpPr>
         <p:spPr>
           <a:xfrm>
             <a:off x="7955280" y="3108960"/>
-            <a:ext cx="3289320" cy="2740680"/>
+            <a:ext cx="3288960" cy="2740320"/>
           </a:xfrm>
           <a:prstGeom prst="roundRect">
             <a:avLst>
@@ -19294,7 +19570,7 @@
       </p:sp>
       <p:sp>
         <p:nvSpPr>
-          <p:cNvPr id="254" name="TextBox 6"/>
+          <p:cNvPr id="256" name="TextBox 6"/>
           <p:cNvSpPr/>
           <p:nvPr/>
         </p:nvSpPr>
@@ -19378,14 +19654,14 @@
       </p:grpSpPr>
       <p:sp>
         <p:nvSpPr>
-          <p:cNvPr id="255" name="Rectangle 48"/>
+          <p:cNvPr id="257" name="Rectangle 48"/>
           <p:cNvSpPr/>
           <p:nvPr/>
         </p:nvSpPr>
         <p:spPr>
           <a:xfrm>
             <a:off x="0" y="0"/>
-            <a:ext cx="12186720" cy="6855840"/>
+            <a:ext cx="12186360" cy="6855480"/>
           </a:xfrm>
           <a:prstGeom prst="rect">
             <a:avLst/>
@@ -19438,14 +19714,14 @@
       </p:sp>
       <p:sp>
         <p:nvSpPr>
-          <p:cNvPr id="256" name="Rectangle 49"/>
+          <p:cNvPr id="258" name="Rectangle 49"/>
           <p:cNvSpPr/>
           <p:nvPr/>
         </p:nvSpPr>
         <p:spPr>
           <a:xfrm>
             <a:off x="0" y="0"/>
-            <a:ext cx="16200" cy="6855840"/>
+            <a:ext cx="15840" cy="6855480"/>
           </a:xfrm>
           <a:prstGeom prst="rect">
             <a:avLst/>
@@ -19498,14 +19774,14 @@
       </p:sp>
       <p:sp>
         <p:nvSpPr>
-          <p:cNvPr id="257" name="Rectangle 50"/>
+          <p:cNvPr id="259" name="Rectangle 50"/>
           <p:cNvSpPr/>
           <p:nvPr/>
         </p:nvSpPr>
         <p:spPr>
           <a:xfrm>
             <a:off x="914400" y="0"/>
-            <a:ext cx="16200" cy="6855840"/>
+            <a:ext cx="15840" cy="6855480"/>
           </a:xfrm>
           <a:prstGeom prst="rect">
             <a:avLst/>
@@ -19558,14 +19834,14 @@
       </p:sp>
       <p:sp>
         <p:nvSpPr>
-          <p:cNvPr id="258" name="Rectangle 51"/>
+          <p:cNvPr id="260" name="Rectangle 51"/>
           <p:cNvSpPr/>
           <p:nvPr/>
         </p:nvSpPr>
         <p:spPr>
           <a:xfrm>
             <a:off x="1828800" y="0"/>
-            <a:ext cx="16200" cy="6855840"/>
+            <a:ext cx="15840" cy="6855480"/>
           </a:xfrm>
           <a:prstGeom prst="rect">
             <a:avLst/>
@@ -19618,14 +19894,14 @@
       </p:sp>
       <p:sp>
         <p:nvSpPr>
-          <p:cNvPr id="259" name="Rectangle 52"/>
+          <p:cNvPr id="261" name="Rectangle 52"/>
           <p:cNvSpPr/>
           <p:nvPr/>
         </p:nvSpPr>
         <p:spPr>
           <a:xfrm>
             <a:off x="2743200" y="0"/>
-            <a:ext cx="16200" cy="6855840"/>
+            <a:ext cx="15840" cy="6855480"/>
           </a:xfrm>
           <a:prstGeom prst="rect">
             <a:avLst/>
@@ -19678,14 +19954,14 @@
       </p:sp>
       <p:sp>
         <p:nvSpPr>
-          <p:cNvPr id="260" name="Rectangle 53"/>
+          <p:cNvPr id="262" name="Rectangle 53"/>
           <p:cNvSpPr/>
           <p:nvPr/>
         </p:nvSpPr>
         <p:spPr>
           <a:xfrm>
             <a:off x="3657600" y="0"/>
-            <a:ext cx="16200" cy="6855840"/>
+            <a:ext cx="15840" cy="6855480"/>
           </a:xfrm>
           <a:prstGeom prst="rect">
             <a:avLst/>
@@ -19738,14 +20014,14 @@
       </p:sp>
       <p:sp>
         <p:nvSpPr>
-          <p:cNvPr id="261" name="Rectangle 54"/>
+          <p:cNvPr id="263" name="Rectangle 54"/>
           <p:cNvSpPr/>
           <p:nvPr/>
         </p:nvSpPr>
         <p:spPr>
           <a:xfrm>
             <a:off x="4572000" y="0"/>
-            <a:ext cx="16200" cy="6855840"/>
+            <a:ext cx="15840" cy="6855480"/>
           </a:xfrm>
           <a:prstGeom prst="rect">
             <a:avLst/>
@@ -19798,14 +20074,14 @@
       </p:sp>
       <p:sp>
         <p:nvSpPr>
-          <p:cNvPr id="262" name="Rectangle 55"/>
+          <p:cNvPr id="264" name="Rectangle 55"/>
           <p:cNvSpPr/>
           <p:nvPr/>
         </p:nvSpPr>
         <p:spPr>
           <a:xfrm>
             <a:off x="5486400" y="0"/>
-            <a:ext cx="16200" cy="6855840"/>
+            <a:ext cx="15840" cy="6855480"/>
           </a:xfrm>
           <a:prstGeom prst="rect">
             <a:avLst/>
@@ -19858,14 +20134,14 @@
       </p:sp>
       <p:sp>
         <p:nvSpPr>
-          <p:cNvPr id="263" name="Rectangle 56"/>
+          <p:cNvPr id="265" name="Rectangle 56"/>
           <p:cNvSpPr/>
           <p:nvPr/>
         </p:nvSpPr>
         <p:spPr>
           <a:xfrm>
             <a:off x="6400800" y="0"/>
-            <a:ext cx="16200" cy="6855840"/>
+            <a:ext cx="15840" cy="6855480"/>
           </a:xfrm>
           <a:prstGeom prst="rect">
             <a:avLst/>
@@ -19918,14 +20194,14 @@
       </p:sp>
       <p:sp>
         <p:nvSpPr>
-          <p:cNvPr id="264" name="Rectangle 57"/>
+          <p:cNvPr id="266" name="Rectangle 57"/>
           <p:cNvSpPr/>
           <p:nvPr/>
         </p:nvSpPr>
         <p:spPr>
           <a:xfrm>
             <a:off x="7315200" y="0"/>
-            <a:ext cx="16200" cy="6855840"/>
+            <a:ext cx="15840" cy="6855480"/>
           </a:xfrm>
           <a:prstGeom prst="rect">
             <a:avLst/>
@@ -19978,14 +20254,14 @@
       </p:sp>
       <p:sp>
         <p:nvSpPr>
-          <p:cNvPr id="265" name="Rectangle 58"/>
+          <p:cNvPr id="267" name="Rectangle 58"/>
           <p:cNvSpPr/>
           <p:nvPr/>
         </p:nvSpPr>
         <p:spPr>
           <a:xfrm>
             <a:off x="8229600" y="0"/>
-            <a:ext cx="16200" cy="6855840"/>
+            <a:ext cx="15840" cy="6855480"/>
           </a:xfrm>
           <a:prstGeom prst="rect">
             <a:avLst/>
@@ -20038,14 +20314,14 @@
       </p:sp>
       <p:sp>
         <p:nvSpPr>
-          <p:cNvPr id="266" name="Rectangle 59"/>
+          <p:cNvPr id="268" name="Rectangle 59"/>
           <p:cNvSpPr/>
           <p:nvPr/>
         </p:nvSpPr>
         <p:spPr>
           <a:xfrm>
             <a:off x="9144000" y="0"/>
-            <a:ext cx="16200" cy="6855840"/>
+            <a:ext cx="15840" cy="6855480"/>
           </a:xfrm>
           <a:prstGeom prst="rect">
             <a:avLst/>
@@ -20098,14 +20374,14 @@
       </p:sp>
       <p:sp>
         <p:nvSpPr>
-          <p:cNvPr id="267" name="Rectangle 60"/>
+          <p:cNvPr id="269" name="Rectangle 60"/>
           <p:cNvSpPr/>
           <p:nvPr/>
         </p:nvSpPr>
         <p:spPr>
           <a:xfrm>
             <a:off x="10058400" y="0"/>
-            <a:ext cx="16200" cy="6855840"/>
+            <a:ext cx="15840" cy="6855480"/>
           </a:xfrm>
           <a:prstGeom prst="rect">
             <a:avLst/>
@@ -20158,14 +20434,14 @@
       </p:sp>
       <p:sp>
         <p:nvSpPr>
-          <p:cNvPr id="268" name="Rectangle 61"/>
+          <p:cNvPr id="270" name="Rectangle 61"/>
           <p:cNvSpPr/>
           <p:nvPr/>
         </p:nvSpPr>
         <p:spPr>
           <a:xfrm>
             <a:off x="10972800" y="0"/>
-            <a:ext cx="16200" cy="6855840"/>
+            <a:ext cx="15840" cy="6855480"/>
           </a:xfrm>
           <a:prstGeom prst="rect">
             <a:avLst/>
@@ -20218,14 +20494,14 @@
       </p:sp>
       <p:sp>
         <p:nvSpPr>
-          <p:cNvPr id="269" name="Rectangle 62"/>
+          <p:cNvPr id="271" name="Rectangle 62"/>
           <p:cNvSpPr/>
           <p:nvPr/>
         </p:nvSpPr>
         <p:spPr>
           <a:xfrm>
             <a:off x="11887200" y="0"/>
-            <a:ext cx="16200" cy="6855840"/>
+            <a:ext cx="15840" cy="6855480"/>
           </a:xfrm>
           <a:prstGeom prst="rect">
             <a:avLst/>
@@ -20278,14 +20554,14 @@
       </p:sp>
       <p:sp>
         <p:nvSpPr>
-          <p:cNvPr id="270" name="Rectangle 63"/>
+          <p:cNvPr id="272" name="Rectangle 63"/>
           <p:cNvSpPr/>
           <p:nvPr/>
         </p:nvSpPr>
         <p:spPr>
           <a:xfrm>
             <a:off x="0" y="0"/>
-            <a:ext cx="317880" cy="6855840"/>
+            <a:ext cx="317520" cy="6855480"/>
           </a:xfrm>
           <a:prstGeom prst="rect">
             <a:avLst/>
@@ -20338,14 +20614,14 @@
       </p:sp>
       <p:sp>
         <p:nvSpPr>
-          <p:cNvPr id="271" name="Rounded Rectangle 15"/>
+          <p:cNvPr id="273" name="Rounded Rectangle 15"/>
           <p:cNvSpPr/>
           <p:nvPr/>
         </p:nvSpPr>
         <p:spPr>
           <a:xfrm>
             <a:off x="9875520" y="365760"/>
-            <a:ext cx="2009520" cy="500760"/>
+            <a:ext cx="2009160" cy="500400"/>
           </a:xfrm>
           <a:prstGeom prst="roundRect">
             <a:avLst>
@@ -20412,7 +20688,7 @@
       </p:sp>
       <p:sp>
         <p:nvSpPr>
-          <p:cNvPr id="272" name="TextBox 7"/>
+          <p:cNvPr id="274" name="TextBox 7"/>
           <p:cNvSpPr/>
           <p:nvPr/>
         </p:nvSpPr>
@@ -20466,7 +20742,7 @@
       </p:sp>
       <p:sp>
         <p:nvSpPr>
-          <p:cNvPr id="273" name="TextBox 8"/>
+          <p:cNvPr id="275" name="TextBox 8"/>
           <p:cNvSpPr/>
           <p:nvPr/>
         </p:nvSpPr>
@@ -20520,14 +20796,14 @@
       </p:sp>
       <p:sp>
         <p:nvSpPr>
-          <p:cNvPr id="274" name="Rounded Rectangle 16"/>
+          <p:cNvPr id="276" name="Rounded Rectangle 16"/>
           <p:cNvSpPr/>
           <p:nvPr/>
         </p:nvSpPr>
         <p:spPr>
           <a:xfrm>
             <a:off x="987480" y="3182040"/>
-            <a:ext cx="3289680" cy="2741040"/>
+            <a:ext cx="3289320" cy="2740680"/>
           </a:xfrm>
           <a:prstGeom prst="roundRect">
             <a:avLst>
@@ -20582,14 +20858,14 @@
       </p:sp>
       <p:sp>
         <p:nvSpPr>
-          <p:cNvPr id="275" name="Rounded Rectangle 18"/>
+          <p:cNvPr id="277" name="Rounded Rectangle 18"/>
           <p:cNvSpPr/>
           <p:nvPr/>
         </p:nvSpPr>
         <p:spPr>
           <a:xfrm>
             <a:off x="475560" y="2743200"/>
-            <a:ext cx="3728520" cy="3106800"/>
+            <a:ext cx="3728160" cy="3106440"/>
           </a:xfrm>
           <a:prstGeom prst="roundRect">
             <a:avLst>
@@ -20859,14 +21135,14 @@
       </p:sp>
       <p:sp>
         <p:nvSpPr>
-          <p:cNvPr id="276" name="Rounded Rectangle 19"/>
+          <p:cNvPr id="278" name="Rounded Rectangle 19"/>
           <p:cNvSpPr/>
           <p:nvPr/>
         </p:nvSpPr>
         <p:spPr>
           <a:xfrm>
             <a:off x="4507920" y="3182040"/>
-            <a:ext cx="3289680" cy="2741040"/>
+            <a:ext cx="3289320" cy="2740680"/>
           </a:xfrm>
           <a:prstGeom prst="roundRect">
             <a:avLst>
@@ -20921,14 +21197,14 @@
       </p:sp>
       <p:sp>
         <p:nvSpPr>
-          <p:cNvPr id="277" name="Rounded Rectangle 26"/>
+          <p:cNvPr id="279" name="Rounded Rectangle 26"/>
           <p:cNvSpPr/>
           <p:nvPr/>
         </p:nvSpPr>
         <p:spPr>
           <a:xfrm>
             <a:off x="4343400" y="2918520"/>
-            <a:ext cx="3518280" cy="2931480"/>
+            <a:ext cx="3517920" cy="2931120"/>
           </a:xfrm>
           <a:prstGeom prst="roundRect">
             <a:avLst>
@@ -21423,14 +21699,14 @@
       </p:sp>
       <p:sp>
         <p:nvSpPr>
-          <p:cNvPr id="278" name="Rounded Rectangle 27"/>
+          <p:cNvPr id="280" name="Rounded Rectangle 27"/>
           <p:cNvSpPr/>
           <p:nvPr/>
         </p:nvSpPr>
         <p:spPr>
           <a:xfrm>
             <a:off x="8028360" y="3182040"/>
-            <a:ext cx="3289680" cy="2741040"/>
+            <a:ext cx="3289320" cy="2740680"/>
           </a:xfrm>
           <a:prstGeom prst="roundRect">
             <a:avLst>
@@ -21485,14 +21761,14 @@
       </p:sp>
       <p:sp>
         <p:nvSpPr>
-          <p:cNvPr id="279" name="Rounded Rectangle 28"/>
+          <p:cNvPr id="281" name="Rounded Rectangle 28"/>
           <p:cNvSpPr/>
           <p:nvPr/>
         </p:nvSpPr>
         <p:spPr>
           <a:xfrm>
             <a:off x="8023680" y="2743200"/>
-            <a:ext cx="3839760" cy="3199320"/>
+            <a:ext cx="3839400" cy="3198960"/>
           </a:xfrm>
           <a:prstGeom prst="roundRect">
             <a:avLst>
@@ -21957,7 +22233,7 @@
       </p:sp>
       <p:sp>
         <p:nvSpPr>
-          <p:cNvPr id="280" name="TextBox 9"/>
+          <p:cNvPr id="282" name="TextBox 9"/>
           <p:cNvSpPr/>
           <p:nvPr/>
         </p:nvSpPr>
@@ -22041,14 +22317,14 @@
       </p:grpSpPr>
       <p:sp>
         <p:nvSpPr>
-          <p:cNvPr id="281" name="Rectangle 64"/>
+          <p:cNvPr id="283" name="Rectangle 64"/>
           <p:cNvSpPr/>
           <p:nvPr/>
         </p:nvSpPr>
         <p:spPr>
           <a:xfrm>
             <a:off x="0" y="0"/>
-            <a:ext cx="12187080" cy="6856200"/>
+            <a:ext cx="12186720" cy="6855840"/>
           </a:xfrm>
           <a:prstGeom prst="rect">
             <a:avLst/>
@@ -22101,14 +22377,14 @@
       </p:sp>
       <p:sp>
         <p:nvSpPr>
-          <p:cNvPr id="282" name="Rectangle 65"/>
+          <p:cNvPr id="284" name="Rectangle 65"/>
           <p:cNvSpPr/>
           <p:nvPr/>
         </p:nvSpPr>
         <p:spPr>
           <a:xfrm>
             <a:off x="0" y="0"/>
-            <a:ext cx="16560" cy="6856200"/>
+            <a:ext cx="16200" cy="6855840"/>
           </a:xfrm>
           <a:prstGeom prst="rect">
             <a:avLst/>
@@ -22161,14 +22437,14 @@
       </p:sp>
       <p:sp>
         <p:nvSpPr>
-          <p:cNvPr id="283" name="Rectangle 66"/>
+          <p:cNvPr id="285" name="Rectangle 66"/>
           <p:cNvSpPr/>
           <p:nvPr/>
         </p:nvSpPr>
         <p:spPr>
           <a:xfrm>
             <a:off x="914400" y="0"/>
-            <a:ext cx="16560" cy="6856200"/>
+            <a:ext cx="16200" cy="6855840"/>
           </a:xfrm>
           <a:prstGeom prst="rect">
             <a:avLst/>
@@ -22221,14 +22497,14 @@
       </p:sp>
       <p:sp>
         <p:nvSpPr>
-          <p:cNvPr id="284" name="Rectangle 67"/>
+          <p:cNvPr id="286" name="Rectangle 67"/>
           <p:cNvSpPr/>
           <p:nvPr/>
         </p:nvSpPr>
         <p:spPr>
           <a:xfrm>
             <a:off x="1828800" y="0"/>
-            <a:ext cx="16560" cy="6856200"/>
+            <a:ext cx="16200" cy="6855840"/>
           </a:xfrm>
           <a:prstGeom prst="rect">
             <a:avLst/>
@@ -22281,14 +22557,14 @@
       </p:sp>
       <p:sp>
         <p:nvSpPr>
-          <p:cNvPr id="285" name="Rectangle 68"/>
+          <p:cNvPr id="287" name="Rectangle 68"/>
           <p:cNvSpPr/>
           <p:nvPr/>
         </p:nvSpPr>
         <p:spPr>
           <a:xfrm>
             <a:off x="2743200" y="0"/>
-            <a:ext cx="16560" cy="6856200"/>
+            <a:ext cx="16200" cy="6855840"/>
           </a:xfrm>
           <a:prstGeom prst="rect">
             <a:avLst/>
@@ -22341,14 +22617,14 @@
       </p:sp>
       <p:sp>
         <p:nvSpPr>
-          <p:cNvPr id="286" name="Rectangle 69"/>
+          <p:cNvPr id="288" name="Rectangle 69"/>
           <p:cNvSpPr/>
           <p:nvPr/>
         </p:nvSpPr>
         <p:spPr>
           <a:xfrm>
             <a:off x="3657600" y="0"/>
-            <a:ext cx="16560" cy="6856200"/>
+            <a:ext cx="16200" cy="6855840"/>
           </a:xfrm>
           <a:prstGeom prst="rect">
             <a:avLst/>
@@ -22401,14 +22677,14 @@
       </p:sp>
       <p:sp>
         <p:nvSpPr>
-          <p:cNvPr id="287" name="Rectangle 70"/>
+          <p:cNvPr id="289" name="Rectangle 70"/>
           <p:cNvSpPr/>
           <p:nvPr/>
         </p:nvSpPr>
         <p:spPr>
           <a:xfrm>
             <a:off x="4572000" y="0"/>
-            <a:ext cx="16560" cy="6856200"/>
+            <a:ext cx="16200" cy="6855840"/>
           </a:xfrm>
           <a:prstGeom prst="rect">
             <a:avLst/>
@@ -22461,14 +22737,14 @@
       </p:sp>
       <p:sp>
         <p:nvSpPr>
-          <p:cNvPr id="288" name="Rectangle 71"/>
+          <p:cNvPr id="290" name="Rectangle 71"/>
           <p:cNvSpPr/>
           <p:nvPr/>
         </p:nvSpPr>
         <p:spPr>
           <a:xfrm>
             <a:off x="5486400" y="0"/>
-            <a:ext cx="16560" cy="6856200"/>
+            <a:ext cx="16200" cy="6855840"/>
           </a:xfrm>
           <a:prstGeom prst="rect">
             <a:avLst/>
@@ -22521,14 +22797,14 @@
       </p:sp>
       <p:sp>
         <p:nvSpPr>
-          <p:cNvPr id="289" name="Rectangle 72"/>
+          <p:cNvPr id="291" name="Rectangle 72"/>
           <p:cNvSpPr/>
           <p:nvPr/>
         </p:nvSpPr>
         <p:spPr>
           <a:xfrm>
             <a:off x="6400800" y="0"/>
-            <a:ext cx="16560" cy="6856200"/>
+            <a:ext cx="16200" cy="6855840"/>
           </a:xfrm>
           <a:prstGeom prst="rect">
             <a:avLst/>
@@ -22581,14 +22857,14 @@
       </p:sp>
       <p:sp>
         <p:nvSpPr>
-          <p:cNvPr id="290" name="Rectangle 73"/>
+          <p:cNvPr id="292" name="Rectangle 73"/>
           <p:cNvSpPr/>
           <p:nvPr/>
         </p:nvSpPr>
         <p:spPr>
           <a:xfrm>
             <a:off x="7315200" y="0"/>
-            <a:ext cx="16560" cy="6856200"/>
+            <a:ext cx="16200" cy="6855840"/>
           </a:xfrm>
           <a:prstGeom prst="rect">
             <a:avLst/>
@@ -22641,14 +22917,14 @@
       </p:sp>
       <p:sp>
         <p:nvSpPr>
-          <p:cNvPr id="291" name="Rectangle 74"/>
+          <p:cNvPr id="293" name="Rectangle 74"/>
           <p:cNvSpPr/>
           <p:nvPr/>
         </p:nvSpPr>
         <p:spPr>
           <a:xfrm>
             <a:off x="8229600" y="0"/>
-            <a:ext cx="16560" cy="6856200"/>
+            <a:ext cx="16200" cy="6855840"/>
           </a:xfrm>
           <a:prstGeom prst="rect">
             <a:avLst/>
@@ -22701,14 +22977,14 @@
       </p:sp>
       <p:sp>
         <p:nvSpPr>
-          <p:cNvPr id="292" name="Rectangle 75"/>
+          <p:cNvPr id="294" name="Rectangle 75"/>
           <p:cNvSpPr/>
           <p:nvPr/>
         </p:nvSpPr>
         <p:spPr>
           <a:xfrm>
             <a:off x="9144000" y="0"/>
-            <a:ext cx="16560" cy="6856200"/>
+            <a:ext cx="16200" cy="6855840"/>
           </a:xfrm>
           <a:prstGeom prst="rect">
             <a:avLst/>
@@ -22761,14 +23037,14 @@
       </p:sp>
       <p:sp>
         <p:nvSpPr>
-          <p:cNvPr id="293" name="Rectangle 76"/>
+          <p:cNvPr id="295" name="Rectangle 76"/>
           <p:cNvSpPr/>
           <p:nvPr/>
         </p:nvSpPr>
         <p:spPr>
           <a:xfrm>
             <a:off x="10058400" y="0"/>
-            <a:ext cx="16560" cy="6856200"/>
+            <a:ext cx="16200" cy="6855840"/>
           </a:xfrm>
           <a:prstGeom prst="rect">
             <a:avLst/>
@@ -22821,14 +23097,14 @@
       </p:sp>
       <p:sp>
         <p:nvSpPr>
-          <p:cNvPr id="294" name="Rectangle 77"/>
+          <p:cNvPr id="296" name="Rectangle 77"/>
           <p:cNvSpPr/>
           <p:nvPr/>
         </p:nvSpPr>
         <p:spPr>
           <a:xfrm>
             <a:off x="10972800" y="0"/>
-            <a:ext cx="16560" cy="6856200"/>
+            <a:ext cx="16200" cy="6855840"/>
           </a:xfrm>
           <a:prstGeom prst="rect">
             <a:avLst/>
@@ -22881,14 +23157,14 @@
       </p:sp>
       <p:sp>
         <p:nvSpPr>
-          <p:cNvPr id="295" name="Rectangle 78"/>
+          <p:cNvPr id="297" name="Rectangle 78"/>
           <p:cNvSpPr/>
           <p:nvPr/>
         </p:nvSpPr>
         <p:spPr>
           <a:xfrm>
             <a:off x="11887200" y="0"/>
-            <a:ext cx="16560" cy="6856200"/>
+            <a:ext cx="16200" cy="6855840"/>
           </a:xfrm>
           <a:prstGeom prst="rect">
             <a:avLst/>
@@ -22941,14 +23217,14 @@
       </p:sp>
       <p:sp>
         <p:nvSpPr>
-          <p:cNvPr id="296" name="Rectangle 79"/>
+          <p:cNvPr id="298" name="Rectangle 79"/>
           <p:cNvSpPr/>
           <p:nvPr/>
         </p:nvSpPr>
         <p:spPr>
           <a:xfrm>
             <a:off x="0" y="0"/>
-            <a:ext cx="318240" cy="6856200"/>
+            <a:ext cx="317880" cy="6855840"/>
           </a:xfrm>
           <a:prstGeom prst="rect">
             <a:avLst/>
@@ -23001,14 +23277,14 @@
       </p:sp>
       <p:sp>
         <p:nvSpPr>
-          <p:cNvPr id="297" name="Rounded Rectangle 29"/>
+          <p:cNvPr id="299" name="Rounded Rectangle 29"/>
           <p:cNvSpPr/>
           <p:nvPr/>
         </p:nvSpPr>
         <p:spPr>
           <a:xfrm>
             <a:off x="9875520" y="365760"/>
-            <a:ext cx="2009880" cy="501120"/>
+            <a:ext cx="2009520" cy="500760"/>
           </a:xfrm>
           <a:prstGeom prst="roundRect">
             <a:avLst>
@@ -23075,7 +23351,7 @@
       </p:sp>
       <p:sp>
         <p:nvSpPr>
-          <p:cNvPr id="298" name="TextBox 10"/>
+          <p:cNvPr id="300" name="TextBox 10"/>
           <p:cNvSpPr/>
           <p:nvPr/>
         </p:nvSpPr>
@@ -23129,7 +23405,7 @@
       </p:sp>
       <p:sp>
         <p:nvSpPr>
-          <p:cNvPr id="299" name="TextBox 11"/>
+          <p:cNvPr id="301" name="TextBox 11"/>
           <p:cNvSpPr/>
           <p:nvPr/>
         </p:nvSpPr>
@@ -23183,14 +23459,14 @@
       </p:sp>
       <p:sp>
         <p:nvSpPr>
-          <p:cNvPr id="300" name="Rounded Rectangle 30"/>
+          <p:cNvPr id="302" name="Rounded Rectangle 30"/>
           <p:cNvSpPr/>
           <p:nvPr/>
         </p:nvSpPr>
         <p:spPr>
           <a:xfrm>
             <a:off x="987480" y="3182040"/>
-            <a:ext cx="3290040" cy="2741400"/>
+            <a:ext cx="3289680" cy="2741040"/>
           </a:xfrm>
           <a:prstGeom prst="roundRect">
             <a:avLst>
@@ -23245,14 +23521,14 @@
       </p:sp>
       <p:sp>
         <p:nvSpPr>
-          <p:cNvPr id="301" name="Rounded Rectangle 31"/>
+          <p:cNvPr id="303" name="Rounded Rectangle 31"/>
           <p:cNvSpPr/>
           <p:nvPr/>
         </p:nvSpPr>
         <p:spPr>
           <a:xfrm>
             <a:off x="685800" y="3108960"/>
-            <a:ext cx="3518640" cy="3062520"/>
+            <a:ext cx="3518280" cy="3062160"/>
           </a:xfrm>
           <a:prstGeom prst="roundRect">
             <a:avLst>
@@ -23631,14 +23907,14 @@
       </p:sp>
       <p:sp>
         <p:nvSpPr>
-          <p:cNvPr id="302" name="Rounded Rectangle 32"/>
+          <p:cNvPr id="304" name="Rounded Rectangle 32"/>
           <p:cNvSpPr/>
           <p:nvPr/>
         </p:nvSpPr>
         <p:spPr>
           <a:xfrm>
             <a:off x="4507920" y="3182040"/>
-            <a:ext cx="3290040" cy="2741400"/>
+            <a:ext cx="3289680" cy="2741040"/>
           </a:xfrm>
           <a:prstGeom prst="roundRect">
             <a:avLst>
@@ -23693,14 +23969,14 @@
       </p:sp>
       <p:sp>
         <p:nvSpPr>
-          <p:cNvPr id="303" name="Rounded Rectangle 33"/>
+          <p:cNvPr id="305" name="Rounded Rectangle 33"/>
           <p:cNvSpPr/>
           <p:nvPr/>
         </p:nvSpPr>
         <p:spPr>
           <a:xfrm>
             <a:off x="4434840" y="3108960"/>
-            <a:ext cx="3290040" cy="2741400"/>
+            <a:ext cx="3289680" cy="2741040"/>
           </a:xfrm>
           <a:prstGeom prst="roundRect">
             <a:avLst>
@@ -24162,14 +24438,14 @@
       </p:sp>
       <p:sp>
         <p:nvSpPr>
-          <p:cNvPr id="304" name="Rounded Rectangle 34"/>
+          <p:cNvPr id="306" name="Rounded Rectangle 34"/>
           <p:cNvSpPr/>
           <p:nvPr/>
         </p:nvSpPr>
         <p:spPr>
           <a:xfrm>
             <a:off x="8028360" y="3182040"/>
-            <a:ext cx="3290040" cy="2741400"/>
+            <a:ext cx="3289680" cy="2741040"/>
           </a:xfrm>
           <a:prstGeom prst="roundRect">
             <a:avLst>
@@ -24224,14 +24500,14 @@
       </p:sp>
       <p:sp>
         <p:nvSpPr>
-          <p:cNvPr id="305" name="Rounded Rectangle 35"/>
+          <p:cNvPr id="307" name="Rounded Rectangle 35"/>
           <p:cNvSpPr/>
           <p:nvPr/>
         </p:nvSpPr>
         <p:spPr>
           <a:xfrm>
             <a:off x="7955280" y="3108960"/>
-            <a:ext cx="3290040" cy="2741400"/>
+            <a:ext cx="3289680" cy="2741040"/>
           </a:xfrm>
           <a:prstGeom prst="roundRect">
             <a:avLst>
@@ -24590,7 +24866,7 @@
       </p:sp>
       <p:sp>
         <p:nvSpPr>
-          <p:cNvPr id="306" name="TextBox 12"/>
+          <p:cNvPr id="308" name="TextBox 12"/>
           <p:cNvSpPr/>
           <p:nvPr/>
         </p:nvSpPr>
@@ -24674,14 +24950,14 @@
       </p:grpSpPr>
       <p:sp>
         <p:nvSpPr>
-          <p:cNvPr id="307" name="Rectangle 80"/>
+          <p:cNvPr id="309" name="Rectangle 80"/>
           <p:cNvSpPr/>
           <p:nvPr/>
         </p:nvSpPr>
         <p:spPr>
           <a:xfrm>
             <a:off x="0" y="0"/>
-            <a:ext cx="12187800" cy="6856920"/>
+            <a:ext cx="12187440" cy="6856560"/>
           </a:xfrm>
           <a:prstGeom prst="rect">
             <a:avLst/>
@@ -24717,6 +24993,11 @@
             <a:noAutofit/>
           </a:bodyPr>
           <a:p>
+            <a:pPr>
+              <a:lnSpc>
+                <a:spcPct val="100000"/>
+              </a:lnSpc>
+            </a:pPr>
             <a:endParaRPr b="0" lang="en-US" sz="1800" spc="-1" strike="noStrike">
               <a:solidFill>
                 <a:schemeClr val="lt1"/>
@@ -24729,14 +25010,14 @@
       </p:sp>
       <p:sp>
         <p:nvSpPr>
-          <p:cNvPr id="308" name="Rectangle 81"/>
+          <p:cNvPr id="310" name="Rectangle 81"/>
           <p:cNvSpPr/>
           <p:nvPr/>
         </p:nvSpPr>
         <p:spPr>
           <a:xfrm>
             <a:off x="0" y="0"/>
-            <a:ext cx="17280" cy="6856920"/>
+            <a:ext cx="16920" cy="6856560"/>
           </a:xfrm>
           <a:prstGeom prst="rect">
             <a:avLst/>
@@ -24772,6 +25053,11 @@
             <a:noAutofit/>
           </a:bodyPr>
           <a:p>
+            <a:pPr>
+              <a:lnSpc>
+                <a:spcPct val="100000"/>
+              </a:lnSpc>
+            </a:pPr>
             <a:endParaRPr b="0" lang="en-US" sz="1800" spc="-1" strike="noStrike">
               <a:solidFill>
                 <a:schemeClr val="lt1"/>
@@ -24784,14 +25070,14 @@
       </p:sp>
       <p:sp>
         <p:nvSpPr>
-          <p:cNvPr id="309" name="Rectangle 82"/>
+          <p:cNvPr id="311" name="Rectangle 82"/>
           <p:cNvSpPr/>
           <p:nvPr/>
         </p:nvSpPr>
         <p:spPr>
           <a:xfrm>
             <a:off x="914400" y="0"/>
-            <a:ext cx="17280" cy="6856920"/>
+            <a:ext cx="16920" cy="6856560"/>
           </a:xfrm>
           <a:prstGeom prst="rect">
             <a:avLst/>
@@ -24827,6 +25113,11 @@
             <a:noAutofit/>
           </a:bodyPr>
           <a:p>
+            <a:pPr>
+              <a:lnSpc>
+                <a:spcPct val="100000"/>
+              </a:lnSpc>
+            </a:pPr>
             <a:endParaRPr b="0" lang="en-US" sz="1800" spc="-1" strike="noStrike">
               <a:solidFill>
                 <a:schemeClr val="lt1"/>
@@ -24839,14 +25130,14 @@
       </p:sp>
       <p:sp>
         <p:nvSpPr>
-          <p:cNvPr id="310" name="Rectangle 83"/>
+          <p:cNvPr id="312" name="Rectangle 83"/>
           <p:cNvSpPr/>
           <p:nvPr/>
         </p:nvSpPr>
         <p:spPr>
           <a:xfrm>
             <a:off x="1828800" y="0"/>
-            <a:ext cx="17280" cy="6856920"/>
+            <a:ext cx="16920" cy="6856560"/>
           </a:xfrm>
           <a:prstGeom prst="rect">
             <a:avLst/>
@@ -24882,6 +25173,11 @@
             <a:noAutofit/>
           </a:bodyPr>
           <a:p>
+            <a:pPr>
+              <a:lnSpc>
+                <a:spcPct val="100000"/>
+              </a:lnSpc>
+            </a:pPr>
             <a:endParaRPr b="0" lang="en-US" sz="1800" spc="-1" strike="noStrike">
               <a:solidFill>
                 <a:schemeClr val="lt1"/>
@@ -24894,14 +25190,14 @@
       </p:sp>
       <p:sp>
         <p:nvSpPr>
-          <p:cNvPr id="311" name="Rectangle 84"/>
+          <p:cNvPr id="313" name="Rectangle 84"/>
           <p:cNvSpPr/>
           <p:nvPr/>
         </p:nvSpPr>
         <p:spPr>
           <a:xfrm>
             <a:off x="2743200" y="0"/>
-            <a:ext cx="17280" cy="6856920"/>
+            <a:ext cx="16920" cy="6856560"/>
           </a:xfrm>
           <a:prstGeom prst="rect">
             <a:avLst/>
@@ -24937,6 +25233,11 @@
             <a:noAutofit/>
           </a:bodyPr>
           <a:p>
+            <a:pPr>
+              <a:lnSpc>
+                <a:spcPct val="100000"/>
+              </a:lnSpc>
+            </a:pPr>
             <a:endParaRPr b="0" lang="en-US" sz="1800" spc="-1" strike="noStrike">
               <a:solidFill>
                 <a:schemeClr val="lt1"/>
@@ -24949,14 +25250,14 @@
       </p:sp>
       <p:sp>
         <p:nvSpPr>
-          <p:cNvPr id="312" name="Rectangle 85"/>
+          <p:cNvPr id="314" name="Rectangle 85"/>
           <p:cNvSpPr/>
           <p:nvPr/>
         </p:nvSpPr>
         <p:spPr>
           <a:xfrm>
             <a:off x="3657600" y="0"/>
-            <a:ext cx="17280" cy="6856920"/>
+            <a:ext cx="16920" cy="6856560"/>
           </a:xfrm>
           <a:prstGeom prst="rect">
             <a:avLst/>
@@ -24992,6 +25293,11 @@
             <a:noAutofit/>
           </a:bodyPr>
           <a:p>
+            <a:pPr>
+              <a:lnSpc>
+                <a:spcPct val="100000"/>
+              </a:lnSpc>
+            </a:pPr>
             <a:endParaRPr b="0" lang="en-US" sz="1800" spc="-1" strike="noStrike">
               <a:solidFill>
                 <a:schemeClr val="lt1"/>
@@ -25004,14 +25310,14 @@
       </p:sp>
       <p:sp>
         <p:nvSpPr>
-          <p:cNvPr id="313" name="Rectangle 86"/>
+          <p:cNvPr id="315" name="Rectangle 86"/>
           <p:cNvSpPr/>
           <p:nvPr/>
         </p:nvSpPr>
         <p:spPr>
           <a:xfrm>
             <a:off x="4572000" y="0"/>
-            <a:ext cx="17280" cy="6856920"/>
+            <a:ext cx="16920" cy="6856560"/>
           </a:xfrm>
           <a:prstGeom prst="rect">
             <a:avLst/>
@@ -25047,6 +25353,11 @@
             <a:noAutofit/>
           </a:bodyPr>
           <a:p>
+            <a:pPr>
+              <a:lnSpc>
+                <a:spcPct val="100000"/>
+              </a:lnSpc>
+            </a:pPr>
             <a:endParaRPr b="0" lang="en-US" sz="1800" spc="-1" strike="noStrike">
               <a:solidFill>
                 <a:schemeClr val="lt1"/>
@@ -25059,14 +25370,14 @@
       </p:sp>
       <p:sp>
         <p:nvSpPr>
-          <p:cNvPr id="314" name="Rectangle 87"/>
+          <p:cNvPr id="316" name="Rectangle 87"/>
           <p:cNvSpPr/>
           <p:nvPr/>
         </p:nvSpPr>
         <p:spPr>
           <a:xfrm>
             <a:off x="5486400" y="0"/>
-            <a:ext cx="17280" cy="6856920"/>
+            <a:ext cx="16920" cy="6856560"/>
           </a:xfrm>
           <a:prstGeom prst="rect">
             <a:avLst/>
@@ -25102,6 +25413,11 @@
             <a:noAutofit/>
           </a:bodyPr>
           <a:p>
+            <a:pPr>
+              <a:lnSpc>
+                <a:spcPct val="100000"/>
+              </a:lnSpc>
+            </a:pPr>
             <a:endParaRPr b="0" lang="en-US" sz="1800" spc="-1" strike="noStrike">
               <a:solidFill>
                 <a:schemeClr val="lt1"/>
@@ -25114,14 +25430,14 @@
       </p:sp>
       <p:sp>
         <p:nvSpPr>
-          <p:cNvPr id="315" name="Rectangle 88"/>
+          <p:cNvPr id="317" name="Rectangle 88"/>
           <p:cNvSpPr/>
           <p:nvPr/>
         </p:nvSpPr>
         <p:spPr>
           <a:xfrm>
             <a:off x="6400800" y="0"/>
-            <a:ext cx="17280" cy="6856920"/>
+            <a:ext cx="16920" cy="6856560"/>
           </a:xfrm>
           <a:prstGeom prst="rect">
             <a:avLst/>
@@ -25157,6 +25473,11 @@
             <a:noAutofit/>
           </a:bodyPr>
           <a:p>
+            <a:pPr>
+              <a:lnSpc>
+                <a:spcPct val="100000"/>
+              </a:lnSpc>
+            </a:pPr>
             <a:endParaRPr b="0" lang="en-US" sz="1800" spc="-1" strike="noStrike">
               <a:solidFill>
                 <a:schemeClr val="lt1"/>
@@ -25169,14 +25490,14 @@
       </p:sp>
       <p:sp>
         <p:nvSpPr>
-          <p:cNvPr id="316" name="Rectangle 89"/>
+          <p:cNvPr id="318" name="Rectangle 89"/>
           <p:cNvSpPr/>
           <p:nvPr/>
         </p:nvSpPr>
         <p:spPr>
           <a:xfrm>
             <a:off x="7315200" y="0"/>
-            <a:ext cx="17280" cy="6856920"/>
+            <a:ext cx="16920" cy="6856560"/>
           </a:xfrm>
           <a:prstGeom prst="rect">
             <a:avLst/>
@@ -25212,6 +25533,11 @@
             <a:noAutofit/>
           </a:bodyPr>
           <a:p>
+            <a:pPr>
+              <a:lnSpc>
+                <a:spcPct val="100000"/>
+              </a:lnSpc>
+            </a:pPr>
             <a:endParaRPr b="0" lang="en-US" sz="1800" spc="-1" strike="noStrike">
               <a:solidFill>
                 <a:schemeClr val="lt1"/>
@@ -25224,14 +25550,14 @@
       </p:sp>
       <p:sp>
         <p:nvSpPr>
-          <p:cNvPr id="317" name="Rectangle 90"/>
+          <p:cNvPr id="319" name="Rectangle 90"/>
           <p:cNvSpPr/>
           <p:nvPr/>
         </p:nvSpPr>
         <p:spPr>
           <a:xfrm>
             <a:off x="8229600" y="0"/>
-            <a:ext cx="17280" cy="6856920"/>
+            <a:ext cx="16920" cy="6856560"/>
           </a:xfrm>
           <a:prstGeom prst="rect">
             <a:avLst/>
@@ -25267,6 +25593,11 @@
             <a:noAutofit/>
           </a:bodyPr>
           <a:p>
+            <a:pPr>
+              <a:lnSpc>
+                <a:spcPct val="100000"/>
+              </a:lnSpc>
+            </a:pPr>
             <a:endParaRPr b="0" lang="en-US" sz="1800" spc="-1" strike="noStrike">
               <a:solidFill>
                 <a:schemeClr val="lt1"/>
@@ -25279,14 +25610,14 @@
       </p:sp>
       <p:sp>
         <p:nvSpPr>
-          <p:cNvPr id="318" name="Rectangle 91"/>
+          <p:cNvPr id="320" name="Rectangle 91"/>
           <p:cNvSpPr/>
           <p:nvPr/>
         </p:nvSpPr>
         <p:spPr>
           <a:xfrm>
             <a:off x="9144000" y="0"/>
-            <a:ext cx="17280" cy="6856920"/>
+            <a:ext cx="16920" cy="6856560"/>
           </a:xfrm>
           <a:prstGeom prst="rect">
             <a:avLst/>
@@ -25322,6 +25653,11 @@
             <a:noAutofit/>
           </a:bodyPr>
           <a:p>
+            <a:pPr>
+              <a:lnSpc>
+                <a:spcPct val="100000"/>
+              </a:lnSpc>
+            </a:pPr>
             <a:endParaRPr b="0" lang="en-US" sz="1800" spc="-1" strike="noStrike">
               <a:solidFill>
                 <a:schemeClr val="lt1"/>
@@ -25334,14 +25670,14 @@
       </p:sp>
       <p:sp>
         <p:nvSpPr>
-          <p:cNvPr id="319" name="Rectangle 92"/>
+          <p:cNvPr id="321" name="Rectangle 92"/>
           <p:cNvSpPr/>
           <p:nvPr/>
         </p:nvSpPr>
         <p:spPr>
           <a:xfrm>
             <a:off x="10058400" y="0"/>
-            <a:ext cx="17280" cy="6856920"/>
+            <a:ext cx="16920" cy="6856560"/>
           </a:xfrm>
           <a:prstGeom prst="rect">
             <a:avLst/>
@@ -25377,6 +25713,11 @@
             <a:noAutofit/>
           </a:bodyPr>
           <a:p>
+            <a:pPr>
+              <a:lnSpc>
+                <a:spcPct val="100000"/>
+              </a:lnSpc>
+            </a:pPr>
             <a:endParaRPr b="0" lang="en-US" sz="1800" spc="-1" strike="noStrike">
               <a:solidFill>
                 <a:schemeClr val="lt1"/>
@@ -25389,14 +25730,14 @@
       </p:sp>
       <p:sp>
         <p:nvSpPr>
-          <p:cNvPr id="320" name="Rectangle 93"/>
+          <p:cNvPr id="322" name="Rectangle 93"/>
           <p:cNvSpPr/>
           <p:nvPr/>
         </p:nvSpPr>
         <p:spPr>
           <a:xfrm>
             <a:off x="10972800" y="0"/>
-            <a:ext cx="17280" cy="6856920"/>
+            <a:ext cx="16920" cy="6856560"/>
           </a:xfrm>
           <a:prstGeom prst="rect">
             <a:avLst/>
@@ -25432,6 +25773,11 @@
             <a:noAutofit/>
           </a:bodyPr>
           <a:p>
+            <a:pPr>
+              <a:lnSpc>
+                <a:spcPct val="100000"/>
+              </a:lnSpc>
+            </a:pPr>
             <a:endParaRPr b="0" lang="en-US" sz="1800" spc="-1" strike="noStrike">
               <a:solidFill>
                 <a:schemeClr val="lt1"/>
@@ -25444,14 +25790,14 @@
       </p:sp>
       <p:sp>
         <p:nvSpPr>
-          <p:cNvPr id="321" name="Rectangle 94"/>
+          <p:cNvPr id="323" name="Rectangle 94"/>
           <p:cNvSpPr/>
           <p:nvPr/>
         </p:nvSpPr>
         <p:spPr>
           <a:xfrm>
             <a:off x="11887200" y="0"/>
-            <a:ext cx="17280" cy="6856920"/>
+            <a:ext cx="16920" cy="6856560"/>
           </a:xfrm>
           <a:prstGeom prst="rect">
             <a:avLst/>
@@ -25487,6 +25833,11 @@
             <a:noAutofit/>
           </a:bodyPr>
           <a:p>
+            <a:pPr>
+              <a:lnSpc>
+                <a:spcPct val="100000"/>
+              </a:lnSpc>
+            </a:pPr>
             <a:endParaRPr b="0" lang="en-US" sz="1800" spc="-1" strike="noStrike">
               <a:solidFill>
                 <a:schemeClr val="lt1"/>
@@ -25499,14 +25850,14 @@
       </p:sp>
       <p:sp>
         <p:nvSpPr>
-          <p:cNvPr id="322" name="Rectangle 95"/>
+          <p:cNvPr id="324" name="Rectangle 95"/>
           <p:cNvSpPr/>
           <p:nvPr/>
         </p:nvSpPr>
         <p:spPr>
           <a:xfrm>
             <a:off x="0" y="0"/>
-            <a:ext cx="318960" cy="6856920"/>
+            <a:ext cx="318600" cy="6856560"/>
           </a:xfrm>
           <a:prstGeom prst="rect">
             <a:avLst/>
@@ -25542,6 +25893,11 @@
             <a:noAutofit/>
           </a:bodyPr>
           <a:p>
+            <a:pPr>
+              <a:lnSpc>
+                <a:spcPct val="100000"/>
+              </a:lnSpc>
+            </a:pPr>
             <a:endParaRPr b="0" lang="en-US" sz="1800" spc="-1" strike="noStrike">
               <a:solidFill>
                 <a:schemeClr val="lt1"/>
@@ -25554,14 +25910,14 @@
       </p:sp>
       <p:sp>
         <p:nvSpPr>
-          <p:cNvPr id="323" name="Rounded Rectangle 36"/>
+          <p:cNvPr id="325" name="Rounded Rectangle 36"/>
           <p:cNvSpPr/>
           <p:nvPr/>
         </p:nvSpPr>
         <p:spPr>
           <a:xfrm>
             <a:off x="9875520" y="365760"/>
-            <a:ext cx="2010600" cy="501840"/>
+            <a:ext cx="2010240" cy="501480"/>
           </a:xfrm>
           <a:prstGeom prst="roundRect">
             <a:avLst>
@@ -25628,7 +25984,7 @@
       </p:sp>
       <p:sp>
         <p:nvSpPr>
-          <p:cNvPr id="324" name="TextBox 13"/>
+          <p:cNvPr id="326" name="TextBox 13"/>
           <p:cNvSpPr/>
           <p:nvPr/>
         </p:nvSpPr>
@@ -25682,14 +26038,14 @@
       </p:sp>
       <p:sp>
         <p:nvSpPr>
-          <p:cNvPr id="325" name="TextBox 14"/>
+          <p:cNvPr id="327" name="TextBox 14"/>
           <p:cNvSpPr/>
           <p:nvPr/>
         </p:nvSpPr>
         <p:spPr>
           <a:xfrm>
             <a:off x="591840" y="2194560"/>
-            <a:ext cx="9788400" cy="379080"/>
+            <a:ext cx="9788040" cy="379080"/>
           </a:xfrm>
           <a:prstGeom prst="rect">
             <a:avLst/>
@@ -25736,14 +26092,14 @@
       </p:sp>
       <p:sp>
         <p:nvSpPr>
-          <p:cNvPr id="326" name="Rounded Rectangle 37"/>
+          <p:cNvPr id="328" name="Rounded Rectangle 37"/>
           <p:cNvSpPr/>
           <p:nvPr/>
         </p:nvSpPr>
         <p:spPr>
           <a:xfrm>
             <a:off x="987480" y="3182040"/>
-            <a:ext cx="3290760" cy="2742120"/>
+            <a:ext cx="3290400" cy="2741760"/>
           </a:xfrm>
           <a:prstGeom prst="roundRect">
             <a:avLst>
@@ -25781,6 +26137,11 @@
             <a:noAutofit/>
           </a:bodyPr>
           <a:p>
+            <a:pPr>
+              <a:lnSpc>
+                <a:spcPct val="100000"/>
+              </a:lnSpc>
+            </a:pPr>
             <a:endParaRPr b="0" lang="en-US" sz="1800" spc="-1" strike="noStrike">
               <a:solidFill>
                 <a:schemeClr val="lt1"/>
@@ -25793,14 +26154,14 @@
       </p:sp>
       <p:sp>
         <p:nvSpPr>
-          <p:cNvPr id="327" name="Rounded Rectangle 38"/>
+          <p:cNvPr id="329" name="Rounded Rectangle 38"/>
           <p:cNvSpPr/>
           <p:nvPr/>
         </p:nvSpPr>
         <p:spPr>
           <a:xfrm>
             <a:off x="914400" y="3108960"/>
-            <a:ext cx="3290760" cy="2742120"/>
+            <a:ext cx="3290400" cy="2741760"/>
           </a:xfrm>
           <a:prstGeom prst="roundRect">
             <a:avLst>
@@ -25856,7 +26217,7 @@
               </a:rPr>
               <a:t>JDK (Java Development Kit) includes compiler (javac) and runtime (java).</a:t>
             </a:r>
-            <a:endParaRPr b="1" lang="en-US" sz="1400" spc="-1" strike="noStrike">
+            <a:endParaRPr b="0" lang="en-US" sz="1400" spc="-1" strike="noStrike">
               <a:solidFill>
                 <a:srgbClr val="ffffff"/>
               </a:solidFill>
@@ -25869,7 +26230,7 @@
                 <a:spcPct val="100000"/>
               </a:lnSpc>
             </a:pPr>
-            <a:endParaRPr b="1" lang="en-US" sz="1400" spc="-1" strike="noStrike">
+            <a:endParaRPr b="0" lang="en-US" sz="1400" spc="-1" strike="noStrike">
               <a:solidFill>
                 <a:srgbClr val="ffffff"/>
               </a:solidFill>
@@ -25892,7 +26253,7 @@
               </a:rPr>
               <a:t>System variables like PATH and JAVA_HOME allow the command line to find Java.</a:t>
             </a:r>
-            <a:endParaRPr b="1" lang="en-US" sz="1400" spc="-1" strike="noStrike">
+            <a:endParaRPr b="0" lang="en-US" sz="1400" spc="-1" strike="noStrike">
               <a:solidFill>
                 <a:srgbClr val="ffffff"/>
               </a:solidFill>
@@ -25905,7 +26266,7 @@
                 <a:spcPct val="100000"/>
               </a:lnSpc>
             </a:pPr>
-            <a:endParaRPr b="1" lang="en-US" sz="1400" spc="-1" strike="noStrike">
+            <a:endParaRPr b="0" lang="en-US" sz="1400" spc="-1" strike="noStrike">
               <a:solidFill>
                 <a:srgbClr val="ffffff"/>
               </a:solidFill>
@@ -25928,7 +26289,7 @@
               </a:rPr>
               <a:t>Proper setup ensures Java programs can be compiled and executed anywhere on the system.</a:t>
             </a:r>
-            <a:endParaRPr b="1" lang="en-US" sz="1400" spc="-1" strike="noStrike">
+            <a:endParaRPr b="0" lang="en-US" sz="1400" spc="-1" strike="noStrike">
               <a:solidFill>
                 <a:srgbClr val="ffffff"/>
               </a:solidFill>
@@ -25939,14 +26300,14 @@
       </p:sp>
       <p:sp>
         <p:nvSpPr>
-          <p:cNvPr id="328" name="Rounded Rectangle 39"/>
+          <p:cNvPr id="330" name="Rounded Rectangle 39"/>
           <p:cNvSpPr/>
           <p:nvPr/>
         </p:nvSpPr>
         <p:spPr>
           <a:xfrm>
             <a:off x="4507920" y="3182040"/>
-            <a:ext cx="3290760" cy="2742120"/>
+            <a:ext cx="3290400" cy="2741760"/>
           </a:xfrm>
           <a:prstGeom prst="roundRect">
             <a:avLst>
@@ -25984,6 +26345,11 @@
             <a:noAutofit/>
           </a:bodyPr>
           <a:p>
+            <a:pPr>
+              <a:lnSpc>
+                <a:spcPct val="100000"/>
+              </a:lnSpc>
+            </a:pPr>
             <a:endParaRPr b="0" lang="en-US" sz="1800" spc="-1" strike="noStrike">
               <a:solidFill>
                 <a:schemeClr val="lt1"/>
@@ -25996,14 +26362,14 @@
       </p:sp>
       <p:sp>
         <p:nvSpPr>
-          <p:cNvPr id="329" name="Rounded Rectangle 40"/>
+          <p:cNvPr id="331" name="Rounded Rectangle 40"/>
           <p:cNvSpPr/>
           <p:nvPr/>
         </p:nvSpPr>
         <p:spPr>
           <a:xfrm>
             <a:off x="4434840" y="3108960"/>
-            <a:ext cx="3290760" cy="2742120"/>
+            <a:ext cx="3290400" cy="2741760"/>
           </a:xfrm>
           <a:prstGeom prst="roundRect">
             <a:avLst>
@@ -26214,14 +26580,14 @@
       </p:sp>
       <p:sp>
         <p:nvSpPr>
-          <p:cNvPr id="330" name="Rounded Rectangle 41"/>
+          <p:cNvPr id="332" name="Rounded Rectangle 41"/>
           <p:cNvSpPr/>
           <p:nvPr/>
         </p:nvSpPr>
         <p:spPr>
           <a:xfrm>
             <a:off x="8028360" y="3182040"/>
-            <a:ext cx="3290760" cy="2742120"/>
+            <a:ext cx="3290400" cy="2741760"/>
           </a:xfrm>
           <a:prstGeom prst="roundRect">
             <a:avLst>
@@ -26259,6 +26625,11 @@
             <a:noAutofit/>
           </a:bodyPr>
           <a:p>
+            <a:pPr>
+              <a:lnSpc>
+                <a:spcPct val="100000"/>
+              </a:lnSpc>
+            </a:pPr>
             <a:endParaRPr b="0" lang="en-US" sz="1800" spc="-1" strike="noStrike">
               <a:solidFill>
                 <a:schemeClr val="lt1"/>
@@ -26271,14 +26642,14 @@
       </p:sp>
       <p:sp>
         <p:nvSpPr>
-          <p:cNvPr id="331" name="Rounded Rectangle 42"/>
+          <p:cNvPr id="333" name="Rounded Rectangle 42"/>
           <p:cNvSpPr/>
           <p:nvPr/>
         </p:nvSpPr>
         <p:spPr>
           <a:xfrm>
             <a:off x="7955280" y="3108960"/>
-            <a:ext cx="3290760" cy="2742120"/>
+            <a:ext cx="3290400" cy="2741760"/>
           </a:xfrm>
           <a:prstGeom prst="roundRect">
             <a:avLst>
@@ -26404,14 +26775,14 @@
       </p:sp>
       <p:sp>
         <p:nvSpPr>
-          <p:cNvPr id="332" name="TextBox 15"/>
+          <p:cNvPr id="334" name="TextBox 15"/>
           <p:cNvSpPr/>
           <p:nvPr/>
         </p:nvSpPr>
         <p:spPr>
           <a:xfrm>
             <a:off x="4600080" y="6446520"/>
-            <a:ext cx="3051720" cy="363960"/>
+            <a:ext cx="3051360" cy="363960"/>
           </a:xfrm>
           <a:prstGeom prst="rect">
             <a:avLst/>
@@ -26488,14 +26859,14 @@
       </p:grpSpPr>
       <p:sp>
         <p:nvSpPr>
-          <p:cNvPr id="333" name="Rectangle 17"/>
+          <p:cNvPr id="335" name="Rectangle 17"/>
           <p:cNvSpPr/>
           <p:nvPr/>
         </p:nvSpPr>
         <p:spPr>
           <a:xfrm>
             <a:off x="0" y="0"/>
-            <a:ext cx="12187800" cy="6856920"/>
+            <a:ext cx="12187440" cy="6856560"/>
           </a:xfrm>
           <a:prstGeom prst="rect">
             <a:avLst/>
@@ -26531,6 +26902,11 @@
             <a:noAutofit/>
           </a:bodyPr>
           <a:p>
+            <a:pPr>
+              <a:lnSpc>
+                <a:spcPct val="100000"/>
+              </a:lnSpc>
+            </a:pPr>
             <a:endParaRPr b="0" lang="en-US" sz="1800" spc="-1" strike="noStrike">
               <a:solidFill>
                 <a:schemeClr val="lt1"/>
@@ -26543,14 +26919,14 @@
       </p:sp>
       <p:sp>
         <p:nvSpPr>
-          <p:cNvPr id="334" name="Rectangle 18"/>
+          <p:cNvPr id="336" name="Rectangle 18"/>
           <p:cNvSpPr/>
           <p:nvPr/>
         </p:nvSpPr>
         <p:spPr>
           <a:xfrm>
             <a:off x="0" y="0"/>
-            <a:ext cx="17280" cy="6856920"/>
+            <a:ext cx="16920" cy="6856560"/>
           </a:xfrm>
           <a:prstGeom prst="rect">
             <a:avLst/>
@@ -26586,6 +26962,11 @@
             <a:noAutofit/>
           </a:bodyPr>
           <a:p>
+            <a:pPr>
+              <a:lnSpc>
+                <a:spcPct val="100000"/>
+              </a:lnSpc>
+            </a:pPr>
             <a:endParaRPr b="0" lang="en-US" sz="1800" spc="-1" strike="noStrike">
               <a:solidFill>
                 <a:schemeClr val="lt1"/>
@@ -26598,14 +26979,14 @@
       </p:sp>
       <p:sp>
         <p:nvSpPr>
-          <p:cNvPr id="335" name="Rectangle 19"/>
+          <p:cNvPr id="337" name="Rectangle 19"/>
           <p:cNvSpPr/>
           <p:nvPr/>
         </p:nvSpPr>
         <p:spPr>
           <a:xfrm>
             <a:off x="914400" y="0"/>
-            <a:ext cx="17280" cy="6856920"/>
+            <a:ext cx="16920" cy="6856560"/>
           </a:xfrm>
           <a:prstGeom prst="rect">
             <a:avLst/>
@@ -26641,6 +27022,11 @@
             <a:noAutofit/>
           </a:bodyPr>
           <a:p>
+            <a:pPr>
+              <a:lnSpc>
+                <a:spcPct val="100000"/>
+              </a:lnSpc>
+            </a:pPr>
             <a:endParaRPr b="0" lang="en-US" sz="1800" spc="-1" strike="noStrike">
               <a:solidFill>
                 <a:schemeClr val="lt1"/>
@@ -26653,14 +27039,14 @@
       </p:sp>
       <p:sp>
         <p:nvSpPr>
-          <p:cNvPr id="336" name="Rectangle 20"/>
+          <p:cNvPr id="338" name="Rectangle 20"/>
           <p:cNvSpPr/>
           <p:nvPr/>
         </p:nvSpPr>
         <p:spPr>
           <a:xfrm>
             <a:off x="1828800" y="0"/>
-            <a:ext cx="17280" cy="6856920"/>
+            <a:ext cx="16920" cy="6856560"/>
           </a:xfrm>
           <a:prstGeom prst="rect">
             <a:avLst/>
@@ -26696,6 +27082,11 @@
             <a:noAutofit/>
           </a:bodyPr>
           <a:p>
+            <a:pPr>
+              <a:lnSpc>
+                <a:spcPct val="100000"/>
+              </a:lnSpc>
+            </a:pPr>
             <a:endParaRPr b="0" lang="en-US" sz="1800" spc="-1" strike="noStrike">
               <a:solidFill>
                 <a:schemeClr val="lt1"/>
@@ -26708,14 +27099,14 @@
       </p:sp>
       <p:sp>
         <p:nvSpPr>
-          <p:cNvPr id="337" name="Rectangle 21"/>
+          <p:cNvPr id="339" name="Rectangle 21"/>
           <p:cNvSpPr/>
           <p:nvPr/>
         </p:nvSpPr>
         <p:spPr>
           <a:xfrm>
             <a:off x="2743200" y="0"/>
-            <a:ext cx="17280" cy="6856920"/>
+            <a:ext cx="16920" cy="6856560"/>
           </a:xfrm>
           <a:prstGeom prst="rect">
             <a:avLst/>
@@ -26751,6 +27142,11 @@
             <a:noAutofit/>
           </a:bodyPr>
           <a:p>
+            <a:pPr>
+              <a:lnSpc>
+                <a:spcPct val="100000"/>
+              </a:lnSpc>
+            </a:pPr>
             <a:endParaRPr b="0" lang="en-US" sz="1800" spc="-1" strike="noStrike">
               <a:solidFill>
                 <a:schemeClr val="lt1"/>
@@ -26763,14 +27159,14 @@
       </p:sp>
       <p:sp>
         <p:nvSpPr>
-          <p:cNvPr id="338" name="Rectangle 22"/>
+          <p:cNvPr id="340" name="Rectangle 22"/>
           <p:cNvSpPr/>
           <p:nvPr/>
         </p:nvSpPr>
         <p:spPr>
           <a:xfrm>
             <a:off x="3657600" y="0"/>
-            <a:ext cx="17280" cy="6856920"/>
+            <a:ext cx="16920" cy="6856560"/>
           </a:xfrm>
           <a:prstGeom prst="rect">
             <a:avLst/>
@@ -26806,6 +27202,11 @@
             <a:noAutofit/>
           </a:bodyPr>
           <a:p>
+            <a:pPr>
+              <a:lnSpc>
+                <a:spcPct val="100000"/>
+              </a:lnSpc>
+            </a:pPr>
             <a:endParaRPr b="0" lang="en-US" sz="1800" spc="-1" strike="noStrike">
               <a:solidFill>
                 <a:schemeClr val="lt1"/>
@@ -26818,14 +27219,14 @@
       </p:sp>
       <p:sp>
         <p:nvSpPr>
-          <p:cNvPr id="339" name="Rectangle 23"/>
+          <p:cNvPr id="341" name="Rectangle 23"/>
           <p:cNvSpPr/>
           <p:nvPr/>
         </p:nvSpPr>
         <p:spPr>
           <a:xfrm>
             <a:off x="4572000" y="0"/>
-            <a:ext cx="17280" cy="6856920"/>
+            <a:ext cx="16920" cy="6856560"/>
           </a:xfrm>
           <a:prstGeom prst="rect">
             <a:avLst/>
@@ -26861,6 +27262,11 @@
             <a:noAutofit/>
           </a:bodyPr>
           <a:p>
+            <a:pPr>
+              <a:lnSpc>
+                <a:spcPct val="100000"/>
+              </a:lnSpc>
+            </a:pPr>
             <a:endParaRPr b="0" lang="en-US" sz="1800" spc="-1" strike="noStrike">
               <a:solidFill>
                 <a:schemeClr val="lt1"/>
@@ -26873,14 +27279,14 @@
       </p:sp>
       <p:sp>
         <p:nvSpPr>
-          <p:cNvPr id="340" name="Rectangle 24"/>
+          <p:cNvPr id="342" name="Rectangle 24"/>
           <p:cNvSpPr/>
           <p:nvPr/>
         </p:nvSpPr>
         <p:spPr>
           <a:xfrm>
             <a:off x="5486400" y="0"/>
-            <a:ext cx="17280" cy="6856920"/>
+            <a:ext cx="16920" cy="6856560"/>
           </a:xfrm>
           <a:prstGeom prst="rect">
             <a:avLst/>
@@ -26916,6 +27322,11 @@
             <a:noAutofit/>
           </a:bodyPr>
           <a:p>
+            <a:pPr>
+              <a:lnSpc>
+                <a:spcPct val="100000"/>
+              </a:lnSpc>
+            </a:pPr>
             <a:endParaRPr b="0" lang="en-US" sz="1800" spc="-1" strike="noStrike">
               <a:solidFill>
                 <a:schemeClr val="lt1"/>
@@ -26928,14 +27339,14 @@
       </p:sp>
       <p:sp>
         <p:nvSpPr>
-          <p:cNvPr id="341" name="Rectangle 25"/>
+          <p:cNvPr id="343" name="Rectangle 25"/>
           <p:cNvSpPr/>
           <p:nvPr/>
         </p:nvSpPr>
         <p:spPr>
           <a:xfrm>
             <a:off x="6400800" y="0"/>
-            <a:ext cx="17280" cy="6856920"/>
+            <a:ext cx="16920" cy="6856560"/>
           </a:xfrm>
           <a:prstGeom prst="rect">
             <a:avLst/>
@@ -26971,6 +27382,11 @@
             <a:noAutofit/>
           </a:bodyPr>
           <a:p>
+            <a:pPr>
+              <a:lnSpc>
+                <a:spcPct val="100000"/>
+              </a:lnSpc>
+            </a:pPr>
             <a:endParaRPr b="0" lang="en-US" sz="1800" spc="-1" strike="noStrike">
               <a:solidFill>
                 <a:schemeClr val="lt1"/>
@@ -26983,14 +27399,14 @@
       </p:sp>
       <p:sp>
         <p:nvSpPr>
-          <p:cNvPr id="342" name="Rectangle 26"/>
+          <p:cNvPr id="344" name="Rectangle 26"/>
           <p:cNvSpPr/>
           <p:nvPr/>
         </p:nvSpPr>
         <p:spPr>
           <a:xfrm>
             <a:off x="7315200" y="0"/>
-            <a:ext cx="17280" cy="6856920"/>
+            <a:ext cx="16920" cy="6856560"/>
           </a:xfrm>
           <a:prstGeom prst="rect">
             <a:avLst/>
@@ -27026,6 +27442,11 @@
             <a:noAutofit/>
           </a:bodyPr>
           <a:p>
+            <a:pPr>
+              <a:lnSpc>
+                <a:spcPct val="100000"/>
+              </a:lnSpc>
+            </a:pPr>
             <a:endParaRPr b="0" lang="en-US" sz="1800" spc="-1" strike="noStrike">
               <a:solidFill>
                 <a:schemeClr val="lt1"/>
@@ -27038,14 +27459,14 @@
       </p:sp>
       <p:sp>
         <p:nvSpPr>
-          <p:cNvPr id="343" name="Rectangle 27"/>
+          <p:cNvPr id="345" name="Rectangle 27"/>
           <p:cNvSpPr/>
           <p:nvPr/>
         </p:nvSpPr>
         <p:spPr>
           <a:xfrm>
             <a:off x="8229600" y="0"/>
-            <a:ext cx="17280" cy="6856920"/>
+            <a:ext cx="16920" cy="6856560"/>
           </a:xfrm>
           <a:prstGeom prst="rect">
             <a:avLst/>
@@ -27081,6 +27502,11 @@
             <a:noAutofit/>
           </a:bodyPr>
           <a:p>
+            <a:pPr>
+              <a:lnSpc>
+                <a:spcPct val="100000"/>
+              </a:lnSpc>
+            </a:pPr>
             <a:endParaRPr b="0" lang="en-US" sz="1800" spc="-1" strike="noStrike">
               <a:solidFill>
                 <a:schemeClr val="lt1"/>
@@ -27093,14 +27519,14 @@
       </p:sp>
       <p:sp>
         <p:nvSpPr>
-          <p:cNvPr id="344" name="Rectangle 28"/>
+          <p:cNvPr id="346" name="Rectangle 28"/>
           <p:cNvSpPr/>
           <p:nvPr/>
         </p:nvSpPr>
         <p:spPr>
           <a:xfrm>
             <a:off x="9144000" y="0"/>
-            <a:ext cx="17280" cy="6856920"/>
+            <a:ext cx="16920" cy="6856560"/>
           </a:xfrm>
           <a:prstGeom prst="rect">
             <a:avLst/>
@@ -27136,6 +27562,11 @@
             <a:noAutofit/>
           </a:bodyPr>
           <a:p>
+            <a:pPr>
+              <a:lnSpc>
+                <a:spcPct val="100000"/>
+              </a:lnSpc>
+            </a:pPr>
             <a:endParaRPr b="0" lang="en-US" sz="1800" spc="-1" strike="noStrike">
               <a:solidFill>
                 <a:schemeClr val="lt1"/>
@@ -27148,14 +27579,14 @@
       </p:sp>
       <p:sp>
         <p:nvSpPr>
-          <p:cNvPr id="345" name="Rectangle 29"/>
+          <p:cNvPr id="347" name="Rectangle 29"/>
           <p:cNvSpPr/>
           <p:nvPr/>
         </p:nvSpPr>
         <p:spPr>
           <a:xfrm>
             <a:off x="10058400" y="0"/>
-            <a:ext cx="17280" cy="6856920"/>
+            <a:ext cx="16920" cy="6856560"/>
           </a:xfrm>
           <a:prstGeom prst="rect">
             <a:avLst/>
@@ -27191,6 +27622,11 @@
             <a:noAutofit/>
           </a:bodyPr>
           <a:p>
+            <a:pPr>
+              <a:lnSpc>
+                <a:spcPct val="100000"/>
+              </a:lnSpc>
+            </a:pPr>
             <a:endParaRPr b="0" lang="en-US" sz="1800" spc="-1" strike="noStrike">
               <a:solidFill>
                 <a:schemeClr val="lt1"/>
@@ -27203,14 +27639,14 @@
       </p:sp>
       <p:sp>
         <p:nvSpPr>
-          <p:cNvPr id="346" name="Rectangle 30"/>
+          <p:cNvPr id="348" name="Rectangle 30"/>
           <p:cNvSpPr/>
           <p:nvPr/>
         </p:nvSpPr>
         <p:spPr>
           <a:xfrm>
             <a:off x="10972800" y="0"/>
-            <a:ext cx="17280" cy="6856920"/>
+            <a:ext cx="16920" cy="6856560"/>
           </a:xfrm>
           <a:prstGeom prst="rect">
             <a:avLst/>
@@ -27246,6 +27682,11 @@
             <a:noAutofit/>
           </a:bodyPr>
           <a:p>
+            <a:pPr>
+              <a:lnSpc>
+                <a:spcPct val="100000"/>
+              </a:lnSpc>
+            </a:pPr>
             <a:endParaRPr b="0" lang="en-US" sz="1800" spc="-1" strike="noStrike">
               <a:solidFill>
                 <a:schemeClr val="lt1"/>
@@ -27258,14 +27699,14 @@
       </p:sp>
       <p:sp>
         <p:nvSpPr>
-          <p:cNvPr id="347" name="Rectangle 31"/>
+          <p:cNvPr id="349" name="Rectangle 31"/>
           <p:cNvSpPr/>
           <p:nvPr/>
         </p:nvSpPr>
         <p:spPr>
           <a:xfrm>
             <a:off x="11887200" y="0"/>
-            <a:ext cx="17280" cy="6856920"/>
+            <a:ext cx="16920" cy="6856560"/>
           </a:xfrm>
           <a:prstGeom prst="rect">
             <a:avLst/>
@@ -27301,6 +27742,11 @@
             <a:noAutofit/>
           </a:bodyPr>
           <a:p>
+            <a:pPr>
+              <a:lnSpc>
+                <a:spcPct val="100000"/>
+              </a:lnSpc>
+            </a:pPr>
             <a:endParaRPr b="0" lang="en-US" sz="1800" spc="-1" strike="noStrike">
               <a:solidFill>
                 <a:schemeClr val="lt1"/>
@@ -27313,14 +27759,14 @@
       </p:sp>
       <p:sp>
         <p:nvSpPr>
-          <p:cNvPr id="348" name="Rectangle 96"/>
+          <p:cNvPr id="350" name="Rectangle 96"/>
           <p:cNvSpPr/>
           <p:nvPr/>
         </p:nvSpPr>
         <p:spPr>
           <a:xfrm>
             <a:off x="0" y="0"/>
-            <a:ext cx="318960" cy="6856920"/>
+            <a:ext cx="318600" cy="6856560"/>
           </a:xfrm>
           <a:prstGeom prst="rect">
             <a:avLst/>
@@ -27356,6 +27802,11 @@
             <a:noAutofit/>
           </a:bodyPr>
           <a:p>
+            <a:pPr>
+              <a:lnSpc>
+                <a:spcPct val="100000"/>
+              </a:lnSpc>
+            </a:pPr>
             <a:endParaRPr b="0" lang="en-US" sz="1800" spc="-1" strike="noStrike">
               <a:solidFill>
                 <a:schemeClr val="lt1"/>
@@ -27368,14 +27819,14 @@
       </p:sp>
       <p:sp>
         <p:nvSpPr>
-          <p:cNvPr id="349" name="Rounded Rectangle 43"/>
+          <p:cNvPr id="351" name="Rounded Rectangle 43"/>
           <p:cNvSpPr/>
           <p:nvPr/>
         </p:nvSpPr>
         <p:spPr>
           <a:xfrm>
             <a:off x="9875520" y="365760"/>
-            <a:ext cx="2010600" cy="501840"/>
+            <a:ext cx="2010240" cy="501480"/>
           </a:xfrm>
           <a:prstGeom prst="roundRect">
             <a:avLst>
@@ -27442,14 +27893,14 @@
       </p:sp>
       <p:sp>
         <p:nvSpPr>
-          <p:cNvPr id="350" name="TextBox 16"/>
+          <p:cNvPr id="352" name="TextBox 16"/>
           <p:cNvSpPr/>
           <p:nvPr/>
         </p:nvSpPr>
         <p:spPr>
           <a:xfrm>
             <a:off x="911880" y="1005840"/>
-            <a:ext cx="9148320" cy="639000"/>
+            <a:ext cx="9147960" cy="638280"/>
           </a:xfrm>
           <a:prstGeom prst="rect">
             <a:avLst/>
@@ -27496,14 +27947,14 @@
       </p:sp>
       <p:sp>
         <p:nvSpPr>
-          <p:cNvPr id="351" name="TextBox 17"/>
+          <p:cNvPr id="353" name="TextBox 17"/>
           <p:cNvSpPr/>
           <p:nvPr/>
         </p:nvSpPr>
         <p:spPr>
           <a:xfrm>
             <a:off x="-310680" y="2194560"/>
-            <a:ext cx="11600280" cy="333720"/>
+            <a:ext cx="11599920" cy="333000"/>
           </a:xfrm>
           <a:prstGeom prst="rect">
             <a:avLst/>
@@ -27560,14 +28011,14 @@
       </p:sp>
       <p:sp>
         <p:nvSpPr>
-          <p:cNvPr id="352" name="Rounded Rectangle 44"/>
+          <p:cNvPr id="354" name="Rounded Rectangle 44"/>
           <p:cNvSpPr/>
           <p:nvPr/>
         </p:nvSpPr>
         <p:spPr>
           <a:xfrm>
             <a:off x="987480" y="3182040"/>
-            <a:ext cx="3290760" cy="2742120"/>
+            <a:ext cx="3290400" cy="2741760"/>
           </a:xfrm>
           <a:prstGeom prst="roundRect">
             <a:avLst>
@@ -27605,6 +28056,11 @@
             <a:noAutofit/>
           </a:bodyPr>
           <a:p>
+            <a:pPr>
+              <a:lnSpc>
+                <a:spcPct val="100000"/>
+              </a:lnSpc>
+            </a:pPr>
             <a:endParaRPr b="0" lang="en-US" sz="1800" spc="-1" strike="noStrike">
               <a:solidFill>
                 <a:schemeClr val="lt1"/>
@@ -27617,14 +28073,14 @@
       </p:sp>
       <p:sp>
         <p:nvSpPr>
-          <p:cNvPr id="353" name="Rounded Rectangle 45"/>
+          <p:cNvPr id="355" name="Rounded Rectangle 45"/>
           <p:cNvSpPr/>
           <p:nvPr/>
         </p:nvSpPr>
         <p:spPr>
           <a:xfrm>
             <a:off x="914400" y="3108960"/>
-            <a:ext cx="3290760" cy="2742120"/>
+            <a:ext cx="3290400" cy="2741760"/>
           </a:xfrm>
           <a:prstGeom prst="roundRect">
             <a:avLst>
@@ -27680,7 +28136,7 @@
               </a:rPr>
               <a:t>JAVA_HOME points to the JDK installation folder.</a:t>
             </a:r>
-            <a:endParaRPr b="1" lang="en-US" sz="1400" spc="-1" strike="noStrike">
+            <a:endParaRPr b="0" lang="en-US" sz="1400" spc="-1" strike="noStrike">
               <a:solidFill>
                 <a:srgbClr val="ffffff"/>
               </a:solidFill>
@@ -27693,7 +28149,7 @@
                 <a:spcPct val="100000"/>
               </a:lnSpc>
             </a:pPr>
-            <a:endParaRPr b="1" lang="en-US" sz="1400" spc="-1" strike="noStrike">
+            <a:endParaRPr b="0" lang="en-US" sz="1400" spc="-1" strike="noStrike">
               <a:solidFill>
                 <a:srgbClr val="ffffff"/>
               </a:solidFill>
@@ -27716,7 +28172,7 @@
               </a:rPr>
               <a:t>PATH includes the Java bin folder so Java tools run from terminal/command prompt.</a:t>
             </a:r>
-            <a:endParaRPr b="1" lang="en-US" sz="1400" spc="-1" strike="noStrike">
+            <a:endParaRPr b="0" lang="en-US" sz="1400" spc="-1" strike="noStrike">
               <a:solidFill>
                 <a:srgbClr val="ffffff"/>
               </a:solidFill>
@@ -27729,7 +28185,7 @@
                 <a:spcPct val="100000"/>
               </a:lnSpc>
             </a:pPr>
-            <a:endParaRPr b="1" lang="en-US" sz="1400" spc="-1" strike="noStrike">
+            <a:endParaRPr b="0" lang="en-US" sz="1400" spc="-1" strike="noStrike">
               <a:solidFill>
                 <a:srgbClr val="ffffff"/>
               </a:solidFill>
@@ -27752,7 +28208,7 @@
               </a:rPr>
               <a:t>Without these, Java commands may fail.</a:t>
             </a:r>
-            <a:endParaRPr b="1" lang="en-US" sz="1400" spc="-1" strike="noStrike">
+            <a:endParaRPr b="0" lang="en-US" sz="1400" spc="-1" strike="noStrike">
               <a:solidFill>
                 <a:srgbClr val="ffffff"/>
               </a:solidFill>
@@ -27763,14 +28219,14 @@
       </p:sp>
       <p:sp>
         <p:nvSpPr>
-          <p:cNvPr id="354" name="Rounded Rectangle 46"/>
+          <p:cNvPr id="356" name="Rounded Rectangle 46"/>
           <p:cNvSpPr/>
           <p:nvPr/>
         </p:nvSpPr>
         <p:spPr>
           <a:xfrm>
             <a:off x="4507920" y="3182040"/>
-            <a:ext cx="3290760" cy="2742120"/>
+            <a:ext cx="3290400" cy="2741760"/>
           </a:xfrm>
           <a:prstGeom prst="roundRect">
             <a:avLst>
@@ -27808,6 +28264,11 @@
             <a:noAutofit/>
           </a:bodyPr>
           <a:p>
+            <a:pPr>
+              <a:lnSpc>
+                <a:spcPct val="100000"/>
+              </a:lnSpc>
+            </a:pPr>
             <a:endParaRPr b="0" lang="en-US" sz="1800" spc="-1" strike="noStrike">
               <a:solidFill>
                 <a:schemeClr val="lt1"/>
@@ -27820,14 +28281,14 @@
       </p:sp>
       <p:sp>
         <p:nvSpPr>
-          <p:cNvPr id="355" name="Rounded Rectangle 47"/>
+          <p:cNvPr id="357" name="Rounded Rectangle 47"/>
           <p:cNvSpPr/>
           <p:nvPr/>
         </p:nvSpPr>
         <p:spPr>
           <a:xfrm>
             <a:off x="4434840" y="3108960"/>
-            <a:ext cx="3290760" cy="2742120"/>
+            <a:ext cx="3290400" cy="2741760"/>
           </a:xfrm>
           <a:prstGeom prst="roundRect">
             <a:avLst>
@@ -28105,14 +28566,14 @@
       </p:sp>
       <p:sp>
         <p:nvSpPr>
-          <p:cNvPr id="356" name="Rounded Rectangle 48"/>
+          <p:cNvPr id="358" name="Rounded Rectangle 48"/>
           <p:cNvSpPr/>
           <p:nvPr/>
         </p:nvSpPr>
         <p:spPr>
           <a:xfrm>
             <a:off x="8028360" y="3182040"/>
-            <a:ext cx="3290760" cy="2742120"/>
+            <a:ext cx="3290400" cy="2741760"/>
           </a:xfrm>
           <a:prstGeom prst="roundRect">
             <a:avLst>
@@ -28150,6 +28611,11 @@
             <a:noAutofit/>
           </a:bodyPr>
           <a:p>
+            <a:pPr>
+              <a:lnSpc>
+                <a:spcPct val="100000"/>
+              </a:lnSpc>
+            </a:pPr>
             <a:endParaRPr b="0" lang="en-US" sz="1800" spc="-1" strike="noStrike">
               <a:solidFill>
                 <a:schemeClr val="lt1"/>
@@ -28162,14 +28628,14 @@
       </p:sp>
       <p:sp>
         <p:nvSpPr>
-          <p:cNvPr id="357" name="Rounded Rectangle 49"/>
+          <p:cNvPr id="359" name="Rounded Rectangle 49"/>
           <p:cNvSpPr/>
           <p:nvPr/>
         </p:nvSpPr>
         <p:spPr>
           <a:xfrm>
             <a:off x="7955280" y="3108960"/>
-            <a:ext cx="3290760" cy="2742120"/>
+            <a:ext cx="3290400" cy="2741760"/>
           </a:xfrm>
           <a:prstGeom prst="roundRect">
             <a:avLst>
@@ -28364,14 +28830,4288 @@
       </p:sp>
       <p:sp>
         <p:nvSpPr>
-          <p:cNvPr id="358" name="TextBox 20"/>
+          <p:cNvPr id="360" name="TextBox 20"/>
           <p:cNvSpPr/>
           <p:nvPr/>
         </p:nvSpPr>
         <p:spPr>
           <a:xfrm>
             <a:off x="4600080" y="6446520"/>
-            <a:ext cx="3051720" cy="363960"/>
+            <a:ext cx="3051360" cy="363960"/>
+          </a:xfrm>
+          <a:prstGeom prst="rect">
+            <a:avLst/>
+          </a:prstGeom>
+          <a:noFill/>
+          <a:ln w="0">
+            <a:noFill/>
+          </a:ln>
+        </p:spPr>
+        <p:style>
+          <a:lnRef idx="0"/>
+          <a:fillRef idx="0"/>
+          <a:effectRef idx="0"/>
+          <a:fontRef idx="minor"/>
+        </p:style>
+        <p:txBody>
+          <a:bodyPr wrap="none" lIns="90000" rIns="90000" tIns="45000" bIns="45000" anchor="t">
+            <a:spAutoFit/>
+          </a:bodyPr>
+          <a:p>
+            <a:pPr>
+              <a:lnSpc>
+                <a:spcPct val="100000"/>
+              </a:lnSpc>
+            </a:pPr>
+            <a:r>
+              <a:rPr b="0" lang="en-US" sz="1800" spc="-1" strike="noStrike">
+                <a:solidFill>
+                  <a:srgbClr val="000000"/>
+                </a:solidFill>
+                <a:latin typeface="Calibri"/>
+                <a:ea typeface="DejaVu Sans"/>
+              </a:rPr>
+              <a:t>Java • Ultra Premium Template</a:t>
+            </a:r>
+            <a:endParaRPr b="0" lang="en-US" sz="1800" spc="-1" strike="noStrike">
+              <a:solidFill>
+                <a:srgbClr val="000000"/>
+              </a:solidFill>
+              <a:latin typeface="Arial"/>
+            </a:endParaRPr>
+          </a:p>
+        </p:txBody>
+      </p:sp>
+    </p:spTree>
+  </p:cSld>
+  <mc:AlternateContent>
+    <mc:Choice Requires="p14">
+      <p:transition spd="slow" p14:dur="2000"/>
+    </mc:Choice>
+    <mc:Fallback>
+      <p:transition spd="slow"/>
+    </mc:Fallback>
+  </mc:AlternateContent>
+</p:sld>
+</file>
+
+<file path=ppt/slides/slide7.xml><?xml version="1.0" encoding="utf-8"?>
+<p:sld xmlns:a="http://schemas.openxmlformats.org/drawingml/2006/main" xmlns:p="http://schemas.openxmlformats.org/presentationml/2006/main" xmlns:r="http://schemas.openxmlformats.org/officeDocument/2006/relationships" xmlns:p14="http://schemas.microsoft.com/office/powerpoint/2010/main" xmlns:p15="http://schemas.microsoft.com/office/powerpoint/2012/main" xmlns:mc="http://schemas.openxmlformats.org/markup-compatibility/2006">
+  <p:cSld>
+    <p:spTree>
+      <p:nvGrpSpPr>
+        <p:cNvPr id="1" name=""/>
+        <p:cNvGrpSpPr/>
+        <p:nvPr/>
+      </p:nvGrpSpPr>
+      <p:grpSpPr>
+        <a:xfrm>
+          <a:off x="0" y="0"/>
+          <a:ext cx="0" cy="0"/>
+          <a:chOff x="0" y="0"/>
+          <a:chExt cx="0" cy="0"/>
+        </a:xfrm>
+      </p:grpSpPr>
+      <p:sp>
+        <p:nvSpPr>
+          <p:cNvPr id="361" name="Rectangle 97"/>
+          <p:cNvSpPr/>
+          <p:nvPr/>
+        </p:nvSpPr>
+        <p:spPr>
+          <a:xfrm>
+            <a:off x="0" y="0"/>
+            <a:ext cx="12187440" cy="6856560"/>
+          </a:xfrm>
+          <a:prstGeom prst="rect">
+            <a:avLst/>
+          </a:prstGeom>
+          <a:solidFill>
+            <a:srgbClr val="0b0b0d"/>
+          </a:solidFill>
+          <a:ln>
+            <a:noFill/>
+          </a:ln>
+          <a:effectLst>
+            <a:outerShdw blurRad="39960" dir="5400000" dist="23040" rotWithShape="0">
+              <a:srgbClr val="000000">
+                <a:alpha val="35000"/>
+              </a:srgbClr>
+            </a:outerShdw>
+          </a:effectLst>
+        </p:spPr>
+        <p:style>
+          <a:lnRef idx="1">
+            <a:schemeClr val="accent1"/>
+          </a:lnRef>
+          <a:fillRef idx="3">
+            <a:schemeClr val="accent1"/>
+          </a:fillRef>
+          <a:effectRef idx="2">
+            <a:schemeClr val="accent1"/>
+          </a:effectRef>
+          <a:fontRef idx="minor"/>
+        </p:style>
+        <p:txBody>
+          <a:bodyPr lIns="90000" rIns="90000" tIns="45000" bIns="45000" anchor="ctr">
+            <a:noAutofit/>
+          </a:bodyPr>
+          <a:p>
+            <a:endParaRPr b="0" lang="en-US" sz="1800" spc="-1" strike="noStrike">
+              <a:solidFill>
+                <a:schemeClr val="lt1"/>
+              </a:solidFill>
+              <a:latin typeface="Calibri"/>
+              <a:ea typeface="DejaVu Sans"/>
+            </a:endParaRPr>
+          </a:p>
+        </p:txBody>
+      </p:sp>
+      <p:sp>
+        <p:nvSpPr>
+          <p:cNvPr id="362" name="Rectangle 98"/>
+          <p:cNvSpPr/>
+          <p:nvPr/>
+        </p:nvSpPr>
+        <p:spPr>
+          <a:xfrm>
+            <a:off x="0" y="0"/>
+            <a:ext cx="16920" cy="6856560"/>
+          </a:xfrm>
+          <a:prstGeom prst="rect">
+            <a:avLst/>
+          </a:prstGeom>
+          <a:solidFill>
+            <a:srgbClr val="121216"/>
+          </a:solidFill>
+          <a:ln>
+            <a:noFill/>
+          </a:ln>
+          <a:effectLst>
+            <a:outerShdw blurRad="39960" dir="5400000" dist="23040" rotWithShape="0">
+              <a:srgbClr val="000000">
+                <a:alpha val="35000"/>
+              </a:srgbClr>
+            </a:outerShdw>
+          </a:effectLst>
+        </p:spPr>
+        <p:style>
+          <a:lnRef idx="1">
+            <a:schemeClr val="accent1"/>
+          </a:lnRef>
+          <a:fillRef idx="3">
+            <a:schemeClr val="accent1"/>
+          </a:fillRef>
+          <a:effectRef idx="2">
+            <a:schemeClr val="accent1"/>
+          </a:effectRef>
+          <a:fontRef idx="minor"/>
+        </p:style>
+        <p:txBody>
+          <a:bodyPr lIns="90000" rIns="90000" tIns="45000" bIns="45000" anchor="ctr">
+            <a:noAutofit/>
+          </a:bodyPr>
+          <a:p>
+            <a:endParaRPr b="0" lang="en-US" sz="1800" spc="-1" strike="noStrike">
+              <a:solidFill>
+                <a:schemeClr val="lt1"/>
+              </a:solidFill>
+              <a:latin typeface="Calibri"/>
+              <a:ea typeface="DejaVu Sans"/>
+            </a:endParaRPr>
+          </a:p>
+        </p:txBody>
+      </p:sp>
+      <p:sp>
+        <p:nvSpPr>
+          <p:cNvPr id="363" name="Rectangle 99"/>
+          <p:cNvSpPr/>
+          <p:nvPr/>
+        </p:nvSpPr>
+        <p:spPr>
+          <a:xfrm>
+            <a:off x="914400" y="0"/>
+            <a:ext cx="16920" cy="6856560"/>
+          </a:xfrm>
+          <a:prstGeom prst="rect">
+            <a:avLst/>
+          </a:prstGeom>
+          <a:solidFill>
+            <a:srgbClr val="121216"/>
+          </a:solidFill>
+          <a:ln>
+            <a:noFill/>
+          </a:ln>
+          <a:effectLst>
+            <a:outerShdw blurRad="39960" dir="5400000" dist="23040" rotWithShape="0">
+              <a:srgbClr val="000000">
+                <a:alpha val="35000"/>
+              </a:srgbClr>
+            </a:outerShdw>
+          </a:effectLst>
+        </p:spPr>
+        <p:style>
+          <a:lnRef idx="1">
+            <a:schemeClr val="accent1"/>
+          </a:lnRef>
+          <a:fillRef idx="3">
+            <a:schemeClr val="accent1"/>
+          </a:fillRef>
+          <a:effectRef idx="2">
+            <a:schemeClr val="accent1"/>
+          </a:effectRef>
+          <a:fontRef idx="minor"/>
+        </p:style>
+        <p:txBody>
+          <a:bodyPr lIns="90000" rIns="90000" tIns="45000" bIns="45000" anchor="ctr">
+            <a:noAutofit/>
+          </a:bodyPr>
+          <a:p>
+            <a:endParaRPr b="0" lang="en-US" sz="1800" spc="-1" strike="noStrike">
+              <a:solidFill>
+                <a:schemeClr val="lt1"/>
+              </a:solidFill>
+              <a:latin typeface="Calibri"/>
+              <a:ea typeface="DejaVu Sans"/>
+            </a:endParaRPr>
+          </a:p>
+        </p:txBody>
+      </p:sp>
+      <p:sp>
+        <p:nvSpPr>
+          <p:cNvPr id="364" name="Rectangle 100"/>
+          <p:cNvSpPr/>
+          <p:nvPr/>
+        </p:nvSpPr>
+        <p:spPr>
+          <a:xfrm>
+            <a:off x="1828800" y="0"/>
+            <a:ext cx="16920" cy="6856560"/>
+          </a:xfrm>
+          <a:prstGeom prst="rect">
+            <a:avLst/>
+          </a:prstGeom>
+          <a:solidFill>
+            <a:srgbClr val="121216"/>
+          </a:solidFill>
+          <a:ln>
+            <a:noFill/>
+          </a:ln>
+          <a:effectLst>
+            <a:outerShdw blurRad="39960" dir="5400000" dist="23040" rotWithShape="0">
+              <a:srgbClr val="000000">
+                <a:alpha val="35000"/>
+              </a:srgbClr>
+            </a:outerShdw>
+          </a:effectLst>
+        </p:spPr>
+        <p:style>
+          <a:lnRef idx="1">
+            <a:schemeClr val="accent1"/>
+          </a:lnRef>
+          <a:fillRef idx="3">
+            <a:schemeClr val="accent1"/>
+          </a:fillRef>
+          <a:effectRef idx="2">
+            <a:schemeClr val="accent1"/>
+          </a:effectRef>
+          <a:fontRef idx="minor"/>
+        </p:style>
+        <p:txBody>
+          <a:bodyPr lIns="90000" rIns="90000" tIns="45000" bIns="45000" anchor="ctr">
+            <a:noAutofit/>
+          </a:bodyPr>
+          <a:p>
+            <a:endParaRPr b="0" lang="en-US" sz="1800" spc="-1" strike="noStrike">
+              <a:solidFill>
+                <a:schemeClr val="lt1"/>
+              </a:solidFill>
+              <a:latin typeface="Calibri"/>
+              <a:ea typeface="DejaVu Sans"/>
+            </a:endParaRPr>
+          </a:p>
+        </p:txBody>
+      </p:sp>
+      <p:sp>
+        <p:nvSpPr>
+          <p:cNvPr id="365" name="Rectangle 101"/>
+          <p:cNvSpPr/>
+          <p:nvPr/>
+        </p:nvSpPr>
+        <p:spPr>
+          <a:xfrm>
+            <a:off x="2743200" y="0"/>
+            <a:ext cx="16920" cy="6856560"/>
+          </a:xfrm>
+          <a:prstGeom prst="rect">
+            <a:avLst/>
+          </a:prstGeom>
+          <a:solidFill>
+            <a:srgbClr val="121216"/>
+          </a:solidFill>
+          <a:ln>
+            <a:noFill/>
+          </a:ln>
+          <a:effectLst>
+            <a:outerShdw blurRad="39960" dir="5400000" dist="23040" rotWithShape="0">
+              <a:srgbClr val="000000">
+                <a:alpha val="35000"/>
+              </a:srgbClr>
+            </a:outerShdw>
+          </a:effectLst>
+        </p:spPr>
+        <p:style>
+          <a:lnRef idx="1">
+            <a:schemeClr val="accent1"/>
+          </a:lnRef>
+          <a:fillRef idx="3">
+            <a:schemeClr val="accent1"/>
+          </a:fillRef>
+          <a:effectRef idx="2">
+            <a:schemeClr val="accent1"/>
+          </a:effectRef>
+          <a:fontRef idx="minor"/>
+        </p:style>
+        <p:txBody>
+          <a:bodyPr lIns="90000" rIns="90000" tIns="45000" bIns="45000" anchor="ctr">
+            <a:noAutofit/>
+          </a:bodyPr>
+          <a:p>
+            <a:endParaRPr b="0" lang="en-US" sz="1800" spc="-1" strike="noStrike">
+              <a:solidFill>
+                <a:schemeClr val="lt1"/>
+              </a:solidFill>
+              <a:latin typeface="Calibri"/>
+              <a:ea typeface="DejaVu Sans"/>
+            </a:endParaRPr>
+          </a:p>
+        </p:txBody>
+      </p:sp>
+      <p:sp>
+        <p:nvSpPr>
+          <p:cNvPr id="366" name="Rectangle 102"/>
+          <p:cNvSpPr/>
+          <p:nvPr/>
+        </p:nvSpPr>
+        <p:spPr>
+          <a:xfrm>
+            <a:off x="3657600" y="0"/>
+            <a:ext cx="16920" cy="6856560"/>
+          </a:xfrm>
+          <a:prstGeom prst="rect">
+            <a:avLst/>
+          </a:prstGeom>
+          <a:solidFill>
+            <a:srgbClr val="121216"/>
+          </a:solidFill>
+          <a:ln>
+            <a:noFill/>
+          </a:ln>
+          <a:effectLst>
+            <a:outerShdw blurRad="39960" dir="5400000" dist="23040" rotWithShape="0">
+              <a:srgbClr val="000000">
+                <a:alpha val="35000"/>
+              </a:srgbClr>
+            </a:outerShdw>
+          </a:effectLst>
+        </p:spPr>
+        <p:style>
+          <a:lnRef idx="1">
+            <a:schemeClr val="accent1"/>
+          </a:lnRef>
+          <a:fillRef idx="3">
+            <a:schemeClr val="accent1"/>
+          </a:fillRef>
+          <a:effectRef idx="2">
+            <a:schemeClr val="accent1"/>
+          </a:effectRef>
+          <a:fontRef idx="minor"/>
+        </p:style>
+        <p:txBody>
+          <a:bodyPr lIns="90000" rIns="90000" tIns="45000" bIns="45000" anchor="ctr">
+            <a:noAutofit/>
+          </a:bodyPr>
+          <a:p>
+            <a:endParaRPr b="0" lang="en-US" sz="1800" spc="-1" strike="noStrike">
+              <a:solidFill>
+                <a:schemeClr val="lt1"/>
+              </a:solidFill>
+              <a:latin typeface="Calibri"/>
+              <a:ea typeface="DejaVu Sans"/>
+            </a:endParaRPr>
+          </a:p>
+        </p:txBody>
+      </p:sp>
+      <p:sp>
+        <p:nvSpPr>
+          <p:cNvPr id="367" name="Rectangle 103"/>
+          <p:cNvSpPr/>
+          <p:nvPr/>
+        </p:nvSpPr>
+        <p:spPr>
+          <a:xfrm>
+            <a:off x="4572000" y="0"/>
+            <a:ext cx="16920" cy="6856560"/>
+          </a:xfrm>
+          <a:prstGeom prst="rect">
+            <a:avLst/>
+          </a:prstGeom>
+          <a:solidFill>
+            <a:srgbClr val="121216"/>
+          </a:solidFill>
+          <a:ln>
+            <a:noFill/>
+          </a:ln>
+          <a:effectLst>
+            <a:outerShdw blurRad="39960" dir="5400000" dist="23040" rotWithShape="0">
+              <a:srgbClr val="000000">
+                <a:alpha val="35000"/>
+              </a:srgbClr>
+            </a:outerShdw>
+          </a:effectLst>
+        </p:spPr>
+        <p:style>
+          <a:lnRef idx="1">
+            <a:schemeClr val="accent1"/>
+          </a:lnRef>
+          <a:fillRef idx="3">
+            <a:schemeClr val="accent1"/>
+          </a:fillRef>
+          <a:effectRef idx="2">
+            <a:schemeClr val="accent1"/>
+          </a:effectRef>
+          <a:fontRef idx="minor"/>
+        </p:style>
+        <p:txBody>
+          <a:bodyPr lIns="90000" rIns="90000" tIns="45000" bIns="45000" anchor="ctr">
+            <a:noAutofit/>
+          </a:bodyPr>
+          <a:p>
+            <a:endParaRPr b="0" lang="en-US" sz="1800" spc="-1" strike="noStrike">
+              <a:solidFill>
+                <a:schemeClr val="lt1"/>
+              </a:solidFill>
+              <a:latin typeface="Calibri"/>
+              <a:ea typeface="DejaVu Sans"/>
+            </a:endParaRPr>
+          </a:p>
+        </p:txBody>
+      </p:sp>
+      <p:sp>
+        <p:nvSpPr>
+          <p:cNvPr id="368" name="Rectangle 104"/>
+          <p:cNvSpPr/>
+          <p:nvPr/>
+        </p:nvSpPr>
+        <p:spPr>
+          <a:xfrm>
+            <a:off x="5486400" y="0"/>
+            <a:ext cx="16920" cy="6856560"/>
+          </a:xfrm>
+          <a:prstGeom prst="rect">
+            <a:avLst/>
+          </a:prstGeom>
+          <a:solidFill>
+            <a:srgbClr val="121216"/>
+          </a:solidFill>
+          <a:ln>
+            <a:noFill/>
+          </a:ln>
+          <a:effectLst>
+            <a:outerShdw blurRad="39960" dir="5400000" dist="23040" rotWithShape="0">
+              <a:srgbClr val="000000">
+                <a:alpha val="35000"/>
+              </a:srgbClr>
+            </a:outerShdw>
+          </a:effectLst>
+        </p:spPr>
+        <p:style>
+          <a:lnRef idx="1">
+            <a:schemeClr val="accent1"/>
+          </a:lnRef>
+          <a:fillRef idx="3">
+            <a:schemeClr val="accent1"/>
+          </a:fillRef>
+          <a:effectRef idx="2">
+            <a:schemeClr val="accent1"/>
+          </a:effectRef>
+          <a:fontRef idx="minor"/>
+        </p:style>
+        <p:txBody>
+          <a:bodyPr lIns="90000" rIns="90000" tIns="45000" bIns="45000" anchor="ctr">
+            <a:noAutofit/>
+          </a:bodyPr>
+          <a:p>
+            <a:endParaRPr b="0" lang="en-US" sz="1800" spc="-1" strike="noStrike">
+              <a:solidFill>
+                <a:schemeClr val="lt1"/>
+              </a:solidFill>
+              <a:latin typeface="Calibri"/>
+              <a:ea typeface="DejaVu Sans"/>
+            </a:endParaRPr>
+          </a:p>
+        </p:txBody>
+      </p:sp>
+      <p:sp>
+        <p:nvSpPr>
+          <p:cNvPr id="369" name="Rectangle 105"/>
+          <p:cNvSpPr/>
+          <p:nvPr/>
+        </p:nvSpPr>
+        <p:spPr>
+          <a:xfrm>
+            <a:off x="6400800" y="0"/>
+            <a:ext cx="16920" cy="6856560"/>
+          </a:xfrm>
+          <a:prstGeom prst="rect">
+            <a:avLst/>
+          </a:prstGeom>
+          <a:solidFill>
+            <a:srgbClr val="121216"/>
+          </a:solidFill>
+          <a:ln>
+            <a:noFill/>
+          </a:ln>
+          <a:effectLst>
+            <a:outerShdw blurRad="39960" dir="5400000" dist="23040" rotWithShape="0">
+              <a:srgbClr val="000000">
+                <a:alpha val="35000"/>
+              </a:srgbClr>
+            </a:outerShdw>
+          </a:effectLst>
+        </p:spPr>
+        <p:style>
+          <a:lnRef idx="1">
+            <a:schemeClr val="accent1"/>
+          </a:lnRef>
+          <a:fillRef idx="3">
+            <a:schemeClr val="accent1"/>
+          </a:fillRef>
+          <a:effectRef idx="2">
+            <a:schemeClr val="accent1"/>
+          </a:effectRef>
+          <a:fontRef idx="minor"/>
+        </p:style>
+        <p:txBody>
+          <a:bodyPr lIns="90000" rIns="90000" tIns="45000" bIns="45000" anchor="ctr">
+            <a:noAutofit/>
+          </a:bodyPr>
+          <a:p>
+            <a:endParaRPr b="0" lang="en-US" sz="1800" spc="-1" strike="noStrike">
+              <a:solidFill>
+                <a:schemeClr val="lt1"/>
+              </a:solidFill>
+              <a:latin typeface="Calibri"/>
+              <a:ea typeface="DejaVu Sans"/>
+            </a:endParaRPr>
+          </a:p>
+        </p:txBody>
+      </p:sp>
+      <p:sp>
+        <p:nvSpPr>
+          <p:cNvPr id="370" name="Rectangle 106"/>
+          <p:cNvSpPr/>
+          <p:nvPr/>
+        </p:nvSpPr>
+        <p:spPr>
+          <a:xfrm>
+            <a:off x="7315200" y="0"/>
+            <a:ext cx="16920" cy="6856560"/>
+          </a:xfrm>
+          <a:prstGeom prst="rect">
+            <a:avLst/>
+          </a:prstGeom>
+          <a:solidFill>
+            <a:srgbClr val="121216"/>
+          </a:solidFill>
+          <a:ln>
+            <a:noFill/>
+          </a:ln>
+          <a:effectLst>
+            <a:outerShdw blurRad="39960" dir="5400000" dist="23040" rotWithShape="0">
+              <a:srgbClr val="000000">
+                <a:alpha val="35000"/>
+              </a:srgbClr>
+            </a:outerShdw>
+          </a:effectLst>
+        </p:spPr>
+        <p:style>
+          <a:lnRef idx="1">
+            <a:schemeClr val="accent1"/>
+          </a:lnRef>
+          <a:fillRef idx="3">
+            <a:schemeClr val="accent1"/>
+          </a:fillRef>
+          <a:effectRef idx="2">
+            <a:schemeClr val="accent1"/>
+          </a:effectRef>
+          <a:fontRef idx="minor"/>
+        </p:style>
+        <p:txBody>
+          <a:bodyPr lIns="90000" rIns="90000" tIns="45000" bIns="45000" anchor="ctr">
+            <a:noAutofit/>
+          </a:bodyPr>
+          <a:p>
+            <a:endParaRPr b="0" lang="en-US" sz="1800" spc="-1" strike="noStrike">
+              <a:solidFill>
+                <a:schemeClr val="lt1"/>
+              </a:solidFill>
+              <a:latin typeface="Calibri"/>
+              <a:ea typeface="DejaVu Sans"/>
+            </a:endParaRPr>
+          </a:p>
+        </p:txBody>
+      </p:sp>
+      <p:sp>
+        <p:nvSpPr>
+          <p:cNvPr id="371" name="Rectangle 107"/>
+          <p:cNvSpPr/>
+          <p:nvPr/>
+        </p:nvSpPr>
+        <p:spPr>
+          <a:xfrm>
+            <a:off x="8229600" y="0"/>
+            <a:ext cx="16920" cy="6856560"/>
+          </a:xfrm>
+          <a:prstGeom prst="rect">
+            <a:avLst/>
+          </a:prstGeom>
+          <a:solidFill>
+            <a:srgbClr val="121216"/>
+          </a:solidFill>
+          <a:ln>
+            <a:noFill/>
+          </a:ln>
+          <a:effectLst>
+            <a:outerShdw blurRad="39960" dir="5400000" dist="23040" rotWithShape="0">
+              <a:srgbClr val="000000">
+                <a:alpha val="35000"/>
+              </a:srgbClr>
+            </a:outerShdw>
+          </a:effectLst>
+        </p:spPr>
+        <p:style>
+          <a:lnRef idx="1">
+            <a:schemeClr val="accent1"/>
+          </a:lnRef>
+          <a:fillRef idx="3">
+            <a:schemeClr val="accent1"/>
+          </a:fillRef>
+          <a:effectRef idx="2">
+            <a:schemeClr val="accent1"/>
+          </a:effectRef>
+          <a:fontRef idx="minor"/>
+        </p:style>
+        <p:txBody>
+          <a:bodyPr lIns="90000" rIns="90000" tIns="45000" bIns="45000" anchor="ctr">
+            <a:noAutofit/>
+          </a:bodyPr>
+          <a:p>
+            <a:endParaRPr b="0" lang="en-US" sz="1800" spc="-1" strike="noStrike">
+              <a:solidFill>
+                <a:schemeClr val="lt1"/>
+              </a:solidFill>
+              <a:latin typeface="Calibri"/>
+              <a:ea typeface="DejaVu Sans"/>
+            </a:endParaRPr>
+          </a:p>
+        </p:txBody>
+      </p:sp>
+      <p:sp>
+        <p:nvSpPr>
+          <p:cNvPr id="372" name="Rectangle 108"/>
+          <p:cNvSpPr/>
+          <p:nvPr/>
+        </p:nvSpPr>
+        <p:spPr>
+          <a:xfrm>
+            <a:off x="9144000" y="0"/>
+            <a:ext cx="16920" cy="6856560"/>
+          </a:xfrm>
+          <a:prstGeom prst="rect">
+            <a:avLst/>
+          </a:prstGeom>
+          <a:solidFill>
+            <a:srgbClr val="121216"/>
+          </a:solidFill>
+          <a:ln>
+            <a:noFill/>
+          </a:ln>
+          <a:effectLst>
+            <a:outerShdw blurRad="39960" dir="5400000" dist="23040" rotWithShape="0">
+              <a:srgbClr val="000000">
+                <a:alpha val="35000"/>
+              </a:srgbClr>
+            </a:outerShdw>
+          </a:effectLst>
+        </p:spPr>
+        <p:style>
+          <a:lnRef idx="1">
+            <a:schemeClr val="accent1"/>
+          </a:lnRef>
+          <a:fillRef idx="3">
+            <a:schemeClr val="accent1"/>
+          </a:fillRef>
+          <a:effectRef idx="2">
+            <a:schemeClr val="accent1"/>
+          </a:effectRef>
+          <a:fontRef idx="minor"/>
+        </p:style>
+        <p:txBody>
+          <a:bodyPr lIns="90000" rIns="90000" tIns="45000" bIns="45000" anchor="ctr">
+            <a:noAutofit/>
+          </a:bodyPr>
+          <a:p>
+            <a:endParaRPr b="0" lang="en-US" sz="1800" spc="-1" strike="noStrike">
+              <a:solidFill>
+                <a:schemeClr val="lt1"/>
+              </a:solidFill>
+              <a:latin typeface="Calibri"/>
+              <a:ea typeface="DejaVu Sans"/>
+            </a:endParaRPr>
+          </a:p>
+        </p:txBody>
+      </p:sp>
+      <p:sp>
+        <p:nvSpPr>
+          <p:cNvPr id="373" name="Rectangle 109"/>
+          <p:cNvSpPr/>
+          <p:nvPr/>
+        </p:nvSpPr>
+        <p:spPr>
+          <a:xfrm>
+            <a:off x="10058400" y="0"/>
+            <a:ext cx="16920" cy="6856560"/>
+          </a:xfrm>
+          <a:prstGeom prst="rect">
+            <a:avLst/>
+          </a:prstGeom>
+          <a:solidFill>
+            <a:srgbClr val="121216"/>
+          </a:solidFill>
+          <a:ln>
+            <a:noFill/>
+          </a:ln>
+          <a:effectLst>
+            <a:outerShdw blurRad="39960" dir="5400000" dist="23040" rotWithShape="0">
+              <a:srgbClr val="000000">
+                <a:alpha val="35000"/>
+              </a:srgbClr>
+            </a:outerShdw>
+          </a:effectLst>
+        </p:spPr>
+        <p:style>
+          <a:lnRef idx="1">
+            <a:schemeClr val="accent1"/>
+          </a:lnRef>
+          <a:fillRef idx="3">
+            <a:schemeClr val="accent1"/>
+          </a:fillRef>
+          <a:effectRef idx="2">
+            <a:schemeClr val="accent1"/>
+          </a:effectRef>
+          <a:fontRef idx="minor"/>
+        </p:style>
+        <p:txBody>
+          <a:bodyPr lIns="90000" rIns="90000" tIns="45000" bIns="45000" anchor="ctr">
+            <a:noAutofit/>
+          </a:bodyPr>
+          <a:p>
+            <a:endParaRPr b="0" lang="en-US" sz="1800" spc="-1" strike="noStrike">
+              <a:solidFill>
+                <a:schemeClr val="lt1"/>
+              </a:solidFill>
+              <a:latin typeface="Calibri"/>
+              <a:ea typeface="DejaVu Sans"/>
+            </a:endParaRPr>
+          </a:p>
+        </p:txBody>
+      </p:sp>
+      <p:sp>
+        <p:nvSpPr>
+          <p:cNvPr id="374" name="Rectangle 110"/>
+          <p:cNvSpPr/>
+          <p:nvPr/>
+        </p:nvSpPr>
+        <p:spPr>
+          <a:xfrm>
+            <a:off x="10972800" y="0"/>
+            <a:ext cx="16920" cy="6856560"/>
+          </a:xfrm>
+          <a:prstGeom prst="rect">
+            <a:avLst/>
+          </a:prstGeom>
+          <a:solidFill>
+            <a:srgbClr val="121216"/>
+          </a:solidFill>
+          <a:ln>
+            <a:noFill/>
+          </a:ln>
+          <a:effectLst>
+            <a:outerShdw blurRad="39960" dir="5400000" dist="23040" rotWithShape="0">
+              <a:srgbClr val="000000">
+                <a:alpha val="35000"/>
+              </a:srgbClr>
+            </a:outerShdw>
+          </a:effectLst>
+        </p:spPr>
+        <p:style>
+          <a:lnRef idx="1">
+            <a:schemeClr val="accent1"/>
+          </a:lnRef>
+          <a:fillRef idx="3">
+            <a:schemeClr val="accent1"/>
+          </a:fillRef>
+          <a:effectRef idx="2">
+            <a:schemeClr val="accent1"/>
+          </a:effectRef>
+          <a:fontRef idx="minor"/>
+        </p:style>
+        <p:txBody>
+          <a:bodyPr lIns="90000" rIns="90000" tIns="45000" bIns="45000" anchor="ctr">
+            <a:noAutofit/>
+          </a:bodyPr>
+          <a:p>
+            <a:endParaRPr b="0" lang="en-US" sz="1800" spc="-1" strike="noStrike">
+              <a:solidFill>
+                <a:schemeClr val="lt1"/>
+              </a:solidFill>
+              <a:latin typeface="Calibri"/>
+              <a:ea typeface="DejaVu Sans"/>
+            </a:endParaRPr>
+          </a:p>
+        </p:txBody>
+      </p:sp>
+      <p:sp>
+        <p:nvSpPr>
+          <p:cNvPr id="375" name="Rectangle 111"/>
+          <p:cNvSpPr/>
+          <p:nvPr/>
+        </p:nvSpPr>
+        <p:spPr>
+          <a:xfrm>
+            <a:off x="11887200" y="0"/>
+            <a:ext cx="16920" cy="6856560"/>
+          </a:xfrm>
+          <a:prstGeom prst="rect">
+            <a:avLst/>
+          </a:prstGeom>
+          <a:solidFill>
+            <a:srgbClr val="121216"/>
+          </a:solidFill>
+          <a:ln>
+            <a:noFill/>
+          </a:ln>
+          <a:effectLst>
+            <a:outerShdw blurRad="39960" dir="5400000" dist="23040" rotWithShape="0">
+              <a:srgbClr val="000000">
+                <a:alpha val="35000"/>
+              </a:srgbClr>
+            </a:outerShdw>
+          </a:effectLst>
+        </p:spPr>
+        <p:style>
+          <a:lnRef idx="1">
+            <a:schemeClr val="accent1"/>
+          </a:lnRef>
+          <a:fillRef idx="3">
+            <a:schemeClr val="accent1"/>
+          </a:fillRef>
+          <a:effectRef idx="2">
+            <a:schemeClr val="accent1"/>
+          </a:effectRef>
+          <a:fontRef idx="minor"/>
+        </p:style>
+        <p:txBody>
+          <a:bodyPr lIns="90000" rIns="90000" tIns="45000" bIns="45000" anchor="ctr">
+            <a:noAutofit/>
+          </a:bodyPr>
+          <a:p>
+            <a:endParaRPr b="0" lang="en-US" sz="1800" spc="-1" strike="noStrike">
+              <a:solidFill>
+                <a:schemeClr val="lt1"/>
+              </a:solidFill>
+              <a:latin typeface="Calibri"/>
+              <a:ea typeface="DejaVu Sans"/>
+            </a:endParaRPr>
+          </a:p>
+        </p:txBody>
+      </p:sp>
+      <p:sp>
+        <p:nvSpPr>
+          <p:cNvPr id="376" name="Rectangle 112"/>
+          <p:cNvSpPr/>
+          <p:nvPr/>
+        </p:nvSpPr>
+        <p:spPr>
+          <a:xfrm>
+            <a:off x="0" y="0"/>
+            <a:ext cx="318600" cy="6856560"/>
+          </a:xfrm>
+          <a:prstGeom prst="rect">
+            <a:avLst/>
+          </a:prstGeom>
+          <a:solidFill>
+            <a:srgbClr val="ff8c00"/>
+          </a:solidFill>
+          <a:ln>
+            <a:noFill/>
+          </a:ln>
+          <a:effectLst>
+            <a:outerShdw blurRad="39960" dir="5400000" dist="23040" rotWithShape="0">
+              <a:srgbClr val="000000">
+                <a:alpha val="35000"/>
+              </a:srgbClr>
+            </a:outerShdw>
+          </a:effectLst>
+        </p:spPr>
+        <p:style>
+          <a:lnRef idx="1">
+            <a:schemeClr val="accent1"/>
+          </a:lnRef>
+          <a:fillRef idx="3">
+            <a:schemeClr val="accent1"/>
+          </a:fillRef>
+          <a:effectRef idx="2">
+            <a:schemeClr val="accent1"/>
+          </a:effectRef>
+          <a:fontRef idx="minor"/>
+        </p:style>
+        <p:txBody>
+          <a:bodyPr lIns="90000" rIns="90000" tIns="45000" bIns="45000" anchor="ctr">
+            <a:noAutofit/>
+          </a:bodyPr>
+          <a:p>
+            <a:endParaRPr b="0" lang="en-US" sz="1800" spc="-1" strike="noStrike">
+              <a:solidFill>
+                <a:schemeClr val="lt1"/>
+              </a:solidFill>
+              <a:latin typeface="Calibri"/>
+              <a:ea typeface="DejaVu Sans"/>
+            </a:endParaRPr>
+          </a:p>
+        </p:txBody>
+      </p:sp>
+      <p:sp>
+        <p:nvSpPr>
+          <p:cNvPr id="377" name="Rounded Rectangle 50"/>
+          <p:cNvSpPr/>
+          <p:nvPr/>
+        </p:nvSpPr>
+        <p:spPr>
+          <a:xfrm>
+            <a:off x="9875520" y="365760"/>
+            <a:ext cx="2010240" cy="501480"/>
+          </a:xfrm>
+          <a:prstGeom prst="roundRect">
+            <a:avLst>
+              <a:gd name="adj" fmla="val 16667"/>
+            </a:avLst>
+          </a:prstGeom>
+          <a:solidFill>
+            <a:srgbClr val="1e1e24"/>
+          </a:solidFill>
+          <a:ln>
+            <a:solidFill>
+              <a:srgbClr val="ff8c00"/>
+            </a:solidFill>
+            <a:round/>
+          </a:ln>
+          <a:effectLst>
+            <a:outerShdw blurRad="39960" dir="5400000" dist="23040" rotWithShape="0">
+              <a:srgbClr val="000000">
+                <a:alpha val="35000"/>
+              </a:srgbClr>
+            </a:outerShdw>
+          </a:effectLst>
+        </p:spPr>
+        <p:style>
+          <a:lnRef idx="1">
+            <a:schemeClr val="accent1"/>
+          </a:lnRef>
+          <a:fillRef idx="3">
+            <a:schemeClr val="accent1"/>
+          </a:fillRef>
+          <a:effectRef idx="2">
+            <a:schemeClr val="accent1"/>
+          </a:effectRef>
+          <a:fontRef idx="minor"/>
+        </p:style>
+        <p:txBody>
+          <a:bodyPr lIns="90000" rIns="90000" tIns="45000" bIns="45000" anchor="ctr">
+            <a:noAutofit/>
+          </a:bodyPr>
+          <a:p>
+            <a:pPr algn="ctr">
+              <a:lnSpc>
+                <a:spcPct val="100000"/>
+              </a:lnSpc>
+            </a:pPr>
+            <a:r>
+              <a:rPr b="1" lang="en-US" sz="1400" spc="-1" strike="noStrike">
+                <a:solidFill>
+                  <a:srgbClr val="ffb45a"/>
+                </a:solidFill>
+                <a:latin typeface="Calibri"/>
+                <a:ea typeface="DejaVu Sans"/>
+              </a:rPr>
+              <a:t>JAVA CORE</a:t>
+            </a:r>
+            <a:endParaRPr b="0" lang="en-US" sz="1400" spc="-1" strike="noStrike">
+              <a:solidFill>
+                <a:srgbClr val="ffffff"/>
+              </a:solidFill>
+              <a:latin typeface="Arial"/>
+            </a:endParaRPr>
+          </a:p>
+        </p:txBody>
+      </p:sp>
+      <p:sp>
+        <p:nvSpPr>
+          <p:cNvPr id="378" name="TextBox 21"/>
+          <p:cNvSpPr/>
+          <p:nvPr/>
+        </p:nvSpPr>
+        <p:spPr>
+          <a:xfrm>
+            <a:off x="1666800" y="1005840"/>
+            <a:ext cx="7638120" cy="638280"/>
+          </a:xfrm>
+          <a:prstGeom prst="rect">
+            <a:avLst/>
+          </a:prstGeom>
+          <a:noFill/>
+          <a:ln w="0">
+            <a:noFill/>
+          </a:ln>
+        </p:spPr>
+        <p:style>
+          <a:lnRef idx="0"/>
+          <a:fillRef idx="0"/>
+          <a:effectRef idx="0"/>
+          <a:fontRef idx="minor"/>
+        </p:style>
+        <p:txBody>
+          <a:bodyPr wrap="none" lIns="90000" rIns="90000" tIns="45000" bIns="45000" anchor="t">
+            <a:spAutoFit/>
+          </a:bodyPr>
+          <a:p>
+            <a:pPr>
+              <a:lnSpc>
+                <a:spcPct val="100000"/>
+              </a:lnSpc>
+            </a:pPr>
+            <a:r>
+              <a:rPr b="1" lang="en-US" sz="3600" spc="-1" strike="noStrike">
+                <a:solidFill>
+                  <a:srgbClr val="f5f5f5"/>
+                </a:solidFill>
+                <a:latin typeface="Calibri"/>
+                <a:ea typeface="DejaVu Sans"/>
+              </a:rPr>
+              <a:t>WHAT HAPPENS AFTER JAVA IS SET UP?</a:t>
+            </a:r>
+            <a:endParaRPr b="0" lang="en-US" sz="3600" spc="-1" strike="noStrike">
+              <a:solidFill>
+                <a:srgbClr val="000000"/>
+              </a:solidFill>
+              <a:latin typeface="Arial"/>
+            </a:endParaRPr>
+          </a:p>
+        </p:txBody>
+      </p:sp>
+      <p:sp>
+        <p:nvSpPr>
+          <p:cNvPr id="379" name="TextBox 22"/>
+          <p:cNvSpPr/>
+          <p:nvPr/>
+        </p:nvSpPr>
+        <p:spPr>
+          <a:xfrm>
+            <a:off x="4382280" y="2194560"/>
+            <a:ext cx="2214000" cy="333720"/>
+          </a:xfrm>
+          <a:prstGeom prst="rect">
+            <a:avLst/>
+          </a:prstGeom>
+          <a:noFill/>
+          <a:ln w="0">
+            <a:noFill/>
+          </a:ln>
+        </p:spPr>
+        <p:style>
+          <a:lnRef idx="0"/>
+          <a:fillRef idx="0"/>
+          <a:effectRef idx="0"/>
+          <a:fontRef idx="minor"/>
+        </p:style>
+        <p:txBody>
+          <a:bodyPr wrap="none" lIns="90000" rIns="90000" tIns="45000" bIns="45000" anchor="t">
+            <a:spAutoFit/>
+          </a:bodyPr>
+          <a:p>
+            <a:pPr>
+              <a:lnSpc>
+                <a:spcPct val="100000"/>
+              </a:lnSpc>
+            </a:pPr>
+            <a:r>
+              <a:rPr b="0" lang="en-US" sz="1600" spc="-1" strike="noStrike">
+                <a:solidFill>
+                  <a:srgbClr val="aaaaaa"/>
+                </a:solidFill>
+                <a:latin typeface="Calibri"/>
+                <a:ea typeface="DejaVu Sans"/>
+              </a:rPr>
+              <a:t>After Environment Setup</a:t>
+            </a:r>
+            <a:endParaRPr b="0" lang="en-US" sz="1600" spc="-1" strike="noStrike">
+              <a:solidFill>
+                <a:srgbClr val="000000"/>
+              </a:solidFill>
+              <a:latin typeface="Arial"/>
+            </a:endParaRPr>
+          </a:p>
+        </p:txBody>
+      </p:sp>
+      <p:sp>
+        <p:nvSpPr>
+          <p:cNvPr id="380" name="Rounded Rectangle 51"/>
+          <p:cNvSpPr/>
+          <p:nvPr/>
+        </p:nvSpPr>
+        <p:spPr>
+          <a:xfrm>
+            <a:off x="987480" y="3182040"/>
+            <a:ext cx="3290400" cy="2741760"/>
+          </a:xfrm>
+          <a:prstGeom prst="roundRect">
+            <a:avLst>
+              <a:gd name="adj" fmla="val 16667"/>
+            </a:avLst>
+          </a:prstGeom>
+          <a:solidFill>
+            <a:srgbClr val="08080a"/>
+          </a:solidFill>
+          <a:ln>
+            <a:noFill/>
+          </a:ln>
+          <a:effectLst>
+            <a:outerShdw blurRad="39960" dir="5400000" dist="23040" rotWithShape="0">
+              <a:srgbClr val="000000">
+                <a:alpha val="35000"/>
+              </a:srgbClr>
+            </a:outerShdw>
+          </a:effectLst>
+        </p:spPr>
+        <p:style>
+          <a:lnRef idx="1">
+            <a:schemeClr val="accent1"/>
+          </a:lnRef>
+          <a:fillRef idx="3">
+            <a:schemeClr val="accent1"/>
+          </a:fillRef>
+          <a:effectRef idx="2">
+            <a:schemeClr val="accent1"/>
+          </a:effectRef>
+          <a:fontRef idx="minor"/>
+        </p:style>
+        <p:txBody>
+          <a:bodyPr lIns="90000" rIns="90000" tIns="45000" bIns="45000" anchor="ctr">
+            <a:noAutofit/>
+          </a:bodyPr>
+          <a:p>
+            <a:endParaRPr b="0" lang="en-US" sz="1800" spc="-1" strike="noStrike">
+              <a:solidFill>
+                <a:schemeClr val="lt1"/>
+              </a:solidFill>
+              <a:latin typeface="Calibri"/>
+              <a:ea typeface="DejaVu Sans"/>
+            </a:endParaRPr>
+          </a:p>
+        </p:txBody>
+      </p:sp>
+      <p:sp>
+        <p:nvSpPr>
+          <p:cNvPr id="381" name="Rounded Rectangle 52"/>
+          <p:cNvSpPr/>
+          <p:nvPr/>
+        </p:nvSpPr>
+        <p:spPr>
+          <a:xfrm>
+            <a:off x="914400" y="3108960"/>
+            <a:ext cx="3290400" cy="2741760"/>
+          </a:xfrm>
+          <a:prstGeom prst="roundRect">
+            <a:avLst>
+              <a:gd name="adj" fmla="val 16667"/>
+            </a:avLst>
+          </a:prstGeom>
+          <a:solidFill>
+            <a:srgbClr val="16161c"/>
+          </a:solidFill>
+          <a:ln>
+            <a:solidFill>
+              <a:srgbClr val="464655"/>
+            </a:solidFill>
+            <a:round/>
+          </a:ln>
+          <a:effectLst>
+            <a:outerShdw blurRad="39960" dir="5400000" dist="23040" rotWithShape="0">
+              <a:srgbClr val="000000">
+                <a:alpha val="35000"/>
+              </a:srgbClr>
+            </a:outerShdw>
+          </a:effectLst>
+        </p:spPr>
+        <p:style>
+          <a:lnRef idx="1">
+            <a:schemeClr val="accent1"/>
+          </a:lnRef>
+          <a:fillRef idx="3">
+            <a:schemeClr val="accent1"/>
+          </a:fillRef>
+          <a:effectRef idx="2">
+            <a:schemeClr val="accent1"/>
+          </a:effectRef>
+          <a:fontRef idx="minor"/>
+        </p:style>
+        <p:txBody>
+          <a:bodyPr lIns="90000" rIns="90000" tIns="45000" bIns="45000" anchor="ctr">
+            <a:noAutofit/>
+          </a:bodyPr>
+          <a:p>
+            <a:pPr>
+              <a:lnSpc>
+                <a:spcPct val="100000"/>
+              </a:lnSpc>
+            </a:pPr>
+            <a:r>
+              <a:rPr b="1" lang="en-US" sz="1200" spc="-1" strike="noStrike">
+                <a:solidFill>
+                  <a:schemeClr val="lt1"/>
+                </a:solidFill>
+                <a:latin typeface="Calibri"/>
+                <a:ea typeface="DejaVu Sans"/>
+              </a:rPr>
+              <a:t>Once Java is installed and configured, your system is ready to compile and run Java programs.</a:t>
+            </a:r>
+            <a:endParaRPr b="0" lang="en-US" sz="1200" spc="-1" strike="noStrike">
+              <a:solidFill>
+                <a:srgbClr val="ffffff"/>
+              </a:solidFill>
+              <a:latin typeface="Arial"/>
+            </a:endParaRPr>
+          </a:p>
+          <a:p>
+            <a:pPr>
+              <a:lnSpc>
+                <a:spcPct val="100000"/>
+              </a:lnSpc>
+            </a:pPr>
+            <a:endParaRPr b="0" lang="en-US" sz="1200" spc="-1" strike="noStrike">
+              <a:solidFill>
+                <a:srgbClr val="ffffff"/>
+              </a:solidFill>
+              <a:latin typeface="Arial"/>
+            </a:endParaRPr>
+          </a:p>
+          <a:p>
+            <a:pPr marL="216000" indent="-216000">
+              <a:lnSpc>
+                <a:spcPct val="100000"/>
+              </a:lnSpc>
+              <a:buClr>
+                <a:srgbClr val="ffffff"/>
+              </a:buClr>
+              <a:buFont typeface="Wingdings" charset="2"/>
+              <a:buChar char=""/>
+            </a:pPr>
+            <a:r>
+              <a:rPr b="1" lang="en-US" sz="1200" spc="-1" strike="noStrike">
+                <a:solidFill>
+                  <a:schemeClr val="lt1"/>
+                </a:solidFill>
+                <a:latin typeface="Calibri"/>
+                <a:ea typeface="DejaVu Sans"/>
+              </a:rPr>
+              <a:t>You can create .java source files</a:t>
+            </a:r>
+            <a:endParaRPr b="0" lang="en-US" sz="1200" spc="-1" strike="noStrike">
+              <a:solidFill>
+                <a:srgbClr val="ffffff"/>
+              </a:solidFill>
+              <a:latin typeface="Arial"/>
+            </a:endParaRPr>
+          </a:p>
+          <a:p>
+            <a:pPr marL="216000" indent="-216000">
+              <a:lnSpc>
+                <a:spcPct val="100000"/>
+              </a:lnSpc>
+              <a:buClr>
+                <a:srgbClr val="ffffff"/>
+              </a:buClr>
+              <a:buFont typeface="Wingdings" charset="2"/>
+              <a:buChar char=""/>
+            </a:pPr>
+            <a:r>
+              <a:rPr b="1" lang="en-US" sz="1200" spc="-1" strike="noStrike">
+                <a:solidFill>
+                  <a:schemeClr val="lt1"/>
+                </a:solidFill>
+                <a:latin typeface="Calibri"/>
+                <a:ea typeface="DejaVu Sans"/>
+              </a:rPr>
+              <a:t>The javac compiler turns source code into bytecode (.class)</a:t>
+            </a:r>
+            <a:endParaRPr b="0" lang="en-US" sz="1200" spc="-1" strike="noStrike">
+              <a:solidFill>
+                <a:srgbClr val="ffffff"/>
+              </a:solidFill>
+              <a:latin typeface="Arial"/>
+            </a:endParaRPr>
+          </a:p>
+          <a:p>
+            <a:pPr marL="216000" indent="-216000">
+              <a:lnSpc>
+                <a:spcPct val="100000"/>
+              </a:lnSpc>
+              <a:buClr>
+                <a:srgbClr val="ffffff"/>
+              </a:buClr>
+              <a:buFont typeface="Wingdings" charset="2"/>
+              <a:buChar char=""/>
+            </a:pPr>
+            <a:r>
+              <a:rPr b="1" lang="en-US" sz="1200" spc="-1" strike="noStrike">
+                <a:solidFill>
+                  <a:schemeClr val="lt1"/>
+                </a:solidFill>
+                <a:latin typeface="Calibri"/>
+                <a:ea typeface="DejaVu Sans"/>
+              </a:rPr>
+              <a:t>The JVM executes this bytecode</a:t>
+            </a:r>
+            <a:endParaRPr b="0" lang="en-US" sz="1200" spc="-1" strike="noStrike">
+              <a:solidFill>
+                <a:srgbClr val="ffffff"/>
+              </a:solidFill>
+              <a:latin typeface="Arial"/>
+            </a:endParaRPr>
+          </a:p>
+          <a:p>
+            <a:pPr>
+              <a:lnSpc>
+                <a:spcPct val="100000"/>
+              </a:lnSpc>
+            </a:pPr>
+            <a:endParaRPr b="0" lang="en-US" sz="1200" spc="-1" strike="noStrike">
+              <a:solidFill>
+                <a:srgbClr val="ffffff"/>
+              </a:solidFill>
+              <a:latin typeface="Arial"/>
+            </a:endParaRPr>
+          </a:p>
+          <a:p>
+            <a:pPr>
+              <a:lnSpc>
+                <a:spcPct val="100000"/>
+              </a:lnSpc>
+            </a:pPr>
+            <a:r>
+              <a:rPr b="1" lang="en-US" sz="1200" spc="-1" strike="noStrike">
+                <a:solidFill>
+                  <a:schemeClr val="lt1"/>
+                </a:solidFill>
+                <a:latin typeface="Calibri"/>
+                <a:ea typeface="DejaVu Sans"/>
+              </a:rPr>
+              <a:t>Your program now runs on any system with a JVM</a:t>
+            </a:r>
+            <a:endParaRPr b="0" lang="en-US" sz="1200" spc="-1" strike="noStrike">
+              <a:solidFill>
+                <a:srgbClr val="ffffff"/>
+              </a:solidFill>
+              <a:latin typeface="Arial"/>
+            </a:endParaRPr>
+          </a:p>
+          <a:p>
+            <a:pPr>
+              <a:lnSpc>
+                <a:spcPct val="100000"/>
+              </a:lnSpc>
+            </a:pPr>
+            <a:endParaRPr b="0" lang="en-US" sz="1200" spc="-1" strike="noStrike">
+              <a:solidFill>
+                <a:srgbClr val="ffffff"/>
+              </a:solidFill>
+              <a:latin typeface="Arial"/>
+            </a:endParaRPr>
+          </a:p>
+          <a:p>
+            <a:pPr>
+              <a:lnSpc>
+                <a:spcPct val="100000"/>
+              </a:lnSpc>
+            </a:pPr>
+            <a:r>
+              <a:rPr b="1" lang="en-US" sz="1200" spc="-1" strike="noStrike">
+                <a:solidFill>
+                  <a:schemeClr val="lt1"/>
+                </a:solidFill>
+                <a:latin typeface="Calibri"/>
+                <a:ea typeface="DejaVu Sans"/>
+              </a:rPr>
+              <a:t>Setup is complete — now Java development can begin.</a:t>
+            </a:r>
+            <a:endParaRPr b="0" lang="en-US" sz="1200" spc="-1" strike="noStrike">
+              <a:solidFill>
+                <a:srgbClr val="ffffff"/>
+              </a:solidFill>
+              <a:latin typeface="Arial"/>
+            </a:endParaRPr>
+          </a:p>
+        </p:txBody>
+      </p:sp>
+      <p:sp>
+        <p:nvSpPr>
+          <p:cNvPr id="382" name="Rounded Rectangle 53"/>
+          <p:cNvSpPr/>
+          <p:nvPr/>
+        </p:nvSpPr>
+        <p:spPr>
+          <a:xfrm>
+            <a:off x="4507920" y="3182040"/>
+            <a:ext cx="3290400" cy="2741760"/>
+          </a:xfrm>
+          <a:prstGeom prst="roundRect">
+            <a:avLst>
+              <a:gd name="adj" fmla="val 16667"/>
+            </a:avLst>
+          </a:prstGeom>
+          <a:solidFill>
+            <a:srgbClr val="08080a"/>
+          </a:solidFill>
+          <a:ln>
+            <a:noFill/>
+          </a:ln>
+          <a:effectLst>
+            <a:outerShdw blurRad="39960" dir="5400000" dist="23040" rotWithShape="0">
+              <a:srgbClr val="000000">
+                <a:alpha val="35000"/>
+              </a:srgbClr>
+            </a:outerShdw>
+          </a:effectLst>
+        </p:spPr>
+        <p:style>
+          <a:lnRef idx="1">
+            <a:schemeClr val="accent1"/>
+          </a:lnRef>
+          <a:fillRef idx="3">
+            <a:schemeClr val="accent1"/>
+          </a:fillRef>
+          <a:effectRef idx="2">
+            <a:schemeClr val="accent1"/>
+          </a:effectRef>
+          <a:fontRef idx="minor"/>
+        </p:style>
+        <p:txBody>
+          <a:bodyPr lIns="90000" rIns="90000" tIns="45000" bIns="45000" anchor="ctr">
+            <a:noAutofit/>
+          </a:bodyPr>
+          <a:p>
+            <a:endParaRPr b="0" lang="en-US" sz="1800" spc="-1" strike="noStrike">
+              <a:solidFill>
+                <a:schemeClr val="lt1"/>
+              </a:solidFill>
+              <a:latin typeface="Calibri"/>
+              <a:ea typeface="DejaVu Sans"/>
+            </a:endParaRPr>
+          </a:p>
+        </p:txBody>
+      </p:sp>
+      <p:sp>
+        <p:nvSpPr>
+          <p:cNvPr id="383" name="Rounded Rectangle 54"/>
+          <p:cNvSpPr/>
+          <p:nvPr/>
+        </p:nvSpPr>
+        <p:spPr>
+          <a:xfrm>
+            <a:off x="4434840" y="3108960"/>
+            <a:ext cx="3290400" cy="2741760"/>
+          </a:xfrm>
+          <a:prstGeom prst="roundRect">
+            <a:avLst>
+              <a:gd name="adj" fmla="val 16667"/>
+            </a:avLst>
+          </a:prstGeom>
+          <a:solidFill>
+            <a:srgbClr val="16161c"/>
+          </a:solidFill>
+          <a:ln>
+            <a:solidFill>
+              <a:srgbClr val="464655"/>
+            </a:solidFill>
+            <a:round/>
+          </a:ln>
+          <a:effectLst>
+            <a:outerShdw blurRad="39960" dir="5400000" dist="23040" rotWithShape="0">
+              <a:srgbClr val="000000">
+                <a:alpha val="35000"/>
+              </a:srgbClr>
+            </a:outerShdw>
+          </a:effectLst>
+        </p:spPr>
+        <p:style>
+          <a:lnRef idx="1">
+            <a:schemeClr val="accent1"/>
+          </a:lnRef>
+          <a:fillRef idx="3">
+            <a:schemeClr val="accent1"/>
+          </a:fillRef>
+          <a:effectRef idx="2">
+            <a:schemeClr val="accent1"/>
+          </a:effectRef>
+          <a:fontRef idx="minor"/>
+        </p:style>
+        <p:txBody>
+          <a:bodyPr lIns="90000" rIns="90000" tIns="45000" bIns="45000" anchor="ctr">
+            <a:noAutofit/>
+          </a:bodyPr>
+          <a:p>
+            <a:pPr>
+              <a:lnSpc>
+                <a:spcPct val="100000"/>
+              </a:lnSpc>
+            </a:pPr>
+            <a:r>
+              <a:rPr b="0" lang="en-US" sz="1600" spc="-1" strike="noStrike">
+                <a:solidFill>
+                  <a:schemeClr val="lt1"/>
+                </a:solidFill>
+                <a:latin typeface="Calibri"/>
+                <a:ea typeface="DejaVu Sans"/>
+              </a:rPr>
+              <a:t>Write Java Code (.java)</a:t>
+            </a:r>
+            <a:endParaRPr b="0" lang="en-US" sz="1600" spc="-1" strike="noStrike">
+              <a:solidFill>
+                <a:srgbClr val="ffffff"/>
+              </a:solidFill>
+              <a:latin typeface="Arial"/>
+            </a:endParaRPr>
+          </a:p>
+          <a:p>
+            <a:pPr>
+              <a:lnSpc>
+                <a:spcPct val="100000"/>
+              </a:lnSpc>
+            </a:pPr>
+            <a:r>
+              <a:rPr b="0" lang="en-US" sz="1600" spc="-1" strike="noStrike">
+                <a:solidFill>
+                  <a:schemeClr val="lt1"/>
+                </a:solidFill>
+                <a:latin typeface="Calibri"/>
+                <a:ea typeface="DejaVu Sans"/>
+              </a:rPr>
+              <a:t>⬇</a:t>
+            </a:r>
+            <a:endParaRPr b="0" lang="en-US" sz="1600" spc="-1" strike="noStrike">
+              <a:solidFill>
+                <a:srgbClr val="ffffff"/>
+              </a:solidFill>
+              <a:latin typeface="Arial"/>
+            </a:endParaRPr>
+          </a:p>
+          <a:p>
+            <a:pPr>
+              <a:lnSpc>
+                <a:spcPct val="100000"/>
+              </a:lnSpc>
+            </a:pPr>
+            <a:r>
+              <a:rPr b="0" lang="en-US" sz="1600" spc="-1" strike="noStrike">
+                <a:solidFill>
+                  <a:schemeClr val="lt1"/>
+                </a:solidFill>
+                <a:latin typeface="Calibri"/>
+                <a:ea typeface="DejaVu Sans"/>
+              </a:rPr>
+              <a:t>Compile using javac</a:t>
+            </a:r>
+            <a:endParaRPr b="0" lang="en-US" sz="1600" spc="-1" strike="noStrike">
+              <a:solidFill>
+                <a:srgbClr val="ffffff"/>
+              </a:solidFill>
+              <a:latin typeface="Arial"/>
+            </a:endParaRPr>
+          </a:p>
+          <a:p>
+            <a:pPr>
+              <a:lnSpc>
+                <a:spcPct val="100000"/>
+              </a:lnSpc>
+            </a:pPr>
+            <a:r>
+              <a:rPr b="0" lang="en-US" sz="1600" spc="-1" strike="noStrike">
+                <a:solidFill>
+                  <a:schemeClr val="lt1"/>
+                </a:solidFill>
+                <a:latin typeface="Calibri"/>
+                <a:ea typeface="DejaVu Sans"/>
+              </a:rPr>
+              <a:t>⬇</a:t>
+            </a:r>
+            <a:endParaRPr b="0" lang="en-US" sz="1600" spc="-1" strike="noStrike">
+              <a:solidFill>
+                <a:srgbClr val="ffffff"/>
+              </a:solidFill>
+              <a:latin typeface="Arial"/>
+            </a:endParaRPr>
+          </a:p>
+          <a:p>
+            <a:pPr>
+              <a:lnSpc>
+                <a:spcPct val="100000"/>
+              </a:lnSpc>
+            </a:pPr>
+            <a:r>
+              <a:rPr b="0" lang="en-US" sz="1600" spc="-1" strike="noStrike">
+                <a:solidFill>
+                  <a:schemeClr val="lt1"/>
+                </a:solidFill>
+                <a:latin typeface="Calibri"/>
+                <a:ea typeface="DejaVu Sans"/>
+              </a:rPr>
+              <a:t>Bytecode File Created (.class)</a:t>
+            </a:r>
+            <a:endParaRPr b="0" lang="en-US" sz="1600" spc="-1" strike="noStrike">
+              <a:solidFill>
+                <a:srgbClr val="ffffff"/>
+              </a:solidFill>
+              <a:latin typeface="Arial"/>
+            </a:endParaRPr>
+          </a:p>
+          <a:p>
+            <a:pPr>
+              <a:lnSpc>
+                <a:spcPct val="100000"/>
+              </a:lnSpc>
+            </a:pPr>
+            <a:r>
+              <a:rPr b="0" lang="en-US" sz="1600" spc="-1" strike="noStrike">
+                <a:solidFill>
+                  <a:schemeClr val="lt1"/>
+                </a:solidFill>
+                <a:latin typeface="Calibri"/>
+                <a:ea typeface="DejaVu Sans"/>
+              </a:rPr>
+              <a:t>⬇</a:t>
+            </a:r>
+            <a:endParaRPr b="0" lang="en-US" sz="1600" spc="-1" strike="noStrike">
+              <a:solidFill>
+                <a:srgbClr val="ffffff"/>
+              </a:solidFill>
+              <a:latin typeface="Arial"/>
+            </a:endParaRPr>
+          </a:p>
+          <a:p>
+            <a:pPr>
+              <a:lnSpc>
+                <a:spcPct val="100000"/>
+              </a:lnSpc>
+            </a:pPr>
+            <a:r>
+              <a:rPr b="0" lang="en-US" sz="1600" spc="-1" strike="noStrike">
+                <a:solidFill>
+                  <a:schemeClr val="lt1"/>
+                </a:solidFill>
+                <a:latin typeface="Calibri"/>
+                <a:ea typeface="DejaVu Sans"/>
+              </a:rPr>
+              <a:t>Run with java command</a:t>
+            </a:r>
+            <a:endParaRPr b="0" lang="en-US" sz="1600" spc="-1" strike="noStrike">
+              <a:solidFill>
+                <a:srgbClr val="ffffff"/>
+              </a:solidFill>
+              <a:latin typeface="Arial"/>
+            </a:endParaRPr>
+          </a:p>
+          <a:p>
+            <a:pPr>
+              <a:lnSpc>
+                <a:spcPct val="100000"/>
+              </a:lnSpc>
+            </a:pPr>
+            <a:r>
+              <a:rPr b="0" lang="en-US" sz="1600" spc="-1" strike="noStrike">
+                <a:solidFill>
+                  <a:schemeClr val="lt1"/>
+                </a:solidFill>
+                <a:latin typeface="Calibri"/>
+                <a:ea typeface="DejaVu Sans"/>
+              </a:rPr>
+              <a:t>⬇</a:t>
+            </a:r>
+            <a:endParaRPr b="0" lang="en-US" sz="1600" spc="-1" strike="noStrike">
+              <a:solidFill>
+                <a:srgbClr val="ffffff"/>
+              </a:solidFill>
+              <a:latin typeface="Arial"/>
+            </a:endParaRPr>
+          </a:p>
+          <a:p>
+            <a:pPr>
+              <a:lnSpc>
+                <a:spcPct val="100000"/>
+              </a:lnSpc>
+            </a:pPr>
+            <a:r>
+              <a:rPr b="0" lang="en-US" sz="1600" spc="-1" strike="noStrike">
+                <a:solidFill>
+                  <a:schemeClr val="lt1"/>
+                </a:solidFill>
+                <a:latin typeface="Calibri"/>
+                <a:ea typeface="DejaVu Sans"/>
+              </a:rPr>
+              <a:t>JVM Executes Program</a:t>
+            </a:r>
+            <a:endParaRPr b="0" lang="en-US" sz="1600" spc="-1" strike="noStrike">
+              <a:solidFill>
+                <a:srgbClr val="ffffff"/>
+              </a:solidFill>
+              <a:latin typeface="Arial"/>
+            </a:endParaRPr>
+          </a:p>
+          <a:p>
+            <a:pPr>
+              <a:lnSpc>
+                <a:spcPct val="100000"/>
+              </a:lnSpc>
+            </a:pPr>
+            <a:r>
+              <a:rPr b="0" lang="en-US" sz="1600" spc="-1" strike="noStrike">
+                <a:solidFill>
+                  <a:schemeClr val="lt1"/>
+                </a:solidFill>
+                <a:latin typeface="Calibri"/>
+                <a:ea typeface="DejaVu Sans"/>
+              </a:rPr>
+              <a:t>⬇</a:t>
+            </a:r>
+            <a:endParaRPr b="0" lang="en-US" sz="1600" spc="-1" strike="noStrike">
+              <a:solidFill>
+                <a:srgbClr val="ffffff"/>
+              </a:solidFill>
+              <a:latin typeface="Arial"/>
+            </a:endParaRPr>
+          </a:p>
+          <a:p>
+            <a:pPr>
+              <a:lnSpc>
+                <a:spcPct val="100000"/>
+              </a:lnSpc>
+            </a:pPr>
+            <a:r>
+              <a:rPr b="0" lang="en-US" sz="1600" spc="-1" strike="noStrike">
+                <a:solidFill>
+                  <a:schemeClr val="lt1"/>
+                </a:solidFill>
+                <a:latin typeface="Calibri"/>
+                <a:ea typeface="DejaVu Sans"/>
+              </a:rPr>
+              <a:t>Output Appears on Screen</a:t>
+            </a:r>
+            <a:endParaRPr b="0" lang="en-US" sz="1600" spc="-1" strike="noStrike">
+              <a:solidFill>
+                <a:srgbClr val="ffffff"/>
+              </a:solidFill>
+              <a:latin typeface="Arial"/>
+            </a:endParaRPr>
+          </a:p>
+        </p:txBody>
+      </p:sp>
+      <p:sp>
+        <p:nvSpPr>
+          <p:cNvPr id="384" name="Rounded Rectangle 55"/>
+          <p:cNvSpPr/>
+          <p:nvPr/>
+        </p:nvSpPr>
+        <p:spPr>
+          <a:xfrm>
+            <a:off x="8028360" y="3182040"/>
+            <a:ext cx="3290400" cy="2741760"/>
+          </a:xfrm>
+          <a:prstGeom prst="roundRect">
+            <a:avLst>
+              <a:gd name="adj" fmla="val 16667"/>
+            </a:avLst>
+          </a:prstGeom>
+          <a:solidFill>
+            <a:srgbClr val="08080a"/>
+          </a:solidFill>
+          <a:ln>
+            <a:noFill/>
+          </a:ln>
+          <a:effectLst>
+            <a:outerShdw blurRad="39960" dir="5400000" dist="23040" rotWithShape="0">
+              <a:srgbClr val="000000">
+                <a:alpha val="35000"/>
+              </a:srgbClr>
+            </a:outerShdw>
+          </a:effectLst>
+        </p:spPr>
+        <p:style>
+          <a:lnRef idx="1">
+            <a:schemeClr val="accent1"/>
+          </a:lnRef>
+          <a:fillRef idx="3">
+            <a:schemeClr val="accent1"/>
+          </a:fillRef>
+          <a:effectRef idx="2">
+            <a:schemeClr val="accent1"/>
+          </a:effectRef>
+          <a:fontRef idx="minor"/>
+        </p:style>
+        <p:txBody>
+          <a:bodyPr lIns="90000" rIns="90000" tIns="45000" bIns="45000" anchor="ctr">
+            <a:noAutofit/>
+          </a:bodyPr>
+          <a:p>
+            <a:endParaRPr b="0" lang="en-US" sz="1800" spc="-1" strike="noStrike">
+              <a:solidFill>
+                <a:schemeClr val="lt1"/>
+              </a:solidFill>
+              <a:latin typeface="Calibri"/>
+              <a:ea typeface="DejaVu Sans"/>
+            </a:endParaRPr>
+          </a:p>
+        </p:txBody>
+      </p:sp>
+      <p:sp>
+        <p:nvSpPr>
+          <p:cNvPr id="385" name="Rounded Rectangle 56"/>
+          <p:cNvSpPr/>
+          <p:nvPr/>
+        </p:nvSpPr>
+        <p:spPr>
+          <a:xfrm>
+            <a:off x="7955280" y="3108960"/>
+            <a:ext cx="3290400" cy="2741760"/>
+          </a:xfrm>
+          <a:prstGeom prst="roundRect">
+            <a:avLst>
+              <a:gd name="adj" fmla="val 16667"/>
+            </a:avLst>
+          </a:prstGeom>
+          <a:solidFill>
+            <a:srgbClr val="16161c"/>
+          </a:solidFill>
+          <a:ln>
+            <a:solidFill>
+              <a:srgbClr val="464655"/>
+            </a:solidFill>
+            <a:round/>
+          </a:ln>
+          <a:effectLst>
+            <a:outerShdw blurRad="39960" dir="5400000" dist="23040" rotWithShape="0">
+              <a:srgbClr val="000000">
+                <a:alpha val="35000"/>
+              </a:srgbClr>
+            </a:outerShdw>
+          </a:effectLst>
+        </p:spPr>
+        <p:style>
+          <a:lnRef idx="1">
+            <a:schemeClr val="accent1"/>
+          </a:lnRef>
+          <a:fillRef idx="3">
+            <a:schemeClr val="accent1"/>
+          </a:fillRef>
+          <a:effectRef idx="2">
+            <a:schemeClr val="accent1"/>
+          </a:effectRef>
+          <a:fontRef idx="minor"/>
+        </p:style>
+        <p:txBody>
+          <a:bodyPr lIns="90000" rIns="90000" tIns="45000" bIns="45000" anchor="ctr">
+            <a:noAutofit/>
+          </a:bodyPr>
+          <a:p>
+            <a:pPr algn="ctr">
+              <a:lnSpc>
+                <a:spcPct val="100000"/>
+              </a:lnSpc>
+            </a:pPr>
+            <a:r>
+              <a:rPr b="0" lang="en-US" sz="1500" spc="-1" strike="noStrike">
+                <a:solidFill>
+                  <a:srgbClr val="78ffc8"/>
+                </a:solidFill>
+                <a:latin typeface="Consolas"/>
+                <a:ea typeface="DejaVu Sans"/>
+              </a:rPr>
+              <a:t>public class HelloJava {</a:t>
+            </a:r>
+            <a:endParaRPr b="0" lang="en-US" sz="1500" spc="-1" strike="noStrike">
+              <a:solidFill>
+                <a:srgbClr val="ffffff"/>
+              </a:solidFill>
+              <a:latin typeface="Arial"/>
+            </a:endParaRPr>
+          </a:p>
+          <a:p>
+            <a:pPr algn="ctr">
+              <a:lnSpc>
+                <a:spcPct val="100000"/>
+              </a:lnSpc>
+            </a:pPr>
+            <a:r>
+              <a:rPr b="0" lang="en-US" sz="1500" spc="-1" strike="noStrike">
+                <a:solidFill>
+                  <a:srgbClr val="78ffc8"/>
+                </a:solidFill>
+                <a:latin typeface="Consolas"/>
+                <a:ea typeface="DejaVu Sans"/>
+              </a:rPr>
+              <a:t>    </a:t>
+            </a:r>
+            <a:r>
+              <a:rPr b="0" lang="en-US" sz="1500" spc="-1" strike="noStrike">
+                <a:solidFill>
+                  <a:srgbClr val="78ffc8"/>
+                </a:solidFill>
+                <a:latin typeface="Consolas"/>
+                <a:ea typeface="DejaVu Sans"/>
+              </a:rPr>
+              <a:t>public static void main(String[] args) {</a:t>
+            </a:r>
+            <a:endParaRPr b="0" lang="en-US" sz="1500" spc="-1" strike="noStrike">
+              <a:solidFill>
+                <a:srgbClr val="ffffff"/>
+              </a:solidFill>
+              <a:latin typeface="Arial"/>
+            </a:endParaRPr>
+          </a:p>
+          <a:p>
+            <a:pPr algn="ctr">
+              <a:lnSpc>
+                <a:spcPct val="100000"/>
+              </a:lnSpc>
+            </a:pPr>
+            <a:r>
+              <a:rPr b="0" lang="en-US" sz="1500" spc="-1" strike="noStrike">
+                <a:solidFill>
+                  <a:srgbClr val="78ffc8"/>
+                </a:solidFill>
+                <a:latin typeface="Consolas"/>
+                <a:ea typeface="DejaVu Sans"/>
+              </a:rPr>
+              <a:t>        </a:t>
+            </a:r>
+            <a:r>
+              <a:rPr b="0" lang="en-US" sz="1500" spc="-1" strike="noStrike">
+                <a:solidFill>
+                  <a:srgbClr val="78ffc8"/>
+                </a:solidFill>
+                <a:latin typeface="Consolas"/>
+                <a:ea typeface="DejaVu Sans"/>
+              </a:rPr>
+              <a:t>System.out.println("Java environment is ready!");</a:t>
+            </a:r>
+            <a:endParaRPr b="0" lang="en-US" sz="1500" spc="-1" strike="noStrike">
+              <a:solidFill>
+                <a:srgbClr val="ffffff"/>
+              </a:solidFill>
+              <a:latin typeface="Arial"/>
+            </a:endParaRPr>
+          </a:p>
+          <a:p>
+            <a:pPr algn="ctr">
+              <a:lnSpc>
+                <a:spcPct val="100000"/>
+              </a:lnSpc>
+            </a:pPr>
+            <a:r>
+              <a:rPr b="0" lang="en-US" sz="1500" spc="-1" strike="noStrike">
+                <a:solidFill>
+                  <a:srgbClr val="78ffc8"/>
+                </a:solidFill>
+                <a:latin typeface="Consolas"/>
+                <a:ea typeface="DejaVu Sans"/>
+              </a:rPr>
+              <a:t>    </a:t>
+            </a:r>
+            <a:r>
+              <a:rPr b="0" lang="en-US" sz="1500" spc="-1" strike="noStrike">
+                <a:solidFill>
+                  <a:srgbClr val="78ffc8"/>
+                </a:solidFill>
+                <a:latin typeface="Consolas"/>
+                <a:ea typeface="DejaVu Sans"/>
+              </a:rPr>
+              <a:t>}</a:t>
+            </a:r>
+            <a:endParaRPr b="0" lang="en-US" sz="1500" spc="-1" strike="noStrike">
+              <a:solidFill>
+                <a:srgbClr val="ffffff"/>
+              </a:solidFill>
+              <a:latin typeface="Arial"/>
+            </a:endParaRPr>
+          </a:p>
+          <a:p>
+            <a:pPr algn="ctr">
+              <a:lnSpc>
+                <a:spcPct val="100000"/>
+              </a:lnSpc>
+            </a:pPr>
+            <a:r>
+              <a:rPr b="0" lang="en-US" sz="1500" spc="-1" strike="noStrike">
+                <a:solidFill>
+                  <a:srgbClr val="78ffc8"/>
+                </a:solidFill>
+                <a:latin typeface="Consolas"/>
+                <a:ea typeface="DejaVu Sans"/>
+              </a:rPr>
+              <a:t>}</a:t>
+            </a:r>
+            <a:endParaRPr b="0" lang="en-US" sz="1500" spc="-1" strike="noStrike">
+              <a:solidFill>
+                <a:srgbClr val="ffffff"/>
+              </a:solidFill>
+              <a:latin typeface="Arial"/>
+            </a:endParaRPr>
+          </a:p>
+          <a:p>
+            <a:pPr algn="ctr">
+              <a:lnSpc>
+                <a:spcPct val="100000"/>
+              </a:lnSpc>
+            </a:pPr>
+            <a:endParaRPr b="0" lang="en-US" sz="1500" spc="-1" strike="noStrike">
+              <a:solidFill>
+                <a:srgbClr val="ffffff"/>
+              </a:solidFill>
+              <a:latin typeface="Arial"/>
+            </a:endParaRPr>
+          </a:p>
+        </p:txBody>
+      </p:sp>
+      <p:sp>
+        <p:nvSpPr>
+          <p:cNvPr id="386" name="TextBox 23"/>
+          <p:cNvSpPr/>
+          <p:nvPr/>
+        </p:nvSpPr>
+        <p:spPr>
+          <a:xfrm>
+            <a:off x="4600080" y="6446520"/>
+            <a:ext cx="3051360" cy="363960"/>
+          </a:xfrm>
+          <a:prstGeom prst="rect">
+            <a:avLst/>
+          </a:prstGeom>
+          <a:noFill/>
+          <a:ln w="0">
+            <a:noFill/>
+          </a:ln>
+        </p:spPr>
+        <p:style>
+          <a:lnRef idx="0"/>
+          <a:fillRef idx="0"/>
+          <a:effectRef idx="0"/>
+          <a:fontRef idx="minor"/>
+        </p:style>
+        <p:txBody>
+          <a:bodyPr wrap="none" lIns="90000" rIns="90000" tIns="45000" bIns="45000" anchor="t">
+            <a:spAutoFit/>
+          </a:bodyPr>
+          <a:p>
+            <a:pPr>
+              <a:lnSpc>
+                <a:spcPct val="100000"/>
+              </a:lnSpc>
+            </a:pPr>
+            <a:r>
+              <a:rPr b="0" lang="en-US" sz="1800" spc="-1" strike="noStrike">
+                <a:solidFill>
+                  <a:srgbClr val="000000"/>
+                </a:solidFill>
+                <a:latin typeface="Calibri"/>
+                <a:ea typeface="DejaVu Sans"/>
+              </a:rPr>
+              <a:t>Java • Ultra Premium Template</a:t>
+            </a:r>
+            <a:endParaRPr b="0" lang="en-US" sz="1800" spc="-1" strike="noStrike">
+              <a:solidFill>
+                <a:srgbClr val="000000"/>
+              </a:solidFill>
+              <a:latin typeface="Arial"/>
+            </a:endParaRPr>
+          </a:p>
+        </p:txBody>
+      </p:sp>
+    </p:spTree>
+  </p:cSld>
+  <mc:AlternateContent>
+    <mc:Choice Requires="p14">
+      <p:transition spd="slow" p14:dur="2000"/>
+    </mc:Choice>
+    <mc:Fallback>
+      <p:transition spd="slow"/>
+    </mc:Fallback>
+  </mc:AlternateContent>
+</p:sld>
+</file>
+
+<file path=ppt/slides/slide8.xml><?xml version="1.0" encoding="utf-8"?>
+<p:sld xmlns:a="http://schemas.openxmlformats.org/drawingml/2006/main" xmlns:p="http://schemas.openxmlformats.org/presentationml/2006/main" xmlns:r="http://schemas.openxmlformats.org/officeDocument/2006/relationships" xmlns:p14="http://schemas.microsoft.com/office/powerpoint/2010/main" xmlns:p15="http://schemas.microsoft.com/office/powerpoint/2012/main" xmlns:mc="http://schemas.openxmlformats.org/markup-compatibility/2006">
+  <p:cSld>
+    <p:spTree>
+      <p:nvGrpSpPr>
+        <p:cNvPr id="1" name=""/>
+        <p:cNvGrpSpPr/>
+        <p:nvPr/>
+      </p:nvGrpSpPr>
+      <p:grpSpPr>
+        <a:xfrm>
+          <a:off x="0" y="0"/>
+          <a:ext cx="0" cy="0"/>
+          <a:chOff x="0" y="0"/>
+          <a:chExt cx="0" cy="0"/>
+        </a:xfrm>
+      </p:grpSpPr>
+      <p:sp>
+        <p:nvSpPr>
+          <p:cNvPr id="387" name="Rectangle 113"/>
+          <p:cNvSpPr/>
+          <p:nvPr/>
+        </p:nvSpPr>
+        <p:spPr>
+          <a:xfrm>
+            <a:off x="0" y="0"/>
+            <a:ext cx="12187440" cy="6856560"/>
+          </a:xfrm>
+          <a:prstGeom prst="rect">
+            <a:avLst/>
+          </a:prstGeom>
+          <a:solidFill>
+            <a:srgbClr val="0b0b0d"/>
+          </a:solidFill>
+          <a:ln>
+            <a:noFill/>
+          </a:ln>
+          <a:effectLst>
+            <a:outerShdw blurRad="39960" dir="5400000" dist="23040" rotWithShape="0">
+              <a:srgbClr val="000000">
+                <a:alpha val="35000"/>
+              </a:srgbClr>
+            </a:outerShdw>
+          </a:effectLst>
+        </p:spPr>
+        <p:style>
+          <a:lnRef idx="1">
+            <a:schemeClr val="accent1"/>
+          </a:lnRef>
+          <a:fillRef idx="3">
+            <a:schemeClr val="accent1"/>
+          </a:fillRef>
+          <a:effectRef idx="2">
+            <a:schemeClr val="accent1"/>
+          </a:effectRef>
+          <a:fontRef idx="minor"/>
+        </p:style>
+        <p:txBody>
+          <a:bodyPr lIns="90000" rIns="90000" tIns="45000" bIns="45000" anchor="ctr">
+            <a:noAutofit/>
+          </a:bodyPr>
+          <a:p>
+            <a:endParaRPr b="0" lang="en-US" sz="1800" spc="-1" strike="noStrike">
+              <a:solidFill>
+                <a:schemeClr val="lt1"/>
+              </a:solidFill>
+              <a:latin typeface="Calibri"/>
+              <a:ea typeface="DejaVu Sans"/>
+            </a:endParaRPr>
+          </a:p>
+        </p:txBody>
+      </p:sp>
+      <p:sp>
+        <p:nvSpPr>
+          <p:cNvPr id="388" name="Rectangle 114"/>
+          <p:cNvSpPr/>
+          <p:nvPr/>
+        </p:nvSpPr>
+        <p:spPr>
+          <a:xfrm>
+            <a:off x="0" y="0"/>
+            <a:ext cx="16920" cy="6856560"/>
+          </a:xfrm>
+          <a:prstGeom prst="rect">
+            <a:avLst/>
+          </a:prstGeom>
+          <a:solidFill>
+            <a:srgbClr val="121216"/>
+          </a:solidFill>
+          <a:ln>
+            <a:noFill/>
+          </a:ln>
+          <a:effectLst>
+            <a:outerShdw blurRad="39960" dir="5400000" dist="23040" rotWithShape="0">
+              <a:srgbClr val="000000">
+                <a:alpha val="35000"/>
+              </a:srgbClr>
+            </a:outerShdw>
+          </a:effectLst>
+        </p:spPr>
+        <p:style>
+          <a:lnRef idx="1">
+            <a:schemeClr val="accent1"/>
+          </a:lnRef>
+          <a:fillRef idx="3">
+            <a:schemeClr val="accent1"/>
+          </a:fillRef>
+          <a:effectRef idx="2">
+            <a:schemeClr val="accent1"/>
+          </a:effectRef>
+          <a:fontRef idx="minor"/>
+        </p:style>
+        <p:txBody>
+          <a:bodyPr lIns="90000" rIns="90000" tIns="45000" bIns="45000" anchor="ctr">
+            <a:noAutofit/>
+          </a:bodyPr>
+          <a:p>
+            <a:endParaRPr b="0" lang="en-US" sz="1800" spc="-1" strike="noStrike">
+              <a:solidFill>
+                <a:schemeClr val="lt1"/>
+              </a:solidFill>
+              <a:latin typeface="Calibri"/>
+              <a:ea typeface="DejaVu Sans"/>
+            </a:endParaRPr>
+          </a:p>
+        </p:txBody>
+      </p:sp>
+      <p:sp>
+        <p:nvSpPr>
+          <p:cNvPr id="389" name="Rectangle 115"/>
+          <p:cNvSpPr/>
+          <p:nvPr/>
+        </p:nvSpPr>
+        <p:spPr>
+          <a:xfrm>
+            <a:off x="914400" y="0"/>
+            <a:ext cx="16920" cy="6856560"/>
+          </a:xfrm>
+          <a:prstGeom prst="rect">
+            <a:avLst/>
+          </a:prstGeom>
+          <a:solidFill>
+            <a:srgbClr val="121216"/>
+          </a:solidFill>
+          <a:ln>
+            <a:noFill/>
+          </a:ln>
+          <a:effectLst>
+            <a:outerShdw blurRad="39960" dir="5400000" dist="23040" rotWithShape="0">
+              <a:srgbClr val="000000">
+                <a:alpha val="35000"/>
+              </a:srgbClr>
+            </a:outerShdw>
+          </a:effectLst>
+        </p:spPr>
+        <p:style>
+          <a:lnRef idx="1">
+            <a:schemeClr val="accent1"/>
+          </a:lnRef>
+          <a:fillRef idx="3">
+            <a:schemeClr val="accent1"/>
+          </a:fillRef>
+          <a:effectRef idx="2">
+            <a:schemeClr val="accent1"/>
+          </a:effectRef>
+          <a:fontRef idx="minor"/>
+        </p:style>
+        <p:txBody>
+          <a:bodyPr lIns="90000" rIns="90000" tIns="45000" bIns="45000" anchor="ctr">
+            <a:noAutofit/>
+          </a:bodyPr>
+          <a:p>
+            <a:endParaRPr b="0" lang="en-US" sz="1800" spc="-1" strike="noStrike">
+              <a:solidFill>
+                <a:schemeClr val="lt1"/>
+              </a:solidFill>
+              <a:latin typeface="Calibri"/>
+              <a:ea typeface="DejaVu Sans"/>
+            </a:endParaRPr>
+          </a:p>
+        </p:txBody>
+      </p:sp>
+      <p:sp>
+        <p:nvSpPr>
+          <p:cNvPr id="390" name="Rectangle 116"/>
+          <p:cNvSpPr/>
+          <p:nvPr/>
+        </p:nvSpPr>
+        <p:spPr>
+          <a:xfrm>
+            <a:off x="1828800" y="0"/>
+            <a:ext cx="16920" cy="6856560"/>
+          </a:xfrm>
+          <a:prstGeom prst="rect">
+            <a:avLst/>
+          </a:prstGeom>
+          <a:solidFill>
+            <a:srgbClr val="121216"/>
+          </a:solidFill>
+          <a:ln>
+            <a:noFill/>
+          </a:ln>
+          <a:effectLst>
+            <a:outerShdw blurRad="39960" dir="5400000" dist="23040" rotWithShape="0">
+              <a:srgbClr val="000000">
+                <a:alpha val="35000"/>
+              </a:srgbClr>
+            </a:outerShdw>
+          </a:effectLst>
+        </p:spPr>
+        <p:style>
+          <a:lnRef idx="1">
+            <a:schemeClr val="accent1"/>
+          </a:lnRef>
+          <a:fillRef idx="3">
+            <a:schemeClr val="accent1"/>
+          </a:fillRef>
+          <a:effectRef idx="2">
+            <a:schemeClr val="accent1"/>
+          </a:effectRef>
+          <a:fontRef idx="minor"/>
+        </p:style>
+        <p:txBody>
+          <a:bodyPr lIns="90000" rIns="90000" tIns="45000" bIns="45000" anchor="ctr">
+            <a:noAutofit/>
+          </a:bodyPr>
+          <a:p>
+            <a:endParaRPr b="0" lang="en-US" sz="1800" spc="-1" strike="noStrike">
+              <a:solidFill>
+                <a:schemeClr val="lt1"/>
+              </a:solidFill>
+              <a:latin typeface="Calibri"/>
+              <a:ea typeface="DejaVu Sans"/>
+            </a:endParaRPr>
+          </a:p>
+        </p:txBody>
+      </p:sp>
+      <p:sp>
+        <p:nvSpPr>
+          <p:cNvPr id="391" name="Rectangle 117"/>
+          <p:cNvSpPr/>
+          <p:nvPr/>
+        </p:nvSpPr>
+        <p:spPr>
+          <a:xfrm>
+            <a:off x="2743200" y="0"/>
+            <a:ext cx="16920" cy="6856560"/>
+          </a:xfrm>
+          <a:prstGeom prst="rect">
+            <a:avLst/>
+          </a:prstGeom>
+          <a:solidFill>
+            <a:srgbClr val="121216"/>
+          </a:solidFill>
+          <a:ln>
+            <a:noFill/>
+          </a:ln>
+          <a:effectLst>
+            <a:outerShdw blurRad="39960" dir="5400000" dist="23040" rotWithShape="0">
+              <a:srgbClr val="000000">
+                <a:alpha val="35000"/>
+              </a:srgbClr>
+            </a:outerShdw>
+          </a:effectLst>
+        </p:spPr>
+        <p:style>
+          <a:lnRef idx="1">
+            <a:schemeClr val="accent1"/>
+          </a:lnRef>
+          <a:fillRef idx="3">
+            <a:schemeClr val="accent1"/>
+          </a:fillRef>
+          <a:effectRef idx="2">
+            <a:schemeClr val="accent1"/>
+          </a:effectRef>
+          <a:fontRef idx="minor"/>
+        </p:style>
+        <p:txBody>
+          <a:bodyPr lIns="90000" rIns="90000" tIns="45000" bIns="45000" anchor="ctr">
+            <a:noAutofit/>
+          </a:bodyPr>
+          <a:p>
+            <a:endParaRPr b="0" lang="en-US" sz="1800" spc="-1" strike="noStrike">
+              <a:solidFill>
+                <a:schemeClr val="lt1"/>
+              </a:solidFill>
+              <a:latin typeface="Calibri"/>
+              <a:ea typeface="DejaVu Sans"/>
+            </a:endParaRPr>
+          </a:p>
+        </p:txBody>
+      </p:sp>
+      <p:sp>
+        <p:nvSpPr>
+          <p:cNvPr id="392" name="Rectangle 118"/>
+          <p:cNvSpPr/>
+          <p:nvPr/>
+        </p:nvSpPr>
+        <p:spPr>
+          <a:xfrm>
+            <a:off x="3657600" y="0"/>
+            <a:ext cx="16920" cy="6856560"/>
+          </a:xfrm>
+          <a:prstGeom prst="rect">
+            <a:avLst/>
+          </a:prstGeom>
+          <a:solidFill>
+            <a:srgbClr val="121216"/>
+          </a:solidFill>
+          <a:ln>
+            <a:noFill/>
+          </a:ln>
+          <a:effectLst>
+            <a:outerShdw blurRad="39960" dir="5400000" dist="23040" rotWithShape="0">
+              <a:srgbClr val="000000">
+                <a:alpha val="35000"/>
+              </a:srgbClr>
+            </a:outerShdw>
+          </a:effectLst>
+        </p:spPr>
+        <p:style>
+          <a:lnRef idx="1">
+            <a:schemeClr val="accent1"/>
+          </a:lnRef>
+          <a:fillRef idx="3">
+            <a:schemeClr val="accent1"/>
+          </a:fillRef>
+          <a:effectRef idx="2">
+            <a:schemeClr val="accent1"/>
+          </a:effectRef>
+          <a:fontRef idx="minor"/>
+        </p:style>
+        <p:txBody>
+          <a:bodyPr lIns="90000" rIns="90000" tIns="45000" bIns="45000" anchor="ctr">
+            <a:noAutofit/>
+          </a:bodyPr>
+          <a:p>
+            <a:endParaRPr b="0" lang="en-US" sz="1800" spc="-1" strike="noStrike">
+              <a:solidFill>
+                <a:schemeClr val="lt1"/>
+              </a:solidFill>
+              <a:latin typeface="Calibri"/>
+              <a:ea typeface="DejaVu Sans"/>
+            </a:endParaRPr>
+          </a:p>
+        </p:txBody>
+      </p:sp>
+      <p:sp>
+        <p:nvSpPr>
+          <p:cNvPr id="393" name="Rectangle 119"/>
+          <p:cNvSpPr/>
+          <p:nvPr/>
+        </p:nvSpPr>
+        <p:spPr>
+          <a:xfrm>
+            <a:off x="4572000" y="0"/>
+            <a:ext cx="16920" cy="6856560"/>
+          </a:xfrm>
+          <a:prstGeom prst="rect">
+            <a:avLst/>
+          </a:prstGeom>
+          <a:solidFill>
+            <a:srgbClr val="121216"/>
+          </a:solidFill>
+          <a:ln>
+            <a:noFill/>
+          </a:ln>
+          <a:effectLst>
+            <a:outerShdw blurRad="39960" dir="5400000" dist="23040" rotWithShape="0">
+              <a:srgbClr val="000000">
+                <a:alpha val="35000"/>
+              </a:srgbClr>
+            </a:outerShdw>
+          </a:effectLst>
+        </p:spPr>
+        <p:style>
+          <a:lnRef idx="1">
+            <a:schemeClr val="accent1"/>
+          </a:lnRef>
+          <a:fillRef idx="3">
+            <a:schemeClr val="accent1"/>
+          </a:fillRef>
+          <a:effectRef idx="2">
+            <a:schemeClr val="accent1"/>
+          </a:effectRef>
+          <a:fontRef idx="minor"/>
+        </p:style>
+        <p:txBody>
+          <a:bodyPr lIns="90000" rIns="90000" tIns="45000" bIns="45000" anchor="ctr">
+            <a:noAutofit/>
+          </a:bodyPr>
+          <a:p>
+            <a:endParaRPr b="0" lang="en-US" sz="1800" spc="-1" strike="noStrike">
+              <a:solidFill>
+                <a:schemeClr val="lt1"/>
+              </a:solidFill>
+              <a:latin typeface="Calibri"/>
+              <a:ea typeface="DejaVu Sans"/>
+            </a:endParaRPr>
+          </a:p>
+        </p:txBody>
+      </p:sp>
+      <p:sp>
+        <p:nvSpPr>
+          <p:cNvPr id="394" name="Rectangle 120"/>
+          <p:cNvSpPr/>
+          <p:nvPr/>
+        </p:nvSpPr>
+        <p:spPr>
+          <a:xfrm>
+            <a:off x="5486400" y="0"/>
+            <a:ext cx="16920" cy="6856560"/>
+          </a:xfrm>
+          <a:prstGeom prst="rect">
+            <a:avLst/>
+          </a:prstGeom>
+          <a:solidFill>
+            <a:srgbClr val="121216"/>
+          </a:solidFill>
+          <a:ln>
+            <a:noFill/>
+          </a:ln>
+          <a:effectLst>
+            <a:outerShdw blurRad="39960" dir="5400000" dist="23040" rotWithShape="0">
+              <a:srgbClr val="000000">
+                <a:alpha val="35000"/>
+              </a:srgbClr>
+            </a:outerShdw>
+          </a:effectLst>
+        </p:spPr>
+        <p:style>
+          <a:lnRef idx="1">
+            <a:schemeClr val="accent1"/>
+          </a:lnRef>
+          <a:fillRef idx="3">
+            <a:schemeClr val="accent1"/>
+          </a:fillRef>
+          <a:effectRef idx="2">
+            <a:schemeClr val="accent1"/>
+          </a:effectRef>
+          <a:fontRef idx="minor"/>
+        </p:style>
+        <p:txBody>
+          <a:bodyPr lIns="90000" rIns="90000" tIns="45000" bIns="45000" anchor="ctr">
+            <a:noAutofit/>
+          </a:bodyPr>
+          <a:p>
+            <a:endParaRPr b="0" lang="en-US" sz="1800" spc="-1" strike="noStrike">
+              <a:solidFill>
+                <a:schemeClr val="lt1"/>
+              </a:solidFill>
+              <a:latin typeface="Calibri"/>
+              <a:ea typeface="DejaVu Sans"/>
+            </a:endParaRPr>
+          </a:p>
+        </p:txBody>
+      </p:sp>
+      <p:sp>
+        <p:nvSpPr>
+          <p:cNvPr id="395" name="Rectangle 121"/>
+          <p:cNvSpPr/>
+          <p:nvPr/>
+        </p:nvSpPr>
+        <p:spPr>
+          <a:xfrm>
+            <a:off x="6400800" y="0"/>
+            <a:ext cx="16920" cy="6856560"/>
+          </a:xfrm>
+          <a:prstGeom prst="rect">
+            <a:avLst/>
+          </a:prstGeom>
+          <a:solidFill>
+            <a:srgbClr val="121216"/>
+          </a:solidFill>
+          <a:ln>
+            <a:noFill/>
+          </a:ln>
+          <a:effectLst>
+            <a:outerShdw blurRad="39960" dir="5400000" dist="23040" rotWithShape="0">
+              <a:srgbClr val="000000">
+                <a:alpha val="35000"/>
+              </a:srgbClr>
+            </a:outerShdw>
+          </a:effectLst>
+        </p:spPr>
+        <p:style>
+          <a:lnRef idx="1">
+            <a:schemeClr val="accent1"/>
+          </a:lnRef>
+          <a:fillRef idx="3">
+            <a:schemeClr val="accent1"/>
+          </a:fillRef>
+          <a:effectRef idx="2">
+            <a:schemeClr val="accent1"/>
+          </a:effectRef>
+          <a:fontRef idx="minor"/>
+        </p:style>
+        <p:txBody>
+          <a:bodyPr lIns="90000" rIns="90000" tIns="45000" bIns="45000" anchor="ctr">
+            <a:noAutofit/>
+          </a:bodyPr>
+          <a:p>
+            <a:endParaRPr b="0" lang="en-US" sz="1800" spc="-1" strike="noStrike">
+              <a:solidFill>
+                <a:schemeClr val="lt1"/>
+              </a:solidFill>
+              <a:latin typeface="Calibri"/>
+              <a:ea typeface="DejaVu Sans"/>
+            </a:endParaRPr>
+          </a:p>
+        </p:txBody>
+      </p:sp>
+      <p:sp>
+        <p:nvSpPr>
+          <p:cNvPr id="396" name="Rectangle 122"/>
+          <p:cNvSpPr/>
+          <p:nvPr/>
+        </p:nvSpPr>
+        <p:spPr>
+          <a:xfrm>
+            <a:off x="7315200" y="0"/>
+            <a:ext cx="16920" cy="6856560"/>
+          </a:xfrm>
+          <a:prstGeom prst="rect">
+            <a:avLst/>
+          </a:prstGeom>
+          <a:solidFill>
+            <a:srgbClr val="121216"/>
+          </a:solidFill>
+          <a:ln>
+            <a:noFill/>
+          </a:ln>
+          <a:effectLst>
+            <a:outerShdw blurRad="39960" dir="5400000" dist="23040" rotWithShape="0">
+              <a:srgbClr val="000000">
+                <a:alpha val="35000"/>
+              </a:srgbClr>
+            </a:outerShdw>
+          </a:effectLst>
+        </p:spPr>
+        <p:style>
+          <a:lnRef idx="1">
+            <a:schemeClr val="accent1"/>
+          </a:lnRef>
+          <a:fillRef idx="3">
+            <a:schemeClr val="accent1"/>
+          </a:fillRef>
+          <a:effectRef idx="2">
+            <a:schemeClr val="accent1"/>
+          </a:effectRef>
+          <a:fontRef idx="minor"/>
+        </p:style>
+        <p:txBody>
+          <a:bodyPr lIns="90000" rIns="90000" tIns="45000" bIns="45000" anchor="ctr">
+            <a:noAutofit/>
+          </a:bodyPr>
+          <a:p>
+            <a:endParaRPr b="0" lang="en-US" sz="1800" spc="-1" strike="noStrike">
+              <a:solidFill>
+                <a:schemeClr val="lt1"/>
+              </a:solidFill>
+              <a:latin typeface="Calibri"/>
+              <a:ea typeface="DejaVu Sans"/>
+            </a:endParaRPr>
+          </a:p>
+        </p:txBody>
+      </p:sp>
+      <p:sp>
+        <p:nvSpPr>
+          <p:cNvPr id="397" name="Rectangle 123"/>
+          <p:cNvSpPr/>
+          <p:nvPr/>
+        </p:nvSpPr>
+        <p:spPr>
+          <a:xfrm>
+            <a:off x="8229600" y="0"/>
+            <a:ext cx="16920" cy="6856560"/>
+          </a:xfrm>
+          <a:prstGeom prst="rect">
+            <a:avLst/>
+          </a:prstGeom>
+          <a:solidFill>
+            <a:srgbClr val="121216"/>
+          </a:solidFill>
+          <a:ln>
+            <a:noFill/>
+          </a:ln>
+          <a:effectLst>
+            <a:outerShdw blurRad="39960" dir="5400000" dist="23040" rotWithShape="0">
+              <a:srgbClr val="000000">
+                <a:alpha val="35000"/>
+              </a:srgbClr>
+            </a:outerShdw>
+          </a:effectLst>
+        </p:spPr>
+        <p:style>
+          <a:lnRef idx="1">
+            <a:schemeClr val="accent1"/>
+          </a:lnRef>
+          <a:fillRef idx="3">
+            <a:schemeClr val="accent1"/>
+          </a:fillRef>
+          <a:effectRef idx="2">
+            <a:schemeClr val="accent1"/>
+          </a:effectRef>
+          <a:fontRef idx="minor"/>
+        </p:style>
+        <p:txBody>
+          <a:bodyPr lIns="90000" rIns="90000" tIns="45000" bIns="45000" anchor="ctr">
+            <a:noAutofit/>
+          </a:bodyPr>
+          <a:p>
+            <a:endParaRPr b="0" lang="en-US" sz="1800" spc="-1" strike="noStrike">
+              <a:solidFill>
+                <a:schemeClr val="lt1"/>
+              </a:solidFill>
+              <a:latin typeface="Calibri"/>
+              <a:ea typeface="DejaVu Sans"/>
+            </a:endParaRPr>
+          </a:p>
+        </p:txBody>
+      </p:sp>
+      <p:sp>
+        <p:nvSpPr>
+          <p:cNvPr id="398" name="Rectangle 124"/>
+          <p:cNvSpPr/>
+          <p:nvPr/>
+        </p:nvSpPr>
+        <p:spPr>
+          <a:xfrm>
+            <a:off x="9144000" y="0"/>
+            <a:ext cx="16920" cy="6856560"/>
+          </a:xfrm>
+          <a:prstGeom prst="rect">
+            <a:avLst/>
+          </a:prstGeom>
+          <a:solidFill>
+            <a:srgbClr val="121216"/>
+          </a:solidFill>
+          <a:ln>
+            <a:noFill/>
+          </a:ln>
+          <a:effectLst>
+            <a:outerShdw blurRad="39960" dir="5400000" dist="23040" rotWithShape="0">
+              <a:srgbClr val="000000">
+                <a:alpha val="35000"/>
+              </a:srgbClr>
+            </a:outerShdw>
+          </a:effectLst>
+        </p:spPr>
+        <p:style>
+          <a:lnRef idx="1">
+            <a:schemeClr val="accent1"/>
+          </a:lnRef>
+          <a:fillRef idx="3">
+            <a:schemeClr val="accent1"/>
+          </a:fillRef>
+          <a:effectRef idx="2">
+            <a:schemeClr val="accent1"/>
+          </a:effectRef>
+          <a:fontRef idx="minor"/>
+        </p:style>
+        <p:txBody>
+          <a:bodyPr lIns="90000" rIns="90000" tIns="45000" bIns="45000" anchor="ctr">
+            <a:noAutofit/>
+          </a:bodyPr>
+          <a:p>
+            <a:endParaRPr b="0" lang="en-US" sz="1800" spc="-1" strike="noStrike">
+              <a:solidFill>
+                <a:schemeClr val="lt1"/>
+              </a:solidFill>
+              <a:latin typeface="Calibri"/>
+              <a:ea typeface="DejaVu Sans"/>
+            </a:endParaRPr>
+          </a:p>
+        </p:txBody>
+      </p:sp>
+      <p:sp>
+        <p:nvSpPr>
+          <p:cNvPr id="399" name="Rectangle 125"/>
+          <p:cNvSpPr/>
+          <p:nvPr/>
+        </p:nvSpPr>
+        <p:spPr>
+          <a:xfrm>
+            <a:off x="10058400" y="0"/>
+            <a:ext cx="16920" cy="6856560"/>
+          </a:xfrm>
+          <a:prstGeom prst="rect">
+            <a:avLst/>
+          </a:prstGeom>
+          <a:solidFill>
+            <a:srgbClr val="121216"/>
+          </a:solidFill>
+          <a:ln>
+            <a:noFill/>
+          </a:ln>
+          <a:effectLst>
+            <a:outerShdw blurRad="39960" dir="5400000" dist="23040" rotWithShape="0">
+              <a:srgbClr val="000000">
+                <a:alpha val="35000"/>
+              </a:srgbClr>
+            </a:outerShdw>
+          </a:effectLst>
+        </p:spPr>
+        <p:style>
+          <a:lnRef idx="1">
+            <a:schemeClr val="accent1"/>
+          </a:lnRef>
+          <a:fillRef idx="3">
+            <a:schemeClr val="accent1"/>
+          </a:fillRef>
+          <a:effectRef idx="2">
+            <a:schemeClr val="accent1"/>
+          </a:effectRef>
+          <a:fontRef idx="minor"/>
+        </p:style>
+        <p:txBody>
+          <a:bodyPr lIns="90000" rIns="90000" tIns="45000" bIns="45000" anchor="ctr">
+            <a:noAutofit/>
+          </a:bodyPr>
+          <a:p>
+            <a:endParaRPr b="0" lang="en-US" sz="1800" spc="-1" strike="noStrike">
+              <a:solidFill>
+                <a:schemeClr val="lt1"/>
+              </a:solidFill>
+              <a:latin typeface="Calibri"/>
+              <a:ea typeface="DejaVu Sans"/>
+            </a:endParaRPr>
+          </a:p>
+        </p:txBody>
+      </p:sp>
+      <p:sp>
+        <p:nvSpPr>
+          <p:cNvPr id="400" name="Rectangle 126"/>
+          <p:cNvSpPr/>
+          <p:nvPr/>
+        </p:nvSpPr>
+        <p:spPr>
+          <a:xfrm>
+            <a:off x="10972800" y="0"/>
+            <a:ext cx="16920" cy="6856560"/>
+          </a:xfrm>
+          <a:prstGeom prst="rect">
+            <a:avLst/>
+          </a:prstGeom>
+          <a:solidFill>
+            <a:srgbClr val="121216"/>
+          </a:solidFill>
+          <a:ln>
+            <a:noFill/>
+          </a:ln>
+          <a:effectLst>
+            <a:outerShdw blurRad="39960" dir="5400000" dist="23040" rotWithShape="0">
+              <a:srgbClr val="000000">
+                <a:alpha val="35000"/>
+              </a:srgbClr>
+            </a:outerShdw>
+          </a:effectLst>
+        </p:spPr>
+        <p:style>
+          <a:lnRef idx="1">
+            <a:schemeClr val="accent1"/>
+          </a:lnRef>
+          <a:fillRef idx="3">
+            <a:schemeClr val="accent1"/>
+          </a:fillRef>
+          <a:effectRef idx="2">
+            <a:schemeClr val="accent1"/>
+          </a:effectRef>
+          <a:fontRef idx="minor"/>
+        </p:style>
+        <p:txBody>
+          <a:bodyPr lIns="90000" rIns="90000" tIns="45000" bIns="45000" anchor="ctr">
+            <a:noAutofit/>
+          </a:bodyPr>
+          <a:p>
+            <a:endParaRPr b="0" lang="en-US" sz="1800" spc="-1" strike="noStrike">
+              <a:solidFill>
+                <a:schemeClr val="lt1"/>
+              </a:solidFill>
+              <a:latin typeface="Calibri"/>
+              <a:ea typeface="DejaVu Sans"/>
+            </a:endParaRPr>
+          </a:p>
+        </p:txBody>
+      </p:sp>
+      <p:sp>
+        <p:nvSpPr>
+          <p:cNvPr id="401" name="Rectangle 127"/>
+          <p:cNvSpPr/>
+          <p:nvPr/>
+        </p:nvSpPr>
+        <p:spPr>
+          <a:xfrm>
+            <a:off x="11887200" y="0"/>
+            <a:ext cx="16920" cy="6856560"/>
+          </a:xfrm>
+          <a:prstGeom prst="rect">
+            <a:avLst/>
+          </a:prstGeom>
+          <a:solidFill>
+            <a:srgbClr val="121216"/>
+          </a:solidFill>
+          <a:ln>
+            <a:noFill/>
+          </a:ln>
+          <a:effectLst>
+            <a:outerShdw blurRad="39960" dir="5400000" dist="23040" rotWithShape="0">
+              <a:srgbClr val="000000">
+                <a:alpha val="35000"/>
+              </a:srgbClr>
+            </a:outerShdw>
+          </a:effectLst>
+        </p:spPr>
+        <p:style>
+          <a:lnRef idx="1">
+            <a:schemeClr val="accent1"/>
+          </a:lnRef>
+          <a:fillRef idx="3">
+            <a:schemeClr val="accent1"/>
+          </a:fillRef>
+          <a:effectRef idx="2">
+            <a:schemeClr val="accent1"/>
+          </a:effectRef>
+          <a:fontRef idx="minor"/>
+        </p:style>
+        <p:txBody>
+          <a:bodyPr lIns="90000" rIns="90000" tIns="45000" bIns="45000" anchor="ctr">
+            <a:noAutofit/>
+          </a:bodyPr>
+          <a:p>
+            <a:endParaRPr b="0" lang="en-US" sz="1800" spc="-1" strike="noStrike">
+              <a:solidFill>
+                <a:schemeClr val="lt1"/>
+              </a:solidFill>
+              <a:latin typeface="Calibri"/>
+              <a:ea typeface="DejaVu Sans"/>
+            </a:endParaRPr>
+          </a:p>
+        </p:txBody>
+      </p:sp>
+      <p:sp>
+        <p:nvSpPr>
+          <p:cNvPr id="402" name="Rectangle 128"/>
+          <p:cNvSpPr/>
+          <p:nvPr/>
+        </p:nvSpPr>
+        <p:spPr>
+          <a:xfrm>
+            <a:off x="0" y="0"/>
+            <a:ext cx="318600" cy="6856560"/>
+          </a:xfrm>
+          <a:prstGeom prst="rect">
+            <a:avLst/>
+          </a:prstGeom>
+          <a:solidFill>
+            <a:srgbClr val="ff8c00"/>
+          </a:solidFill>
+          <a:ln>
+            <a:noFill/>
+          </a:ln>
+          <a:effectLst>
+            <a:outerShdw blurRad="39960" dir="5400000" dist="23040" rotWithShape="0">
+              <a:srgbClr val="000000">
+                <a:alpha val="35000"/>
+              </a:srgbClr>
+            </a:outerShdw>
+          </a:effectLst>
+        </p:spPr>
+        <p:style>
+          <a:lnRef idx="1">
+            <a:schemeClr val="accent1"/>
+          </a:lnRef>
+          <a:fillRef idx="3">
+            <a:schemeClr val="accent1"/>
+          </a:fillRef>
+          <a:effectRef idx="2">
+            <a:schemeClr val="accent1"/>
+          </a:effectRef>
+          <a:fontRef idx="minor"/>
+        </p:style>
+        <p:txBody>
+          <a:bodyPr lIns="90000" rIns="90000" tIns="45000" bIns="45000" anchor="ctr">
+            <a:noAutofit/>
+          </a:bodyPr>
+          <a:p>
+            <a:endParaRPr b="0" lang="en-US" sz="1800" spc="-1" strike="noStrike">
+              <a:solidFill>
+                <a:schemeClr val="lt1"/>
+              </a:solidFill>
+              <a:latin typeface="Calibri"/>
+              <a:ea typeface="DejaVu Sans"/>
+            </a:endParaRPr>
+          </a:p>
+        </p:txBody>
+      </p:sp>
+      <p:sp>
+        <p:nvSpPr>
+          <p:cNvPr id="403" name="Rounded Rectangle 57"/>
+          <p:cNvSpPr/>
+          <p:nvPr/>
+        </p:nvSpPr>
+        <p:spPr>
+          <a:xfrm>
+            <a:off x="9875520" y="365760"/>
+            <a:ext cx="2010240" cy="501480"/>
+          </a:xfrm>
+          <a:prstGeom prst="roundRect">
+            <a:avLst>
+              <a:gd name="adj" fmla="val 16667"/>
+            </a:avLst>
+          </a:prstGeom>
+          <a:solidFill>
+            <a:srgbClr val="1e1e24"/>
+          </a:solidFill>
+          <a:ln>
+            <a:solidFill>
+              <a:srgbClr val="ff8c00"/>
+            </a:solidFill>
+            <a:round/>
+          </a:ln>
+          <a:effectLst>
+            <a:outerShdw blurRad="39960" dir="5400000" dist="23040" rotWithShape="0">
+              <a:srgbClr val="000000">
+                <a:alpha val="35000"/>
+              </a:srgbClr>
+            </a:outerShdw>
+          </a:effectLst>
+        </p:spPr>
+        <p:style>
+          <a:lnRef idx="1">
+            <a:schemeClr val="accent1"/>
+          </a:lnRef>
+          <a:fillRef idx="3">
+            <a:schemeClr val="accent1"/>
+          </a:fillRef>
+          <a:effectRef idx="2">
+            <a:schemeClr val="accent1"/>
+          </a:effectRef>
+          <a:fontRef idx="minor"/>
+        </p:style>
+        <p:txBody>
+          <a:bodyPr lIns="90000" rIns="90000" tIns="45000" bIns="45000" anchor="ctr">
+            <a:noAutofit/>
+          </a:bodyPr>
+          <a:p>
+            <a:pPr algn="ctr">
+              <a:lnSpc>
+                <a:spcPct val="100000"/>
+              </a:lnSpc>
+            </a:pPr>
+            <a:r>
+              <a:rPr b="1" lang="en-US" sz="1400" spc="-1" strike="noStrike">
+                <a:solidFill>
+                  <a:srgbClr val="ffb45a"/>
+                </a:solidFill>
+                <a:latin typeface="Calibri"/>
+                <a:ea typeface="DejaVu Sans"/>
+              </a:rPr>
+              <a:t>JAVA CORE</a:t>
+            </a:r>
+            <a:endParaRPr b="0" lang="en-US" sz="1400" spc="-1" strike="noStrike">
+              <a:solidFill>
+                <a:srgbClr val="ffffff"/>
+              </a:solidFill>
+              <a:latin typeface="Arial"/>
+            </a:endParaRPr>
+          </a:p>
+        </p:txBody>
+      </p:sp>
+      <p:sp>
+        <p:nvSpPr>
+          <p:cNvPr id="404" name="TextBox 24"/>
+          <p:cNvSpPr/>
+          <p:nvPr/>
+        </p:nvSpPr>
+        <p:spPr>
+          <a:xfrm>
+            <a:off x="2216880" y="1005840"/>
+            <a:ext cx="6537600" cy="638280"/>
+          </a:xfrm>
+          <a:prstGeom prst="rect">
+            <a:avLst/>
+          </a:prstGeom>
+          <a:noFill/>
+          <a:ln w="0">
+            <a:noFill/>
+          </a:ln>
+        </p:spPr>
+        <p:style>
+          <a:lnRef idx="0"/>
+          <a:fillRef idx="0"/>
+          <a:effectRef idx="0"/>
+          <a:fontRef idx="minor"/>
+        </p:style>
+        <p:txBody>
+          <a:bodyPr wrap="none" lIns="90000" rIns="90000" tIns="45000" bIns="45000" anchor="t">
+            <a:spAutoFit/>
+          </a:bodyPr>
+          <a:p>
+            <a:pPr>
+              <a:lnSpc>
+                <a:spcPct val="100000"/>
+              </a:lnSpc>
+            </a:pPr>
+            <a:r>
+              <a:rPr b="1" lang="en-US" sz="3600" spc="-1" strike="noStrike">
+                <a:solidFill>
+                  <a:srgbClr val="f5f5f5"/>
+                </a:solidFill>
+                <a:latin typeface="Calibri"/>
+                <a:ea typeface="DejaVu Sans"/>
+              </a:rPr>
+              <a:t>JAVA DEVELOPMENT WORKFLOW</a:t>
+            </a:r>
+            <a:endParaRPr b="0" lang="en-US" sz="3600" spc="-1" strike="noStrike">
+              <a:solidFill>
+                <a:srgbClr val="000000"/>
+              </a:solidFill>
+              <a:latin typeface="Arial"/>
+            </a:endParaRPr>
+          </a:p>
+        </p:txBody>
+      </p:sp>
+      <p:sp>
+        <p:nvSpPr>
+          <p:cNvPr id="405" name="TextBox 25"/>
+          <p:cNvSpPr/>
+          <p:nvPr/>
+        </p:nvSpPr>
+        <p:spPr>
+          <a:xfrm>
+            <a:off x="-1019160" y="2194560"/>
+            <a:ext cx="13024080" cy="318600"/>
+          </a:xfrm>
+          <a:prstGeom prst="rect">
+            <a:avLst/>
+          </a:prstGeom>
+          <a:noFill/>
+          <a:ln w="0">
+            <a:noFill/>
+          </a:ln>
+        </p:spPr>
+        <p:style>
+          <a:lnRef idx="0"/>
+          <a:fillRef idx="0"/>
+          <a:effectRef idx="0"/>
+          <a:fontRef idx="minor"/>
+        </p:style>
+        <p:txBody>
+          <a:bodyPr wrap="none" lIns="90000" rIns="90000" tIns="45000" bIns="45000" anchor="t">
+            <a:spAutoFit/>
+          </a:bodyPr>
+          <a:p>
+            <a:pPr>
+              <a:lnSpc>
+                <a:spcPct val="100000"/>
+              </a:lnSpc>
+            </a:pPr>
+            <a:r>
+              <a:rPr b="0" lang="en-US" sz="1500" spc="-1" strike="noStrike">
+                <a:solidFill>
+                  <a:srgbClr val="aaaaaa"/>
+                </a:solidFill>
+                <a:latin typeface="Calibri"/>
+                <a:ea typeface="DejaVu Sans"/>
+              </a:rPr>
+              <a:t>                                   </a:t>
+            </a:r>
+            <a:r>
+              <a:rPr b="0" lang="en-US" sz="1500" spc="-1" strike="noStrike">
+                <a:solidFill>
+                  <a:srgbClr val="aaaaaa"/>
+                </a:solidFill>
+                <a:latin typeface="Calibri"/>
+                <a:ea typeface="DejaVu Sans"/>
+              </a:rPr>
+              <a:t>This slide explains the basic step-by-step process developers follow to create, test, and improve Java programs after the environment is fully set up.</a:t>
+            </a:r>
+            <a:endParaRPr b="0" lang="en-US" sz="1500" spc="-1" strike="noStrike">
+              <a:solidFill>
+                <a:srgbClr val="000000"/>
+              </a:solidFill>
+              <a:latin typeface="Arial"/>
+            </a:endParaRPr>
+          </a:p>
+        </p:txBody>
+      </p:sp>
+      <p:sp>
+        <p:nvSpPr>
+          <p:cNvPr id="406" name="Rounded Rectangle 58"/>
+          <p:cNvSpPr/>
+          <p:nvPr/>
+        </p:nvSpPr>
+        <p:spPr>
+          <a:xfrm>
+            <a:off x="987480" y="3182040"/>
+            <a:ext cx="3290400" cy="2741760"/>
+          </a:xfrm>
+          <a:prstGeom prst="roundRect">
+            <a:avLst>
+              <a:gd name="adj" fmla="val 16667"/>
+            </a:avLst>
+          </a:prstGeom>
+          <a:solidFill>
+            <a:srgbClr val="08080a"/>
+          </a:solidFill>
+          <a:ln>
+            <a:noFill/>
+          </a:ln>
+          <a:effectLst>
+            <a:outerShdw blurRad="39960" dir="5400000" dist="23040" rotWithShape="0">
+              <a:srgbClr val="000000">
+                <a:alpha val="35000"/>
+              </a:srgbClr>
+            </a:outerShdw>
+          </a:effectLst>
+        </p:spPr>
+        <p:style>
+          <a:lnRef idx="1">
+            <a:schemeClr val="accent1"/>
+          </a:lnRef>
+          <a:fillRef idx="3">
+            <a:schemeClr val="accent1"/>
+          </a:fillRef>
+          <a:effectRef idx="2">
+            <a:schemeClr val="accent1"/>
+          </a:effectRef>
+          <a:fontRef idx="minor"/>
+        </p:style>
+        <p:txBody>
+          <a:bodyPr lIns="90000" rIns="90000" tIns="45000" bIns="45000" anchor="ctr">
+            <a:noAutofit/>
+          </a:bodyPr>
+          <a:p>
+            <a:endParaRPr b="0" lang="en-US" sz="1800" spc="-1" strike="noStrike">
+              <a:solidFill>
+                <a:schemeClr val="lt1"/>
+              </a:solidFill>
+              <a:latin typeface="Calibri"/>
+              <a:ea typeface="DejaVu Sans"/>
+            </a:endParaRPr>
+          </a:p>
+        </p:txBody>
+      </p:sp>
+      <p:sp>
+        <p:nvSpPr>
+          <p:cNvPr id="407" name="Rounded Rectangle 59"/>
+          <p:cNvSpPr/>
+          <p:nvPr/>
+        </p:nvSpPr>
+        <p:spPr>
+          <a:xfrm>
+            <a:off x="914400" y="3108960"/>
+            <a:ext cx="3290400" cy="2741760"/>
+          </a:xfrm>
+          <a:prstGeom prst="roundRect">
+            <a:avLst>
+              <a:gd name="adj" fmla="val 16667"/>
+            </a:avLst>
+          </a:prstGeom>
+          <a:solidFill>
+            <a:srgbClr val="16161c"/>
+          </a:solidFill>
+          <a:ln>
+            <a:solidFill>
+              <a:srgbClr val="464655"/>
+            </a:solidFill>
+            <a:round/>
+          </a:ln>
+          <a:effectLst>
+            <a:outerShdw blurRad="39960" dir="5400000" dist="23040" rotWithShape="0">
+              <a:srgbClr val="000000">
+                <a:alpha val="35000"/>
+              </a:srgbClr>
+            </a:outerShdw>
+          </a:effectLst>
+        </p:spPr>
+        <p:style>
+          <a:lnRef idx="1">
+            <a:schemeClr val="accent1"/>
+          </a:lnRef>
+          <a:fillRef idx="3">
+            <a:schemeClr val="accent1"/>
+          </a:fillRef>
+          <a:effectRef idx="2">
+            <a:schemeClr val="accent1"/>
+          </a:effectRef>
+          <a:fontRef idx="minor"/>
+        </p:style>
+        <p:txBody>
+          <a:bodyPr lIns="90000" rIns="90000" tIns="45000" bIns="45000" anchor="ctr">
+            <a:noAutofit/>
+          </a:bodyPr>
+          <a:p>
+            <a:pPr>
+              <a:lnSpc>
+                <a:spcPct val="100000"/>
+              </a:lnSpc>
+            </a:pPr>
+            <a:r>
+              <a:rPr b="1" lang="en-US" sz="1400" spc="-1" strike="noStrike">
+                <a:solidFill>
+                  <a:schemeClr val="lt1"/>
+                </a:solidFill>
+                <a:latin typeface="Calibri"/>
+                <a:ea typeface="DejaVu Sans"/>
+              </a:rPr>
+              <a:t>After installation, Java programming follows a simple development cycle:</a:t>
+            </a:r>
+            <a:endParaRPr b="0" lang="en-US" sz="1400" spc="-1" strike="noStrike">
+              <a:solidFill>
+                <a:srgbClr val="ffffff"/>
+              </a:solidFill>
+              <a:latin typeface="Arial"/>
+            </a:endParaRPr>
+          </a:p>
+          <a:p>
+            <a:pPr>
+              <a:lnSpc>
+                <a:spcPct val="100000"/>
+              </a:lnSpc>
+            </a:pPr>
+            <a:endParaRPr b="0" lang="en-US" sz="1400" spc="-1" strike="noStrike">
+              <a:solidFill>
+                <a:srgbClr val="ffffff"/>
+              </a:solidFill>
+              <a:latin typeface="Arial"/>
+            </a:endParaRPr>
+          </a:p>
+          <a:p>
+            <a:pPr marL="216000" indent="-216000">
+              <a:lnSpc>
+                <a:spcPct val="100000"/>
+              </a:lnSpc>
+              <a:buClr>
+                <a:srgbClr val="ffffff"/>
+              </a:buClr>
+              <a:buFont typeface="StarSymbol"/>
+              <a:buAutoNum type="arabicParenR"/>
+            </a:pPr>
+            <a:r>
+              <a:rPr b="1" lang="en-US" sz="1400" spc="-1" strike="noStrike">
+                <a:solidFill>
+                  <a:schemeClr val="lt1"/>
+                </a:solidFill>
+                <a:latin typeface="Calibri"/>
+                <a:ea typeface="DejaVu Sans"/>
+              </a:rPr>
+              <a:t>Write the program</a:t>
+            </a:r>
+            <a:endParaRPr b="0" lang="en-US" sz="1400" spc="-1" strike="noStrike">
+              <a:solidFill>
+                <a:srgbClr val="ffffff"/>
+              </a:solidFill>
+              <a:latin typeface="Arial"/>
+            </a:endParaRPr>
+          </a:p>
+          <a:p>
+            <a:pPr marL="216000" indent="-216000">
+              <a:lnSpc>
+                <a:spcPct val="100000"/>
+              </a:lnSpc>
+              <a:buClr>
+                <a:srgbClr val="ffffff"/>
+              </a:buClr>
+              <a:buFont typeface="StarSymbol"/>
+              <a:buAutoNum type="arabicParenR"/>
+            </a:pPr>
+            <a:r>
+              <a:rPr b="1" lang="en-US" sz="1400" spc="-1" strike="noStrike">
+                <a:solidFill>
+                  <a:schemeClr val="lt1"/>
+                </a:solidFill>
+                <a:latin typeface="Calibri"/>
+                <a:ea typeface="DejaVu Sans"/>
+              </a:rPr>
+              <a:t>Compile the program</a:t>
+            </a:r>
+            <a:endParaRPr b="0" lang="en-US" sz="1400" spc="-1" strike="noStrike">
+              <a:solidFill>
+                <a:srgbClr val="ffffff"/>
+              </a:solidFill>
+              <a:latin typeface="Arial"/>
+            </a:endParaRPr>
+          </a:p>
+          <a:p>
+            <a:pPr marL="216000" indent="-216000">
+              <a:lnSpc>
+                <a:spcPct val="100000"/>
+              </a:lnSpc>
+              <a:buClr>
+                <a:srgbClr val="ffffff"/>
+              </a:buClr>
+              <a:buFont typeface="StarSymbol"/>
+              <a:buAutoNum type="arabicParenR"/>
+            </a:pPr>
+            <a:r>
+              <a:rPr b="1" lang="en-US" sz="1400" spc="-1" strike="noStrike">
+                <a:solidFill>
+                  <a:schemeClr val="lt1"/>
+                </a:solidFill>
+                <a:latin typeface="Calibri"/>
+                <a:ea typeface="DejaVu Sans"/>
+              </a:rPr>
+              <a:t>Run the program</a:t>
+            </a:r>
+            <a:endParaRPr b="0" lang="en-US" sz="1400" spc="-1" strike="noStrike">
+              <a:solidFill>
+                <a:srgbClr val="ffffff"/>
+              </a:solidFill>
+              <a:latin typeface="Arial"/>
+            </a:endParaRPr>
+          </a:p>
+          <a:p>
+            <a:pPr marL="216000" indent="-216000">
+              <a:lnSpc>
+                <a:spcPct val="100000"/>
+              </a:lnSpc>
+              <a:buClr>
+                <a:srgbClr val="ffffff"/>
+              </a:buClr>
+              <a:buFont typeface="StarSymbol"/>
+              <a:buAutoNum type="arabicParenR"/>
+            </a:pPr>
+            <a:r>
+              <a:rPr b="1" lang="en-US" sz="1400" spc="-1" strike="noStrike">
+                <a:solidFill>
+                  <a:schemeClr val="lt1"/>
+                </a:solidFill>
+                <a:latin typeface="Calibri"/>
+                <a:ea typeface="DejaVu Sans"/>
+              </a:rPr>
+              <a:t>Fix errors if needed</a:t>
+            </a:r>
+            <a:endParaRPr b="0" lang="en-US" sz="1400" spc="-1" strike="noStrike">
+              <a:solidFill>
+                <a:srgbClr val="ffffff"/>
+              </a:solidFill>
+              <a:latin typeface="Arial"/>
+            </a:endParaRPr>
+          </a:p>
+          <a:p>
+            <a:pPr marL="216000" indent="-216000">
+              <a:lnSpc>
+                <a:spcPct val="100000"/>
+              </a:lnSpc>
+              <a:buClr>
+                <a:srgbClr val="ffffff"/>
+              </a:buClr>
+              <a:buFont typeface="StarSymbol"/>
+              <a:buAutoNum type="arabicParenR"/>
+            </a:pPr>
+            <a:r>
+              <a:rPr b="1" lang="en-US" sz="1400" spc="-1" strike="noStrike">
+                <a:solidFill>
+                  <a:schemeClr val="lt1"/>
+                </a:solidFill>
+                <a:latin typeface="Calibri"/>
+                <a:ea typeface="DejaVu Sans"/>
+              </a:rPr>
+              <a:t>Repeat the process</a:t>
+            </a:r>
+            <a:endParaRPr b="0" lang="en-US" sz="1400" spc="-1" strike="noStrike">
+              <a:solidFill>
+                <a:srgbClr val="ffffff"/>
+              </a:solidFill>
+              <a:latin typeface="Arial"/>
+            </a:endParaRPr>
+          </a:p>
+          <a:p>
+            <a:pPr>
+              <a:lnSpc>
+                <a:spcPct val="100000"/>
+              </a:lnSpc>
+            </a:pPr>
+            <a:endParaRPr b="0" lang="en-US" sz="1400" spc="-1" strike="noStrike">
+              <a:solidFill>
+                <a:srgbClr val="ffffff"/>
+              </a:solidFill>
+              <a:latin typeface="Arial"/>
+            </a:endParaRPr>
+          </a:p>
+          <a:p>
+            <a:pPr>
+              <a:lnSpc>
+                <a:spcPct val="100000"/>
+              </a:lnSpc>
+            </a:pPr>
+            <a:r>
+              <a:rPr b="1" lang="en-US" sz="1400" spc="-1" strike="noStrike">
+                <a:solidFill>
+                  <a:schemeClr val="lt1"/>
+                </a:solidFill>
+                <a:latin typeface="Calibri"/>
+                <a:ea typeface="DejaVu Sans"/>
+              </a:rPr>
+              <a:t>This cycle is how real-world Java software is developed.</a:t>
+            </a:r>
+            <a:endParaRPr b="0" lang="en-US" sz="1400" spc="-1" strike="noStrike">
+              <a:solidFill>
+                <a:srgbClr val="ffffff"/>
+              </a:solidFill>
+              <a:latin typeface="Arial"/>
+            </a:endParaRPr>
+          </a:p>
+        </p:txBody>
+      </p:sp>
+      <p:sp>
+        <p:nvSpPr>
+          <p:cNvPr id="408" name="Rounded Rectangle 60"/>
+          <p:cNvSpPr/>
+          <p:nvPr/>
+        </p:nvSpPr>
+        <p:spPr>
+          <a:xfrm>
+            <a:off x="4507920" y="3182040"/>
+            <a:ext cx="3290400" cy="2741760"/>
+          </a:xfrm>
+          <a:prstGeom prst="roundRect">
+            <a:avLst>
+              <a:gd name="adj" fmla="val 16667"/>
+            </a:avLst>
+          </a:prstGeom>
+          <a:solidFill>
+            <a:srgbClr val="08080a"/>
+          </a:solidFill>
+          <a:ln>
+            <a:noFill/>
+          </a:ln>
+          <a:effectLst>
+            <a:outerShdw blurRad="39960" dir="5400000" dist="23040" rotWithShape="0">
+              <a:srgbClr val="000000">
+                <a:alpha val="35000"/>
+              </a:srgbClr>
+            </a:outerShdw>
+          </a:effectLst>
+        </p:spPr>
+        <p:style>
+          <a:lnRef idx="1">
+            <a:schemeClr val="accent1"/>
+          </a:lnRef>
+          <a:fillRef idx="3">
+            <a:schemeClr val="accent1"/>
+          </a:fillRef>
+          <a:effectRef idx="2">
+            <a:schemeClr val="accent1"/>
+          </a:effectRef>
+          <a:fontRef idx="minor"/>
+        </p:style>
+        <p:txBody>
+          <a:bodyPr lIns="90000" rIns="90000" tIns="45000" bIns="45000" anchor="ctr">
+            <a:noAutofit/>
+          </a:bodyPr>
+          <a:p>
+            <a:endParaRPr b="0" lang="en-US" sz="1800" spc="-1" strike="noStrike">
+              <a:solidFill>
+                <a:schemeClr val="lt1"/>
+              </a:solidFill>
+              <a:latin typeface="Calibri"/>
+              <a:ea typeface="DejaVu Sans"/>
+            </a:endParaRPr>
+          </a:p>
+        </p:txBody>
+      </p:sp>
+      <p:sp>
+        <p:nvSpPr>
+          <p:cNvPr id="409" name="Rounded Rectangle 61"/>
+          <p:cNvSpPr/>
+          <p:nvPr/>
+        </p:nvSpPr>
+        <p:spPr>
+          <a:xfrm>
+            <a:off x="4434840" y="3108960"/>
+            <a:ext cx="3290400" cy="2741760"/>
+          </a:xfrm>
+          <a:prstGeom prst="roundRect">
+            <a:avLst>
+              <a:gd name="adj" fmla="val 16667"/>
+            </a:avLst>
+          </a:prstGeom>
+          <a:solidFill>
+            <a:srgbClr val="16161c"/>
+          </a:solidFill>
+          <a:ln>
+            <a:solidFill>
+              <a:srgbClr val="464655"/>
+            </a:solidFill>
+            <a:round/>
+          </a:ln>
+          <a:effectLst>
+            <a:outerShdw blurRad="39960" dir="5400000" dist="23040" rotWithShape="0">
+              <a:srgbClr val="000000">
+                <a:alpha val="35000"/>
+              </a:srgbClr>
+            </a:outerShdw>
+          </a:effectLst>
+        </p:spPr>
+        <p:style>
+          <a:lnRef idx="1">
+            <a:schemeClr val="accent1"/>
+          </a:lnRef>
+          <a:fillRef idx="3">
+            <a:schemeClr val="accent1"/>
+          </a:fillRef>
+          <a:effectRef idx="2">
+            <a:schemeClr val="accent1"/>
+          </a:effectRef>
+          <a:fontRef idx="minor"/>
+        </p:style>
+        <p:txBody>
+          <a:bodyPr lIns="90000" rIns="90000" tIns="45000" bIns="45000" anchor="ctr">
+            <a:noAutofit/>
+          </a:bodyPr>
+          <a:p>
+            <a:pPr>
+              <a:lnSpc>
+                <a:spcPct val="100000"/>
+              </a:lnSpc>
+            </a:pPr>
+            <a:r>
+              <a:rPr b="0" lang="en-US" sz="1600" spc="-1" strike="noStrike">
+                <a:solidFill>
+                  <a:schemeClr val="lt1"/>
+                </a:solidFill>
+                <a:latin typeface="Calibri"/>
+                <a:ea typeface="DejaVu Sans"/>
+              </a:rPr>
+              <a:t>Write Code</a:t>
+            </a:r>
+            <a:endParaRPr b="0" lang="en-US" sz="1600" spc="-1" strike="noStrike">
+              <a:solidFill>
+                <a:srgbClr val="ffffff"/>
+              </a:solidFill>
+              <a:latin typeface="Arial"/>
+            </a:endParaRPr>
+          </a:p>
+          <a:p>
+            <a:pPr>
+              <a:lnSpc>
+                <a:spcPct val="100000"/>
+              </a:lnSpc>
+            </a:pPr>
+            <a:r>
+              <a:rPr b="0" lang="en-US" sz="1600" spc="-1" strike="noStrike">
+                <a:solidFill>
+                  <a:schemeClr val="lt1"/>
+                </a:solidFill>
+                <a:latin typeface="Calibri"/>
+                <a:ea typeface="DejaVu Sans"/>
+              </a:rPr>
+              <a:t>⬇</a:t>
+            </a:r>
+            <a:endParaRPr b="0" lang="en-US" sz="1600" spc="-1" strike="noStrike">
+              <a:solidFill>
+                <a:srgbClr val="ffffff"/>
+              </a:solidFill>
+              <a:latin typeface="Arial"/>
+            </a:endParaRPr>
+          </a:p>
+          <a:p>
+            <a:pPr>
+              <a:lnSpc>
+                <a:spcPct val="100000"/>
+              </a:lnSpc>
+            </a:pPr>
+            <a:r>
+              <a:rPr b="0" lang="en-US" sz="1600" spc="-1" strike="noStrike">
+                <a:solidFill>
+                  <a:schemeClr val="lt1"/>
+                </a:solidFill>
+                <a:latin typeface="Calibri"/>
+                <a:ea typeface="DejaVu Sans"/>
+              </a:rPr>
+              <a:t>Compile → javac</a:t>
+            </a:r>
+            <a:endParaRPr b="0" lang="en-US" sz="1600" spc="-1" strike="noStrike">
+              <a:solidFill>
+                <a:srgbClr val="ffffff"/>
+              </a:solidFill>
+              <a:latin typeface="Arial"/>
+            </a:endParaRPr>
+          </a:p>
+          <a:p>
+            <a:pPr>
+              <a:lnSpc>
+                <a:spcPct val="100000"/>
+              </a:lnSpc>
+            </a:pPr>
+            <a:r>
+              <a:rPr b="0" lang="en-US" sz="1600" spc="-1" strike="noStrike">
+                <a:solidFill>
+                  <a:schemeClr val="lt1"/>
+                </a:solidFill>
+                <a:latin typeface="Calibri"/>
+                <a:ea typeface="DejaVu Sans"/>
+              </a:rPr>
+              <a:t>⬇</a:t>
+            </a:r>
+            <a:endParaRPr b="0" lang="en-US" sz="1600" spc="-1" strike="noStrike">
+              <a:solidFill>
+                <a:srgbClr val="ffffff"/>
+              </a:solidFill>
+              <a:latin typeface="Arial"/>
+            </a:endParaRPr>
+          </a:p>
+          <a:p>
+            <a:pPr>
+              <a:lnSpc>
+                <a:spcPct val="100000"/>
+              </a:lnSpc>
+            </a:pPr>
+            <a:r>
+              <a:rPr b="0" lang="en-US" sz="1600" spc="-1" strike="noStrike">
+                <a:solidFill>
+                  <a:schemeClr val="lt1"/>
+                </a:solidFill>
+                <a:latin typeface="Calibri"/>
+                <a:ea typeface="DejaVu Sans"/>
+              </a:rPr>
+              <a:t>Run → java</a:t>
+            </a:r>
+            <a:endParaRPr b="0" lang="en-US" sz="1600" spc="-1" strike="noStrike">
+              <a:solidFill>
+                <a:srgbClr val="ffffff"/>
+              </a:solidFill>
+              <a:latin typeface="Arial"/>
+            </a:endParaRPr>
+          </a:p>
+          <a:p>
+            <a:pPr>
+              <a:lnSpc>
+                <a:spcPct val="100000"/>
+              </a:lnSpc>
+            </a:pPr>
+            <a:r>
+              <a:rPr b="0" lang="en-US" sz="1600" spc="-1" strike="noStrike">
+                <a:solidFill>
+                  <a:schemeClr val="lt1"/>
+                </a:solidFill>
+                <a:latin typeface="Calibri"/>
+                <a:ea typeface="DejaVu Sans"/>
+              </a:rPr>
+              <a:t>⬇</a:t>
+            </a:r>
+            <a:endParaRPr b="0" lang="en-US" sz="1600" spc="-1" strike="noStrike">
+              <a:solidFill>
+                <a:srgbClr val="ffffff"/>
+              </a:solidFill>
+              <a:latin typeface="Arial"/>
+            </a:endParaRPr>
+          </a:p>
+          <a:p>
+            <a:pPr>
+              <a:lnSpc>
+                <a:spcPct val="100000"/>
+              </a:lnSpc>
+            </a:pPr>
+            <a:r>
+              <a:rPr b="0" lang="en-US" sz="1600" spc="-1" strike="noStrike">
+                <a:solidFill>
+                  <a:schemeClr val="lt1"/>
+                </a:solidFill>
+                <a:latin typeface="Calibri"/>
+                <a:ea typeface="DejaVu Sans"/>
+              </a:rPr>
+              <a:t>Check Output</a:t>
+            </a:r>
+            <a:endParaRPr b="0" lang="en-US" sz="1600" spc="-1" strike="noStrike">
+              <a:solidFill>
+                <a:srgbClr val="ffffff"/>
+              </a:solidFill>
+              <a:latin typeface="Arial"/>
+            </a:endParaRPr>
+          </a:p>
+          <a:p>
+            <a:pPr>
+              <a:lnSpc>
+                <a:spcPct val="100000"/>
+              </a:lnSpc>
+            </a:pPr>
+            <a:r>
+              <a:rPr b="0" lang="en-US" sz="1600" spc="-1" strike="noStrike">
+                <a:solidFill>
+                  <a:schemeClr val="lt1"/>
+                </a:solidFill>
+                <a:latin typeface="Calibri"/>
+                <a:ea typeface="DejaVu Sans"/>
+              </a:rPr>
+              <a:t>⬇</a:t>
+            </a:r>
+            <a:endParaRPr b="0" lang="en-US" sz="1600" spc="-1" strike="noStrike">
+              <a:solidFill>
+                <a:srgbClr val="ffffff"/>
+              </a:solidFill>
+              <a:latin typeface="Arial"/>
+            </a:endParaRPr>
+          </a:p>
+          <a:p>
+            <a:pPr>
+              <a:lnSpc>
+                <a:spcPct val="100000"/>
+              </a:lnSpc>
+            </a:pPr>
+            <a:r>
+              <a:rPr b="0" lang="en-US" sz="1600" spc="-1" strike="noStrike">
+                <a:solidFill>
+                  <a:schemeClr val="lt1"/>
+                </a:solidFill>
+                <a:latin typeface="Calibri"/>
+                <a:ea typeface="DejaVu Sans"/>
+              </a:rPr>
+              <a:t>If Error → Fix Code</a:t>
+            </a:r>
+            <a:endParaRPr b="0" lang="en-US" sz="1600" spc="-1" strike="noStrike">
+              <a:solidFill>
+                <a:srgbClr val="ffffff"/>
+              </a:solidFill>
+              <a:latin typeface="Arial"/>
+            </a:endParaRPr>
+          </a:p>
+          <a:p>
+            <a:pPr>
+              <a:lnSpc>
+                <a:spcPct val="100000"/>
+              </a:lnSpc>
+            </a:pPr>
+            <a:r>
+              <a:rPr b="0" lang="en-US" sz="1600" spc="-1" strike="noStrike">
+                <a:solidFill>
+                  <a:schemeClr val="lt1"/>
+                </a:solidFill>
+                <a:latin typeface="Calibri"/>
+                <a:ea typeface="DejaVu Sans"/>
+              </a:rPr>
+              <a:t>⬇</a:t>
+            </a:r>
+            <a:endParaRPr b="0" lang="en-US" sz="1600" spc="-1" strike="noStrike">
+              <a:solidFill>
+                <a:srgbClr val="ffffff"/>
+              </a:solidFill>
+              <a:latin typeface="Arial"/>
+            </a:endParaRPr>
+          </a:p>
+          <a:p>
+            <a:pPr>
+              <a:lnSpc>
+                <a:spcPct val="100000"/>
+              </a:lnSpc>
+            </a:pPr>
+            <a:r>
+              <a:rPr b="0" lang="en-US" sz="1600" spc="-1" strike="noStrike">
+                <a:solidFill>
+                  <a:schemeClr val="lt1"/>
+                </a:solidFill>
+                <a:latin typeface="Calibri"/>
+                <a:ea typeface="DejaVu Sans"/>
+              </a:rPr>
+              <a:t>Recompile &amp; Run Again</a:t>
+            </a:r>
+            <a:endParaRPr b="0" lang="en-US" sz="1600" spc="-1" strike="noStrike">
+              <a:solidFill>
+                <a:srgbClr val="ffffff"/>
+              </a:solidFill>
+              <a:latin typeface="Arial"/>
+            </a:endParaRPr>
+          </a:p>
+        </p:txBody>
+      </p:sp>
+      <p:sp>
+        <p:nvSpPr>
+          <p:cNvPr id="410" name="Rounded Rectangle 62"/>
+          <p:cNvSpPr/>
+          <p:nvPr/>
+        </p:nvSpPr>
+        <p:spPr>
+          <a:xfrm>
+            <a:off x="8028360" y="3182040"/>
+            <a:ext cx="3290400" cy="2741760"/>
+          </a:xfrm>
+          <a:prstGeom prst="roundRect">
+            <a:avLst>
+              <a:gd name="adj" fmla="val 16667"/>
+            </a:avLst>
+          </a:prstGeom>
+          <a:solidFill>
+            <a:srgbClr val="08080a"/>
+          </a:solidFill>
+          <a:ln>
+            <a:noFill/>
+          </a:ln>
+          <a:effectLst>
+            <a:outerShdw blurRad="39960" dir="5400000" dist="23040" rotWithShape="0">
+              <a:srgbClr val="000000">
+                <a:alpha val="35000"/>
+              </a:srgbClr>
+            </a:outerShdw>
+          </a:effectLst>
+        </p:spPr>
+        <p:style>
+          <a:lnRef idx="1">
+            <a:schemeClr val="accent1"/>
+          </a:lnRef>
+          <a:fillRef idx="3">
+            <a:schemeClr val="accent1"/>
+          </a:fillRef>
+          <a:effectRef idx="2">
+            <a:schemeClr val="accent1"/>
+          </a:effectRef>
+          <a:fontRef idx="minor"/>
+        </p:style>
+        <p:txBody>
+          <a:bodyPr lIns="90000" rIns="90000" tIns="45000" bIns="45000" anchor="ctr">
+            <a:noAutofit/>
+          </a:bodyPr>
+          <a:p>
+            <a:endParaRPr b="0" lang="en-US" sz="1800" spc="-1" strike="noStrike">
+              <a:solidFill>
+                <a:schemeClr val="lt1"/>
+              </a:solidFill>
+              <a:latin typeface="Calibri"/>
+              <a:ea typeface="DejaVu Sans"/>
+            </a:endParaRPr>
+          </a:p>
+        </p:txBody>
+      </p:sp>
+      <p:sp>
+        <p:nvSpPr>
+          <p:cNvPr id="411" name="Rounded Rectangle 63"/>
+          <p:cNvSpPr/>
+          <p:nvPr/>
+        </p:nvSpPr>
+        <p:spPr>
+          <a:xfrm>
+            <a:off x="7955280" y="3108960"/>
+            <a:ext cx="3290400" cy="2741760"/>
+          </a:xfrm>
+          <a:prstGeom prst="roundRect">
+            <a:avLst>
+              <a:gd name="adj" fmla="val 16667"/>
+            </a:avLst>
+          </a:prstGeom>
+          <a:solidFill>
+            <a:srgbClr val="16161c"/>
+          </a:solidFill>
+          <a:ln>
+            <a:solidFill>
+              <a:srgbClr val="464655"/>
+            </a:solidFill>
+            <a:round/>
+          </a:ln>
+          <a:effectLst>
+            <a:outerShdw blurRad="39960" dir="5400000" dist="23040" rotWithShape="0">
+              <a:srgbClr val="000000">
+                <a:alpha val="35000"/>
+              </a:srgbClr>
+            </a:outerShdw>
+          </a:effectLst>
+        </p:spPr>
+        <p:style>
+          <a:lnRef idx="1">
+            <a:schemeClr val="accent1"/>
+          </a:lnRef>
+          <a:fillRef idx="3">
+            <a:schemeClr val="accent1"/>
+          </a:fillRef>
+          <a:effectRef idx="2">
+            <a:schemeClr val="accent1"/>
+          </a:effectRef>
+          <a:fontRef idx="minor"/>
+        </p:style>
+        <p:txBody>
+          <a:bodyPr lIns="90000" rIns="90000" tIns="45000" bIns="45000" anchor="ctr">
+            <a:noAutofit/>
+          </a:bodyPr>
+          <a:p>
+            <a:pPr algn="ctr">
+              <a:lnSpc>
+                <a:spcPct val="100000"/>
+              </a:lnSpc>
+            </a:pPr>
+            <a:endParaRPr b="0" lang="en-US" sz="1300" spc="-1" strike="noStrike">
+              <a:solidFill>
+                <a:srgbClr val="ffffff"/>
+              </a:solidFill>
+              <a:latin typeface="Arial"/>
+            </a:endParaRPr>
+          </a:p>
+          <a:p>
+            <a:pPr algn="ctr">
+              <a:lnSpc>
+                <a:spcPct val="100000"/>
+              </a:lnSpc>
+            </a:pPr>
+            <a:r>
+              <a:rPr b="0" lang="en-US" sz="1300" spc="-1" strike="noStrike">
+                <a:solidFill>
+                  <a:srgbClr val="78ffc8"/>
+                </a:solidFill>
+                <a:latin typeface="Consolas"/>
+                <a:ea typeface="DejaVu Sans"/>
+              </a:rPr>
+              <a:t>public class Calculator {</a:t>
+            </a:r>
+            <a:endParaRPr b="0" lang="en-US" sz="1300" spc="-1" strike="noStrike">
+              <a:solidFill>
+                <a:srgbClr val="ffffff"/>
+              </a:solidFill>
+              <a:latin typeface="Arial"/>
+            </a:endParaRPr>
+          </a:p>
+          <a:p>
+            <a:pPr algn="ctr">
+              <a:lnSpc>
+                <a:spcPct val="100000"/>
+              </a:lnSpc>
+            </a:pPr>
+            <a:r>
+              <a:rPr b="0" lang="en-US" sz="1300" spc="-1" strike="noStrike">
+                <a:solidFill>
+                  <a:srgbClr val="78ffc8"/>
+                </a:solidFill>
+                <a:latin typeface="Consolas"/>
+                <a:ea typeface="DejaVu Sans"/>
+              </a:rPr>
+              <a:t>    </a:t>
+            </a:r>
+            <a:r>
+              <a:rPr b="0" lang="en-US" sz="1300" spc="-1" strike="noStrike">
+                <a:solidFill>
+                  <a:srgbClr val="78ffc8"/>
+                </a:solidFill>
+                <a:latin typeface="Consolas"/>
+                <a:ea typeface="DejaVu Sans"/>
+              </a:rPr>
+              <a:t>public static void main(String[] args) {</a:t>
+            </a:r>
+            <a:endParaRPr b="0" lang="en-US" sz="1300" spc="-1" strike="noStrike">
+              <a:solidFill>
+                <a:srgbClr val="ffffff"/>
+              </a:solidFill>
+              <a:latin typeface="Arial"/>
+            </a:endParaRPr>
+          </a:p>
+          <a:p>
+            <a:pPr algn="ctr">
+              <a:lnSpc>
+                <a:spcPct val="100000"/>
+              </a:lnSpc>
+            </a:pPr>
+            <a:r>
+              <a:rPr b="0" lang="en-US" sz="1300" spc="-1" strike="noStrike">
+                <a:solidFill>
+                  <a:srgbClr val="78ffc8"/>
+                </a:solidFill>
+                <a:latin typeface="Consolas"/>
+                <a:ea typeface="DejaVu Sans"/>
+              </a:rPr>
+              <a:t>        </a:t>
+            </a:r>
+            <a:r>
+              <a:rPr b="0" lang="en-US" sz="1300" spc="-1" strike="noStrike">
+                <a:solidFill>
+                  <a:srgbClr val="78ffc8"/>
+                </a:solidFill>
+                <a:latin typeface="Consolas"/>
+                <a:ea typeface="DejaVu Sans"/>
+              </a:rPr>
+              <a:t>int sum = 5 + 7;</a:t>
+            </a:r>
+            <a:endParaRPr b="0" lang="en-US" sz="1300" spc="-1" strike="noStrike">
+              <a:solidFill>
+                <a:srgbClr val="ffffff"/>
+              </a:solidFill>
+              <a:latin typeface="Arial"/>
+            </a:endParaRPr>
+          </a:p>
+          <a:p>
+            <a:pPr algn="ctr">
+              <a:lnSpc>
+                <a:spcPct val="100000"/>
+              </a:lnSpc>
+            </a:pPr>
+            <a:r>
+              <a:rPr b="0" lang="en-US" sz="1300" spc="-1" strike="noStrike">
+                <a:solidFill>
+                  <a:srgbClr val="78ffc8"/>
+                </a:solidFill>
+                <a:latin typeface="Consolas"/>
+                <a:ea typeface="DejaVu Sans"/>
+              </a:rPr>
+              <a:t>        </a:t>
+            </a:r>
+            <a:r>
+              <a:rPr b="0" lang="en-US" sz="1300" spc="-1" strike="noStrike">
+                <a:solidFill>
+                  <a:srgbClr val="78ffc8"/>
+                </a:solidFill>
+                <a:latin typeface="Consolas"/>
+                <a:ea typeface="DejaVu Sans"/>
+              </a:rPr>
+              <a:t>System.out.println("Result: " + sum);</a:t>
+            </a:r>
+            <a:endParaRPr b="0" lang="en-US" sz="1300" spc="-1" strike="noStrike">
+              <a:solidFill>
+                <a:srgbClr val="ffffff"/>
+              </a:solidFill>
+              <a:latin typeface="Arial"/>
+            </a:endParaRPr>
+          </a:p>
+          <a:p>
+            <a:pPr algn="ctr">
+              <a:lnSpc>
+                <a:spcPct val="100000"/>
+              </a:lnSpc>
+            </a:pPr>
+            <a:r>
+              <a:rPr b="0" lang="en-US" sz="1300" spc="-1" strike="noStrike">
+                <a:solidFill>
+                  <a:srgbClr val="78ffc8"/>
+                </a:solidFill>
+                <a:latin typeface="Consolas"/>
+                <a:ea typeface="DejaVu Sans"/>
+              </a:rPr>
+              <a:t>    </a:t>
+            </a:r>
+            <a:r>
+              <a:rPr b="0" lang="en-US" sz="1300" spc="-1" strike="noStrike">
+                <a:solidFill>
+                  <a:srgbClr val="78ffc8"/>
+                </a:solidFill>
+                <a:latin typeface="Consolas"/>
+                <a:ea typeface="DejaVu Sans"/>
+              </a:rPr>
+              <a:t>}</a:t>
+            </a:r>
+            <a:endParaRPr b="0" lang="en-US" sz="1300" spc="-1" strike="noStrike">
+              <a:solidFill>
+                <a:srgbClr val="ffffff"/>
+              </a:solidFill>
+              <a:latin typeface="Arial"/>
+            </a:endParaRPr>
+          </a:p>
+          <a:p>
+            <a:pPr algn="ctr">
+              <a:lnSpc>
+                <a:spcPct val="100000"/>
+              </a:lnSpc>
+            </a:pPr>
+            <a:r>
+              <a:rPr b="0" lang="en-US" sz="1300" spc="-1" strike="noStrike">
+                <a:solidFill>
+                  <a:srgbClr val="78ffc8"/>
+                </a:solidFill>
+                <a:latin typeface="Consolas"/>
+                <a:ea typeface="DejaVu Sans"/>
+              </a:rPr>
+              <a:t>}</a:t>
+            </a:r>
+            <a:br>
+              <a:rPr sz="1300"/>
+            </a:br>
+            <a:br>
+              <a:rPr sz="1300"/>
+            </a:br>
+            <a:r>
+              <a:rPr b="0" lang="en-US" sz="1300" spc="-1" strike="noStrike">
+                <a:solidFill>
+                  <a:srgbClr val="78ffc8"/>
+                </a:solidFill>
+                <a:latin typeface="Consolas"/>
+                <a:ea typeface="DejaVu Sans"/>
+              </a:rPr>
+              <a:t>javac Calculator.java</a:t>
+            </a:r>
+            <a:endParaRPr b="0" lang="en-US" sz="1300" spc="-1" strike="noStrike">
+              <a:solidFill>
+                <a:srgbClr val="ffffff"/>
+              </a:solidFill>
+              <a:latin typeface="Arial"/>
+            </a:endParaRPr>
+          </a:p>
+          <a:p>
+            <a:pPr algn="ctr">
+              <a:lnSpc>
+                <a:spcPct val="100000"/>
+              </a:lnSpc>
+            </a:pPr>
+            <a:r>
+              <a:rPr b="0" lang="en-US" sz="1300" spc="-1" strike="noStrike">
+                <a:solidFill>
+                  <a:srgbClr val="78ffc8"/>
+                </a:solidFill>
+                <a:latin typeface="Consolas"/>
+                <a:ea typeface="DejaVu Sans"/>
+              </a:rPr>
+              <a:t>java Calculator</a:t>
+            </a:r>
+            <a:endParaRPr b="0" lang="en-US" sz="1300" spc="-1" strike="noStrike">
+              <a:solidFill>
+                <a:srgbClr val="ffffff"/>
+              </a:solidFill>
+              <a:latin typeface="Arial"/>
+            </a:endParaRPr>
+          </a:p>
+          <a:p>
+            <a:pPr algn="ctr">
+              <a:lnSpc>
+                <a:spcPct val="100000"/>
+              </a:lnSpc>
+            </a:pPr>
+            <a:endParaRPr b="0" lang="en-US" sz="1300" spc="-1" strike="noStrike">
+              <a:solidFill>
+                <a:srgbClr val="ffffff"/>
+              </a:solidFill>
+              <a:latin typeface="Arial"/>
+            </a:endParaRPr>
+          </a:p>
+          <a:p>
+            <a:pPr algn="ctr">
+              <a:lnSpc>
+                <a:spcPct val="100000"/>
+              </a:lnSpc>
+            </a:pPr>
+            <a:endParaRPr b="0" lang="en-US" sz="1300" spc="-1" strike="noStrike">
+              <a:solidFill>
+                <a:srgbClr val="ffffff"/>
+              </a:solidFill>
+              <a:latin typeface="Arial"/>
+            </a:endParaRPr>
+          </a:p>
+        </p:txBody>
+      </p:sp>
+      <p:sp>
+        <p:nvSpPr>
+          <p:cNvPr id="412" name="TextBox 27"/>
+          <p:cNvSpPr/>
+          <p:nvPr/>
+        </p:nvSpPr>
+        <p:spPr>
+          <a:xfrm>
+            <a:off x="4600080" y="6446520"/>
+            <a:ext cx="3051360" cy="363960"/>
           </a:xfrm>
           <a:prstGeom prst="rect">
             <a:avLst/>
@@ -29338,10 +34078,10 @@
   <a:themeElements>
     <a:clrScheme name="Office">
       <a:dk1>
-        <a:sysClr val="windowText" lastClr="000000"/>
+        <a:srgbClr val="000000"/>
       </a:dk1>
       <a:lt1>
-        <a:sysClr val="window" lastClr="FFFFFF"/>
+        <a:srgbClr val="ffffff"/>
       </a:lt1>
       <a:dk2>
         <a:srgbClr val="1f497d"/>

--- a/Java/Java #2/EN/Java #2.pptx
+++ b/Java/Java #2/EN/Java #2.pptx
@@ -17,6 +17,8 @@
     <p:sldId id="261" r:id="rId12"/>
     <p:sldId id="262" r:id="rId13"/>
     <p:sldId id="263" r:id="rId14"/>
+    <p:sldId id="264" r:id="rId15"/>
+    <p:sldId id="265" r:id="rId16"/>
   </p:sldIdLst>
   <p:sldSz cx="9144000" cy="6858000"/>
   <p:notesSz cx="7772400" cy="10058400"/>
@@ -74,7 +76,7 @@
         <p:txBody>
           <a:bodyPr/>
           <a:p>
-            <a:fld id="{6FB9358B-4FBC-4A27-BE5C-8180CE2ACF9A}" type="slidenum">
+            <a:fld id="{4A0202B9-6059-4BA0-80D9-E90E53B78D59}" type="slidenum">
               <a:t>&lt;#&gt;</a:t>
             </a:fld>
           </a:p>
@@ -283,7 +285,7 @@
         <p:txBody>
           <a:bodyPr/>
           <a:p>
-            <a:fld id="{04DDC449-4ACC-4BE8-AA0B-205CE25858FD}" type="slidenum">
+            <a:fld id="{6374A48B-CC24-4D65-A6BB-64D31D90769C}" type="slidenum">
               <a:t>&lt;#&gt;</a:t>
             </a:fld>
           </a:p>
@@ -578,7 +580,7 @@
         <p:txBody>
           <a:bodyPr/>
           <a:p>
-            <a:fld id="{CFB62FD5-7A29-4CD5-B142-725EC5D12CEF}" type="slidenum">
+            <a:fld id="{2747362D-D35E-477C-BC84-D806AFC9DBF6}" type="slidenum">
               <a:t>&lt;#&gt;</a:t>
             </a:fld>
           </a:p>
@@ -959,7 +961,7 @@
         <p:txBody>
           <a:bodyPr/>
           <a:p>
-            <a:fld id="{3C569EB0-80D3-4E3A-9792-1ABFDA16527C}" type="slidenum">
+            <a:fld id="{0C664260-DCDA-4CC8-8CFD-E836ED5CF0E7}" type="slidenum">
               <a:t>&lt;#&gt;</a:t>
             </a:fld>
           </a:p>
@@ -1042,7 +1044,7 @@
         <p:txBody>
           <a:bodyPr/>
           <a:p>
-            <a:fld id="{4875EEAD-03B2-47F0-B70E-95BB6C2B2080}" type="slidenum">
+            <a:fld id="{A32B3F6B-68A3-446F-91B5-9D9F89C2C826}" type="slidenum">
               <a:t>&lt;#&gt;</a:t>
             </a:fld>
           </a:p>
@@ -1205,7 +1207,7 @@
         <p:txBody>
           <a:bodyPr/>
           <a:p>
-            <a:fld id="{9AAB7AC8-9806-4A0A-868C-21C6A34331C4}" type="slidenum">
+            <a:fld id="{8CD3C693-A782-4F83-9A2B-C07DBFF97133}" type="slidenum">
               <a:t>&lt;#&gt;</a:t>
             </a:fld>
           </a:p>
@@ -1371,7 +1373,7 @@
         <p:txBody>
           <a:bodyPr/>
           <a:p>
-            <a:fld id="{060620D1-B823-4502-BBD3-CB7DC6B4CB2F}" type="slidenum">
+            <a:fld id="{5C8AA8C1-7908-4D89-A372-DBF951601230}" type="slidenum">
               <a:t>&lt;#&gt;</a:t>
             </a:fld>
           </a:p>
@@ -1580,7 +1582,7 @@
         <p:txBody>
           <a:bodyPr/>
           <a:p>
-            <a:fld id="{AD9CF064-F595-4555-87A0-62CB6787FA38}" type="slidenum">
+            <a:fld id="{F770DE89-BD3D-4874-8A49-CB02EBDC490C}" type="slidenum">
               <a:t>&lt;#&gt;</a:t>
             </a:fld>
           </a:p>
@@ -1703,7 +1705,7 @@
         <p:txBody>
           <a:bodyPr/>
           <a:p>
-            <a:fld id="{524BC74A-53F8-431D-94A0-A4448E016F92}" type="slidenum">
+            <a:fld id="{7C9908C0-F02C-44E3-9124-F70ED799E452}" type="slidenum">
               <a:t>&lt;#&gt;</a:t>
             </a:fld>
           </a:p>
@@ -1824,7 +1826,7 @@
         <p:txBody>
           <a:bodyPr/>
           <a:p>
-            <a:fld id="{DDA90728-F67D-4D4E-A574-3222460CD54F}" type="slidenum">
+            <a:fld id="{AC012B6D-B9F6-4AB0-B344-D8AA11F746D8}" type="slidenum">
               <a:t>&lt;#&gt;</a:t>
             </a:fld>
           </a:p>
@@ -2076,7 +2078,7 @@
         <p:txBody>
           <a:bodyPr/>
           <a:p>
-            <a:fld id="{E6E783FF-03A2-4FB8-BBD2-0F760FB84347}" type="slidenum">
+            <a:fld id="{87ACD3AC-BE4D-4147-B522-718433A2E856}" type="slidenum">
               <a:t>&lt;#&gt;</a:t>
             </a:fld>
           </a:p>
@@ -2239,7 +2241,7 @@
         <p:txBody>
           <a:bodyPr/>
           <a:p>
-            <a:fld id="{CD7625FE-AAEE-4159-BF2B-6336C47D4759}" type="slidenum">
+            <a:fld id="{F640AB51-46A6-442B-A4BD-90296BD1F8DD}" type="slidenum">
               <a:t>&lt;#&gt;</a:t>
             </a:fld>
           </a:p>
@@ -2491,7 +2493,7 @@
         <p:txBody>
           <a:bodyPr/>
           <a:p>
-            <a:fld id="{342F7F23-4F2A-4B20-9639-35C1C4639FA0}" type="slidenum">
+            <a:fld id="{BCDCD480-DA76-41D1-B4F3-5B7295DE1072}" type="slidenum">
               <a:t>&lt;#&gt;</a:t>
             </a:fld>
           </a:p>
@@ -2743,7 +2745,7 @@
         <p:txBody>
           <a:bodyPr/>
           <a:p>
-            <a:fld id="{992C6C2F-EDA5-48A1-880D-EBF2CD2D848A}" type="slidenum">
+            <a:fld id="{46A82910-989D-4180-B6C8-CFF6D937AA70}" type="slidenum">
               <a:t>&lt;#&gt;</a:t>
             </a:fld>
           </a:p>
@@ -2952,7 +2954,7 @@
         <p:txBody>
           <a:bodyPr/>
           <a:p>
-            <a:fld id="{9F4AEA09-F1A8-4057-AC69-3AF37063E10B}" type="slidenum">
+            <a:fld id="{2A587485-BCE7-447C-AA3D-2A7A52EBC58B}" type="slidenum">
               <a:t>&lt;#&gt;</a:t>
             </a:fld>
           </a:p>
@@ -3247,7 +3249,7 @@
         <p:txBody>
           <a:bodyPr/>
           <a:p>
-            <a:fld id="{51EE18D2-B2B5-412F-907D-262CC44CAFE8}" type="slidenum">
+            <a:fld id="{E6C8E1C1-EF31-4BE9-BA92-9E9C0A9A76B3}" type="slidenum">
               <a:t>&lt;#&gt;</a:t>
             </a:fld>
           </a:p>
@@ -3628,7 +3630,7 @@
         <p:txBody>
           <a:bodyPr/>
           <a:p>
-            <a:fld id="{E8CBB8CC-5932-4C74-9548-AE3EA58B4DA7}" type="slidenum">
+            <a:fld id="{401712BE-806A-4C72-8452-4BB575AE0CF1}" type="slidenum">
               <a:t>&lt;#&gt;</a:t>
             </a:fld>
           </a:p>
@@ -3711,7 +3713,7 @@
         <p:txBody>
           <a:bodyPr/>
           <a:p>
-            <a:fld id="{4BB5E7D3-4DBA-401A-88E5-CD6DB6BC189D}" type="slidenum">
+            <a:fld id="{E91EEECE-1772-44E3-BBA1-C6D6D2955BED}" type="slidenum">
               <a:t>&lt;#&gt;</a:t>
             </a:fld>
           </a:p>
@@ -3874,7 +3876,7 @@
         <p:txBody>
           <a:bodyPr/>
           <a:p>
-            <a:fld id="{B129223D-3F8C-414B-8E94-40685B3A0E22}" type="slidenum">
+            <a:fld id="{B76FB7ED-53D1-4F3A-911E-753C9028B21C}" type="slidenum">
               <a:t>&lt;#&gt;</a:t>
             </a:fld>
           </a:p>
@@ -4040,7 +4042,7 @@
         <p:txBody>
           <a:bodyPr/>
           <a:p>
-            <a:fld id="{E619F921-E66A-4B8C-8CFC-83C2C90581BB}" type="slidenum">
+            <a:fld id="{9F74EF8E-9C9A-474B-A50A-59B16B15F921}" type="slidenum">
               <a:t>&lt;#&gt;</a:t>
             </a:fld>
           </a:p>
@@ -4249,7 +4251,7 @@
         <p:txBody>
           <a:bodyPr/>
           <a:p>
-            <a:fld id="{69390ADE-FBC3-412D-AD27-9CD85D4347E2}" type="slidenum">
+            <a:fld id="{37EC96B4-6847-4E92-8F87-0442BF036F76}" type="slidenum">
               <a:t>&lt;#&gt;</a:t>
             </a:fld>
           </a:p>
@@ -4372,7 +4374,7 @@
         <p:txBody>
           <a:bodyPr/>
           <a:p>
-            <a:fld id="{FE94566E-1693-4160-805D-D20120269A9F}" type="slidenum">
+            <a:fld id="{C1F419F2-0DD9-4345-B2C2-584A2B513795}" type="slidenum">
               <a:t>&lt;#&gt;</a:t>
             </a:fld>
           </a:p>
@@ -4538,7 +4540,7 @@
         <p:txBody>
           <a:bodyPr/>
           <a:p>
-            <a:fld id="{DA7B4C13-E72C-4D28-8D09-08F0652BE931}" type="slidenum">
+            <a:fld id="{1DD86629-7602-4F91-A371-74BCAA7AA98B}" type="slidenum">
               <a:t>&lt;#&gt;</a:t>
             </a:fld>
           </a:p>
@@ -4659,7 +4661,7 @@
         <p:txBody>
           <a:bodyPr/>
           <a:p>
-            <a:fld id="{490467A2-AEAA-46C9-A9B5-6B5DFE9655CE}" type="slidenum">
+            <a:fld id="{A8CE7976-C8F2-4BE3-B45C-85123A1FFA5E}" type="slidenum">
               <a:t>&lt;#&gt;</a:t>
             </a:fld>
           </a:p>
@@ -4911,7 +4913,7 @@
         <p:txBody>
           <a:bodyPr/>
           <a:p>
-            <a:fld id="{71B226BE-4516-4D64-8FA8-120985B8C5DD}" type="slidenum">
+            <a:fld id="{B04C7459-D417-4073-BAE6-51B2BDA48E02}" type="slidenum">
               <a:t>&lt;#&gt;</a:t>
             </a:fld>
           </a:p>
@@ -5163,7 +5165,7 @@
         <p:txBody>
           <a:bodyPr/>
           <a:p>
-            <a:fld id="{C191CBC0-FADA-44E9-B5C3-4C321A0B6718}" type="slidenum">
+            <a:fld id="{86694501-01C7-45EA-A6A6-174BCE13D359}" type="slidenum">
               <a:t>&lt;#&gt;</a:t>
             </a:fld>
           </a:p>
@@ -5415,7 +5417,7 @@
         <p:txBody>
           <a:bodyPr/>
           <a:p>
-            <a:fld id="{82950E65-4401-4F73-91C9-F2FC72F29A1E}" type="slidenum">
+            <a:fld id="{31BB64A8-6276-490E-9901-595E41D6B145}" type="slidenum">
               <a:t>&lt;#&gt;</a:t>
             </a:fld>
           </a:p>
@@ -5624,7 +5626,7 @@
         <p:txBody>
           <a:bodyPr/>
           <a:p>
-            <a:fld id="{FC0FFFC9-D5B5-4329-92E0-7467C49F7318}" type="slidenum">
+            <a:fld id="{5EFC1DD1-B49A-42BB-8637-23DEC9A3B2C7}" type="slidenum">
               <a:t>&lt;#&gt;</a:t>
             </a:fld>
           </a:p>
@@ -5919,7 +5921,7 @@
         <p:txBody>
           <a:bodyPr/>
           <a:p>
-            <a:fld id="{D005D6B4-22B7-46CE-8D80-02FE5655ADD1}" type="slidenum">
+            <a:fld id="{25A922C5-D232-4C04-BAD8-889C268E57D0}" type="slidenum">
               <a:t>&lt;#&gt;</a:t>
             </a:fld>
           </a:p>
@@ -6300,7 +6302,7 @@
         <p:txBody>
           <a:bodyPr/>
           <a:p>
-            <a:fld id="{9CAAAD76-CF68-4788-8CF1-C91F6C2DC0FB}" type="slidenum">
+            <a:fld id="{B8746466-93F2-4442-B4EF-5B1C823C91F7}" type="slidenum">
               <a:t>&lt;#&gt;</a:t>
             </a:fld>
           </a:p>
@@ -6383,7 +6385,7 @@
         <p:txBody>
           <a:bodyPr/>
           <a:p>
-            <a:fld id="{CA2240AB-84D7-4B32-806B-655BFE391E4F}" type="slidenum">
+            <a:fld id="{A53DDFF0-DCF9-4DD3-B7C8-F9D230A670E8}" type="slidenum">
               <a:t>&lt;#&gt;</a:t>
             </a:fld>
           </a:p>
@@ -6546,7 +6548,7 @@
         <p:txBody>
           <a:bodyPr/>
           <a:p>
-            <a:fld id="{97062EA2-E39E-4C19-BF76-A9F9C658B8E1}" type="slidenum">
+            <a:fld id="{2E2DF0BD-2BF1-484F-8203-C4CD946B9F31}" type="slidenum">
               <a:t>&lt;#&gt;</a:t>
             </a:fld>
           </a:p>
@@ -6712,7 +6714,7 @@
         <p:txBody>
           <a:bodyPr/>
           <a:p>
-            <a:fld id="{74D4C0D6-6B64-4136-8AFA-F10D68FE6AF2}" type="slidenum">
+            <a:fld id="{2CCF432F-9C38-41E6-B915-3CF46410A014}" type="slidenum">
               <a:t>&lt;#&gt;</a:t>
             </a:fld>
           </a:p>
@@ -6921,7 +6923,7 @@
         <p:txBody>
           <a:bodyPr/>
           <a:p>
-            <a:fld id="{78D3559B-04A4-47C9-BC64-04C812D1AC73}" type="slidenum">
+            <a:fld id="{922256D0-1084-4CA9-9EE4-98D204AC9DE5}" type="slidenum">
               <a:t>&lt;#&gt;</a:t>
             </a:fld>
           </a:p>
@@ -7130,7 +7132,7 @@
         <p:txBody>
           <a:bodyPr/>
           <a:p>
-            <a:fld id="{DDEB0088-2530-4D05-9567-1043C629EB99}" type="slidenum">
+            <a:fld id="{4A98F259-7C36-4FEC-8A6A-25533EC743B4}" type="slidenum">
               <a:t>&lt;#&gt;</a:t>
             </a:fld>
           </a:p>
@@ -7253,7 +7255,7 @@
         <p:txBody>
           <a:bodyPr/>
           <a:p>
-            <a:fld id="{82D13F61-D175-419A-9C00-ECEF850978A6}" type="slidenum">
+            <a:fld id="{F7992479-F6F8-4BEF-A5DB-0AD67266419F}" type="slidenum">
               <a:t>&lt;#&gt;</a:t>
             </a:fld>
           </a:p>
@@ -7374,7 +7376,7 @@
         <p:txBody>
           <a:bodyPr/>
           <a:p>
-            <a:fld id="{FE466E97-5C87-41E5-AC77-F7FF586961B3}" type="slidenum">
+            <a:fld id="{78589B24-0B6A-489F-8655-E66B2BB5FDA5}" type="slidenum">
               <a:t>&lt;#&gt;</a:t>
             </a:fld>
           </a:p>
@@ -7626,7 +7628,7 @@
         <p:txBody>
           <a:bodyPr/>
           <a:p>
-            <a:fld id="{A2B98709-F69C-4291-903B-4F6C79F94D36}" type="slidenum">
+            <a:fld id="{F9C0F255-896C-4F2A-9052-B00AC62DD86F}" type="slidenum">
               <a:t>&lt;#&gt;</a:t>
             </a:fld>
           </a:p>
@@ -7878,7 +7880,7 @@
         <p:txBody>
           <a:bodyPr/>
           <a:p>
-            <a:fld id="{7210D76C-14DC-4573-BA5A-3BED0DABC857}" type="slidenum">
+            <a:fld id="{20BA6CDA-07B5-4B5D-92B5-DFB8F3A84229}" type="slidenum">
               <a:t>&lt;#&gt;</a:t>
             </a:fld>
           </a:p>
@@ -8130,7 +8132,7 @@
         <p:txBody>
           <a:bodyPr/>
           <a:p>
-            <a:fld id="{A8566070-E9FA-480D-8B01-56CCCEFDB549}" type="slidenum">
+            <a:fld id="{3609B127-4C9E-4CCC-9BE4-038F73E0A5F4}" type="slidenum">
               <a:t>&lt;#&gt;</a:t>
             </a:fld>
           </a:p>
@@ -8339,7 +8341,7 @@
         <p:txBody>
           <a:bodyPr/>
           <a:p>
-            <a:fld id="{DAFC09C5-FC24-4063-AF13-E34C79145299}" type="slidenum">
+            <a:fld id="{6EE14ED2-4CA2-4D9B-804B-01596900B927}" type="slidenum">
               <a:t>&lt;#&gt;</a:t>
             </a:fld>
           </a:p>
@@ -8634,7 +8636,7 @@
         <p:txBody>
           <a:bodyPr/>
           <a:p>
-            <a:fld id="{F7A3303A-66E9-47BB-951C-93C84171366D}" type="slidenum">
+            <a:fld id="{DFFC5969-55E9-4415-B5B6-F87EAF85CAA2}" type="slidenum">
               <a:t>&lt;#&gt;</a:t>
             </a:fld>
           </a:p>
@@ -9015,7 +9017,7 @@
         <p:txBody>
           <a:bodyPr/>
           <a:p>
-            <a:fld id="{A19E36D9-8558-4A78-BD69-4F89F50F0F91}" type="slidenum">
+            <a:fld id="{B0747B98-71C8-4800-BCD5-34A1835BC72F}" type="slidenum">
               <a:t>&lt;#&gt;</a:t>
             </a:fld>
           </a:p>
@@ -9098,7 +9100,7 @@
         <p:txBody>
           <a:bodyPr/>
           <a:p>
-            <a:fld id="{3835813C-11A5-48ED-9260-D33E55545E03}" type="slidenum">
+            <a:fld id="{413A380C-ACFC-4E4B-BDCD-C442D33FAF2C}" type="slidenum">
               <a:t>&lt;#&gt;</a:t>
             </a:fld>
           </a:p>
@@ -9221,7 +9223,7 @@
         <p:txBody>
           <a:bodyPr/>
           <a:p>
-            <a:fld id="{F64B341F-8708-4495-8727-0469A20F9910}" type="slidenum">
+            <a:fld id="{B2898B42-A69D-4E6C-8A75-B7547B3C0B80}" type="slidenum">
               <a:t>&lt;#&gt;</a:t>
             </a:fld>
           </a:p>
@@ -9384,7 +9386,7 @@
         <p:txBody>
           <a:bodyPr/>
           <a:p>
-            <a:fld id="{0BC1A9C6-6361-4438-8B37-7AAA1A91BAD3}" type="slidenum">
+            <a:fld id="{74D0D2B4-0992-4777-8396-B5945298755F}" type="slidenum">
               <a:t>&lt;#&gt;</a:t>
             </a:fld>
           </a:p>
@@ -9550,7 +9552,7 @@
         <p:txBody>
           <a:bodyPr/>
           <a:p>
-            <a:fld id="{86F40F17-F587-4FE3-856F-B0E536377E09}" type="slidenum">
+            <a:fld id="{32F26393-D6E4-4E68-8289-B432503B248D}" type="slidenum">
               <a:t>&lt;#&gt;</a:t>
             </a:fld>
           </a:p>
@@ -9759,7 +9761,7 @@
         <p:txBody>
           <a:bodyPr/>
           <a:p>
-            <a:fld id="{CDE8E496-1D7C-4C65-999B-2E3036BD70EB}" type="slidenum">
+            <a:fld id="{26E48C28-0AA3-45ED-8507-662C161F925F}" type="slidenum">
               <a:t>&lt;#&gt;</a:t>
             </a:fld>
           </a:p>
@@ -9882,7 +9884,7 @@
         <p:txBody>
           <a:bodyPr/>
           <a:p>
-            <a:fld id="{AEBBC1CE-58C7-430F-96D9-8ACF3FD84410}" type="slidenum">
+            <a:fld id="{52F4F11E-EC6F-49A0-A6E6-F3CA71EF63AA}" type="slidenum">
               <a:t>&lt;#&gt;</a:t>
             </a:fld>
           </a:p>
@@ -10003,7 +10005,7 @@
         <p:txBody>
           <a:bodyPr/>
           <a:p>
-            <a:fld id="{8C1E6428-70B7-4C38-8F7E-42F7BE01C622}" type="slidenum">
+            <a:fld id="{8D78C12B-E686-4C0C-9A3B-AFE2C4414EC3}" type="slidenum">
               <a:t>&lt;#&gt;</a:t>
             </a:fld>
           </a:p>
@@ -10255,7 +10257,7 @@
         <p:txBody>
           <a:bodyPr/>
           <a:p>
-            <a:fld id="{907A7DC8-EF9E-48EA-9E1F-0351FE7F18AB}" type="slidenum">
+            <a:fld id="{27FE811A-7BFD-4B09-8643-7A53171AD06C}" type="slidenum">
               <a:t>&lt;#&gt;</a:t>
             </a:fld>
           </a:p>
@@ -10507,7 +10509,7 @@
         <p:txBody>
           <a:bodyPr/>
           <a:p>
-            <a:fld id="{195CB587-5534-4223-B18F-B744AA21CF05}" type="slidenum">
+            <a:fld id="{169ED798-D387-423E-9892-926BF5D6BF67}" type="slidenum">
               <a:t>&lt;#&gt;</a:t>
             </a:fld>
           </a:p>
@@ -10759,7 +10761,7 @@
         <p:txBody>
           <a:bodyPr/>
           <a:p>
-            <a:fld id="{056A288B-2231-48CF-83AE-D2849D26487E}" type="slidenum">
+            <a:fld id="{4BD4B3D1-F339-4E5E-84E7-5B9E00FACFFF}" type="slidenum">
               <a:t>&lt;#&gt;</a:t>
             </a:fld>
           </a:p>
@@ -10968,7 +10970,7 @@
         <p:txBody>
           <a:bodyPr/>
           <a:p>
-            <a:fld id="{36D9A44C-2FE3-4514-A2C3-4188237502C3}" type="slidenum">
+            <a:fld id="{9812346B-7FD3-45F9-8334-7312B800F679}" type="slidenum">
               <a:t>&lt;#&gt;</a:t>
             </a:fld>
           </a:p>
@@ -11263,7 +11265,7 @@
         <p:txBody>
           <a:bodyPr/>
           <a:p>
-            <a:fld id="{4C860EC8-1A94-4E29-BBA7-25CA10E9D0F1}" type="slidenum">
+            <a:fld id="{E98CFC72-C49B-4EF9-908C-3C687A4FA9A8}" type="slidenum">
               <a:t>&lt;#&gt;</a:t>
             </a:fld>
           </a:p>
@@ -11384,7 +11386,7 @@
         <p:txBody>
           <a:bodyPr/>
           <a:p>
-            <a:fld id="{BF01F085-9A39-47F8-A659-DEE28B528983}" type="slidenum">
+            <a:fld id="{E86B2970-AF3F-4EBF-895A-00688789E0EC}" type="slidenum">
               <a:t>&lt;#&gt;</a:t>
             </a:fld>
           </a:p>
@@ -11765,7 +11767,7 @@
         <p:txBody>
           <a:bodyPr/>
           <a:p>
-            <a:fld id="{0463B86E-1CD3-48BF-A0EB-E62E8EA23CEB}" type="slidenum">
+            <a:fld id="{5B354C33-4238-4E41-AF00-7ED0B1B5BEAF}" type="slidenum">
               <a:t>&lt;#&gt;</a:t>
             </a:fld>
           </a:p>
@@ -12017,7 +12019,7 @@
         <p:txBody>
           <a:bodyPr/>
           <a:p>
-            <a:fld id="{ECCF49A4-E222-479F-A034-9FF252A6861E}" type="slidenum">
+            <a:fld id="{DE9E5C81-662F-4A6C-A467-ADB8C63F3ADE}" type="slidenum">
               <a:t>&lt;#&gt;</a:t>
             </a:fld>
           </a:p>
@@ -12269,7 +12271,7 @@
         <p:txBody>
           <a:bodyPr/>
           <a:p>
-            <a:fld id="{CAE0358C-1C23-4E24-803F-CF5370CAF163}" type="slidenum">
+            <a:fld id="{918CBD89-3C97-43F8-B939-0479A88CC9C2}" type="slidenum">
               <a:t>&lt;#&gt;</a:t>
             </a:fld>
           </a:p>
@@ -12521,7 +12523,7 @@
         <p:txBody>
           <a:bodyPr/>
           <a:p>
-            <a:fld id="{2FD82FB8-48C0-43F0-89D6-0B22994A0258}" type="slidenum">
+            <a:fld id="{3F18047B-91AC-4C92-B204-1E71CAF2CE41}" type="slidenum">
               <a:t>&lt;#&gt;</a:t>
             </a:fld>
           </a:p>
@@ -12590,7 +12592,7 @@
         <p:spPr>
           <a:xfrm>
             <a:off x="3124080" y="6356520"/>
-            <a:ext cx="2892600" cy="362160"/>
+            <a:ext cx="2892240" cy="361800"/>
           </a:xfrm>
           <a:prstGeom prst="rect">
             <a:avLst/>
@@ -12662,7 +12664,7 @@
         <p:spPr>
           <a:xfrm>
             <a:off x="6553080" y="6356520"/>
-            <a:ext cx="2130840" cy="362160"/>
+            <a:ext cx="2130480" cy="361800"/>
           </a:xfrm>
           <a:prstGeom prst="rect">
             <a:avLst/>
@@ -12703,7 +12705,7 @@
                 <a:tab algn="l" pos="0"/>
               </a:tabLst>
             </a:pPr>
-            <a:fld id="{FFC54657-6F82-4D5A-AD48-DDAB4F0FA90B}" type="slidenum">
+            <a:fld id="{70F6D48C-E27F-4DF4-A4F6-1D5373D0E48B}" type="slidenum">
               <a:rPr b="0" lang="en-US" sz="1200" spc="-1" strike="noStrike">
                 <a:solidFill>
                   <a:srgbClr val="8b8b8b"/>
@@ -12734,7 +12736,7 @@
         <p:spPr>
           <a:xfrm>
             <a:off x="457200" y="6356520"/>
-            <a:ext cx="2130840" cy="362160"/>
+            <a:ext cx="2130480" cy="361800"/>
           </a:xfrm>
           <a:prstGeom prst="rect">
             <a:avLst/>
@@ -13112,7 +13114,7 @@
         <p:spPr>
           <a:xfrm>
             <a:off x="3124080" y="6356520"/>
-            <a:ext cx="2892600" cy="362160"/>
+            <a:ext cx="2892240" cy="361800"/>
           </a:xfrm>
           <a:prstGeom prst="rect">
             <a:avLst/>
@@ -13184,7 +13186,7 @@
         <p:spPr>
           <a:xfrm>
             <a:off x="6553080" y="6356520"/>
-            <a:ext cx="2130840" cy="362160"/>
+            <a:ext cx="2130480" cy="361800"/>
           </a:xfrm>
           <a:prstGeom prst="rect">
             <a:avLst/>
@@ -13225,7 +13227,7 @@
                 <a:tab algn="l" pos="0"/>
               </a:tabLst>
             </a:pPr>
-            <a:fld id="{9DF03982-BDD9-4756-B6F3-8E446478C21D}" type="slidenum">
+            <a:fld id="{32F8DA3A-F3AF-4DF4-BA71-00B5DBA01748}" type="slidenum">
               <a:rPr b="0" lang="en-US" sz="1200" spc="-1" strike="noStrike">
                 <a:solidFill>
                   <a:srgbClr val="8b8b8b"/>
@@ -13256,7 +13258,7 @@
         <p:spPr>
           <a:xfrm>
             <a:off x="457200" y="6356520"/>
-            <a:ext cx="2130840" cy="362160"/>
+            <a:ext cx="2130480" cy="361800"/>
           </a:xfrm>
           <a:prstGeom prst="rect">
             <a:avLst/>
@@ -13634,7 +13636,7 @@
         <p:spPr>
           <a:xfrm>
             <a:off x="3124080" y="6356520"/>
-            <a:ext cx="2892960" cy="362520"/>
+            <a:ext cx="2892600" cy="362160"/>
           </a:xfrm>
           <a:prstGeom prst="rect">
             <a:avLst/>
@@ -13706,7 +13708,7 @@
         <p:spPr>
           <a:xfrm>
             <a:off x="6553080" y="6356520"/>
-            <a:ext cx="2131200" cy="362520"/>
+            <a:ext cx="2130840" cy="362160"/>
           </a:xfrm>
           <a:prstGeom prst="rect">
             <a:avLst/>
@@ -13747,7 +13749,7 @@
                 <a:tab algn="l" pos="0"/>
               </a:tabLst>
             </a:pPr>
-            <a:fld id="{0B310FAA-9AF4-4EC6-BA36-E5665A3FDD79}" type="slidenum">
+            <a:fld id="{DEF64597-B784-4796-A758-417C18E382BC}" type="slidenum">
               <a:rPr b="0" lang="en-US" sz="1200" spc="-1" strike="noStrike">
                 <a:solidFill>
                   <a:srgbClr val="8b8b8b"/>
@@ -13778,7 +13780,7 @@
         <p:spPr>
           <a:xfrm>
             <a:off x="457200" y="6356520"/>
-            <a:ext cx="2131200" cy="362520"/>
+            <a:ext cx="2130840" cy="362160"/>
           </a:xfrm>
           <a:prstGeom prst="rect">
             <a:avLst/>
@@ -14156,7 +14158,7 @@
         <p:spPr>
           <a:xfrm>
             <a:off x="3124080" y="6356520"/>
-            <a:ext cx="2893320" cy="362880"/>
+            <a:ext cx="2892960" cy="362520"/>
           </a:xfrm>
           <a:prstGeom prst="rect">
             <a:avLst/>
@@ -14228,7 +14230,7 @@
         <p:spPr>
           <a:xfrm>
             <a:off x="6553080" y="6356520"/>
-            <a:ext cx="2131560" cy="362880"/>
+            <a:ext cx="2131200" cy="362520"/>
           </a:xfrm>
           <a:prstGeom prst="rect">
             <a:avLst/>
@@ -14269,7 +14271,7 @@
                 <a:tab algn="l" pos="0"/>
               </a:tabLst>
             </a:pPr>
-            <a:fld id="{07E132E3-9F89-4AE9-9188-9374E5EA0279}" type="slidenum">
+            <a:fld id="{E1959D9C-3C40-44A6-AD09-B9F38FAEC99C}" type="slidenum">
               <a:rPr b="0" lang="en-US" sz="1200" spc="-1" strike="noStrike">
                 <a:solidFill>
                   <a:srgbClr val="8b8b8b"/>
@@ -14300,7 +14302,7 @@
         <p:spPr>
           <a:xfrm>
             <a:off x="457200" y="6356520"/>
-            <a:ext cx="2131560" cy="362880"/>
+            <a:ext cx="2131200" cy="362520"/>
           </a:xfrm>
           <a:prstGeom prst="rect">
             <a:avLst/>
@@ -14678,7 +14680,7 @@
         <p:spPr>
           <a:xfrm>
             <a:off x="3124080" y="6356520"/>
-            <a:ext cx="2894040" cy="363600"/>
+            <a:ext cx="2893680" cy="363240"/>
           </a:xfrm>
           <a:prstGeom prst="rect">
             <a:avLst/>
@@ -14750,7 +14752,7 @@
         <p:spPr>
           <a:xfrm>
             <a:off x="6553080" y="6356520"/>
-            <a:ext cx="2132280" cy="363600"/>
+            <a:ext cx="2131920" cy="363240"/>
           </a:xfrm>
           <a:prstGeom prst="rect">
             <a:avLst/>
@@ -14791,7 +14793,7 @@
                 <a:tab algn="l" pos="0"/>
               </a:tabLst>
             </a:pPr>
-            <a:fld id="{30488AEB-C481-408E-AA62-B7BA0424A29F}" type="slidenum">
+            <a:fld id="{936793E5-E29E-4C8E-947F-2991E07CB85C}" type="slidenum">
               <a:rPr b="0" lang="en-US" sz="1200" spc="-1" strike="noStrike">
                 <a:solidFill>
                   <a:srgbClr val="8b8b8b"/>
@@ -14822,7 +14824,7 @@
         <p:spPr>
           <a:xfrm>
             <a:off x="457200" y="6356520"/>
-            <a:ext cx="2132280" cy="363600"/>
+            <a:ext cx="2131920" cy="363240"/>
           </a:xfrm>
           <a:prstGeom prst="rect">
             <a:avLst/>
@@ -15189,7 +15191,7 @@
         <p:spPr>
           <a:xfrm>
             <a:off x="0" y="0"/>
-            <a:ext cx="12186000" cy="6855120"/>
+            <a:ext cx="12185640" cy="6854760"/>
           </a:xfrm>
           <a:prstGeom prst="rect">
             <a:avLst/>
@@ -15249,7 +15251,7 @@
         <p:spPr>
           <a:xfrm>
             <a:off x="0" y="0"/>
-            <a:ext cx="15480" cy="6855120"/>
+            <a:ext cx="15120" cy="6854760"/>
           </a:xfrm>
           <a:prstGeom prst="rect">
             <a:avLst/>
@@ -15309,7 +15311,7 @@
         <p:spPr>
           <a:xfrm>
             <a:off x="914400" y="0"/>
-            <a:ext cx="15480" cy="6855120"/>
+            <a:ext cx="15120" cy="6854760"/>
           </a:xfrm>
           <a:prstGeom prst="rect">
             <a:avLst/>
@@ -15369,7 +15371,7 @@
         <p:spPr>
           <a:xfrm>
             <a:off x="1828800" y="0"/>
-            <a:ext cx="15480" cy="6855120"/>
+            <a:ext cx="15120" cy="6854760"/>
           </a:xfrm>
           <a:prstGeom prst="rect">
             <a:avLst/>
@@ -15429,7 +15431,7 @@
         <p:spPr>
           <a:xfrm>
             <a:off x="2743200" y="0"/>
-            <a:ext cx="15480" cy="6855120"/>
+            <a:ext cx="15120" cy="6854760"/>
           </a:xfrm>
           <a:prstGeom prst="rect">
             <a:avLst/>
@@ -15489,7 +15491,7 @@
         <p:spPr>
           <a:xfrm>
             <a:off x="3657600" y="0"/>
-            <a:ext cx="15480" cy="6855120"/>
+            <a:ext cx="15120" cy="6854760"/>
           </a:xfrm>
           <a:prstGeom prst="rect">
             <a:avLst/>
@@ -15549,7 +15551,7 @@
         <p:spPr>
           <a:xfrm>
             <a:off x="4572000" y="0"/>
-            <a:ext cx="15480" cy="6855120"/>
+            <a:ext cx="15120" cy="6854760"/>
           </a:xfrm>
           <a:prstGeom prst="rect">
             <a:avLst/>
@@ -15609,7 +15611,7 @@
         <p:spPr>
           <a:xfrm>
             <a:off x="5486400" y="0"/>
-            <a:ext cx="15480" cy="6855120"/>
+            <a:ext cx="15120" cy="6854760"/>
           </a:xfrm>
           <a:prstGeom prst="rect">
             <a:avLst/>
@@ -15669,7 +15671,7 @@
         <p:spPr>
           <a:xfrm>
             <a:off x="6400800" y="0"/>
-            <a:ext cx="15480" cy="6855120"/>
+            <a:ext cx="15120" cy="6854760"/>
           </a:xfrm>
           <a:prstGeom prst="rect">
             <a:avLst/>
@@ -15729,7 +15731,7 @@
         <p:spPr>
           <a:xfrm>
             <a:off x="7315200" y="0"/>
-            <a:ext cx="15480" cy="6855120"/>
+            <a:ext cx="15120" cy="6854760"/>
           </a:xfrm>
           <a:prstGeom prst="rect">
             <a:avLst/>
@@ -15789,7 +15791,7 @@
         <p:spPr>
           <a:xfrm>
             <a:off x="8229600" y="0"/>
-            <a:ext cx="15480" cy="6855120"/>
+            <a:ext cx="15120" cy="6854760"/>
           </a:xfrm>
           <a:prstGeom prst="rect">
             <a:avLst/>
@@ -15849,7 +15851,7 @@
         <p:spPr>
           <a:xfrm>
             <a:off x="9144000" y="0"/>
-            <a:ext cx="15480" cy="6855120"/>
+            <a:ext cx="15120" cy="6854760"/>
           </a:xfrm>
           <a:prstGeom prst="rect">
             <a:avLst/>
@@ -15909,7 +15911,7 @@
         <p:spPr>
           <a:xfrm>
             <a:off x="10058400" y="0"/>
-            <a:ext cx="15480" cy="6855120"/>
+            <a:ext cx="15120" cy="6854760"/>
           </a:xfrm>
           <a:prstGeom prst="rect">
             <a:avLst/>
@@ -15969,7 +15971,7 @@
         <p:spPr>
           <a:xfrm>
             <a:off x="10972800" y="0"/>
-            <a:ext cx="15480" cy="6855120"/>
+            <a:ext cx="15120" cy="6854760"/>
           </a:xfrm>
           <a:prstGeom prst="rect">
             <a:avLst/>
@@ -16029,7 +16031,7 @@
         <p:spPr>
           <a:xfrm>
             <a:off x="11887200" y="0"/>
-            <a:ext cx="15480" cy="6855120"/>
+            <a:ext cx="15120" cy="6854760"/>
           </a:xfrm>
           <a:prstGeom prst="rect">
             <a:avLst/>
@@ -16089,7 +16091,7 @@
         <p:spPr>
           <a:xfrm>
             <a:off x="0" y="0"/>
-            <a:ext cx="317160" cy="6855120"/>
+            <a:ext cx="316800" cy="6854760"/>
           </a:xfrm>
           <a:prstGeom prst="rect">
             <a:avLst/>
@@ -16149,7 +16151,7 @@
         <p:spPr>
           <a:xfrm>
             <a:off x="9875520" y="365760"/>
-            <a:ext cx="2008800" cy="500040"/>
+            <a:ext cx="2008440" cy="499680"/>
           </a:xfrm>
           <a:prstGeom prst="roundRect">
             <a:avLst>
@@ -16331,7 +16333,7 @@
         <p:spPr>
           <a:xfrm>
             <a:off x="987480" y="3182040"/>
-            <a:ext cx="3288960" cy="2740320"/>
+            <a:ext cx="3288600" cy="2739960"/>
           </a:xfrm>
           <a:prstGeom prst="roundRect">
             <a:avLst>
@@ -16393,7 +16395,7 @@
         <p:spPr>
           <a:xfrm>
             <a:off x="685800" y="2521440"/>
-            <a:ext cx="3427200" cy="3327840"/>
+            <a:ext cx="3426840" cy="3327480"/>
           </a:xfrm>
           <a:prstGeom prst="roundRect">
             <a:avLst>
@@ -16806,7 +16808,7 @@
         <p:spPr>
           <a:xfrm>
             <a:off x="4507920" y="3182040"/>
-            <a:ext cx="3288960" cy="2740320"/>
+            <a:ext cx="3288600" cy="2739960"/>
           </a:xfrm>
           <a:prstGeom prst="roundRect">
             <a:avLst>
@@ -16868,7 +16870,7 @@
         <p:spPr>
           <a:xfrm>
             <a:off x="4434840" y="3108960"/>
-            <a:ext cx="3288960" cy="2740320"/>
+            <a:ext cx="3288600" cy="2739960"/>
           </a:xfrm>
           <a:prstGeom prst="roundRect">
             <a:avLst>
@@ -17179,7 +17181,7 @@
         <p:spPr>
           <a:xfrm>
             <a:off x="8028360" y="3182040"/>
-            <a:ext cx="3288960" cy="2740320"/>
+            <a:ext cx="3288600" cy="2739960"/>
           </a:xfrm>
           <a:prstGeom prst="roundRect">
             <a:avLst>
@@ -17241,7 +17243,7 @@
         <p:spPr>
           <a:xfrm>
             <a:off x="7955280" y="3108960"/>
-            <a:ext cx="3288960" cy="2740320"/>
+            <a:ext cx="3288600" cy="2739960"/>
           </a:xfrm>
           <a:prstGeom prst="roundRect">
             <a:avLst>
@@ -17431,6 +17433,2224 @@
       <p:sp>
         <p:nvSpPr>
           <p:cNvPr id="230" name="TextBox 26"/>
+          <p:cNvSpPr/>
+          <p:nvPr/>
+        </p:nvSpPr>
+        <p:spPr>
+          <a:xfrm>
+            <a:off x="4600080" y="6446520"/>
+            <a:ext cx="3051000" cy="363960"/>
+          </a:xfrm>
+          <a:prstGeom prst="rect">
+            <a:avLst/>
+          </a:prstGeom>
+          <a:noFill/>
+          <a:ln w="0">
+            <a:noFill/>
+          </a:ln>
+        </p:spPr>
+        <p:style>
+          <a:lnRef idx="0"/>
+          <a:fillRef idx="0"/>
+          <a:effectRef idx="0"/>
+          <a:fontRef idx="minor"/>
+        </p:style>
+        <p:txBody>
+          <a:bodyPr wrap="none" lIns="90000" rIns="90000" tIns="45000" bIns="45000" anchor="t">
+            <a:spAutoFit/>
+          </a:bodyPr>
+          <a:p>
+            <a:pPr>
+              <a:lnSpc>
+                <a:spcPct val="100000"/>
+              </a:lnSpc>
+            </a:pPr>
+            <a:r>
+              <a:rPr b="0" lang="en-US" sz="1800" spc="-1" strike="noStrike">
+                <a:solidFill>
+                  <a:srgbClr val="000000"/>
+                </a:solidFill>
+                <a:latin typeface="Calibri"/>
+                <a:ea typeface="DejaVu Sans"/>
+              </a:rPr>
+              <a:t>Java • Ultra Premium Template</a:t>
+            </a:r>
+            <a:endParaRPr b="0" lang="en-US" sz="1800" spc="-1" strike="noStrike">
+              <a:solidFill>
+                <a:srgbClr val="000000"/>
+              </a:solidFill>
+              <a:latin typeface="Arial"/>
+            </a:endParaRPr>
+          </a:p>
+        </p:txBody>
+      </p:sp>
+    </p:spTree>
+  </p:cSld>
+  <mc:AlternateContent>
+    <mc:Choice Requires="p14">
+      <p:transition spd="slow" p14:dur="2000"/>
+    </mc:Choice>
+    <mc:Fallback>
+      <p:transition spd="slow"/>
+    </mc:Fallback>
+  </mc:AlternateContent>
+</p:sld>
+</file>
+
+<file path=ppt/slides/slide10.xml><?xml version="1.0" encoding="utf-8"?>
+<p:sld xmlns:a="http://schemas.openxmlformats.org/drawingml/2006/main" xmlns:p="http://schemas.openxmlformats.org/presentationml/2006/main" xmlns:r="http://schemas.openxmlformats.org/officeDocument/2006/relationships" xmlns:p14="http://schemas.microsoft.com/office/powerpoint/2010/main" xmlns:p15="http://schemas.microsoft.com/office/powerpoint/2012/main" xmlns:mc="http://schemas.openxmlformats.org/markup-compatibility/2006">
+  <p:cSld>
+    <p:spTree>
+      <p:nvGrpSpPr>
+        <p:cNvPr id="1" name=""/>
+        <p:cNvGrpSpPr/>
+        <p:nvPr/>
+      </p:nvGrpSpPr>
+      <p:grpSpPr>
+        <a:xfrm>
+          <a:off x="0" y="0"/>
+          <a:ext cx="0" cy="0"/>
+          <a:chOff x="0" y="0"/>
+          <a:chExt cx="0" cy="0"/>
+        </a:xfrm>
+      </p:grpSpPr>
+      <p:sp>
+        <p:nvSpPr>
+          <p:cNvPr id="439" name="Rectangle 145"/>
+          <p:cNvSpPr/>
+          <p:nvPr/>
+        </p:nvSpPr>
+        <p:spPr>
+          <a:xfrm>
+            <a:off x="0" y="0"/>
+            <a:ext cx="12187080" cy="6856200"/>
+          </a:xfrm>
+          <a:prstGeom prst="rect">
+            <a:avLst/>
+          </a:prstGeom>
+          <a:solidFill>
+            <a:srgbClr val="0b0b0d"/>
+          </a:solidFill>
+          <a:ln>
+            <a:noFill/>
+          </a:ln>
+          <a:effectLst>
+            <a:outerShdw blurRad="39960" dir="5400000" dist="23040" rotWithShape="0">
+              <a:srgbClr val="000000">
+                <a:alpha val="35000"/>
+              </a:srgbClr>
+            </a:outerShdw>
+          </a:effectLst>
+        </p:spPr>
+        <p:style>
+          <a:lnRef idx="1">
+            <a:schemeClr val="accent1"/>
+          </a:lnRef>
+          <a:fillRef idx="3">
+            <a:schemeClr val="accent1"/>
+          </a:fillRef>
+          <a:effectRef idx="2">
+            <a:schemeClr val="accent1"/>
+          </a:effectRef>
+          <a:fontRef idx="minor"/>
+        </p:style>
+        <p:txBody>
+          <a:bodyPr lIns="90000" rIns="90000" tIns="45000" bIns="45000" anchor="ctr">
+            <a:noAutofit/>
+          </a:bodyPr>
+          <a:p>
+            <a:endParaRPr b="0" lang="en-US" sz="1800" spc="-1" strike="noStrike">
+              <a:solidFill>
+                <a:schemeClr val="lt1"/>
+              </a:solidFill>
+              <a:latin typeface="Calibri"/>
+              <a:ea typeface="DejaVu Sans"/>
+            </a:endParaRPr>
+          </a:p>
+        </p:txBody>
+      </p:sp>
+      <p:sp>
+        <p:nvSpPr>
+          <p:cNvPr id="440" name="Rectangle 146"/>
+          <p:cNvSpPr/>
+          <p:nvPr/>
+        </p:nvSpPr>
+        <p:spPr>
+          <a:xfrm>
+            <a:off x="0" y="0"/>
+            <a:ext cx="16560" cy="6856200"/>
+          </a:xfrm>
+          <a:prstGeom prst="rect">
+            <a:avLst/>
+          </a:prstGeom>
+          <a:solidFill>
+            <a:srgbClr val="121216"/>
+          </a:solidFill>
+          <a:ln>
+            <a:noFill/>
+          </a:ln>
+          <a:effectLst>
+            <a:outerShdw blurRad="39960" dir="5400000" dist="23040" rotWithShape="0">
+              <a:srgbClr val="000000">
+                <a:alpha val="35000"/>
+              </a:srgbClr>
+            </a:outerShdw>
+          </a:effectLst>
+        </p:spPr>
+        <p:style>
+          <a:lnRef idx="1">
+            <a:schemeClr val="accent1"/>
+          </a:lnRef>
+          <a:fillRef idx="3">
+            <a:schemeClr val="accent1"/>
+          </a:fillRef>
+          <a:effectRef idx="2">
+            <a:schemeClr val="accent1"/>
+          </a:effectRef>
+          <a:fontRef idx="minor"/>
+        </p:style>
+        <p:txBody>
+          <a:bodyPr lIns="90000" rIns="90000" tIns="45000" bIns="45000" anchor="ctr">
+            <a:noAutofit/>
+          </a:bodyPr>
+          <a:p>
+            <a:endParaRPr b="0" lang="en-US" sz="1800" spc="-1" strike="noStrike">
+              <a:solidFill>
+                <a:schemeClr val="lt1"/>
+              </a:solidFill>
+              <a:latin typeface="Calibri"/>
+              <a:ea typeface="DejaVu Sans"/>
+            </a:endParaRPr>
+          </a:p>
+        </p:txBody>
+      </p:sp>
+      <p:sp>
+        <p:nvSpPr>
+          <p:cNvPr id="441" name="Rectangle 147"/>
+          <p:cNvSpPr/>
+          <p:nvPr/>
+        </p:nvSpPr>
+        <p:spPr>
+          <a:xfrm>
+            <a:off x="914400" y="0"/>
+            <a:ext cx="16560" cy="6856200"/>
+          </a:xfrm>
+          <a:prstGeom prst="rect">
+            <a:avLst/>
+          </a:prstGeom>
+          <a:solidFill>
+            <a:srgbClr val="121216"/>
+          </a:solidFill>
+          <a:ln>
+            <a:noFill/>
+          </a:ln>
+          <a:effectLst>
+            <a:outerShdw blurRad="39960" dir="5400000" dist="23040" rotWithShape="0">
+              <a:srgbClr val="000000">
+                <a:alpha val="35000"/>
+              </a:srgbClr>
+            </a:outerShdw>
+          </a:effectLst>
+        </p:spPr>
+        <p:style>
+          <a:lnRef idx="1">
+            <a:schemeClr val="accent1"/>
+          </a:lnRef>
+          <a:fillRef idx="3">
+            <a:schemeClr val="accent1"/>
+          </a:fillRef>
+          <a:effectRef idx="2">
+            <a:schemeClr val="accent1"/>
+          </a:effectRef>
+          <a:fontRef idx="minor"/>
+        </p:style>
+        <p:txBody>
+          <a:bodyPr lIns="90000" rIns="90000" tIns="45000" bIns="45000" anchor="ctr">
+            <a:noAutofit/>
+          </a:bodyPr>
+          <a:p>
+            <a:endParaRPr b="0" lang="en-US" sz="1800" spc="-1" strike="noStrike">
+              <a:solidFill>
+                <a:schemeClr val="lt1"/>
+              </a:solidFill>
+              <a:latin typeface="Calibri"/>
+              <a:ea typeface="DejaVu Sans"/>
+            </a:endParaRPr>
+          </a:p>
+        </p:txBody>
+      </p:sp>
+      <p:sp>
+        <p:nvSpPr>
+          <p:cNvPr id="442" name="Rectangle 148"/>
+          <p:cNvSpPr/>
+          <p:nvPr/>
+        </p:nvSpPr>
+        <p:spPr>
+          <a:xfrm>
+            <a:off x="1828800" y="0"/>
+            <a:ext cx="16560" cy="6856200"/>
+          </a:xfrm>
+          <a:prstGeom prst="rect">
+            <a:avLst/>
+          </a:prstGeom>
+          <a:solidFill>
+            <a:srgbClr val="121216"/>
+          </a:solidFill>
+          <a:ln>
+            <a:noFill/>
+          </a:ln>
+          <a:effectLst>
+            <a:outerShdw blurRad="39960" dir="5400000" dist="23040" rotWithShape="0">
+              <a:srgbClr val="000000">
+                <a:alpha val="35000"/>
+              </a:srgbClr>
+            </a:outerShdw>
+          </a:effectLst>
+        </p:spPr>
+        <p:style>
+          <a:lnRef idx="1">
+            <a:schemeClr val="accent1"/>
+          </a:lnRef>
+          <a:fillRef idx="3">
+            <a:schemeClr val="accent1"/>
+          </a:fillRef>
+          <a:effectRef idx="2">
+            <a:schemeClr val="accent1"/>
+          </a:effectRef>
+          <a:fontRef idx="minor"/>
+        </p:style>
+        <p:txBody>
+          <a:bodyPr lIns="90000" rIns="90000" tIns="45000" bIns="45000" anchor="ctr">
+            <a:noAutofit/>
+          </a:bodyPr>
+          <a:p>
+            <a:endParaRPr b="0" lang="en-US" sz="1800" spc="-1" strike="noStrike">
+              <a:solidFill>
+                <a:schemeClr val="lt1"/>
+              </a:solidFill>
+              <a:latin typeface="Calibri"/>
+              <a:ea typeface="DejaVu Sans"/>
+            </a:endParaRPr>
+          </a:p>
+        </p:txBody>
+      </p:sp>
+      <p:sp>
+        <p:nvSpPr>
+          <p:cNvPr id="443" name="Rectangle 149"/>
+          <p:cNvSpPr/>
+          <p:nvPr/>
+        </p:nvSpPr>
+        <p:spPr>
+          <a:xfrm>
+            <a:off x="2743200" y="0"/>
+            <a:ext cx="16560" cy="6856200"/>
+          </a:xfrm>
+          <a:prstGeom prst="rect">
+            <a:avLst/>
+          </a:prstGeom>
+          <a:solidFill>
+            <a:srgbClr val="121216"/>
+          </a:solidFill>
+          <a:ln>
+            <a:noFill/>
+          </a:ln>
+          <a:effectLst>
+            <a:outerShdw blurRad="39960" dir="5400000" dist="23040" rotWithShape="0">
+              <a:srgbClr val="000000">
+                <a:alpha val="35000"/>
+              </a:srgbClr>
+            </a:outerShdw>
+          </a:effectLst>
+        </p:spPr>
+        <p:style>
+          <a:lnRef idx="1">
+            <a:schemeClr val="accent1"/>
+          </a:lnRef>
+          <a:fillRef idx="3">
+            <a:schemeClr val="accent1"/>
+          </a:fillRef>
+          <a:effectRef idx="2">
+            <a:schemeClr val="accent1"/>
+          </a:effectRef>
+          <a:fontRef idx="minor"/>
+        </p:style>
+        <p:txBody>
+          <a:bodyPr lIns="90000" rIns="90000" tIns="45000" bIns="45000" anchor="ctr">
+            <a:noAutofit/>
+          </a:bodyPr>
+          <a:p>
+            <a:endParaRPr b="0" lang="en-US" sz="1800" spc="-1" strike="noStrike">
+              <a:solidFill>
+                <a:schemeClr val="lt1"/>
+              </a:solidFill>
+              <a:latin typeface="Calibri"/>
+              <a:ea typeface="DejaVu Sans"/>
+            </a:endParaRPr>
+          </a:p>
+        </p:txBody>
+      </p:sp>
+      <p:sp>
+        <p:nvSpPr>
+          <p:cNvPr id="444" name="Rectangle 150"/>
+          <p:cNvSpPr/>
+          <p:nvPr/>
+        </p:nvSpPr>
+        <p:spPr>
+          <a:xfrm>
+            <a:off x="3657600" y="0"/>
+            <a:ext cx="16560" cy="6856200"/>
+          </a:xfrm>
+          <a:prstGeom prst="rect">
+            <a:avLst/>
+          </a:prstGeom>
+          <a:solidFill>
+            <a:srgbClr val="121216"/>
+          </a:solidFill>
+          <a:ln>
+            <a:noFill/>
+          </a:ln>
+          <a:effectLst>
+            <a:outerShdw blurRad="39960" dir="5400000" dist="23040" rotWithShape="0">
+              <a:srgbClr val="000000">
+                <a:alpha val="35000"/>
+              </a:srgbClr>
+            </a:outerShdw>
+          </a:effectLst>
+        </p:spPr>
+        <p:style>
+          <a:lnRef idx="1">
+            <a:schemeClr val="accent1"/>
+          </a:lnRef>
+          <a:fillRef idx="3">
+            <a:schemeClr val="accent1"/>
+          </a:fillRef>
+          <a:effectRef idx="2">
+            <a:schemeClr val="accent1"/>
+          </a:effectRef>
+          <a:fontRef idx="minor"/>
+        </p:style>
+        <p:txBody>
+          <a:bodyPr lIns="90000" rIns="90000" tIns="45000" bIns="45000" anchor="ctr">
+            <a:noAutofit/>
+          </a:bodyPr>
+          <a:p>
+            <a:endParaRPr b="0" lang="en-US" sz="1800" spc="-1" strike="noStrike">
+              <a:solidFill>
+                <a:schemeClr val="lt1"/>
+              </a:solidFill>
+              <a:latin typeface="Calibri"/>
+              <a:ea typeface="DejaVu Sans"/>
+            </a:endParaRPr>
+          </a:p>
+        </p:txBody>
+      </p:sp>
+      <p:sp>
+        <p:nvSpPr>
+          <p:cNvPr id="445" name="Rectangle 151"/>
+          <p:cNvSpPr/>
+          <p:nvPr/>
+        </p:nvSpPr>
+        <p:spPr>
+          <a:xfrm>
+            <a:off x="4572000" y="0"/>
+            <a:ext cx="16560" cy="6856200"/>
+          </a:xfrm>
+          <a:prstGeom prst="rect">
+            <a:avLst/>
+          </a:prstGeom>
+          <a:solidFill>
+            <a:srgbClr val="121216"/>
+          </a:solidFill>
+          <a:ln>
+            <a:noFill/>
+          </a:ln>
+          <a:effectLst>
+            <a:outerShdw blurRad="39960" dir="5400000" dist="23040" rotWithShape="0">
+              <a:srgbClr val="000000">
+                <a:alpha val="35000"/>
+              </a:srgbClr>
+            </a:outerShdw>
+          </a:effectLst>
+        </p:spPr>
+        <p:style>
+          <a:lnRef idx="1">
+            <a:schemeClr val="accent1"/>
+          </a:lnRef>
+          <a:fillRef idx="3">
+            <a:schemeClr val="accent1"/>
+          </a:fillRef>
+          <a:effectRef idx="2">
+            <a:schemeClr val="accent1"/>
+          </a:effectRef>
+          <a:fontRef idx="minor"/>
+        </p:style>
+        <p:txBody>
+          <a:bodyPr lIns="90000" rIns="90000" tIns="45000" bIns="45000" anchor="ctr">
+            <a:noAutofit/>
+          </a:bodyPr>
+          <a:p>
+            <a:endParaRPr b="0" lang="en-US" sz="1800" spc="-1" strike="noStrike">
+              <a:solidFill>
+                <a:schemeClr val="lt1"/>
+              </a:solidFill>
+              <a:latin typeface="Calibri"/>
+              <a:ea typeface="DejaVu Sans"/>
+            </a:endParaRPr>
+          </a:p>
+        </p:txBody>
+      </p:sp>
+      <p:sp>
+        <p:nvSpPr>
+          <p:cNvPr id="446" name="Rectangle 152"/>
+          <p:cNvSpPr/>
+          <p:nvPr/>
+        </p:nvSpPr>
+        <p:spPr>
+          <a:xfrm>
+            <a:off x="5486400" y="0"/>
+            <a:ext cx="16560" cy="6856200"/>
+          </a:xfrm>
+          <a:prstGeom prst="rect">
+            <a:avLst/>
+          </a:prstGeom>
+          <a:solidFill>
+            <a:srgbClr val="121216"/>
+          </a:solidFill>
+          <a:ln>
+            <a:noFill/>
+          </a:ln>
+          <a:effectLst>
+            <a:outerShdw blurRad="39960" dir="5400000" dist="23040" rotWithShape="0">
+              <a:srgbClr val="000000">
+                <a:alpha val="35000"/>
+              </a:srgbClr>
+            </a:outerShdw>
+          </a:effectLst>
+        </p:spPr>
+        <p:style>
+          <a:lnRef idx="1">
+            <a:schemeClr val="accent1"/>
+          </a:lnRef>
+          <a:fillRef idx="3">
+            <a:schemeClr val="accent1"/>
+          </a:fillRef>
+          <a:effectRef idx="2">
+            <a:schemeClr val="accent1"/>
+          </a:effectRef>
+          <a:fontRef idx="minor"/>
+        </p:style>
+        <p:txBody>
+          <a:bodyPr lIns="90000" rIns="90000" tIns="45000" bIns="45000" anchor="ctr">
+            <a:noAutofit/>
+          </a:bodyPr>
+          <a:p>
+            <a:endParaRPr b="0" lang="en-US" sz="1800" spc="-1" strike="noStrike">
+              <a:solidFill>
+                <a:schemeClr val="lt1"/>
+              </a:solidFill>
+              <a:latin typeface="Calibri"/>
+              <a:ea typeface="DejaVu Sans"/>
+            </a:endParaRPr>
+          </a:p>
+        </p:txBody>
+      </p:sp>
+      <p:sp>
+        <p:nvSpPr>
+          <p:cNvPr id="447" name="Rectangle 153"/>
+          <p:cNvSpPr/>
+          <p:nvPr/>
+        </p:nvSpPr>
+        <p:spPr>
+          <a:xfrm>
+            <a:off x="6400800" y="0"/>
+            <a:ext cx="16560" cy="6856200"/>
+          </a:xfrm>
+          <a:prstGeom prst="rect">
+            <a:avLst/>
+          </a:prstGeom>
+          <a:solidFill>
+            <a:srgbClr val="121216"/>
+          </a:solidFill>
+          <a:ln>
+            <a:noFill/>
+          </a:ln>
+          <a:effectLst>
+            <a:outerShdw blurRad="39960" dir="5400000" dist="23040" rotWithShape="0">
+              <a:srgbClr val="000000">
+                <a:alpha val="35000"/>
+              </a:srgbClr>
+            </a:outerShdw>
+          </a:effectLst>
+        </p:spPr>
+        <p:style>
+          <a:lnRef idx="1">
+            <a:schemeClr val="accent1"/>
+          </a:lnRef>
+          <a:fillRef idx="3">
+            <a:schemeClr val="accent1"/>
+          </a:fillRef>
+          <a:effectRef idx="2">
+            <a:schemeClr val="accent1"/>
+          </a:effectRef>
+          <a:fontRef idx="minor"/>
+        </p:style>
+        <p:txBody>
+          <a:bodyPr lIns="90000" rIns="90000" tIns="45000" bIns="45000" anchor="ctr">
+            <a:noAutofit/>
+          </a:bodyPr>
+          <a:p>
+            <a:endParaRPr b="0" lang="en-US" sz="1800" spc="-1" strike="noStrike">
+              <a:solidFill>
+                <a:schemeClr val="lt1"/>
+              </a:solidFill>
+              <a:latin typeface="Calibri"/>
+              <a:ea typeface="DejaVu Sans"/>
+            </a:endParaRPr>
+          </a:p>
+        </p:txBody>
+      </p:sp>
+      <p:sp>
+        <p:nvSpPr>
+          <p:cNvPr id="448" name="Rectangle 154"/>
+          <p:cNvSpPr/>
+          <p:nvPr/>
+        </p:nvSpPr>
+        <p:spPr>
+          <a:xfrm>
+            <a:off x="7315200" y="0"/>
+            <a:ext cx="16560" cy="6856200"/>
+          </a:xfrm>
+          <a:prstGeom prst="rect">
+            <a:avLst/>
+          </a:prstGeom>
+          <a:solidFill>
+            <a:srgbClr val="121216"/>
+          </a:solidFill>
+          <a:ln>
+            <a:noFill/>
+          </a:ln>
+          <a:effectLst>
+            <a:outerShdw blurRad="39960" dir="5400000" dist="23040" rotWithShape="0">
+              <a:srgbClr val="000000">
+                <a:alpha val="35000"/>
+              </a:srgbClr>
+            </a:outerShdw>
+          </a:effectLst>
+        </p:spPr>
+        <p:style>
+          <a:lnRef idx="1">
+            <a:schemeClr val="accent1"/>
+          </a:lnRef>
+          <a:fillRef idx="3">
+            <a:schemeClr val="accent1"/>
+          </a:fillRef>
+          <a:effectRef idx="2">
+            <a:schemeClr val="accent1"/>
+          </a:effectRef>
+          <a:fontRef idx="minor"/>
+        </p:style>
+        <p:txBody>
+          <a:bodyPr lIns="90000" rIns="90000" tIns="45000" bIns="45000" anchor="ctr">
+            <a:noAutofit/>
+          </a:bodyPr>
+          <a:p>
+            <a:endParaRPr b="0" lang="en-US" sz="1800" spc="-1" strike="noStrike">
+              <a:solidFill>
+                <a:schemeClr val="lt1"/>
+              </a:solidFill>
+              <a:latin typeface="Calibri"/>
+              <a:ea typeface="DejaVu Sans"/>
+            </a:endParaRPr>
+          </a:p>
+        </p:txBody>
+      </p:sp>
+      <p:sp>
+        <p:nvSpPr>
+          <p:cNvPr id="449" name="Rectangle 155"/>
+          <p:cNvSpPr/>
+          <p:nvPr/>
+        </p:nvSpPr>
+        <p:spPr>
+          <a:xfrm>
+            <a:off x="8229600" y="0"/>
+            <a:ext cx="16560" cy="6856200"/>
+          </a:xfrm>
+          <a:prstGeom prst="rect">
+            <a:avLst/>
+          </a:prstGeom>
+          <a:solidFill>
+            <a:srgbClr val="121216"/>
+          </a:solidFill>
+          <a:ln>
+            <a:noFill/>
+          </a:ln>
+          <a:effectLst>
+            <a:outerShdw blurRad="39960" dir="5400000" dist="23040" rotWithShape="0">
+              <a:srgbClr val="000000">
+                <a:alpha val="35000"/>
+              </a:srgbClr>
+            </a:outerShdw>
+          </a:effectLst>
+        </p:spPr>
+        <p:style>
+          <a:lnRef idx="1">
+            <a:schemeClr val="accent1"/>
+          </a:lnRef>
+          <a:fillRef idx="3">
+            <a:schemeClr val="accent1"/>
+          </a:fillRef>
+          <a:effectRef idx="2">
+            <a:schemeClr val="accent1"/>
+          </a:effectRef>
+          <a:fontRef idx="minor"/>
+        </p:style>
+        <p:txBody>
+          <a:bodyPr lIns="90000" rIns="90000" tIns="45000" bIns="45000" anchor="ctr">
+            <a:noAutofit/>
+          </a:bodyPr>
+          <a:p>
+            <a:endParaRPr b="0" lang="en-US" sz="1800" spc="-1" strike="noStrike">
+              <a:solidFill>
+                <a:schemeClr val="lt1"/>
+              </a:solidFill>
+              <a:latin typeface="Calibri"/>
+              <a:ea typeface="DejaVu Sans"/>
+            </a:endParaRPr>
+          </a:p>
+        </p:txBody>
+      </p:sp>
+      <p:sp>
+        <p:nvSpPr>
+          <p:cNvPr id="450" name="Rectangle 156"/>
+          <p:cNvSpPr/>
+          <p:nvPr/>
+        </p:nvSpPr>
+        <p:spPr>
+          <a:xfrm>
+            <a:off x="9144000" y="0"/>
+            <a:ext cx="16560" cy="6856200"/>
+          </a:xfrm>
+          <a:prstGeom prst="rect">
+            <a:avLst/>
+          </a:prstGeom>
+          <a:solidFill>
+            <a:srgbClr val="121216"/>
+          </a:solidFill>
+          <a:ln>
+            <a:noFill/>
+          </a:ln>
+          <a:effectLst>
+            <a:outerShdw blurRad="39960" dir="5400000" dist="23040" rotWithShape="0">
+              <a:srgbClr val="000000">
+                <a:alpha val="35000"/>
+              </a:srgbClr>
+            </a:outerShdw>
+          </a:effectLst>
+        </p:spPr>
+        <p:style>
+          <a:lnRef idx="1">
+            <a:schemeClr val="accent1"/>
+          </a:lnRef>
+          <a:fillRef idx="3">
+            <a:schemeClr val="accent1"/>
+          </a:fillRef>
+          <a:effectRef idx="2">
+            <a:schemeClr val="accent1"/>
+          </a:effectRef>
+          <a:fontRef idx="minor"/>
+        </p:style>
+        <p:txBody>
+          <a:bodyPr lIns="90000" rIns="90000" tIns="45000" bIns="45000" anchor="ctr">
+            <a:noAutofit/>
+          </a:bodyPr>
+          <a:p>
+            <a:endParaRPr b="0" lang="en-US" sz="1800" spc="-1" strike="noStrike">
+              <a:solidFill>
+                <a:schemeClr val="lt1"/>
+              </a:solidFill>
+              <a:latin typeface="Calibri"/>
+              <a:ea typeface="DejaVu Sans"/>
+            </a:endParaRPr>
+          </a:p>
+        </p:txBody>
+      </p:sp>
+      <p:sp>
+        <p:nvSpPr>
+          <p:cNvPr id="451" name="Rectangle 157"/>
+          <p:cNvSpPr/>
+          <p:nvPr/>
+        </p:nvSpPr>
+        <p:spPr>
+          <a:xfrm>
+            <a:off x="10058400" y="0"/>
+            <a:ext cx="16560" cy="6856200"/>
+          </a:xfrm>
+          <a:prstGeom prst="rect">
+            <a:avLst/>
+          </a:prstGeom>
+          <a:solidFill>
+            <a:srgbClr val="121216"/>
+          </a:solidFill>
+          <a:ln>
+            <a:noFill/>
+          </a:ln>
+          <a:effectLst>
+            <a:outerShdw blurRad="39960" dir="5400000" dist="23040" rotWithShape="0">
+              <a:srgbClr val="000000">
+                <a:alpha val="35000"/>
+              </a:srgbClr>
+            </a:outerShdw>
+          </a:effectLst>
+        </p:spPr>
+        <p:style>
+          <a:lnRef idx="1">
+            <a:schemeClr val="accent1"/>
+          </a:lnRef>
+          <a:fillRef idx="3">
+            <a:schemeClr val="accent1"/>
+          </a:fillRef>
+          <a:effectRef idx="2">
+            <a:schemeClr val="accent1"/>
+          </a:effectRef>
+          <a:fontRef idx="minor"/>
+        </p:style>
+        <p:txBody>
+          <a:bodyPr lIns="90000" rIns="90000" tIns="45000" bIns="45000" anchor="ctr">
+            <a:noAutofit/>
+          </a:bodyPr>
+          <a:p>
+            <a:endParaRPr b="0" lang="en-US" sz="1800" spc="-1" strike="noStrike">
+              <a:solidFill>
+                <a:schemeClr val="lt1"/>
+              </a:solidFill>
+              <a:latin typeface="Calibri"/>
+              <a:ea typeface="DejaVu Sans"/>
+            </a:endParaRPr>
+          </a:p>
+        </p:txBody>
+      </p:sp>
+      <p:sp>
+        <p:nvSpPr>
+          <p:cNvPr id="452" name="Rectangle 158"/>
+          <p:cNvSpPr/>
+          <p:nvPr/>
+        </p:nvSpPr>
+        <p:spPr>
+          <a:xfrm>
+            <a:off x="10972800" y="0"/>
+            <a:ext cx="16560" cy="6856200"/>
+          </a:xfrm>
+          <a:prstGeom prst="rect">
+            <a:avLst/>
+          </a:prstGeom>
+          <a:solidFill>
+            <a:srgbClr val="121216"/>
+          </a:solidFill>
+          <a:ln>
+            <a:noFill/>
+          </a:ln>
+          <a:effectLst>
+            <a:outerShdw blurRad="39960" dir="5400000" dist="23040" rotWithShape="0">
+              <a:srgbClr val="000000">
+                <a:alpha val="35000"/>
+              </a:srgbClr>
+            </a:outerShdw>
+          </a:effectLst>
+        </p:spPr>
+        <p:style>
+          <a:lnRef idx="1">
+            <a:schemeClr val="accent1"/>
+          </a:lnRef>
+          <a:fillRef idx="3">
+            <a:schemeClr val="accent1"/>
+          </a:fillRef>
+          <a:effectRef idx="2">
+            <a:schemeClr val="accent1"/>
+          </a:effectRef>
+          <a:fontRef idx="minor"/>
+        </p:style>
+        <p:txBody>
+          <a:bodyPr lIns="90000" rIns="90000" tIns="45000" bIns="45000" anchor="ctr">
+            <a:noAutofit/>
+          </a:bodyPr>
+          <a:p>
+            <a:endParaRPr b="0" lang="en-US" sz="1800" spc="-1" strike="noStrike">
+              <a:solidFill>
+                <a:schemeClr val="lt1"/>
+              </a:solidFill>
+              <a:latin typeface="Calibri"/>
+              <a:ea typeface="DejaVu Sans"/>
+            </a:endParaRPr>
+          </a:p>
+        </p:txBody>
+      </p:sp>
+      <p:sp>
+        <p:nvSpPr>
+          <p:cNvPr id="453" name="Rectangle 159"/>
+          <p:cNvSpPr/>
+          <p:nvPr/>
+        </p:nvSpPr>
+        <p:spPr>
+          <a:xfrm>
+            <a:off x="11887200" y="0"/>
+            <a:ext cx="16560" cy="6856200"/>
+          </a:xfrm>
+          <a:prstGeom prst="rect">
+            <a:avLst/>
+          </a:prstGeom>
+          <a:solidFill>
+            <a:srgbClr val="121216"/>
+          </a:solidFill>
+          <a:ln>
+            <a:noFill/>
+          </a:ln>
+          <a:effectLst>
+            <a:outerShdw blurRad="39960" dir="5400000" dist="23040" rotWithShape="0">
+              <a:srgbClr val="000000">
+                <a:alpha val="35000"/>
+              </a:srgbClr>
+            </a:outerShdw>
+          </a:effectLst>
+        </p:spPr>
+        <p:style>
+          <a:lnRef idx="1">
+            <a:schemeClr val="accent1"/>
+          </a:lnRef>
+          <a:fillRef idx="3">
+            <a:schemeClr val="accent1"/>
+          </a:fillRef>
+          <a:effectRef idx="2">
+            <a:schemeClr val="accent1"/>
+          </a:effectRef>
+          <a:fontRef idx="minor"/>
+        </p:style>
+        <p:txBody>
+          <a:bodyPr lIns="90000" rIns="90000" tIns="45000" bIns="45000" anchor="ctr">
+            <a:noAutofit/>
+          </a:bodyPr>
+          <a:p>
+            <a:endParaRPr b="0" lang="en-US" sz="1800" spc="-1" strike="noStrike">
+              <a:solidFill>
+                <a:schemeClr val="lt1"/>
+              </a:solidFill>
+              <a:latin typeface="Calibri"/>
+              <a:ea typeface="DejaVu Sans"/>
+            </a:endParaRPr>
+          </a:p>
+        </p:txBody>
+      </p:sp>
+      <p:sp>
+        <p:nvSpPr>
+          <p:cNvPr id="454" name="Rectangle 160"/>
+          <p:cNvSpPr/>
+          <p:nvPr/>
+        </p:nvSpPr>
+        <p:spPr>
+          <a:xfrm>
+            <a:off x="0" y="0"/>
+            <a:ext cx="318240" cy="6856200"/>
+          </a:xfrm>
+          <a:prstGeom prst="rect">
+            <a:avLst/>
+          </a:prstGeom>
+          <a:solidFill>
+            <a:srgbClr val="ff8c00"/>
+          </a:solidFill>
+          <a:ln>
+            <a:noFill/>
+          </a:ln>
+          <a:effectLst>
+            <a:outerShdw blurRad="39960" dir="5400000" dist="23040" rotWithShape="0">
+              <a:srgbClr val="000000">
+                <a:alpha val="35000"/>
+              </a:srgbClr>
+            </a:outerShdw>
+          </a:effectLst>
+        </p:spPr>
+        <p:style>
+          <a:lnRef idx="1">
+            <a:schemeClr val="accent1"/>
+          </a:lnRef>
+          <a:fillRef idx="3">
+            <a:schemeClr val="accent1"/>
+          </a:fillRef>
+          <a:effectRef idx="2">
+            <a:schemeClr val="accent1"/>
+          </a:effectRef>
+          <a:fontRef idx="minor"/>
+        </p:style>
+        <p:txBody>
+          <a:bodyPr lIns="90000" rIns="90000" tIns="45000" bIns="45000" anchor="ctr">
+            <a:noAutofit/>
+          </a:bodyPr>
+          <a:p>
+            <a:endParaRPr b="0" lang="en-US" sz="1800" spc="-1" strike="noStrike">
+              <a:solidFill>
+                <a:schemeClr val="lt1"/>
+              </a:solidFill>
+              <a:latin typeface="Calibri"/>
+              <a:ea typeface="DejaVu Sans"/>
+            </a:endParaRPr>
+          </a:p>
+        </p:txBody>
+      </p:sp>
+      <p:sp>
+        <p:nvSpPr>
+          <p:cNvPr id="455" name="Rounded Rectangle 71"/>
+          <p:cNvSpPr/>
+          <p:nvPr/>
+        </p:nvSpPr>
+        <p:spPr>
+          <a:xfrm>
+            <a:off x="9875520" y="365760"/>
+            <a:ext cx="2009880" cy="501120"/>
+          </a:xfrm>
+          <a:prstGeom prst="roundRect">
+            <a:avLst>
+              <a:gd name="adj" fmla="val 16667"/>
+            </a:avLst>
+          </a:prstGeom>
+          <a:solidFill>
+            <a:srgbClr val="1e1e24"/>
+          </a:solidFill>
+          <a:ln>
+            <a:solidFill>
+              <a:srgbClr val="ff8c00"/>
+            </a:solidFill>
+            <a:round/>
+          </a:ln>
+          <a:effectLst>
+            <a:outerShdw blurRad="39960" dir="5400000" dist="23040" rotWithShape="0">
+              <a:srgbClr val="000000">
+                <a:alpha val="35000"/>
+              </a:srgbClr>
+            </a:outerShdw>
+          </a:effectLst>
+        </p:spPr>
+        <p:style>
+          <a:lnRef idx="1">
+            <a:schemeClr val="accent1"/>
+          </a:lnRef>
+          <a:fillRef idx="3">
+            <a:schemeClr val="accent1"/>
+          </a:fillRef>
+          <a:effectRef idx="2">
+            <a:schemeClr val="accent1"/>
+          </a:effectRef>
+          <a:fontRef idx="minor"/>
+        </p:style>
+        <p:txBody>
+          <a:bodyPr lIns="90000" rIns="90000" tIns="45000" bIns="45000" anchor="ctr">
+            <a:noAutofit/>
+          </a:bodyPr>
+          <a:p>
+            <a:pPr algn="ctr">
+              <a:lnSpc>
+                <a:spcPct val="100000"/>
+              </a:lnSpc>
+            </a:pPr>
+            <a:r>
+              <a:rPr b="1" lang="en-US" sz="1400" spc="-1" strike="noStrike">
+                <a:solidFill>
+                  <a:srgbClr val="ffb45a"/>
+                </a:solidFill>
+                <a:latin typeface="Calibri"/>
+                <a:ea typeface="DejaVu Sans"/>
+              </a:rPr>
+              <a:t>JAVA CORE</a:t>
+            </a:r>
+            <a:endParaRPr b="0" lang="en-US" sz="1400" spc="-1" strike="noStrike">
+              <a:solidFill>
+                <a:srgbClr val="ffffff"/>
+              </a:solidFill>
+              <a:latin typeface="Arial"/>
+            </a:endParaRPr>
+          </a:p>
+        </p:txBody>
+      </p:sp>
+      <p:sp>
+        <p:nvSpPr>
+          <p:cNvPr id="456" name="TextBox 31"/>
+          <p:cNvSpPr/>
+          <p:nvPr/>
+        </p:nvSpPr>
+        <p:spPr>
+          <a:xfrm>
+            <a:off x="563760" y="1005840"/>
+            <a:ext cx="9843480" cy="638280"/>
+          </a:xfrm>
+          <a:prstGeom prst="rect">
+            <a:avLst/>
+          </a:prstGeom>
+          <a:noFill/>
+          <a:ln w="0">
+            <a:noFill/>
+          </a:ln>
+        </p:spPr>
+        <p:style>
+          <a:lnRef idx="0"/>
+          <a:fillRef idx="0"/>
+          <a:effectRef idx="0"/>
+          <a:fontRef idx="minor"/>
+        </p:style>
+        <p:txBody>
+          <a:bodyPr wrap="none" lIns="90000" rIns="90000" tIns="45000" bIns="45000" anchor="t">
+            <a:spAutoFit/>
+          </a:bodyPr>
+          <a:p>
+            <a:pPr>
+              <a:lnSpc>
+                <a:spcPct val="100000"/>
+              </a:lnSpc>
+            </a:pPr>
+            <a:r>
+              <a:rPr b="1" lang="en-US" sz="3600" spc="-1" strike="noStrike">
+                <a:solidFill>
+                  <a:srgbClr val="f5f5f5"/>
+                </a:solidFill>
+                <a:latin typeface="Calibri"/>
+                <a:ea typeface="DejaVu Sans"/>
+              </a:rPr>
+              <a:t>COMMON INSTALLATION PROBLEMS &amp; SOLUTIONS</a:t>
+            </a:r>
+            <a:endParaRPr b="0" lang="en-US" sz="3600" spc="-1" strike="noStrike">
+              <a:solidFill>
+                <a:srgbClr val="000000"/>
+              </a:solidFill>
+              <a:latin typeface="Arial"/>
+            </a:endParaRPr>
+          </a:p>
+        </p:txBody>
+      </p:sp>
+      <p:sp>
+        <p:nvSpPr>
+          <p:cNvPr id="457" name="TextBox 32"/>
+          <p:cNvSpPr/>
+          <p:nvPr/>
+        </p:nvSpPr>
+        <p:spPr>
+          <a:xfrm>
+            <a:off x="2434680" y="2194560"/>
+            <a:ext cx="6115680" cy="317880"/>
+          </a:xfrm>
+          <a:prstGeom prst="rect">
+            <a:avLst/>
+          </a:prstGeom>
+          <a:noFill/>
+          <a:ln w="0">
+            <a:noFill/>
+          </a:ln>
+        </p:spPr>
+        <p:style>
+          <a:lnRef idx="0"/>
+          <a:fillRef idx="0"/>
+          <a:effectRef idx="0"/>
+          <a:fontRef idx="minor"/>
+        </p:style>
+        <p:txBody>
+          <a:bodyPr wrap="none" lIns="90000" rIns="90000" tIns="45000" bIns="45000" anchor="t">
+            <a:spAutoFit/>
+          </a:bodyPr>
+          <a:p>
+            <a:pPr>
+              <a:lnSpc>
+                <a:spcPct val="100000"/>
+              </a:lnSpc>
+            </a:pPr>
+            <a:r>
+              <a:rPr b="0" lang="en-US" sz="1500" spc="-1" strike="noStrike">
+                <a:solidFill>
+                  <a:srgbClr val="aaaaaa"/>
+                </a:solidFill>
+                <a:latin typeface="Calibri"/>
+                <a:ea typeface="DejaVu Sans"/>
+              </a:rPr>
+              <a:t>Incorrect environment configuration can prevent Java from running properly.</a:t>
+            </a:r>
+            <a:endParaRPr b="0" lang="en-US" sz="1500" spc="-1" strike="noStrike">
+              <a:solidFill>
+                <a:srgbClr val="000000"/>
+              </a:solidFill>
+              <a:latin typeface="Arial"/>
+            </a:endParaRPr>
+          </a:p>
+        </p:txBody>
+      </p:sp>
+      <p:sp>
+        <p:nvSpPr>
+          <p:cNvPr id="458" name="Rounded Rectangle 72"/>
+          <p:cNvSpPr/>
+          <p:nvPr/>
+        </p:nvSpPr>
+        <p:spPr>
+          <a:xfrm>
+            <a:off x="987480" y="3182040"/>
+            <a:ext cx="3290040" cy="2741400"/>
+          </a:xfrm>
+          <a:prstGeom prst="roundRect">
+            <a:avLst>
+              <a:gd name="adj" fmla="val 16667"/>
+            </a:avLst>
+          </a:prstGeom>
+          <a:solidFill>
+            <a:srgbClr val="08080a"/>
+          </a:solidFill>
+          <a:ln>
+            <a:noFill/>
+          </a:ln>
+          <a:effectLst>
+            <a:outerShdw blurRad="39960" dir="5400000" dist="23040" rotWithShape="0">
+              <a:srgbClr val="000000">
+                <a:alpha val="35000"/>
+              </a:srgbClr>
+            </a:outerShdw>
+          </a:effectLst>
+        </p:spPr>
+        <p:style>
+          <a:lnRef idx="1">
+            <a:schemeClr val="accent1"/>
+          </a:lnRef>
+          <a:fillRef idx="3">
+            <a:schemeClr val="accent1"/>
+          </a:fillRef>
+          <a:effectRef idx="2">
+            <a:schemeClr val="accent1"/>
+          </a:effectRef>
+          <a:fontRef idx="minor"/>
+        </p:style>
+        <p:txBody>
+          <a:bodyPr lIns="90000" rIns="90000" tIns="45000" bIns="45000" anchor="ctr">
+            <a:noAutofit/>
+          </a:bodyPr>
+          <a:p>
+            <a:endParaRPr b="0" lang="en-US" sz="1800" spc="-1" strike="noStrike">
+              <a:solidFill>
+                <a:schemeClr val="lt1"/>
+              </a:solidFill>
+              <a:latin typeface="Calibri"/>
+              <a:ea typeface="DejaVu Sans"/>
+            </a:endParaRPr>
+          </a:p>
+        </p:txBody>
+      </p:sp>
+      <p:sp>
+        <p:nvSpPr>
+          <p:cNvPr id="459" name="Rounded Rectangle 73"/>
+          <p:cNvSpPr/>
+          <p:nvPr/>
+        </p:nvSpPr>
+        <p:spPr>
+          <a:xfrm>
+            <a:off x="914400" y="3108960"/>
+            <a:ext cx="3290040" cy="2741400"/>
+          </a:xfrm>
+          <a:prstGeom prst="roundRect">
+            <a:avLst>
+              <a:gd name="adj" fmla="val 16667"/>
+            </a:avLst>
+          </a:prstGeom>
+          <a:solidFill>
+            <a:srgbClr val="16161c"/>
+          </a:solidFill>
+          <a:ln>
+            <a:solidFill>
+              <a:srgbClr val="464655"/>
+            </a:solidFill>
+            <a:round/>
+          </a:ln>
+          <a:effectLst>
+            <a:outerShdw blurRad="39960" dir="5400000" dist="23040" rotWithShape="0">
+              <a:srgbClr val="000000">
+                <a:alpha val="35000"/>
+              </a:srgbClr>
+            </a:outerShdw>
+          </a:effectLst>
+        </p:spPr>
+        <p:style>
+          <a:lnRef idx="1">
+            <a:schemeClr val="accent1"/>
+          </a:lnRef>
+          <a:fillRef idx="3">
+            <a:schemeClr val="accent1"/>
+          </a:fillRef>
+          <a:effectRef idx="2">
+            <a:schemeClr val="accent1"/>
+          </a:effectRef>
+          <a:fontRef idx="minor"/>
+        </p:style>
+        <p:txBody>
+          <a:bodyPr lIns="90000" rIns="90000" tIns="45000" bIns="45000" anchor="ctr">
+            <a:noAutofit/>
+          </a:bodyPr>
+          <a:p>
+            <a:pPr>
+              <a:lnSpc>
+                <a:spcPct val="100000"/>
+              </a:lnSpc>
+            </a:pPr>
+            <a:r>
+              <a:rPr b="0" lang="en-US" sz="1600" spc="-1" strike="noStrike">
+                <a:solidFill>
+                  <a:schemeClr val="lt1"/>
+                </a:solidFill>
+                <a:latin typeface="Calibri"/>
+                <a:ea typeface="DejaVu Sans"/>
+              </a:rPr>
+              <a:t>Common Issues:</a:t>
+            </a:r>
+            <a:endParaRPr b="0" lang="en-US" sz="1600" spc="-1" strike="noStrike">
+              <a:solidFill>
+                <a:srgbClr val="ffffff"/>
+              </a:solidFill>
+              <a:latin typeface="Arial"/>
+            </a:endParaRPr>
+          </a:p>
+          <a:p>
+            <a:pPr>
+              <a:lnSpc>
+                <a:spcPct val="100000"/>
+              </a:lnSpc>
+            </a:pPr>
+            <a:endParaRPr b="0" lang="en-US" sz="1600" spc="-1" strike="noStrike">
+              <a:solidFill>
+                <a:srgbClr val="ffffff"/>
+              </a:solidFill>
+              <a:latin typeface="Arial"/>
+            </a:endParaRPr>
+          </a:p>
+          <a:p>
+            <a:pPr>
+              <a:lnSpc>
+                <a:spcPct val="100000"/>
+              </a:lnSpc>
+            </a:pPr>
+            <a:r>
+              <a:rPr b="1" lang="en-US" sz="1600" spc="-1" strike="noStrike">
+                <a:solidFill>
+                  <a:schemeClr val="lt1"/>
+                </a:solidFill>
+                <a:latin typeface="Calibri"/>
+                <a:ea typeface="DejaVu Sans"/>
+              </a:rPr>
+              <a:t>• </a:t>
+            </a:r>
+            <a:r>
+              <a:rPr b="1" lang="en-US" sz="1600" spc="-1" strike="noStrike">
+                <a:solidFill>
+                  <a:schemeClr val="lt1"/>
+                </a:solidFill>
+                <a:latin typeface="Calibri"/>
+                <a:ea typeface="DejaVu Sans"/>
+              </a:rPr>
+              <a:t>'java is not recognized as an internal or external command'</a:t>
+            </a:r>
+            <a:endParaRPr b="0" lang="en-US" sz="1600" spc="-1" strike="noStrike">
+              <a:solidFill>
+                <a:srgbClr val="ffffff"/>
+              </a:solidFill>
+              <a:latin typeface="Arial"/>
+            </a:endParaRPr>
+          </a:p>
+          <a:p>
+            <a:pPr>
+              <a:lnSpc>
+                <a:spcPct val="100000"/>
+              </a:lnSpc>
+            </a:pPr>
+            <a:r>
+              <a:rPr b="1" lang="en-US" sz="1600" spc="-1" strike="noStrike">
+                <a:solidFill>
+                  <a:schemeClr val="lt1"/>
+                </a:solidFill>
+                <a:latin typeface="Calibri"/>
+                <a:ea typeface="DejaVu Sans"/>
+              </a:rPr>
+              <a:t>• </a:t>
+            </a:r>
+            <a:r>
+              <a:rPr b="1" lang="en-US" sz="1600" spc="-1" strike="noStrike">
+                <a:solidFill>
+                  <a:schemeClr val="lt1"/>
+                </a:solidFill>
+                <a:latin typeface="Calibri"/>
+                <a:ea typeface="DejaVu Sans"/>
+              </a:rPr>
+              <a:t>Incorrect JAVA_HOME path</a:t>
+            </a:r>
+            <a:endParaRPr b="0" lang="en-US" sz="1600" spc="-1" strike="noStrike">
+              <a:solidFill>
+                <a:srgbClr val="ffffff"/>
+              </a:solidFill>
+              <a:latin typeface="Arial"/>
+            </a:endParaRPr>
+          </a:p>
+          <a:p>
+            <a:pPr>
+              <a:lnSpc>
+                <a:spcPct val="100000"/>
+              </a:lnSpc>
+            </a:pPr>
+            <a:r>
+              <a:rPr b="1" lang="en-US" sz="1600" spc="-1" strike="noStrike">
+                <a:solidFill>
+                  <a:schemeClr val="lt1"/>
+                </a:solidFill>
+                <a:latin typeface="Calibri"/>
+                <a:ea typeface="DejaVu Sans"/>
+              </a:rPr>
+              <a:t>• </a:t>
+            </a:r>
+            <a:r>
+              <a:rPr b="1" lang="en-US" sz="1600" spc="-1" strike="noStrike">
+                <a:solidFill>
+                  <a:schemeClr val="lt1"/>
+                </a:solidFill>
+                <a:latin typeface="Calibri"/>
+                <a:ea typeface="DejaVu Sans"/>
+              </a:rPr>
+              <a:t>PATH variable not updated</a:t>
+            </a:r>
+            <a:endParaRPr b="0" lang="en-US" sz="1600" spc="-1" strike="noStrike">
+              <a:solidFill>
+                <a:srgbClr val="ffffff"/>
+              </a:solidFill>
+              <a:latin typeface="Arial"/>
+            </a:endParaRPr>
+          </a:p>
+          <a:p>
+            <a:pPr>
+              <a:lnSpc>
+                <a:spcPct val="100000"/>
+              </a:lnSpc>
+            </a:pPr>
+            <a:r>
+              <a:rPr b="1" lang="en-US" sz="1600" spc="-1" strike="noStrike">
+                <a:solidFill>
+                  <a:schemeClr val="lt1"/>
+                </a:solidFill>
+                <a:latin typeface="Calibri"/>
+                <a:ea typeface="DejaVu Sans"/>
+              </a:rPr>
+              <a:t>• </a:t>
+            </a:r>
+            <a:r>
+              <a:rPr b="1" lang="en-US" sz="1600" spc="-1" strike="noStrike">
+                <a:solidFill>
+                  <a:schemeClr val="lt1"/>
+                </a:solidFill>
+                <a:latin typeface="Calibri"/>
+                <a:ea typeface="DejaVu Sans"/>
+              </a:rPr>
+              <a:t>Multiple Java versions conflict</a:t>
+            </a:r>
+            <a:endParaRPr b="0" lang="en-US" sz="1600" spc="-1" strike="noStrike">
+              <a:solidFill>
+                <a:srgbClr val="ffffff"/>
+              </a:solidFill>
+              <a:latin typeface="Arial"/>
+            </a:endParaRPr>
+          </a:p>
+          <a:p>
+            <a:pPr>
+              <a:lnSpc>
+                <a:spcPct val="100000"/>
+              </a:lnSpc>
+            </a:pPr>
+            <a:r>
+              <a:rPr b="1" lang="en-US" sz="1600" spc="-1" strike="noStrike">
+                <a:solidFill>
+                  <a:schemeClr val="lt1"/>
+                </a:solidFill>
+                <a:latin typeface="Calibri"/>
+                <a:ea typeface="DejaVu Sans"/>
+              </a:rPr>
+              <a:t>• </a:t>
+            </a:r>
+            <a:r>
+              <a:rPr b="1" lang="en-US" sz="1600" spc="-1" strike="noStrike">
+                <a:solidFill>
+                  <a:schemeClr val="lt1"/>
+                </a:solidFill>
+                <a:latin typeface="Calibri"/>
+                <a:ea typeface="DejaVu Sans"/>
+              </a:rPr>
+              <a:t>JRE installed instead of JDK</a:t>
+            </a:r>
+            <a:endParaRPr b="0" lang="en-US" sz="1600" spc="-1" strike="noStrike">
+              <a:solidFill>
+                <a:srgbClr val="ffffff"/>
+              </a:solidFill>
+              <a:latin typeface="Arial"/>
+            </a:endParaRPr>
+          </a:p>
+          <a:p>
+            <a:pPr>
+              <a:lnSpc>
+                <a:spcPct val="100000"/>
+              </a:lnSpc>
+            </a:pPr>
+            <a:endParaRPr b="0" lang="en-US" sz="1600" spc="-1" strike="noStrike">
+              <a:solidFill>
+                <a:srgbClr val="ffffff"/>
+              </a:solidFill>
+              <a:latin typeface="Arial"/>
+            </a:endParaRPr>
+          </a:p>
+          <a:p>
+            <a:pPr>
+              <a:lnSpc>
+                <a:spcPct val="100000"/>
+              </a:lnSpc>
+            </a:pPr>
+            <a:r>
+              <a:rPr b="0" lang="en-US" sz="1600" spc="-1" strike="noStrike">
+                <a:solidFill>
+                  <a:schemeClr val="lt1"/>
+                </a:solidFill>
+                <a:latin typeface="Calibri"/>
+                <a:ea typeface="DejaVu Sans"/>
+              </a:rPr>
+              <a:t>Most problems are caused by incorrect environment variables.</a:t>
+            </a:r>
+            <a:endParaRPr b="0" lang="en-US" sz="1600" spc="-1" strike="noStrike">
+              <a:solidFill>
+                <a:srgbClr val="ffffff"/>
+              </a:solidFill>
+              <a:latin typeface="Arial"/>
+            </a:endParaRPr>
+          </a:p>
+        </p:txBody>
+      </p:sp>
+      <p:sp>
+        <p:nvSpPr>
+          <p:cNvPr id="460" name="Rounded Rectangle 74"/>
+          <p:cNvSpPr/>
+          <p:nvPr/>
+        </p:nvSpPr>
+        <p:spPr>
+          <a:xfrm>
+            <a:off x="4507920" y="3182040"/>
+            <a:ext cx="3290040" cy="2741400"/>
+          </a:xfrm>
+          <a:prstGeom prst="roundRect">
+            <a:avLst>
+              <a:gd name="adj" fmla="val 16667"/>
+            </a:avLst>
+          </a:prstGeom>
+          <a:solidFill>
+            <a:srgbClr val="08080a"/>
+          </a:solidFill>
+          <a:ln>
+            <a:noFill/>
+          </a:ln>
+          <a:effectLst>
+            <a:outerShdw blurRad="39960" dir="5400000" dist="23040" rotWithShape="0">
+              <a:srgbClr val="000000">
+                <a:alpha val="35000"/>
+              </a:srgbClr>
+            </a:outerShdw>
+          </a:effectLst>
+        </p:spPr>
+        <p:style>
+          <a:lnRef idx="1">
+            <a:schemeClr val="accent1"/>
+          </a:lnRef>
+          <a:fillRef idx="3">
+            <a:schemeClr val="accent1"/>
+          </a:fillRef>
+          <a:effectRef idx="2">
+            <a:schemeClr val="accent1"/>
+          </a:effectRef>
+          <a:fontRef idx="minor"/>
+        </p:style>
+        <p:txBody>
+          <a:bodyPr lIns="90000" rIns="90000" tIns="45000" bIns="45000" anchor="ctr">
+            <a:noAutofit/>
+          </a:bodyPr>
+          <a:p>
+            <a:endParaRPr b="0" lang="en-US" sz="1800" spc="-1" strike="noStrike">
+              <a:solidFill>
+                <a:schemeClr val="lt1"/>
+              </a:solidFill>
+              <a:latin typeface="Calibri"/>
+              <a:ea typeface="DejaVu Sans"/>
+            </a:endParaRPr>
+          </a:p>
+        </p:txBody>
+      </p:sp>
+      <p:sp>
+        <p:nvSpPr>
+          <p:cNvPr id="461" name="Rounded Rectangle 75"/>
+          <p:cNvSpPr/>
+          <p:nvPr/>
+        </p:nvSpPr>
+        <p:spPr>
+          <a:xfrm>
+            <a:off x="4434840" y="3108960"/>
+            <a:ext cx="3290040" cy="2741400"/>
+          </a:xfrm>
+          <a:prstGeom prst="roundRect">
+            <a:avLst>
+              <a:gd name="adj" fmla="val 16667"/>
+            </a:avLst>
+          </a:prstGeom>
+          <a:solidFill>
+            <a:srgbClr val="16161c"/>
+          </a:solidFill>
+          <a:ln>
+            <a:solidFill>
+              <a:srgbClr val="464655"/>
+            </a:solidFill>
+            <a:round/>
+          </a:ln>
+          <a:effectLst>
+            <a:outerShdw blurRad="39960" dir="5400000" dist="23040" rotWithShape="0">
+              <a:srgbClr val="000000">
+                <a:alpha val="35000"/>
+              </a:srgbClr>
+            </a:outerShdw>
+          </a:effectLst>
+        </p:spPr>
+        <p:style>
+          <a:lnRef idx="1">
+            <a:schemeClr val="accent1"/>
+          </a:lnRef>
+          <a:fillRef idx="3">
+            <a:schemeClr val="accent1"/>
+          </a:fillRef>
+          <a:effectRef idx="2">
+            <a:schemeClr val="accent1"/>
+          </a:effectRef>
+          <a:fontRef idx="minor"/>
+        </p:style>
+        <p:txBody>
+          <a:bodyPr lIns="90000" rIns="90000" tIns="45000" bIns="45000" anchor="ctr">
+            <a:noAutofit/>
+          </a:bodyPr>
+          <a:p>
+            <a:pPr>
+              <a:lnSpc>
+                <a:spcPct val="100000"/>
+              </a:lnSpc>
+            </a:pPr>
+            <a:r>
+              <a:rPr b="0" lang="en-US" sz="1600" spc="-1" strike="noStrike">
+                <a:solidFill>
+                  <a:schemeClr val="lt1"/>
+                </a:solidFill>
+                <a:latin typeface="Calibri"/>
+                <a:ea typeface="DejaVu Sans"/>
+              </a:rPr>
+              <a:t>Error appears</a:t>
+            </a:r>
+            <a:endParaRPr b="0" lang="en-US" sz="1600" spc="-1" strike="noStrike">
+              <a:solidFill>
+                <a:srgbClr val="ffffff"/>
+              </a:solidFill>
+              <a:latin typeface="Arial"/>
+            </a:endParaRPr>
+          </a:p>
+          <a:p>
+            <a:pPr>
+              <a:lnSpc>
+                <a:spcPct val="100000"/>
+              </a:lnSpc>
+            </a:pPr>
+            <a:r>
+              <a:rPr b="0" lang="en-US" sz="1600" spc="-1" strike="noStrike">
+                <a:solidFill>
+                  <a:schemeClr val="lt1"/>
+                </a:solidFill>
+                <a:latin typeface="Calibri"/>
+                <a:ea typeface="DejaVu Sans"/>
+              </a:rPr>
+              <a:t>↓</a:t>
+            </a:r>
+            <a:endParaRPr b="0" lang="en-US" sz="1600" spc="-1" strike="noStrike">
+              <a:solidFill>
+                <a:srgbClr val="ffffff"/>
+              </a:solidFill>
+              <a:latin typeface="Arial"/>
+            </a:endParaRPr>
+          </a:p>
+          <a:p>
+            <a:pPr>
+              <a:lnSpc>
+                <a:spcPct val="100000"/>
+              </a:lnSpc>
+            </a:pPr>
+            <a:r>
+              <a:rPr b="0" lang="en-US" sz="1600" spc="-1" strike="noStrike">
+                <a:solidFill>
+                  <a:schemeClr val="lt1"/>
+                </a:solidFill>
+                <a:latin typeface="Calibri"/>
+                <a:ea typeface="DejaVu Sans"/>
+              </a:rPr>
+              <a:t>Check java -version</a:t>
+            </a:r>
+            <a:endParaRPr b="0" lang="en-US" sz="1600" spc="-1" strike="noStrike">
+              <a:solidFill>
+                <a:srgbClr val="ffffff"/>
+              </a:solidFill>
+              <a:latin typeface="Arial"/>
+            </a:endParaRPr>
+          </a:p>
+          <a:p>
+            <a:pPr>
+              <a:lnSpc>
+                <a:spcPct val="100000"/>
+              </a:lnSpc>
+            </a:pPr>
+            <a:r>
+              <a:rPr b="0" lang="en-US" sz="1600" spc="-1" strike="noStrike">
+                <a:solidFill>
+                  <a:schemeClr val="lt1"/>
+                </a:solidFill>
+                <a:latin typeface="Calibri"/>
+                <a:ea typeface="DejaVu Sans"/>
+              </a:rPr>
+              <a:t>↓</a:t>
+            </a:r>
+            <a:endParaRPr b="0" lang="en-US" sz="1600" spc="-1" strike="noStrike">
+              <a:solidFill>
+                <a:srgbClr val="ffffff"/>
+              </a:solidFill>
+              <a:latin typeface="Arial"/>
+            </a:endParaRPr>
+          </a:p>
+          <a:p>
+            <a:pPr>
+              <a:lnSpc>
+                <a:spcPct val="100000"/>
+              </a:lnSpc>
+            </a:pPr>
+            <a:r>
+              <a:rPr b="0" lang="en-US" sz="1600" spc="-1" strike="noStrike">
+                <a:solidFill>
+                  <a:schemeClr val="lt1"/>
+                </a:solidFill>
+                <a:latin typeface="Calibri"/>
+                <a:ea typeface="DejaVu Sans"/>
+              </a:rPr>
+              <a:t>Verify JAVA_HOME</a:t>
+            </a:r>
+            <a:endParaRPr b="0" lang="en-US" sz="1600" spc="-1" strike="noStrike">
+              <a:solidFill>
+                <a:srgbClr val="ffffff"/>
+              </a:solidFill>
+              <a:latin typeface="Arial"/>
+            </a:endParaRPr>
+          </a:p>
+          <a:p>
+            <a:pPr>
+              <a:lnSpc>
+                <a:spcPct val="100000"/>
+              </a:lnSpc>
+            </a:pPr>
+            <a:r>
+              <a:rPr b="0" lang="en-US" sz="1600" spc="-1" strike="noStrike">
+                <a:solidFill>
+                  <a:schemeClr val="lt1"/>
+                </a:solidFill>
+                <a:latin typeface="Calibri"/>
+                <a:ea typeface="DejaVu Sans"/>
+              </a:rPr>
+              <a:t>↓</a:t>
+            </a:r>
+            <a:endParaRPr b="0" lang="en-US" sz="1600" spc="-1" strike="noStrike">
+              <a:solidFill>
+                <a:srgbClr val="ffffff"/>
+              </a:solidFill>
+              <a:latin typeface="Arial"/>
+            </a:endParaRPr>
+          </a:p>
+          <a:p>
+            <a:pPr>
+              <a:lnSpc>
+                <a:spcPct val="100000"/>
+              </a:lnSpc>
+            </a:pPr>
+            <a:r>
+              <a:rPr b="0" lang="en-US" sz="1600" spc="-1" strike="noStrike">
+                <a:solidFill>
+                  <a:schemeClr val="lt1"/>
+                </a:solidFill>
+                <a:latin typeface="Calibri"/>
+                <a:ea typeface="DejaVu Sans"/>
+              </a:rPr>
+              <a:t>Check PATH variable</a:t>
+            </a:r>
+            <a:endParaRPr b="0" lang="en-US" sz="1600" spc="-1" strike="noStrike">
+              <a:solidFill>
+                <a:srgbClr val="ffffff"/>
+              </a:solidFill>
+              <a:latin typeface="Arial"/>
+            </a:endParaRPr>
+          </a:p>
+          <a:p>
+            <a:pPr>
+              <a:lnSpc>
+                <a:spcPct val="100000"/>
+              </a:lnSpc>
+            </a:pPr>
+            <a:r>
+              <a:rPr b="0" lang="en-US" sz="1600" spc="-1" strike="noStrike">
+                <a:solidFill>
+                  <a:schemeClr val="lt1"/>
+                </a:solidFill>
+                <a:latin typeface="Calibri"/>
+                <a:ea typeface="DejaVu Sans"/>
+              </a:rPr>
+              <a:t>↓</a:t>
+            </a:r>
+            <a:endParaRPr b="0" lang="en-US" sz="1600" spc="-1" strike="noStrike">
+              <a:solidFill>
+                <a:srgbClr val="ffffff"/>
+              </a:solidFill>
+              <a:latin typeface="Arial"/>
+            </a:endParaRPr>
+          </a:p>
+          <a:p>
+            <a:pPr>
+              <a:lnSpc>
+                <a:spcPct val="100000"/>
+              </a:lnSpc>
+            </a:pPr>
+            <a:r>
+              <a:rPr b="0" lang="en-US" sz="1600" spc="-1" strike="noStrike">
+                <a:solidFill>
+                  <a:schemeClr val="lt1"/>
+                </a:solidFill>
+                <a:latin typeface="Calibri"/>
+                <a:ea typeface="DejaVu Sans"/>
+              </a:rPr>
+              <a:t>Restart terminal</a:t>
+            </a:r>
+            <a:endParaRPr b="0" lang="en-US" sz="1600" spc="-1" strike="noStrike">
+              <a:solidFill>
+                <a:srgbClr val="ffffff"/>
+              </a:solidFill>
+              <a:latin typeface="Arial"/>
+            </a:endParaRPr>
+          </a:p>
+          <a:p>
+            <a:pPr>
+              <a:lnSpc>
+                <a:spcPct val="100000"/>
+              </a:lnSpc>
+            </a:pPr>
+            <a:r>
+              <a:rPr b="0" lang="en-US" sz="1600" spc="-1" strike="noStrike">
+                <a:solidFill>
+                  <a:schemeClr val="lt1"/>
+                </a:solidFill>
+                <a:latin typeface="Calibri"/>
+                <a:ea typeface="DejaVu Sans"/>
+              </a:rPr>
+              <a:t>↓</a:t>
+            </a:r>
+            <a:endParaRPr b="0" lang="en-US" sz="1600" spc="-1" strike="noStrike">
+              <a:solidFill>
+                <a:srgbClr val="ffffff"/>
+              </a:solidFill>
+              <a:latin typeface="Arial"/>
+            </a:endParaRPr>
+          </a:p>
+          <a:p>
+            <a:pPr>
+              <a:lnSpc>
+                <a:spcPct val="100000"/>
+              </a:lnSpc>
+            </a:pPr>
+            <a:r>
+              <a:rPr b="0" lang="en-US" sz="1600" spc="-1" strike="noStrike">
+                <a:solidFill>
+                  <a:schemeClr val="lt1"/>
+                </a:solidFill>
+                <a:latin typeface="Calibri"/>
+                <a:ea typeface="DejaVu Sans"/>
+              </a:rPr>
+              <a:t>Problem solved</a:t>
+            </a:r>
+            <a:endParaRPr b="0" lang="en-US" sz="1600" spc="-1" strike="noStrike">
+              <a:solidFill>
+                <a:srgbClr val="ffffff"/>
+              </a:solidFill>
+              <a:latin typeface="Arial"/>
+            </a:endParaRPr>
+          </a:p>
+        </p:txBody>
+      </p:sp>
+      <p:sp>
+        <p:nvSpPr>
+          <p:cNvPr id="462" name="Rounded Rectangle 76"/>
+          <p:cNvSpPr/>
+          <p:nvPr/>
+        </p:nvSpPr>
+        <p:spPr>
+          <a:xfrm>
+            <a:off x="8028360" y="3182040"/>
+            <a:ext cx="3290040" cy="2741400"/>
+          </a:xfrm>
+          <a:prstGeom prst="roundRect">
+            <a:avLst>
+              <a:gd name="adj" fmla="val 16667"/>
+            </a:avLst>
+          </a:prstGeom>
+          <a:solidFill>
+            <a:srgbClr val="08080a"/>
+          </a:solidFill>
+          <a:ln>
+            <a:noFill/>
+          </a:ln>
+          <a:effectLst>
+            <a:outerShdw blurRad="39960" dir="5400000" dist="23040" rotWithShape="0">
+              <a:srgbClr val="000000">
+                <a:alpha val="35000"/>
+              </a:srgbClr>
+            </a:outerShdw>
+          </a:effectLst>
+        </p:spPr>
+        <p:style>
+          <a:lnRef idx="1">
+            <a:schemeClr val="accent1"/>
+          </a:lnRef>
+          <a:fillRef idx="3">
+            <a:schemeClr val="accent1"/>
+          </a:fillRef>
+          <a:effectRef idx="2">
+            <a:schemeClr val="accent1"/>
+          </a:effectRef>
+          <a:fontRef idx="minor"/>
+        </p:style>
+        <p:txBody>
+          <a:bodyPr lIns="90000" rIns="90000" tIns="45000" bIns="45000" anchor="ctr">
+            <a:noAutofit/>
+          </a:bodyPr>
+          <a:p>
+            <a:endParaRPr b="0" lang="en-US" sz="1800" spc="-1" strike="noStrike">
+              <a:solidFill>
+                <a:schemeClr val="lt1"/>
+              </a:solidFill>
+              <a:latin typeface="Calibri"/>
+              <a:ea typeface="DejaVu Sans"/>
+            </a:endParaRPr>
+          </a:p>
+        </p:txBody>
+      </p:sp>
+      <p:sp>
+        <p:nvSpPr>
+          <p:cNvPr id="463" name="Rounded Rectangle 77"/>
+          <p:cNvSpPr/>
+          <p:nvPr/>
+        </p:nvSpPr>
+        <p:spPr>
+          <a:xfrm>
+            <a:off x="7955280" y="3108960"/>
+            <a:ext cx="3290040" cy="3063240"/>
+          </a:xfrm>
+          <a:prstGeom prst="roundRect">
+            <a:avLst>
+              <a:gd name="adj" fmla="val 16667"/>
+            </a:avLst>
+          </a:prstGeom>
+          <a:solidFill>
+            <a:srgbClr val="16161c"/>
+          </a:solidFill>
+          <a:ln>
+            <a:solidFill>
+              <a:srgbClr val="464655"/>
+            </a:solidFill>
+            <a:round/>
+          </a:ln>
+          <a:effectLst>
+            <a:outerShdw blurRad="39960" dir="5400000" dist="23040" rotWithShape="0">
+              <a:srgbClr val="000000">
+                <a:alpha val="35000"/>
+              </a:srgbClr>
+            </a:outerShdw>
+          </a:effectLst>
+        </p:spPr>
+        <p:style>
+          <a:lnRef idx="1">
+            <a:schemeClr val="accent1"/>
+          </a:lnRef>
+          <a:fillRef idx="3">
+            <a:schemeClr val="accent1"/>
+          </a:fillRef>
+          <a:effectRef idx="2">
+            <a:schemeClr val="accent1"/>
+          </a:effectRef>
+          <a:fontRef idx="minor"/>
+        </p:style>
+        <p:txBody>
+          <a:bodyPr lIns="90000" rIns="90000" tIns="45000" bIns="45000" anchor="ctr">
+            <a:noAutofit/>
+          </a:bodyPr>
+          <a:p>
+            <a:pPr algn="ctr">
+              <a:lnSpc>
+                <a:spcPct val="100000"/>
+              </a:lnSpc>
+            </a:pPr>
+            <a:endParaRPr b="0" lang="en-US" sz="1300" spc="-1" strike="noStrike">
+              <a:solidFill>
+                <a:srgbClr val="ffffff"/>
+              </a:solidFill>
+              <a:latin typeface="Arial"/>
+            </a:endParaRPr>
+          </a:p>
+          <a:p>
+            <a:pPr algn="ctr">
+              <a:lnSpc>
+                <a:spcPct val="100000"/>
+              </a:lnSpc>
+            </a:pPr>
+            <a:endParaRPr b="0" lang="en-US" sz="1300" spc="-1" strike="noStrike">
+              <a:solidFill>
+                <a:srgbClr val="ffffff"/>
+              </a:solidFill>
+              <a:latin typeface="Arial"/>
+            </a:endParaRPr>
+          </a:p>
+          <a:p>
+            <a:pPr algn="ctr">
+              <a:lnSpc>
+                <a:spcPct val="100000"/>
+              </a:lnSpc>
+            </a:pPr>
+            <a:r>
+              <a:rPr b="0" lang="en-US" sz="1300" spc="-1" strike="noStrike">
+                <a:solidFill>
+                  <a:srgbClr val="78ffc8"/>
+                </a:solidFill>
+                <a:latin typeface="Consolas"/>
+                <a:ea typeface="DejaVu Sans"/>
+              </a:rPr>
+              <a:t>C</a:t>
+            </a:r>
+            <a:endParaRPr b="0" lang="en-US" sz="1300" spc="-1" strike="noStrike">
+              <a:solidFill>
+                <a:srgbClr val="ffffff"/>
+              </a:solidFill>
+              <a:latin typeface="Arial"/>
+            </a:endParaRPr>
+          </a:p>
+          <a:p>
+            <a:pPr algn="ctr">
+              <a:lnSpc>
+                <a:spcPct val="100000"/>
+              </a:lnSpc>
+            </a:pPr>
+            <a:r>
+              <a:rPr b="0" lang="en-US" sz="1300" spc="-1" strike="noStrike">
+                <a:solidFill>
+                  <a:srgbClr val="78ffc8"/>
+                </a:solidFill>
+                <a:latin typeface="Consolas"/>
+                <a:ea typeface="DejaVu Sans"/>
+              </a:rPr>
+              <a:t>check environment variable (Windows):</a:t>
+            </a:r>
+            <a:br>
+              <a:rPr sz="1300"/>
+            </a:br>
+            <a:r>
+              <a:rPr b="0" lang="en-US" sz="1300" spc="-1" strike="noStrike">
+                <a:solidFill>
+                  <a:srgbClr val="78ffc8"/>
+                </a:solidFill>
+                <a:latin typeface="Consolas"/>
+                <a:ea typeface="DejaVu Sans"/>
+              </a:rPr>
+              <a:t>echo %JAVA_HOME%</a:t>
+            </a:r>
+            <a:endParaRPr b="0" lang="en-US" sz="1300" spc="-1" strike="noStrike">
+              <a:solidFill>
+                <a:srgbClr val="ffffff"/>
+              </a:solidFill>
+              <a:latin typeface="Arial"/>
+            </a:endParaRPr>
+          </a:p>
+          <a:p>
+            <a:pPr algn="ctr">
+              <a:lnSpc>
+                <a:spcPct val="100000"/>
+              </a:lnSpc>
+            </a:pPr>
+            <a:r>
+              <a:rPr b="0" lang="en-US" sz="1300" spc="-1" strike="noStrike">
+                <a:solidFill>
+                  <a:srgbClr val="78ffc8"/>
+                </a:solidFill>
+                <a:latin typeface="Consolas"/>
+                <a:ea typeface="DejaVu Sans"/>
+              </a:rPr>
+              <a:t>echo %PATH%</a:t>
+            </a:r>
+            <a:br>
+              <a:rPr sz="1300"/>
+            </a:br>
+            <a:br>
+              <a:rPr sz="1300"/>
+            </a:br>
+            <a:r>
+              <a:rPr b="0" lang="en-US" sz="1300" spc="-1" strike="noStrike">
+                <a:solidFill>
+                  <a:srgbClr val="78ffc8"/>
+                </a:solidFill>
+                <a:latin typeface="Consolas"/>
+                <a:ea typeface="DejaVu Sans"/>
+              </a:rPr>
+              <a:t>Linux / Mac:</a:t>
+            </a:r>
+            <a:br>
+              <a:rPr sz="1300"/>
+            </a:br>
+            <a:r>
+              <a:rPr b="0" lang="en-US" sz="1300" spc="-1" strike="noStrike">
+                <a:solidFill>
+                  <a:srgbClr val="78ffc8"/>
+                </a:solidFill>
+                <a:latin typeface="Consolas"/>
+                <a:ea typeface="DejaVu Sans"/>
+              </a:rPr>
+              <a:t>echo $JAVA_HOME</a:t>
+            </a:r>
+            <a:endParaRPr b="0" lang="en-US" sz="1300" spc="-1" strike="noStrike">
+              <a:solidFill>
+                <a:srgbClr val="ffffff"/>
+              </a:solidFill>
+              <a:latin typeface="Arial"/>
+            </a:endParaRPr>
+          </a:p>
+          <a:p>
+            <a:pPr algn="ctr">
+              <a:lnSpc>
+                <a:spcPct val="100000"/>
+              </a:lnSpc>
+            </a:pPr>
+            <a:r>
+              <a:rPr b="0" lang="en-US" sz="1300" spc="-1" strike="noStrike">
+                <a:solidFill>
+                  <a:srgbClr val="78ffc8"/>
+                </a:solidFill>
+                <a:latin typeface="Consolas"/>
+                <a:ea typeface="DejaVu Sans"/>
+              </a:rPr>
+              <a:t>echo $PATH</a:t>
+            </a:r>
+            <a:endParaRPr b="0" lang="en-US" sz="1300" spc="-1" strike="noStrike">
+              <a:solidFill>
+                <a:srgbClr val="ffffff"/>
+              </a:solidFill>
+              <a:latin typeface="Arial"/>
+            </a:endParaRPr>
+          </a:p>
+          <a:p>
+            <a:pPr algn="ctr">
+              <a:lnSpc>
+                <a:spcPct val="100000"/>
+              </a:lnSpc>
+            </a:pPr>
+            <a:endParaRPr b="0" lang="en-US" sz="1300" spc="-1" strike="noStrike">
+              <a:solidFill>
+                <a:srgbClr val="ffffff"/>
+              </a:solidFill>
+              <a:latin typeface="Arial"/>
+            </a:endParaRPr>
+          </a:p>
+          <a:p>
+            <a:pPr algn="ctr">
+              <a:lnSpc>
+                <a:spcPct val="100000"/>
+              </a:lnSpc>
+            </a:pPr>
+            <a:r>
+              <a:rPr b="0" lang="en-US" sz="1300" spc="-1" strike="noStrike">
+                <a:solidFill>
+                  <a:srgbClr val="78ffc8"/>
+                </a:solidFill>
+                <a:latin typeface="Consolas"/>
+                <a:ea typeface="DejaVu Sans"/>
+              </a:rPr>
+              <a:t>Temporarily set JAVA_HOME (Linux/Mac):</a:t>
+            </a:r>
+            <a:br>
+              <a:rPr sz="1300"/>
+            </a:br>
+            <a:r>
+              <a:rPr b="0" lang="en-US" sz="1300" spc="-1" strike="noStrike">
+                <a:solidFill>
+                  <a:srgbClr val="78ffc8"/>
+                </a:solidFill>
+                <a:latin typeface="Consolas"/>
+                <a:ea typeface="DejaVu Sans"/>
+              </a:rPr>
+              <a:t>export JAVA_HOME=/usr/lib/jvm/jdk-xx</a:t>
+            </a:r>
+            <a:endParaRPr b="0" lang="en-US" sz="1300" spc="-1" strike="noStrike">
+              <a:solidFill>
+                <a:srgbClr val="ffffff"/>
+              </a:solidFill>
+              <a:latin typeface="Arial"/>
+            </a:endParaRPr>
+          </a:p>
+          <a:p>
+            <a:pPr algn="ctr">
+              <a:lnSpc>
+                <a:spcPct val="100000"/>
+              </a:lnSpc>
+            </a:pPr>
+            <a:r>
+              <a:rPr b="0" lang="en-US" sz="1300" spc="-1" strike="noStrike">
+                <a:solidFill>
+                  <a:srgbClr val="78ffc8"/>
+                </a:solidFill>
+                <a:latin typeface="Consolas"/>
+                <a:ea typeface="DejaVu Sans"/>
+              </a:rPr>
+              <a:t>export PATH=$JAVA_HOME/bin:$PATH</a:t>
+            </a:r>
+            <a:endParaRPr b="0" lang="en-US" sz="1300" spc="-1" strike="noStrike">
+              <a:solidFill>
+                <a:srgbClr val="ffffff"/>
+              </a:solidFill>
+              <a:latin typeface="Arial"/>
+            </a:endParaRPr>
+          </a:p>
+          <a:p>
+            <a:pPr algn="ctr">
+              <a:lnSpc>
+                <a:spcPct val="100000"/>
+              </a:lnSpc>
+            </a:pPr>
+            <a:endParaRPr b="0" lang="en-US" sz="1300" spc="-1" strike="noStrike">
+              <a:solidFill>
+                <a:srgbClr val="ffffff"/>
+              </a:solidFill>
+              <a:latin typeface="Arial"/>
+            </a:endParaRPr>
+          </a:p>
+          <a:p>
+            <a:pPr algn="ctr">
+              <a:lnSpc>
+                <a:spcPct val="100000"/>
+              </a:lnSpc>
+            </a:pPr>
+            <a:endParaRPr b="0" lang="en-US" sz="1300" spc="-1" strike="noStrike">
+              <a:solidFill>
+                <a:srgbClr val="ffffff"/>
+              </a:solidFill>
+              <a:latin typeface="Arial"/>
+            </a:endParaRPr>
+          </a:p>
+        </p:txBody>
+      </p:sp>
+      <p:sp>
+        <p:nvSpPr>
+          <p:cNvPr id="464" name="TextBox 33"/>
           <p:cNvSpPr/>
           <p:nvPr/>
         </p:nvSpPr>
@@ -17521,7 +19741,7 @@
         <p:spPr>
           <a:xfrm>
             <a:off x="0" y="0"/>
-            <a:ext cx="12186000" cy="6855120"/>
+            <a:ext cx="12185640" cy="6854760"/>
           </a:xfrm>
           <a:prstGeom prst="rect">
             <a:avLst/>
@@ -17581,7 +19801,7 @@
         <p:spPr>
           <a:xfrm>
             <a:off x="0" y="0"/>
-            <a:ext cx="15480" cy="6855120"/>
+            <a:ext cx="15120" cy="6854760"/>
           </a:xfrm>
           <a:prstGeom prst="rect">
             <a:avLst/>
@@ -17641,7 +19861,7 @@
         <p:spPr>
           <a:xfrm>
             <a:off x="914400" y="0"/>
-            <a:ext cx="15480" cy="6855120"/>
+            <a:ext cx="15120" cy="6854760"/>
           </a:xfrm>
           <a:prstGeom prst="rect">
             <a:avLst/>
@@ -17701,7 +19921,7 @@
         <p:spPr>
           <a:xfrm>
             <a:off x="1828800" y="0"/>
-            <a:ext cx="15480" cy="6855120"/>
+            <a:ext cx="15120" cy="6854760"/>
           </a:xfrm>
           <a:prstGeom prst="rect">
             <a:avLst/>
@@ -17761,7 +19981,7 @@
         <p:spPr>
           <a:xfrm>
             <a:off x="2743200" y="0"/>
-            <a:ext cx="15480" cy="6855120"/>
+            <a:ext cx="15120" cy="6854760"/>
           </a:xfrm>
           <a:prstGeom prst="rect">
             <a:avLst/>
@@ -17821,7 +20041,7 @@
         <p:spPr>
           <a:xfrm>
             <a:off x="3657600" y="0"/>
-            <a:ext cx="15480" cy="6855120"/>
+            <a:ext cx="15120" cy="6854760"/>
           </a:xfrm>
           <a:prstGeom prst="rect">
             <a:avLst/>
@@ -17881,7 +20101,7 @@
         <p:spPr>
           <a:xfrm>
             <a:off x="4572000" y="0"/>
-            <a:ext cx="15480" cy="6855120"/>
+            <a:ext cx="15120" cy="6854760"/>
           </a:xfrm>
           <a:prstGeom prst="rect">
             <a:avLst/>
@@ -17941,7 +20161,7 @@
         <p:spPr>
           <a:xfrm>
             <a:off x="5486400" y="0"/>
-            <a:ext cx="15480" cy="6855120"/>
+            <a:ext cx="15120" cy="6854760"/>
           </a:xfrm>
           <a:prstGeom prst="rect">
             <a:avLst/>
@@ -18001,7 +20221,7 @@
         <p:spPr>
           <a:xfrm>
             <a:off x="6400800" y="0"/>
-            <a:ext cx="15480" cy="6855120"/>
+            <a:ext cx="15120" cy="6854760"/>
           </a:xfrm>
           <a:prstGeom prst="rect">
             <a:avLst/>
@@ -18061,7 +20281,7 @@
         <p:spPr>
           <a:xfrm>
             <a:off x="7315200" y="0"/>
-            <a:ext cx="15480" cy="6855120"/>
+            <a:ext cx="15120" cy="6854760"/>
           </a:xfrm>
           <a:prstGeom prst="rect">
             <a:avLst/>
@@ -18121,7 +20341,7 @@
         <p:spPr>
           <a:xfrm>
             <a:off x="8229600" y="0"/>
-            <a:ext cx="15480" cy="6855120"/>
+            <a:ext cx="15120" cy="6854760"/>
           </a:xfrm>
           <a:prstGeom prst="rect">
             <a:avLst/>
@@ -18181,7 +20401,7 @@
         <p:spPr>
           <a:xfrm>
             <a:off x="9144000" y="0"/>
-            <a:ext cx="15480" cy="6855120"/>
+            <a:ext cx="15120" cy="6854760"/>
           </a:xfrm>
           <a:prstGeom prst="rect">
             <a:avLst/>
@@ -18241,7 +20461,7 @@
         <p:spPr>
           <a:xfrm>
             <a:off x="10058400" y="0"/>
-            <a:ext cx="15480" cy="6855120"/>
+            <a:ext cx="15120" cy="6854760"/>
           </a:xfrm>
           <a:prstGeom prst="rect">
             <a:avLst/>
@@ -18301,7 +20521,7 @@
         <p:spPr>
           <a:xfrm>
             <a:off x="10972800" y="0"/>
-            <a:ext cx="15480" cy="6855120"/>
+            <a:ext cx="15120" cy="6854760"/>
           </a:xfrm>
           <a:prstGeom prst="rect">
             <a:avLst/>
@@ -18361,7 +20581,7 @@
         <p:spPr>
           <a:xfrm>
             <a:off x="11887200" y="0"/>
-            <a:ext cx="15480" cy="6855120"/>
+            <a:ext cx="15120" cy="6854760"/>
           </a:xfrm>
           <a:prstGeom prst="rect">
             <a:avLst/>
@@ -18421,7 +20641,7 @@
         <p:spPr>
           <a:xfrm>
             <a:off x="0" y="0"/>
-            <a:ext cx="317160" cy="6855120"/>
+            <a:ext cx="316800" cy="6854760"/>
           </a:xfrm>
           <a:prstGeom prst="rect">
             <a:avLst/>
@@ -18481,7 +20701,7 @@
         <p:spPr>
           <a:xfrm>
             <a:off x="9875520" y="365760"/>
-            <a:ext cx="2008800" cy="500040"/>
+            <a:ext cx="2008440" cy="499680"/>
           </a:xfrm>
           <a:prstGeom prst="roundRect">
             <a:avLst>
@@ -18663,7 +20883,7 @@
         <p:spPr>
           <a:xfrm>
             <a:off x="987480" y="3182040"/>
-            <a:ext cx="3288960" cy="2740320"/>
+            <a:ext cx="3288600" cy="2739960"/>
           </a:xfrm>
           <a:prstGeom prst="roundRect">
             <a:avLst>
@@ -18725,7 +20945,7 @@
         <p:spPr>
           <a:xfrm>
             <a:off x="914400" y="3108960"/>
-            <a:ext cx="3288960" cy="2740320"/>
+            <a:ext cx="3288600" cy="2739960"/>
           </a:xfrm>
           <a:prstGeom prst="roundRect">
             <a:avLst>
@@ -18980,7 +21200,7 @@
         <p:spPr>
           <a:xfrm>
             <a:off x="4507920" y="3182040"/>
-            <a:ext cx="3288960" cy="2740320"/>
+            <a:ext cx="3288600" cy="2739960"/>
           </a:xfrm>
           <a:prstGeom prst="roundRect">
             <a:avLst>
@@ -19042,7 +21262,7 @@
         <p:spPr>
           <a:xfrm>
             <a:off x="4434840" y="3108960"/>
-            <a:ext cx="3288960" cy="2740320"/>
+            <a:ext cx="3288600" cy="2739960"/>
           </a:xfrm>
           <a:prstGeom prst="roundRect">
             <a:avLst>
@@ -19277,7 +21497,7 @@
         <p:spPr>
           <a:xfrm>
             <a:off x="8028360" y="3182040"/>
-            <a:ext cx="3288960" cy="2740320"/>
+            <a:ext cx="3288600" cy="2739960"/>
           </a:xfrm>
           <a:prstGeom prst="roundRect">
             <a:avLst>
@@ -19339,7 +21559,7 @@
         <p:spPr>
           <a:xfrm>
             <a:off x="7955280" y="3108960"/>
-            <a:ext cx="3288960" cy="2740320"/>
+            <a:ext cx="3288600" cy="2739960"/>
           </a:xfrm>
           <a:prstGeom prst="roundRect">
             <a:avLst>
@@ -19661,7 +21881,7 @@
         <p:spPr>
           <a:xfrm>
             <a:off x="0" y="0"/>
-            <a:ext cx="12186360" cy="6855480"/>
+            <a:ext cx="12186000" cy="6855120"/>
           </a:xfrm>
           <a:prstGeom prst="rect">
             <a:avLst/>
@@ -19721,7 +21941,7 @@
         <p:spPr>
           <a:xfrm>
             <a:off x="0" y="0"/>
-            <a:ext cx="15840" cy="6855480"/>
+            <a:ext cx="15480" cy="6855120"/>
           </a:xfrm>
           <a:prstGeom prst="rect">
             <a:avLst/>
@@ -19781,7 +22001,7 @@
         <p:spPr>
           <a:xfrm>
             <a:off x="914400" y="0"/>
-            <a:ext cx="15840" cy="6855480"/>
+            <a:ext cx="15480" cy="6855120"/>
           </a:xfrm>
           <a:prstGeom prst="rect">
             <a:avLst/>
@@ -19841,7 +22061,7 @@
         <p:spPr>
           <a:xfrm>
             <a:off x="1828800" y="0"/>
-            <a:ext cx="15840" cy="6855480"/>
+            <a:ext cx="15480" cy="6855120"/>
           </a:xfrm>
           <a:prstGeom prst="rect">
             <a:avLst/>
@@ -19901,7 +22121,7 @@
         <p:spPr>
           <a:xfrm>
             <a:off x="2743200" y="0"/>
-            <a:ext cx="15840" cy="6855480"/>
+            <a:ext cx="15480" cy="6855120"/>
           </a:xfrm>
           <a:prstGeom prst="rect">
             <a:avLst/>
@@ -19961,7 +22181,7 @@
         <p:spPr>
           <a:xfrm>
             <a:off x="3657600" y="0"/>
-            <a:ext cx="15840" cy="6855480"/>
+            <a:ext cx="15480" cy="6855120"/>
           </a:xfrm>
           <a:prstGeom prst="rect">
             <a:avLst/>
@@ -20021,7 +22241,7 @@
         <p:spPr>
           <a:xfrm>
             <a:off x="4572000" y="0"/>
-            <a:ext cx="15840" cy="6855480"/>
+            <a:ext cx="15480" cy="6855120"/>
           </a:xfrm>
           <a:prstGeom prst="rect">
             <a:avLst/>
@@ -20081,7 +22301,7 @@
         <p:spPr>
           <a:xfrm>
             <a:off x="5486400" y="0"/>
-            <a:ext cx="15840" cy="6855480"/>
+            <a:ext cx="15480" cy="6855120"/>
           </a:xfrm>
           <a:prstGeom prst="rect">
             <a:avLst/>
@@ -20141,7 +22361,7 @@
         <p:spPr>
           <a:xfrm>
             <a:off x="6400800" y="0"/>
-            <a:ext cx="15840" cy="6855480"/>
+            <a:ext cx="15480" cy="6855120"/>
           </a:xfrm>
           <a:prstGeom prst="rect">
             <a:avLst/>
@@ -20201,7 +22421,7 @@
         <p:spPr>
           <a:xfrm>
             <a:off x="7315200" y="0"/>
-            <a:ext cx="15840" cy="6855480"/>
+            <a:ext cx="15480" cy="6855120"/>
           </a:xfrm>
           <a:prstGeom prst="rect">
             <a:avLst/>
@@ -20261,7 +22481,7 @@
         <p:spPr>
           <a:xfrm>
             <a:off x="8229600" y="0"/>
-            <a:ext cx="15840" cy="6855480"/>
+            <a:ext cx="15480" cy="6855120"/>
           </a:xfrm>
           <a:prstGeom prst="rect">
             <a:avLst/>
@@ -20321,7 +22541,7 @@
         <p:spPr>
           <a:xfrm>
             <a:off x="9144000" y="0"/>
-            <a:ext cx="15840" cy="6855480"/>
+            <a:ext cx="15480" cy="6855120"/>
           </a:xfrm>
           <a:prstGeom prst="rect">
             <a:avLst/>
@@ -20381,7 +22601,7 @@
         <p:spPr>
           <a:xfrm>
             <a:off x="10058400" y="0"/>
-            <a:ext cx="15840" cy="6855480"/>
+            <a:ext cx="15480" cy="6855120"/>
           </a:xfrm>
           <a:prstGeom prst="rect">
             <a:avLst/>
@@ -20441,7 +22661,7 @@
         <p:spPr>
           <a:xfrm>
             <a:off x="10972800" y="0"/>
-            <a:ext cx="15840" cy="6855480"/>
+            <a:ext cx="15480" cy="6855120"/>
           </a:xfrm>
           <a:prstGeom prst="rect">
             <a:avLst/>
@@ -20501,7 +22721,7 @@
         <p:spPr>
           <a:xfrm>
             <a:off x="11887200" y="0"/>
-            <a:ext cx="15840" cy="6855480"/>
+            <a:ext cx="15480" cy="6855120"/>
           </a:xfrm>
           <a:prstGeom prst="rect">
             <a:avLst/>
@@ -20561,7 +22781,7 @@
         <p:spPr>
           <a:xfrm>
             <a:off x="0" y="0"/>
-            <a:ext cx="317520" cy="6855480"/>
+            <a:ext cx="317160" cy="6855120"/>
           </a:xfrm>
           <a:prstGeom prst="rect">
             <a:avLst/>
@@ -20621,7 +22841,7 @@
         <p:spPr>
           <a:xfrm>
             <a:off x="9875520" y="365760"/>
-            <a:ext cx="2009160" cy="500400"/>
+            <a:ext cx="2008800" cy="500040"/>
           </a:xfrm>
           <a:prstGeom prst="roundRect">
             <a:avLst>
@@ -20803,7 +23023,7 @@
         <p:spPr>
           <a:xfrm>
             <a:off x="987480" y="3182040"/>
-            <a:ext cx="3289320" cy="2740680"/>
+            <a:ext cx="3288960" cy="2740320"/>
           </a:xfrm>
           <a:prstGeom prst="roundRect">
             <a:avLst>
@@ -20865,7 +23085,7 @@
         <p:spPr>
           <a:xfrm>
             <a:off x="475560" y="2743200"/>
-            <a:ext cx="3728160" cy="3106440"/>
+            <a:ext cx="3727800" cy="3106080"/>
           </a:xfrm>
           <a:prstGeom prst="roundRect">
             <a:avLst>
@@ -21142,7 +23362,7 @@
         <p:spPr>
           <a:xfrm>
             <a:off x="4507920" y="3182040"/>
-            <a:ext cx="3289320" cy="2740680"/>
+            <a:ext cx="3288960" cy="2740320"/>
           </a:xfrm>
           <a:prstGeom prst="roundRect">
             <a:avLst>
@@ -21204,7 +23424,7 @@
         <p:spPr>
           <a:xfrm>
             <a:off x="4343400" y="2918520"/>
-            <a:ext cx="3517920" cy="2931120"/>
+            <a:ext cx="3517560" cy="2930760"/>
           </a:xfrm>
           <a:prstGeom prst="roundRect">
             <a:avLst>
@@ -21706,7 +23926,7 @@
         <p:spPr>
           <a:xfrm>
             <a:off x="8028360" y="3182040"/>
-            <a:ext cx="3289320" cy="2740680"/>
+            <a:ext cx="3288960" cy="2740320"/>
           </a:xfrm>
           <a:prstGeom prst="roundRect">
             <a:avLst>
@@ -21768,7 +23988,7 @@
         <p:spPr>
           <a:xfrm>
             <a:off x="8023680" y="2743200"/>
-            <a:ext cx="3839400" cy="3198960"/>
+            <a:ext cx="3839040" cy="3198600"/>
           </a:xfrm>
           <a:prstGeom prst="roundRect">
             <a:avLst>
@@ -22324,7 +24544,7 @@
         <p:spPr>
           <a:xfrm>
             <a:off x="0" y="0"/>
-            <a:ext cx="12186720" cy="6855840"/>
+            <a:ext cx="12186360" cy="6855480"/>
           </a:xfrm>
           <a:prstGeom prst="rect">
             <a:avLst/>
@@ -22384,7 +24604,7 @@
         <p:spPr>
           <a:xfrm>
             <a:off x="0" y="0"/>
-            <a:ext cx="16200" cy="6855840"/>
+            <a:ext cx="15840" cy="6855480"/>
           </a:xfrm>
           <a:prstGeom prst="rect">
             <a:avLst/>
@@ -22444,7 +24664,7 @@
         <p:spPr>
           <a:xfrm>
             <a:off x="914400" y="0"/>
-            <a:ext cx="16200" cy="6855840"/>
+            <a:ext cx="15840" cy="6855480"/>
           </a:xfrm>
           <a:prstGeom prst="rect">
             <a:avLst/>
@@ -22504,7 +24724,7 @@
         <p:spPr>
           <a:xfrm>
             <a:off x="1828800" y="0"/>
-            <a:ext cx="16200" cy="6855840"/>
+            <a:ext cx="15840" cy="6855480"/>
           </a:xfrm>
           <a:prstGeom prst="rect">
             <a:avLst/>
@@ -22564,7 +24784,7 @@
         <p:spPr>
           <a:xfrm>
             <a:off x="2743200" y="0"/>
-            <a:ext cx="16200" cy="6855840"/>
+            <a:ext cx="15840" cy="6855480"/>
           </a:xfrm>
           <a:prstGeom prst="rect">
             <a:avLst/>
@@ -22624,7 +24844,7 @@
         <p:spPr>
           <a:xfrm>
             <a:off x="3657600" y="0"/>
-            <a:ext cx="16200" cy="6855840"/>
+            <a:ext cx="15840" cy="6855480"/>
           </a:xfrm>
           <a:prstGeom prst="rect">
             <a:avLst/>
@@ -22684,7 +24904,7 @@
         <p:spPr>
           <a:xfrm>
             <a:off x="4572000" y="0"/>
-            <a:ext cx="16200" cy="6855840"/>
+            <a:ext cx="15840" cy="6855480"/>
           </a:xfrm>
           <a:prstGeom prst="rect">
             <a:avLst/>
@@ -22744,7 +24964,7 @@
         <p:spPr>
           <a:xfrm>
             <a:off x="5486400" y="0"/>
-            <a:ext cx="16200" cy="6855840"/>
+            <a:ext cx="15840" cy="6855480"/>
           </a:xfrm>
           <a:prstGeom prst="rect">
             <a:avLst/>
@@ -22804,7 +25024,7 @@
         <p:spPr>
           <a:xfrm>
             <a:off x="6400800" y="0"/>
-            <a:ext cx="16200" cy="6855840"/>
+            <a:ext cx="15840" cy="6855480"/>
           </a:xfrm>
           <a:prstGeom prst="rect">
             <a:avLst/>
@@ -22864,7 +25084,7 @@
         <p:spPr>
           <a:xfrm>
             <a:off x="7315200" y="0"/>
-            <a:ext cx="16200" cy="6855840"/>
+            <a:ext cx="15840" cy="6855480"/>
           </a:xfrm>
           <a:prstGeom prst="rect">
             <a:avLst/>
@@ -22924,7 +25144,7 @@
         <p:spPr>
           <a:xfrm>
             <a:off x="8229600" y="0"/>
-            <a:ext cx="16200" cy="6855840"/>
+            <a:ext cx="15840" cy="6855480"/>
           </a:xfrm>
           <a:prstGeom prst="rect">
             <a:avLst/>
@@ -22984,7 +25204,7 @@
         <p:spPr>
           <a:xfrm>
             <a:off x="9144000" y="0"/>
-            <a:ext cx="16200" cy="6855840"/>
+            <a:ext cx="15840" cy="6855480"/>
           </a:xfrm>
           <a:prstGeom prst="rect">
             <a:avLst/>
@@ -23044,7 +25264,7 @@
         <p:spPr>
           <a:xfrm>
             <a:off x="10058400" y="0"/>
-            <a:ext cx="16200" cy="6855840"/>
+            <a:ext cx="15840" cy="6855480"/>
           </a:xfrm>
           <a:prstGeom prst="rect">
             <a:avLst/>
@@ -23104,7 +25324,7 @@
         <p:spPr>
           <a:xfrm>
             <a:off x="10972800" y="0"/>
-            <a:ext cx="16200" cy="6855840"/>
+            <a:ext cx="15840" cy="6855480"/>
           </a:xfrm>
           <a:prstGeom prst="rect">
             <a:avLst/>
@@ -23164,7 +25384,7 @@
         <p:spPr>
           <a:xfrm>
             <a:off x="11887200" y="0"/>
-            <a:ext cx="16200" cy="6855840"/>
+            <a:ext cx="15840" cy="6855480"/>
           </a:xfrm>
           <a:prstGeom prst="rect">
             <a:avLst/>
@@ -23224,7 +25444,7 @@
         <p:spPr>
           <a:xfrm>
             <a:off x="0" y="0"/>
-            <a:ext cx="317880" cy="6855840"/>
+            <a:ext cx="317520" cy="6855480"/>
           </a:xfrm>
           <a:prstGeom prst="rect">
             <a:avLst/>
@@ -23284,7 +25504,7 @@
         <p:spPr>
           <a:xfrm>
             <a:off x="9875520" y="365760"/>
-            <a:ext cx="2009520" cy="500760"/>
+            <a:ext cx="2009160" cy="500400"/>
           </a:xfrm>
           <a:prstGeom prst="roundRect">
             <a:avLst>
@@ -23466,7 +25686,7 @@
         <p:spPr>
           <a:xfrm>
             <a:off x="987480" y="3182040"/>
-            <a:ext cx="3289680" cy="2741040"/>
+            <a:ext cx="3289320" cy="2740680"/>
           </a:xfrm>
           <a:prstGeom prst="roundRect">
             <a:avLst>
@@ -23528,7 +25748,7 @@
         <p:spPr>
           <a:xfrm>
             <a:off x="685800" y="3108960"/>
-            <a:ext cx="3518280" cy="3062160"/>
+            <a:ext cx="3517920" cy="3061800"/>
           </a:xfrm>
           <a:prstGeom prst="roundRect">
             <a:avLst>
@@ -23914,7 +26134,7 @@
         <p:spPr>
           <a:xfrm>
             <a:off x="4507920" y="3182040"/>
-            <a:ext cx="3289680" cy="2741040"/>
+            <a:ext cx="3289320" cy="2740680"/>
           </a:xfrm>
           <a:prstGeom prst="roundRect">
             <a:avLst>
@@ -23976,7 +26196,7 @@
         <p:spPr>
           <a:xfrm>
             <a:off x="4434840" y="3108960"/>
-            <a:ext cx="3289680" cy="2741040"/>
+            <a:ext cx="3289320" cy="2740680"/>
           </a:xfrm>
           <a:prstGeom prst="roundRect">
             <a:avLst>
@@ -24445,7 +26665,7 @@
         <p:spPr>
           <a:xfrm>
             <a:off x="8028360" y="3182040"/>
-            <a:ext cx="3289680" cy="2741040"/>
+            <a:ext cx="3289320" cy="2740680"/>
           </a:xfrm>
           <a:prstGeom prst="roundRect">
             <a:avLst>
@@ -24507,7 +26727,7 @@
         <p:spPr>
           <a:xfrm>
             <a:off x="7955280" y="3108960"/>
-            <a:ext cx="3289680" cy="2741040"/>
+            <a:ext cx="3289320" cy="2740680"/>
           </a:xfrm>
           <a:prstGeom prst="roundRect">
             <a:avLst>
@@ -24957,7 +27177,7 @@
         <p:spPr>
           <a:xfrm>
             <a:off x="0" y="0"/>
-            <a:ext cx="12187440" cy="6856560"/>
+            <a:ext cx="12187080" cy="6856200"/>
           </a:xfrm>
           <a:prstGeom prst="rect">
             <a:avLst/>
@@ -25017,7 +27237,7 @@
         <p:spPr>
           <a:xfrm>
             <a:off x="0" y="0"/>
-            <a:ext cx="16920" cy="6856560"/>
+            <a:ext cx="16560" cy="6856200"/>
           </a:xfrm>
           <a:prstGeom prst="rect">
             <a:avLst/>
@@ -25077,7 +27297,7 @@
         <p:spPr>
           <a:xfrm>
             <a:off x="914400" y="0"/>
-            <a:ext cx="16920" cy="6856560"/>
+            <a:ext cx="16560" cy="6856200"/>
           </a:xfrm>
           <a:prstGeom prst="rect">
             <a:avLst/>
@@ -25137,7 +27357,7 @@
         <p:spPr>
           <a:xfrm>
             <a:off x="1828800" y="0"/>
-            <a:ext cx="16920" cy="6856560"/>
+            <a:ext cx="16560" cy="6856200"/>
           </a:xfrm>
           <a:prstGeom prst="rect">
             <a:avLst/>
@@ -25197,7 +27417,7 @@
         <p:spPr>
           <a:xfrm>
             <a:off x="2743200" y="0"/>
-            <a:ext cx="16920" cy="6856560"/>
+            <a:ext cx="16560" cy="6856200"/>
           </a:xfrm>
           <a:prstGeom prst="rect">
             <a:avLst/>
@@ -25257,7 +27477,7 @@
         <p:spPr>
           <a:xfrm>
             <a:off x="3657600" y="0"/>
-            <a:ext cx="16920" cy="6856560"/>
+            <a:ext cx="16560" cy="6856200"/>
           </a:xfrm>
           <a:prstGeom prst="rect">
             <a:avLst/>
@@ -25317,7 +27537,7 @@
         <p:spPr>
           <a:xfrm>
             <a:off x="4572000" y="0"/>
-            <a:ext cx="16920" cy="6856560"/>
+            <a:ext cx="16560" cy="6856200"/>
           </a:xfrm>
           <a:prstGeom prst="rect">
             <a:avLst/>
@@ -25377,7 +27597,7 @@
         <p:spPr>
           <a:xfrm>
             <a:off x="5486400" y="0"/>
-            <a:ext cx="16920" cy="6856560"/>
+            <a:ext cx="16560" cy="6856200"/>
           </a:xfrm>
           <a:prstGeom prst="rect">
             <a:avLst/>
@@ -25437,7 +27657,7 @@
         <p:spPr>
           <a:xfrm>
             <a:off x="6400800" y="0"/>
-            <a:ext cx="16920" cy="6856560"/>
+            <a:ext cx="16560" cy="6856200"/>
           </a:xfrm>
           <a:prstGeom prst="rect">
             <a:avLst/>
@@ -25497,7 +27717,7 @@
         <p:spPr>
           <a:xfrm>
             <a:off x="7315200" y="0"/>
-            <a:ext cx="16920" cy="6856560"/>
+            <a:ext cx="16560" cy="6856200"/>
           </a:xfrm>
           <a:prstGeom prst="rect">
             <a:avLst/>
@@ -25557,7 +27777,7 @@
         <p:spPr>
           <a:xfrm>
             <a:off x="8229600" y="0"/>
-            <a:ext cx="16920" cy="6856560"/>
+            <a:ext cx="16560" cy="6856200"/>
           </a:xfrm>
           <a:prstGeom prst="rect">
             <a:avLst/>
@@ -25617,7 +27837,7 @@
         <p:spPr>
           <a:xfrm>
             <a:off x="9144000" y="0"/>
-            <a:ext cx="16920" cy="6856560"/>
+            <a:ext cx="16560" cy="6856200"/>
           </a:xfrm>
           <a:prstGeom prst="rect">
             <a:avLst/>
@@ -25677,7 +27897,7 @@
         <p:spPr>
           <a:xfrm>
             <a:off x="10058400" y="0"/>
-            <a:ext cx="16920" cy="6856560"/>
+            <a:ext cx="16560" cy="6856200"/>
           </a:xfrm>
           <a:prstGeom prst="rect">
             <a:avLst/>
@@ -25737,7 +27957,7 @@
         <p:spPr>
           <a:xfrm>
             <a:off x="10972800" y="0"/>
-            <a:ext cx="16920" cy="6856560"/>
+            <a:ext cx="16560" cy="6856200"/>
           </a:xfrm>
           <a:prstGeom prst="rect">
             <a:avLst/>
@@ -25797,7 +28017,7 @@
         <p:spPr>
           <a:xfrm>
             <a:off x="11887200" y="0"/>
-            <a:ext cx="16920" cy="6856560"/>
+            <a:ext cx="16560" cy="6856200"/>
           </a:xfrm>
           <a:prstGeom prst="rect">
             <a:avLst/>
@@ -25857,7 +28077,7 @@
         <p:spPr>
           <a:xfrm>
             <a:off x="0" y="0"/>
-            <a:ext cx="318600" cy="6856560"/>
+            <a:ext cx="318240" cy="6856200"/>
           </a:xfrm>
           <a:prstGeom prst="rect">
             <a:avLst/>
@@ -25917,7 +28137,7 @@
         <p:spPr>
           <a:xfrm>
             <a:off x="9875520" y="365760"/>
-            <a:ext cx="2010240" cy="501480"/>
+            <a:ext cx="2009880" cy="501120"/>
           </a:xfrm>
           <a:prstGeom prst="roundRect">
             <a:avLst>
@@ -26045,7 +28265,7 @@
         <p:spPr>
           <a:xfrm>
             <a:off x="591840" y="2194560"/>
-            <a:ext cx="9788040" cy="379080"/>
+            <a:ext cx="9787680" cy="379080"/>
           </a:xfrm>
           <a:prstGeom prst="rect">
             <a:avLst/>
@@ -26099,7 +28319,7 @@
         <p:spPr>
           <a:xfrm>
             <a:off x="987480" y="3182040"/>
-            <a:ext cx="3290400" cy="2741760"/>
+            <a:ext cx="3290040" cy="2741400"/>
           </a:xfrm>
           <a:prstGeom prst="roundRect">
             <a:avLst>
@@ -26161,7 +28381,7 @@
         <p:spPr>
           <a:xfrm>
             <a:off x="914400" y="3108960"/>
-            <a:ext cx="3290400" cy="2741760"/>
+            <a:ext cx="3290040" cy="2741400"/>
           </a:xfrm>
           <a:prstGeom prst="roundRect">
             <a:avLst>
@@ -26307,7 +28527,7 @@
         <p:spPr>
           <a:xfrm>
             <a:off x="4507920" y="3182040"/>
-            <a:ext cx="3290400" cy="2741760"/>
+            <a:ext cx="3290040" cy="2741400"/>
           </a:xfrm>
           <a:prstGeom prst="roundRect">
             <a:avLst>
@@ -26369,7 +28589,7 @@
         <p:spPr>
           <a:xfrm>
             <a:off x="4434840" y="3108960"/>
-            <a:ext cx="3290400" cy="2741760"/>
+            <a:ext cx="3290040" cy="2741400"/>
           </a:xfrm>
           <a:prstGeom prst="roundRect">
             <a:avLst>
@@ -26587,7 +28807,7 @@
         <p:spPr>
           <a:xfrm>
             <a:off x="8028360" y="3182040"/>
-            <a:ext cx="3290400" cy="2741760"/>
+            <a:ext cx="3290040" cy="2741400"/>
           </a:xfrm>
           <a:prstGeom prst="roundRect">
             <a:avLst>
@@ -26649,7 +28869,7 @@
         <p:spPr>
           <a:xfrm>
             <a:off x="7955280" y="3108960"/>
-            <a:ext cx="3290400" cy="2741760"/>
+            <a:ext cx="3290040" cy="2741400"/>
           </a:xfrm>
           <a:prstGeom prst="roundRect">
             <a:avLst>
@@ -26782,7 +29002,7 @@
         <p:spPr>
           <a:xfrm>
             <a:off x="4600080" y="6446520"/>
-            <a:ext cx="3051360" cy="363960"/>
+            <a:ext cx="3051000" cy="363960"/>
           </a:xfrm>
           <a:prstGeom prst="rect">
             <a:avLst/>
@@ -26866,7 +29086,7 @@
         <p:spPr>
           <a:xfrm>
             <a:off x="0" y="0"/>
-            <a:ext cx="12187440" cy="6856560"/>
+            <a:ext cx="12187080" cy="6856200"/>
           </a:xfrm>
           <a:prstGeom prst="rect">
             <a:avLst/>
@@ -26926,7 +29146,7 @@
         <p:spPr>
           <a:xfrm>
             <a:off x="0" y="0"/>
-            <a:ext cx="16920" cy="6856560"/>
+            <a:ext cx="16560" cy="6856200"/>
           </a:xfrm>
           <a:prstGeom prst="rect">
             <a:avLst/>
@@ -26986,7 +29206,7 @@
         <p:spPr>
           <a:xfrm>
             <a:off x="914400" y="0"/>
-            <a:ext cx="16920" cy="6856560"/>
+            <a:ext cx="16560" cy="6856200"/>
           </a:xfrm>
           <a:prstGeom prst="rect">
             <a:avLst/>
@@ -27046,7 +29266,7 @@
         <p:spPr>
           <a:xfrm>
             <a:off x="1828800" y="0"/>
-            <a:ext cx="16920" cy="6856560"/>
+            <a:ext cx="16560" cy="6856200"/>
           </a:xfrm>
           <a:prstGeom prst="rect">
             <a:avLst/>
@@ -27106,7 +29326,7 @@
         <p:spPr>
           <a:xfrm>
             <a:off x="2743200" y="0"/>
-            <a:ext cx="16920" cy="6856560"/>
+            <a:ext cx="16560" cy="6856200"/>
           </a:xfrm>
           <a:prstGeom prst="rect">
             <a:avLst/>
@@ -27166,7 +29386,7 @@
         <p:spPr>
           <a:xfrm>
             <a:off x="3657600" y="0"/>
-            <a:ext cx="16920" cy="6856560"/>
+            <a:ext cx="16560" cy="6856200"/>
           </a:xfrm>
           <a:prstGeom prst="rect">
             <a:avLst/>
@@ -27226,7 +29446,7 @@
         <p:spPr>
           <a:xfrm>
             <a:off x="4572000" y="0"/>
-            <a:ext cx="16920" cy="6856560"/>
+            <a:ext cx="16560" cy="6856200"/>
           </a:xfrm>
           <a:prstGeom prst="rect">
             <a:avLst/>
@@ -27286,7 +29506,7 @@
         <p:spPr>
           <a:xfrm>
             <a:off x="5486400" y="0"/>
-            <a:ext cx="16920" cy="6856560"/>
+            <a:ext cx="16560" cy="6856200"/>
           </a:xfrm>
           <a:prstGeom prst="rect">
             <a:avLst/>
@@ -27346,7 +29566,7 @@
         <p:spPr>
           <a:xfrm>
             <a:off x="6400800" y="0"/>
-            <a:ext cx="16920" cy="6856560"/>
+            <a:ext cx="16560" cy="6856200"/>
           </a:xfrm>
           <a:prstGeom prst="rect">
             <a:avLst/>
@@ -27406,7 +29626,7 @@
         <p:spPr>
           <a:xfrm>
             <a:off x="7315200" y="0"/>
-            <a:ext cx="16920" cy="6856560"/>
+            <a:ext cx="16560" cy="6856200"/>
           </a:xfrm>
           <a:prstGeom prst="rect">
             <a:avLst/>
@@ -27466,7 +29686,7 @@
         <p:spPr>
           <a:xfrm>
             <a:off x="8229600" y="0"/>
-            <a:ext cx="16920" cy="6856560"/>
+            <a:ext cx="16560" cy="6856200"/>
           </a:xfrm>
           <a:prstGeom prst="rect">
             <a:avLst/>
@@ -27526,7 +29746,7 @@
         <p:spPr>
           <a:xfrm>
             <a:off x="9144000" y="0"/>
-            <a:ext cx="16920" cy="6856560"/>
+            <a:ext cx="16560" cy="6856200"/>
           </a:xfrm>
           <a:prstGeom prst="rect">
             <a:avLst/>
@@ -27586,7 +29806,7 @@
         <p:spPr>
           <a:xfrm>
             <a:off x="10058400" y="0"/>
-            <a:ext cx="16920" cy="6856560"/>
+            <a:ext cx="16560" cy="6856200"/>
           </a:xfrm>
           <a:prstGeom prst="rect">
             <a:avLst/>
@@ -27646,7 +29866,7 @@
         <p:spPr>
           <a:xfrm>
             <a:off x="10972800" y="0"/>
-            <a:ext cx="16920" cy="6856560"/>
+            <a:ext cx="16560" cy="6856200"/>
           </a:xfrm>
           <a:prstGeom prst="rect">
             <a:avLst/>
@@ -27706,7 +29926,7 @@
         <p:spPr>
           <a:xfrm>
             <a:off x="11887200" y="0"/>
-            <a:ext cx="16920" cy="6856560"/>
+            <a:ext cx="16560" cy="6856200"/>
           </a:xfrm>
           <a:prstGeom prst="rect">
             <a:avLst/>
@@ -27766,7 +29986,7 @@
         <p:spPr>
           <a:xfrm>
             <a:off x="0" y="0"/>
-            <a:ext cx="318600" cy="6856560"/>
+            <a:ext cx="318240" cy="6856200"/>
           </a:xfrm>
           <a:prstGeom prst="rect">
             <a:avLst/>
@@ -27826,7 +30046,7 @@
         <p:spPr>
           <a:xfrm>
             <a:off x="9875520" y="365760"/>
-            <a:ext cx="2010240" cy="501480"/>
+            <a:ext cx="2009880" cy="501120"/>
           </a:xfrm>
           <a:prstGeom prst="roundRect">
             <a:avLst>
@@ -27900,7 +30120,7 @@
         <p:spPr>
           <a:xfrm>
             <a:off x="911880" y="1005840"/>
-            <a:ext cx="9147960" cy="638280"/>
+            <a:ext cx="9147600" cy="638280"/>
           </a:xfrm>
           <a:prstGeom prst="rect">
             <a:avLst/>
@@ -27954,7 +30174,7 @@
         <p:spPr>
           <a:xfrm>
             <a:off x="-310680" y="2194560"/>
-            <a:ext cx="11599920" cy="333000"/>
+            <a:ext cx="11599560" cy="333000"/>
           </a:xfrm>
           <a:prstGeom prst="rect">
             <a:avLst/>
@@ -28018,7 +30238,7 @@
         <p:spPr>
           <a:xfrm>
             <a:off x="987480" y="3182040"/>
-            <a:ext cx="3290400" cy="2741760"/>
+            <a:ext cx="3290040" cy="2741400"/>
           </a:xfrm>
           <a:prstGeom prst="roundRect">
             <a:avLst>
@@ -28080,7 +30300,7 @@
         <p:spPr>
           <a:xfrm>
             <a:off x="914400" y="3108960"/>
-            <a:ext cx="3290400" cy="2741760"/>
+            <a:ext cx="3290040" cy="2741400"/>
           </a:xfrm>
           <a:prstGeom prst="roundRect">
             <a:avLst>
@@ -28226,7 +30446,7 @@
         <p:spPr>
           <a:xfrm>
             <a:off x="4507920" y="3182040"/>
-            <a:ext cx="3290400" cy="2741760"/>
+            <a:ext cx="3290040" cy="2741400"/>
           </a:xfrm>
           <a:prstGeom prst="roundRect">
             <a:avLst>
@@ -28288,7 +30508,7 @@
         <p:spPr>
           <a:xfrm>
             <a:off x="4434840" y="3108960"/>
-            <a:ext cx="3290400" cy="2741760"/>
+            <a:ext cx="3290040" cy="2741400"/>
           </a:xfrm>
           <a:prstGeom prst="roundRect">
             <a:avLst>
@@ -28573,7 +30793,7 @@
         <p:spPr>
           <a:xfrm>
             <a:off x="8028360" y="3182040"/>
-            <a:ext cx="3290400" cy="2741760"/>
+            <a:ext cx="3290040" cy="2741400"/>
           </a:xfrm>
           <a:prstGeom prst="roundRect">
             <a:avLst>
@@ -28635,7 +30855,7 @@
         <p:spPr>
           <a:xfrm>
             <a:off x="7955280" y="3108960"/>
-            <a:ext cx="3290400" cy="2741760"/>
+            <a:ext cx="3290040" cy="2741400"/>
           </a:xfrm>
           <a:prstGeom prst="roundRect">
             <a:avLst>
@@ -28837,7 +31057,7 @@
         <p:spPr>
           <a:xfrm>
             <a:off x="4600080" y="6446520"/>
-            <a:ext cx="3051360" cy="363960"/>
+            <a:ext cx="3051000" cy="363960"/>
           </a:xfrm>
           <a:prstGeom prst="rect">
             <a:avLst/>
@@ -28921,7 +31141,7 @@
         <p:spPr>
           <a:xfrm>
             <a:off x="0" y="0"/>
-            <a:ext cx="12187440" cy="6856560"/>
+            <a:ext cx="12187080" cy="6856200"/>
           </a:xfrm>
           <a:prstGeom prst="rect">
             <a:avLst/>
@@ -28957,6 +31177,11 @@
             <a:noAutofit/>
           </a:bodyPr>
           <a:p>
+            <a:pPr>
+              <a:lnSpc>
+                <a:spcPct val="100000"/>
+              </a:lnSpc>
+            </a:pPr>
             <a:endParaRPr b="0" lang="en-US" sz="1800" spc="-1" strike="noStrike">
               <a:solidFill>
                 <a:schemeClr val="lt1"/>
@@ -28976,7 +31201,7 @@
         <p:spPr>
           <a:xfrm>
             <a:off x="0" y="0"/>
-            <a:ext cx="16920" cy="6856560"/>
+            <a:ext cx="16560" cy="6856200"/>
           </a:xfrm>
           <a:prstGeom prst="rect">
             <a:avLst/>
@@ -29012,6 +31237,11 @@
             <a:noAutofit/>
           </a:bodyPr>
           <a:p>
+            <a:pPr>
+              <a:lnSpc>
+                <a:spcPct val="100000"/>
+              </a:lnSpc>
+            </a:pPr>
             <a:endParaRPr b="0" lang="en-US" sz="1800" spc="-1" strike="noStrike">
               <a:solidFill>
                 <a:schemeClr val="lt1"/>
@@ -29031,7 +31261,7 @@
         <p:spPr>
           <a:xfrm>
             <a:off x="914400" y="0"/>
-            <a:ext cx="16920" cy="6856560"/>
+            <a:ext cx="16560" cy="6856200"/>
           </a:xfrm>
           <a:prstGeom prst="rect">
             <a:avLst/>
@@ -29067,6 +31297,11 @@
             <a:noAutofit/>
           </a:bodyPr>
           <a:p>
+            <a:pPr>
+              <a:lnSpc>
+                <a:spcPct val="100000"/>
+              </a:lnSpc>
+            </a:pPr>
             <a:endParaRPr b="0" lang="en-US" sz="1800" spc="-1" strike="noStrike">
               <a:solidFill>
                 <a:schemeClr val="lt1"/>
@@ -29086,7 +31321,7 @@
         <p:spPr>
           <a:xfrm>
             <a:off x="1828800" y="0"/>
-            <a:ext cx="16920" cy="6856560"/>
+            <a:ext cx="16560" cy="6856200"/>
           </a:xfrm>
           <a:prstGeom prst="rect">
             <a:avLst/>
@@ -29122,6 +31357,11 @@
             <a:noAutofit/>
           </a:bodyPr>
           <a:p>
+            <a:pPr>
+              <a:lnSpc>
+                <a:spcPct val="100000"/>
+              </a:lnSpc>
+            </a:pPr>
             <a:endParaRPr b="0" lang="en-US" sz="1800" spc="-1" strike="noStrike">
               <a:solidFill>
                 <a:schemeClr val="lt1"/>
@@ -29141,7 +31381,7 @@
         <p:spPr>
           <a:xfrm>
             <a:off x="2743200" y="0"/>
-            <a:ext cx="16920" cy="6856560"/>
+            <a:ext cx="16560" cy="6856200"/>
           </a:xfrm>
           <a:prstGeom prst="rect">
             <a:avLst/>
@@ -29177,6 +31417,11 @@
             <a:noAutofit/>
           </a:bodyPr>
           <a:p>
+            <a:pPr>
+              <a:lnSpc>
+                <a:spcPct val="100000"/>
+              </a:lnSpc>
+            </a:pPr>
             <a:endParaRPr b="0" lang="en-US" sz="1800" spc="-1" strike="noStrike">
               <a:solidFill>
                 <a:schemeClr val="lt1"/>
@@ -29196,7 +31441,7 @@
         <p:spPr>
           <a:xfrm>
             <a:off x="3657600" y="0"/>
-            <a:ext cx="16920" cy="6856560"/>
+            <a:ext cx="16560" cy="6856200"/>
           </a:xfrm>
           <a:prstGeom prst="rect">
             <a:avLst/>
@@ -29232,6 +31477,11 @@
             <a:noAutofit/>
           </a:bodyPr>
           <a:p>
+            <a:pPr>
+              <a:lnSpc>
+                <a:spcPct val="100000"/>
+              </a:lnSpc>
+            </a:pPr>
             <a:endParaRPr b="0" lang="en-US" sz="1800" spc="-1" strike="noStrike">
               <a:solidFill>
                 <a:schemeClr val="lt1"/>
@@ -29251,7 +31501,7 @@
         <p:spPr>
           <a:xfrm>
             <a:off x="4572000" y="0"/>
-            <a:ext cx="16920" cy="6856560"/>
+            <a:ext cx="16560" cy="6856200"/>
           </a:xfrm>
           <a:prstGeom prst="rect">
             <a:avLst/>
@@ -29287,6 +31537,11 @@
             <a:noAutofit/>
           </a:bodyPr>
           <a:p>
+            <a:pPr>
+              <a:lnSpc>
+                <a:spcPct val="100000"/>
+              </a:lnSpc>
+            </a:pPr>
             <a:endParaRPr b="0" lang="en-US" sz="1800" spc="-1" strike="noStrike">
               <a:solidFill>
                 <a:schemeClr val="lt1"/>
@@ -29306,7 +31561,7 @@
         <p:spPr>
           <a:xfrm>
             <a:off x="5486400" y="0"/>
-            <a:ext cx="16920" cy="6856560"/>
+            <a:ext cx="16560" cy="6856200"/>
           </a:xfrm>
           <a:prstGeom prst="rect">
             <a:avLst/>
@@ -29342,6 +31597,11 @@
             <a:noAutofit/>
           </a:bodyPr>
           <a:p>
+            <a:pPr>
+              <a:lnSpc>
+                <a:spcPct val="100000"/>
+              </a:lnSpc>
+            </a:pPr>
             <a:endParaRPr b="0" lang="en-US" sz="1800" spc="-1" strike="noStrike">
               <a:solidFill>
                 <a:schemeClr val="lt1"/>
@@ -29361,7 +31621,7 @@
         <p:spPr>
           <a:xfrm>
             <a:off x="6400800" y="0"/>
-            <a:ext cx="16920" cy="6856560"/>
+            <a:ext cx="16560" cy="6856200"/>
           </a:xfrm>
           <a:prstGeom prst="rect">
             <a:avLst/>
@@ -29397,6 +31657,11 @@
             <a:noAutofit/>
           </a:bodyPr>
           <a:p>
+            <a:pPr>
+              <a:lnSpc>
+                <a:spcPct val="100000"/>
+              </a:lnSpc>
+            </a:pPr>
             <a:endParaRPr b="0" lang="en-US" sz="1800" spc="-1" strike="noStrike">
               <a:solidFill>
                 <a:schemeClr val="lt1"/>
@@ -29416,7 +31681,7 @@
         <p:spPr>
           <a:xfrm>
             <a:off x="7315200" y="0"/>
-            <a:ext cx="16920" cy="6856560"/>
+            <a:ext cx="16560" cy="6856200"/>
           </a:xfrm>
           <a:prstGeom prst="rect">
             <a:avLst/>
@@ -29452,6 +31717,11 @@
             <a:noAutofit/>
           </a:bodyPr>
           <a:p>
+            <a:pPr>
+              <a:lnSpc>
+                <a:spcPct val="100000"/>
+              </a:lnSpc>
+            </a:pPr>
             <a:endParaRPr b="0" lang="en-US" sz="1800" spc="-1" strike="noStrike">
               <a:solidFill>
                 <a:schemeClr val="lt1"/>
@@ -29471,7 +31741,7 @@
         <p:spPr>
           <a:xfrm>
             <a:off x="8229600" y="0"/>
-            <a:ext cx="16920" cy="6856560"/>
+            <a:ext cx="16560" cy="6856200"/>
           </a:xfrm>
           <a:prstGeom prst="rect">
             <a:avLst/>
@@ -29507,6 +31777,11 @@
             <a:noAutofit/>
           </a:bodyPr>
           <a:p>
+            <a:pPr>
+              <a:lnSpc>
+                <a:spcPct val="100000"/>
+              </a:lnSpc>
+            </a:pPr>
             <a:endParaRPr b="0" lang="en-US" sz="1800" spc="-1" strike="noStrike">
               <a:solidFill>
                 <a:schemeClr val="lt1"/>
@@ -29526,7 +31801,7 @@
         <p:spPr>
           <a:xfrm>
             <a:off x="9144000" y="0"/>
-            <a:ext cx="16920" cy="6856560"/>
+            <a:ext cx="16560" cy="6856200"/>
           </a:xfrm>
           <a:prstGeom prst="rect">
             <a:avLst/>
@@ -29562,6 +31837,11 @@
             <a:noAutofit/>
           </a:bodyPr>
           <a:p>
+            <a:pPr>
+              <a:lnSpc>
+                <a:spcPct val="100000"/>
+              </a:lnSpc>
+            </a:pPr>
             <a:endParaRPr b="0" lang="en-US" sz="1800" spc="-1" strike="noStrike">
               <a:solidFill>
                 <a:schemeClr val="lt1"/>
@@ -29581,7 +31861,7 @@
         <p:spPr>
           <a:xfrm>
             <a:off x="10058400" y="0"/>
-            <a:ext cx="16920" cy="6856560"/>
+            <a:ext cx="16560" cy="6856200"/>
           </a:xfrm>
           <a:prstGeom prst="rect">
             <a:avLst/>
@@ -29617,6 +31897,11 @@
             <a:noAutofit/>
           </a:bodyPr>
           <a:p>
+            <a:pPr>
+              <a:lnSpc>
+                <a:spcPct val="100000"/>
+              </a:lnSpc>
+            </a:pPr>
             <a:endParaRPr b="0" lang="en-US" sz="1800" spc="-1" strike="noStrike">
               <a:solidFill>
                 <a:schemeClr val="lt1"/>
@@ -29636,7 +31921,7 @@
         <p:spPr>
           <a:xfrm>
             <a:off x="10972800" y="0"/>
-            <a:ext cx="16920" cy="6856560"/>
+            <a:ext cx="16560" cy="6856200"/>
           </a:xfrm>
           <a:prstGeom prst="rect">
             <a:avLst/>
@@ -29672,6 +31957,11 @@
             <a:noAutofit/>
           </a:bodyPr>
           <a:p>
+            <a:pPr>
+              <a:lnSpc>
+                <a:spcPct val="100000"/>
+              </a:lnSpc>
+            </a:pPr>
             <a:endParaRPr b="0" lang="en-US" sz="1800" spc="-1" strike="noStrike">
               <a:solidFill>
                 <a:schemeClr val="lt1"/>
@@ -29691,7 +31981,7 @@
         <p:spPr>
           <a:xfrm>
             <a:off x="11887200" y="0"/>
-            <a:ext cx="16920" cy="6856560"/>
+            <a:ext cx="16560" cy="6856200"/>
           </a:xfrm>
           <a:prstGeom prst="rect">
             <a:avLst/>
@@ -29727,6 +32017,11 @@
             <a:noAutofit/>
           </a:bodyPr>
           <a:p>
+            <a:pPr>
+              <a:lnSpc>
+                <a:spcPct val="100000"/>
+              </a:lnSpc>
+            </a:pPr>
             <a:endParaRPr b="0" lang="en-US" sz="1800" spc="-1" strike="noStrike">
               <a:solidFill>
                 <a:schemeClr val="lt1"/>
@@ -29746,7 +32041,7 @@
         <p:spPr>
           <a:xfrm>
             <a:off x="0" y="0"/>
-            <a:ext cx="318600" cy="6856560"/>
+            <a:ext cx="318240" cy="6856200"/>
           </a:xfrm>
           <a:prstGeom prst="rect">
             <a:avLst/>
@@ -29782,6 +32077,11 @@
             <a:noAutofit/>
           </a:bodyPr>
           <a:p>
+            <a:pPr>
+              <a:lnSpc>
+                <a:spcPct val="100000"/>
+              </a:lnSpc>
+            </a:pPr>
             <a:endParaRPr b="0" lang="en-US" sz="1800" spc="-1" strike="noStrike">
               <a:solidFill>
                 <a:schemeClr val="lt1"/>
@@ -29801,7 +32101,7 @@
         <p:spPr>
           <a:xfrm>
             <a:off x="9875520" y="365760"/>
-            <a:ext cx="2010240" cy="501480"/>
+            <a:ext cx="2009880" cy="501120"/>
           </a:xfrm>
           <a:prstGeom prst="roundRect">
             <a:avLst>
@@ -29875,7 +32175,7 @@
         <p:spPr>
           <a:xfrm>
             <a:off x="1666800" y="1005840"/>
-            <a:ext cx="7638120" cy="638280"/>
+            <a:ext cx="7637760" cy="638280"/>
           </a:xfrm>
           <a:prstGeom prst="rect">
             <a:avLst/>
@@ -29929,7 +32229,7 @@
         <p:spPr>
           <a:xfrm>
             <a:off x="4382280" y="2194560"/>
-            <a:ext cx="2214000" cy="333720"/>
+            <a:ext cx="2213640" cy="333000"/>
           </a:xfrm>
           <a:prstGeom prst="rect">
             <a:avLst/>
@@ -29983,7 +32283,7 @@
         <p:spPr>
           <a:xfrm>
             <a:off x="987480" y="3182040"/>
-            <a:ext cx="3290400" cy="2741760"/>
+            <a:ext cx="3290040" cy="2741400"/>
           </a:xfrm>
           <a:prstGeom prst="roundRect">
             <a:avLst>
@@ -30021,6 +32321,11 @@
             <a:noAutofit/>
           </a:bodyPr>
           <a:p>
+            <a:pPr>
+              <a:lnSpc>
+                <a:spcPct val="100000"/>
+              </a:lnSpc>
+            </a:pPr>
             <a:endParaRPr b="0" lang="en-US" sz="1800" spc="-1" strike="noStrike">
               <a:solidFill>
                 <a:schemeClr val="lt1"/>
@@ -30040,7 +32345,7 @@
         <p:spPr>
           <a:xfrm>
             <a:off x="914400" y="3108960"/>
-            <a:ext cx="3290400" cy="2741760"/>
+            <a:ext cx="3290040" cy="2741400"/>
           </a:xfrm>
           <a:prstGeom prst="roundRect">
             <a:avLst>
@@ -30283,7 +32588,7 @@
         <p:spPr>
           <a:xfrm>
             <a:off x="4507920" y="3182040"/>
-            <a:ext cx="3290400" cy="2741760"/>
+            <a:ext cx="3290040" cy="2741400"/>
           </a:xfrm>
           <a:prstGeom prst="roundRect">
             <a:avLst>
@@ -30321,6 +32626,11 @@
             <a:noAutofit/>
           </a:bodyPr>
           <a:p>
+            <a:pPr>
+              <a:lnSpc>
+                <a:spcPct val="100000"/>
+              </a:lnSpc>
+            </a:pPr>
             <a:endParaRPr b="0" lang="en-US" sz="1800" spc="-1" strike="noStrike">
               <a:solidFill>
                 <a:schemeClr val="lt1"/>
@@ -30340,7 +32650,7 @@
         <p:spPr>
           <a:xfrm>
             <a:off x="4434840" y="3108960"/>
-            <a:ext cx="3290400" cy="2741760"/>
+            <a:ext cx="3290040" cy="2741400"/>
           </a:xfrm>
           <a:prstGeom prst="roundRect">
             <a:avLst>
@@ -30644,7 +32954,7 @@
         <p:spPr>
           <a:xfrm>
             <a:off x="8028360" y="3182040"/>
-            <a:ext cx="3290400" cy="2741760"/>
+            <a:ext cx="3290040" cy="2741400"/>
           </a:xfrm>
           <a:prstGeom prst="roundRect">
             <a:avLst>
@@ -30682,6 +32992,11 @@
             <a:noAutofit/>
           </a:bodyPr>
           <a:p>
+            <a:pPr>
+              <a:lnSpc>
+                <a:spcPct val="100000"/>
+              </a:lnSpc>
+            </a:pPr>
             <a:endParaRPr b="0" lang="en-US" sz="1800" spc="-1" strike="noStrike">
               <a:solidFill>
                 <a:schemeClr val="lt1"/>
@@ -30701,7 +33016,7 @@
         <p:spPr>
           <a:xfrm>
             <a:off x="7955280" y="3108960"/>
-            <a:ext cx="3290400" cy="2741760"/>
+            <a:ext cx="3290040" cy="2741400"/>
           </a:xfrm>
           <a:prstGeom prst="roundRect">
             <a:avLst>
@@ -30910,7 +33225,7 @@
         <p:spPr>
           <a:xfrm>
             <a:off x="4600080" y="6446520"/>
-            <a:ext cx="3051360" cy="363960"/>
+            <a:ext cx="3051000" cy="363960"/>
           </a:xfrm>
           <a:prstGeom prst="rect">
             <a:avLst/>
@@ -30994,7 +33309,7 @@
         <p:spPr>
           <a:xfrm>
             <a:off x="0" y="0"/>
-            <a:ext cx="12187440" cy="6856560"/>
+            <a:ext cx="12187080" cy="6856200"/>
           </a:xfrm>
           <a:prstGeom prst="rect">
             <a:avLst/>
@@ -31030,6 +33345,11 @@
             <a:noAutofit/>
           </a:bodyPr>
           <a:p>
+            <a:pPr>
+              <a:lnSpc>
+                <a:spcPct val="100000"/>
+              </a:lnSpc>
+            </a:pPr>
             <a:endParaRPr b="0" lang="en-US" sz="1800" spc="-1" strike="noStrike">
               <a:solidFill>
                 <a:schemeClr val="lt1"/>
@@ -31049,7 +33369,7 @@
         <p:spPr>
           <a:xfrm>
             <a:off x="0" y="0"/>
-            <a:ext cx="16920" cy="6856560"/>
+            <a:ext cx="16560" cy="6856200"/>
           </a:xfrm>
           <a:prstGeom prst="rect">
             <a:avLst/>
@@ -31085,6 +33405,11 @@
             <a:noAutofit/>
           </a:bodyPr>
           <a:p>
+            <a:pPr>
+              <a:lnSpc>
+                <a:spcPct val="100000"/>
+              </a:lnSpc>
+            </a:pPr>
             <a:endParaRPr b="0" lang="en-US" sz="1800" spc="-1" strike="noStrike">
               <a:solidFill>
                 <a:schemeClr val="lt1"/>
@@ -31104,7 +33429,7 @@
         <p:spPr>
           <a:xfrm>
             <a:off x="914400" y="0"/>
-            <a:ext cx="16920" cy="6856560"/>
+            <a:ext cx="16560" cy="6856200"/>
           </a:xfrm>
           <a:prstGeom prst="rect">
             <a:avLst/>
@@ -31140,6 +33465,11 @@
             <a:noAutofit/>
           </a:bodyPr>
           <a:p>
+            <a:pPr>
+              <a:lnSpc>
+                <a:spcPct val="100000"/>
+              </a:lnSpc>
+            </a:pPr>
             <a:endParaRPr b="0" lang="en-US" sz="1800" spc="-1" strike="noStrike">
               <a:solidFill>
                 <a:schemeClr val="lt1"/>
@@ -31159,7 +33489,7 @@
         <p:spPr>
           <a:xfrm>
             <a:off x="1828800" y="0"/>
-            <a:ext cx="16920" cy="6856560"/>
+            <a:ext cx="16560" cy="6856200"/>
           </a:xfrm>
           <a:prstGeom prst="rect">
             <a:avLst/>
@@ -31195,6 +33525,11 @@
             <a:noAutofit/>
           </a:bodyPr>
           <a:p>
+            <a:pPr>
+              <a:lnSpc>
+                <a:spcPct val="100000"/>
+              </a:lnSpc>
+            </a:pPr>
             <a:endParaRPr b="0" lang="en-US" sz="1800" spc="-1" strike="noStrike">
               <a:solidFill>
                 <a:schemeClr val="lt1"/>
@@ -31214,7 +33549,7 @@
         <p:spPr>
           <a:xfrm>
             <a:off x="2743200" y="0"/>
-            <a:ext cx="16920" cy="6856560"/>
+            <a:ext cx="16560" cy="6856200"/>
           </a:xfrm>
           <a:prstGeom prst="rect">
             <a:avLst/>
@@ -31250,6 +33585,11 @@
             <a:noAutofit/>
           </a:bodyPr>
           <a:p>
+            <a:pPr>
+              <a:lnSpc>
+                <a:spcPct val="100000"/>
+              </a:lnSpc>
+            </a:pPr>
             <a:endParaRPr b="0" lang="en-US" sz="1800" spc="-1" strike="noStrike">
               <a:solidFill>
                 <a:schemeClr val="lt1"/>
@@ -31269,7 +33609,7 @@
         <p:spPr>
           <a:xfrm>
             <a:off x="3657600" y="0"/>
-            <a:ext cx="16920" cy="6856560"/>
+            <a:ext cx="16560" cy="6856200"/>
           </a:xfrm>
           <a:prstGeom prst="rect">
             <a:avLst/>
@@ -31305,6 +33645,11 @@
             <a:noAutofit/>
           </a:bodyPr>
           <a:p>
+            <a:pPr>
+              <a:lnSpc>
+                <a:spcPct val="100000"/>
+              </a:lnSpc>
+            </a:pPr>
             <a:endParaRPr b="0" lang="en-US" sz="1800" spc="-1" strike="noStrike">
               <a:solidFill>
                 <a:schemeClr val="lt1"/>
@@ -31324,7 +33669,7 @@
         <p:spPr>
           <a:xfrm>
             <a:off x="4572000" y="0"/>
-            <a:ext cx="16920" cy="6856560"/>
+            <a:ext cx="16560" cy="6856200"/>
           </a:xfrm>
           <a:prstGeom prst="rect">
             <a:avLst/>
@@ -31360,6 +33705,11 @@
             <a:noAutofit/>
           </a:bodyPr>
           <a:p>
+            <a:pPr>
+              <a:lnSpc>
+                <a:spcPct val="100000"/>
+              </a:lnSpc>
+            </a:pPr>
             <a:endParaRPr b="0" lang="en-US" sz="1800" spc="-1" strike="noStrike">
               <a:solidFill>
                 <a:schemeClr val="lt1"/>
@@ -31379,7 +33729,7 @@
         <p:spPr>
           <a:xfrm>
             <a:off x="5486400" y="0"/>
-            <a:ext cx="16920" cy="6856560"/>
+            <a:ext cx="16560" cy="6856200"/>
           </a:xfrm>
           <a:prstGeom prst="rect">
             <a:avLst/>
@@ -31415,6 +33765,11 @@
             <a:noAutofit/>
           </a:bodyPr>
           <a:p>
+            <a:pPr>
+              <a:lnSpc>
+                <a:spcPct val="100000"/>
+              </a:lnSpc>
+            </a:pPr>
             <a:endParaRPr b="0" lang="en-US" sz="1800" spc="-1" strike="noStrike">
               <a:solidFill>
                 <a:schemeClr val="lt1"/>
@@ -31434,7 +33789,7 @@
         <p:spPr>
           <a:xfrm>
             <a:off x="6400800" y="0"/>
-            <a:ext cx="16920" cy="6856560"/>
+            <a:ext cx="16560" cy="6856200"/>
           </a:xfrm>
           <a:prstGeom prst="rect">
             <a:avLst/>
@@ -31470,6 +33825,11 @@
             <a:noAutofit/>
           </a:bodyPr>
           <a:p>
+            <a:pPr>
+              <a:lnSpc>
+                <a:spcPct val="100000"/>
+              </a:lnSpc>
+            </a:pPr>
             <a:endParaRPr b="0" lang="en-US" sz="1800" spc="-1" strike="noStrike">
               <a:solidFill>
                 <a:schemeClr val="lt1"/>
@@ -31489,7 +33849,7 @@
         <p:spPr>
           <a:xfrm>
             <a:off x="7315200" y="0"/>
-            <a:ext cx="16920" cy="6856560"/>
+            <a:ext cx="16560" cy="6856200"/>
           </a:xfrm>
           <a:prstGeom prst="rect">
             <a:avLst/>
@@ -31525,6 +33885,11 @@
             <a:noAutofit/>
           </a:bodyPr>
           <a:p>
+            <a:pPr>
+              <a:lnSpc>
+                <a:spcPct val="100000"/>
+              </a:lnSpc>
+            </a:pPr>
             <a:endParaRPr b="0" lang="en-US" sz="1800" spc="-1" strike="noStrike">
               <a:solidFill>
                 <a:schemeClr val="lt1"/>
@@ -31544,7 +33909,7 @@
         <p:spPr>
           <a:xfrm>
             <a:off x="8229600" y="0"/>
-            <a:ext cx="16920" cy="6856560"/>
+            <a:ext cx="16560" cy="6856200"/>
           </a:xfrm>
           <a:prstGeom prst="rect">
             <a:avLst/>
@@ -31580,6 +33945,11 @@
             <a:noAutofit/>
           </a:bodyPr>
           <a:p>
+            <a:pPr>
+              <a:lnSpc>
+                <a:spcPct val="100000"/>
+              </a:lnSpc>
+            </a:pPr>
             <a:endParaRPr b="0" lang="en-US" sz="1800" spc="-1" strike="noStrike">
               <a:solidFill>
                 <a:schemeClr val="lt1"/>
@@ -31599,7 +33969,7 @@
         <p:spPr>
           <a:xfrm>
             <a:off x="9144000" y="0"/>
-            <a:ext cx="16920" cy="6856560"/>
+            <a:ext cx="16560" cy="6856200"/>
           </a:xfrm>
           <a:prstGeom prst="rect">
             <a:avLst/>
@@ -31635,6 +34005,11 @@
             <a:noAutofit/>
           </a:bodyPr>
           <a:p>
+            <a:pPr>
+              <a:lnSpc>
+                <a:spcPct val="100000"/>
+              </a:lnSpc>
+            </a:pPr>
             <a:endParaRPr b="0" lang="en-US" sz="1800" spc="-1" strike="noStrike">
               <a:solidFill>
                 <a:schemeClr val="lt1"/>
@@ -31654,7 +34029,7 @@
         <p:spPr>
           <a:xfrm>
             <a:off x="10058400" y="0"/>
-            <a:ext cx="16920" cy="6856560"/>
+            <a:ext cx="16560" cy="6856200"/>
           </a:xfrm>
           <a:prstGeom prst="rect">
             <a:avLst/>
@@ -31690,6 +34065,11 @@
             <a:noAutofit/>
           </a:bodyPr>
           <a:p>
+            <a:pPr>
+              <a:lnSpc>
+                <a:spcPct val="100000"/>
+              </a:lnSpc>
+            </a:pPr>
             <a:endParaRPr b="0" lang="en-US" sz="1800" spc="-1" strike="noStrike">
               <a:solidFill>
                 <a:schemeClr val="lt1"/>
@@ -31709,7 +34089,7 @@
         <p:spPr>
           <a:xfrm>
             <a:off x="10972800" y="0"/>
-            <a:ext cx="16920" cy="6856560"/>
+            <a:ext cx="16560" cy="6856200"/>
           </a:xfrm>
           <a:prstGeom prst="rect">
             <a:avLst/>
@@ -31745,6 +34125,11 @@
             <a:noAutofit/>
           </a:bodyPr>
           <a:p>
+            <a:pPr>
+              <a:lnSpc>
+                <a:spcPct val="100000"/>
+              </a:lnSpc>
+            </a:pPr>
             <a:endParaRPr b="0" lang="en-US" sz="1800" spc="-1" strike="noStrike">
               <a:solidFill>
                 <a:schemeClr val="lt1"/>
@@ -31764,7 +34149,7 @@
         <p:spPr>
           <a:xfrm>
             <a:off x="11887200" y="0"/>
-            <a:ext cx="16920" cy="6856560"/>
+            <a:ext cx="16560" cy="6856200"/>
           </a:xfrm>
           <a:prstGeom prst="rect">
             <a:avLst/>
@@ -31800,6 +34185,11 @@
             <a:noAutofit/>
           </a:bodyPr>
           <a:p>
+            <a:pPr>
+              <a:lnSpc>
+                <a:spcPct val="100000"/>
+              </a:lnSpc>
+            </a:pPr>
             <a:endParaRPr b="0" lang="en-US" sz="1800" spc="-1" strike="noStrike">
               <a:solidFill>
                 <a:schemeClr val="lt1"/>
@@ -31819,7 +34209,7 @@
         <p:spPr>
           <a:xfrm>
             <a:off x="0" y="0"/>
-            <a:ext cx="318600" cy="6856560"/>
+            <a:ext cx="318240" cy="6856200"/>
           </a:xfrm>
           <a:prstGeom prst="rect">
             <a:avLst/>
@@ -31855,6 +34245,11 @@
             <a:noAutofit/>
           </a:bodyPr>
           <a:p>
+            <a:pPr>
+              <a:lnSpc>
+                <a:spcPct val="100000"/>
+              </a:lnSpc>
+            </a:pPr>
             <a:endParaRPr b="0" lang="en-US" sz="1800" spc="-1" strike="noStrike">
               <a:solidFill>
                 <a:schemeClr val="lt1"/>
@@ -31874,7 +34269,7 @@
         <p:spPr>
           <a:xfrm>
             <a:off x="9875520" y="365760"/>
-            <a:ext cx="2010240" cy="501480"/>
+            <a:ext cx="2009880" cy="501120"/>
           </a:xfrm>
           <a:prstGeom prst="roundRect">
             <a:avLst>
@@ -31948,7 +34343,7 @@
         <p:spPr>
           <a:xfrm>
             <a:off x="2216880" y="1005840"/>
-            <a:ext cx="6537600" cy="638280"/>
+            <a:ext cx="6537240" cy="638280"/>
           </a:xfrm>
           <a:prstGeom prst="rect">
             <a:avLst/>
@@ -32002,7 +34397,7 @@
         <p:spPr>
           <a:xfrm>
             <a:off x="-1019160" y="2194560"/>
-            <a:ext cx="13024080" cy="318600"/>
+            <a:ext cx="13024080" cy="317880"/>
           </a:xfrm>
           <a:prstGeom prst="rect">
             <a:avLst/>
@@ -32066,7 +34461,7 @@
         <p:spPr>
           <a:xfrm>
             <a:off x="987480" y="3182040"/>
-            <a:ext cx="3290400" cy="2741760"/>
+            <a:ext cx="3290040" cy="2741400"/>
           </a:xfrm>
           <a:prstGeom prst="roundRect">
             <a:avLst>
@@ -32104,6 +34499,11 @@
             <a:noAutofit/>
           </a:bodyPr>
           <a:p>
+            <a:pPr>
+              <a:lnSpc>
+                <a:spcPct val="100000"/>
+              </a:lnSpc>
+            </a:pPr>
             <a:endParaRPr b="0" lang="en-US" sz="1800" spc="-1" strike="noStrike">
               <a:solidFill>
                 <a:schemeClr val="lt1"/>
@@ -32123,7 +34523,7 @@
         <p:spPr>
           <a:xfrm>
             <a:off x="914400" y="3108960"/>
-            <a:ext cx="3290400" cy="2741760"/>
+            <a:ext cx="3290040" cy="2741400"/>
           </a:xfrm>
           <a:prstGeom prst="roundRect">
             <a:avLst>
@@ -32386,7 +34786,7 @@
         <p:spPr>
           <a:xfrm>
             <a:off x="4507920" y="3182040"/>
-            <a:ext cx="3290400" cy="2741760"/>
+            <a:ext cx="3290040" cy="2741400"/>
           </a:xfrm>
           <a:prstGeom prst="roundRect">
             <a:avLst>
@@ -32424,6 +34824,11 @@
             <a:noAutofit/>
           </a:bodyPr>
           <a:p>
+            <a:pPr>
+              <a:lnSpc>
+                <a:spcPct val="100000"/>
+              </a:lnSpc>
+            </a:pPr>
             <a:endParaRPr b="0" lang="en-US" sz="1800" spc="-1" strike="noStrike">
               <a:solidFill>
                 <a:schemeClr val="lt1"/>
@@ -32443,7 +34848,7 @@
         <p:spPr>
           <a:xfrm>
             <a:off x="4434840" y="3108960"/>
-            <a:ext cx="3290400" cy="2741760"/>
+            <a:ext cx="3290040" cy="2741400"/>
           </a:xfrm>
           <a:prstGeom prst="roundRect">
             <a:avLst>
@@ -32747,7 +35152,7 @@
         <p:spPr>
           <a:xfrm>
             <a:off x="8028360" y="3182040"/>
-            <a:ext cx="3290400" cy="2741760"/>
+            <a:ext cx="3290040" cy="2741400"/>
           </a:xfrm>
           <a:prstGeom prst="roundRect">
             <a:avLst>
@@ -32785,6 +35190,11 @@
             <a:noAutofit/>
           </a:bodyPr>
           <a:p>
+            <a:pPr>
+              <a:lnSpc>
+                <a:spcPct val="100000"/>
+              </a:lnSpc>
+            </a:pPr>
             <a:endParaRPr b="0" lang="en-US" sz="1800" spc="-1" strike="noStrike">
               <a:solidFill>
                 <a:schemeClr val="lt1"/>
@@ -32804,7 +35214,7 @@
         <p:spPr>
           <a:xfrm>
             <a:off x="7955280" y="3108960"/>
-            <a:ext cx="3290400" cy="2741760"/>
+            <a:ext cx="3290040" cy="2741400"/>
           </a:xfrm>
           <a:prstGeom prst="roundRect">
             <a:avLst>
@@ -33111,7 +35521,2166 @@
         <p:spPr>
           <a:xfrm>
             <a:off x="4600080" y="6446520"/>
-            <a:ext cx="3051360" cy="363960"/>
+            <a:ext cx="3051000" cy="363960"/>
+          </a:xfrm>
+          <a:prstGeom prst="rect">
+            <a:avLst/>
+          </a:prstGeom>
+          <a:noFill/>
+          <a:ln w="0">
+            <a:noFill/>
+          </a:ln>
+        </p:spPr>
+        <p:style>
+          <a:lnRef idx="0"/>
+          <a:fillRef idx="0"/>
+          <a:effectRef idx="0"/>
+          <a:fontRef idx="minor"/>
+        </p:style>
+        <p:txBody>
+          <a:bodyPr wrap="none" lIns="90000" rIns="90000" tIns="45000" bIns="45000" anchor="t">
+            <a:spAutoFit/>
+          </a:bodyPr>
+          <a:p>
+            <a:pPr>
+              <a:lnSpc>
+                <a:spcPct val="100000"/>
+              </a:lnSpc>
+            </a:pPr>
+            <a:r>
+              <a:rPr b="0" lang="en-US" sz="1800" spc="-1" strike="noStrike">
+                <a:solidFill>
+                  <a:srgbClr val="000000"/>
+                </a:solidFill>
+                <a:latin typeface="Calibri"/>
+                <a:ea typeface="DejaVu Sans"/>
+              </a:rPr>
+              <a:t>Java • Ultra Premium Template</a:t>
+            </a:r>
+            <a:endParaRPr b="0" lang="en-US" sz="1800" spc="-1" strike="noStrike">
+              <a:solidFill>
+                <a:srgbClr val="000000"/>
+              </a:solidFill>
+              <a:latin typeface="Arial"/>
+            </a:endParaRPr>
+          </a:p>
+        </p:txBody>
+      </p:sp>
+    </p:spTree>
+  </p:cSld>
+  <mc:AlternateContent>
+    <mc:Choice Requires="p14">
+      <p:transition spd="slow" p14:dur="2000"/>
+    </mc:Choice>
+    <mc:Fallback>
+      <p:transition spd="slow"/>
+    </mc:Fallback>
+  </mc:AlternateContent>
+</p:sld>
+</file>
+
+<file path=ppt/slides/slide9.xml><?xml version="1.0" encoding="utf-8"?>
+<p:sld xmlns:a="http://schemas.openxmlformats.org/drawingml/2006/main" xmlns:p="http://schemas.openxmlformats.org/presentationml/2006/main" xmlns:r="http://schemas.openxmlformats.org/officeDocument/2006/relationships" xmlns:p14="http://schemas.microsoft.com/office/powerpoint/2010/main" xmlns:p15="http://schemas.microsoft.com/office/powerpoint/2012/main" xmlns:mc="http://schemas.openxmlformats.org/markup-compatibility/2006">
+  <p:cSld>
+    <p:spTree>
+      <p:nvGrpSpPr>
+        <p:cNvPr id="1" name=""/>
+        <p:cNvGrpSpPr/>
+        <p:nvPr/>
+      </p:nvGrpSpPr>
+      <p:grpSpPr>
+        <a:xfrm>
+          <a:off x="0" y="0"/>
+          <a:ext cx="0" cy="0"/>
+          <a:chOff x="0" y="0"/>
+          <a:chExt cx="0" cy="0"/>
+        </a:xfrm>
+      </p:grpSpPr>
+      <p:sp>
+        <p:nvSpPr>
+          <p:cNvPr id="413" name="Rectangle 129"/>
+          <p:cNvSpPr/>
+          <p:nvPr/>
+        </p:nvSpPr>
+        <p:spPr>
+          <a:xfrm>
+            <a:off x="0" y="0"/>
+            <a:ext cx="12187080" cy="6856200"/>
+          </a:xfrm>
+          <a:prstGeom prst="rect">
+            <a:avLst/>
+          </a:prstGeom>
+          <a:solidFill>
+            <a:srgbClr val="0b0b0d"/>
+          </a:solidFill>
+          <a:ln>
+            <a:noFill/>
+          </a:ln>
+          <a:effectLst>
+            <a:outerShdw blurRad="39960" dir="5400000" dist="23040" rotWithShape="0">
+              <a:srgbClr val="000000">
+                <a:alpha val="35000"/>
+              </a:srgbClr>
+            </a:outerShdw>
+          </a:effectLst>
+        </p:spPr>
+        <p:style>
+          <a:lnRef idx="1">
+            <a:schemeClr val="accent1"/>
+          </a:lnRef>
+          <a:fillRef idx="3">
+            <a:schemeClr val="accent1"/>
+          </a:fillRef>
+          <a:effectRef idx="2">
+            <a:schemeClr val="accent1"/>
+          </a:effectRef>
+          <a:fontRef idx="minor"/>
+        </p:style>
+        <p:txBody>
+          <a:bodyPr lIns="90000" rIns="90000" tIns="45000" bIns="45000" anchor="ctr">
+            <a:noAutofit/>
+          </a:bodyPr>
+          <a:p>
+            <a:endParaRPr b="0" lang="en-US" sz="1800" spc="-1" strike="noStrike">
+              <a:solidFill>
+                <a:schemeClr val="lt1"/>
+              </a:solidFill>
+              <a:latin typeface="Calibri"/>
+              <a:ea typeface="DejaVu Sans"/>
+            </a:endParaRPr>
+          </a:p>
+        </p:txBody>
+      </p:sp>
+      <p:sp>
+        <p:nvSpPr>
+          <p:cNvPr id="414" name="Rectangle 130"/>
+          <p:cNvSpPr/>
+          <p:nvPr/>
+        </p:nvSpPr>
+        <p:spPr>
+          <a:xfrm>
+            <a:off x="0" y="0"/>
+            <a:ext cx="16560" cy="6856200"/>
+          </a:xfrm>
+          <a:prstGeom prst="rect">
+            <a:avLst/>
+          </a:prstGeom>
+          <a:solidFill>
+            <a:srgbClr val="121216"/>
+          </a:solidFill>
+          <a:ln>
+            <a:noFill/>
+          </a:ln>
+          <a:effectLst>
+            <a:outerShdw blurRad="39960" dir="5400000" dist="23040" rotWithShape="0">
+              <a:srgbClr val="000000">
+                <a:alpha val="35000"/>
+              </a:srgbClr>
+            </a:outerShdw>
+          </a:effectLst>
+        </p:spPr>
+        <p:style>
+          <a:lnRef idx="1">
+            <a:schemeClr val="accent1"/>
+          </a:lnRef>
+          <a:fillRef idx="3">
+            <a:schemeClr val="accent1"/>
+          </a:fillRef>
+          <a:effectRef idx="2">
+            <a:schemeClr val="accent1"/>
+          </a:effectRef>
+          <a:fontRef idx="minor"/>
+        </p:style>
+        <p:txBody>
+          <a:bodyPr lIns="90000" rIns="90000" tIns="45000" bIns="45000" anchor="ctr">
+            <a:noAutofit/>
+          </a:bodyPr>
+          <a:p>
+            <a:endParaRPr b="0" lang="en-US" sz="1800" spc="-1" strike="noStrike">
+              <a:solidFill>
+                <a:schemeClr val="lt1"/>
+              </a:solidFill>
+              <a:latin typeface="Calibri"/>
+              <a:ea typeface="DejaVu Sans"/>
+            </a:endParaRPr>
+          </a:p>
+        </p:txBody>
+      </p:sp>
+      <p:sp>
+        <p:nvSpPr>
+          <p:cNvPr id="415" name="Rectangle 131"/>
+          <p:cNvSpPr/>
+          <p:nvPr/>
+        </p:nvSpPr>
+        <p:spPr>
+          <a:xfrm>
+            <a:off x="914400" y="0"/>
+            <a:ext cx="16560" cy="6856200"/>
+          </a:xfrm>
+          <a:prstGeom prst="rect">
+            <a:avLst/>
+          </a:prstGeom>
+          <a:solidFill>
+            <a:srgbClr val="121216"/>
+          </a:solidFill>
+          <a:ln>
+            <a:noFill/>
+          </a:ln>
+          <a:effectLst>
+            <a:outerShdw blurRad="39960" dir="5400000" dist="23040" rotWithShape="0">
+              <a:srgbClr val="000000">
+                <a:alpha val="35000"/>
+              </a:srgbClr>
+            </a:outerShdw>
+          </a:effectLst>
+        </p:spPr>
+        <p:style>
+          <a:lnRef idx="1">
+            <a:schemeClr val="accent1"/>
+          </a:lnRef>
+          <a:fillRef idx="3">
+            <a:schemeClr val="accent1"/>
+          </a:fillRef>
+          <a:effectRef idx="2">
+            <a:schemeClr val="accent1"/>
+          </a:effectRef>
+          <a:fontRef idx="minor"/>
+        </p:style>
+        <p:txBody>
+          <a:bodyPr lIns="90000" rIns="90000" tIns="45000" bIns="45000" anchor="ctr">
+            <a:noAutofit/>
+          </a:bodyPr>
+          <a:p>
+            <a:endParaRPr b="0" lang="en-US" sz="1800" spc="-1" strike="noStrike">
+              <a:solidFill>
+                <a:schemeClr val="lt1"/>
+              </a:solidFill>
+              <a:latin typeface="Calibri"/>
+              <a:ea typeface="DejaVu Sans"/>
+            </a:endParaRPr>
+          </a:p>
+        </p:txBody>
+      </p:sp>
+      <p:sp>
+        <p:nvSpPr>
+          <p:cNvPr id="416" name="Rectangle 132"/>
+          <p:cNvSpPr/>
+          <p:nvPr/>
+        </p:nvSpPr>
+        <p:spPr>
+          <a:xfrm>
+            <a:off x="1828800" y="0"/>
+            <a:ext cx="16560" cy="6856200"/>
+          </a:xfrm>
+          <a:prstGeom prst="rect">
+            <a:avLst/>
+          </a:prstGeom>
+          <a:solidFill>
+            <a:srgbClr val="121216"/>
+          </a:solidFill>
+          <a:ln>
+            <a:noFill/>
+          </a:ln>
+          <a:effectLst>
+            <a:outerShdw blurRad="39960" dir="5400000" dist="23040" rotWithShape="0">
+              <a:srgbClr val="000000">
+                <a:alpha val="35000"/>
+              </a:srgbClr>
+            </a:outerShdw>
+          </a:effectLst>
+        </p:spPr>
+        <p:style>
+          <a:lnRef idx="1">
+            <a:schemeClr val="accent1"/>
+          </a:lnRef>
+          <a:fillRef idx="3">
+            <a:schemeClr val="accent1"/>
+          </a:fillRef>
+          <a:effectRef idx="2">
+            <a:schemeClr val="accent1"/>
+          </a:effectRef>
+          <a:fontRef idx="minor"/>
+        </p:style>
+        <p:txBody>
+          <a:bodyPr lIns="90000" rIns="90000" tIns="45000" bIns="45000" anchor="ctr">
+            <a:noAutofit/>
+          </a:bodyPr>
+          <a:p>
+            <a:endParaRPr b="0" lang="en-US" sz="1800" spc="-1" strike="noStrike">
+              <a:solidFill>
+                <a:schemeClr val="lt1"/>
+              </a:solidFill>
+              <a:latin typeface="Calibri"/>
+              <a:ea typeface="DejaVu Sans"/>
+            </a:endParaRPr>
+          </a:p>
+        </p:txBody>
+      </p:sp>
+      <p:sp>
+        <p:nvSpPr>
+          <p:cNvPr id="417" name="Rectangle 133"/>
+          <p:cNvSpPr/>
+          <p:nvPr/>
+        </p:nvSpPr>
+        <p:spPr>
+          <a:xfrm>
+            <a:off x="2743200" y="0"/>
+            <a:ext cx="16560" cy="6856200"/>
+          </a:xfrm>
+          <a:prstGeom prst="rect">
+            <a:avLst/>
+          </a:prstGeom>
+          <a:solidFill>
+            <a:srgbClr val="121216"/>
+          </a:solidFill>
+          <a:ln>
+            <a:noFill/>
+          </a:ln>
+          <a:effectLst>
+            <a:outerShdw blurRad="39960" dir="5400000" dist="23040" rotWithShape="0">
+              <a:srgbClr val="000000">
+                <a:alpha val="35000"/>
+              </a:srgbClr>
+            </a:outerShdw>
+          </a:effectLst>
+        </p:spPr>
+        <p:style>
+          <a:lnRef idx="1">
+            <a:schemeClr val="accent1"/>
+          </a:lnRef>
+          <a:fillRef idx="3">
+            <a:schemeClr val="accent1"/>
+          </a:fillRef>
+          <a:effectRef idx="2">
+            <a:schemeClr val="accent1"/>
+          </a:effectRef>
+          <a:fontRef idx="minor"/>
+        </p:style>
+        <p:txBody>
+          <a:bodyPr lIns="90000" rIns="90000" tIns="45000" bIns="45000" anchor="ctr">
+            <a:noAutofit/>
+          </a:bodyPr>
+          <a:p>
+            <a:endParaRPr b="0" lang="en-US" sz="1800" spc="-1" strike="noStrike">
+              <a:solidFill>
+                <a:schemeClr val="lt1"/>
+              </a:solidFill>
+              <a:latin typeface="Calibri"/>
+              <a:ea typeface="DejaVu Sans"/>
+            </a:endParaRPr>
+          </a:p>
+        </p:txBody>
+      </p:sp>
+      <p:sp>
+        <p:nvSpPr>
+          <p:cNvPr id="418" name="Rectangle 134"/>
+          <p:cNvSpPr/>
+          <p:nvPr/>
+        </p:nvSpPr>
+        <p:spPr>
+          <a:xfrm>
+            <a:off x="3657600" y="0"/>
+            <a:ext cx="16560" cy="6856200"/>
+          </a:xfrm>
+          <a:prstGeom prst="rect">
+            <a:avLst/>
+          </a:prstGeom>
+          <a:solidFill>
+            <a:srgbClr val="121216"/>
+          </a:solidFill>
+          <a:ln>
+            <a:noFill/>
+          </a:ln>
+          <a:effectLst>
+            <a:outerShdw blurRad="39960" dir="5400000" dist="23040" rotWithShape="0">
+              <a:srgbClr val="000000">
+                <a:alpha val="35000"/>
+              </a:srgbClr>
+            </a:outerShdw>
+          </a:effectLst>
+        </p:spPr>
+        <p:style>
+          <a:lnRef idx="1">
+            <a:schemeClr val="accent1"/>
+          </a:lnRef>
+          <a:fillRef idx="3">
+            <a:schemeClr val="accent1"/>
+          </a:fillRef>
+          <a:effectRef idx="2">
+            <a:schemeClr val="accent1"/>
+          </a:effectRef>
+          <a:fontRef idx="minor"/>
+        </p:style>
+        <p:txBody>
+          <a:bodyPr lIns="90000" rIns="90000" tIns="45000" bIns="45000" anchor="ctr">
+            <a:noAutofit/>
+          </a:bodyPr>
+          <a:p>
+            <a:endParaRPr b="0" lang="en-US" sz="1800" spc="-1" strike="noStrike">
+              <a:solidFill>
+                <a:schemeClr val="lt1"/>
+              </a:solidFill>
+              <a:latin typeface="Calibri"/>
+              <a:ea typeface="DejaVu Sans"/>
+            </a:endParaRPr>
+          </a:p>
+        </p:txBody>
+      </p:sp>
+      <p:sp>
+        <p:nvSpPr>
+          <p:cNvPr id="419" name="Rectangle 135"/>
+          <p:cNvSpPr/>
+          <p:nvPr/>
+        </p:nvSpPr>
+        <p:spPr>
+          <a:xfrm>
+            <a:off x="4572000" y="0"/>
+            <a:ext cx="16560" cy="6856200"/>
+          </a:xfrm>
+          <a:prstGeom prst="rect">
+            <a:avLst/>
+          </a:prstGeom>
+          <a:solidFill>
+            <a:srgbClr val="121216"/>
+          </a:solidFill>
+          <a:ln>
+            <a:noFill/>
+          </a:ln>
+          <a:effectLst>
+            <a:outerShdw blurRad="39960" dir="5400000" dist="23040" rotWithShape="0">
+              <a:srgbClr val="000000">
+                <a:alpha val="35000"/>
+              </a:srgbClr>
+            </a:outerShdw>
+          </a:effectLst>
+        </p:spPr>
+        <p:style>
+          <a:lnRef idx="1">
+            <a:schemeClr val="accent1"/>
+          </a:lnRef>
+          <a:fillRef idx="3">
+            <a:schemeClr val="accent1"/>
+          </a:fillRef>
+          <a:effectRef idx="2">
+            <a:schemeClr val="accent1"/>
+          </a:effectRef>
+          <a:fontRef idx="minor"/>
+        </p:style>
+        <p:txBody>
+          <a:bodyPr lIns="90000" rIns="90000" tIns="45000" bIns="45000" anchor="ctr">
+            <a:noAutofit/>
+          </a:bodyPr>
+          <a:p>
+            <a:endParaRPr b="0" lang="en-US" sz="1800" spc="-1" strike="noStrike">
+              <a:solidFill>
+                <a:schemeClr val="lt1"/>
+              </a:solidFill>
+              <a:latin typeface="Calibri"/>
+              <a:ea typeface="DejaVu Sans"/>
+            </a:endParaRPr>
+          </a:p>
+        </p:txBody>
+      </p:sp>
+      <p:sp>
+        <p:nvSpPr>
+          <p:cNvPr id="420" name="Rectangle 136"/>
+          <p:cNvSpPr/>
+          <p:nvPr/>
+        </p:nvSpPr>
+        <p:spPr>
+          <a:xfrm>
+            <a:off x="5486400" y="0"/>
+            <a:ext cx="16560" cy="6856200"/>
+          </a:xfrm>
+          <a:prstGeom prst="rect">
+            <a:avLst/>
+          </a:prstGeom>
+          <a:solidFill>
+            <a:srgbClr val="121216"/>
+          </a:solidFill>
+          <a:ln>
+            <a:noFill/>
+          </a:ln>
+          <a:effectLst>
+            <a:outerShdw blurRad="39960" dir="5400000" dist="23040" rotWithShape="0">
+              <a:srgbClr val="000000">
+                <a:alpha val="35000"/>
+              </a:srgbClr>
+            </a:outerShdw>
+          </a:effectLst>
+        </p:spPr>
+        <p:style>
+          <a:lnRef idx="1">
+            <a:schemeClr val="accent1"/>
+          </a:lnRef>
+          <a:fillRef idx="3">
+            <a:schemeClr val="accent1"/>
+          </a:fillRef>
+          <a:effectRef idx="2">
+            <a:schemeClr val="accent1"/>
+          </a:effectRef>
+          <a:fontRef idx="minor"/>
+        </p:style>
+        <p:txBody>
+          <a:bodyPr lIns="90000" rIns="90000" tIns="45000" bIns="45000" anchor="ctr">
+            <a:noAutofit/>
+          </a:bodyPr>
+          <a:p>
+            <a:endParaRPr b="0" lang="en-US" sz="1800" spc="-1" strike="noStrike">
+              <a:solidFill>
+                <a:schemeClr val="lt1"/>
+              </a:solidFill>
+              <a:latin typeface="Calibri"/>
+              <a:ea typeface="DejaVu Sans"/>
+            </a:endParaRPr>
+          </a:p>
+        </p:txBody>
+      </p:sp>
+      <p:sp>
+        <p:nvSpPr>
+          <p:cNvPr id="421" name="Rectangle 137"/>
+          <p:cNvSpPr/>
+          <p:nvPr/>
+        </p:nvSpPr>
+        <p:spPr>
+          <a:xfrm>
+            <a:off x="6400800" y="0"/>
+            <a:ext cx="16560" cy="6856200"/>
+          </a:xfrm>
+          <a:prstGeom prst="rect">
+            <a:avLst/>
+          </a:prstGeom>
+          <a:solidFill>
+            <a:srgbClr val="121216"/>
+          </a:solidFill>
+          <a:ln>
+            <a:noFill/>
+          </a:ln>
+          <a:effectLst>
+            <a:outerShdw blurRad="39960" dir="5400000" dist="23040" rotWithShape="0">
+              <a:srgbClr val="000000">
+                <a:alpha val="35000"/>
+              </a:srgbClr>
+            </a:outerShdw>
+          </a:effectLst>
+        </p:spPr>
+        <p:style>
+          <a:lnRef idx="1">
+            <a:schemeClr val="accent1"/>
+          </a:lnRef>
+          <a:fillRef idx="3">
+            <a:schemeClr val="accent1"/>
+          </a:fillRef>
+          <a:effectRef idx="2">
+            <a:schemeClr val="accent1"/>
+          </a:effectRef>
+          <a:fontRef idx="minor"/>
+        </p:style>
+        <p:txBody>
+          <a:bodyPr lIns="90000" rIns="90000" tIns="45000" bIns="45000" anchor="ctr">
+            <a:noAutofit/>
+          </a:bodyPr>
+          <a:p>
+            <a:endParaRPr b="0" lang="en-US" sz="1800" spc="-1" strike="noStrike">
+              <a:solidFill>
+                <a:schemeClr val="lt1"/>
+              </a:solidFill>
+              <a:latin typeface="Calibri"/>
+              <a:ea typeface="DejaVu Sans"/>
+            </a:endParaRPr>
+          </a:p>
+        </p:txBody>
+      </p:sp>
+      <p:sp>
+        <p:nvSpPr>
+          <p:cNvPr id="422" name="Rectangle 138"/>
+          <p:cNvSpPr/>
+          <p:nvPr/>
+        </p:nvSpPr>
+        <p:spPr>
+          <a:xfrm>
+            <a:off x="7315200" y="0"/>
+            <a:ext cx="16560" cy="6856200"/>
+          </a:xfrm>
+          <a:prstGeom prst="rect">
+            <a:avLst/>
+          </a:prstGeom>
+          <a:solidFill>
+            <a:srgbClr val="121216"/>
+          </a:solidFill>
+          <a:ln>
+            <a:noFill/>
+          </a:ln>
+          <a:effectLst>
+            <a:outerShdw blurRad="39960" dir="5400000" dist="23040" rotWithShape="0">
+              <a:srgbClr val="000000">
+                <a:alpha val="35000"/>
+              </a:srgbClr>
+            </a:outerShdw>
+          </a:effectLst>
+        </p:spPr>
+        <p:style>
+          <a:lnRef idx="1">
+            <a:schemeClr val="accent1"/>
+          </a:lnRef>
+          <a:fillRef idx="3">
+            <a:schemeClr val="accent1"/>
+          </a:fillRef>
+          <a:effectRef idx="2">
+            <a:schemeClr val="accent1"/>
+          </a:effectRef>
+          <a:fontRef idx="minor"/>
+        </p:style>
+        <p:txBody>
+          <a:bodyPr lIns="90000" rIns="90000" tIns="45000" bIns="45000" anchor="ctr">
+            <a:noAutofit/>
+          </a:bodyPr>
+          <a:p>
+            <a:endParaRPr b="0" lang="en-US" sz="1800" spc="-1" strike="noStrike">
+              <a:solidFill>
+                <a:schemeClr val="lt1"/>
+              </a:solidFill>
+              <a:latin typeface="Calibri"/>
+              <a:ea typeface="DejaVu Sans"/>
+            </a:endParaRPr>
+          </a:p>
+        </p:txBody>
+      </p:sp>
+      <p:sp>
+        <p:nvSpPr>
+          <p:cNvPr id="423" name="Rectangle 139"/>
+          <p:cNvSpPr/>
+          <p:nvPr/>
+        </p:nvSpPr>
+        <p:spPr>
+          <a:xfrm>
+            <a:off x="8229600" y="0"/>
+            <a:ext cx="16560" cy="6856200"/>
+          </a:xfrm>
+          <a:prstGeom prst="rect">
+            <a:avLst/>
+          </a:prstGeom>
+          <a:solidFill>
+            <a:srgbClr val="121216"/>
+          </a:solidFill>
+          <a:ln>
+            <a:noFill/>
+          </a:ln>
+          <a:effectLst>
+            <a:outerShdw blurRad="39960" dir="5400000" dist="23040" rotWithShape="0">
+              <a:srgbClr val="000000">
+                <a:alpha val="35000"/>
+              </a:srgbClr>
+            </a:outerShdw>
+          </a:effectLst>
+        </p:spPr>
+        <p:style>
+          <a:lnRef idx="1">
+            <a:schemeClr val="accent1"/>
+          </a:lnRef>
+          <a:fillRef idx="3">
+            <a:schemeClr val="accent1"/>
+          </a:fillRef>
+          <a:effectRef idx="2">
+            <a:schemeClr val="accent1"/>
+          </a:effectRef>
+          <a:fontRef idx="minor"/>
+        </p:style>
+        <p:txBody>
+          <a:bodyPr lIns="90000" rIns="90000" tIns="45000" bIns="45000" anchor="ctr">
+            <a:noAutofit/>
+          </a:bodyPr>
+          <a:p>
+            <a:endParaRPr b="0" lang="en-US" sz="1800" spc="-1" strike="noStrike">
+              <a:solidFill>
+                <a:schemeClr val="lt1"/>
+              </a:solidFill>
+              <a:latin typeface="Calibri"/>
+              <a:ea typeface="DejaVu Sans"/>
+            </a:endParaRPr>
+          </a:p>
+        </p:txBody>
+      </p:sp>
+      <p:sp>
+        <p:nvSpPr>
+          <p:cNvPr id="424" name="Rectangle 140"/>
+          <p:cNvSpPr/>
+          <p:nvPr/>
+        </p:nvSpPr>
+        <p:spPr>
+          <a:xfrm>
+            <a:off x="9144000" y="0"/>
+            <a:ext cx="16560" cy="6856200"/>
+          </a:xfrm>
+          <a:prstGeom prst="rect">
+            <a:avLst/>
+          </a:prstGeom>
+          <a:solidFill>
+            <a:srgbClr val="121216"/>
+          </a:solidFill>
+          <a:ln>
+            <a:noFill/>
+          </a:ln>
+          <a:effectLst>
+            <a:outerShdw blurRad="39960" dir="5400000" dist="23040" rotWithShape="0">
+              <a:srgbClr val="000000">
+                <a:alpha val="35000"/>
+              </a:srgbClr>
+            </a:outerShdw>
+          </a:effectLst>
+        </p:spPr>
+        <p:style>
+          <a:lnRef idx="1">
+            <a:schemeClr val="accent1"/>
+          </a:lnRef>
+          <a:fillRef idx="3">
+            <a:schemeClr val="accent1"/>
+          </a:fillRef>
+          <a:effectRef idx="2">
+            <a:schemeClr val="accent1"/>
+          </a:effectRef>
+          <a:fontRef idx="minor"/>
+        </p:style>
+        <p:txBody>
+          <a:bodyPr lIns="90000" rIns="90000" tIns="45000" bIns="45000" anchor="ctr">
+            <a:noAutofit/>
+          </a:bodyPr>
+          <a:p>
+            <a:endParaRPr b="0" lang="en-US" sz="1800" spc="-1" strike="noStrike">
+              <a:solidFill>
+                <a:schemeClr val="lt1"/>
+              </a:solidFill>
+              <a:latin typeface="Calibri"/>
+              <a:ea typeface="DejaVu Sans"/>
+            </a:endParaRPr>
+          </a:p>
+        </p:txBody>
+      </p:sp>
+      <p:sp>
+        <p:nvSpPr>
+          <p:cNvPr id="425" name="Rectangle 141"/>
+          <p:cNvSpPr/>
+          <p:nvPr/>
+        </p:nvSpPr>
+        <p:spPr>
+          <a:xfrm>
+            <a:off x="10058400" y="0"/>
+            <a:ext cx="16560" cy="6856200"/>
+          </a:xfrm>
+          <a:prstGeom prst="rect">
+            <a:avLst/>
+          </a:prstGeom>
+          <a:solidFill>
+            <a:srgbClr val="121216"/>
+          </a:solidFill>
+          <a:ln>
+            <a:noFill/>
+          </a:ln>
+          <a:effectLst>
+            <a:outerShdw blurRad="39960" dir="5400000" dist="23040" rotWithShape="0">
+              <a:srgbClr val="000000">
+                <a:alpha val="35000"/>
+              </a:srgbClr>
+            </a:outerShdw>
+          </a:effectLst>
+        </p:spPr>
+        <p:style>
+          <a:lnRef idx="1">
+            <a:schemeClr val="accent1"/>
+          </a:lnRef>
+          <a:fillRef idx="3">
+            <a:schemeClr val="accent1"/>
+          </a:fillRef>
+          <a:effectRef idx="2">
+            <a:schemeClr val="accent1"/>
+          </a:effectRef>
+          <a:fontRef idx="minor"/>
+        </p:style>
+        <p:txBody>
+          <a:bodyPr lIns="90000" rIns="90000" tIns="45000" bIns="45000" anchor="ctr">
+            <a:noAutofit/>
+          </a:bodyPr>
+          <a:p>
+            <a:endParaRPr b="0" lang="en-US" sz="1800" spc="-1" strike="noStrike">
+              <a:solidFill>
+                <a:schemeClr val="lt1"/>
+              </a:solidFill>
+              <a:latin typeface="Calibri"/>
+              <a:ea typeface="DejaVu Sans"/>
+            </a:endParaRPr>
+          </a:p>
+        </p:txBody>
+      </p:sp>
+      <p:sp>
+        <p:nvSpPr>
+          <p:cNvPr id="426" name="Rectangle 142"/>
+          <p:cNvSpPr/>
+          <p:nvPr/>
+        </p:nvSpPr>
+        <p:spPr>
+          <a:xfrm>
+            <a:off x="10972800" y="0"/>
+            <a:ext cx="16560" cy="6856200"/>
+          </a:xfrm>
+          <a:prstGeom prst="rect">
+            <a:avLst/>
+          </a:prstGeom>
+          <a:solidFill>
+            <a:srgbClr val="121216"/>
+          </a:solidFill>
+          <a:ln>
+            <a:noFill/>
+          </a:ln>
+          <a:effectLst>
+            <a:outerShdw blurRad="39960" dir="5400000" dist="23040" rotWithShape="0">
+              <a:srgbClr val="000000">
+                <a:alpha val="35000"/>
+              </a:srgbClr>
+            </a:outerShdw>
+          </a:effectLst>
+        </p:spPr>
+        <p:style>
+          <a:lnRef idx="1">
+            <a:schemeClr val="accent1"/>
+          </a:lnRef>
+          <a:fillRef idx="3">
+            <a:schemeClr val="accent1"/>
+          </a:fillRef>
+          <a:effectRef idx="2">
+            <a:schemeClr val="accent1"/>
+          </a:effectRef>
+          <a:fontRef idx="minor"/>
+        </p:style>
+        <p:txBody>
+          <a:bodyPr lIns="90000" rIns="90000" tIns="45000" bIns="45000" anchor="ctr">
+            <a:noAutofit/>
+          </a:bodyPr>
+          <a:p>
+            <a:endParaRPr b="0" lang="en-US" sz="1800" spc="-1" strike="noStrike">
+              <a:solidFill>
+                <a:schemeClr val="lt1"/>
+              </a:solidFill>
+              <a:latin typeface="Calibri"/>
+              <a:ea typeface="DejaVu Sans"/>
+            </a:endParaRPr>
+          </a:p>
+        </p:txBody>
+      </p:sp>
+      <p:sp>
+        <p:nvSpPr>
+          <p:cNvPr id="427" name="Rectangle 143"/>
+          <p:cNvSpPr/>
+          <p:nvPr/>
+        </p:nvSpPr>
+        <p:spPr>
+          <a:xfrm>
+            <a:off x="11887200" y="0"/>
+            <a:ext cx="16560" cy="6856200"/>
+          </a:xfrm>
+          <a:prstGeom prst="rect">
+            <a:avLst/>
+          </a:prstGeom>
+          <a:solidFill>
+            <a:srgbClr val="121216"/>
+          </a:solidFill>
+          <a:ln>
+            <a:noFill/>
+          </a:ln>
+          <a:effectLst>
+            <a:outerShdw blurRad="39960" dir="5400000" dist="23040" rotWithShape="0">
+              <a:srgbClr val="000000">
+                <a:alpha val="35000"/>
+              </a:srgbClr>
+            </a:outerShdw>
+          </a:effectLst>
+        </p:spPr>
+        <p:style>
+          <a:lnRef idx="1">
+            <a:schemeClr val="accent1"/>
+          </a:lnRef>
+          <a:fillRef idx="3">
+            <a:schemeClr val="accent1"/>
+          </a:fillRef>
+          <a:effectRef idx="2">
+            <a:schemeClr val="accent1"/>
+          </a:effectRef>
+          <a:fontRef idx="minor"/>
+        </p:style>
+        <p:txBody>
+          <a:bodyPr lIns="90000" rIns="90000" tIns="45000" bIns="45000" anchor="ctr">
+            <a:noAutofit/>
+          </a:bodyPr>
+          <a:p>
+            <a:endParaRPr b="0" lang="en-US" sz="1800" spc="-1" strike="noStrike">
+              <a:solidFill>
+                <a:schemeClr val="lt1"/>
+              </a:solidFill>
+              <a:latin typeface="Calibri"/>
+              <a:ea typeface="DejaVu Sans"/>
+            </a:endParaRPr>
+          </a:p>
+        </p:txBody>
+      </p:sp>
+      <p:sp>
+        <p:nvSpPr>
+          <p:cNvPr id="428" name="Rectangle 144"/>
+          <p:cNvSpPr/>
+          <p:nvPr/>
+        </p:nvSpPr>
+        <p:spPr>
+          <a:xfrm>
+            <a:off x="0" y="0"/>
+            <a:ext cx="318240" cy="6856200"/>
+          </a:xfrm>
+          <a:prstGeom prst="rect">
+            <a:avLst/>
+          </a:prstGeom>
+          <a:solidFill>
+            <a:srgbClr val="ff8c00"/>
+          </a:solidFill>
+          <a:ln>
+            <a:noFill/>
+          </a:ln>
+          <a:effectLst>
+            <a:outerShdw blurRad="39960" dir="5400000" dist="23040" rotWithShape="0">
+              <a:srgbClr val="000000">
+                <a:alpha val="35000"/>
+              </a:srgbClr>
+            </a:outerShdw>
+          </a:effectLst>
+        </p:spPr>
+        <p:style>
+          <a:lnRef idx="1">
+            <a:schemeClr val="accent1"/>
+          </a:lnRef>
+          <a:fillRef idx="3">
+            <a:schemeClr val="accent1"/>
+          </a:fillRef>
+          <a:effectRef idx="2">
+            <a:schemeClr val="accent1"/>
+          </a:effectRef>
+          <a:fontRef idx="minor"/>
+        </p:style>
+        <p:txBody>
+          <a:bodyPr lIns="90000" rIns="90000" tIns="45000" bIns="45000" anchor="ctr">
+            <a:noAutofit/>
+          </a:bodyPr>
+          <a:p>
+            <a:endParaRPr b="0" lang="en-US" sz="1800" spc="-1" strike="noStrike">
+              <a:solidFill>
+                <a:schemeClr val="lt1"/>
+              </a:solidFill>
+              <a:latin typeface="Calibri"/>
+              <a:ea typeface="DejaVu Sans"/>
+            </a:endParaRPr>
+          </a:p>
+        </p:txBody>
+      </p:sp>
+      <p:sp>
+        <p:nvSpPr>
+          <p:cNvPr id="429" name="Rounded Rectangle 64"/>
+          <p:cNvSpPr/>
+          <p:nvPr/>
+        </p:nvSpPr>
+        <p:spPr>
+          <a:xfrm>
+            <a:off x="9875520" y="365760"/>
+            <a:ext cx="2009880" cy="501120"/>
+          </a:xfrm>
+          <a:prstGeom prst="roundRect">
+            <a:avLst>
+              <a:gd name="adj" fmla="val 16667"/>
+            </a:avLst>
+          </a:prstGeom>
+          <a:solidFill>
+            <a:srgbClr val="1e1e24"/>
+          </a:solidFill>
+          <a:ln>
+            <a:solidFill>
+              <a:srgbClr val="ff8c00"/>
+            </a:solidFill>
+            <a:round/>
+          </a:ln>
+          <a:effectLst>
+            <a:outerShdw blurRad="39960" dir="5400000" dist="23040" rotWithShape="0">
+              <a:srgbClr val="000000">
+                <a:alpha val="35000"/>
+              </a:srgbClr>
+            </a:outerShdw>
+          </a:effectLst>
+        </p:spPr>
+        <p:style>
+          <a:lnRef idx="1">
+            <a:schemeClr val="accent1"/>
+          </a:lnRef>
+          <a:fillRef idx="3">
+            <a:schemeClr val="accent1"/>
+          </a:fillRef>
+          <a:effectRef idx="2">
+            <a:schemeClr val="accent1"/>
+          </a:effectRef>
+          <a:fontRef idx="minor"/>
+        </p:style>
+        <p:txBody>
+          <a:bodyPr lIns="90000" rIns="90000" tIns="45000" bIns="45000" anchor="ctr">
+            <a:noAutofit/>
+          </a:bodyPr>
+          <a:p>
+            <a:pPr algn="ctr">
+              <a:lnSpc>
+                <a:spcPct val="100000"/>
+              </a:lnSpc>
+            </a:pPr>
+            <a:r>
+              <a:rPr b="1" lang="en-US" sz="1400" spc="-1" strike="noStrike">
+                <a:solidFill>
+                  <a:srgbClr val="ffb45a"/>
+                </a:solidFill>
+                <a:latin typeface="Calibri"/>
+                <a:ea typeface="DejaVu Sans"/>
+              </a:rPr>
+              <a:t>JAVA CORE</a:t>
+            </a:r>
+            <a:endParaRPr b="0" lang="en-US" sz="1400" spc="-1" strike="noStrike">
+              <a:solidFill>
+                <a:srgbClr val="ffffff"/>
+              </a:solidFill>
+              <a:latin typeface="Arial"/>
+            </a:endParaRPr>
+          </a:p>
+        </p:txBody>
+      </p:sp>
+      <p:sp>
+        <p:nvSpPr>
+          <p:cNvPr id="430" name="TextBox 28"/>
+          <p:cNvSpPr/>
+          <p:nvPr/>
+        </p:nvSpPr>
+        <p:spPr>
+          <a:xfrm>
+            <a:off x="2915280" y="1005840"/>
+            <a:ext cx="5140080" cy="638280"/>
+          </a:xfrm>
+          <a:prstGeom prst="rect">
+            <a:avLst/>
+          </a:prstGeom>
+          <a:noFill/>
+          <a:ln w="0">
+            <a:noFill/>
+          </a:ln>
+        </p:spPr>
+        <p:style>
+          <a:lnRef idx="0"/>
+          <a:fillRef idx="0"/>
+          <a:effectRef idx="0"/>
+          <a:fontRef idx="minor"/>
+        </p:style>
+        <p:txBody>
+          <a:bodyPr wrap="none" lIns="90000" rIns="90000" tIns="45000" bIns="45000" anchor="t">
+            <a:spAutoFit/>
+          </a:bodyPr>
+          <a:p>
+            <a:pPr>
+              <a:lnSpc>
+                <a:spcPct val="100000"/>
+              </a:lnSpc>
+            </a:pPr>
+            <a:r>
+              <a:rPr b="1" lang="en-US" sz="3600" spc="-1" strike="noStrike">
+                <a:solidFill>
+                  <a:srgbClr val="f5f5f5"/>
+                </a:solidFill>
+                <a:latin typeface="Calibri"/>
+                <a:ea typeface="DejaVu Sans"/>
+              </a:rPr>
+              <a:t>JAVA INSTALLATION TYPES</a:t>
+            </a:r>
+            <a:endParaRPr b="0" lang="en-US" sz="3600" spc="-1" strike="noStrike">
+              <a:solidFill>
+                <a:srgbClr val="000000"/>
+              </a:solidFill>
+              <a:latin typeface="Arial"/>
+            </a:endParaRPr>
+          </a:p>
+        </p:txBody>
+      </p:sp>
+      <p:sp>
+        <p:nvSpPr>
+          <p:cNvPr id="431" name="TextBox 29"/>
+          <p:cNvSpPr/>
+          <p:nvPr/>
+        </p:nvSpPr>
+        <p:spPr>
+          <a:xfrm>
+            <a:off x="907200" y="2194560"/>
+            <a:ext cx="9171000" cy="317880"/>
+          </a:xfrm>
+          <a:prstGeom prst="rect">
+            <a:avLst/>
+          </a:prstGeom>
+          <a:noFill/>
+          <a:ln w="0">
+            <a:noFill/>
+          </a:ln>
+        </p:spPr>
+        <p:style>
+          <a:lnRef idx="0"/>
+          <a:fillRef idx="0"/>
+          <a:effectRef idx="0"/>
+          <a:fontRef idx="minor"/>
+        </p:style>
+        <p:txBody>
+          <a:bodyPr wrap="none" lIns="90000" rIns="90000" tIns="45000" bIns="45000" anchor="t">
+            <a:spAutoFit/>
+          </a:bodyPr>
+          <a:p>
+            <a:pPr>
+              <a:lnSpc>
+                <a:spcPct val="100000"/>
+              </a:lnSpc>
+            </a:pPr>
+            <a:r>
+              <a:rPr b="0" lang="en-US" sz="1500" spc="-1" strike="noStrike">
+                <a:solidFill>
+                  <a:srgbClr val="aaaaaa"/>
+                </a:solidFill>
+                <a:latin typeface="Calibri"/>
+                <a:ea typeface="DejaVu Sans"/>
+              </a:rPr>
+              <a:t>Different Java distributions and installation types provide flexibility depending on development or production needs.</a:t>
+            </a:r>
+            <a:endParaRPr b="0" lang="en-US" sz="1500" spc="-1" strike="noStrike">
+              <a:solidFill>
+                <a:srgbClr val="000000"/>
+              </a:solidFill>
+              <a:latin typeface="Arial"/>
+            </a:endParaRPr>
+          </a:p>
+        </p:txBody>
+      </p:sp>
+      <p:sp>
+        <p:nvSpPr>
+          <p:cNvPr id="432" name="Rounded Rectangle 65"/>
+          <p:cNvSpPr/>
+          <p:nvPr/>
+        </p:nvSpPr>
+        <p:spPr>
+          <a:xfrm>
+            <a:off x="987480" y="3182040"/>
+            <a:ext cx="3290040" cy="2741400"/>
+          </a:xfrm>
+          <a:prstGeom prst="roundRect">
+            <a:avLst>
+              <a:gd name="adj" fmla="val 16667"/>
+            </a:avLst>
+          </a:prstGeom>
+          <a:solidFill>
+            <a:srgbClr val="08080a"/>
+          </a:solidFill>
+          <a:ln>
+            <a:noFill/>
+          </a:ln>
+          <a:effectLst>
+            <a:outerShdw blurRad="39960" dir="5400000" dist="23040" rotWithShape="0">
+              <a:srgbClr val="000000">
+                <a:alpha val="35000"/>
+              </a:srgbClr>
+            </a:outerShdw>
+          </a:effectLst>
+        </p:spPr>
+        <p:style>
+          <a:lnRef idx="1">
+            <a:schemeClr val="accent1"/>
+          </a:lnRef>
+          <a:fillRef idx="3">
+            <a:schemeClr val="accent1"/>
+          </a:fillRef>
+          <a:effectRef idx="2">
+            <a:schemeClr val="accent1"/>
+          </a:effectRef>
+          <a:fontRef idx="minor"/>
+        </p:style>
+        <p:txBody>
+          <a:bodyPr lIns="90000" rIns="90000" tIns="45000" bIns="45000" anchor="ctr">
+            <a:noAutofit/>
+          </a:bodyPr>
+          <a:p>
+            <a:endParaRPr b="0" lang="en-US" sz="1800" spc="-1" strike="noStrike">
+              <a:solidFill>
+                <a:schemeClr val="lt1"/>
+              </a:solidFill>
+              <a:latin typeface="Calibri"/>
+              <a:ea typeface="DejaVu Sans"/>
+            </a:endParaRPr>
+          </a:p>
+        </p:txBody>
+      </p:sp>
+      <p:sp>
+        <p:nvSpPr>
+          <p:cNvPr id="433" name="Rounded Rectangle 66"/>
+          <p:cNvSpPr/>
+          <p:nvPr/>
+        </p:nvSpPr>
+        <p:spPr>
+          <a:xfrm>
+            <a:off x="914400" y="3108960"/>
+            <a:ext cx="3290040" cy="2741400"/>
+          </a:xfrm>
+          <a:prstGeom prst="roundRect">
+            <a:avLst>
+              <a:gd name="adj" fmla="val 16667"/>
+            </a:avLst>
+          </a:prstGeom>
+          <a:solidFill>
+            <a:srgbClr val="16161c"/>
+          </a:solidFill>
+          <a:ln>
+            <a:solidFill>
+              <a:srgbClr val="464655"/>
+            </a:solidFill>
+            <a:round/>
+          </a:ln>
+          <a:effectLst>
+            <a:outerShdw blurRad="39960" dir="5400000" dist="23040" rotWithShape="0">
+              <a:srgbClr val="000000">
+                <a:alpha val="35000"/>
+              </a:srgbClr>
+            </a:outerShdw>
+          </a:effectLst>
+        </p:spPr>
+        <p:style>
+          <a:lnRef idx="1">
+            <a:schemeClr val="accent1"/>
+          </a:lnRef>
+          <a:fillRef idx="3">
+            <a:schemeClr val="accent1"/>
+          </a:fillRef>
+          <a:effectRef idx="2">
+            <a:schemeClr val="accent1"/>
+          </a:effectRef>
+          <a:fontRef idx="minor"/>
+        </p:style>
+        <p:txBody>
+          <a:bodyPr lIns="90000" rIns="90000" tIns="45000" bIns="45000" anchor="ctr">
+            <a:noAutofit/>
+          </a:bodyPr>
+          <a:p>
+            <a:pPr>
+              <a:lnSpc>
+                <a:spcPct val="100000"/>
+              </a:lnSpc>
+            </a:pPr>
+            <a:r>
+              <a:rPr b="0" lang="en-US" sz="1400" spc="-1" strike="noStrike">
+                <a:solidFill>
+                  <a:schemeClr val="lt1"/>
+                </a:solidFill>
+                <a:latin typeface="Calibri"/>
+                <a:ea typeface="DejaVu Sans"/>
+              </a:rPr>
+              <a:t>There are multiple ways to install </a:t>
+            </a:r>
+            <a:endParaRPr b="0" lang="en-US" sz="1400" spc="-1" strike="noStrike">
+              <a:solidFill>
+                <a:srgbClr val="ffffff"/>
+              </a:solidFill>
+              <a:latin typeface="Arial"/>
+            </a:endParaRPr>
+          </a:p>
+          <a:p>
+            <a:pPr>
+              <a:lnSpc>
+                <a:spcPct val="100000"/>
+              </a:lnSpc>
+            </a:pPr>
+            <a:r>
+              <a:rPr b="0" lang="en-US" sz="1400" spc="-1" strike="noStrike">
+                <a:solidFill>
+                  <a:schemeClr val="lt1"/>
+                </a:solidFill>
+                <a:latin typeface="Calibri"/>
+                <a:ea typeface="DejaVu Sans"/>
+              </a:rPr>
+              <a:t>Java:</a:t>
+            </a:r>
+            <a:endParaRPr b="0" lang="en-US" sz="1400" spc="-1" strike="noStrike">
+              <a:solidFill>
+                <a:srgbClr val="ffffff"/>
+              </a:solidFill>
+              <a:latin typeface="Arial"/>
+            </a:endParaRPr>
+          </a:p>
+          <a:p>
+            <a:pPr>
+              <a:lnSpc>
+                <a:spcPct val="100000"/>
+              </a:lnSpc>
+            </a:pPr>
+            <a:r>
+              <a:rPr b="1" lang="en-US" sz="1400" spc="-1" strike="noStrike">
+                <a:solidFill>
+                  <a:schemeClr val="lt1"/>
+                </a:solidFill>
+                <a:latin typeface="Calibri"/>
+                <a:ea typeface="DejaVu Sans"/>
+              </a:rPr>
+              <a:t>• </a:t>
+            </a:r>
+            <a:r>
+              <a:rPr b="1" lang="en-US" sz="1400" spc="-1" strike="noStrike">
+                <a:solidFill>
+                  <a:schemeClr val="lt1"/>
+                </a:solidFill>
+                <a:latin typeface="Calibri"/>
+                <a:ea typeface="DejaVu Sans"/>
+              </a:rPr>
+              <a:t>Oracle JDK (Official distribution)</a:t>
+            </a:r>
+            <a:endParaRPr b="0" lang="en-US" sz="1400" spc="-1" strike="noStrike">
+              <a:solidFill>
+                <a:srgbClr val="ffffff"/>
+              </a:solidFill>
+              <a:latin typeface="Arial"/>
+            </a:endParaRPr>
+          </a:p>
+          <a:p>
+            <a:pPr>
+              <a:lnSpc>
+                <a:spcPct val="100000"/>
+              </a:lnSpc>
+            </a:pPr>
+            <a:r>
+              <a:rPr b="1" lang="en-US" sz="1400" spc="-1" strike="noStrike">
+                <a:solidFill>
+                  <a:schemeClr val="lt1"/>
+                </a:solidFill>
+                <a:latin typeface="Calibri"/>
+                <a:ea typeface="DejaVu Sans"/>
+              </a:rPr>
+              <a:t>• </a:t>
+            </a:r>
+            <a:r>
+              <a:rPr b="1" lang="en-US" sz="1400" spc="-1" strike="noStrike">
+                <a:solidFill>
+                  <a:schemeClr val="lt1"/>
+                </a:solidFill>
+                <a:latin typeface="Calibri"/>
+                <a:ea typeface="DejaVu Sans"/>
+              </a:rPr>
+              <a:t>OpenJDK (Open-source version)</a:t>
+            </a:r>
+            <a:endParaRPr b="0" lang="en-US" sz="1400" spc="-1" strike="noStrike">
+              <a:solidFill>
+                <a:srgbClr val="ffffff"/>
+              </a:solidFill>
+              <a:latin typeface="Arial"/>
+            </a:endParaRPr>
+          </a:p>
+          <a:p>
+            <a:pPr>
+              <a:lnSpc>
+                <a:spcPct val="100000"/>
+              </a:lnSpc>
+            </a:pPr>
+            <a:r>
+              <a:rPr b="1" lang="en-US" sz="1400" spc="-1" strike="noStrike">
+                <a:solidFill>
+                  <a:schemeClr val="lt1"/>
+                </a:solidFill>
+                <a:latin typeface="Calibri"/>
+                <a:ea typeface="DejaVu Sans"/>
+              </a:rPr>
+              <a:t>• </a:t>
+            </a:r>
+            <a:r>
+              <a:rPr b="1" lang="en-US" sz="1400" spc="-1" strike="noStrike">
+                <a:solidFill>
+                  <a:schemeClr val="lt1"/>
+                </a:solidFill>
+                <a:latin typeface="Calibri"/>
+                <a:ea typeface="DejaVu Sans"/>
+              </a:rPr>
+              <a:t>LTS (Long Term Support) versions</a:t>
+            </a:r>
+            <a:endParaRPr b="0" lang="en-US" sz="1400" spc="-1" strike="noStrike">
+              <a:solidFill>
+                <a:srgbClr val="ffffff"/>
+              </a:solidFill>
+              <a:latin typeface="Arial"/>
+            </a:endParaRPr>
+          </a:p>
+          <a:p>
+            <a:pPr>
+              <a:lnSpc>
+                <a:spcPct val="100000"/>
+              </a:lnSpc>
+            </a:pPr>
+            <a:r>
+              <a:rPr b="1" lang="en-US" sz="1400" spc="-1" strike="noStrike">
+                <a:solidFill>
+                  <a:schemeClr val="lt1"/>
+                </a:solidFill>
+                <a:latin typeface="Calibri"/>
+                <a:ea typeface="DejaVu Sans"/>
+              </a:rPr>
+              <a:t>• </a:t>
+            </a:r>
+            <a:r>
+              <a:rPr b="1" lang="en-US" sz="1400" spc="-1" strike="noStrike">
+                <a:solidFill>
+                  <a:schemeClr val="lt1"/>
+                </a:solidFill>
+                <a:latin typeface="Calibri"/>
+                <a:ea typeface="DejaVu Sans"/>
+              </a:rPr>
+              <a:t>Non-LTS versions</a:t>
+            </a:r>
+            <a:endParaRPr b="0" lang="en-US" sz="1400" spc="-1" strike="noStrike">
+              <a:solidFill>
+                <a:srgbClr val="ffffff"/>
+              </a:solidFill>
+              <a:latin typeface="Arial"/>
+            </a:endParaRPr>
+          </a:p>
+          <a:p>
+            <a:pPr>
+              <a:lnSpc>
+                <a:spcPct val="100000"/>
+              </a:lnSpc>
+            </a:pPr>
+            <a:endParaRPr b="0" lang="en-US" sz="1400" spc="-1" strike="noStrike">
+              <a:solidFill>
+                <a:srgbClr val="ffffff"/>
+              </a:solidFill>
+              <a:latin typeface="Arial"/>
+            </a:endParaRPr>
+          </a:p>
+          <a:p>
+            <a:pPr>
+              <a:lnSpc>
+                <a:spcPct val="100000"/>
+              </a:lnSpc>
+            </a:pPr>
+            <a:r>
+              <a:rPr b="0" lang="en-US" sz="1400" spc="-1" strike="noStrike">
+                <a:solidFill>
+                  <a:schemeClr val="lt1"/>
+                </a:solidFill>
+                <a:latin typeface="Calibri"/>
+                <a:ea typeface="DejaVu Sans"/>
+              </a:rPr>
+              <a:t>LTS versions (like Java 17, 21) are recommended for stability and long-term projects.</a:t>
+            </a:r>
+            <a:endParaRPr b="0" lang="en-US" sz="1400" spc="-1" strike="noStrike">
+              <a:solidFill>
+                <a:srgbClr val="ffffff"/>
+              </a:solidFill>
+              <a:latin typeface="Arial"/>
+            </a:endParaRPr>
+          </a:p>
+          <a:p>
+            <a:pPr>
+              <a:lnSpc>
+                <a:spcPct val="100000"/>
+              </a:lnSpc>
+            </a:pPr>
+            <a:r>
+              <a:rPr b="0" lang="en-US" sz="1400" spc="-1" strike="noStrike">
+                <a:solidFill>
+                  <a:schemeClr val="lt1"/>
+                </a:solidFill>
+                <a:latin typeface="Calibri"/>
+                <a:ea typeface="DejaVu Sans"/>
+              </a:rPr>
+              <a:t>Choosing the correct distribution ensures compatibility, security updates, and long-term support.</a:t>
+            </a:r>
+            <a:endParaRPr b="0" lang="en-US" sz="1400" spc="-1" strike="noStrike">
+              <a:solidFill>
+                <a:srgbClr val="ffffff"/>
+              </a:solidFill>
+              <a:latin typeface="Arial"/>
+            </a:endParaRPr>
+          </a:p>
+        </p:txBody>
+      </p:sp>
+      <p:sp>
+        <p:nvSpPr>
+          <p:cNvPr id="434" name="Rounded Rectangle 67"/>
+          <p:cNvSpPr/>
+          <p:nvPr/>
+        </p:nvSpPr>
+        <p:spPr>
+          <a:xfrm>
+            <a:off x="4507920" y="3182040"/>
+            <a:ext cx="3290040" cy="2741400"/>
+          </a:xfrm>
+          <a:prstGeom prst="roundRect">
+            <a:avLst>
+              <a:gd name="adj" fmla="val 16667"/>
+            </a:avLst>
+          </a:prstGeom>
+          <a:solidFill>
+            <a:srgbClr val="08080a"/>
+          </a:solidFill>
+          <a:ln>
+            <a:noFill/>
+          </a:ln>
+          <a:effectLst>
+            <a:outerShdw blurRad="39960" dir="5400000" dist="23040" rotWithShape="0">
+              <a:srgbClr val="000000">
+                <a:alpha val="35000"/>
+              </a:srgbClr>
+            </a:outerShdw>
+          </a:effectLst>
+        </p:spPr>
+        <p:style>
+          <a:lnRef idx="1">
+            <a:schemeClr val="accent1"/>
+          </a:lnRef>
+          <a:fillRef idx="3">
+            <a:schemeClr val="accent1"/>
+          </a:fillRef>
+          <a:effectRef idx="2">
+            <a:schemeClr val="accent1"/>
+          </a:effectRef>
+          <a:fontRef idx="minor"/>
+        </p:style>
+        <p:txBody>
+          <a:bodyPr lIns="90000" rIns="90000" tIns="45000" bIns="45000" anchor="ctr">
+            <a:noAutofit/>
+          </a:bodyPr>
+          <a:p>
+            <a:endParaRPr b="0" lang="en-US" sz="1800" spc="-1" strike="noStrike">
+              <a:solidFill>
+                <a:schemeClr val="lt1"/>
+              </a:solidFill>
+              <a:latin typeface="Calibri"/>
+              <a:ea typeface="DejaVu Sans"/>
+            </a:endParaRPr>
+          </a:p>
+        </p:txBody>
+      </p:sp>
+      <p:sp>
+        <p:nvSpPr>
+          <p:cNvPr id="435" name="Rounded Rectangle 68"/>
+          <p:cNvSpPr/>
+          <p:nvPr/>
+        </p:nvSpPr>
+        <p:spPr>
+          <a:xfrm>
+            <a:off x="4434840" y="3108960"/>
+            <a:ext cx="3290040" cy="2741400"/>
+          </a:xfrm>
+          <a:prstGeom prst="roundRect">
+            <a:avLst>
+              <a:gd name="adj" fmla="val 16667"/>
+            </a:avLst>
+          </a:prstGeom>
+          <a:solidFill>
+            <a:srgbClr val="16161c"/>
+          </a:solidFill>
+          <a:ln>
+            <a:solidFill>
+              <a:srgbClr val="464655"/>
+            </a:solidFill>
+            <a:round/>
+          </a:ln>
+          <a:effectLst>
+            <a:outerShdw blurRad="39960" dir="5400000" dist="23040" rotWithShape="0">
+              <a:srgbClr val="000000">
+                <a:alpha val="35000"/>
+              </a:srgbClr>
+            </a:outerShdw>
+          </a:effectLst>
+        </p:spPr>
+        <p:style>
+          <a:lnRef idx="1">
+            <a:schemeClr val="accent1"/>
+          </a:lnRef>
+          <a:fillRef idx="3">
+            <a:schemeClr val="accent1"/>
+          </a:fillRef>
+          <a:effectRef idx="2">
+            <a:schemeClr val="accent1"/>
+          </a:effectRef>
+          <a:fontRef idx="minor"/>
+        </p:style>
+        <p:txBody>
+          <a:bodyPr lIns="90000" rIns="90000" tIns="45000" bIns="45000" anchor="ctr">
+            <a:noAutofit/>
+          </a:bodyPr>
+          <a:p>
+            <a:pPr>
+              <a:lnSpc>
+                <a:spcPct val="100000"/>
+              </a:lnSpc>
+            </a:pPr>
+            <a:r>
+              <a:rPr b="0" lang="en-US" sz="1600" spc="-1" strike="noStrike">
+                <a:solidFill>
+                  <a:schemeClr val="lt1"/>
+                </a:solidFill>
+                <a:latin typeface="Calibri"/>
+                <a:ea typeface="DejaVu Sans"/>
+              </a:rPr>
+              <a:t>Choose Version</a:t>
+            </a:r>
+            <a:endParaRPr b="0" lang="en-US" sz="1600" spc="-1" strike="noStrike">
+              <a:solidFill>
+                <a:srgbClr val="ffffff"/>
+              </a:solidFill>
+              <a:latin typeface="Arial"/>
+            </a:endParaRPr>
+          </a:p>
+          <a:p>
+            <a:pPr>
+              <a:lnSpc>
+                <a:spcPct val="100000"/>
+              </a:lnSpc>
+            </a:pPr>
+            <a:r>
+              <a:rPr b="0" lang="en-US" sz="1600" spc="-1" strike="noStrike">
+                <a:solidFill>
+                  <a:schemeClr val="lt1"/>
+                </a:solidFill>
+                <a:latin typeface="Calibri"/>
+                <a:ea typeface="DejaVu Sans"/>
+              </a:rPr>
+              <a:t>↓</a:t>
+            </a:r>
+            <a:endParaRPr b="0" lang="en-US" sz="1600" spc="-1" strike="noStrike">
+              <a:solidFill>
+                <a:srgbClr val="ffffff"/>
+              </a:solidFill>
+              <a:latin typeface="Arial"/>
+            </a:endParaRPr>
+          </a:p>
+          <a:p>
+            <a:pPr>
+              <a:lnSpc>
+                <a:spcPct val="100000"/>
+              </a:lnSpc>
+            </a:pPr>
+            <a:r>
+              <a:rPr b="0" lang="en-US" sz="1600" spc="-1" strike="noStrike">
+                <a:solidFill>
+                  <a:schemeClr val="lt1"/>
+                </a:solidFill>
+                <a:latin typeface="Calibri"/>
+                <a:ea typeface="DejaVu Sans"/>
+              </a:rPr>
+              <a:t>Download Distribution</a:t>
+            </a:r>
+            <a:endParaRPr b="0" lang="en-US" sz="1600" spc="-1" strike="noStrike">
+              <a:solidFill>
+                <a:srgbClr val="ffffff"/>
+              </a:solidFill>
+              <a:latin typeface="Arial"/>
+            </a:endParaRPr>
+          </a:p>
+          <a:p>
+            <a:pPr>
+              <a:lnSpc>
+                <a:spcPct val="100000"/>
+              </a:lnSpc>
+            </a:pPr>
+            <a:r>
+              <a:rPr b="0" lang="en-US" sz="1600" spc="-1" strike="noStrike">
+                <a:solidFill>
+                  <a:schemeClr val="lt1"/>
+                </a:solidFill>
+                <a:latin typeface="Calibri"/>
+                <a:ea typeface="DejaVu Sans"/>
+              </a:rPr>
+              <a:t>↓</a:t>
+            </a:r>
+            <a:endParaRPr b="0" lang="en-US" sz="1600" spc="-1" strike="noStrike">
+              <a:solidFill>
+                <a:srgbClr val="ffffff"/>
+              </a:solidFill>
+              <a:latin typeface="Arial"/>
+            </a:endParaRPr>
+          </a:p>
+          <a:p>
+            <a:pPr>
+              <a:lnSpc>
+                <a:spcPct val="100000"/>
+              </a:lnSpc>
+            </a:pPr>
+            <a:r>
+              <a:rPr b="0" lang="en-US" sz="1600" spc="-1" strike="noStrike">
+                <a:solidFill>
+                  <a:schemeClr val="lt1"/>
+                </a:solidFill>
+                <a:latin typeface="Calibri"/>
+                <a:ea typeface="DejaVu Sans"/>
+              </a:rPr>
+              <a:t>Install JDK</a:t>
+            </a:r>
+            <a:endParaRPr b="0" lang="en-US" sz="1600" spc="-1" strike="noStrike">
+              <a:solidFill>
+                <a:srgbClr val="ffffff"/>
+              </a:solidFill>
+              <a:latin typeface="Arial"/>
+            </a:endParaRPr>
+          </a:p>
+          <a:p>
+            <a:pPr>
+              <a:lnSpc>
+                <a:spcPct val="100000"/>
+              </a:lnSpc>
+            </a:pPr>
+            <a:r>
+              <a:rPr b="0" lang="en-US" sz="1600" spc="-1" strike="noStrike">
+                <a:solidFill>
+                  <a:schemeClr val="lt1"/>
+                </a:solidFill>
+                <a:latin typeface="Calibri"/>
+                <a:ea typeface="DejaVu Sans"/>
+              </a:rPr>
+              <a:t>↓</a:t>
+            </a:r>
+            <a:endParaRPr b="0" lang="en-US" sz="1600" spc="-1" strike="noStrike">
+              <a:solidFill>
+                <a:srgbClr val="ffffff"/>
+              </a:solidFill>
+              <a:latin typeface="Arial"/>
+            </a:endParaRPr>
+          </a:p>
+          <a:p>
+            <a:pPr>
+              <a:lnSpc>
+                <a:spcPct val="100000"/>
+              </a:lnSpc>
+            </a:pPr>
+            <a:r>
+              <a:rPr b="0" lang="en-US" sz="1600" spc="-1" strike="noStrike">
+                <a:solidFill>
+                  <a:schemeClr val="lt1"/>
+                </a:solidFill>
+                <a:latin typeface="Calibri"/>
+                <a:ea typeface="DejaVu Sans"/>
+              </a:rPr>
+              <a:t>Set JAVA_HOME</a:t>
+            </a:r>
+            <a:endParaRPr b="0" lang="en-US" sz="1600" spc="-1" strike="noStrike">
+              <a:solidFill>
+                <a:srgbClr val="ffffff"/>
+              </a:solidFill>
+              <a:latin typeface="Arial"/>
+            </a:endParaRPr>
+          </a:p>
+          <a:p>
+            <a:pPr>
+              <a:lnSpc>
+                <a:spcPct val="100000"/>
+              </a:lnSpc>
+            </a:pPr>
+            <a:r>
+              <a:rPr b="0" lang="en-US" sz="1600" spc="-1" strike="noStrike">
+                <a:solidFill>
+                  <a:schemeClr val="lt1"/>
+                </a:solidFill>
+                <a:latin typeface="Calibri"/>
+                <a:ea typeface="DejaVu Sans"/>
+              </a:rPr>
+              <a:t>↓</a:t>
+            </a:r>
+            <a:endParaRPr b="0" lang="en-US" sz="1600" spc="-1" strike="noStrike">
+              <a:solidFill>
+                <a:srgbClr val="ffffff"/>
+              </a:solidFill>
+              <a:latin typeface="Arial"/>
+            </a:endParaRPr>
+          </a:p>
+          <a:p>
+            <a:pPr>
+              <a:lnSpc>
+                <a:spcPct val="100000"/>
+              </a:lnSpc>
+            </a:pPr>
+            <a:r>
+              <a:rPr b="0" lang="en-US" sz="1600" spc="-1" strike="noStrike">
+                <a:solidFill>
+                  <a:schemeClr val="lt1"/>
+                </a:solidFill>
+                <a:latin typeface="Calibri"/>
+                <a:ea typeface="DejaVu Sans"/>
+              </a:rPr>
+              <a:t>Update PATH</a:t>
+            </a:r>
+            <a:endParaRPr b="0" lang="en-US" sz="1600" spc="-1" strike="noStrike">
+              <a:solidFill>
+                <a:srgbClr val="ffffff"/>
+              </a:solidFill>
+              <a:latin typeface="Arial"/>
+            </a:endParaRPr>
+          </a:p>
+          <a:p>
+            <a:pPr>
+              <a:lnSpc>
+                <a:spcPct val="100000"/>
+              </a:lnSpc>
+            </a:pPr>
+            <a:r>
+              <a:rPr b="0" lang="en-US" sz="1600" spc="-1" strike="noStrike">
+                <a:solidFill>
+                  <a:schemeClr val="lt1"/>
+                </a:solidFill>
+                <a:latin typeface="Calibri"/>
+                <a:ea typeface="DejaVu Sans"/>
+              </a:rPr>
+              <a:t>↓</a:t>
+            </a:r>
+            <a:endParaRPr b="0" lang="en-US" sz="1600" spc="-1" strike="noStrike">
+              <a:solidFill>
+                <a:srgbClr val="ffffff"/>
+              </a:solidFill>
+              <a:latin typeface="Arial"/>
+            </a:endParaRPr>
+          </a:p>
+          <a:p>
+            <a:pPr>
+              <a:lnSpc>
+                <a:spcPct val="100000"/>
+              </a:lnSpc>
+            </a:pPr>
+            <a:r>
+              <a:rPr b="0" lang="en-US" sz="1600" spc="-1" strike="noStrike">
+                <a:solidFill>
+                  <a:schemeClr val="lt1"/>
+                </a:solidFill>
+                <a:latin typeface="Calibri"/>
+                <a:ea typeface="DejaVu Sans"/>
+              </a:rPr>
+              <a:t>Verify Installation</a:t>
+            </a:r>
+            <a:endParaRPr b="0" lang="en-US" sz="1600" spc="-1" strike="noStrike">
+              <a:solidFill>
+                <a:srgbClr val="ffffff"/>
+              </a:solidFill>
+              <a:latin typeface="Arial"/>
+            </a:endParaRPr>
+          </a:p>
+        </p:txBody>
+      </p:sp>
+      <p:sp>
+        <p:nvSpPr>
+          <p:cNvPr id="436" name="Rounded Rectangle 69"/>
+          <p:cNvSpPr/>
+          <p:nvPr/>
+        </p:nvSpPr>
+        <p:spPr>
+          <a:xfrm>
+            <a:off x="8028360" y="3182040"/>
+            <a:ext cx="3290040" cy="2741400"/>
+          </a:xfrm>
+          <a:prstGeom prst="roundRect">
+            <a:avLst>
+              <a:gd name="adj" fmla="val 16667"/>
+            </a:avLst>
+          </a:prstGeom>
+          <a:solidFill>
+            <a:srgbClr val="08080a"/>
+          </a:solidFill>
+          <a:ln>
+            <a:noFill/>
+          </a:ln>
+          <a:effectLst>
+            <a:outerShdw blurRad="39960" dir="5400000" dist="23040" rotWithShape="0">
+              <a:srgbClr val="000000">
+                <a:alpha val="35000"/>
+              </a:srgbClr>
+            </a:outerShdw>
+          </a:effectLst>
+        </p:spPr>
+        <p:style>
+          <a:lnRef idx="1">
+            <a:schemeClr val="accent1"/>
+          </a:lnRef>
+          <a:fillRef idx="3">
+            <a:schemeClr val="accent1"/>
+          </a:fillRef>
+          <a:effectRef idx="2">
+            <a:schemeClr val="accent1"/>
+          </a:effectRef>
+          <a:fontRef idx="minor"/>
+        </p:style>
+        <p:txBody>
+          <a:bodyPr lIns="90000" rIns="90000" tIns="45000" bIns="45000" anchor="ctr">
+            <a:noAutofit/>
+          </a:bodyPr>
+          <a:p>
+            <a:endParaRPr b="0" lang="en-US" sz="1800" spc="-1" strike="noStrike">
+              <a:solidFill>
+                <a:schemeClr val="lt1"/>
+              </a:solidFill>
+              <a:latin typeface="Calibri"/>
+              <a:ea typeface="DejaVu Sans"/>
+            </a:endParaRPr>
+          </a:p>
+        </p:txBody>
+      </p:sp>
+      <p:sp>
+        <p:nvSpPr>
+          <p:cNvPr id="437" name="Rounded Rectangle 70"/>
+          <p:cNvSpPr/>
+          <p:nvPr/>
+        </p:nvSpPr>
+        <p:spPr>
+          <a:xfrm>
+            <a:off x="7955280" y="3108960"/>
+            <a:ext cx="3290040" cy="2741400"/>
+          </a:xfrm>
+          <a:prstGeom prst="roundRect">
+            <a:avLst>
+              <a:gd name="adj" fmla="val 16667"/>
+            </a:avLst>
+          </a:prstGeom>
+          <a:solidFill>
+            <a:srgbClr val="16161c"/>
+          </a:solidFill>
+          <a:ln>
+            <a:solidFill>
+              <a:srgbClr val="464655"/>
+            </a:solidFill>
+            <a:round/>
+          </a:ln>
+          <a:effectLst>
+            <a:outerShdw blurRad="39960" dir="5400000" dist="23040" rotWithShape="0">
+              <a:srgbClr val="000000">
+                <a:alpha val="35000"/>
+              </a:srgbClr>
+            </a:outerShdw>
+          </a:effectLst>
+        </p:spPr>
+        <p:style>
+          <a:lnRef idx="1">
+            <a:schemeClr val="accent1"/>
+          </a:lnRef>
+          <a:fillRef idx="3">
+            <a:schemeClr val="accent1"/>
+          </a:fillRef>
+          <a:effectRef idx="2">
+            <a:schemeClr val="accent1"/>
+          </a:effectRef>
+          <a:fontRef idx="minor"/>
+        </p:style>
+        <p:txBody>
+          <a:bodyPr lIns="90000" rIns="90000" tIns="45000" bIns="45000" anchor="ctr">
+            <a:noAutofit/>
+          </a:bodyPr>
+          <a:p>
+            <a:pPr algn="ctr">
+              <a:lnSpc>
+                <a:spcPct val="100000"/>
+              </a:lnSpc>
+            </a:pPr>
+            <a:endParaRPr b="0" lang="en-US" sz="1500" spc="-1" strike="noStrike">
+              <a:solidFill>
+                <a:srgbClr val="ffffff"/>
+              </a:solidFill>
+              <a:latin typeface="Arial"/>
+            </a:endParaRPr>
+          </a:p>
+          <a:p>
+            <a:pPr algn="ctr">
+              <a:lnSpc>
+                <a:spcPct val="100000"/>
+              </a:lnSpc>
+            </a:pPr>
+            <a:r>
+              <a:rPr b="0" lang="en-US" sz="1500" spc="-1" strike="noStrike">
+                <a:solidFill>
+                  <a:srgbClr val="78ffc8"/>
+                </a:solidFill>
+                <a:latin typeface="Consolas"/>
+                <a:ea typeface="DejaVu Sans"/>
+              </a:rPr>
+              <a:t>Windows:</a:t>
+            </a:r>
+            <a:br>
+              <a:rPr sz="1500"/>
+            </a:br>
+            <a:r>
+              <a:rPr b="0" lang="en-US" sz="1500" spc="-1" strike="noStrike">
+                <a:solidFill>
+                  <a:srgbClr val="78ffc8"/>
+                </a:solidFill>
+                <a:latin typeface="Consolas"/>
+                <a:ea typeface="DejaVu Sans"/>
+              </a:rPr>
+              <a:t>where java</a:t>
+            </a:r>
+            <a:endParaRPr b="0" lang="en-US" sz="1500" spc="-1" strike="noStrike">
+              <a:solidFill>
+                <a:srgbClr val="ffffff"/>
+              </a:solidFill>
+              <a:latin typeface="Arial"/>
+            </a:endParaRPr>
+          </a:p>
+          <a:p>
+            <a:pPr algn="ctr">
+              <a:lnSpc>
+                <a:spcPct val="100000"/>
+              </a:lnSpc>
+            </a:pPr>
+            <a:r>
+              <a:rPr b="0" lang="en-US" sz="1500" spc="-1" strike="noStrike">
+                <a:solidFill>
+                  <a:srgbClr val="78ffc8"/>
+                </a:solidFill>
+                <a:latin typeface="Consolas"/>
+                <a:ea typeface="DejaVu Sans"/>
+              </a:rPr>
+              <a:t>where javac</a:t>
+            </a:r>
+            <a:br>
+              <a:rPr sz="1500"/>
+            </a:br>
+            <a:br>
+              <a:rPr sz="1500"/>
+            </a:br>
+            <a:r>
+              <a:rPr b="0" lang="en-US" sz="1500" spc="-1" strike="noStrike">
+                <a:solidFill>
+                  <a:srgbClr val="78ffc8"/>
+                </a:solidFill>
+                <a:latin typeface="Consolas"/>
+                <a:ea typeface="DejaVu Sans"/>
+              </a:rPr>
+              <a:t>Linux:</a:t>
+            </a:r>
+            <a:br>
+              <a:rPr sz="1500"/>
+            </a:br>
+            <a:r>
+              <a:rPr b="0" lang="en-US" sz="1500" spc="-1" strike="noStrike">
+                <a:solidFill>
+                  <a:srgbClr val="78ffc8"/>
+                </a:solidFill>
+                <a:latin typeface="Consolas"/>
+                <a:ea typeface="DejaVu Sans"/>
+              </a:rPr>
+              <a:t>which java</a:t>
+            </a:r>
+            <a:endParaRPr b="0" lang="en-US" sz="1500" spc="-1" strike="noStrike">
+              <a:solidFill>
+                <a:srgbClr val="ffffff"/>
+              </a:solidFill>
+              <a:latin typeface="Arial"/>
+            </a:endParaRPr>
+          </a:p>
+          <a:p>
+            <a:pPr algn="ctr">
+              <a:lnSpc>
+                <a:spcPct val="100000"/>
+              </a:lnSpc>
+            </a:pPr>
+            <a:r>
+              <a:rPr b="0" lang="en-US" sz="1500" spc="-1" strike="noStrike">
+                <a:solidFill>
+                  <a:srgbClr val="78ffc8"/>
+                </a:solidFill>
+                <a:latin typeface="Consolas"/>
+                <a:ea typeface="DejaVu Sans"/>
+              </a:rPr>
+              <a:t>which javac</a:t>
+            </a:r>
+            <a:endParaRPr b="0" lang="en-US" sz="1500" spc="-1" strike="noStrike">
+              <a:solidFill>
+                <a:srgbClr val="ffffff"/>
+              </a:solidFill>
+              <a:latin typeface="Arial"/>
+            </a:endParaRPr>
+          </a:p>
+          <a:p>
+            <a:pPr algn="ctr">
+              <a:lnSpc>
+                <a:spcPct val="100000"/>
+              </a:lnSpc>
+            </a:pPr>
+            <a:br>
+              <a:rPr sz="1500"/>
+            </a:br>
+            <a:r>
+              <a:rPr b="0" lang="en-US" sz="1500" spc="-1" strike="noStrike">
+                <a:solidFill>
+                  <a:srgbClr val="78ffc8"/>
+                </a:solidFill>
+                <a:latin typeface="Consolas"/>
+                <a:ea typeface="DejaVu Sans"/>
+              </a:rPr>
+              <a:t>Check detailed version info:</a:t>
+            </a:r>
+            <a:br>
+              <a:rPr sz="1500"/>
+            </a:br>
+            <a:r>
+              <a:rPr b="0" lang="en-US" sz="1500" spc="-1" strike="noStrike">
+                <a:solidFill>
+                  <a:srgbClr val="78ffc8"/>
+                </a:solidFill>
+                <a:latin typeface="Consolas"/>
+                <a:ea typeface="DejaVu Sans"/>
+              </a:rPr>
+              <a:t>java -version</a:t>
+            </a:r>
+            <a:endParaRPr b="0" lang="en-US" sz="1500" spc="-1" strike="noStrike">
+              <a:solidFill>
+                <a:srgbClr val="ffffff"/>
+              </a:solidFill>
+              <a:latin typeface="Arial"/>
+            </a:endParaRPr>
+          </a:p>
+          <a:p>
+            <a:pPr algn="ctr">
+              <a:lnSpc>
+                <a:spcPct val="100000"/>
+              </a:lnSpc>
+            </a:pPr>
+            <a:r>
+              <a:rPr b="0" lang="en-US" sz="1500" spc="-1" strike="noStrike">
+                <a:solidFill>
+                  <a:srgbClr val="78ffc8"/>
+                </a:solidFill>
+                <a:latin typeface="Consolas"/>
+                <a:ea typeface="DejaVu Sans"/>
+              </a:rPr>
+              <a:t>javac -version</a:t>
+            </a:r>
+            <a:endParaRPr b="0" lang="en-US" sz="1500" spc="-1" strike="noStrike">
+              <a:solidFill>
+                <a:srgbClr val="ffffff"/>
+              </a:solidFill>
+              <a:latin typeface="Arial"/>
+            </a:endParaRPr>
+          </a:p>
+          <a:p>
+            <a:pPr algn="ctr">
+              <a:lnSpc>
+                <a:spcPct val="100000"/>
+              </a:lnSpc>
+            </a:pPr>
+            <a:endParaRPr b="0" lang="en-US" sz="1500" spc="-1" strike="noStrike">
+              <a:solidFill>
+                <a:srgbClr val="ffffff"/>
+              </a:solidFill>
+              <a:latin typeface="Arial"/>
+            </a:endParaRPr>
+          </a:p>
+        </p:txBody>
+      </p:sp>
+      <p:sp>
+        <p:nvSpPr>
+          <p:cNvPr id="438" name="TextBox 30"/>
+          <p:cNvSpPr/>
+          <p:nvPr/>
+        </p:nvSpPr>
+        <p:spPr>
+          <a:xfrm>
+            <a:off x="4600080" y="6446520"/>
+            <a:ext cx="3051000" cy="363960"/>
           </a:xfrm>
           <a:prstGeom prst="rect">
             <a:avLst/>

--- a/Java/Java #2/EN/Java #2.pptx
+++ b/Java/Java #2/EN/Java #2.pptx
@@ -19,6 +19,7 @@
     <p:sldId id="263" r:id="rId14"/>
     <p:sldId id="264" r:id="rId15"/>
     <p:sldId id="265" r:id="rId16"/>
+    <p:sldId id="266" r:id="rId17"/>
   </p:sldIdLst>
   <p:sldSz cx="9144000" cy="6858000"/>
   <p:notesSz cx="7772400" cy="10058400"/>
@@ -76,7 +77,7 @@
         <p:txBody>
           <a:bodyPr/>
           <a:p>
-            <a:fld id="{4A0202B9-6059-4BA0-80D9-E90E53B78D59}" type="slidenum">
+            <a:fld id="{8E0302BD-2B33-472E-88A4-A7BCA0062403}" type="slidenum">
               <a:t>&lt;#&gt;</a:t>
             </a:fld>
           </a:p>
@@ -285,7 +286,7 @@
         <p:txBody>
           <a:bodyPr/>
           <a:p>
-            <a:fld id="{6374A48B-CC24-4D65-A6BB-64D31D90769C}" type="slidenum">
+            <a:fld id="{D2FE796D-28AA-4891-9775-CDBFE5805D28}" type="slidenum">
               <a:t>&lt;#&gt;</a:t>
             </a:fld>
           </a:p>
@@ -580,7 +581,7 @@
         <p:txBody>
           <a:bodyPr/>
           <a:p>
-            <a:fld id="{2747362D-D35E-477C-BC84-D806AFC9DBF6}" type="slidenum">
+            <a:fld id="{D4BEEAB6-41DA-4DD6-B74D-ECB855E1FC0F}" type="slidenum">
               <a:t>&lt;#&gt;</a:t>
             </a:fld>
           </a:p>
@@ -961,7 +962,7 @@
         <p:txBody>
           <a:bodyPr/>
           <a:p>
-            <a:fld id="{0C664260-DCDA-4CC8-8CFD-E836ED5CF0E7}" type="slidenum">
+            <a:fld id="{982928C8-C74D-46B5-9A34-7A3750E6A421}" type="slidenum">
               <a:t>&lt;#&gt;</a:t>
             </a:fld>
           </a:p>
@@ -1044,7 +1045,7 @@
         <p:txBody>
           <a:bodyPr/>
           <a:p>
-            <a:fld id="{A32B3F6B-68A3-446F-91B5-9D9F89C2C826}" type="slidenum">
+            <a:fld id="{EFA408E0-AEDB-4A2C-8F9D-DE1E167B9390}" type="slidenum">
               <a:t>&lt;#&gt;</a:t>
             </a:fld>
           </a:p>
@@ -1207,7 +1208,7 @@
         <p:txBody>
           <a:bodyPr/>
           <a:p>
-            <a:fld id="{8CD3C693-A782-4F83-9A2B-C07DBFF97133}" type="slidenum">
+            <a:fld id="{991ACB73-4D62-4303-9BB7-5EB75E33C65F}" type="slidenum">
               <a:t>&lt;#&gt;</a:t>
             </a:fld>
           </a:p>
@@ -1373,7 +1374,7 @@
         <p:txBody>
           <a:bodyPr/>
           <a:p>
-            <a:fld id="{5C8AA8C1-7908-4D89-A372-DBF951601230}" type="slidenum">
+            <a:fld id="{B18ECEB5-DB3B-4005-9C75-F5180389E8C5}" type="slidenum">
               <a:t>&lt;#&gt;</a:t>
             </a:fld>
           </a:p>
@@ -1582,7 +1583,7 @@
         <p:txBody>
           <a:bodyPr/>
           <a:p>
-            <a:fld id="{F770DE89-BD3D-4874-8A49-CB02EBDC490C}" type="slidenum">
+            <a:fld id="{38F1D524-5FF1-406B-8698-3CAA3944FD56}" type="slidenum">
               <a:t>&lt;#&gt;</a:t>
             </a:fld>
           </a:p>
@@ -1705,7 +1706,7 @@
         <p:txBody>
           <a:bodyPr/>
           <a:p>
-            <a:fld id="{7C9908C0-F02C-44E3-9124-F70ED799E452}" type="slidenum">
+            <a:fld id="{9C4053CE-0E1F-4B2C-B2C3-41ACD9A88F55}" type="slidenum">
               <a:t>&lt;#&gt;</a:t>
             </a:fld>
           </a:p>
@@ -1826,7 +1827,7 @@
         <p:txBody>
           <a:bodyPr/>
           <a:p>
-            <a:fld id="{AC012B6D-B9F6-4AB0-B344-D8AA11F746D8}" type="slidenum">
+            <a:fld id="{9631525E-97F3-4D9D-A031-1A8F23A16456}" type="slidenum">
               <a:t>&lt;#&gt;</a:t>
             </a:fld>
           </a:p>
@@ -2078,7 +2079,7 @@
         <p:txBody>
           <a:bodyPr/>
           <a:p>
-            <a:fld id="{87ACD3AC-BE4D-4147-B522-718433A2E856}" type="slidenum">
+            <a:fld id="{CEFFFA69-583F-438C-B14C-D8015252AC97}" type="slidenum">
               <a:t>&lt;#&gt;</a:t>
             </a:fld>
           </a:p>
@@ -2241,7 +2242,7 @@
         <p:txBody>
           <a:bodyPr/>
           <a:p>
-            <a:fld id="{F640AB51-46A6-442B-A4BD-90296BD1F8DD}" type="slidenum">
+            <a:fld id="{A278C42F-16A7-430D-89D3-811DECD41A02}" type="slidenum">
               <a:t>&lt;#&gt;</a:t>
             </a:fld>
           </a:p>
@@ -2493,7 +2494,7 @@
         <p:txBody>
           <a:bodyPr/>
           <a:p>
-            <a:fld id="{BCDCD480-DA76-41D1-B4F3-5B7295DE1072}" type="slidenum">
+            <a:fld id="{A3850661-3C91-472C-B80D-AEC54696928A}" type="slidenum">
               <a:t>&lt;#&gt;</a:t>
             </a:fld>
           </a:p>
@@ -2745,7 +2746,7 @@
         <p:txBody>
           <a:bodyPr/>
           <a:p>
-            <a:fld id="{46A82910-989D-4180-B6C8-CFF6D937AA70}" type="slidenum">
+            <a:fld id="{626A42CC-6A41-47B3-9AEE-D2ED343BA28D}" type="slidenum">
               <a:t>&lt;#&gt;</a:t>
             </a:fld>
           </a:p>
@@ -2954,7 +2955,7 @@
         <p:txBody>
           <a:bodyPr/>
           <a:p>
-            <a:fld id="{2A587485-BCE7-447C-AA3D-2A7A52EBC58B}" type="slidenum">
+            <a:fld id="{7C478552-3796-42DA-8F31-56864AEA0675}" type="slidenum">
               <a:t>&lt;#&gt;</a:t>
             </a:fld>
           </a:p>
@@ -3249,7 +3250,7 @@
         <p:txBody>
           <a:bodyPr/>
           <a:p>
-            <a:fld id="{E6C8E1C1-EF31-4BE9-BA92-9E9C0A9A76B3}" type="slidenum">
+            <a:fld id="{D2CD106C-E37F-4230-A91F-4AF5AC8A6D93}" type="slidenum">
               <a:t>&lt;#&gt;</a:t>
             </a:fld>
           </a:p>
@@ -3630,7 +3631,7 @@
         <p:txBody>
           <a:bodyPr/>
           <a:p>
-            <a:fld id="{401712BE-806A-4C72-8452-4BB575AE0CF1}" type="slidenum">
+            <a:fld id="{71A01A89-2313-48C4-9E33-7610074F5A4C}" type="slidenum">
               <a:t>&lt;#&gt;</a:t>
             </a:fld>
           </a:p>
@@ -3713,7 +3714,7 @@
         <p:txBody>
           <a:bodyPr/>
           <a:p>
-            <a:fld id="{E91EEECE-1772-44E3-BBA1-C6D6D2955BED}" type="slidenum">
+            <a:fld id="{0571E076-1639-4F4E-8E46-6659DA2F5109}" type="slidenum">
               <a:t>&lt;#&gt;</a:t>
             </a:fld>
           </a:p>
@@ -3876,7 +3877,7 @@
         <p:txBody>
           <a:bodyPr/>
           <a:p>
-            <a:fld id="{B76FB7ED-53D1-4F3A-911E-753C9028B21C}" type="slidenum">
+            <a:fld id="{6EC25680-BFAF-4CCA-B0B7-CF11BC77C408}" type="slidenum">
               <a:t>&lt;#&gt;</a:t>
             </a:fld>
           </a:p>
@@ -4042,7 +4043,7 @@
         <p:txBody>
           <a:bodyPr/>
           <a:p>
-            <a:fld id="{9F74EF8E-9C9A-474B-A50A-59B16B15F921}" type="slidenum">
+            <a:fld id="{5BEA6466-2396-4424-AB0D-99461D1F3563}" type="slidenum">
               <a:t>&lt;#&gt;</a:t>
             </a:fld>
           </a:p>
@@ -4251,7 +4252,7 @@
         <p:txBody>
           <a:bodyPr/>
           <a:p>
-            <a:fld id="{37EC96B4-6847-4E92-8F87-0442BF036F76}" type="slidenum">
+            <a:fld id="{53BA3ED8-0FF4-4E7D-BF3E-CB962C39156E}" type="slidenum">
               <a:t>&lt;#&gt;</a:t>
             </a:fld>
           </a:p>
@@ -4374,7 +4375,7 @@
         <p:txBody>
           <a:bodyPr/>
           <a:p>
-            <a:fld id="{C1F419F2-0DD9-4345-B2C2-584A2B513795}" type="slidenum">
+            <a:fld id="{35BD22E7-81BC-44EA-9F6D-82168882A62D}" type="slidenum">
               <a:t>&lt;#&gt;</a:t>
             </a:fld>
           </a:p>
@@ -4540,7 +4541,7 @@
         <p:txBody>
           <a:bodyPr/>
           <a:p>
-            <a:fld id="{1DD86629-7602-4F91-A371-74BCAA7AA98B}" type="slidenum">
+            <a:fld id="{33EE4D77-7F91-43C3-A2ED-4F2086E31081}" type="slidenum">
               <a:t>&lt;#&gt;</a:t>
             </a:fld>
           </a:p>
@@ -4661,7 +4662,7 @@
         <p:txBody>
           <a:bodyPr/>
           <a:p>
-            <a:fld id="{A8CE7976-C8F2-4BE3-B45C-85123A1FFA5E}" type="slidenum">
+            <a:fld id="{DC882C41-6E84-498C-8814-A48F055D5720}" type="slidenum">
               <a:t>&lt;#&gt;</a:t>
             </a:fld>
           </a:p>
@@ -4913,7 +4914,7 @@
         <p:txBody>
           <a:bodyPr/>
           <a:p>
-            <a:fld id="{B04C7459-D417-4073-BAE6-51B2BDA48E02}" type="slidenum">
+            <a:fld id="{96BB8488-BC6C-43DD-9EE9-15C3D06C94BA}" type="slidenum">
               <a:t>&lt;#&gt;</a:t>
             </a:fld>
           </a:p>
@@ -5165,7 +5166,7 @@
         <p:txBody>
           <a:bodyPr/>
           <a:p>
-            <a:fld id="{86694501-01C7-45EA-A6A6-174BCE13D359}" type="slidenum">
+            <a:fld id="{0279647C-8098-47B5-ABC8-7C5498920289}" type="slidenum">
               <a:t>&lt;#&gt;</a:t>
             </a:fld>
           </a:p>
@@ -5417,7 +5418,7 @@
         <p:txBody>
           <a:bodyPr/>
           <a:p>
-            <a:fld id="{31BB64A8-6276-490E-9901-595E41D6B145}" type="slidenum">
+            <a:fld id="{4FD8764C-8987-4105-9995-20D8D6651BEB}" type="slidenum">
               <a:t>&lt;#&gt;</a:t>
             </a:fld>
           </a:p>
@@ -5626,7 +5627,7 @@
         <p:txBody>
           <a:bodyPr/>
           <a:p>
-            <a:fld id="{5EFC1DD1-B49A-42BB-8637-23DEC9A3B2C7}" type="slidenum">
+            <a:fld id="{130B578F-44B1-4F1B-B3E1-9C67203AB723}" type="slidenum">
               <a:t>&lt;#&gt;</a:t>
             </a:fld>
           </a:p>
@@ -5921,7 +5922,7 @@
         <p:txBody>
           <a:bodyPr/>
           <a:p>
-            <a:fld id="{25A922C5-D232-4C04-BAD8-889C268E57D0}" type="slidenum">
+            <a:fld id="{AF879F69-283A-4C91-A522-A7EAACD361C1}" type="slidenum">
               <a:t>&lt;#&gt;</a:t>
             </a:fld>
           </a:p>
@@ -6302,7 +6303,7 @@
         <p:txBody>
           <a:bodyPr/>
           <a:p>
-            <a:fld id="{B8746466-93F2-4442-B4EF-5B1C823C91F7}" type="slidenum">
+            <a:fld id="{D85D99F2-F9C0-43C8-A4A2-4FED1330EA1E}" type="slidenum">
               <a:t>&lt;#&gt;</a:t>
             </a:fld>
           </a:p>
@@ -6385,7 +6386,7 @@
         <p:txBody>
           <a:bodyPr/>
           <a:p>
-            <a:fld id="{A53DDFF0-DCF9-4DD3-B7C8-F9D230A670E8}" type="slidenum">
+            <a:fld id="{2536E33F-1144-45C7-9E22-6E6D3D87851C}" type="slidenum">
               <a:t>&lt;#&gt;</a:t>
             </a:fld>
           </a:p>
@@ -6548,7 +6549,7 @@
         <p:txBody>
           <a:bodyPr/>
           <a:p>
-            <a:fld id="{2E2DF0BD-2BF1-484F-8203-C4CD946B9F31}" type="slidenum">
+            <a:fld id="{E9110CA5-C6E9-4431-B711-F1D8C36D805D}" type="slidenum">
               <a:t>&lt;#&gt;</a:t>
             </a:fld>
           </a:p>
@@ -6714,7 +6715,7 @@
         <p:txBody>
           <a:bodyPr/>
           <a:p>
-            <a:fld id="{2CCF432F-9C38-41E6-B915-3CF46410A014}" type="slidenum">
+            <a:fld id="{C51AE01F-0663-41C6-9BC4-67FCE4F86D2F}" type="slidenum">
               <a:t>&lt;#&gt;</a:t>
             </a:fld>
           </a:p>
@@ -6923,7 +6924,7 @@
         <p:txBody>
           <a:bodyPr/>
           <a:p>
-            <a:fld id="{922256D0-1084-4CA9-9EE4-98D204AC9DE5}" type="slidenum">
+            <a:fld id="{893AA247-967D-420B-9AF5-E40FEEC612B6}" type="slidenum">
               <a:t>&lt;#&gt;</a:t>
             </a:fld>
           </a:p>
@@ -7132,7 +7133,7 @@
         <p:txBody>
           <a:bodyPr/>
           <a:p>
-            <a:fld id="{4A98F259-7C36-4FEC-8A6A-25533EC743B4}" type="slidenum">
+            <a:fld id="{93101FDB-6634-47D1-974E-2E018E2F4E43}" type="slidenum">
               <a:t>&lt;#&gt;</a:t>
             </a:fld>
           </a:p>
@@ -7255,7 +7256,7 @@
         <p:txBody>
           <a:bodyPr/>
           <a:p>
-            <a:fld id="{F7992479-F6F8-4BEF-A5DB-0AD67266419F}" type="slidenum">
+            <a:fld id="{E462A553-8195-465C-8727-D2F00DE7847E}" type="slidenum">
               <a:t>&lt;#&gt;</a:t>
             </a:fld>
           </a:p>
@@ -7376,7 +7377,7 @@
         <p:txBody>
           <a:bodyPr/>
           <a:p>
-            <a:fld id="{78589B24-0B6A-489F-8655-E66B2BB5FDA5}" type="slidenum">
+            <a:fld id="{32CFABE8-DCEC-4BBC-90B6-CC042BA1E612}" type="slidenum">
               <a:t>&lt;#&gt;</a:t>
             </a:fld>
           </a:p>
@@ -7628,7 +7629,7 @@
         <p:txBody>
           <a:bodyPr/>
           <a:p>
-            <a:fld id="{F9C0F255-896C-4F2A-9052-B00AC62DD86F}" type="slidenum">
+            <a:fld id="{63A71AAC-99A1-4AA7-B9F3-FC68EBD7E52F}" type="slidenum">
               <a:t>&lt;#&gt;</a:t>
             </a:fld>
           </a:p>
@@ -7880,7 +7881,7 @@
         <p:txBody>
           <a:bodyPr/>
           <a:p>
-            <a:fld id="{20BA6CDA-07B5-4B5D-92B5-DFB8F3A84229}" type="slidenum">
+            <a:fld id="{429B9D3C-0B4E-4DB6-AC0E-EAAA3B9B9ED5}" type="slidenum">
               <a:t>&lt;#&gt;</a:t>
             </a:fld>
           </a:p>
@@ -8132,7 +8133,7 @@
         <p:txBody>
           <a:bodyPr/>
           <a:p>
-            <a:fld id="{3609B127-4C9E-4CCC-9BE4-038F73E0A5F4}" type="slidenum">
+            <a:fld id="{32997416-A56C-49E8-8772-B9D9D4E2D4AD}" type="slidenum">
               <a:t>&lt;#&gt;</a:t>
             </a:fld>
           </a:p>
@@ -8341,7 +8342,7 @@
         <p:txBody>
           <a:bodyPr/>
           <a:p>
-            <a:fld id="{6EE14ED2-4CA2-4D9B-804B-01596900B927}" type="slidenum">
+            <a:fld id="{7A289023-2FAF-49CE-AAEF-0623CFE19AA4}" type="slidenum">
               <a:t>&lt;#&gt;</a:t>
             </a:fld>
           </a:p>
@@ -8636,7 +8637,7 @@
         <p:txBody>
           <a:bodyPr/>
           <a:p>
-            <a:fld id="{DFFC5969-55E9-4415-B5B6-F87EAF85CAA2}" type="slidenum">
+            <a:fld id="{46C2E736-CD2D-4752-AC94-A9198E96B4BD}" type="slidenum">
               <a:t>&lt;#&gt;</a:t>
             </a:fld>
           </a:p>
@@ -9017,7 +9018,7 @@
         <p:txBody>
           <a:bodyPr/>
           <a:p>
-            <a:fld id="{B0747B98-71C8-4800-BCD5-34A1835BC72F}" type="slidenum">
+            <a:fld id="{53146AC9-0DDD-446A-A173-688E9522D486}" type="slidenum">
               <a:t>&lt;#&gt;</a:t>
             </a:fld>
           </a:p>
@@ -9100,7 +9101,7 @@
         <p:txBody>
           <a:bodyPr/>
           <a:p>
-            <a:fld id="{413A380C-ACFC-4E4B-BDCD-C442D33FAF2C}" type="slidenum">
+            <a:fld id="{FB0F4F3E-F9A5-4144-B725-F5F7ED22839E}" type="slidenum">
               <a:t>&lt;#&gt;</a:t>
             </a:fld>
           </a:p>
@@ -9223,7 +9224,7 @@
         <p:txBody>
           <a:bodyPr/>
           <a:p>
-            <a:fld id="{B2898B42-A69D-4E6C-8A75-B7547B3C0B80}" type="slidenum">
+            <a:fld id="{8D571A56-3844-40DC-A6B3-1648CDE6A676}" type="slidenum">
               <a:t>&lt;#&gt;</a:t>
             </a:fld>
           </a:p>
@@ -9386,7 +9387,7 @@
         <p:txBody>
           <a:bodyPr/>
           <a:p>
-            <a:fld id="{74D0D2B4-0992-4777-8396-B5945298755F}" type="slidenum">
+            <a:fld id="{8AD658DD-B017-4C61-9A93-363E41D6CDBA}" type="slidenum">
               <a:t>&lt;#&gt;</a:t>
             </a:fld>
           </a:p>
@@ -9552,7 +9553,7 @@
         <p:txBody>
           <a:bodyPr/>
           <a:p>
-            <a:fld id="{32F26393-D6E4-4E68-8289-B432503B248D}" type="slidenum">
+            <a:fld id="{F5BC1EC4-3184-4AAE-A203-350C1F589217}" type="slidenum">
               <a:t>&lt;#&gt;</a:t>
             </a:fld>
           </a:p>
@@ -9761,7 +9762,7 @@
         <p:txBody>
           <a:bodyPr/>
           <a:p>
-            <a:fld id="{26E48C28-0AA3-45ED-8507-662C161F925F}" type="slidenum">
+            <a:fld id="{8B335D86-9FF9-47E0-8F5A-3EC1A9003A8B}" type="slidenum">
               <a:t>&lt;#&gt;</a:t>
             </a:fld>
           </a:p>
@@ -9884,7 +9885,7 @@
         <p:txBody>
           <a:bodyPr/>
           <a:p>
-            <a:fld id="{52F4F11E-EC6F-49A0-A6E6-F3CA71EF63AA}" type="slidenum">
+            <a:fld id="{BFE64C85-D224-4A7A-915D-7531E0AF31BE}" type="slidenum">
               <a:t>&lt;#&gt;</a:t>
             </a:fld>
           </a:p>
@@ -10005,7 +10006,7 @@
         <p:txBody>
           <a:bodyPr/>
           <a:p>
-            <a:fld id="{8D78C12B-E686-4C0C-9A3B-AFE2C4414EC3}" type="slidenum">
+            <a:fld id="{CE27A395-165B-4A77-A2FF-126BCF0AB497}" type="slidenum">
               <a:t>&lt;#&gt;</a:t>
             </a:fld>
           </a:p>
@@ -10257,7 +10258,7 @@
         <p:txBody>
           <a:bodyPr/>
           <a:p>
-            <a:fld id="{27FE811A-7BFD-4B09-8643-7A53171AD06C}" type="slidenum">
+            <a:fld id="{AA50235C-5AA1-439B-ACCC-9ABAF08843BB}" type="slidenum">
               <a:t>&lt;#&gt;</a:t>
             </a:fld>
           </a:p>
@@ -10509,7 +10510,7 @@
         <p:txBody>
           <a:bodyPr/>
           <a:p>
-            <a:fld id="{169ED798-D387-423E-9892-926BF5D6BF67}" type="slidenum">
+            <a:fld id="{B0504F29-D59D-45C0-A175-DFDF9A73C743}" type="slidenum">
               <a:t>&lt;#&gt;</a:t>
             </a:fld>
           </a:p>
@@ -10761,7 +10762,7 @@
         <p:txBody>
           <a:bodyPr/>
           <a:p>
-            <a:fld id="{4BD4B3D1-F339-4E5E-84E7-5B9E00FACFFF}" type="slidenum">
+            <a:fld id="{51F9476E-C662-4941-B665-7B05AE4DE149}" type="slidenum">
               <a:t>&lt;#&gt;</a:t>
             </a:fld>
           </a:p>
@@ -10970,7 +10971,7 @@
         <p:txBody>
           <a:bodyPr/>
           <a:p>
-            <a:fld id="{9812346B-7FD3-45F9-8334-7312B800F679}" type="slidenum">
+            <a:fld id="{E379A7CA-456C-4828-B832-70B4360D1DAB}" type="slidenum">
               <a:t>&lt;#&gt;</a:t>
             </a:fld>
           </a:p>
@@ -11265,7 +11266,7 @@
         <p:txBody>
           <a:bodyPr/>
           <a:p>
-            <a:fld id="{E98CFC72-C49B-4EF9-908C-3C687A4FA9A8}" type="slidenum">
+            <a:fld id="{1C38B519-7A8D-4BB0-8155-1B7839324203}" type="slidenum">
               <a:t>&lt;#&gt;</a:t>
             </a:fld>
           </a:p>
@@ -11386,7 +11387,7 @@
         <p:txBody>
           <a:bodyPr/>
           <a:p>
-            <a:fld id="{E86B2970-AF3F-4EBF-895A-00688789E0EC}" type="slidenum">
+            <a:fld id="{F8B0CC2A-A2BA-4CF8-9479-2E500177582B}" type="slidenum">
               <a:t>&lt;#&gt;</a:t>
             </a:fld>
           </a:p>
@@ -11767,7 +11768,7 @@
         <p:txBody>
           <a:bodyPr/>
           <a:p>
-            <a:fld id="{5B354C33-4238-4E41-AF00-7ED0B1B5BEAF}" type="slidenum">
+            <a:fld id="{F99B619E-86B0-4A7D-87ED-E994D8FC3469}" type="slidenum">
               <a:t>&lt;#&gt;</a:t>
             </a:fld>
           </a:p>
@@ -12019,7 +12020,7 @@
         <p:txBody>
           <a:bodyPr/>
           <a:p>
-            <a:fld id="{DE9E5C81-662F-4A6C-A467-ADB8C63F3ADE}" type="slidenum">
+            <a:fld id="{4A8A590F-BF77-4CCA-8A93-CCAD693547E4}" type="slidenum">
               <a:t>&lt;#&gt;</a:t>
             </a:fld>
           </a:p>
@@ -12271,7 +12272,7 @@
         <p:txBody>
           <a:bodyPr/>
           <a:p>
-            <a:fld id="{918CBD89-3C97-43F8-B939-0479A88CC9C2}" type="slidenum">
+            <a:fld id="{D2AE7DC9-A3C8-48A1-921C-A4B2A13C63A0}" type="slidenum">
               <a:t>&lt;#&gt;</a:t>
             </a:fld>
           </a:p>
@@ -12523,7 +12524,7 @@
         <p:txBody>
           <a:bodyPr/>
           <a:p>
-            <a:fld id="{3F18047B-91AC-4C92-B204-1E71CAF2CE41}" type="slidenum">
+            <a:fld id="{FBA3CDD6-A2DF-417B-9D37-5CB542446F8F}" type="slidenum">
               <a:t>&lt;#&gt;</a:t>
             </a:fld>
           </a:p>
@@ -12592,7 +12593,7 @@
         <p:spPr>
           <a:xfrm>
             <a:off x="3124080" y="6356520"/>
-            <a:ext cx="2892240" cy="361800"/>
+            <a:ext cx="2891880" cy="361440"/>
           </a:xfrm>
           <a:prstGeom prst="rect">
             <a:avLst/>
@@ -12664,7 +12665,7 @@
         <p:spPr>
           <a:xfrm>
             <a:off x="6553080" y="6356520"/>
-            <a:ext cx="2130480" cy="361800"/>
+            <a:ext cx="2130120" cy="361440"/>
           </a:xfrm>
           <a:prstGeom prst="rect">
             <a:avLst/>
@@ -12705,7 +12706,7 @@
                 <a:tab algn="l" pos="0"/>
               </a:tabLst>
             </a:pPr>
-            <a:fld id="{70F6D48C-E27F-4DF4-A4F6-1D5373D0E48B}" type="slidenum">
+            <a:fld id="{0C2E567A-1BD9-4A8A-B2D6-F5F77BE87436}" type="slidenum">
               <a:rPr b="0" lang="en-US" sz="1200" spc="-1" strike="noStrike">
                 <a:solidFill>
                   <a:srgbClr val="8b8b8b"/>
@@ -12736,7 +12737,7 @@
         <p:spPr>
           <a:xfrm>
             <a:off x="457200" y="6356520"/>
-            <a:ext cx="2130480" cy="361800"/>
+            <a:ext cx="2130120" cy="361440"/>
           </a:xfrm>
           <a:prstGeom prst="rect">
             <a:avLst/>
@@ -13114,7 +13115,7 @@
         <p:spPr>
           <a:xfrm>
             <a:off x="3124080" y="6356520"/>
-            <a:ext cx="2892240" cy="361800"/>
+            <a:ext cx="2891880" cy="361440"/>
           </a:xfrm>
           <a:prstGeom prst="rect">
             <a:avLst/>
@@ -13186,7 +13187,7 @@
         <p:spPr>
           <a:xfrm>
             <a:off x="6553080" y="6356520"/>
-            <a:ext cx="2130480" cy="361800"/>
+            <a:ext cx="2130120" cy="361440"/>
           </a:xfrm>
           <a:prstGeom prst="rect">
             <a:avLst/>
@@ -13227,7 +13228,7 @@
                 <a:tab algn="l" pos="0"/>
               </a:tabLst>
             </a:pPr>
-            <a:fld id="{32F8DA3A-F3AF-4DF4-BA71-00B5DBA01748}" type="slidenum">
+            <a:fld id="{0D0CE5EC-543C-4AA9-907D-A07165B5D09B}" type="slidenum">
               <a:rPr b="0" lang="en-US" sz="1200" spc="-1" strike="noStrike">
                 <a:solidFill>
                   <a:srgbClr val="8b8b8b"/>
@@ -13258,7 +13259,7 @@
         <p:spPr>
           <a:xfrm>
             <a:off x="457200" y="6356520"/>
-            <a:ext cx="2130480" cy="361800"/>
+            <a:ext cx="2130120" cy="361440"/>
           </a:xfrm>
           <a:prstGeom prst="rect">
             <a:avLst/>
@@ -13636,7 +13637,7 @@
         <p:spPr>
           <a:xfrm>
             <a:off x="3124080" y="6356520"/>
-            <a:ext cx="2892600" cy="362160"/>
+            <a:ext cx="2892240" cy="361800"/>
           </a:xfrm>
           <a:prstGeom prst="rect">
             <a:avLst/>
@@ -13708,7 +13709,7 @@
         <p:spPr>
           <a:xfrm>
             <a:off x="6553080" y="6356520"/>
-            <a:ext cx="2130840" cy="362160"/>
+            <a:ext cx="2130480" cy="361800"/>
           </a:xfrm>
           <a:prstGeom prst="rect">
             <a:avLst/>
@@ -13749,7 +13750,7 @@
                 <a:tab algn="l" pos="0"/>
               </a:tabLst>
             </a:pPr>
-            <a:fld id="{DEF64597-B784-4796-A758-417C18E382BC}" type="slidenum">
+            <a:fld id="{2B2ACDAF-6EE6-4583-9506-FA4FDB7AAA05}" type="slidenum">
               <a:rPr b="0" lang="en-US" sz="1200" spc="-1" strike="noStrike">
                 <a:solidFill>
                   <a:srgbClr val="8b8b8b"/>
@@ -13780,7 +13781,7 @@
         <p:spPr>
           <a:xfrm>
             <a:off x="457200" y="6356520"/>
-            <a:ext cx="2130840" cy="362160"/>
+            <a:ext cx="2130480" cy="361800"/>
           </a:xfrm>
           <a:prstGeom prst="rect">
             <a:avLst/>
@@ -14158,7 +14159,7 @@
         <p:spPr>
           <a:xfrm>
             <a:off x="3124080" y="6356520"/>
-            <a:ext cx="2892960" cy="362520"/>
+            <a:ext cx="2892600" cy="362160"/>
           </a:xfrm>
           <a:prstGeom prst="rect">
             <a:avLst/>
@@ -14230,7 +14231,7 @@
         <p:spPr>
           <a:xfrm>
             <a:off x="6553080" y="6356520"/>
-            <a:ext cx="2131200" cy="362520"/>
+            <a:ext cx="2130840" cy="362160"/>
           </a:xfrm>
           <a:prstGeom prst="rect">
             <a:avLst/>
@@ -14271,7 +14272,7 @@
                 <a:tab algn="l" pos="0"/>
               </a:tabLst>
             </a:pPr>
-            <a:fld id="{E1959D9C-3C40-44A6-AD09-B9F38FAEC99C}" type="slidenum">
+            <a:fld id="{48D936C1-0E23-463F-A908-6F48E5D955AD}" type="slidenum">
               <a:rPr b="0" lang="en-US" sz="1200" spc="-1" strike="noStrike">
                 <a:solidFill>
                   <a:srgbClr val="8b8b8b"/>
@@ -14302,7 +14303,7 @@
         <p:spPr>
           <a:xfrm>
             <a:off x="457200" y="6356520"/>
-            <a:ext cx="2131200" cy="362520"/>
+            <a:ext cx="2130840" cy="362160"/>
           </a:xfrm>
           <a:prstGeom prst="rect">
             <a:avLst/>
@@ -14680,7 +14681,7 @@
         <p:spPr>
           <a:xfrm>
             <a:off x="3124080" y="6356520"/>
-            <a:ext cx="2893680" cy="363240"/>
+            <a:ext cx="2893320" cy="362880"/>
           </a:xfrm>
           <a:prstGeom prst="rect">
             <a:avLst/>
@@ -14752,7 +14753,7 @@
         <p:spPr>
           <a:xfrm>
             <a:off x="6553080" y="6356520"/>
-            <a:ext cx="2131920" cy="363240"/>
+            <a:ext cx="2131560" cy="362880"/>
           </a:xfrm>
           <a:prstGeom prst="rect">
             <a:avLst/>
@@ -14793,7 +14794,7 @@
                 <a:tab algn="l" pos="0"/>
               </a:tabLst>
             </a:pPr>
-            <a:fld id="{936793E5-E29E-4C8E-947F-2991E07CB85C}" type="slidenum">
+            <a:fld id="{C5203907-F507-405E-ABC7-DF7C6150A3C0}" type="slidenum">
               <a:rPr b="0" lang="en-US" sz="1200" spc="-1" strike="noStrike">
                 <a:solidFill>
                   <a:srgbClr val="8b8b8b"/>
@@ -14824,7 +14825,7 @@
         <p:spPr>
           <a:xfrm>
             <a:off x="457200" y="6356520"/>
-            <a:ext cx="2131920" cy="363240"/>
+            <a:ext cx="2131560" cy="362880"/>
           </a:xfrm>
           <a:prstGeom prst="rect">
             <a:avLst/>
@@ -15191,7 +15192,7 @@
         <p:spPr>
           <a:xfrm>
             <a:off x="0" y="0"/>
-            <a:ext cx="12185640" cy="6854760"/>
+            <a:ext cx="12185280" cy="6854400"/>
           </a:xfrm>
           <a:prstGeom prst="rect">
             <a:avLst/>
@@ -15251,7 +15252,7 @@
         <p:spPr>
           <a:xfrm>
             <a:off x="0" y="0"/>
-            <a:ext cx="15120" cy="6854760"/>
+            <a:ext cx="14760" cy="6854400"/>
           </a:xfrm>
           <a:prstGeom prst="rect">
             <a:avLst/>
@@ -15311,7 +15312,7 @@
         <p:spPr>
           <a:xfrm>
             <a:off x="914400" y="0"/>
-            <a:ext cx="15120" cy="6854760"/>
+            <a:ext cx="14760" cy="6854400"/>
           </a:xfrm>
           <a:prstGeom prst="rect">
             <a:avLst/>
@@ -15371,7 +15372,7 @@
         <p:spPr>
           <a:xfrm>
             <a:off x="1828800" y="0"/>
-            <a:ext cx="15120" cy="6854760"/>
+            <a:ext cx="14760" cy="6854400"/>
           </a:xfrm>
           <a:prstGeom prst="rect">
             <a:avLst/>
@@ -15431,7 +15432,7 @@
         <p:spPr>
           <a:xfrm>
             <a:off x="2743200" y="0"/>
-            <a:ext cx="15120" cy="6854760"/>
+            <a:ext cx="14760" cy="6854400"/>
           </a:xfrm>
           <a:prstGeom prst="rect">
             <a:avLst/>
@@ -15491,7 +15492,7 @@
         <p:spPr>
           <a:xfrm>
             <a:off x="3657600" y="0"/>
-            <a:ext cx="15120" cy="6854760"/>
+            <a:ext cx="14760" cy="6854400"/>
           </a:xfrm>
           <a:prstGeom prst="rect">
             <a:avLst/>
@@ -15551,7 +15552,7 @@
         <p:spPr>
           <a:xfrm>
             <a:off x="4572000" y="0"/>
-            <a:ext cx="15120" cy="6854760"/>
+            <a:ext cx="14760" cy="6854400"/>
           </a:xfrm>
           <a:prstGeom prst="rect">
             <a:avLst/>
@@ -15611,7 +15612,7 @@
         <p:spPr>
           <a:xfrm>
             <a:off x="5486400" y="0"/>
-            <a:ext cx="15120" cy="6854760"/>
+            <a:ext cx="14760" cy="6854400"/>
           </a:xfrm>
           <a:prstGeom prst="rect">
             <a:avLst/>
@@ -15671,7 +15672,7 @@
         <p:spPr>
           <a:xfrm>
             <a:off x="6400800" y="0"/>
-            <a:ext cx="15120" cy="6854760"/>
+            <a:ext cx="14760" cy="6854400"/>
           </a:xfrm>
           <a:prstGeom prst="rect">
             <a:avLst/>
@@ -15731,7 +15732,7 @@
         <p:spPr>
           <a:xfrm>
             <a:off x="7315200" y="0"/>
-            <a:ext cx="15120" cy="6854760"/>
+            <a:ext cx="14760" cy="6854400"/>
           </a:xfrm>
           <a:prstGeom prst="rect">
             <a:avLst/>
@@ -15791,7 +15792,7 @@
         <p:spPr>
           <a:xfrm>
             <a:off x="8229600" y="0"/>
-            <a:ext cx="15120" cy="6854760"/>
+            <a:ext cx="14760" cy="6854400"/>
           </a:xfrm>
           <a:prstGeom prst="rect">
             <a:avLst/>
@@ -15851,7 +15852,7 @@
         <p:spPr>
           <a:xfrm>
             <a:off x="9144000" y="0"/>
-            <a:ext cx="15120" cy="6854760"/>
+            <a:ext cx="14760" cy="6854400"/>
           </a:xfrm>
           <a:prstGeom prst="rect">
             <a:avLst/>
@@ -15911,7 +15912,7 @@
         <p:spPr>
           <a:xfrm>
             <a:off x="10058400" y="0"/>
-            <a:ext cx="15120" cy="6854760"/>
+            <a:ext cx="14760" cy="6854400"/>
           </a:xfrm>
           <a:prstGeom prst="rect">
             <a:avLst/>
@@ -15971,7 +15972,7 @@
         <p:spPr>
           <a:xfrm>
             <a:off x="10972800" y="0"/>
-            <a:ext cx="15120" cy="6854760"/>
+            <a:ext cx="14760" cy="6854400"/>
           </a:xfrm>
           <a:prstGeom prst="rect">
             <a:avLst/>
@@ -16031,7 +16032,7 @@
         <p:spPr>
           <a:xfrm>
             <a:off x="11887200" y="0"/>
-            <a:ext cx="15120" cy="6854760"/>
+            <a:ext cx="14760" cy="6854400"/>
           </a:xfrm>
           <a:prstGeom prst="rect">
             <a:avLst/>
@@ -16091,7 +16092,7 @@
         <p:spPr>
           <a:xfrm>
             <a:off x="0" y="0"/>
-            <a:ext cx="316800" cy="6854760"/>
+            <a:ext cx="316440" cy="6854400"/>
           </a:xfrm>
           <a:prstGeom prst="rect">
             <a:avLst/>
@@ -16151,7 +16152,7 @@
         <p:spPr>
           <a:xfrm>
             <a:off x="9875520" y="365760"/>
-            <a:ext cx="2008440" cy="499680"/>
+            <a:ext cx="2008080" cy="499320"/>
           </a:xfrm>
           <a:prstGeom prst="roundRect">
             <a:avLst>
@@ -16333,7 +16334,7 @@
         <p:spPr>
           <a:xfrm>
             <a:off x="987480" y="3182040"/>
-            <a:ext cx="3288600" cy="2739960"/>
+            <a:ext cx="3288240" cy="2739600"/>
           </a:xfrm>
           <a:prstGeom prst="roundRect">
             <a:avLst>
@@ -16395,7 +16396,7 @@
         <p:spPr>
           <a:xfrm>
             <a:off x="685800" y="2521440"/>
-            <a:ext cx="3426840" cy="3327480"/>
+            <a:ext cx="3426480" cy="3327120"/>
           </a:xfrm>
           <a:prstGeom prst="roundRect">
             <a:avLst>
@@ -16808,7 +16809,7 @@
         <p:spPr>
           <a:xfrm>
             <a:off x="4507920" y="3182040"/>
-            <a:ext cx="3288600" cy="2739960"/>
+            <a:ext cx="3288240" cy="2739600"/>
           </a:xfrm>
           <a:prstGeom prst="roundRect">
             <a:avLst>
@@ -16870,7 +16871,7 @@
         <p:spPr>
           <a:xfrm>
             <a:off x="4434840" y="3108960"/>
-            <a:ext cx="3288600" cy="2739960"/>
+            <a:ext cx="3288240" cy="2739600"/>
           </a:xfrm>
           <a:prstGeom prst="roundRect">
             <a:avLst>
@@ -17181,7 +17182,7 @@
         <p:spPr>
           <a:xfrm>
             <a:off x="8028360" y="3182040"/>
-            <a:ext cx="3288600" cy="2739960"/>
+            <a:ext cx="3288240" cy="2739600"/>
           </a:xfrm>
           <a:prstGeom prst="roundRect">
             <a:avLst>
@@ -17243,7 +17244,7 @@
         <p:spPr>
           <a:xfrm>
             <a:off x="7955280" y="3108960"/>
-            <a:ext cx="3288600" cy="2739960"/>
+            <a:ext cx="3288240" cy="2739600"/>
           </a:xfrm>
           <a:prstGeom prst="roundRect">
             <a:avLst>
@@ -17523,7 +17524,7 @@
         <p:spPr>
           <a:xfrm>
             <a:off x="0" y="0"/>
-            <a:ext cx="12187080" cy="6856200"/>
+            <a:ext cx="12186720" cy="6855840"/>
           </a:xfrm>
           <a:prstGeom prst="rect">
             <a:avLst/>
@@ -17559,6 +17560,11 @@
             <a:noAutofit/>
           </a:bodyPr>
           <a:p>
+            <a:pPr>
+              <a:lnSpc>
+                <a:spcPct val="100000"/>
+              </a:lnSpc>
+            </a:pPr>
             <a:endParaRPr b="0" lang="en-US" sz="1800" spc="-1" strike="noStrike">
               <a:solidFill>
                 <a:schemeClr val="lt1"/>
@@ -17578,7 +17584,7 @@
         <p:spPr>
           <a:xfrm>
             <a:off x="0" y="0"/>
-            <a:ext cx="16560" cy="6856200"/>
+            <a:ext cx="16200" cy="6855840"/>
           </a:xfrm>
           <a:prstGeom prst="rect">
             <a:avLst/>
@@ -17614,6 +17620,11 @@
             <a:noAutofit/>
           </a:bodyPr>
           <a:p>
+            <a:pPr>
+              <a:lnSpc>
+                <a:spcPct val="100000"/>
+              </a:lnSpc>
+            </a:pPr>
             <a:endParaRPr b="0" lang="en-US" sz="1800" spc="-1" strike="noStrike">
               <a:solidFill>
                 <a:schemeClr val="lt1"/>
@@ -17633,7 +17644,7 @@
         <p:spPr>
           <a:xfrm>
             <a:off x="914400" y="0"/>
-            <a:ext cx="16560" cy="6856200"/>
+            <a:ext cx="16200" cy="6855840"/>
           </a:xfrm>
           <a:prstGeom prst="rect">
             <a:avLst/>
@@ -17669,6 +17680,11 @@
             <a:noAutofit/>
           </a:bodyPr>
           <a:p>
+            <a:pPr>
+              <a:lnSpc>
+                <a:spcPct val="100000"/>
+              </a:lnSpc>
+            </a:pPr>
             <a:endParaRPr b="0" lang="en-US" sz="1800" spc="-1" strike="noStrike">
               <a:solidFill>
                 <a:schemeClr val="lt1"/>
@@ -17688,7 +17704,7 @@
         <p:spPr>
           <a:xfrm>
             <a:off x="1828800" y="0"/>
-            <a:ext cx="16560" cy="6856200"/>
+            <a:ext cx="16200" cy="6855840"/>
           </a:xfrm>
           <a:prstGeom prst="rect">
             <a:avLst/>
@@ -17724,6 +17740,11 @@
             <a:noAutofit/>
           </a:bodyPr>
           <a:p>
+            <a:pPr>
+              <a:lnSpc>
+                <a:spcPct val="100000"/>
+              </a:lnSpc>
+            </a:pPr>
             <a:endParaRPr b="0" lang="en-US" sz="1800" spc="-1" strike="noStrike">
               <a:solidFill>
                 <a:schemeClr val="lt1"/>
@@ -17743,7 +17764,7 @@
         <p:spPr>
           <a:xfrm>
             <a:off x="2743200" y="0"/>
-            <a:ext cx="16560" cy="6856200"/>
+            <a:ext cx="16200" cy="6855840"/>
           </a:xfrm>
           <a:prstGeom prst="rect">
             <a:avLst/>
@@ -17779,6 +17800,11 @@
             <a:noAutofit/>
           </a:bodyPr>
           <a:p>
+            <a:pPr>
+              <a:lnSpc>
+                <a:spcPct val="100000"/>
+              </a:lnSpc>
+            </a:pPr>
             <a:endParaRPr b="0" lang="en-US" sz="1800" spc="-1" strike="noStrike">
               <a:solidFill>
                 <a:schemeClr val="lt1"/>
@@ -17798,7 +17824,7 @@
         <p:spPr>
           <a:xfrm>
             <a:off x="3657600" y="0"/>
-            <a:ext cx="16560" cy="6856200"/>
+            <a:ext cx="16200" cy="6855840"/>
           </a:xfrm>
           <a:prstGeom prst="rect">
             <a:avLst/>
@@ -17834,6 +17860,11 @@
             <a:noAutofit/>
           </a:bodyPr>
           <a:p>
+            <a:pPr>
+              <a:lnSpc>
+                <a:spcPct val="100000"/>
+              </a:lnSpc>
+            </a:pPr>
             <a:endParaRPr b="0" lang="en-US" sz="1800" spc="-1" strike="noStrike">
               <a:solidFill>
                 <a:schemeClr val="lt1"/>
@@ -17853,7 +17884,7 @@
         <p:spPr>
           <a:xfrm>
             <a:off x="4572000" y="0"/>
-            <a:ext cx="16560" cy="6856200"/>
+            <a:ext cx="16200" cy="6855840"/>
           </a:xfrm>
           <a:prstGeom prst="rect">
             <a:avLst/>
@@ -17889,6 +17920,11 @@
             <a:noAutofit/>
           </a:bodyPr>
           <a:p>
+            <a:pPr>
+              <a:lnSpc>
+                <a:spcPct val="100000"/>
+              </a:lnSpc>
+            </a:pPr>
             <a:endParaRPr b="0" lang="en-US" sz="1800" spc="-1" strike="noStrike">
               <a:solidFill>
                 <a:schemeClr val="lt1"/>
@@ -17908,7 +17944,7 @@
         <p:spPr>
           <a:xfrm>
             <a:off x="5486400" y="0"/>
-            <a:ext cx="16560" cy="6856200"/>
+            <a:ext cx="16200" cy="6855840"/>
           </a:xfrm>
           <a:prstGeom prst="rect">
             <a:avLst/>
@@ -17944,6 +17980,11 @@
             <a:noAutofit/>
           </a:bodyPr>
           <a:p>
+            <a:pPr>
+              <a:lnSpc>
+                <a:spcPct val="100000"/>
+              </a:lnSpc>
+            </a:pPr>
             <a:endParaRPr b="0" lang="en-US" sz="1800" spc="-1" strike="noStrike">
               <a:solidFill>
                 <a:schemeClr val="lt1"/>
@@ -17963,7 +18004,7 @@
         <p:spPr>
           <a:xfrm>
             <a:off x="6400800" y="0"/>
-            <a:ext cx="16560" cy="6856200"/>
+            <a:ext cx="16200" cy="6855840"/>
           </a:xfrm>
           <a:prstGeom prst="rect">
             <a:avLst/>
@@ -17999,6 +18040,11 @@
             <a:noAutofit/>
           </a:bodyPr>
           <a:p>
+            <a:pPr>
+              <a:lnSpc>
+                <a:spcPct val="100000"/>
+              </a:lnSpc>
+            </a:pPr>
             <a:endParaRPr b="0" lang="en-US" sz="1800" spc="-1" strike="noStrike">
               <a:solidFill>
                 <a:schemeClr val="lt1"/>
@@ -18018,7 +18064,7 @@
         <p:spPr>
           <a:xfrm>
             <a:off x="7315200" y="0"/>
-            <a:ext cx="16560" cy="6856200"/>
+            <a:ext cx="16200" cy="6855840"/>
           </a:xfrm>
           <a:prstGeom prst="rect">
             <a:avLst/>
@@ -18054,6 +18100,11 @@
             <a:noAutofit/>
           </a:bodyPr>
           <a:p>
+            <a:pPr>
+              <a:lnSpc>
+                <a:spcPct val="100000"/>
+              </a:lnSpc>
+            </a:pPr>
             <a:endParaRPr b="0" lang="en-US" sz="1800" spc="-1" strike="noStrike">
               <a:solidFill>
                 <a:schemeClr val="lt1"/>
@@ -18073,7 +18124,7 @@
         <p:spPr>
           <a:xfrm>
             <a:off x="8229600" y="0"/>
-            <a:ext cx="16560" cy="6856200"/>
+            <a:ext cx="16200" cy="6855840"/>
           </a:xfrm>
           <a:prstGeom prst="rect">
             <a:avLst/>
@@ -18109,6 +18160,11 @@
             <a:noAutofit/>
           </a:bodyPr>
           <a:p>
+            <a:pPr>
+              <a:lnSpc>
+                <a:spcPct val="100000"/>
+              </a:lnSpc>
+            </a:pPr>
             <a:endParaRPr b="0" lang="en-US" sz="1800" spc="-1" strike="noStrike">
               <a:solidFill>
                 <a:schemeClr val="lt1"/>
@@ -18128,7 +18184,7 @@
         <p:spPr>
           <a:xfrm>
             <a:off x="9144000" y="0"/>
-            <a:ext cx="16560" cy="6856200"/>
+            <a:ext cx="16200" cy="6855840"/>
           </a:xfrm>
           <a:prstGeom prst="rect">
             <a:avLst/>
@@ -18164,6 +18220,11 @@
             <a:noAutofit/>
           </a:bodyPr>
           <a:p>
+            <a:pPr>
+              <a:lnSpc>
+                <a:spcPct val="100000"/>
+              </a:lnSpc>
+            </a:pPr>
             <a:endParaRPr b="0" lang="en-US" sz="1800" spc="-1" strike="noStrike">
               <a:solidFill>
                 <a:schemeClr val="lt1"/>
@@ -18183,7 +18244,7 @@
         <p:spPr>
           <a:xfrm>
             <a:off x="10058400" y="0"/>
-            <a:ext cx="16560" cy="6856200"/>
+            <a:ext cx="16200" cy="6855840"/>
           </a:xfrm>
           <a:prstGeom prst="rect">
             <a:avLst/>
@@ -18219,6 +18280,11 @@
             <a:noAutofit/>
           </a:bodyPr>
           <a:p>
+            <a:pPr>
+              <a:lnSpc>
+                <a:spcPct val="100000"/>
+              </a:lnSpc>
+            </a:pPr>
             <a:endParaRPr b="0" lang="en-US" sz="1800" spc="-1" strike="noStrike">
               <a:solidFill>
                 <a:schemeClr val="lt1"/>
@@ -18238,7 +18304,7 @@
         <p:spPr>
           <a:xfrm>
             <a:off x="10972800" y="0"/>
-            <a:ext cx="16560" cy="6856200"/>
+            <a:ext cx="16200" cy="6855840"/>
           </a:xfrm>
           <a:prstGeom prst="rect">
             <a:avLst/>
@@ -18274,6 +18340,11 @@
             <a:noAutofit/>
           </a:bodyPr>
           <a:p>
+            <a:pPr>
+              <a:lnSpc>
+                <a:spcPct val="100000"/>
+              </a:lnSpc>
+            </a:pPr>
             <a:endParaRPr b="0" lang="en-US" sz="1800" spc="-1" strike="noStrike">
               <a:solidFill>
                 <a:schemeClr val="lt1"/>
@@ -18293,7 +18364,7 @@
         <p:spPr>
           <a:xfrm>
             <a:off x="11887200" y="0"/>
-            <a:ext cx="16560" cy="6856200"/>
+            <a:ext cx="16200" cy="6855840"/>
           </a:xfrm>
           <a:prstGeom prst="rect">
             <a:avLst/>
@@ -18329,6 +18400,11 @@
             <a:noAutofit/>
           </a:bodyPr>
           <a:p>
+            <a:pPr>
+              <a:lnSpc>
+                <a:spcPct val="100000"/>
+              </a:lnSpc>
+            </a:pPr>
             <a:endParaRPr b="0" lang="en-US" sz="1800" spc="-1" strike="noStrike">
               <a:solidFill>
                 <a:schemeClr val="lt1"/>
@@ -18348,7 +18424,7 @@
         <p:spPr>
           <a:xfrm>
             <a:off x="0" y="0"/>
-            <a:ext cx="318240" cy="6856200"/>
+            <a:ext cx="317880" cy="6855840"/>
           </a:xfrm>
           <a:prstGeom prst="rect">
             <a:avLst/>
@@ -18384,6 +18460,11 @@
             <a:noAutofit/>
           </a:bodyPr>
           <a:p>
+            <a:pPr>
+              <a:lnSpc>
+                <a:spcPct val="100000"/>
+              </a:lnSpc>
+            </a:pPr>
             <a:endParaRPr b="0" lang="en-US" sz="1800" spc="-1" strike="noStrike">
               <a:solidFill>
                 <a:schemeClr val="lt1"/>
@@ -18403,7 +18484,7 @@
         <p:spPr>
           <a:xfrm>
             <a:off x="9875520" y="365760"/>
-            <a:ext cx="2009880" cy="501120"/>
+            <a:ext cx="2009520" cy="500760"/>
           </a:xfrm>
           <a:prstGeom prst="roundRect">
             <a:avLst>
@@ -18531,7 +18612,7 @@
         <p:spPr>
           <a:xfrm>
             <a:off x="2434680" y="2194560"/>
-            <a:ext cx="6115680" cy="317880"/>
+            <a:ext cx="6115320" cy="317880"/>
           </a:xfrm>
           <a:prstGeom prst="rect">
             <a:avLst/>
@@ -18585,7 +18666,7 @@
         <p:spPr>
           <a:xfrm>
             <a:off x="987480" y="3182040"/>
-            <a:ext cx="3290040" cy="2741400"/>
+            <a:ext cx="3289680" cy="2741040"/>
           </a:xfrm>
           <a:prstGeom prst="roundRect">
             <a:avLst>
@@ -18623,6 +18704,11 @@
             <a:noAutofit/>
           </a:bodyPr>
           <a:p>
+            <a:pPr>
+              <a:lnSpc>
+                <a:spcPct val="100000"/>
+              </a:lnSpc>
+            </a:pPr>
             <a:endParaRPr b="0" lang="en-US" sz="1800" spc="-1" strike="noStrike">
               <a:solidFill>
                 <a:schemeClr val="lt1"/>
@@ -18642,7 +18728,7 @@
         <p:spPr>
           <a:xfrm>
             <a:off x="914400" y="3108960"/>
-            <a:ext cx="3290040" cy="2741400"/>
+            <a:ext cx="3289680" cy="2741040"/>
           </a:xfrm>
           <a:prstGeom prst="roundRect">
             <a:avLst>
@@ -18930,7 +19016,7 @@
         <p:spPr>
           <a:xfrm>
             <a:off x="4507920" y="3182040"/>
-            <a:ext cx="3290040" cy="2741400"/>
+            <a:ext cx="3289680" cy="2741040"/>
           </a:xfrm>
           <a:prstGeom prst="roundRect">
             <a:avLst>
@@ -18968,6 +19054,11 @@
             <a:noAutofit/>
           </a:bodyPr>
           <a:p>
+            <a:pPr>
+              <a:lnSpc>
+                <a:spcPct val="100000"/>
+              </a:lnSpc>
+            </a:pPr>
             <a:endParaRPr b="0" lang="en-US" sz="1800" spc="-1" strike="noStrike">
               <a:solidFill>
                 <a:schemeClr val="lt1"/>
@@ -18987,7 +19078,7 @@
         <p:spPr>
           <a:xfrm>
             <a:off x="4434840" y="3108960"/>
-            <a:ext cx="3290040" cy="2741400"/>
+            <a:ext cx="3289680" cy="2741040"/>
           </a:xfrm>
           <a:prstGeom prst="roundRect">
             <a:avLst>
@@ -19291,7 +19382,7 @@
         <p:spPr>
           <a:xfrm>
             <a:off x="8028360" y="3182040"/>
-            <a:ext cx="3290040" cy="2741400"/>
+            <a:ext cx="3289680" cy="2741040"/>
           </a:xfrm>
           <a:prstGeom prst="roundRect">
             <a:avLst>
@@ -19329,6 +19420,11 @@
             <a:noAutofit/>
           </a:bodyPr>
           <a:p>
+            <a:pPr>
+              <a:lnSpc>
+                <a:spcPct val="100000"/>
+              </a:lnSpc>
+            </a:pPr>
             <a:endParaRPr b="0" lang="en-US" sz="1800" spc="-1" strike="noStrike">
               <a:solidFill>
                 <a:schemeClr val="lt1"/>
@@ -19348,7 +19444,7 @@
         <p:spPr>
           <a:xfrm>
             <a:off x="7955280" y="3108960"/>
-            <a:ext cx="3290040" cy="3063240"/>
+            <a:ext cx="3289680" cy="3062880"/>
           </a:xfrm>
           <a:prstGeom prst="roundRect">
             <a:avLst>
@@ -19428,29 +19524,6 @@
                 <a:latin typeface="Consolas"/>
                 <a:ea typeface="DejaVu Sans"/>
               </a:rPr>
-              <a:t>C</a:t>
-            </a:r>
-            <a:endParaRPr b="0" lang="en-US" sz="1300" spc="-1" strike="noStrike">
-              <a:solidFill>
-                <a:srgbClr val="ffffff"/>
-              </a:solidFill>
-              <a:latin typeface="Arial"/>
-            </a:endParaRPr>
-          </a:p>
-          <a:p>
-            <a:pPr algn="ctr">
-              <a:lnSpc>
-                <a:spcPct val="100000"/>
-              </a:lnSpc>
-            </a:pPr>
-            <a:r>
-              <a:rPr b="0" lang="en-US" sz="1300" spc="-1" strike="noStrike">
-                <a:solidFill>
-                  <a:srgbClr val="78ffc8"/>
-                </a:solidFill>
-                <a:latin typeface="Consolas"/>
-                <a:ea typeface="DejaVu Sans"/>
-              </a:rPr>
               <a:t>check environment variable (Windows):</a:t>
             </a:r>
             <a:br>
@@ -19651,6 +19724,2446 @@
       <p:sp>
         <p:nvSpPr>
           <p:cNvPr id="464" name="TextBox 33"/>
+          <p:cNvSpPr/>
+          <p:nvPr/>
+        </p:nvSpPr>
+        <p:spPr>
+          <a:xfrm>
+            <a:off x="4600080" y="6446520"/>
+            <a:ext cx="3051000" cy="363960"/>
+          </a:xfrm>
+          <a:prstGeom prst="rect">
+            <a:avLst/>
+          </a:prstGeom>
+          <a:noFill/>
+          <a:ln w="0">
+            <a:noFill/>
+          </a:ln>
+        </p:spPr>
+        <p:style>
+          <a:lnRef idx="0"/>
+          <a:fillRef idx="0"/>
+          <a:effectRef idx="0"/>
+          <a:fontRef idx="minor"/>
+        </p:style>
+        <p:txBody>
+          <a:bodyPr wrap="none" lIns="90000" rIns="90000" tIns="45000" bIns="45000" anchor="t">
+            <a:spAutoFit/>
+          </a:bodyPr>
+          <a:p>
+            <a:pPr>
+              <a:lnSpc>
+                <a:spcPct val="100000"/>
+              </a:lnSpc>
+            </a:pPr>
+            <a:r>
+              <a:rPr b="0" lang="en-US" sz="1800" spc="-1" strike="noStrike">
+                <a:solidFill>
+                  <a:srgbClr val="000000"/>
+                </a:solidFill>
+                <a:latin typeface="Calibri"/>
+                <a:ea typeface="DejaVu Sans"/>
+              </a:rPr>
+              <a:t>Java • Ultra Premium Template</a:t>
+            </a:r>
+            <a:endParaRPr b="0" lang="en-US" sz="1800" spc="-1" strike="noStrike">
+              <a:solidFill>
+                <a:srgbClr val="000000"/>
+              </a:solidFill>
+              <a:latin typeface="Arial"/>
+            </a:endParaRPr>
+          </a:p>
+        </p:txBody>
+      </p:sp>
+    </p:spTree>
+  </p:cSld>
+  <mc:AlternateContent>
+    <mc:Choice Requires="p14">
+      <p:transition spd="slow" p14:dur="2000"/>
+    </mc:Choice>
+    <mc:Fallback>
+      <p:transition spd="slow"/>
+    </mc:Fallback>
+  </mc:AlternateContent>
+</p:sld>
+</file>
+
+<file path=ppt/slides/slide11.xml><?xml version="1.0" encoding="utf-8"?>
+<p:sld xmlns:a="http://schemas.openxmlformats.org/drawingml/2006/main" xmlns:p="http://schemas.openxmlformats.org/presentationml/2006/main" xmlns:r="http://schemas.openxmlformats.org/officeDocument/2006/relationships" xmlns:p14="http://schemas.microsoft.com/office/powerpoint/2010/main" xmlns:p15="http://schemas.microsoft.com/office/powerpoint/2012/main" xmlns:mc="http://schemas.openxmlformats.org/markup-compatibility/2006">
+  <p:cSld>
+    <p:spTree>
+      <p:nvGrpSpPr>
+        <p:cNvPr id="1" name=""/>
+        <p:cNvGrpSpPr/>
+        <p:nvPr/>
+      </p:nvGrpSpPr>
+      <p:grpSpPr>
+        <a:xfrm>
+          <a:off x="0" y="0"/>
+          <a:ext cx="0" cy="0"/>
+          <a:chOff x="0" y="0"/>
+          <a:chExt cx="0" cy="0"/>
+        </a:xfrm>
+      </p:grpSpPr>
+      <p:sp>
+        <p:nvSpPr>
+          <p:cNvPr id="465" name="Rectangle 161"/>
+          <p:cNvSpPr/>
+          <p:nvPr/>
+        </p:nvSpPr>
+        <p:spPr>
+          <a:xfrm>
+            <a:off x="0" y="0"/>
+            <a:ext cx="12186720" cy="6855840"/>
+          </a:xfrm>
+          <a:prstGeom prst="rect">
+            <a:avLst/>
+          </a:prstGeom>
+          <a:solidFill>
+            <a:srgbClr val="0b0b0d"/>
+          </a:solidFill>
+          <a:ln>
+            <a:noFill/>
+          </a:ln>
+          <a:effectLst>
+            <a:outerShdw blurRad="39960" dir="5400000" dist="23040" rotWithShape="0">
+              <a:srgbClr val="000000">
+                <a:alpha val="35000"/>
+              </a:srgbClr>
+            </a:outerShdw>
+          </a:effectLst>
+        </p:spPr>
+        <p:style>
+          <a:lnRef idx="1">
+            <a:schemeClr val="accent1"/>
+          </a:lnRef>
+          <a:fillRef idx="3">
+            <a:schemeClr val="accent1"/>
+          </a:fillRef>
+          <a:effectRef idx="2">
+            <a:schemeClr val="accent1"/>
+          </a:effectRef>
+          <a:fontRef idx="minor"/>
+        </p:style>
+        <p:txBody>
+          <a:bodyPr lIns="90000" rIns="90000" tIns="45000" bIns="45000" anchor="ctr">
+            <a:noAutofit/>
+          </a:bodyPr>
+          <a:p>
+            <a:endParaRPr b="0" lang="en-US" sz="1800" spc="-1" strike="noStrike">
+              <a:solidFill>
+                <a:schemeClr val="lt1"/>
+              </a:solidFill>
+              <a:latin typeface="Calibri"/>
+              <a:ea typeface="DejaVu Sans"/>
+            </a:endParaRPr>
+          </a:p>
+        </p:txBody>
+      </p:sp>
+      <p:sp>
+        <p:nvSpPr>
+          <p:cNvPr id="466" name="Rectangle 162"/>
+          <p:cNvSpPr/>
+          <p:nvPr/>
+        </p:nvSpPr>
+        <p:spPr>
+          <a:xfrm>
+            <a:off x="0" y="0"/>
+            <a:ext cx="16200" cy="6855840"/>
+          </a:xfrm>
+          <a:prstGeom prst="rect">
+            <a:avLst/>
+          </a:prstGeom>
+          <a:solidFill>
+            <a:srgbClr val="121216"/>
+          </a:solidFill>
+          <a:ln>
+            <a:noFill/>
+          </a:ln>
+          <a:effectLst>
+            <a:outerShdw blurRad="39960" dir="5400000" dist="23040" rotWithShape="0">
+              <a:srgbClr val="000000">
+                <a:alpha val="35000"/>
+              </a:srgbClr>
+            </a:outerShdw>
+          </a:effectLst>
+        </p:spPr>
+        <p:style>
+          <a:lnRef idx="1">
+            <a:schemeClr val="accent1"/>
+          </a:lnRef>
+          <a:fillRef idx="3">
+            <a:schemeClr val="accent1"/>
+          </a:fillRef>
+          <a:effectRef idx="2">
+            <a:schemeClr val="accent1"/>
+          </a:effectRef>
+          <a:fontRef idx="minor"/>
+        </p:style>
+        <p:txBody>
+          <a:bodyPr lIns="90000" rIns="90000" tIns="45000" bIns="45000" anchor="ctr">
+            <a:noAutofit/>
+          </a:bodyPr>
+          <a:p>
+            <a:endParaRPr b="0" lang="en-US" sz="1800" spc="-1" strike="noStrike">
+              <a:solidFill>
+                <a:schemeClr val="lt1"/>
+              </a:solidFill>
+              <a:latin typeface="Calibri"/>
+              <a:ea typeface="DejaVu Sans"/>
+            </a:endParaRPr>
+          </a:p>
+        </p:txBody>
+      </p:sp>
+      <p:sp>
+        <p:nvSpPr>
+          <p:cNvPr id="467" name="Rectangle 163"/>
+          <p:cNvSpPr/>
+          <p:nvPr/>
+        </p:nvSpPr>
+        <p:spPr>
+          <a:xfrm>
+            <a:off x="914400" y="0"/>
+            <a:ext cx="16200" cy="6855840"/>
+          </a:xfrm>
+          <a:prstGeom prst="rect">
+            <a:avLst/>
+          </a:prstGeom>
+          <a:solidFill>
+            <a:srgbClr val="121216"/>
+          </a:solidFill>
+          <a:ln>
+            <a:noFill/>
+          </a:ln>
+          <a:effectLst>
+            <a:outerShdw blurRad="39960" dir="5400000" dist="23040" rotWithShape="0">
+              <a:srgbClr val="000000">
+                <a:alpha val="35000"/>
+              </a:srgbClr>
+            </a:outerShdw>
+          </a:effectLst>
+        </p:spPr>
+        <p:style>
+          <a:lnRef idx="1">
+            <a:schemeClr val="accent1"/>
+          </a:lnRef>
+          <a:fillRef idx="3">
+            <a:schemeClr val="accent1"/>
+          </a:fillRef>
+          <a:effectRef idx="2">
+            <a:schemeClr val="accent1"/>
+          </a:effectRef>
+          <a:fontRef idx="minor"/>
+        </p:style>
+        <p:txBody>
+          <a:bodyPr lIns="90000" rIns="90000" tIns="45000" bIns="45000" anchor="ctr">
+            <a:noAutofit/>
+          </a:bodyPr>
+          <a:p>
+            <a:endParaRPr b="0" lang="en-US" sz="1800" spc="-1" strike="noStrike">
+              <a:solidFill>
+                <a:schemeClr val="lt1"/>
+              </a:solidFill>
+              <a:latin typeface="Calibri"/>
+              <a:ea typeface="DejaVu Sans"/>
+            </a:endParaRPr>
+          </a:p>
+        </p:txBody>
+      </p:sp>
+      <p:sp>
+        <p:nvSpPr>
+          <p:cNvPr id="468" name="Rectangle 164"/>
+          <p:cNvSpPr/>
+          <p:nvPr/>
+        </p:nvSpPr>
+        <p:spPr>
+          <a:xfrm>
+            <a:off x="1828800" y="0"/>
+            <a:ext cx="16200" cy="6855840"/>
+          </a:xfrm>
+          <a:prstGeom prst="rect">
+            <a:avLst/>
+          </a:prstGeom>
+          <a:solidFill>
+            <a:srgbClr val="121216"/>
+          </a:solidFill>
+          <a:ln>
+            <a:noFill/>
+          </a:ln>
+          <a:effectLst>
+            <a:outerShdw blurRad="39960" dir="5400000" dist="23040" rotWithShape="0">
+              <a:srgbClr val="000000">
+                <a:alpha val="35000"/>
+              </a:srgbClr>
+            </a:outerShdw>
+          </a:effectLst>
+        </p:spPr>
+        <p:style>
+          <a:lnRef idx="1">
+            <a:schemeClr val="accent1"/>
+          </a:lnRef>
+          <a:fillRef idx="3">
+            <a:schemeClr val="accent1"/>
+          </a:fillRef>
+          <a:effectRef idx="2">
+            <a:schemeClr val="accent1"/>
+          </a:effectRef>
+          <a:fontRef idx="minor"/>
+        </p:style>
+        <p:txBody>
+          <a:bodyPr lIns="90000" rIns="90000" tIns="45000" bIns="45000" anchor="ctr">
+            <a:noAutofit/>
+          </a:bodyPr>
+          <a:p>
+            <a:endParaRPr b="0" lang="en-US" sz="1800" spc="-1" strike="noStrike">
+              <a:solidFill>
+                <a:schemeClr val="lt1"/>
+              </a:solidFill>
+              <a:latin typeface="Calibri"/>
+              <a:ea typeface="DejaVu Sans"/>
+            </a:endParaRPr>
+          </a:p>
+        </p:txBody>
+      </p:sp>
+      <p:sp>
+        <p:nvSpPr>
+          <p:cNvPr id="469" name="Rectangle 165"/>
+          <p:cNvSpPr/>
+          <p:nvPr/>
+        </p:nvSpPr>
+        <p:spPr>
+          <a:xfrm>
+            <a:off x="2743200" y="0"/>
+            <a:ext cx="16200" cy="6855840"/>
+          </a:xfrm>
+          <a:prstGeom prst="rect">
+            <a:avLst/>
+          </a:prstGeom>
+          <a:solidFill>
+            <a:srgbClr val="121216"/>
+          </a:solidFill>
+          <a:ln>
+            <a:noFill/>
+          </a:ln>
+          <a:effectLst>
+            <a:outerShdw blurRad="39960" dir="5400000" dist="23040" rotWithShape="0">
+              <a:srgbClr val="000000">
+                <a:alpha val="35000"/>
+              </a:srgbClr>
+            </a:outerShdw>
+          </a:effectLst>
+        </p:spPr>
+        <p:style>
+          <a:lnRef idx="1">
+            <a:schemeClr val="accent1"/>
+          </a:lnRef>
+          <a:fillRef idx="3">
+            <a:schemeClr val="accent1"/>
+          </a:fillRef>
+          <a:effectRef idx="2">
+            <a:schemeClr val="accent1"/>
+          </a:effectRef>
+          <a:fontRef idx="minor"/>
+        </p:style>
+        <p:txBody>
+          <a:bodyPr lIns="90000" rIns="90000" tIns="45000" bIns="45000" anchor="ctr">
+            <a:noAutofit/>
+          </a:bodyPr>
+          <a:p>
+            <a:endParaRPr b="0" lang="en-US" sz="1800" spc="-1" strike="noStrike">
+              <a:solidFill>
+                <a:schemeClr val="lt1"/>
+              </a:solidFill>
+              <a:latin typeface="Calibri"/>
+              <a:ea typeface="DejaVu Sans"/>
+            </a:endParaRPr>
+          </a:p>
+        </p:txBody>
+      </p:sp>
+      <p:sp>
+        <p:nvSpPr>
+          <p:cNvPr id="470" name="Rectangle 166"/>
+          <p:cNvSpPr/>
+          <p:nvPr/>
+        </p:nvSpPr>
+        <p:spPr>
+          <a:xfrm>
+            <a:off x="3657600" y="0"/>
+            <a:ext cx="16200" cy="6855840"/>
+          </a:xfrm>
+          <a:prstGeom prst="rect">
+            <a:avLst/>
+          </a:prstGeom>
+          <a:solidFill>
+            <a:srgbClr val="121216"/>
+          </a:solidFill>
+          <a:ln>
+            <a:noFill/>
+          </a:ln>
+          <a:effectLst>
+            <a:outerShdw blurRad="39960" dir="5400000" dist="23040" rotWithShape="0">
+              <a:srgbClr val="000000">
+                <a:alpha val="35000"/>
+              </a:srgbClr>
+            </a:outerShdw>
+          </a:effectLst>
+        </p:spPr>
+        <p:style>
+          <a:lnRef idx="1">
+            <a:schemeClr val="accent1"/>
+          </a:lnRef>
+          <a:fillRef idx="3">
+            <a:schemeClr val="accent1"/>
+          </a:fillRef>
+          <a:effectRef idx="2">
+            <a:schemeClr val="accent1"/>
+          </a:effectRef>
+          <a:fontRef idx="minor"/>
+        </p:style>
+        <p:txBody>
+          <a:bodyPr lIns="90000" rIns="90000" tIns="45000" bIns="45000" anchor="ctr">
+            <a:noAutofit/>
+          </a:bodyPr>
+          <a:p>
+            <a:endParaRPr b="0" lang="en-US" sz="1800" spc="-1" strike="noStrike">
+              <a:solidFill>
+                <a:schemeClr val="lt1"/>
+              </a:solidFill>
+              <a:latin typeface="Calibri"/>
+              <a:ea typeface="DejaVu Sans"/>
+            </a:endParaRPr>
+          </a:p>
+        </p:txBody>
+      </p:sp>
+      <p:sp>
+        <p:nvSpPr>
+          <p:cNvPr id="471" name="Rectangle 167"/>
+          <p:cNvSpPr/>
+          <p:nvPr/>
+        </p:nvSpPr>
+        <p:spPr>
+          <a:xfrm>
+            <a:off x="4572000" y="0"/>
+            <a:ext cx="16200" cy="6855840"/>
+          </a:xfrm>
+          <a:prstGeom prst="rect">
+            <a:avLst/>
+          </a:prstGeom>
+          <a:solidFill>
+            <a:srgbClr val="121216"/>
+          </a:solidFill>
+          <a:ln>
+            <a:noFill/>
+          </a:ln>
+          <a:effectLst>
+            <a:outerShdw blurRad="39960" dir="5400000" dist="23040" rotWithShape="0">
+              <a:srgbClr val="000000">
+                <a:alpha val="35000"/>
+              </a:srgbClr>
+            </a:outerShdw>
+          </a:effectLst>
+        </p:spPr>
+        <p:style>
+          <a:lnRef idx="1">
+            <a:schemeClr val="accent1"/>
+          </a:lnRef>
+          <a:fillRef idx="3">
+            <a:schemeClr val="accent1"/>
+          </a:fillRef>
+          <a:effectRef idx="2">
+            <a:schemeClr val="accent1"/>
+          </a:effectRef>
+          <a:fontRef idx="minor"/>
+        </p:style>
+        <p:txBody>
+          <a:bodyPr lIns="90000" rIns="90000" tIns="45000" bIns="45000" anchor="ctr">
+            <a:noAutofit/>
+          </a:bodyPr>
+          <a:p>
+            <a:endParaRPr b="0" lang="en-US" sz="1800" spc="-1" strike="noStrike">
+              <a:solidFill>
+                <a:schemeClr val="lt1"/>
+              </a:solidFill>
+              <a:latin typeface="Calibri"/>
+              <a:ea typeface="DejaVu Sans"/>
+            </a:endParaRPr>
+          </a:p>
+        </p:txBody>
+      </p:sp>
+      <p:sp>
+        <p:nvSpPr>
+          <p:cNvPr id="472" name="Rectangle 168"/>
+          <p:cNvSpPr/>
+          <p:nvPr/>
+        </p:nvSpPr>
+        <p:spPr>
+          <a:xfrm>
+            <a:off x="5486400" y="0"/>
+            <a:ext cx="16200" cy="6855840"/>
+          </a:xfrm>
+          <a:prstGeom prst="rect">
+            <a:avLst/>
+          </a:prstGeom>
+          <a:solidFill>
+            <a:srgbClr val="121216"/>
+          </a:solidFill>
+          <a:ln>
+            <a:noFill/>
+          </a:ln>
+          <a:effectLst>
+            <a:outerShdw blurRad="39960" dir="5400000" dist="23040" rotWithShape="0">
+              <a:srgbClr val="000000">
+                <a:alpha val="35000"/>
+              </a:srgbClr>
+            </a:outerShdw>
+          </a:effectLst>
+        </p:spPr>
+        <p:style>
+          <a:lnRef idx="1">
+            <a:schemeClr val="accent1"/>
+          </a:lnRef>
+          <a:fillRef idx="3">
+            <a:schemeClr val="accent1"/>
+          </a:fillRef>
+          <a:effectRef idx="2">
+            <a:schemeClr val="accent1"/>
+          </a:effectRef>
+          <a:fontRef idx="minor"/>
+        </p:style>
+        <p:txBody>
+          <a:bodyPr lIns="90000" rIns="90000" tIns="45000" bIns="45000" anchor="ctr">
+            <a:noAutofit/>
+          </a:bodyPr>
+          <a:p>
+            <a:endParaRPr b="0" lang="en-US" sz="1800" spc="-1" strike="noStrike">
+              <a:solidFill>
+                <a:schemeClr val="lt1"/>
+              </a:solidFill>
+              <a:latin typeface="Calibri"/>
+              <a:ea typeface="DejaVu Sans"/>
+            </a:endParaRPr>
+          </a:p>
+        </p:txBody>
+      </p:sp>
+      <p:sp>
+        <p:nvSpPr>
+          <p:cNvPr id="473" name="Rectangle 169"/>
+          <p:cNvSpPr/>
+          <p:nvPr/>
+        </p:nvSpPr>
+        <p:spPr>
+          <a:xfrm>
+            <a:off x="6400800" y="0"/>
+            <a:ext cx="16200" cy="6855840"/>
+          </a:xfrm>
+          <a:prstGeom prst="rect">
+            <a:avLst/>
+          </a:prstGeom>
+          <a:solidFill>
+            <a:srgbClr val="121216"/>
+          </a:solidFill>
+          <a:ln>
+            <a:noFill/>
+          </a:ln>
+          <a:effectLst>
+            <a:outerShdw blurRad="39960" dir="5400000" dist="23040" rotWithShape="0">
+              <a:srgbClr val="000000">
+                <a:alpha val="35000"/>
+              </a:srgbClr>
+            </a:outerShdw>
+          </a:effectLst>
+        </p:spPr>
+        <p:style>
+          <a:lnRef idx="1">
+            <a:schemeClr val="accent1"/>
+          </a:lnRef>
+          <a:fillRef idx="3">
+            <a:schemeClr val="accent1"/>
+          </a:fillRef>
+          <a:effectRef idx="2">
+            <a:schemeClr val="accent1"/>
+          </a:effectRef>
+          <a:fontRef idx="minor"/>
+        </p:style>
+        <p:txBody>
+          <a:bodyPr lIns="90000" rIns="90000" tIns="45000" bIns="45000" anchor="ctr">
+            <a:noAutofit/>
+          </a:bodyPr>
+          <a:p>
+            <a:endParaRPr b="0" lang="en-US" sz="1800" spc="-1" strike="noStrike">
+              <a:solidFill>
+                <a:schemeClr val="lt1"/>
+              </a:solidFill>
+              <a:latin typeface="Calibri"/>
+              <a:ea typeface="DejaVu Sans"/>
+            </a:endParaRPr>
+          </a:p>
+        </p:txBody>
+      </p:sp>
+      <p:sp>
+        <p:nvSpPr>
+          <p:cNvPr id="474" name="Rectangle 170"/>
+          <p:cNvSpPr/>
+          <p:nvPr/>
+        </p:nvSpPr>
+        <p:spPr>
+          <a:xfrm>
+            <a:off x="7315200" y="0"/>
+            <a:ext cx="16200" cy="6855840"/>
+          </a:xfrm>
+          <a:prstGeom prst="rect">
+            <a:avLst/>
+          </a:prstGeom>
+          <a:solidFill>
+            <a:srgbClr val="121216"/>
+          </a:solidFill>
+          <a:ln>
+            <a:noFill/>
+          </a:ln>
+          <a:effectLst>
+            <a:outerShdw blurRad="39960" dir="5400000" dist="23040" rotWithShape="0">
+              <a:srgbClr val="000000">
+                <a:alpha val="35000"/>
+              </a:srgbClr>
+            </a:outerShdw>
+          </a:effectLst>
+        </p:spPr>
+        <p:style>
+          <a:lnRef idx="1">
+            <a:schemeClr val="accent1"/>
+          </a:lnRef>
+          <a:fillRef idx="3">
+            <a:schemeClr val="accent1"/>
+          </a:fillRef>
+          <a:effectRef idx="2">
+            <a:schemeClr val="accent1"/>
+          </a:effectRef>
+          <a:fontRef idx="minor"/>
+        </p:style>
+        <p:txBody>
+          <a:bodyPr lIns="90000" rIns="90000" tIns="45000" bIns="45000" anchor="ctr">
+            <a:noAutofit/>
+          </a:bodyPr>
+          <a:p>
+            <a:endParaRPr b="0" lang="en-US" sz="1800" spc="-1" strike="noStrike">
+              <a:solidFill>
+                <a:schemeClr val="lt1"/>
+              </a:solidFill>
+              <a:latin typeface="Calibri"/>
+              <a:ea typeface="DejaVu Sans"/>
+            </a:endParaRPr>
+          </a:p>
+        </p:txBody>
+      </p:sp>
+      <p:sp>
+        <p:nvSpPr>
+          <p:cNvPr id="475" name="Rectangle 171"/>
+          <p:cNvSpPr/>
+          <p:nvPr/>
+        </p:nvSpPr>
+        <p:spPr>
+          <a:xfrm>
+            <a:off x="8229600" y="0"/>
+            <a:ext cx="16200" cy="6855840"/>
+          </a:xfrm>
+          <a:prstGeom prst="rect">
+            <a:avLst/>
+          </a:prstGeom>
+          <a:solidFill>
+            <a:srgbClr val="121216"/>
+          </a:solidFill>
+          <a:ln>
+            <a:noFill/>
+          </a:ln>
+          <a:effectLst>
+            <a:outerShdw blurRad="39960" dir="5400000" dist="23040" rotWithShape="0">
+              <a:srgbClr val="000000">
+                <a:alpha val="35000"/>
+              </a:srgbClr>
+            </a:outerShdw>
+          </a:effectLst>
+        </p:spPr>
+        <p:style>
+          <a:lnRef idx="1">
+            <a:schemeClr val="accent1"/>
+          </a:lnRef>
+          <a:fillRef idx="3">
+            <a:schemeClr val="accent1"/>
+          </a:fillRef>
+          <a:effectRef idx="2">
+            <a:schemeClr val="accent1"/>
+          </a:effectRef>
+          <a:fontRef idx="minor"/>
+        </p:style>
+        <p:txBody>
+          <a:bodyPr lIns="90000" rIns="90000" tIns="45000" bIns="45000" anchor="ctr">
+            <a:noAutofit/>
+          </a:bodyPr>
+          <a:p>
+            <a:endParaRPr b="0" lang="en-US" sz="1800" spc="-1" strike="noStrike">
+              <a:solidFill>
+                <a:schemeClr val="lt1"/>
+              </a:solidFill>
+              <a:latin typeface="Calibri"/>
+              <a:ea typeface="DejaVu Sans"/>
+            </a:endParaRPr>
+          </a:p>
+        </p:txBody>
+      </p:sp>
+      <p:sp>
+        <p:nvSpPr>
+          <p:cNvPr id="476" name="Rectangle 172"/>
+          <p:cNvSpPr/>
+          <p:nvPr/>
+        </p:nvSpPr>
+        <p:spPr>
+          <a:xfrm>
+            <a:off x="9144000" y="0"/>
+            <a:ext cx="16200" cy="6855840"/>
+          </a:xfrm>
+          <a:prstGeom prst="rect">
+            <a:avLst/>
+          </a:prstGeom>
+          <a:solidFill>
+            <a:srgbClr val="121216"/>
+          </a:solidFill>
+          <a:ln>
+            <a:noFill/>
+          </a:ln>
+          <a:effectLst>
+            <a:outerShdw blurRad="39960" dir="5400000" dist="23040" rotWithShape="0">
+              <a:srgbClr val="000000">
+                <a:alpha val="35000"/>
+              </a:srgbClr>
+            </a:outerShdw>
+          </a:effectLst>
+        </p:spPr>
+        <p:style>
+          <a:lnRef idx="1">
+            <a:schemeClr val="accent1"/>
+          </a:lnRef>
+          <a:fillRef idx="3">
+            <a:schemeClr val="accent1"/>
+          </a:fillRef>
+          <a:effectRef idx="2">
+            <a:schemeClr val="accent1"/>
+          </a:effectRef>
+          <a:fontRef idx="minor"/>
+        </p:style>
+        <p:txBody>
+          <a:bodyPr lIns="90000" rIns="90000" tIns="45000" bIns="45000" anchor="ctr">
+            <a:noAutofit/>
+          </a:bodyPr>
+          <a:p>
+            <a:endParaRPr b="0" lang="en-US" sz="1800" spc="-1" strike="noStrike">
+              <a:solidFill>
+                <a:schemeClr val="lt1"/>
+              </a:solidFill>
+              <a:latin typeface="Calibri"/>
+              <a:ea typeface="DejaVu Sans"/>
+            </a:endParaRPr>
+          </a:p>
+        </p:txBody>
+      </p:sp>
+      <p:sp>
+        <p:nvSpPr>
+          <p:cNvPr id="477" name="Rectangle 173"/>
+          <p:cNvSpPr/>
+          <p:nvPr/>
+        </p:nvSpPr>
+        <p:spPr>
+          <a:xfrm>
+            <a:off x="10058400" y="0"/>
+            <a:ext cx="16200" cy="6855840"/>
+          </a:xfrm>
+          <a:prstGeom prst="rect">
+            <a:avLst/>
+          </a:prstGeom>
+          <a:solidFill>
+            <a:srgbClr val="121216"/>
+          </a:solidFill>
+          <a:ln>
+            <a:noFill/>
+          </a:ln>
+          <a:effectLst>
+            <a:outerShdw blurRad="39960" dir="5400000" dist="23040" rotWithShape="0">
+              <a:srgbClr val="000000">
+                <a:alpha val="35000"/>
+              </a:srgbClr>
+            </a:outerShdw>
+          </a:effectLst>
+        </p:spPr>
+        <p:style>
+          <a:lnRef idx="1">
+            <a:schemeClr val="accent1"/>
+          </a:lnRef>
+          <a:fillRef idx="3">
+            <a:schemeClr val="accent1"/>
+          </a:fillRef>
+          <a:effectRef idx="2">
+            <a:schemeClr val="accent1"/>
+          </a:effectRef>
+          <a:fontRef idx="minor"/>
+        </p:style>
+        <p:txBody>
+          <a:bodyPr lIns="90000" rIns="90000" tIns="45000" bIns="45000" anchor="ctr">
+            <a:noAutofit/>
+          </a:bodyPr>
+          <a:p>
+            <a:endParaRPr b="0" lang="en-US" sz="1800" spc="-1" strike="noStrike">
+              <a:solidFill>
+                <a:schemeClr val="lt1"/>
+              </a:solidFill>
+              <a:latin typeface="Calibri"/>
+              <a:ea typeface="DejaVu Sans"/>
+            </a:endParaRPr>
+          </a:p>
+        </p:txBody>
+      </p:sp>
+      <p:sp>
+        <p:nvSpPr>
+          <p:cNvPr id="478" name="Rectangle 174"/>
+          <p:cNvSpPr/>
+          <p:nvPr/>
+        </p:nvSpPr>
+        <p:spPr>
+          <a:xfrm>
+            <a:off x="10972800" y="0"/>
+            <a:ext cx="16200" cy="6855840"/>
+          </a:xfrm>
+          <a:prstGeom prst="rect">
+            <a:avLst/>
+          </a:prstGeom>
+          <a:solidFill>
+            <a:srgbClr val="121216"/>
+          </a:solidFill>
+          <a:ln>
+            <a:noFill/>
+          </a:ln>
+          <a:effectLst>
+            <a:outerShdw blurRad="39960" dir="5400000" dist="23040" rotWithShape="0">
+              <a:srgbClr val="000000">
+                <a:alpha val="35000"/>
+              </a:srgbClr>
+            </a:outerShdw>
+          </a:effectLst>
+        </p:spPr>
+        <p:style>
+          <a:lnRef idx="1">
+            <a:schemeClr val="accent1"/>
+          </a:lnRef>
+          <a:fillRef idx="3">
+            <a:schemeClr val="accent1"/>
+          </a:fillRef>
+          <a:effectRef idx="2">
+            <a:schemeClr val="accent1"/>
+          </a:effectRef>
+          <a:fontRef idx="minor"/>
+        </p:style>
+        <p:txBody>
+          <a:bodyPr lIns="90000" rIns="90000" tIns="45000" bIns="45000" anchor="ctr">
+            <a:noAutofit/>
+          </a:bodyPr>
+          <a:p>
+            <a:endParaRPr b="0" lang="en-US" sz="1800" spc="-1" strike="noStrike">
+              <a:solidFill>
+                <a:schemeClr val="lt1"/>
+              </a:solidFill>
+              <a:latin typeface="Calibri"/>
+              <a:ea typeface="DejaVu Sans"/>
+            </a:endParaRPr>
+          </a:p>
+        </p:txBody>
+      </p:sp>
+      <p:sp>
+        <p:nvSpPr>
+          <p:cNvPr id="479" name="Rectangle 175"/>
+          <p:cNvSpPr/>
+          <p:nvPr/>
+        </p:nvSpPr>
+        <p:spPr>
+          <a:xfrm>
+            <a:off x="11887200" y="0"/>
+            <a:ext cx="16200" cy="6855840"/>
+          </a:xfrm>
+          <a:prstGeom prst="rect">
+            <a:avLst/>
+          </a:prstGeom>
+          <a:solidFill>
+            <a:srgbClr val="121216"/>
+          </a:solidFill>
+          <a:ln>
+            <a:noFill/>
+          </a:ln>
+          <a:effectLst>
+            <a:outerShdw blurRad="39960" dir="5400000" dist="23040" rotWithShape="0">
+              <a:srgbClr val="000000">
+                <a:alpha val="35000"/>
+              </a:srgbClr>
+            </a:outerShdw>
+          </a:effectLst>
+        </p:spPr>
+        <p:style>
+          <a:lnRef idx="1">
+            <a:schemeClr val="accent1"/>
+          </a:lnRef>
+          <a:fillRef idx="3">
+            <a:schemeClr val="accent1"/>
+          </a:fillRef>
+          <a:effectRef idx="2">
+            <a:schemeClr val="accent1"/>
+          </a:effectRef>
+          <a:fontRef idx="minor"/>
+        </p:style>
+        <p:txBody>
+          <a:bodyPr lIns="90000" rIns="90000" tIns="45000" bIns="45000" anchor="ctr">
+            <a:noAutofit/>
+          </a:bodyPr>
+          <a:p>
+            <a:endParaRPr b="0" lang="en-US" sz="1800" spc="-1" strike="noStrike">
+              <a:solidFill>
+                <a:schemeClr val="lt1"/>
+              </a:solidFill>
+              <a:latin typeface="Calibri"/>
+              <a:ea typeface="DejaVu Sans"/>
+            </a:endParaRPr>
+          </a:p>
+        </p:txBody>
+      </p:sp>
+      <p:sp>
+        <p:nvSpPr>
+          <p:cNvPr id="480" name="Rectangle 176"/>
+          <p:cNvSpPr/>
+          <p:nvPr/>
+        </p:nvSpPr>
+        <p:spPr>
+          <a:xfrm>
+            <a:off x="0" y="0"/>
+            <a:ext cx="317880" cy="6855840"/>
+          </a:xfrm>
+          <a:prstGeom prst="rect">
+            <a:avLst/>
+          </a:prstGeom>
+          <a:solidFill>
+            <a:srgbClr val="ff8c00"/>
+          </a:solidFill>
+          <a:ln>
+            <a:noFill/>
+          </a:ln>
+          <a:effectLst>
+            <a:outerShdw blurRad="39960" dir="5400000" dist="23040" rotWithShape="0">
+              <a:srgbClr val="000000">
+                <a:alpha val="35000"/>
+              </a:srgbClr>
+            </a:outerShdw>
+          </a:effectLst>
+        </p:spPr>
+        <p:style>
+          <a:lnRef idx="1">
+            <a:schemeClr val="accent1"/>
+          </a:lnRef>
+          <a:fillRef idx="3">
+            <a:schemeClr val="accent1"/>
+          </a:fillRef>
+          <a:effectRef idx="2">
+            <a:schemeClr val="accent1"/>
+          </a:effectRef>
+          <a:fontRef idx="minor"/>
+        </p:style>
+        <p:txBody>
+          <a:bodyPr lIns="90000" rIns="90000" tIns="45000" bIns="45000" anchor="ctr">
+            <a:noAutofit/>
+          </a:bodyPr>
+          <a:p>
+            <a:endParaRPr b="0" lang="en-US" sz="1800" spc="-1" strike="noStrike">
+              <a:solidFill>
+                <a:schemeClr val="lt1"/>
+              </a:solidFill>
+              <a:latin typeface="Calibri"/>
+              <a:ea typeface="DejaVu Sans"/>
+            </a:endParaRPr>
+          </a:p>
+        </p:txBody>
+      </p:sp>
+      <p:sp>
+        <p:nvSpPr>
+          <p:cNvPr id="481" name="Rounded Rectangle 78"/>
+          <p:cNvSpPr/>
+          <p:nvPr/>
+        </p:nvSpPr>
+        <p:spPr>
+          <a:xfrm>
+            <a:off x="9875520" y="365760"/>
+            <a:ext cx="2009520" cy="500760"/>
+          </a:xfrm>
+          <a:prstGeom prst="roundRect">
+            <a:avLst>
+              <a:gd name="adj" fmla="val 16667"/>
+            </a:avLst>
+          </a:prstGeom>
+          <a:solidFill>
+            <a:srgbClr val="1e1e24"/>
+          </a:solidFill>
+          <a:ln>
+            <a:solidFill>
+              <a:srgbClr val="ff8c00"/>
+            </a:solidFill>
+            <a:round/>
+          </a:ln>
+          <a:effectLst>
+            <a:outerShdw blurRad="39960" dir="5400000" dist="23040" rotWithShape="0">
+              <a:srgbClr val="000000">
+                <a:alpha val="35000"/>
+              </a:srgbClr>
+            </a:outerShdw>
+          </a:effectLst>
+        </p:spPr>
+        <p:style>
+          <a:lnRef idx="1">
+            <a:schemeClr val="accent1"/>
+          </a:lnRef>
+          <a:fillRef idx="3">
+            <a:schemeClr val="accent1"/>
+          </a:fillRef>
+          <a:effectRef idx="2">
+            <a:schemeClr val="accent1"/>
+          </a:effectRef>
+          <a:fontRef idx="minor"/>
+        </p:style>
+        <p:txBody>
+          <a:bodyPr lIns="90000" rIns="90000" tIns="45000" bIns="45000" anchor="ctr">
+            <a:noAutofit/>
+          </a:bodyPr>
+          <a:p>
+            <a:pPr algn="ctr">
+              <a:lnSpc>
+                <a:spcPct val="100000"/>
+              </a:lnSpc>
+            </a:pPr>
+            <a:r>
+              <a:rPr b="1" lang="en-US" sz="1400" spc="-1" strike="noStrike">
+                <a:solidFill>
+                  <a:srgbClr val="ffb45a"/>
+                </a:solidFill>
+                <a:latin typeface="Calibri"/>
+                <a:ea typeface="DejaVu Sans"/>
+              </a:rPr>
+              <a:t>JAVA CORE</a:t>
+            </a:r>
+            <a:endParaRPr b="0" lang="en-US" sz="1400" spc="-1" strike="noStrike">
+              <a:solidFill>
+                <a:srgbClr val="ffffff"/>
+              </a:solidFill>
+              <a:latin typeface="Arial"/>
+            </a:endParaRPr>
+          </a:p>
+        </p:txBody>
+      </p:sp>
+      <p:sp>
+        <p:nvSpPr>
+          <p:cNvPr id="482" name="TextBox 34"/>
+          <p:cNvSpPr/>
+          <p:nvPr/>
+        </p:nvSpPr>
+        <p:spPr>
+          <a:xfrm>
+            <a:off x="2528640" y="1005840"/>
+            <a:ext cx="5913000" cy="638280"/>
+          </a:xfrm>
+          <a:prstGeom prst="rect">
+            <a:avLst/>
+          </a:prstGeom>
+          <a:noFill/>
+          <a:ln w="0">
+            <a:noFill/>
+          </a:ln>
+        </p:spPr>
+        <p:style>
+          <a:lnRef idx="0"/>
+          <a:fillRef idx="0"/>
+          <a:effectRef idx="0"/>
+          <a:fontRef idx="minor"/>
+        </p:style>
+        <p:txBody>
+          <a:bodyPr wrap="none" lIns="90000" rIns="90000" tIns="45000" bIns="45000" anchor="t">
+            <a:spAutoFit/>
+          </a:bodyPr>
+          <a:p>
+            <a:pPr>
+              <a:lnSpc>
+                <a:spcPct val="100000"/>
+              </a:lnSpc>
+            </a:pPr>
+            <a:r>
+              <a:rPr b="1" lang="en-US" sz="3600" spc="-1" strike="noStrike">
+                <a:solidFill>
+                  <a:srgbClr val="f5f5f5"/>
+                </a:solidFill>
+                <a:latin typeface="Calibri"/>
+                <a:ea typeface="DejaVu Sans"/>
+              </a:rPr>
+              <a:t>JAVA VERSION MANAGEMENT</a:t>
+            </a:r>
+            <a:endParaRPr b="0" lang="en-US" sz="3600" spc="-1" strike="noStrike">
+              <a:solidFill>
+                <a:srgbClr val="000000"/>
+              </a:solidFill>
+              <a:latin typeface="Arial"/>
+            </a:endParaRPr>
+          </a:p>
+        </p:txBody>
+      </p:sp>
+      <p:sp>
+        <p:nvSpPr>
+          <p:cNvPr id="483" name="TextBox 35"/>
+          <p:cNvSpPr/>
+          <p:nvPr/>
+        </p:nvSpPr>
+        <p:spPr>
+          <a:xfrm>
+            <a:off x="2746440" y="2194560"/>
+            <a:ext cx="5492160" cy="317880"/>
+          </a:xfrm>
+          <a:prstGeom prst="rect">
+            <a:avLst/>
+          </a:prstGeom>
+          <a:noFill/>
+          <a:ln w="0">
+            <a:noFill/>
+          </a:ln>
+        </p:spPr>
+        <p:style>
+          <a:lnRef idx="0"/>
+          <a:fillRef idx="0"/>
+          <a:effectRef idx="0"/>
+          <a:fontRef idx="minor"/>
+        </p:style>
+        <p:txBody>
+          <a:bodyPr wrap="none" lIns="90000" rIns="90000" tIns="45000" bIns="45000" anchor="t">
+            <a:spAutoFit/>
+          </a:bodyPr>
+          <a:p>
+            <a:pPr>
+              <a:lnSpc>
+                <a:spcPct val="100000"/>
+              </a:lnSpc>
+            </a:pPr>
+            <a:r>
+              <a:rPr b="0" lang="en-US" sz="1500" spc="-1" strike="noStrike">
+                <a:solidFill>
+                  <a:srgbClr val="aaaaaa"/>
+                </a:solidFill>
+                <a:latin typeface="Calibri"/>
+                <a:ea typeface="DejaVu Sans"/>
+              </a:rPr>
+              <a:t>Managing multiple Java versions and switching between them safely.</a:t>
+            </a:r>
+            <a:endParaRPr b="0" lang="en-US" sz="1500" spc="-1" strike="noStrike">
+              <a:solidFill>
+                <a:srgbClr val="000000"/>
+              </a:solidFill>
+              <a:latin typeface="Arial"/>
+            </a:endParaRPr>
+          </a:p>
+        </p:txBody>
+      </p:sp>
+      <p:sp>
+        <p:nvSpPr>
+          <p:cNvPr id="484" name="Rounded Rectangle 79"/>
+          <p:cNvSpPr/>
+          <p:nvPr/>
+        </p:nvSpPr>
+        <p:spPr>
+          <a:xfrm>
+            <a:off x="987480" y="3182040"/>
+            <a:ext cx="3289680" cy="2741040"/>
+          </a:xfrm>
+          <a:prstGeom prst="roundRect">
+            <a:avLst>
+              <a:gd name="adj" fmla="val 16667"/>
+            </a:avLst>
+          </a:prstGeom>
+          <a:solidFill>
+            <a:srgbClr val="08080a"/>
+          </a:solidFill>
+          <a:ln>
+            <a:noFill/>
+          </a:ln>
+          <a:effectLst>
+            <a:outerShdw blurRad="39960" dir="5400000" dist="23040" rotWithShape="0">
+              <a:srgbClr val="000000">
+                <a:alpha val="35000"/>
+              </a:srgbClr>
+            </a:outerShdw>
+          </a:effectLst>
+        </p:spPr>
+        <p:style>
+          <a:lnRef idx="1">
+            <a:schemeClr val="accent1"/>
+          </a:lnRef>
+          <a:fillRef idx="3">
+            <a:schemeClr val="accent1"/>
+          </a:fillRef>
+          <a:effectRef idx="2">
+            <a:schemeClr val="accent1"/>
+          </a:effectRef>
+          <a:fontRef idx="minor"/>
+        </p:style>
+        <p:txBody>
+          <a:bodyPr lIns="90000" rIns="90000" tIns="45000" bIns="45000" anchor="ctr">
+            <a:noAutofit/>
+          </a:bodyPr>
+          <a:p>
+            <a:endParaRPr b="0" lang="en-US" sz="1800" spc="-1" strike="noStrike">
+              <a:solidFill>
+                <a:schemeClr val="lt1"/>
+              </a:solidFill>
+              <a:latin typeface="Calibri"/>
+              <a:ea typeface="DejaVu Sans"/>
+            </a:endParaRPr>
+          </a:p>
+        </p:txBody>
+      </p:sp>
+      <p:sp>
+        <p:nvSpPr>
+          <p:cNvPr id="485" name="Rounded Rectangle 80"/>
+          <p:cNvSpPr/>
+          <p:nvPr/>
+        </p:nvSpPr>
+        <p:spPr>
+          <a:xfrm>
+            <a:off x="457200" y="2971800"/>
+            <a:ext cx="3784680" cy="3200400"/>
+          </a:xfrm>
+          <a:prstGeom prst="roundRect">
+            <a:avLst>
+              <a:gd name="adj" fmla="val 16667"/>
+            </a:avLst>
+          </a:prstGeom>
+          <a:solidFill>
+            <a:srgbClr val="16161c"/>
+          </a:solidFill>
+          <a:ln>
+            <a:solidFill>
+              <a:srgbClr val="464655"/>
+            </a:solidFill>
+            <a:round/>
+          </a:ln>
+          <a:effectLst>
+            <a:outerShdw blurRad="39960" dir="5400000" dist="23040" rotWithShape="0">
+              <a:srgbClr val="000000">
+                <a:alpha val="35000"/>
+              </a:srgbClr>
+            </a:outerShdw>
+          </a:effectLst>
+        </p:spPr>
+        <p:style>
+          <a:lnRef idx="1">
+            <a:schemeClr val="accent1"/>
+          </a:lnRef>
+          <a:fillRef idx="3">
+            <a:schemeClr val="accent1"/>
+          </a:fillRef>
+          <a:effectRef idx="2">
+            <a:schemeClr val="accent1"/>
+          </a:effectRef>
+          <a:fontRef idx="minor"/>
+        </p:style>
+        <p:txBody>
+          <a:bodyPr lIns="90000" rIns="90000" tIns="45000" bIns="45000" anchor="ctr">
+            <a:noAutofit/>
+          </a:bodyPr>
+          <a:p>
+            <a:pPr>
+              <a:lnSpc>
+                <a:spcPct val="100000"/>
+              </a:lnSpc>
+            </a:pPr>
+            <a:r>
+              <a:rPr b="0" lang="en-US" sz="1300" spc="-1" strike="noStrike">
+                <a:solidFill>
+                  <a:schemeClr val="lt1"/>
+                </a:solidFill>
+                <a:latin typeface="Calibri"/>
+                <a:ea typeface="DejaVu Sans"/>
+              </a:rPr>
+              <a:t>Sometimes multiple Java versions are installed on the same system.</a:t>
+            </a:r>
+            <a:endParaRPr b="0" lang="en-US" sz="1300" spc="-1" strike="noStrike">
+              <a:solidFill>
+                <a:srgbClr val="ffffff"/>
+              </a:solidFill>
+              <a:latin typeface="Arial"/>
+            </a:endParaRPr>
+          </a:p>
+          <a:p>
+            <a:pPr>
+              <a:lnSpc>
+                <a:spcPct val="100000"/>
+              </a:lnSpc>
+            </a:pPr>
+            <a:endParaRPr b="0" lang="en-US" sz="1300" spc="-1" strike="noStrike">
+              <a:solidFill>
+                <a:srgbClr val="ffffff"/>
+              </a:solidFill>
+              <a:latin typeface="Arial"/>
+            </a:endParaRPr>
+          </a:p>
+          <a:p>
+            <a:pPr>
+              <a:lnSpc>
+                <a:spcPct val="100000"/>
+              </a:lnSpc>
+            </a:pPr>
+            <a:r>
+              <a:rPr b="1" lang="en-US" sz="1300" spc="-1" strike="noStrike">
+                <a:solidFill>
+                  <a:schemeClr val="lt1"/>
+                </a:solidFill>
+                <a:latin typeface="Calibri"/>
+                <a:ea typeface="DejaVu Sans"/>
+              </a:rPr>
+              <a:t>For example:</a:t>
+            </a:r>
+            <a:endParaRPr b="0" lang="en-US" sz="1300" spc="-1" strike="noStrike">
+              <a:solidFill>
+                <a:srgbClr val="ffffff"/>
+              </a:solidFill>
+              <a:latin typeface="Arial"/>
+            </a:endParaRPr>
+          </a:p>
+          <a:p>
+            <a:pPr marL="216000" indent="-216000">
+              <a:lnSpc>
+                <a:spcPct val="100000"/>
+              </a:lnSpc>
+              <a:buClr>
+                <a:srgbClr val="ffffff"/>
+              </a:buClr>
+              <a:buFont typeface="Wingdings" charset="2"/>
+              <a:buChar char=""/>
+            </a:pPr>
+            <a:r>
+              <a:rPr b="1" lang="en-US" sz="1300" spc="-1" strike="noStrike">
+                <a:solidFill>
+                  <a:schemeClr val="lt1"/>
+                </a:solidFill>
+                <a:latin typeface="Calibri"/>
+                <a:ea typeface="DejaVu Sans"/>
+              </a:rPr>
+              <a:t>Java 17 (LTS)</a:t>
+            </a:r>
+            <a:endParaRPr b="0" lang="en-US" sz="1300" spc="-1" strike="noStrike">
+              <a:solidFill>
+                <a:srgbClr val="ffffff"/>
+              </a:solidFill>
+              <a:latin typeface="Arial"/>
+            </a:endParaRPr>
+          </a:p>
+          <a:p>
+            <a:pPr marL="216000" indent="-216000">
+              <a:lnSpc>
+                <a:spcPct val="100000"/>
+              </a:lnSpc>
+              <a:buClr>
+                <a:srgbClr val="ffffff"/>
+              </a:buClr>
+              <a:buFont typeface="Wingdings" charset="2"/>
+              <a:buChar char=""/>
+            </a:pPr>
+            <a:r>
+              <a:rPr b="1" lang="en-US" sz="1300" spc="-1" strike="noStrike">
+                <a:solidFill>
+                  <a:schemeClr val="lt1"/>
+                </a:solidFill>
+                <a:latin typeface="Calibri"/>
+                <a:ea typeface="DejaVu Sans"/>
+              </a:rPr>
+              <a:t>Java 21 (LTS)</a:t>
+            </a:r>
+            <a:endParaRPr b="0" lang="en-US" sz="1300" spc="-1" strike="noStrike">
+              <a:solidFill>
+                <a:srgbClr val="ffffff"/>
+              </a:solidFill>
+              <a:latin typeface="Arial"/>
+            </a:endParaRPr>
+          </a:p>
+          <a:p>
+            <a:pPr marL="216000" indent="-216000">
+              <a:lnSpc>
+                <a:spcPct val="100000"/>
+              </a:lnSpc>
+              <a:buClr>
+                <a:srgbClr val="ffffff"/>
+              </a:buClr>
+              <a:buFont typeface="Wingdings" charset="2"/>
+              <a:buChar char=""/>
+            </a:pPr>
+            <a:r>
+              <a:rPr b="1" lang="en-US" sz="1300" spc="-1" strike="noStrike">
+                <a:solidFill>
+                  <a:schemeClr val="lt1"/>
+                </a:solidFill>
+                <a:latin typeface="Calibri"/>
+                <a:ea typeface="DejaVu Sans"/>
+              </a:rPr>
+              <a:t>Older legacy version (Java 8)</a:t>
+            </a:r>
+            <a:endParaRPr b="0" lang="en-US" sz="1300" spc="-1" strike="noStrike">
+              <a:solidFill>
+                <a:srgbClr val="ffffff"/>
+              </a:solidFill>
+              <a:latin typeface="Arial"/>
+            </a:endParaRPr>
+          </a:p>
+          <a:p>
+            <a:pPr>
+              <a:lnSpc>
+                <a:spcPct val="100000"/>
+              </a:lnSpc>
+            </a:pPr>
+            <a:r>
+              <a:rPr b="0" lang="en-US" sz="1300" spc="-1" strike="noStrike">
+                <a:solidFill>
+                  <a:schemeClr val="lt1"/>
+                </a:solidFill>
+                <a:latin typeface="Calibri"/>
+                <a:ea typeface="DejaVu Sans"/>
+              </a:rPr>
+              <a:t>Different projects may require different versions.</a:t>
+            </a:r>
+            <a:endParaRPr b="0" lang="en-US" sz="1300" spc="-1" strike="noStrike">
+              <a:solidFill>
+                <a:srgbClr val="ffffff"/>
+              </a:solidFill>
+              <a:latin typeface="Arial"/>
+            </a:endParaRPr>
+          </a:p>
+          <a:p>
+            <a:pPr>
+              <a:lnSpc>
+                <a:spcPct val="100000"/>
+              </a:lnSpc>
+            </a:pPr>
+            <a:endParaRPr b="0" lang="en-US" sz="1300" spc="-1" strike="noStrike">
+              <a:solidFill>
+                <a:srgbClr val="ffffff"/>
+              </a:solidFill>
+              <a:latin typeface="Arial"/>
+            </a:endParaRPr>
+          </a:p>
+          <a:p>
+            <a:pPr>
+              <a:lnSpc>
+                <a:spcPct val="100000"/>
+              </a:lnSpc>
+            </a:pPr>
+            <a:r>
+              <a:rPr b="0" lang="en-US" sz="1300" spc="-1" strike="noStrike">
+                <a:solidFill>
+                  <a:schemeClr val="lt1"/>
+                </a:solidFill>
+                <a:latin typeface="Calibri"/>
+                <a:ea typeface="DejaVu Sans"/>
+              </a:rPr>
+              <a:t>If versions are not managed properly:</a:t>
+            </a:r>
+            <a:endParaRPr b="0" lang="en-US" sz="1300" spc="-1" strike="noStrike">
+              <a:solidFill>
+                <a:srgbClr val="ffffff"/>
+              </a:solidFill>
+              <a:latin typeface="Arial"/>
+            </a:endParaRPr>
+          </a:p>
+          <a:p>
+            <a:pPr marL="216000" indent="-216000">
+              <a:lnSpc>
+                <a:spcPct val="100000"/>
+              </a:lnSpc>
+              <a:buClr>
+                <a:srgbClr val="ffffff"/>
+              </a:buClr>
+              <a:buFont typeface="Wingdings" charset="2"/>
+              <a:buChar char=""/>
+            </a:pPr>
+            <a:r>
+              <a:rPr b="1" lang="en-US" sz="1300" spc="-1" strike="noStrike">
+                <a:solidFill>
+                  <a:schemeClr val="lt1"/>
+                </a:solidFill>
+                <a:latin typeface="Calibri"/>
+                <a:ea typeface="DejaVu Sans"/>
+              </a:rPr>
+              <a:t>PATH conflicts occur</a:t>
+            </a:r>
+            <a:endParaRPr b="0" lang="en-US" sz="1300" spc="-1" strike="noStrike">
+              <a:solidFill>
+                <a:srgbClr val="ffffff"/>
+              </a:solidFill>
+              <a:latin typeface="Arial"/>
+            </a:endParaRPr>
+          </a:p>
+          <a:p>
+            <a:pPr marL="216000" indent="-216000">
+              <a:lnSpc>
+                <a:spcPct val="100000"/>
+              </a:lnSpc>
+              <a:buClr>
+                <a:srgbClr val="ffffff"/>
+              </a:buClr>
+              <a:buFont typeface="Wingdings" charset="2"/>
+              <a:buChar char=""/>
+            </a:pPr>
+            <a:r>
+              <a:rPr b="1" lang="en-US" sz="1300" spc="-1" strike="noStrike">
+                <a:solidFill>
+                  <a:schemeClr val="lt1"/>
+                </a:solidFill>
+                <a:latin typeface="Calibri"/>
+                <a:ea typeface="DejaVu Sans"/>
+              </a:rPr>
+              <a:t>Wrong JDK compiles the project</a:t>
+            </a:r>
+            <a:endParaRPr b="0" lang="en-US" sz="1300" spc="-1" strike="noStrike">
+              <a:solidFill>
+                <a:srgbClr val="ffffff"/>
+              </a:solidFill>
+              <a:latin typeface="Arial"/>
+            </a:endParaRPr>
+          </a:p>
+          <a:p>
+            <a:pPr marL="216000" indent="-216000">
+              <a:lnSpc>
+                <a:spcPct val="100000"/>
+              </a:lnSpc>
+              <a:buClr>
+                <a:srgbClr val="ffffff"/>
+              </a:buClr>
+              <a:buFont typeface="Wingdings" charset="2"/>
+              <a:buChar char=""/>
+            </a:pPr>
+            <a:r>
+              <a:rPr b="1" lang="en-US" sz="1300" spc="-1" strike="noStrike">
+                <a:solidFill>
+                  <a:schemeClr val="lt1"/>
+                </a:solidFill>
+                <a:latin typeface="Calibri"/>
+                <a:ea typeface="DejaVu Sans"/>
+              </a:rPr>
+              <a:t>Build tools fail (Maven / Gradle)</a:t>
+            </a:r>
+            <a:endParaRPr b="0" lang="en-US" sz="1300" spc="-1" strike="noStrike">
+              <a:solidFill>
+                <a:srgbClr val="ffffff"/>
+              </a:solidFill>
+              <a:latin typeface="Arial"/>
+            </a:endParaRPr>
+          </a:p>
+          <a:p>
+            <a:pPr marL="216000" indent="-216000">
+              <a:lnSpc>
+                <a:spcPct val="100000"/>
+              </a:lnSpc>
+              <a:buClr>
+                <a:srgbClr val="ffffff"/>
+              </a:buClr>
+              <a:buFont typeface="Wingdings" charset="2"/>
+              <a:buChar char=""/>
+            </a:pPr>
+            <a:endParaRPr b="0" lang="en-US" sz="1300" spc="-1" strike="noStrike">
+              <a:solidFill>
+                <a:srgbClr val="ffffff"/>
+              </a:solidFill>
+              <a:latin typeface="Arial"/>
+            </a:endParaRPr>
+          </a:p>
+          <a:p>
+            <a:pPr>
+              <a:lnSpc>
+                <a:spcPct val="100000"/>
+              </a:lnSpc>
+            </a:pPr>
+            <a:r>
+              <a:rPr b="0" lang="en-US" sz="1300" spc="-1" strike="noStrike">
+                <a:solidFill>
+                  <a:schemeClr val="lt1"/>
+                </a:solidFill>
+                <a:latin typeface="Calibri"/>
+                <a:ea typeface="DejaVu Sans"/>
+              </a:rPr>
+              <a:t>Proper version management prevents conflicts.</a:t>
+            </a:r>
+            <a:endParaRPr b="0" lang="en-US" sz="1300" spc="-1" strike="noStrike">
+              <a:solidFill>
+                <a:srgbClr val="ffffff"/>
+              </a:solidFill>
+              <a:latin typeface="Arial"/>
+            </a:endParaRPr>
+          </a:p>
+        </p:txBody>
+      </p:sp>
+      <p:sp>
+        <p:nvSpPr>
+          <p:cNvPr id="486" name="Rounded Rectangle 81"/>
+          <p:cNvSpPr/>
+          <p:nvPr/>
+        </p:nvSpPr>
+        <p:spPr>
+          <a:xfrm>
+            <a:off x="4507920" y="3182040"/>
+            <a:ext cx="3289680" cy="2741040"/>
+          </a:xfrm>
+          <a:prstGeom prst="roundRect">
+            <a:avLst>
+              <a:gd name="adj" fmla="val 16667"/>
+            </a:avLst>
+          </a:prstGeom>
+          <a:solidFill>
+            <a:srgbClr val="08080a"/>
+          </a:solidFill>
+          <a:ln>
+            <a:noFill/>
+          </a:ln>
+          <a:effectLst>
+            <a:outerShdw blurRad="39960" dir="5400000" dist="23040" rotWithShape="0">
+              <a:srgbClr val="000000">
+                <a:alpha val="35000"/>
+              </a:srgbClr>
+            </a:outerShdw>
+          </a:effectLst>
+        </p:spPr>
+        <p:style>
+          <a:lnRef idx="1">
+            <a:schemeClr val="accent1"/>
+          </a:lnRef>
+          <a:fillRef idx="3">
+            <a:schemeClr val="accent1"/>
+          </a:fillRef>
+          <a:effectRef idx="2">
+            <a:schemeClr val="accent1"/>
+          </a:effectRef>
+          <a:fontRef idx="minor"/>
+        </p:style>
+        <p:txBody>
+          <a:bodyPr lIns="90000" rIns="90000" tIns="45000" bIns="45000" anchor="ctr">
+            <a:noAutofit/>
+          </a:bodyPr>
+          <a:p>
+            <a:endParaRPr b="0" lang="en-US" sz="1800" spc="-1" strike="noStrike">
+              <a:solidFill>
+                <a:schemeClr val="lt1"/>
+              </a:solidFill>
+              <a:latin typeface="Calibri"/>
+              <a:ea typeface="DejaVu Sans"/>
+            </a:endParaRPr>
+          </a:p>
+        </p:txBody>
+      </p:sp>
+      <p:sp>
+        <p:nvSpPr>
+          <p:cNvPr id="487" name="Rounded Rectangle 82"/>
+          <p:cNvSpPr/>
+          <p:nvPr/>
+        </p:nvSpPr>
+        <p:spPr>
+          <a:xfrm>
+            <a:off x="4434840" y="3108960"/>
+            <a:ext cx="3289680" cy="2834640"/>
+          </a:xfrm>
+          <a:prstGeom prst="roundRect">
+            <a:avLst>
+              <a:gd name="adj" fmla="val 16667"/>
+            </a:avLst>
+          </a:prstGeom>
+          <a:solidFill>
+            <a:srgbClr val="16161c"/>
+          </a:solidFill>
+          <a:ln>
+            <a:solidFill>
+              <a:srgbClr val="464655"/>
+            </a:solidFill>
+            <a:round/>
+          </a:ln>
+          <a:effectLst>
+            <a:outerShdw blurRad="39960" dir="5400000" dist="23040" rotWithShape="0">
+              <a:srgbClr val="000000">
+                <a:alpha val="35000"/>
+              </a:srgbClr>
+            </a:outerShdw>
+          </a:effectLst>
+        </p:spPr>
+        <p:style>
+          <a:lnRef idx="1">
+            <a:schemeClr val="accent1"/>
+          </a:lnRef>
+          <a:fillRef idx="3">
+            <a:schemeClr val="accent1"/>
+          </a:fillRef>
+          <a:effectRef idx="2">
+            <a:schemeClr val="accent1"/>
+          </a:effectRef>
+          <a:fontRef idx="minor"/>
+        </p:style>
+        <p:txBody>
+          <a:bodyPr lIns="90000" rIns="90000" tIns="45000" bIns="45000" anchor="ctr">
+            <a:noAutofit/>
+          </a:bodyPr>
+          <a:p>
+            <a:pPr>
+              <a:lnSpc>
+                <a:spcPct val="100000"/>
+              </a:lnSpc>
+            </a:pPr>
+            <a:r>
+              <a:rPr b="0" lang="en-US" sz="1400" spc="-1" strike="noStrike">
+                <a:solidFill>
+                  <a:schemeClr val="lt1"/>
+                </a:solidFill>
+                <a:latin typeface="Calibri"/>
+                <a:ea typeface="DejaVu Sans"/>
+              </a:rPr>
+              <a:t>Check installed versions</a:t>
+            </a:r>
+            <a:endParaRPr b="0" lang="en-US" sz="1400" spc="-1" strike="noStrike">
+              <a:solidFill>
+                <a:srgbClr val="ffffff"/>
+              </a:solidFill>
+              <a:latin typeface="Arial"/>
+            </a:endParaRPr>
+          </a:p>
+          <a:p>
+            <a:pPr>
+              <a:lnSpc>
+                <a:spcPct val="100000"/>
+              </a:lnSpc>
+            </a:pPr>
+            <a:r>
+              <a:rPr b="0" lang="en-US" sz="1400" spc="-1" strike="noStrike">
+                <a:solidFill>
+                  <a:schemeClr val="lt1"/>
+                </a:solidFill>
+                <a:latin typeface="Calibri"/>
+                <a:ea typeface="DejaVu Sans"/>
+              </a:rPr>
+              <a:t>⬇</a:t>
+            </a:r>
+            <a:endParaRPr b="0" lang="en-US" sz="1400" spc="-1" strike="noStrike">
+              <a:solidFill>
+                <a:srgbClr val="ffffff"/>
+              </a:solidFill>
+              <a:latin typeface="Arial"/>
+            </a:endParaRPr>
+          </a:p>
+          <a:p>
+            <a:pPr>
+              <a:lnSpc>
+                <a:spcPct val="100000"/>
+              </a:lnSpc>
+            </a:pPr>
+            <a:r>
+              <a:rPr b="0" lang="en-US" sz="1400" spc="-1" strike="noStrike">
+                <a:solidFill>
+                  <a:schemeClr val="lt1"/>
+                </a:solidFill>
+                <a:latin typeface="Calibri"/>
+                <a:ea typeface="DejaVu Sans"/>
+              </a:rPr>
+              <a:t>Locate JDK folders</a:t>
+            </a:r>
+            <a:endParaRPr b="0" lang="en-US" sz="1400" spc="-1" strike="noStrike">
+              <a:solidFill>
+                <a:srgbClr val="ffffff"/>
+              </a:solidFill>
+              <a:latin typeface="Arial"/>
+            </a:endParaRPr>
+          </a:p>
+          <a:p>
+            <a:pPr>
+              <a:lnSpc>
+                <a:spcPct val="100000"/>
+              </a:lnSpc>
+            </a:pPr>
+            <a:r>
+              <a:rPr b="0" lang="en-US" sz="1400" spc="-1" strike="noStrike">
+                <a:solidFill>
+                  <a:schemeClr val="lt1"/>
+                </a:solidFill>
+                <a:latin typeface="Calibri"/>
+                <a:ea typeface="DejaVu Sans"/>
+              </a:rPr>
+              <a:t>⬇</a:t>
+            </a:r>
+            <a:endParaRPr b="0" lang="en-US" sz="1400" spc="-1" strike="noStrike">
+              <a:solidFill>
+                <a:srgbClr val="ffffff"/>
+              </a:solidFill>
+              <a:latin typeface="Arial"/>
+            </a:endParaRPr>
+          </a:p>
+          <a:p>
+            <a:pPr>
+              <a:lnSpc>
+                <a:spcPct val="100000"/>
+              </a:lnSpc>
+            </a:pPr>
+            <a:r>
+              <a:rPr b="0" lang="en-US" sz="1400" spc="-1" strike="noStrike">
+                <a:solidFill>
+                  <a:schemeClr val="lt1"/>
+                </a:solidFill>
+                <a:latin typeface="Calibri"/>
+                <a:ea typeface="DejaVu Sans"/>
+              </a:rPr>
+              <a:t>Update JAVA_HOME</a:t>
+            </a:r>
+            <a:endParaRPr b="0" lang="en-US" sz="1400" spc="-1" strike="noStrike">
+              <a:solidFill>
+                <a:srgbClr val="ffffff"/>
+              </a:solidFill>
+              <a:latin typeface="Arial"/>
+            </a:endParaRPr>
+          </a:p>
+          <a:p>
+            <a:pPr>
+              <a:lnSpc>
+                <a:spcPct val="100000"/>
+              </a:lnSpc>
+            </a:pPr>
+            <a:r>
+              <a:rPr b="0" lang="en-US" sz="1400" spc="-1" strike="noStrike">
+                <a:solidFill>
+                  <a:schemeClr val="lt1"/>
+                </a:solidFill>
+                <a:latin typeface="Calibri"/>
+                <a:ea typeface="DejaVu Sans"/>
+              </a:rPr>
+              <a:t>⬇</a:t>
+            </a:r>
+            <a:endParaRPr b="0" lang="en-US" sz="1400" spc="-1" strike="noStrike">
+              <a:solidFill>
+                <a:srgbClr val="ffffff"/>
+              </a:solidFill>
+              <a:latin typeface="Arial"/>
+            </a:endParaRPr>
+          </a:p>
+          <a:p>
+            <a:pPr>
+              <a:lnSpc>
+                <a:spcPct val="100000"/>
+              </a:lnSpc>
+            </a:pPr>
+            <a:r>
+              <a:rPr b="0" lang="en-US" sz="1400" spc="-1" strike="noStrike">
+                <a:solidFill>
+                  <a:schemeClr val="lt1"/>
+                </a:solidFill>
+                <a:latin typeface="Calibri"/>
+                <a:ea typeface="DejaVu Sans"/>
+              </a:rPr>
+              <a:t>Update PATH</a:t>
+            </a:r>
+            <a:endParaRPr b="0" lang="en-US" sz="1400" spc="-1" strike="noStrike">
+              <a:solidFill>
+                <a:srgbClr val="ffffff"/>
+              </a:solidFill>
+              <a:latin typeface="Arial"/>
+            </a:endParaRPr>
+          </a:p>
+          <a:p>
+            <a:pPr>
+              <a:lnSpc>
+                <a:spcPct val="100000"/>
+              </a:lnSpc>
+            </a:pPr>
+            <a:r>
+              <a:rPr b="0" lang="en-US" sz="1400" spc="-1" strike="noStrike">
+                <a:solidFill>
+                  <a:schemeClr val="lt1"/>
+                </a:solidFill>
+                <a:latin typeface="Calibri"/>
+                <a:ea typeface="DejaVu Sans"/>
+              </a:rPr>
+              <a:t>⬇</a:t>
+            </a:r>
+            <a:endParaRPr b="0" lang="en-US" sz="1400" spc="-1" strike="noStrike">
+              <a:solidFill>
+                <a:srgbClr val="ffffff"/>
+              </a:solidFill>
+              <a:latin typeface="Arial"/>
+            </a:endParaRPr>
+          </a:p>
+          <a:p>
+            <a:pPr>
+              <a:lnSpc>
+                <a:spcPct val="100000"/>
+              </a:lnSpc>
+            </a:pPr>
+            <a:r>
+              <a:rPr b="0" lang="en-US" sz="1400" spc="-1" strike="noStrike">
+                <a:solidFill>
+                  <a:schemeClr val="lt1"/>
+                </a:solidFill>
+                <a:latin typeface="Calibri"/>
+                <a:ea typeface="DejaVu Sans"/>
+              </a:rPr>
+              <a:t>Restart terminal</a:t>
+            </a:r>
+            <a:endParaRPr b="0" lang="en-US" sz="1400" spc="-1" strike="noStrike">
+              <a:solidFill>
+                <a:srgbClr val="ffffff"/>
+              </a:solidFill>
+              <a:latin typeface="Arial"/>
+            </a:endParaRPr>
+          </a:p>
+          <a:p>
+            <a:pPr>
+              <a:lnSpc>
+                <a:spcPct val="100000"/>
+              </a:lnSpc>
+            </a:pPr>
+            <a:r>
+              <a:rPr b="0" lang="en-US" sz="1400" spc="-1" strike="noStrike">
+                <a:solidFill>
+                  <a:schemeClr val="lt1"/>
+                </a:solidFill>
+                <a:latin typeface="Calibri"/>
+                <a:ea typeface="DejaVu Sans"/>
+              </a:rPr>
+              <a:t>⬇</a:t>
+            </a:r>
+            <a:endParaRPr b="0" lang="en-US" sz="1400" spc="-1" strike="noStrike">
+              <a:solidFill>
+                <a:srgbClr val="ffffff"/>
+              </a:solidFill>
+              <a:latin typeface="Arial"/>
+            </a:endParaRPr>
+          </a:p>
+          <a:p>
+            <a:pPr>
+              <a:lnSpc>
+                <a:spcPct val="100000"/>
+              </a:lnSpc>
+            </a:pPr>
+            <a:r>
+              <a:rPr b="0" lang="en-US" sz="1400" spc="-1" strike="noStrike">
+                <a:solidFill>
+                  <a:schemeClr val="lt1"/>
+                </a:solidFill>
+                <a:latin typeface="Calibri"/>
+                <a:ea typeface="DejaVu Sans"/>
+              </a:rPr>
+              <a:t>Verify using</a:t>
+            </a:r>
+            <a:endParaRPr b="0" lang="en-US" sz="1400" spc="-1" strike="noStrike">
+              <a:solidFill>
+                <a:srgbClr val="ffffff"/>
+              </a:solidFill>
+              <a:latin typeface="Arial"/>
+            </a:endParaRPr>
+          </a:p>
+          <a:p>
+            <a:pPr>
+              <a:lnSpc>
+                <a:spcPct val="100000"/>
+              </a:lnSpc>
+            </a:pPr>
+            <a:r>
+              <a:rPr b="0" lang="en-US" sz="1400" spc="-1" strike="noStrike">
+                <a:solidFill>
+                  <a:schemeClr val="lt1"/>
+                </a:solidFill>
+                <a:latin typeface="Calibri"/>
+                <a:ea typeface="DejaVu Sans"/>
+              </a:rPr>
+              <a:t>java -version</a:t>
+            </a:r>
+            <a:endParaRPr b="0" lang="en-US" sz="1400" spc="-1" strike="noStrike">
+              <a:solidFill>
+                <a:srgbClr val="ffffff"/>
+              </a:solidFill>
+              <a:latin typeface="Arial"/>
+            </a:endParaRPr>
+          </a:p>
+          <a:p>
+            <a:pPr>
+              <a:lnSpc>
+                <a:spcPct val="100000"/>
+              </a:lnSpc>
+            </a:pPr>
+            <a:r>
+              <a:rPr b="0" lang="en-US" sz="1400" spc="-1" strike="noStrike">
+                <a:solidFill>
+                  <a:schemeClr val="lt1"/>
+                </a:solidFill>
+                <a:latin typeface="Calibri"/>
+                <a:ea typeface="DejaVu Sans"/>
+              </a:rPr>
+              <a:t>javac -version</a:t>
+            </a:r>
+            <a:endParaRPr b="0" lang="en-US" sz="1400" spc="-1" strike="noStrike">
+              <a:solidFill>
+                <a:srgbClr val="ffffff"/>
+              </a:solidFill>
+              <a:latin typeface="Arial"/>
+            </a:endParaRPr>
+          </a:p>
+        </p:txBody>
+      </p:sp>
+      <p:sp>
+        <p:nvSpPr>
+          <p:cNvPr id="488" name="Rounded Rectangle 83"/>
+          <p:cNvSpPr/>
+          <p:nvPr/>
+        </p:nvSpPr>
+        <p:spPr>
+          <a:xfrm>
+            <a:off x="8028360" y="3182040"/>
+            <a:ext cx="3289680" cy="2741040"/>
+          </a:xfrm>
+          <a:prstGeom prst="roundRect">
+            <a:avLst>
+              <a:gd name="adj" fmla="val 16667"/>
+            </a:avLst>
+          </a:prstGeom>
+          <a:solidFill>
+            <a:srgbClr val="08080a"/>
+          </a:solidFill>
+          <a:ln>
+            <a:noFill/>
+          </a:ln>
+          <a:effectLst>
+            <a:outerShdw blurRad="39960" dir="5400000" dist="23040" rotWithShape="0">
+              <a:srgbClr val="000000">
+                <a:alpha val="35000"/>
+              </a:srgbClr>
+            </a:outerShdw>
+          </a:effectLst>
+        </p:spPr>
+        <p:style>
+          <a:lnRef idx="1">
+            <a:schemeClr val="accent1"/>
+          </a:lnRef>
+          <a:fillRef idx="3">
+            <a:schemeClr val="accent1"/>
+          </a:fillRef>
+          <a:effectRef idx="2">
+            <a:schemeClr val="accent1"/>
+          </a:effectRef>
+          <a:fontRef idx="minor"/>
+        </p:style>
+        <p:txBody>
+          <a:bodyPr lIns="90000" rIns="90000" tIns="45000" bIns="45000" anchor="ctr">
+            <a:noAutofit/>
+          </a:bodyPr>
+          <a:p>
+            <a:endParaRPr b="0" lang="en-US" sz="1800" spc="-1" strike="noStrike">
+              <a:solidFill>
+                <a:schemeClr val="lt1"/>
+              </a:solidFill>
+              <a:latin typeface="Calibri"/>
+              <a:ea typeface="DejaVu Sans"/>
+            </a:endParaRPr>
+          </a:p>
+        </p:txBody>
+      </p:sp>
+      <p:sp>
+        <p:nvSpPr>
+          <p:cNvPr id="489" name="Rounded Rectangle 84"/>
+          <p:cNvSpPr/>
+          <p:nvPr/>
+        </p:nvSpPr>
+        <p:spPr>
+          <a:xfrm>
+            <a:off x="8001000" y="2971800"/>
+            <a:ext cx="3429000" cy="3042360"/>
+          </a:xfrm>
+          <a:prstGeom prst="roundRect">
+            <a:avLst>
+              <a:gd name="adj" fmla="val 16667"/>
+            </a:avLst>
+          </a:prstGeom>
+          <a:solidFill>
+            <a:srgbClr val="16161c"/>
+          </a:solidFill>
+          <a:ln>
+            <a:solidFill>
+              <a:srgbClr val="464655"/>
+            </a:solidFill>
+            <a:round/>
+          </a:ln>
+          <a:effectLst>
+            <a:outerShdw blurRad="39960" dir="5400000" dist="23040" rotWithShape="0">
+              <a:srgbClr val="000000">
+                <a:alpha val="35000"/>
+              </a:srgbClr>
+            </a:outerShdw>
+          </a:effectLst>
+        </p:spPr>
+        <p:style>
+          <a:lnRef idx="1">
+            <a:schemeClr val="accent1"/>
+          </a:lnRef>
+          <a:fillRef idx="3">
+            <a:schemeClr val="accent1"/>
+          </a:fillRef>
+          <a:effectRef idx="2">
+            <a:schemeClr val="accent1"/>
+          </a:effectRef>
+          <a:fontRef idx="minor"/>
+        </p:style>
+        <p:txBody>
+          <a:bodyPr lIns="90000" rIns="90000" tIns="45000" bIns="45000" anchor="ctr">
+            <a:noAutofit/>
+          </a:bodyPr>
+          <a:p>
+            <a:pPr algn="ctr">
+              <a:lnSpc>
+                <a:spcPct val="100000"/>
+              </a:lnSpc>
+            </a:pPr>
+            <a:endParaRPr b="0" lang="en-US" sz="1300" spc="-1" strike="noStrike">
+              <a:solidFill>
+                <a:srgbClr val="ffffff"/>
+              </a:solidFill>
+              <a:latin typeface="Arial"/>
+            </a:endParaRPr>
+          </a:p>
+          <a:p>
+            <a:pPr algn="ctr">
+              <a:lnSpc>
+                <a:spcPct val="100000"/>
+              </a:lnSpc>
+            </a:pPr>
+            <a:endParaRPr b="0" lang="en-US" sz="1300" spc="-1" strike="noStrike">
+              <a:solidFill>
+                <a:srgbClr val="ffffff"/>
+              </a:solidFill>
+              <a:latin typeface="Arial"/>
+            </a:endParaRPr>
+          </a:p>
+          <a:p>
+            <a:pPr algn="ctr">
+              <a:lnSpc>
+                <a:spcPct val="100000"/>
+              </a:lnSpc>
+            </a:pPr>
+            <a:r>
+              <a:rPr b="0" lang="en-US" sz="1300" spc="-1" strike="noStrike">
+                <a:solidFill>
+                  <a:srgbClr val="78ffc8"/>
+                </a:solidFill>
+                <a:latin typeface="Consolas"/>
+                <a:ea typeface="DejaVu Sans"/>
+              </a:rPr>
+              <a:t># Check current version</a:t>
+            </a:r>
+            <a:endParaRPr b="0" lang="en-US" sz="1300" spc="-1" strike="noStrike">
+              <a:solidFill>
+                <a:srgbClr val="ffffff"/>
+              </a:solidFill>
+              <a:latin typeface="Arial"/>
+            </a:endParaRPr>
+          </a:p>
+          <a:p>
+            <a:pPr algn="ctr">
+              <a:lnSpc>
+                <a:spcPct val="100000"/>
+              </a:lnSpc>
+            </a:pPr>
+            <a:r>
+              <a:rPr b="0" lang="en-US" sz="1300" spc="-1" strike="noStrike">
+                <a:solidFill>
+                  <a:srgbClr val="78ffc8"/>
+                </a:solidFill>
+                <a:latin typeface="Consolas"/>
+                <a:ea typeface="DejaVu Sans"/>
+              </a:rPr>
+              <a:t>java -version</a:t>
+            </a:r>
+            <a:endParaRPr b="0" lang="en-US" sz="1300" spc="-1" strike="noStrike">
+              <a:solidFill>
+                <a:srgbClr val="ffffff"/>
+              </a:solidFill>
+              <a:latin typeface="Arial"/>
+            </a:endParaRPr>
+          </a:p>
+          <a:p>
+            <a:pPr algn="ctr">
+              <a:lnSpc>
+                <a:spcPct val="100000"/>
+              </a:lnSpc>
+            </a:pPr>
+            <a:r>
+              <a:rPr b="0" lang="en-US" sz="1300" spc="-1" strike="noStrike">
+                <a:solidFill>
+                  <a:srgbClr val="78ffc8"/>
+                </a:solidFill>
+                <a:latin typeface="Consolas"/>
+                <a:ea typeface="DejaVu Sans"/>
+              </a:rPr>
+              <a:t>javac -version</a:t>
+            </a:r>
+            <a:endParaRPr b="0" lang="en-US" sz="1300" spc="-1" strike="noStrike">
+              <a:solidFill>
+                <a:srgbClr val="ffffff"/>
+              </a:solidFill>
+              <a:latin typeface="Arial"/>
+            </a:endParaRPr>
+          </a:p>
+          <a:p>
+            <a:pPr algn="ctr">
+              <a:lnSpc>
+                <a:spcPct val="100000"/>
+              </a:lnSpc>
+            </a:pPr>
+            <a:endParaRPr b="0" lang="en-US" sz="1300" spc="-1" strike="noStrike">
+              <a:solidFill>
+                <a:srgbClr val="ffffff"/>
+              </a:solidFill>
+              <a:latin typeface="Arial"/>
+            </a:endParaRPr>
+          </a:p>
+          <a:p>
+            <a:pPr algn="ctr">
+              <a:lnSpc>
+                <a:spcPct val="100000"/>
+              </a:lnSpc>
+            </a:pPr>
+            <a:r>
+              <a:rPr b="0" lang="en-US" sz="1300" spc="-1" strike="noStrike">
+                <a:solidFill>
+                  <a:srgbClr val="78ffc8"/>
+                </a:solidFill>
+                <a:latin typeface="Consolas"/>
+                <a:ea typeface="DejaVu Sans"/>
+              </a:rPr>
+              <a:t># Show active JAVA_HOME</a:t>
+            </a:r>
+            <a:endParaRPr b="0" lang="en-US" sz="1300" spc="-1" strike="noStrike">
+              <a:solidFill>
+                <a:srgbClr val="ffffff"/>
+              </a:solidFill>
+              <a:latin typeface="Arial"/>
+            </a:endParaRPr>
+          </a:p>
+          <a:p>
+            <a:pPr algn="ctr">
+              <a:lnSpc>
+                <a:spcPct val="100000"/>
+              </a:lnSpc>
+            </a:pPr>
+            <a:r>
+              <a:rPr b="0" lang="en-US" sz="1300" spc="-1" strike="noStrike">
+                <a:solidFill>
+                  <a:srgbClr val="78ffc8"/>
+                </a:solidFill>
+                <a:latin typeface="Consolas"/>
+                <a:ea typeface="DejaVu Sans"/>
+              </a:rPr>
+              <a:t>echo %JAVA_HOME%      (Windows)</a:t>
+            </a:r>
+            <a:endParaRPr b="0" lang="en-US" sz="1300" spc="-1" strike="noStrike">
+              <a:solidFill>
+                <a:srgbClr val="ffffff"/>
+              </a:solidFill>
+              <a:latin typeface="Arial"/>
+            </a:endParaRPr>
+          </a:p>
+          <a:p>
+            <a:pPr algn="ctr">
+              <a:lnSpc>
+                <a:spcPct val="100000"/>
+              </a:lnSpc>
+            </a:pPr>
+            <a:r>
+              <a:rPr b="0" lang="en-US" sz="1300" spc="-1" strike="noStrike">
+                <a:solidFill>
+                  <a:srgbClr val="78ffc8"/>
+                </a:solidFill>
+                <a:latin typeface="Consolas"/>
+                <a:ea typeface="DejaVu Sans"/>
+              </a:rPr>
+              <a:t>echo $JAVA_HOME       (Linux/Mac)</a:t>
+            </a:r>
+            <a:endParaRPr b="0" lang="en-US" sz="1300" spc="-1" strike="noStrike">
+              <a:solidFill>
+                <a:srgbClr val="ffffff"/>
+              </a:solidFill>
+              <a:latin typeface="Arial"/>
+            </a:endParaRPr>
+          </a:p>
+          <a:p>
+            <a:pPr algn="ctr">
+              <a:lnSpc>
+                <a:spcPct val="100000"/>
+              </a:lnSpc>
+            </a:pPr>
+            <a:endParaRPr b="0" lang="en-US" sz="1300" spc="-1" strike="noStrike">
+              <a:solidFill>
+                <a:srgbClr val="ffffff"/>
+              </a:solidFill>
+              <a:latin typeface="Arial"/>
+            </a:endParaRPr>
+          </a:p>
+          <a:p>
+            <a:pPr algn="ctr">
+              <a:lnSpc>
+                <a:spcPct val="100000"/>
+              </a:lnSpc>
+            </a:pPr>
+            <a:r>
+              <a:rPr b="0" lang="en-US" sz="1300" spc="-1" strike="noStrike">
+                <a:solidFill>
+                  <a:srgbClr val="78ffc8"/>
+                </a:solidFill>
+                <a:latin typeface="Consolas"/>
+                <a:ea typeface="DejaVu Sans"/>
+              </a:rPr>
+              <a:t># Example version paths</a:t>
+            </a:r>
+            <a:endParaRPr b="0" lang="en-US" sz="1300" spc="-1" strike="noStrike">
+              <a:solidFill>
+                <a:srgbClr val="ffffff"/>
+              </a:solidFill>
+              <a:latin typeface="Arial"/>
+            </a:endParaRPr>
+          </a:p>
+          <a:p>
+            <a:pPr algn="ctr">
+              <a:lnSpc>
+                <a:spcPct val="100000"/>
+              </a:lnSpc>
+            </a:pPr>
+            <a:r>
+              <a:rPr b="0" lang="en-US" sz="1300" spc="-1" strike="noStrike">
+                <a:solidFill>
+                  <a:srgbClr val="78ffc8"/>
+                </a:solidFill>
+                <a:latin typeface="Consolas"/>
+                <a:ea typeface="DejaVu Sans"/>
+              </a:rPr>
+              <a:t>Java 17 → /jdk-17</a:t>
+            </a:r>
+            <a:endParaRPr b="0" lang="en-US" sz="1300" spc="-1" strike="noStrike">
+              <a:solidFill>
+                <a:srgbClr val="ffffff"/>
+              </a:solidFill>
+              <a:latin typeface="Arial"/>
+            </a:endParaRPr>
+          </a:p>
+          <a:p>
+            <a:pPr algn="ctr">
+              <a:lnSpc>
+                <a:spcPct val="100000"/>
+              </a:lnSpc>
+            </a:pPr>
+            <a:r>
+              <a:rPr b="0" lang="en-US" sz="1300" spc="-1" strike="noStrike">
+                <a:solidFill>
+                  <a:srgbClr val="78ffc8"/>
+                </a:solidFill>
+                <a:latin typeface="Consolas"/>
+                <a:ea typeface="DejaVu Sans"/>
+              </a:rPr>
+              <a:t>Java 21 → /jdk-21</a:t>
+            </a:r>
+            <a:endParaRPr b="0" lang="en-US" sz="1300" spc="-1" strike="noStrike">
+              <a:solidFill>
+                <a:srgbClr val="ffffff"/>
+              </a:solidFill>
+              <a:latin typeface="Arial"/>
+            </a:endParaRPr>
+          </a:p>
+          <a:p>
+            <a:pPr algn="ctr">
+              <a:lnSpc>
+                <a:spcPct val="100000"/>
+              </a:lnSpc>
+            </a:pPr>
+            <a:endParaRPr b="0" lang="en-US" sz="1300" spc="-1" strike="noStrike">
+              <a:solidFill>
+                <a:srgbClr val="ffffff"/>
+              </a:solidFill>
+              <a:latin typeface="Arial"/>
+            </a:endParaRPr>
+          </a:p>
+          <a:p>
+            <a:pPr algn="ctr">
+              <a:lnSpc>
+                <a:spcPct val="100000"/>
+              </a:lnSpc>
+            </a:pPr>
+            <a:r>
+              <a:rPr b="0" lang="en-US" sz="1300" spc="-1" strike="noStrike">
+                <a:solidFill>
+                  <a:srgbClr val="78ffc8"/>
+                </a:solidFill>
+                <a:latin typeface="Consolas"/>
+                <a:ea typeface="DejaVu Sans"/>
+              </a:rPr>
+              <a:t># After switching version</a:t>
+            </a:r>
+            <a:endParaRPr b="0" lang="en-US" sz="1300" spc="-1" strike="noStrike">
+              <a:solidFill>
+                <a:srgbClr val="ffffff"/>
+              </a:solidFill>
+              <a:latin typeface="Arial"/>
+            </a:endParaRPr>
+          </a:p>
+          <a:p>
+            <a:pPr algn="ctr">
+              <a:lnSpc>
+                <a:spcPct val="100000"/>
+              </a:lnSpc>
+            </a:pPr>
+            <a:r>
+              <a:rPr b="0" lang="en-US" sz="1300" spc="-1" strike="noStrike">
+                <a:solidFill>
+                  <a:srgbClr val="78ffc8"/>
+                </a:solidFill>
+                <a:latin typeface="Consolas"/>
+                <a:ea typeface="DejaVu Sans"/>
+              </a:rPr>
+              <a:t>java -version</a:t>
+            </a:r>
+            <a:endParaRPr b="0" lang="en-US" sz="1300" spc="-1" strike="noStrike">
+              <a:solidFill>
+                <a:srgbClr val="ffffff"/>
+              </a:solidFill>
+              <a:latin typeface="Arial"/>
+            </a:endParaRPr>
+          </a:p>
+          <a:p>
+            <a:pPr algn="ctr">
+              <a:lnSpc>
+                <a:spcPct val="100000"/>
+              </a:lnSpc>
+            </a:pPr>
+            <a:endParaRPr b="0" lang="en-US" sz="1300" spc="-1" strike="noStrike">
+              <a:solidFill>
+                <a:srgbClr val="ffffff"/>
+              </a:solidFill>
+              <a:latin typeface="Arial"/>
+            </a:endParaRPr>
+          </a:p>
+          <a:p>
+            <a:pPr algn="ctr">
+              <a:lnSpc>
+                <a:spcPct val="100000"/>
+              </a:lnSpc>
+            </a:pPr>
+            <a:endParaRPr b="0" lang="en-US" sz="1300" spc="-1" strike="noStrike">
+              <a:solidFill>
+                <a:srgbClr val="ffffff"/>
+              </a:solidFill>
+              <a:latin typeface="Arial"/>
+            </a:endParaRPr>
+          </a:p>
+        </p:txBody>
+      </p:sp>
+      <p:sp>
+        <p:nvSpPr>
+          <p:cNvPr id="490" name="TextBox 36"/>
           <p:cNvSpPr/>
           <p:nvPr/>
         </p:nvSpPr>
@@ -19741,7 +22254,7 @@
         <p:spPr>
           <a:xfrm>
             <a:off x="0" y="0"/>
-            <a:ext cx="12185640" cy="6854760"/>
+            <a:ext cx="12185280" cy="6854400"/>
           </a:xfrm>
           <a:prstGeom prst="rect">
             <a:avLst/>
@@ -19801,7 +22314,7 @@
         <p:spPr>
           <a:xfrm>
             <a:off x="0" y="0"/>
-            <a:ext cx="15120" cy="6854760"/>
+            <a:ext cx="14760" cy="6854400"/>
           </a:xfrm>
           <a:prstGeom prst="rect">
             <a:avLst/>
@@ -19861,7 +22374,7 @@
         <p:spPr>
           <a:xfrm>
             <a:off x="914400" y="0"/>
-            <a:ext cx="15120" cy="6854760"/>
+            <a:ext cx="14760" cy="6854400"/>
           </a:xfrm>
           <a:prstGeom prst="rect">
             <a:avLst/>
@@ -19921,7 +22434,7 @@
         <p:spPr>
           <a:xfrm>
             <a:off x="1828800" y="0"/>
-            <a:ext cx="15120" cy="6854760"/>
+            <a:ext cx="14760" cy="6854400"/>
           </a:xfrm>
           <a:prstGeom prst="rect">
             <a:avLst/>
@@ -19981,7 +22494,7 @@
         <p:spPr>
           <a:xfrm>
             <a:off x="2743200" y="0"/>
-            <a:ext cx="15120" cy="6854760"/>
+            <a:ext cx="14760" cy="6854400"/>
           </a:xfrm>
           <a:prstGeom prst="rect">
             <a:avLst/>
@@ -20041,7 +22554,7 @@
         <p:spPr>
           <a:xfrm>
             <a:off x="3657600" y="0"/>
-            <a:ext cx="15120" cy="6854760"/>
+            <a:ext cx="14760" cy="6854400"/>
           </a:xfrm>
           <a:prstGeom prst="rect">
             <a:avLst/>
@@ -20101,7 +22614,7 @@
         <p:spPr>
           <a:xfrm>
             <a:off x="4572000" y="0"/>
-            <a:ext cx="15120" cy="6854760"/>
+            <a:ext cx="14760" cy="6854400"/>
           </a:xfrm>
           <a:prstGeom prst="rect">
             <a:avLst/>
@@ -20161,7 +22674,7 @@
         <p:spPr>
           <a:xfrm>
             <a:off x="5486400" y="0"/>
-            <a:ext cx="15120" cy="6854760"/>
+            <a:ext cx="14760" cy="6854400"/>
           </a:xfrm>
           <a:prstGeom prst="rect">
             <a:avLst/>
@@ -20221,7 +22734,7 @@
         <p:spPr>
           <a:xfrm>
             <a:off x="6400800" y="0"/>
-            <a:ext cx="15120" cy="6854760"/>
+            <a:ext cx="14760" cy="6854400"/>
           </a:xfrm>
           <a:prstGeom prst="rect">
             <a:avLst/>
@@ -20281,7 +22794,7 @@
         <p:spPr>
           <a:xfrm>
             <a:off x="7315200" y="0"/>
-            <a:ext cx="15120" cy="6854760"/>
+            <a:ext cx="14760" cy="6854400"/>
           </a:xfrm>
           <a:prstGeom prst="rect">
             <a:avLst/>
@@ -20341,7 +22854,7 @@
         <p:spPr>
           <a:xfrm>
             <a:off x="8229600" y="0"/>
-            <a:ext cx="15120" cy="6854760"/>
+            <a:ext cx="14760" cy="6854400"/>
           </a:xfrm>
           <a:prstGeom prst="rect">
             <a:avLst/>
@@ -20401,7 +22914,7 @@
         <p:spPr>
           <a:xfrm>
             <a:off x="9144000" y="0"/>
-            <a:ext cx="15120" cy="6854760"/>
+            <a:ext cx="14760" cy="6854400"/>
           </a:xfrm>
           <a:prstGeom prst="rect">
             <a:avLst/>
@@ -20461,7 +22974,7 @@
         <p:spPr>
           <a:xfrm>
             <a:off x="10058400" y="0"/>
-            <a:ext cx="15120" cy="6854760"/>
+            <a:ext cx="14760" cy="6854400"/>
           </a:xfrm>
           <a:prstGeom prst="rect">
             <a:avLst/>
@@ -20521,7 +23034,7 @@
         <p:spPr>
           <a:xfrm>
             <a:off x="10972800" y="0"/>
-            <a:ext cx="15120" cy="6854760"/>
+            <a:ext cx="14760" cy="6854400"/>
           </a:xfrm>
           <a:prstGeom prst="rect">
             <a:avLst/>
@@ -20581,7 +23094,7 @@
         <p:spPr>
           <a:xfrm>
             <a:off x="11887200" y="0"/>
-            <a:ext cx="15120" cy="6854760"/>
+            <a:ext cx="14760" cy="6854400"/>
           </a:xfrm>
           <a:prstGeom prst="rect">
             <a:avLst/>
@@ -20641,7 +23154,7 @@
         <p:spPr>
           <a:xfrm>
             <a:off x="0" y="0"/>
-            <a:ext cx="316800" cy="6854760"/>
+            <a:ext cx="316440" cy="6854400"/>
           </a:xfrm>
           <a:prstGeom prst="rect">
             <a:avLst/>
@@ -20701,7 +23214,7 @@
         <p:spPr>
           <a:xfrm>
             <a:off x="9875520" y="365760"/>
-            <a:ext cx="2008440" cy="499680"/>
+            <a:ext cx="2008080" cy="499320"/>
           </a:xfrm>
           <a:prstGeom prst="roundRect">
             <a:avLst>
@@ -20883,7 +23396,7 @@
         <p:spPr>
           <a:xfrm>
             <a:off x="987480" y="3182040"/>
-            <a:ext cx="3288600" cy="2739960"/>
+            <a:ext cx="3288240" cy="2739600"/>
           </a:xfrm>
           <a:prstGeom prst="roundRect">
             <a:avLst>
@@ -20945,7 +23458,7 @@
         <p:spPr>
           <a:xfrm>
             <a:off x="914400" y="3108960"/>
-            <a:ext cx="3288600" cy="2739960"/>
+            <a:ext cx="3288240" cy="2739600"/>
           </a:xfrm>
           <a:prstGeom prst="roundRect">
             <a:avLst>
@@ -21200,7 +23713,7 @@
         <p:spPr>
           <a:xfrm>
             <a:off x="4507920" y="3182040"/>
-            <a:ext cx="3288600" cy="2739960"/>
+            <a:ext cx="3288240" cy="2739600"/>
           </a:xfrm>
           <a:prstGeom prst="roundRect">
             <a:avLst>
@@ -21262,7 +23775,7 @@
         <p:spPr>
           <a:xfrm>
             <a:off x="4434840" y="3108960"/>
-            <a:ext cx="3288600" cy="2739960"/>
+            <a:ext cx="3288240" cy="2739600"/>
           </a:xfrm>
           <a:prstGeom prst="roundRect">
             <a:avLst>
@@ -21497,7 +24010,7 @@
         <p:spPr>
           <a:xfrm>
             <a:off x="8028360" y="3182040"/>
-            <a:ext cx="3288600" cy="2739960"/>
+            <a:ext cx="3288240" cy="2739600"/>
           </a:xfrm>
           <a:prstGeom prst="roundRect">
             <a:avLst>
@@ -21559,7 +24072,7 @@
         <p:spPr>
           <a:xfrm>
             <a:off x="7955280" y="3108960"/>
-            <a:ext cx="3288600" cy="2739960"/>
+            <a:ext cx="3288240" cy="2739600"/>
           </a:xfrm>
           <a:prstGeom prst="roundRect">
             <a:avLst>
@@ -21881,7 +24394,7 @@
         <p:spPr>
           <a:xfrm>
             <a:off x="0" y="0"/>
-            <a:ext cx="12186000" cy="6855120"/>
+            <a:ext cx="12185640" cy="6854760"/>
           </a:xfrm>
           <a:prstGeom prst="rect">
             <a:avLst/>
@@ -21941,7 +24454,7 @@
         <p:spPr>
           <a:xfrm>
             <a:off x="0" y="0"/>
-            <a:ext cx="15480" cy="6855120"/>
+            <a:ext cx="15120" cy="6854760"/>
           </a:xfrm>
           <a:prstGeom prst="rect">
             <a:avLst/>
@@ -22001,7 +24514,7 @@
         <p:spPr>
           <a:xfrm>
             <a:off x="914400" y="0"/>
-            <a:ext cx="15480" cy="6855120"/>
+            <a:ext cx="15120" cy="6854760"/>
           </a:xfrm>
           <a:prstGeom prst="rect">
             <a:avLst/>
@@ -22061,7 +24574,7 @@
         <p:spPr>
           <a:xfrm>
             <a:off x="1828800" y="0"/>
-            <a:ext cx="15480" cy="6855120"/>
+            <a:ext cx="15120" cy="6854760"/>
           </a:xfrm>
           <a:prstGeom prst="rect">
             <a:avLst/>
@@ -22121,7 +24634,7 @@
         <p:spPr>
           <a:xfrm>
             <a:off x="2743200" y="0"/>
-            <a:ext cx="15480" cy="6855120"/>
+            <a:ext cx="15120" cy="6854760"/>
           </a:xfrm>
           <a:prstGeom prst="rect">
             <a:avLst/>
@@ -22181,7 +24694,7 @@
         <p:spPr>
           <a:xfrm>
             <a:off x="3657600" y="0"/>
-            <a:ext cx="15480" cy="6855120"/>
+            <a:ext cx="15120" cy="6854760"/>
           </a:xfrm>
           <a:prstGeom prst="rect">
             <a:avLst/>
@@ -22241,7 +24754,7 @@
         <p:spPr>
           <a:xfrm>
             <a:off x="4572000" y="0"/>
-            <a:ext cx="15480" cy="6855120"/>
+            <a:ext cx="15120" cy="6854760"/>
           </a:xfrm>
           <a:prstGeom prst="rect">
             <a:avLst/>
@@ -22301,7 +24814,7 @@
         <p:spPr>
           <a:xfrm>
             <a:off x="5486400" y="0"/>
-            <a:ext cx="15480" cy="6855120"/>
+            <a:ext cx="15120" cy="6854760"/>
           </a:xfrm>
           <a:prstGeom prst="rect">
             <a:avLst/>
@@ -22361,7 +24874,7 @@
         <p:spPr>
           <a:xfrm>
             <a:off x="6400800" y="0"/>
-            <a:ext cx="15480" cy="6855120"/>
+            <a:ext cx="15120" cy="6854760"/>
           </a:xfrm>
           <a:prstGeom prst="rect">
             <a:avLst/>
@@ -22421,7 +24934,7 @@
         <p:spPr>
           <a:xfrm>
             <a:off x="7315200" y="0"/>
-            <a:ext cx="15480" cy="6855120"/>
+            <a:ext cx="15120" cy="6854760"/>
           </a:xfrm>
           <a:prstGeom prst="rect">
             <a:avLst/>
@@ -22481,7 +24994,7 @@
         <p:spPr>
           <a:xfrm>
             <a:off x="8229600" y="0"/>
-            <a:ext cx="15480" cy="6855120"/>
+            <a:ext cx="15120" cy="6854760"/>
           </a:xfrm>
           <a:prstGeom prst="rect">
             <a:avLst/>
@@ -22541,7 +25054,7 @@
         <p:spPr>
           <a:xfrm>
             <a:off x="9144000" y="0"/>
-            <a:ext cx="15480" cy="6855120"/>
+            <a:ext cx="15120" cy="6854760"/>
           </a:xfrm>
           <a:prstGeom prst="rect">
             <a:avLst/>
@@ -22601,7 +25114,7 @@
         <p:spPr>
           <a:xfrm>
             <a:off x="10058400" y="0"/>
-            <a:ext cx="15480" cy="6855120"/>
+            <a:ext cx="15120" cy="6854760"/>
           </a:xfrm>
           <a:prstGeom prst="rect">
             <a:avLst/>
@@ -22661,7 +25174,7 @@
         <p:spPr>
           <a:xfrm>
             <a:off x="10972800" y="0"/>
-            <a:ext cx="15480" cy="6855120"/>
+            <a:ext cx="15120" cy="6854760"/>
           </a:xfrm>
           <a:prstGeom prst="rect">
             <a:avLst/>
@@ -22721,7 +25234,7 @@
         <p:spPr>
           <a:xfrm>
             <a:off x="11887200" y="0"/>
-            <a:ext cx="15480" cy="6855120"/>
+            <a:ext cx="15120" cy="6854760"/>
           </a:xfrm>
           <a:prstGeom prst="rect">
             <a:avLst/>
@@ -22781,7 +25294,7 @@
         <p:spPr>
           <a:xfrm>
             <a:off x="0" y="0"/>
-            <a:ext cx="317160" cy="6855120"/>
+            <a:ext cx="316800" cy="6854760"/>
           </a:xfrm>
           <a:prstGeom prst="rect">
             <a:avLst/>
@@ -22841,7 +25354,7 @@
         <p:spPr>
           <a:xfrm>
             <a:off x="9875520" y="365760"/>
-            <a:ext cx="2008800" cy="500040"/>
+            <a:ext cx="2008440" cy="499680"/>
           </a:xfrm>
           <a:prstGeom prst="roundRect">
             <a:avLst>
@@ -23023,7 +25536,7 @@
         <p:spPr>
           <a:xfrm>
             <a:off x="987480" y="3182040"/>
-            <a:ext cx="3288960" cy="2740320"/>
+            <a:ext cx="3288600" cy="2739960"/>
           </a:xfrm>
           <a:prstGeom prst="roundRect">
             <a:avLst>
@@ -23085,7 +25598,7 @@
         <p:spPr>
           <a:xfrm>
             <a:off x="475560" y="2743200"/>
-            <a:ext cx="3727800" cy="3106080"/>
+            <a:ext cx="3727440" cy="3105720"/>
           </a:xfrm>
           <a:prstGeom prst="roundRect">
             <a:avLst>
@@ -23362,7 +25875,7 @@
         <p:spPr>
           <a:xfrm>
             <a:off x="4507920" y="3182040"/>
-            <a:ext cx="3288960" cy="2740320"/>
+            <a:ext cx="3288600" cy="2739960"/>
           </a:xfrm>
           <a:prstGeom prst="roundRect">
             <a:avLst>
@@ -23424,7 +25937,7 @@
         <p:spPr>
           <a:xfrm>
             <a:off x="4343400" y="2918520"/>
-            <a:ext cx="3517560" cy="2930760"/>
+            <a:ext cx="3517200" cy="2930400"/>
           </a:xfrm>
           <a:prstGeom prst="roundRect">
             <a:avLst>
@@ -23926,7 +26439,7 @@
         <p:spPr>
           <a:xfrm>
             <a:off x="8028360" y="3182040"/>
-            <a:ext cx="3288960" cy="2740320"/>
+            <a:ext cx="3288600" cy="2739960"/>
           </a:xfrm>
           <a:prstGeom prst="roundRect">
             <a:avLst>
@@ -23988,7 +26501,7 @@
         <p:spPr>
           <a:xfrm>
             <a:off x="8023680" y="2743200"/>
-            <a:ext cx="3839040" cy="3198600"/>
+            <a:ext cx="3838680" cy="3198240"/>
           </a:xfrm>
           <a:prstGeom prst="roundRect">
             <a:avLst>
@@ -24544,7 +27057,7 @@
         <p:spPr>
           <a:xfrm>
             <a:off x="0" y="0"/>
-            <a:ext cx="12186360" cy="6855480"/>
+            <a:ext cx="12186000" cy="6855120"/>
           </a:xfrm>
           <a:prstGeom prst="rect">
             <a:avLst/>
@@ -24604,7 +27117,7 @@
         <p:spPr>
           <a:xfrm>
             <a:off x="0" y="0"/>
-            <a:ext cx="15840" cy="6855480"/>
+            <a:ext cx="15480" cy="6855120"/>
           </a:xfrm>
           <a:prstGeom prst="rect">
             <a:avLst/>
@@ -24664,7 +27177,7 @@
         <p:spPr>
           <a:xfrm>
             <a:off x="914400" y="0"/>
-            <a:ext cx="15840" cy="6855480"/>
+            <a:ext cx="15480" cy="6855120"/>
           </a:xfrm>
           <a:prstGeom prst="rect">
             <a:avLst/>
@@ -24724,7 +27237,7 @@
         <p:spPr>
           <a:xfrm>
             <a:off x="1828800" y="0"/>
-            <a:ext cx="15840" cy="6855480"/>
+            <a:ext cx="15480" cy="6855120"/>
           </a:xfrm>
           <a:prstGeom prst="rect">
             <a:avLst/>
@@ -24784,7 +27297,7 @@
         <p:spPr>
           <a:xfrm>
             <a:off x="2743200" y="0"/>
-            <a:ext cx="15840" cy="6855480"/>
+            <a:ext cx="15480" cy="6855120"/>
           </a:xfrm>
           <a:prstGeom prst="rect">
             <a:avLst/>
@@ -24844,7 +27357,7 @@
         <p:spPr>
           <a:xfrm>
             <a:off x="3657600" y="0"/>
-            <a:ext cx="15840" cy="6855480"/>
+            <a:ext cx="15480" cy="6855120"/>
           </a:xfrm>
           <a:prstGeom prst="rect">
             <a:avLst/>
@@ -24904,7 +27417,7 @@
         <p:spPr>
           <a:xfrm>
             <a:off x="4572000" y="0"/>
-            <a:ext cx="15840" cy="6855480"/>
+            <a:ext cx="15480" cy="6855120"/>
           </a:xfrm>
           <a:prstGeom prst="rect">
             <a:avLst/>
@@ -24964,7 +27477,7 @@
         <p:spPr>
           <a:xfrm>
             <a:off x="5486400" y="0"/>
-            <a:ext cx="15840" cy="6855480"/>
+            <a:ext cx="15480" cy="6855120"/>
           </a:xfrm>
           <a:prstGeom prst="rect">
             <a:avLst/>
@@ -25024,7 +27537,7 @@
         <p:spPr>
           <a:xfrm>
             <a:off x="6400800" y="0"/>
-            <a:ext cx="15840" cy="6855480"/>
+            <a:ext cx="15480" cy="6855120"/>
           </a:xfrm>
           <a:prstGeom prst="rect">
             <a:avLst/>
@@ -25084,7 +27597,7 @@
         <p:spPr>
           <a:xfrm>
             <a:off x="7315200" y="0"/>
-            <a:ext cx="15840" cy="6855480"/>
+            <a:ext cx="15480" cy="6855120"/>
           </a:xfrm>
           <a:prstGeom prst="rect">
             <a:avLst/>
@@ -25144,7 +27657,7 @@
         <p:spPr>
           <a:xfrm>
             <a:off x="8229600" y="0"/>
-            <a:ext cx="15840" cy="6855480"/>
+            <a:ext cx="15480" cy="6855120"/>
           </a:xfrm>
           <a:prstGeom prst="rect">
             <a:avLst/>
@@ -25204,7 +27717,7 @@
         <p:spPr>
           <a:xfrm>
             <a:off x="9144000" y="0"/>
-            <a:ext cx="15840" cy="6855480"/>
+            <a:ext cx="15480" cy="6855120"/>
           </a:xfrm>
           <a:prstGeom prst="rect">
             <a:avLst/>
@@ -25264,7 +27777,7 @@
         <p:spPr>
           <a:xfrm>
             <a:off x="10058400" y="0"/>
-            <a:ext cx="15840" cy="6855480"/>
+            <a:ext cx="15480" cy="6855120"/>
           </a:xfrm>
           <a:prstGeom prst="rect">
             <a:avLst/>
@@ -25324,7 +27837,7 @@
         <p:spPr>
           <a:xfrm>
             <a:off x="10972800" y="0"/>
-            <a:ext cx="15840" cy="6855480"/>
+            <a:ext cx="15480" cy="6855120"/>
           </a:xfrm>
           <a:prstGeom prst="rect">
             <a:avLst/>
@@ -25384,7 +27897,7 @@
         <p:spPr>
           <a:xfrm>
             <a:off x="11887200" y="0"/>
-            <a:ext cx="15840" cy="6855480"/>
+            <a:ext cx="15480" cy="6855120"/>
           </a:xfrm>
           <a:prstGeom prst="rect">
             <a:avLst/>
@@ -25444,7 +27957,7 @@
         <p:spPr>
           <a:xfrm>
             <a:off x="0" y="0"/>
-            <a:ext cx="317520" cy="6855480"/>
+            <a:ext cx="317160" cy="6855120"/>
           </a:xfrm>
           <a:prstGeom prst="rect">
             <a:avLst/>
@@ -25504,7 +28017,7 @@
         <p:spPr>
           <a:xfrm>
             <a:off x="9875520" y="365760"/>
-            <a:ext cx="2009160" cy="500400"/>
+            <a:ext cx="2008800" cy="500040"/>
           </a:xfrm>
           <a:prstGeom prst="roundRect">
             <a:avLst>
@@ -25686,7 +28199,7 @@
         <p:spPr>
           <a:xfrm>
             <a:off x="987480" y="3182040"/>
-            <a:ext cx="3289320" cy="2740680"/>
+            <a:ext cx="3288960" cy="2740320"/>
           </a:xfrm>
           <a:prstGeom prst="roundRect">
             <a:avLst>
@@ -25748,7 +28261,7 @@
         <p:spPr>
           <a:xfrm>
             <a:off x="685800" y="3108960"/>
-            <a:ext cx="3517920" cy="3061800"/>
+            <a:ext cx="3517560" cy="3061440"/>
           </a:xfrm>
           <a:prstGeom prst="roundRect">
             <a:avLst>
@@ -26134,7 +28647,7 @@
         <p:spPr>
           <a:xfrm>
             <a:off x="4507920" y="3182040"/>
-            <a:ext cx="3289320" cy="2740680"/>
+            <a:ext cx="3288960" cy="2740320"/>
           </a:xfrm>
           <a:prstGeom prst="roundRect">
             <a:avLst>
@@ -26196,7 +28709,7 @@
         <p:spPr>
           <a:xfrm>
             <a:off x="4434840" y="3108960"/>
-            <a:ext cx="3289320" cy="2740680"/>
+            <a:ext cx="3288960" cy="2740320"/>
           </a:xfrm>
           <a:prstGeom prst="roundRect">
             <a:avLst>
@@ -26665,7 +29178,7 @@
         <p:spPr>
           <a:xfrm>
             <a:off x="8028360" y="3182040"/>
-            <a:ext cx="3289320" cy="2740680"/>
+            <a:ext cx="3288960" cy="2740320"/>
           </a:xfrm>
           <a:prstGeom prst="roundRect">
             <a:avLst>
@@ -26727,7 +29240,7 @@
         <p:spPr>
           <a:xfrm>
             <a:off x="7955280" y="3108960"/>
-            <a:ext cx="3289320" cy="2740680"/>
+            <a:ext cx="3288960" cy="2740320"/>
           </a:xfrm>
           <a:prstGeom prst="roundRect">
             <a:avLst>
@@ -27177,7 +29690,7 @@
         <p:spPr>
           <a:xfrm>
             <a:off x="0" y="0"/>
-            <a:ext cx="12187080" cy="6856200"/>
+            <a:ext cx="12186720" cy="6855840"/>
           </a:xfrm>
           <a:prstGeom prst="rect">
             <a:avLst/>
@@ -27237,7 +29750,7 @@
         <p:spPr>
           <a:xfrm>
             <a:off x="0" y="0"/>
-            <a:ext cx="16560" cy="6856200"/>
+            <a:ext cx="16200" cy="6855840"/>
           </a:xfrm>
           <a:prstGeom prst="rect">
             <a:avLst/>
@@ -27297,7 +29810,7 @@
         <p:spPr>
           <a:xfrm>
             <a:off x="914400" y="0"/>
-            <a:ext cx="16560" cy="6856200"/>
+            <a:ext cx="16200" cy="6855840"/>
           </a:xfrm>
           <a:prstGeom prst="rect">
             <a:avLst/>
@@ -27357,7 +29870,7 @@
         <p:spPr>
           <a:xfrm>
             <a:off x="1828800" y="0"/>
-            <a:ext cx="16560" cy="6856200"/>
+            <a:ext cx="16200" cy="6855840"/>
           </a:xfrm>
           <a:prstGeom prst="rect">
             <a:avLst/>
@@ -27417,7 +29930,7 @@
         <p:spPr>
           <a:xfrm>
             <a:off x="2743200" y="0"/>
-            <a:ext cx="16560" cy="6856200"/>
+            <a:ext cx="16200" cy="6855840"/>
           </a:xfrm>
           <a:prstGeom prst="rect">
             <a:avLst/>
@@ -27477,7 +29990,7 @@
         <p:spPr>
           <a:xfrm>
             <a:off x="3657600" y="0"/>
-            <a:ext cx="16560" cy="6856200"/>
+            <a:ext cx="16200" cy="6855840"/>
           </a:xfrm>
           <a:prstGeom prst="rect">
             <a:avLst/>
@@ -27537,7 +30050,7 @@
         <p:spPr>
           <a:xfrm>
             <a:off x="4572000" y="0"/>
-            <a:ext cx="16560" cy="6856200"/>
+            <a:ext cx="16200" cy="6855840"/>
           </a:xfrm>
           <a:prstGeom prst="rect">
             <a:avLst/>
@@ -27597,7 +30110,7 @@
         <p:spPr>
           <a:xfrm>
             <a:off x="5486400" y="0"/>
-            <a:ext cx="16560" cy="6856200"/>
+            <a:ext cx="16200" cy="6855840"/>
           </a:xfrm>
           <a:prstGeom prst="rect">
             <a:avLst/>
@@ -27657,7 +30170,7 @@
         <p:spPr>
           <a:xfrm>
             <a:off x="6400800" y="0"/>
-            <a:ext cx="16560" cy="6856200"/>
+            <a:ext cx="16200" cy="6855840"/>
           </a:xfrm>
           <a:prstGeom prst="rect">
             <a:avLst/>
@@ -27717,7 +30230,7 @@
         <p:spPr>
           <a:xfrm>
             <a:off x="7315200" y="0"/>
-            <a:ext cx="16560" cy="6856200"/>
+            <a:ext cx="16200" cy="6855840"/>
           </a:xfrm>
           <a:prstGeom prst="rect">
             <a:avLst/>
@@ -27777,7 +30290,7 @@
         <p:spPr>
           <a:xfrm>
             <a:off x="8229600" y="0"/>
-            <a:ext cx="16560" cy="6856200"/>
+            <a:ext cx="16200" cy="6855840"/>
           </a:xfrm>
           <a:prstGeom prst="rect">
             <a:avLst/>
@@ -27837,7 +30350,7 @@
         <p:spPr>
           <a:xfrm>
             <a:off x="9144000" y="0"/>
-            <a:ext cx="16560" cy="6856200"/>
+            <a:ext cx="16200" cy="6855840"/>
           </a:xfrm>
           <a:prstGeom prst="rect">
             <a:avLst/>
@@ -27897,7 +30410,7 @@
         <p:spPr>
           <a:xfrm>
             <a:off x="10058400" y="0"/>
-            <a:ext cx="16560" cy="6856200"/>
+            <a:ext cx="16200" cy="6855840"/>
           </a:xfrm>
           <a:prstGeom prst="rect">
             <a:avLst/>
@@ -27957,7 +30470,7 @@
         <p:spPr>
           <a:xfrm>
             <a:off x="10972800" y="0"/>
-            <a:ext cx="16560" cy="6856200"/>
+            <a:ext cx="16200" cy="6855840"/>
           </a:xfrm>
           <a:prstGeom prst="rect">
             <a:avLst/>
@@ -28017,7 +30530,7 @@
         <p:spPr>
           <a:xfrm>
             <a:off x="11887200" y="0"/>
-            <a:ext cx="16560" cy="6856200"/>
+            <a:ext cx="16200" cy="6855840"/>
           </a:xfrm>
           <a:prstGeom prst="rect">
             <a:avLst/>
@@ -28077,7 +30590,7 @@
         <p:spPr>
           <a:xfrm>
             <a:off x="0" y="0"/>
-            <a:ext cx="318240" cy="6856200"/>
+            <a:ext cx="317880" cy="6855840"/>
           </a:xfrm>
           <a:prstGeom prst="rect">
             <a:avLst/>
@@ -28137,7 +30650,7 @@
         <p:spPr>
           <a:xfrm>
             <a:off x="9875520" y="365760"/>
-            <a:ext cx="2009880" cy="501120"/>
+            <a:ext cx="2009520" cy="500760"/>
           </a:xfrm>
           <a:prstGeom prst="roundRect">
             <a:avLst>
@@ -28265,7 +30778,7 @@
         <p:spPr>
           <a:xfrm>
             <a:off x="591840" y="2194560"/>
-            <a:ext cx="9787680" cy="379080"/>
+            <a:ext cx="9787320" cy="379080"/>
           </a:xfrm>
           <a:prstGeom prst="rect">
             <a:avLst/>
@@ -28319,7 +30832,7 @@
         <p:spPr>
           <a:xfrm>
             <a:off x="987480" y="3182040"/>
-            <a:ext cx="3290040" cy="2741400"/>
+            <a:ext cx="3289680" cy="2741040"/>
           </a:xfrm>
           <a:prstGeom prst="roundRect">
             <a:avLst>
@@ -28381,7 +30894,7 @@
         <p:spPr>
           <a:xfrm>
             <a:off x="914400" y="3108960"/>
-            <a:ext cx="3290040" cy="2741400"/>
+            <a:ext cx="3289680" cy="2741040"/>
           </a:xfrm>
           <a:prstGeom prst="roundRect">
             <a:avLst>
@@ -28527,7 +31040,7 @@
         <p:spPr>
           <a:xfrm>
             <a:off x="4507920" y="3182040"/>
-            <a:ext cx="3290040" cy="2741400"/>
+            <a:ext cx="3289680" cy="2741040"/>
           </a:xfrm>
           <a:prstGeom prst="roundRect">
             <a:avLst>
@@ -28589,7 +31102,7 @@
         <p:spPr>
           <a:xfrm>
             <a:off x="4434840" y="3108960"/>
-            <a:ext cx="3290040" cy="2741400"/>
+            <a:ext cx="3289680" cy="2741040"/>
           </a:xfrm>
           <a:prstGeom prst="roundRect">
             <a:avLst>
@@ -28807,7 +31320,7 @@
         <p:spPr>
           <a:xfrm>
             <a:off x="8028360" y="3182040"/>
-            <a:ext cx="3290040" cy="2741400"/>
+            <a:ext cx="3289680" cy="2741040"/>
           </a:xfrm>
           <a:prstGeom prst="roundRect">
             <a:avLst>
@@ -28869,7 +31382,7 @@
         <p:spPr>
           <a:xfrm>
             <a:off x="7955280" y="3108960"/>
-            <a:ext cx="3290040" cy="2741400"/>
+            <a:ext cx="3289680" cy="2741040"/>
           </a:xfrm>
           <a:prstGeom prst="roundRect">
             <a:avLst>
@@ -29086,7 +31599,7 @@
         <p:spPr>
           <a:xfrm>
             <a:off x="0" y="0"/>
-            <a:ext cx="12187080" cy="6856200"/>
+            <a:ext cx="12186720" cy="6855840"/>
           </a:xfrm>
           <a:prstGeom prst="rect">
             <a:avLst/>
@@ -29146,7 +31659,7 @@
         <p:spPr>
           <a:xfrm>
             <a:off x="0" y="0"/>
-            <a:ext cx="16560" cy="6856200"/>
+            <a:ext cx="16200" cy="6855840"/>
           </a:xfrm>
           <a:prstGeom prst="rect">
             <a:avLst/>
@@ -29206,7 +31719,7 @@
         <p:spPr>
           <a:xfrm>
             <a:off x="914400" y="0"/>
-            <a:ext cx="16560" cy="6856200"/>
+            <a:ext cx="16200" cy="6855840"/>
           </a:xfrm>
           <a:prstGeom prst="rect">
             <a:avLst/>
@@ -29266,7 +31779,7 @@
         <p:spPr>
           <a:xfrm>
             <a:off x="1828800" y="0"/>
-            <a:ext cx="16560" cy="6856200"/>
+            <a:ext cx="16200" cy="6855840"/>
           </a:xfrm>
           <a:prstGeom prst="rect">
             <a:avLst/>
@@ -29326,7 +31839,7 @@
         <p:spPr>
           <a:xfrm>
             <a:off x="2743200" y="0"/>
-            <a:ext cx="16560" cy="6856200"/>
+            <a:ext cx="16200" cy="6855840"/>
           </a:xfrm>
           <a:prstGeom prst="rect">
             <a:avLst/>
@@ -29386,7 +31899,7 @@
         <p:spPr>
           <a:xfrm>
             <a:off x="3657600" y="0"/>
-            <a:ext cx="16560" cy="6856200"/>
+            <a:ext cx="16200" cy="6855840"/>
           </a:xfrm>
           <a:prstGeom prst="rect">
             <a:avLst/>
@@ -29446,7 +31959,7 @@
         <p:spPr>
           <a:xfrm>
             <a:off x="4572000" y="0"/>
-            <a:ext cx="16560" cy="6856200"/>
+            <a:ext cx="16200" cy="6855840"/>
           </a:xfrm>
           <a:prstGeom prst="rect">
             <a:avLst/>
@@ -29506,7 +32019,7 @@
         <p:spPr>
           <a:xfrm>
             <a:off x="5486400" y="0"/>
-            <a:ext cx="16560" cy="6856200"/>
+            <a:ext cx="16200" cy="6855840"/>
           </a:xfrm>
           <a:prstGeom prst="rect">
             <a:avLst/>
@@ -29566,7 +32079,7 @@
         <p:spPr>
           <a:xfrm>
             <a:off x="6400800" y="0"/>
-            <a:ext cx="16560" cy="6856200"/>
+            <a:ext cx="16200" cy="6855840"/>
           </a:xfrm>
           <a:prstGeom prst="rect">
             <a:avLst/>
@@ -29626,7 +32139,7 @@
         <p:spPr>
           <a:xfrm>
             <a:off x="7315200" y="0"/>
-            <a:ext cx="16560" cy="6856200"/>
+            <a:ext cx="16200" cy="6855840"/>
           </a:xfrm>
           <a:prstGeom prst="rect">
             <a:avLst/>
@@ -29686,7 +32199,7 @@
         <p:spPr>
           <a:xfrm>
             <a:off x="8229600" y="0"/>
-            <a:ext cx="16560" cy="6856200"/>
+            <a:ext cx="16200" cy="6855840"/>
           </a:xfrm>
           <a:prstGeom prst="rect">
             <a:avLst/>
@@ -29746,7 +32259,7 @@
         <p:spPr>
           <a:xfrm>
             <a:off x="9144000" y="0"/>
-            <a:ext cx="16560" cy="6856200"/>
+            <a:ext cx="16200" cy="6855840"/>
           </a:xfrm>
           <a:prstGeom prst="rect">
             <a:avLst/>
@@ -29806,7 +32319,7 @@
         <p:spPr>
           <a:xfrm>
             <a:off x="10058400" y="0"/>
-            <a:ext cx="16560" cy="6856200"/>
+            <a:ext cx="16200" cy="6855840"/>
           </a:xfrm>
           <a:prstGeom prst="rect">
             <a:avLst/>
@@ -29866,7 +32379,7 @@
         <p:spPr>
           <a:xfrm>
             <a:off x="10972800" y="0"/>
-            <a:ext cx="16560" cy="6856200"/>
+            <a:ext cx="16200" cy="6855840"/>
           </a:xfrm>
           <a:prstGeom prst="rect">
             <a:avLst/>
@@ -29926,7 +32439,7 @@
         <p:spPr>
           <a:xfrm>
             <a:off x="11887200" y="0"/>
-            <a:ext cx="16560" cy="6856200"/>
+            <a:ext cx="16200" cy="6855840"/>
           </a:xfrm>
           <a:prstGeom prst="rect">
             <a:avLst/>
@@ -29986,7 +32499,7 @@
         <p:spPr>
           <a:xfrm>
             <a:off x="0" y="0"/>
-            <a:ext cx="318240" cy="6856200"/>
+            <a:ext cx="317880" cy="6855840"/>
           </a:xfrm>
           <a:prstGeom prst="rect">
             <a:avLst/>
@@ -30046,7 +32559,7 @@
         <p:spPr>
           <a:xfrm>
             <a:off x="9875520" y="365760"/>
-            <a:ext cx="2009880" cy="501120"/>
+            <a:ext cx="2009520" cy="500760"/>
           </a:xfrm>
           <a:prstGeom prst="roundRect">
             <a:avLst>
@@ -30120,7 +32633,7 @@
         <p:spPr>
           <a:xfrm>
             <a:off x="911880" y="1005840"/>
-            <a:ext cx="9147600" cy="638280"/>
+            <a:ext cx="9147240" cy="638280"/>
           </a:xfrm>
           <a:prstGeom prst="rect">
             <a:avLst/>
@@ -30174,7 +32687,7 @@
         <p:spPr>
           <a:xfrm>
             <a:off x="-310680" y="2194560"/>
-            <a:ext cx="11599560" cy="333000"/>
+            <a:ext cx="11599200" cy="333000"/>
           </a:xfrm>
           <a:prstGeom prst="rect">
             <a:avLst/>
@@ -30238,7 +32751,7 @@
         <p:spPr>
           <a:xfrm>
             <a:off x="987480" y="3182040"/>
-            <a:ext cx="3290040" cy="2741400"/>
+            <a:ext cx="3289680" cy="2741040"/>
           </a:xfrm>
           <a:prstGeom prst="roundRect">
             <a:avLst>
@@ -30300,7 +32813,7 @@
         <p:spPr>
           <a:xfrm>
             <a:off x="914400" y="3108960"/>
-            <a:ext cx="3290040" cy="2741400"/>
+            <a:ext cx="3289680" cy="2741040"/>
           </a:xfrm>
           <a:prstGeom prst="roundRect">
             <a:avLst>
@@ -30446,7 +32959,7 @@
         <p:spPr>
           <a:xfrm>
             <a:off x="4507920" y="3182040"/>
-            <a:ext cx="3290040" cy="2741400"/>
+            <a:ext cx="3289680" cy="2741040"/>
           </a:xfrm>
           <a:prstGeom prst="roundRect">
             <a:avLst>
@@ -30508,7 +33021,7 @@
         <p:spPr>
           <a:xfrm>
             <a:off x="4434840" y="3108960"/>
-            <a:ext cx="3290040" cy="2741400"/>
+            <a:ext cx="3289680" cy="2741040"/>
           </a:xfrm>
           <a:prstGeom prst="roundRect">
             <a:avLst>
@@ -30793,7 +33306,7 @@
         <p:spPr>
           <a:xfrm>
             <a:off x="8028360" y="3182040"/>
-            <a:ext cx="3290040" cy="2741400"/>
+            <a:ext cx="3289680" cy="2741040"/>
           </a:xfrm>
           <a:prstGeom prst="roundRect">
             <a:avLst>
@@ -30855,7 +33368,7 @@
         <p:spPr>
           <a:xfrm>
             <a:off x="7955280" y="3108960"/>
-            <a:ext cx="3290040" cy="2741400"/>
+            <a:ext cx="3289680" cy="2741040"/>
           </a:xfrm>
           <a:prstGeom prst="roundRect">
             <a:avLst>
@@ -31141,7 +33654,7 @@
         <p:spPr>
           <a:xfrm>
             <a:off x="0" y="0"/>
-            <a:ext cx="12187080" cy="6856200"/>
+            <a:ext cx="12186720" cy="6855840"/>
           </a:xfrm>
           <a:prstGeom prst="rect">
             <a:avLst/>
@@ -31201,7 +33714,7 @@
         <p:spPr>
           <a:xfrm>
             <a:off x="0" y="0"/>
-            <a:ext cx="16560" cy="6856200"/>
+            <a:ext cx="16200" cy="6855840"/>
           </a:xfrm>
           <a:prstGeom prst="rect">
             <a:avLst/>
@@ -31261,7 +33774,7 @@
         <p:spPr>
           <a:xfrm>
             <a:off x="914400" y="0"/>
-            <a:ext cx="16560" cy="6856200"/>
+            <a:ext cx="16200" cy="6855840"/>
           </a:xfrm>
           <a:prstGeom prst="rect">
             <a:avLst/>
@@ -31321,7 +33834,7 @@
         <p:spPr>
           <a:xfrm>
             <a:off x="1828800" y="0"/>
-            <a:ext cx="16560" cy="6856200"/>
+            <a:ext cx="16200" cy="6855840"/>
           </a:xfrm>
           <a:prstGeom prst="rect">
             <a:avLst/>
@@ -31381,7 +33894,7 @@
         <p:spPr>
           <a:xfrm>
             <a:off x="2743200" y="0"/>
-            <a:ext cx="16560" cy="6856200"/>
+            <a:ext cx="16200" cy="6855840"/>
           </a:xfrm>
           <a:prstGeom prst="rect">
             <a:avLst/>
@@ -31441,7 +33954,7 @@
         <p:spPr>
           <a:xfrm>
             <a:off x="3657600" y="0"/>
-            <a:ext cx="16560" cy="6856200"/>
+            <a:ext cx="16200" cy="6855840"/>
           </a:xfrm>
           <a:prstGeom prst="rect">
             <a:avLst/>
@@ -31501,7 +34014,7 @@
         <p:spPr>
           <a:xfrm>
             <a:off x="4572000" y="0"/>
-            <a:ext cx="16560" cy="6856200"/>
+            <a:ext cx="16200" cy="6855840"/>
           </a:xfrm>
           <a:prstGeom prst="rect">
             <a:avLst/>
@@ -31561,7 +34074,7 @@
         <p:spPr>
           <a:xfrm>
             <a:off x="5486400" y="0"/>
-            <a:ext cx="16560" cy="6856200"/>
+            <a:ext cx="16200" cy="6855840"/>
           </a:xfrm>
           <a:prstGeom prst="rect">
             <a:avLst/>
@@ -31621,7 +34134,7 @@
         <p:spPr>
           <a:xfrm>
             <a:off x="6400800" y="0"/>
-            <a:ext cx="16560" cy="6856200"/>
+            <a:ext cx="16200" cy="6855840"/>
           </a:xfrm>
           <a:prstGeom prst="rect">
             <a:avLst/>
@@ -31681,7 +34194,7 @@
         <p:spPr>
           <a:xfrm>
             <a:off x="7315200" y="0"/>
-            <a:ext cx="16560" cy="6856200"/>
+            <a:ext cx="16200" cy="6855840"/>
           </a:xfrm>
           <a:prstGeom prst="rect">
             <a:avLst/>
@@ -31741,7 +34254,7 @@
         <p:spPr>
           <a:xfrm>
             <a:off x="8229600" y="0"/>
-            <a:ext cx="16560" cy="6856200"/>
+            <a:ext cx="16200" cy="6855840"/>
           </a:xfrm>
           <a:prstGeom prst="rect">
             <a:avLst/>
@@ -31801,7 +34314,7 @@
         <p:spPr>
           <a:xfrm>
             <a:off x="9144000" y="0"/>
-            <a:ext cx="16560" cy="6856200"/>
+            <a:ext cx="16200" cy="6855840"/>
           </a:xfrm>
           <a:prstGeom prst="rect">
             <a:avLst/>
@@ -31861,7 +34374,7 @@
         <p:spPr>
           <a:xfrm>
             <a:off x="10058400" y="0"/>
-            <a:ext cx="16560" cy="6856200"/>
+            <a:ext cx="16200" cy="6855840"/>
           </a:xfrm>
           <a:prstGeom prst="rect">
             <a:avLst/>
@@ -31921,7 +34434,7 @@
         <p:spPr>
           <a:xfrm>
             <a:off x="10972800" y="0"/>
-            <a:ext cx="16560" cy="6856200"/>
+            <a:ext cx="16200" cy="6855840"/>
           </a:xfrm>
           <a:prstGeom prst="rect">
             <a:avLst/>
@@ -31981,7 +34494,7 @@
         <p:spPr>
           <a:xfrm>
             <a:off x="11887200" y="0"/>
-            <a:ext cx="16560" cy="6856200"/>
+            <a:ext cx="16200" cy="6855840"/>
           </a:xfrm>
           <a:prstGeom prst="rect">
             <a:avLst/>
@@ -32041,7 +34554,7 @@
         <p:spPr>
           <a:xfrm>
             <a:off x="0" y="0"/>
-            <a:ext cx="318240" cy="6856200"/>
+            <a:ext cx="317880" cy="6855840"/>
           </a:xfrm>
           <a:prstGeom prst="rect">
             <a:avLst/>
@@ -32101,7 +34614,7 @@
         <p:spPr>
           <a:xfrm>
             <a:off x="9875520" y="365760"/>
-            <a:ext cx="2009880" cy="501120"/>
+            <a:ext cx="2009520" cy="500760"/>
           </a:xfrm>
           <a:prstGeom prst="roundRect">
             <a:avLst>
@@ -32175,7 +34688,7 @@
         <p:spPr>
           <a:xfrm>
             <a:off x="1666800" y="1005840"/>
-            <a:ext cx="7637760" cy="638280"/>
+            <a:ext cx="7637400" cy="638280"/>
           </a:xfrm>
           <a:prstGeom prst="rect">
             <a:avLst/>
@@ -32229,7 +34742,7 @@
         <p:spPr>
           <a:xfrm>
             <a:off x="4382280" y="2194560"/>
-            <a:ext cx="2213640" cy="333000"/>
+            <a:ext cx="2213280" cy="333000"/>
           </a:xfrm>
           <a:prstGeom prst="rect">
             <a:avLst/>
@@ -32283,7 +34796,7 @@
         <p:spPr>
           <a:xfrm>
             <a:off x="987480" y="3182040"/>
-            <a:ext cx="3290040" cy="2741400"/>
+            <a:ext cx="3289680" cy="2741040"/>
           </a:xfrm>
           <a:prstGeom prst="roundRect">
             <a:avLst>
@@ -32345,7 +34858,7 @@
         <p:spPr>
           <a:xfrm>
             <a:off x="914400" y="3108960"/>
-            <a:ext cx="3290040" cy="2741400"/>
+            <a:ext cx="3289680" cy="2741040"/>
           </a:xfrm>
           <a:prstGeom prst="roundRect">
             <a:avLst>
@@ -32588,7 +35101,7 @@
         <p:spPr>
           <a:xfrm>
             <a:off x="4507920" y="3182040"/>
-            <a:ext cx="3290040" cy="2741400"/>
+            <a:ext cx="3289680" cy="2741040"/>
           </a:xfrm>
           <a:prstGeom prst="roundRect">
             <a:avLst>
@@ -32650,7 +35163,7 @@
         <p:spPr>
           <a:xfrm>
             <a:off x="4434840" y="3108960"/>
-            <a:ext cx="3290040" cy="2741400"/>
+            <a:ext cx="3289680" cy="2741040"/>
           </a:xfrm>
           <a:prstGeom prst="roundRect">
             <a:avLst>
@@ -32954,7 +35467,7 @@
         <p:spPr>
           <a:xfrm>
             <a:off x="8028360" y="3182040"/>
-            <a:ext cx="3290040" cy="2741400"/>
+            <a:ext cx="3289680" cy="2741040"/>
           </a:xfrm>
           <a:prstGeom prst="roundRect">
             <a:avLst>
@@ -33016,7 +35529,7 @@
         <p:spPr>
           <a:xfrm>
             <a:off x="7955280" y="3108960"/>
-            <a:ext cx="3290040" cy="2741400"/>
+            <a:ext cx="3289680" cy="2741040"/>
           </a:xfrm>
           <a:prstGeom prst="roundRect">
             <a:avLst>
@@ -33309,7 +35822,7 @@
         <p:spPr>
           <a:xfrm>
             <a:off x="0" y="0"/>
-            <a:ext cx="12187080" cy="6856200"/>
+            <a:ext cx="12186720" cy="6855840"/>
           </a:xfrm>
           <a:prstGeom prst="rect">
             <a:avLst/>
@@ -33369,7 +35882,7 @@
         <p:spPr>
           <a:xfrm>
             <a:off x="0" y="0"/>
-            <a:ext cx="16560" cy="6856200"/>
+            <a:ext cx="16200" cy="6855840"/>
           </a:xfrm>
           <a:prstGeom prst="rect">
             <a:avLst/>
@@ -33429,7 +35942,7 @@
         <p:spPr>
           <a:xfrm>
             <a:off x="914400" y="0"/>
-            <a:ext cx="16560" cy="6856200"/>
+            <a:ext cx="16200" cy="6855840"/>
           </a:xfrm>
           <a:prstGeom prst="rect">
             <a:avLst/>
@@ -33489,7 +36002,7 @@
         <p:spPr>
           <a:xfrm>
             <a:off x="1828800" y="0"/>
-            <a:ext cx="16560" cy="6856200"/>
+            <a:ext cx="16200" cy="6855840"/>
           </a:xfrm>
           <a:prstGeom prst="rect">
             <a:avLst/>
@@ -33549,7 +36062,7 @@
         <p:spPr>
           <a:xfrm>
             <a:off x="2743200" y="0"/>
-            <a:ext cx="16560" cy="6856200"/>
+            <a:ext cx="16200" cy="6855840"/>
           </a:xfrm>
           <a:prstGeom prst="rect">
             <a:avLst/>
@@ -33609,7 +36122,7 @@
         <p:spPr>
           <a:xfrm>
             <a:off x="3657600" y="0"/>
-            <a:ext cx="16560" cy="6856200"/>
+            <a:ext cx="16200" cy="6855840"/>
           </a:xfrm>
           <a:prstGeom prst="rect">
             <a:avLst/>
@@ -33669,7 +36182,7 @@
         <p:spPr>
           <a:xfrm>
             <a:off x="4572000" y="0"/>
-            <a:ext cx="16560" cy="6856200"/>
+            <a:ext cx="16200" cy="6855840"/>
           </a:xfrm>
           <a:prstGeom prst="rect">
             <a:avLst/>
@@ -33729,7 +36242,7 @@
         <p:spPr>
           <a:xfrm>
             <a:off x="5486400" y="0"/>
-            <a:ext cx="16560" cy="6856200"/>
+            <a:ext cx="16200" cy="6855840"/>
           </a:xfrm>
           <a:prstGeom prst="rect">
             <a:avLst/>
@@ -33789,7 +36302,7 @@
         <p:spPr>
           <a:xfrm>
             <a:off x="6400800" y="0"/>
-            <a:ext cx="16560" cy="6856200"/>
+            <a:ext cx="16200" cy="6855840"/>
           </a:xfrm>
           <a:prstGeom prst="rect">
             <a:avLst/>
@@ -33849,7 +36362,7 @@
         <p:spPr>
           <a:xfrm>
             <a:off x="7315200" y="0"/>
-            <a:ext cx="16560" cy="6856200"/>
+            <a:ext cx="16200" cy="6855840"/>
           </a:xfrm>
           <a:prstGeom prst="rect">
             <a:avLst/>
@@ -33909,7 +36422,7 @@
         <p:spPr>
           <a:xfrm>
             <a:off x="8229600" y="0"/>
-            <a:ext cx="16560" cy="6856200"/>
+            <a:ext cx="16200" cy="6855840"/>
           </a:xfrm>
           <a:prstGeom prst="rect">
             <a:avLst/>
@@ -33969,7 +36482,7 @@
         <p:spPr>
           <a:xfrm>
             <a:off x="9144000" y="0"/>
-            <a:ext cx="16560" cy="6856200"/>
+            <a:ext cx="16200" cy="6855840"/>
           </a:xfrm>
           <a:prstGeom prst="rect">
             <a:avLst/>
@@ -34029,7 +36542,7 @@
         <p:spPr>
           <a:xfrm>
             <a:off x="10058400" y="0"/>
-            <a:ext cx="16560" cy="6856200"/>
+            <a:ext cx="16200" cy="6855840"/>
           </a:xfrm>
           <a:prstGeom prst="rect">
             <a:avLst/>
@@ -34089,7 +36602,7 @@
         <p:spPr>
           <a:xfrm>
             <a:off x="10972800" y="0"/>
-            <a:ext cx="16560" cy="6856200"/>
+            <a:ext cx="16200" cy="6855840"/>
           </a:xfrm>
           <a:prstGeom prst="rect">
             <a:avLst/>
@@ -34149,7 +36662,7 @@
         <p:spPr>
           <a:xfrm>
             <a:off x="11887200" y="0"/>
-            <a:ext cx="16560" cy="6856200"/>
+            <a:ext cx="16200" cy="6855840"/>
           </a:xfrm>
           <a:prstGeom prst="rect">
             <a:avLst/>
@@ -34209,7 +36722,7 @@
         <p:spPr>
           <a:xfrm>
             <a:off x="0" y="0"/>
-            <a:ext cx="318240" cy="6856200"/>
+            <a:ext cx="317880" cy="6855840"/>
           </a:xfrm>
           <a:prstGeom prst="rect">
             <a:avLst/>
@@ -34269,7 +36782,7 @@
         <p:spPr>
           <a:xfrm>
             <a:off x="9875520" y="365760"/>
-            <a:ext cx="2009880" cy="501120"/>
+            <a:ext cx="2009520" cy="500760"/>
           </a:xfrm>
           <a:prstGeom prst="roundRect">
             <a:avLst>
@@ -34343,7 +36856,7 @@
         <p:spPr>
           <a:xfrm>
             <a:off x="2216880" y="1005840"/>
-            <a:ext cx="6537240" cy="638280"/>
+            <a:ext cx="6536880" cy="638280"/>
           </a:xfrm>
           <a:prstGeom prst="rect">
             <a:avLst/>
@@ -34461,7 +36974,7 @@
         <p:spPr>
           <a:xfrm>
             <a:off x="987480" y="3182040"/>
-            <a:ext cx="3290040" cy="2741400"/>
+            <a:ext cx="3289680" cy="2741040"/>
           </a:xfrm>
           <a:prstGeom prst="roundRect">
             <a:avLst>
@@ -34523,7 +37036,7 @@
         <p:spPr>
           <a:xfrm>
             <a:off x="914400" y="3108960"/>
-            <a:ext cx="3290040" cy="2741400"/>
+            <a:ext cx="3289680" cy="2741040"/>
           </a:xfrm>
           <a:prstGeom prst="roundRect">
             <a:avLst>
@@ -34786,7 +37299,7 @@
         <p:spPr>
           <a:xfrm>
             <a:off x="4507920" y="3182040"/>
-            <a:ext cx="3290040" cy="2741400"/>
+            <a:ext cx="3289680" cy="2741040"/>
           </a:xfrm>
           <a:prstGeom prst="roundRect">
             <a:avLst>
@@ -34848,7 +37361,7 @@
         <p:spPr>
           <a:xfrm>
             <a:off x="4434840" y="3108960"/>
-            <a:ext cx="3290040" cy="2741400"/>
+            <a:ext cx="3289680" cy="2741040"/>
           </a:xfrm>
           <a:prstGeom prst="roundRect">
             <a:avLst>
@@ -35152,7 +37665,7 @@
         <p:spPr>
           <a:xfrm>
             <a:off x="8028360" y="3182040"/>
-            <a:ext cx="3290040" cy="2741400"/>
+            <a:ext cx="3289680" cy="2741040"/>
           </a:xfrm>
           <a:prstGeom prst="roundRect">
             <a:avLst>
@@ -35214,7 +37727,7 @@
         <p:spPr>
           <a:xfrm>
             <a:off x="7955280" y="3108960"/>
-            <a:ext cx="3290040" cy="2741400"/>
+            <a:ext cx="3289680" cy="2741040"/>
           </a:xfrm>
           <a:prstGeom prst="roundRect">
             <a:avLst>
@@ -35605,7 +38118,7 @@
         <p:spPr>
           <a:xfrm>
             <a:off x="0" y="0"/>
-            <a:ext cx="12187080" cy="6856200"/>
+            <a:ext cx="12186720" cy="6855840"/>
           </a:xfrm>
           <a:prstGeom prst="rect">
             <a:avLst/>
@@ -35641,6 +38154,11 @@
             <a:noAutofit/>
           </a:bodyPr>
           <a:p>
+            <a:pPr>
+              <a:lnSpc>
+                <a:spcPct val="100000"/>
+              </a:lnSpc>
+            </a:pPr>
             <a:endParaRPr b="0" lang="en-US" sz="1800" spc="-1" strike="noStrike">
               <a:solidFill>
                 <a:schemeClr val="lt1"/>
@@ -35660,7 +38178,7 @@
         <p:spPr>
           <a:xfrm>
             <a:off x="0" y="0"/>
-            <a:ext cx="16560" cy="6856200"/>
+            <a:ext cx="16200" cy="6855840"/>
           </a:xfrm>
           <a:prstGeom prst="rect">
             <a:avLst/>
@@ -35696,6 +38214,11 @@
             <a:noAutofit/>
           </a:bodyPr>
           <a:p>
+            <a:pPr>
+              <a:lnSpc>
+                <a:spcPct val="100000"/>
+              </a:lnSpc>
+            </a:pPr>
             <a:endParaRPr b="0" lang="en-US" sz="1800" spc="-1" strike="noStrike">
               <a:solidFill>
                 <a:schemeClr val="lt1"/>
@@ -35715,7 +38238,7 @@
         <p:spPr>
           <a:xfrm>
             <a:off x="914400" y="0"/>
-            <a:ext cx="16560" cy="6856200"/>
+            <a:ext cx="16200" cy="6855840"/>
           </a:xfrm>
           <a:prstGeom prst="rect">
             <a:avLst/>
@@ -35751,6 +38274,11 @@
             <a:noAutofit/>
           </a:bodyPr>
           <a:p>
+            <a:pPr>
+              <a:lnSpc>
+                <a:spcPct val="100000"/>
+              </a:lnSpc>
+            </a:pPr>
             <a:endParaRPr b="0" lang="en-US" sz="1800" spc="-1" strike="noStrike">
               <a:solidFill>
                 <a:schemeClr val="lt1"/>
@@ -35770,7 +38298,7 @@
         <p:spPr>
           <a:xfrm>
             <a:off x="1828800" y="0"/>
-            <a:ext cx="16560" cy="6856200"/>
+            <a:ext cx="16200" cy="6855840"/>
           </a:xfrm>
           <a:prstGeom prst="rect">
             <a:avLst/>
@@ -35806,6 +38334,11 @@
             <a:noAutofit/>
           </a:bodyPr>
           <a:p>
+            <a:pPr>
+              <a:lnSpc>
+                <a:spcPct val="100000"/>
+              </a:lnSpc>
+            </a:pPr>
             <a:endParaRPr b="0" lang="en-US" sz="1800" spc="-1" strike="noStrike">
               <a:solidFill>
                 <a:schemeClr val="lt1"/>
@@ -35825,7 +38358,7 @@
         <p:spPr>
           <a:xfrm>
             <a:off x="2743200" y="0"/>
-            <a:ext cx="16560" cy="6856200"/>
+            <a:ext cx="16200" cy="6855840"/>
           </a:xfrm>
           <a:prstGeom prst="rect">
             <a:avLst/>
@@ -35861,6 +38394,11 @@
             <a:noAutofit/>
           </a:bodyPr>
           <a:p>
+            <a:pPr>
+              <a:lnSpc>
+                <a:spcPct val="100000"/>
+              </a:lnSpc>
+            </a:pPr>
             <a:endParaRPr b="0" lang="en-US" sz="1800" spc="-1" strike="noStrike">
               <a:solidFill>
                 <a:schemeClr val="lt1"/>
@@ -35880,7 +38418,7 @@
         <p:spPr>
           <a:xfrm>
             <a:off x="3657600" y="0"/>
-            <a:ext cx="16560" cy="6856200"/>
+            <a:ext cx="16200" cy="6855840"/>
           </a:xfrm>
           <a:prstGeom prst="rect">
             <a:avLst/>
@@ -35916,6 +38454,11 @@
             <a:noAutofit/>
           </a:bodyPr>
           <a:p>
+            <a:pPr>
+              <a:lnSpc>
+                <a:spcPct val="100000"/>
+              </a:lnSpc>
+            </a:pPr>
             <a:endParaRPr b="0" lang="en-US" sz="1800" spc="-1" strike="noStrike">
               <a:solidFill>
                 <a:schemeClr val="lt1"/>
@@ -35935,7 +38478,7 @@
         <p:spPr>
           <a:xfrm>
             <a:off x="4572000" y="0"/>
-            <a:ext cx="16560" cy="6856200"/>
+            <a:ext cx="16200" cy="6855840"/>
           </a:xfrm>
           <a:prstGeom prst="rect">
             <a:avLst/>
@@ -35971,6 +38514,11 @@
             <a:noAutofit/>
           </a:bodyPr>
           <a:p>
+            <a:pPr>
+              <a:lnSpc>
+                <a:spcPct val="100000"/>
+              </a:lnSpc>
+            </a:pPr>
             <a:endParaRPr b="0" lang="en-US" sz="1800" spc="-1" strike="noStrike">
               <a:solidFill>
                 <a:schemeClr val="lt1"/>
@@ -35990,7 +38538,7 @@
         <p:spPr>
           <a:xfrm>
             <a:off x="5486400" y="0"/>
-            <a:ext cx="16560" cy="6856200"/>
+            <a:ext cx="16200" cy="6855840"/>
           </a:xfrm>
           <a:prstGeom prst="rect">
             <a:avLst/>
@@ -36026,6 +38574,11 @@
             <a:noAutofit/>
           </a:bodyPr>
           <a:p>
+            <a:pPr>
+              <a:lnSpc>
+                <a:spcPct val="100000"/>
+              </a:lnSpc>
+            </a:pPr>
             <a:endParaRPr b="0" lang="en-US" sz="1800" spc="-1" strike="noStrike">
               <a:solidFill>
                 <a:schemeClr val="lt1"/>
@@ -36045,7 +38598,7 @@
         <p:spPr>
           <a:xfrm>
             <a:off x="6400800" y="0"/>
-            <a:ext cx="16560" cy="6856200"/>
+            <a:ext cx="16200" cy="6855840"/>
           </a:xfrm>
           <a:prstGeom prst="rect">
             <a:avLst/>
@@ -36081,6 +38634,11 @@
             <a:noAutofit/>
           </a:bodyPr>
           <a:p>
+            <a:pPr>
+              <a:lnSpc>
+                <a:spcPct val="100000"/>
+              </a:lnSpc>
+            </a:pPr>
             <a:endParaRPr b="0" lang="en-US" sz="1800" spc="-1" strike="noStrike">
               <a:solidFill>
                 <a:schemeClr val="lt1"/>
@@ -36100,7 +38658,7 @@
         <p:spPr>
           <a:xfrm>
             <a:off x="7315200" y="0"/>
-            <a:ext cx="16560" cy="6856200"/>
+            <a:ext cx="16200" cy="6855840"/>
           </a:xfrm>
           <a:prstGeom prst="rect">
             <a:avLst/>
@@ -36136,6 +38694,11 @@
             <a:noAutofit/>
           </a:bodyPr>
           <a:p>
+            <a:pPr>
+              <a:lnSpc>
+                <a:spcPct val="100000"/>
+              </a:lnSpc>
+            </a:pPr>
             <a:endParaRPr b="0" lang="en-US" sz="1800" spc="-1" strike="noStrike">
               <a:solidFill>
                 <a:schemeClr val="lt1"/>
@@ -36155,7 +38718,7 @@
         <p:spPr>
           <a:xfrm>
             <a:off x="8229600" y="0"/>
-            <a:ext cx="16560" cy="6856200"/>
+            <a:ext cx="16200" cy="6855840"/>
           </a:xfrm>
           <a:prstGeom prst="rect">
             <a:avLst/>
@@ -36191,6 +38754,11 @@
             <a:noAutofit/>
           </a:bodyPr>
           <a:p>
+            <a:pPr>
+              <a:lnSpc>
+                <a:spcPct val="100000"/>
+              </a:lnSpc>
+            </a:pPr>
             <a:endParaRPr b="0" lang="en-US" sz="1800" spc="-1" strike="noStrike">
               <a:solidFill>
                 <a:schemeClr val="lt1"/>
@@ -36210,7 +38778,7 @@
         <p:spPr>
           <a:xfrm>
             <a:off x="9144000" y="0"/>
-            <a:ext cx="16560" cy="6856200"/>
+            <a:ext cx="16200" cy="6855840"/>
           </a:xfrm>
           <a:prstGeom prst="rect">
             <a:avLst/>
@@ -36246,6 +38814,11 @@
             <a:noAutofit/>
           </a:bodyPr>
           <a:p>
+            <a:pPr>
+              <a:lnSpc>
+                <a:spcPct val="100000"/>
+              </a:lnSpc>
+            </a:pPr>
             <a:endParaRPr b="0" lang="en-US" sz="1800" spc="-1" strike="noStrike">
               <a:solidFill>
                 <a:schemeClr val="lt1"/>
@@ -36265,7 +38838,7 @@
         <p:spPr>
           <a:xfrm>
             <a:off x="10058400" y="0"/>
-            <a:ext cx="16560" cy="6856200"/>
+            <a:ext cx="16200" cy="6855840"/>
           </a:xfrm>
           <a:prstGeom prst="rect">
             <a:avLst/>
@@ -36301,6 +38874,11 @@
             <a:noAutofit/>
           </a:bodyPr>
           <a:p>
+            <a:pPr>
+              <a:lnSpc>
+                <a:spcPct val="100000"/>
+              </a:lnSpc>
+            </a:pPr>
             <a:endParaRPr b="0" lang="en-US" sz="1800" spc="-1" strike="noStrike">
               <a:solidFill>
                 <a:schemeClr val="lt1"/>
@@ -36320,7 +38898,7 @@
         <p:spPr>
           <a:xfrm>
             <a:off x="10972800" y="0"/>
-            <a:ext cx="16560" cy="6856200"/>
+            <a:ext cx="16200" cy="6855840"/>
           </a:xfrm>
           <a:prstGeom prst="rect">
             <a:avLst/>
@@ -36356,6 +38934,11 @@
             <a:noAutofit/>
           </a:bodyPr>
           <a:p>
+            <a:pPr>
+              <a:lnSpc>
+                <a:spcPct val="100000"/>
+              </a:lnSpc>
+            </a:pPr>
             <a:endParaRPr b="0" lang="en-US" sz="1800" spc="-1" strike="noStrike">
               <a:solidFill>
                 <a:schemeClr val="lt1"/>
@@ -36375,7 +38958,7 @@
         <p:spPr>
           <a:xfrm>
             <a:off x="11887200" y="0"/>
-            <a:ext cx="16560" cy="6856200"/>
+            <a:ext cx="16200" cy="6855840"/>
           </a:xfrm>
           <a:prstGeom prst="rect">
             <a:avLst/>
@@ -36411,6 +38994,11 @@
             <a:noAutofit/>
           </a:bodyPr>
           <a:p>
+            <a:pPr>
+              <a:lnSpc>
+                <a:spcPct val="100000"/>
+              </a:lnSpc>
+            </a:pPr>
             <a:endParaRPr b="0" lang="en-US" sz="1800" spc="-1" strike="noStrike">
               <a:solidFill>
                 <a:schemeClr val="lt1"/>
@@ -36430,7 +39018,7 @@
         <p:spPr>
           <a:xfrm>
             <a:off x="0" y="0"/>
-            <a:ext cx="318240" cy="6856200"/>
+            <a:ext cx="317880" cy="6855840"/>
           </a:xfrm>
           <a:prstGeom prst="rect">
             <a:avLst/>
@@ -36466,6 +39054,11 @@
             <a:noAutofit/>
           </a:bodyPr>
           <a:p>
+            <a:pPr>
+              <a:lnSpc>
+                <a:spcPct val="100000"/>
+              </a:lnSpc>
+            </a:pPr>
             <a:endParaRPr b="0" lang="en-US" sz="1800" spc="-1" strike="noStrike">
               <a:solidFill>
                 <a:schemeClr val="lt1"/>
@@ -36485,7 +39078,7 @@
         <p:spPr>
           <a:xfrm>
             <a:off x="9875520" y="365760"/>
-            <a:ext cx="2009880" cy="501120"/>
+            <a:ext cx="2009520" cy="500760"/>
           </a:xfrm>
           <a:prstGeom prst="roundRect">
             <a:avLst>
@@ -36559,7 +39152,7 @@
         <p:spPr>
           <a:xfrm>
             <a:off x="2915280" y="1005840"/>
-            <a:ext cx="5140080" cy="638280"/>
+            <a:ext cx="5139720" cy="638280"/>
           </a:xfrm>
           <a:prstGeom prst="rect">
             <a:avLst/>
@@ -36613,7 +39206,7 @@
         <p:spPr>
           <a:xfrm>
             <a:off x="907200" y="2194560"/>
-            <a:ext cx="9171000" cy="317880"/>
+            <a:ext cx="9170640" cy="317880"/>
           </a:xfrm>
           <a:prstGeom prst="rect">
             <a:avLst/>
@@ -36667,7 +39260,7 @@
         <p:spPr>
           <a:xfrm>
             <a:off x="987480" y="3182040"/>
-            <a:ext cx="3290040" cy="2741400"/>
+            <a:ext cx="3289680" cy="2741040"/>
           </a:xfrm>
           <a:prstGeom prst="roundRect">
             <a:avLst>
@@ -36705,6 +39298,11 @@
             <a:noAutofit/>
           </a:bodyPr>
           <a:p>
+            <a:pPr>
+              <a:lnSpc>
+                <a:spcPct val="100000"/>
+              </a:lnSpc>
+            </a:pPr>
             <a:endParaRPr b="0" lang="en-US" sz="1800" spc="-1" strike="noStrike">
               <a:solidFill>
                 <a:schemeClr val="lt1"/>
@@ -36724,7 +39322,7 @@
         <p:spPr>
           <a:xfrm>
             <a:off x="914400" y="3108960"/>
-            <a:ext cx="3290040" cy="2741400"/>
+            <a:ext cx="3289680" cy="2741040"/>
           </a:xfrm>
           <a:prstGeom prst="roundRect">
             <a:avLst>
@@ -37012,7 +39610,7 @@
         <p:spPr>
           <a:xfrm>
             <a:off x="4507920" y="3182040"/>
-            <a:ext cx="3290040" cy="2741400"/>
+            <a:ext cx="3289680" cy="2741040"/>
           </a:xfrm>
           <a:prstGeom prst="roundRect">
             <a:avLst>
@@ -37050,6 +39648,11 @@
             <a:noAutofit/>
           </a:bodyPr>
           <a:p>
+            <a:pPr>
+              <a:lnSpc>
+                <a:spcPct val="100000"/>
+              </a:lnSpc>
+            </a:pPr>
             <a:endParaRPr b="0" lang="en-US" sz="1800" spc="-1" strike="noStrike">
               <a:solidFill>
                 <a:schemeClr val="lt1"/>
@@ -37069,7 +39672,7 @@
         <p:spPr>
           <a:xfrm>
             <a:off x="4434840" y="3108960"/>
-            <a:ext cx="3290040" cy="2741400"/>
+            <a:ext cx="3289680" cy="2741040"/>
           </a:xfrm>
           <a:prstGeom prst="roundRect">
             <a:avLst>
@@ -37373,7 +39976,7 @@
         <p:spPr>
           <a:xfrm>
             <a:off x="8028360" y="3182040"/>
-            <a:ext cx="3290040" cy="2741400"/>
+            <a:ext cx="3289680" cy="2741040"/>
           </a:xfrm>
           <a:prstGeom prst="roundRect">
             <a:avLst>
@@ -37411,6 +40014,11 @@
             <a:noAutofit/>
           </a:bodyPr>
           <a:p>
+            <a:pPr>
+              <a:lnSpc>
+                <a:spcPct val="100000"/>
+              </a:lnSpc>
+            </a:pPr>
             <a:endParaRPr b="0" lang="en-US" sz="1800" spc="-1" strike="noStrike">
               <a:solidFill>
                 <a:schemeClr val="lt1"/>
@@ -37430,7 +40038,7 @@
         <p:spPr>
           <a:xfrm>
             <a:off x="7955280" y="3108960"/>
-            <a:ext cx="3290040" cy="2741400"/>
+            <a:ext cx="3289680" cy="2741040"/>
           </a:xfrm>
           <a:prstGeom prst="roundRect">
             <a:avLst>

--- a/Java/Java #2/EN/Java #2.pptx
+++ b/Java/Java #2/EN/Java #2.pptx
@@ -22,6 +22,7 @@
     <p:sldId id="265" r:id="rId17"/>
     <p:sldId id="266" r:id="rId18"/>
     <p:sldId id="267" r:id="rId19"/>
+    <p:sldId id="268" r:id="rId20"/>
   </p:sldIdLst>
   <p:sldSz cx="9144000" cy="6858000"/>
   <p:notesSz cx="7772400" cy="10058400"/>
@@ -79,7 +80,7 @@
         <p:txBody>
           <a:bodyPr/>
           <a:p>
-            <a:fld id="{BDA4650B-33B5-4B8C-B1C9-35422D49A8EC}" type="slidenum">
+            <a:fld id="{81F63705-DADA-48FC-86BF-1A4D56482253}" type="slidenum">
               <a:t>&lt;#&gt;</a:t>
             </a:fld>
           </a:p>
@@ -288,7 +289,7 @@
         <p:txBody>
           <a:bodyPr/>
           <a:p>
-            <a:fld id="{C293041A-56F4-4E6A-9938-9920A9FC63A9}" type="slidenum">
+            <a:fld id="{E25376DE-F80A-4548-947F-585DA1D601A9}" type="slidenum">
               <a:t>&lt;#&gt;</a:t>
             </a:fld>
           </a:p>
@@ -583,7 +584,7 @@
         <p:txBody>
           <a:bodyPr/>
           <a:p>
-            <a:fld id="{3E29F9D9-399A-4541-A826-AAEE4EF45722}" type="slidenum">
+            <a:fld id="{3258EEA3-0984-4E61-B48B-EFDDAC0CD592}" type="slidenum">
               <a:t>&lt;#&gt;</a:t>
             </a:fld>
           </a:p>
@@ -964,7 +965,7 @@
         <p:txBody>
           <a:bodyPr/>
           <a:p>
-            <a:fld id="{23AB32D7-86E0-417B-8ECD-86524B2BA942}" type="slidenum">
+            <a:fld id="{14B7C24B-B711-45EF-AECF-1EF0CBFAAF3A}" type="slidenum">
               <a:t>&lt;#&gt;</a:t>
             </a:fld>
           </a:p>
@@ -1047,7 +1048,7 @@
         <p:txBody>
           <a:bodyPr/>
           <a:p>
-            <a:fld id="{5EBEDE45-D186-4A65-9594-7ACCB7032AA6}" type="slidenum">
+            <a:fld id="{D5D69A18-C7CD-4E5A-9D21-A37038AB698E}" type="slidenum">
               <a:t>&lt;#&gt;</a:t>
             </a:fld>
           </a:p>
@@ -1210,7 +1211,7 @@
         <p:txBody>
           <a:bodyPr/>
           <a:p>
-            <a:fld id="{AF604137-CE1D-46F6-9D96-EAC159FF9E4A}" type="slidenum">
+            <a:fld id="{05BD6E2E-9D7A-405B-A2D5-6F4AE7776E1E}" type="slidenum">
               <a:t>&lt;#&gt;</a:t>
             </a:fld>
           </a:p>
@@ -1376,7 +1377,7 @@
         <p:txBody>
           <a:bodyPr/>
           <a:p>
-            <a:fld id="{2F802DA9-DF72-4D4E-A1EF-FFE7A7E1BBA8}" type="slidenum">
+            <a:fld id="{D6A62B5C-B19D-434B-B2B4-93F7EFE68E52}" type="slidenum">
               <a:t>&lt;#&gt;</a:t>
             </a:fld>
           </a:p>
@@ -1585,7 +1586,7 @@
         <p:txBody>
           <a:bodyPr/>
           <a:p>
-            <a:fld id="{D0A7A098-1275-42B2-9952-A9784EABB76D}" type="slidenum">
+            <a:fld id="{50BC8F04-0D3F-4693-896D-1454FD07D414}" type="slidenum">
               <a:t>&lt;#&gt;</a:t>
             </a:fld>
           </a:p>
@@ -1708,7 +1709,7 @@
         <p:txBody>
           <a:bodyPr/>
           <a:p>
-            <a:fld id="{B4319E76-9B13-478B-976E-E3663DCB25E8}" type="slidenum">
+            <a:fld id="{CA64C3A6-1571-4363-8EAE-8791DD384B0C}" type="slidenum">
               <a:t>&lt;#&gt;</a:t>
             </a:fld>
           </a:p>
@@ -1829,7 +1830,7 @@
         <p:txBody>
           <a:bodyPr/>
           <a:p>
-            <a:fld id="{518D80E8-3D3D-4BAE-9305-3AD3E74ADA1F}" type="slidenum">
+            <a:fld id="{BC78FBD4-0EB5-4796-805C-A14D26E1CF09}" type="slidenum">
               <a:t>&lt;#&gt;</a:t>
             </a:fld>
           </a:p>
@@ -2081,7 +2082,7 @@
         <p:txBody>
           <a:bodyPr/>
           <a:p>
-            <a:fld id="{5D42D7F3-D071-4122-B57A-47E5B88EA757}" type="slidenum">
+            <a:fld id="{33F21909-50E7-4473-80EB-001AE24B1825}" type="slidenum">
               <a:t>&lt;#&gt;</a:t>
             </a:fld>
           </a:p>
@@ -2244,7 +2245,7 @@
         <p:txBody>
           <a:bodyPr/>
           <a:p>
-            <a:fld id="{0DC71FE2-6451-427D-B67D-5E59A4CDA923}" type="slidenum">
+            <a:fld id="{DFC88E39-073E-48F7-B1D8-55CCAD113AF3}" type="slidenum">
               <a:t>&lt;#&gt;</a:t>
             </a:fld>
           </a:p>
@@ -2496,7 +2497,7 @@
         <p:txBody>
           <a:bodyPr/>
           <a:p>
-            <a:fld id="{10D563CB-E56A-4CCB-8C1B-BE95E7CD1175}" type="slidenum">
+            <a:fld id="{DFDAA7D0-8776-4C59-8537-3DBE73305DE1}" type="slidenum">
               <a:t>&lt;#&gt;</a:t>
             </a:fld>
           </a:p>
@@ -2748,7 +2749,7 @@
         <p:txBody>
           <a:bodyPr/>
           <a:p>
-            <a:fld id="{829FC506-F228-4361-921D-1C6FEBC703F7}" type="slidenum">
+            <a:fld id="{8C88B673-11B1-4B53-B79D-B7077E47003C}" type="slidenum">
               <a:t>&lt;#&gt;</a:t>
             </a:fld>
           </a:p>
@@ -2957,7 +2958,7 @@
         <p:txBody>
           <a:bodyPr/>
           <a:p>
-            <a:fld id="{7A40FE17-2799-4860-971D-E8C935C9F1D6}" type="slidenum">
+            <a:fld id="{B55A91BF-4C0C-4E60-85D9-2E3866423C06}" type="slidenum">
               <a:t>&lt;#&gt;</a:t>
             </a:fld>
           </a:p>
@@ -3252,7 +3253,7 @@
         <p:txBody>
           <a:bodyPr/>
           <a:p>
-            <a:fld id="{55DDA7EA-6969-4E17-AD59-16484627C0B5}" type="slidenum">
+            <a:fld id="{7F3126F4-32AD-4C3C-B620-7B1127384C94}" type="slidenum">
               <a:t>&lt;#&gt;</a:t>
             </a:fld>
           </a:p>
@@ -3633,7 +3634,7 @@
         <p:txBody>
           <a:bodyPr/>
           <a:p>
-            <a:fld id="{E0C91E85-71CA-434B-81B5-F917759E93CF}" type="slidenum">
+            <a:fld id="{00156AFC-290F-4582-A476-9ACAFA0345F1}" type="slidenum">
               <a:t>&lt;#&gt;</a:t>
             </a:fld>
           </a:p>
@@ -3716,7 +3717,7 @@
         <p:txBody>
           <a:bodyPr/>
           <a:p>
-            <a:fld id="{5F455CFF-390B-43C2-9DEB-5C825122F6EF}" type="slidenum">
+            <a:fld id="{D8BAD183-5544-403C-92DD-FD012DCE20DC}" type="slidenum">
               <a:t>&lt;#&gt;</a:t>
             </a:fld>
           </a:p>
@@ -3879,7 +3880,7 @@
         <p:txBody>
           <a:bodyPr/>
           <a:p>
-            <a:fld id="{3D8E6313-A8F8-410F-B3FB-B42256E86FE6}" type="slidenum">
+            <a:fld id="{E5C5DDA1-80FA-4E2F-8CBF-DEDB1DB7F6A1}" type="slidenum">
               <a:t>&lt;#&gt;</a:t>
             </a:fld>
           </a:p>
@@ -4045,7 +4046,7 @@
         <p:txBody>
           <a:bodyPr/>
           <a:p>
-            <a:fld id="{8460C07F-6B3B-44BA-AFA2-5AA182B09086}" type="slidenum">
+            <a:fld id="{3856CF70-6F14-486A-977F-A6E923560296}" type="slidenum">
               <a:t>&lt;#&gt;</a:t>
             </a:fld>
           </a:p>
@@ -4254,7 +4255,7 @@
         <p:txBody>
           <a:bodyPr/>
           <a:p>
-            <a:fld id="{7DA24E15-4E4A-419D-9ED2-4C506FE5E4EE}" type="slidenum">
+            <a:fld id="{62B9CC55-2357-419B-9E36-66024877B613}" type="slidenum">
               <a:t>&lt;#&gt;</a:t>
             </a:fld>
           </a:p>
@@ -4377,7 +4378,7 @@
         <p:txBody>
           <a:bodyPr/>
           <a:p>
-            <a:fld id="{2E1D711D-D5F6-44E3-9E74-758A452FC979}" type="slidenum">
+            <a:fld id="{C3A61C3C-6C87-410D-9F9D-422D65E4C338}" type="slidenum">
               <a:t>&lt;#&gt;</a:t>
             </a:fld>
           </a:p>
@@ -4543,7 +4544,7 @@
         <p:txBody>
           <a:bodyPr/>
           <a:p>
-            <a:fld id="{500BAB73-7456-415F-AE02-9CA05ACDC9DD}" type="slidenum">
+            <a:fld id="{1046D236-EBF1-45B3-AA54-C28F6E3F8B13}" type="slidenum">
               <a:t>&lt;#&gt;</a:t>
             </a:fld>
           </a:p>
@@ -4664,7 +4665,7 @@
         <p:txBody>
           <a:bodyPr/>
           <a:p>
-            <a:fld id="{3A40C36C-0482-4530-8BB2-C686BBAC00A2}" type="slidenum">
+            <a:fld id="{AAB70CBE-D155-4CB4-96F2-E5CA8EF62084}" type="slidenum">
               <a:t>&lt;#&gt;</a:t>
             </a:fld>
           </a:p>
@@ -4916,7 +4917,7 @@
         <p:txBody>
           <a:bodyPr/>
           <a:p>
-            <a:fld id="{263FADCE-30A6-4E05-A1C8-EE61002DC1D2}" type="slidenum">
+            <a:fld id="{BCE4A450-39D3-405A-9085-507F935D374B}" type="slidenum">
               <a:t>&lt;#&gt;</a:t>
             </a:fld>
           </a:p>
@@ -5168,7 +5169,7 @@
         <p:txBody>
           <a:bodyPr/>
           <a:p>
-            <a:fld id="{F1C81135-B229-4A87-A737-4AD11F43A7DE}" type="slidenum">
+            <a:fld id="{526A350D-9273-4B44-A904-09364654E259}" type="slidenum">
               <a:t>&lt;#&gt;</a:t>
             </a:fld>
           </a:p>
@@ -5420,7 +5421,7 @@
         <p:txBody>
           <a:bodyPr/>
           <a:p>
-            <a:fld id="{4880A15C-43B4-4D6B-99EB-5F3ED137FFFF}" type="slidenum">
+            <a:fld id="{8939B08C-0FF0-46EA-8D98-A58F56C52BDB}" type="slidenum">
               <a:t>&lt;#&gt;</a:t>
             </a:fld>
           </a:p>
@@ -5629,7 +5630,7 @@
         <p:txBody>
           <a:bodyPr/>
           <a:p>
-            <a:fld id="{A9CF8F00-7E0A-425F-822D-58FC44B4AEA4}" type="slidenum">
+            <a:fld id="{21BD70EC-21D5-4DBF-8F87-6BE8B2C4F546}" type="slidenum">
               <a:t>&lt;#&gt;</a:t>
             </a:fld>
           </a:p>
@@ -5924,7 +5925,7 @@
         <p:txBody>
           <a:bodyPr/>
           <a:p>
-            <a:fld id="{2E5FC1C0-216B-4592-A8B8-CEFAEA0BCB09}" type="slidenum">
+            <a:fld id="{70FC89C5-6383-47D9-AE8B-3F09DF73C34B}" type="slidenum">
               <a:t>&lt;#&gt;</a:t>
             </a:fld>
           </a:p>
@@ -6305,7 +6306,7 @@
         <p:txBody>
           <a:bodyPr/>
           <a:p>
-            <a:fld id="{3E6B7A8F-09D5-4E29-B226-95AB1CE0CFF8}" type="slidenum">
+            <a:fld id="{E954658E-9366-478D-AFA0-33FB572A29CF}" type="slidenum">
               <a:t>&lt;#&gt;</a:t>
             </a:fld>
           </a:p>
@@ -6388,7 +6389,7 @@
         <p:txBody>
           <a:bodyPr/>
           <a:p>
-            <a:fld id="{5A9BC061-6311-4D32-A261-CE69D386B010}" type="slidenum">
+            <a:fld id="{F164F603-D287-4DA7-BCD6-DFE00D9F027C}" type="slidenum">
               <a:t>&lt;#&gt;</a:t>
             </a:fld>
           </a:p>
@@ -6551,7 +6552,7 @@
         <p:txBody>
           <a:bodyPr/>
           <a:p>
-            <a:fld id="{8F6414CD-4AD0-42F3-9BDB-84D43A9F4FCA}" type="slidenum">
+            <a:fld id="{0D368E52-E363-4BE3-9FDF-B6FCB9232FC4}" type="slidenum">
               <a:t>&lt;#&gt;</a:t>
             </a:fld>
           </a:p>
@@ -6717,7 +6718,7 @@
         <p:txBody>
           <a:bodyPr/>
           <a:p>
-            <a:fld id="{8D8D4815-605D-44C6-9AE4-7995C28594FF}" type="slidenum">
+            <a:fld id="{97750041-816E-4975-A333-F2F38FF9334C}" type="slidenum">
               <a:t>&lt;#&gt;</a:t>
             </a:fld>
           </a:p>
@@ -6926,7 +6927,7 @@
         <p:txBody>
           <a:bodyPr/>
           <a:p>
-            <a:fld id="{0235B29E-A0BC-444B-897C-2BE10B9FF15B}" type="slidenum">
+            <a:fld id="{68FBB7B3-3CEC-4980-B7A4-A69FCCCC31D6}" type="slidenum">
               <a:t>&lt;#&gt;</a:t>
             </a:fld>
           </a:p>
@@ -7135,7 +7136,7 @@
         <p:txBody>
           <a:bodyPr/>
           <a:p>
-            <a:fld id="{C5B5DF2E-BCEC-4D74-9C2B-B2F35ED983CC}" type="slidenum">
+            <a:fld id="{74148651-D8F1-40E8-8B2B-8D04D2E6FE9C}" type="slidenum">
               <a:t>&lt;#&gt;</a:t>
             </a:fld>
           </a:p>
@@ -7258,7 +7259,7 @@
         <p:txBody>
           <a:bodyPr/>
           <a:p>
-            <a:fld id="{E67F213B-40CB-4CBB-827C-D6E89F4FB3BD}" type="slidenum">
+            <a:fld id="{3D2022FF-E970-45AE-B079-F9A58F8FFA24}" type="slidenum">
               <a:t>&lt;#&gt;</a:t>
             </a:fld>
           </a:p>
@@ -7379,7 +7380,7 @@
         <p:txBody>
           <a:bodyPr/>
           <a:p>
-            <a:fld id="{F415FB32-0325-4EA1-87AE-EA931CF18F99}" type="slidenum">
+            <a:fld id="{D7E95B7C-90B1-44A2-84FC-0E92EF4C6B4E}" type="slidenum">
               <a:t>&lt;#&gt;</a:t>
             </a:fld>
           </a:p>
@@ -7631,7 +7632,7 @@
         <p:txBody>
           <a:bodyPr/>
           <a:p>
-            <a:fld id="{F8E6C031-21F8-4881-8DFD-5B3175A2E240}" type="slidenum">
+            <a:fld id="{C1362400-106F-4228-A1C2-3E9389DBA52B}" type="slidenum">
               <a:t>&lt;#&gt;</a:t>
             </a:fld>
           </a:p>
@@ -7883,7 +7884,7 @@
         <p:txBody>
           <a:bodyPr/>
           <a:p>
-            <a:fld id="{935F42F8-59AB-490A-915C-A1C02A60CD37}" type="slidenum">
+            <a:fld id="{57AF2D35-7B43-4834-8DA8-05064C82F6F4}" type="slidenum">
               <a:t>&lt;#&gt;</a:t>
             </a:fld>
           </a:p>
@@ -8135,7 +8136,7 @@
         <p:txBody>
           <a:bodyPr/>
           <a:p>
-            <a:fld id="{360AD0AD-2D12-4437-8E33-3ADF67EA9BCB}" type="slidenum">
+            <a:fld id="{81C5CE1A-B286-496B-BCB6-400D6432E762}" type="slidenum">
               <a:t>&lt;#&gt;</a:t>
             </a:fld>
           </a:p>
@@ -8344,7 +8345,7 @@
         <p:txBody>
           <a:bodyPr/>
           <a:p>
-            <a:fld id="{E7409758-F170-41CD-B372-56AB8B43409D}" type="slidenum">
+            <a:fld id="{A24EC191-097B-40F6-8EE0-B58AA502FEB9}" type="slidenum">
               <a:t>&lt;#&gt;</a:t>
             </a:fld>
           </a:p>
@@ -8639,7 +8640,7 @@
         <p:txBody>
           <a:bodyPr/>
           <a:p>
-            <a:fld id="{A2582D81-574A-4294-8DDB-461656D991C4}" type="slidenum">
+            <a:fld id="{071F1B8D-BFC2-409B-A014-F3D4AD3E35CE}" type="slidenum">
               <a:t>&lt;#&gt;</a:t>
             </a:fld>
           </a:p>
@@ -9020,7 +9021,7 @@
         <p:txBody>
           <a:bodyPr/>
           <a:p>
-            <a:fld id="{DF2D0E04-EC7E-4AAA-881A-AE9FEBE00551}" type="slidenum">
+            <a:fld id="{EABF7B8C-6583-4F0E-A2C3-57E5F72994D6}" type="slidenum">
               <a:t>&lt;#&gt;</a:t>
             </a:fld>
           </a:p>
@@ -9103,7 +9104,7 @@
         <p:txBody>
           <a:bodyPr/>
           <a:p>
-            <a:fld id="{C0B067C1-B124-41F0-9D2A-23B07BD9A1C4}" type="slidenum">
+            <a:fld id="{94A475D9-64E0-4DEF-BB3B-15EFBDE1CDD0}" type="slidenum">
               <a:t>&lt;#&gt;</a:t>
             </a:fld>
           </a:p>
@@ -9226,7 +9227,7 @@
         <p:txBody>
           <a:bodyPr/>
           <a:p>
-            <a:fld id="{F1CAF486-3DA4-48FE-93CC-97BEF2F1AD84}" type="slidenum">
+            <a:fld id="{E8583B8D-431D-45FD-BED7-1199569254CB}" type="slidenum">
               <a:t>&lt;#&gt;</a:t>
             </a:fld>
           </a:p>
@@ -9389,7 +9390,7 @@
         <p:txBody>
           <a:bodyPr/>
           <a:p>
-            <a:fld id="{B11DA1AE-BDE0-42AA-8CA7-05B20F95428A}" type="slidenum">
+            <a:fld id="{6D970E62-1509-4BCD-A660-B9A5BF59522C}" type="slidenum">
               <a:t>&lt;#&gt;</a:t>
             </a:fld>
           </a:p>
@@ -9555,7 +9556,7 @@
         <p:txBody>
           <a:bodyPr/>
           <a:p>
-            <a:fld id="{006C4B0C-B0A4-455E-97AC-0D0819FE58F3}" type="slidenum">
+            <a:fld id="{718BB785-199F-42D3-8DD5-59E3F5E7FF13}" type="slidenum">
               <a:t>&lt;#&gt;</a:t>
             </a:fld>
           </a:p>
@@ -9764,7 +9765,7 @@
         <p:txBody>
           <a:bodyPr/>
           <a:p>
-            <a:fld id="{41CC113E-8BF1-46C0-BD68-C2040635724C}" type="slidenum">
+            <a:fld id="{359B7A46-18A6-4B18-86C8-B5B0C2AC6929}" type="slidenum">
               <a:t>&lt;#&gt;</a:t>
             </a:fld>
           </a:p>
@@ -9887,7 +9888,7 @@
         <p:txBody>
           <a:bodyPr/>
           <a:p>
-            <a:fld id="{5D98FA5B-B679-41F5-87DF-C4A4EF24E63B}" type="slidenum">
+            <a:fld id="{CAF39864-BF38-4CD1-8656-2C11B635807B}" type="slidenum">
               <a:t>&lt;#&gt;</a:t>
             </a:fld>
           </a:p>
@@ -10008,7 +10009,7 @@
         <p:txBody>
           <a:bodyPr/>
           <a:p>
-            <a:fld id="{71C640BE-9E63-4508-B338-286B5D41B418}" type="slidenum">
+            <a:fld id="{4F557D80-D651-4314-BB45-81C43CD4CE33}" type="slidenum">
               <a:t>&lt;#&gt;</a:t>
             </a:fld>
           </a:p>
@@ -10260,7 +10261,7 @@
         <p:txBody>
           <a:bodyPr/>
           <a:p>
-            <a:fld id="{7B7D8416-C97C-4CC0-B66F-307C3FD2D7FC}" type="slidenum">
+            <a:fld id="{6489C450-319D-499C-AAD4-A304C38AD189}" type="slidenum">
               <a:t>&lt;#&gt;</a:t>
             </a:fld>
           </a:p>
@@ -10512,7 +10513,7 @@
         <p:txBody>
           <a:bodyPr/>
           <a:p>
-            <a:fld id="{C235FE9E-39CC-4303-A6A4-984044A10F97}" type="slidenum">
+            <a:fld id="{5C923FC0-2354-452F-AA23-11AF783D1339}" type="slidenum">
               <a:t>&lt;#&gt;</a:t>
             </a:fld>
           </a:p>
@@ -10764,7 +10765,7 @@
         <p:txBody>
           <a:bodyPr/>
           <a:p>
-            <a:fld id="{6DAC23E8-2C19-4D3C-B608-18633F288CB9}" type="slidenum">
+            <a:fld id="{ACFDAE2D-311C-4B47-819B-04915BC12974}" type="slidenum">
               <a:t>&lt;#&gt;</a:t>
             </a:fld>
           </a:p>
@@ -10973,7 +10974,7 @@
         <p:txBody>
           <a:bodyPr/>
           <a:p>
-            <a:fld id="{0E7B4C33-B62F-4B67-97B4-CA2975E64841}" type="slidenum">
+            <a:fld id="{DF5118D8-C8A4-4496-8E1C-81BEAA22CC8A}" type="slidenum">
               <a:t>&lt;#&gt;</a:t>
             </a:fld>
           </a:p>
@@ -11268,7 +11269,7 @@
         <p:txBody>
           <a:bodyPr/>
           <a:p>
-            <a:fld id="{0CA5F39C-5558-42B9-AAA1-ED91F273BD92}" type="slidenum">
+            <a:fld id="{059B0172-3217-4BB6-AAF4-2FA32903DB37}" type="slidenum">
               <a:t>&lt;#&gt;</a:t>
             </a:fld>
           </a:p>
@@ -11389,7 +11390,7 @@
         <p:txBody>
           <a:bodyPr/>
           <a:p>
-            <a:fld id="{B4758C06-5386-48E1-9A89-2D7E275B4646}" type="slidenum">
+            <a:fld id="{CF174156-8BB6-4D49-8F5C-2B6D7E724206}" type="slidenum">
               <a:t>&lt;#&gt;</a:t>
             </a:fld>
           </a:p>
@@ -11770,7 +11771,7 @@
         <p:txBody>
           <a:bodyPr/>
           <a:p>
-            <a:fld id="{D4F27FC0-847D-4C4F-BADB-3DE1661E481F}" type="slidenum">
+            <a:fld id="{5FFCBD38-76B8-4D78-986C-87B1924C3374}" type="slidenum">
               <a:t>&lt;#&gt;</a:t>
             </a:fld>
           </a:p>
@@ -11853,7 +11854,7 @@
         <p:txBody>
           <a:bodyPr/>
           <a:p>
-            <a:fld id="{74374342-8E1C-49DB-AF89-1C984070C345}" type="slidenum">
+            <a:fld id="{31D0DC82-CBF0-4441-9580-FF3DCE49B391}" type="slidenum">
               <a:t>&lt;#&gt;</a:t>
             </a:fld>
           </a:p>
@@ -12016,7 +12017,7 @@
         <p:txBody>
           <a:bodyPr/>
           <a:p>
-            <a:fld id="{6CE5F170-D4E9-4999-99F8-92B49317E669}" type="slidenum">
+            <a:fld id="{28C49A23-C03A-4295-B7D8-413A18B30410}" type="slidenum">
               <a:t>&lt;#&gt;</a:t>
             </a:fld>
           </a:p>
@@ -12182,7 +12183,7 @@
         <p:txBody>
           <a:bodyPr/>
           <a:p>
-            <a:fld id="{A601B868-02E2-4E21-B8B7-CBC030425B10}" type="slidenum">
+            <a:fld id="{203D7347-1198-4EDE-A531-F4A47210CFDC}" type="slidenum">
               <a:t>&lt;#&gt;</a:t>
             </a:fld>
           </a:p>
@@ -12391,7 +12392,7 @@
         <p:txBody>
           <a:bodyPr/>
           <a:p>
-            <a:fld id="{433D7F97-15E9-4581-AF0B-12C8561E8641}" type="slidenum">
+            <a:fld id="{F1EB8DBA-6D77-4417-9190-0ED31181708F}" type="slidenum">
               <a:t>&lt;#&gt;</a:t>
             </a:fld>
           </a:p>
@@ -12514,7 +12515,7 @@
         <p:txBody>
           <a:bodyPr/>
           <a:p>
-            <a:fld id="{9885E382-FB85-4C91-BD06-9CC11E023BFD}" type="slidenum">
+            <a:fld id="{101683B8-8376-43F6-A47B-4CFC6F04F0F8}" type="slidenum">
               <a:t>&lt;#&gt;</a:t>
             </a:fld>
           </a:p>
@@ -12635,7 +12636,7 @@
         <p:txBody>
           <a:bodyPr/>
           <a:p>
-            <a:fld id="{A41B9424-232C-4BA2-821A-6A088FFD37F6}" type="slidenum">
+            <a:fld id="{8AC2DA92-1430-4988-BBC5-F5C5762C0A5C}" type="slidenum">
               <a:t>&lt;#&gt;</a:t>
             </a:fld>
           </a:p>
@@ -12887,7 +12888,7 @@
         <p:txBody>
           <a:bodyPr/>
           <a:p>
-            <a:fld id="{08CD58CE-DDDA-4508-8CA9-6C70D4332049}" type="slidenum">
+            <a:fld id="{8E51B37C-5E10-42DE-95FC-F3B01295D03D}" type="slidenum">
               <a:t>&lt;#&gt;</a:t>
             </a:fld>
           </a:p>
@@ -13139,7 +13140,7 @@
         <p:txBody>
           <a:bodyPr/>
           <a:p>
-            <a:fld id="{CA911FE5-2D54-4BF0-8C01-856362C603BD}" type="slidenum">
+            <a:fld id="{2EF34F77-00B7-4F26-8FCD-4B2C08FB6201}" type="slidenum">
               <a:t>&lt;#&gt;</a:t>
             </a:fld>
           </a:p>
@@ -13391,7 +13392,7 @@
         <p:txBody>
           <a:bodyPr/>
           <a:p>
-            <a:fld id="{08548532-36C5-4405-9588-BDC0EFC83B50}" type="slidenum">
+            <a:fld id="{60E9E9DB-EEC0-4812-A9A2-883A68AB9027}" type="slidenum">
               <a:t>&lt;#&gt;</a:t>
             </a:fld>
           </a:p>
@@ -13643,7 +13644,7 @@
         <p:txBody>
           <a:bodyPr/>
           <a:p>
-            <a:fld id="{85DCF241-23AE-49CB-8E5C-154200B37056}" type="slidenum">
+            <a:fld id="{6B4288B3-8BB4-4299-8601-233042DDD523}" type="slidenum">
               <a:t>&lt;#&gt;</a:t>
             </a:fld>
           </a:p>
@@ -13852,7 +13853,7 @@
         <p:txBody>
           <a:bodyPr/>
           <a:p>
-            <a:fld id="{EC32F74F-4428-4BFC-995E-3FD2AE6EC26D}" type="slidenum">
+            <a:fld id="{92B1CA6E-A95E-463E-B8FA-3C86D90769F0}" type="slidenum">
               <a:t>&lt;#&gt;</a:t>
             </a:fld>
           </a:p>
@@ -14147,7 +14148,7 @@
         <p:txBody>
           <a:bodyPr/>
           <a:p>
-            <a:fld id="{0524FDD1-A163-4C52-988A-9D2627DA0FD2}" type="slidenum">
+            <a:fld id="{5E518DED-CB8D-4DDB-9AC3-878A4EC4125E}" type="slidenum">
               <a:t>&lt;#&gt;</a:t>
             </a:fld>
           </a:p>
@@ -14528,7 +14529,7 @@
         <p:txBody>
           <a:bodyPr/>
           <a:p>
-            <a:fld id="{E683F4AE-97CE-43B4-B018-13509946E675}" type="slidenum">
+            <a:fld id="{C871F36B-98E0-4DCE-85E7-8A1A00EF9ED9}" type="slidenum">
               <a:t>&lt;#&gt;</a:t>
             </a:fld>
           </a:p>
@@ -14780,7 +14781,7 @@
         <p:txBody>
           <a:bodyPr/>
           <a:p>
-            <a:fld id="{36289B6E-46A4-4D55-859B-8B17F2316493}" type="slidenum">
+            <a:fld id="{F3BC0EB1-A8C2-4ECE-A767-1045141F3061}" type="slidenum">
               <a:t>&lt;#&gt;</a:t>
             </a:fld>
           </a:p>
@@ -15032,7 +15033,7 @@
         <p:txBody>
           <a:bodyPr/>
           <a:p>
-            <a:fld id="{4CBDAE15-65A3-46E9-9598-86F41C7729A8}" type="slidenum">
+            <a:fld id="{0F126041-010C-4219-8FB3-C94E10421149}" type="slidenum">
               <a:t>&lt;#&gt;</a:t>
             </a:fld>
           </a:p>
@@ -15101,7 +15102,7 @@
         <p:spPr>
           <a:xfrm>
             <a:off x="3124080" y="6356520"/>
-            <a:ext cx="2891520" cy="361080"/>
+            <a:ext cx="2891160" cy="360720"/>
           </a:xfrm>
           <a:prstGeom prst="rect">
             <a:avLst/>
@@ -15173,7 +15174,7 @@
         <p:spPr>
           <a:xfrm>
             <a:off x="6553080" y="6356520"/>
-            <a:ext cx="2129760" cy="361080"/>
+            <a:ext cx="2129400" cy="360720"/>
           </a:xfrm>
           <a:prstGeom prst="rect">
             <a:avLst/>
@@ -15214,7 +15215,7 @@
                 <a:tab algn="l" pos="0"/>
               </a:tabLst>
             </a:pPr>
-            <a:fld id="{588AA8C5-77D0-4454-8CF4-1D514067009B}" type="slidenum">
+            <a:fld id="{3D6F5DD6-40F9-469C-87DD-EB6F28FD763D}" type="slidenum">
               <a:rPr b="0" lang="en-US" sz="1200" spc="-1" strike="noStrike">
                 <a:solidFill>
                   <a:srgbClr val="8b8b8b"/>
@@ -15245,7 +15246,7 @@
         <p:spPr>
           <a:xfrm>
             <a:off x="457200" y="6356520"/>
-            <a:ext cx="2129760" cy="361080"/>
+            <a:ext cx="2129400" cy="360720"/>
           </a:xfrm>
           <a:prstGeom prst="rect">
             <a:avLst/>
@@ -15623,7 +15624,7 @@
         <p:spPr>
           <a:xfrm>
             <a:off x="3124080" y="6356520"/>
-            <a:ext cx="2891520" cy="361080"/>
+            <a:ext cx="2891160" cy="360720"/>
           </a:xfrm>
           <a:prstGeom prst="rect">
             <a:avLst/>
@@ -15695,7 +15696,7 @@
         <p:spPr>
           <a:xfrm>
             <a:off x="6553080" y="6356520"/>
-            <a:ext cx="2129760" cy="361080"/>
+            <a:ext cx="2129400" cy="360720"/>
           </a:xfrm>
           <a:prstGeom prst="rect">
             <a:avLst/>
@@ -15736,7 +15737,7 @@
                 <a:tab algn="l" pos="0"/>
               </a:tabLst>
             </a:pPr>
-            <a:fld id="{5F50A6A5-9FE6-40C2-A62D-E771D205431B}" type="slidenum">
+            <a:fld id="{950C55E9-F901-489C-8E66-19E8F3BAA735}" type="slidenum">
               <a:rPr b="0" lang="en-US" sz="1200" spc="-1" strike="noStrike">
                 <a:solidFill>
                   <a:srgbClr val="8b8b8b"/>
@@ -15767,7 +15768,7 @@
         <p:spPr>
           <a:xfrm>
             <a:off x="457200" y="6356520"/>
-            <a:ext cx="2129760" cy="361080"/>
+            <a:ext cx="2129400" cy="360720"/>
           </a:xfrm>
           <a:prstGeom prst="rect">
             <a:avLst/>
@@ -16145,7 +16146,7 @@
         <p:spPr>
           <a:xfrm>
             <a:off x="3124080" y="6356520"/>
-            <a:ext cx="2891880" cy="361440"/>
+            <a:ext cx="2891520" cy="361080"/>
           </a:xfrm>
           <a:prstGeom prst="rect">
             <a:avLst/>
@@ -16217,7 +16218,7 @@
         <p:spPr>
           <a:xfrm>
             <a:off x="6553080" y="6356520"/>
-            <a:ext cx="2130120" cy="361440"/>
+            <a:ext cx="2129760" cy="361080"/>
           </a:xfrm>
           <a:prstGeom prst="rect">
             <a:avLst/>
@@ -16258,7 +16259,7 @@
                 <a:tab algn="l" pos="0"/>
               </a:tabLst>
             </a:pPr>
-            <a:fld id="{F6AE4024-69A9-4A4E-A3A2-F327F0A6E7ED}" type="slidenum">
+            <a:fld id="{0FCCD39D-35B1-4D88-9FB6-8C45CDF510D0}" type="slidenum">
               <a:rPr b="0" lang="en-US" sz="1200" spc="-1" strike="noStrike">
                 <a:solidFill>
                   <a:srgbClr val="8b8b8b"/>
@@ -16289,7 +16290,7 @@
         <p:spPr>
           <a:xfrm>
             <a:off x="457200" y="6356520"/>
-            <a:ext cx="2130120" cy="361440"/>
+            <a:ext cx="2129760" cy="361080"/>
           </a:xfrm>
           <a:prstGeom prst="rect">
             <a:avLst/>
@@ -16667,7 +16668,7 @@
         <p:spPr>
           <a:xfrm>
             <a:off x="3124080" y="6356520"/>
-            <a:ext cx="2892240" cy="361800"/>
+            <a:ext cx="2891880" cy="361440"/>
           </a:xfrm>
           <a:prstGeom prst="rect">
             <a:avLst/>
@@ -16739,7 +16740,7 @@
         <p:spPr>
           <a:xfrm>
             <a:off x="6553080" y="6356520"/>
-            <a:ext cx="2130480" cy="361800"/>
+            <a:ext cx="2130120" cy="361440"/>
           </a:xfrm>
           <a:prstGeom prst="rect">
             <a:avLst/>
@@ -16780,7 +16781,7 @@
                 <a:tab algn="l" pos="0"/>
               </a:tabLst>
             </a:pPr>
-            <a:fld id="{FDF7BB44-1151-4848-A6F1-D0750EE7A4D1}" type="slidenum">
+            <a:fld id="{90431A14-20A1-4E0C-B440-FC2B2170928B}" type="slidenum">
               <a:rPr b="0" lang="en-US" sz="1200" spc="-1" strike="noStrike">
                 <a:solidFill>
                   <a:srgbClr val="8b8b8b"/>
@@ -16811,7 +16812,7 @@
         <p:spPr>
           <a:xfrm>
             <a:off x="457200" y="6356520"/>
-            <a:ext cx="2130480" cy="361800"/>
+            <a:ext cx="2130120" cy="361440"/>
           </a:xfrm>
           <a:prstGeom prst="rect">
             <a:avLst/>
@@ -17189,7 +17190,7 @@
         <p:spPr>
           <a:xfrm>
             <a:off x="3124080" y="6356520"/>
-            <a:ext cx="2892960" cy="362520"/>
+            <a:ext cx="2892600" cy="362160"/>
           </a:xfrm>
           <a:prstGeom prst="rect">
             <a:avLst/>
@@ -17261,7 +17262,7 @@
         <p:spPr>
           <a:xfrm>
             <a:off x="6553080" y="6356520"/>
-            <a:ext cx="2131200" cy="362520"/>
+            <a:ext cx="2130840" cy="362160"/>
           </a:xfrm>
           <a:prstGeom prst="rect">
             <a:avLst/>
@@ -17302,7 +17303,7 @@
                 <a:tab algn="l" pos="0"/>
               </a:tabLst>
             </a:pPr>
-            <a:fld id="{EAC5BCB6-ADFF-4221-BCA4-698ACA215F5B}" type="slidenum">
+            <a:fld id="{2724A033-304A-4B81-AF76-72DD446DDF68}" type="slidenum">
               <a:rPr b="0" lang="en-US" sz="1200" spc="-1" strike="noStrike">
                 <a:solidFill>
                   <a:srgbClr val="8b8b8b"/>
@@ -17333,7 +17334,7 @@
         <p:spPr>
           <a:xfrm>
             <a:off x="457200" y="6356520"/>
-            <a:ext cx="2131200" cy="362520"/>
+            <a:ext cx="2130840" cy="362160"/>
           </a:xfrm>
           <a:prstGeom prst="rect">
             <a:avLst/>
@@ -17711,7 +17712,7 @@
         <p:spPr>
           <a:xfrm>
             <a:off x="3124080" y="6356520"/>
-            <a:ext cx="2894400" cy="363960"/>
+            <a:ext cx="2894040" cy="363600"/>
           </a:xfrm>
           <a:prstGeom prst="rect">
             <a:avLst/>
@@ -17783,7 +17784,7 @@
         <p:spPr>
           <a:xfrm>
             <a:off x="6553080" y="6356520"/>
-            <a:ext cx="2132640" cy="363960"/>
+            <a:ext cx="2132280" cy="363600"/>
           </a:xfrm>
           <a:prstGeom prst="rect">
             <a:avLst/>
@@ -17824,7 +17825,7 @@
                 <a:tab algn="l" pos="0"/>
               </a:tabLst>
             </a:pPr>
-            <a:fld id="{44E900F6-412D-4F39-A858-B22EE344BA26}" type="slidenum">
+            <a:fld id="{10E6CB76-1613-4B53-8DC2-90E33B2F185E}" type="slidenum">
               <a:rPr b="0" lang="en-US" sz="1200" spc="-1" strike="noStrike">
                 <a:solidFill>
                   <a:srgbClr val="8b8b8b"/>
@@ -17855,7 +17856,7 @@
         <p:spPr>
           <a:xfrm>
             <a:off x="457200" y="6356520"/>
-            <a:ext cx="2132640" cy="363960"/>
+            <a:ext cx="2132280" cy="363600"/>
           </a:xfrm>
           <a:prstGeom prst="rect">
             <a:avLst/>
@@ -18222,7 +18223,7 @@
         <p:spPr>
           <a:xfrm>
             <a:off x="0" y="0"/>
-            <a:ext cx="12184920" cy="6854040"/>
+            <a:ext cx="12184560" cy="6853680"/>
           </a:xfrm>
           <a:prstGeom prst="rect">
             <a:avLst/>
@@ -18282,7 +18283,7 @@
         <p:spPr>
           <a:xfrm>
             <a:off x="0" y="0"/>
-            <a:ext cx="14400" cy="6854040"/>
+            <a:ext cx="14040" cy="6853680"/>
           </a:xfrm>
           <a:prstGeom prst="rect">
             <a:avLst/>
@@ -18342,7 +18343,7 @@
         <p:spPr>
           <a:xfrm>
             <a:off x="914400" y="0"/>
-            <a:ext cx="14400" cy="6854040"/>
+            <a:ext cx="14040" cy="6853680"/>
           </a:xfrm>
           <a:prstGeom prst="rect">
             <a:avLst/>
@@ -18402,7 +18403,7 @@
         <p:spPr>
           <a:xfrm>
             <a:off x="1828800" y="0"/>
-            <a:ext cx="14400" cy="6854040"/>
+            <a:ext cx="14040" cy="6853680"/>
           </a:xfrm>
           <a:prstGeom prst="rect">
             <a:avLst/>
@@ -18462,7 +18463,7 @@
         <p:spPr>
           <a:xfrm>
             <a:off x="2743200" y="0"/>
-            <a:ext cx="14400" cy="6854040"/>
+            <a:ext cx="14040" cy="6853680"/>
           </a:xfrm>
           <a:prstGeom prst="rect">
             <a:avLst/>
@@ -18522,7 +18523,7 @@
         <p:spPr>
           <a:xfrm>
             <a:off x="3657600" y="0"/>
-            <a:ext cx="14400" cy="6854040"/>
+            <a:ext cx="14040" cy="6853680"/>
           </a:xfrm>
           <a:prstGeom prst="rect">
             <a:avLst/>
@@ -18582,7 +18583,7 @@
         <p:spPr>
           <a:xfrm>
             <a:off x="4572000" y="0"/>
-            <a:ext cx="14400" cy="6854040"/>
+            <a:ext cx="14040" cy="6853680"/>
           </a:xfrm>
           <a:prstGeom prst="rect">
             <a:avLst/>
@@ -18642,7 +18643,7 @@
         <p:spPr>
           <a:xfrm>
             <a:off x="5486400" y="0"/>
-            <a:ext cx="14400" cy="6854040"/>
+            <a:ext cx="14040" cy="6853680"/>
           </a:xfrm>
           <a:prstGeom prst="rect">
             <a:avLst/>
@@ -18702,7 +18703,7 @@
         <p:spPr>
           <a:xfrm>
             <a:off x="6400800" y="0"/>
-            <a:ext cx="14400" cy="6854040"/>
+            <a:ext cx="14040" cy="6853680"/>
           </a:xfrm>
           <a:prstGeom prst="rect">
             <a:avLst/>
@@ -18762,7 +18763,7 @@
         <p:spPr>
           <a:xfrm>
             <a:off x="7315200" y="0"/>
-            <a:ext cx="14400" cy="6854040"/>
+            <a:ext cx="14040" cy="6853680"/>
           </a:xfrm>
           <a:prstGeom prst="rect">
             <a:avLst/>
@@ -18822,7 +18823,7 @@
         <p:spPr>
           <a:xfrm>
             <a:off x="8229600" y="0"/>
-            <a:ext cx="14400" cy="6854040"/>
+            <a:ext cx="14040" cy="6853680"/>
           </a:xfrm>
           <a:prstGeom prst="rect">
             <a:avLst/>
@@ -18882,7 +18883,7 @@
         <p:spPr>
           <a:xfrm>
             <a:off x="9144000" y="0"/>
-            <a:ext cx="14400" cy="6854040"/>
+            <a:ext cx="14040" cy="6853680"/>
           </a:xfrm>
           <a:prstGeom prst="rect">
             <a:avLst/>
@@ -18942,7 +18943,7 @@
         <p:spPr>
           <a:xfrm>
             <a:off x="10058400" y="0"/>
-            <a:ext cx="14400" cy="6854040"/>
+            <a:ext cx="14040" cy="6853680"/>
           </a:xfrm>
           <a:prstGeom prst="rect">
             <a:avLst/>
@@ -19002,7 +19003,7 @@
         <p:spPr>
           <a:xfrm>
             <a:off x="10972800" y="0"/>
-            <a:ext cx="14400" cy="6854040"/>
+            <a:ext cx="14040" cy="6853680"/>
           </a:xfrm>
           <a:prstGeom prst="rect">
             <a:avLst/>
@@ -19062,7 +19063,7 @@
         <p:spPr>
           <a:xfrm>
             <a:off x="11887200" y="0"/>
-            <a:ext cx="14400" cy="6854040"/>
+            <a:ext cx="14040" cy="6853680"/>
           </a:xfrm>
           <a:prstGeom prst="rect">
             <a:avLst/>
@@ -19122,7 +19123,7 @@
         <p:spPr>
           <a:xfrm>
             <a:off x="0" y="0"/>
-            <a:ext cx="316080" cy="6854040"/>
+            <a:ext cx="315720" cy="6853680"/>
           </a:xfrm>
           <a:prstGeom prst="rect">
             <a:avLst/>
@@ -19182,7 +19183,7 @@
         <p:spPr>
           <a:xfrm>
             <a:off x="9875520" y="365760"/>
-            <a:ext cx="2007720" cy="498960"/>
+            <a:ext cx="2007360" cy="498600"/>
           </a:xfrm>
           <a:prstGeom prst="roundRect">
             <a:avLst>
@@ -19364,7 +19365,7 @@
         <p:spPr>
           <a:xfrm>
             <a:off x="987480" y="3182040"/>
-            <a:ext cx="3287880" cy="2739240"/>
+            <a:ext cx="3287520" cy="2738880"/>
           </a:xfrm>
           <a:prstGeom prst="roundRect">
             <a:avLst>
@@ -19426,7 +19427,7 @@
         <p:spPr>
           <a:xfrm>
             <a:off x="685800" y="2521440"/>
-            <a:ext cx="3426120" cy="3326760"/>
+            <a:ext cx="3425760" cy="3326400"/>
           </a:xfrm>
           <a:prstGeom prst="roundRect">
             <a:avLst>
@@ -19839,7 +19840,7 @@
         <p:spPr>
           <a:xfrm>
             <a:off x="4507920" y="3182040"/>
-            <a:ext cx="3287880" cy="2739240"/>
+            <a:ext cx="3287520" cy="2738880"/>
           </a:xfrm>
           <a:prstGeom prst="roundRect">
             <a:avLst>
@@ -19901,7 +19902,7 @@
         <p:spPr>
           <a:xfrm>
             <a:off x="4434840" y="3108960"/>
-            <a:ext cx="3287880" cy="2739240"/>
+            <a:ext cx="3287520" cy="2738880"/>
           </a:xfrm>
           <a:prstGeom prst="roundRect">
             <a:avLst>
@@ -20212,7 +20213,7 @@
         <p:spPr>
           <a:xfrm>
             <a:off x="8028360" y="3182040"/>
-            <a:ext cx="3287880" cy="2739240"/>
+            <a:ext cx="3287520" cy="2738880"/>
           </a:xfrm>
           <a:prstGeom prst="roundRect">
             <a:avLst>
@@ -20274,7 +20275,7 @@
         <p:spPr>
           <a:xfrm>
             <a:off x="7955280" y="3108960"/>
-            <a:ext cx="3287880" cy="2739240"/>
+            <a:ext cx="3287520" cy="2738880"/>
           </a:xfrm>
           <a:prstGeom prst="roundRect">
             <a:avLst>
@@ -20554,7 +20555,7 @@
         <p:spPr>
           <a:xfrm>
             <a:off x="0" y="0"/>
-            <a:ext cx="12186360" cy="6855480"/>
+            <a:ext cx="12186000" cy="6855120"/>
           </a:xfrm>
           <a:prstGeom prst="rect">
             <a:avLst/>
@@ -20614,7 +20615,7 @@
         <p:spPr>
           <a:xfrm>
             <a:off x="0" y="0"/>
-            <a:ext cx="15840" cy="6855480"/>
+            <a:ext cx="15480" cy="6855120"/>
           </a:xfrm>
           <a:prstGeom prst="rect">
             <a:avLst/>
@@ -20674,7 +20675,7 @@
         <p:spPr>
           <a:xfrm>
             <a:off x="914400" y="0"/>
-            <a:ext cx="15840" cy="6855480"/>
+            <a:ext cx="15480" cy="6855120"/>
           </a:xfrm>
           <a:prstGeom prst="rect">
             <a:avLst/>
@@ -20734,7 +20735,7 @@
         <p:spPr>
           <a:xfrm>
             <a:off x="1828800" y="0"/>
-            <a:ext cx="15840" cy="6855480"/>
+            <a:ext cx="15480" cy="6855120"/>
           </a:xfrm>
           <a:prstGeom prst="rect">
             <a:avLst/>
@@ -20794,7 +20795,7 @@
         <p:spPr>
           <a:xfrm>
             <a:off x="2743200" y="0"/>
-            <a:ext cx="15840" cy="6855480"/>
+            <a:ext cx="15480" cy="6855120"/>
           </a:xfrm>
           <a:prstGeom prst="rect">
             <a:avLst/>
@@ -20854,7 +20855,7 @@
         <p:spPr>
           <a:xfrm>
             <a:off x="3657600" y="0"/>
-            <a:ext cx="15840" cy="6855480"/>
+            <a:ext cx="15480" cy="6855120"/>
           </a:xfrm>
           <a:prstGeom prst="rect">
             <a:avLst/>
@@ -20914,7 +20915,7 @@
         <p:spPr>
           <a:xfrm>
             <a:off x="4572000" y="0"/>
-            <a:ext cx="15840" cy="6855480"/>
+            <a:ext cx="15480" cy="6855120"/>
           </a:xfrm>
           <a:prstGeom prst="rect">
             <a:avLst/>
@@ -20974,7 +20975,7 @@
         <p:spPr>
           <a:xfrm>
             <a:off x="5486400" y="0"/>
-            <a:ext cx="15840" cy="6855480"/>
+            <a:ext cx="15480" cy="6855120"/>
           </a:xfrm>
           <a:prstGeom prst="rect">
             <a:avLst/>
@@ -21034,7 +21035,7 @@
         <p:spPr>
           <a:xfrm>
             <a:off x="6400800" y="0"/>
-            <a:ext cx="15840" cy="6855480"/>
+            <a:ext cx="15480" cy="6855120"/>
           </a:xfrm>
           <a:prstGeom prst="rect">
             <a:avLst/>
@@ -21094,7 +21095,7 @@
         <p:spPr>
           <a:xfrm>
             <a:off x="7315200" y="0"/>
-            <a:ext cx="15840" cy="6855480"/>
+            <a:ext cx="15480" cy="6855120"/>
           </a:xfrm>
           <a:prstGeom prst="rect">
             <a:avLst/>
@@ -21154,7 +21155,7 @@
         <p:spPr>
           <a:xfrm>
             <a:off x="8229600" y="0"/>
-            <a:ext cx="15840" cy="6855480"/>
+            <a:ext cx="15480" cy="6855120"/>
           </a:xfrm>
           <a:prstGeom prst="rect">
             <a:avLst/>
@@ -21214,7 +21215,7 @@
         <p:spPr>
           <a:xfrm>
             <a:off x="9144000" y="0"/>
-            <a:ext cx="15840" cy="6855480"/>
+            <a:ext cx="15480" cy="6855120"/>
           </a:xfrm>
           <a:prstGeom prst="rect">
             <a:avLst/>
@@ -21274,7 +21275,7 @@
         <p:spPr>
           <a:xfrm>
             <a:off x="10058400" y="0"/>
-            <a:ext cx="15840" cy="6855480"/>
+            <a:ext cx="15480" cy="6855120"/>
           </a:xfrm>
           <a:prstGeom prst="rect">
             <a:avLst/>
@@ -21334,7 +21335,7 @@
         <p:spPr>
           <a:xfrm>
             <a:off x="10972800" y="0"/>
-            <a:ext cx="15840" cy="6855480"/>
+            <a:ext cx="15480" cy="6855120"/>
           </a:xfrm>
           <a:prstGeom prst="rect">
             <a:avLst/>
@@ -21394,7 +21395,7 @@
         <p:spPr>
           <a:xfrm>
             <a:off x="11887200" y="0"/>
-            <a:ext cx="15840" cy="6855480"/>
+            <a:ext cx="15480" cy="6855120"/>
           </a:xfrm>
           <a:prstGeom prst="rect">
             <a:avLst/>
@@ -21454,7 +21455,7 @@
         <p:spPr>
           <a:xfrm>
             <a:off x="0" y="0"/>
-            <a:ext cx="317520" cy="6855480"/>
+            <a:ext cx="317160" cy="6855120"/>
           </a:xfrm>
           <a:prstGeom prst="rect">
             <a:avLst/>
@@ -21514,7 +21515,7 @@
         <p:spPr>
           <a:xfrm>
             <a:off x="9875520" y="365760"/>
-            <a:ext cx="2009160" cy="500400"/>
+            <a:ext cx="2008800" cy="500040"/>
           </a:xfrm>
           <a:prstGeom prst="roundRect">
             <a:avLst>
@@ -21642,7 +21643,7 @@
         <p:spPr>
           <a:xfrm>
             <a:off x="2434680" y="2194560"/>
-            <a:ext cx="6114960" cy="317880"/>
+            <a:ext cx="6114600" cy="317880"/>
           </a:xfrm>
           <a:prstGeom prst="rect">
             <a:avLst/>
@@ -21696,7 +21697,7 @@
         <p:spPr>
           <a:xfrm>
             <a:off x="987480" y="3182040"/>
-            <a:ext cx="3289320" cy="2740680"/>
+            <a:ext cx="3288960" cy="2740320"/>
           </a:xfrm>
           <a:prstGeom prst="roundRect">
             <a:avLst>
@@ -21758,7 +21759,7 @@
         <p:spPr>
           <a:xfrm>
             <a:off x="914400" y="3108960"/>
-            <a:ext cx="3289320" cy="2740680"/>
+            <a:ext cx="3288960" cy="2740320"/>
           </a:xfrm>
           <a:prstGeom prst="roundRect">
             <a:avLst>
@@ -22046,7 +22047,7 @@
         <p:spPr>
           <a:xfrm>
             <a:off x="4507920" y="3182040"/>
-            <a:ext cx="3289320" cy="2740680"/>
+            <a:ext cx="3288960" cy="2740320"/>
           </a:xfrm>
           <a:prstGeom prst="roundRect">
             <a:avLst>
@@ -22108,7 +22109,7 @@
         <p:spPr>
           <a:xfrm>
             <a:off x="4434840" y="3108960"/>
-            <a:ext cx="3289320" cy="2740680"/>
+            <a:ext cx="3288960" cy="2740320"/>
           </a:xfrm>
           <a:prstGeom prst="roundRect">
             <a:avLst>
@@ -22412,7 +22413,7 @@
         <p:spPr>
           <a:xfrm>
             <a:off x="8028360" y="3182040"/>
-            <a:ext cx="3289320" cy="2740680"/>
+            <a:ext cx="3288960" cy="2740320"/>
           </a:xfrm>
           <a:prstGeom prst="roundRect">
             <a:avLst>
@@ -22474,7 +22475,7 @@
         <p:spPr>
           <a:xfrm>
             <a:off x="7955280" y="3108960"/>
-            <a:ext cx="3289320" cy="3062520"/>
+            <a:ext cx="3288960" cy="3062160"/>
           </a:xfrm>
           <a:prstGeom prst="roundRect">
             <a:avLst>
@@ -22844,7 +22845,7 @@
         <p:spPr>
           <a:xfrm>
             <a:off x="0" y="0"/>
-            <a:ext cx="12186360" cy="6855480"/>
+            <a:ext cx="12186000" cy="6855120"/>
           </a:xfrm>
           <a:prstGeom prst="rect">
             <a:avLst/>
@@ -22904,7 +22905,7 @@
         <p:spPr>
           <a:xfrm>
             <a:off x="0" y="0"/>
-            <a:ext cx="15840" cy="6855480"/>
+            <a:ext cx="15480" cy="6855120"/>
           </a:xfrm>
           <a:prstGeom prst="rect">
             <a:avLst/>
@@ -22964,7 +22965,7 @@
         <p:spPr>
           <a:xfrm>
             <a:off x="914400" y="0"/>
-            <a:ext cx="15840" cy="6855480"/>
+            <a:ext cx="15480" cy="6855120"/>
           </a:xfrm>
           <a:prstGeom prst="rect">
             <a:avLst/>
@@ -23024,7 +23025,7 @@
         <p:spPr>
           <a:xfrm>
             <a:off x="1828800" y="0"/>
-            <a:ext cx="15840" cy="6855480"/>
+            <a:ext cx="15480" cy="6855120"/>
           </a:xfrm>
           <a:prstGeom prst="rect">
             <a:avLst/>
@@ -23084,7 +23085,7 @@
         <p:spPr>
           <a:xfrm>
             <a:off x="2743200" y="0"/>
-            <a:ext cx="15840" cy="6855480"/>
+            <a:ext cx="15480" cy="6855120"/>
           </a:xfrm>
           <a:prstGeom prst="rect">
             <a:avLst/>
@@ -23144,7 +23145,7 @@
         <p:spPr>
           <a:xfrm>
             <a:off x="3657600" y="0"/>
-            <a:ext cx="15840" cy="6855480"/>
+            <a:ext cx="15480" cy="6855120"/>
           </a:xfrm>
           <a:prstGeom prst="rect">
             <a:avLst/>
@@ -23204,7 +23205,7 @@
         <p:spPr>
           <a:xfrm>
             <a:off x="4572000" y="0"/>
-            <a:ext cx="15840" cy="6855480"/>
+            <a:ext cx="15480" cy="6855120"/>
           </a:xfrm>
           <a:prstGeom prst="rect">
             <a:avLst/>
@@ -23264,7 +23265,7 @@
         <p:spPr>
           <a:xfrm>
             <a:off x="5486400" y="0"/>
-            <a:ext cx="15840" cy="6855480"/>
+            <a:ext cx="15480" cy="6855120"/>
           </a:xfrm>
           <a:prstGeom prst="rect">
             <a:avLst/>
@@ -23324,7 +23325,7 @@
         <p:spPr>
           <a:xfrm>
             <a:off x="6400800" y="0"/>
-            <a:ext cx="15840" cy="6855480"/>
+            <a:ext cx="15480" cy="6855120"/>
           </a:xfrm>
           <a:prstGeom prst="rect">
             <a:avLst/>
@@ -23384,7 +23385,7 @@
         <p:spPr>
           <a:xfrm>
             <a:off x="7315200" y="0"/>
-            <a:ext cx="15840" cy="6855480"/>
+            <a:ext cx="15480" cy="6855120"/>
           </a:xfrm>
           <a:prstGeom prst="rect">
             <a:avLst/>
@@ -23444,7 +23445,7 @@
         <p:spPr>
           <a:xfrm>
             <a:off x="8229600" y="0"/>
-            <a:ext cx="15840" cy="6855480"/>
+            <a:ext cx="15480" cy="6855120"/>
           </a:xfrm>
           <a:prstGeom prst="rect">
             <a:avLst/>
@@ -23504,7 +23505,7 @@
         <p:spPr>
           <a:xfrm>
             <a:off x="9144000" y="0"/>
-            <a:ext cx="15840" cy="6855480"/>
+            <a:ext cx="15480" cy="6855120"/>
           </a:xfrm>
           <a:prstGeom prst="rect">
             <a:avLst/>
@@ -23564,7 +23565,7 @@
         <p:spPr>
           <a:xfrm>
             <a:off x="10058400" y="0"/>
-            <a:ext cx="15840" cy="6855480"/>
+            <a:ext cx="15480" cy="6855120"/>
           </a:xfrm>
           <a:prstGeom prst="rect">
             <a:avLst/>
@@ -23624,7 +23625,7 @@
         <p:spPr>
           <a:xfrm>
             <a:off x="10972800" y="0"/>
-            <a:ext cx="15840" cy="6855480"/>
+            <a:ext cx="15480" cy="6855120"/>
           </a:xfrm>
           <a:prstGeom prst="rect">
             <a:avLst/>
@@ -23684,7 +23685,7 @@
         <p:spPr>
           <a:xfrm>
             <a:off x="11887200" y="0"/>
-            <a:ext cx="15840" cy="6855480"/>
+            <a:ext cx="15480" cy="6855120"/>
           </a:xfrm>
           <a:prstGeom prst="rect">
             <a:avLst/>
@@ -23744,7 +23745,7 @@
         <p:spPr>
           <a:xfrm>
             <a:off x="0" y="0"/>
-            <a:ext cx="317520" cy="6855480"/>
+            <a:ext cx="317160" cy="6855120"/>
           </a:xfrm>
           <a:prstGeom prst="rect">
             <a:avLst/>
@@ -23804,7 +23805,7 @@
         <p:spPr>
           <a:xfrm>
             <a:off x="9875520" y="365760"/>
-            <a:ext cx="2009160" cy="500400"/>
+            <a:ext cx="2008800" cy="500040"/>
           </a:xfrm>
           <a:prstGeom prst="roundRect">
             <a:avLst>
@@ -23932,7 +23933,7 @@
         <p:spPr>
           <a:xfrm>
             <a:off x="2746440" y="2194560"/>
-            <a:ext cx="5491800" cy="317880"/>
+            <a:ext cx="5491440" cy="317880"/>
           </a:xfrm>
           <a:prstGeom prst="rect">
             <a:avLst/>
@@ -23986,7 +23987,7 @@
         <p:spPr>
           <a:xfrm>
             <a:off x="987480" y="3182040"/>
-            <a:ext cx="3289320" cy="2740680"/>
+            <a:ext cx="3288960" cy="2740320"/>
           </a:xfrm>
           <a:prstGeom prst="roundRect">
             <a:avLst>
@@ -24048,7 +24049,7 @@
         <p:spPr>
           <a:xfrm>
             <a:off x="457200" y="2971800"/>
-            <a:ext cx="3784320" cy="3200040"/>
+            <a:ext cx="3783960" cy="3199680"/>
           </a:xfrm>
           <a:prstGeom prst="roundRect">
             <a:avLst>
@@ -24421,7 +24422,7 @@
         <p:spPr>
           <a:xfrm>
             <a:off x="4507920" y="3182040"/>
-            <a:ext cx="3289320" cy="2740680"/>
+            <a:ext cx="3288960" cy="2740320"/>
           </a:xfrm>
           <a:prstGeom prst="roundRect">
             <a:avLst>
@@ -24483,7 +24484,7 @@
         <p:spPr>
           <a:xfrm>
             <a:off x="4434840" y="3108960"/>
-            <a:ext cx="3289320" cy="2834280"/>
+            <a:ext cx="3288960" cy="2833920"/>
           </a:xfrm>
           <a:prstGeom prst="roundRect">
             <a:avLst>
@@ -24833,7 +24834,7 @@
         <p:spPr>
           <a:xfrm>
             <a:off x="8028360" y="3182040"/>
-            <a:ext cx="3289320" cy="2740680"/>
+            <a:ext cx="3288960" cy="2740320"/>
           </a:xfrm>
           <a:prstGeom prst="roundRect">
             <a:avLst>
@@ -24895,7 +24896,7 @@
         <p:spPr>
           <a:xfrm>
             <a:off x="8001000" y="2971800"/>
-            <a:ext cx="3428640" cy="3042000"/>
+            <a:ext cx="3428280" cy="3041640"/>
           </a:xfrm>
           <a:prstGeom prst="roundRect">
             <a:avLst>
@@ -25374,7 +25375,7 @@
         <p:spPr>
           <a:xfrm>
             <a:off x="0" y="0"/>
-            <a:ext cx="12187800" cy="6856920"/>
+            <a:ext cx="12187440" cy="6856560"/>
           </a:xfrm>
           <a:prstGeom prst="rect">
             <a:avLst/>
@@ -25410,6 +25411,11 @@
             <a:noAutofit/>
           </a:bodyPr>
           <a:p>
+            <a:pPr>
+              <a:lnSpc>
+                <a:spcPct val="100000"/>
+              </a:lnSpc>
+            </a:pPr>
             <a:endParaRPr b="0" lang="en-US" sz="1800" spc="-1" strike="noStrike">
               <a:solidFill>
                 <a:schemeClr val="lt1"/>
@@ -25429,7 +25435,7 @@
         <p:spPr>
           <a:xfrm>
             <a:off x="0" y="0"/>
-            <a:ext cx="17280" cy="6856920"/>
+            <a:ext cx="16920" cy="6856560"/>
           </a:xfrm>
           <a:prstGeom prst="rect">
             <a:avLst/>
@@ -25465,6 +25471,11 @@
             <a:noAutofit/>
           </a:bodyPr>
           <a:p>
+            <a:pPr>
+              <a:lnSpc>
+                <a:spcPct val="100000"/>
+              </a:lnSpc>
+            </a:pPr>
             <a:endParaRPr b="0" lang="en-US" sz="1800" spc="-1" strike="noStrike">
               <a:solidFill>
                 <a:schemeClr val="lt1"/>
@@ -25484,7 +25495,7 @@
         <p:spPr>
           <a:xfrm>
             <a:off x="914400" y="0"/>
-            <a:ext cx="17280" cy="6856920"/>
+            <a:ext cx="16920" cy="6856560"/>
           </a:xfrm>
           <a:prstGeom prst="rect">
             <a:avLst/>
@@ -25520,6 +25531,11 @@
             <a:noAutofit/>
           </a:bodyPr>
           <a:p>
+            <a:pPr>
+              <a:lnSpc>
+                <a:spcPct val="100000"/>
+              </a:lnSpc>
+            </a:pPr>
             <a:endParaRPr b="0" lang="en-US" sz="1800" spc="-1" strike="noStrike">
               <a:solidFill>
                 <a:schemeClr val="lt1"/>
@@ -25539,7 +25555,7 @@
         <p:spPr>
           <a:xfrm>
             <a:off x="1828800" y="0"/>
-            <a:ext cx="17280" cy="6856920"/>
+            <a:ext cx="16920" cy="6856560"/>
           </a:xfrm>
           <a:prstGeom prst="rect">
             <a:avLst/>
@@ -25575,6 +25591,11 @@
             <a:noAutofit/>
           </a:bodyPr>
           <a:p>
+            <a:pPr>
+              <a:lnSpc>
+                <a:spcPct val="100000"/>
+              </a:lnSpc>
+            </a:pPr>
             <a:endParaRPr b="0" lang="en-US" sz="1800" spc="-1" strike="noStrike">
               <a:solidFill>
                 <a:schemeClr val="lt1"/>
@@ -25594,7 +25615,7 @@
         <p:spPr>
           <a:xfrm>
             <a:off x="2743200" y="0"/>
-            <a:ext cx="17280" cy="6856920"/>
+            <a:ext cx="16920" cy="6856560"/>
           </a:xfrm>
           <a:prstGeom prst="rect">
             <a:avLst/>
@@ -25630,6 +25651,11 @@
             <a:noAutofit/>
           </a:bodyPr>
           <a:p>
+            <a:pPr>
+              <a:lnSpc>
+                <a:spcPct val="100000"/>
+              </a:lnSpc>
+            </a:pPr>
             <a:endParaRPr b="0" lang="en-US" sz="1800" spc="-1" strike="noStrike">
               <a:solidFill>
                 <a:schemeClr val="lt1"/>
@@ -25649,7 +25675,7 @@
         <p:spPr>
           <a:xfrm>
             <a:off x="3657600" y="0"/>
-            <a:ext cx="17280" cy="6856920"/>
+            <a:ext cx="16920" cy="6856560"/>
           </a:xfrm>
           <a:prstGeom prst="rect">
             <a:avLst/>
@@ -25685,6 +25711,11 @@
             <a:noAutofit/>
           </a:bodyPr>
           <a:p>
+            <a:pPr>
+              <a:lnSpc>
+                <a:spcPct val="100000"/>
+              </a:lnSpc>
+            </a:pPr>
             <a:endParaRPr b="0" lang="en-US" sz="1800" spc="-1" strike="noStrike">
               <a:solidFill>
                 <a:schemeClr val="lt1"/>
@@ -25704,7 +25735,7 @@
         <p:spPr>
           <a:xfrm>
             <a:off x="4572000" y="0"/>
-            <a:ext cx="17280" cy="6856920"/>
+            <a:ext cx="16920" cy="6856560"/>
           </a:xfrm>
           <a:prstGeom prst="rect">
             <a:avLst/>
@@ -25740,6 +25771,11 @@
             <a:noAutofit/>
           </a:bodyPr>
           <a:p>
+            <a:pPr>
+              <a:lnSpc>
+                <a:spcPct val="100000"/>
+              </a:lnSpc>
+            </a:pPr>
             <a:endParaRPr b="0" lang="en-US" sz="1800" spc="-1" strike="noStrike">
               <a:solidFill>
                 <a:schemeClr val="lt1"/>
@@ -25759,7 +25795,7 @@
         <p:spPr>
           <a:xfrm>
             <a:off x="5486400" y="0"/>
-            <a:ext cx="17280" cy="6856920"/>
+            <a:ext cx="16920" cy="6856560"/>
           </a:xfrm>
           <a:prstGeom prst="rect">
             <a:avLst/>
@@ -25795,6 +25831,11 @@
             <a:noAutofit/>
           </a:bodyPr>
           <a:p>
+            <a:pPr>
+              <a:lnSpc>
+                <a:spcPct val="100000"/>
+              </a:lnSpc>
+            </a:pPr>
             <a:endParaRPr b="0" lang="en-US" sz="1800" spc="-1" strike="noStrike">
               <a:solidFill>
                 <a:schemeClr val="lt1"/>
@@ -25814,7 +25855,7 @@
         <p:spPr>
           <a:xfrm>
             <a:off x="6400800" y="0"/>
-            <a:ext cx="17280" cy="6856920"/>
+            <a:ext cx="16920" cy="6856560"/>
           </a:xfrm>
           <a:prstGeom prst="rect">
             <a:avLst/>
@@ -25850,6 +25891,11 @@
             <a:noAutofit/>
           </a:bodyPr>
           <a:p>
+            <a:pPr>
+              <a:lnSpc>
+                <a:spcPct val="100000"/>
+              </a:lnSpc>
+            </a:pPr>
             <a:endParaRPr b="0" lang="en-US" sz="1800" spc="-1" strike="noStrike">
               <a:solidFill>
                 <a:schemeClr val="lt1"/>
@@ -25869,7 +25915,7 @@
         <p:spPr>
           <a:xfrm>
             <a:off x="7315200" y="0"/>
-            <a:ext cx="17280" cy="6856920"/>
+            <a:ext cx="16920" cy="6856560"/>
           </a:xfrm>
           <a:prstGeom prst="rect">
             <a:avLst/>
@@ -25905,6 +25951,11 @@
             <a:noAutofit/>
           </a:bodyPr>
           <a:p>
+            <a:pPr>
+              <a:lnSpc>
+                <a:spcPct val="100000"/>
+              </a:lnSpc>
+            </a:pPr>
             <a:endParaRPr b="0" lang="en-US" sz="1800" spc="-1" strike="noStrike">
               <a:solidFill>
                 <a:schemeClr val="lt1"/>
@@ -25924,7 +25975,7 @@
         <p:spPr>
           <a:xfrm>
             <a:off x="8229600" y="0"/>
-            <a:ext cx="17280" cy="6856920"/>
+            <a:ext cx="16920" cy="6856560"/>
           </a:xfrm>
           <a:prstGeom prst="rect">
             <a:avLst/>
@@ -25960,6 +26011,11 @@
             <a:noAutofit/>
           </a:bodyPr>
           <a:p>
+            <a:pPr>
+              <a:lnSpc>
+                <a:spcPct val="100000"/>
+              </a:lnSpc>
+            </a:pPr>
             <a:endParaRPr b="0" lang="en-US" sz="1800" spc="-1" strike="noStrike">
               <a:solidFill>
                 <a:schemeClr val="lt1"/>
@@ -25979,7 +26035,7 @@
         <p:spPr>
           <a:xfrm>
             <a:off x="9144000" y="0"/>
-            <a:ext cx="17280" cy="6856920"/>
+            <a:ext cx="16920" cy="6856560"/>
           </a:xfrm>
           <a:prstGeom prst="rect">
             <a:avLst/>
@@ -26015,6 +26071,11 @@
             <a:noAutofit/>
           </a:bodyPr>
           <a:p>
+            <a:pPr>
+              <a:lnSpc>
+                <a:spcPct val="100000"/>
+              </a:lnSpc>
+            </a:pPr>
             <a:endParaRPr b="0" lang="en-US" sz="1800" spc="-1" strike="noStrike">
               <a:solidFill>
                 <a:schemeClr val="lt1"/>
@@ -26034,7 +26095,7 @@
         <p:spPr>
           <a:xfrm>
             <a:off x="10058400" y="0"/>
-            <a:ext cx="17280" cy="6856920"/>
+            <a:ext cx="16920" cy="6856560"/>
           </a:xfrm>
           <a:prstGeom prst="rect">
             <a:avLst/>
@@ -26070,6 +26131,11 @@
             <a:noAutofit/>
           </a:bodyPr>
           <a:p>
+            <a:pPr>
+              <a:lnSpc>
+                <a:spcPct val="100000"/>
+              </a:lnSpc>
+            </a:pPr>
             <a:endParaRPr b="0" lang="en-US" sz="1800" spc="-1" strike="noStrike">
               <a:solidFill>
                 <a:schemeClr val="lt1"/>
@@ -26089,7 +26155,7 @@
         <p:spPr>
           <a:xfrm>
             <a:off x="10972800" y="0"/>
-            <a:ext cx="17280" cy="6856920"/>
+            <a:ext cx="16920" cy="6856560"/>
           </a:xfrm>
           <a:prstGeom prst="rect">
             <a:avLst/>
@@ -26125,6 +26191,11 @@
             <a:noAutofit/>
           </a:bodyPr>
           <a:p>
+            <a:pPr>
+              <a:lnSpc>
+                <a:spcPct val="100000"/>
+              </a:lnSpc>
+            </a:pPr>
             <a:endParaRPr b="0" lang="en-US" sz="1800" spc="-1" strike="noStrike">
               <a:solidFill>
                 <a:schemeClr val="lt1"/>
@@ -26144,7 +26215,7 @@
         <p:spPr>
           <a:xfrm>
             <a:off x="11887200" y="0"/>
-            <a:ext cx="17280" cy="6856920"/>
+            <a:ext cx="16920" cy="6856560"/>
           </a:xfrm>
           <a:prstGeom prst="rect">
             <a:avLst/>
@@ -26180,6 +26251,11 @@
             <a:noAutofit/>
           </a:bodyPr>
           <a:p>
+            <a:pPr>
+              <a:lnSpc>
+                <a:spcPct val="100000"/>
+              </a:lnSpc>
+            </a:pPr>
             <a:endParaRPr b="0" lang="en-US" sz="1800" spc="-1" strike="noStrike">
               <a:solidFill>
                 <a:schemeClr val="lt1"/>
@@ -26199,7 +26275,7 @@
         <p:spPr>
           <a:xfrm>
             <a:off x="0" y="0"/>
-            <a:ext cx="318960" cy="6856920"/>
+            <a:ext cx="318600" cy="6856560"/>
           </a:xfrm>
           <a:prstGeom prst="rect">
             <a:avLst/>
@@ -26235,6 +26311,11 @@
             <a:noAutofit/>
           </a:bodyPr>
           <a:p>
+            <a:pPr>
+              <a:lnSpc>
+                <a:spcPct val="100000"/>
+              </a:lnSpc>
+            </a:pPr>
             <a:endParaRPr b="0" lang="en-US" sz="1800" spc="-1" strike="noStrike">
               <a:solidFill>
                 <a:schemeClr val="lt1"/>
@@ -26254,7 +26335,7 @@
         <p:spPr>
           <a:xfrm>
             <a:off x="9875520" y="365760"/>
-            <a:ext cx="2010600" cy="501840"/>
+            <a:ext cx="2010240" cy="501480"/>
           </a:xfrm>
           <a:prstGeom prst="roundRect">
             <a:avLst>
@@ -26382,7 +26463,7 @@
         <p:spPr>
           <a:xfrm>
             <a:off x="429480" y="2194560"/>
-            <a:ext cx="10113120" cy="669240"/>
+            <a:ext cx="10113120" cy="668520"/>
           </a:xfrm>
           <a:prstGeom prst="rect">
             <a:avLst/>
@@ -26459,7 +26540,7 @@
         <p:spPr>
           <a:xfrm>
             <a:off x="987480" y="3182040"/>
-            <a:ext cx="3290760" cy="2742120"/>
+            <a:ext cx="3290400" cy="2741760"/>
           </a:xfrm>
           <a:prstGeom prst="roundRect">
             <a:avLst>
@@ -26497,6 +26578,11 @@
             <a:noAutofit/>
           </a:bodyPr>
           <a:p>
+            <a:pPr>
+              <a:lnSpc>
+                <a:spcPct val="100000"/>
+              </a:lnSpc>
+            </a:pPr>
             <a:endParaRPr b="0" lang="en-US" sz="1800" spc="-1" strike="noStrike">
               <a:solidFill>
                 <a:schemeClr val="lt1"/>
@@ -26516,7 +26602,7 @@
         <p:spPr>
           <a:xfrm>
             <a:off x="914400" y="3108960"/>
-            <a:ext cx="3290760" cy="2742120"/>
+            <a:ext cx="3290400" cy="2741760"/>
           </a:xfrm>
           <a:prstGeom prst="roundRect">
             <a:avLst>
@@ -26753,7 +26839,7 @@
         <p:spPr>
           <a:xfrm>
             <a:off x="4507920" y="3182040"/>
-            <a:ext cx="3290760" cy="2742120"/>
+            <a:ext cx="3290400" cy="2741760"/>
           </a:xfrm>
           <a:prstGeom prst="roundRect">
             <a:avLst>
@@ -26791,6 +26877,11 @@
             <a:noAutofit/>
           </a:bodyPr>
           <a:p>
+            <a:pPr>
+              <a:lnSpc>
+                <a:spcPct val="100000"/>
+              </a:lnSpc>
+            </a:pPr>
             <a:endParaRPr b="0" lang="en-US" sz="1800" spc="-1" strike="noStrike">
               <a:solidFill>
                 <a:schemeClr val="lt1"/>
@@ -26810,7 +26901,7 @@
         <p:spPr>
           <a:xfrm>
             <a:off x="4434840" y="3108960"/>
-            <a:ext cx="3290760" cy="2742120"/>
+            <a:ext cx="3290400" cy="2741760"/>
           </a:xfrm>
           <a:prstGeom prst="roundRect">
             <a:avLst>
@@ -27081,7 +27172,7 @@
         <p:spPr>
           <a:xfrm>
             <a:off x="8028360" y="3182040"/>
-            <a:ext cx="3290760" cy="2742120"/>
+            <a:ext cx="3290400" cy="2741760"/>
           </a:xfrm>
           <a:prstGeom prst="roundRect">
             <a:avLst>
@@ -27119,6 +27210,11 @@
             <a:noAutofit/>
           </a:bodyPr>
           <a:p>
+            <a:pPr>
+              <a:lnSpc>
+                <a:spcPct val="100000"/>
+              </a:lnSpc>
+            </a:pPr>
             <a:endParaRPr b="0" lang="en-US" sz="1800" spc="-1" strike="noStrike">
               <a:solidFill>
                 <a:schemeClr val="lt1"/>
@@ -27138,7 +27234,7 @@
         <p:spPr>
           <a:xfrm>
             <a:off x="7955280" y="3108960"/>
-            <a:ext cx="3290760" cy="2742120"/>
+            <a:ext cx="3290400" cy="2741760"/>
           </a:xfrm>
           <a:prstGeom prst="roundRect">
             <a:avLst>
@@ -27386,7 +27482,2128 @@
         <p:spPr>
           <a:xfrm>
             <a:off x="4600080" y="6446520"/>
-            <a:ext cx="3051720" cy="363960"/>
+            <a:ext cx="3051360" cy="363960"/>
+          </a:xfrm>
+          <a:prstGeom prst="rect">
+            <a:avLst/>
+          </a:prstGeom>
+          <a:noFill/>
+          <a:ln w="0">
+            <a:noFill/>
+          </a:ln>
+        </p:spPr>
+        <p:style>
+          <a:lnRef idx="0"/>
+          <a:fillRef idx="0"/>
+          <a:effectRef idx="0"/>
+          <a:fontRef idx="minor"/>
+        </p:style>
+        <p:txBody>
+          <a:bodyPr wrap="none" lIns="90000" rIns="90000" tIns="45000" bIns="45000" anchor="t">
+            <a:spAutoFit/>
+          </a:bodyPr>
+          <a:p>
+            <a:pPr>
+              <a:lnSpc>
+                <a:spcPct val="100000"/>
+              </a:lnSpc>
+            </a:pPr>
+            <a:r>
+              <a:rPr b="0" lang="en-US" sz="1800" spc="-1" strike="noStrike">
+                <a:solidFill>
+                  <a:srgbClr val="000000"/>
+                </a:solidFill>
+                <a:latin typeface="Calibri"/>
+                <a:ea typeface="DejaVu Sans"/>
+              </a:rPr>
+              <a:t>Java • Ultra Premium Template</a:t>
+            </a:r>
+            <a:endParaRPr b="0" lang="en-US" sz="1800" spc="-1" strike="noStrike">
+              <a:solidFill>
+                <a:srgbClr val="000000"/>
+              </a:solidFill>
+              <a:latin typeface="Arial"/>
+            </a:endParaRPr>
+          </a:p>
+        </p:txBody>
+      </p:sp>
+    </p:spTree>
+  </p:cSld>
+  <mc:AlternateContent>
+    <mc:Choice Requires="p14">
+      <p:transition spd="slow" p14:dur="2000"/>
+    </mc:Choice>
+    <mc:Fallback>
+      <p:transition spd="slow"/>
+    </mc:Fallback>
+  </mc:AlternateContent>
+</p:sld>
+</file>
+
+<file path=ppt/slides/slide13.xml><?xml version="1.0" encoding="utf-8"?>
+<p:sld xmlns:a="http://schemas.openxmlformats.org/drawingml/2006/main" xmlns:p="http://schemas.openxmlformats.org/presentationml/2006/main" xmlns:r="http://schemas.openxmlformats.org/officeDocument/2006/relationships" xmlns:p14="http://schemas.microsoft.com/office/powerpoint/2010/main" xmlns:p15="http://schemas.microsoft.com/office/powerpoint/2012/main" xmlns:mc="http://schemas.openxmlformats.org/markup-compatibility/2006">
+  <p:cSld>
+    <p:spTree>
+      <p:nvGrpSpPr>
+        <p:cNvPr id="1" name=""/>
+        <p:cNvGrpSpPr/>
+        <p:nvPr/>
+      </p:nvGrpSpPr>
+      <p:grpSpPr>
+        <a:xfrm>
+          <a:off x="0" y="0"/>
+          <a:ext cx="0" cy="0"/>
+          <a:chOff x="0" y="0"/>
+          <a:chExt cx="0" cy="0"/>
+        </a:xfrm>
+      </p:grpSpPr>
+      <p:sp>
+        <p:nvSpPr>
+          <p:cNvPr id="558" name="Rectangle 193"/>
+          <p:cNvSpPr/>
+          <p:nvPr/>
+        </p:nvSpPr>
+        <p:spPr>
+          <a:xfrm>
+            <a:off x="0" y="0"/>
+            <a:ext cx="12187440" cy="6856560"/>
+          </a:xfrm>
+          <a:prstGeom prst="rect">
+            <a:avLst/>
+          </a:prstGeom>
+          <a:solidFill>
+            <a:srgbClr val="0b0b0d"/>
+          </a:solidFill>
+          <a:ln>
+            <a:noFill/>
+          </a:ln>
+          <a:effectLst>
+            <a:outerShdw blurRad="39960" dir="5400000" dist="23040" rotWithShape="0">
+              <a:srgbClr val="000000">
+                <a:alpha val="35000"/>
+              </a:srgbClr>
+            </a:outerShdw>
+          </a:effectLst>
+        </p:spPr>
+        <p:style>
+          <a:lnRef idx="1">
+            <a:schemeClr val="accent1"/>
+          </a:lnRef>
+          <a:fillRef idx="3">
+            <a:schemeClr val="accent1"/>
+          </a:fillRef>
+          <a:effectRef idx="2">
+            <a:schemeClr val="accent1"/>
+          </a:effectRef>
+          <a:fontRef idx="minor"/>
+        </p:style>
+        <p:txBody>
+          <a:bodyPr lIns="90000" rIns="90000" tIns="45000" bIns="45000" anchor="ctr">
+            <a:noAutofit/>
+          </a:bodyPr>
+          <a:p>
+            <a:endParaRPr b="0" lang="en-US" sz="1800" spc="-1" strike="noStrike">
+              <a:solidFill>
+                <a:schemeClr val="lt1"/>
+              </a:solidFill>
+              <a:latin typeface="Calibri"/>
+              <a:ea typeface="DejaVu Sans"/>
+            </a:endParaRPr>
+          </a:p>
+        </p:txBody>
+      </p:sp>
+      <p:sp>
+        <p:nvSpPr>
+          <p:cNvPr id="559" name="Rectangle 194"/>
+          <p:cNvSpPr/>
+          <p:nvPr/>
+        </p:nvSpPr>
+        <p:spPr>
+          <a:xfrm>
+            <a:off x="0" y="0"/>
+            <a:ext cx="16920" cy="6856560"/>
+          </a:xfrm>
+          <a:prstGeom prst="rect">
+            <a:avLst/>
+          </a:prstGeom>
+          <a:solidFill>
+            <a:srgbClr val="121216"/>
+          </a:solidFill>
+          <a:ln>
+            <a:noFill/>
+          </a:ln>
+          <a:effectLst>
+            <a:outerShdw blurRad="39960" dir="5400000" dist="23040" rotWithShape="0">
+              <a:srgbClr val="000000">
+                <a:alpha val="35000"/>
+              </a:srgbClr>
+            </a:outerShdw>
+          </a:effectLst>
+        </p:spPr>
+        <p:style>
+          <a:lnRef idx="1">
+            <a:schemeClr val="accent1"/>
+          </a:lnRef>
+          <a:fillRef idx="3">
+            <a:schemeClr val="accent1"/>
+          </a:fillRef>
+          <a:effectRef idx="2">
+            <a:schemeClr val="accent1"/>
+          </a:effectRef>
+          <a:fontRef idx="minor"/>
+        </p:style>
+        <p:txBody>
+          <a:bodyPr lIns="90000" rIns="90000" tIns="45000" bIns="45000" anchor="ctr">
+            <a:noAutofit/>
+          </a:bodyPr>
+          <a:p>
+            <a:endParaRPr b="0" lang="en-US" sz="1800" spc="-1" strike="noStrike">
+              <a:solidFill>
+                <a:schemeClr val="lt1"/>
+              </a:solidFill>
+              <a:latin typeface="Calibri"/>
+              <a:ea typeface="DejaVu Sans"/>
+            </a:endParaRPr>
+          </a:p>
+        </p:txBody>
+      </p:sp>
+      <p:sp>
+        <p:nvSpPr>
+          <p:cNvPr id="560" name="Rectangle 195"/>
+          <p:cNvSpPr/>
+          <p:nvPr/>
+        </p:nvSpPr>
+        <p:spPr>
+          <a:xfrm>
+            <a:off x="914400" y="0"/>
+            <a:ext cx="16920" cy="6856560"/>
+          </a:xfrm>
+          <a:prstGeom prst="rect">
+            <a:avLst/>
+          </a:prstGeom>
+          <a:solidFill>
+            <a:srgbClr val="121216"/>
+          </a:solidFill>
+          <a:ln>
+            <a:noFill/>
+          </a:ln>
+          <a:effectLst>
+            <a:outerShdw blurRad="39960" dir="5400000" dist="23040" rotWithShape="0">
+              <a:srgbClr val="000000">
+                <a:alpha val="35000"/>
+              </a:srgbClr>
+            </a:outerShdw>
+          </a:effectLst>
+        </p:spPr>
+        <p:style>
+          <a:lnRef idx="1">
+            <a:schemeClr val="accent1"/>
+          </a:lnRef>
+          <a:fillRef idx="3">
+            <a:schemeClr val="accent1"/>
+          </a:fillRef>
+          <a:effectRef idx="2">
+            <a:schemeClr val="accent1"/>
+          </a:effectRef>
+          <a:fontRef idx="minor"/>
+        </p:style>
+        <p:txBody>
+          <a:bodyPr lIns="90000" rIns="90000" tIns="45000" bIns="45000" anchor="ctr">
+            <a:noAutofit/>
+          </a:bodyPr>
+          <a:p>
+            <a:endParaRPr b="0" lang="en-US" sz="1800" spc="-1" strike="noStrike">
+              <a:solidFill>
+                <a:schemeClr val="lt1"/>
+              </a:solidFill>
+              <a:latin typeface="Calibri"/>
+              <a:ea typeface="DejaVu Sans"/>
+            </a:endParaRPr>
+          </a:p>
+        </p:txBody>
+      </p:sp>
+      <p:sp>
+        <p:nvSpPr>
+          <p:cNvPr id="561" name="Rectangle 196"/>
+          <p:cNvSpPr/>
+          <p:nvPr/>
+        </p:nvSpPr>
+        <p:spPr>
+          <a:xfrm>
+            <a:off x="1828800" y="0"/>
+            <a:ext cx="16920" cy="6856560"/>
+          </a:xfrm>
+          <a:prstGeom prst="rect">
+            <a:avLst/>
+          </a:prstGeom>
+          <a:solidFill>
+            <a:srgbClr val="121216"/>
+          </a:solidFill>
+          <a:ln>
+            <a:noFill/>
+          </a:ln>
+          <a:effectLst>
+            <a:outerShdw blurRad="39960" dir="5400000" dist="23040" rotWithShape="0">
+              <a:srgbClr val="000000">
+                <a:alpha val="35000"/>
+              </a:srgbClr>
+            </a:outerShdw>
+          </a:effectLst>
+        </p:spPr>
+        <p:style>
+          <a:lnRef idx="1">
+            <a:schemeClr val="accent1"/>
+          </a:lnRef>
+          <a:fillRef idx="3">
+            <a:schemeClr val="accent1"/>
+          </a:fillRef>
+          <a:effectRef idx="2">
+            <a:schemeClr val="accent1"/>
+          </a:effectRef>
+          <a:fontRef idx="minor"/>
+        </p:style>
+        <p:txBody>
+          <a:bodyPr lIns="90000" rIns="90000" tIns="45000" bIns="45000" anchor="ctr">
+            <a:noAutofit/>
+          </a:bodyPr>
+          <a:p>
+            <a:endParaRPr b="0" lang="en-US" sz="1800" spc="-1" strike="noStrike">
+              <a:solidFill>
+                <a:schemeClr val="lt1"/>
+              </a:solidFill>
+              <a:latin typeface="Calibri"/>
+              <a:ea typeface="DejaVu Sans"/>
+            </a:endParaRPr>
+          </a:p>
+        </p:txBody>
+      </p:sp>
+      <p:sp>
+        <p:nvSpPr>
+          <p:cNvPr id="562" name="Rectangle 197"/>
+          <p:cNvSpPr/>
+          <p:nvPr/>
+        </p:nvSpPr>
+        <p:spPr>
+          <a:xfrm>
+            <a:off x="2743200" y="0"/>
+            <a:ext cx="16920" cy="6856560"/>
+          </a:xfrm>
+          <a:prstGeom prst="rect">
+            <a:avLst/>
+          </a:prstGeom>
+          <a:solidFill>
+            <a:srgbClr val="121216"/>
+          </a:solidFill>
+          <a:ln>
+            <a:noFill/>
+          </a:ln>
+          <a:effectLst>
+            <a:outerShdw blurRad="39960" dir="5400000" dist="23040" rotWithShape="0">
+              <a:srgbClr val="000000">
+                <a:alpha val="35000"/>
+              </a:srgbClr>
+            </a:outerShdw>
+          </a:effectLst>
+        </p:spPr>
+        <p:style>
+          <a:lnRef idx="1">
+            <a:schemeClr val="accent1"/>
+          </a:lnRef>
+          <a:fillRef idx="3">
+            <a:schemeClr val="accent1"/>
+          </a:fillRef>
+          <a:effectRef idx="2">
+            <a:schemeClr val="accent1"/>
+          </a:effectRef>
+          <a:fontRef idx="minor"/>
+        </p:style>
+        <p:txBody>
+          <a:bodyPr lIns="90000" rIns="90000" tIns="45000" bIns="45000" anchor="ctr">
+            <a:noAutofit/>
+          </a:bodyPr>
+          <a:p>
+            <a:endParaRPr b="0" lang="en-US" sz="1800" spc="-1" strike="noStrike">
+              <a:solidFill>
+                <a:schemeClr val="lt1"/>
+              </a:solidFill>
+              <a:latin typeface="Calibri"/>
+              <a:ea typeface="DejaVu Sans"/>
+            </a:endParaRPr>
+          </a:p>
+        </p:txBody>
+      </p:sp>
+      <p:sp>
+        <p:nvSpPr>
+          <p:cNvPr id="563" name="Rectangle 198"/>
+          <p:cNvSpPr/>
+          <p:nvPr/>
+        </p:nvSpPr>
+        <p:spPr>
+          <a:xfrm>
+            <a:off x="3657600" y="0"/>
+            <a:ext cx="16920" cy="6856560"/>
+          </a:xfrm>
+          <a:prstGeom prst="rect">
+            <a:avLst/>
+          </a:prstGeom>
+          <a:solidFill>
+            <a:srgbClr val="121216"/>
+          </a:solidFill>
+          <a:ln>
+            <a:noFill/>
+          </a:ln>
+          <a:effectLst>
+            <a:outerShdw blurRad="39960" dir="5400000" dist="23040" rotWithShape="0">
+              <a:srgbClr val="000000">
+                <a:alpha val="35000"/>
+              </a:srgbClr>
+            </a:outerShdw>
+          </a:effectLst>
+        </p:spPr>
+        <p:style>
+          <a:lnRef idx="1">
+            <a:schemeClr val="accent1"/>
+          </a:lnRef>
+          <a:fillRef idx="3">
+            <a:schemeClr val="accent1"/>
+          </a:fillRef>
+          <a:effectRef idx="2">
+            <a:schemeClr val="accent1"/>
+          </a:effectRef>
+          <a:fontRef idx="minor"/>
+        </p:style>
+        <p:txBody>
+          <a:bodyPr lIns="90000" rIns="90000" tIns="45000" bIns="45000" anchor="ctr">
+            <a:noAutofit/>
+          </a:bodyPr>
+          <a:p>
+            <a:endParaRPr b="0" lang="en-US" sz="1800" spc="-1" strike="noStrike">
+              <a:solidFill>
+                <a:schemeClr val="lt1"/>
+              </a:solidFill>
+              <a:latin typeface="Calibri"/>
+              <a:ea typeface="DejaVu Sans"/>
+            </a:endParaRPr>
+          </a:p>
+        </p:txBody>
+      </p:sp>
+      <p:sp>
+        <p:nvSpPr>
+          <p:cNvPr id="564" name="Rectangle 199"/>
+          <p:cNvSpPr/>
+          <p:nvPr/>
+        </p:nvSpPr>
+        <p:spPr>
+          <a:xfrm>
+            <a:off x="4572000" y="0"/>
+            <a:ext cx="16920" cy="6856560"/>
+          </a:xfrm>
+          <a:prstGeom prst="rect">
+            <a:avLst/>
+          </a:prstGeom>
+          <a:solidFill>
+            <a:srgbClr val="121216"/>
+          </a:solidFill>
+          <a:ln>
+            <a:noFill/>
+          </a:ln>
+          <a:effectLst>
+            <a:outerShdw blurRad="39960" dir="5400000" dist="23040" rotWithShape="0">
+              <a:srgbClr val="000000">
+                <a:alpha val="35000"/>
+              </a:srgbClr>
+            </a:outerShdw>
+          </a:effectLst>
+        </p:spPr>
+        <p:style>
+          <a:lnRef idx="1">
+            <a:schemeClr val="accent1"/>
+          </a:lnRef>
+          <a:fillRef idx="3">
+            <a:schemeClr val="accent1"/>
+          </a:fillRef>
+          <a:effectRef idx="2">
+            <a:schemeClr val="accent1"/>
+          </a:effectRef>
+          <a:fontRef idx="minor"/>
+        </p:style>
+        <p:txBody>
+          <a:bodyPr lIns="90000" rIns="90000" tIns="45000" bIns="45000" anchor="ctr">
+            <a:noAutofit/>
+          </a:bodyPr>
+          <a:p>
+            <a:endParaRPr b="0" lang="en-US" sz="1800" spc="-1" strike="noStrike">
+              <a:solidFill>
+                <a:schemeClr val="lt1"/>
+              </a:solidFill>
+              <a:latin typeface="Calibri"/>
+              <a:ea typeface="DejaVu Sans"/>
+            </a:endParaRPr>
+          </a:p>
+        </p:txBody>
+      </p:sp>
+      <p:sp>
+        <p:nvSpPr>
+          <p:cNvPr id="565" name="Rectangle 200"/>
+          <p:cNvSpPr/>
+          <p:nvPr/>
+        </p:nvSpPr>
+        <p:spPr>
+          <a:xfrm>
+            <a:off x="5486400" y="0"/>
+            <a:ext cx="16920" cy="6856560"/>
+          </a:xfrm>
+          <a:prstGeom prst="rect">
+            <a:avLst/>
+          </a:prstGeom>
+          <a:solidFill>
+            <a:srgbClr val="121216"/>
+          </a:solidFill>
+          <a:ln>
+            <a:noFill/>
+          </a:ln>
+          <a:effectLst>
+            <a:outerShdw blurRad="39960" dir="5400000" dist="23040" rotWithShape="0">
+              <a:srgbClr val="000000">
+                <a:alpha val="35000"/>
+              </a:srgbClr>
+            </a:outerShdw>
+          </a:effectLst>
+        </p:spPr>
+        <p:style>
+          <a:lnRef idx="1">
+            <a:schemeClr val="accent1"/>
+          </a:lnRef>
+          <a:fillRef idx="3">
+            <a:schemeClr val="accent1"/>
+          </a:fillRef>
+          <a:effectRef idx="2">
+            <a:schemeClr val="accent1"/>
+          </a:effectRef>
+          <a:fontRef idx="minor"/>
+        </p:style>
+        <p:txBody>
+          <a:bodyPr lIns="90000" rIns="90000" tIns="45000" bIns="45000" anchor="ctr">
+            <a:noAutofit/>
+          </a:bodyPr>
+          <a:p>
+            <a:endParaRPr b="0" lang="en-US" sz="1800" spc="-1" strike="noStrike">
+              <a:solidFill>
+                <a:schemeClr val="lt1"/>
+              </a:solidFill>
+              <a:latin typeface="Calibri"/>
+              <a:ea typeface="DejaVu Sans"/>
+            </a:endParaRPr>
+          </a:p>
+        </p:txBody>
+      </p:sp>
+      <p:sp>
+        <p:nvSpPr>
+          <p:cNvPr id="566" name="Rectangle 201"/>
+          <p:cNvSpPr/>
+          <p:nvPr/>
+        </p:nvSpPr>
+        <p:spPr>
+          <a:xfrm>
+            <a:off x="6400800" y="0"/>
+            <a:ext cx="16920" cy="6856560"/>
+          </a:xfrm>
+          <a:prstGeom prst="rect">
+            <a:avLst/>
+          </a:prstGeom>
+          <a:solidFill>
+            <a:srgbClr val="121216"/>
+          </a:solidFill>
+          <a:ln>
+            <a:noFill/>
+          </a:ln>
+          <a:effectLst>
+            <a:outerShdw blurRad="39960" dir="5400000" dist="23040" rotWithShape="0">
+              <a:srgbClr val="000000">
+                <a:alpha val="35000"/>
+              </a:srgbClr>
+            </a:outerShdw>
+          </a:effectLst>
+        </p:spPr>
+        <p:style>
+          <a:lnRef idx="1">
+            <a:schemeClr val="accent1"/>
+          </a:lnRef>
+          <a:fillRef idx="3">
+            <a:schemeClr val="accent1"/>
+          </a:fillRef>
+          <a:effectRef idx="2">
+            <a:schemeClr val="accent1"/>
+          </a:effectRef>
+          <a:fontRef idx="minor"/>
+        </p:style>
+        <p:txBody>
+          <a:bodyPr lIns="90000" rIns="90000" tIns="45000" bIns="45000" anchor="ctr">
+            <a:noAutofit/>
+          </a:bodyPr>
+          <a:p>
+            <a:endParaRPr b="0" lang="en-US" sz="1800" spc="-1" strike="noStrike">
+              <a:solidFill>
+                <a:schemeClr val="lt1"/>
+              </a:solidFill>
+              <a:latin typeface="Calibri"/>
+              <a:ea typeface="DejaVu Sans"/>
+            </a:endParaRPr>
+          </a:p>
+        </p:txBody>
+      </p:sp>
+      <p:sp>
+        <p:nvSpPr>
+          <p:cNvPr id="567" name="Rectangle 202"/>
+          <p:cNvSpPr/>
+          <p:nvPr/>
+        </p:nvSpPr>
+        <p:spPr>
+          <a:xfrm>
+            <a:off x="7315200" y="0"/>
+            <a:ext cx="16920" cy="6856560"/>
+          </a:xfrm>
+          <a:prstGeom prst="rect">
+            <a:avLst/>
+          </a:prstGeom>
+          <a:solidFill>
+            <a:srgbClr val="121216"/>
+          </a:solidFill>
+          <a:ln>
+            <a:noFill/>
+          </a:ln>
+          <a:effectLst>
+            <a:outerShdw blurRad="39960" dir="5400000" dist="23040" rotWithShape="0">
+              <a:srgbClr val="000000">
+                <a:alpha val="35000"/>
+              </a:srgbClr>
+            </a:outerShdw>
+          </a:effectLst>
+        </p:spPr>
+        <p:style>
+          <a:lnRef idx="1">
+            <a:schemeClr val="accent1"/>
+          </a:lnRef>
+          <a:fillRef idx="3">
+            <a:schemeClr val="accent1"/>
+          </a:fillRef>
+          <a:effectRef idx="2">
+            <a:schemeClr val="accent1"/>
+          </a:effectRef>
+          <a:fontRef idx="minor"/>
+        </p:style>
+        <p:txBody>
+          <a:bodyPr lIns="90000" rIns="90000" tIns="45000" bIns="45000" anchor="ctr">
+            <a:noAutofit/>
+          </a:bodyPr>
+          <a:p>
+            <a:endParaRPr b="0" lang="en-US" sz="1800" spc="-1" strike="noStrike">
+              <a:solidFill>
+                <a:schemeClr val="lt1"/>
+              </a:solidFill>
+              <a:latin typeface="Calibri"/>
+              <a:ea typeface="DejaVu Sans"/>
+            </a:endParaRPr>
+          </a:p>
+        </p:txBody>
+      </p:sp>
+      <p:sp>
+        <p:nvSpPr>
+          <p:cNvPr id="568" name="Rectangle 203"/>
+          <p:cNvSpPr/>
+          <p:nvPr/>
+        </p:nvSpPr>
+        <p:spPr>
+          <a:xfrm>
+            <a:off x="8229600" y="0"/>
+            <a:ext cx="16920" cy="6856560"/>
+          </a:xfrm>
+          <a:prstGeom prst="rect">
+            <a:avLst/>
+          </a:prstGeom>
+          <a:solidFill>
+            <a:srgbClr val="121216"/>
+          </a:solidFill>
+          <a:ln>
+            <a:noFill/>
+          </a:ln>
+          <a:effectLst>
+            <a:outerShdw blurRad="39960" dir="5400000" dist="23040" rotWithShape="0">
+              <a:srgbClr val="000000">
+                <a:alpha val="35000"/>
+              </a:srgbClr>
+            </a:outerShdw>
+          </a:effectLst>
+        </p:spPr>
+        <p:style>
+          <a:lnRef idx="1">
+            <a:schemeClr val="accent1"/>
+          </a:lnRef>
+          <a:fillRef idx="3">
+            <a:schemeClr val="accent1"/>
+          </a:fillRef>
+          <a:effectRef idx="2">
+            <a:schemeClr val="accent1"/>
+          </a:effectRef>
+          <a:fontRef idx="minor"/>
+        </p:style>
+        <p:txBody>
+          <a:bodyPr lIns="90000" rIns="90000" tIns="45000" bIns="45000" anchor="ctr">
+            <a:noAutofit/>
+          </a:bodyPr>
+          <a:p>
+            <a:endParaRPr b="0" lang="en-US" sz="1800" spc="-1" strike="noStrike">
+              <a:solidFill>
+                <a:schemeClr val="lt1"/>
+              </a:solidFill>
+              <a:latin typeface="Calibri"/>
+              <a:ea typeface="DejaVu Sans"/>
+            </a:endParaRPr>
+          </a:p>
+        </p:txBody>
+      </p:sp>
+      <p:sp>
+        <p:nvSpPr>
+          <p:cNvPr id="569" name="Rectangle 204"/>
+          <p:cNvSpPr/>
+          <p:nvPr/>
+        </p:nvSpPr>
+        <p:spPr>
+          <a:xfrm>
+            <a:off x="9144000" y="0"/>
+            <a:ext cx="16920" cy="6856560"/>
+          </a:xfrm>
+          <a:prstGeom prst="rect">
+            <a:avLst/>
+          </a:prstGeom>
+          <a:solidFill>
+            <a:srgbClr val="121216"/>
+          </a:solidFill>
+          <a:ln>
+            <a:noFill/>
+          </a:ln>
+          <a:effectLst>
+            <a:outerShdw blurRad="39960" dir="5400000" dist="23040" rotWithShape="0">
+              <a:srgbClr val="000000">
+                <a:alpha val="35000"/>
+              </a:srgbClr>
+            </a:outerShdw>
+          </a:effectLst>
+        </p:spPr>
+        <p:style>
+          <a:lnRef idx="1">
+            <a:schemeClr val="accent1"/>
+          </a:lnRef>
+          <a:fillRef idx="3">
+            <a:schemeClr val="accent1"/>
+          </a:fillRef>
+          <a:effectRef idx="2">
+            <a:schemeClr val="accent1"/>
+          </a:effectRef>
+          <a:fontRef idx="minor"/>
+        </p:style>
+        <p:txBody>
+          <a:bodyPr lIns="90000" rIns="90000" tIns="45000" bIns="45000" anchor="ctr">
+            <a:noAutofit/>
+          </a:bodyPr>
+          <a:p>
+            <a:endParaRPr b="0" lang="en-US" sz="1800" spc="-1" strike="noStrike">
+              <a:solidFill>
+                <a:schemeClr val="lt1"/>
+              </a:solidFill>
+              <a:latin typeface="Calibri"/>
+              <a:ea typeface="DejaVu Sans"/>
+            </a:endParaRPr>
+          </a:p>
+        </p:txBody>
+      </p:sp>
+      <p:sp>
+        <p:nvSpPr>
+          <p:cNvPr id="570" name="Rectangle 205"/>
+          <p:cNvSpPr/>
+          <p:nvPr/>
+        </p:nvSpPr>
+        <p:spPr>
+          <a:xfrm>
+            <a:off x="10058400" y="0"/>
+            <a:ext cx="16920" cy="6856560"/>
+          </a:xfrm>
+          <a:prstGeom prst="rect">
+            <a:avLst/>
+          </a:prstGeom>
+          <a:solidFill>
+            <a:srgbClr val="121216"/>
+          </a:solidFill>
+          <a:ln>
+            <a:noFill/>
+          </a:ln>
+          <a:effectLst>
+            <a:outerShdw blurRad="39960" dir="5400000" dist="23040" rotWithShape="0">
+              <a:srgbClr val="000000">
+                <a:alpha val="35000"/>
+              </a:srgbClr>
+            </a:outerShdw>
+          </a:effectLst>
+        </p:spPr>
+        <p:style>
+          <a:lnRef idx="1">
+            <a:schemeClr val="accent1"/>
+          </a:lnRef>
+          <a:fillRef idx="3">
+            <a:schemeClr val="accent1"/>
+          </a:fillRef>
+          <a:effectRef idx="2">
+            <a:schemeClr val="accent1"/>
+          </a:effectRef>
+          <a:fontRef idx="minor"/>
+        </p:style>
+        <p:txBody>
+          <a:bodyPr lIns="90000" rIns="90000" tIns="45000" bIns="45000" anchor="ctr">
+            <a:noAutofit/>
+          </a:bodyPr>
+          <a:p>
+            <a:endParaRPr b="0" lang="en-US" sz="1800" spc="-1" strike="noStrike">
+              <a:solidFill>
+                <a:schemeClr val="lt1"/>
+              </a:solidFill>
+              <a:latin typeface="Calibri"/>
+              <a:ea typeface="DejaVu Sans"/>
+            </a:endParaRPr>
+          </a:p>
+        </p:txBody>
+      </p:sp>
+      <p:sp>
+        <p:nvSpPr>
+          <p:cNvPr id="571" name="Rectangle 206"/>
+          <p:cNvSpPr/>
+          <p:nvPr/>
+        </p:nvSpPr>
+        <p:spPr>
+          <a:xfrm>
+            <a:off x="10972800" y="0"/>
+            <a:ext cx="16920" cy="6856560"/>
+          </a:xfrm>
+          <a:prstGeom prst="rect">
+            <a:avLst/>
+          </a:prstGeom>
+          <a:solidFill>
+            <a:srgbClr val="121216"/>
+          </a:solidFill>
+          <a:ln>
+            <a:noFill/>
+          </a:ln>
+          <a:effectLst>
+            <a:outerShdw blurRad="39960" dir="5400000" dist="23040" rotWithShape="0">
+              <a:srgbClr val="000000">
+                <a:alpha val="35000"/>
+              </a:srgbClr>
+            </a:outerShdw>
+          </a:effectLst>
+        </p:spPr>
+        <p:style>
+          <a:lnRef idx="1">
+            <a:schemeClr val="accent1"/>
+          </a:lnRef>
+          <a:fillRef idx="3">
+            <a:schemeClr val="accent1"/>
+          </a:fillRef>
+          <a:effectRef idx="2">
+            <a:schemeClr val="accent1"/>
+          </a:effectRef>
+          <a:fontRef idx="minor"/>
+        </p:style>
+        <p:txBody>
+          <a:bodyPr lIns="90000" rIns="90000" tIns="45000" bIns="45000" anchor="ctr">
+            <a:noAutofit/>
+          </a:bodyPr>
+          <a:p>
+            <a:endParaRPr b="0" lang="en-US" sz="1800" spc="-1" strike="noStrike">
+              <a:solidFill>
+                <a:schemeClr val="lt1"/>
+              </a:solidFill>
+              <a:latin typeface="Calibri"/>
+              <a:ea typeface="DejaVu Sans"/>
+            </a:endParaRPr>
+          </a:p>
+        </p:txBody>
+      </p:sp>
+      <p:sp>
+        <p:nvSpPr>
+          <p:cNvPr id="572" name="Rectangle 207"/>
+          <p:cNvSpPr/>
+          <p:nvPr/>
+        </p:nvSpPr>
+        <p:spPr>
+          <a:xfrm>
+            <a:off x="11887200" y="0"/>
+            <a:ext cx="16920" cy="6856560"/>
+          </a:xfrm>
+          <a:prstGeom prst="rect">
+            <a:avLst/>
+          </a:prstGeom>
+          <a:solidFill>
+            <a:srgbClr val="121216"/>
+          </a:solidFill>
+          <a:ln>
+            <a:noFill/>
+          </a:ln>
+          <a:effectLst>
+            <a:outerShdw blurRad="39960" dir="5400000" dist="23040" rotWithShape="0">
+              <a:srgbClr val="000000">
+                <a:alpha val="35000"/>
+              </a:srgbClr>
+            </a:outerShdw>
+          </a:effectLst>
+        </p:spPr>
+        <p:style>
+          <a:lnRef idx="1">
+            <a:schemeClr val="accent1"/>
+          </a:lnRef>
+          <a:fillRef idx="3">
+            <a:schemeClr val="accent1"/>
+          </a:fillRef>
+          <a:effectRef idx="2">
+            <a:schemeClr val="accent1"/>
+          </a:effectRef>
+          <a:fontRef idx="minor"/>
+        </p:style>
+        <p:txBody>
+          <a:bodyPr lIns="90000" rIns="90000" tIns="45000" bIns="45000" anchor="ctr">
+            <a:noAutofit/>
+          </a:bodyPr>
+          <a:p>
+            <a:endParaRPr b="0" lang="en-US" sz="1800" spc="-1" strike="noStrike">
+              <a:solidFill>
+                <a:schemeClr val="lt1"/>
+              </a:solidFill>
+              <a:latin typeface="Calibri"/>
+              <a:ea typeface="DejaVu Sans"/>
+            </a:endParaRPr>
+          </a:p>
+        </p:txBody>
+      </p:sp>
+      <p:sp>
+        <p:nvSpPr>
+          <p:cNvPr id="573" name="Rectangle 208"/>
+          <p:cNvSpPr/>
+          <p:nvPr/>
+        </p:nvSpPr>
+        <p:spPr>
+          <a:xfrm>
+            <a:off x="0" y="0"/>
+            <a:ext cx="318600" cy="6856560"/>
+          </a:xfrm>
+          <a:prstGeom prst="rect">
+            <a:avLst/>
+          </a:prstGeom>
+          <a:solidFill>
+            <a:srgbClr val="ff8c00"/>
+          </a:solidFill>
+          <a:ln>
+            <a:noFill/>
+          </a:ln>
+          <a:effectLst>
+            <a:outerShdw blurRad="39960" dir="5400000" dist="23040" rotWithShape="0">
+              <a:srgbClr val="000000">
+                <a:alpha val="35000"/>
+              </a:srgbClr>
+            </a:outerShdw>
+          </a:effectLst>
+        </p:spPr>
+        <p:style>
+          <a:lnRef idx="1">
+            <a:schemeClr val="accent1"/>
+          </a:lnRef>
+          <a:fillRef idx="3">
+            <a:schemeClr val="accent1"/>
+          </a:fillRef>
+          <a:effectRef idx="2">
+            <a:schemeClr val="accent1"/>
+          </a:effectRef>
+          <a:fontRef idx="minor"/>
+        </p:style>
+        <p:txBody>
+          <a:bodyPr lIns="90000" rIns="90000" tIns="45000" bIns="45000" anchor="ctr">
+            <a:noAutofit/>
+          </a:bodyPr>
+          <a:p>
+            <a:endParaRPr b="0" lang="en-US" sz="1800" spc="-1" strike="noStrike">
+              <a:solidFill>
+                <a:schemeClr val="lt1"/>
+              </a:solidFill>
+              <a:latin typeface="Calibri"/>
+              <a:ea typeface="DejaVu Sans"/>
+            </a:endParaRPr>
+          </a:p>
+        </p:txBody>
+      </p:sp>
+      <p:sp>
+        <p:nvSpPr>
+          <p:cNvPr id="574" name="Rounded Rectangle 92"/>
+          <p:cNvSpPr/>
+          <p:nvPr/>
+        </p:nvSpPr>
+        <p:spPr>
+          <a:xfrm>
+            <a:off x="9875520" y="365760"/>
+            <a:ext cx="2010240" cy="501480"/>
+          </a:xfrm>
+          <a:prstGeom prst="roundRect">
+            <a:avLst>
+              <a:gd name="adj" fmla="val 16667"/>
+            </a:avLst>
+          </a:prstGeom>
+          <a:solidFill>
+            <a:srgbClr val="1e1e24"/>
+          </a:solidFill>
+          <a:ln>
+            <a:solidFill>
+              <a:srgbClr val="ff8c00"/>
+            </a:solidFill>
+            <a:round/>
+          </a:ln>
+          <a:effectLst>
+            <a:outerShdw blurRad="39960" dir="5400000" dist="23040" rotWithShape="0">
+              <a:srgbClr val="000000">
+                <a:alpha val="35000"/>
+              </a:srgbClr>
+            </a:outerShdw>
+          </a:effectLst>
+        </p:spPr>
+        <p:style>
+          <a:lnRef idx="1">
+            <a:schemeClr val="accent1"/>
+          </a:lnRef>
+          <a:fillRef idx="3">
+            <a:schemeClr val="accent1"/>
+          </a:fillRef>
+          <a:effectRef idx="2">
+            <a:schemeClr val="accent1"/>
+          </a:effectRef>
+          <a:fontRef idx="minor"/>
+        </p:style>
+        <p:txBody>
+          <a:bodyPr lIns="90000" rIns="90000" tIns="45000" bIns="45000" anchor="ctr">
+            <a:noAutofit/>
+          </a:bodyPr>
+          <a:p>
+            <a:pPr algn="ctr">
+              <a:lnSpc>
+                <a:spcPct val="100000"/>
+              </a:lnSpc>
+            </a:pPr>
+            <a:r>
+              <a:rPr b="1" lang="en-US" sz="1400" spc="-1" strike="noStrike">
+                <a:solidFill>
+                  <a:srgbClr val="ffb45a"/>
+                </a:solidFill>
+                <a:latin typeface="Calibri"/>
+                <a:ea typeface="DejaVu Sans"/>
+              </a:rPr>
+              <a:t>JAVA CORE</a:t>
+            </a:r>
+            <a:endParaRPr b="0" lang="en-US" sz="1400" spc="-1" strike="noStrike">
+              <a:solidFill>
+                <a:srgbClr val="ffffff"/>
+              </a:solidFill>
+              <a:latin typeface="Arial"/>
+            </a:endParaRPr>
+          </a:p>
+        </p:txBody>
+      </p:sp>
+      <p:sp>
+        <p:nvSpPr>
+          <p:cNvPr id="575" name="TextBox 40"/>
+          <p:cNvSpPr/>
+          <p:nvPr/>
+        </p:nvSpPr>
+        <p:spPr>
+          <a:xfrm>
+            <a:off x="578160" y="1005840"/>
+            <a:ext cx="9815760" cy="820800"/>
+          </a:xfrm>
+          <a:prstGeom prst="rect">
+            <a:avLst/>
+          </a:prstGeom>
+          <a:noFill/>
+          <a:ln w="0">
+            <a:noFill/>
+          </a:ln>
+        </p:spPr>
+        <p:style>
+          <a:lnRef idx="0"/>
+          <a:fillRef idx="0"/>
+          <a:effectRef idx="0"/>
+          <a:fontRef idx="minor"/>
+        </p:style>
+        <p:txBody>
+          <a:bodyPr wrap="none" lIns="90000" rIns="90000" tIns="45000" bIns="45000" anchor="t">
+            <a:spAutoFit/>
+          </a:bodyPr>
+          <a:p>
+            <a:pPr>
+              <a:lnSpc>
+                <a:spcPct val="100000"/>
+              </a:lnSpc>
+            </a:pPr>
+            <a:r>
+              <a:rPr b="1" lang="en-US" sz="4800" spc="-1" strike="noStrike">
+                <a:solidFill>
+                  <a:srgbClr val="f5f5f5"/>
+                </a:solidFill>
+                <a:latin typeface="Calibri"/>
+                <a:ea typeface="DejaVu Sans"/>
+              </a:rPr>
+              <a:t>UNDERSTANDING JAVA HELLO WORLD</a:t>
+            </a:r>
+            <a:endParaRPr b="0" lang="en-US" sz="4800" spc="-1" strike="noStrike">
+              <a:solidFill>
+                <a:srgbClr val="000000"/>
+              </a:solidFill>
+              <a:latin typeface="Arial"/>
+            </a:endParaRPr>
+          </a:p>
+        </p:txBody>
+      </p:sp>
+      <p:sp>
+        <p:nvSpPr>
+          <p:cNvPr id="576" name="TextBox 41"/>
+          <p:cNvSpPr/>
+          <p:nvPr/>
+        </p:nvSpPr>
+        <p:spPr>
+          <a:xfrm>
+            <a:off x="1653840" y="2194560"/>
+            <a:ext cx="7664040" cy="668520"/>
+          </a:xfrm>
+          <a:prstGeom prst="rect">
+            <a:avLst/>
+          </a:prstGeom>
+          <a:noFill/>
+          <a:ln w="0">
+            <a:noFill/>
+          </a:ln>
+        </p:spPr>
+        <p:style>
+          <a:lnRef idx="0"/>
+          <a:fillRef idx="0"/>
+          <a:effectRef idx="0"/>
+          <a:fontRef idx="minor"/>
+        </p:style>
+        <p:txBody>
+          <a:bodyPr wrap="none" lIns="90000" rIns="90000" tIns="45000" bIns="45000" anchor="t">
+            <a:spAutoFit/>
+          </a:bodyPr>
+          <a:p>
+            <a:pPr>
+              <a:lnSpc>
+                <a:spcPct val="100000"/>
+              </a:lnSpc>
+            </a:pPr>
+            <a:r>
+              <a:rPr b="0" lang="en-US" sz="1900" spc="-1" strike="noStrike">
+                <a:solidFill>
+                  <a:srgbClr val="aaaaaa"/>
+                </a:solidFill>
+                <a:latin typeface="Calibri"/>
+                <a:ea typeface="DejaVu Sans"/>
+              </a:rPr>
+              <a:t>The Hello World program may look simple, but it contains the core structure </a:t>
+            </a:r>
+            <a:endParaRPr b="0" lang="en-US" sz="1900" spc="-1" strike="noStrike">
+              <a:solidFill>
+                <a:srgbClr val="000000"/>
+              </a:solidFill>
+              <a:latin typeface="Arial"/>
+            </a:endParaRPr>
+          </a:p>
+          <a:p>
+            <a:pPr>
+              <a:lnSpc>
+                <a:spcPct val="100000"/>
+              </a:lnSpc>
+            </a:pPr>
+            <a:r>
+              <a:rPr b="0" lang="en-US" sz="1900" spc="-1" strike="noStrike">
+                <a:solidFill>
+                  <a:srgbClr val="aaaaaa"/>
+                </a:solidFill>
+                <a:latin typeface="Calibri"/>
+                <a:ea typeface="DejaVu Sans"/>
+              </a:rPr>
+              <a:t>that every Java application follows.</a:t>
+            </a:r>
+            <a:endParaRPr b="0" lang="en-US" sz="1900" spc="-1" strike="noStrike">
+              <a:solidFill>
+                <a:srgbClr val="000000"/>
+              </a:solidFill>
+              <a:latin typeface="Arial"/>
+            </a:endParaRPr>
+          </a:p>
+        </p:txBody>
+      </p:sp>
+      <p:sp>
+        <p:nvSpPr>
+          <p:cNvPr id="577" name="Rounded Rectangle 93"/>
+          <p:cNvSpPr/>
+          <p:nvPr/>
+        </p:nvSpPr>
+        <p:spPr>
+          <a:xfrm>
+            <a:off x="987480" y="3182040"/>
+            <a:ext cx="3290400" cy="2741760"/>
+          </a:xfrm>
+          <a:prstGeom prst="roundRect">
+            <a:avLst>
+              <a:gd name="adj" fmla="val 16667"/>
+            </a:avLst>
+          </a:prstGeom>
+          <a:solidFill>
+            <a:srgbClr val="08080a"/>
+          </a:solidFill>
+          <a:ln>
+            <a:noFill/>
+          </a:ln>
+          <a:effectLst>
+            <a:outerShdw blurRad="39960" dir="5400000" dist="23040" rotWithShape="0">
+              <a:srgbClr val="000000">
+                <a:alpha val="35000"/>
+              </a:srgbClr>
+            </a:outerShdw>
+          </a:effectLst>
+        </p:spPr>
+        <p:style>
+          <a:lnRef idx="1">
+            <a:schemeClr val="accent1"/>
+          </a:lnRef>
+          <a:fillRef idx="3">
+            <a:schemeClr val="accent1"/>
+          </a:fillRef>
+          <a:effectRef idx="2">
+            <a:schemeClr val="accent1"/>
+          </a:effectRef>
+          <a:fontRef idx="minor"/>
+        </p:style>
+        <p:txBody>
+          <a:bodyPr lIns="90000" rIns="90000" tIns="45000" bIns="45000" anchor="ctr">
+            <a:noAutofit/>
+          </a:bodyPr>
+          <a:p>
+            <a:endParaRPr b="0" lang="en-US" sz="1800" spc="-1" strike="noStrike">
+              <a:solidFill>
+                <a:schemeClr val="lt1"/>
+              </a:solidFill>
+              <a:latin typeface="Calibri"/>
+              <a:ea typeface="DejaVu Sans"/>
+            </a:endParaRPr>
+          </a:p>
+        </p:txBody>
+      </p:sp>
+      <p:sp>
+        <p:nvSpPr>
+          <p:cNvPr id="578" name="Rounded Rectangle 94"/>
+          <p:cNvSpPr/>
+          <p:nvPr/>
+        </p:nvSpPr>
+        <p:spPr>
+          <a:xfrm>
+            <a:off x="914400" y="3108960"/>
+            <a:ext cx="3290400" cy="2741760"/>
+          </a:xfrm>
+          <a:prstGeom prst="roundRect">
+            <a:avLst>
+              <a:gd name="adj" fmla="val 16667"/>
+            </a:avLst>
+          </a:prstGeom>
+          <a:solidFill>
+            <a:srgbClr val="16161c"/>
+          </a:solidFill>
+          <a:ln>
+            <a:solidFill>
+              <a:srgbClr val="464655"/>
+            </a:solidFill>
+            <a:round/>
+          </a:ln>
+          <a:effectLst>
+            <a:outerShdw blurRad="39960" dir="5400000" dist="23040" rotWithShape="0">
+              <a:srgbClr val="000000">
+                <a:alpha val="35000"/>
+              </a:srgbClr>
+            </a:outerShdw>
+          </a:effectLst>
+        </p:spPr>
+        <p:style>
+          <a:lnRef idx="1">
+            <a:schemeClr val="accent1"/>
+          </a:lnRef>
+          <a:fillRef idx="3">
+            <a:schemeClr val="accent1"/>
+          </a:fillRef>
+          <a:effectRef idx="2">
+            <a:schemeClr val="accent1"/>
+          </a:effectRef>
+          <a:fontRef idx="minor"/>
+        </p:style>
+        <p:txBody>
+          <a:bodyPr lIns="90000" rIns="90000" tIns="45000" bIns="45000" anchor="ctr">
+            <a:noAutofit/>
+          </a:bodyPr>
+          <a:p>
+            <a:pPr>
+              <a:lnSpc>
+                <a:spcPct val="100000"/>
+              </a:lnSpc>
+            </a:pPr>
+            <a:r>
+              <a:rPr b="1" lang="en-US" sz="1400" spc="-1" strike="noStrike">
+                <a:solidFill>
+                  <a:schemeClr val="lt1"/>
+                </a:solidFill>
+                <a:latin typeface="Calibri"/>
+                <a:ea typeface="DejaVu Sans"/>
+              </a:rPr>
+              <a:t>● </a:t>
+            </a:r>
+            <a:r>
+              <a:rPr b="1" lang="en-US" sz="1400" spc="-1" strike="noStrike">
+                <a:solidFill>
+                  <a:schemeClr val="lt1"/>
+                </a:solidFill>
+                <a:latin typeface="Calibri"/>
+                <a:ea typeface="DejaVu Sans"/>
+              </a:rPr>
+              <a:t>Java program execution starts from main()</a:t>
+            </a:r>
+            <a:endParaRPr b="0" lang="en-US" sz="1400" spc="-1" strike="noStrike">
+              <a:solidFill>
+                <a:srgbClr val="ffffff"/>
+              </a:solidFill>
+              <a:latin typeface="Arial"/>
+            </a:endParaRPr>
+          </a:p>
+          <a:p>
+            <a:pPr>
+              <a:lnSpc>
+                <a:spcPct val="100000"/>
+              </a:lnSpc>
+            </a:pPr>
+            <a:r>
+              <a:rPr b="1" lang="en-US" sz="1400" spc="-1" strike="noStrike">
+                <a:solidFill>
+                  <a:schemeClr val="lt1"/>
+                </a:solidFill>
+                <a:latin typeface="Calibri"/>
+                <a:ea typeface="DejaVu Sans"/>
+              </a:rPr>
+              <a:t>● </a:t>
+            </a:r>
+            <a:r>
+              <a:rPr b="1" lang="en-US" sz="1400" spc="-1" strike="noStrike">
+                <a:solidFill>
+                  <a:schemeClr val="lt1"/>
+                </a:solidFill>
+                <a:latin typeface="Calibri"/>
+                <a:ea typeface="DejaVu Sans"/>
+              </a:rPr>
+              <a:t>public → accessible from anywhere</a:t>
+            </a:r>
+            <a:endParaRPr b="0" lang="en-US" sz="1400" spc="-1" strike="noStrike">
+              <a:solidFill>
+                <a:srgbClr val="ffffff"/>
+              </a:solidFill>
+              <a:latin typeface="Arial"/>
+            </a:endParaRPr>
+          </a:p>
+          <a:p>
+            <a:pPr>
+              <a:lnSpc>
+                <a:spcPct val="100000"/>
+              </a:lnSpc>
+            </a:pPr>
+            <a:r>
+              <a:rPr b="1" lang="en-US" sz="1400" spc="-1" strike="noStrike">
+                <a:solidFill>
+                  <a:schemeClr val="lt1"/>
+                </a:solidFill>
+                <a:latin typeface="Calibri"/>
+                <a:ea typeface="DejaVu Sans"/>
+              </a:rPr>
+              <a:t>● </a:t>
+            </a:r>
+            <a:r>
+              <a:rPr b="1" lang="en-US" sz="1400" spc="-1" strike="noStrike">
+                <a:solidFill>
+                  <a:schemeClr val="lt1"/>
+                </a:solidFill>
+                <a:latin typeface="Calibri"/>
+                <a:ea typeface="DejaVu Sans"/>
+              </a:rPr>
+              <a:t>static → runs without creating an object</a:t>
+            </a:r>
+            <a:endParaRPr b="0" lang="en-US" sz="1400" spc="-1" strike="noStrike">
+              <a:solidFill>
+                <a:srgbClr val="ffffff"/>
+              </a:solidFill>
+              <a:latin typeface="Arial"/>
+            </a:endParaRPr>
+          </a:p>
+          <a:p>
+            <a:pPr>
+              <a:lnSpc>
+                <a:spcPct val="100000"/>
+              </a:lnSpc>
+            </a:pPr>
+            <a:r>
+              <a:rPr b="1" lang="en-US" sz="1400" spc="-1" strike="noStrike">
+                <a:solidFill>
+                  <a:schemeClr val="lt1"/>
+                </a:solidFill>
+                <a:latin typeface="Calibri"/>
+                <a:ea typeface="DejaVu Sans"/>
+              </a:rPr>
+              <a:t>● </a:t>
+            </a:r>
+            <a:r>
+              <a:rPr b="1" lang="en-US" sz="1400" spc="-1" strike="noStrike">
+                <a:solidFill>
+                  <a:schemeClr val="lt1"/>
+                </a:solidFill>
+                <a:latin typeface="Calibri"/>
+                <a:ea typeface="DejaVu Sans"/>
+              </a:rPr>
+              <a:t>void → method returns nothing</a:t>
+            </a:r>
+            <a:endParaRPr b="0" lang="en-US" sz="1400" spc="-1" strike="noStrike">
+              <a:solidFill>
+                <a:srgbClr val="ffffff"/>
+              </a:solidFill>
+              <a:latin typeface="Arial"/>
+            </a:endParaRPr>
+          </a:p>
+          <a:p>
+            <a:pPr>
+              <a:lnSpc>
+                <a:spcPct val="100000"/>
+              </a:lnSpc>
+            </a:pPr>
+            <a:r>
+              <a:rPr b="1" lang="en-US" sz="1400" spc="-1" strike="noStrike">
+                <a:solidFill>
+                  <a:schemeClr val="lt1"/>
+                </a:solidFill>
+                <a:latin typeface="Calibri"/>
+                <a:ea typeface="DejaVu Sans"/>
+              </a:rPr>
+              <a:t>● </a:t>
+            </a:r>
+            <a:r>
+              <a:rPr b="1" lang="en-US" sz="1400" spc="-1" strike="noStrike">
+                <a:solidFill>
+                  <a:schemeClr val="lt1"/>
+                </a:solidFill>
+                <a:latin typeface="Calibri"/>
+                <a:ea typeface="DejaVu Sans"/>
+              </a:rPr>
+              <a:t>String[] args → command-line parameters</a:t>
+            </a:r>
+            <a:endParaRPr b="0" lang="en-US" sz="1400" spc="-1" strike="noStrike">
+              <a:solidFill>
+                <a:srgbClr val="ffffff"/>
+              </a:solidFill>
+              <a:latin typeface="Arial"/>
+            </a:endParaRPr>
+          </a:p>
+          <a:p>
+            <a:pPr>
+              <a:lnSpc>
+                <a:spcPct val="100000"/>
+              </a:lnSpc>
+            </a:pPr>
+            <a:endParaRPr b="0" lang="en-US" sz="1400" spc="-1" strike="noStrike">
+              <a:solidFill>
+                <a:srgbClr val="ffffff"/>
+              </a:solidFill>
+              <a:latin typeface="Arial"/>
+            </a:endParaRPr>
+          </a:p>
+          <a:p>
+            <a:pPr>
+              <a:lnSpc>
+                <a:spcPct val="100000"/>
+              </a:lnSpc>
+            </a:pPr>
+            <a:r>
+              <a:rPr b="0" lang="en-US" sz="1400" spc="-1" strike="noStrike">
+                <a:solidFill>
+                  <a:schemeClr val="lt1"/>
+                </a:solidFill>
+                <a:latin typeface="Calibri"/>
+                <a:ea typeface="DejaVu Sans"/>
+              </a:rPr>
+              <a:t>Key Idea:</a:t>
+            </a:r>
+            <a:endParaRPr b="0" lang="en-US" sz="1400" spc="-1" strike="noStrike">
+              <a:solidFill>
+                <a:srgbClr val="ffffff"/>
+              </a:solidFill>
+              <a:latin typeface="Arial"/>
+            </a:endParaRPr>
+          </a:p>
+          <a:p>
+            <a:pPr>
+              <a:lnSpc>
+                <a:spcPct val="100000"/>
+              </a:lnSpc>
+            </a:pPr>
+            <a:r>
+              <a:rPr b="0" lang="en-US" sz="1400" spc="-1" strike="noStrike">
+                <a:solidFill>
+                  <a:schemeClr val="lt1"/>
+                </a:solidFill>
+                <a:latin typeface="Calibri"/>
+                <a:ea typeface="DejaVu Sans"/>
+              </a:rPr>
+              <a:t>The main() method is the entry point of every Java application.</a:t>
+            </a:r>
+            <a:endParaRPr b="0" lang="en-US" sz="1400" spc="-1" strike="noStrike">
+              <a:solidFill>
+                <a:srgbClr val="ffffff"/>
+              </a:solidFill>
+              <a:latin typeface="Arial"/>
+            </a:endParaRPr>
+          </a:p>
+        </p:txBody>
+      </p:sp>
+      <p:sp>
+        <p:nvSpPr>
+          <p:cNvPr id="579" name="Rounded Rectangle 95"/>
+          <p:cNvSpPr/>
+          <p:nvPr/>
+        </p:nvSpPr>
+        <p:spPr>
+          <a:xfrm>
+            <a:off x="4507920" y="3182040"/>
+            <a:ext cx="3290400" cy="2741760"/>
+          </a:xfrm>
+          <a:prstGeom prst="roundRect">
+            <a:avLst>
+              <a:gd name="adj" fmla="val 16667"/>
+            </a:avLst>
+          </a:prstGeom>
+          <a:solidFill>
+            <a:srgbClr val="08080a"/>
+          </a:solidFill>
+          <a:ln>
+            <a:noFill/>
+          </a:ln>
+          <a:effectLst>
+            <a:outerShdw blurRad="39960" dir="5400000" dist="23040" rotWithShape="0">
+              <a:srgbClr val="000000">
+                <a:alpha val="35000"/>
+              </a:srgbClr>
+            </a:outerShdw>
+          </a:effectLst>
+        </p:spPr>
+        <p:style>
+          <a:lnRef idx="1">
+            <a:schemeClr val="accent1"/>
+          </a:lnRef>
+          <a:fillRef idx="3">
+            <a:schemeClr val="accent1"/>
+          </a:fillRef>
+          <a:effectRef idx="2">
+            <a:schemeClr val="accent1"/>
+          </a:effectRef>
+          <a:fontRef idx="minor"/>
+        </p:style>
+        <p:txBody>
+          <a:bodyPr lIns="90000" rIns="90000" tIns="45000" bIns="45000" anchor="ctr">
+            <a:noAutofit/>
+          </a:bodyPr>
+          <a:p>
+            <a:endParaRPr b="0" lang="en-US" sz="1800" spc="-1" strike="noStrike">
+              <a:solidFill>
+                <a:schemeClr val="lt1"/>
+              </a:solidFill>
+              <a:latin typeface="Calibri"/>
+              <a:ea typeface="DejaVu Sans"/>
+            </a:endParaRPr>
+          </a:p>
+        </p:txBody>
+      </p:sp>
+      <p:sp>
+        <p:nvSpPr>
+          <p:cNvPr id="580" name="Rounded Rectangle 96"/>
+          <p:cNvSpPr/>
+          <p:nvPr/>
+        </p:nvSpPr>
+        <p:spPr>
+          <a:xfrm>
+            <a:off x="4434840" y="3108960"/>
+            <a:ext cx="3290400" cy="2741760"/>
+          </a:xfrm>
+          <a:prstGeom prst="roundRect">
+            <a:avLst>
+              <a:gd name="adj" fmla="val 16667"/>
+            </a:avLst>
+          </a:prstGeom>
+          <a:solidFill>
+            <a:srgbClr val="16161c"/>
+          </a:solidFill>
+          <a:ln>
+            <a:solidFill>
+              <a:srgbClr val="464655"/>
+            </a:solidFill>
+            <a:round/>
+          </a:ln>
+          <a:effectLst>
+            <a:outerShdw blurRad="39960" dir="5400000" dist="23040" rotWithShape="0">
+              <a:srgbClr val="000000">
+                <a:alpha val="35000"/>
+              </a:srgbClr>
+            </a:outerShdw>
+          </a:effectLst>
+        </p:spPr>
+        <p:style>
+          <a:lnRef idx="1">
+            <a:schemeClr val="accent1"/>
+          </a:lnRef>
+          <a:fillRef idx="3">
+            <a:schemeClr val="accent1"/>
+          </a:fillRef>
+          <a:effectRef idx="2">
+            <a:schemeClr val="accent1"/>
+          </a:effectRef>
+          <a:fontRef idx="minor"/>
+        </p:style>
+        <p:txBody>
+          <a:bodyPr lIns="90000" rIns="90000" tIns="45000" bIns="45000" anchor="ctr">
+            <a:noAutofit/>
+          </a:bodyPr>
+          <a:p>
+            <a:pPr>
+              <a:lnSpc>
+                <a:spcPct val="100000"/>
+              </a:lnSpc>
+            </a:pPr>
+            <a:r>
+              <a:rPr b="0" lang="en-US" sz="1600" spc="-1" strike="noStrike">
+                <a:solidFill>
+                  <a:schemeClr val="lt1"/>
+                </a:solidFill>
+                <a:latin typeface="Calibri"/>
+                <a:ea typeface="DejaVu Sans"/>
+              </a:rPr>
+              <a:t>Program Start</a:t>
+            </a:r>
+            <a:endParaRPr b="0" lang="en-US" sz="1600" spc="-1" strike="noStrike">
+              <a:solidFill>
+                <a:srgbClr val="ffffff"/>
+              </a:solidFill>
+              <a:latin typeface="Arial"/>
+            </a:endParaRPr>
+          </a:p>
+          <a:p>
+            <a:pPr>
+              <a:lnSpc>
+                <a:spcPct val="100000"/>
+              </a:lnSpc>
+            </a:pPr>
+            <a:r>
+              <a:rPr b="0" lang="en-US" sz="1600" spc="-1" strike="noStrike">
+                <a:solidFill>
+                  <a:schemeClr val="lt1"/>
+                </a:solidFill>
+                <a:latin typeface="Calibri"/>
+                <a:ea typeface="DejaVu Sans"/>
+              </a:rPr>
+              <a:t>↓</a:t>
+            </a:r>
+            <a:endParaRPr b="0" lang="en-US" sz="1600" spc="-1" strike="noStrike">
+              <a:solidFill>
+                <a:srgbClr val="ffffff"/>
+              </a:solidFill>
+              <a:latin typeface="Arial"/>
+            </a:endParaRPr>
+          </a:p>
+          <a:p>
+            <a:pPr>
+              <a:lnSpc>
+                <a:spcPct val="100000"/>
+              </a:lnSpc>
+            </a:pPr>
+            <a:r>
+              <a:rPr b="0" lang="en-US" sz="1600" spc="-1" strike="noStrike">
+                <a:solidFill>
+                  <a:schemeClr val="lt1"/>
+                </a:solidFill>
+                <a:latin typeface="Calibri"/>
+                <a:ea typeface="DejaVu Sans"/>
+              </a:rPr>
+              <a:t>JVM searches for main() method</a:t>
+            </a:r>
+            <a:endParaRPr b="0" lang="en-US" sz="1600" spc="-1" strike="noStrike">
+              <a:solidFill>
+                <a:srgbClr val="ffffff"/>
+              </a:solidFill>
+              <a:latin typeface="Arial"/>
+            </a:endParaRPr>
+          </a:p>
+          <a:p>
+            <a:pPr>
+              <a:lnSpc>
+                <a:spcPct val="100000"/>
+              </a:lnSpc>
+            </a:pPr>
+            <a:r>
+              <a:rPr b="0" lang="en-US" sz="1600" spc="-1" strike="noStrike">
+                <a:solidFill>
+                  <a:schemeClr val="lt1"/>
+                </a:solidFill>
+                <a:latin typeface="Calibri"/>
+                <a:ea typeface="DejaVu Sans"/>
+              </a:rPr>
+              <a:t>↓</a:t>
+            </a:r>
+            <a:endParaRPr b="0" lang="en-US" sz="1600" spc="-1" strike="noStrike">
+              <a:solidFill>
+                <a:srgbClr val="ffffff"/>
+              </a:solidFill>
+              <a:latin typeface="Arial"/>
+            </a:endParaRPr>
+          </a:p>
+          <a:p>
+            <a:pPr>
+              <a:lnSpc>
+                <a:spcPct val="100000"/>
+              </a:lnSpc>
+            </a:pPr>
+            <a:r>
+              <a:rPr b="0" lang="en-US" sz="1600" spc="-1" strike="noStrike">
+                <a:solidFill>
+                  <a:schemeClr val="lt1"/>
+                </a:solidFill>
+                <a:latin typeface="Calibri"/>
+                <a:ea typeface="DejaVu Sans"/>
+              </a:rPr>
+              <a:t>main() executes instructions</a:t>
+            </a:r>
+            <a:endParaRPr b="0" lang="en-US" sz="1600" spc="-1" strike="noStrike">
+              <a:solidFill>
+                <a:srgbClr val="ffffff"/>
+              </a:solidFill>
+              <a:latin typeface="Arial"/>
+            </a:endParaRPr>
+          </a:p>
+          <a:p>
+            <a:pPr>
+              <a:lnSpc>
+                <a:spcPct val="100000"/>
+              </a:lnSpc>
+            </a:pPr>
+            <a:r>
+              <a:rPr b="0" lang="en-US" sz="1600" spc="-1" strike="noStrike">
+                <a:solidFill>
+                  <a:schemeClr val="lt1"/>
+                </a:solidFill>
+                <a:latin typeface="Calibri"/>
+                <a:ea typeface="DejaVu Sans"/>
+              </a:rPr>
+              <a:t>↓</a:t>
+            </a:r>
+            <a:endParaRPr b="0" lang="en-US" sz="1600" spc="-1" strike="noStrike">
+              <a:solidFill>
+                <a:srgbClr val="ffffff"/>
+              </a:solidFill>
+              <a:latin typeface="Arial"/>
+            </a:endParaRPr>
+          </a:p>
+          <a:p>
+            <a:pPr>
+              <a:lnSpc>
+                <a:spcPct val="100000"/>
+              </a:lnSpc>
+            </a:pPr>
+            <a:r>
+              <a:rPr b="0" lang="en-US" sz="1600" spc="-1" strike="noStrike">
+                <a:solidFill>
+                  <a:schemeClr val="lt1"/>
+                </a:solidFill>
+                <a:latin typeface="Calibri"/>
+                <a:ea typeface="DejaVu Sans"/>
+              </a:rPr>
+              <a:t>System.out.println() runs</a:t>
+            </a:r>
+            <a:endParaRPr b="0" lang="en-US" sz="1600" spc="-1" strike="noStrike">
+              <a:solidFill>
+                <a:srgbClr val="ffffff"/>
+              </a:solidFill>
+              <a:latin typeface="Arial"/>
+            </a:endParaRPr>
+          </a:p>
+          <a:p>
+            <a:pPr>
+              <a:lnSpc>
+                <a:spcPct val="100000"/>
+              </a:lnSpc>
+            </a:pPr>
+            <a:r>
+              <a:rPr b="0" lang="en-US" sz="1600" spc="-1" strike="noStrike">
+                <a:solidFill>
+                  <a:schemeClr val="lt1"/>
+                </a:solidFill>
+                <a:latin typeface="Calibri"/>
+                <a:ea typeface="DejaVu Sans"/>
+              </a:rPr>
+              <a:t>↓</a:t>
+            </a:r>
+            <a:endParaRPr b="0" lang="en-US" sz="1600" spc="-1" strike="noStrike">
+              <a:solidFill>
+                <a:srgbClr val="ffffff"/>
+              </a:solidFill>
+              <a:latin typeface="Arial"/>
+            </a:endParaRPr>
+          </a:p>
+          <a:p>
+            <a:pPr>
+              <a:lnSpc>
+                <a:spcPct val="100000"/>
+              </a:lnSpc>
+            </a:pPr>
+            <a:r>
+              <a:rPr b="0" lang="en-US" sz="1600" spc="-1" strike="noStrike">
+                <a:solidFill>
+                  <a:schemeClr val="lt1"/>
+                </a:solidFill>
+                <a:latin typeface="Calibri"/>
+                <a:ea typeface="DejaVu Sans"/>
+              </a:rPr>
+              <a:t>Text appears on console</a:t>
+            </a:r>
+            <a:endParaRPr b="0" lang="en-US" sz="1600" spc="-1" strike="noStrike">
+              <a:solidFill>
+                <a:srgbClr val="ffffff"/>
+              </a:solidFill>
+              <a:latin typeface="Arial"/>
+            </a:endParaRPr>
+          </a:p>
+        </p:txBody>
+      </p:sp>
+      <p:sp>
+        <p:nvSpPr>
+          <p:cNvPr id="581" name="Rounded Rectangle 97"/>
+          <p:cNvSpPr/>
+          <p:nvPr/>
+        </p:nvSpPr>
+        <p:spPr>
+          <a:xfrm>
+            <a:off x="8028360" y="3182040"/>
+            <a:ext cx="3290400" cy="2741760"/>
+          </a:xfrm>
+          <a:prstGeom prst="roundRect">
+            <a:avLst>
+              <a:gd name="adj" fmla="val 16667"/>
+            </a:avLst>
+          </a:prstGeom>
+          <a:solidFill>
+            <a:srgbClr val="08080a"/>
+          </a:solidFill>
+          <a:ln>
+            <a:noFill/>
+          </a:ln>
+          <a:effectLst>
+            <a:outerShdw blurRad="39960" dir="5400000" dist="23040" rotWithShape="0">
+              <a:srgbClr val="000000">
+                <a:alpha val="35000"/>
+              </a:srgbClr>
+            </a:outerShdw>
+          </a:effectLst>
+        </p:spPr>
+        <p:style>
+          <a:lnRef idx="1">
+            <a:schemeClr val="accent1"/>
+          </a:lnRef>
+          <a:fillRef idx="3">
+            <a:schemeClr val="accent1"/>
+          </a:fillRef>
+          <a:effectRef idx="2">
+            <a:schemeClr val="accent1"/>
+          </a:effectRef>
+          <a:fontRef idx="minor"/>
+        </p:style>
+        <p:txBody>
+          <a:bodyPr lIns="90000" rIns="90000" tIns="45000" bIns="45000" anchor="ctr">
+            <a:noAutofit/>
+          </a:bodyPr>
+          <a:p>
+            <a:endParaRPr b="0" lang="en-US" sz="1800" spc="-1" strike="noStrike">
+              <a:solidFill>
+                <a:schemeClr val="lt1"/>
+              </a:solidFill>
+              <a:latin typeface="Calibri"/>
+              <a:ea typeface="DejaVu Sans"/>
+            </a:endParaRPr>
+          </a:p>
+        </p:txBody>
+      </p:sp>
+      <p:sp>
+        <p:nvSpPr>
+          <p:cNvPr id="582" name="Rounded Rectangle 98"/>
+          <p:cNvSpPr/>
+          <p:nvPr/>
+        </p:nvSpPr>
+        <p:spPr>
+          <a:xfrm>
+            <a:off x="7955280" y="3108960"/>
+            <a:ext cx="3290400" cy="2741760"/>
+          </a:xfrm>
+          <a:prstGeom prst="roundRect">
+            <a:avLst>
+              <a:gd name="adj" fmla="val 16667"/>
+            </a:avLst>
+          </a:prstGeom>
+          <a:solidFill>
+            <a:srgbClr val="16161c"/>
+          </a:solidFill>
+          <a:ln>
+            <a:solidFill>
+              <a:srgbClr val="464655"/>
+            </a:solidFill>
+            <a:round/>
+          </a:ln>
+          <a:effectLst>
+            <a:outerShdw blurRad="39960" dir="5400000" dist="23040" rotWithShape="0">
+              <a:srgbClr val="000000">
+                <a:alpha val="35000"/>
+              </a:srgbClr>
+            </a:outerShdw>
+          </a:effectLst>
+        </p:spPr>
+        <p:style>
+          <a:lnRef idx="1">
+            <a:schemeClr val="accent1"/>
+          </a:lnRef>
+          <a:fillRef idx="3">
+            <a:schemeClr val="accent1"/>
+          </a:fillRef>
+          <a:effectRef idx="2">
+            <a:schemeClr val="accent1"/>
+          </a:effectRef>
+          <a:fontRef idx="minor"/>
+        </p:style>
+        <p:txBody>
+          <a:bodyPr lIns="90000" rIns="90000" tIns="45000" bIns="45000" anchor="ctr">
+            <a:noAutofit/>
+          </a:bodyPr>
+          <a:p>
+            <a:pPr algn="ctr">
+              <a:lnSpc>
+                <a:spcPct val="100000"/>
+              </a:lnSpc>
+            </a:pPr>
+            <a:endParaRPr b="0" lang="en-US" sz="1600" spc="-1" strike="noStrike">
+              <a:solidFill>
+                <a:srgbClr val="ffffff"/>
+              </a:solidFill>
+              <a:latin typeface="Arial"/>
+            </a:endParaRPr>
+          </a:p>
+          <a:p>
+            <a:pPr algn="ctr">
+              <a:lnSpc>
+                <a:spcPct val="100000"/>
+              </a:lnSpc>
+            </a:pPr>
+            <a:r>
+              <a:rPr b="0" lang="en-US" sz="1600" spc="-1" strike="noStrike">
+                <a:solidFill>
+                  <a:srgbClr val="78ffc8"/>
+                </a:solidFill>
+                <a:latin typeface="Consolas"/>
+                <a:ea typeface="DejaVu Sans"/>
+              </a:rPr>
+              <a:t>public class HelloWorld {</a:t>
+            </a:r>
+            <a:endParaRPr b="0" lang="en-US" sz="1600" spc="-1" strike="noStrike">
+              <a:solidFill>
+                <a:srgbClr val="ffffff"/>
+              </a:solidFill>
+              <a:latin typeface="Arial"/>
+            </a:endParaRPr>
+          </a:p>
+          <a:p>
+            <a:pPr algn="ctr">
+              <a:lnSpc>
+                <a:spcPct val="100000"/>
+              </a:lnSpc>
+            </a:pPr>
+            <a:endParaRPr b="0" lang="en-US" sz="1600" spc="-1" strike="noStrike">
+              <a:solidFill>
+                <a:srgbClr val="ffffff"/>
+              </a:solidFill>
+              <a:latin typeface="Arial"/>
+            </a:endParaRPr>
+          </a:p>
+          <a:p>
+            <a:pPr algn="ctr">
+              <a:lnSpc>
+                <a:spcPct val="100000"/>
+              </a:lnSpc>
+            </a:pPr>
+            <a:r>
+              <a:rPr b="0" lang="en-US" sz="1600" spc="-1" strike="noStrike">
+                <a:solidFill>
+                  <a:srgbClr val="78ffc8"/>
+                </a:solidFill>
+                <a:latin typeface="Consolas"/>
+                <a:ea typeface="DejaVu Sans"/>
+              </a:rPr>
+              <a:t>    </a:t>
+            </a:r>
+            <a:r>
+              <a:rPr b="0" lang="en-US" sz="1600" spc="-1" strike="noStrike">
+                <a:solidFill>
+                  <a:srgbClr val="78ffc8"/>
+                </a:solidFill>
+                <a:latin typeface="Consolas"/>
+                <a:ea typeface="DejaVu Sans"/>
+              </a:rPr>
+              <a:t>public static void main(String[] args) {</a:t>
+            </a:r>
+            <a:endParaRPr b="0" lang="en-US" sz="1600" spc="-1" strike="noStrike">
+              <a:solidFill>
+                <a:srgbClr val="ffffff"/>
+              </a:solidFill>
+              <a:latin typeface="Arial"/>
+            </a:endParaRPr>
+          </a:p>
+          <a:p>
+            <a:pPr algn="ctr">
+              <a:lnSpc>
+                <a:spcPct val="100000"/>
+              </a:lnSpc>
+            </a:pPr>
+            <a:r>
+              <a:rPr b="0" lang="en-US" sz="1600" spc="-1" strike="noStrike">
+                <a:solidFill>
+                  <a:srgbClr val="78ffc8"/>
+                </a:solidFill>
+                <a:latin typeface="Consolas"/>
+                <a:ea typeface="DejaVu Sans"/>
+              </a:rPr>
+              <a:t>        </a:t>
+            </a:r>
+            <a:r>
+              <a:rPr b="0" lang="en-US" sz="1600" spc="-1" strike="noStrike">
+                <a:solidFill>
+                  <a:srgbClr val="78ffc8"/>
+                </a:solidFill>
+                <a:latin typeface="Consolas"/>
+                <a:ea typeface="DejaVu Sans"/>
+              </a:rPr>
+              <a:t>System.out.println("Hello World");</a:t>
+            </a:r>
+            <a:endParaRPr b="0" lang="en-US" sz="1600" spc="-1" strike="noStrike">
+              <a:solidFill>
+                <a:srgbClr val="ffffff"/>
+              </a:solidFill>
+              <a:latin typeface="Arial"/>
+            </a:endParaRPr>
+          </a:p>
+          <a:p>
+            <a:pPr algn="ctr">
+              <a:lnSpc>
+                <a:spcPct val="100000"/>
+              </a:lnSpc>
+            </a:pPr>
+            <a:r>
+              <a:rPr b="0" lang="en-US" sz="1600" spc="-1" strike="noStrike">
+                <a:solidFill>
+                  <a:srgbClr val="78ffc8"/>
+                </a:solidFill>
+                <a:latin typeface="Consolas"/>
+                <a:ea typeface="DejaVu Sans"/>
+              </a:rPr>
+              <a:t>    </a:t>
+            </a:r>
+            <a:r>
+              <a:rPr b="0" lang="en-US" sz="1600" spc="-1" strike="noStrike">
+                <a:solidFill>
+                  <a:srgbClr val="78ffc8"/>
+                </a:solidFill>
+                <a:latin typeface="Consolas"/>
+                <a:ea typeface="DejaVu Sans"/>
+              </a:rPr>
+              <a:t>}</a:t>
+            </a:r>
+            <a:endParaRPr b="0" lang="en-US" sz="1600" spc="-1" strike="noStrike">
+              <a:solidFill>
+                <a:srgbClr val="ffffff"/>
+              </a:solidFill>
+              <a:latin typeface="Arial"/>
+            </a:endParaRPr>
+          </a:p>
+          <a:p>
+            <a:pPr algn="ctr">
+              <a:lnSpc>
+                <a:spcPct val="100000"/>
+              </a:lnSpc>
+            </a:pPr>
+            <a:endParaRPr b="0" lang="en-US" sz="1600" spc="-1" strike="noStrike">
+              <a:solidFill>
+                <a:srgbClr val="ffffff"/>
+              </a:solidFill>
+              <a:latin typeface="Arial"/>
+            </a:endParaRPr>
+          </a:p>
+          <a:p>
+            <a:pPr algn="ctr">
+              <a:lnSpc>
+                <a:spcPct val="100000"/>
+              </a:lnSpc>
+            </a:pPr>
+            <a:r>
+              <a:rPr b="0" lang="en-US" sz="1600" spc="-1" strike="noStrike">
+                <a:solidFill>
+                  <a:srgbClr val="78ffc8"/>
+                </a:solidFill>
+                <a:latin typeface="Consolas"/>
+                <a:ea typeface="DejaVu Sans"/>
+              </a:rPr>
+              <a:t>}</a:t>
+            </a:r>
+            <a:endParaRPr b="0" lang="en-US" sz="1600" spc="-1" strike="noStrike">
+              <a:solidFill>
+                <a:srgbClr val="ffffff"/>
+              </a:solidFill>
+              <a:latin typeface="Arial"/>
+            </a:endParaRPr>
+          </a:p>
+          <a:p>
+            <a:pPr algn="ctr">
+              <a:lnSpc>
+                <a:spcPct val="100000"/>
+              </a:lnSpc>
+            </a:pPr>
+            <a:endParaRPr b="0" lang="en-US" sz="1600" spc="-1" strike="noStrike">
+              <a:solidFill>
+                <a:srgbClr val="ffffff"/>
+              </a:solidFill>
+              <a:latin typeface="Arial"/>
+            </a:endParaRPr>
+          </a:p>
+        </p:txBody>
+      </p:sp>
+      <p:sp>
+        <p:nvSpPr>
+          <p:cNvPr id="583" name="TextBox 42"/>
+          <p:cNvSpPr/>
+          <p:nvPr/>
+        </p:nvSpPr>
+        <p:spPr>
+          <a:xfrm>
+            <a:off x="4600080" y="6446520"/>
+            <a:ext cx="3051360" cy="363960"/>
           </a:xfrm>
           <a:prstGeom prst="rect">
             <a:avLst/>
@@ -27470,7 +29687,7 @@
         <p:spPr>
           <a:xfrm>
             <a:off x="0" y="0"/>
-            <a:ext cx="12184920" cy="6854040"/>
+            <a:ext cx="12184560" cy="6853680"/>
           </a:xfrm>
           <a:prstGeom prst="rect">
             <a:avLst/>
@@ -27530,7 +29747,7 @@
         <p:spPr>
           <a:xfrm>
             <a:off x="0" y="0"/>
-            <a:ext cx="14400" cy="6854040"/>
+            <a:ext cx="14040" cy="6853680"/>
           </a:xfrm>
           <a:prstGeom prst="rect">
             <a:avLst/>
@@ -27590,7 +29807,7 @@
         <p:spPr>
           <a:xfrm>
             <a:off x="914400" y="0"/>
-            <a:ext cx="14400" cy="6854040"/>
+            <a:ext cx="14040" cy="6853680"/>
           </a:xfrm>
           <a:prstGeom prst="rect">
             <a:avLst/>
@@ -27650,7 +29867,7 @@
         <p:spPr>
           <a:xfrm>
             <a:off x="1828800" y="0"/>
-            <a:ext cx="14400" cy="6854040"/>
+            <a:ext cx="14040" cy="6853680"/>
           </a:xfrm>
           <a:prstGeom prst="rect">
             <a:avLst/>
@@ -27710,7 +29927,7 @@
         <p:spPr>
           <a:xfrm>
             <a:off x="2743200" y="0"/>
-            <a:ext cx="14400" cy="6854040"/>
+            <a:ext cx="14040" cy="6853680"/>
           </a:xfrm>
           <a:prstGeom prst="rect">
             <a:avLst/>
@@ -27770,7 +29987,7 @@
         <p:spPr>
           <a:xfrm>
             <a:off x="3657600" y="0"/>
-            <a:ext cx="14400" cy="6854040"/>
+            <a:ext cx="14040" cy="6853680"/>
           </a:xfrm>
           <a:prstGeom prst="rect">
             <a:avLst/>
@@ -27830,7 +30047,7 @@
         <p:spPr>
           <a:xfrm>
             <a:off x="4572000" y="0"/>
-            <a:ext cx="14400" cy="6854040"/>
+            <a:ext cx="14040" cy="6853680"/>
           </a:xfrm>
           <a:prstGeom prst="rect">
             <a:avLst/>
@@ -27890,7 +30107,7 @@
         <p:spPr>
           <a:xfrm>
             <a:off x="5486400" y="0"/>
-            <a:ext cx="14400" cy="6854040"/>
+            <a:ext cx="14040" cy="6853680"/>
           </a:xfrm>
           <a:prstGeom prst="rect">
             <a:avLst/>
@@ -27950,7 +30167,7 @@
         <p:spPr>
           <a:xfrm>
             <a:off x="6400800" y="0"/>
-            <a:ext cx="14400" cy="6854040"/>
+            <a:ext cx="14040" cy="6853680"/>
           </a:xfrm>
           <a:prstGeom prst="rect">
             <a:avLst/>
@@ -28010,7 +30227,7 @@
         <p:spPr>
           <a:xfrm>
             <a:off x="7315200" y="0"/>
-            <a:ext cx="14400" cy="6854040"/>
+            <a:ext cx="14040" cy="6853680"/>
           </a:xfrm>
           <a:prstGeom prst="rect">
             <a:avLst/>
@@ -28070,7 +30287,7 @@
         <p:spPr>
           <a:xfrm>
             <a:off x="8229600" y="0"/>
-            <a:ext cx="14400" cy="6854040"/>
+            <a:ext cx="14040" cy="6853680"/>
           </a:xfrm>
           <a:prstGeom prst="rect">
             <a:avLst/>
@@ -28130,7 +30347,7 @@
         <p:spPr>
           <a:xfrm>
             <a:off x="9144000" y="0"/>
-            <a:ext cx="14400" cy="6854040"/>
+            <a:ext cx="14040" cy="6853680"/>
           </a:xfrm>
           <a:prstGeom prst="rect">
             <a:avLst/>
@@ -28190,7 +30407,7 @@
         <p:spPr>
           <a:xfrm>
             <a:off x="10058400" y="0"/>
-            <a:ext cx="14400" cy="6854040"/>
+            <a:ext cx="14040" cy="6853680"/>
           </a:xfrm>
           <a:prstGeom prst="rect">
             <a:avLst/>
@@ -28250,7 +30467,7 @@
         <p:spPr>
           <a:xfrm>
             <a:off x="10972800" y="0"/>
-            <a:ext cx="14400" cy="6854040"/>
+            <a:ext cx="14040" cy="6853680"/>
           </a:xfrm>
           <a:prstGeom prst="rect">
             <a:avLst/>
@@ -28310,7 +30527,7 @@
         <p:spPr>
           <a:xfrm>
             <a:off x="11887200" y="0"/>
-            <a:ext cx="14400" cy="6854040"/>
+            <a:ext cx="14040" cy="6853680"/>
           </a:xfrm>
           <a:prstGeom prst="rect">
             <a:avLst/>
@@ -28370,7 +30587,7 @@
         <p:spPr>
           <a:xfrm>
             <a:off x="0" y="0"/>
-            <a:ext cx="316080" cy="6854040"/>
+            <a:ext cx="315720" cy="6853680"/>
           </a:xfrm>
           <a:prstGeom prst="rect">
             <a:avLst/>
@@ -28430,7 +30647,7 @@
         <p:spPr>
           <a:xfrm>
             <a:off x="9875520" y="365760"/>
-            <a:ext cx="2007720" cy="498960"/>
+            <a:ext cx="2007360" cy="498600"/>
           </a:xfrm>
           <a:prstGeom prst="roundRect">
             <a:avLst>
@@ -28612,7 +30829,7 @@
         <p:spPr>
           <a:xfrm>
             <a:off x="987480" y="3182040"/>
-            <a:ext cx="3287880" cy="2739240"/>
+            <a:ext cx="3287520" cy="2738880"/>
           </a:xfrm>
           <a:prstGeom prst="roundRect">
             <a:avLst>
@@ -28674,7 +30891,7 @@
         <p:spPr>
           <a:xfrm>
             <a:off x="914400" y="3108960"/>
-            <a:ext cx="3287880" cy="2739240"/>
+            <a:ext cx="3287520" cy="2738880"/>
           </a:xfrm>
           <a:prstGeom prst="roundRect">
             <a:avLst>
@@ -28929,7 +31146,7 @@
         <p:spPr>
           <a:xfrm>
             <a:off x="4507920" y="3182040"/>
-            <a:ext cx="3287880" cy="2739240"/>
+            <a:ext cx="3287520" cy="2738880"/>
           </a:xfrm>
           <a:prstGeom prst="roundRect">
             <a:avLst>
@@ -28991,7 +31208,7 @@
         <p:spPr>
           <a:xfrm>
             <a:off x="4434840" y="3108960"/>
-            <a:ext cx="3287880" cy="2739240"/>
+            <a:ext cx="3287520" cy="2738880"/>
           </a:xfrm>
           <a:prstGeom prst="roundRect">
             <a:avLst>
@@ -29226,7 +31443,7 @@
         <p:spPr>
           <a:xfrm>
             <a:off x="8028360" y="3182040"/>
-            <a:ext cx="3287880" cy="2739240"/>
+            <a:ext cx="3287520" cy="2738880"/>
           </a:xfrm>
           <a:prstGeom prst="roundRect">
             <a:avLst>
@@ -29288,7 +31505,7 @@
         <p:spPr>
           <a:xfrm>
             <a:off x="7955280" y="3108960"/>
-            <a:ext cx="3287880" cy="2739240"/>
+            <a:ext cx="3287520" cy="2738880"/>
           </a:xfrm>
           <a:prstGeom prst="roundRect">
             <a:avLst>
@@ -29610,7 +31827,7 @@
         <p:spPr>
           <a:xfrm>
             <a:off x="0" y="0"/>
-            <a:ext cx="12185280" cy="6854400"/>
+            <a:ext cx="12184920" cy="6854040"/>
           </a:xfrm>
           <a:prstGeom prst="rect">
             <a:avLst/>
@@ -29670,7 +31887,7 @@
         <p:spPr>
           <a:xfrm>
             <a:off x="0" y="0"/>
-            <a:ext cx="14760" cy="6854400"/>
+            <a:ext cx="14400" cy="6854040"/>
           </a:xfrm>
           <a:prstGeom prst="rect">
             <a:avLst/>
@@ -29730,7 +31947,7 @@
         <p:spPr>
           <a:xfrm>
             <a:off x="914400" y="0"/>
-            <a:ext cx="14760" cy="6854400"/>
+            <a:ext cx="14400" cy="6854040"/>
           </a:xfrm>
           <a:prstGeom prst="rect">
             <a:avLst/>
@@ -29790,7 +32007,7 @@
         <p:spPr>
           <a:xfrm>
             <a:off x="1828800" y="0"/>
-            <a:ext cx="14760" cy="6854400"/>
+            <a:ext cx="14400" cy="6854040"/>
           </a:xfrm>
           <a:prstGeom prst="rect">
             <a:avLst/>
@@ -29850,7 +32067,7 @@
         <p:spPr>
           <a:xfrm>
             <a:off x="2743200" y="0"/>
-            <a:ext cx="14760" cy="6854400"/>
+            <a:ext cx="14400" cy="6854040"/>
           </a:xfrm>
           <a:prstGeom prst="rect">
             <a:avLst/>
@@ -29910,7 +32127,7 @@
         <p:spPr>
           <a:xfrm>
             <a:off x="3657600" y="0"/>
-            <a:ext cx="14760" cy="6854400"/>
+            <a:ext cx="14400" cy="6854040"/>
           </a:xfrm>
           <a:prstGeom prst="rect">
             <a:avLst/>
@@ -29970,7 +32187,7 @@
         <p:spPr>
           <a:xfrm>
             <a:off x="4572000" y="0"/>
-            <a:ext cx="14760" cy="6854400"/>
+            <a:ext cx="14400" cy="6854040"/>
           </a:xfrm>
           <a:prstGeom prst="rect">
             <a:avLst/>
@@ -30030,7 +32247,7 @@
         <p:spPr>
           <a:xfrm>
             <a:off x="5486400" y="0"/>
-            <a:ext cx="14760" cy="6854400"/>
+            <a:ext cx="14400" cy="6854040"/>
           </a:xfrm>
           <a:prstGeom prst="rect">
             <a:avLst/>
@@ -30090,7 +32307,7 @@
         <p:spPr>
           <a:xfrm>
             <a:off x="6400800" y="0"/>
-            <a:ext cx="14760" cy="6854400"/>
+            <a:ext cx="14400" cy="6854040"/>
           </a:xfrm>
           <a:prstGeom prst="rect">
             <a:avLst/>
@@ -30150,7 +32367,7 @@
         <p:spPr>
           <a:xfrm>
             <a:off x="7315200" y="0"/>
-            <a:ext cx="14760" cy="6854400"/>
+            <a:ext cx="14400" cy="6854040"/>
           </a:xfrm>
           <a:prstGeom prst="rect">
             <a:avLst/>
@@ -30210,7 +32427,7 @@
         <p:spPr>
           <a:xfrm>
             <a:off x="8229600" y="0"/>
-            <a:ext cx="14760" cy="6854400"/>
+            <a:ext cx="14400" cy="6854040"/>
           </a:xfrm>
           <a:prstGeom prst="rect">
             <a:avLst/>
@@ -30270,7 +32487,7 @@
         <p:spPr>
           <a:xfrm>
             <a:off x="9144000" y="0"/>
-            <a:ext cx="14760" cy="6854400"/>
+            <a:ext cx="14400" cy="6854040"/>
           </a:xfrm>
           <a:prstGeom prst="rect">
             <a:avLst/>
@@ -30330,7 +32547,7 @@
         <p:spPr>
           <a:xfrm>
             <a:off x="10058400" y="0"/>
-            <a:ext cx="14760" cy="6854400"/>
+            <a:ext cx="14400" cy="6854040"/>
           </a:xfrm>
           <a:prstGeom prst="rect">
             <a:avLst/>
@@ -30390,7 +32607,7 @@
         <p:spPr>
           <a:xfrm>
             <a:off x="10972800" y="0"/>
-            <a:ext cx="14760" cy="6854400"/>
+            <a:ext cx="14400" cy="6854040"/>
           </a:xfrm>
           <a:prstGeom prst="rect">
             <a:avLst/>
@@ -30450,7 +32667,7 @@
         <p:spPr>
           <a:xfrm>
             <a:off x="11887200" y="0"/>
-            <a:ext cx="14760" cy="6854400"/>
+            <a:ext cx="14400" cy="6854040"/>
           </a:xfrm>
           <a:prstGeom prst="rect">
             <a:avLst/>
@@ -30510,7 +32727,7 @@
         <p:spPr>
           <a:xfrm>
             <a:off x="0" y="0"/>
-            <a:ext cx="316440" cy="6854400"/>
+            <a:ext cx="316080" cy="6854040"/>
           </a:xfrm>
           <a:prstGeom prst="rect">
             <a:avLst/>
@@ -30570,7 +32787,7 @@
         <p:spPr>
           <a:xfrm>
             <a:off x="9875520" y="365760"/>
-            <a:ext cx="2008080" cy="499320"/>
+            <a:ext cx="2007720" cy="498960"/>
           </a:xfrm>
           <a:prstGeom prst="roundRect">
             <a:avLst>
@@ -30752,7 +32969,7 @@
         <p:spPr>
           <a:xfrm>
             <a:off x="987480" y="3182040"/>
-            <a:ext cx="3288240" cy="2739600"/>
+            <a:ext cx="3287880" cy="2739240"/>
           </a:xfrm>
           <a:prstGeom prst="roundRect">
             <a:avLst>
@@ -30814,7 +33031,7 @@
         <p:spPr>
           <a:xfrm>
             <a:off x="475560" y="2743200"/>
-            <a:ext cx="3727080" cy="3105360"/>
+            <a:ext cx="3726720" cy="3105000"/>
           </a:xfrm>
           <a:prstGeom prst="roundRect">
             <a:avLst>
@@ -31091,7 +33308,7 @@
         <p:spPr>
           <a:xfrm>
             <a:off x="4507920" y="3182040"/>
-            <a:ext cx="3288240" cy="2739600"/>
+            <a:ext cx="3287880" cy="2739240"/>
           </a:xfrm>
           <a:prstGeom prst="roundRect">
             <a:avLst>
@@ -31153,7 +33370,7 @@
         <p:spPr>
           <a:xfrm>
             <a:off x="4343400" y="2918520"/>
-            <a:ext cx="3516840" cy="2930040"/>
+            <a:ext cx="3516480" cy="2929680"/>
           </a:xfrm>
           <a:prstGeom prst="roundRect">
             <a:avLst>
@@ -31655,7 +33872,7 @@
         <p:spPr>
           <a:xfrm>
             <a:off x="8028360" y="3182040"/>
-            <a:ext cx="3288240" cy="2739600"/>
+            <a:ext cx="3287880" cy="2739240"/>
           </a:xfrm>
           <a:prstGeom prst="roundRect">
             <a:avLst>
@@ -31717,7 +33934,7 @@
         <p:spPr>
           <a:xfrm>
             <a:off x="8023680" y="2743200"/>
-            <a:ext cx="3838320" cy="3197880"/>
+            <a:ext cx="3837960" cy="3197520"/>
           </a:xfrm>
           <a:prstGeom prst="roundRect">
             <a:avLst>
@@ -32273,7 +34490,7 @@
         <p:spPr>
           <a:xfrm>
             <a:off x="0" y="0"/>
-            <a:ext cx="12185640" cy="6854760"/>
+            <a:ext cx="12185280" cy="6854400"/>
           </a:xfrm>
           <a:prstGeom prst="rect">
             <a:avLst/>
@@ -32333,7 +34550,7 @@
         <p:spPr>
           <a:xfrm>
             <a:off x="0" y="0"/>
-            <a:ext cx="15120" cy="6854760"/>
+            <a:ext cx="14760" cy="6854400"/>
           </a:xfrm>
           <a:prstGeom prst="rect">
             <a:avLst/>
@@ -32393,7 +34610,7 @@
         <p:spPr>
           <a:xfrm>
             <a:off x="914400" y="0"/>
-            <a:ext cx="15120" cy="6854760"/>
+            <a:ext cx="14760" cy="6854400"/>
           </a:xfrm>
           <a:prstGeom prst="rect">
             <a:avLst/>
@@ -32453,7 +34670,7 @@
         <p:spPr>
           <a:xfrm>
             <a:off x="1828800" y="0"/>
-            <a:ext cx="15120" cy="6854760"/>
+            <a:ext cx="14760" cy="6854400"/>
           </a:xfrm>
           <a:prstGeom prst="rect">
             <a:avLst/>
@@ -32513,7 +34730,7 @@
         <p:spPr>
           <a:xfrm>
             <a:off x="2743200" y="0"/>
-            <a:ext cx="15120" cy="6854760"/>
+            <a:ext cx="14760" cy="6854400"/>
           </a:xfrm>
           <a:prstGeom prst="rect">
             <a:avLst/>
@@ -32573,7 +34790,7 @@
         <p:spPr>
           <a:xfrm>
             <a:off x="3657600" y="0"/>
-            <a:ext cx="15120" cy="6854760"/>
+            <a:ext cx="14760" cy="6854400"/>
           </a:xfrm>
           <a:prstGeom prst="rect">
             <a:avLst/>
@@ -32633,7 +34850,7 @@
         <p:spPr>
           <a:xfrm>
             <a:off x="4572000" y="0"/>
-            <a:ext cx="15120" cy="6854760"/>
+            <a:ext cx="14760" cy="6854400"/>
           </a:xfrm>
           <a:prstGeom prst="rect">
             <a:avLst/>
@@ -32693,7 +34910,7 @@
         <p:spPr>
           <a:xfrm>
             <a:off x="5486400" y="0"/>
-            <a:ext cx="15120" cy="6854760"/>
+            <a:ext cx="14760" cy="6854400"/>
           </a:xfrm>
           <a:prstGeom prst="rect">
             <a:avLst/>
@@ -32753,7 +34970,7 @@
         <p:spPr>
           <a:xfrm>
             <a:off x="6400800" y="0"/>
-            <a:ext cx="15120" cy="6854760"/>
+            <a:ext cx="14760" cy="6854400"/>
           </a:xfrm>
           <a:prstGeom prst="rect">
             <a:avLst/>
@@ -32813,7 +35030,7 @@
         <p:spPr>
           <a:xfrm>
             <a:off x="7315200" y="0"/>
-            <a:ext cx="15120" cy="6854760"/>
+            <a:ext cx="14760" cy="6854400"/>
           </a:xfrm>
           <a:prstGeom prst="rect">
             <a:avLst/>
@@ -32873,7 +35090,7 @@
         <p:spPr>
           <a:xfrm>
             <a:off x="8229600" y="0"/>
-            <a:ext cx="15120" cy="6854760"/>
+            <a:ext cx="14760" cy="6854400"/>
           </a:xfrm>
           <a:prstGeom prst="rect">
             <a:avLst/>
@@ -32933,7 +35150,7 @@
         <p:spPr>
           <a:xfrm>
             <a:off x="9144000" y="0"/>
-            <a:ext cx="15120" cy="6854760"/>
+            <a:ext cx="14760" cy="6854400"/>
           </a:xfrm>
           <a:prstGeom prst="rect">
             <a:avLst/>
@@ -32993,7 +35210,7 @@
         <p:spPr>
           <a:xfrm>
             <a:off x="10058400" y="0"/>
-            <a:ext cx="15120" cy="6854760"/>
+            <a:ext cx="14760" cy="6854400"/>
           </a:xfrm>
           <a:prstGeom prst="rect">
             <a:avLst/>
@@ -33053,7 +35270,7 @@
         <p:spPr>
           <a:xfrm>
             <a:off x="10972800" y="0"/>
-            <a:ext cx="15120" cy="6854760"/>
+            <a:ext cx="14760" cy="6854400"/>
           </a:xfrm>
           <a:prstGeom prst="rect">
             <a:avLst/>
@@ -33113,7 +35330,7 @@
         <p:spPr>
           <a:xfrm>
             <a:off x="11887200" y="0"/>
-            <a:ext cx="15120" cy="6854760"/>
+            <a:ext cx="14760" cy="6854400"/>
           </a:xfrm>
           <a:prstGeom prst="rect">
             <a:avLst/>
@@ -33173,7 +35390,7 @@
         <p:spPr>
           <a:xfrm>
             <a:off x="0" y="0"/>
-            <a:ext cx="316800" cy="6854760"/>
+            <a:ext cx="316440" cy="6854400"/>
           </a:xfrm>
           <a:prstGeom prst="rect">
             <a:avLst/>
@@ -33233,7 +35450,7 @@
         <p:spPr>
           <a:xfrm>
             <a:off x="9875520" y="365760"/>
-            <a:ext cx="2008440" cy="499680"/>
+            <a:ext cx="2008080" cy="499320"/>
           </a:xfrm>
           <a:prstGeom prst="roundRect">
             <a:avLst>
@@ -33415,7 +35632,7 @@
         <p:spPr>
           <a:xfrm>
             <a:off x="987480" y="3182040"/>
-            <a:ext cx="3288600" cy="2739960"/>
+            <a:ext cx="3288240" cy="2739600"/>
           </a:xfrm>
           <a:prstGeom prst="roundRect">
             <a:avLst>
@@ -33477,7 +35694,7 @@
         <p:spPr>
           <a:xfrm>
             <a:off x="685800" y="3108960"/>
-            <a:ext cx="3517200" cy="3061080"/>
+            <a:ext cx="3516840" cy="3060720"/>
           </a:xfrm>
           <a:prstGeom prst="roundRect">
             <a:avLst>
@@ -33863,7 +36080,7 @@
         <p:spPr>
           <a:xfrm>
             <a:off x="4507920" y="3182040"/>
-            <a:ext cx="3288600" cy="2739960"/>
+            <a:ext cx="3288240" cy="2739600"/>
           </a:xfrm>
           <a:prstGeom prst="roundRect">
             <a:avLst>
@@ -33925,7 +36142,7 @@
         <p:spPr>
           <a:xfrm>
             <a:off x="4434840" y="3108960"/>
-            <a:ext cx="3288600" cy="2739960"/>
+            <a:ext cx="3288240" cy="2739600"/>
           </a:xfrm>
           <a:prstGeom prst="roundRect">
             <a:avLst>
@@ -34394,7 +36611,7 @@
         <p:spPr>
           <a:xfrm>
             <a:off x="8028360" y="3182040"/>
-            <a:ext cx="3288600" cy="2739960"/>
+            <a:ext cx="3288240" cy="2739600"/>
           </a:xfrm>
           <a:prstGeom prst="roundRect">
             <a:avLst>
@@ -34456,7 +36673,7 @@
         <p:spPr>
           <a:xfrm>
             <a:off x="7955280" y="3108960"/>
-            <a:ext cx="3288600" cy="2739960"/>
+            <a:ext cx="3288240" cy="2739600"/>
           </a:xfrm>
           <a:prstGeom prst="roundRect">
             <a:avLst>
@@ -34906,7 +37123,7 @@
         <p:spPr>
           <a:xfrm>
             <a:off x="0" y="0"/>
-            <a:ext cx="12186360" cy="6855480"/>
+            <a:ext cx="12186000" cy="6855120"/>
           </a:xfrm>
           <a:prstGeom prst="rect">
             <a:avLst/>
@@ -34966,7 +37183,7 @@
         <p:spPr>
           <a:xfrm>
             <a:off x="0" y="0"/>
-            <a:ext cx="15840" cy="6855480"/>
+            <a:ext cx="15480" cy="6855120"/>
           </a:xfrm>
           <a:prstGeom prst="rect">
             <a:avLst/>
@@ -35026,7 +37243,7 @@
         <p:spPr>
           <a:xfrm>
             <a:off x="914400" y="0"/>
-            <a:ext cx="15840" cy="6855480"/>
+            <a:ext cx="15480" cy="6855120"/>
           </a:xfrm>
           <a:prstGeom prst="rect">
             <a:avLst/>
@@ -35086,7 +37303,7 @@
         <p:spPr>
           <a:xfrm>
             <a:off x="1828800" y="0"/>
-            <a:ext cx="15840" cy="6855480"/>
+            <a:ext cx="15480" cy="6855120"/>
           </a:xfrm>
           <a:prstGeom prst="rect">
             <a:avLst/>
@@ -35146,7 +37363,7 @@
         <p:spPr>
           <a:xfrm>
             <a:off x="2743200" y="0"/>
-            <a:ext cx="15840" cy="6855480"/>
+            <a:ext cx="15480" cy="6855120"/>
           </a:xfrm>
           <a:prstGeom prst="rect">
             <a:avLst/>
@@ -35206,7 +37423,7 @@
         <p:spPr>
           <a:xfrm>
             <a:off x="3657600" y="0"/>
-            <a:ext cx="15840" cy="6855480"/>
+            <a:ext cx="15480" cy="6855120"/>
           </a:xfrm>
           <a:prstGeom prst="rect">
             <a:avLst/>
@@ -35266,7 +37483,7 @@
         <p:spPr>
           <a:xfrm>
             <a:off x="4572000" y="0"/>
-            <a:ext cx="15840" cy="6855480"/>
+            <a:ext cx="15480" cy="6855120"/>
           </a:xfrm>
           <a:prstGeom prst="rect">
             <a:avLst/>
@@ -35326,7 +37543,7 @@
         <p:spPr>
           <a:xfrm>
             <a:off x="5486400" y="0"/>
-            <a:ext cx="15840" cy="6855480"/>
+            <a:ext cx="15480" cy="6855120"/>
           </a:xfrm>
           <a:prstGeom prst="rect">
             <a:avLst/>
@@ -35386,7 +37603,7 @@
         <p:spPr>
           <a:xfrm>
             <a:off x="6400800" y="0"/>
-            <a:ext cx="15840" cy="6855480"/>
+            <a:ext cx="15480" cy="6855120"/>
           </a:xfrm>
           <a:prstGeom prst="rect">
             <a:avLst/>
@@ -35446,7 +37663,7 @@
         <p:spPr>
           <a:xfrm>
             <a:off x="7315200" y="0"/>
-            <a:ext cx="15840" cy="6855480"/>
+            <a:ext cx="15480" cy="6855120"/>
           </a:xfrm>
           <a:prstGeom prst="rect">
             <a:avLst/>
@@ -35506,7 +37723,7 @@
         <p:spPr>
           <a:xfrm>
             <a:off x="8229600" y="0"/>
-            <a:ext cx="15840" cy="6855480"/>
+            <a:ext cx="15480" cy="6855120"/>
           </a:xfrm>
           <a:prstGeom prst="rect">
             <a:avLst/>
@@ -35566,7 +37783,7 @@
         <p:spPr>
           <a:xfrm>
             <a:off x="9144000" y="0"/>
-            <a:ext cx="15840" cy="6855480"/>
+            <a:ext cx="15480" cy="6855120"/>
           </a:xfrm>
           <a:prstGeom prst="rect">
             <a:avLst/>
@@ -35626,7 +37843,7 @@
         <p:spPr>
           <a:xfrm>
             <a:off x="10058400" y="0"/>
-            <a:ext cx="15840" cy="6855480"/>
+            <a:ext cx="15480" cy="6855120"/>
           </a:xfrm>
           <a:prstGeom prst="rect">
             <a:avLst/>
@@ -35686,7 +37903,7 @@
         <p:spPr>
           <a:xfrm>
             <a:off x="10972800" y="0"/>
-            <a:ext cx="15840" cy="6855480"/>
+            <a:ext cx="15480" cy="6855120"/>
           </a:xfrm>
           <a:prstGeom prst="rect">
             <a:avLst/>
@@ -35746,7 +37963,7 @@
         <p:spPr>
           <a:xfrm>
             <a:off x="11887200" y="0"/>
-            <a:ext cx="15840" cy="6855480"/>
+            <a:ext cx="15480" cy="6855120"/>
           </a:xfrm>
           <a:prstGeom prst="rect">
             <a:avLst/>
@@ -35806,7 +38023,7 @@
         <p:spPr>
           <a:xfrm>
             <a:off x="0" y="0"/>
-            <a:ext cx="317520" cy="6855480"/>
+            <a:ext cx="317160" cy="6855120"/>
           </a:xfrm>
           <a:prstGeom prst="rect">
             <a:avLst/>
@@ -35866,7 +38083,7 @@
         <p:spPr>
           <a:xfrm>
             <a:off x="9875520" y="365760"/>
-            <a:ext cx="2009160" cy="500400"/>
+            <a:ext cx="2008800" cy="500040"/>
           </a:xfrm>
           <a:prstGeom prst="roundRect">
             <a:avLst>
@@ -36048,7 +38265,7 @@
         <p:spPr>
           <a:xfrm>
             <a:off x="987480" y="3182040"/>
-            <a:ext cx="3289320" cy="2740680"/>
+            <a:ext cx="3288960" cy="2740320"/>
           </a:xfrm>
           <a:prstGeom prst="roundRect">
             <a:avLst>
@@ -36110,7 +38327,7 @@
         <p:spPr>
           <a:xfrm>
             <a:off x="914400" y="3108960"/>
-            <a:ext cx="3289320" cy="2740680"/>
+            <a:ext cx="3288960" cy="2740320"/>
           </a:xfrm>
           <a:prstGeom prst="roundRect">
             <a:avLst>
@@ -36256,7 +38473,7 @@
         <p:spPr>
           <a:xfrm>
             <a:off x="4507920" y="3182040"/>
-            <a:ext cx="3289320" cy="2740680"/>
+            <a:ext cx="3288960" cy="2740320"/>
           </a:xfrm>
           <a:prstGeom prst="roundRect">
             <a:avLst>
@@ -36318,7 +38535,7 @@
         <p:spPr>
           <a:xfrm>
             <a:off x="4434840" y="3108960"/>
-            <a:ext cx="3289320" cy="2740680"/>
+            <a:ext cx="3288960" cy="2740320"/>
           </a:xfrm>
           <a:prstGeom prst="roundRect">
             <a:avLst>
@@ -36536,7 +38753,7 @@
         <p:spPr>
           <a:xfrm>
             <a:off x="8028360" y="3182040"/>
-            <a:ext cx="3289320" cy="2740680"/>
+            <a:ext cx="3288960" cy="2740320"/>
           </a:xfrm>
           <a:prstGeom prst="roundRect">
             <a:avLst>
@@ -36598,7 +38815,7 @@
         <p:spPr>
           <a:xfrm>
             <a:off x="7955280" y="3108960"/>
-            <a:ext cx="3289320" cy="2740680"/>
+            <a:ext cx="3288960" cy="2740320"/>
           </a:xfrm>
           <a:prstGeom prst="roundRect">
             <a:avLst>
@@ -36815,7 +39032,7 @@
         <p:spPr>
           <a:xfrm>
             <a:off x="0" y="0"/>
-            <a:ext cx="12186360" cy="6855480"/>
+            <a:ext cx="12186000" cy="6855120"/>
           </a:xfrm>
           <a:prstGeom prst="rect">
             <a:avLst/>
@@ -36875,7 +39092,7 @@
         <p:spPr>
           <a:xfrm>
             <a:off x="0" y="0"/>
-            <a:ext cx="15840" cy="6855480"/>
+            <a:ext cx="15480" cy="6855120"/>
           </a:xfrm>
           <a:prstGeom prst="rect">
             <a:avLst/>
@@ -36935,7 +39152,7 @@
         <p:spPr>
           <a:xfrm>
             <a:off x="914400" y="0"/>
-            <a:ext cx="15840" cy="6855480"/>
+            <a:ext cx="15480" cy="6855120"/>
           </a:xfrm>
           <a:prstGeom prst="rect">
             <a:avLst/>
@@ -36995,7 +39212,7 @@
         <p:spPr>
           <a:xfrm>
             <a:off x="1828800" y="0"/>
-            <a:ext cx="15840" cy="6855480"/>
+            <a:ext cx="15480" cy="6855120"/>
           </a:xfrm>
           <a:prstGeom prst="rect">
             <a:avLst/>
@@ -37055,7 +39272,7 @@
         <p:spPr>
           <a:xfrm>
             <a:off x="2743200" y="0"/>
-            <a:ext cx="15840" cy="6855480"/>
+            <a:ext cx="15480" cy="6855120"/>
           </a:xfrm>
           <a:prstGeom prst="rect">
             <a:avLst/>
@@ -37115,7 +39332,7 @@
         <p:spPr>
           <a:xfrm>
             <a:off x="3657600" y="0"/>
-            <a:ext cx="15840" cy="6855480"/>
+            <a:ext cx="15480" cy="6855120"/>
           </a:xfrm>
           <a:prstGeom prst="rect">
             <a:avLst/>
@@ -37175,7 +39392,7 @@
         <p:spPr>
           <a:xfrm>
             <a:off x="4572000" y="0"/>
-            <a:ext cx="15840" cy="6855480"/>
+            <a:ext cx="15480" cy="6855120"/>
           </a:xfrm>
           <a:prstGeom prst="rect">
             <a:avLst/>
@@ -37235,7 +39452,7 @@
         <p:spPr>
           <a:xfrm>
             <a:off x="5486400" y="0"/>
-            <a:ext cx="15840" cy="6855480"/>
+            <a:ext cx="15480" cy="6855120"/>
           </a:xfrm>
           <a:prstGeom prst="rect">
             <a:avLst/>
@@ -37295,7 +39512,7 @@
         <p:spPr>
           <a:xfrm>
             <a:off x="6400800" y="0"/>
-            <a:ext cx="15840" cy="6855480"/>
+            <a:ext cx="15480" cy="6855120"/>
           </a:xfrm>
           <a:prstGeom prst="rect">
             <a:avLst/>
@@ -37355,7 +39572,7 @@
         <p:spPr>
           <a:xfrm>
             <a:off x="7315200" y="0"/>
-            <a:ext cx="15840" cy="6855480"/>
+            <a:ext cx="15480" cy="6855120"/>
           </a:xfrm>
           <a:prstGeom prst="rect">
             <a:avLst/>
@@ -37415,7 +39632,7 @@
         <p:spPr>
           <a:xfrm>
             <a:off x="8229600" y="0"/>
-            <a:ext cx="15840" cy="6855480"/>
+            <a:ext cx="15480" cy="6855120"/>
           </a:xfrm>
           <a:prstGeom prst="rect">
             <a:avLst/>
@@ -37475,7 +39692,7 @@
         <p:spPr>
           <a:xfrm>
             <a:off x="9144000" y="0"/>
-            <a:ext cx="15840" cy="6855480"/>
+            <a:ext cx="15480" cy="6855120"/>
           </a:xfrm>
           <a:prstGeom prst="rect">
             <a:avLst/>
@@ -37535,7 +39752,7 @@
         <p:spPr>
           <a:xfrm>
             <a:off x="10058400" y="0"/>
-            <a:ext cx="15840" cy="6855480"/>
+            <a:ext cx="15480" cy="6855120"/>
           </a:xfrm>
           <a:prstGeom prst="rect">
             <a:avLst/>
@@ -37595,7 +39812,7 @@
         <p:spPr>
           <a:xfrm>
             <a:off x="10972800" y="0"/>
-            <a:ext cx="15840" cy="6855480"/>
+            <a:ext cx="15480" cy="6855120"/>
           </a:xfrm>
           <a:prstGeom prst="rect">
             <a:avLst/>
@@ -37655,7 +39872,7 @@
         <p:spPr>
           <a:xfrm>
             <a:off x="11887200" y="0"/>
-            <a:ext cx="15840" cy="6855480"/>
+            <a:ext cx="15480" cy="6855120"/>
           </a:xfrm>
           <a:prstGeom prst="rect">
             <a:avLst/>
@@ -37715,7 +39932,7 @@
         <p:spPr>
           <a:xfrm>
             <a:off x="0" y="0"/>
-            <a:ext cx="317520" cy="6855480"/>
+            <a:ext cx="317160" cy="6855120"/>
           </a:xfrm>
           <a:prstGeom prst="rect">
             <a:avLst/>
@@ -37775,7 +39992,7 @@
         <p:spPr>
           <a:xfrm>
             <a:off x="9875520" y="365760"/>
-            <a:ext cx="2009160" cy="500400"/>
+            <a:ext cx="2008800" cy="500040"/>
           </a:xfrm>
           <a:prstGeom prst="roundRect">
             <a:avLst>
@@ -37967,7 +40184,7 @@
         <p:spPr>
           <a:xfrm>
             <a:off x="987480" y="3182040"/>
-            <a:ext cx="3289320" cy="2740680"/>
+            <a:ext cx="3288960" cy="2740320"/>
           </a:xfrm>
           <a:prstGeom prst="roundRect">
             <a:avLst>
@@ -38029,7 +40246,7 @@
         <p:spPr>
           <a:xfrm>
             <a:off x="914400" y="3108960"/>
-            <a:ext cx="3289320" cy="2740680"/>
+            <a:ext cx="3288960" cy="2740320"/>
           </a:xfrm>
           <a:prstGeom prst="roundRect">
             <a:avLst>
@@ -38175,7 +40392,7 @@
         <p:spPr>
           <a:xfrm>
             <a:off x="4507920" y="3182040"/>
-            <a:ext cx="3289320" cy="2740680"/>
+            <a:ext cx="3288960" cy="2740320"/>
           </a:xfrm>
           <a:prstGeom prst="roundRect">
             <a:avLst>
@@ -38237,7 +40454,7 @@
         <p:spPr>
           <a:xfrm>
             <a:off x="4434840" y="3108960"/>
-            <a:ext cx="3289320" cy="2740680"/>
+            <a:ext cx="3288960" cy="2740320"/>
           </a:xfrm>
           <a:prstGeom prst="roundRect">
             <a:avLst>
@@ -38522,7 +40739,7 @@
         <p:spPr>
           <a:xfrm>
             <a:off x="8028360" y="3182040"/>
-            <a:ext cx="3289320" cy="2740680"/>
+            <a:ext cx="3288960" cy="2740320"/>
           </a:xfrm>
           <a:prstGeom prst="roundRect">
             <a:avLst>
@@ -38584,7 +40801,7 @@
         <p:spPr>
           <a:xfrm>
             <a:off x="7955280" y="3108960"/>
-            <a:ext cx="3289320" cy="2740680"/>
+            <a:ext cx="3288960" cy="2740320"/>
           </a:xfrm>
           <a:prstGeom prst="roundRect">
             <a:avLst>
@@ -38870,7 +41087,7 @@
         <p:spPr>
           <a:xfrm>
             <a:off x="0" y="0"/>
-            <a:ext cx="12186360" cy="6855480"/>
+            <a:ext cx="12186000" cy="6855120"/>
           </a:xfrm>
           <a:prstGeom prst="rect">
             <a:avLst/>
@@ -38930,7 +41147,7 @@
         <p:spPr>
           <a:xfrm>
             <a:off x="0" y="0"/>
-            <a:ext cx="15840" cy="6855480"/>
+            <a:ext cx="15480" cy="6855120"/>
           </a:xfrm>
           <a:prstGeom prst="rect">
             <a:avLst/>
@@ -38990,7 +41207,7 @@
         <p:spPr>
           <a:xfrm>
             <a:off x="914400" y="0"/>
-            <a:ext cx="15840" cy="6855480"/>
+            <a:ext cx="15480" cy="6855120"/>
           </a:xfrm>
           <a:prstGeom prst="rect">
             <a:avLst/>
@@ -39050,7 +41267,7 @@
         <p:spPr>
           <a:xfrm>
             <a:off x="1828800" y="0"/>
-            <a:ext cx="15840" cy="6855480"/>
+            <a:ext cx="15480" cy="6855120"/>
           </a:xfrm>
           <a:prstGeom prst="rect">
             <a:avLst/>
@@ -39110,7 +41327,7 @@
         <p:spPr>
           <a:xfrm>
             <a:off x="2743200" y="0"/>
-            <a:ext cx="15840" cy="6855480"/>
+            <a:ext cx="15480" cy="6855120"/>
           </a:xfrm>
           <a:prstGeom prst="rect">
             <a:avLst/>
@@ -39170,7 +41387,7 @@
         <p:spPr>
           <a:xfrm>
             <a:off x="3657600" y="0"/>
-            <a:ext cx="15840" cy="6855480"/>
+            <a:ext cx="15480" cy="6855120"/>
           </a:xfrm>
           <a:prstGeom prst="rect">
             <a:avLst/>
@@ -39230,7 +41447,7 @@
         <p:spPr>
           <a:xfrm>
             <a:off x="4572000" y="0"/>
-            <a:ext cx="15840" cy="6855480"/>
+            <a:ext cx="15480" cy="6855120"/>
           </a:xfrm>
           <a:prstGeom prst="rect">
             <a:avLst/>
@@ -39290,7 +41507,7 @@
         <p:spPr>
           <a:xfrm>
             <a:off x="5486400" y="0"/>
-            <a:ext cx="15840" cy="6855480"/>
+            <a:ext cx="15480" cy="6855120"/>
           </a:xfrm>
           <a:prstGeom prst="rect">
             <a:avLst/>
@@ -39350,7 +41567,7 @@
         <p:spPr>
           <a:xfrm>
             <a:off x="6400800" y="0"/>
-            <a:ext cx="15840" cy="6855480"/>
+            <a:ext cx="15480" cy="6855120"/>
           </a:xfrm>
           <a:prstGeom prst="rect">
             <a:avLst/>
@@ -39410,7 +41627,7 @@
         <p:spPr>
           <a:xfrm>
             <a:off x="7315200" y="0"/>
-            <a:ext cx="15840" cy="6855480"/>
+            <a:ext cx="15480" cy="6855120"/>
           </a:xfrm>
           <a:prstGeom prst="rect">
             <a:avLst/>
@@ -39470,7 +41687,7 @@
         <p:spPr>
           <a:xfrm>
             <a:off x="8229600" y="0"/>
-            <a:ext cx="15840" cy="6855480"/>
+            <a:ext cx="15480" cy="6855120"/>
           </a:xfrm>
           <a:prstGeom prst="rect">
             <a:avLst/>
@@ -39530,7 +41747,7 @@
         <p:spPr>
           <a:xfrm>
             <a:off x="9144000" y="0"/>
-            <a:ext cx="15840" cy="6855480"/>
+            <a:ext cx="15480" cy="6855120"/>
           </a:xfrm>
           <a:prstGeom prst="rect">
             <a:avLst/>
@@ -39590,7 +41807,7 @@
         <p:spPr>
           <a:xfrm>
             <a:off x="10058400" y="0"/>
-            <a:ext cx="15840" cy="6855480"/>
+            <a:ext cx="15480" cy="6855120"/>
           </a:xfrm>
           <a:prstGeom prst="rect">
             <a:avLst/>
@@ -39650,7 +41867,7 @@
         <p:spPr>
           <a:xfrm>
             <a:off x="10972800" y="0"/>
-            <a:ext cx="15840" cy="6855480"/>
+            <a:ext cx="15480" cy="6855120"/>
           </a:xfrm>
           <a:prstGeom prst="rect">
             <a:avLst/>
@@ -39710,7 +41927,7 @@
         <p:spPr>
           <a:xfrm>
             <a:off x="11887200" y="0"/>
-            <a:ext cx="15840" cy="6855480"/>
+            <a:ext cx="15480" cy="6855120"/>
           </a:xfrm>
           <a:prstGeom prst="rect">
             <a:avLst/>
@@ -39770,7 +41987,7 @@
         <p:spPr>
           <a:xfrm>
             <a:off x="0" y="0"/>
-            <a:ext cx="317520" cy="6855480"/>
+            <a:ext cx="317160" cy="6855120"/>
           </a:xfrm>
           <a:prstGeom prst="rect">
             <a:avLst/>
@@ -39830,7 +42047,7 @@
         <p:spPr>
           <a:xfrm>
             <a:off x="9875520" y="365760"/>
-            <a:ext cx="2009160" cy="500400"/>
+            <a:ext cx="2008800" cy="500040"/>
           </a:xfrm>
           <a:prstGeom prst="roundRect">
             <a:avLst>
@@ -39904,7 +42121,7 @@
         <p:spPr>
           <a:xfrm>
             <a:off x="1666800" y="1005840"/>
-            <a:ext cx="7637040" cy="638280"/>
+            <a:ext cx="7636680" cy="638280"/>
           </a:xfrm>
           <a:prstGeom prst="rect">
             <a:avLst/>
@@ -39958,7 +42175,7 @@
         <p:spPr>
           <a:xfrm>
             <a:off x="4382280" y="2194560"/>
-            <a:ext cx="2212920" cy="333000"/>
+            <a:ext cx="2212560" cy="333000"/>
           </a:xfrm>
           <a:prstGeom prst="rect">
             <a:avLst/>
@@ -40012,7 +42229,7 @@
         <p:spPr>
           <a:xfrm>
             <a:off x="987480" y="3182040"/>
-            <a:ext cx="3289320" cy="2740680"/>
+            <a:ext cx="3288960" cy="2740320"/>
           </a:xfrm>
           <a:prstGeom prst="roundRect">
             <a:avLst>
@@ -40074,7 +42291,7 @@
         <p:spPr>
           <a:xfrm>
             <a:off x="914400" y="3108960"/>
-            <a:ext cx="3289320" cy="2740680"/>
+            <a:ext cx="3288960" cy="2740320"/>
           </a:xfrm>
           <a:prstGeom prst="roundRect">
             <a:avLst>
@@ -40317,7 +42534,7 @@
         <p:spPr>
           <a:xfrm>
             <a:off x="4507920" y="3182040"/>
-            <a:ext cx="3289320" cy="2740680"/>
+            <a:ext cx="3288960" cy="2740320"/>
           </a:xfrm>
           <a:prstGeom prst="roundRect">
             <a:avLst>
@@ -40379,7 +42596,7 @@
         <p:spPr>
           <a:xfrm>
             <a:off x="4434840" y="3108960"/>
-            <a:ext cx="3289320" cy="2740680"/>
+            <a:ext cx="3288960" cy="2740320"/>
           </a:xfrm>
           <a:prstGeom prst="roundRect">
             <a:avLst>
@@ -40683,7 +42900,7 @@
         <p:spPr>
           <a:xfrm>
             <a:off x="8028360" y="3182040"/>
-            <a:ext cx="3289320" cy="2740680"/>
+            <a:ext cx="3288960" cy="2740320"/>
           </a:xfrm>
           <a:prstGeom prst="roundRect">
             <a:avLst>
@@ -40745,7 +42962,7 @@
         <p:spPr>
           <a:xfrm>
             <a:off x="7955280" y="3108960"/>
-            <a:ext cx="3289320" cy="2740680"/>
+            <a:ext cx="3288960" cy="2740320"/>
           </a:xfrm>
           <a:prstGeom prst="roundRect">
             <a:avLst>
@@ -41038,7 +43255,7 @@
         <p:spPr>
           <a:xfrm>
             <a:off x="0" y="0"/>
-            <a:ext cx="12186360" cy="6855480"/>
+            <a:ext cx="12186000" cy="6855120"/>
           </a:xfrm>
           <a:prstGeom prst="rect">
             <a:avLst/>
@@ -41098,7 +43315,7 @@
         <p:spPr>
           <a:xfrm>
             <a:off x="0" y="0"/>
-            <a:ext cx="15840" cy="6855480"/>
+            <a:ext cx="15480" cy="6855120"/>
           </a:xfrm>
           <a:prstGeom prst="rect">
             <a:avLst/>
@@ -41158,7 +43375,7 @@
         <p:spPr>
           <a:xfrm>
             <a:off x="914400" y="0"/>
-            <a:ext cx="15840" cy="6855480"/>
+            <a:ext cx="15480" cy="6855120"/>
           </a:xfrm>
           <a:prstGeom prst="rect">
             <a:avLst/>
@@ -41218,7 +43435,7 @@
         <p:spPr>
           <a:xfrm>
             <a:off x="1828800" y="0"/>
-            <a:ext cx="15840" cy="6855480"/>
+            <a:ext cx="15480" cy="6855120"/>
           </a:xfrm>
           <a:prstGeom prst="rect">
             <a:avLst/>
@@ -41278,7 +43495,7 @@
         <p:spPr>
           <a:xfrm>
             <a:off x="2743200" y="0"/>
-            <a:ext cx="15840" cy="6855480"/>
+            <a:ext cx="15480" cy="6855120"/>
           </a:xfrm>
           <a:prstGeom prst="rect">
             <a:avLst/>
@@ -41338,7 +43555,7 @@
         <p:spPr>
           <a:xfrm>
             <a:off x="3657600" y="0"/>
-            <a:ext cx="15840" cy="6855480"/>
+            <a:ext cx="15480" cy="6855120"/>
           </a:xfrm>
           <a:prstGeom prst="rect">
             <a:avLst/>
@@ -41398,7 +43615,7 @@
         <p:spPr>
           <a:xfrm>
             <a:off x="4572000" y="0"/>
-            <a:ext cx="15840" cy="6855480"/>
+            <a:ext cx="15480" cy="6855120"/>
           </a:xfrm>
           <a:prstGeom prst="rect">
             <a:avLst/>
@@ -41458,7 +43675,7 @@
         <p:spPr>
           <a:xfrm>
             <a:off x="5486400" y="0"/>
-            <a:ext cx="15840" cy="6855480"/>
+            <a:ext cx="15480" cy="6855120"/>
           </a:xfrm>
           <a:prstGeom prst="rect">
             <a:avLst/>
@@ -41518,7 +43735,7 @@
         <p:spPr>
           <a:xfrm>
             <a:off x="6400800" y="0"/>
-            <a:ext cx="15840" cy="6855480"/>
+            <a:ext cx="15480" cy="6855120"/>
           </a:xfrm>
           <a:prstGeom prst="rect">
             <a:avLst/>
@@ -41578,7 +43795,7 @@
         <p:spPr>
           <a:xfrm>
             <a:off x="7315200" y="0"/>
-            <a:ext cx="15840" cy="6855480"/>
+            <a:ext cx="15480" cy="6855120"/>
           </a:xfrm>
           <a:prstGeom prst="rect">
             <a:avLst/>
@@ -41638,7 +43855,7 @@
         <p:spPr>
           <a:xfrm>
             <a:off x="8229600" y="0"/>
-            <a:ext cx="15840" cy="6855480"/>
+            <a:ext cx="15480" cy="6855120"/>
           </a:xfrm>
           <a:prstGeom prst="rect">
             <a:avLst/>
@@ -41698,7 +43915,7 @@
         <p:spPr>
           <a:xfrm>
             <a:off x="9144000" y="0"/>
-            <a:ext cx="15840" cy="6855480"/>
+            <a:ext cx="15480" cy="6855120"/>
           </a:xfrm>
           <a:prstGeom prst="rect">
             <a:avLst/>
@@ -41758,7 +43975,7 @@
         <p:spPr>
           <a:xfrm>
             <a:off x="10058400" y="0"/>
-            <a:ext cx="15840" cy="6855480"/>
+            <a:ext cx="15480" cy="6855120"/>
           </a:xfrm>
           <a:prstGeom prst="rect">
             <a:avLst/>
@@ -41818,7 +44035,7 @@
         <p:spPr>
           <a:xfrm>
             <a:off x="10972800" y="0"/>
-            <a:ext cx="15840" cy="6855480"/>
+            <a:ext cx="15480" cy="6855120"/>
           </a:xfrm>
           <a:prstGeom prst="rect">
             <a:avLst/>
@@ -41878,7 +44095,7 @@
         <p:spPr>
           <a:xfrm>
             <a:off x="11887200" y="0"/>
-            <a:ext cx="15840" cy="6855480"/>
+            <a:ext cx="15480" cy="6855120"/>
           </a:xfrm>
           <a:prstGeom prst="rect">
             <a:avLst/>
@@ -41938,7 +44155,7 @@
         <p:spPr>
           <a:xfrm>
             <a:off x="0" y="0"/>
-            <a:ext cx="317520" cy="6855480"/>
+            <a:ext cx="317160" cy="6855120"/>
           </a:xfrm>
           <a:prstGeom prst="rect">
             <a:avLst/>
@@ -41998,7 +44215,7 @@
         <p:spPr>
           <a:xfrm>
             <a:off x="9875520" y="365760"/>
-            <a:ext cx="2009160" cy="500400"/>
+            <a:ext cx="2008800" cy="500040"/>
           </a:xfrm>
           <a:prstGeom prst="roundRect">
             <a:avLst>
@@ -42072,7 +44289,7 @@
         <p:spPr>
           <a:xfrm>
             <a:off x="2216880" y="1005840"/>
-            <a:ext cx="6536520" cy="638280"/>
+            <a:ext cx="6536160" cy="638280"/>
           </a:xfrm>
           <a:prstGeom prst="rect">
             <a:avLst/>
@@ -42190,7 +44407,7 @@
         <p:spPr>
           <a:xfrm>
             <a:off x="987480" y="3182040"/>
-            <a:ext cx="3289320" cy="2740680"/>
+            <a:ext cx="3288960" cy="2740320"/>
           </a:xfrm>
           <a:prstGeom prst="roundRect">
             <a:avLst>
@@ -42252,7 +44469,7 @@
         <p:spPr>
           <a:xfrm>
             <a:off x="914400" y="3108960"/>
-            <a:ext cx="3289320" cy="2740680"/>
+            <a:ext cx="3288960" cy="2740320"/>
           </a:xfrm>
           <a:prstGeom prst="roundRect">
             <a:avLst>
@@ -42515,7 +44732,7 @@
         <p:spPr>
           <a:xfrm>
             <a:off x="4507920" y="3182040"/>
-            <a:ext cx="3289320" cy="2740680"/>
+            <a:ext cx="3288960" cy="2740320"/>
           </a:xfrm>
           <a:prstGeom prst="roundRect">
             <a:avLst>
@@ -42577,7 +44794,7 @@
         <p:spPr>
           <a:xfrm>
             <a:off x="4434840" y="3108960"/>
-            <a:ext cx="3289320" cy="2740680"/>
+            <a:ext cx="3288960" cy="2740320"/>
           </a:xfrm>
           <a:prstGeom prst="roundRect">
             <a:avLst>
@@ -42881,7 +45098,7 @@
         <p:spPr>
           <a:xfrm>
             <a:off x="8028360" y="3182040"/>
-            <a:ext cx="3289320" cy="2740680"/>
+            <a:ext cx="3288960" cy="2740320"/>
           </a:xfrm>
           <a:prstGeom prst="roundRect">
             <a:avLst>
@@ -42943,7 +45160,7 @@
         <p:spPr>
           <a:xfrm>
             <a:off x="7955280" y="3108960"/>
-            <a:ext cx="3289320" cy="2740680"/>
+            <a:ext cx="3288960" cy="2740320"/>
           </a:xfrm>
           <a:prstGeom prst="roundRect">
             <a:avLst>
@@ -43334,7 +45551,7 @@
         <p:spPr>
           <a:xfrm>
             <a:off x="0" y="0"/>
-            <a:ext cx="12186360" cy="6855480"/>
+            <a:ext cx="12186000" cy="6855120"/>
           </a:xfrm>
           <a:prstGeom prst="rect">
             <a:avLst/>
@@ -43394,7 +45611,7 @@
         <p:spPr>
           <a:xfrm>
             <a:off x="0" y="0"/>
-            <a:ext cx="15840" cy="6855480"/>
+            <a:ext cx="15480" cy="6855120"/>
           </a:xfrm>
           <a:prstGeom prst="rect">
             <a:avLst/>
@@ -43454,7 +45671,7 @@
         <p:spPr>
           <a:xfrm>
             <a:off x="914400" y="0"/>
-            <a:ext cx="15840" cy="6855480"/>
+            <a:ext cx="15480" cy="6855120"/>
           </a:xfrm>
           <a:prstGeom prst="rect">
             <a:avLst/>
@@ -43514,7 +45731,7 @@
         <p:spPr>
           <a:xfrm>
             <a:off x="1828800" y="0"/>
-            <a:ext cx="15840" cy="6855480"/>
+            <a:ext cx="15480" cy="6855120"/>
           </a:xfrm>
           <a:prstGeom prst="rect">
             <a:avLst/>
@@ -43574,7 +45791,7 @@
         <p:spPr>
           <a:xfrm>
             <a:off x="2743200" y="0"/>
-            <a:ext cx="15840" cy="6855480"/>
+            <a:ext cx="15480" cy="6855120"/>
           </a:xfrm>
           <a:prstGeom prst="rect">
             <a:avLst/>
@@ -43634,7 +45851,7 @@
         <p:spPr>
           <a:xfrm>
             <a:off x="3657600" y="0"/>
-            <a:ext cx="15840" cy="6855480"/>
+            <a:ext cx="15480" cy="6855120"/>
           </a:xfrm>
           <a:prstGeom prst="rect">
             <a:avLst/>
@@ -43694,7 +45911,7 @@
         <p:spPr>
           <a:xfrm>
             <a:off x="4572000" y="0"/>
-            <a:ext cx="15840" cy="6855480"/>
+            <a:ext cx="15480" cy="6855120"/>
           </a:xfrm>
           <a:prstGeom prst="rect">
             <a:avLst/>
@@ -43754,7 +45971,7 @@
         <p:spPr>
           <a:xfrm>
             <a:off x="5486400" y="0"/>
-            <a:ext cx="15840" cy="6855480"/>
+            <a:ext cx="15480" cy="6855120"/>
           </a:xfrm>
           <a:prstGeom prst="rect">
             <a:avLst/>
@@ -43814,7 +46031,7 @@
         <p:spPr>
           <a:xfrm>
             <a:off x="6400800" y="0"/>
-            <a:ext cx="15840" cy="6855480"/>
+            <a:ext cx="15480" cy="6855120"/>
           </a:xfrm>
           <a:prstGeom prst="rect">
             <a:avLst/>
@@ -43874,7 +46091,7 @@
         <p:spPr>
           <a:xfrm>
             <a:off x="7315200" y="0"/>
-            <a:ext cx="15840" cy="6855480"/>
+            <a:ext cx="15480" cy="6855120"/>
           </a:xfrm>
           <a:prstGeom prst="rect">
             <a:avLst/>
@@ -43934,7 +46151,7 @@
         <p:spPr>
           <a:xfrm>
             <a:off x="8229600" y="0"/>
-            <a:ext cx="15840" cy="6855480"/>
+            <a:ext cx="15480" cy="6855120"/>
           </a:xfrm>
           <a:prstGeom prst="rect">
             <a:avLst/>
@@ -43994,7 +46211,7 @@
         <p:spPr>
           <a:xfrm>
             <a:off x="9144000" y="0"/>
-            <a:ext cx="15840" cy="6855480"/>
+            <a:ext cx="15480" cy="6855120"/>
           </a:xfrm>
           <a:prstGeom prst="rect">
             <a:avLst/>
@@ -44054,7 +46271,7 @@
         <p:spPr>
           <a:xfrm>
             <a:off x="10058400" y="0"/>
-            <a:ext cx="15840" cy="6855480"/>
+            <a:ext cx="15480" cy="6855120"/>
           </a:xfrm>
           <a:prstGeom prst="rect">
             <a:avLst/>
@@ -44114,7 +46331,7 @@
         <p:spPr>
           <a:xfrm>
             <a:off x="10972800" y="0"/>
-            <a:ext cx="15840" cy="6855480"/>
+            <a:ext cx="15480" cy="6855120"/>
           </a:xfrm>
           <a:prstGeom prst="rect">
             <a:avLst/>
@@ -44174,7 +46391,7 @@
         <p:spPr>
           <a:xfrm>
             <a:off x="11887200" y="0"/>
-            <a:ext cx="15840" cy="6855480"/>
+            <a:ext cx="15480" cy="6855120"/>
           </a:xfrm>
           <a:prstGeom prst="rect">
             <a:avLst/>
@@ -44234,7 +46451,7 @@
         <p:spPr>
           <a:xfrm>
             <a:off x="0" y="0"/>
-            <a:ext cx="317520" cy="6855480"/>
+            <a:ext cx="317160" cy="6855120"/>
           </a:xfrm>
           <a:prstGeom prst="rect">
             <a:avLst/>
@@ -44294,7 +46511,7 @@
         <p:spPr>
           <a:xfrm>
             <a:off x="9875520" y="365760"/>
-            <a:ext cx="2009160" cy="500400"/>
+            <a:ext cx="2008800" cy="500040"/>
           </a:xfrm>
           <a:prstGeom prst="roundRect">
             <a:avLst>
@@ -44368,7 +46585,7 @@
         <p:spPr>
           <a:xfrm>
             <a:off x="2915280" y="1005840"/>
-            <a:ext cx="5139360" cy="638280"/>
+            <a:ext cx="5139000" cy="638280"/>
           </a:xfrm>
           <a:prstGeom prst="rect">
             <a:avLst/>
@@ -44422,7 +46639,7 @@
         <p:spPr>
           <a:xfrm>
             <a:off x="907200" y="2194560"/>
-            <a:ext cx="9170280" cy="317880"/>
+            <a:ext cx="9169920" cy="317880"/>
           </a:xfrm>
           <a:prstGeom prst="rect">
             <a:avLst/>
@@ -44476,7 +46693,7 @@
         <p:spPr>
           <a:xfrm>
             <a:off x="987480" y="3182040"/>
-            <a:ext cx="3289320" cy="2740680"/>
+            <a:ext cx="3288960" cy="2740320"/>
           </a:xfrm>
           <a:prstGeom prst="roundRect">
             <a:avLst>
@@ -44538,7 +46755,7 @@
         <p:spPr>
           <a:xfrm>
             <a:off x="914400" y="3108960"/>
-            <a:ext cx="3289320" cy="2740680"/>
+            <a:ext cx="3288960" cy="2740320"/>
           </a:xfrm>
           <a:prstGeom prst="roundRect">
             <a:avLst>
@@ -44826,7 +47043,7 @@
         <p:spPr>
           <a:xfrm>
             <a:off x="4507920" y="3182040"/>
-            <a:ext cx="3289320" cy="2740680"/>
+            <a:ext cx="3288960" cy="2740320"/>
           </a:xfrm>
           <a:prstGeom prst="roundRect">
             <a:avLst>
@@ -44888,7 +47105,7 @@
         <p:spPr>
           <a:xfrm>
             <a:off x="4434840" y="3108960"/>
-            <a:ext cx="3289320" cy="2740680"/>
+            <a:ext cx="3288960" cy="2740320"/>
           </a:xfrm>
           <a:prstGeom prst="roundRect">
             <a:avLst>
@@ -45192,7 +47409,7 @@
         <p:spPr>
           <a:xfrm>
             <a:off x="8028360" y="3182040"/>
-            <a:ext cx="3289320" cy="2740680"/>
+            <a:ext cx="3288960" cy="2740320"/>
           </a:xfrm>
           <a:prstGeom prst="roundRect">
             <a:avLst>
@@ -45254,7 +47471,7 @@
         <p:spPr>
           <a:xfrm>
             <a:off x="7955280" y="3108960"/>
-            <a:ext cx="3289320" cy="2740680"/>
+            <a:ext cx="3288960" cy="2740320"/>
           </a:xfrm>
           <a:prstGeom prst="roundRect">
             <a:avLst>
@@ -46697,10 +48914,10 @@
   <a:themeElements>
     <a:clrScheme name="Office">
       <a:dk1>
-        <a:sysClr val="windowText" lastClr="000000"/>
+        <a:srgbClr val="000000"/>
       </a:dk1>
       <a:lt1>
-        <a:sysClr val="window" lastClr="FFFFFF"/>
+        <a:srgbClr val="ffffff"/>
       </a:lt1>
       <a:dk2>
         <a:srgbClr val="1f497d"/>

--- a/Java/Java #2/EN/Java #2.pptx
+++ b/Java/Java #2/EN/Java #2.pptx
@@ -25,6 +25,7 @@
     <p:sldId id="267" r:id="rId20"/>
     <p:sldId id="268" r:id="rId21"/>
     <p:sldId id="269" r:id="rId22"/>
+    <p:sldId id="270" r:id="rId23"/>
   </p:sldIdLst>
   <p:sldSz cx="9144000" cy="6858000"/>
   <p:notesSz cx="7772400" cy="10058400"/>
@@ -82,7 +83,7 @@
         <p:txBody>
           <a:bodyPr/>
           <a:p>
-            <a:fld id="{652BAD21-96D4-4C7C-A797-B62EBDA84CC4}" type="slidenum">
+            <a:fld id="{6593A2A7-B884-4F48-9470-7D2E27C3632D}" type="slidenum">
               <a:t>&lt;#&gt;</a:t>
             </a:fld>
           </a:p>
@@ -291,7 +292,7 @@
         <p:txBody>
           <a:bodyPr/>
           <a:p>
-            <a:fld id="{60C4B226-8629-46AF-8B6C-46A69DD9A709}" type="slidenum">
+            <a:fld id="{7B59F237-C583-405B-B5D9-C25F598830E0}" type="slidenum">
               <a:t>&lt;#&gt;</a:t>
             </a:fld>
           </a:p>
@@ -586,7 +587,7 @@
         <p:txBody>
           <a:bodyPr/>
           <a:p>
-            <a:fld id="{5C766211-42B3-42AB-99C8-4C1ADE47D568}" type="slidenum">
+            <a:fld id="{ECD5DF30-DD14-4F15-88D5-3F4FBF54B414}" type="slidenum">
               <a:t>&lt;#&gt;</a:t>
             </a:fld>
           </a:p>
@@ -967,7 +968,7 @@
         <p:txBody>
           <a:bodyPr/>
           <a:p>
-            <a:fld id="{77A71C00-377D-4966-A2AE-1456FE101CC6}" type="slidenum">
+            <a:fld id="{16A17351-8160-4E1F-B396-916E85092989}" type="slidenum">
               <a:t>&lt;#&gt;</a:t>
             </a:fld>
           </a:p>
@@ -1050,7 +1051,7 @@
         <p:txBody>
           <a:bodyPr/>
           <a:p>
-            <a:fld id="{5DFFDB08-92D7-484F-B1BF-913A6E14EFFB}" type="slidenum">
+            <a:fld id="{79C529CC-E672-43DD-A764-7DB10CB335EE}" type="slidenum">
               <a:t>&lt;#&gt;</a:t>
             </a:fld>
           </a:p>
@@ -1213,7 +1214,7 @@
         <p:txBody>
           <a:bodyPr/>
           <a:p>
-            <a:fld id="{FFFFEA48-FD32-437F-8A68-DE52CA6BB70E}" type="slidenum">
+            <a:fld id="{767B1FBA-2177-4B0D-91A6-EA40E91717F2}" type="slidenum">
               <a:t>&lt;#&gt;</a:t>
             </a:fld>
           </a:p>
@@ -1379,7 +1380,7 @@
         <p:txBody>
           <a:bodyPr/>
           <a:p>
-            <a:fld id="{BC5EBB39-A880-46A5-9D5D-ADBCDE580ED8}" type="slidenum">
+            <a:fld id="{E3ACC886-3C6F-4C9E-9F16-B6F44754B850}" type="slidenum">
               <a:t>&lt;#&gt;</a:t>
             </a:fld>
           </a:p>
@@ -1588,7 +1589,7 @@
         <p:txBody>
           <a:bodyPr/>
           <a:p>
-            <a:fld id="{29190A7A-DF5E-43C0-8019-29FBF2404196}" type="slidenum">
+            <a:fld id="{2A48ACC6-7B87-4DAA-8387-1EAB44C53CE5}" type="slidenum">
               <a:t>&lt;#&gt;</a:t>
             </a:fld>
           </a:p>
@@ -1711,7 +1712,7 @@
         <p:txBody>
           <a:bodyPr/>
           <a:p>
-            <a:fld id="{7D126CBD-B4F0-40A7-B932-0EECAD896E7D}" type="slidenum">
+            <a:fld id="{21DA50AF-FC98-45F8-AEA5-853F926F91AB}" type="slidenum">
               <a:t>&lt;#&gt;</a:t>
             </a:fld>
           </a:p>
@@ -1832,7 +1833,7 @@
         <p:txBody>
           <a:bodyPr/>
           <a:p>
-            <a:fld id="{9412DC9E-E668-4264-A1CB-A9C5D6462223}" type="slidenum">
+            <a:fld id="{0C5ED1E7-C67D-41C1-8FBE-0B298ADF66A8}" type="slidenum">
               <a:t>&lt;#&gt;</a:t>
             </a:fld>
           </a:p>
@@ -2084,7 +2085,7 @@
         <p:txBody>
           <a:bodyPr/>
           <a:p>
-            <a:fld id="{12732475-7ED0-4F8F-8058-20CE9BF24757}" type="slidenum">
+            <a:fld id="{518CBF09-0135-4248-816B-05FC8DD5E916}" type="slidenum">
               <a:t>&lt;#&gt;</a:t>
             </a:fld>
           </a:p>
@@ -2247,7 +2248,7 @@
         <p:txBody>
           <a:bodyPr/>
           <a:p>
-            <a:fld id="{5C584BFE-AED0-41FB-84B9-AF121CCA33CB}" type="slidenum">
+            <a:fld id="{46BE5D63-35AE-40D2-8A72-150A0A73A4EF}" type="slidenum">
               <a:t>&lt;#&gt;</a:t>
             </a:fld>
           </a:p>
@@ -2499,7 +2500,7 @@
         <p:txBody>
           <a:bodyPr/>
           <a:p>
-            <a:fld id="{4A888FC9-836A-450C-B3CE-8038A8611357}" type="slidenum">
+            <a:fld id="{6E16EFDF-C542-4D3E-AF30-3EF00AAA9D08}" type="slidenum">
               <a:t>&lt;#&gt;</a:t>
             </a:fld>
           </a:p>
@@ -2751,7 +2752,7 @@
         <p:txBody>
           <a:bodyPr/>
           <a:p>
-            <a:fld id="{B9930FE3-E144-49D4-9569-FF069E69AB20}" type="slidenum">
+            <a:fld id="{14362189-644C-4774-B0C3-A9203EEBC016}" type="slidenum">
               <a:t>&lt;#&gt;</a:t>
             </a:fld>
           </a:p>
@@ -2960,7 +2961,7 @@
         <p:txBody>
           <a:bodyPr/>
           <a:p>
-            <a:fld id="{CFA5D45A-0037-40B5-ACDD-F21EF9F727D7}" type="slidenum">
+            <a:fld id="{58DDB51F-F4CB-4CB7-A1E2-EEF23813D3BF}" type="slidenum">
               <a:t>&lt;#&gt;</a:t>
             </a:fld>
           </a:p>
@@ -3255,7 +3256,7 @@
         <p:txBody>
           <a:bodyPr/>
           <a:p>
-            <a:fld id="{04030700-4812-4067-BBEE-5889D1987FA2}" type="slidenum">
+            <a:fld id="{ACAB2FE5-C325-42A4-8AB5-083C1029DF15}" type="slidenum">
               <a:t>&lt;#&gt;</a:t>
             </a:fld>
           </a:p>
@@ -3636,7 +3637,7 @@
         <p:txBody>
           <a:bodyPr/>
           <a:p>
-            <a:fld id="{0E24FA00-447A-4154-BACA-4C31FC8CEC8A}" type="slidenum">
+            <a:fld id="{6214BB09-D58A-4E34-B222-FDEF44F3AE8D}" type="slidenum">
               <a:t>&lt;#&gt;</a:t>
             </a:fld>
           </a:p>
@@ -3719,7 +3720,7 @@
         <p:txBody>
           <a:bodyPr/>
           <a:p>
-            <a:fld id="{F3573903-A3FB-4183-A822-D15C7F814D25}" type="slidenum">
+            <a:fld id="{DBBC73C1-9B12-49F5-BD47-A9E1FDE45EC8}" type="slidenum">
               <a:t>&lt;#&gt;</a:t>
             </a:fld>
           </a:p>
@@ -3882,7 +3883,7 @@
         <p:txBody>
           <a:bodyPr/>
           <a:p>
-            <a:fld id="{87B231D3-0BD6-47BB-920C-922DBCF7D54A}" type="slidenum">
+            <a:fld id="{43848A3A-A555-4981-B543-9155A93BDAFD}" type="slidenum">
               <a:t>&lt;#&gt;</a:t>
             </a:fld>
           </a:p>
@@ -4048,7 +4049,7 @@
         <p:txBody>
           <a:bodyPr/>
           <a:p>
-            <a:fld id="{32D2ACE7-8508-4ADC-842A-AF6A1E2E0D6E}" type="slidenum">
+            <a:fld id="{284E3BFE-176D-4A25-8EC9-519BC6DCF0BB}" type="slidenum">
               <a:t>&lt;#&gt;</a:t>
             </a:fld>
           </a:p>
@@ -4257,7 +4258,7 @@
         <p:txBody>
           <a:bodyPr/>
           <a:p>
-            <a:fld id="{79CF5B9A-0A87-4448-B6F2-12184AB54C63}" type="slidenum">
+            <a:fld id="{28B00FE5-9C16-4CCE-BAF9-27B8C6C99D73}" type="slidenum">
               <a:t>&lt;#&gt;</a:t>
             </a:fld>
           </a:p>
@@ -4380,7 +4381,7 @@
         <p:txBody>
           <a:bodyPr/>
           <a:p>
-            <a:fld id="{A0FA3429-B342-47F8-98F6-96E338E747F7}" type="slidenum">
+            <a:fld id="{E4EC64F2-010B-4F8C-BEBD-FB56C10CD495}" type="slidenum">
               <a:t>&lt;#&gt;</a:t>
             </a:fld>
           </a:p>
@@ -4546,7 +4547,7 @@
         <p:txBody>
           <a:bodyPr/>
           <a:p>
-            <a:fld id="{5C9E9E40-06FE-4E38-9880-DFC48A86B0CB}" type="slidenum">
+            <a:fld id="{74C174D9-D10F-46BB-9266-A1685C1B110B}" type="slidenum">
               <a:t>&lt;#&gt;</a:t>
             </a:fld>
           </a:p>
@@ -4667,7 +4668,7 @@
         <p:txBody>
           <a:bodyPr/>
           <a:p>
-            <a:fld id="{FA5C6B81-8E8A-4BF6-B122-4CF7862B7C0E}" type="slidenum">
+            <a:fld id="{C21E7DE6-54B6-42A2-A278-230C40282350}" type="slidenum">
               <a:t>&lt;#&gt;</a:t>
             </a:fld>
           </a:p>
@@ -4919,7 +4920,7 @@
         <p:txBody>
           <a:bodyPr/>
           <a:p>
-            <a:fld id="{D8B0F8DD-3557-464C-B4B5-F636985F64F5}" type="slidenum">
+            <a:fld id="{E43E2297-ECD7-4CCC-B3BD-0993709E8F1B}" type="slidenum">
               <a:t>&lt;#&gt;</a:t>
             </a:fld>
           </a:p>
@@ -5171,7 +5172,7 @@
         <p:txBody>
           <a:bodyPr/>
           <a:p>
-            <a:fld id="{AD467CDE-848F-4708-856F-C3E63432B7F0}" type="slidenum">
+            <a:fld id="{3C8B35E8-69F5-4BC7-9A92-70A52514B0F2}" type="slidenum">
               <a:t>&lt;#&gt;</a:t>
             </a:fld>
           </a:p>
@@ -5423,7 +5424,7 @@
         <p:txBody>
           <a:bodyPr/>
           <a:p>
-            <a:fld id="{5C492CE6-5396-4B22-A5EF-17B97ECAF04B}" type="slidenum">
+            <a:fld id="{E001986C-BF70-43FA-9170-F8DA06CFB3F6}" type="slidenum">
               <a:t>&lt;#&gt;</a:t>
             </a:fld>
           </a:p>
@@ -5632,7 +5633,7 @@
         <p:txBody>
           <a:bodyPr/>
           <a:p>
-            <a:fld id="{4F7E1FD0-9F19-41B6-BC58-92CECDCBDDE0}" type="slidenum">
+            <a:fld id="{5DEE1DE3-14BE-4797-B79D-EAA66D0EA817}" type="slidenum">
               <a:t>&lt;#&gt;</a:t>
             </a:fld>
           </a:p>
@@ -5927,7 +5928,7 @@
         <p:txBody>
           <a:bodyPr/>
           <a:p>
-            <a:fld id="{2B22C48D-DA36-4375-91CD-C9DCACE27645}" type="slidenum">
+            <a:fld id="{E00BBC81-BEE8-4B54-A312-D39BA957B923}" type="slidenum">
               <a:t>&lt;#&gt;</a:t>
             </a:fld>
           </a:p>
@@ -6308,7 +6309,7 @@
         <p:txBody>
           <a:bodyPr/>
           <a:p>
-            <a:fld id="{043277E1-9A45-423B-82B3-2819B44B7ADC}" type="slidenum">
+            <a:fld id="{C811C45A-6173-42E2-A044-253D6635345D}" type="slidenum">
               <a:t>&lt;#&gt;</a:t>
             </a:fld>
           </a:p>
@@ -6391,7 +6392,7 @@
         <p:txBody>
           <a:bodyPr/>
           <a:p>
-            <a:fld id="{37A8D0F2-8A2A-4296-A987-F0262F8F6546}" type="slidenum">
+            <a:fld id="{110A9FDB-DEF3-4209-8E3B-170D3CBC3EAA}" type="slidenum">
               <a:t>&lt;#&gt;</a:t>
             </a:fld>
           </a:p>
@@ -6554,7 +6555,7 @@
         <p:txBody>
           <a:bodyPr/>
           <a:p>
-            <a:fld id="{8C0A7E04-F0B9-4BA5-B0D5-8E00F3EEF1C6}" type="slidenum">
+            <a:fld id="{956578CE-2B9F-4E1C-BC85-7A296681921F}" type="slidenum">
               <a:t>&lt;#&gt;</a:t>
             </a:fld>
           </a:p>
@@ -6720,7 +6721,7 @@
         <p:txBody>
           <a:bodyPr/>
           <a:p>
-            <a:fld id="{24777AD9-4AD4-4AE7-99D0-BB75BA64C460}" type="slidenum">
+            <a:fld id="{A11BAE3A-032E-4DD2-A075-A82947FA43E5}" type="slidenum">
               <a:t>&lt;#&gt;</a:t>
             </a:fld>
           </a:p>
@@ -6929,7 +6930,7 @@
         <p:txBody>
           <a:bodyPr/>
           <a:p>
-            <a:fld id="{EC089CE4-DF5C-4DD2-8733-3134105E2443}" type="slidenum">
+            <a:fld id="{BC958FAF-4AD0-4A10-8DBA-80DBDF2633BF}" type="slidenum">
               <a:t>&lt;#&gt;</a:t>
             </a:fld>
           </a:p>
@@ -7138,7 +7139,7 @@
         <p:txBody>
           <a:bodyPr/>
           <a:p>
-            <a:fld id="{ED87534E-1D74-4B89-8848-B671A8AA562B}" type="slidenum">
+            <a:fld id="{7AE7DE92-5E9C-40B9-AB0A-53C76DBF383E}" type="slidenum">
               <a:t>&lt;#&gt;</a:t>
             </a:fld>
           </a:p>
@@ -7261,7 +7262,7 @@
         <p:txBody>
           <a:bodyPr/>
           <a:p>
-            <a:fld id="{89D73549-8662-4461-8444-E673B96A9574}" type="slidenum">
+            <a:fld id="{63954F83-A82D-400A-9674-A6C160E5BD97}" type="slidenum">
               <a:t>&lt;#&gt;</a:t>
             </a:fld>
           </a:p>
@@ -7382,7 +7383,7 @@
         <p:txBody>
           <a:bodyPr/>
           <a:p>
-            <a:fld id="{26059097-92E7-4989-9A9A-FA0C5C84FAE3}" type="slidenum">
+            <a:fld id="{A2DC5FA9-4BF5-4A0F-9537-B5D0FE7ADCCE}" type="slidenum">
               <a:t>&lt;#&gt;</a:t>
             </a:fld>
           </a:p>
@@ -7634,7 +7635,7 @@
         <p:txBody>
           <a:bodyPr/>
           <a:p>
-            <a:fld id="{BCDB6941-B50D-4446-97D9-5902DF20AFBA}" type="slidenum">
+            <a:fld id="{50547DDC-257C-409D-8DA7-1771983159F5}" type="slidenum">
               <a:t>&lt;#&gt;</a:t>
             </a:fld>
           </a:p>
@@ -7886,7 +7887,7 @@
         <p:txBody>
           <a:bodyPr/>
           <a:p>
-            <a:fld id="{3886AAD4-FDE7-45E6-890C-23D2D71DD961}" type="slidenum">
+            <a:fld id="{2D1169E6-F1F6-4137-84C4-A21D27490F32}" type="slidenum">
               <a:t>&lt;#&gt;</a:t>
             </a:fld>
           </a:p>
@@ -8138,7 +8139,7 @@
         <p:txBody>
           <a:bodyPr/>
           <a:p>
-            <a:fld id="{42DF0C03-4FC0-4C7F-BAF5-5EC10D5C0494}" type="slidenum">
+            <a:fld id="{54EB4044-51C5-499C-A7BA-B0669BB6FD5B}" type="slidenum">
               <a:t>&lt;#&gt;</a:t>
             </a:fld>
           </a:p>
@@ -8347,7 +8348,7 @@
         <p:txBody>
           <a:bodyPr/>
           <a:p>
-            <a:fld id="{4A2E87FF-2CEF-4DC8-A3F4-EBB6ACACACB5}" type="slidenum">
+            <a:fld id="{9C6114E9-693D-45AC-B8D0-5A24DA6312E7}" type="slidenum">
               <a:t>&lt;#&gt;</a:t>
             </a:fld>
           </a:p>
@@ -8642,7 +8643,7 @@
         <p:txBody>
           <a:bodyPr/>
           <a:p>
-            <a:fld id="{00C14FBD-9E4C-4D40-8A8B-9220E519ED61}" type="slidenum">
+            <a:fld id="{812160D3-0EE0-4564-A546-E6913C8AB83E}" type="slidenum">
               <a:t>&lt;#&gt;</a:t>
             </a:fld>
           </a:p>
@@ -9023,7 +9024,7 @@
         <p:txBody>
           <a:bodyPr/>
           <a:p>
-            <a:fld id="{E5024157-4E1B-4425-A3C6-99DCAD62F255}" type="slidenum">
+            <a:fld id="{D4FA9A33-E23A-4327-8533-AAF393330AF9}" type="slidenum">
               <a:t>&lt;#&gt;</a:t>
             </a:fld>
           </a:p>
@@ -9106,7 +9107,7 @@
         <p:txBody>
           <a:bodyPr/>
           <a:p>
-            <a:fld id="{9675D556-C46E-4BB3-862F-E6ACBFA3EAE0}" type="slidenum">
+            <a:fld id="{7802F36B-8C6E-4623-93B5-8D6A7345EE75}" type="slidenum">
               <a:t>&lt;#&gt;</a:t>
             </a:fld>
           </a:p>
@@ -9229,7 +9230,7 @@
         <p:txBody>
           <a:bodyPr/>
           <a:p>
-            <a:fld id="{64EB6932-BD43-44D1-8C27-14AD9744CE06}" type="slidenum">
+            <a:fld id="{D924EB67-4340-4B3B-89C1-57B7C915880F}" type="slidenum">
               <a:t>&lt;#&gt;</a:t>
             </a:fld>
           </a:p>
@@ -9392,7 +9393,7 @@
         <p:txBody>
           <a:bodyPr/>
           <a:p>
-            <a:fld id="{3BBD1F50-D3AE-4351-846D-8A3EEB166A85}" type="slidenum">
+            <a:fld id="{0A4B50C1-C68D-4A11-B1A4-385B2B7BF09A}" type="slidenum">
               <a:t>&lt;#&gt;</a:t>
             </a:fld>
           </a:p>
@@ -9558,7 +9559,7 @@
         <p:txBody>
           <a:bodyPr/>
           <a:p>
-            <a:fld id="{13A919F5-2A41-40EB-A720-663705E053A6}" type="slidenum">
+            <a:fld id="{76336A20-7464-44B9-85A6-36D5C1D6EADD}" type="slidenum">
               <a:t>&lt;#&gt;</a:t>
             </a:fld>
           </a:p>
@@ -9767,7 +9768,7 @@
         <p:txBody>
           <a:bodyPr/>
           <a:p>
-            <a:fld id="{344EE213-75A4-44C8-B9C3-ACE30A71D9DC}" type="slidenum">
+            <a:fld id="{609B2848-FC91-479E-AD22-2B955B86458C}" type="slidenum">
               <a:t>&lt;#&gt;</a:t>
             </a:fld>
           </a:p>
@@ -9890,7 +9891,7 @@
         <p:txBody>
           <a:bodyPr/>
           <a:p>
-            <a:fld id="{7C726BE4-95CB-47FF-97A3-60EAD59D9F2E}" type="slidenum">
+            <a:fld id="{2E0165D9-E113-4A92-B8F0-81FD7CE698D5}" type="slidenum">
               <a:t>&lt;#&gt;</a:t>
             </a:fld>
           </a:p>
@@ -10011,7 +10012,7 @@
         <p:txBody>
           <a:bodyPr/>
           <a:p>
-            <a:fld id="{D7195A9A-BB2B-4608-82A5-13086E4F823F}" type="slidenum">
+            <a:fld id="{266EBEE7-3598-47CC-AB77-2B83DA999512}" type="slidenum">
               <a:t>&lt;#&gt;</a:t>
             </a:fld>
           </a:p>
@@ -10263,7 +10264,7 @@
         <p:txBody>
           <a:bodyPr/>
           <a:p>
-            <a:fld id="{DA8A7472-C57E-4143-BE6D-5655611A100C}" type="slidenum">
+            <a:fld id="{B5ACC769-CD05-43C6-AF06-A4DAB7E287D8}" type="slidenum">
               <a:t>&lt;#&gt;</a:t>
             </a:fld>
           </a:p>
@@ -10515,7 +10516,7 @@
         <p:txBody>
           <a:bodyPr/>
           <a:p>
-            <a:fld id="{5799FB2E-4905-4ECB-8292-4F809A60478B}" type="slidenum">
+            <a:fld id="{D267745D-152A-4C48-BC0A-122815CBE446}" type="slidenum">
               <a:t>&lt;#&gt;</a:t>
             </a:fld>
           </a:p>
@@ -10767,7 +10768,7 @@
         <p:txBody>
           <a:bodyPr/>
           <a:p>
-            <a:fld id="{B8BBC7B8-E40C-4AB1-82DC-0166B01D45EE}" type="slidenum">
+            <a:fld id="{F06F5A29-D394-4EE0-8B62-80AB6C7D6CD5}" type="slidenum">
               <a:t>&lt;#&gt;</a:t>
             </a:fld>
           </a:p>
@@ -10976,7 +10977,7 @@
         <p:txBody>
           <a:bodyPr/>
           <a:p>
-            <a:fld id="{068B8149-4437-4418-AFA9-C028062F1465}" type="slidenum">
+            <a:fld id="{89A80558-D16D-4130-8968-D40D20F53FDD}" type="slidenum">
               <a:t>&lt;#&gt;</a:t>
             </a:fld>
           </a:p>
@@ -11271,7 +11272,7 @@
         <p:txBody>
           <a:bodyPr/>
           <a:p>
-            <a:fld id="{E6439094-13AE-4672-ACB6-FE5F5F803F1E}" type="slidenum">
+            <a:fld id="{2AE2225D-5DC6-4498-8A50-27CA5B2C1D82}" type="slidenum">
               <a:t>&lt;#&gt;</a:t>
             </a:fld>
           </a:p>
@@ -11392,7 +11393,7 @@
         <p:txBody>
           <a:bodyPr/>
           <a:p>
-            <a:fld id="{F20219E5-DA99-4FAC-8DAB-08E1670C6FA5}" type="slidenum">
+            <a:fld id="{DAC33894-C9B1-43E1-987F-CC7DCFC4A4B3}" type="slidenum">
               <a:t>&lt;#&gt;</a:t>
             </a:fld>
           </a:p>
@@ -11773,7 +11774,7 @@
         <p:txBody>
           <a:bodyPr/>
           <a:p>
-            <a:fld id="{FF16E2D3-BEF8-4281-882E-66FE7C6ADE9E}" type="slidenum">
+            <a:fld id="{480C3B56-6B8F-422F-A611-E2C653752F54}" type="slidenum">
               <a:t>&lt;#&gt;</a:t>
             </a:fld>
           </a:p>
@@ -11856,7 +11857,7 @@
         <p:txBody>
           <a:bodyPr/>
           <a:p>
-            <a:fld id="{4FB654A2-B3FB-4E30-A71F-691257B97BAF}" type="slidenum">
+            <a:fld id="{9C54D6D2-34C4-43D5-9D45-7C8F0DA302CE}" type="slidenum">
               <a:t>&lt;#&gt;</a:t>
             </a:fld>
           </a:p>
@@ -12019,7 +12020,7 @@
         <p:txBody>
           <a:bodyPr/>
           <a:p>
-            <a:fld id="{1AB60F09-1007-467D-91C1-43FEB43CEFA3}" type="slidenum">
+            <a:fld id="{DCA503E8-5867-4D1C-AC44-1B624A1AE9EC}" type="slidenum">
               <a:t>&lt;#&gt;</a:t>
             </a:fld>
           </a:p>
@@ -12185,7 +12186,7 @@
         <p:txBody>
           <a:bodyPr/>
           <a:p>
-            <a:fld id="{9C02B43D-ACA0-4CBC-BDF9-E6E94E33F885}" type="slidenum">
+            <a:fld id="{26D2D64A-63AD-49D0-9DC1-3E18BA2BEBC0}" type="slidenum">
               <a:t>&lt;#&gt;</a:t>
             </a:fld>
           </a:p>
@@ -12394,7 +12395,7 @@
         <p:txBody>
           <a:bodyPr/>
           <a:p>
-            <a:fld id="{402BDA67-CA44-4B36-8A50-42B7D46DE6B1}" type="slidenum">
+            <a:fld id="{49832713-98EE-4498-AC64-571829A9403C}" type="slidenum">
               <a:t>&lt;#&gt;</a:t>
             </a:fld>
           </a:p>
@@ -12517,7 +12518,7 @@
         <p:txBody>
           <a:bodyPr/>
           <a:p>
-            <a:fld id="{8361A105-7EAB-4771-97E5-2DCEAA948EC1}" type="slidenum">
+            <a:fld id="{D57C3780-F56A-436C-A399-358E5A8383F5}" type="slidenum">
               <a:t>&lt;#&gt;</a:t>
             </a:fld>
           </a:p>
@@ -12638,7 +12639,7 @@
         <p:txBody>
           <a:bodyPr/>
           <a:p>
-            <a:fld id="{F2A9A94B-53FC-406E-8D10-A4858FA597A1}" type="slidenum">
+            <a:fld id="{E554C630-439D-48B2-9DA5-CB9A8F0FD7F4}" type="slidenum">
               <a:t>&lt;#&gt;</a:t>
             </a:fld>
           </a:p>
@@ -12890,7 +12891,7 @@
         <p:txBody>
           <a:bodyPr/>
           <a:p>
-            <a:fld id="{8B0483ED-68FB-40EC-A979-271B715EC88E}" type="slidenum">
+            <a:fld id="{3BE632A5-CEF0-4DD7-A4A7-87C0FD3EFC98}" type="slidenum">
               <a:t>&lt;#&gt;</a:t>
             </a:fld>
           </a:p>
@@ -13142,7 +13143,7 @@
         <p:txBody>
           <a:bodyPr/>
           <a:p>
-            <a:fld id="{AB69F8BC-8B81-4822-A9B6-0593A969322C}" type="slidenum">
+            <a:fld id="{0BBAE7F1-75A7-4634-9782-54D6E697AD62}" type="slidenum">
               <a:t>&lt;#&gt;</a:t>
             </a:fld>
           </a:p>
@@ -13394,7 +13395,7 @@
         <p:txBody>
           <a:bodyPr/>
           <a:p>
-            <a:fld id="{DD3EFD39-5BB0-4AE1-8BA4-5428FB6BD1CF}" type="slidenum">
+            <a:fld id="{B6A8B5C3-C297-416F-9207-D6EB04B29991}" type="slidenum">
               <a:t>&lt;#&gt;</a:t>
             </a:fld>
           </a:p>
@@ -13646,7 +13647,7 @@
         <p:txBody>
           <a:bodyPr/>
           <a:p>
-            <a:fld id="{37414E7D-F9B1-4B11-BBDE-3B9474435643}" type="slidenum">
+            <a:fld id="{71226CD7-A3D8-402D-BD0F-D8FCF404E58F}" type="slidenum">
               <a:t>&lt;#&gt;</a:t>
             </a:fld>
           </a:p>
@@ -13855,7 +13856,7 @@
         <p:txBody>
           <a:bodyPr/>
           <a:p>
-            <a:fld id="{715A61E2-CFB8-441F-BCFF-72714C0B9C69}" type="slidenum">
+            <a:fld id="{8ABE16A3-5388-4950-AC3C-12E2ABE2E677}" type="slidenum">
               <a:t>&lt;#&gt;</a:t>
             </a:fld>
           </a:p>
@@ -14150,7 +14151,7 @@
         <p:txBody>
           <a:bodyPr/>
           <a:p>
-            <a:fld id="{5FF75954-3D80-4467-82E4-83DE5F7687D6}" type="slidenum">
+            <a:fld id="{352AE413-2186-42D7-9CD5-771130E2F00C}" type="slidenum">
               <a:t>&lt;#&gt;</a:t>
             </a:fld>
           </a:p>
@@ -14531,7 +14532,7 @@
         <p:txBody>
           <a:bodyPr/>
           <a:p>
-            <a:fld id="{C7F10AEE-6C3F-4D80-B544-12A71B5A564B}" type="slidenum">
+            <a:fld id="{10FE4B35-3FEC-497B-914E-AC8889CC06DF}" type="slidenum">
               <a:t>&lt;#&gt;</a:t>
             </a:fld>
           </a:p>
@@ -14614,7 +14615,7 @@
         <p:txBody>
           <a:bodyPr/>
           <a:p>
-            <a:fld id="{E87CA556-4599-47FB-BC04-05BE0681E83D}" type="slidenum">
+            <a:fld id="{C9192ABE-DDE3-4834-B530-E26644FD2BD1}" type="slidenum">
               <a:t>&lt;#&gt;</a:t>
             </a:fld>
           </a:p>
@@ -14777,7 +14778,7 @@
         <p:txBody>
           <a:bodyPr/>
           <a:p>
-            <a:fld id="{B302C240-59E1-46AA-A111-76ED9C4E8DDB}" type="slidenum">
+            <a:fld id="{F3E1EE3C-F214-4859-86E6-D036DDE61900}" type="slidenum">
               <a:t>&lt;#&gt;</a:t>
             </a:fld>
           </a:p>
@@ -14943,7 +14944,7 @@
         <p:txBody>
           <a:bodyPr/>
           <a:p>
-            <a:fld id="{3363F77B-F691-4AE8-94E5-2B68A460E3D6}" type="slidenum">
+            <a:fld id="{555FB456-B803-42DD-9F1B-38B296CA20F2}" type="slidenum">
               <a:t>&lt;#&gt;</a:t>
             </a:fld>
           </a:p>
@@ -15152,7 +15153,7 @@
         <p:txBody>
           <a:bodyPr/>
           <a:p>
-            <a:fld id="{D241E7DA-C514-4603-ABE4-00C3FF35343B}" type="slidenum">
+            <a:fld id="{F7EAF78B-37A6-4521-8C82-87599BB6A8DC}" type="slidenum">
               <a:t>&lt;#&gt;</a:t>
             </a:fld>
           </a:p>
@@ -15275,7 +15276,7 @@
         <p:txBody>
           <a:bodyPr/>
           <a:p>
-            <a:fld id="{97C88A7E-E229-4203-B418-E6CAFB24FF3B}" type="slidenum">
+            <a:fld id="{0F6AFA05-F7DE-4853-AFE9-F97130220254}" type="slidenum">
               <a:t>&lt;#&gt;</a:t>
             </a:fld>
           </a:p>
@@ -15396,7 +15397,7 @@
         <p:txBody>
           <a:bodyPr/>
           <a:p>
-            <a:fld id="{9FBCDD81-707F-4BFC-9F87-45B51C89CAE6}" type="slidenum">
+            <a:fld id="{411E7EC2-23FC-41DF-AE6D-9F1D39DFF105}" type="slidenum">
               <a:t>&lt;#&gt;</a:t>
             </a:fld>
           </a:p>
@@ -15648,7 +15649,7 @@
         <p:txBody>
           <a:bodyPr/>
           <a:p>
-            <a:fld id="{E99CCFB8-FA15-486C-A79D-8534FF4AEC6A}" type="slidenum">
+            <a:fld id="{AD4CA80E-3267-48F9-B9FD-89E5F8A31FBA}" type="slidenum">
               <a:t>&lt;#&gt;</a:t>
             </a:fld>
           </a:p>
@@ -15900,7 +15901,7 @@
         <p:txBody>
           <a:bodyPr/>
           <a:p>
-            <a:fld id="{735815AF-F26F-4857-973B-8E66BAB15420}" type="slidenum">
+            <a:fld id="{044308D0-E8EE-4B30-A63D-27C8EE884FAB}" type="slidenum">
               <a:t>&lt;#&gt;</a:t>
             </a:fld>
           </a:p>
@@ -16152,7 +16153,7 @@
         <p:txBody>
           <a:bodyPr/>
           <a:p>
-            <a:fld id="{203E7DCD-819B-4E74-9436-2262F9A2CA0E}" type="slidenum">
+            <a:fld id="{BB8FAB45-2EF5-4430-A62F-77BB3F2F7168}" type="slidenum">
               <a:t>&lt;#&gt;</a:t>
             </a:fld>
           </a:p>
@@ -16404,7 +16405,7 @@
         <p:txBody>
           <a:bodyPr/>
           <a:p>
-            <a:fld id="{C9A9556D-8A7D-4978-A44F-A3D3E763E447}" type="slidenum">
+            <a:fld id="{14578DE0-7CAE-4B82-B7BE-EA5C42F72F33}" type="slidenum">
               <a:t>&lt;#&gt;</a:t>
             </a:fld>
           </a:p>
@@ -16613,7 +16614,7 @@
         <p:txBody>
           <a:bodyPr/>
           <a:p>
-            <a:fld id="{6C616710-EA22-4102-9340-C7F05150F63E}" type="slidenum">
+            <a:fld id="{8FB17829-8DF6-40D1-AD9B-2264B56CCC63}" type="slidenum">
               <a:t>&lt;#&gt;</a:t>
             </a:fld>
           </a:p>
@@ -16908,7 +16909,7 @@
         <p:txBody>
           <a:bodyPr/>
           <a:p>
-            <a:fld id="{ECA17A51-516E-4E07-8E3B-72BB24A9E417}" type="slidenum">
+            <a:fld id="{EE876A27-B124-42D0-BBCD-1DC1869C8C23}" type="slidenum">
               <a:t>&lt;#&gt;</a:t>
             </a:fld>
           </a:p>
@@ -17289,7 +17290,7 @@
         <p:txBody>
           <a:bodyPr/>
           <a:p>
-            <a:fld id="{E5777B8F-3A64-4633-9EB0-DC14C97B812B}" type="slidenum">
+            <a:fld id="{BA22AB47-E2DF-4C19-ADB6-53FB5EB3E622}" type="slidenum">
               <a:t>&lt;#&gt;</a:t>
             </a:fld>
           </a:p>
@@ -17541,7 +17542,7 @@
         <p:txBody>
           <a:bodyPr/>
           <a:p>
-            <a:fld id="{2875CAC5-189C-465D-AAB3-6ED16FFE93B9}" type="slidenum">
+            <a:fld id="{3413C6F6-CF09-4A92-89A7-EC78F432855B}" type="slidenum">
               <a:t>&lt;#&gt;</a:t>
             </a:fld>
           </a:p>
@@ -17610,7 +17611,7 @@
         <p:spPr>
           <a:xfrm>
             <a:off x="3124080" y="6356520"/>
-            <a:ext cx="2890800" cy="360360"/>
+            <a:ext cx="2890440" cy="360000"/>
           </a:xfrm>
           <a:prstGeom prst="rect">
             <a:avLst/>
@@ -17682,7 +17683,7 @@
         <p:spPr>
           <a:xfrm>
             <a:off x="6553080" y="6356520"/>
-            <a:ext cx="2129040" cy="360360"/>
+            <a:ext cx="2128680" cy="360000"/>
           </a:xfrm>
           <a:prstGeom prst="rect">
             <a:avLst/>
@@ -17723,7 +17724,7 @@
                 <a:tab algn="l" pos="0"/>
               </a:tabLst>
             </a:pPr>
-            <a:fld id="{7E26D4CE-8B70-45FF-A326-FDF14E12DED5}" type="slidenum">
+            <a:fld id="{D928A54E-CF0A-4F14-9996-D73DD40F0485}" type="slidenum">
               <a:rPr b="0" lang="en-US" sz="1200" spc="-1" strike="noStrike">
                 <a:solidFill>
                   <a:srgbClr val="8b8b8b"/>
@@ -17754,7 +17755,7 @@
         <p:spPr>
           <a:xfrm>
             <a:off x="457200" y="6356520"/>
-            <a:ext cx="2129040" cy="360360"/>
+            <a:ext cx="2128680" cy="360000"/>
           </a:xfrm>
           <a:prstGeom prst="rect">
             <a:avLst/>
@@ -18132,7 +18133,7 @@
         <p:spPr>
           <a:xfrm>
             <a:off x="3124080" y="6356520"/>
-            <a:ext cx="2890800" cy="360360"/>
+            <a:ext cx="2890440" cy="360000"/>
           </a:xfrm>
           <a:prstGeom prst="rect">
             <a:avLst/>
@@ -18204,7 +18205,7 @@
         <p:spPr>
           <a:xfrm>
             <a:off x="6553080" y="6356520"/>
-            <a:ext cx="2129040" cy="360360"/>
+            <a:ext cx="2128680" cy="360000"/>
           </a:xfrm>
           <a:prstGeom prst="rect">
             <a:avLst/>
@@ -18245,7 +18246,7 @@
                 <a:tab algn="l" pos="0"/>
               </a:tabLst>
             </a:pPr>
-            <a:fld id="{80622FF8-ED21-4332-B86B-151FE8FE272D}" type="slidenum">
+            <a:fld id="{58EB5620-95B7-4552-9BA7-E451078DBAB3}" type="slidenum">
               <a:rPr b="0" lang="en-US" sz="1200" spc="-1" strike="noStrike">
                 <a:solidFill>
                   <a:srgbClr val="8b8b8b"/>
@@ -18276,7 +18277,7 @@
         <p:spPr>
           <a:xfrm>
             <a:off x="457200" y="6356520"/>
-            <a:ext cx="2129040" cy="360360"/>
+            <a:ext cx="2128680" cy="360000"/>
           </a:xfrm>
           <a:prstGeom prst="rect">
             <a:avLst/>
@@ -18654,7 +18655,7 @@
         <p:spPr>
           <a:xfrm>
             <a:off x="3124080" y="6356520"/>
-            <a:ext cx="2891160" cy="360720"/>
+            <a:ext cx="2890800" cy="360360"/>
           </a:xfrm>
           <a:prstGeom prst="rect">
             <a:avLst/>
@@ -18726,7 +18727,7 @@
         <p:spPr>
           <a:xfrm>
             <a:off x="6553080" y="6356520"/>
-            <a:ext cx="2129400" cy="360720"/>
+            <a:ext cx="2129040" cy="360360"/>
           </a:xfrm>
           <a:prstGeom prst="rect">
             <a:avLst/>
@@ -18767,7 +18768,7 @@
                 <a:tab algn="l" pos="0"/>
               </a:tabLst>
             </a:pPr>
-            <a:fld id="{218CDBCC-1442-49F7-B5CF-9BA8865E06ED}" type="slidenum">
+            <a:fld id="{A86445C1-BB9F-4DAA-82CA-350108065A77}" type="slidenum">
               <a:rPr b="0" lang="en-US" sz="1200" spc="-1" strike="noStrike">
                 <a:solidFill>
                   <a:srgbClr val="8b8b8b"/>
@@ -18798,7 +18799,7 @@
         <p:spPr>
           <a:xfrm>
             <a:off x="457200" y="6356520"/>
-            <a:ext cx="2129400" cy="360720"/>
+            <a:ext cx="2129040" cy="360360"/>
           </a:xfrm>
           <a:prstGeom prst="rect">
             <a:avLst/>
@@ -19176,7 +19177,7 @@
         <p:spPr>
           <a:xfrm>
             <a:off x="3124080" y="6356520"/>
-            <a:ext cx="2891520" cy="361080"/>
+            <a:ext cx="2891160" cy="360720"/>
           </a:xfrm>
           <a:prstGeom prst="rect">
             <a:avLst/>
@@ -19248,7 +19249,7 @@
         <p:spPr>
           <a:xfrm>
             <a:off x="6553080" y="6356520"/>
-            <a:ext cx="2129760" cy="361080"/>
+            <a:ext cx="2129400" cy="360720"/>
           </a:xfrm>
           <a:prstGeom prst="rect">
             <a:avLst/>
@@ -19289,7 +19290,7 @@
                 <a:tab algn="l" pos="0"/>
               </a:tabLst>
             </a:pPr>
-            <a:fld id="{8E797C9C-F7B0-4C88-B934-44C2F785BFC4}" type="slidenum">
+            <a:fld id="{AF4EE851-15B9-47F6-8E9C-0A8337591D65}" type="slidenum">
               <a:rPr b="0" lang="en-US" sz="1200" spc="-1" strike="noStrike">
                 <a:solidFill>
                   <a:srgbClr val="8b8b8b"/>
@@ -19320,7 +19321,7 @@
         <p:spPr>
           <a:xfrm>
             <a:off x="457200" y="6356520"/>
-            <a:ext cx="2129760" cy="361080"/>
+            <a:ext cx="2129400" cy="360720"/>
           </a:xfrm>
           <a:prstGeom prst="rect">
             <a:avLst/>
@@ -19698,7 +19699,7 @@
         <p:spPr>
           <a:xfrm>
             <a:off x="3124080" y="6356520"/>
-            <a:ext cx="2892240" cy="361800"/>
+            <a:ext cx="2891880" cy="361440"/>
           </a:xfrm>
           <a:prstGeom prst="rect">
             <a:avLst/>
@@ -19770,7 +19771,7 @@
         <p:spPr>
           <a:xfrm>
             <a:off x="6553080" y="6356520"/>
-            <a:ext cx="2130480" cy="361800"/>
+            <a:ext cx="2130120" cy="361440"/>
           </a:xfrm>
           <a:prstGeom prst="rect">
             <a:avLst/>
@@ -19811,7 +19812,7 @@
                 <a:tab algn="l" pos="0"/>
               </a:tabLst>
             </a:pPr>
-            <a:fld id="{130608DC-41C9-4C42-8E09-8573218911EE}" type="slidenum">
+            <a:fld id="{D704A6CE-A937-4839-8308-64548C6B480A}" type="slidenum">
               <a:rPr b="0" lang="en-US" sz="1200" spc="-1" strike="noStrike">
                 <a:solidFill>
                   <a:srgbClr val="8b8b8b"/>
@@ -19842,7 +19843,7 @@
         <p:spPr>
           <a:xfrm>
             <a:off x="457200" y="6356520"/>
-            <a:ext cx="2130480" cy="361800"/>
+            <a:ext cx="2130120" cy="361440"/>
           </a:xfrm>
           <a:prstGeom prst="rect">
             <a:avLst/>
@@ -20220,7 +20221,7 @@
         <p:spPr>
           <a:xfrm>
             <a:off x="3124080" y="6356520"/>
-            <a:ext cx="2893680" cy="363240"/>
+            <a:ext cx="2893320" cy="362880"/>
           </a:xfrm>
           <a:prstGeom prst="rect">
             <a:avLst/>
@@ -20292,7 +20293,7 @@
         <p:spPr>
           <a:xfrm>
             <a:off x="6553080" y="6356520"/>
-            <a:ext cx="2131920" cy="363240"/>
+            <a:ext cx="2131560" cy="362880"/>
           </a:xfrm>
           <a:prstGeom prst="rect">
             <a:avLst/>
@@ -20333,7 +20334,7 @@
                 <a:tab algn="l" pos="0"/>
               </a:tabLst>
             </a:pPr>
-            <a:fld id="{DCA425DA-875B-45F5-BDB8-77AA56DE4164}" type="slidenum">
+            <a:fld id="{EF7097A8-B697-4A59-B356-70A5389A9076}" type="slidenum">
               <a:rPr b="0" lang="en-US" sz="1200" spc="-1" strike="noStrike">
                 <a:solidFill>
                   <a:srgbClr val="8b8b8b"/>
@@ -20364,7 +20365,7 @@
         <p:spPr>
           <a:xfrm>
             <a:off x="457200" y="6356520"/>
-            <a:ext cx="2131920" cy="363240"/>
+            <a:ext cx="2131560" cy="362880"/>
           </a:xfrm>
           <a:prstGeom prst="rect">
             <a:avLst/>
@@ -20742,7 +20743,7 @@
         <p:spPr>
           <a:xfrm>
             <a:off x="3124080" y="6356520"/>
-            <a:ext cx="2894400" cy="363960"/>
+            <a:ext cx="2894040" cy="363600"/>
           </a:xfrm>
           <a:prstGeom prst="rect">
             <a:avLst/>
@@ -20814,7 +20815,7 @@
         <p:spPr>
           <a:xfrm>
             <a:off x="6553080" y="6356520"/>
-            <a:ext cx="2132640" cy="363960"/>
+            <a:ext cx="2132280" cy="363600"/>
           </a:xfrm>
           <a:prstGeom prst="rect">
             <a:avLst/>
@@ -20855,7 +20856,7 @@
                 <a:tab algn="l" pos="0"/>
               </a:tabLst>
             </a:pPr>
-            <a:fld id="{C5A01250-798E-4033-9674-640AB669834E}" type="slidenum">
+            <a:fld id="{664E5BBC-EACB-42B3-8866-69117016DC1C}" type="slidenum">
               <a:rPr b="0" lang="en-US" sz="1200" spc="-1" strike="noStrike">
                 <a:solidFill>
                   <a:srgbClr val="8b8b8b"/>
@@ -20886,7 +20887,7 @@
         <p:spPr>
           <a:xfrm>
             <a:off x="457200" y="6356520"/>
-            <a:ext cx="2132640" cy="363960"/>
+            <a:ext cx="2132280" cy="363600"/>
           </a:xfrm>
           <a:prstGeom prst="rect">
             <a:avLst/>
@@ -21253,7 +21254,7 @@
         <p:spPr>
           <a:xfrm>
             <a:off x="0" y="0"/>
-            <a:ext cx="12184200" cy="6853320"/>
+            <a:ext cx="12183840" cy="6852960"/>
           </a:xfrm>
           <a:prstGeom prst="rect">
             <a:avLst/>
@@ -21313,7 +21314,7 @@
         <p:spPr>
           <a:xfrm>
             <a:off x="0" y="0"/>
-            <a:ext cx="13680" cy="6853320"/>
+            <a:ext cx="13320" cy="6852960"/>
           </a:xfrm>
           <a:prstGeom prst="rect">
             <a:avLst/>
@@ -21373,7 +21374,7 @@
         <p:spPr>
           <a:xfrm>
             <a:off x="914400" y="0"/>
-            <a:ext cx="13680" cy="6853320"/>
+            <a:ext cx="13320" cy="6852960"/>
           </a:xfrm>
           <a:prstGeom prst="rect">
             <a:avLst/>
@@ -21433,7 +21434,7 @@
         <p:spPr>
           <a:xfrm>
             <a:off x="1828800" y="0"/>
-            <a:ext cx="13680" cy="6853320"/>
+            <a:ext cx="13320" cy="6852960"/>
           </a:xfrm>
           <a:prstGeom prst="rect">
             <a:avLst/>
@@ -21493,7 +21494,7 @@
         <p:spPr>
           <a:xfrm>
             <a:off x="2743200" y="0"/>
-            <a:ext cx="13680" cy="6853320"/>
+            <a:ext cx="13320" cy="6852960"/>
           </a:xfrm>
           <a:prstGeom prst="rect">
             <a:avLst/>
@@ -21553,7 +21554,7 @@
         <p:spPr>
           <a:xfrm>
             <a:off x="3657600" y="0"/>
-            <a:ext cx="13680" cy="6853320"/>
+            <a:ext cx="13320" cy="6852960"/>
           </a:xfrm>
           <a:prstGeom prst="rect">
             <a:avLst/>
@@ -21613,7 +21614,7 @@
         <p:spPr>
           <a:xfrm>
             <a:off x="4572000" y="0"/>
-            <a:ext cx="13680" cy="6853320"/>
+            <a:ext cx="13320" cy="6852960"/>
           </a:xfrm>
           <a:prstGeom prst="rect">
             <a:avLst/>
@@ -21673,7 +21674,7 @@
         <p:spPr>
           <a:xfrm>
             <a:off x="5486400" y="0"/>
-            <a:ext cx="13680" cy="6853320"/>
+            <a:ext cx="13320" cy="6852960"/>
           </a:xfrm>
           <a:prstGeom prst="rect">
             <a:avLst/>
@@ -21733,7 +21734,7 @@
         <p:spPr>
           <a:xfrm>
             <a:off x="6400800" y="0"/>
-            <a:ext cx="13680" cy="6853320"/>
+            <a:ext cx="13320" cy="6852960"/>
           </a:xfrm>
           <a:prstGeom prst="rect">
             <a:avLst/>
@@ -21793,7 +21794,7 @@
         <p:spPr>
           <a:xfrm>
             <a:off x="7315200" y="0"/>
-            <a:ext cx="13680" cy="6853320"/>
+            <a:ext cx="13320" cy="6852960"/>
           </a:xfrm>
           <a:prstGeom prst="rect">
             <a:avLst/>
@@ -21853,7 +21854,7 @@
         <p:spPr>
           <a:xfrm>
             <a:off x="8229600" y="0"/>
-            <a:ext cx="13680" cy="6853320"/>
+            <a:ext cx="13320" cy="6852960"/>
           </a:xfrm>
           <a:prstGeom prst="rect">
             <a:avLst/>
@@ -21913,7 +21914,7 @@
         <p:spPr>
           <a:xfrm>
             <a:off x="9144000" y="0"/>
-            <a:ext cx="13680" cy="6853320"/>
+            <a:ext cx="13320" cy="6852960"/>
           </a:xfrm>
           <a:prstGeom prst="rect">
             <a:avLst/>
@@ -21973,7 +21974,7 @@
         <p:spPr>
           <a:xfrm>
             <a:off x="10058400" y="0"/>
-            <a:ext cx="13680" cy="6853320"/>
+            <a:ext cx="13320" cy="6852960"/>
           </a:xfrm>
           <a:prstGeom prst="rect">
             <a:avLst/>
@@ -22033,7 +22034,7 @@
         <p:spPr>
           <a:xfrm>
             <a:off x="10972800" y="0"/>
-            <a:ext cx="13680" cy="6853320"/>
+            <a:ext cx="13320" cy="6852960"/>
           </a:xfrm>
           <a:prstGeom prst="rect">
             <a:avLst/>
@@ -22093,7 +22094,7 @@
         <p:spPr>
           <a:xfrm>
             <a:off x="11887200" y="0"/>
-            <a:ext cx="13680" cy="6853320"/>
+            <a:ext cx="13320" cy="6852960"/>
           </a:xfrm>
           <a:prstGeom prst="rect">
             <a:avLst/>
@@ -22153,7 +22154,7 @@
         <p:spPr>
           <a:xfrm>
             <a:off x="0" y="0"/>
-            <a:ext cx="315360" cy="6853320"/>
+            <a:ext cx="315000" cy="6852960"/>
           </a:xfrm>
           <a:prstGeom prst="rect">
             <a:avLst/>
@@ -22213,7 +22214,7 @@
         <p:spPr>
           <a:xfrm>
             <a:off x="9875520" y="365760"/>
-            <a:ext cx="2007000" cy="498240"/>
+            <a:ext cx="2006640" cy="497880"/>
           </a:xfrm>
           <a:prstGeom prst="roundRect">
             <a:avLst>
@@ -22395,7 +22396,7 @@
         <p:spPr>
           <a:xfrm>
             <a:off x="987480" y="3182040"/>
-            <a:ext cx="3287160" cy="2738520"/>
+            <a:ext cx="3286800" cy="2738160"/>
           </a:xfrm>
           <a:prstGeom prst="roundRect">
             <a:avLst>
@@ -22457,7 +22458,7 @@
         <p:spPr>
           <a:xfrm>
             <a:off x="685800" y="2521440"/>
-            <a:ext cx="3425400" cy="3326040"/>
+            <a:ext cx="3425040" cy="3325680"/>
           </a:xfrm>
           <a:prstGeom prst="roundRect">
             <a:avLst>
@@ -22870,7 +22871,7 @@
         <p:spPr>
           <a:xfrm>
             <a:off x="4507920" y="3182040"/>
-            <a:ext cx="3287160" cy="2738520"/>
+            <a:ext cx="3286800" cy="2738160"/>
           </a:xfrm>
           <a:prstGeom prst="roundRect">
             <a:avLst>
@@ -22932,7 +22933,7 @@
         <p:spPr>
           <a:xfrm>
             <a:off x="4434840" y="3108960"/>
-            <a:ext cx="3287160" cy="2738520"/>
+            <a:ext cx="3286800" cy="2738160"/>
           </a:xfrm>
           <a:prstGeom prst="roundRect">
             <a:avLst>
@@ -23243,7 +23244,7 @@
         <p:spPr>
           <a:xfrm>
             <a:off x="8028360" y="3182040"/>
-            <a:ext cx="3287160" cy="2738520"/>
+            <a:ext cx="3286800" cy="2738160"/>
           </a:xfrm>
           <a:prstGeom prst="roundRect">
             <a:avLst>
@@ -23305,7 +23306,7 @@
         <p:spPr>
           <a:xfrm>
             <a:off x="7955280" y="3108960"/>
-            <a:ext cx="3287160" cy="2738520"/>
+            <a:ext cx="3286800" cy="2738160"/>
           </a:xfrm>
           <a:prstGeom prst="roundRect">
             <a:avLst>
@@ -23585,7 +23586,7 @@
         <p:spPr>
           <a:xfrm>
             <a:off x="0" y="0"/>
-            <a:ext cx="12185640" cy="6854760"/>
+            <a:ext cx="12185280" cy="6854400"/>
           </a:xfrm>
           <a:prstGeom prst="rect">
             <a:avLst/>
@@ -23645,7 +23646,7 @@
         <p:spPr>
           <a:xfrm>
             <a:off x="0" y="0"/>
-            <a:ext cx="15120" cy="6854760"/>
+            <a:ext cx="14760" cy="6854400"/>
           </a:xfrm>
           <a:prstGeom prst="rect">
             <a:avLst/>
@@ -23705,7 +23706,7 @@
         <p:spPr>
           <a:xfrm>
             <a:off x="914400" y="0"/>
-            <a:ext cx="15120" cy="6854760"/>
+            <a:ext cx="14760" cy="6854400"/>
           </a:xfrm>
           <a:prstGeom prst="rect">
             <a:avLst/>
@@ -23765,7 +23766,7 @@
         <p:spPr>
           <a:xfrm>
             <a:off x="1828800" y="0"/>
-            <a:ext cx="15120" cy="6854760"/>
+            <a:ext cx="14760" cy="6854400"/>
           </a:xfrm>
           <a:prstGeom prst="rect">
             <a:avLst/>
@@ -23825,7 +23826,7 @@
         <p:spPr>
           <a:xfrm>
             <a:off x="2743200" y="0"/>
-            <a:ext cx="15120" cy="6854760"/>
+            <a:ext cx="14760" cy="6854400"/>
           </a:xfrm>
           <a:prstGeom prst="rect">
             <a:avLst/>
@@ -23885,7 +23886,7 @@
         <p:spPr>
           <a:xfrm>
             <a:off x="3657600" y="0"/>
-            <a:ext cx="15120" cy="6854760"/>
+            <a:ext cx="14760" cy="6854400"/>
           </a:xfrm>
           <a:prstGeom prst="rect">
             <a:avLst/>
@@ -23945,7 +23946,7 @@
         <p:spPr>
           <a:xfrm>
             <a:off x="4572000" y="0"/>
-            <a:ext cx="15120" cy="6854760"/>
+            <a:ext cx="14760" cy="6854400"/>
           </a:xfrm>
           <a:prstGeom prst="rect">
             <a:avLst/>
@@ -24005,7 +24006,7 @@
         <p:spPr>
           <a:xfrm>
             <a:off x="5486400" y="0"/>
-            <a:ext cx="15120" cy="6854760"/>
+            <a:ext cx="14760" cy="6854400"/>
           </a:xfrm>
           <a:prstGeom prst="rect">
             <a:avLst/>
@@ -24065,7 +24066,7 @@
         <p:spPr>
           <a:xfrm>
             <a:off x="6400800" y="0"/>
-            <a:ext cx="15120" cy="6854760"/>
+            <a:ext cx="14760" cy="6854400"/>
           </a:xfrm>
           <a:prstGeom prst="rect">
             <a:avLst/>
@@ -24125,7 +24126,7 @@
         <p:spPr>
           <a:xfrm>
             <a:off x="7315200" y="0"/>
-            <a:ext cx="15120" cy="6854760"/>
+            <a:ext cx="14760" cy="6854400"/>
           </a:xfrm>
           <a:prstGeom prst="rect">
             <a:avLst/>
@@ -24185,7 +24186,7 @@
         <p:spPr>
           <a:xfrm>
             <a:off x="8229600" y="0"/>
-            <a:ext cx="15120" cy="6854760"/>
+            <a:ext cx="14760" cy="6854400"/>
           </a:xfrm>
           <a:prstGeom prst="rect">
             <a:avLst/>
@@ -24245,7 +24246,7 @@
         <p:spPr>
           <a:xfrm>
             <a:off x="9144000" y="0"/>
-            <a:ext cx="15120" cy="6854760"/>
+            <a:ext cx="14760" cy="6854400"/>
           </a:xfrm>
           <a:prstGeom prst="rect">
             <a:avLst/>
@@ -24305,7 +24306,7 @@
         <p:spPr>
           <a:xfrm>
             <a:off x="10058400" y="0"/>
-            <a:ext cx="15120" cy="6854760"/>
+            <a:ext cx="14760" cy="6854400"/>
           </a:xfrm>
           <a:prstGeom prst="rect">
             <a:avLst/>
@@ -24365,7 +24366,7 @@
         <p:spPr>
           <a:xfrm>
             <a:off x="10972800" y="0"/>
-            <a:ext cx="15120" cy="6854760"/>
+            <a:ext cx="14760" cy="6854400"/>
           </a:xfrm>
           <a:prstGeom prst="rect">
             <a:avLst/>
@@ -24425,7 +24426,7 @@
         <p:spPr>
           <a:xfrm>
             <a:off x="11887200" y="0"/>
-            <a:ext cx="15120" cy="6854760"/>
+            <a:ext cx="14760" cy="6854400"/>
           </a:xfrm>
           <a:prstGeom prst="rect">
             <a:avLst/>
@@ -24485,7 +24486,7 @@
         <p:spPr>
           <a:xfrm>
             <a:off x="0" y="0"/>
-            <a:ext cx="316800" cy="6854760"/>
+            <a:ext cx="316440" cy="6854400"/>
           </a:xfrm>
           <a:prstGeom prst="rect">
             <a:avLst/>
@@ -24545,7 +24546,7 @@
         <p:spPr>
           <a:xfrm>
             <a:off x="9875520" y="365760"/>
-            <a:ext cx="2008440" cy="499680"/>
+            <a:ext cx="2008080" cy="499320"/>
           </a:xfrm>
           <a:prstGeom prst="roundRect">
             <a:avLst>
@@ -24727,7 +24728,7 @@
         <p:spPr>
           <a:xfrm>
             <a:off x="987480" y="3182040"/>
-            <a:ext cx="3288600" cy="2739960"/>
+            <a:ext cx="3288240" cy="2739600"/>
           </a:xfrm>
           <a:prstGeom prst="roundRect">
             <a:avLst>
@@ -24789,7 +24790,7 @@
         <p:spPr>
           <a:xfrm>
             <a:off x="914400" y="3108960"/>
-            <a:ext cx="3288600" cy="2739960"/>
+            <a:ext cx="3288240" cy="2739600"/>
           </a:xfrm>
           <a:prstGeom prst="roundRect">
             <a:avLst>
@@ -25077,7 +25078,7 @@
         <p:spPr>
           <a:xfrm>
             <a:off x="4507920" y="3182040"/>
-            <a:ext cx="3288600" cy="2739960"/>
+            <a:ext cx="3288240" cy="2739600"/>
           </a:xfrm>
           <a:prstGeom prst="roundRect">
             <a:avLst>
@@ -25139,7 +25140,7 @@
         <p:spPr>
           <a:xfrm>
             <a:off x="4434840" y="3108960"/>
-            <a:ext cx="3288600" cy="2739960"/>
+            <a:ext cx="3288240" cy="2739600"/>
           </a:xfrm>
           <a:prstGeom prst="roundRect">
             <a:avLst>
@@ -25443,7 +25444,7 @@
         <p:spPr>
           <a:xfrm>
             <a:off x="8028360" y="3182040"/>
-            <a:ext cx="3288600" cy="2739960"/>
+            <a:ext cx="3288240" cy="2739600"/>
           </a:xfrm>
           <a:prstGeom prst="roundRect">
             <a:avLst>
@@ -25505,7 +25506,7 @@
         <p:spPr>
           <a:xfrm>
             <a:off x="7955280" y="3108960"/>
-            <a:ext cx="3288600" cy="3061800"/>
+            <a:ext cx="3288240" cy="3061440"/>
           </a:xfrm>
           <a:prstGeom prst="roundRect">
             <a:avLst>
@@ -25875,7 +25876,7 @@
         <p:spPr>
           <a:xfrm>
             <a:off x="0" y="0"/>
-            <a:ext cx="12185640" cy="6854760"/>
+            <a:ext cx="12185280" cy="6854400"/>
           </a:xfrm>
           <a:prstGeom prst="rect">
             <a:avLst/>
@@ -25935,7 +25936,7 @@
         <p:spPr>
           <a:xfrm>
             <a:off x="0" y="0"/>
-            <a:ext cx="15120" cy="6854760"/>
+            <a:ext cx="14760" cy="6854400"/>
           </a:xfrm>
           <a:prstGeom prst="rect">
             <a:avLst/>
@@ -25995,7 +25996,7 @@
         <p:spPr>
           <a:xfrm>
             <a:off x="914400" y="0"/>
-            <a:ext cx="15120" cy="6854760"/>
+            <a:ext cx="14760" cy="6854400"/>
           </a:xfrm>
           <a:prstGeom prst="rect">
             <a:avLst/>
@@ -26055,7 +26056,7 @@
         <p:spPr>
           <a:xfrm>
             <a:off x="1828800" y="0"/>
-            <a:ext cx="15120" cy="6854760"/>
+            <a:ext cx="14760" cy="6854400"/>
           </a:xfrm>
           <a:prstGeom prst="rect">
             <a:avLst/>
@@ -26115,7 +26116,7 @@
         <p:spPr>
           <a:xfrm>
             <a:off x="2743200" y="0"/>
-            <a:ext cx="15120" cy="6854760"/>
+            <a:ext cx="14760" cy="6854400"/>
           </a:xfrm>
           <a:prstGeom prst="rect">
             <a:avLst/>
@@ -26175,7 +26176,7 @@
         <p:spPr>
           <a:xfrm>
             <a:off x="3657600" y="0"/>
-            <a:ext cx="15120" cy="6854760"/>
+            <a:ext cx="14760" cy="6854400"/>
           </a:xfrm>
           <a:prstGeom prst="rect">
             <a:avLst/>
@@ -26235,7 +26236,7 @@
         <p:spPr>
           <a:xfrm>
             <a:off x="4572000" y="0"/>
-            <a:ext cx="15120" cy="6854760"/>
+            <a:ext cx="14760" cy="6854400"/>
           </a:xfrm>
           <a:prstGeom prst="rect">
             <a:avLst/>
@@ -26295,7 +26296,7 @@
         <p:spPr>
           <a:xfrm>
             <a:off x="5486400" y="0"/>
-            <a:ext cx="15120" cy="6854760"/>
+            <a:ext cx="14760" cy="6854400"/>
           </a:xfrm>
           <a:prstGeom prst="rect">
             <a:avLst/>
@@ -26355,7 +26356,7 @@
         <p:spPr>
           <a:xfrm>
             <a:off x="6400800" y="0"/>
-            <a:ext cx="15120" cy="6854760"/>
+            <a:ext cx="14760" cy="6854400"/>
           </a:xfrm>
           <a:prstGeom prst="rect">
             <a:avLst/>
@@ -26415,7 +26416,7 @@
         <p:spPr>
           <a:xfrm>
             <a:off x="7315200" y="0"/>
-            <a:ext cx="15120" cy="6854760"/>
+            <a:ext cx="14760" cy="6854400"/>
           </a:xfrm>
           <a:prstGeom prst="rect">
             <a:avLst/>
@@ -26475,7 +26476,7 @@
         <p:spPr>
           <a:xfrm>
             <a:off x="8229600" y="0"/>
-            <a:ext cx="15120" cy="6854760"/>
+            <a:ext cx="14760" cy="6854400"/>
           </a:xfrm>
           <a:prstGeom prst="rect">
             <a:avLst/>
@@ -26535,7 +26536,7 @@
         <p:spPr>
           <a:xfrm>
             <a:off x="9144000" y="0"/>
-            <a:ext cx="15120" cy="6854760"/>
+            <a:ext cx="14760" cy="6854400"/>
           </a:xfrm>
           <a:prstGeom prst="rect">
             <a:avLst/>
@@ -26595,7 +26596,7 @@
         <p:spPr>
           <a:xfrm>
             <a:off x="10058400" y="0"/>
-            <a:ext cx="15120" cy="6854760"/>
+            <a:ext cx="14760" cy="6854400"/>
           </a:xfrm>
           <a:prstGeom prst="rect">
             <a:avLst/>
@@ -26655,7 +26656,7 @@
         <p:spPr>
           <a:xfrm>
             <a:off x="10972800" y="0"/>
-            <a:ext cx="15120" cy="6854760"/>
+            <a:ext cx="14760" cy="6854400"/>
           </a:xfrm>
           <a:prstGeom prst="rect">
             <a:avLst/>
@@ -26715,7 +26716,7 @@
         <p:spPr>
           <a:xfrm>
             <a:off x="11887200" y="0"/>
-            <a:ext cx="15120" cy="6854760"/>
+            <a:ext cx="14760" cy="6854400"/>
           </a:xfrm>
           <a:prstGeom prst="rect">
             <a:avLst/>
@@ -26775,7 +26776,7 @@
         <p:spPr>
           <a:xfrm>
             <a:off x="0" y="0"/>
-            <a:ext cx="316800" cy="6854760"/>
+            <a:ext cx="316440" cy="6854400"/>
           </a:xfrm>
           <a:prstGeom prst="rect">
             <a:avLst/>
@@ -26835,7 +26836,7 @@
         <p:spPr>
           <a:xfrm>
             <a:off x="9875520" y="365760"/>
-            <a:ext cx="2008440" cy="499680"/>
+            <a:ext cx="2008080" cy="499320"/>
           </a:xfrm>
           <a:prstGeom prst="roundRect">
             <a:avLst>
@@ -26963,7 +26964,7 @@
         <p:spPr>
           <a:xfrm>
             <a:off x="2746440" y="2194560"/>
-            <a:ext cx="5491080" cy="317880"/>
+            <a:ext cx="5490720" cy="317880"/>
           </a:xfrm>
           <a:prstGeom prst="rect">
             <a:avLst/>
@@ -27017,7 +27018,7 @@
         <p:spPr>
           <a:xfrm>
             <a:off x="987480" y="3182040"/>
-            <a:ext cx="3288600" cy="2739960"/>
+            <a:ext cx="3288240" cy="2739600"/>
           </a:xfrm>
           <a:prstGeom prst="roundRect">
             <a:avLst>
@@ -27079,7 +27080,7 @@
         <p:spPr>
           <a:xfrm>
             <a:off x="457200" y="2971800"/>
-            <a:ext cx="3783600" cy="3199320"/>
+            <a:ext cx="3783240" cy="3198960"/>
           </a:xfrm>
           <a:prstGeom prst="roundRect">
             <a:avLst>
@@ -27452,7 +27453,7 @@
         <p:spPr>
           <a:xfrm>
             <a:off x="4507920" y="3182040"/>
-            <a:ext cx="3288600" cy="2739960"/>
+            <a:ext cx="3288240" cy="2739600"/>
           </a:xfrm>
           <a:prstGeom prst="roundRect">
             <a:avLst>
@@ -27514,7 +27515,7 @@
         <p:spPr>
           <a:xfrm>
             <a:off x="4434840" y="3108960"/>
-            <a:ext cx="3288600" cy="2833560"/>
+            <a:ext cx="3288240" cy="2833200"/>
           </a:xfrm>
           <a:prstGeom prst="roundRect">
             <a:avLst>
@@ -27864,7 +27865,7 @@
         <p:spPr>
           <a:xfrm>
             <a:off x="8028360" y="3182040"/>
-            <a:ext cx="3288600" cy="2739960"/>
+            <a:ext cx="3288240" cy="2739600"/>
           </a:xfrm>
           <a:prstGeom prst="roundRect">
             <a:avLst>
@@ -27926,7 +27927,7 @@
         <p:spPr>
           <a:xfrm>
             <a:off x="8001000" y="2971800"/>
-            <a:ext cx="3427920" cy="3041280"/>
+            <a:ext cx="3427560" cy="3040920"/>
           </a:xfrm>
           <a:prstGeom prst="roundRect">
             <a:avLst>
@@ -28405,7 +28406,7 @@
         <p:spPr>
           <a:xfrm>
             <a:off x="0" y="0"/>
-            <a:ext cx="12187080" cy="6856200"/>
+            <a:ext cx="12186720" cy="6855840"/>
           </a:xfrm>
           <a:prstGeom prst="rect">
             <a:avLst/>
@@ -28465,7 +28466,7 @@
         <p:spPr>
           <a:xfrm>
             <a:off x="0" y="0"/>
-            <a:ext cx="16560" cy="6856200"/>
+            <a:ext cx="16200" cy="6855840"/>
           </a:xfrm>
           <a:prstGeom prst="rect">
             <a:avLst/>
@@ -28525,7 +28526,7 @@
         <p:spPr>
           <a:xfrm>
             <a:off x="914400" y="0"/>
-            <a:ext cx="16560" cy="6856200"/>
+            <a:ext cx="16200" cy="6855840"/>
           </a:xfrm>
           <a:prstGeom prst="rect">
             <a:avLst/>
@@ -28585,7 +28586,7 @@
         <p:spPr>
           <a:xfrm>
             <a:off x="1828800" y="0"/>
-            <a:ext cx="16560" cy="6856200"/>
+            <a:ext cx="16200" cy="6855840"/>
           </a:xfrm>
           <a:prstGeom prst="rect">
             <a:avLst/>
@@ -28645,7 +28646,7 @@
         <p:spPr>
           <a:xfrm>
             <a:off x="2743200" y="0"/>
-            <a:ext cx="16560" cy="6856200"/>
+            <a:ext cx="16200" cy="6855840"/>
           </a:xfrm>
           <a:prstGeom prst="rect">
             <a:avLst/>
@@ -28705,7 +28706,7 @@
         <p:spPr>
           <a:xfrm>
             <a:off x="3657600" y="0"/>
-            <a:ext cx="16560" cy="6856200"/>
+            <a:ext cx="16200" cy="6855840"/>
           </a:xfrm>
           <a:prstGeom prst="rect">
             <a:avLst/>
@@ -28765,7 +28766,7 @@
         <p:spPr>
           <a:xfrm>
             <a:off x="4572000" y="0"/>
-            <a:ext cx="16560" cy="6856200"/>
+            <a:ext cx="16200" cy="6855840"/>
           </a:xfrm>
           <a:prstGeom prst="rect">
             <a:avLst/>
@@ -28825,7 +28826,7 @@
         <p:spPr>
           <a:xfrm>
             <a:off x="5486400" y="0"/>
-            <a:ext cx="16560" cy="6856200"/>
+            <a:ext cx="16200" cy="6855840"/>
           </a:xfrm>
           <a:prstGeom prst="rect">
             <a:avLst/>
@@ -28885,7 +28886,7 @@
         <p:spPr>
           <a:xfrm>
             <a:off x="6400800" y="0"/>
-            <a:ext cx="16560" cy="6856200"/>
+            <a:ext cx="16200" cy="6855840"/>
           </a:xfrm>
           <a:prstGeom prst="rect">
             <a:avLst/>
@@ -28945,7 +28946,7 @@
         <p:spPr>
           <a:xfrm>
             <a:off x="7315200" y="0"/>
-            <a:ext cx="16560" cy="6856200"/>
+            <a:ext cx="16200" cy="6855840"/>
           </a:xfrm>
           <a:prstGeom prst="rect">
             <a:avLst/>
@@ -29005,7 +29006,7 @@
         <p:spPr>
           <a:xfrm>
             <a:off x="8229600" y="0"/>
-            <a:ext cx="16560" cy="6856200"/>
+            <a:ext cx="16200" cy="6855840"/>
           </a:xfrm>
           <a:prstGeom prst="rect">
             <a:avLst/>
@@ -29065,7 +29066,7 @@
         <p:spPr>
           <a:xfrm>
             <a:off x="9144000" y="0"/>
-            <a:ext cx="16560" cy="6856200"/>
+            <a:ext cx="16200" cy="6855840"/>
           </a:xfrm>
           <a:prstGeom prst="rect">
             <a:avLst/>
@@ -29125,7 +29126,7 @@
         <p:spPr>
           <a:xfrm>
             <a:off x="10058400" y="0"/>
-            <a:ext cx="16560" cy="6856200"/>
+            <a:ext cx="16200" cy="6855840"/>
           </a:xfrm>
           <a:prstGeom prst="rect">
             <a:avLst/>
@@ -29185,7 +29186,7 @@
         <p:spPr>
           <a:xfrm>
             <a:off x="10972800" y="0"/>
-            <a:ext cx="16560" cy="6856200"/>
+            <a:ext cx="16200" cy="6855840"/>
           </a:xfrm>
           <a:prstGeom prst="rect">
             <a:avLst/>
@@ -29245,7 +29246,7 @@
         <p:spPr>
           <a:xfrm>
             <a:off x="11887200" y="0"/>
-            <a:ext cx="16560" cy="6856200"/>
+            <a:ext cx="16200" cy="6855840"/>
           </a:xfrm>
           <a:prstGeom prst="rect">
             <a:avLst/>
@@ -29305,7 +29306,7 @@
         <p:spPr>
           <a:xfrm>
             <a:off x="0" y="0"/>
-            <a:ext cx="318240" cy="6856200"/>
+            <a:ext cx="317880" cy="6855840"/>
           </a:xfrm>
           <a:prstGeom prst="rect">
             <a:avLst/>
@@ -29365,7 +29366,7 @@
         <p:spPr>
           <a:xfrm>
             <a:off x="9875520" y="365760"/>
-            <a:ext cx="2009880" cy="501120"/>
+            <a:ext cx="2009520" cy="500760"/>
           </a:xfrm>
           <a:prstGeom prst="roundRect">
             <a:avLst>
@@ -29570,7 +29571,7 @@
         <p:spPr>
           <a:xfrm>
             <a:off x="987480" y="3182040"/>
-            <a:ext cx="3290040" cy="2741400"/>
+            <a:ext cx="3289680" cy="2741040"/>
           </a:xfrm>
           <a:prstGeom prst="roundRect">
             <a:avLst>
@@ -29632,7 +29633,7 @@
         <p:spPr>
           <a:xfrm>
             <a:off x="914400" y="3108960"/>
-            <a:ext cx="3290040" cy="2741400"/>
+            <a:ext cx="3289680" cy="2741040"/>
           </a:xfrm>
           <a:prstGeom prst="roundRect">
             <a:avLst>
@@ -29869,7 +29870,7 @@
         <p:spPr>
           <a:xfrm>
             <a:off x="4507920" y="3182040"/>
-            <a:ext cx="3290040" cy="2741400"/>
+            <a:ext cx="3289680" cy="2741040"/>
           </a:xfrm>
           <a:prstGeom prst="roundRect">
             <a:avLst>
@@ -29931,7 +29932,7 @@
         <p:spPr>
           <a:xfrm>
             <a:off x="4434840" y="3108960"/>
-            <a:ext cx="3290040" cy="2741400"/>
+            <a:ext cx="3289680" cy="2741040"/>
           </a:xfrm>
           <a:prstGeom prst="roundRect">
             <a:avLst>
@@ -30202,7 +30203,7 @@
         <p:spPr>
           <a:xfrm>
             <a:off x="8028360" y="3182040"/>
-            <a:ext cx="3290040" cy="2741400"/>
+            <a:ext cx="3289680" cy="2741040"/>
           </a:xfrm>
           <a:prstGeom prst="roundRect">
             <a:avLst>
@@ -30264,7 +30265,7 @@
         <p:spPr>
           <a:xfrm>
             <a:off x="7955280" y="3108960"/>
-            <a:ext cx="3290040" cy="2741400"/>
+            <a:ext cx="3289680" cy="2741040"/>
           </a:xfrm>
           <a:prstGeom prst="roundRect">
             <a:avLst>
@@ -30596,7 +30597,7 @@
         <p:spPr>
           <a:xfrm>
             <a:off x="0" y="0"/>
-            <a:ext cx="12187080" cy="6856200"/>
+            <a:ext cx="12186720" cy="6855840"/>
           </a:xfrm>
           <a:prstGeom prst="rect">
             <a:avLst/>
@@ -30656,7 +30657,7 @@
         <p:spPr>
           <a:xfrm>
             <a:off x="0" y="0"/>
-            <a:ext cx="16560" cy="6856200"/>
+            <a:ext cx="16200" cy="6855840"/>
           </a:xfrm>
           <a:prstGeom prst="rect">
             <a:avLst/>
@@ -30716,7 +30717,7 @@
         <p:spPr>
           <a:xfrm>
             <a:off x="914400" y="0"/>
-            <a:ext cx="16560" cy="6856200"/>
+            <a:ext cx="16200" cy="6855840"/>
           </a:xfrm>
           <a:prstGeom prst="rect">
             <a:avLst/>
@@ -30776,7 +30777,7 @@
         <p:spPr>
           <a:xfrm>
             <a:off x="1828800" y="0"/>
-            <a:ext cx="16560" cy="6856200"/>
+            <a:ext cx="16200" cy="6855840"/>
           </a:xfrm>
           <a:prstGeom prst="rect">
             <a:avLst/>
@@ -30836,7 +30837,7 @@
         <p:spPr>
           <a:xfrm>
             <a:off x="2743200" y="0"/>
-            <a:ext cx="16560" cy="6856200"/>
+            <a:ext cx="16200" cy="6855840"/>
           </a:xfrm>
           <a:prstGeom prst="rect">
             <a:avLst/>
@@ -30896,7 +30897,7 @@
         <p:spPr>
           <a:xfrm>
             <a:off x="3657600" y="0"/>
-            <a:ext cx="16560" cy="6856200"/>
+            <a:ext cx="16200" cy="6855840"/>
           </a:xfrm>
           <a:prstGeom prst="rect">
             <a:avLst/>
@@ -30956,7 +30957,7 @@
         <p:spPr>
           <a:xfrm>
             <a:off x="4572000" y="0"/>
-            <a:ext cx="16560" cy="6856200"/>
+            <a:ext cx="16200" cy="6855840"/>
           </a:xfrm>
           <a:prstGeom prst="rect">
             <a:avLst/>
@@ -31016,7 +31017,7 @@
         <p:spPr>
           <a:xfrm>
             <a:off x="5486400" y="0"/>
-            <a:ext cx="16560" cy="6856200"/>
+            <a:ext cx="16200" cy="6855840"/>
           </a:xfrm>
           <a:prstGeom prst="rect">
             <a:avLst/>
@@ -31076,7 +31077,7 @@
         <p:spPr>
           <a:xfrm>
             <a:off x="6400800" y="0"/>
-            <a:ext cx="16560" cy="6856200"/>
+            <a:ext cx="16200" cy="6855840"/>
           </a:xfrm>
           <a:prstGeom prst="rect">
             <a:avLst/>
@@ -31136,7 +31137,7 @@
         <p:spPr>
           <a:xfrm>
             <a:off x="7315200" y="0"/>
-            <a:ext cx="16560" cy="6856200"/>
+            <a:ext cx="16200" cy="6855840"/>
           </a:xfrm>
           <a:prstGeom prst="rect">
             <a:avLst/>
@@ -31196,7 +31197,7 @@
         <p:spPr>
           <a:xfrm>
             <a:off x="8229600" y="0"/>
-            <a:ext cx="16560" cy="6856200"/>
+            <a:ext cx="16200" cy="6855840"/>
           </a:xfrm>
           <a:prstGeom prst="rect">
             <a:avLst/>
@@ -31256,7 +31257,7 @@
         <p:spPr>
           <a:xfrm>
             <a:off x="9144000" y="0"/>
-            <a:ext cx="16560" cy="6856200"/>
+            <a:ext cx="16200" cy="6855840"/>
           </a:xfrm>
           <a:prstGeom prst="rect">
             <a:avLst/>
@@ -31316,7 +31317,7 @@
         <p:spPr>
           <a:xfrm>
             <a:off x="10058400" y="0"/>
-            <a:ext cx="16560" cy="6856200"/>
+            <a:ext cx="16200" cy="6855840"/>
           </a:xfrm>
           <a:prstGeom prst="rect">
             <a:avLst/>
@@ -31376,7 +31377,7 @@
         <p:spPr>
           <a:xfrm>
             <a:off x="10972800" y="0"/>
-            <a:ext cx="16560" cy="6856200"/>
+            <a:ext cx="16200" cy="6855840"/>
           </a:xfrm>
           <a:prstGeom prst="rect">
             <a:avLst/>
@@ -31436,7 +31437,7 @@
         <p:spPr>
           <a:xfrm>
             <a:off x="11887200" y="0"/>
-            <a:ext cx="16560" cy="6856200"/>
+            <a:ext cx="16200" cy="6855840"/>
           </a:xfrm>
           <a:prstGeom prst="rect">
             <a:avLst/>
@@ -31496,7 +31497,7 @@
         <p:spPr>
           <a:xfrm>
             <a:off x="0" y="0"/>
-            <a:ext cx="318240" cy="6856200"/>
+            <a:ext cx="317880" cy="6855840"/>
           </a:xfrm>
           <a:prstGeom prst="rect">
             <a:avLst/>
@@ -31556,7 +31557,7 @@
         <p:spPr>
           <a:xfrm>
             <a:off x="9875520" y="365760"/>
-            <a:ext cx="2009880" cy="501120"/>
+            <a:ext cx="2009520" cy="500760"/>
           </a:xfrm>
           <a:prstGeom prst="roundRect">
             <a:avLst>
@@ -31684,7 +31685,7 @@
         <p:spPr>
           <a:xfrm>
             <a:off x="1653840" y="2194560"/>
-            <a:ext cx="7663680" cy="668520"/>
+            <a:ext cx="7663320" cy="668520"/>
           </a:xfrm>
           <a:prstGeom prst="rect">
             <a:avLst/>
@@ -31761,7 +31762,7 @@
         <p:spPr>
           <a:xfrm>
             <a:off x="987480" y="3182040"/>
-            <a:ext cx="3290040" cy="2741400"/>
+            <a:ext cx="3289680" cy="2741040"/>
           </a:xfrm>
           <a:prstGeom prst="roundRect">
             <a:avLst>
@@ -31823,7 +31824,7 @@
         <p:spPr>
           <a:xfrm>
             <a:off x="914400" y="3108960"/>
-            <a:ext cx="3290040" cy="2741400"/>
+            <a:ext cx="3289680" cy="2741040"/>
           </a:xfrm>
           <a:prstGeom prst="roundRect">
             <a:avLst>
@@ -32098,7 +32099,7 @@
         <p:spPr>
           <a:xfrm>
             <a:off x="4507920" y="3182040"/>
-            <a:ext cx="3290040" cy="2741400"/>
+            <a:ext cx="3289680" cy="2741040"/>
           </a:xfrm>
           <a:prstGeom prst="roundRect">
             <a:avLst>
@@ -32160,7 +32161,7 @@
         <p:spPr>
           <a:xfrm>
             <a:off x="4434840" y="3108960"/>
-            <a:ext cx="3290040" cy="2741400"/>
+            <a:ext cx="3289680" cy="2741040"/>
           </a:xfrm>
           <a:prstGeom prst="roundRect">
             <a:avLst>
@@ -32418,7 +32419,7 @@
         <p:spPr>
           <a:xfrm>
             <a:off x="8028360" y="3182040"/>
-            <a:ext cx="3290040" cy="2741400"/>
+            <a:ext cx="3289680" cy="2741040"/>
           </a:xfrm>
           <a:prstGeom prst="roundRect">
             <a:avLst>
@@ -32480,7 +32481,7 @@
         <p:spPr>
           <a:xfrm>
             <a:off x="7955280" y="3108960"/>
-            <a:ext cx="3290040" cy="2741400"/>
+            <a:ext cx="3289680" cy="2741040"/>
           </a:xfrm>
           <a:prstGeom prst="roundRect">
             <a:avLst>
@@ -32812,7 +32813,7 @@
         <p:spPr>
           <a:xfrm>
             <a:off x="0" y="0"/>
-            <a:ext cx="12187800" cy="6856920"/>
+            <a:ext cx="12187440" cy="6856560"/>
           </a:xfrm>
           <a:prstGeom prst="rect">
             <a:avLst/>
@@ -32848,6 +32849,11 @@
             <a:noAutofit/>
           </a:bodyPr>
           <a:p>
+            <a:pPr>
+              <a:lnSpc>
+                <a:spcPct val="100000"/>
+              </a:lnSpc>
+            </a:pPr>
             <a:endParaRPr b="0" lang="en-US" sz="1800" spc="-1" strike="noStrike">
               <a:solidFill>
                 <a:schemeClr val="lt1"/>
@@ -32867,7 +32873,7 @@
         <p:spPr>
           <a:xfrm>
             <a:off x="0" y="0"/>
-            <a:ext cx="17280" cy="6856920"/>
+            <a:ext cx="16920" cy="6856560"/>
           </a:xfrm>
           <a:prstGeom prst="rect">
             <a:avLst/>
@@ -32903,6 +32909,11 @@
             <a:noAutofit/>
           </a:bodyPr>
           <a:p>
+            <a:pPr>
+              <a:lnSpc>
+                <a:spcPct val="100000"/>
+              </a:lnSpc>
+            </a:pPr>
             <a:endParaRPr b="0" lang="en-US" sz="1800" spc="-1" strike="noStrike">
               <a:solidFill>
                 <a:schemeClr val="lt1"/>
@@ -32922,7 +32933,7 @@
         <p:spPr>
           <a:xfrm>
             <a:off x="914400" y="0"/>
-            <a:ext cx="17280" cy="6856920"/>
+            <a:ext cx="16920" cy="6856560"/>
           </a:xfrm>
           <a:prstGeom prst="rect">
             <a:avLst/>
@@ -32958,6 +32969,11 @@
             <a:noAutofit/>
           </a:bodyPr>
           <a:p>
+            <a:pPr>
+              <a:lnSpc>
+                <a:spcPct val="100000"/>
+              </a:lnSpc>
+            </a:pPr>
             <a:endParaRPr b="0" lang="en-US" sz="1800" spc="-1" strike="noStrike">
               <a:solidFill>
                 <a:schemeClr val="lt1"/>
@@ -32977,7 +32993,7 @@
         <p:spPr>
           <a:xfrm>
             <a:off x="1828800" y="0"/>
-            <a:ext cx="17280" cy="6856920"/>
+            <a:ext cx="16920" cy="6856560"/>
           </a:xfrm>
           <a:prstGeom prst="rect">
             <a:avLst/>
@@ -33013,6 +33029,11 @@
             <a:noAutofit/>
           </a:bodyPr>
           <a:p>
+            <a:pPr>
+              <a:lnSpc>
+                <a:spcPct val="100000"/>
+              </a:lnSpc>
+            </a:pPr>
             <a:endParaRPr b="0" lang="en-US" sz="1800" spc="-1" strike="noStrike">
               <a:solidFill>
                 <a:schemeClr val="lt1"/>
@@ -33032,7 +33053,7 @@
         <p:spPr>
           <a:xfrm>
             <a:off x="2743200" y="0"/>
-            <a:ext cx="17280" cy="6856920"/>
+            <a:ext cx="16920" cy="6856560"/>
           </a:xfrm>
           <a:prstGeom prst="rect">
             <a:avLst/>
@@ -33068,6 +33089,11 @@
             <a:noAutofit/>
           </a:bodyPr>
           <a:p>
+            <a:pPr>
+              <a:lnSpc>
+                <a:spcPct val="100000"/>
+              </a:lnSpc>
+            </a:pPr>
             <a:endParaRPr b="0" lang="en-US" sz="1800" spc="-1" strike="noStrike">
               <a:solidFill>
                 <a:schemeClr val="lt1"/>
@@ -33087,7 +33113,7 @@
         <p:spPr>
           <a:xfrm>
             <a:off x="3657600" y="0"/>
-            <a:ext cx="17280" cy="6856920"/>
+            <a:ext cx="16920" cy="6856560"/>
           </a:xfrm>
           <a:prstGeom prst="rect">
             <a:avLst/>
@@ -33123,6 +33149,11 @@
             <a:noAutofit/>
           </a:bodyPr>
           <a:p>
+            <a:pPr>
+              <a:lnSpc>
+                <a:spcPct val="100000"/>
+              </a:lnSpc>
+            </a:pPr>
             <a:endParaRPr b="0" lang="en-US" sz="1800" spc="-1" strike="noStrike">
               <a:solidFill>
                 <a:schemeClr val="lt1"/>
@@ -33142,7 +33173,7 @@
         <p:spPr>
           <a:xfrm>
             <a:off x="4572000" y="0"/>
-            <a:ext cx="17280" cy="6856920"/>
+            <a:ext cx="16920" cy="6856560"/>
           </a:xfrm>
           <a:prstGeom prst="rect">
             <a:avLst/>
@@ -33178,6 +33209,11 @@
             <a:noAutofit/>
           </a:bodyPr>
           <a:p>
+            <a:pPr>
+              <a:lnSpc>
+                <a:spcPct val="100000"/>
+              </a:lnSpc>
+            </a:pPr>
             <a:endParaRPr b="0" lang="en-US" sz="1800" spc="-1" strike="noStrike">
               <a:solidFill>
                 <a:schemeClr val="lt1"/>
@@ -33197,7 +33233,7 @@
         <p:spPr>
           <a:xfrm>
             <a:off x="5486400" y="0"/>
-            <a:ext cx="17280" cy="6856920"/>
+            <a:ext cx="16920" cy="6856560"/>
           </a:xfrm>
           <a:prstGeom prst="rect">
             <a:avLst/>
@@ -33233,6 +33269,11 @@
             <a:noAutofit/>
           </a:bodyPr>
           <a:p>
+            <a:pPr>
+              <a:lnSpc>
+                <a:spcPct val="100000"/>
+              </a:lnSpc>
+            </a:pPr>
             <a:endParaRPr b="0" lang="en-US" sz="1800" spc="-1" strike="noStrike">
               <a:solidFill>
                 <a:schemeClr val="lt1"/>
@@ -33252,7 +33293,7 @@
         <p:spPr>
           <a:xfrm>
             <a:off x="6400800" y="0"/>
-            <a:ext cx="17280" cy="6856920"/>
+            <a:ext cx="16920" cy="6856560"/>
           </a:xfrm>
           <a:prstGeom prst="rect">
             <a:avLst/>
@@ -33288,6 +33329,11 @@
             <a:noAutofit/>
           </a:bodyPr>
           <a:p>
+            <a:pPr>
+              <a:lnSpc>
+                <a:spcPct val="100000"/>
+              </a:lnSpc>
+            </a:pPr>
             <a:endParaRPr b="0" lang="en-US" sz="1800" spc="-1" strike="noStrike">
               <a:solidFill>
                 <a:schemeClr val="lt1"/>
@@ -33307,7 +33353,7 @@
         <p:spPr>
           <a:xfrm>
             <a:off x="7315200" y="0"/>
-            <a:ext cx="17280" cy="6856920"/>
+            <a:ext cx="16920" cy="6856560"/>
           </a:xfrm>
           <a:prstGeom prst="rect">
             <a:avLst/>
@@ -33343,6 +33389,11 @@
             <a:noAutofit/>
           </a:bodyPr>
           <a:p>
+            <a:pPr>
+              <a:lnSpc>
+                <a:spcPct val="100000"/>
+              </a:lnSpc>
+            </a:pPr>
             <a:endParaRPr b="0" lang="en-US" sz="1800" spc="-1" strike="noStrike">
               <a:solidFill>
                 <a:schemeClr val="lt1"/>
@@ -33362,7 +33413,7 @@
         <p:spPr>
           <a:xfrm>
             <a:off x="8229600" y="0"/>
-            <a:ext cx="17280" cy="6856920"/>
+            <a:ext cx="16920" cy="6856560"/>
           </a:xfrm>
           <a:prstGeom prst="rect">
             <a:avLst/>
@@ -33398,6 +33449,11 @@
             <a:noAutofit/>
           </a:bodyPr>
           <a:p>
+            <a:pPr>
+              <a:lnSpc>
+                <a:spcPct val="100000"/>
+              </a:lnSpc>
+            </a:pPr>
             <a:endParaRPr b="0" lang="en-US" sz="1800" spc="-1" strike="noStrike">
               <a:solidFill>
                 <a:schemeClr val="lt1"/>
@@ -33417,7 +33473,7 @@
         <p:spPr>
           <a:xfrm>
             <a:off x="9144000" y="0"/>
-            <a:ext cx="17280" cy="6856920"/>
+            <a:ext cx="16920" cy="6856560"/>
           </a:xfrm>
           <a:prstGeom prst="rect">
             <a:avLst/>
@@ -33453,6 +33509,11 @@
             <a:noAutofit/>
           </a:bodyPr>
           <a:p>
+            <a:pPr>
+              <a:lnSpc>
+                <a:spcPct val="100000"/>
+              </a:lnSpc>
+            </a:pPr>
             <a:endParaRPr b="0" lang="en-US" sz="1800" spc="-1" strike="noStrike">
               <a:solidFill>
                 <a:schemeClr val="lt1"/>
@@ -33472,7 +33533,7 @@
         <p:spPr>
           <a:xfrm>
             <a:off x="10058400" y="0"/>
-            <a:ext cx="17280" cy="6856920"/>
+            <a:ext cx="16920" cy="6856560"/>
           </a:xfrm>
           <a:prstGeom prst="rect">
             <a:avLst/>
@@ -33508,6 +33569,11 @@
             <a:noAutofit/>
           </a:bodyPr>
           <a:p>
+            <a:pPr>
+              <a:lnSpc>
+                <a:spcPct val="100000"/>
+              </a:lnSpc>
+            </a:pPr>
             <a:endParaRPr b="0" lang="en-US" sz="1800" spc="-1" strike="noStrike">
               <a:solidFill>
                 <a:schemeClr val="lt1"/>
@@ -33527,7 +33593,7 @@
         <p:spPr>
           <a:xfrm>
             <a:off x="10972800" y="0"/>
-            <a:ext cx="17280" cy="6856920"/>
+            <a:ext cx="16920" cy="6856560"/>
           </a:xfrm>
           <a:prstGeom prst="rect">
             <a:avLst/>
@@ -33563,6 +33629,11 @@
             <a:noAutofit/>
           </a:bodyPr>
           <a:p>
+            <a:pPr>
+              <a:lnSpc>
+                <a:spcPct val="100000"/>
+              </a:lnSpc>
+            </a:pPr>
             <a:endParaRPr b="0" lang="en-US" sz="1800" spc="-1" strike="noStrike">
               <a:solidFill>
                 <a:schemeClr val="lt1"/>
@@ -33582,7 +33653,7 @@
         <p:spPr>
           <a:xfrm>
             <a:off x="11887200" y="0"/>
-            <a:ext cx="17280" cy="6856920"/>
+            <a:ext cx="16920" cy="6856560"/>
           </a:xfrm>
           <a:prstGeom prst="rect">
             <a:avLst/>
@@ -33618,6 +33689,11 @@
             <a:noAutofit/>
           </a:bodyPr>
           <a:p>
+            <a:pPr>
+              <a:lnSpc>
+                <a:spcPct val="100000"/>
+              </a:lnSpc>
+            </a:pPr>
             <a:endParaRPr b="0" lang="en-US" sz="1800" spc="-1" strike="noStrike">
               <a:solidFill>
                 <a:schemeClr val="lt1"/>
@@ -33637,7 +33713,7 @@
         <p:spPr>
           <a:xfrm>
             <a:off x="0" y="0"/>
-            <a:ext cx="318960" cy="6856920"/>
+            <a:ext cx="318600" cy="6856560"/>
           </a:xfrm>
           <a:prstGeom prst="rect">
             <a:avLst/>
@@ -33673,6 +33749,11 @@
             <a:noAutofit/>
           </a:bodyPr>
           <a:p>
+            <a:pPr>
+              <a:lnSpc>
+                <a:spcPct val="100000"/>
+              </a:lnSpc>
+            </a:pPr>
             <a:endParaRPr b="0" lang="en-US" sz="1800" spc="-1" strike="noStrike">
               <a:solidFill>
                 <a:schemeClr val="lt1"/>
@@ -33692,7 +33773,7 @@
         <p:spPr>
           <a:xfrm>
             <a:off x="9875520" y="365760"/>
-            <a:ext cx="2010600" cy="501840"/>
+            <a:ext cx="2010240" cy="501480"/>
           </a:xfrm>
           <a:prstGeom prst="roundRect">
             <a:avLst>
@@ -33820,7 +33901,7 @@
         <p:spPr>
           <a:xfrm>
             <a:off x="2680560" y="2194560"/>
-            <a:ext cx="5610960" cy="668520"/>
+            <a:ext cx="5610600" cy="668520"/>
           </a:xfrm>
           <a:prstGeom prst="rect">
             <a:avLst/>
@@ -33897,7 +33978,7 @@
         <p:spPr>
           <a:xfrm>
             <a:off x="987480" y="3182040"/>
-            <a:ext cx="3290760" cy="2742120"/>
+            <a:ext cx="3290400" cy="2741760"/>
           </a:xfrm>
           <a:prstGeom prst="roundRect">
             <a:avLst>
@@ -33935,6 +34016,11 @@
             <a:noAutofit/>
           </a:bodyPr>
           <a:p>
+            <a:pPr>
+              <a:lnSpc>
+                <a:spcPct val="100000"/>
+              </a:lnSpc>
+            </a:pPr>
             <a:endParaRPr b="0" lang="en-US" sz="1800" spc="-1" strike="noStrike">
               <a:solidFill>
                 <a:schemeClr val="lt1"/>
@@ -33954,7 +34040,7 @@
         <p:spPr>
           <a:xfrm>
             <a:off x="914400" y="3108960"/>
-            <a:ext cx="3290760" cy="2742120"/>
+            <a:ext cx="3290400" cy="2741760"/>
           </a:xfrm>
           <a:prstGeom prst="roundRect">
             <a:avLst>
@@ -34181,7 +34267,7 @@
         <p:spPr>
           <a:xfrm>
             <a:off x="4507920" y="3182040"/>
-            <a:ext cx="3290760" cy="2742120"/>
+            <a:ext cx="3290400" cy="2741760"/>
           </a:xfrm>
           <a:prstGeom prst="roundRect">
             <a:avLst>
@@ -34219,6 +34305,11 @@
             <a:noAutofit/>
           </a:bodyPr>
           <a:p>
+            <a:pPr>
+              <a:lnSpc>
+                <a:spcPct val="100000"/>
+              </a:lnSpc>
+            </a:pPr>
             <a:endParaRPr b="0" lang="en-US" sz="1800" spc="-1" strike="noStrike">
               <a:solidFill>
                 <a:schemeClr val="lt1"/>
@@ -34238,7 +34329,7 @@
         <p:spPr>
           <a:xfrm>
             <a:off x="4434840" y="3108960"/>
-            <a:ext cx="3290760" cy="2742120"/>
+            <a:ext cx="3290400" cy="2741760"/>
           </a:xfrm>
           <a:prstGeom prst="roundRect">
             <a:avLst>
@@ -34509,7 +34600,7 @@
         <p:spPr>
           <a:xfrm>
             <a:off x="8028360" y="3182040"/>
-            <a:ext cx="3290760" cy="2742120"/>
+            <a:ext cx="3290400" cy="2741760"/>
           </a:xfrm>
           <a:prstGeom prst="roundRect">
             <a:avLst>
@@ -34547,6 +34638,11 @@
             <a:noAutofit/>
           </a:bodyPr>
           <a:p>
+            <a:pPr>
+              <a:lnSpc>
+                <a:spcPct val="100000"/>
+              </a:lnSpc>
+            </a:pPr>
             <a:endParaRPr b="0" lang="en-US" sz="1800" spc="-1" strike="noStrike">
               <a:solidFill>
                 <a:schemeClr val="lt1"/>
@@ -34566,7 +34662,7 @@
         <p:spPr>
           <a:xfrm>
             <a:off x="7955280" y="3108960"/>
-            <a:ext cx="3290760" cy="2742120"/>
+            <a:ext cx="3290400" cy="2741760"/>
           </a:xfrm>
           <a:prstGeom prst="roundRect">
             <a:avLst>
@@ -34814,7 +34910,2121 @@
         <p:spPr>
           <a:xfrm>
             <a:off x="4600080" y="6446520"/>
-            <a:ext cx="3051720" cy="363960"/>
+            <a:ext cx="3051360" cy="363960"/>
+          </a:xfrm>
+          <a:prstGeom prst="rect">
+            <a:avLst/>
+          </a:prstGeom>
+          <a:noFill/>
+          <a:ln w="0">
+            <a:noFill/>
+          </a:ln>
+        </p:spPr>
+        <p:style>
+          <a:lnRef idx="0"/>
+          <a:fillRef idx="0"/>
+          <a:effectRef idx="0"/>
+          <a:fontRef idx="minor"/>
+        </p:style>
+        <p:txBody>
+          <a:bodyPr wrap="none" lIns="90000" rIns="90000" tIns="45000" bIns="45000" anchor="t">
+            <a:spAutoFit/>
+          </a:bodyPr>
+          <a:p>
+            <a:pPr>
+              <a:lnSpc>
+                <a:spcPct val="100000"/>
+              </a:lnSpc>
+            </a:pPr>
+            <a:r>
+              <a:rPr b="0" lang="en-US" sz="1800" spc="-1" strike="noStrike">
+                <a:solidFill>
+                  <a:srgbClr val="000000"/>
+                </a:solidFill>
+                <a:latin typeface="Calibri"/>
+                <a:ea typeface="DejaVu Sans"/>
+              </a:rPr>
+              <a:t>Java • Ultra Premium Template</a:t>
+            </a:r>
+            <a:endParaRPr b="0" lang="en-US" sz="1800" spc="-1" strike="noStrike">
+              <a:solidFill>
+                <a:srgbClr val="000000"/>
+              </a:solidFill>
+              <a:latin typeface="Arial"/>
+            </a:endParaRPr>
+          </a:p>
+        </p:txBody>
+      </p:sp>
+    </p:spTree>
+  </p:cSld>
+  <mc:AlternateContent>
+    <mc:Choice Requires="p14">
+      <p:transition spd="slow" p14:dur="2000"/>
+    </mc:Choice>
+    <mc:Fallback>
+      <p:transition spd="slow"/>
+    </mc:Fallback>
+  </mc:AlternateContent>
+</p:sld>
+</file>
+
+<file path=ppt/slides/slide15.xml><?xml version="1.0" encoding="utf-8"?>
+<p:sld xmlns:a="http://schemas.openxmlformats.org/drawingml/2006/main" xmlns:p="http://schemas.openxmlformats.org/presentationml/2006/main" xmlns:r="http://schemas.openxmlformats.org/officeDocument/2006/relationships" xmlns:p14="http://schemas.microsoft.com/office/powerpoint/2010/main" xmlns:p15="http://schemas.microsoft.com/office/powerpoint/2012/main" xmlns:mc="http://schemas.openxmlformats.org/markup-compatibility/2006">
+  <p:cSld>
+    <p:spTree>
+      <p:nvGrpSpPr>
+        <p:cNvPr id="1" name=""/>
+        <p:cNvGrpSpPr/>
+        <p:nvPr/>
+      </p:nvGrpSpPr>
+      <p:grpSpPr>
+        <a:xfrm>
+          <a:off x="0" y="0"/>
+          <a:ext cx="0" cy="0"/>
+          <a:chOff x="0" y="0"/>
+          <a:chExt cx="0" cy="0"/>
+        </a:xfrm>
+      </p:grpSpPr>
+      <p:sp>
+        <p:nvSpPr>
+          <p:cNvPr id="651" name="Rectangle 209"/>
+          <p:cNvSpPr/>
+          <p:nvPr/>
+        </p:nvSpPr>
+        <p:spPr>
+          <a:xfrm>
+            <a:off x="0" y="0"/>
+            <a:ext cx="12187440" cy="6856560"/>
+          </a:xfrm>
+          <a:prstGeom prst="rect">
+            <a:avLst/>
+          </a:prstGeom>
+          <a:solidFill>
+            <a:srgbClr val="0b0b0d"/>
+          </a:solidFill>
+          <a:ln>
+            <a:noFill/>
+          </a:ln>
+          <a:effectLst>
+            <a:outerShdw blurRad="39960" dir="5400000" dist="23040" rotWithShape="0">
+              <a:srgbClr val="000000">
+                <a:alpha val="35000"/>
+              </a:srgbClr>
+            </a:outerShdw>
+          </a:effectLst>
+        </p:spPr>
+        <p:style>
+          <a:lnRef idx="1">
+            <a:schemeClr val="accent1"/>
+          </a:lnRef>
+          <a:fillRef idx="3">
+            <a:schemeClr val="accent1"/>
+          </a:fillRef>
+          <a:effectRef idx="2">
+            <a:schemeClr val="accent1"/>
+          </a:effectRef>
+          <a:fontRef idx="minor"/>
+        </p:style>
+        <p:txBody>
+          <a:bodyPr lIns="90000" rIns="90000" tIns="45000" bIns="45000" anchor="ctr">
+            <a:noAutofit/>
+          </a:bodyPr>
+          <a:p>
+            <a:endParaRPr b="0" lang="en-US" sz="1800" spc="-1" strike="noStrike">
+              <a:solidFill>
+                <a:schemeClr val="lt1"/>
+              </a:solidFill>
+              <a:latin typeface="Calibri"/>
+              <a:ea typeface="DejaVu Sans"/>
+            </a:endParaRPr>
+          </a:p>
+        </p:txBody>
+      </p:sp>
+      <p:sp>
+        <p:nvSpPr>
+          <p:cNvPr id="652" name="Rectangle 210"/>
+          <p:cNvSpPr/>
+          <p:nvPr/>
+        </p:nvSpPr>
+        <p:spPr>
+          <a:xfrm>
+            <a:off x="0" y="0"/>
+            <a:ext cx="16920" cy="6856560"/>
+          </a:xfrm>
+          <a:prstGeom prst="rect">
+            <a:avLst/>
+          </a:prstGeom>
+          <a:solidFill>
+            <a:srgbClr val="121216"/>
+          </a:solidFill>
+          <a:ln>
+            <a:noFill/>
+          </a:ln>
+          <a:effectLst>
+            <a:outerShdw blurRad="39960" dir="5400000" dist="23040" rotWithShape="0">
+              <a:srgbClr val="000000">
+                <a:alpha val="35000"/>
+              </a:srgbClr>
+            </a:outerShdw>
+          </a:effectLst>
+        </p:spPr>
+        <p:style>
+          <a:lnRef idx="1">
+            <a:schemeClr val="accent1"/>
+          </a:lnRef>
+          <a:fillRef idx="3">
+            <a:schemeClr val="accent1"/>
+          </a:fillRef>
+          <a:effectRef idx="2">
+            <a:schemeClr val="accent1"/>
+          </a:effectRef>
+          <a:fontRef idx="minor"/>
+        </p:style>
+        <p:txBody>
+          <a:bodyPr lIns="90000" rIns="90000" tIns="45000" bIns="45000" anchor="ctr">
+            <a:noAutofit/>
+          </a:bodyPr>
+          <a:p>
+            <a:endParaRPr b="0" lang="en-US" sz="1800" spc="-1" strike="noStrike">
+              <a:solidFill>
+                <a:schemeClr val="lt1"/>
+              </a:solidFill>
+              <a:latin typeface="Calibri"/>
+              <a:ea typeface="DejaVu Sans"/>
+            </a:endParaRPr>
+          </a:p>
+        </p:txBody>
+      </p:sp>
+      <p:sp>
+        <p:nvSpPr>
+          <p:cNvPr id="653" name="Rectangle 211"/>
+          <p:cNvSpPr/>
+          <p:nvPr/>
+        </p:nvSpPr>
+        <p:spPr>
+          <a:xfrm>
+            <a:off x="914400" y="0"/>
+            <a:ext cx="16920" cy="6856560"/>
+          </a:xfrm>
+          <a:prstGeom prst="rect">
+            <a:avLst/>
+          </a:prstGeom>
+          <a:solidFill>
+            <a:srgbClr val="121216"/>
+          </a:solidFill>
+          <a:ln>
+            <a:noFill/>
+          </a:ln>
+          <a:effectLst>
+            <a:outerShdw blurRad="39960" dir="5400000" dist="23040" rotWithShape="0">
+              <a:srgbClr val="000000">
+                <a:alpha val="35000"/>
+              </a:srgbClr>
+            </a:outerShdw>
+          </a:effectLst>
+        </p:spPr>
+        <p:style>
+          <a:lnRef idx="1">
+            <a:schemeClr val="accent1"/>
+          </a:lnRef>
+          <a:fillRef idx="3">
+            <a:schemeClr val="accent1"/>
+          </a:fillRef>
+          <a:effectRef idx="2">
+            <a:schemeClr val="accent1"/>
+          </a:effectRef>
+          <a:fontRef idx="minor"/>
+        </p:style>
+        <p:txBody>
+          <a:bodyPr lIns="90000" rIns="90000" tIns="45000" bIns="45000" anchor="ctr">
+            <a:noAutofit/>
+          </a:bodyPr>
+          <a:p>
+            <a:endParaRPr b="0" lang="en-US" sz="1800" spc="-1" strike="noStrike">
+              <a:solidFill>
+                <a:schemeClr val="lt1"/>
+              </a:solidFill>
+              <a:latin typeface="Calibri"/>
+              <a:ea typeface="DejaVu Sans"/>
+            </a:endParaRPr>
+          </a:p>
+        </p:txBody>
+      </p:sp>
+      <p:sp>
+        <p:nvSpPr>
+          <p:cNvPr id="654" name="Rectangle 212"/>
+          <p:cNvSpPr/>
+          <p:nvPr/>
+        </p:nvSpPr>
+        <p:spPr>
+          <a:xfrm>
+            <a:off x="1828800" y="0"/>
+            <a:ext cx="16920" cy="6856560"/>
+          </a:xfrm>
+          <a:prstGeom prst="rect">
+            <a:avLst/>
+          </a:prstGeom>
+          <a:solidFill>
+            <a:srgbClr val="121216"/>
+          </a:solidFill>
+          <a:ln>
+            <a:noFill/>
+          </a:ln>
+          <a:effectLst>
+            <a:outerShdw blurRad="39960" dir="5400000" dist="23040" rotWithShape="0">
+              <a:srgbClr val="000000">
+                <a:alpha val="35000"/>
+              </a:srgbClr>
+            </a:outerShdw>
+          </a:effectLst>
+        </p:spPr>
+        <p:style>
+          <a:lnRef idx="1">
+            <a:schemeClr val="accent1"/>
+          </a:lnRef>
+          <a:fillRef idx="3">
+            <a:schemeClr val="accent1"/>
+          </a:fillRef>
+          <a:effectRef idx="2">
+            <a:schemeClr val="accent1"/>
+          </a:effectRef>
+          <a:fontRef idx="minor"/>
+        </p:style>
+        <p:txBody>
+          <a:bodyPr lIns="90000" rIns="90000" tIns="45000" bIns="45000" anchor="ctr">
+            <a:noAutofit/>
+          </a:bodyPr>
+          <a:p>
+            <a:endParaRPr b="0" lang="en-US" sz="1800" spc="-1" strike="noStrike">
+              <a:solidFill>
+                <a:schemeClr val="lt1"/>
+              </a:solidFill>
+              <a:latin typeface="Calibri"/>
+              <a:ea typeface="DejaVu Sans"/>
+            </a:endParaRPr>
+          </a:p>
+        </p:txBody>
+      </p:sp>
+      <p:sp>
+        <p:nvSpPr>
+          <p:cNvPr id="655" name="Rectangle 213"/>
+          <p:cNvSpPr/>
+          <p:nvPr/>
+        </p:nvSpPr>
+        <p:spPr>
+          <a:xfrm>
+            <a:off x="2743200" y="0"/>
+            <a:ext cx="16920" cy="6856560"/>
+          </a:xfrm>
+          <a:prstGeom prst="rect">
+            <a:avLst/>
+          </a:prstGeom>
+          <a:solidFill>
+            <a:srgbClr val="121216"/>
+          </a:solidFill>
+          <a:ln>
+            <a:noFill/>
+          </a:ln>
+          <a:effectLst>
+            <a:outerShdw blurRad="39960" dir="5400000" dist="23040" rotWithShape="0">
+              <a:srgbClr val="000000">
+                <a:alpha val="35000"/>
+              </a:srgbClr>
+            </a:outerShdw>
+          </a:effectLst>
+        </p:spPr>
+        <p:style>
+          <a:lnRef idx="1">
+            <a:schemeClr val="accent1"/>
+          </a:lnRef>
+          <a:fillRef idx="3">
+            <a:schemeClr val="accent1"/>
+          </a:fillRef>
+          <a:effectRef idx="2">
+            <a:schemeClr val="accent1"/>
+          </a:effectRef>
+          <a:fontRef idx="minor"/>
+        </p:style>
+        <p:txBody>
+          <a:bodyPr lIns="90000" rIns="90000" tIns="45000" bIns="45000" anchor="ctr">
+            <a:noAutofit/>
+          </a:bodyPr>
+          <a:p>
+            <a:endParaRPr b="0" lang="en-US" sz="1800" spc="-1" strike="noStrike">
+              <a:solidFill>
+                <a:schemeClr val="lt1"/>
+              </a:solidFill>
+              <a:latin typeface="Calibri"/>
+              <a:ea typeface="DejaVu Sans"/>
+            </a:endParaRPr>
+          </a:p>
+        </p:txBody>
+      </p:sp>
+      <p:sp>
+        <p:nvSpPr>
+          <p:cNvPr id="656" name="Rectangle 214"/>
+          <p:cNvSpPr/>
+          <p:nvPr/>
+        </p:nvSpPr>
+        <p:spPr>
+          <a:xfrm>
+            <a:off x="3657600" y="0"/>
+            <a:ext cx="16920" cy="6856560"/>
+          </a:xfrm>
+          <a:prstGeom prst="rect">
+            <a:avLst/>
+          </a:prstGeom>
+          <a:solidFill>
+            <a:srgbClr val="121216"/>
+          </a:solidFill>
+          <a:ln>
+            <a:noFill/>
+          </a:ln>
+          <a:effectLst>
+            <a:outerShdw blurRad="39960" dir="5400000" dist="23040" rotWithShape="0">
+              <a:srgbClr val="000000">
+                <a:alpha val="35000"/>
+              </a:srgbClr>
+            </a:outerShdw>
+          </a:effectLst>
+        </p:spPr>
+        <p:style>
+          <a:lnRef idx="1">
+            <a:schemeClr val="accent1"/>
+          </a:lnRef>
+          <a:fillRef idx="3">
+            <a:schemeClr val="accent1"/>
+          </a:fillRef>
+          <a:effectRef idx="2">
+            <a:schemeClr val="accent1"/>
+          </a:effectRef>
+          <a:fontRef idx="minor"/>
+        </p:style>
+        <p:txBody>
+          <a:bodyPr lIns="90000" rIns="90000" tIns="45000" bIns="45000" anchor="ctr">
+            <a:noAutofit/>
+          </a:bodyPr>
+          <a:p>
+            <a:endParaRPr b="0" lang="en-US" sz="1800" spc="-1" strike="noStrike">
+              <a:solidFill>
+                <a:schemeClr val="lt1"/>
+              </a:solidFill>
+              <a:latin typeface="Calibri"/>
+              <a:ea typeface="DejaVu Sans"/>
+            </a:endParaRPr>
+          </a:p>
+        </p:txBody>
+      </p:sp>
+      <p:sp>
+        <p:nvSpPr>
+          <p:cNvPr id="657" name="Rectangle 215"/>
+          <p:cNvSpPr/>
+          <p:nvPr/>
+        </p:nvSpPr>
+        <p:spPr>
+          <a:xfrm>
+            <a:off x="4572000" y="0"/>
+            <a:ext cx="16920" cy="6856560"/>
+          </a:xfrm>
+          <a:prstGeom prst="rect">
+            <a:avLst/>
+          </a:prstGeom>
+          <a:solidFill>
+            <a:srgbClr val="121216"/>
+          </a:solidFill>
+          <a:ln>
+            <a:noFill/>
+          </a:ln>
+          <a:effectLst>
+            <a:outerShdw blurRad="39960" dir="5400000" dist="23040" rotWithShape="0">
+              <a:srgbClr val="000000">
+                <a:alpha val="35000"/>
+              </a:srgbClr>
+            </a:outerShdw>
+          </a:effectLst>
+        </p:spPr>
+        <p:style>
+          <a:lnRef idx="1">
+            <a:schemeClr val="accent1"/>
+          </a:lnRef>
+          <a:fillRef idx="3">
+            <a:schemeClr val="accent1"/>
+          </a:fillRef>
+          <a:effectRef idx="2">
+            <a:schemeClr val="accent1"/>
+          </a:effectRef>
+          <a:fontRef idx="minor"/>
+        </p:style>
+        <p:txBody>
+          <a:bodyPr lIns="90000" rIns="90000" tIns="45000" bIns="45000" anchor="ctr">
+            <a:noAutofit/>
+          </a:bodyPr>
+          <a:p>
+            <a:endParaRPr b="0" lang="en-US" sz="1800" spc="-1" strike="noStrike">
+              <a:solidFill>
+                <a:schemeClr val="lt1"/>
+              </a:solidFill>
+              <a:latin typeface="Calibri"/>
+              <a:ea typeface="DejaVu Sans"/>
+            </a:endParaRPr>
+          </a:p>
+        </p:txBody>
+      </p:sp>
+      <p:sp>
+        <p:nvSpPr>
+          <p:cNvPr id="658" name="Rectangle 216"/>
+          <p:cNvSpPr/>
+          <p:nvPr/>
+        </p:nvSpPr>
+        <p:spPr>
+          <a:xfrm>
+            <a:off x="5486400" y="0"/>
+            <a:ext cx="16920" cy="6856560"/>
+          </a:xfrm>
+          <a:prstGeom prst="rect">
+            <a:avLst/>
+          </a:prstGeom>
+          <a:solidFill>
+            <a:srgbClr val="121216"/>
+          </a:solidFill>
+          <a:ln>
+            <a:noFill/>
+          </a:ln>
+          <a:effectLst>
+            <a:outerShdw blurRad="39960" dir="5400000" dist="23040" rotWithShape="0">
+              <a:srgbClr val="000000">
+                <a:alpha val="35000"/>
+              </a:srgbClr>
+            </a:outerShdw>
+          </a:effectLst>
+        </p:spPr>
+        <p:style>
+          <a:lnRef idx="1">
+            <a:schemeClr val="accent1"/>
+          </a:lnRef>
+          <a:fillRef idx="3">
+            <a:schemeClr val="accent1"/>
+          </a:fillRef>
+          <a:effectRef idx="2">
+            <a:schemeClr val="accent1"/>
+          </a:effectRef>
+          <a:fontRef idx="minor"/>
+        </p:style>
+        <p:txBody>
+          <a:bodyPr lIns="90000" rIns="90000" tIns="45000" bIns="45000" anchor="ctr">
+            <a:noAutofit/>
+          </a:bodyPr>
+          <a:p>
+            <a:endParaRPr b="0" lang="en-US" sz="1800" spc="-1" strike="noStrike">
+              <a:solidFill>
+                <a:schemeClr val="lt1"/>
+              </a:solidFill>
+              <a:latin typeface="Calibri"/>
+              <a:ea typeface="DejaVu Sans"/>
+            </a:endParaRPr>
+          </a:p>
+        </p:txBody>
+      </p:sp>
+      <p:sp>
+        <p:nvSpPr>
+          <p:cNvPr id="659" name="Rectangle 217"/>
+          <p:cNvSpPr/>
+          <p:nvPr/>
+        </p:nvSpPr>
+        <p:spPr>
+          <a:xfrm>
+            <a:off x="6400800" y="0"/>
+            <a:ext cx="16920" cy="6856560"/>
+          </a:xfrm>
+          <a:prstGeom prst="rect">
+            <a:avLst/>
+          </a:prstGeom>
+          <a:solidFill>
+            <a:srgbClr val="121216"/>
+          </a:solidFill>
+          <a:ln>
+            <a:noFill/>
+          </a:ln>
+          <a:effectLst>
+            <a:outerShdw blurRad="39960" dir="5400000" dist="23040" rotWithShape="0">
+              <a:srgbClr val="000000">
+                <a:alpha val="35000"/>
+              </a:srgbClr>
+            </a:outerShdw>
+          </a:effectLst>
+        </p:spPr>
+        <p:style>
+          <a:lnRef idx="1">
+            <a:schemeClr val="accent1"/>
+          </a:lnRef>
+          <a:fillRef idx="3">
+            <a:schemeClr val="accent1"/>
+          </a:fillRef>
+          <a:effectRef idx="2">
+            <a:schemeClr val="accent1"/>
+          </a:effectRef>
+          <a:fontRef idx="minor"/>
+        </p:style>
+        <p:txBody>
+          <a:bodyPr lIns="90000" rIns="90000" tIns="45000" bIns="45000" anchor="ctr">
+            <a:noAutofit/>
+          </a:bodyPr>
+          <a:p>
+            <a:endParaRPr b="0" lang="en-US" sz="1800" spc="-1" strike="noStrike">
+              <a:solidFill>
+                <a:schemeClr val="lt1"/>
+              </a:solidFill>
+              <a:latin typeface="Calibri"/>
+              <a:ea typeface="DejaVu Sans"/>
+            </a:endParaRPr>
+          </a:p>
+        </p:txBody>
+      </p:sp>
+      <p:sp>
+        <p:nvSpPr>
+          <p:cNvPr id="660" name="Rectangle 218"/>
+          <p:cNvSpPr/>
+          <p:nvPr/>
+        </p:nvSpPr>
+        <p:spPr>
+          <a:xfrm>
+            <a:off x="7315200" y="0"/>
+            <a:ext cx="16920" cy="6856560"/>
+          </a:xfrm>
+          <a:prstGeom prst="rect">
+            <a:avLst/>
+          </a:prstGeom>
+          <a:solidFill>
+            <a:srgbClr val="121216"/>
+          </a:solidFill>
+          <a:ln>
+            <a:noFill/>
+          </a:ln>
+          <a:effectLst>
+            <a:outerShdw blurRad="39960" dir="5400000" dist="23040" rotWithShape="0">
+              <a:srgbClr val="000000">
+                <a:alpha val="35000"/>
+              </a:srgbClr>
+            </a:outerShdw>
+          </a:effectLst>
+        </p:spPr>
+        <p:style>
+          <a:lnRef idx="1">
+            <a:schemeClr val="accent1"/>
+          </a:lnRef>
+          <a:fillRef idx="3">
+            <a:schemeClr val="accent1"/>
+          </a:fillRef>
+          <a:effectRef idx="2">
+            <a:schemeClr val="accent1"/>
+          </a:effectRef>
+          <a:fontRef idx="minor"/>
+        </p:style>
+        <p:txBody>
+          <a:bodyPr lIns="90000" rIns="90000" tIns="45000" bIns="45000" anchor="ctr">
+            <a:noAutofit/>
+          </a:bodyPr>
+          <a:p>
+            <a:endParaRPr b="0" lang="en-US" sz="1800" spc="-1" strike="noStrike">
+              <a:solidFill>
+                <a:schemeClr val="lt1"/>
+              </a:solidFill>
+              <a:latin typeface="Calibri"/>
+              <a:ea typeface="DejaVu Sans"/>
+            </a:endParaRPr>
+          </a:p>
+        </p:txBody>
+      </p:sp>
+      <p:sp>
+        <p:nvSpPr>
+          <p:cNvPr id="661" name="Rectangle 219"/>
+          <p:cNvSpPr/>
+          <p:nvPr/>
+        </p:nvSpPr>
+        <p:spPr>
+          <a:xfrm>
+            <a:off x="8229600" y="0"/>
+            <a:ext cx="16920" cy="6856560"/>
+          </a:xfrm>
+          <a:prstGeom prst="rect">
+            <a:avLst/>
+          </a:prstGeom>
+          <a:solidFill>
+            <a:srgbClr val="121216"/>
+          </a:solidFill>
+          <a:ln>
+            <a:noFill/>
+          </a:ln>
+          <a:effectLst>
+            <a:outerShdw blurRad="39960" dir="5400000" dist="23040" rotWithShape="0">
+              <a:srgbClr val="000000">
+                <a:alpha val="35000"/>
+              </a:srgbClr>
+            </a:outerShdw>
+          </a:effectLst>
+        </p:spPr>
+        <p:style>
+          <a:lnRef idx="1">
+            <a:schemeClr val="accent1"/>
+          </a:lnRef>
+          <a:fillRef idx="3">
+            <a:schemeClr val="accent1"/>
+          </a:fillRef>
+          <a:effectRef idx="2">
+            <a:schemeClr val="accent1"/>
+          </a:effectRef>
+          <a:fontRef idx="minor"/>
+        </p:style>
+        <p:txBody>
+          <a:bodyPr lIns="90000" rIns="90000" tIns="45000" bIns="45000" anchor="ctr">
+            <a:noAutofit/>
+          </a:bodyPr>
+          <a:p>
+            <a:endParaRPr b="0" lang="en-US" sz="1800" spc="-1" strike="noStrike">
+              <a:solidFill>
+                <a:schemeClr val="lt1"/>
+              </a:solidFill>
+              <a:latin typeface="Calibri"/>
+              <a:ea typeface="DejaVu Sans"/>
+            </a:endParaRPr>
+          </a:p>
+        </p:txBody>
+      </p:sp>
+      <p:sp>
+        <p:nvSpPr>
+          <p:cNvPr id="662" name="Rectangle 220"/>
+          <p:cNvSpPr/>
+          <p:nvPr/>
+        </p:nvSpPr>
+        <p:spPr>
+          <a:xfrm>
+            <a:off x="9144000" y="0"/>
+            <a:ext cx="16920" cy="6856560"/>
+          </a:xfrm>
+          <a:prstGeom prst="rect">
+            <a:avLst/>
+          </a:prstGeom>
+          <a:solidFill>
+            <a:srgbClr val="121216"/>
+          </a:solidFill>
+          <a:ln>
+            <a:noFill/>
+          </a:ln>
+          <a:effectLst>
+            <a:outerShdw blurRad="39960" dir="5400000" dist="23040" rotWithShape="0">
+              <a:srgbClr val="000000">
+                <a:alpha val="35000"/>
+              </a:srgbClr>
+            </a:outerShdw>
+          </a:effectLst>
+        </p:spPr>
+        <p:style>
+          <a:lnRef idx="1">
+            <a:schemeClr val="accent1"/>
+          </a:lnRef>
+          <a:fillRef idx="3">
+            <a:schemeClr val="accent1"/>
+          </a:fillRef>
+          <a:effectRef idx="2">
+            <a:schemeClr val="accent1"/>
+          </a:effectRef>
+          <a:fontRef idx="minor"/>
+        </p:style>
+        <p:txBody>
+          <a:bodyPr lIns="90000" rIns="90000" tIns="45000" bIns="45000" anchor="ctr">
+            <a:noAutofit/>
+          </a:bodyPr>
+          <a:p>
+            <a:endParaRPr b="0" lang="en-US" sz="1800" spc="-1" strike="noStrike">
+              <a:solidFill>
+                <a:schemeClr val="lt1"/>
+              </a:solidFill>
+              <a:latin typeface="Calibri"/>
+              <a:ea typeface="DejaVu Sans"/>
+            </a:endParaRPr>
+          </a:p>
+        </p:txBody>
+      </p:sp>
+      <p:sp>
+        <p:nvSpPr>
+          <p:cNvPr id="663" name="Rectangle 221"/>
+          <p:cNvSpPr/>
+          <p:nvPr/>
+        </p:nvSpPr>
+        <p:spPr>
+          <a:xfrm>
+            <a:off x="10058400" y="0"/>
+            <a:ext cx="16920" cy="6856560"/>
+          </a:xfrm>
+          <a:prstGeom prst="rect">
+            <a:avLst/>
+          </a:prstGeom>
+          <a:solidFill>
+            <a:srgbClr val="121216"/>
+          </a:solidFill>
+          <a:ln>
+            <a:noFill/>
+          </a:ln>
+          <a:effectLst>
+            <a:outerShdw blurRad="39960" dir="5400000" dist="23040" rotWithShape="0">
+              <a:srgbClr val="000000">
+                <a:alpha val="35000"/>
+              </a:srgbClr>
+            </a:outerShdw>
+          </a:effectLst>
+        </p:spPr>
+        <p:style>
+          <a:lnRef idx="1">
+            <a:schemeClr val="accent1"/>
+          </a:lnRef>
+          <a:fillRef idx="3">
+            <a:schemeClr val="accent1"/>
+          </a:fillRef>
+          <a:effectRef idx="2">
+            <a:schemeClr val="accent1"/>
+          </a:effectRef>
+          <a:fontRef idx="minor"/>
+        </p:style>
+        <p:txBody>
+          <a:bodyPr lIns="90000" rIns="90000" tIns="45000" bIns="45000" anchor="ctr">
+            <a:noAutofit/>
+          </a:bodyPr>
+          <a:p>
+            <a:endParaRPr b="0" lang="en-US" sz="1800" spc="-1" strike="noStrike">
+              <a:solidFill>
+                <a:schemeClr val="lt1"/>
+              </a:solidFill>
+              <a:latin typeface="Calibri"/>
+              <a:ea typeface="DejaVu Sans"/>
+            </a:endParaRPr>
+          </a:p>
+        </p:txBody>
+      </p:sp>
+      <p:sp>
+        <p:nvSpPr>
+          <p:cNvPr id="664" name="Rectangle 222"/>
+          <p:cNvSpPr/>
+          <p:nvPr/>
+        </p:nvSpPr>
+        <p:spPr>
+          <a:xfrm>
+            <a:off x="10972800" y="0"/>
+            <a:ext cx="16920" cy="6856560"/>
+          </a:xfrm>
+          <a:prstGeom prst="rect">
+            <a:avLst/>
+          </a:prstGeom>
+          <a:solidFill>
+            <a:srgbClr val="121216"/>
+          </a:solidFill>
+          <a:ln>
+            <a:noFill/>
+          </a:ln>
+          <a:effectLst>
+            <a:outerShdw blurRad="39960" dir="5400000" dist="23040" rotWithShape="0">
+              <a:srgbClr val="000000">
+                <a:alpha val="35000"/>
+              </a:srgbClr>
+            </a:outerShdw>
+          </a:effectLst>
+        </p:spPr>
+        <p:style>
+          <a:lnRef idx="1">
+            <a:schemeClr val="accent1"/>
+          </a:lnRef>
+          <a:fillRef idx="3">
+            <a:schemeClr val="accent1"/>
+          </a:fillRef>
+          <a:effectRef idx="2">
+            <a:schemeClr val="accent1"/>
+          </a:effectRef>
+          <a:fontRef idx="minor"/>
+        </p:style>
+        <p:txBody>
+          <a:bodyPr lIns="90000" rIns="90000" tIns="45000" bIns="45000" anchor="ctr">
+            <a:noAutofit/>
+          </a:bodyPr>
+          <a:p>
+            <a:endParaRPr b="0" lang="en-US" sz="1800" spc="-1" strike="noStrike">
+              <a:solidFill>
+                <a:schemeClr val="lt1"/>
+              </a:solidFill>
+              <a:latin typeface="Calibri"/>
+              <a:ea typeface="DejaVu Sans"/>
+            </a:endParaRPr>
+          </a:p>
+        </p:txBody>
+      </p:sp>
+      <p:sp>
+        <p:nvSpPr>
+          <p:cNvPr id="665" name="Rectangle 223"/>
+          <p:cNvSpPr/>
+          <p:nvPr/>
+        </p:nvSpPr>
+        <p:spPr>
+          <a:xfrm>
+            <a:off x="11887200" y="0"/>
+            <a:ext cx="16920" cy="6856560"/>
+          </a:xfrm>
+          <a:prstGeom prst="rect">
+            <a:avLst/>
+          </a:prstGeom>
+          <a:solidFill>
+            <a:srgbClr val="121216"/>
+          </a:solidFill>
+          <a:ln>
+            <a:noFill/>
+          </a:ln>
+          <a:effectLst>
+            <a:outerShdw blurRad="39960" dir="5400000" dist="23040" rotWithShape="0">
+              <a:srgbClr val="000000">
+                <a:alpha val="35000"/>
+              </a:srgbClr>
+            </a:outerShdw>
+          </a:effectLst>
+        </p:spPr>
+        <p:style>
+          <a:lnRef idx="1">
+            <a:schemeClr val="accent1"/>
+          </a:lnRef>
+          <a:fillRef idx="3">
+            <a:schemeClr val="accent1"/>
+          </a:fillRef>
+          <a:effectRef idx="2">
+            <a:schemeClr val="accent1"/>
+          </a:effectRef>
+          <a:fontRef idx="minor"/>
+        </p:style>
+        <p:txBody>
+          <a:bodyPr lIns="90000" rIns="90000" tIns="45000" bIns="45000" anchor="ctr">
+            <a:noAutofit/>
+          </a:bodyPr>
+          <a:p>
+            <a:endParaRPr b="0" lang="en-US" sz="1800" spc="-1" strike="noStrike">
+              <a:solidFill>
+                <a:schemeClr val="lt1"/>
+              </a:solidFill>
+              <a:latin typeface="Calibri"/>
+              <a:ea typeface="DejaVu Sans"/>
+            </a:endParaRPr>
+          </a:p>
+        </p:txBody>
+      </p:sp>
+      <p:sp>
+        <p:nvSpPr>
+          <p:cNvPr id="666" name="Rectangle 224"/>
+          <p:cNvSpPr/>
+          <p:nvPr/>
+        </p:nvSpPr>
+        <p:spPr>
+          <a:xfrm>
+            <a:off x="0" y="0"/>
+            <a:ext cx="318600" cy="6856560"/>
+          </a:xfrm>
+          <a:prstGeom prst="rect">
+            <a:avLst/>
+          </a:prstGeom>
+          <a:solidFill>
+            <a:srgbClr val="ff8c00"/>
+          </a:solidFill>
+          <a:ln>
+            <a:noFill/>
+          </a:ln>
+          <a:effectLst>
+            <a:outerShdw blurRad="39960" dir="5400000" dist="23040" rotWithShape="0">
+              <a:srgbClr val="000000">
+                <a:alpha val="35000"/>
+              </a:srgbClr>
+            </a:outerShdw>
+          </a:effectLst>
+        </p:spPr>
+        <p:style>
+          <a:lnRef idx="1">
+            <a:schemeClr val="accent1"/>
+          </a:lnRef>
+          <a:fillRef idx="3">
+            <a:schemeClr val="accent1"/>
+          </a:fillRef>
+          <a:effectRef idx="2">
+            <a:schemeClr val="accent1"/>
+          </a:effectRef>
+          <a:fontRef idx="minor"/>
+        </p:style>
+        <p:txBody>
+          <a:bodyPr lIns="90000" rIns="90000" tIns="45000" bIns="45000" anchor="ctr">
+            <a:noAutofit/>
+          </a:bodyPr>
+          <a:p>
+            <a:endParaRPr b="0" lang="en-US" sz="1800" spc="-1" strike="noStrike">
+              <a:solidFill>
+                <a:schemeClr val="lt1"/>
+              </a:solidFill>
+              <a:latin typeface="Calibri"/>
+              <a:ea typeface="DejaVu Sans"/>
+            </a:endParaRPr>
+          </a:p>
+        </p:txBody>
+      </p:sp>
+      <p:sp>
+        <p:nvSpPr>
+          <p:cNvPr id="667" name="Rounded Rectangle 99"/>
+          <p:cNvSpPr/>
+          <p:nvPr/>
+        </p:nvSpPr>
+        <p:spPr>
+          <a:xfrm>
+            <a:off x="9875520" y="365760"/>
+            <a:ext cx="2010240" cy="501480"/>
+          </a:xfrm>
+          <a:prstGeom prst="roundRect">
+            <a:avLst>
+              <a:gd name="adj" fmla="val 16667"/>
+            </a:avLst>
+          </a:prstGeom>
+          <a:solidFill>
+            <a:srgbClr val="1e1e24"/>
+          </a:solidFill>
+          <a:ln>
+            <a:solidFill>
+              <a:srgbClr val="ff8c00"/>
+            </a:solidFill>
+            <a:round/>
+          </a:ln>
+          <a:effectLst>
+            <a:outerShdw blurRad="39960" dir="5400000" dist="23040" rotWithShape="0">
+              <a:srgbClr val="000000">
+                <a:alpha val="35000"/>
+              </a:srgbClr>
+            </a:outerShdw>
+          </a:effectLst>
+        </p:spPr>
+        <p:style>
+          <a:lnRef idx="1">
+            <a:schemeClr val="accent1"/>
+          </a:lnRef>
+          <a:fillRef idx="3">
+            <a:schemeClr val="accent1"/>
+          </a:fillRef>
+          <a:effectRef idx="2">
+            <a:schemeClr val="accent1"/>
+          </a:effectRef>
+          <a:fontRef idx="minor"/>
+        </p:style>
+        <p:txBody>
+          <a:bodyPr lIns="90000" rIns="90000" tIns="45000" bIns="45000" anchor="ctr">
+            <a:noAutofit/>
+          </a:bodyPr>
+          <a:p>
+            <a:pPr algn="ctr">
+              <a:lnSpc>
+                <a:spcPct val="100000"/>
+              </a:lnSpc>
+            </a:pPr>
+            <a:r>
+              <a:rPr b="1" lang="en-US" sz="1400" spc="-1" strike="noStrike">
+                <a:solidFill>
+                  <a:srgbClr val="ffb45a"/>
+                </a:solidFill>
+                <a:latin typeface="Calibri"/>
+                <a:ea typeface="DejaVu Sans"/>
+              </a:rPr>
+              <a:t>JAVA CORE</a:t>
+            </a:r>
+            <a:endParaRPr b="0" lang="en-US" sz="1400" spc="-1" strike="noStrike">
+              <a:solidFill>
+                <a:srgbClr val="ffffff"/>
+              </a:solidFill>
+              <a:latin typeface="Arial"/>
+            </a:endParaRPr>
+          </a:p>
+        </p:txBody>
+      </p:sp>
+      <p:sp>
+        <p:nvSpPr>
+          <p:cNvPr id="668" name="TextBox 43"/>
+          <p:cNvSpPr/>
+          <p:nvPr/>
+        </p:nvSpPr>
+        <p:spPr>
+          <a:xfrm>
+            <a:off x="3177000" y="1005840"/>
+            <a:ext cx="4617360" cy="820800"/>
+          </a:xfrm>
+          <a:prstGeom prst="rect">
+            <a:avLst/>
+          </a:prstGeom>
+          <a:noFill/>
+          <a:ln w="0">
+            <a:noFill/>
+          </a:ln>
+        </p:spPr>
+        <p:style>
+          <a:lnRef idx="0"/>
+          <a:fillRef idx="0"/>
+          <a:effectRef idx="0"/>
+          <a:fontRef idx="minor"/>
+        </p:style>
+        <p:txBody>
+          <a:bodyPr wrap="none" lIns="90000" rIns="90000" tIns="45000" bIns="45000" anchor="t">
+            <a:spAutoFit/>
+          </a:bodyPr>
+          <a:p>
+            <a:pPr>
+              <a:lnSpc>
+                <a:spcPct val="100000"/>
+              </a:lnSpc>
+            </a:pPr>
+            <a:r>
+              <a:rPr b="1" lang="en-US" sz="4800" spc="-1" strike="noStrike">
+                <a:solidFill>
+                  <a:srgbClr val="f5f5f5"/>
+                </a:solidFill>
+                <a:latin typeface="Calibri"/>
+                <a:ea typeface="DejaVu Sans"/>
+              </a:rPr>
+              <a:t>JAVA IDENTIFIERS</a:t>
+            </a:r>
+            <a:endParaRPr b="0" lang="en-US" sz="4800" spc="-1" strike="noStrike">
+              <a:solidFill>
+                <a:srgbClr val="000000"/>
+              </a:solidFill>
+              <a:latin typeface="Arial"/>
+            </a:endParaRPr>
+          </a:p>
+        </p:txBody>
+      </p:sp>
+      <p:sp>
+        <p:nvSpPr>
+          <p:cNvPr id="669" name="TextBox 44"/>
+          <p:cNvSpPr/>
+          <p:nvPr/>
+        </p:nvSpPr>
+        <p:spPr>
+          <a:xfrm>
+            <a:off x="1739880" y="2194560"/>
+            <a:ext cx="7491600" cy="668520"/>
+          </a:xfrm>
+          <a:prstGeom prst="rect">
+            <a:avLst/>
+          </a:prstGeom>
+          <a:noFill/>
+          <a:ln w="0">
+            <a:noFill/>
+          </a:ln>
+        </p:spPr>
+        <p:style>
+          <a:lnRef idx="0"/>
+          <a:fillRef idx="0"/>
+          <a:effectRef idx="0"/>
+          <a:fontRef idx="minor"/>
+        </p:style>
+        <p:txBody>
+          <a:bodyPr wrap="none" lIns="90000" rIns="90000" tIns="45000" bIns="45000" anchor="t">
+            <a:spAutoFit/>
+          </a:bodyPr>
+          <a:p>
+            <a:pPr>
+              <a:lnSpc>
+                <a:spcPct val="100000"/>
+              </a:lnSpc>
+            </a:pPr>
+            <a:r>
+              <a:rPr b="0" lang="en-US" sz="1900" spc="-1" strike="noStrike">
+                <a:solidFill>
+                  <a:srgbClr val="aaaaaa"/>
+                </a:solidFill>
+                <a:latin typeface="Calibri"/>
+                <a:ea typeface="DejaVu Sans"/>
+              </a:rPr>
+              <a:t>Identifiers are the names given to Java elements such as classes, variables, </a:t>
+            </a:r>
+            <a:endParaRPr b="0" lang="en-US" sz="1900" spc="-1" strike="noStrike">
+              <a:solidFill>
+                <a:srgbClr val="000000"/>
+              </a:solidFill>
+              <a:latin typeface="Arial"/>
+            </a:endParaRPr>
+          </a:p>
+          <a:p>
+            <a:pPr>
+              <a:lnSpc>
+                <a:spcPct val="100000"/>
+              </a:lnSpc>
+            </a:pPr>
+            <a:r>
+              <a:rPr b="0" lang="en-US" sz="1900" spc="-1" strike="noStrike">
+                <a:solidFill>
+                  <a:srgbClr val="aaaaaa"/>
+                </a:solidFill>
+                <a:latin typeface="Calibri"/>
+                <a:ea typeface="DejaVu Sans"/>
+              </a:rPr>
+              <a:t>and methods.</a:t>
+            </a:r>
+            <a:endParaRPr b="0" lang="en-US" sz="1900" spc="-1" strike="noStrike">
+              <a:solidFill>
+                <a:srgbClr val="000000"/>
+              </a:solidFill>
+              <a:latin typeface="Arial"/>
+            </a:endParaRPr>
+          </a:p>
+        </p:txBody>
+      </p:sp>
+      <p:sp>
+        <p:nvSpPr>
+          <p:cNvPr id="670" name="Rounded Rectangle 100"/>
+          <p:cNvSpPr/>
+          <p:nvPr/>
+        </p:nvSpPr>
+        <p:spPr>
+          <a:xfrm>
+            <a:off x="987480" y="3182040"/>
+            <a:ext cx="3290400" cy="2741760"/>
+          </a:xfrm>
+          <a:prstGeom prst="roundRect">
+            <a:avLst>
+              <a:gd name="adj" fmla="val 16667"/>
+            </a:avLst>
+          </a:prstGeom>
+          <a:solidFill>
+            <a:srgbClr val="08080a"/>
+          </a:solidFill>
+          <a:ln>
+            <a:noFill/>
+          </a:ln>
+          <a:effectLst>
+            <a:outerShdw blurRad="39960" dir="5400000" dist="23040" rotWithShape="0">
+              <a:srgbClr val="000000">
+                <a:alpha val="35000"/>
+              </a:srgbClr>
+            </a:outerShdw>
+          </a:effectLst>
+        </p:spPr>
+        <p:style>
+          <a:lnRef idx="1">
+            <a:schemeClr val="accent1"/>
+          </a:lnRef>
+          <a:fillRef idx="3">
+            <a:schemeClr val="accent1"/>
+          </a:fillRef>
+          <a:effectRef idx="2">
+            <a:schemeClr val="accent1"/>
+          </a:effectRef>
+          <a:fontRef idx="minor"/>
+        </p:style>
+        <p:txBody>
+          <a:bodyPr lIns="90000" rIns="90000" tIns="45000" bIns="45000" anchor="ctr">
+            <a:noAutofit/>
+          </a:bodyPr>
+          <a:p>
+            <a:endParaRPr b="0" lang="en-US" sz="1800" spc="-1" strike="noStrike">
+              <a:solidFill>
+                <a:schemeClr val="lt1"/>
+              </a:solidFill>
+              <a:latin typeface="Calibri"/>
+              <a:ea typeface="DejaVu Sans"/>
+            </a:endParaRPr>
+          </a:p>
+        </p:txBody>
+      </p:sp>
+      <p:sp>
+        <p:nvSpPr>
+          <p:cNvPr id="671" name="Rounded Rectangle 101"/>
+          <p:cNvSpPr/>
+          <p:nvPr/>
+        </p:nvSpPr>
+        <p:spPr>
+          <a:xfrm>
+            <a:off x="914400" y="3108960"/>
+            <a:ext cx="3290400" cy="2741760"/>
+          </a:xfrm>
+          <a:prstGeom prst="roundRect">
+            <a:avLst>
+              <a:gd name="adj" fmla="val 16667"/>
+            </a:avLst>
+          </a:prstGeom>
+          <a:solidFill>
+            <a:srgbClr val="16161c"/>
+          </a:solidFill>
+          <a:ln>
+            <a:solidFill>
+              <a:srgbClr val="464655"/>
+            </a:solidFill>
+            <a:round/>
+          </a:ln>
+          <a:effectLst>
+            <a:outerShdw blurRad="39960" dir="5400000" dist="23040" rotWithShape="0">
+              <a:srgbClr val="000000">
+                <a:alpha val="35000"/>
+              </a:srgbClr>
+            </a:outerShdw>
+          </a:effectLst>
+        </p:spPr>
+        <p:style>
+          <a:lnRef idx="1">
+            <a:schemeClr val="accent1"/>
+          </a:lnRef>
+          <a:fillRef idx="3">
+            <a:schemeClr val="accent1"/>
+          </a:fillRef>
+          <a:effectRef idx="2">
+            <a:schemeClr val="accent1"/>
+          </a:effectRef>
+          <a:fontRef idx="minor"/>
+        </p:style>
+        <p:txBody>
+          <a:bodyPr lIns="90000" rIns="90000" tIns="45000" bIns="45000" anchor="ctr">
+            <a:noAutofit/>
+          </a:bodyPr>
+          <a:p>
+            <a:pPr>
+              <a:lnSpc>
+                <a:spcPct val="100000"/>
+              </a:lnSpc>
+            </a:pPr>
+            <a:r>
+              <a:rPr b="1" lang="en-US" sz="1500" spc="-1" strike="noStrike">
+                <a:solidFill>
+                  <a:schemeClr val="lt1"/>
+                </a:solidFill>
+                <a:latin typeface="Calibri"/>
+                <a:ea typeface="DejaVu Sans"/>
+              </a:rPr>
+              <a:t>Rules for Java Identifiers</a:t>
+            </a:r>
+            <a:endParaRPr b="0" lang="en-US" sz="1500" spc="-1" strike="noStrike">
+              <a:solidFill>
+                <a:srgbClr val="ffffff"/>
+              </a:solidFill>
+              <a:latin typeface="Arial"/>
+            </a:endParaRPr>
+          </a:p>
+          <a:p>
+            <a:pPr>
+              <a:lnSpc>
+                <a:spcPct val="100000"/>
+              </a:lnSpc>
+            </a:pPr>
+            <a:endParaRPr b="0" lang="en-US" sz="1500" spc="-1" strike="noStrike">
+              <a:solidFill>
+                <a:srgbClr val="ffffff"/>
+              </a:solidFill>
+              <a:latin typeface="Arial"/>
+            </a:endParaRPr>
+          </a:p>
+          <a:p>
+            <a:pPr>
+              <a:lnSpc>
+                <a:spcPct val="100000"/>
+              </a:lnSpc>
+            </a:pPr>
+            <a:r>
+              <a:rPr b="0" lang="en-US" sz="1500" spc="-1" strike="noStrike">
+                <a:solidFill>
+                  <a:schemeClr val="lt1"/>
+                </a:solidFill>
+                <a:latin typeface="Calibri"/>
+                <a:ea typeface="DejaVu Sans"/>
+              </a:rPr>
+              <a:t>● </a:t>
+            </a:r>
+            <a:r>
+              <a:rPr b="0" lang="en-US" sz="1500" spc="-1" strike="noStrike">
+                <a:solidFill>
+                  <a:schemeClr val="lt1"/>
+                </a:solidFill>
+                <a:latin typeface="Calibri"/>
+                <a:ea typeface="DejaVu Sans"/>
+              </a:rPr>
+              <a:t>Must start with a letter, $ or _</a:t>
+            </a:r>
+            <a:endParaRPr b="0" lang="en-US" sz="1500" spc="-1" strike="noStrike">
+              <a:solidFill>
+                <a:srgbClr val="ffffff"/>
+              </a:solidFill>
+              <a:latin typeface="Arial"/>
+            </a:endParaRPr>
+          </a:p>
+          <a:p>
+            <a:pPr>
+              <a:lnSpc>
+                <a:spcPct val="100000"/>
+              </a:lnSpc>
+            </a:pPr>
+            <a:r>
+              <a:rPr b="0" lang="en-US" sz="1500" spc="-1" strike="noStrike">
+                <a:solidFill>
+                  <a:schemeClr val="lt1"/>
+                </a:solidFill>
+                <a:latin typeface="Calibri"/>
+                <a:ea typeface="DejaVu Sans"/>
+              </a:rPr>
+              <a:t>● </a:t>
+            </a:r>
+            <a:r>
+              <a:rPr b="0" lang="en-US" sz="1500" spc="-1" strike="noStrike">
+                <a:solidFill>
+                  <a:schemeClr val="lt1"/>
+                </a:solidFill>
+                <a:latin typeface="Calibri"/>
+                <a:ea typeface="DejaVu Sans"/>
+              </a:rPr>
+              <a:t>After first character, any combination is allowed</a:t>
+            </a:r>
+            <a:endParaRPr b="0" lang="en-US" sz="1500" spc="-1" strike="noStrike">
+              <a:solidFill>
+                <a:srgbClr val="ffffff"/>
+              </a:solidFill>
+              <a:latin typeface="Arial"/>
+            </a:endParaRPr>
+          </a:p>
+          <a:p>
+            <a:pPr>
+              <a:lnSpc>
+                <a:spcPct val="100000"/>
+              </a:lnSpc>
+            </a:pPr>
+            <a:r>
+              <a:rPr b="0" lang="en-US" sz="1500" spc="-1" strike="noStrike">
+                <a:solidFill>
+                  <a:schemeClr val="lt1"/>
+                </a:solidFill>
+                <a:latin typeface="Calibri"/>
+                <a:ea typeface="DejaVu Sans"/>
+              </a:rPr>
+              <a:t>● </a:t>
+            </a:r>
+            <a:r>
+              <a:rPr b="0" lang="en-US" sz="1500" spc="-1" strike="noStrike">
+                <a:solidFill>
+                  <a:schemeClr val="lt1"/>
+                </a:solidFill>
+                <a:latin typeface="Calibri"/>
+                <a:ea typeface="DejaVu Sans"/>
+              </a:rPr>
+              <a:t>Keywords cannot be used as identifiers</a:t>
+            </a:r>
+            <a:endParaRPr b="0" lang="en-US" sz="1500" spc="-1" strike="noStrike">
+              <a:solidFill>
+                <a:srgbClr val="ffffff"/>
+              </a:solidFill>
+              <a:latin typeface="Arial"/>
+            </a:endParaRPr>
+          </a:p>
+          <a:p>
+            <a:pPr>
+              <a:lnSpc>
+                <a:spcPct val="100000"/>
+              </a:lnSpc>
+            </a:pPr>
+            <a:r>
+              <a:rPr b="0" lang="en-US" sz="1500" spc="-1" strike="noStrike">
+                <a:solidFill>
+                  <a:schemeClr val="lt1"/>
+                </a:solidFill>
+                <a:latin typeface="Calibri"/>
+                <a:ea typeface="DejaVu Sans"/>
+              </a:rPr>
+              <a:t>● </a:t>
+            </a:r>
+            <a:r>
+              <a:rPr b="0" lang="en-US" sz="1500" spc="-1" strike="noStrike">
+                <a:solidFill>
+                  <a:schemeClr val="lt1"/>
+                </a:solidFill>
+                <a:latin typeface="Calibri"/>
+                <a:ea typeface="DejaVu Sans"/>
+              </a:rPr>
+              <a:t>Java identifiers are case-sensitive</a:t>
+            </a:r>
+            <a:endParaRPr b="0" lang="en-US" sz="1500" spc="-1" strike="noStrike">
+              <a:solidFill>
+                <a:srgbClr val="ffffff"/>
+              </a:solidFill>
+              <a:latin typeface="Arial"/>
+            </a:endParaRPr>
+          </a:p>
+          <a:p>
+            <a:pPr>
+              <a:lnSpc>
+                <a:spcPct val="100000"/>
+              </a:lnSpc>
+            </a:pPr>
+            <a:r>
+              <a:rPr b="0" lang="en-US" sz="1500" spc="-1" strike="noStrike">
+                <a:solidFill>
+                  <a:schemeClr val="lt1"/>
+                </a:solidFill>
+                <a:latin typeface="Calibri"/>
+                <a:ea typeface="DejaVu Sans"/>
+              </a:rPr>
+              <a:t>● </a:t>
+            </a:r>
+            <a:r>
+              <a:rPr b="0" lang="en-US" sz="1500" spc="-1" strike="noStrike">
+                <a:solidFill>
+                  <a:schemeClr val="lt1"/>
+                </a:solidFill>
+                <a:latin typeface="Calibri"/>
+                <a:ea typeface="DejaVu Sans"/>
+              </a:rPr>
+              <a:t>Names should be meaningful and readable</a:t>
+            </a:r>
+            <a:endParaRPr b="0" lang="en-US" sz="1500" spc="-1" strike="noStrike">
+              <a:solidFill>
+                <a:srgbClr val="ffffff"/>
+              </a:solidFill>
+              <a:latin typeface="Arial"/>
+            </a:endParaRPr>
+          </a:p>
+        </p:txBody>
+      </p:sp>
+      <p:sp>
+        <p:nvSpPr>
+          <p:cNvPr id="672" name="Rounded Rectangle 102"/>
+          <p:cNvSpPr/>
+          <p:nvPr/>
+        </p:nvSpPr>
+        <p:spPr>
+          <a:xfrm>
+            <a:off x="4507920" y="3182040"/>
+            <a:ext cx="3290400" cy="2741760"/>
+          </a:xfrm>
+          <a:prstGeom prst="roundRect">
+            <a:avLst>
+              <a:gd name="adj" fmla="val 16667"/>
+            </a:avLst>
+          </a:prstGeom>
+          <a:solidFill>
+            <a:srgbClr val="08080a"/>
+          </a:solidFill>
+          <a:ln>
+            <a:noFill/>
+          </a:ln>
+          <a:effectLst>
+            <a:outerShdw blurRad="39960" dir="5400000" dist="23040" rotWithShape="0">
+              <a:srgbClr val="000000">
+                <a:alpha val="35000"/>
+              </a:srgbClr>
+            </a:outerShdw>
+          </a:effectLst>
+        </p:spPr>
+        <p:style>
+          <a:lnRef idx="1">
+            <a:schemeClr val="accent1"/>
+          </a:lnRef>
+          <a:fillRef idx="3">
+            <a:schemeClr val="accent1"/>
+          </a:fillRef>
+          <a:effectRef idx="2">
+            <a:schemeClr val="accent1"/>
+          </a:effectRef>
+          <a:fontRef idx="minor"/>
+        </p:style>
+        <p:txBody>
+          <a:bodyPr lIns="90000" rIns="90000" tIns="45000" bIns="45000" anchor="ctr">
+            <a:noAutofit/>
+          </a:bodyPr>
+          <a:p>
+            <a:endParaRPr b="0" lang="en-US" sz="1800" spc="-1" strike="noStrike">
+              <a:solidFill>
+                <a:schemeClr val="lt1"/>
+              </a:solidFill>
+              <a:latin typeface="Calibri"/>
+              <a:ea typeface="DejaVu Sans"/>
+            </a:endParaRPr>
+          </a:p>
+        </p:txBody>
+      </p:sp>
+      <p:sp>
+        <p:nvSpPr>
+          <p:cNvPr id="673" name="Rounded Rectangle 103"/>
+          <p:cNvSpPr/>
+          <p:nvPr/>
+        </p:nvSpPr>
+        <p:spPr>
+          <a:xfrm>
+            <a:off x="4434840" y="3108960"/>
+            <a:ext cx="3290400" cy="2741760"/>
+          </a:xfrm>
+          <a:prstGeom prst="roundRect">
+            <a:avLst>
+              <a:gd name="adj" fmla="val 16667"/>
+            </a:avLst>
+          </a:prstGeom>
+          <a:solidFill>
+            <a:srgbClr val="16161c"/>
+          </a:solidFill>
+          <a:ln>
+            <a:solidFill>
+              <a:srgbClr val="464655"/>
+            </a:solidFill>
+            <a:round/>
+          </a:ln>
+          <a:effectLst>
+            <a:outerShdw blurRad="39960" dir="5400000" dist="23040" rotWithShape="0">
+              <a:srgbClr val="000000">
+                <a:alpha val="35000"/>
+              </a:srgbClr>
+            </a:outerShdw>
+          </a:effectLst>
+        </p:spPr>
+        <p:style>
+          <a:lnRef idx="1">
+            <a:schemeClr val="accent1"/>
+          </a:lnRef>
+          <a:fillRef idx="3">
+            <a:schemeClr val="accent1"/>
+          </a:fillRef>
+          <a:effectRef idx="2">
+            <a:schemeClr val="accent1"/>
+          </a:effectRef>
+          <a:fontRef idx="minor"/>
+        </p:style>
+        <p:txBody>
+          <a:bodyPr lIns="90000" rIns="90000" tIns="45000" bIns="45000" anchor="ctr">
+            <a:noAutofit/>
+          </a:bodyPr>
+          <a:p>
+            <a:pPr>
+              <a:lnSpc>
+                <a:spcPct val="100000"/>
+              </a:lnSpc>
+            </a:pPr>
+            <a:r>
+              <a:rPr b="0" lang="en-US" sz="1800" spc="-1" strike="noStrike">
+                <a:solidFill>
+                  <a:schemeClr val="lt1"/>
+                </a:solidFill>
+                <a:latin typeface="Calibri"/>
+                <a:ea typeface="DejaVu Sans"/>
+              </a:rPr>
+              <a:t>Name Declared</a:t>
+            </a:r>
+            <a:endParaRPr b="0" lang="en-US" sz="1800" spc="-1" strike="noStrike">
+              <a:solidFill>
+                <a:srgbClr val="ffffff"/>
+              </a:solidFill>
+              <a:latin typeface="Arial"/>
+            </a:endParaRPr>
+          </a:p>
+          <a:p>
+            <a:pPr>
+              <a:lnSpc>
+                <a:spcPct val="100000"/>
+              </a:lnSpc>
+            </a:pPr>
+            <a:r>
+              <a:rPr b="0" lang="en-US" sz="1800" spc="-1" strike="noStrike">
+                <a:solidFill>
+                  <a:schemeClr val="lt1"/>
+                </a:solidFill>
+                <a:latin typeface="Calibri"/>
+                <a:ea typeface="DejaVu Sans"/>
+              </a:rPr>
+              <a:t>↓</a:t>
+            </a:r>
+            <a:endParaRPr b="0" lang="en-US" sz="1800" spc="-1" strike="noStrike">
+              <a:solidFill>
+                <a:srgbClr val="ffffff"/>
+              </a:solidFill>
+              <a:latin typeface="Arial"/>
+            </a:endParaRPr>
+          </a:p>
+          <a:p>
+            <a:pPr>
+              <a:lnSpc>
+                <a:spcPct val="100000"/>
+              </a:lnSpc>
+            </a:pPr>
+            <a:r>
+              <a:rPr b="0" lang="en-US" sz="1800" spc="-1" strike="noStrike">
+                <a:solidFill>
+                  <a:schemeClr val="lt1"/>
+                </a:solidFill>
+                <a:latin typeface="Calibri"/>
+                <a:ea typeface="DejaVu Sans"/>
+              </a:rPr>
+              <a:t>Checks First Character</a:t>
+            </a:r>
+            <a:endParaRPr b="0" lang="en-US" sz="1800" spc="-1" strike="noStrike">
+              <a:solidFill>
+                <a:srgbClr val="ffffff"/>
+              </a:solidFill>
+              <a:latin typeface="Arial"/>
+            </a:endParaRPr>
+          </a:p>
+          <a:p>
+            <a:pPr>
+              <a:lnSpc>
+                <a:spcPct val="100000"/>
+              </a:lnSpc>
+            </a:pPr>
+            <a:r>
+              <a:rPr b="0" lang="en-US" sz="1800" spc="-1" strike="noStrike">
+                <a:solidFill>
+                  <a:schemeClr val="lt1"/>
+                </a:solidFill>
+                <a:latin typeface="Calibri"/>
+                <a:ea typeface="DejaVu Sans"/>
+              </a:rPr>
+              <a:t>↓</a:t>
+            </a:r>
+            <a:endParaRPr b="0" lang="en-US" sz="1800" spc="-1" strike="noStrike">
+              <a:solidFill>
+                <a:srgbClr val="ffffff"/>
+              </a:solidFill>
+              <a:latin typeface="Arial"/>
+            </a:endParaRPr>
+          </a:p>
+          <a:p>
+            <a:pPr>
+              <a:lnSpc>
+                <a:spcPct val="100000"/>
+              </a:lnSpc>
+            </a:pPr>
+            <a:r>
+              <a:rPr b="0" lang="en-US" sz="1800" spc="-1" strike="noStrike">
+                <a:solidFill>
+                  <a:schemeClr val="lt1"/>
+                </a:solidFill>
+                <a:latin typeface="Calibri"/>
+                <a:ea typeface="DejaVu Sans"/>
+              </a:rPr>
+              <a:t>Checks Reserved Keywords</a:t>
+            </a:r>
+            <a:endParaRPr b="0" lang="en-US" sz="1800" spc="-1" strike="noStrike">
+              <a:solidFill>
+                <a:srgbClr val="ffffff"/>
+              </a:solidFill>
+              <a:latin typeface="Arial"/>
+            </a:endParaRPr>
+          </a:p>
+          <a:p>
+            <a:pPr>
+              <a:lnSpc>
+                <a:spcPct val="100000"/>
+              </a:lnSpc>
+            </a:pPr>
+            <a:r>
+              <a:rPr b="0" lang="en-US" sz="1800" spc="-1" strike="noStrike">
+                <a:solidFill>
+                  <a:schemeClr val="lt1"/>
+                </a:solidFill>
+                <a:latin typeface="Calibri"/>
+                <a:ea typeface="DejaVu Sans"/>
+              </a:rPr>
+              <a:t>↓</a:t>
+            </a:r>
+            <a:endParaRPr b="0" lang="en-US" sz="1800" spc="-1" strike="noStrike">
+              <a:solidFill>
+                <a:srgbClr val="ffffff"/>
+              </a:solidFill>
+              <a:latin typeface="Arial"/>
+            </a:endParaRPr>
+          </a:p>
+          <a:p>
+            <a:pPr>
+              <a:lnSpc>
+                <a:spcPct val="100000"/>
+              </a:lnSpc>
+            </a:pPr>
+            <a:r>
+              <a:rPr b="0" lang="en-US" sz="1800" spc="-1" strike="noStrike">
+                <a:solidFill>
+                  <a:schemeClr val="lt1"/>
+                </a:solidFill>
+                <a:latin typeface="Calibri"/>
+                <a:ea typeface="DejaVu Sans"/>
+              </a:rPr>
+              <a:t>Valid Identifier Created</a:t>
+            </a:r>
+            <a:endParaRPr b="0" lang="en-US" sz="1800" spc="-1" strike="noStrike">
+              <a:solidFill>
+                <a:srgbClr val="ffffff"/>
+              </a:solidFill>
+              <a:latin typeface="Arial"/>
+            </a:endParaRPr>
+          </a:p>
+          <a:p>
+            <a:pPr>
+              <a:lnSpc>
+                <a:spcPct val="100000"/>
+              </a:lnSpc>
+            </a:pPr>
+            <a:r>
+              <a:rPr b="0" lang="en-US" sz="1800" spc="-1" strike="noStrike">
+                <a:solidFill>
+                  <a:schemeClr val="lt1"/>
+                </a:solidFill>
+                <a:latin typeface="Calibri"/>
+                <a:ea typeface="DejaVu Sans"/>
+              </a:rPr>
+              <a:t>↓</a:t>
+            </a:r>
+            <a:endParaRPr b="0" lang="en-US" sz="1800" spc="-1" strike="noStrike">
+              <a:solidFill>
+                <a:srgbClr val="ffffff"/>
+              </a:solidFill>
+              <a:latin typeface="Arial"/>
+            </a:endParaRPr>
+          </a:p>
+          <a:p>
+            <a:pPr>
+              <a:lnSpc>
+                <a:spcPct val="100000"/>
+              </a:lnSpc>
+            </a:pPr>
+            <a:r>
+              <a:rPr b="0" lang="en-US" sz="1800" spc="-1" strike="noStrike">
+                <a:solidFill>
+                  <a:schemeClr val="lt1"/>
+                </a:solidFill>
+                <a:latin typeface="Calibri"/>
+                <a:ea typeface="DejaVu Sans"/>
+              </a:rPr>
+              <a:t>Used in Program</a:t>
+            </a:r>
+            <a:endParaRPr b="0" lang="en-US" sz="1800" spc="-1" strike="noStrike">
+              <a:solidFill>
+                <a:srgbClr val="ffffff"/>
+              </a:solidFill>
+              <a:latin typeface="Arial"/>
+            </a:endParaRPr>
+          </a:p>
+        </p:txBody>
+      </p:sp>
+      <p:sp>
+        <p:nvSpPr>
+          <p:cNvPr id="674" name="Rounded Rectangle 104"/>
+          <p:cNvSpPr/>
+          <p:nvPr/>
+        </p:nvSpPr>
+        <p:spPr>
+          <a:xfrm>
+            <a:off x="8028360" y="3182040"/>
+            <a:ext cx="3290400" cy="2741760"/>
+          </a:xfrm>
+          <a:prstGeom prst="roundRect">
+            <a:avLst>
+              <a:gd name="adj" fmla="val 16667"/>
+            </a:avLst>
+          </a:prstGeom>
+          <a:solidFill>
+            <a:srgbClr val="08080a"/>
+          </a:solidFill>
+          <a:ln>
+            <a:noFill/>
+          </a:ln>
+          <a:effectLst>
+            <a:outerShdw blurRad="39960" dir="5400000" dist="23040" rotWithShape="0">
+              <a:srgbClr val="000000">
+                <a:alpha val="35000"/>
+              </a:srgbClr>
+            </a:outerShdw>
+          </a:effectLst>
+        </p:spPr>
+        <p:style>
+          <a:lnRef idx="1">
+            <a:schemeClr val="accent1"/>
+          </a:lnRef>
+          <a:fillRef idx="3">
+            <a:schemeClr val="accent1"/>
+          </a:fillRef>
+          <a:effectRef idx="2">
+            <a:schemeClr val="accent1"/>
+          </a:effectRef>
+          <a:fontRef idx="minor"/>
+        </p:style>
+        <p:txBody>
+          <a:bodyPr lIns="90000" rIns="90000" tIns="45000" bIns="45000" anchor="ctr">
+            <a:noAutofit/>
+          </a:bodyPr>
+          <a:p>
+            <a:endParaRPr b="0" lang="en-US" sz="1800" spc="-1" strike="noStrike">
+              <a:solidFill>
+                <a:schemeClr val="lt1"/>
+              </a:solidFill>
+              <a:latin typeface="Calibri"/>
+              <a:ea typeface="DejaVu Sans"/>
+            </a:endParaRPr>
+          </a:p>
+        </p:txBody>
+      </p:sp>
+      <p:sp>
+        <p:nvSpPr>
+          <p:cNvPr id="675" name="Rounded Rectangle 105"/>
+          <p:cNvSpPr/>
+          <p:nvPr/>
+        </p:nvSpPr>
+        <p:spPr>
+          <a:xfrm>
+            <a:off x="7955280" y="3108960"/>
+            <a:ext cx="3290400" cy="2741760"/>
+          </a:xfrm>
+          <a:prstGeom prst="roundRect">
+            <a:avLst>
+              <a:gd name="adj" fmla="val 16667"/>
+            </a:avLst>
+          </a:prstGeom>
+          <a:solidFill>
+            <a:srgbClr val="16161c"/>
+          </a:solidFill>
+          <a:ln>
+            <a:solidFill>
+              <a:srgbClr val="464655"/>
+            </a:solidFill>
+            <a:round/>
+          </a:ln>
+          <a:effectLst>
+            <a:outerShdw blurRad="39960" dir="5400000" dist="23040" rotWithShape="0">
+              <a:srgbClr val="000000">
+                <a:alpha val="35000"/>
+              </a:srgbClr>
+            </a:outerShdw>
+          </a:effectLst>
+        </p:spPr>
+        <p:style>
+          <a:lnRef idx="1">
+            <a:schemeClr val="accent1"/>
+          </a:lnRef>
+          <a:fillRef idx="3">
+            <a:schemeClr val="accent1"/>
+          </a:fillRef>
+          <a:effectRef idx="2">
+            <a:schemeClr val="accent1"/>
+          </a:effectRef>
+          <a:fontRef idx="minor"/>
+        </p:style>
+        <p:txBody>
+          <a:bodyPr lIns="90000" rIns="90000" tIns="45000" bIns="45000" anchor="ctr">
+            <a:noAutofit/>
+          </a:bodyPr>
+          <a:p>
+            <a:pPr algn="ctr">
+              <a:lnSpc>
+                <a:spcPct val="100000"/>
+              </a:lnSpc>
+            </a:pPr>
+            <a:endParaRPr b="0" lang="en-US" sz="1600" spc="-1" strike="noStrike">
+              <a:solidFill>
+                <a:srgbClr val="ffffff"/>
+              </a:solidFill>
+              <a:latin typeface="Arial"/>
+            </a:endParaRPr>
+          </a:p>
+          <a:p>
+            <a:pPr algn="ctr">
+              <a:lnSpc>
+                <a:spcPct val="100000"/>
+              </a:lnSpc>
+            </a:pPr>
+            <a:r>
+              <a:rPr b="0" lang="en-US" sz="1600" spc="-1" strike="noStrike">
+                <a:solidFill>
+                  <a:srgbClr val="78ffc8"/>
+                </a:solidFill>
+                <a:latin typeface="Consolas"/>
+                <a:ea typeface="DejaVu Sans"/>
+              </a:rPr>
+              <a:t>int age = 25;</a:t>
+            </a:r>
+            <a:endParaRPr b="0" lang="en-US" sz="1600" spc="-1" strike="noStrike">
+              <a:solidFill>
+                <a:srgbClr val="ffffff"/>
+              </a:solidFill>
+              <a:latin typeface="Arial"/>
+            </a:endParaRPr>
+          </a:p>
+          <a:p>
+            <a:pPr algn="ctr">
+              <a:lnSpc>
+                <a:spcPct val="100000"/>
+              </a:lnSpc>
+            </a:pPr>
+            <a:r>
+              <a:rPr b="0" lang="en-US" sz="1600" spc="-1" strike="noStrike">
+                <a:solidFill>
+                  <a:srgbClr val="78ffc8"/>
+                </a:solidFill>
+                <a:latin typeface="Consolas"/>
+                <a:ea typeface="DejaVu Sans"/>
+              </a:rPr>
+              <a:t>double $salary = 5000;</a:t>
+            </a:r>
+            <a:endParaRPr b="0" lang="en-US" sz="1600" spc="-1" strike="noStrike">
+              <a:solidFill>
+                <a:srgbClr val="ffffff"/>
+              </a:solidFill>
+              <a:latin typeface="Arial"/>
+            </a:endParaRPr>
+          </a:p>
+          <a:p>
+            <a:pPr algn="ctr">
+              <a:lnSpc>
+                <a:spcPct val="100000"/>
+              </a:lnSpc>
+            </a:pPr>
+            <a:r>
+              <a:rPr b="0" lang="en-US" sz="1600" spc="-1" strike="noStrike">
+                <a:solidFill>
+                  <a:srgbClr val="78ffc8"/>
+                </a:solidFill>
+                <a:latin typeface="Consolas"/>
+                <a:ea typeface="DejaVu Sans"/>
+              </a:rPr>
+              <a:t>int _value = 10;</a:t>
+            </a:r>
+            <a:endParaRPr b="0" lang="en-US" sz="1600" spc="-1" strike="noStrike">
+              <a:solidFill>
+                <a:srgbClr val="ffffff"/>
+              </a:solidFill>
+              <a:latin typeface="Arial"/>
+            </a:endParaRPr>
+          </a:p>
+          <a:p>
+            <a:pPr algn="ctr">
+              <a:lnSpc>
+                <a:spcPct val="100000"/>
+              </a:lnSpc>
+            </a:pPr>
+            <a:r>
+              <a:rPr b="0" lang="en-US" sz="1600" spc="-1" strike="noStrike">
+                <a:solidFill>
+                  <a:srgbClr val="78ffc8"/>
+                </a:solidFill>
+                <a:latin typeface="Consolas"/>
+                <a:ea typeface="DejaVu Sans"/>
+              </a:rPr>
+              <a:t>int __1_value = 20;</a:t>
+            </a:r>
+            <a:endParaRPr b="0" lang="en-US" sz="1600" spc="-1" strike="noStrike">
+              <a:solidFill>
+                <a:srgbClr val="ffffff"/>
+              </a:solidFill>
+              <a:latin typeface="Arial"/>
+            </a:endParaRPr>
+          </a:p>
+          <a:p>
+            <a:pPr algn="ctr">
+              <a:lnSpc>
+                <a:spcPct val="100000"/>
+              </a:lnSpc>
+            </a:pPr>
+            <a:endParaRPr b="0" lang="en-US" sz="1600" spc="-1" strike="noStrike">
+              <a:solidFill>
+                <a:srgbClr val="ffffff"/>
+              </a:solidFill>
+              <a:latin typeface="Arial"/>
+            </a:endParaRPr>
+          </a:p>
+          <a:p>
+            <a:pPr algn="ctr">
+              <a:lnSpc>
+                <a:spcPct val="100000"/>
+              </a:lnSpc>
+            </a:pPr>
+            <a:r>
+              <a:rPr b="0" lang="en-US" sz="1600" spc="-1" strike="noStrike">
+                <a:solidFill>
+                  <a:srgbClr val="78ffc8"/>
+                </a:solidFill>
+                <a:latin typeface="Consolas"/>
+                <a:ea typeface="DejaVu Sans"/>
+              </a:rPr>
+              <a:t>// Illegal examples:</a:t>
+            </a:r>
+            <a:endParaRPr b="0" lang="en-US" sz="1600" spc="-1" strike="noStrike">
+              <a:solidFill>
+                <a:srgbClr val="ffffff"/>
+              </a:solidFill>
+              <a:latin typeface="Arial"/>
+            </a:endParaRPr>
+          </a:p>
+          <a:p>
+            <a:pPr algn="ctr">
+              <a:lnSpc>
+                <a:spcPct val="100000"/>
+              </a:lnSpc>
+            </a:pPr>
+            <a:r>
+              <a:rPr b="0" lang="en-US" sz="1600" spc="-1" strike="noStrike">
+                <a:solidFill>
+                  <a:srgbClr val="78ffc8"/>
+                </a:solidFill>
+                <a:latin typeface="Consolas"/>
+                <a:ea typeface="DejaVu Sans"/>
+              </a:rPr>
+              <a:t>// int 123abc;</a:t>
+            </a:r>
+            <a:endParaRPr b="0" lang="en-US" sz="1600" spc="-1" strike="noStrike">
+              <a:solidFill>
+                <a:srgbClr val="ffffff"/>
+              </a:solidFill>
+              <a:latin typeface="Arial"/>
+            </a:endParaRPr>
+          </a:p>
+          <a:p>
+            <a:pPr algn="ctr">
+              <a:lnSpc>
+                <a:spcPct val="100000"/>
+              </a:lnSpc>
+            </a:pPr>
+            <a:r>
+              <a:rPr b="0" lang="en-US" sz="1600" spc="-1" strike="noStrike">
+                <a:solidFill>
+                  <a:srgbClr val="78ffc8"/>
+                </a:solidFill>
+                <a:latin typeface="Consolas"/>
+                <a:ea typeface="DejaVu Sans"/>
+              </a:rPr>
+              <a:t>// int -salary;</a:t>
+            </a:r>
+            <a:endParaRPr b="0" lang="en-US" sz="1600" spc="-1" strike="noStrike">
+              <a:solidFill>
+                <a:srgbClr val="ffffff"/>
+              </a:solidFill>
+              <a:latin typeface="Arial"/>
+            </a:endParaRPr>
+          </a:p>
+          <a:p>
+            <a:pPr algn="ctr">
+              <a:lnSpc>
+                <a:spcPct val="100000"/>
+              </a:lnSpc>
+            </a:pPr>
+            <a:endParaRPr b="0" lang="en-US" sz="1600" spc="-1" strike="noStrike">
+              <a:solidFill>
+                <a:srgbClr val="ffffff"/>
+              </a:solidFill>
+              <a:latin typeface="Arial"/>
+            </a:endParaRPr>
+          </a:p>
+          <a:p>
+            <a:pPr algn="ctr">
+              <a:lnSpc>
+                <a:spcPct val="100000"/>
+              </a:lnSpc>
+            </a:pPr>
+            <a:endParaRPr b="0" lang="en-US" sz="1600" spc="-1" strike="noStrike">
+              <a:solidFill>
+                <a:srgbClr val="ffffff"/>
+              </a:solidFill>
+              <a:latin typeface="Arial"/>
+            </a:endParaRPr>
+          </a:p>
+        </p:txBody>
+      </p:sp>
+      <p:sp>
+        <p:nvSpPr>
+          <p:cNvPr id="676" name="TextBox 45"/>
+          <p:cNvSpPr/>
+          <p:nvPr/>
+        </p:nvSpPr>
+        <p:spPr>
+          <a:xfrm>
+            <a:off x="4600080" y="6446520"/>
+            <a:ext cx="3051360" cy="363960"/>
           </a:xfrm>
           <a:prstGeom prst="rect">
             <a:avLst/>
@@ -34898,7 +37108,7 @@
         <p:spPr>
           <a:xfrm>
             <a:off x="0" y="0"/>
-            <a:ext cx="12184200" cy="6853320"/>
+            <a:ext cx="12183840" cy="6852960"/>
           </a:xfrm>
           <a:prstGeom prst="rect">
             <a:avLst/>
@@ -34958,7 +37168,7 @@
         <p:spPr>
           <a:xfrm>
             <a:off x="0" y="0"/>
-            <a:ext cx="13680" cy="6853320"/>
+            <a:ext cx="13320" cy="6852960"/>
           </a:xfrm>
           <a:prstGeom prst="rect">
             <a:avLst/>
@@ -35018,7 +37228,7 @@
         <p:spPr>
           <a:xfrm>
             <a:off x="914400" y="0"/>
-            <a:ext cx="13680" cy="6853320"/>
+            <a:ext cx="13320" cy="6852960"/>
           </a:xfrm>
           <a:prstGeom prst="rect">
             <a:avLst/>
@@ -35078,7 +37288,7 @@
         <p:spPr>
           <a:xfrm>
             <a:off x="1828800" y="0"/>
-            <a:ext cx="13680" cy="6853320"/>
+            <a:ext cx="13320" cy="6852960"/>
           </a:xfrm>
           <a:prstGeom prst="rect">
             <a:avLst/>
@@ -35138,7 +37348,7 @@
         <p:spPr>
           <a:xfrm>
             <a:off x="2743200" y="0"/>
-            <a:ext cx="13680" cy="6853320"/>
+            <a:ext cx="13320" cy="6852960"/>
           </a:xfrm>
           <a:prstGeom prst="rect">
             <a:avLst/>
@@ -35198,7 +37408,7 @@
         <p:spPr>
           <a:xfrm>
             <a:off x="3657600" y="0"/>
-            <a:ext cx="13680" cy="6853320"/>
+            <a:ext cx="13320" cy="6852960"/>
           </a:xfrm>
           <a:prstGeom prst="rect">
             <a:avLst/>
@@ -35258,7 +37468,7 @@
         <p:spPr>
           <a:xfrm>
             <a:off x="4572000" y="0"/>
-            <a:ext cx="13680" cy="6853320"/>
+            <a:ext cx="13320" cy="6852960"/>
           </a:xfrm>
           <a:prstGeom prst="rect">
             <a:avLst/>
@@ -35318,7 +37528,7 @@
         <p:spPr>
           <a:xfrm>
             <a:off x="5486400" y="0"/>
-            <a:ext cx="13680" cy="6853320"/>
+            <a:ext cx="13320" cy="6852960"/>
           </a:xfrm>
           <a:prstGeom prst="rect">
             <a:avLst/>
@@ -35378,7 +37588,7 @@
         <p:spPr>
           <a:xfrm>
             <a:off x="6400800" y="0"/>
-            <a:ext cx="13680" cy="6853320"/>
+            <a:ext cx="13320" cy="6852960"/>
           </a:xfrm>
           <a:prstGeom prst="rect">
             <a:avLst/>
@@ -35438,7 +37648,7 @@
         <p:spPr>
           <a:xfrm>
             <a:off x="7315200" y="0"/>
-            <a:ext cx="13680" cy="6853320"/>
+            <a:ext cx="13320" cy="6852960"/>
           </a:xfrm>
           <a:prstGeom prst="rect">
             <a:avLst/>
@@ -35498,7 +37708,7 @@
         <p:spPr>
           <a:xfrm>
             <a:off x="8229600" y="0"/>
-            <a:ext cx="13680" cy="6853320"/>
+            <a:ext cx="13320" cy="6852960"/>
           </a:xfrm>
           <a:prstGeom prst="rect">
             <a:avLst/>
@@ -35558,7 +37768,7 @@
         <p:spPr>
           <a:xfrm>
             <a:off x="9144000" y="0"/>
-            <a:ext cx="13680" cy="6853320"/>
+            <a:ext cx="13320" cy="6852960"/>
           </a:xfrm>
           <a:prstGeom prst="rect">
             <a:avLst/>
@@ -35618,7 +37828,7 @@
         <p:spPr>
           <a:xfrm>
             <a:off x="10058400" y="0"/>
-            <a:ext cx="13680" cy="6853320"/>
+            <a:ext cx="13320" cy="6852960"/>
           </a:xfrm>
           <a:prstGeom prst="rect">
             <a:avLst/>
@@ -35678,7 +37888,7 @@
         <p:spPr>
           <a:xfrm>
             <a:off x="10972800" y="0"/>
-            <a:ext cx="13680" cy="6853320"/>
+            <a:ext cx="13320" cy="6852960"/>
           </a:xfrm>
           <a:prstGeom prst="rect">
             <a:avLst/>
@@ -35738,7 +37948,7 @@
         <p:spPr>
           <a:xfrm>
             <a:off x="11887200" y="0"/>
-            <a:ext cx="13680" cy="6853320"/>
+            <a:ext cx="13320" cy="6852960"/>
           </a:xfrm>
           <a:prstGeom prst="rect">
             <a:avLst/>
@@ -35798,7 +38008,7 @@
         <p:spPr>
           <a:xfrm>
             <a:off x="0" y="0"/>
-            <a:ext cx="315360" cy="6853320"/>
+            <a:ext cx="315000" cy="6852960"/>
           </a:xfrm>
           <a:prstGeom prst="rect">
             <a:avLst/>
@@ -35858,7 +38068,7 @@
         <p:spPr>
           <a:xfrm>
             <a:off x="9875520" y="365760"/>
-            <a:ext cx="2007000" cy="498240"/>
+            <a:ext cx="2006640" cy="497880"/>
           </a:xfrm>
           <a:prstGeom prst="roundRect">
             <a:avLst>
@@ -36040,7 +38250,7 @@
         <p:spPr>
           <a:xfrm>
             <a:off x="987480" y="3182040"/>
-            <a:ext cx="3287160" cy="2738520"/>
+            <a:ext cx="3286800" cy="2738160"/>
           </a:xfrm>
           <a:prstGeom prst="roundRect">
             <a:avLst>
@@ -36102,7 +38312,7 @@
         <p:spPr>
           <a:xfrm>
             <a:off x="914400" y="3108960"/>
-            <a:ext cx="3287160" cy="2738520"/>
+            <a:ext cx="3286800" cy="2738160"/>
           </a:xfrm>
           <a:prstGeom prst="roundRect">
             <a:avLst>
@@ -36357,7 +38567,7 @@
         <p:spPr>
           <a:xfrm>
             <a:off x="4507920" y="3182040"/>
-            <a:ext cx="3287160" cy="2738520"/>
+            <a:ext cx="3286800" cy="2738160"/>
           </a:xfrm>
           <a:prstGeom prst="roundRect">
             <a:avLst>
@@ -36419,7 +38629,7 @@
         <p:spPr>
           <a:xfrm>
             <a:off x="4434840" y="3108960"/>
-            <a:ext cx="3287160" cy="2738520"/>
+            <a:ext cx="3286800" cy="2738160"/>
           </a:xfrm>
           <a:prstGeom prst="roundRect">
             <a:avLst>
@@ -36654,7 +38864,7 @@
         <p:spPr>
           <a:xfrm>
             <a:off x="8028360" y="3182040"/>
-            <a:ext cx="3287160" cy="2738520"/>
+            <a:ext cx="3286800" cy="2738160"/>
           </a:xfrm>
           <a:prstGeom prst="roundRect">
             <a:avLst>
@@ -36716,7 +38926,7 @@
         <p:spPr>
           <a:xfrm>
             <a:off x="7955280" y="3108960"/>
-            <a:ext cx="3287160" cy="2738520"/>
+            <a:ext cx="3286800" cy="2738160"/>
           </a:xfrm>
           <a:prstGeom prst="roundRect">
             <a:avLst>
@@ -37038,7 +39248,7 @@
         <p:spPr>
           <a:xfrm>
             <a:off x="0" y="0"/>
-            <a:ext cx="12184560" cy="6853680"/>
+            <a:ext cx="12184200" cy="6853320"/>
           </a:xfrm>
           <a:prstGeom prst="rect">
             <a:avLst/>
@@ -37098,7 +39308,7 @@
         <p:spPr>
           <a:xfrm>
             <a:off x="0" y="0"/>
-            <a:ext cx="14040" cy="6853680"/>
+            <a:ext cx="13680" cy="6853320"/>
           </a:xfrm>
           <a:prstGeom prst="rect">
             <a:avLst/>
@@ -37158,7 +39368,7 @@
         <p:spPr>
           <a:xfrm>
             <a:off x="914400" y="0"/>
-            <a:ext cx="14040" cy="6853680"/>
+            <a:ext cx="13680" cy="6853320"/>
           </a:xfrm>
           <a:prstGeom prst="rect">
             <a:avLst/>
@@ -37218,7 +39428,7 @@
         <p:spPr>
           <a:xfrm>
             <a:off x="1828800" y="0"/>
-            <a:ext cx="14040" cy="6853680"/>
+            <a:ext cx="13680" cy="6853320"/>
           </a:xfrm>
           <a:prstGeom prst="rect">
             <a:avLst/>
@@ -37278,7 +39488,7 @@
         <p:spPr>
           <a:xfrm>
             <a:off x="2743200" y="0"/>
-            <a:ext cx="14040" cy="6853680"/>
+            <a:ext cx="13680" cy="6853320"/>
           </a:xfrm>
           <a:prstGeom prst="rect">
             <a:avLst/>
@@ -37338,7 +39548,7 @@
         <p:spPr>
           <a:xfrm>
             <a:off x="3657600" y="0"/>
-            <a:ext cx="14040" cy="6853680"/>
+            <a:ext cx="13680" cy="6853320"/>
           </a:xfrm>
           <a:prstGeom prst="rect">
             <a:avLst/>
@@ -37398,7 +39608,7 @@
         <p:spPr>
           <a:xfrm>
             <a:off x="4572000" y="0"/>
-            <a:ext cx="14040" cy="6853680"/>
+            <a:ext cx="13680" cy="6853320"/>
           </a:xfrm>
           <a:prstGeom prst="rect">
             <a:avLst/>
@@ -37458,7 +39668,7 @@
         <p:spPr>
           <a:xfrm>
             <a:off x="5486400" y="0"/>
-            <a:ext cx="14040" cy="6853680"/>
+            <a:ext cx="13680" cy="6853320"/>
           </a:xfrm>
           <a:prstGeom prst="rect">
             <a:avLst/>
@@ -37518,7 +39728,7 @@
         <p:spPr>
           <a:xfrm>
             <a:off x="6400800" y="0"/>
-            <a:ext cx="14040" cy="6853680"/>
+            <a:ext cx="13680" cy="6853320"/>
           </a:xfrm>
           <a:prstGeom prst="rect">
             <a:avLst/>
@@ -37578,7 +39788,7 @@
         <p:spPr>
           <a:xfrm>
             <a:off x="7315200" y="0"/>
-            <a:ext cx="14040" cy="6853680"/>
+            <a:ext cx="13680" cy="6853320"/>
           </a:xfrm>
           <a:prstGeom prst="rect">
             <a:avLst/>
@@ -37638,7 +39848,7 @@
         <p:spPr>
           <a:xfrm>
             <a:off x="8229600" y="0"/>
-            <a:ext cx="14040" cy="6853680"/>
+            <a:ext cx="13680" cy="6853320"/>
           </a:xfrm>
           <a:prstGeom prst="rect">
             <a:avLst/>
@@ -37698,7 +39908,7 @@
         <p:spPr>
           <a:xfrm>
             <a:off x="9144000" y="0"/>
-            <a:ext cx="14040" cy="6853680"/>
+            <a:ext cx="13680" cy="6853320"/>
           </a:xfrm>
           <a:prstGeom prst="rect">
             <a:avLst/>
@@ -37758,7 +39968,7 @@
         <p:spPr>
           <a:xfrm>
             <a:off x="10058400" y="0"/>
-            <a:ext cx="14040" cy="6853680"/>
+            <a:ext cx="13680" cy="6853320"/>
           </a:xfrm>
           <a:prstGeom prst="rect">
             <a:avLst/>
@@ -37818,7 +40028,7 @@
         <p:spPr>
           <a:xfrm>
             <a:off x="10972800" y="0"/>
-            <a:ext cx="14040" cy="6853680"/>
+            <a:ext cx="13680" cy="6853320"/>
           </a:xfrm>
           <a:prstGeom prst="rect">
             <a:avLst/>
@@ -37878,7 +40088,7 @@
         <p:spPr>
           <a:xfrm>
             <a:off x="11887200" y="0"/>
-            <a:ext cx="14040" cy="6853680"/>
+            <a:ext cx="13680" cy="6853320"/>
           </a:xfrm>
           <a:prstGeom prst="rect">
             <a:avLst/>
@@ -37938,7 +40148,7 @@
         <p:spPr>
           <a:xfrm>
             <a:off x="0" y="0"/>
-            <a:ext cx="315720" cy="6853680"/>
+            <a:ext cx="315360" cy="6853320"/>
           </a:xfrm>
           <a:prstGeom prst="rect">
             <a:avLst/>
@@ -37998,7 +40208,7 @@
         <p:spPr>
           <a:xfrm>
             <a:off x="9875520" y="365760"/>
-            <a:ext cx="2007360" cy="498600"/>
+            <a:ext cx="2007000" cy="498240"/>
           </a:xfrm>
           <a:prstGeom prst="roundRect">
             <a:avLst>
@@ -38180,7 +40390,7 @@
         <p:spPr>
           <a:xfrm>
             <a:off x="987480" y="3182040"/>
-            <a:ext cx="3287520" cy="2738880"/>
+            <a:ext cx="3287160" cy="2738520"/>
           </a:xfrm>
           <a:prstGeom prst="roundRect">
             <a:avLst>
@@ -38242,7 +40452,7 @@
         <p:spPr>
           <a:xfrm>
             <a:off x="475560" y="2743200"/>
-            <a:ext cx="3726360" cy="3104640"/>
+            <a:ext cx="3726000" cy="3104280"/>
           </a:xfrm>
           <a:prstGeom prst="roundRect">
             <a:avLst>
@@ -38519,7 +40729,7 @@
         <p:spPr>
           <a:xfrm>
             <a:off x="4507920" y="3182040"/>
-            <a:ext cx="3287520" cy="2738880"/>
+            <a:ext cx="3287160" cy="2738520"/>
           </a:xfrm>
           <a:prstGeom prst="roundRect">
             <a:avLst>
@@ -38581,7 +40791,7 @@
         <p:spPr>
           <a:xfrm>
             <a:off x="4343400" y="2918520"/>
-            <a:ext cx="3516120" cy="2929320"/>
+            <a:ext cx="3515760" cy="2928960"/>
           </a:xfrm>
           <a:prstGeom prst="roundRect">
             <a:avLst>
@@ -39083,7 +41293,7 @@
         <p:spPr>
           <a:xfrm>
             <a:off x="8028360" y="3182040"/>
-            <a:ext cx="3287520" cy="2738880"/>
+            <a:ext cx="3287160" cy="2738520"/>
           </a:xfrm>
           <a:prstGeom prst="roundRect">
             <a:avLst>
@@ -39145,7 +41355,7 @@
         <p:spPr>
           <a:xfrm>
             <a:off x="8023680" y="2743200"/>
-            <a:ext cx="3837600" cy="3197160"/>
+            <a:ext cx="3837240" cy="3196800"/>
           </a:xfrm>
           <a:prstGeom prst="roundRect">
             <a:avLst>
@@ -39701,7 +41911,7 @@
         <p:spPr>
           <a:xfrm>
             <a:off x="0" y="0"/>
-            <a:ext cx="12184920" cy="6854040"/>
+            <a:ext cx="12184560" cy="6853680"/>
           </a:xfrm>
           <a:prstGeom prst="rect">
             <a:avLst/>
@@ -39761,7 +41971,7 @@
         <p:spPr>
           <a:xfrm>
             <a:off x="0" y="0"/>
-            <a:ext cx="14400" cy="6854040"/>
+            <a:ext cx="14040" cy="6853680"/>
           </a:xfrm>
           <a:prstGeom prst="rect">
             <a:avLst/>
@@ -39821,7 +42031,7 @@
         <p:spPr>
           <a:xfrm>
             <a:off x="914400" y="0"/>
-            <a:ext cx="14400" cy="6854040"/>
+            <a:ext cx="14040" cy="6853680"/>
           </a:xfrm>
           <a:prstGeom prst="rect">
             <a:avLst/>
@@ -39881,7 +42091,7 @@
         <p:spPr>
           <a:xfrm>
             <a:off x="1828800" y="0"/>
-            <a:ext cx="14400" cy="6854040"/>
+            <a:ext cx="14040" cy="6853680"/>
           </a:xfrm>
           <a:prstGeom prst="rect">
             <a:avLst/>
@@ -39941,7 +42151,7 @@
         <p:spPr>
           <a:xfrm>
     